--- a/presentation/presentation.pptx
+++ b/presentation/presentation.pptx
@@ -5,7 +5,7 @@
     <p:sldMasterId id="2147483792" r:id="rId1"/>
   </p:sldMasterIdLst>
   <p:notesMasterIdLst>
-    <p:notesMasterId r:id="rId22"/>
+    <p:notesMasterId r:id="rId28"/>
   </p:notesMasterIdLst>
   <p:sldIdLst>
     <p:sldId id="256" r:id="rId2"/>
@@ -16,18 +16,24 @@
     <p:sldId id="302" r:id="rId7"/>
     <p:sldId id="267" r:id="rId8"/>
     <p:sldId id="300" r:id="rId9"/>
-    <p:sldId id="301" r:id="rId10"/>
-    <p:sldId id="304" r:id="rId11"/>
-    <p:sldId id="303" r:id="rId12"/>
-    <p:sldId id="270" r:id="rId13"/>
-    <p:sldId id="305" r:id="rId14"/>
-    <p:sldId id="306" r:id="rId15"/>
-    <p:sldId id="307" r:id="rId16"/>
-    <p:sldId id="308" r:id="rId17"/>
-    <p:sldId id="309" r:id="rId18"/>
-    <p:sldId id="310" r:id="rId19"/>
-    <p:sldId id="292" r:id="rId20"/>
-    <p:sldId id="299" r:id="rId21"/>
+    <p:sldId id="304" r:id="rId10"/>
+    <p:sldId id="301" r:id="rId11"/>
+    <p:sldId id="316" r:id="rId12"/>
+    <p:sldId id="312" r:id="rId13"/>
+    <p:sldId id="303" r:id="rId14"/>
+    <p:sldId id="311" r:id="rId15"/>
+    <p:sldId id="270" r:id="rId16"/>
+    <p:sldId id="314" r:id="rId17"/>
+    <p:sldId id="315" r:id="rId18"/>
+    <p:sldId id="313" r:id="rId19"/>
+    <p:sldId id="305" r:id="rId20"/>
+    <p:sldId id="306" r:id="rId21"/>
+    <p:sldId id="307" r:id="rId22"/>
+    <p:sldId id="308" r:id="rId23"/>
+    <p:sldId id="309" r:id="rId24"/>
+    <p:sldId id="310" r:id="rId25"/>
+    <p:sldId id="292" r:id="rId26"/>
+    <p:sldId id="299" r:id="rId27"/>
   </p:sldIdLst>
   <p:sldSz cx="9144000" cy="6858000" type="screen4x3"/>
   <p:notesSz cx="6858000" cy="9144000"/>
@@ -228,7 +234,7 @@
             <a:fld id="{35A36A6E-E9C2-465F-AFBE-66735C017D69}" type="datetimeFigureOut">
               <a:rPr lang="en-US" smtClean="0"/>
               <a:pPr/>
-              <a:t>9/13/2015</a:t>
+              <a:t>9/16/2015</a:t>
             </a:fld>
             <a:endParaRPr lang="en-GB"/>
           </a:p>
@@ -637,7 +643,7 @@
       </p:grpSpPr>
       <p:sp>
         <p:nvSpPr>
-          <p:cNvPr id="2" name="Slide Image Placeholder 1"/>
+          <p:cNvPr id="2" name="1 - Θέση εικόνας διαφάνειας"/>
           <p:cNvSpPr>
             <a:spLocks noGrp="1" noRot="1" noChangeAspect="1"/>
           </p:cNvSpPr>
@@ -649,7 +655,7 @@
       </p:sp>
       <p:sp>
         <p:nvSpPr>
-          <p:cNvPr id="3" name="Notes Placeholder 2"/>
+          <p:cNvPr id="3" name="2 - Θέση σημειώσεων"/>
           <p:cNvSpPr>
             <a:spLocks noGrp="1"/>
           </p:cNvSpPr>
@@ -659,105 +665,245 @@
         </p:nvSpPr>
         <p:spPr/>
         <p:txBody>
-          <a:bodyPr/>
-          <a:lstStyle/>
-          <a:p>
-            <a:r>
-              <a:rPr lang="el-GR" dirty="0" smtClean="0"/>
-              <a:t>Πιο συγκεκριμένα τώρα όσον αφορά το </a:t>
-            </a:r>
-            <a:r>
-              <a:rPr lang="en-US" dirty="0" smtClean="0"/>
-              <a:t>Social Networking</a:t>
-            </a:r>
-            <a:r>
-              <a:rPr lang="en-US" baseline="0" dirty="0" smtClean="0"/>
-              <a:t> Engine, </a:t>
-            </a:r>
-            <a:r>
-              <a:rPr lang="el-GR" baseline="0" dirty="0" smtClean="0"/>
-              <a:t>παρουσιάζεται σε αυτή την εικόνα, με βάση την κλασική μορφή της </a:t>
-            </a:r>
-            <a:r>
-              <a:rPr lang="en-US" baseline="0" dirty="0" smtClean="0"/>
-              <a:t>Model – View – Controller </a:t>
-            </a:r>
-            <a:r>
-              <a:rPr lang="el-GR" baseline="0" dirty="0" smtClean="0"/>
-              <a:t>αρχιτεκτονικής.</a:t>
-            </a:r>
-          </a:p>
-          <a:p>
-            <a:endParaRPr lang="el-GR" baseline="0" dirty="0" smtClean="0"/>
-          </a:p>
-          <a:p>
-            <a:r>
-              <a:rPr lang="el-GR" baseline="0" dirty="0" smtClean="0"/>
-              <a:t>Όπου όταν ένα</a:t>
-            </a:r>
-            <a:r>
-              <a:rPr lang="en-US" baseline="0" dirty="0" smtClean="0"/>
-              <a:t> request </a:t>
-            </a:r>
-            <a:r>
-              <a:rPr lang="el-GR" baseline="0" dirty="0" smtClean="0"/>
-              <a:t>έρχεται από το έναν χρήστη αυτό διοχετεύεται στον </a:t>
-            </a:r>
-            <a:r>
-              <a:rPr lang="en-US" baseline="0" dirty="0" smtClean="0"/>
-              <a:t>Controller o</a:t>
-            </a:r>
-            <a:r>
-              <a:rPr lang="el-GR" baseline="0" dirty="0" smtClean="0"/>
-              <a:t> οποίος ανάλογα με τον τύπο του </a:t>
-            </a:r>
-            <a:r>
-              <a:rPr lang="en-US" baseline="0" dirty="0" smtClean="0"/>
-              <a:t>request </a:t>
-            </a:r>
-            <a:r>
-              <a:rPr lang="el-GR" baseline="0" dirty="0" smtClean="0"/>
-              <a:t>το προωθεί στον κατάλληλο </a:t>
-            </a:r>
-            <a:r>
-              <a:rPr lang="en-US" baseline="0" dirty="0" smtClean="0"/>
-              <a:t>page handler. </a:t>
-            </a:r>
-            <a:r>
-              <a:rPr lang="el-GR" baseline="0" dirty="0" smtClean="0"/>
-              <a:t>Ο οποίος με την σειρά του επικοινωνεί με το </a:t>
-            </a:r>
-            <a:r>
-              <a:rPr lang="en-US" baseline="0" dirty="0" smtClean="0"/>
-              <a:t>Model </a:t>
-            </a:r>
-            <a:r>
-              <a:rPr lang="el-GR" baseline="0" dirty="0" smtClean="0"/>
-              <a:t>ώστε να πάρει την απαραίτητη πληροφορία από την Βάση Δεδομένων και με την βοήθεια του </a:t>
-            </a:r>
-            <a:r>
-              <a:rPr lang="en-US" baseline="0" dirty="0" smtClean="0"/>
-              <a:t>View Component </a:t>
-            </a:r>
-            <a:r>
-              <a:rPr lang="el-GR" baseline="0" dirty="0" smtClean="0"/>
-              <a:t>στέλνει το κατάλληλο </a:t>
-            </a:r>
-            <a:r>
-              <a:rPr lang="en-US" baseline="0" dirty="0" smtClean="0"/>
-              <a:t>response </a:t>
-            </a:r>
-            <a:r>
-              <a:rPr lang="el-GR" baseline="0" dirty="0" smtClean="0"/>
-              <a:t>πίσω στον χρήστη.</a:t>
-            </a:r>
-            <a:endParaRPr lang="el-GR" dirty="0"/>
-          </a:p>
-        </p:txBody>
-      </p:sp>
-      <p:sp>
-        <p:nvSpPr>
-          <p:cNvPr id="4" name="Slide Number Placeholder 3"/>
+          <a:bodyPr>
+            <a:normAutofit fontScale="92500"/>
+          </a:bodyPr>
+          <a:lstStyle/>
+          <a:p>
+            <a:r>
+              <a:rPr lang="el-GR" b="0" dirty="0" smtClean="0"/>
+              <a:t>Εδώ</a:t>
+            </a:r>
+            <a:r>
+              <a:rPr lang="el-GR" b="0" baseline="0" dirty="0" smtClean="0"/>
+              <a:t> παρουσιάζεται η συνολική αρχιτεκτονική του συστήματος, το οποίο έχει χωριστεί σε 3 επίπεδα.</a:t>
+            </a:r>
+          </a:p>
+          <a:p>
+            <a:endParaRPr lang="el-GR" b="0" baseline="0" dirty="0" smtClean="0"/>
+          </a:p>
+          <a:p>
+            <a:r>
+              <a:rPr lang="el-GR" b="0" baseline="0" dirty="0" smtClean="0"/>
+              <a:t>Στο επίπεδο 1, το οποίο είναι το </a:t>
+            </a:r>
+            <a:r>
+              <a:rPr lang="en-US" b="0" baseline="0" dirty="0" smtClean="0"/>
+              <a:t>front-end </a:t>
+            </a:r>
+            <a:r>
+              <a:rPr lang="el-GR" b="0" baseline="0" dirty="0" smtClean="0"/>
+              <a:t>του συστήματος, και εκεί έχουμε το </a:t>
+            </a:r>
+            <a:r>
+              <a:rPr lang="en-US" b="0" baseline="0" dirty="0" smtClean="0"/>
+              <a:t>Social Networking Engine </a:t>
+            </a:r>
+            <a:r>
+              <a:rPr lang="el-GR" b="0" baseline="0" dirty="0" smtClean="0"/>
+              <a:t>το οποίο αποτελείται από το </a:t>
+            </a:r>
+            <a:r>
+              <a:rPr lang="en-US" b="0" baseline="0" dirty="0" smtClean="0"/>
+              <a:t>Elgg Social Networking Engine </a:t>
+            </a:r>
+            <a:r>
+              <a:rPr lang="el-GR" b="0" baseline="0" dirty="0" smtClean="0"/>
+              <a:t>το οποίο είναι γραμμένο σε </a:t>
+            </a:r>
+            <a:r>
+              <a:rPr lang="en-US" b="0" baseline="0" dirty="0" smtClean="0"/>
+              <a:t>PHP </a:t>
+            </a:r>
+            <a:r>
+              <a:rPr lang="el-GR" b="0" baseline="0" dirty="0" smtClean="0"/>
+              <a:t>και είναι </a:t>
+            </a:r>
+            <a:r>
+              <a:rPr lang="en-US" b="0" baseline="0" dirty="0" smtClean="0"/>
+              <a:t>deployed </a:t>
+            </a:r>
+            <a:r>
+              <a:rPr lang="el-GR" b="0" baseline="0" dirty="0" smtClean="0"/>
+              <a:t>πάνω από τον </a:t>
+            </a:r>
+            <a:r>
+              <a:rPr lang="en-US" b="0" baseline="0" dirty="0" smtClean="0"/>
+              <a:t>Apache2 Server.</a:t>
+            </a:r>
+          </a:p>
+          <a:p>
+            <a:endParaRPr lang="en-US" b="0" baseline="0" dirty="0" smtClean="0"/>
+          </a:p>
+          <a:p>
+            <a:r>
+              <a:rPr lang="el-GR" b="0" baseline="0" dirty="0" smtClean="0"/>
+              <a:t>Στο επίπεδο 2, όπου είναι το ενδιάμεσο επίπεδο, και εκεί μπορούμε να έχουμε ένα ή περισσότερα </a:t>
+            </a:r>
+            <a:r>
+              <a:rPr lang="en-US" b="0" baseline="0" dirty="0" smtClean="0"/>
+              <a:t>Memcached Nodes, </a:t>
+            </a:r>
+            <a:r>
+              <a:rPr lang="el-GR" b="0" baseline="0" dirty="0" smtClean="0"/>
+              <a:t>όπου χρησιμοποιούνται για να αποθηκεύουν προσωρινή πληροφορία.</a:t>
+            </a:r>
+          </a:p>
+          <a:p>
+            <a:endParaRPr lang="el-GR" b="0" baseline="0" dirty="0" smtClean="0"/>
+          </a:p>
+          <a:p>
+            <a:r>
+              <a:rPr lang="el-GR" b="0" baseline="0" dirty="0" smtClean="0"/>
+              <a:t>Και τέλος, στο επίπεδο 3, όπου είναι το </a:t>
+            </a:r>
+            <a:r>
+              <a:rPr lang="en-US" b="0" baseline="0" dirty="0" smtClean="0"/>
+              <a:t>back-end </a:t>
+            </a:r>
+            <a:r>
+              <a:rPr lang="el-GR" b="0" baseline="0" dirty="0" smtClean="0"/>
+              <a:t>του συστήματος, και εκεί υπάρχουν ο </a:t>
+            </a:r>
+            <a:r>
+              <a:rPr lang="en-US" b="0" baseline="0" dirty="0" smtClean="0"/>
+              <a:t>CDO Client </a:t>
+            </a:r>
+            <a:r>
+              <a:rPr lang="el-GR" b="0" baseline="0" dirty="0" smtClean="0"/>
+              <a:t>όπου επικοινωνεί με το </a:t>
+            </a:r>
+            <a:r>
+              <a:rPr lang="en-US" b="0" baseline="0" dirty="0" smtClean="0"/>
+              <a:t>CDO Server</a:t>
+            </a:r>
+            <a:r>
+              <a:rPr lang="el-GR" b="0" baseline="0" dirty="0" smtClean="0"/>
+              <a:t> ο οποίος είναι υπεύθυνος για τα μοντέλα και τα </a:t>
+            </a:r>
+            <a:r>
+              <a:rPr lang="en-US" b="0" baseline="0" dirty="0" smtClean="0"/>
+              <a:t>execution histories </a:t>
+            </a:r>
+            <a:r>
+              <a:rPr lang="el-GR" b="0" baseline="0" dirty="0" smtClean="0"/>
+              <a:t>των εφαρμογών τα οποία αποθηκεύονται στο </a:t>
+            </a:r>
+            <a:r>
+              <a:rPr lang="en-US" b="0" baseline="0" dirty="0" smtClean="0"/>
+              <a:t>Repository of application models and execution</a:t>
+            </a:r>
+            <a:r>
+              <a:rPr lang="el-GR" b="0" baseline="0" dirty="0" smtClean="0"/>
+              <a:t> το οποίο είναι μια σχεσιακή βάση δεδομένων </a:t>
+            </a:r>
+            <a:r>
+              <a:rPr lang="en-US" b="0" baseline="0" dirty="0" smtClean="0"/>
+              <a:t>MySQL</a:t>
+            </a:r>
+            <a:r>
+              <a:rPr lang="el-GR" b="0" baseline="0" dirty="0" smtClean="0"/>
+              <a:t>.</a:t>
+            </a:r>
+            <a:endParaRPr lang="en-US" b="0" baseline="0" dirty="0" smtClean="0"/>
+          </a:p>
+          <a:p>
+            <a:endParaRPr lang="en-US" b="0" baseline="0" dirty="0" smtClean="0"/>
+          </a:p>
+          <a:p>
+            <a:r>
+              <a:rPr lang="el-GR" b="0" baseline="0" dirty="0" smtClean="0"/>
+              <a:t>Το  </a:t>
+            </a:r>
+            <a:r>
+              <a:rPr lang="en-US" b="0" baseline="0" dirty="0" smtClean="0"/>
+              <a:t>Social Networking Engine </a:t>
+            </a:r>
+            <a:r>
+              <a:rPr lang="el-GR" b="0" baseline="0" dirty="0" smtClean="0"/>
+              <a:t>επικοινωνεί με το </a:t>
+            </a:r>
+            <a:r>
+              <a:rPr lang="en-US" b="0" baseline="0" dirty="0" smtClean="0"/>
+              <a:t>CDO Client </a:t>
+            </a:r>
+            <a:r>
+              <a:rPr lang="el-GR" b="0" baseline="0" dirty="0" smtClean="0"/>
+              <a:t>για να εξάγει την πληροφορία που έχει σχέση με τα μοντέλα, και επικοινωνεί με την </a:t>
+            </a:r>
+            <a:r>
+              <a:rPr lang="en-US" b="0" baseline="0" dirty="0" smtClean="0"/>
+              <a:t>Social Network Database</a:t>
+            </a:r>
+            <a:r>
+              <a:rPr lang="el-GR" b="0" baseline="0" dirty="0" smtClean="0"/>
+              <a:t>, η οποία είναι μια δεύτερη </a:t>
+            </a:r>
+            <a:r>
+              <a:rPr lang="en-US" b="0" baseline="0" dirty="0" smtClean="0"/>
+              <a:t>MySQL </a:t>
+            </a:r>
+            <a:r>
+              <a:rPr lang="el-GR" b="0" baseline="0" dirty="0" smtClean="0"/>
+              <a:t>βάση δεδομένων, και εκεί είναι αποθηκευμένη όλη η πληροφορία που έχει σχέση με το </a:t>
+            </a:r>
+            <a:r>
+              <a:rPr lang="en-US" b="0" baseline="0" dirty="0" smtClean="0"/>
+              <a:t>Social Aspect </a:t>
+            </a:r>
+            <a:r>
+              <a:rPr lang="el-GR" b="0" baseline="0" dirty="0" smtClean="0"/>
+              <a:t>των χρηστών, όπως για παράδειγμα πληροφορίες για το </a:t>
+            </a:r>
+            <a:r>
+              <a:rPr lang="en-US" b="0" baseline="0" dirty="0" smtClean="0"/>
+              <a:t>profile </a:t>
+            </a:r>
+            <a:r>
+              <a:rPr lang="el-GR" b="0" baseline="0" dirty="0" smtClean="0"/>
+              <a:t>τους, τα μηνύματά τους κοκ. Καθώς επίσης, εκεί είναι αποθηκευμένη και η </a:t>
+            </a:r>
+            <a:r>
+              <a:rPr lang="en-US" b="0" baseline="0" dirty="0" smtClean="0"/>
+              <a:t>Social Networking </a:t>
+            </a:r>
+            <a:r>
+              <a:rPr lang="el-GR" b="0" baseline="0" dirty="0" smtClean="0"/>
+              <a:t>πληροφορία των εφαρμογών όπως για παράδειγμα είναι ποιοι χρήστες παρακολουθούν (</a:t>
+            </a:r>
+            <a:r>
+              <a:rPr lang="en-US" b="0" baseline="0" dirty="0" smtClean="0"/>
+              <a:t>follow</a:t>
+            </a:r>
+            <a:r>
+              <a:rPr lang="el-GR" b="0" baseline="0" dirty="0" smtClean="0"/>
+              <a:t>)</a:t>
+            </a:r>
+            <a:r>
+              <a:rPr lang="en-US" b="0" baseline="0" dirty="0" smtClean="0"/>
+              <a:t> </a:t>
+            </a:r>
+            <a:r>
+              <a:rPr lang="el-GR" b="0" baseline="0" dirty="0" smtClean="0"/>
+              <a:t>ποιες εφαρμογές, το </a:t>
+            </a:r>
+            <a:r>
+              <a:rPr lang="en-US" b="0" baseline="0" dirty="0" smtClean="0"/>
+              <a:t>rating </a:t>
+            </a:r>
+            <a:r>
+              <a:rPr lang="el-GR" b="0" baseline="0" dirty="0" smtClean="0"/>
+              <a:t>των εφαρμογών, τα σχόλια των χρηστών σχετικά με τις εφαρμογές.</a:t>
+            </a:r>
+          </a:p>
+          <a:p>
+            <a:endParaRPr lang="el-GR" b="0" dirty="0"/>
+          </a:p>
+        </p:txBody>
+      </p:sp>
+      <p:sp>
+        <p:nvSpPr>
+          <p:cNvPr id="4" name="3 - Θέση αριθμού διαφάνειας"/>
           <p:cNvSpPr>
             <a:spLocks noGrp="1"/>
           </p:cNvSpPr>
@@ -782,7 +928,7 @@
     </p:spTree>
     <p:extLst>
       <p:ext uri="{BB962C8B-B14F-4D97-AF65-F5344CB8AC3E}">
-        <p14:creationId xmlns:p14="http://schemas.microsoft.com/office/powerpoint/2010/main" val="3957611091"/>
+        <p14:creationId xmlns:p14="http://schemas.microsoft.com/office/powerpoint/2010/main" val="2581491608"/>
       </p:ext>
     </p:extLst>
   </p:cSld>
@@ -833,177 +979,253 @@
         </p:nvSpPr>
         <p:spPr/>
         <p:txBody>
-          <a:bodyPr>
-            <a:normAutofit lnSpcReduction="10000"/>
-          </a:bodyPr>
+          <a:bodyPr/>
           <a:lstStyle/>
           <a:p>
             <a:r>
               <a:rPr lang="el-GR" dirty="0" smtClean="0"/>
-              <a:t>Μια άλλη εφαρμογή</a:t>
-            </a:r>
-            <a:r>
-              <a:rPr lang="el-GR" baseline="0" dirty="0" smtClean="0"/>
-              <a:t> της ΠΚΔ, όπως είπαμε</a:t>
-            </a:r>
-            <a:r>
-              <a:rPr lang="en-US" baseline="0" dirty="0" smtClean="0"/>
-              <a:t>, </a:t>
-            </a:r>
-            <a:r>
-              <a:rPr lang="el-GR" baseline="0" dirty="0" smtClean="0"/>
-              <a:t>είναι το</a:t>
-            </a:r>
-            <a:r>
-              <a:rPr lang="en-US" baseline="0" dirty="0" smtClean="0"/>
-              <a:t> Natural Language Processing Classification. </a:t>
-            </a:r>
-          </a:p>
-          <a:p>
+              <a:t>Ως </a:t>
+            </a:r>
+            <a:r>
+              <a:rPr lang="en-US" dirty="0" smtClean="0"/>
+              <a:t>training</a:t>
+            </a:r>
+            <a:r>
+              <a:rPr lang="en-US" baseline="0" dirty="0" smtClean="0"/>
+              <a:t> set </a:t>
+            </a:r>
+            <a:r>
+              <a:rPr lang="el-GR" baseline="0" dirty="0" smtClean="0"/>
+              <a:t>του </a:t>
+            </a:r>
+            <a:r>
+              <a:rPr lang="en-US" baseline="0" dirty="0" smtClean="0"/>
+              <a:t>NLPC </a:t>
+            </a:r>
+            <a:r>
+              <a:rPr lang="el-GR" baseline="0" dirty="0" smtClean="0"/>
+              <a:t>χρησιμοποιήθηκαν ερωτήσεις από το </a:t>
+            </a:r>
+            <a:r>
+              <a:rPr lang="en-US" baseline="0" dirty="0" smtClean="0"/>
+              <a:t>stack overflow. </a:t>
+            </a:r>
             <a:endParaRPr lang="el-GR" baseline="0" dirty="0" smtClean="0"/>
           </a:p>
           <a:p>
             <a:r>
               <a:rPr lang="el-GR" baseline="0" dirty="0" smtClean="0"/>
-              <a:t>Ουσιαστικά, ένα πρόγραμμα </a:t>
-            </a:r>
-            <a:r>
-              <a:rPr lang="en-US" baseline="0" dirty="0" smtClean="0"/>
-              <a:t>NLP</a:t>
-            </a:r>
-            <a:r>
-              <a:rPr lang="el-GR" baseline="0" dirty="0" smtClean="0"/>
-              <a:t> δέχεται πρώτα ένα σύνολο δεδομένων, το οποίο είναι χωρισμένο σε </a:t>
-            </a:r>
-            <a:r>
-              <a:rPr lang="en-US" baseline="0" dirty="0" smtClean="0"/>
-              <a:t>classes</a:t>
-            </a:r>
-            <a:r>
-              <a:rPr lang="el-GR" baseline="0" dirty="0" smtClean="0"/>
-              <a:t>/κατηγορίες</a:t>
-            </a:r>
-            <a:r>
-              <a:rPr lang="en-US" baseline="0" dirty="0" smtClean="0"/>
-              <a:t>,</a:t>
-            </a:r>
-            <a:r>
-              <a:rPr lang="el-GR" baseline="0" dirty="0" smtClean="0"/>
-              <a:t> ώστε να γίνει «</a:t>
-            </a:r>
-            <a:r>
-              <a:rPr lang="en-US" baseline="0" dirty="0" smtClean="0"/>
-              <a:t>train</a:t>
-            </a:r>
-            <a:r>
-              <a:rPr lang="el-GR" baseline="0" dirty="0" smtClean="0"/>
-              <a:t>»</a:t>
-            </a:r>
-            <a:r>
-              <a:rPr lang="en-US" baseline="0" dirty="0" smtClean="0"/>
+              <a:t>Το </a:t>
+            </a:r>
+            <a:r>
+              <a:rPr lang="en-US" baseline="0" dirty="0" smtClean="0"/>
+              <a:t>StackOverflow</a:t>
+            </a:r>
+            <a:r>
+              <a:rPr lang="el-GR" baseline="0" dirty="0" smtClean="0"/>
+              <a:t> είναι μια από τις μεγαλύτερες </a:t>
+            </a:r>
+            <a:r>
+              <a:rPr lang="en-US" baseline="0" dirty="0" smtClean="0"/>
+              <a:t>online </a:t>
+            </a:r>
+            <a:r>
+              <a:rPr lang="el-GR" baseline="0" dirty="0" smtClean="0"/>
+              <a:t>κοινότητες για ερωτήσεις και απαντήσεις.</a:t>
+            </a:r>
+            <a:endParaRPr lang="en-US" baseline="0" dirty="0" smtClean="0"/>
+          </a:p>
+          <a:p>
+            <a:pPr marL="0" marR="0" indent="0" algn="l" defTabSz="914400" rtl="0" eaLnBrk="1" fontAlgn="auto" latinLnBrk="0" hangingPunct="1">
+              <a:lnSpc>
+                <a:spcPct val="100000"/>
+              </a:lnSpc>
+              <a:spcBef>
+                <a:spcPts val="0"/>
+              </a:spcBef>
+              <a:spcAft>
+                <a:spcPts val="0"/>
+              </a:spcAft>
+              <a:buClrTx/>
+              <a:buSzTx/>
+              <a:buFontTx/>
+              <a:buNone/>
+              <a:tabLst/>
+              <a:defRPr/>
+            </a:pPr>
+            <a:r>
+              <a:rPr lang="el-GR" baseline="0" dirty="0" smtClean="0"/>
+              <a:t>Οι χρήστες του </a:t>
+            </a:r>
+            <a:r>
+              <a:rPr lang="en-US" baseline="0" dirty="0" smtClean="0"/>
+              <a:t>SO</a:t>
+            </a:r>
+            <a:r>
+              <a:rPr lang="el-GR" baseline="0" dirty="0" smtClean="0"/>
+              <a:t> μπορούν να κάνουν ερωτήσεις και να κατηγοριοποιούν τις ερωτήσεις τους με κάποια προ υπάρχοντα </a:t>
+            </a:r>
+            <a:r>
+              <a:rPr lang="en-US" baseline="0" dirty="0" smtClean="0"/>
+              <a:t>“tags”</a:t>
+            </a:r>
+            <a:r>
+              <a:rPr lang="el-GR" baseline="0" dirty="0" smtClean="0"/>
+              <a:t>. Οι υπόλοιποι χρήστες στου ΣΟ μπορούν να ψηφίσουν θετικά ή αρνητικά αυτές τις ερωτήσεις, να δώσουν απαντήσεις ή να τις κάνουν </a:t>
+            </a:r>
+            <a:r>
+              <a:rPr lang="en-US" baseline="0" dirty="0" smtClean="0"/>
+              <a:t>flag</a:t>
+            </a:r>
+            <a:r>
+              <a:rPr lang="el-GR" baseline="0" dirty="0" smtClean="0"/>
+              <a:t> ως μη χρήσιμες ερωτήσεις όπως πχ. ως </a:t>
+            </a:r>
+            <a:r>
+              <a:rPr lang="en-US" baseline="0" dirty="0" smtClean="0"/>
+              <a:t>too-broad questions. </a:t>
+            </a:r>
+            <a:endParaRPr lang="el-GR" baseline="0" dirty="0" smtClean="0"/>
+          </a:p>
+          <a:p>
+            <a:pPr marL="0" marR="0" indent="0" algn="l" defTabSz="914400" rtl="0" eaLnBrk="1" fontAlgn="auto" latinLnBrk="0" hangingPunct="1">
+              <a:lnSpc>
+                <a:spcPct val="100000"/>
+              </a:lnSpc>
+              <a:spcBef>
+                <a:spcPts val="0"/>
+              </a:spcBef>
+              <a:spcAft>
+                <a:spcPts val="0"/>
+              </a:spcAft>
+              <a:buClrTx/>
+              <a:buSzTx/>
+              <a:buFontTx/>
+              <a:buNone/>
+              <a:tabLst/>
+              <a:defRPr/>
+            </a:pPr>
+            <a:endParaRPr lang="el-GR" baseline="0" dirty="0" smtClean="0"/>
+          </a:p>
+          <a:p>
+            <a:pPr marL="0" marR="0" indent="0" algn="l" defTabSz="914400" rtl="0" eaLnBrk="1" fontAlgn="auto" latinLnBrk="0" hangingPunct="1">
+              <a:lnSpc>
+                <a:spcPct val="100000"/>
+              </a:lnSpc>
+              <a:spcBef>
+                <a:spcPts val="0"/>
+              </a:spcBef>
+              <a:spcAft>
+                <a:spcPts val="0"/>
+              </a:spcAft>
+              <a:buClrTx/>
+              <a:buSzTx/>
+              <a:buFontTx/>
+              <a:buNone/>
+              <a:tabLst/>
+              <a:defRPr/>
+            </a:pPr>
+            <a:r>
+              <a:rPr lang="el-GR" baseline="0" dirty="0" smtClean="0"/>
+              <a:t>Στο </a:t>
+            </a:r>
+            <a:r>
+              <a:rPr lang="en-US" baseline="0" dirty="0" smtClean="0"/>
+              <a:t>StackOverflow </a:t>
+            </a:r>
+            <a:r>
+              <a:rPr lang="el-GR" baseline="0" dirty="0" smtClean="0"/>
+              <a:t>οι ερωτήσεις αυτές κατηγοριοποιούνται με βάση τα </a:t>
+            </a:r>
+            <a:r>
+              <a:rPr lang="en-US" baseline="0" dirty="0" smtClean="0"/>
+              <a:t>tags </a:t>
+            </a:r>
+            <a:r>
+              <a:rPr lang="el-GR" baseline="0" dirty="0" smtClean="0"/>
+              <a:t>που εισάγουν οι χρήστες. Στο αποκάτω παράδειγμα κάποιος χρήστης έχει κάνει μια ερώτηση σχετικά με το </a:t>
+            </a:r>
+            <a:r>
+              <a:rPr lang="en-US" baseline="0" dirty="0" smtClean="0"/>
+              <a:t>scalability </a:t>
+            </a:r>
+            <a:r>
+              <a:rPr lang="el-GR" baseline="0" dirty="0" smtClean="0"/>
+              <a:t>της </a:t>
+            </a:r>
+            <a:r>
+              <a:rPr lang="en-US" baseline="0" dirty="0" smtClean="0"/>
+              <a:t>SQLite. </a:t>
+            </a:r>
+            <a:r>
+              <a:rPr lang="el-GR" baseline="0" dirty="0" smtClean="0"/>
+              <a:t>Αυτή η ερώτηση έχει βαθμολογηθεί 147 φορές θετικά συνολικά, εμπίπτει σε δύο κατηγορίες, έχει γίνει </a:t>
+            </a:r>
+            <a:r>
+              <a:rPr lang="en-US" baseline="0" dirty="0" smtClean="0"/>
+              <a:t>edit </a:t>
+            </a:r>
+            <a:r>
+              <a:rPr lang="el-GR" baseline="0" dirty="0" smtClean="0"/>
+              <a:t>και έχει γίνει </a:t>
+            </a:r>
+            <a:r>
+              <a:rPr lang="en-US" baseline="0" dirty="0" smtClean="0"/>
+              <a:t>flagged </a:t>
+            </a:r>
+            <a:r>
+              <a:rPr lang="el-GR" baseline="0" dirty="0" smtClean="0"/>
+              <a:t>ως </a:t>
+            </a:r>
+            <a:r>
+              <a:rPr lang="en-US" baseline="0" dirty="0" smtClean="0"/>
+              <a:t>closed question.</a:t>
+            </a:r>
+          </a:p>
+          <a:p>
+            <a:pPr marL="0" marR="0" indent="0" algn="l" defTabSz="914400" rtl="0" eaLnBrk="1" fontAlgn="auto" latinLnBrk="0" hangingPunct="1">
+              <a:lnSpc>
+                <a:spcPct val="100000"/>
+              </a:lnSpc>
+              <a:spcBef>
+                <a:spcPts val="0"/>
+              </a:spcBef>
+              <a:spcAft>
+                <a:spcPts val="0"/>
+              </a:spcAft>
+              <a:buClrTx/>
+              <a:buSzTx/>
+              <a:buFontTx/>
+              <a:buNone/>
+              <a:tabLst/>
+              <a:defRPr/>
+            </a:pPr>
+            <a:r>
+              <a:rPr lang="el-GR" baseline="0" dirty="0" smtClean="0"/>
               <a:t> </a:t>
             </a:r>
-            <a:r>
-              <a:rPr lang="el-GR" baseline="0" dirty="0" smtClean="0"/>
-              <a:t>και στην συνέχεια μπορεί με μία πιθανότητα να προσδιορίσει ένα καινούριο </a:t>
-            </a:r>
-            <a:r>
-              <a:rPr lang="en-US" baseline="0" dirty="0" smtClean="0"/>
-              <a:t>input </a:t>
-            </a:r>
-            <a:r>
-              <a:rPr lang="el-GR" baseline="0" dirty="0" smtClean="0"/>
-              <a:t>σε ποια κλάση/κατηγορία ανήκει.</a:t>
-            </a:r>
-          </a:p>
-          <a:p>
-            <a:endParaRPr lang="el-GR" baseline="0" dirty="0" smtClean="0"/>
-          </a:p>
-          <a:p>
-            <a:r>
-              <a:rPr lang="el-GR" baseline="0" dirty="0" smtClean="0"/>
-              <a:t>Το </a:t>
-            </a:r>
-            <a:r>
-              <a:rPr lang="en-US" baseline="0" dirty="0" smtClean="0"/>
-              <a:t>NLP</a:t>
-            </a:r>
-            <a:r>
-              <a:rPr lang="el-GR" baseline="0" dirty="0" smtClean="0"/>
-              <a:t> χρησιμοποιήθηκε ώστε να προσδιορίζεται η κατηγορία της ερώτησης που ανεβάζουν οι χρήστες στα </a:t>
-            </a:r>
-            <a:r>
-              <a:rPr lang="en-US" baseline="0" dirty="0" smtClean="0"/>
-              <a:t>group </a:t>
-            </a:r>
-            <a:r>
-              <a:rPr lang="el-GR" baseline="0" dirty="0" smtClean="0"/>
-              <a:t>του ΚΔ</a:t>
-            </a:r>
-            <a:r>
-              <a:rPr lang="en-US" baseline="0" dirty="0" smtClean="0"/>
-              <a:t>. </a:t>
-            </a:r>
-            <a:r>
-              <a:rPr lang="el-GR" baseline="0" dirty="0" smtClean="0"/>
-              <a:t>Ως </a:t>
-            </a:r>
-            <a:r>
-              <a:rPr lang="en-US" baseline="0" dirty="0" smtClean="0"/>
-              <a:t>training </a:t>
-            </a:r>
-            <a:r>
-              <a:rPr lang="el-GR" baseline="0" dirty="0" smtClean="0"/>
-              <a:t>σετ χρησιμοποιήθηκαν ερωτήσεις από το </a:t>
-            </a:r>
-            <a:r>
-              <a:rPr lang="en-US" baseline="0" dirty="0" err="1" smtClean="0"/>
-              <a:t>StackOverflow</a:t>
-            </a:r>
-            <a:r>
-              <a:rPr lang="en-US" baseline="0" dirty="0" smtClean="0"/>
-              <a:t>, </a:t>
-            </a:r>
-            <a:r>
-              <a:rPr lang="el-GR" baseline="0" dirty="0" smtClean="0"/>
-              <a:t>λόγω του ότι εκείνη την χρονική στιγμή το ΚΔ δεν περιείχε ένα μεγάλο </a:t>
-            </a:r>
-            <a:r>
-              <a:rPr lang="en-US" baseline="0" dirty="0" smtClean="0"/>
-              <a:t>repository </a:t>
-            </a:r>
-            <a:r>
-              <a:rPr lang="el-GR" baseline="0" dirty="0" smtClean="0"/>
-              <a:t>από ερωτήσεις</a:t>
-            </a:r>
-            <a:r>
-              <a:rPr lang="en-US" baseline="0" dirty="0" smtClean="0"/>
-              <a:t>. </a:t>
-            </a:r>
-          </a:p>
-          <a:p>
-            <a:endParaRPr lang="el-GR" baseline="0" dirty="0" smtClean="0"/>
-          </a:p>
-          <a:p>
-            <a:r>
-              <a:rPr lang="el-GR" baseline="0" dirty="0" smtClean="0"/>
-              <a:t>Οι χρήστες του </a:t>
-            </a:r>
-            <a:r>
-              <a:rPr lang="en-US" baseline="0" dirty="0" smtClean="0"/>
-              <a:t>SO</a:t>
-            </a:r>
-            <a:r>
-              <a:rPr lang="el-GR" baseline="0" dirty="0" smtClean="0"/>
-              <a:t> μπορούν να κάνουν ερωτήσεις και να κατηγοριοποιούν τις ερωτήσεις τους με κάποια προ υπάρχοντα </a:t>
-            </a:r>
-            <a:r>
-              <a:rPr lang="en-US" baseline="0" dirty="0" smtClean="0"/>
-              <a:t>“tags”</a:t>
-            </a:r>
-            <a:r>
-              <a:rPr lang="el-GR" baseline="0" dirty="0" smtClean="0"/>
-              <a:t>. Τα κείμενα των ερωτήσεων χρησιμοποιήθηκαν ως το </a:t>
+          </a:p>
+          <a:p>
+            <a:pPr marL="0" marR="0" indent="0" algn="l" defTabSz="914400" rtl="0" eaLnBrk="1" fontAlgn="auto" latinLnBrk="0" hangingPunct="1">
+              <a:lnSpc>
+                <a:spcPct val="100000"/>
+              </a:lnSpc>
+              <a:spcBef>
+                <a:spcPts val="0"/>
+              </a:spcBef>
+              <a:spcAft>
+                <a:spcPts val="0"/>
+              </a:spcAft>
+              <a:buClrTx/>
+              <a:buSzTx/>
+              <a:buFontTx/>
+              <a:buNone/>
+              <a:tabLst/>
+              <a:defRPr/>
+            </a:pPr>
+            <a:r>
+              <a:rPr lang="el-GR" baseline="0" dirty="0" smtClean="0"/>
+              <a:t> Τα κείμενα των ερωτήσεων του ΣΟ χρησιμοποιήθηκαν ως το </a:t>
             </a:r>
             <a:r>
               <a:rPr lang="en-US" baseline="0" dirty="0" smtClean="0"/>
@@ -1035,147 +1257,7 @@
             </a:r>
           </a:p>
           <a:p>
-            <a:endParaRPr lang="el-GR" baseline="0" dirty="0" smtClean="0"/>
-          </a:p>
-          <a:p>
-            <a:r>
-              <a:rPr lang="el-GR" baseline="0" dirty="0" smtClean="0"/>
-              <a:t>Έτσι το </a:t>
-            </a:r>
-            <a:r>
-              <a:rPr lang="el-GR" baseline="0" dirty="0" smtClean="0"/>
-              <a:t>σχήμα δείχνει οι χρήστες του </a:t>
-            </a:r>
-            <a:r>
-              <a:rPr lang="en-US" baseline="0" dirty="0" smtClean="0"/>
-              <a:t>SO </a:t>
-            </a:r>
-            <a:r>
-              <a:rPr lang="el-GR" baseline="0" dirty="0" smtClean="0"/>
-              <a:t>ανεβάζουν τις ερωτήσεις τους στην κοινότητα</a:t>
-            </a:r>
-            <a:r>
-              <a:rPr lang="en-US" baseline="0" dirty="0" smtClean="0"/>
-              <a:t> </a:t>
-            </a:r>
-            <a:r>
-              <a:rPr lang="el-GR" baseline="0" dirty="0" smtClean="0"/>
-              <a:t>κατηγοριοποιημένες με διάφορα </a:t>
-            </a:r>
-            <a:r>
-              <a:rPr lang="en-US" baseline="0" dirty="0" smtClean="0"/>
-              <a:t>tags</a:t>
-            </a:r>
-            <a:r>
-              <a:rPr lang="el-GR" baseline="0" dirty="0" smtClean="0"/>
-              <a:t>, χρησιμοποιώντας το </a:t>
-            </a:r>
-            <a:r>
-              <a:rPr lang="en-US" baseline="0" dirty="0" smtClean="0"/>
-              <a:t>UI </a:t>
-            </a:r>
-            <a:r>
-              <a:rPr lang="el-GR" baseline="0" dirty="0" smtClean="0"/>
-              <a:t>του </a:t>
-            </a:r>
-            <a:r>
-              <a:rPr lang="en-US" baseline="0" dirty="0" smtClean="0"/>
-              <a:t>SO, </a:t>
-            </a:r>
-            <a:r>
-              <a:rPr lang="el-GR" baseline="0" dirty="0" smtClean="0"/>
-              <a:t>μετά το </a:t>
-            </a:r>
-            <a:r>
-              <a:rPr lang="en-US" baseline="0" dirty="0" smtClean="0"/>
-              <a:t>NPL classifier </a:t>
-            </a:r>
-            <a:r>
-              <a:rPr lang="el-GR" baseline="0" dirty="0" smtClean="0"/>
-              <a:t>παίρνει κάποιες ερωτήσεις από το </a:t>
-            </a:r>
-            <a:r>
-              <a:rPr lang="en-US" baseline="0" dirty="0" smtClean="0"/>
-              <a:t>SO</a:t>
-            </a:r>
-            <a:r>
-              <a:rPr lang="el-GR" baseline="0" dirty="0" smtClean="0"/>
-              <a:t>, χρησιμοποιώντας το </a:t>
-            </a:r>
-            <a:r>
-              <a:rPr lang="en-US" baseline="0" dirty="0" smtClean="0"/>
-              <a:t>SE API, </a:t>
-            </a:r>
-            <a:r>
-              <a:rPr lang="el-GR" baseline="0" dirty="0" smtClean="0"/>
-              <a:t>για να τις χρησιμοποιήσει ως </a:t>
-            </a:r>
-            <a:r>
-              <a:rPr lang="en-US" baseline="0" dirty="0" smtClean="0"/>
-              <a:t>training set </a:t>
-            </a:r>
-            <a:r>
-              <a:rPr lang="el-GR" baseline="0" dirty="0" smtClean="0"/>
-              <a:t>και να κατασκευάσει </a:t>
-            </a:r>
-            <a:r>
-              <a:rPr lang="el-GR" baseline="0" dirty="0" smtClean="0"/>
-              <a:t>κάποιες </a:t>
-            </a:r>
-            <a:r>
-              <a:rPr lang="el-GR" baseline="0" dirty="0" smtClean="0"/>
-              <a:t>τις δικές του κλάσεις που χρειάζεται ώστε </a:t>
-            </a:r>
-            <a:r>
-              <a:rPr lang="el-GR" baseline="0" dirty="0" smtClean="0"/>
-              <a:t>μεταγενέστερες ερωτήσεις του δικού μας ΚΔ μπορούν να κατηγοριοποιηθούν</a:t>
-            </a:r>
-            <a:r>
-              <a:rPr lang="el-GR" baseline="0" dirty="0" smtClean="0"/>
-              <a:t>.</a:t>
-            </a:r>
-          </a:p>
-          <a:p>
-            <a:endParaRPr lang="el-GR" baseline="0" dirty="0" smtClean="0"/>
-          </a:p>
-          <a:p>
-            <a:r>
-              <a:rPr lang="el-GR" baseline="0" dirty="0" smtClean="0"/>
-              <a:t>Να σημειωθεί ότι από το </a:t>
-            </a:r>
-            <a:r>
-              <a:rPr lang="en-US" baseline="0" dirty="0" smtClean="0"/>
-              <a:t>SO </a:t>
-            </a:r>
-            <a:r>
-              <a:rPr lang="el-GR" baseline="0" dirty="0" smtClean="0"/>
-              <a:t>μόνο οι </a:t>
-            </a:r>
-            <a:r>
-              <a:rPr lang="en-US" baseline="0" dirty="0" smtClean="0"/>
-              <a:t>most-up voted </a:t>
-            </a:r>
-            <a:r>
-              <a:rPr lang="el-GR" baseline="0" dirty="0" smtClean="0"/>
-              <a:t>ερωτήσεις για κάθε κατηγορία χρησιμοποιήθηκαν ώστε να </a:t>
-            </a:r>
-            <a:r>
-              <a:rPr lang="el-GR" baseline="0" dirty="0" err="1" smtClean="0"/>
-              <a:t>αποφευθεί</a:t>
-            </a:r>
-            <a:r>
-              <a:rPr lang="el-GR" baseline="0" dirty="0" smtClean="0"/>
-              <a:t> η περίπτωση κάποια ερώτηση να έχει γίνει </a:t>
-            </a:r>
-            <a:r>
-              <a:rPr lang="en-US" baseline="0" dirty="0" smtClean="0"/>
-              <a:t>misclassified </a:t>
-            </a:r>
-            <a:r>
-              <a:rPr lang="el-GR" baseline="0" dirty="0" smtClean="0"/>
-              <a:t>από τον χρήστη.</a:t>
-            </a:r>
-            <a:endParaRPr lang="el-GR" baseline="0" dirty="0" smtClean="0"/>
+            <a:endParaRPr lang="el-GR" dirty="0"/>
           </a:p>
         </p:txBody>
       </p:sp>
@@ -1197,7 +1279,7 @@
             <a:fld id="{BFF29332-360D-462C-8DBA-6B9FF2FD1142}" type="slidenum">
               <a:rPr lang="en-GB" smtClean="0"/>
               <a:pPr/>
-              <a:t>11</a:t>
+              <a:t>12</a:t>
             </a:fld>
             <a:endParaRPr lang="en-GB"/>
           </a:p>
@@ -1206,7 +1288,7 @@
     </p:spTree>
     <p:extLst>
       <p:ext uri="{BB962C8B-B14F-4D97-AF65-F5344CB8AC3E}">
-        <p14:creationId xmlns:p14="http://schemas.microsoft.com/office/powerpoint/2010/main" val="3763798616"/>
+        <p14:creationId xmlns:p14="http://schemas.microsoft.com/office/powerpoint/2010/main" val="3246571262"/>
       </p:ext>
     </p:extLst>
   </p:cSld>
@@ -1235,7 +1317,7 @@
       </p:grpSpPr>
       <p:sp>
         <p:nvSpPr>
-          <p:cNvPr id="2" name="1 - Θέση εικόνας διαφάνειας"/>
+          <p:cNvPr id="2" name="Slide Image Placeholder 1"/>
           <p:cNvSpPr>
             <a:spLocks noGrp="1" noRot="1" noChangeAspect="1"/>
           </p:cNvSpPr>
@@ -1247,7 +1329,7 @@
       </p:sp>
       <p:sp>
         <p:nvSpPr>
-          <p:cNvPr id="3" name="2 - Θέση σημειώσεων"/>
+          <p:cNvPr id="3" name="Notes Placeholder 2"/>
           <p:cNvSpPr>
             <a:spLocks noGrp="1"/>
           </p:cNvSpPr>
@@ -1263,20 +1345,244 @@
           <a:lstStyle/>
           <a:p>
             <a:r>
-              <a:rPr lang="el-GR" dirty="0" smtClean="0"/>
-              <a:t>Και</a:t>
-            </a:r>
-            <a:r>
-              <a:rPr lang="el-GR" baseline="0" dirty="0" smtClean="0"/>
-              <a:t> τώρα ας προχωρήσουμε με την αξιολόγηση του συστήματος.</a:t>
-            </a:r>
-            <a:endParaRPr lang="en-GB" dirty="0"/>
-          </a:p>
-        </p:txBody>
-      </p:sp>
-      <p:sp>
-        <p:nvSpPr>
-          <p:cNvPr id="4" name="3 - Θέση αριθμού διαφάνειας"/>
+              <a:rPr lang="el-GR" baseline="0" dirty="0" smtClean="0"/>
+              <a:t>Συνοψίζοντας λοιπόν,</a:t>
+            </a:r>
+          </a:p>
+          <a:p>
+            <a:r>
+              <a:rPr lang="el-GR" baseline="0" dirty="0" smtClean="0"/>
+              <a:t>Ουσιαστικά, ένα πρόγραμμα </a:t>
+            </a:r>
+            <a:r>
+              <a:rPr lang="en-US" baseline="0" dirty="0" smtClean="0"/>
+              <a:t>NLP</a:t>
+            </a:r>
+            <a:r>
+              <a:rPr lang="el-GR" baseline="0" dirty="0" smtClean="0"/>
+              <a:t> δέχεται πρώτα ένα σύνολο δεδομένων, το οποίο είναι χωρισμένο σε </a:t>
+            </a:r>
+            <a:r>
+              <a:rPr lang="en-US" baseline="0" dirty="0" smtClean="0"/>
+              <a:t>classes</a:t>
+            </a:r>
+            <a:r>
+              <a:rPr lang="el-GR" baseline="0" dirty="0" smtClean="0"/>
+              <a:t>/κατηγορίες</a:t>
+            </a:r>
+            <a:r>
+              <a:rPr lang="en-US" baseline="0" dirty="0" smtClean="0"/>
+              <a:t>,</a:t>
+            </a:r>
+            <a:r>
+              <a:rPr lang="el-GR" baseline="0" dirty="0" smtClean="0"/>
+              <a:t> ώστε να γίνει «</a:t>
+            </a:r>
+            <a:r>
+              <a:rPr lang="en-US" baseline="0" dirty="0" smtClean="0"/>
+              <a:t>train</a:t>
+            </a:r>
+            <a:r>
+              <a:rPr lang="el-GR" baseline="0" dirty="0" smtClean="0"/>
+              <a:t>»</a:t>
+            </a:r>
+            <a:r>
+              <a:rPr lang="en-US" baseline="0" dirty="0" smtClean="0"/>
+              <a:t> </a:t>
+            </a:r>
+            <a:r>
+              <a:rPr lang="el-GR" baseline="0" dirty="0" smtClean="0"/>
+              <a:t>και στην συνέχεια μπορεί με μία πιθανότητα να προσδιορίσει ένα καινούριο </a:t>
+            </a:r>
+            <a:r>
+              <a:rPr lang="en-US" baseline="0" dirty="0" smtClean="0"/>
+              <a:t>input </a:t>
+            </a:r>
+            <a:r>
+              <a:rPr lang="el-GR" baseline="0" dirty="0" smtClean="0"/>
+              <a:t>σε ποια κλάση/κατηγορία ανήκει.</a:t>
+            </a:r>
+          </a:p>
+          <a:p>
+            <a:endParaRPr lang="el-GR" baseline="0" dirty="0" smtClean="0"/>
+          </a:p>
+          <a:p>
+            <a:r>
+              <a:rPr lang="el-GR" baseline="0" dirty="0" smtClean="0"/>
+              <a:t>Το </a:t>
+            </a:r>
+            <a:r>
+              <a:rPr lang="en-US" baseline="0" dirty="0" smtClean="0"/>
+              <a:t>NLP</a:t>
+            </a:r>
+            <a:r>
+              <a:rPr lang="el-GR" baseline="0" dirty="0" smtClean="0"/>
+              <a:t> χρησιμοποιήθηκε ώστε να προσδιορίζεται η κατηγορία της ερώτησης που ανεβάζουν οι χρήστες στα </a:t>
+            </a:r>
+            <a:r>
+              <a:rPr lang="en-US" baseline="0" dirty="0" smtClean="0"/>
+              <a:t>group </a:t>
+            </a:r>
+            <a:r>
+              <a:rPr lang="el-GR" baseline="0" dirty="0" smtClean="0"/>
+              <a:t>του ΚΔ</a:t>
+            </a:r>
+            <a:r>
+              <a:rPr lang="en-US" baseline="0" dirty="0" smtClean="0"/>
+              <a:t>. </a:t>
+            </a:r>
+            <a:r>
+              <a:rPr lang="el-GR" baseline="0" dirty="0" smtClean="0"/>
+              <a:t>Ως </a:t>
+            </a:r>
+            <a:r>
+              <a:rPr lang="en-US" baseline="0" dirty="0" smtClean="0"/>
+              <a:t>training </a:t>
+            </a:r>
+            <a:r>
+              <a:rPr lang="el-GR" baseline="0" dirty="0" smtClean="0"/>
+              <a:t>σετ χρησιμοποιήθηκαν ερωτήσεις από το </a:t>
+            </a:r>
+            <a:r>
+              <a:rPr lang="en-US" baseline="0" dirty="0" smtClean="0"/>
+              <a:t>StackOverflow, </a:t>
+            </a:r>
+            <a:r>
+              <a:rPr lang="el-GR" baseline="0" dirty="0" smtClean="0"/>
+              <a:t>λόγω του ότι εκείνη την χρονική στιγμή το ΚΔ δεν περιείχε ένα μεγάλο </a:t>
+            </a:r>
+            <a:r>
+              <a:rPr lang="en-US" baseline="0" dirty="0" smtClean="0"/>
+              <a:t>repository </a:t>
+            </a:r>
+            <a:r>
+              <a:rPr lang="el-GR" baseline="0" dirty="0" smtClean="0"/>
+              <a:t>από ερωτήσεις</a:t>
+            </a:r>
+            <a:r>
+              <a:rPr lang="en-US" baseline="0" dirty="0" smtClean="0"/>
+              <a:t>. </a:t>
+            </a:r>
+          </a:p>
+          <a:p>
+            <a:endParaRPr lang="el-GR" baseline="0" dirty="0" smtClean="0"/>
+          </a:p>
+          <a:p>
+            <a:r>
+              <a:rPr lang="el-GR" baseline="0" dirty="0" smtClean="0"/>
+              <a:t>Έτσι το σχήμα δείχνει οι χρήστες του </a:t>
+            </a:r>
+            <a:r>
+              <a:rPr lang="en-US" baseline="0" dirty="0" smtClean="0"/>
+              <a:t>SO </a:t>
+            </a:r>
+            <a:r>
+              <a:rPr lang="el-GR" baseline="0" dirty="0" smtClean="0"/>
+              <a:t>ανεβάζουν τις ερωτήσεις τους στην κοινότητα</a:t>
+            </a:r>
+            <a:r>
+              <a:rPr lang="en-US" baseline="0" dirty="0" smtClean="0"/>
+              <a:t> </a:t>
+            </a:r>
+            <a:r>
+              <a:rPr lang="el-GR" baseline="0" dirty="0" smtClean="0"/>
+              <a:t>κατηγοριοποιημένες με διάφορα </a:t>
+            </a:r>
+            <a:r>
+              <a:rPr lang="en-US" baseline="0" dirty="0" smtClean="0"/>
+              <a:t>tags</a:t>
+            </a:r>
+            <a:r>
+              <a:rPr lang="el-GR" baseline="0" dirty="0" smtClean="0"/>
+              <a:t>, χρησιμοποιώντας το </a:t>
+            </a:r>
+            <a:r>
+              <a:rPr lang="en-US" baseline="0" dirty="0" smtClean="0"/>
+              <a:t>UI </a:t>
+            </a:r>
+            <a:r>
+              <a:rPr lang="el-GR" baseline="0" dirty="0" smtClean="0"/>
+              <a:t>του </a:t>
+            </a:r>
+            <a:r>
+              <a:rPr lang="en-US" baseline="0" dirty="0" smtClean="0"/>
+              <a:t>SO, </a:t>
+            </a:r>
+            <a:r>
+              <a:rPr lang="el-GR" baseline="0" dirty="0" smtClean="0"/>
+              <a:t>μετά το </a:t>
+            </a:r>
+            <a:r>
+              <a:rPr lang="en-US" baseline="0" dirty="0" smtClean="0"/>
+              <a:t>NPL classifier </a:t>
+            </a:r>
+            <a:r>
+              <a:rPr lang="el-GR" baseline="0" dirty="0" smtClean="0"/>
+              <a:t>παίρνει κάποιες ερωτήσεις από το </a:t>
+            </a:r>
+            <a:r>
+              <a:rPr lang="en-US" baseline="0" dirty="0" smtClean="0"/>
+              <a:t>SO</a:t>
+            </a:r>
+            <a:r>
+              <a:rPr lang="el-GR" baseline="0" dirty="0" smtClean="0"/>
+              <a:t>, χρησιμοποιώντας το </a:t>
+            </a:r>
+            <a:r>
+              <a:rPr lang="en-US" baseline="0" dirty="0" smtClean="0"/>
+              <a:t>SE API, </a:t>
+            </a:r>
+            <a:r>
+              <a:rPr lang="el-GR" baseline="0" dirty="0" smtClean="0"/>
+              <a:t>για να τις χρησιμοποιήσει ως </a:t>
+            </a:r>
+            <a:r>
+              <a:rPr lang="en-US" baseline="0" dirty="0" smtClean="0"/>
+              <a:t>training set </a:t>
+            </a:r>
+            <a:r>
+              <a:rPr lang="el-GR" baseline="0" dirty="0" smtClean="0"/>
+              <a:t>και να κατασκευάσει κάποιες τις δικές του κλάσεις που χρειάζεται ώστε μεταγενέστερες ερωτήσεις του δικού μας ΚΔ μπορούν να κατηγοριοποιηθούν.</a:t>
+            </a:r>
+          </a:p>
+          <a:p>
+            <a:endParaRPr lang="el-GR" baseline="0" dirty="0" smtClean="0"/>
+          </a:p>
+          <a:p>
+            <a:r>
+              <a:rPr lang="el-GR" baseline="0" dirty="0" smtClean="0"/>
+              <a:t>Να σημειωθεί ότι από το </a:t>
+            </a:r>
+            <a:r>
+              <a:rPr lang="en-US" baseline="0" dirty="0" smtClean="0"/>
+              <a:t>SO </a:t>
+            </a:r>
+            <a:r>
+              <a:rPr lang="el-GR" baseline="0" dirty="0" smtClean="0"/>
+              <a:t>μόνο οι </a:t>
+            </a:r>
+            <a:r>
+              <a:rPr lang="en-US" baseline="0" dirty="0" smtClean="0"/>
+              <a:t>most-up voted </a:t>
+            </a:r>
+            <a:r>
+              <a:rPr lang="el-GR" baseline="0" dirty="0" smtClean="0"/>
+              <a:t>ερωτήσεις για κάθε κατηγορία χρησιμοποιήθηκαν ώστε να αποφευχθεί η περίπτωση κάποια ερώτηση να έχει γίνει </a:t>
+            </a:r>
+            <a:r>
+              <a:rPr lang="en-US" baseline="0" dirty="0" smtClean="0"/>
+              <a:t>misclassified </a:t>
+            </a:r>
+            <a:r>
+              <a:rPr lang="el-GR" baseline="0" dirty="0" smtClean="0"/>
+              <a:t>από τον χρήστη.</a:t>
+            </a:r>
+          </a:p>
+        </p:txBody>
+      </p:sp>
+      <p:sp>
+        <p:nvSpPr>
+          <p:cNvPr id="4" name="Slide Number Placeholder 3"/>
           <p:cNvSpPr>
             <a:spLocks noGrp="1"/>
           </p:cNvSpPr>
@@ -1292,7 +1598,7 @@
             <a:fld id="{BFF29332-360D-462C-8DBA-6B9FF2FD1142}" type="slidenum">
               <a:rPr lang="en-GB" smtClean="0"/>
               <a:pPr/>
-              <a:t>12</a:t>
+              <a:t>13</a:t>
             </a:fld>
             <a:endParaRPr lang="en-GB"/>
           </a:p>
@@ -1301,7 +1607,7 @@
     </p:spTree>
     <p:extLst>
       <p:ext uri="{BB962C8B-B14F-4D97-AF65-F5344CB8AC3E}">
-        <p14:creationId xmlns:p14="http://schemas.microsoft.com/office/powerpoint/2010/main" val="104371226"/>
+        <p14:creationId xmlns:p14="http://schemas.microsoft.com/office/powerpoint/2010/main" val="3763798616"/>
       </p:ext>
     </p:extLst>
   </p:cSld>
@@ -1352,106 +1658,355 @@
         </p:nvSpPr>
         <p:spPr/>
         <p:txBody>
-          <a:bodyPr/>
-          <a:lstStyle/>
-          <a:p>
-            <a:r>
-              <a:rPr lang="el-GR" sz="1200" kern="1200" baseline="0" dirty="0" smtClean="0">
-                <a:solidFill>
-                  <a:schemeClr val="tx1"/>
-                </a:solidFill>
-                <a:latin typeface="+mn-lt"/>
-                <a:ea typeface="+mn-ea"/>
-                <a:cs typeface="+mn-cs"/>
-              </a:rPr>
+          <a:bodyPr>
+            <a:normAutofit fontScale="92500"/>
+          </a:bodyPr>
+          <a:lstStyle/>
+          <a:p>
+            <a:pPr marL="0" marR="0" indent="0" algn="l" defTabSz="914400" rtl="0" eaLnBrk="1" fontAlgn="auto" latinLnBrk="0" hangingPunct="1">
+              <a:lnSpc>
+                <a:spcPct val="100000"/>
+              </a:lnSpc>
+              <a:spcBef>
+                <a:spcPts val="0"/>
+              </a:spcBef>
+              <a:spcAft>
+                <a:spcPts val="0"/>
+              </a:spcAft>
+              <a:buClrTx/>
+              <a:buSzTx/>
+              <a:buFontTx/>
+              <a:buNone/>
+              <a:tabLst/>
+              <a:defRPr/>
+            </a:pPr>
+            <a:r>
+              <a:rPr lang="el-GR" dirty="0" smtClean="0"/>
+              <a:t>Μια άλλη εφαρμογή</a:t>
+            </a:r>
+            <a:r>
+              <a:rPr lang="el-GR" baseline="0" dirty="0" smtClean="0"/>
+              <a:t> της ΠΚΔ, όπως είπαμε</a:t>
+            </a:r>
+            <a:r>
+              <a:rPr lang="en-US" baseline="0" dirty="0" smtClean="0"/>
+              <a:t>, </a:t>
+            </a:r>
+            <a:r>
+              <a:rPr lang="el-GR" baseline="0" dirty="0" smtClean="0"/>
+              <a:t>είναι το</a:t>
+            </a:r>
+            <a:r>
+              <a:rPr lang="en-US" baseline="0" dirty="0" smtClean="0"/>
+              <a:t> Natural Language Processing Classification. </a:t>
+            </a:r>
+          </a:p>
+          <a:p>
+            <a:pPr marL="0" marR="0" indent="0" algn="l" defTabSz="914400" rtl="0" eaLnBrk="1" fontAlgn="auto" latinLnBrk="0" hangingPunct="1">
+              <a:lnSpc>
+                <a:spcPct val="100000"/>
+              </a:lnSpc>
+              <a:spcBef>
+                <a:spcPts val="0"/>
+              </a:spcBef>
+              <a:spcAft>
+                <a:spcPts val="0"/>
+              </a:spcAft>
+              <a:buClrTx/>
+              <a:buSzTx/>
+              <a:buFontTx/>
+              <a:buNone/>
+              <a:tabLst/>
+              <a:defRPr/>
+            </a:pPr>
+            <a:r>
+              <a:rPr lang="el-GR" dirty="0" smtClean="0"/>
               <a:t>Το</a:t>
             </a:r>
             <a:r>
-              <a:rPr lang="en-GB" sz="1200" kern="1200" baseline="0" dirty="0" smtClean="0">
-                <a:solidFill>
-                  <a:schemeClr val="tx1"/>
-                </a:solidFill>
-                <a:latin typeface="+mn-lt"/>
-                <a:ea typeface="+mn-ea"/>
-                <a:cs typeface="+mn-cs"/>
-              </a:rPr>
-              <a:t> evaluation </a:t>
-            </a:r>
-            <a:r>
-              <a:rPr lang="el-GR" sz="1200" kern="1200" baseline="0" dirty="0" smtClean="0">
-                <a:solidFill>
-                  <a:schemeClr val="tx1"/>
-                </a:solidFill>
-                <a:latin typeface="+mn-lt"/>
-                <a:ea typeface="+mn-ea"/>
-                <a:cs typeface="+mn-cs"/>
-              </a:rPr>
-              <a:t>είναι χωρισμένο σε δύο διαφορετικά </a:t>
-            </a:r>
-            <a:r>
-              <a:rPr lang="en-US" sz="1200" kern="1200" baseline="0" dirty="0" smtClean="0">
-                <a:solidFill>
-                  <a:schemeClr val="tx1"/>
-                </a:solidFill>
-                <a:latin typeface="+mn-lt"/>
-                <a:ea typeface="+mn-ea"/>
-                <a:cs typeface="+mn-cs"/>
-              </a:rPr>
-              <a:t>deployments </a:t>
-            </a:r>
-            <a:r>
-              <a:rPr lang="el-GR" sz="1200" kern="1200" baseline="0" dirty="0" smtClean="0">
-                <a:solidFill>
-                  <a:schemeClr val="tx1"/>
-                </a:solidFill>
-                <a:latin typeface="+mn-lt"/>
-                <a:ea typeface="+mn-ea"/>
-                <a:cs typeface="+mn-cs"/>
-              </a:rPr>
-              <a:t>της αρχιτεκτονικής</a:t>
-            </a:r>
-            <a:r>
-              <a:rPr lang="en-US" sz="1200" kern="1200" baseline="0" dirty="0" smtClean="0">
-                <a:solidFill>
-                  <a:schemeClr val="tx1"/>
-                </a:solidFill>
-                <a:latin typeface="+mn-lt"/>
-                <a:ea typeface="+mn-ea"/>
-                <a:cs typeface="+mn-cs"/>
-              </a:rPr>
-              <a:t>.</a:t>
-            </a:r>
-            <a:endParaRPr lang="en-GB" sz="1200" kern="1200" baseline="0" dirty="0" smtClean="0">
-              <a:solidFill>
-                <a:schemeClr val="tx1"/>
-              </a:solidFill>
-              <a:latin typeface="+mn-lt"/>
-              <a:ea typeface="+mn-ea"/>
-              <a:cs typeface="+mn-cs"/>
-            </a:endParaRPr>
-          </a:p>
-          <a:p>
-            <a:endParaRPr lang="en-GB" sz="1200" kern="1200" baseline="0" dirty="0" smtClean="0">
-              <a:solidFill>
-                <a:schemeClr val="tx1"/>
-              </a:solidFill>
-              <a:latin typeface="+mn-lt"/>
-              <a:ea typeface="+mn-ea"/>
-              <a:cs typeface="+mn-cs"/>
-            </a:endParaRPr>
-          </a:p>
-          <a:p>
+              <a:rPr lang="el-GR" baseline="0" dirty="0" smtClean="0"/>
+              <a:t> </a:t>
+            </a:r>
+            <a:r>
+              <a:rPr lang="en-US" dirty="0" smtClean="0"/>
+              <a:t>Topic classification </a:t>
+            </a:r>
             <a:r>
               <a:rPr lang="el-GR" dirty="0" smtClean="0"/>
-              <a:t>Στο</a:t>
-            </a:r>
-            <a:r>
-              <a:rPr lang="el-GR" baseline="0" dirty="0" smtClean="0"/>
-              <a:t> 1</a:t>
-            </a:r>
-            <a:r>
-              <a:rPr lang="el-GR" baseline="30000" dirty="0" smtClean="0"/>
-              <a:t>ο</a:t>
+              <a:t>είναι μια διαδικασία όπου</a:t>
+            </a:r>
+            <a:r>
+              <a:rPr lang="el-GR" baseline="0" dirty="0" smtClean="0"/>
+              <a:t> διάφορα </a:t>
+            </a:r>
+            <a:r>
+              <a:rPr lang="en-US" baseline="0" dirty="0" smtClean="0"/>
+              <a:t>text documents </a:t>
+            </a:r>
+            <a:r>
+              <a:rPr lang="el-GR" baseline="0" dirty="0" smtClean="0"/>
+              <a:t>μπορούν να λάβουν κάποιο </a:t>
+            </a:r>
+            <a:r>
+              <a:rPr lang="en-US" baseline="0" dirty="0" smtClean="0"/>
+              <a:t>topic label </a:t>
+            </a:r>
+            <a:r>
+              <a:rPr lang="el-GR" baseline="0" dirty="0" smtClean="0"/>
+              <a:t>με βάση κάποια κριτήρια. Ο στόχος ενός</a:t>
+            </a:r>
+            <a:r>
+              <a:rPr lang="en-US" baseline="0" dirty="0" smtClean="0"/>
+              <a:t> NLP TC</a:t>
+            </a:r>
+            <a:r>
+              <a:rPr lang="el-GR" baseline="0" dirty="0" smtClean="0"/>
+              <a:t> μηχανισμού λοιπόν, είναι να μπορεί να συμπεράνει την κατηγορία ενός κειμένου από το περιεχόμενο του. Για παράδειγμα, να μπορεί να συμπεράνει ότι ένα κείμενο μιλάει για </a:t>
+            </a:r>
+            <a:r>
+              <a:rPr lang="en-US" baseline="0" dirty="0" smtClean="0"/>
+              <a:t>scalability. </a:t>
+            </a:r>
+          </a:p>
+          <a:p>
+            <a:pPr marL="0" marR="0" indent="0" algn="l" defTabSz="914400" rtl="0" eaLnBrk="1" fontAlgn="auto" latinLnBrk="0" hangingPunct="1">
+              <a:lnSpc>
+                <a:spcPct val="100000"/>
+              </a:lnSpc>
+              <a:spcBef>
+                <a:spcPts val="0"/>
+              </a:spcBef>
+              <a:spcAft>
+                <a:spcPts val="0"/>
+              </a:spcAft>
+              <a:buClrTx/>
+              <a:buSzTx/>
+              <a:buFontTx/>
+              <a:buNone/>
+              <a:tabLst/>
+              <a:defRPr/>
+            </a:pPr>
+            <a:endParaRPr lang="en-US" baseline="0" dirty="0" smtClean="0"/>
+          </a:p>
+          <a:p>
+            <a:pPr marL="0" marR="0" indent="0" algn="l" defTabSz="914400" rtl="0" eaLnBrk="1" fontAlgn="auto" latinLnBrk="0" hangingPunct="1">
+              <a:lnSpc>
+                <a:spcPct val="100000"/>
+              </a:lnSpc>
+              <a:spcBef>
+                <a:spcPts val="0"/>
+              </a:spcBef>
+              <a:spcAft>
+                <a:spcPts val="0"/>
+              </a:spcAft>
+              <a:buClrTx/>
+              <a:buSzTx/>
+              <a:buFontTx/>
+              <a:buNone/>
+              <a:tabLst/>
+              <a:defRPr/>
+            </a:pPr>
+            <a:r>
+              <a:rPr lang="el-GR" baseline="0" dirty="0" smtClean="0"/>
+              <a:t>Για να το καταφέρουμε αυτό, πρέπει το εργαλείο να γίνει πρώτα </a:t>
+            </a:r>
+            <a:r>
+              <a:rPr lang="en-US" baseline="0" dirty="0" smtClean="0"/>
+              <a:t>train. H </a:t>
+            </a:r>
+            <a:r>
+              <a:rPr lang="el-GR" baseline="0" dirty="0" smtClean="0"/>
+              <a:t>διαδικασία του </a:t>
+            </a:r>
+            <a:r>
+              <a:rPr lang="en-US" baseline="0" dirty="0" smtClean="0"/>
+              <a:t>training </a:t>
+            </a:r>
+            <a:r>
+              <a:rPr lang="el-GR" baseline="0" dirty="0" smtClean="0"/>
+              <a:t>έχει ως εξής: Στην αρχή παρέχουμε στον </a:t>
+            </a:r>
+            <a:r>
+              <a:rPr lang="en-US" baseline="0" dirty="0" smtClean="0"/>
+              <a:t>NLPC, </a:t>
+            </a:r>
+            <a:r>
+              <a:rPr lang="el-GR" baseline="0" dirty="0" smtClean="0"/>
+              <a:t>μια σειρά από </a:t>
+            </a:r>
+            <a:r>
+              <a:rPr lang="en-US" baseline="0" dirty="0" smtClean="0"/>
+              <a:t>text documents, </a:t>
+            </a:r>
+            <a:r>
+              <a:rPr lang="el-GR" baseline="0" dirty="0" smtClean="0"/>
+              <a:t>τα οποία όμως ξέρουμε σε ποια κατηγορία ανήκουν. Συγκεκριμένα στο παράδειγμα εδώ, δίνουμε στον </a:t>
+            </a:r>
+            <a:r>
+              <a:rPr lang="en-US" baseline="0" dirty="0" smtClean="0"/>
+              <a:t>NLP </a:t>
+            </a:r>
+            <a:r>
+              <a:rPr lang="el-GR" baseline="0" dirty="0" smtClean="0"/>
+              <a:t>τρεις διαφορετικές κατηγορίες κειμένων όπου ξέρουμε σε ποιο σετ ανήκουν, πχ.. μπορούμε να πούμε ότι ένα σετ κειμένων μιλάει για </a:t>
+            </a:r>
+            <a:r>
+              <a:rPr lang="en-US" baseline="0" dirty="0" smtClean="0"/>
+              <a:t>scalability, </a:t>
+            </a:r>
+            <a:r>
+              <a:rPr lang="el-GR" baseline="0" dirty="0" smtClean="0"/>
+              <a:t>ένα άλλο σετ κειμένων μιλάει για </a:t>
+            </a:r>
+            <a:r>
+              <a:rPr lang="en-US" baseline="0" dirty="0" smtClean="0"/>
+              <a:t>optimization</a:t>
+            </a:r>
+            <a:r>
+              <a:rPr lang="el-GR" baseline="0" dirty="0" smtClean="0"/>
+              <a:t> κοκ.  </a:t>
+            </a:r>
+          </a:p>
+          <a:p>
+            <a:pPr marL="0" marR="0" indent="0" algn="l" defTabSz="914400" rtl="0" eaLnBrk="1" fontAlgn="auto" latinLnBrk="0" hangingPunct="1">
+              <a:lnSpc>
+                <a:spcPct val="100000"/>
+              </a:lnSpc>
+              <a:spcBef>
+                <a:spcPts val="0"/>
+              </a:spcBef>
+              <a:spcAft>
+                <a:spcPts val="0"/>
+              </a:spcAft>
+              <a:buClrTx/>
+              <a:buSzTx/>
+              <a:buFontTx/>
+              <a:buNone/>
+              <a:tabLst/>
+              <a:defRPr/>
+            </a:pPr>
+            <a:endParaRPr lang="el-GR" baseline="0" dirty="0" smtClean="0"/>
+          </a:p>
+          <a:p>
+            <a:pPr marL="0" marR="0" indent="0" algn="l" defTabSz="914400" rtl="0" eaLnBrk="1" fontAlgn="auto" latinLnBrk="0" hangingPunct="1">
+              <a:lnSpc>
+                <a:spcPct val="100000"/>
+              </a:lnSpc>
+              <a:spcBef>
+                <a:spcPts val="0"/>
+              </a:spcBef>
+              <a:spcAft>
+                <a:spcPts val="0"/>
+              </a:spcAft>
+              <a:buClrTx/>
+              <a:buSzTx/>
+              <a:buFontTx/>
+              <a:buNone/>
+              <a:tabLst/>
+              <a:defRPr/>
+            </a:pPr>
+            <a:r>
+              <a:rPr lang="el-GR" baseline="0" dirty="0" smtClean="0"/>
+              <a:t>Πρώτα ο </a:t>
+            </a:r>
+            <a:r>
+              <a:rPr lang="en-US" baseline="0" dirty="0" smtClean="0"/>
+              <a:t>NLPC </a:t>
+            </a:r>
+            <a:r>
+              <a:rPr lang="el-GR" baseline="0" dirty="0" smtClean="0"/>
+              <a:t>περνάει το κείμενο της κάθε κατηγορίας από έναν  </a:t>
+            </a:r>
+            <a:r>
+              <a:rPr lang="en-US" baseline="0" dirty="0" smtClean="0"/>
+              <a:t>Porter Stemming Algorithm </a:t>
+            </a:r>
+            <a:r>
+              <a:rPr lang="el-GR" baseline="0" dirty="0" smtClean="0"/>
+              <a:t>ο οποίος έχει ως σκοπό να απλοποιήσει τις λέξεις, κάνοντας τες από πληθυντικό αριθμό σε ενικό και άλλα τέτοια </a:t>
+            </a:r>
+            <a:r>
+              <a:rPr lang="el-GR" baseline="0" dirty="0" err="1" smtClean="0"/>
+              <a:t>τρικς</a:t>
+            </a:r>
+            <a:r>
+              <a:rPr lang="el-GR" baseline="0" dirty="0" smtClean="0"/>
+              <a:t> όπως για παράδειγμα η λέξη </a:t>
+            </a:r>
+            <a:r>
+              <a:rPr lang="en-US" baseline="0" dirty="0" smtClean="0"/>
+              <a:t>connectivity </a:t>
+            </a:r>
+            <a:r>
+              <a:rPr lang="el-GR" baseline="0" dirty="0" smtClean="0"/>
+              <a:t>θα γίνει </a:t>
+            </a:r>
+            <a:r>
+              <a:rPr lang="en-US" baseline="0" dirty="0" smtClean="0"/>
+              <a:t>connect</a:t>
+            </a:r>
+            <a:r>
+              <a:rPr lang="el-GR" baseline="0" dirty="0" smtClean="0"/>
+              <a:t>. Στην συνέχεια βάζει τις λέξεις αυτές σε ένα </a:t>
+            </a:r>
+            <a:r>
+              <a:rPr lang="en-US" baseline="0" dirty="0" smtClean="0"/>
+              <a:t>map </a:t>
+            </a:r>
+            <a:r>
+              <a:rPr lang="el-GR" baseline="0" dirty="0" smtClean="0"/>
+              <a:t>όπου κρατάει τις εμφανίσεις κάθε λέξης σε κάθε κατηγορία </a:t>
+            </a:r>
+            <a:r>
+              <a:rPr lang="el-GR" baseline="0" dirty="0" err="1" smtClean="0"/>
+              <a:t>δλδ</a:t>
+            </a:r>
+            <a:r>
+              <a:rPr lang="el-GR" baseline="0" dirty="0" smtClean="0"/>
+              <a:t> για την λέξη </a:t>
+            </a:r>
+            <a:r>
+              <a:rPr lang="en-US" baseline="0" dirty="0" smtClean="0"/>
+              <a:t>connect </a:t>
+            </a:r>
+            <a:r>
+              <a:rPr lang="el-GR" baseline="0" dirty="0" smtClean="0"/>
+              <a:t>κρατάει ότι εμφανίζεται στην κατηγορία </a:t>
+            </a:r>
+            <a:r>
+              <a:rPr lang="en-US" baseline="0" dirty="0" smtClean="0"/>
+              <a:t>scalability </a:t>
+            </a:r>
+            <a:r>
+              <a:rPr lang="el-GR" baseline="0" dirty="0" smtClean="0"/>
+              <a:t>20 φορές ας πούμε. </a:t>
+            </a:r>
+            <a:endParaRPr lang="el-GR" dirty="0" smtClean="0"/>
+          </a:p>
+          <a:p>
+            <a:pPr marL="0" marR="0" indent="0" algn="l" defTabSz="914400" rtl="0" eaLnBrk="1" fontAlgn="auto" latinLnBrk="0" hangingPunct="1">
+              <a:lnSpc>
+                <a:spcPct val="100000"/>
+              </a:lnSpc>
+              <a:spcBef>
+                <a:spcPts val="0"/>
+              </a:spcBef>
+              <a:spcAft>
+                <a:spcPts val="0"/>
+              </a:spcAft>
+              <a:buClrTx/>
+              <a:buSzTx/>
+              <a:buFontTx/>
+              <a:buNone/>
+              <a:tabLst/>
+              <a:defRPr/>
+            </a:pPr>
+            <a:endParaRPr lang="el-GR" dirty="0" smtClean="0"/>
+          </a:p>
+          <a:p>
+            <a:r>
+              <a:rPr lang="el-GR" dirty="0" smtClean="0"/>
+              <a:t>Έτσι ο</a:t>
             </a:r>
             <a:r>
               <a:rPr lang="el-GR" baseline="0" dirty="0" smtClean="0"/>
@@ -1459,326 +2014,27 @@
             </a:r>
             <a:r>
               <a:rPr lang="en-US" baseline="0" dirty="0" smtClean="0"/>
-              <a:t>deployment </a:t>
-            </a:r>
-            <a:r>
-              <a:rPr lang="el-GR" baseline="0" dirty="0" smtClean="0"/>
-              <a:t>κρατήσαμε σταθερό το </a:t>
-            </a:r>
-            <a:r>
-              <a:rPr lang="en-US" baseline="0" dirty="0" smtClean="0"/>
-              <a:t>layer 1 </a:t>
-            </a:r>
-            <a:r>
-              <a:rPr lang="el-GR" baseline="0" dirty="0" smtClean="0"/>
-              <a:t>μια μόνο μία </a:t>
-            </a:r>
-            <a:r>
-              <a:rPr lang="en-US" baseline="0" dirty="0" smtClean="0"/>
-              <a:t>Social Networking Engine </a:t>
-            </a:r>
-            <a:r>
-              <a:rPr lang="el-GR" baseline="0" dirty="0" smtClean="0"/>
-              <a:t>και αυξήσαμε τα </a:t>
-            </a:r>
-            <a:r>
-              <a:rPr lang="en-US" baseline="0" dirty="0" smtClean="0"/>
-              <a:t>nodes </a:t>
-            </a:r>
-            <a:r>
-              <a:rPr lang="el-GR" baseline="0" dirty="0" smtClean="0"/>
-              <a:t>των </a:t>
-            </a:r>
-            <a:r>
-              <a:rPr lang="en-US" baseline="0" dirty="0" smtClean="0"/>
-              <a:t>Memcached </a:t>
-            </a:r>
-            <a:r>
-              <a:rPr lang="el-GR" baseline="0" dirty="0" smtClean="0"/>
-              <a:t>στο 2</a:t>
-            </a:r>
-            <a:r>
-              <a:rPr lang="el-GR" baseline="30000" dirty="0" smtClean="0"/>
-              <a:t>ο</a:t>
-            </a:r>
-            <a:r>
-              <a:rPr lang="el-GR" baseline="0" dirty="0" smtClean="0"/>
-              <a:t> </a:t>
-            </a:r>
-            <a:r>
-              <a:rPr lang="en-US" baseline="0" dirty="0" smtClean="0"/>
-              <a:t>layer. </a:t>
-            </a:r>
-          </a:p>
-          <a:p>
-            <a:r>
-              <a:rPr lang="el-GR" baseline="0" dirty="0" smtClean="0"/>
-              <a:t>Ενώ στο 2</a:t>
-            </a:r>
-            <a:r>
-              <a:rPr lang="el-GR" baseline="30000" dirty="0" smtClean="0"/>
-              <a:t>ο</a:t>
-            </a:r>
-            <a:r>
-              <a:rPr lang="el-GR" baseline="0" dirty="0" smtClean="0"/>
-              <a:t> </a:t>
-            </a:r>
-            <a:r>
-              <a:rPr lang="en-US" baseline="0" dirty="0" smtClean="0"/>
-              <a:t>deployment </a:t>
-            </a:r>
-            <a:r>
-              <a:rPr lang="el-GR" baseline="0" dirty="0" smtClean="0"/>
-              <a:t>κρατήσαμε σταθερό το </a:t>
-            </a:r>
-            <a:r>
-              <a:rPr lang="en-US" baseline="0" dirty="0" smtClean="0"/>
-              <a:t>layer 2 </a:t>
-            </a:r>
-            <a:r>
-              <a:rPr lang="el-GR" baseline="0" dirty="0" smtClean="0"/>
-              <a:t>με μόνο μια </a:t>
-            </a:r>
-            <a:r>
-              <a:rPr lang="en-US" baseline="0" dirty="0" smtClean="0"/>
-              <a:t>memcached </a:t>
-            </a:r>
-            <a:r>
-              <a:rPr lang="el-GR" baseline="0" dirty="0" smtClean="0"/>
-              <a:t>και προσθέσαμε περισσότερες </a:t>
-            </a:r>
-            <a:r>
-              <a:rPr lang="en-US" baseline="0" dirty="0" smtClean="0"/>
-              <a:t>SNE</a:t>
-            </a:r>
-            <a:r>
-              <a:rPr lang="el-GR" baseline="0" dirty="0" smtClean="0"/>
-              <a:t> στο </a:t>
-            </a:r>
-            <a:r>
-              <a:rPr lang="en-US" baseline="0" dirty="0" smtClean="0"/>
-              <a:t>layer 1.</a:t>
-            </a:r>
-            <a:endParaRPr lang="el-GR" baseline="0" dirty="0" smtClean="0"/>
-          </a:p>
-          <a:p>
-            <a:endParaRPr lang="en-US" baseline="0" dirty="0" smtClean="0"/>
-          </a:p>
-          <a:p>
-            <a:r>
-              <a:rPr lang="en-US" baseline="0" dirty="0" smtClean="0"/>
-              <a:t>To layer 3 </a:t>
-            </a:r>
-            <a:r>
-              <a:rPr lang="el-GR" baseline="0" dirty="0" smtClean="0"/>
-              <a:t>έμεινε σταθερό με ένα </a:t>
-            </a:r>
-            <a:r>
-              <a:rPr lang="en-US" baseline="0" dirty="0" smtClean="0"/>
-              <a:t>Node</a:t>
-            </a:r>
-            <a:r>
-              <a:rPr lang="el-GR" baseline="0" dirty="0" smtClean="0"/>
-              <a:t> όπου έχουν γίνει </a:t>
-            </a:r>
-            <a:r>
-              <a:rPr lang="en-US" baseline="0" dirty="0" smtClean="0"/>
-              <a:t>deployed </a:t>
-            </a:r>
-            <a:r>
-              <a:rPr lang="el-GR" baseline="0" dirty="0" smtClean="0"/>
-              <a:t>τα </a:t>
-            </a:r>
-            <a:r>
-              <a:rPr lang="en-US" baseline="0" dirty="0" smtClean="0"/>
-              <a:t>repositories </a:t>
-            </a:r>
-            <a:r>
-              <a:rPr lang="el-GR" baseline="0" dirty="0" smtClean="0"/>
-              <a:t>μαζί με τον </a:t>
-            </a:r>
-            <a:r>
-              <a:rPr lang="en-US" baseline="0" dirty="0" smtClean="0"/>
-              <a:t>CDO Server.</a:t>
-            </a:r>
-          </a:p>
-          <a:p>
-            <a:endParaRPr lang="el-GR" baseline="0" dirty="0" smtClean="0"/>
-          </a:p>
-          <a:p>
-            <a:r>
-              <a:rPr lang="el-GR" baseline="0" dirty="0" smtClean="0"/>
-              <a:t>Το </a:t>
-            </a:r>
-            <a:r>
-              <a:rPr lang="en-US" baseline="0" dirty="0" smtClean="0"/>
-              <a:t>deployment </a:t>
-            </a:r>
-            <a:r>
-              <a:rPr lang="el-GR" baseline="0" dirty="0" smtClean="0"/>
-              <a:t>της αρχιτεκτονικής έγινε στο </a:t>
-            </a:r>
-            <a:r>
-              <a:rPr lang="en-US" baseline="0" dirty="0" smtClean="0"/>
-              <a:t>Amazon EC2</a:t>
-            </a:r>
-            <a:r>
-              <a:rPr lang="el-GR" baseline="0" dirty="0" smtClean="0"/>
-              <a:t> και οι τύποι </a:t>
-            </a:r>
-            <a:r>
-              <a:rPr lang="en-US" baseline="0" dirty="0" smtClean="0"/>
-              <a:t>VM </a:t>
-            </a:r>
-            <a:r>
-              <a:rPr lang="el-GR" baseline="0" dirty="0" smtClean="0"/>
-              <a:t>που χρησιμοποιήθηκαν φαίνονται στο σχήμα για κάθε </a:t>
-            </a:r>
-            <a:r>
-              <a:rPr lang="en-US" baseline="0" dirty="0" smtClean="0"/>
-              <a:t>VM </a:t>
-            </a:r>
-            <a:r>
-              <a:rPr lang="el-GR" baseline="0" dirty="0" smtClean="0"/>
-              <a:t>του συστήματος. </a:t>
-            </a:r>
-          </a:p>
-          <a:p>
-            <a:endParaRPr lang="el-GR" baseline="0" dirty="0" smtClean="0"/>
-          </a:p>
-          <a:p>
-            <a:r>
-              <a:rPr lang="el-GR" baseline="0" dirty="0" smtClean="0"/>
-              <a:t>Το </a:t>
-            </a:r>
-            <a:r>
-              <a:rPr lang="en-US" baseline="0" dirty="0" smtClean="0"/>
-              <a:t>SNE </a:t>
-            </a:r>
-            <a:r>
-              <a:rPr lang="el-GR" baseline="0" dirty="0" smtClean="0"/>
-              <a:t>χρησιμοποιεί το </a:t>
-            </a:r>
-            <a:r>
-              <a:rPr lang="en-US" baseline="0" dirty="0" smtClean="0"/>
-              <a:t>FS </a:t>
-            </a:r>
-            <a:r>
-              <a:rPr lang="el-GR" baseline="0" dirty="0" smtClean="0"/>
-              <a:t>έτσι ώστε να αποθηκεύει εκεί τις φωτογραφίες των χρηστών, των μοντέλων, των </a:t>
-            </a:r>
-            <a:r>
-              <a:rPr lang="en-US" baseline="0" dirty="0" smtClean="0"/>
-              <a:t>groups </a:t>
-            </a:r>
-            <a:r>
-              <a:rPr lang="el-GR" baseline="0" dirty="0" smtClean="0"/>
-              <a:t>κοκ. Για να διαμοιραστεί αυτή η πληροφορία σε όλα τα </a:t>
-            </a:r>
-            <a:r>
-              <a:rPr lang="en-US" baseline="0" dirty="0" smtClean="0"/>
-              <a:t>SNE instances </a:t>
-            </a:r>
-            <a:r>
-              <a:rPr lang="el-GR" baseline="0" dirty="0" smtClean="0"/>
-              <a:t>ένας </a:t>
-            </a:r>
-            <a:r>
-              <a:rPr lang="en-US" baseline="0" dirty="0" smtClean="0"/>
-              <a:t>NFS server </a:t>
-            </a:r>
-            <a:r>
-              <a:rPr lang="el-GR" baseline="0" dirty="0" smtClean="0"/>
-              <a:t>έγινε </a:t>
-            </a:r>
-            <a:r>
-              <a:rPr lang="en-US" baseline="0" dirty="0" smtClean="0"/>
-              <a:t>deploy </a:t>
-            </a:r>
-            <a:r>
-              <a:rPr lang="el-GR" baseline="0" dirty="0" smtClean="0"/>
-              <a:t>στο πρώτο </a:t>
-            </a:r>
-            <a:r>
-              <a:rPr lang="en-US" baseline="0" dirty="0" smtClean="0"/>
-              <a:t>instance </a:t>
-            </a:r>
-            <a:r>
-              <a:rPr lang="el-GR" baseline="0" dirty="0" smtClean="0"/>
-              <a:t>από αυτά και τα υπόλοιπα </a:t>
-            </a:r>
-            <a:r>
-              <a:rPr lang="en-US" baseline="0" dirty="0" smtClean="0"/>
-              <a:t>instances </a:t>
-            </a:r>
-            <a:r>
-              <a:rPr lang="el-GR" baseline="0" dirty="0" smtClean="0"/>
-              <a:t>έχουν μαζί τους έναν </a:t>
-            </a:r>
-            <a:r>
-              <a:rPr lang="en-US" baseline="0" dirty="0" smtClean="0"/>
-              <a:t>NFS client </a:t>
-            </a:r>
-            <a:r>
-              <a:rPr lang="el-GR" baseline="0" dirty="0" smtClean="0"/>
-              <a:t>ώστε να μπορούν να προσπελάσουν την ίδια πληροφορία.</a:t>
-            </a:r>
-          </a:p>
-          <a:p>
-            <a:endParaRPr lang="el-GR" baseline="0" dirty="0" smtClean="0"/>
-          </a:p>
-          <a:p>
-            <a:r>
-              <a:rPr lang="el-GR" dirty="0" smtClean="0"/>
-              <a:t>Για</a:t>
-            </a:r>
-            <a:r>
-              <a:rPr lang="el-GR" baseline="0" dirty="0" smtClean="0"/>
-              <a:t> να αποφευχθεί η πιθανότητα δύο </a:t>
-            </a:r>
-            <a:r>
-              <a:rPr lang="en-US" baseline="0" dirty="0" smtClean="0"/>
-              <a:t>SNE instances </a:t>
-            </a:r>
-            <a:r>
-              <a:rPr lang="el-GR" baseline="0" dirty="0" smtClean="0"/>
-              <a:t>να προσπαθήσουν να γράψουν σε κάποιο αρχείο την ίδια στιγμή ο </a:t>
-            </a:r>
-            <a:r>
-              <a:rPr lang="en-US" baseline="0" dirty="0" smtClean="0"/>
-              <a:t>Apache </a:t>
-            </a:r>
-            <a:r>
-              <a:rPr lang="en-US" baseline="0" dirty="0" err="1" smtClean="0"/>
-              <a:t>ZooKeeper</a:t>
-            </a:r>
-            <a:r>
-              <a:rPr lang="en-US" baseline="0" dirty="0" smtClean="0"/>
-              <a:t> </a:t>
-            </a:r>
-            <a:r>
-              <a:rPr lang="el-GR" baseline="0" dirty="0" smtClean="0"/>
-              <a:t>χρησιμοποιήθηκε για παρέχει τον συντονισμό μέσω των </a:t>
-            </a:r>
-            <a:r>
-              <a:rPr lang="en-US" baseline="0" dirty="0" smtClean="0"/>
-              <a:t>SNE </a:t>
-            </a:r>
-            <a:r>
-              <a:rPr lang="el-GR" baseline="0" dirty="0" smtClean="0"/>
-              <a:t>τα οποία </a:t>
-            </a:r>
-            <a:r>
-              <a:rPr lang="el-GR" baseline="0" dirty="0" err="1" smtClean="0"/>
-              <a:t>προσπελαύνουν</a:t>
-            </a:r>
-            <a:r>
-              <a:rPr lang="el-GR" baseline="0" dirty="0" smtClean="0"/>
-              <a:t> το </a:t>
-            </a:r>
-            <a:r>
-              <a:rPr lang="en-US" baseline="0" dirty="0" smtClean="0"/>
-              <a:t>FS.</a:t>
+              <a:t>NLPC </a:t>
+            </a:r>
+            <a:r>
+              <a:rPr lang="el-GR" baseline="0" dirty="0" smtClean="0"/>
+              <a:t>έχει γίνει πλέον </a:t>
+            </a:r>
+            <a:r>
+              <a:rPr lang="en-US" baseline="0" dirty="0" smtClean="0"/>
+              <a:t>train </a:t>
+            </a:r>
+            <a:r>
+              <a:rPr lang="el-GR" baseline="0" dirty="0" smtClean="0"/>
+              <a:t>και μπορεί να προσδιορίσει μελλοντικά κείμενα σε ποια από αυτές τις κατηγορίες ανήκουν χρησιμοποιώντας την πιθανότητα </a:t>
+            </a:r>
+            <a:r>
+              <a:rPr lang="en-US" baseline="0" dirty="0" smtClean="0"/>
+              <a:t>Naïve Bayes</a:t>
+            </a:r>
+            <a:r>
+              <a:rPr lang="el-GR" baseline="0" dirty="0" smtClean="0"/>
+              <a:t>. </a:t>
             </a:r>
             <a:endParaRPr lang="el-GR" dirty="0"/>
           </a:p>
@@ -1802,7 +2058,7 @@
             <a:fld id="{BFF29332-360D-462C-8DBA-6B9FF2FD1142}" type="slidenum">
               <a:rPr lang="en-GB" smtClean="0"/>
               <a:pPr/>
-              <a:t>13</a:t>
+              <a:t>14</a:t>
             </a:fld>
             <a:endParaRPr lang="en-GB"/>
           </a:p>
@@ -1811,7 +2067,7 @@
     </p:spTree>
     <p:extLst>
       <p:ext uri="{BB962C8B-B14F-4D97-AF65-F5344CB8AC3E}">
-        <p14:creationId xmlns:p14="http://schemas.microsoft.com/office/powerpoint/2010/main" val="914940826"/>
+        <p14:creationId xmlns:p14="http://schemas.microsoft.com/office/powerpoint/2010/main" val="2009972778"/>
       </p:ext>
     </p:extLst>
   </p:cSld>
@@ -1840,7 +2096,7 @@
       </p:grpSpPr>
       <p:sp>
         <p:nvSpPr>
-          <p:cNvPr id="2" name="Slide Image Placeholder 1"/>
+          <p:cNvPr id="2" name="1 - Θέση εικόνας διαφάνειας"/>
           <p:cNvSpPr>
             <a:spLocks noGrp="1" noRot="1" noChangeAspect="1"/>
           </p:cNvSpPr>
@@ -1852,7 +2108,7 @@
       </p:sp>
       <p:sp>
         <p:nvSpPr>
-          <p:cNvPr id="3" name="Notes Placeholder 2"/>
+          <p:cNvPr id="3" name="2 - Θέση σημειώσεων"/>
           <p:cNvSpPr>
             <a:spLocks noGrp="1"/>
           </p:cNvSpPr>
@@ -1862,365 +2118,26 @@
         </p:nvSpPr>
         <p:spPr/>
         <p:txBody>
-          <a:bodyPr/>
+          <a:bodyPr>
+            <a:normAutofit/>
+          </a:bodyPr>
           <a:lstStyle/>
           <a:p>
             <a:r>
               <a:rPr lang="el-GR" dirty="0" smtClean="0"/>
-              <a:t>Στο</a:t>
-            </a:r>
-            <a:r>
-              <a:rPr lang="el-GR" baseline="0" dirty="0" smtClean="0"/>
-              <a:t> διάγραμμα </a:t>
-            </a:r>
-            <a:r>
-              <a:rPr lang="el-GR" dirty="0" smtClean="0"/>
-              <a:t>φαίνεται</a:t>
-            </a:r>
-            <a:r>
-              <a:rPr lang="el-GR" baseline="0" dirty="0" smtClean="0"/>
-              <a:t> το </a:t>
-            </a:r>
-            <a:r>
-              <a:rPr lang="en-US" baseline="0" dirty="0" smtClean="0"/>
-              <a:t>Response time </a:t>
-            </a:r>
-            <a:r>
-              <a:rPr lang="el-GR" baseline="0" dirty="0" smtClean="0"/>
-              <a:t>για το πρώτο </a:t>
-            </a:r>
-            <a:r>
-              <a:rPr lang="en-US" baseline="0" dirty="0" smtClean="0"/>
-              <a:t>deployment </a:t>
-            </a:r>
-            <a:r>
-              <a:rPr lang="el-GR" baseline="0" dirty="0" smtClean="0"/>
-              <a:t>με 3 διαφορετικά </a:t>
-            </a:r>
-            <a:r>
-              <a:rPr lang="en-US" baseline="0" dirty="0" smtClean="0"/>
-              <a:t>configurations. C1, 2, 3. </a:t>
-            </a:r>
-            <a:r>
-              <a:rPr lang="el-GR" baseline="0" dirty="0" smtClean="0"/>
-              <a:t>Για κάθε </a:t>
-            </a:r>
-            <a:r>
-              <a:rPr lang="en-US" baseline="0" dirty="0" smtClean="0"/>
-              <a:t>configuration </a:t>
-            </a:r>
-            <a:r>
-              <a:rPr lang="el-GR" baseline="0" dirty="0" smtClean="0"/>
-              <a:t>τρία διαφορετικά</a:t>
-            </a:r>
-            <a:r>
-              <a:rPr lang="en-US" baseline="0" dirty="0" smtClean="0"/>
-              <a:t> loads </a:t>
-            </a:r>
-            <a:r>
-              <a:rPr lang="el-GR" baseline="0" dirty="0" smtClean="0"/>
-              <a:t>χρησιμοποιήθηκαν, όπως φαίνεται στον πίνακα από κάτω, για παράδειγμα στο </a:t>
-            </a:r>
-            <a:r>
-              <a:rPr lang="en-US" baseline="0" dirty="0" smtClean="0"/>
-              <a:t>load1 </a:t>
-            </a:r>
-            <a:r>
-              <a:rPr lang="el-GR" baseline="0" dirty="0" smtClean="0"/>
-              <a:t>10 χρήστες έστελναν </a:t>
-            </a:r>
-            <a:r>
-              <a:rPr lang="en-US" baseline="0" dirty="0" smtClean="0"/>
-              <a:t>request </a:t>
-            </a:r>
-            <a:r>
-              <a:rPr lang="el-GR" baseline="0" dirty="0" smtClean="0"/>
-              <a:t>να λάβουν διαδοχικά 2 </a:t>
-            </a:r>
-            <a:r>
-              <a:rPr lang="en-US" baseline="0" dirty="0" smtClean="0"/>
-              <a:t>applications </a:t>
-            </a:r>
-            <a:r>
-              <a:rPr lang="el-GR" baseline="0" dirty="0" smtClean="0"/>
-              <a:t>με τα </a:t>
-            </a:r>
-            <a:r>
-              <a:rPr lang="en-US" baseline="0" dirty="0" smtClean="0"/>
-              <a:t>executions </a:t>
-            </a:r>
-            <a:r>
-              <a:rPr lang="el-GR" baseline="0" dirty="0" smtClean="0"/>
-              <a:t>αυτών. Τα </a:t>
-            </a:r>
-            <a:r>
-              <a:rPr lang="en-US" baseline="0" dirty="0" smtClean="0"/>
-              <a:t>application </a:t>
-            </a:r>
-            <a:r>
-              <a:rPr lang="el-GR" baseline="0" dirty="0" smtClean="0"/>
-              <a:t>αυτά είχαν 10 διαφορετικά </a:t>
-            </a:r>
-            <a:r>
-              <a:rPr lang="en-US" baseline="0" dirty="0" smtClean="0"/>
-              <a:t>executions</a:t>
-            </a:r>
-            <a:r>
-              <a:rPr lang="el-GR" baseline="0" dirty="0" smtClean="0"/>
-              <a:t>.</a:t>
-            </a:r>
-            <a:r>
-              <a:rPr lang="en-US" baseline="0" dirty="0" smtClean="0"/>
-              <a:t> </a:t>
-            </a:r>
-            <a:r>
-              <a:rPr lang="el-GR" baseline="0" dirty="0" smtClean="0"/>
-              <a:t>Για κάθε </a:t>
-            </a:r>
-            <a:r>
-              <a:rPr lang="en-US" baseline="0" dirty="0" smtClean="0"/>
-              <a:t>load </a:t>
-            </a:r>
-            <a:r>
-              <a:rPr lang="el-GR" baseline="0" dirty="0" smtClean="0"/>
-              <a:t>η διαδικασία επαναλήφθηκε 100 φορές διαδοχικά. Για την προσομοίωση των χρηστών και για την μέτρηση του </a:t>
-            </a:r>
-            <a:r>
-              <a:rPr lang="en-US" baseline="0" dirty="0" smtClean="0"/>
-              <a:t>RT </a:t>
-            </a:r>
-            <a:r>
-              <a:rPr lang="el-GR" baseline="0" dirty="0" smtClean="0"/>
-              <a:t>το </a:t>
-            </a:r>
-            <a:r>
-              <a:rPr lang="en-US" baseline="0" dirty="0" smtClean="0"/>
-              <a:t>Apache Jmeter </a:t>
-            </a:r>
-            <a:r>
-              <a:rPr lang="el-GR" baseline="0" dirty="0" smtClean="0"/>
-              <a:t>χρησιμοποιήθηκε.  </a:t>
-            </a:r>
-          </a:p>
-          <a:p>
-            <a:endParaRPr lang="el-GR" baseline="0" dirty="0" smtClean="0"/>
-          </a:p>
-          <a:p>
-            <a:r>
-              <a:rPr lang="el-GR" baseline="0" dirty="0" smtClean="0"/>
-              <a:t>Όσον αφορά το </a:t>
-            </a:r>
-            <a:r>
-              <a:rPr lang="en-US" baseline="0" dirty="0" smtClean="0"/>
-              <a:t>configuration </a:t>
-            </a:r>
-            <a:r>
-              <a:rPr lang="el-GR" baseline="0" dirty="0" smtClean="0"/>
-              <a:t>τώρα, στο </a:t>
-            </a:r>
-            <a:r>
-              <a:rPr lang="en-US" baseline="0" dirty="0" smtClean="0"/>
-              <a:t>C1</a:t>
-            </a:r>
-            <a:r>
-              <a:rPr lang="el-GR" baseline="0" dirty="0" smtClean="0"/>
-              <a:t>, δεν έχουμε κανένα </a:t>
-            </a:r>
-            <a:r>
-              <a:rPr lang="en-US" baseline="0" dirty="0" smtClean="0"/>
-              <a:t>Memcached node </a:t>
-            </a:r>
-            <a:r>
-              <a:rPr lang="el-GR" baseline="0" dirty="0" smtClean="0"/>
-              <a:t>στο </a:t>
-            </a:r>
-            <a:r>
-              <a:rPr lang="en-US" baseline="0" dirty="0" smtClean="0"/>
-              <a:t>layer 2</a:t>
-            </a:r>
-            <a:r>
-              <a:rPr lang="el-GR" baseline="0" dirty="0" smtClean="0"/>
-              <a:t> και το </a:t>
-            </a:r>
-            <a:r>
-              <a:rPr lang="en-US" baseline="0" dirty="0" smtClean="0"/>
-              <a:t>SNE </a:t>
-            </a:r>
-            <a:r>
-              <a:rPr lang="el-GR" baseline="0" dirty="0" smtClean="0"/>
-              <a:t>πάει κατευθείαν στα </a:t>
-            </a:r>
-            <a:r>
-              <a:rPr lang="en-US" baseline="0" dirty="0" smtClean="0"/>
-              <a:t>repositories </a:t>
-            </a:r>
-            <a:r>
-              <a:rPr lang="el-GR" baseline="0" dirty="0" smtClean="0"/>
-              <a:t>για να εξάγει την πληροφορία που χρειάζεται. </a:t>
-            </a:r>
-            <a:r>
-              <a:rPr lang="en-US" baseline="0" dirty="0" smtClean="0"/>
-              <a:t> </a:t>
-            </a:r>
-            <a:r>
-              <a:rPr lang="el-GR" baseline="0" dirty="0" smtClean="0"/>
-              <a:t>Έτσι για το </a:t>
-            </a:r>
-            <a:r>
-              <a:rPr lang="en-US" baseline="0" dirty="0" smtClean="0"/>
-              <a:t>L3 </a:t>
-            </a:r>
-            <a:r>
-              <a:rPr lang="el-GR" baseline="0" dirty="0" smtClean="0"/>
-              <a:t>το </a:t>
-            </a:r>
-            <a:r>
-              <a:rPr lang="en-US" baseline="0" dirty="0" smtClean="0"/>
-              <a:t>RT </a:t>
-            </a:r>
-            <a:r>
-              <a:rPr lang="el-GR" baseline="0" dirty="0" smtClean="0"/>
-              <a:t>φτάνει τα κοντά στα 8.8 </a:t>
-            </a:r>
-            <a:r>
-              <a:rPr lang="en-US" baseline="0" dirty="0" smtClean="0"/>
-              <a:t>seconds. </a:t>
-            </a:r>
-          </a:p>
-          <a:p>
-            <a:endParaRPr lang="en-US" baseline="0" dirty="0" smtClean="0"/>
-          </a:p>
-          <a:p>
-            <a:r>
-              <a:rPr lang="el-GR" baseline="0" dirty="0" smtClean="0"/>
-              <a:t>Ενώ για το </a:t>
-            </a:r>
-            <a:r>
-              <a:rPr lang="en-US" baseline="0" dirty="0" smtClean="0"/>
-              <a:t>C2 </a:t>
-            </a:r>
-            <a:r>
-              <a:rPr lang="el-GR" baseline="0" dirty="0" smtClean="0"/>
-              <a:t>το </a:t>
-            </a:r>
-            <a:r>
-              <a:rPr lang="en-US" baseline="0" dirty="0" smtClean="0"/>
-              <a:t>RT</a:t>
-            </a:r>
-            <a:r>
-              <a:rPr lang="el-GR" baseline="0" dirty="0" smtClean="0"/>
-              <a:t> πέφτει στο 1.7 </a:t>
-            </a:r>
-            <a:r>
-              <a:rPr lang="en-US" baseline="0" dirty="0" smtClean="0"/>
-              <a:t>seconds </a:t>
-            </a:r>
-            <a:r>
-              <a:rPr lang="el-GR" baseline="0" dirty="0" smtClean="0"/>
-              <a:t>για το ίδιο φόρτο. Αυτή η τεράστια μείωση οφείλετε στο ότι πλέον το</a:t>
-            </a:r>
-            <a:r>
-              <a:rPr lang="en-US" baseline="0" dirty="0" smtClean="0"/>
-              <a:t> SNE </a:t>
-            </a:r>
-            <a:r>
-              <a:rPr lang="el-GR" baseline="0" dirty="0" smtClean="0"/>
-              <a:t>δεν χρειάζεται να πηγαίνει μέσα από το </a:t>
-            </a:r>
-            <a:r>
-              <a:rPr lang="en-US" baseline="0" dirty="0" smtClean="0"/>
-              <a:t>CDO client – server </a:t>
-            </a:r>
-            <a:r>
-              <a:rPr lang="el-GR" baseline="0" dirty="0" smtClean="0"/>
-              <a:t>για να πάρει τα </a:t>
-            </a:r>
-            <a:r>
-              <a:rPr lang="en-US" baseline="0" dirty="0" smtClean="0"/>
-              <a:t>execution </a:t>
-            </a:r>
-            <a:r>
-              <a:rPr lang="el-GR" baseline="0" dirty="0" smtClean="0"/>
-              <a:t>των εφαρμογών καθώς επίσης ούτε στην βάση δεδομένων του ΚΔ για να εξάγει την </a:t>
-            </a:r>
-            <a:r>
-              <a:rPr lang="en-US" baseline="0" dirty="0" smtClean="0"/>
-              <a:t>Social </a:t>
-            </a:r>
-            <a:r>
-              <a:rPr lang="el-GR" baseline="0" dirty="0" smtClean="0"/>
-              <a:t>πληροφορία αφού αυτή η πληροφορία υπάρχει πλέον στην </a:t>
-            </a:r>
-            <a:r>
-              <a:rPr lang="en-US" baseline="0" dirty="0" smtClean="0"/>
-              <a:t>Memcached</a:t>
-            </a:r>
-            <a:r>
-              <a:rPr lang="el-GR" baseline="0" dirty="0" smtClean="0"/>
-              <a:t>. </a:t>
-            </a:r>
-            <a:endParaRPr lang="en-US" baseline="0" dirty="0" smtClean="0"/>
-          </a:p>
-          <a:p>
-            <a:endParaRPr lang="en-US" baseline="0" dirty="0" smtClean="0"/>
-          </a:p>
-          <a:p>
-            <a:r>
-              <a:rPr lang="el-GR" baseline="0" dirty="0" smtClean="0"/>
-              <a:t>Στο </a:t>
-            </a:r>
-            <a:r>
-              <a:rPr lang="en-US" baseline="0" dirty="0" smtClean="0"/>
-              <a:t>C3 </a:t>
-            </a:r>
-            <a:r>
-              <a:rPr lang="el-GR" baseline="0" dirty="0" smtClean="0"/>
-              <a:t>το </a:t>
-            </a:r>
-            <a:r>
-              <a:rPr lang="en-US" baseline="0" dirty="0" smtClean="0"/>
-              <a:t>RT </a:t>
-            </a:r>
-            <a:r>
-              <a:rPr lang="el-GR" baseline="0" dirty="0" smtClean="0"/>
-              <a:t>πέφτει στο 1 </a:t>
-            </a:r>
-            <a:r>
-              <a:rPr lang="en-US" baseline="0" dirty="0" smtClean="0"/>
-              <a:t>second. </a:t>
-            </a:r>
-            <a:r>
-              <a:rPr lang="el-GR" baseline="0" dirty="0" smtClean="0"/>
-              <a:t>Αυτό οφείλετε στο ότι προστέθηκε άλλος ένας </a:t>
-            </a:r>
-            <a:r>
-              <a:rPr lang="en-US" baseline="0" dirty="0" smtClean="0"/>
-              <a:t>Memcached </a:t>
-            </a:r>
-            <a:r>
-              <a:rPr lang="el-GR" baseline="0" dirty="0" smtClean="0"/>
-              <a:t>κόμβος και όπως θα δούμε παρακάτω αυξήθηκαν τα </a:t>
-            </a:r>
-            <a:r>
-              <a:rPr lang="en-US" baseline="0" dirty="0" smtClean="0"/>
-              <a:t>CPU cores </a:t>
-            </a:r>
-            <a:r>
-              <a:rPr lang="el-GR" baseline="0" dirty="0" smtClean="0"/>
-              <a:t>του συστήματος.</a:t>
-            </a:r>
-          </a:p>
-          <a:p>
-            <a:endParaRPr lang="el-GR" baseline="0" dirty="0" smtClean="0"/>
-          </a:p>
-          <a:p>
-            <a:endParaRPr lang="el-GR" dirty="0"/>
-          </a:p>
-        </p:txBody>
-      </p:sp>
-      <p:sp>
-        <p:nvSpPr>
-          <p:cNvPr id="4" name="Slide Number Placeholder 3"/>
+              <a:t>Και</a:t>
+            </a:r>
+            <a:r>
+              <a:rPr lang="el-GR" baseline="0" dirty="0" smtClean="0"/>
+              <a:t> τώρα ας προχωρήσουμε με την αξιολόγηση του συστήματος.</a:t>
+            </a:r>
+            <a:endParaRPr lang="en-GB" dirty="0"/>
+          </a:p>
+        </p:txBody>
+      </p:sp>
+      <p:sp>
+        <p:nvSpPr>
+          <p:cNvPr id="4" name="3 - Θέση αριθμού διαφάνειας"/>
           <p:cNvSpPr>
             <a:spLocks noGrp="1"/>
           </p:cNvSpPr>
@@ -2236,7 +2153,7 @@
             <a:fld id="{BFF29332-360D-462C-8DBA-6B9FF2FD1142}" type="slidenum">
               <a:rPr lang="en-GB" smtClean="0"/>
               <a:pPr/>
-              <a:t>14</a:t>
+              <a:t>15</a:t>
             </a:fld>
             <a:endParaRPr lang="en-GB"/>
           </a:p>
@@ -2245,7 +2162,7 @@
     </p:spTree>
     <p:extLst>
       <p:ext uri="{BB962C8B-B14F-4D97-AF65-F5344CB8AC3E}">
-        <p14:creationId xmlns:p14="http://schemas.microsoft.com/office/powerpoint/2010/main" val="3183423334"/>
+        <p14:creationId xmlns:p14="http://schemas.microsoft.com/office/powerpoint/2010/main" val="104371226"/>
       </p:ext>
     </p:extLst>
   </p:cSld>
@@ -2300,80 +2217,28 @@
           <a:lstStyle/>
           <a:p>
             <a:r>
-              <a:rPr lang="el-GR" dirty="0" smtClean="0"/>
-              <a:t>Το διάγραμμα</a:t>
-            </a:r>
-            <a:r>
-              <a:rPr lang="el-GR" baseline="0" dirty="0" smtClean="0"/>
-              <a:t> αυτό απευθύνεται στο δεύτερο </a:t>
-            </a:r>
-            <a:r>
-              <a:rPr lang="en-US" baseline="0" dirty="0" smtClean="0"/>
-              <a:t>deployment </a:t>
-            </a:r>
-            <a:r>
-              <a:rPr lang="el-GR" baseline="0" dirty="0" smtClean="0"/>
-              <a:t>όπου στο </a:t>
-            </a:r>
-            <a:r>
-              <a:rPr lang="en-US" baseline="0" dirty="0" smtClean="0"/>
-              <a:t>layer 2 </a:t>
-            </a:r>
-            <a:r>
-              <a:rPr lang="el-GR" baseline="0" dirty="0" smtClean="0"/>
-              <a:t>έχουμε μόνο μια </a:t>
-            </a:r>
-            <a:r>
-              <a:rPr lang="en-US" baseline="0" dirty="0" smtClean="0"/>
-              <a:t>Memcached </a:t>
-            </a:r>
-            <a:r>
-              <a:rPr lang="el-GR" baseline="0" dirty="0" smtClean="0"/>
-              <a:t>ενώ στο </a:t>
-            </a:r>
-            <a:r>
-              <a:rPr lang="en-US" baseline="0" dirty="0" smtClean="0"/>
-              <a:t>Layer 1 </a:t>
-            </a:r>
-            <a:r>
-              <a:rPr lang="el-GR" baseline="0" dirty="0" smtClean="0"/>
-              <a:t>έχουμε δύο </a:t>
-            </a:r>
-            <a:r>
-              <a:rPr lang="en-US" baseline="0" dirty="0" smtClean="0"/>
-              <a:t>SNE instances</a:t>
-            </a:r>
-            <a:r>
-              <a:rPr lang="el-GR" baseline="0" dirty="0" smtClean="0"/>
-              <a:t>, και το </a:t>
-            </a:r>
-            <a:r>
-              <a:rPr lang="en-US" baseline="0" dirty="0" smtClean="0"/>
-              <a:t>load </a:t>
-            </a:r>
-            <a:r>
-              <a:rPr lang="el-GR" baseline="0" dirty="0" smtClean="0"/>
-              <a:t>που χρησιμοποιήθηκε είναι το </a:t>
-            </a:r>
-            <a:r>
-              <a:rPr lang="en-US" baseline="0" dirty="0" smtClean="0"/>
-              <a:t>L3. </a:t>
-            </a:r>
-            <a:r>
-              <a:rPr lang="el-GR" baseline="0" dirty="0" smtClean="0"/>
-              <a:t>Αφού πλέον τα </a:t>
-            </a:r>
-            <a:r>
-              <a:rPr lang="en-US" baseline="0" dirty="0" smtClean="0"/>
-              <a:t>requests </a:t>
-            </a:r>
-            <a:r>
-              <a:rPr lang="el-GR" baseline="0" dirty="0" smtClean="0"/>
-              <a:t>διαμοιράζονται μεταξύ των </a:t>
-            </a:r>
-            <a:r>
-              <a:rPr lang="en-US" baseline="0" dirty="0" smtClean="0"/>
-              <a:t>SNE </a:t>
+              <a:rPr lang="en-US" dirty="0" smtClean="0"/>
+              <a:t>To user interface</a:t>
+            </a:r>
+            <a:r>
+              <a:rPr lang="en-US" baseline="0" dirty="0" smtClean="0"/>
+              <a:t> evaluation </a:t>
+            </a:r>
+            <a:r>
+              <a:rPr lang="el-GR" baseline="0" dirty="0" smtClean="0"/>
+              <a:t>έγινε από </a:t>
+            </a:r>
+            <a:r>
+              <a:rPr lang="en-US" baseline="0" dirty="0" smtClean="0"/>
+              <a:t>HCI experts </a:t>
+            </a:r>
+            <a:r>
+              <a:rPr lang="el-GR" baseline="0" dirty="0" smtClean="0"/>
+              <a:t>στον τομέα αυτόν και εγώ με την σειρά μου βοήθησα ώστε η ΠΚΔ να μπορεί να κάνει </a:t>
+            </a:r>
+            <a:r>
+              <a:rPr lang="en-US" baseline="0" dirty="0" smtClean="0"/>
+              <a:t>support </a:t>
             </a:r>
             <a:r>
               <a:rPr lang="el-GR" baseline="0" dirty="0" smtClean="0"/>
@@ -2381,16 +2246,106 @@
             </a:r>
             <a:r>
               <a:rPr lang="en-US" baseline="0" dirty="0" smtClean="0"/>
-              <a:t>average RT  </a:t>
-            </a:r>
-            <a:r>
-              <a:rPr lang="el-GR" baseline="0" dirty="0" smtClean="0"/>
-              <a:t>έπεσε στο 0.5 </a:t>
-            </a:r>
-            <a:r>
-              <a:rPr lang="en-US" baseline="0" dirty="0" smtClean="0"/>
-              <a:t>second.</a:t>
-            </a:r>
+              <a:t>UIE </a:t>
+            </a:r>
+            <a:r>
+              <a:rPr lang="el-GR" baseline="0" dirty="0" smtClean="0"/>
+              <a:t>καθώς επίσης είχα </a:t>
+            </a:r>
+            <a:r>
+              <a:rPr lang="en-US" baseline="0" dirty="0" smtClean="0"/>
+              <a:t>contribution </a:t>
+            </a:r>
+            <a:r>
+              <a:rPr lang="el-GR" baseline="0" dirty="0" smtClean="0"/>
+              <a:t>σε μερικά </a:t>
+            </a:r>
+            <a:r>
+              <a:rPr lang="en-US" baseline="0" dirty="0" smtClean="0"/>
+              <a:t>Interviews </a:t>
+            </a:r>
+            <a:r>
+              <a:rPr lang="el-GR" baseline="0" dirty="0" smtClean="0"/>
+              <a:t>της αξιολόγησης με πιθανούς χρήστες του συστήματος ώστε να πάρουμε </a:t>
+            </a:r>
+            <a:r>
+              <a:rPr lang="en-US" baseline="0" dirty="0" smtClean="0"/>
+              <a:t>feedback </a:t>
+            </a:r>
+            <a:r>
+              <a:rPr lang="el-GR" baseline="0" dirty="0" smtClean="0"/>
+              <a:t>για την πλατφόρμα μας.</a:t>
+            </a:r>
+            <a:r>
+              <a:rPr lang="en-US" baseline="0" dirty="0" smtClean="0"/>
+              <a:t> </a:t>
+            </a:r>
+            <a:endParaRPr lang="el-GR" baseline="0" dirty="0" smtClean="0"/>
+          </a:p>
+          <a:p>
+            <a:endParaRPr lang="el-GR" baseline="0" dirty="0" smtClean="0"/>
+          </a:p>
+          <a:p>
+            <a:r>
+              <a:rPr lang="el-GR" baseline="0" dirty="0" smtClean="0"/>
+              <a:t>Οι χρήστες είχαν γνώση του τομέα των </a:t>
+            </a:r>
+            <a:r>
+              <a:rPr lang="en-US" baseline="0" dirty="0" smtClean="0"/>
+              <a:t>DevOps </a:t>
+            </a:r>
+            <a:r>
+              <a:rPr lang="el-GR" baseline="0" dirty="0" smtClean="0"/>
+              <a:t>και χρησιμοποιούσαν συστήματα όπως το </a:t>
+            </a:r>
+            <a:r>
+              <a:rPr lang="en-US" baseline="0" dirty="0" smtClean="0"/>
+              <a:t>GitHub, </a:t>
+            </a:r>
+            <a:r>
+              <a:rPr lang="el-GR" baseline="0" dirty="0" smtClean="0"/>
+              <a:t>το </a:t>
+            </a:r>
+            <a:r>
+              <a:rPr lang="en-US" baseline="0" dirty="0" smtClean="0"/>
+              <a:t>Chef supermarket </a:t>
+            </a:r>
+            <a:r>
+              <a:rPr lang="el-GR" baseline="0" dirty="0" smtClean="0"/>
+              <a:t>κα, καθώς επίσης και είχαν εμπειρία με </a:t>
+            </a:r>
+            <a:r>
+              <a:rPr lang="en-US" baseline="0" dirty="0" smtClean="0"/>
+              <a:t>Sites </a:t>
+            </a:r>
+            <a:r>
+              <a:rPr lang="el-GR" baseline="0" dirty="0" smtClean="0"/>
+              <a:t>κοινωνικής δικτύωσης όπως το </a:t>
+            </a:r>
+            <a:r>
+              <a:rPr lang="en-US" baseline="0" dirty="0" smtClean="0"/>
+              <a:t>LinkedIn kai </a:t>
+            </a:r>
+            <a:r>
+              <a:rPr lang="el-GR" baseline="0" dirty="0" smtClean="0"/>
+              <a:t>το </a:t>
+            </a:r>
+            <a:r>
+              <a:rPr lang="en-US" baseline="0" dirty="0" smtClean="0"/>
+              <a:t>Facebook.  </a:t>
+            </a:r>
+          </a:p>
+          <a:p>
+            <a:endParaRPr lang="en-US" baseline="0" dirty="0" smtClean="0"/>
+          </a:p>
+          <a:p>
+            <a:r>
+              <a:rPr lang="el-GR" baseline="0" dirty="0" smtClean="0"/>
+              <a:t>Οι χρήστες αυτοί συμμετείχαν στην αξιολόγηση η οποία έγινε ως εξής</a:t>
+            </a:r>
+            <a:endParaRPr lang="el-GR" dirty="0" smtClean="0"/>
+          </a:p>
+          <a:p>
             <a:endParaRPr lang="el-GR" dirty="0"/>
           </a:p>
         </p:txBody>
@@ -2413,7 +2368,7 @@
             <a:fld id="{BFF29332-360D-462C-8DBA-6B9FF2FD1142}" type="slidenum">
               <a:rPr lang="en-GB" smtClean="0"/>
               <a:pPr/>
-              <a:t>15</a:t>
+              <a:t>16</a:t>
             </a:fld>
             <a:endParaRPr lang="en-GB"/>
           </a:p>
@@ -2422,7 +2377,7 @@
     </p:spTree>
     <p:extLst>
       <p:ext uri="{BB962C8B-B14F-4D97-AF65-F5344CB8AC3E}">
-        <p14:creationId xmlns:p14="http://schemas.microsoft.com/office/powerpoint/2010/main" val="207509272"/>
+        <p14:creationId xmlns:p14="http://schemas.microsoft.com/office/powerpoint/2010/main" val="1889932799"/>
       </p:ext>
     </p:extLst>
   </p:cSld>
@@ -2478,40 +2433,7 @@
           <a:p>
             <a:r>
               <a:rPr lang="el-GR" dirty="0" smtClean="0"/>
-              <a:t>Εδώ</a:t>
-            </a:r>
-            <a:r>
-              <a:rPr lang="el-GR" baseline="0" dirty="0" smtClean="0"/>
-              <a:t> φαίνεται το </a:t>
-            </a:r>
-            <a:r>
-              <a:rPr lang="en-US" baseline="0" dirty="0" smtClean="0"/>
-              <a:t>CPU Utilization </a:t>
-            </a:r>
-            <a:r>
-              <a:rPr lang="el-GR" baseline="0" dirty="0" smtClean="0"/>
-              <a:t>για τα τρία διαφορετικά </a:t>
-            </a:r>
-            <a:r>
-              <a:rPr lang="en-US" baseline="0" dirty="0" smtClean="0"/>
-              <a:t>Configurations </a:t>
-            </a:r>
-            <a:r>
-              <a:rPr lang="el-GR" baseline="0" dirty="0" smtClean="0"/>
-              <a:t>του συστήματος.</a:t>
-            </a:r>
-          </a:p>
-          <a:p>
-            <a:endParaRPr lang="el-GR" baseline="0" dirty="0" smtClean="0"/>
-          </a:p>
-          <a:p>
-            <a:r>
-              <a:rPr lang="el-GR" baseline="0" dirty="0" smtClean="0"/>
-              <a:t>Παρατηρούμε ότι στο 1</a:t>
-            </a:r>
-            <a:r>
-              <a:rPr lang="el-GR" baseline="30000" dirty="0" smtClean="0"/>
-              <a:t>ο</a:t>
+              <a:t>Τα</a:t>
             </a:r>
             <a:r>
               <a:rPr lang="el-GR" baseline="0" dirty="0" smtClean="0"/>
@@ -2519,67 +2441,11 @@
             </a:r>
             <a:r>
               <a:rPr lang="en-US" baseline="0" dirty="0" smtClean="0"/>
-              <a:t>configuration </a:t>
-            </a:r>
-            <a:r>
-              <a:rPr lang="el-GR" baseline="0" dirty="0" smtClean="0"/>
-              <a:t>για το </a:t>
-            </a:r>
-            <a:r>
-              <a:rPr lang="en-US" baseline="0" dirty="0" smtClean="0"/>
-              <a:t>L3, </a:t>
-            </a:r>
-            <a:r>
-              <a:rPr lang="el-GR" baseline="0" dirty="0" smtClean="0"/>
-              <a:t>το </a:t>
-            </a:r>
-            <a:r>
-              <a:rPr lang="en-US" baseline="0" dirty="0" smtClean="0"/>
-              <a:t>SN Engine </a:t>
-            </a:r>
-            <a:r>
-              <a:rPr lang="el-GR" baseline="0" dirty="0" smtClean="0"/>
-              <a:t>έχει φτάσει στο 91% για αυτό έχουμε και το αργό </a:t>
-            </a:r>
-            <a:r>
-              <a:rPr lang="en-US" baseline="0" dirty="0" smtClean="0"/>
-              <a:t>RT. </a:t>
-            </a:r>
-            <a:r>
-              <a:rPr lang="el-GR" baseline="0" dirty="0" smtClean="0"/>
-              <a:t>Προσθέτοντας τα  </a:t>
-            </a:r>
-            <a:r>
-              <a:rPr lang="en-US" baseline="0" dirty="0" smtClean="0"/>
-              <a:t>Memcached Nodes </a:t>
-            </a:r>
-            <a:r>
-              <a:rPr lang="el-GR" baseline="0" dirty="0" smtClean="0"/>
-              <a:t>το φόρτο φεύγει από το </a:t>
-            </a:r>
-            <a:r>
-              <a:rPr lang="en-US" baseline="0" dirty="0" smtClean="0"/>
-              <a:t>SNE </a:t>
-            </a:r>
-            <a:r>
-              <a:rPr lang="el-GR" baseline="0" dirty="0" smtClean="0"/>
-              <a:t>και πηγαίνει στα </a:t>
-            </a:r>
-            <a:r>
-              <a:rPr lang="en-US" baseline="0" dirty="0" smtClean="0"/>
-              <a:t>Memcached Nodes</a:t>
-            </a:r>
-            <a:r>
-              <a:rPr lang="el-GR" baseline="0" dirty="0" smtClean="0"/>
-              <a:t>. Έτσι πετυχαίνουμε το </a:t>
-            </a:r>
-            <a:r>
-              <a:rPr lang="en-US" baseline="0" dirty="0" smtClean="0"/>
-              <a:t>RT </a:t>
-            </a:r>
-            <a:r>
-              <a:rPr lang="el-GR" baseline="0" dirty="0" smtClean="0"/>
-              <a:t>του συστήματος να είναι καλύτερό.</a:t>
+              <a:t>requirement </a:t>
+            </a:r>
+            <a:r>
+              <a:rPr lang="el-GR" baseline="0" dirty="0" smtClean="0"/>
+              <a:t>των χρηστών είναι αυτά που φαίνονται στο σχήμα.</a:t>
             </a:r>
             <a:endParaRPr lang="el-GR" dirty="0"/>
           </a:p>
@@ -2603,7 +2469,7 @@
             <a:fld id="{BFF29332-360D-462C-8DBA-6B9FF2FD1142}" type="slidenum">
               <a:rPr lang="en-GB" smtClean="0"/>
               <a:pPr/>
-              <a:t>16</a:t>
+              <a:t>17</a:t>
             </a:fld>
             <a:endParaRPr lang="en-GB"/>
           </a:p>
@@ -2612,7 +2478,7 @@
     </p:spTree>
     <p:extLst>
       <p:ext uri="{BB962C8B-B14F-4D97-AF65-F5344CB8AC3E}">
-        <p14:creationId xmlns:p14="http://schemas.microsoft.com/office/powerpoint/2010/main" val="1787856843"/>
+        <p14:creationId xmlns:p14="http://schemas.microsoft.com/office/powerpoint/2010/main" val="3761330666"/>
       </p:ext>
     </p:extLst>
   </p:cSld>
@@ -2668,75 +2534,11 @@
           <a:p>
             <a:r>
               <a:rPr lang="el-GR" dirty="0" smtClean="0"/>
-              <a:t>Εδώ φαίνεται</a:t>
-            </a:r>
-            <a:r>
-              <a:rPr lang="el-GR" baseline="0" dirty="0" smtClean="0"/>
-              <a:t> το </a:t>
-            </a:r>
-            <a:r>
-              <a:rPr lang="en-US" baseline="0" dirty="0" smtClean="0"/>
-              <a:t>CPU Utilization </a:t>
-            </a:r>
-            <a:r>
-              <a:rPr lang="el-GR" baseline="0" dirty="0" smtClean="0"/>
-              <a:t>για τα δύο </a:t>
-            </a:r>
-            <a:r>
-              <a:rPr lang="en-US" baseline="0" dirty="0" smtClean="0"/>
-              <a:t>SNE instances. </a:t>
-            </a:r>
-            <a:r>
-              <a:rPr lang="el-GR" baseline="0" dirty="0" smtClean="0"/>
-              <a:t>Η διαφορά μεταξύ του 1</a:t>
-            </a:r>
-            <a:r>
-              <a:rPr lang="el-GR" baseline="30000" dirty="0" smtClean="0"/>
-              <a:t>ου</a:t>
-            </a:r>
-            <a:r>
-              <a:rPr lang="el-GR" baseline="0" dirty="0" smtClean="0"/>
-              <a:t> και του 2</a:t>
-            </a:r>
-            <a:r>
-              <a:rPr lang="el-GR" baseline="30000" dirty="0" smtClean="0"/>
-              <a:t>ου</a:t>
-            </a:r>
-            <a:r>
-              <a:rPr lang="el-GR" baseline="0" dirty="0" smtClean="0"/>
-              <a:t> είναι στο ότι το πρώτο τρέχει και τον </a:t>
-            </a:r>
-            <a:r>
-              <a:rPr lang="en-US" baseline="0" dirty="0" smtClean="0"/>
-              <a:t>AZ </a:t>
-            </a:r>
-            <a:r>
-              <a:rPr lang="el-GR" baseline="0" dirty="0" smtClean="0"/>
-              <a:t>και τον </a:t>
-            </a:r>
-            <a:r>
-              <a:rPr lang="en-US" baseline="0" dirty="0" smtClean="0"/>
-              <a:t>NFS server. </a:t>
-            </a:r>
-            <a:r>
-              <a:rPr lang="el-GR" baseline="0" dirty="0" smtClean="0"/>
-              <a:t>Η </a:t>
-            </a:r>
-            <a:r>
-              <a:rPr lang="en-US" baseline="0" dirty="0" smtClean="0"/>
-              <a:t>memcached </a:t>
-            </a:r>
-            <a:r>
-              <a:rPr lang="el-GR" baseline="0" dirty="0" smtClean="0"/>
-              <a:t>εδώ έχει φτάσει στο 90% αλλά προσθέτοντας και άλλα </a:t>
-            </a:r>
-            <a:r>
-              <a:rPr lang="en-US" baseline="0" dirty="0" smtClean="0"/>
-              <a:t>Memcached instances </a:t>
-            </a:r>
-            <a:r>
-              <a:rPr lang="el-GR" baseline="0" dirty="0" smtClean="0"/>
-              <a:t>αυτό μπορεί να μειωθεί.</a:t>
+              <a:t>Ύστε</a:t>
+            </a:r>
+            <a:r>
+              <a:rPr lang="el-GR" baseline="0" dirty="0" smtClean="0"/>
+              <a:t>ρα από την παρουσίαση του δικού μας ΚΔ, οι χρήστες βρήκαν αρκετά χρήσιμές αυτές τις δυνατότητες.</a:t>
             </a:r>
             <a:endParaRPr lang="el-GR" dirty="0"/>
           </a:p>
@@ -2760,7 +2562,7 @@
             <a:fld id="{BFF29332-360D-462C-8DBA-6B9FF2FD1142}" type="slidenum">
               <a:rPr lang="en-GB" smtClean="0"/>
               <a:pPr/>
-              <a:t>17</a:t>
+              <a:t>18</a:t>
             </a:fld>
             <a:endParaRPr lang="en-GB"/>
           </a:p>
@@ -2769,7 +2571,7 @@
     </p:spTree>
     <p:extLst>
       <p:ext uri="{BB962C8B-B14F-4D97-AF65-F5344CB8AC3E}">
-        <p14:creationId xmlns:p14="http://schemas.microsoft.com/office/powerpoint/2010/main" val="2551115175"/>
+        <p14:creationId xmlns:p14="http://schemas.microsoft.com/office/powerpoint/2010/main" val="591438824"/>
       </p:ext>
     </p:extLst>
   </p:cSld>
@@ -2820,60 +2622,479 @@
         </p:nvSpPr>
         <p:spPr/>
         <p:txBody>
-          <a:bodyPr/>
-          <a:lstStyle/>
+          <a:bodyPr>
+            <a:normAutofit lnSpcReduction="10000"/>
+          </a:bodyPr>
+          <a:lstStyle/>
+          <a:p>
+            <a:r>
+              <a:rPr lang="el-GR" sz="1200" kern="1200" baseline="0" dirty="0" smtClean="0">
+                <a:solidFill>
+                  <a:schemeClr val="tx1"/>
+                </a:solidFill>
+                <a:latin typeface="+mn-lt"/>
+                <a:ea typeface="+mn-ea"/>
+                <a:cs typeface="+mn-cs"/>
+              </a:rPr>
+              <a:t>Το</a:t>
+            </a:r>
+            <a:r>
+              <a:rPr lang="en-GB" sz="1200" kern="1200" baseline="0" dirty="0" smtClean="0">
+                <a:solidFill>
+                  <a:schemeClr val="tx1"/>
+                </a:solidFill>
+                <a:latin typeface="+mn-lt"/>
+                <a:ea typeface="+mn-ea"/>
+                <a:cs typeface="+mn-cs"/>
+              </a:rPr>
+              <a:t> evaluation</a:t>
+            </a:r>
+            <a:r>
+              <a:rPr lang="el-GR" sz="1200" kern="1200" baseline="0" dirty="0" smtClean="0">
+                <a:solidFill>
+                  <a:schemeClr val="tx1"/>
+                </a:solidFill>
+                <a:latin typeface="+mn-lt"/>
+                <a:ea typeface="+mn-ea"/>
+                <a:cs typeface="+mn-cs"/>
+              </a:rPr>
+              <a:t>, όσον </a:t>
+            </a:r>
+            <a:r>
+              <a:rPr lang="el-GR" sz="1200" kern="1200" baseline="0" dirty="0" err="1" smtClean="0">
+                <a:solidFill>
+                  <a:schemeClr val="tx1"/>
+                </a:solidFill>
+                <a:latin typeface="+mn-lt"/>
+                <a:ea typeface="+mn-ea"/>
+                <a:cs typeface="+mn-cs"/>
+              </a:rPr>
+              <a:t>αφορα</a:t>
+            </a:r>
+            <a:r>
+              <a:rPr lang="el-GR" sz="1200" kern="1200" baseline="0" dirty="0" smtClean="0">
+                <a:solidFill>
+                  <a:schemeClr val="tx1"/>
+                </a:solidFill>
+                <a:latin typeface="+mn-lt"/>
+                <a:ea typeface="+mn-ea"/>
+                <a:cs typeface="+mn-cs"/>
+              </a:rPr>
+              <a:t> το </a:t>
+            </a:r>
+            <a:r>
+              <a:rPr lang="en-US" sz="1200" kern="1200" baseline="0" dirty="0" smtClean="0">
+                <a:solidFill>
+                  <a:schemeClr val="tx1"/>
+                </a:solidFill>
+                <a:latin typeface="+mn-lt"/>
+                <a:ea typeface="+mn-ea"/>
+                <a:cs typeface="+mn-cs"/>
+              </a:rPr>
+              <a:t>system architecture, </a:t>
+            </a:r>
+            <a:r>
+              <a:rPr lang="el-GR" sz="1200" kern="1200" baseline="0" dirty="0" smtClean="0">
+                <a:solidFill>
+                  <a:schemeClr val="tx1"/>
+                </a:solidFill>
+                <a:latin typeface="+mn-lt"/>
+                <a:ea typeface="+mn-ea"/>
+                <a:cs typeface="+mn-cs"/>
+              </a:rPr>
+              <a:t>είναι χωρισμένο σε δύο διαφορετικά </a:t>
+            </a:r>
+            <a:r>
+              <a:rPr lang="en-US" sz="1200" kern="1200" baseline="0" dirty="0" smtClean="0">
+                <a:solidFill>
+                  <a:schemeClr val="tx1"/>
+                </a:solidFill>
+                <a:latin typeface="+mn-lt"/>
+                <a:ea typeface="+mn-ea"/>
+                <a:cs typeface="+mn-cs"/>
+              </a:rPr>
+              <a:t>deployments </a:t>
+            </a:r>
+            <a:r>
+              <a:rPr lang="el-GR" sz="1200" kern="1200" baseline="0" dirty="0" smtClean="0">
+                <a:solidFill>
+                  <a:schemeClr val="tx1"/>
+                </a:solidFill>
+                <a:latin typeface="+mn-lt"/>
+                <a:ea typeface="+mn-ea"/>
+                <a:cs typeface="+mn-cs"/>
+              </a:rPr>
+              <a:t>της αρχιτεκτονικής</a:t>
+            </a:r>
+            <a:r>
+              <a:rPr lang="en-US" sz="1200" kern="1200" baseline="0" dirty="0" smtClean="0">
+                <a:solidFill>
+                  <a:schemeClr val="tx1"/>
+                </a:solidFill>
+                <a:latin typeface="+mn-lt"/>
+                <a:ea typeface="+mn-ea"/>
+                <a:cs typeface="+mn-cs"/>
+              </a:rPr>
+              <a:t>.</a:t>
+            </a:r>
+            <a:endParaRPr lang="en-GB" sz="1200" kern="1200" baseline="0" dirty="0" smtClean="0">
+              <a:solidFill>
+                <a:schemeClr val="tx1"/>
+              </a:solidFill>
+              <a:latin typeface="+mn-lt"/>
+              <a:ea typeface="+mn-ea"/>
+              <a:cs typeface="+mn-cs"/>
+            </a:endParaRPr>
+          </a:p>
+          <a:p>
+            <a:endParaRPr lang="en-GB" sz="1200" kern="1200" baseline="0" dirty="0" smtClean="0">
+              <a:solidFill>
+                <a:schemeClr val="tx1"/>
+              </a:solidFill>
+              <a:latin typeface="+mn-lt"/>
+              <a:ea typeface="+mn-ea"/>
+              <a:cs typeface="+mn-cs"/>
+            </a:endParaRPr>
+          </a:p>
           <a:p>
             <a:r>
               <a:rPr lang="el-GR" dirty="0" smtClean="0"/>
-              <a:t>Σε αυτό</a:t>
-            </a:r>
-            <a:r>
-              <a:rPr lang="el-GR" baseline="0" dirty="0" smtClean="0"/>
-              <a:t> τον πίνακα φαίνεται ένα </a:t>
-            </a:r>
-            <a:r>
-              <a:rPr lang="en-US" baseline="0" dirty="0" smtClean="0"/>
-              <a:t>evaluation </a:t>
-            </a:r>
-            <a:r>
-              <a:rPr lang="el-GR" baseline="0" dirty="0" smtClean="0"/>
-              <a:t>του </a:t>
-            </a:r>
-            <a:r>
-              <a:rPr lang="en-US" baseline="0" dirty="0" smtClean="0"/>
-              <a:t>NLP </a:t>
-            </a:r>
-            <a:r>
-              <a:rPr lang="el-GR" baseline="0" dirty="0" smtClean="0"/>
-              <a:t>για 5 διαφορετικές κατηγορίες. Στην κάθετη στήλη φαίνεται οι 5 διαφορετικές κλάσεις και οριζόντια φαίνονται σε ποια κλάση έγιναν </a:t>
-            </a:r>
-            <a:r>
-              <a:rPr lang="en-US" baseline="0" dirty="0" smtClean="0"/>
-              <a:t>classified </a:t>
-            </a:r>
-            <a:r>
-              <a:rPr lang="el-GR" baseline="0" dirty="0" smtClean="0"/>
-              <a:t>με την βοήθεια του </a:t>
-            </a:r>
-            <a:r>
-              <a:rPr lang="en-US" baseline="0" dirty="0" smtClean="0"/>
-              <a:t>NLP classifier 30 </a:t>
-            </a:r>
-            <a:r>
-              <a:rPr lang="el-GR" baseline="0" dirty="0" smtClean="0"/>
-              <a:t>διαφορετικές ερωτήσεις</a:t>
-            </a:r>
-            <a:r>
-              <a:rPr lang="en-US" baseline="0" dirty="0" smtClean="0"/>
-              <a:t>, </a:t>
-            </a:r>
-            <a:r>
-              <a:rPr lang="el-GR" baseline="0" dirty="0" smtClean="0"/>
-              <a:t>διαφορετικές, από το </a:t>
-            </a:r>
-            <a:r>
-              <a:rPr lang="en-US" baseline="0" dirty="0" smtClean="0"/>
-              <a:t>SO. </a:t>
+              <a:t>Στο</a:t>
+            </a:r>
+            <a:r>
+              <a:rPr lang="el-GR" baseline="0" dirty="0" smtClean="0"/>
+              <a:t> 1</a:t>
+            </a:r>
+            <a:r>
+              <a:rPr lang="el-GR" baseline="30000" dirty="0" smtClean="0"/>
+              <a:t>ο</a:t>
+            </a:r>
+            <a:r>
+              <a:rPr lang="el-GR" baseline="0" dirty="0" smtClean="0"/>
+              <a:t> </a:t>
+            </a:r>
+            <a:r>
+              <a:rPr lang="en-US" baseline="0" dirty="0" smtClean="0"/>
+              <a:t>deployment </a:t>
+            </a:r>
+            <a:r>
+              <a:rPr lang="el-GR" baseline="0" dirty="0" smtClean="0"/>
+              <a:t>κρατήσαμε σταθερό το </a:t>
+            </a:r>
+            <a:r>
+              <a:rPr lang="en-US" baseline="0" dirty="0" smtClean="0"/>
+              <a:t>layer 1 </a:t>
+            </a:r>
+            <a:r>
+              <a:rPr lang="el-GR" baseline="0" dirty="0" smtClean="0"/>
+              <a:t>μια μόνο μία </a:t>
+            </a:r>
+            <a:r>
+              <a:rPr lang="en-US" baseline="0" dirty="0" smtClean="0"/>
+              <a:t>Social Networking Engine </a:t>
+            </a:r>
+            <a:r>
+              <a:rPr lang="el-GR" baseline="0" dirty="0" smtClean="0"/>
+              <a:t>και αυξήσαμε τα </a:t>
+            </a:r>
+            <a:r>
+              <a:rPr lang="en-US" baseline="0" dirty="0" smtClean="0"/>
+              <a:t>nodes </a:t>
+            </a:r>
+            <a:r>
+              <a:rPr lang="el-GR" baseline="0" dirty="0" smtClean="0"/>
+              <a:t>των </a:t>
+            </a:r>
+            <a:r>
+              <a:rPr lang="en-US" baseline="0" dirty="0" smtClean="0"/>
+              <a:t>Memcached </a:t>
+            </a:r>
+            <a:r>
+              <a:rPr lang="el-GR" baseline="0" dirty="0" smtClean="0"/>
+              <a:t>στο 2</a:t>
+            </a:r>
+            <a:r>
+              <a:rPr lang="el-GR" baseline="30000" dirty="0" smtClean="0"/>
+              <a:t>ο</a:t>
+            </a:r>
+            <a:r>
+              <a:rPr lang="el-GR" baseline="0" dirty="0" smtClean="0"/>
+              <a:t> </a:t>
+            </a:r>
+            <a:r>
+              <a:rPr lang="en-US" baseline="0" dirty="0" smtClean="0"/>
+              <a:t>layer. </a:t>
+            </a:r>
+          </a:p>
+          <a:p>
+            <a:r>
+              <a:rPr lang="el-GR" baseline="0" dirty="0" smtClean="0"/>
+              <a:t>Ενώ στο 2</a:t>
+            </a:r>
+            <a:r>
+              <a:rPr lang="el-GR" baseline="30000" dirty="0" smtClean="0"/>
+              <a:t>ο</a:t>
+            </a:r>
+            <a:r>
+              <a:rPr lang="el-GR" baseline="0" dirty="0" smtClean="0"/>
+              <a:t> </a:t>
+            </a:r>
+            <a:r>
+              <a:rPr lang="en-US" baseline="0" dirty="0" smtClean="0"/>
+              <a:t>deployment </a:t>
+            </a:r>
+            <a:r>
+              <a:rPr lang="el-GR" baseline="0" dirty="0" smtClean="0"/>
+              <a:t>κρατήσαμε σταθερό το </a:t>
+            </a:r>
+            <a:r>
+              <a:rPr lang="en-US" baseline="0" dirty="0" smtClean="0"/>
+              <a:t>layer 2 </a:t>
+            </a:r>
+            <a:r>
+              <a:rPr lang="el-GR" baseline="0" dirty="0" smtClean="0"/>
+              <a:t>με μόνο μια </a:t>
+            </a:r>
+            <a:r>
+              <a:rPr lang="en-US" baseline="0" dirty="0" smtClean="0"/>
+              <a:t>memcached </a:t>
+            </a:r>
+            <a:r>
+              <a:rPr lang="el-GR" baseline="0" dirty="0" smtClean="0"/>
+              <a:t>και προσθέσαμε περισσότερες </a:t>
+            </a:r>
+            <a:r>
+              <a:rPr lang="en-US" baseline="0" dirty="0" smtClean="0"/>
+              <a:t>SNE</a:t>
+            </a:r>
+            <a:r>
+              <a:rPr lang="el-GR" baseline="0" dirty="0" smtClean="0"/>
+              <a:t> στο </a:t>
+            </a:r>
+            <a:r>
+              <a:rPr lang="en-US" baseline="0" dirty="0" smtClean="0"/>
+              <a:t>layer 1.</a:t>
+            </a:r>
+            <a:endParaRPr lang="el-GR" baseline="0" dirty="0" smtClean="0"/>
+          </a:p>
+          <a:p>
+            <a:endParaRPr lang="en-US" baseline="0" dirty="0" smtClean="0"/>
+          </a:p>
+          <a:p>
+            <a:r>
+              <a:rPr lang="en-US" baseline="0" dirty="0" smtClean="0"/>
+              <a:t>To layer 3 </a:t>
+            </a:r>
+            <a:r>
+              <a:rPr lang="el-GR" baseline="0" dirty="0" smtClean="0"/>
+              <a:t>έμεινε σταθερό με ένα </a:t>
+            </a:r>
+            <a:r>
+              <a:rPr lang="en-US" baseline="0" dirty="0" smtClean="0"/>
+              <a:t>Node</a:t>
+            </a:r>
+            <a:r>
+              <a:rPr lang="el-GR" baseline="0" dirty="0" smtClean="0"/>
+              <a:t> όπου έχουν γίνει </a:t>
+            </a:r>
+            <a:r>
+              <a:rPr lang="en-US" baseline="0" dirty="0" smtClean="0"/>
+              <a:t>deployed </a:t>
+            </a:r>
+            <a:r>
+              <a:rPr lang="el-GR" baseline="0" dirty="0" smtClean="0"/>
+              <a:t>τα </a:t>
+            </a:r>
+            <a:r>
+              <a:rPr lang="en-US" baseline="0" dirty="0" smtClean="0"/>
+              <a:t>repositories </a:t>
+            </a:r>
+            <a:r>
+              <a:rPr lang="el-GR" baseline="0" dirty="0" smtClean="0"/>
+              <a:t>μαζί με τον </a:t>
+            </a:r>
+            <a:r>
+              <a:rPr lang="en-US" baseline="0" dirty="0" smtClean="0"/>
+              <a:t>CDO Server.</a:t>
+            </a:r>
+          </a:p>
+          <a:p>
+            <a:endParaRPr lang="el-GR" baseline="0" dirty="0" smtClean="0"/>
+          </a:p>
+          <a:p>
+            <a:r>
+              <a:rPr lang="el-GR" baseline="0" dirty="0" smtClean="0"/>
+              <a:t>Το </a:t>
+            </a:r>
+            <a:r>
+              <a:rPr lang="en-US" baseline="0" dirty="0" smtClean="0"/>
+              <a:t>deployment </a:t>
+            </a:r>
+            <a:r>
+              <a:rPr lang="el-GR" baseline="0" dirty="0" smtClean="0"/>
+              <a:t>της αρχιτεκτονικής έγινε στο </a:t>
+            </a:r>
+            <a:r>
+              <a:rPr lang="en-US" baseline="0" dirty="0" smtClean="0"/>
+              <a:t>Amazon EC2</a:t>
+            </a:r>
+            <a:r>
+              <a:rPr lang="el-GR" baseline="0" dirty="0" smtClean="0"/>
+              <a:t> και οι τύποι </a:t>
+            </a:r>
+            <a:r>
+              <a:rPr lang="en-US" baseline="0" dirty="0" smtClean="0"/>
+              <a:t>VM </a:t>
+            </a:r>
+            <a:r>
+              <a:rPr lang="el-GR" baseline="0" dirty="0" smtClean="0"/>
+              <a:t>που χρησιμοποιήθηκαν φαίνονται στο σχήμα για κάθε </a:t>
+            </a:r>
+            <a:r>
+              <a:rPr lang="en-US" baseline="0" dirty="0" smtClean="0"/>
+              <a:t>VM </a:t>
+            </a:r>
+            <a:r>
+              <a:rPr lang="el-GR" baseline="0" dirty="0" smtClean="0"/>
+              <a:t>του συστήματος. </a:t>
+            </a:r>
+          </a:p>
+          <a:p>
+            <a:endParaRPr lang="el-GR" baseline="0" dirty="0" smtClean="0"/>
+          </a:p>
+          <a:p>
+            <a:r>
+              <a:rPr lang="el-GR" baseline="0" dirty="0" smtClean="0"/>
+              <a:t>Το </a:t>
+            </a:r>
+            <a:r>
+              <a:rPr lang="en-US" baseline="0" dirty="0" smtClean="0"/>
+              <a:t>SNE </a:t>
+            </a:r>
+            <a:r>
+              <a:rPr lang="el-GR" baseline="0" dirty="0" smtClean="0"/>
+              <a:t>χρησιμοποιεί το </a:t>
+            </a:r>
+            <a:r>
+              <a:rPr lang="en-US" baseline="0" dirty="0" smtClean="0"/>
+              <a:t>FS </a:t>
+            </a:r>
+            <a:r>
+              <a:rPr lang="el-GR" baseline="0" dirty="0" smtClean="0"/>
+              <a:t>έτσι ώστε να αποθηκεύει εκεί τις φωτογραφίες των χρηστών, των μοντέλων, των </a:t>
+            </a:r>
+            <a:r>
+              <a:rPr lang="en-US" baseline="0" dirty="0" smtClean="0"/>
+              <a:t>groups </a:t>
+            </a:r>
+            <a:r>
+              <a:rPr lang="el-GR" baseline="0" dirty="0" smtClean="0"/>
+              <a:t>κοκ. Για να διαμοιραστεί αυτή η πληροφορία σε όλα τα </a:t>
+            </a:r>
+            <a:r>
+              <a:rPr lang="en-US" baseline="0" dirty="0" smtClean="0"/>
+              <a:t>SNE instances </a:t>
+            </a:r>
+            <a:r>
+              <a:rPr lang="el-GR" baseline="0" dirty="0" smtClean="0"/>
+              <a:t>ένας </a:t>
+            </a:r>
+            <a:r>
+              <a:rPr lang="en-US" baseline="0" dirty="0" smtClean="0"/>
+              <a:t>NFS server </a:t>
+            </a:r>
+            <a:r>
+              <a:rPr lang="el-GR" baseline="0" dirty="0" smtClean="0"/>
+              <a:t>έγινε </a:t>
+            </a:r>
+            <a:r>
+              <a:rPr lang="en-US" baseline="0" dirty="0" smtClean="0"/>
+              <a:t>deploy </a:t>
+            </a:r>
+            <a:r>
+              <a:rPr lang="el-GR" baseline="0" dirty="0" smtClean="0"/>
+              <a:t>στο πρώτο </a:t>
+            </a:r>
+            <a:r>
+              <a:rPr lang="en-US" baseline="0" dirty="0" smtClean="0"/>
+              <a:t>instance </a:t>
+            </a:r>
+            <a:r>
+              <a:rPr lang="el-GR" baseline="0" dirty="0" smtClean="0"/>
+              <a:t>από αυτά και τα υπόλοιπα </a:t>
+            </a:r>
+            <a:r>
+              <a:rPr lang="en-US" baseline="0" dirty="0" smtClean="0"/>
+              <a:t>instances </a:t>
+            </a:r>
+            <a:r>
+              <a:rPr lang="el-GR" baseline="0" dirty="0" smtClean="0"/>
+              <a:t>έχουν μαζί τους έναν </a:t>
+            </a:r>
+            <a:r>
+              <a:rPr lang="en-US" baseline="0" dirty="0" smtClean="0"/>
+              <a:t>NFS client </a:t>
+            </a:r>
+            <a:r>
+              <a:rPr lang="el-GR" baseline="0" dirty="0" smtClean="0"/>
+              <a:t>ώστε να μπορούν να προσπελάσουν την ίδια πληροφορία.</a:t>
+            </a:r>
+          </a:p>
+          <a:p>
+            <a:endParaRPr lang="el-GR" baseline="0" dirty="0" smtClean="0"/>
+          </a:p>
+          <a:p>
+            <a:r>
+              <a:rPr lang="el-GR" dirty="0" smtClean="0"/>
+              <a:t>Για</a:t>
+            </a:r>
+            <a:r>
+              <a:rPr lang="el-GR" baseline="0" dirty="0" smtClean="0"/>
+              <a:t> να αποφευχθεί η πιθανότητα δύο </a:t>
+            </a:r>
+            <a:r>
+              <a:rPr lang="en-US" baseline="0" dirty="0" smtClean="0"/>
+              <a:t>SNE instances </a:t>
+            </a:r>
+            <a:r>
+              <a:rPr lang="el-GR" baseline="0" dirty="0" smtClean="0"/>
+              <a:t>να προσπαθήσουν να γράψουν σε κάποιο αρχείο την ίδια στιγμή ο </a:t>
+            </a:r>
+            <a:r>
+              <a:rPr lang="en-US" baseline="0" dirty="0" smtClean="0"/>
+              <a:t>Apache </a:t>
+            </a:r>
+            <a:r>
+              <a:rPr lang="en-US" baseline="0" dirty="0" err="1" smtClean="0"/>
+              <a:t>ZooKeeper</a:t>
+            </a:r>
+            <a:r>
+              <a:rPr lang="en-US" baseline="0" dirty="0" smtClean="0"/>
+              <a:t> </a:t>
+            </a:r>
+            <a:r>
+              <a:rPr lang="el-GR" baseline="0" dirty="0" smtClean="0"/>
+              <a:t>χρησιμοποιήθηκε για παρέχει τον συντονισμό μέσω των </a:t>
+            </a:r>
+            <a:r>
+              <a:rPr lang="en-US" baseline="0" dirty="0" smtClean="0"/>
+              <a:t>SNE </a:t>
+            </a:r>
+            <a:r>
+              <a:rPr lang="el-GR" baseline="0" dirty="0" smtClean="0"/>
+              <a:t>τα οποία </a:t>
+            </a:r>
+            <a:r>
+              <a:rPr lang="el-GR" baseline="0" dirty="0" err="1" smtClean="0"/>
+              <a:t>προσπελαύνουν</a:t>
+            </a:r>
+            <a:r>
+              <a:rPr lang="el-GR" baseline="0" dirty="0" smtClean="0"/>
+              <a:t> το </a:t>
+            </a:r>
+            <a:r>
+              <a:rPr lang="en-US" baseline="0" dirty="0" smtClean="0"/>
+              <a:t>FS.</a:t>
             </a:r>
             <a:endParaRPr lang="el-GR" dirty="0"/>
           </a:p>
@@ -2897,7 +3118,7 @@
             <a:fld id="{BFF29332-360D-462C-8DBA-6B9FF2FD1142}" type="slidenum">
               <a:rPr lang="en-GB" smtClean="0"/>
               <a:pPr/>
-              <a:t>18</a:t>
+              <a:t>19</a:t>
             </a:fld>
             <a:endParaRPr lang="en-GB"/>
           </a:p>
@@ -2906,7 +3127,7 @@
     </p:spTree>
     <p:extLst>
       <p:ext uri="{BB962C8B-B14F-4D97-AF65-F5344CB8AC3E}">
-        <p14:creationId xmlns:p14="http://schemas.microsoft.com/office/powerpoint/2010/main" val="3736839663"/>
+        <p14:creationId xmlns:p14="http://schemas.microsoft.com/office/powerpoint/2010/main" val="914940826"/>
       </p:ext>
     </p:extLst>
   </p:cSld>
@@ -2935,7 +3156,7 @@
       </p:grpSpPr>
       <p:sp>
         <p:nvSpPr>
-          <p:cNvPr id="2" name="1 - Θέση εικόνας διαφάνειας"/>
+          <p:cNvPr id="2" name="Slide Image Placeholder 1"/>
           <p:cNvSpPr>
             <a:spLocks noGrp="1" noRot="1" noChangeAspect="1"/>
           </p:cNvSpPr>
@@ -2947,7 +3168,7 @@
       </p:sp>
       <p:sp>
         <p:nvSpPr>
-          <p:cNvPr id="3" name="2 - Θέση σημειώσεων"/>
+          <p:cNvPr id="3" name="Notes Placeholder 2"/>
           <p:cNvSpPr>
             <a:spLocks noGrp="1"/>
           </p:cNvSpPr>
@@ -2957,58 +3178,365 @@
         </p:nvSpPr>
         <p:spPr/>
         <p:txBody>
-          <a:bodyPr>
-            <a:normAutofit/>
-          </a:bodyPr>
+          <a:bodyPr/>
           <a:lstStyle/>
           <a:p>
             <a:r>
               <a:rPr lang="el-GR" dirty="0" smtClean="0"/>
-              <a:t>Τέλος ολοκληρώνοντας</a:t>
-            </a:r>
-            <a:r>
-              <a:rPr lang="el-GR" baseline="0" dirty="0" smtClean="0"/>
-              <a:t> ένα ΚΔ για </a:t>
-            </a:r>
-            <a:r>
-              <a:rPr lang="en-US" baseline="0" dirty="0" smtClean="0"/>
-              <a:t>cloud deployments specialists </a:t>
-            </a:r>
-            <a:r>
-              <a:rPr lang="el-GR" baseline="0" dirty="0" smtClean="0"/>
-              <a:t>υλοποιήθηκε, η πλατφόρμα μπορεί να εφαρμόσει </a:t>
-            </a:r>
-            <a:r>
-              <a:rPr lang="en-US" baseline="0" dirty="0" smtClean="0"/>
-              <a:t>NLP</a:t>
-            </a:r>
-            <a:r>
-              <a:rPr lang="el-GR" baseline="0" dirty="0" smtClean="0"/>
-              <a:t> στην είσοδο του χρήστη. Καθώς επίσης, εφαρμόστηκαν γνωστές τεχνικές για </a:t>
-            </a:r>
-            <a:r>
-              <a:rPr lang="en-US" baseline="0" dirty="0" smtClean="0"/>
-              <a:t>cashing </a:t>
-            </a:r>
-            <a:r>
-              <a:rPr lang="el-GR" baseline="0" dirty="0" smtClean="0"/>
-              <a:t>των δεδομένων και προστέθηκαν στο σύστημα πάνω από ένα </a:t>
-            </a:r>
-            <a:r>
-              <a:rPr lang="en-US" baseline="0" dirty="0" smtClean="0"/>
-              <a:t>SNE.</a:t>
-            </a:r>
-            <a:r>
-              <a:rPr lang="el-GR" baseline="0" dirty="0" smtClean="0"/>
+              <a:t>Στο</a:t>
+            </a:r>
+            <a:r>
+              <a:rPr lang="el-GR" baseline="0" dirty="0" smtClean="0"/>
+              <a:t> διάγραμμα </a:t>
+            </a:r>
+            <a:r>
+              <a:rPr lang="el-GR" dirty="0" smtClean="0"/>
+              <a:t>φαίνεται</a:t>
+            </a:r>
+            <a:r>
+              <a:rPr lang="el-GR" baseline="0" dirty="0" smtClean="0"/>
+              <a:t> το </a:t>
+            </a:r>
+            <a:r>
+              <a:rPr lang="en-US" baseline="0" dirty="0" smtClean="0"/>
+              <a:t>Response time </a:t>
+            </a:r>
+            <a:r>
+              <a:rPr lang="el-GR" baseline="0" dirty="0" smtClean="0"/>
+              <a:t>για το πρώτο </a:t>
+            </a:r>
+            <a:r>
+              <a:rPr lang="en-US" baseline="0" dirty="0" smtClean="0"/>
+              <a:t>deployment </a:t>
+            </a:r>
+            <a:r>
+              <a:rPr lang="el-GR" baseline="0" dirty="0" smtClean="0"/>
+              <a:t>με 3 διαφορετικά </a:t>
+            </a:r>
+            <a:r>
+              <a:rPr lang="en-US" baseline="0" dirty="0" smtClean="0"/>
+              <a:t>configurations. C1, 2, 3. </a:t>
+            </a:r>
+            <a:r>
+              <a:rPr lang="el-GR" baseline="0" dirty="0" smtClean="0"/>
+              <a:t>Για κάθε </a:t>
+            </a:r>
+            <a:r>
+              <a:rPr lang="en-US" baseline="0" dirty="0" smtClean="0"/>
+              <a:t>configuration </a:t>
+            </a:r>
+            <a:r>
+              <a:rPr lang="el-GR" baseline="0" dirty="0" smtClean="0"/>
+              <a:t>τρία διαφορετικά</a:t>
+            </a:r>
+            <a:r>
+              <a:rPr lang="en-US" baseline="0" dirty="0" smtClean="0"/>
+              <a:t> loads </a:t>
+            </a:r>
+            <a:r>
+              <a:rPr lang="el-GR" baseline="0" dirty="0" smtClean="0"/>
+              <a:t>χρησιμοποιήθηκαν, όπως φαίνεται στον πίνακα από κάτω, για παράδειγμα στο </a:t>
+            </a:r>
+            <a:r>
+              <a:rPr lang="en-US" baseline="0" dirty="0" smtClean="0"/>
+              <a:t>load1 </a:t>
+            </a:r>
+            <a:r>
+              <a:rPr lang="el-GR" baseline="0" dirty="0" smtClean="0"/>
+              <a:t>10 χρήστες έστελναν </a:t>
+            </a:r>
+            <a:r>
+              <a:rPr lang="en-US" baseline="0" dirty="0" smtClean="0"/>
+              <a:t>request </a:t>
+            </a:r>
+            <a:r>
+              <a:rPr lang="el-GR" baseline="0" dirty="0" smtClean="0"/>
+              <a:t>να λάβουν διαδοχικά 2 </a:t>
+            </a:r>
+            <a:r>
+              <a:rPr lang="en-US" baseline="0" dirty="0" smtClean="0"/>
+              <a:t>applications </a:t>
+            </a:r>
+            <a:r>
+              <a:rPr lang="el-GR" baseline="0" dirty="0" smtClean="0"/>
+              <a:t>με τα </a:t>
+            </a:r>
+            <a:r>
+              <a:rPr lang="en-US" baseline="0" dirty="0" smtClean="0"/>
+              <a:t>executions </a:t>
+            </a:r>
+            <a:r>
+              <a:rPr lang="el-GR" baseline="0" dirty="0" smtClean="0"/>
+              <a:t>αυτών. Τα </a:t>
+            </a:r>
+            <a:r>
+              <a:rPr lang="en-US" baseline="0" dirty="0" smtClean="0"/>
+              <a:t>application </a:t>
+            </a:r>
+            <a:r>
+              <a:rPr lang="el-GR" baseline="0" dirty="0" smtClean="0"/>
+              <a:t>αυτά είχαν 10 διαφορετικά </a:t>
+            </a:r>
+            <a:r>
+              <a:rPr lang="en-US" baseline="0" dirty="0" smtClean="0"/>
+              <a:t>executions</a:t>
+            </a:r>
+            <a:r>
+              <a:rPr lang="el-GR" baseline="0" dirty="0" smtClean="0"/>
+              <a:t>.</a:t>
+            </a:r>
+            <a:r>
+              <a:rPr lang="en-US" baseline="0" dirty="0" smtClean="0"/>
               <a:t> </a:t>
             </a:r>
+            <a:r>
+              <a:rPr lang="el-GR" baseline="0" dirty="0" smtClean="0"/>
+              <a:t>Για κάθε </a:t>
+            </a:r>
+            <a:r>
+              <a:rPr lang="en-US" baseline="0" dirty="0" smtClean="0"/>
+              <a:t>load </a:t>
+            </a:r>
+            <a:r>
+              <a:rPr lang="el-GR" baseline="0" dirty="0" smtClean="0"/>
+              <a:t>η διαδικασία επαναλήφθηκε 100 φορές διαδοχικά. Για την προσομοίωση των χρηστών και για την μέτρηση του </a:t>
+            </a:r>
+            <a:r>
+              <a:rPr lang="en-US" baseline="0" dirty="0" smtClean="0"/>
+              <a:t>RT </a:t>
+            </a:r>
+            <a:r>
+              <a:rPr lang="el-GR" baseline="0" dirty="0" smtClean="0"/>
+              <a:t>το </a:t>
+            </a:r>
+            <a:r>
+              <a:rPr lang="en-US" baseline="0" dirty="0" smtClean="0"/>
+              <a:t>Apache Jmeter </a:t>
+            </a:r>
+            <a:r>
+              <a:rPr lang="el-GR" baseline="0" dirty="0" smtClean="0"/>
+              <a:t>χρησιμοποιήθηκε.  </a:t>
+            </a:r>
+          </a:p>
+          <a:p>
+            <a:endParaRPr lang="el-GR" baseline="0" dirty="0" smtClean="0"/>
+          </a:p>
+          <a:p>
+            <a:r>
+              <a:rPr lang="el-GR" baseline="0" dirty="0" smtClean="0"/>
+              <a:t>Όσον αφορά το </a:t>
+            </a:r>
+            <a:r>
+              <a:rPr lang="en-US" baseline="0" dirty="0" smtClean="0"/>
+              <a:t>configuration </a:t>
+            </a:r>
+            <a:r>
+              <a:rPr lang="el-GR" baseline="0" dirty="0" smtClean="0"/>
+              <a:t>τώρα, στο </a:t>
+            </a:r>
+            <a:r>
+              <a:rPr lang="en-US" baseline="0" dirty="0" smtClean="0"/>
+              <a:t>C1</a:t>
+            </a:r>
+            <a:r>
+              <a:rPr lang="el-GR" baseline="0" dirty="0" smtClean="0"/>
+              <a:t>, δεν έχουμε κανένα </a:t>
+            </a:r>
+            <a:r>
+              <a:rPr lang="en-US" baseline="0" dirty="0" smtClean="0"/>
+              <a:t>Memcached node </a:t>
+            </a:r>
+            <a:r>
+              <a:rPr lang="el-GR" baseline="0" dirty="0" smtClean="0"/>
+              <a:t>στο </a:t>
+            </a:r>
+            <a:r>
+              <a:rPr lang="en-US" baseline="0" dirty="0" smtClean="0"/>
+              <a:t>layer 2</a:t>
+            </a:r>
+            <a:r>
+              <a:rPr lang="el-GR" baseline="0" dirty="0" smtClean="0"/>
+              <a:t> και το </a:t>
+            </a:r>
+            <a:r>
+              <a:rPr lang="en-US" baseline="0" dirty="0" smtClean="0"/>
+              <a:t>SNE </a:t>
+            </a:r>
+            <a:r>
+              <a:rPr lang="el-GR" baseline="0" dirty="0" smtClean="0"/>
+              <a:t>πάει κατευθείαν στα </a:t>
+            </a:r>
+            <a:r>
+              <a:rPr lang="en-US" baseline="0" dirty="0" smtClean="0"/>
+              <a:t>repositories </a:t>
+            </a:r>
+            <a:r>
+              <a:rPr lang="el-GR" baseline="0" dirty="0" smtClean="0"/>
+              <a:t>για να εξάγει την πληροφορία που χρειάζεται. </a:t>
+            </a:r>
+            <a:r>
+              <a:rPr lang="en-US" baseline="0" dirty="0" smtClean="0"/>
+              <a:t> </a:t>
+            </a:r>
+            <a:r>
+              <a:rPr lang="el-GR" baseline="0" dirty="0" smtClean="0"/>
+              <a:t>Έτσι για το </a:t>
+            </a:r>
+            <a:r>
+              <a:rPr lang="en-US" baseline="0" dirty="0" smtClean="0"/>
+              <a:t>L3 </a:t>
+            </a:r>
+            <a:r>
+              <a:rPr lang="el-GR" baseline="0" dirty="0" smtClean="0"/>
+              <a:t>το </a:t>
+            </a:r>
+            <a:r>
+              <a:rPr lang="en-US" baseline="0" dirty="0" smtClean="0"/>
+              <a:t>RT </a:t>
+            </a:r>
+            <a:r>
+              <a:rPr lang="el-GR" baseline="0" dirty="0" smtClean="0"/>
+              <a:t>φτάνει τα κοντά στα 8.8 </a:t>
+            </a:r>
+            <a:r>
+              <a:rPr lang="en-US" baseline="0" dirty="0" smtClean="0"/>
+              <a:t>seconds. </a:t>
+            </a:r>
+          </a:p>
+          <a:p>
+            <a:endParaRPr lang="en-US" baseline="0" dirty="0" smtClean="0"/>
+          </a:p>
+          <a:p>
+            <a:r>
+              <a:rPr lang="el-GR" baseline="0" dirty="0" smtClean="0"/>
+              <a:t>Ενώ για το </a:t>
+            </a:r>
+            <a:r>
+              <a:rPr lang="en-US" baseline="0" dirty="0" smtClean="0"/>
+              <a:t>C2 </a:t>
+            </a:r>
+            <a:r>
+              <a:rPr lang="el-GR" baseline="0" dirty="0" smtClean="0"/>
+              <a:t>το </a:t>
+            </a:r>
+            <a:r>
+              <a:rPr lang="en-US" baseline="0" dirty="0" smtClean="0"/>
+              <a:t>RT</a:t>
+            </a:r>
+            <a:r>
+              <a:rPr lang="el-GR" baseline="0" dirty="0" smtClean="0"/>
+              <a:t> πέφτει στο 1.7 </a:t>
+            </a:r>
+            <a:r>
+              <a:rPr lang="en-US" baseline="0" dirty="0" smtClean="0"/>
+              <a:t>seconds </a:t>
+            </a:r>
+            <a:r>
+              <a:rPr lang="el-GR" baseline="0" dirty="0" smtClean="0"/>
+              <a:t>για το ίδιο φόρτο. Αυτή η τεράστια μείωση οφείλετε στο ότι πλέον το</a:t>
+            </a:r>
+            <a:r>
+              <a:rPr lang="en-US" baseline="0" dirty="0" smtClean="0"/>
+              <a:t> SNE </a:t>
+            </a:r>
+            <a:r>
+              <a:rPr lang="el-GR" baseline="0" dirty="0" smtClean="0"/>
+              <a:t>δεν χρειάζεται να πηγαίνει μέσα από το </a:t>
+            </a:r>
+            <a:r>
+              <a:rPr lang="en-US" baseline="0" dirty="0" smtClean="0"/>
+              <a:t>CDO client – server </a:t>
+            </a:r>
+            <a:r>
+              <a:rPr lang="el-GR" baseline="0" dirty="0" smtClean="0"/>
+              <a:t>για να πάρει τα </a:t>
+            </a:r>
+            <a:r>
+              <a:rPr lang="en-US" baseline="0" dirty="0" smtClean="0"/>
+              <a:t>execution </a:t>
+            </a:r>
+            <a:r>
+              <a:rPr lang="el-GR" baseline="0" dirty="0" smtClean="0"/>
+              <a:t>των εφαρμογών καθώς επίσης ούτε στην βάση δεδομένων του ΚΔ για να εξάγει την </a:t>
+            </a:r>
+            <a:r>
+              <a:rPr lang="en-US" baseline="0" dirty="0" smtClean="0"/>
+              <a:t>Social </a:t>
+            </a:r>
+            <a:r>
+              <a:rPr lang="el-GR" baseline="0" dirty="0" smtClean="0"/>
+              <a:t>πληροφορία αφού αυτή η πληροφορία υπάρχει πλέον στην </a:t>
+            </a:r>
+            <a:r>
+              <a:rPr lang="en-US" baseline="0" dirty="0" smtClean="0"/>
+              <a:t>Memcached</a:t>
+            </a:r>
+            <a:r>
+              <a:rPr lang="el-GR" baseline="0" dirty="0" smtClean="0"/>
+              <a:t>. </a:t>
+            </a:r>
+            <a:endParaRPr lang="en-US" baseline="0" dirty="0" smtClean="0"/>
+          </a:p>
+          <a:p>
+            <a:endParaRPr lang="en-US" baseline="0" dirty="0" smtClean="0"/>
+          </a:p>
+          <a:p>
+            <a:r>
+              <a:rPr lang="el-GR" baseline="0" dirty="0" smtClean="0"/>
+              <a:t>Στο </a:t>
+            </a:r>
+            <a:r>
+              <a:rPr lang="en-US" baseline="0" dirty="0" smtClean="0"/>
+              <a:t>C3 </a:t>
+            </a:r>
+            <a:r>
+              <a:rPr lang="el-GR" baseline="0" dirty="0" smtClean="0"/>
+              <a:t>το </a:t>
+            </a:r>
+            <a:r>
+              <a:rPr lang="en-US" baseline="0" dirty="0" smtClean="0"/>
+              <a:t>RT </a:t>
+            </a:r>
+            <a:r>
+              <a:rPr lang="el-GR" baseline="0" dirty="0" smtClean="0"/>
+              <a:t>πέφτει στο 1 </a:t>
+            </a:r>
+            <a:r>
+              <a:rPr lang="en-US" baseline="0" dirty="0" smtClean="0"/>
+              <a:t>second. </a:t>
+            </a:r>
+            <a:r>
+              <a:rPr lang="el-GR" baseline="0" dirty="0" smtClean="0"/>
+              <a:t>Αυτό οφείλετε στο ότι προστέθηκε άλλος ένας </a:t>
+            </a:r>
+            <a:r>
+              <a:rPr lang="en-US" baseline="0" dirty="0" smtClean="0"/>
+              <a:t>Memcached </a:t>
+            </a:r>
+            <a:r>
+              <a:rPr lang="el-GR" baseline="0" dirty="0" smtClean="0"/>
+              <a:t>κόμβος και όπως θα δούμε παρακάτω αυξήθηκαν τα </a:t>
+            </a:r>
+            <a:r>
+              <a:rPr lang="en-US" baseline="0" dirty="0" smtClean="0"/>
+              <a:t>CPU cores </a:t>
+            </a:r>
+            <a:r>
+              <a:rPr lang="el-GR" baseline="0" dirty="0" smtClean="0"/>
+              <a:t>του συστήματος.</a:t>
+            </a:r>
+          </a:p>
+          <a:p>
+            <a:endParaRPr lang="el-GR" baseline="0" dirty="0" smtClean="0"/>
+          </a:p>
+          <a:p>
             <a:endParaRPr lang="el-GR" dirty="0"/>
           </a:p>
         </p:txBody>
       </p:sp>
       <p:sp>
         <p:nvSpPr>
-          <p:cNvPr id="4" name="3 - Θέση αριθμού διαφάνειας"/>
+          <p:cNvPr id="4" name="Slide Number Placeholder 3"/>
           <p:cNvSpPr>
             <a:spLocks noGrp="1"/>
           </p:cNvSpPr>
@@ -3024,7 +3552,7 @@
             <a:fld id="{BFF29332-360D-462C-8DBA-6B9FF2FD1142}" type="slidenum">
               <a:rPr lang="en-GB" smtClean="0"/>
               <a:pPr/>
-              <a:t>19</a:t>
+              <a:t>20</a:t>
             </a:fld>
             <a:endParaRPr lang="en-GB"/>
           </a:p>
@@ -3033,7 +3561,7 @@
     </p:spTree>
     <p:extLst>
       <p:ext uri="{BB962C8B-B14F-4D97-AF65-F5344CB8AC3E}">
-        <p14:creationId xmlns:p14="http://schemas.microsoft.com/office/powerpoint/2010/main" val="2539583959"/>
+        <p14:creationId xmlns:p14="http://schemas.microsoft.com/office/powerpoint/2010/main" val="3183423334"/>
       </p:ext>
     </p:extLst>
   </p:cSld>
@@ -3212,6 +3740,98 @@
           <a:bodyPr/>
           <a:lstStyle/>
           <a:p>
+            <a:r>
+              <a:rPr lang="el-GR" dirty="0" smtClean="0"/>
+              <a:t>Το διάγραμμα</a:t>
+            </a:r>
+            <a:r>
+              <a:rPr lang="el-GR" baseline="0" dirty="0" smtClean="0"/>
+              <a:t> αυτό απευθύνεται στο δεύτερο </a:t>
+            </a:r>
+            <a:r>
+              <a:rPr lang="en-US" baseline="0" dirty="0" smtClean="0"/>
+              <a:t>deployment </a:t>
+            </a:r>
+            <a:r>
+              <a:rPr lang="el-GR" baseline="0" dirty="0" smtClean="0"/>
+              <a:t>όπου στο </a:t>
+            </a:r>
+            <a:r>
+              <a:rPr lang="en-US" baseline="0" dirty="0" smtClean="0"/>
+              <a:t>layer 2 </a:t>
+            </a:r>
+            <a:r>
+              <a:rPr lang="el-GR" baseline="0" dirty="0" smtClean="0"/>
+              <a:t>έχουμε μόνο μια </a:t>
+            </a:r>
+            <a:r>
+              <a:rPr lang="en-US" baseline="0" dirty="0" smtClean="0"/>
+              <a:t>Memcached </a:t>
+            </a:r>
+            <a:r>
+              <a:rPr lang="el-GR" baseline="0" dirty="0" smtClean="0"/>
+              <a:t>ενώ στο </a:t>
+            </a:r>
+            <a:r>
+              <a:rPr lang="en-US" baseline="0" dirty="0" smtClean="0"/>
+              <a:t>Layer 1 </a:t>
+            </a:r>
+            <a:r>
+              <a:rPr lang="el-GR" baseline="0" dirty="0" smtClean="0"/>
+              <a:t>έχουμε δύο </a:t>
+            </a:r>
+            <a:r>
+              <a:rPr lang="en-US" baseline="0" dirty="0" smtClean="0"/>
+              <a:t>SNE instances</a:t>
+            </a:r>
+            <a:r>
+              <a:rPr lang="el-GR" baseline="0" dirty="0" smtClean="0"/>
+              <a:t>, και το </a:t>
+            </a:r>
+            <a:r>
+              <a:rPr lang="en-US" baseline="0" dirty="0" smtClean="0"/>
+              <a:t>load </a:t>
+            </a:r>
+            <a:r>
+              <a:rPr lang="el-GR" baseline="0" dirty="0" smtClean="0"/>
+              <a:t>που χρησιμοποιήθηκε είναι το </a:t>
+            </a:r>
+            <a:r>
+              <a:rPr lang="en-US" baseline="0" dirty="0" smtClean="0"/>
+              <a:t>L3. </a:t>
+            </a:r>
+            <a:r>
+              <a:rPr lang="el-GR" baseline="0" dirty="0" smtClean="0"/>
+              <a:t>Αφού πλέον τα </a:t>
+            </a:r>
+            <a:r>
+              <a:rPr lang="en-US" baseline="0" dirty="0" smtClean="0"/>
+              <a:t>requests </a:t>
+            </a:r>
+            <a:r>
+              <a:rPr lang="el-GR" baseline="0" dirty="0" smtClean="0"/>
+              <a:t>διαμοιράζονται μεταξύ των </a:t>
+            </a:r>
+            <a:r>
+              <a:rPr lang="en-US" baseline="0" dirty="0" smtClean="0"/>
+              <a:t>SNE </a:t>
+            </a:r>
+            <a:r>
+              <a:rPr lang="el-GR" baseline="0" dirty="0" smtClean="0"/>
+              <a:t>το </a:t>
+            </a:r>
+            <a:r>
+              <a:rPr lang="en-US" baseline="0" dirty="0" smtClean="0"/>
+              <a:t>average RT  </a:t>
+            </a:r>
+            <a:r>
+              <a:rPr lang="el-GR" baseline="0" dirty="0" smtClean="0"/>
+              <a:t>έπεσε στο 0.5 </a:t>
+            </a:r>
+            <a:r>
+              <a:rPr lang="en-US" baseline="0" dirty="0" smtClean="0"/>
+              <a:t>second.</a:t>
+            </a:r>
             <a:endParaRPr lang="el-GR" dirty="0"/>
           </a:p>
         </p:txBody>
@@ -3234,7 +3854,703 @@
             <a:fld id="{BFF29332-360D-462C-8DBA-6B9FF2FD1142}" type="slidenum">
               <a:rPr lang="en-GB" smtClean="0"/>
               <a:pPr/>
-              <a:t>20</a:t>
+              <a:t>21</a:t>
+            </a:fld>
+            <a:endParaRPr lang="en-GB"/>
+          </a:p>
+        </p:txBody>
+      </p:sp>
+    </p:spTree>
+    <p:extLst>
+      <p:ext uri="{BB962C8B-B14F-4D97-AF65-F5344CB8AC3E}">
+        <p14:creationId xmlns:p14="http://schemas.microsoft.com/office/powerpoint/2010/main" val="207509272"/>
+      </p:ext>
+    </p:extLst>
+  </p:cSld>
+  <p:clrMapOvr>
+    <a:masterClrMapping/>
+  </p:clrMapOvr>
+</p:notes>
+</file>
+
+<file path=ppt/notesSlides/notesSlide21.xml><?xml version="1.0" encoding="utf-8"?>
+<p:notes xmlns:a="http://schemas.openxmlformats.org/drawingml/2006/main" xmlns:r="http://schemas.openxmlformats.org/officeDocument/2006/relationships" xmlns:p="http://schemas.openxmlformats.org/presentationml/2006/main">
+  <p:cSld>
+    <p:spTree>
+      <p:nvGrpSpPr>
+        <p:cNvPr id="1" name=""/>
+        <p:cNvGrpSpPr/>
+        <p:nvPr/>
+      </p:nvGrpSpPr>
+      <p:grpSpPr>
+        <a:xfrm>
+          <a:off x="0" y="0"/>
+          <a:ext cx="0" cy="0"/>
+          <a:chOff x="0" y="0"/>
+          <a:chExt cx="0" cy="0"/>
+        </a:xfrm>
+      </p:grpSpPr>
+      <p:sp>
+        <p:nvSpPr>
+          <p:cNvPr id="2" name="Slide Image Placeholder 1"/>
+          <p:cNvSpPr>
+            <a:spLocks noGrp="1" noRot="1" noChangeAspect="1"/>
+          </p:cNvSpPr>
+          <p:nvPr>
+            <p:ph type="sldImg"/>
+          </p:nvPr>
+        </p:nvSpPr>
+        <p:spPr/>
+      </p:sp>
+      <p:sp>
+        <p:nvSpPr>
+          <p:cNvPr id="3" name="Notes Placeholder 2"/>
+          <p:cNvSpPr>
+            <a:spLocks noGrp="1"/>
+          </p:cNvSpPr>
+          <p:nvPr>
+            <p:ph type="body" idx="1"/>
+          </p:nvPr>
+        </p:nvSpPr>
+        <p:spPr/>
+        <p:txBody>
+          <a:bodyPr/>
+          <a:lstStyle/>
+          <a:p>
+            <a:r>
+              <a:rPr lang="el-GR" dirty="0" smtClean="0"/>
+              <a:t>Εδώ</a:t>
+            </a:r>
+            <a:r>
+              <a:rPr lang="el-GR" baseline="0" dirty="0" smtClean="0"/>
+              <a:t> φαίνεται το </a:t>
+            </a:r>
+            <a:r>
+              <a:rPr lang="en-US" baseline="0" dirty="0" smtClean="0"/>
+              <a:t>CPU Utilization </a:t>
+            </a:r>
+            <a:r>
+              <a:rPr lang="el-GR" baseline="0" dirty="0" smtClean="0"/>
+              <a:t>για τα τρία διαφορετικά </a:t>
+            </a:r>
+            <a:r>
+              <a:rPr lang="en-US" baseline="0" dirty="0" smtClean="0"/>
+              <a:t>Configurations </a:t>
+            </a:r>
+            <a:r>
+              <a:rPr lang="el-GR" baseline="0" dirty="0" smtClean="0"/>
+              <a:t>του συστήματος.</a:t>
+            </a:r>
+          </a:p>
+          <a:p>
+            <a:endParaRPr lang="el-GR" baseline="0" dirty="0" smtClean="0"/>
+          </a:p>
+          <a:p>
+            <a:r>
+              <a:rPr lang="el-GR" baseline="0" dirty="0" smtClean="0"/>
+              <a:t>Παρατηρούμε ότι στο 1</a:t>
+            </a:r>
+            <a:r>
+              <a:rPr lang="el-GR" baseline="30000" dirty="0" smtClean="0"/>
+              <a:t>ο</a:t>
+            </a:r>
+            <a:r>
+              <a:rPr lang="el-GR" baseline="0" dirty="0" smtClean="0"/>
+              <a:t> </a:t>
+            </a:r>
+            <a:r>
+              <a:rPr lang="en-US" baseline="0" dirty="0" smtClean="0"/>
+              <a:t>configuration </a:t>
+            </a:r>
+            <a:r>
+              <a:rPr lang="el-GR" baseline="0" dirty="0" smtClean="0"/>
+              <a:t>για το </a:t>
+            </a:r>
+            <a:r>
+              <a:rPr lang="en-US" baseline="0" dirty="0" smtClean="0"/>
+              <a:t>L3, </a:t>
+            </a:r>
+            <a:r>
+              <a:rPr lang="el-GR" baseline="0" dirty="0" smtClean="0"/>
+              <a:t>το </a:t>
+            </a:r>
+            <a:r>
+              <a:rPr lang="en-US" baseline="0" dirty="0" smtClean="0"/>
+              <a:t>SN Engine </a:t>
+            </a:r>
+            <a:r>
+              <a:rPr lang="el-GR" baseline="0" dirty="0" smtClean="0"/>
+              <a:t>έχει φτάσει στο 91% για αυτό έχουμε και το αργό </a:t>
+            </a:r>
+            <a:r>
+              <a:rPr lang="en-US" baseline="0" dirty="0" smtClean="0"/>
+              <a:t>RT. </a:t>
+            </a:r>
+            <a:r>
+              <a:rPr lang="el-GR" baseline="0" dirty="0" smtClean="0"/>
+              <a:t>Προσθέτοντας τα  </a:t>
+            </a:r>
+            <a:r>
+              <a:rPr lang="en-US" baseline="0" dirty="0" smtClean="0"/>
+              <a:t>Memcached Nodes </a:t>
+            </a:r>
+            <a:r>
+              <a:rPr lang="el-GR" baseline="0" dirty="0" smtClean="0"/>
+              <a:t>το φόρτο φεύγει από το </a:t>
+            </a:r>
+            <a:r>
+              <a:rPr lang="en-US" baseline="0" dirty="0" smtClean="0"/>
+              <a:t>SNE </a:t>
+            </a:r>
+            <a:r>
+              <a:rPr lang="el-GR" baseline="0" dirty="0" smtClean="0"/>
+              <a:t>και πηγαίνει στα </a:t>
+            </a:r>
+            <a:r>
+              <a:rPr lang="en-US" baseline="0" dirty="0" smtClean="0"/>
+              <a:t>Memcached Nodes</a:t>
+            </a:r>
+            <a:r>
+              <a:rPr lang="el-GR" baseline="0" dirty="0" smtClean="0"/>
+              <a:t>. Έτσι πετυχαίνουμε το </a:t>
+            </a:r>
+            <a:r>
+              <a:rPr lang="en-US" baseline="0" dirty="0" smtClean="0"/>
+              <a:t>RT </a:t>
+            </a:r>
+            <a:r>
+              <a:rPr lang="el-GR" baseline="0" dirty="0" smtClean="0"/>
+              <a:t>του συστήματος να είναι καλύτερό.</a:t>
+            </a:r>
+            <a:endParaRPr lang="el-GR" dirty="0"/>
+          </a:p>
+        </p:txBody>
+      </p:sp>
+      <p:sp>
+        <p:nvSpPr>
+          <p:cNvPr id="4" name="Slide Number Placeholder 3"/>
+          <p:cNvSpPr>
+            <a:spLocks noGrp="1"/>
+          </p:cNvSpPr>
+          <p:nvPr>
+            <p:ph type="sldNum" sz="quarter" idx="10"/>
+          </p:nvPr>
+        </p:nvSpPr>
+        <p:spPr/>
+        <p:txBody>
+          <a:bodyPr/>
+          <a:lstStyle/>
+          <a:p>
+            <a:fld id="{BFF29332-360D-462C-8DBA-6B9FF2FD1142}" type="slidenum">
+              <a:rPr lang="en-GB" smtClean="0"/>
+              <a:pPr/>
+              <a:t>22</a:t>
+            </a:fld>
+            <a:endParaRPr lang="en-GB"/>
+          </a:p>
+        </p:txBody>
+      </p:sp>
+    </p:spTree>
+    <p:extLst>
+      <p:ext uri="{BB962C8B-B14F-4D97-AF65-F5344CB8AC3E}">
+        <p14:creationId xmlns:p14="http://schemas.microsoft.com/office/powerpoint/2010/main" val="1787856843"/>
+      </p:ext>
+    </p:extLst>
+  </p:cSld>
+  <p:clrMapOvr>
+    <a:masterClrMapping/>
+  </p:clrMapOvr>
+</p:notes>
+</file>
+
+<file path=ppt/notesSlides/notesSlide22.xml><?xml version="1.0" encoding="utf-8"?>
+<p:notes xmlns:a="http://schemas.openxmlformats.org/drawingml/2006/main" xmlns:r="http://schemas.openxmlformats.org/officeDocument/2006/relationships" xmlns:p="http://schemas.openxmlformats.org/presentationml/2006/main">
+  <p:cSld>
+    <p:spTree>
+      <p:nvGrpSpPr>
+        <p:cNvPr id="1" name=""/>
+        <p:cNvGrpSpPr/>
+        <p:nvPr/>
+      </p:nvGrpSpPr>
+      <p:grpSpPr>
+        <a:xfrm>
+          <a:off x="0" y="0"/>
+          <a:ext cx="0" cy="0"/>
+          <a:chOff x="0" y="0"/>
+          <a:chExt cx="0" cy="0"/>
+        </a:xfrm>
+      </p:grpSpPr>
+      <p:sp>
+        <p:nvSpPr>
+          <p:cNvPr id="2" name="Slide Image Placeholder 1"/>
+          <p:cNvSpPr>
+            <a:spLocks noGrp="1" noRot="1" noChangeAspect="1"/>
+          </p:cNvSpPr>
+          <p:nvPr>
+            <p:ph type="sldImg"/>
+          </p:nvPr>
+        </p:nvSpPr>
+        <p:spPr/>
+      </p:sp>
+      <p:sp>
+        <p:nvSpPr>
+          <p:cNvPr id="3" name="Notes Placeholder 2"/>
+          <p:cNvSpPr>
+            <a:spLocks noGrp="1"/>
+          </p:cNvSpPr>
+          <p:nvPr>
+            <p:ph type="body" idx="1"/>
+          </p:nvPr>
+        </p:nvSpPr>
+        <p:spPr/>
+        <p:txBody>
+          <a:bodyPr/>
+          <a:lstStyle/>
+          <a:p>
+            <a:r>
+              <a:rPr lang="el-GR" dirty="0" smtClean="0"/>
+              <a:t>Εδώ φαίνεται</a:t>
+            </a:r>
+            <a:r>
+              <a:rPr lang="el-GR" baseline="0" dirty="0" smtClean="0"/>
+              <a:t> το </a:t>
+            </a:r>
+            <a:r>
+              <a:rPr lang="en-US" baseline="0" dirty="0" smtClean="0"/>
+              <a:t>CPU Utilization </a:t>
+            </a:r>
+            <a:r>
+              <a:rPr lang="el-GR" baseline="0" dirty="0" smtClean="0"/>
+              <a:t>για τα δύο </a:t>
+            </a:r>
+            <a:r>
+              <a:rPr lang="en-US" baseline="0" dirty="0" smtClean="0"/>
+              <a:t>SNE instances. </a:t>
+            </a:r>
+            <a:r>
+              <a:rPr lang="el-GR" baseline="0" dirty="0" smtClean="0"/>
+              <a:t>Η διαφορά μεταξύ του 1</a:t>
+            </a:r>
+            <a:r>
+              <a:rPr lang="el-GR" baseline="30000" dirty="0" smtClean="0"/>
+              <a:t>ου</a:t>
+            </a:r>
+            <a:r>
+              <a:rPr lang="el-GR" baseline="0" dirty="0" smtClean="0"/>
+              <a:t> και του 2</a:t>
+            </a:r>
+            <a:r>
+              <a:rPr lang="el-GR" baseline="30000" dirty="0" smtClean="0"/>
+              <a:t>ου</a:t>
+            </a:r>
+            <a:r>
+              <a:rPr lang="el-GR" baseline="0" dirty="0" smtClean="0"/>
+              <a:t> είναι στο ότι το πρώτο τρέχει και τον </a:t>
+            </a:r>
+            <a:r>
+              <a:rPr lang="en-US" baseline="0" dirty="0" smtClean="0"/>
+              <a:t>AZ </a:t>
+            </a:r>
+            <a:r>
+              <a:rPr lang="el-GR" baseline="0" dirty="0" smtClean="0"/>
+              <a:t>και τον </a:t>
+            </a:r>
+            <a:r>
+              <a:rPr lang="en-US" baseline="0" dirty="0" smtClean="0"/>
+              <a:t>NFS server. </a:t>
+            </a:r>
+            <a:r>
+              <a:rPr lang="el-GR" baseline="0" dirty="0" smtClean="0"/>
+              <a:t>Η </a:t>
+            </a:r>
+            <a:r>
+              <a:rPr lang="en-US" baseline="0" dirty="0" smtClean="0"/>
+              <a:t>memcached </a:t>
+            </a:r>
+            <a:r>
+              <a:rPr lang="el-GR" baseline="0" dirty="0" smtClean="0"/>
+              <a:t>εδώ έχει φτάσει στο 90% αλλά προσθέτοντας και άλλα </a:t>
+            </a:r>
+            <a:r>
+              <a:rPr lang="en-US" baseline="0" dirty="0" smtClean="0"/>
+              <a:t>Memcached instances </a:t>
+            </a:r>
+            <a:r>
+              <a:rPr lang="el-GR" baseline="0" dirty="0" smtClean="0"/>
+              <a:t>αυτό μπορεί να μειωθεί.</a:t>
+            </a:r>
+            <a:endParaRPr lang="el-GR" dirty="0"/>
+          </a:p>
+        </p:txBody>
+      </p:sp>
+      <p:sp>
+        <p:nvSpPr>
+          <p:cNvPr id="4" name="Slide Number Placeholder 3"/>
+          <p:cNvSpPr>
+            <a:spLocks noGrp="1"/>
+          </p:cNvSpPr>
+          <p:nvPr>
+            <p:ph type="sldNum" sz="quarter" idx="10"/>
+          </p:nvPr>
+        </p:nvSpPr>
+        <p:spPr/>
+        <p:txBody>
+          <a:bodyPr/>
+          <a:lstStyle/>
+          <a:p>
+            <a:fld id="{BFF29332-360D-462C-8DBA-6B9FF2FD1142}" type="slidenum">
+              <a:rPr lang="en-GB" smtClean="0"/>
+              <a:pPr/>
+              <a:t>23</a:t>
+            </a:fld>
+            <a:endParaRPr lang="en-GB"/>
+          </a:p>
+        </p:txBody>
+      </p:sp>
+    </p:spTree>
+    <p:extLst>
+      <p:ext uri="{BB962C8B-B14F-4D97-AF65-F5344CB8AC3E}">
+        <p14:creationId xmlns:p14="http://schemas.microsoft.com/office/powerpoint/2010/main" val="2551115175"/>
+      </p:ext>
+    </p:extLst>
+  </p:cSld>
+  <p:clrMapOvr>
+    <a:masterClrMapping/>
+  </p:clrMapOvr>
+</p:notes>
+</file>
+
+<file path=ppt/notesSlides/notesSlide23.xml><?xml version="1.0" encoding="utf-8"?>
+<p:notes xmlns:a="http://schemas.openxmlformats.org/drawingml/2006/main" xmlns:r="http://schemas.openxmlformats.org/officeDocument/2006/relationships" xmlns:p="http://schemas.openxmlformats.org/presentationml/2006/main">
+  <p:cSld>
+    <p:spTree>
+      <p:nvGrpSpPr>
+        <p:cNvPr id="1" name=""/>
+        <p:cNvGrpSpPr/>
+        <p:nvPr/>
+      </p:nvGrpSpPr>
+      <p:grpSpPr>
+        <a:xfrm>
+          <a:off x="0" y="0"/>
+          <a:ext cx="0" cy="0"/>
+          <a:chOff x="0" y="0"/>
+          <a:chExt cx="0" cy="0"/>
+        </a:xfrm>
+      </p:grpSpPr>
+      <p:sp>
+        <p:nvSpPr>
+          <p:cNvPr id="2" name="Slide Image Placeholder 1"/>
+          <p:cNvSpPr>
+            <a:spLocks noGrp="1" noRot="1" noChangeAspect="1"/>
+          </p:cNvSpPr>
+          <p:nvPr>
+            <p:ph type="sldImg"/>
+          </p:nvPr>
+        </p:nvSpPr>
+        <p:spPr/>
+      </p:sp>
+      <p:sp>
+        <p:nvSpPr>
+          <p:cNvPr id="3" name="Notes Placeholder 2"/>
+          <p:cNvSpPr>
+            <a:spLocks noGrp="1"/>
+          </p:cNvSpPr>
+          <p:nvPr>
+            <p:ph type="body" idx="1"/>
+          </p:nvPr>
+        </p:nvSpPr>
+        <p:spPr/>
+        <p:txBody>
+          <a:bodyPr/>
+          <a:lstStyle/>
+          <a:p>
+            <a:r>
+              <a:rPr lang="el-GR" dirty="0" smtClean="0"/>
+              <a:t>Σε αυτό</a:t>
+            </a:r>
+            <a:r>
+              <a:rPr lang="el-GR" baseline="0" dirty="0" smtClean="0"/>
+              <a:t> τον πίνακα φαίνεται ένα </a:t>
+            </a:r>
+            <a:r>
+              <a:rPr lang="en-US" baseline="0" dirty="0" smtClean="0"/>
+              <a:t>evaluation </a:t>
+            </a:r>
+            <a:r>
+              <a:rPr lang="el-GR" baseline="0" dirty="0" smtClean="0"/>
+              <a:t>του </a:t>
+            </a:r>
+            <a:r>
+              <a:rPr lang="en-US" baseline="0" dirty="0" smtClean="0"/>
+              <a:t>NLP </a:t>
+            </a:r>
+            <a:r>
+              <a:rPr lang="el-GR" baseline="0" dirty="0" smtClean="0"/>
+              <a:t>για 5 διαφορετικές κατηγορίες. Στην κάθετη στήλη φαίνεται οι 5 διαφορετικές κλάσεις και οριζόντια φαίνονται σε ποια κλάση έγιναν </a:t>
+            </a:r>
+            <a:r>
+              <a:rPr lang="en-US" baseline="0" dirty="0" smtClean="0"/>
+              <a:t>classified </a:t>
+            </a:r>
+            <a:r>
+              <a:rPr lang="el-GR" baseline="0" dirty="0" smtClean="0"/>
+              <a:t>με την βοήθεια του </a:t>
+            </a:r>
+            <a:r>
+              <a:rPr lang="en-US" baseline="0" dirty="0" smtClean="0"/>
+              <a:t>NLP classifier 30 </a:t>
+            </a:r>
+            <a:r>
+              <a:rPr lang="el-GR" baseline="0" dirty="0" smtClean="0"/>
+              <a:t>διαφορετικές ερωτήσεις</a:t>
+            </a:r>
+            <a:r>
+              <a:rPr lang="en-US" baseline="0" dirty="0" smtClean="0"/>
+              <a:t>, </a:t>
+            </a:r>
+            <a:r>
+              <a:rPr lang="el-GR" baseline="0" dirty="0" smtClean="0"/>
+              <a:t>διαφορετικές, από το </a:t>
+            </a:r>
+            <a:r>
+              <a:rPr lang="en-US" baseline="0" dirty="0" smtClean="0"/>
+              <a:t>SO. </a:t>
+            </a:r>
+            <a:endParaRPr lang="el-GR" dirty="0"/>
+          </a:p>
+        </p:txBody>
+      </p:sp>
+      <p:sp>
+        <p:nvSpPr>
+          <p:cNvPr id="4" name="Slide Number Placeholder 3"/>
+          <p:cNvSpPr>
+            <a:spLocks noGrp="1"/>
+          </p:cNvSpPr>
+          <p:nvPr>
+            <p:ph type="sldNum" sz="quarter" idx="10"/>
+          </p:nvPr>
+        </p:nvSpPr>
+        <p:spPr/>
+        <p:txBody>
+          <a:bodyPr/>
+          <a:lstStyle/>
+          <a:p>
+            <a:fld id="{BFF29332-360D-462C-8DBA-6B9FF2FD1142}" type="slidenum">
+              <a:rPr lang="en-GB" smtClean="0"/>
+              <a:pPr/>
+              <a:t>24</a:t>
+            </a:fld>
+            <a:endParaRPr lang="en-GB"/>
+          </a:p>
+        </p:txBody>
+      </p:sp>
+    </p:spTree>
+    <p:extLst>
+      <p:ext uri="{BB962C8B-B14F-4D97-AF65-F5344CB8AC3E}">
+        <p14:creationId xmlns:p14="http://schemas.microsoft.com/office/powerpoint/2010/main" val="3736839663"/>
+      </p:ext>
+    </p:extLst>
+  </p:cSld>
+  <p:clrMapOvr>
+    <a:masterClrMapping/>
+  </p:clrMapOvr>
+</p:notes>
+</file>
+
+<file path=ppt/notesSlides/notesSlide24.xml><?xml version="1.0" encoding="utf-8"?>
+<p:notes xmlns:a="http://schemas.openxmlformats.org/drawingml/2006/main" xmlns:r="http://schemas.openxmlformats.org/officeDocument/2006/relationships" xmlns:p="http://schemas.openxmlformats.org/presentationml/2006/main">
+  <p:cSld>
+    <p:spTree>
+      <p:nvGrpSpPr>
+        <p:cNvPr id="1" name=""/>
+        <p:cNvGrpSpPr/>
+        <p:nvPr/>
+      </p:nvGrpSpPr>
+      <p:grpSpPr>
+        <a:xfrm>
+          <a:off x="0" y="0"/>
+          <a:ext cx="0" cy="0"/>
+          <a:chOff x="0" y="0"/>
+          <a:chExt cx="0" cy="0"/>
+        </a:xfrm>
+      </p:grpSpPr>
+      <p:sp>
+        <p:nvSpPr>
+          <p:cNvPr id="2" name="1 - Θέση εικόνας διαφάνειας"/>
+          <p:cNvSpPr>
+            <a:spLocks noGrp="1" noRot="1" noChangeAspect="1"/>
+          </p:cNvSpPr>
+          <p:nvPr>
+            <p:ph type="sldImg"/>
+          </p:nvPr>
+        </p:nvSpPr>
+        <p:spPr/>
+      </p:sp>
+      <p:sp>
+        <p:nvSpPr>
+          <p:cNvPr id="3" name="2 - Θέση σημειώσεων"/>
+          <p:cNvSpPr>
+            <a:spLocks noGrp="1"/>
+          </p:cNvSpPr>
+          <p:nvPr>
+            <p:ph type="body" idx="1"/>
+          </p:nvPr>
+        </p:nvSpPr>
+        <p:spPr/>
+        <p:txBody>
+          <a:bodyPr>
+            <a:normAutofit/>
+          </a:bodyPr>
+          <a:lstStyle/>
+          <a:p>
+            <a:r>
+              <a:rPr lang="el-GR" dirty="0" smtClean="0"/>
+              <a:t>Τέλος ολοκληρώνοντας</a:t>
+            </a:r>
+            <a:r>
+              <a:rPr lang="el-GR" baseline="0" dirty="0" smtClean="0"/>
+              <a:t> ένα ΚΔ για </a:t>
+            </a:r>
+            <a:r>
+              <a:rPr lang="en-US" baseline="0" dirty="0" smtClean="0"/>
+              <a:t>cloud deployments specialists </a:t>
+            </a:r>
+            <a:r>
+              <a:rPr lang="el-GR" baseline="0" dirty="0" smtClean="0"/>
+              <a:t>υλοποιήθηκε, η πλατφόρμα μπορεί να εφαρμόσει </a:t>
+            </a:r>
+            <a:r>
+              <a:rPr lang="en-US" baseline="0" dirty="0" smtClean="0"/>
+              <a:t>NLP</a:t>
+            </a:r>
+            <a:r>
+              <a:rPr lang="el-GR" baseline="0" dirty="0" smtClean="0"/>
+              <a:t> στην είσοδο του χρήστη. Καθώς επίσης, εφαρμόστηκαν γνωστές τεχνικές για </a:t>
+            </a:r>
+            <a:r>
+              <a:rPr lang="en-US" baseline="0" dirty="0" smtClean="0"/>
+              <a:t>cashing </a:t>
+            </a:r>
+            <a:r>
+              <a:rPr lang="el-GR" baseline="0" dirty="0" smtClean="0"/>
+              <a:t>των δεδομένων και προστέθηκαν στο σύστημα πάνω από ένα </a:t>
+            </a:r>
+            <a:r>
+              <a:rPr lang="en-US" baseline="0" dirty="0" smtClean="0"/>
+              <a:t>SNE.</a:t>
+            </a:r>
+            <a:r>
+              <a:rPr lang="el-GR" baseline="0" dirty="0" smtClean="0"/>
+              <a:t> </a:t>
+            </a:r>
+            <a:endParaRPr lang="el-GR" dirty="0"/>
+          </a:p>
+        </p:txBody>
+      </p:sp>
+      <p:sp>
+        <p:nvSpPr>
+          <p:cNvPr id="4" name="3 - Θέση αριθμού διαφάνειας"/>
+          <p:cNvSpPr>
+            <a:spLocks noGrp="1"/>
+          </p:cNvSpPr>
+          <p:nvPr>
+            <p:ph type="sldNum" sz="quarter" idx="10"/>
+          </p:nvPr>
+        </p:nvSpPr>
+        <p:spPr/>
+        <p:txBody>
+          <a:bodyPr/>
+          <a:lstStyle/>
+          <a:p>
+            <a:fld id="{BFF29332-360D-462C-8DBA-6B9FF2FD1142}" type="slidenum">
+              <a:rPr lang="en-GB" smtClean="0"/>
+              <a:pPr/>
+              <a:t>25</a:t>
+            </a:fld>
+            <a:endParaRPr lang="en-GB"/>
+          </a:p>
+        </p:txBody>
+      </p:sp>
+    </p:spTree>
+    <p:extLst>
+      <p:ext uri="{BB962C8B-B14F-4D97-AF65-F5344CB8AC3E}">
+        <p14:creationId xmlns:p14="http://schemas.microsoft.com/office/powerpoint/2010/main" val="2539583959"/>
+      </p:ext>
+    </p:extLst>
+  </p:cSld>
+  <p:clrMapOvr>
+    <a:masterClrMapping/>
+  </p:clrMapOvr>
+</p:notes>
+</file>
+
+<file path=ppt/notesSlides/notesSlide25.xml><?xml version="1.0" encoding="utf-8"?>
+<p:notes xmlns:a="http://schemas.openxmlformats.org/drawingml/2006/main" xmlns:r="http://schemas.openxmlformats.org/officeDocument/2006/relationships" xmlns:p="http://schemas.openxmlformats.org/presentationml/2006/main">
+  <p:cSld>
+    <p:spTree>
+      <p:nvGrpSpPr>
+        <p:cNvPr id="1" name=""/>
+        <p:cNvGrpSpPr/>
+        <p:nvPr/>
+      </p:nvGrpSpPr>
+      <p:grpSpPr>
+        <a:xfrm>
+          <a:off x="0" y="0"/>
+          <a:ext cx="0" cy="0"/>
+          <a:chOff x="0" y="0"/>
+          <a:chExt cx="0" cy="0"/>
+        </a:xfrm>
+      </p:grpSpPr>
+      <p:sp>
+        <p:nvSpPr>
+          <p:cNvPr id="2" name="Slide Image Placeholder 1"/>
+          <p:cNvSpPr>
+            <a:spLocks noGrp="1" noRot="1" noChangeAspect="1"/>
+          </p:cNvSpPr>
+          <p:nvPr>
+            <p:ph type="sldImg"/>
+          </p:nvPr>
+        </p:nvSpPr>
+        <p:spPr/>
+      </p:sp>
+      <p:sp>
+        <p:nvSpPr>
+          <p:cNvPr id="3" name="Notes Placeholder 2"/>
+          <p:cNvSpPr>
+            <a:spLocks noGrp="1"/>
+          </p:cNvSpPr>
+          <p:nvPr>
+            <p:ph type="body" idx="1"/>
+          </p:nvPr>
+        </p:nvSpPr>
+        <p:spPr/>
+        <p:txBody>
+          <a:bodyPr/>
+          <a:lstStyle/>
+          <a:p>
+            <a:endParaRPr lang="el-GR" dirty="0"/>
+          </a:p>
+        </p:txBody>
+      </p:sp>
+      <p:sp>
+        <p:nvSpPr>
+          <p:cNvPr id="4" name="Slide Number Placeholder 3"/>
+          <p:cNvSpPr>
+            <a:spLocks noGrp="1"/>
+          </p:cNvSpPr>
+          <p:nvPr>
+            <p:ph type="sldNum" sz="quarter" idx="10"/>
+          </p:nvPr>
+        </p:nvSpPr>
+        <p:spPr/>
+        <p:txBody>
+          <a:bodyPr/>
+          <a:lstStyle/>
+          <a:p>
+            <a:fld id="{BFF29332-360D-462C-8DBA-6B9FF2FD1142}" type="slidenum">
+              <a:rPr lang="en-GB" smtClean="0"/>
+              <a:pPr/>
+              <a:t>26</a:t>
             </a:fld>
             <a:endParaRPr lang="en-GB"/>
           </a:p>
@@ -3390,7 +4706,7 @@
         <p:spPr/>
         <p:txBody>
           <a:bodyPr>
-            <a:normAutofit fontScale="92500"/>
+            <a:normAutofit fontScale="92500" lnSpcReduction="20000"/>
           </a:bodyPr>
           <a:lstStyle/>
           <a:p>
@@ -3404,7 +4720,982 @@
                 <a:ea typeface="+mn-ea"/>
                 <a:cs typeface="+mn-cs"/>
               </a:rPr>
-              <a:t>Στην εργασία αυτή παρουσιάζεται μία πλατφόρμα κοινωνικής δικτύωσης, η τεχνολογία </a:t>
+              <a:t>Στην εργασία αυτή παρουσιάζεται μία πλατφόρμα κοινωνικής δικτύωσης, για την σχεδίαση εφαρμογών οδηγούμενων από μοντέλα και την εγκατάσταση των εφαρμογών αυτών σε </a:t>
+            </a:r>
+            <a:r>
+              <a:rPr lang="en-US" sz="1200" kern="1200" dirty="0" smtClean="0">
+                <a:solidFill>
+                  <a:schemeClr val="tx1"/>
+                </a:solidFill>
+                <a:effectLst/>
+                <a:latin typeface="+mn-lt"/>
+                <a:ea typeface="+mn-ea"/>
+                <a:cs typeface="+mn-cs"/>
+              </a:rPr>
+              <a:t>multi-cloud</a:t>
+            </a:r>
+            <a:r>
+              <a:rPr lang="en-US" sz="1200" kern="1200" baseline="0" dirty="0" smtClean="0">
+                <a:solidFill>
+                  <a:schemeClr val="tx1"/>
+                </a:solidFill>
+                <a:effectLst/>
+                <a:latin typeface="+mn-lt"/>
+                <a:ea typeface="+mn-ea"/>
+                <a:cs typeface="+mn-cs"/>
+              </a:rPr>
+              <a:t> environments. </a:t>
+            </a:r>
+            <a:r>
+              <a:rPr lang="el-GR" sz="1200" kern="1200" baseline="0" dirty="0" smtClean="0">
+                <a:solidFill>
+                  <a:schemeClr val="tx1"/>
+                </a:solidFill>
+                <a:effectLst/>
+                <a:latin typeface="+mn-lt"/>
+                <a:ea typeface="+mn-ea"/>
+                <a:cs typeface="+mn-cs"/>
+              </a:rPr>
+              <a:t>Αυτή η ΠΚΔ προορίζεται για </a:t>
+            </a:r>
+            <a:r>
+              <a:rPr lang="en-US" sz="1200" kern="1200" baseline="0" dirty="0" smtClean="0">
+                <a:solidFill>
+                  <a:schemeClr val="tx1"/>
+                </a:solidFill>
+                <a:effectLst/>
+                <a:latin typeface="+mn-lt"/>
+                <a:ea typeface="+mn-ea"/>
+                <a:cs typeface="+mn-cs"/>
+              </a:rPr>
+              <a:t>DevOps </a:t>
+            </a:r>
+            <a:r>
+              <a:rPr lang="el-GR" sz="1200" kern="1200" baseline="0" dirty="0" smtClean="0">
+                <a:solidFill>
+                  <a:schemeClr val="tx1"/>
+                </a:solidFill>
+                <a:effectLst/>
+                <a:latin typeface="+mn-lt"/>
+                <a:ea typeface="+mn-ea"/>
+                <a:cs typeface="+mn-cs"/>
+              </a:rPr>
+              <a:t>χρήστες, όπου </a:t>
+            </a:r>
+            <a:r>
+              <a:rPr lang="en-US" sz="1200" kern="1200" baseline="0" dirty="0" smtClean="0">
+                <a:solidFill>
+                  <a:schemeClr val="tx1"/>
+                </a:solidFill>
+                <a:effectLst/>
+                <a:latin typeface="+mn-lt"/>
+                <a:ea typeface="+mn-ea"/>
+                <a:cs typeface="+mn-cs"/>
+              </a:rPr>
+              <a:t>DevOps </a:t>
+            </a:r>
+            <a:r>
+              <a:rPr lang="el-GR" sz="1200" kern="1200" baseline="0" dirty="0" smtClean="0">
+                <a:solidFill>
+                  <a:schemeClr val="tx1"/>
+                </a:solidFill>
+                <a:effectLst/>
+                <a:latin typeface="+mn-lt"/>
+                <a:ea typeface="+mn-ea"/>
+                <a:cs typeface="+mn-cs"/>
+              </a:rPr>
+              <a:t>είναι τα αρχικά από το </a:t>
+            </a:r>
+            <a:r>
+              <a:rPr lang="en-US" sz="1200" kern="1200" baseline="0" dirty="0" smtClean="0">
+                <a:solidFill>
+                  <a:schemeClr val="tx1"/>
+                </a:solidFill>
+                <a:effectLst/>
+                <a:latin typeface="+mn-lt"/>
+                <a:ea typeface="+mn-ea"/>
+                <a:cs typeface="+mn-cs"/>
+              </a:rPr>
+              <a:t>Development and Operations.</a:t>
+            </a:r>
+            <a:r>
+              <a:rPr lang="el-GR" sz="1200" kern="1200" baseline="0" dirty="0" smtClean="0">
+                <a:solidFill>
+                  <a:schemeClr val="tx1"/>
+                </a:solidFill>
+                <a:effectLst/>
+                <a:latin typeface="+mn-lt"/>
+                <a:ea typeface="+mn-ea"/>
+                <a:cs typeface="+mn-cs"/>
+              </a:rPr>
+              <a:t> Οι </a:t>
+            </a:r>
+            <a:r>
+              <a:rPr lang="en-US" sz="1200" kern="1200" baseline="0" dirty="0" smtClean="0">
+                <a:solidFill>
+                  <a:schemeClr val="tx1"/>
+                </a:solidFill>
+                <a:effectLst/>
+                <a:latin typeface="+mn-lt"/>
+                <a:ea typeface="+mn-ea"/>
+                <a:cs typeface="+mn-cs"/>
+              </a:rPr>
+              <a:t>DevOps users </a:t>
+            </a:r>
+            <a:r>
+              <a:rPr lang="el-GR" sz="1200" kern="1200" baseline="0" dirty="0" smtClean="0">
+                <a:solidFill>
+                  <a:schemeClr val="tx1"/>
+                </a:solidFill>
+                <a:effectLst/>
+                <a:latin typeface="+mn-lt"/>
+                <a:ea typeface="+mn-ea"/>
+                <a:cs typeface="+mn-cs"/>
+              </a:rPr>
+              <a:t>είναι ουσιαστικά ΙΤ </a:t>
+            </a:r>
+            <a:r>
+              <a:rPr lang="en-US" sz="1200" kern="1200" baseline="0" dirty="0" smtClean="0">
+                <a:solidFill>
+                  <a:schemeClr val="tx1"/>
+                </a:solidFill>
+                <a:effectLst/>
+                <a:latin typeface="+mn-lt"/>
+                <a:ea typeface="+mn-ea"/>
+                <a:cs typeface="+mn-cs"/>
+              </a:rPr>
+              <a:t>staff </a:t>
+            </a:r>
+            <a:r>
+              <a:rPr lang="el-GR" sz="1200" kern="1200" baseline="0" dirty="0" smtClean="0">
+                <a:solidFill>
+                  <a:schemeClr val="tx1"/>
+                </a:solidFill>
+                <a:effectLst/>
+                <a:latin typeface="+mn-lt"/>
+                <a:ea typeface="+mn-ea"/>
+                <a:cs typeface="+mn-cs"/>
+              </a:rPr>
+              <a:t>οι οποίοι χρησιμοποιούν εργαλεία όπως το </a:t>
+            </a:r>
+            <a:r>
+              <a:rPr lang="en-US" sz="1200" kern="1200" baseline="0" dirty="0" smtClean="0">
+                <a:solidFill>
+                  <a:schemeClr val="tx1"/>
+                </a:solidFill>
+                <a:effectLst/>
+                <a:latin typeface="+mn-lt"/>
+                <a:ea typeface="+mn-ea"/>
+                <a:cs typeface="+mn-cs"/>
+              </a:rPr>
+              <a:t>Chef </a:t>
+            </a:r>
+            <a:r>
+              <a:rPr lang="el-GR" sz="1200" kern="1200" baseline="0" dirty="0" smtClean="0">
+                <a:solidFill>
+                  <a:schemeClr val="tx1"/>
+                </a:solidFill>
+                <a:effectLst/>
+                <a:latin typeface="+mn-lt"/>
+                <a:ea typeface="+mn-ea"/>
+                <a:cs typeface="+mn-cs"/>
+              </a:rPr>
+              <a:t>ή το </a:t>
+            </a:r>
+            <a:r>
+              <a:rPr lang="en-US" sz="1200" kern="1200" baseline="0" dirty="0" smtClean="0">
+                <a:solidFill>
+                  <a:schemeClr val="tx1"/>
+                </a:solidFill>
+                <a:effectLst/>
+                <a:latin typeface="+mn-lt"/>
+                <a:ea typeface="+mn-ea"/>
+                <a:cs typeface="+mn-cs"/>
+              </a:rPr>
+              <a:t>Puppet </a:t>
+            </a:r>
+            <a:r>
+              <a:rPr lang="el-GR" sz="1200" kern="1200" baseline="0" dirty="0" smtClean="0">
+                <a:solidFill>
+                  <a:schemeClr val="tx1"/>
+                </a:solidFill>
+                <a:effectLst/>
+                <a:latin typeface="+mn-lt"/>
+                <a:ea typeface="+mn-ea"/>
+                <a:cs typeface="+mn-cs"/>
+              </a:rPr>
+              <a:t>για</a:t>
+            </a:r>
+            <a:r>
+              <a:rPr lang="en-US" sz="1200" kern="1200" baseline="0" dirty="0" smtClean="0">
+                <a:solidFill>
+                  <a:schemeClr val="tx1"/>
+                </a:solidFill>
+                <a:effectLst/>
+                <a:latin typeface="+mn-lt"/>
+                <a:ea typeface="+mn-ea"/>
+                <a:cs typeface="+mn-cs"/>
+              </a:rPr>
+              <a:t> automated configuration, </a:t>
+            </a:r>
+            <a:r>
+              <a:rPr lang="el-GR" sz="1200" kern="1200" baseline="0" dirty="0" smtClean="0">
+                <a:solidFill>
+                  <a:schemeClr val="tx1"/>
+                </a:solidFill>
+                <a:effectLst/>
+                <a:latin typeface="+mn-lt"/>
+                <a:ea typeface="+mn-ea"/>
+                <a:cs typeface="+mn-cs"/>
+              </a:rPr>
+              <a:t>ή το </a:t>
+            </a:r>
+            <a:r>
+              <a:rPr lang="en-US" sz="1200" kern="1200" baseline="0" dirty="0" err="1" smtClean="0">
+                <a:solidFill>
+                  <a:schemeClr val="tx1"/>
+                </a:solidFill>
+                <a:effectLst/>
+                <a:latin typeface="+mn-lt"/>
+                <a:ea typeface="+mn-ea"/>
+                <a:cs typeface="+mn-cs"/>
+              </a:rPr>
+              <a:t>Jenkings</a:t>
+            </a:r>
+            <a:r>
+              <a:rPr lang="en-US" sz="1200" kern="1200" baseline="0" dirty="0" smtClean="0">
+                <a:solidFill>
+                  <a:schemeClr val="tx1"/>
+                </a:solidFill>
+                <a:effectLst/>
+                <a:latin typeface="+mn-lt"/>
+                <a:ea typeface="+mn-ea"/>
+                <a:cs typeface="+mn-cs"/>
+              </a:rPr>
+              <a:t> </a:t>
+            </a:r>
+            <a:r>
+              <a:rPr lang="el-GR" sz="1200" kern="1200" baseline="0" dirty="0" smtClean="0">
+                <a:solidFill>
+                  <a:schemeClr val="tx1"/>
+                </a:solidFill>
+                <a:effectLst/>
+                <a:latin typeface="+mn-lt"/>
+                <a:ea typeface="+mn-ea"/>
+                <a:cs typeface="+mn-cs"/>
+              </a:rPr>
+              <a:t>για </a:t>
+            </a:r>
+            <a:r>
+              <a:rPr lang="en-US" sz="1200" kern="1200" baseline="0" dirty="0" smtClean="0">
+                <a:solidFill>
+                  <a:schemeClr val="tx1"/>
+                </a:solidFill>
+                <a:effectLst/>
+                <a:latin typeface="+mn-lt"/>
+                <a:ea typeface="+mn-ea"/>
+                <a:cs typeface="+mn-cs"/>
+              </a:rPr>
+              <a:t>continuous integration </a:t>
+            </a:r>
+            <a:r>
+              <a:rPr lang="el-GR" sz="1200" kern="1200" baseline="0" dirty="0" smtClean="0">
+                <a:solidFill>
+                  <a:schemeClr val="tx1"/>
+                </a:solidFill>
+                <a:effectLst/>
+                <a:latin typeface="+mn-lt"/>
+                <a:ea typeface="+mn-ea"/>
+                <a:cs typeface="+mn-cs"/>
+              </a:rPr>
+              <a:t>και χρησιμοποιούν κάποιο </a:t>
+            </a:r>
+            <a:r>
+              <a:rPr lang="en-US" sz="1200" kern="1200" baseline="0" dirty="0" smtClean="0">
+                <a:solidFill>
+                  <a:schemeClr val="tx1"/>
+                </a:solidFill>
+                <a:effectLst/>
+                <a:latin typeface="+mn-lt"/>
+                <a:ea typeface="+mn-ea"/>
+                <a:cs typeface="+mn-cs"/>
+              </a:rPr>
+              <a:t>cloud provider.</a:t>
+            </a:r>
+            <a:endParaRPr lang="el-GR" sz="1200" kern="1200" baseline="0" dirty="0" smtClean="0">
+              <a:solidFill>
+                <a:schemeClr val="tx1"/>
+              </a:solidFill>
+              <a:effectLst/>
+              <a:latin typeface="+mn-lt"/>
+              <a:ea typeface="+mn-ea"/>
+              <a:cs typeface="+mn-cs"/>
+            </a:endParaRPr>
+          </a:p>
+          <a:p>
+            <a:endParaRPr lang="el-GR" sz="1200" kern="1200" baseline="0" dirty="0" smtClean="0">
+              <a:solidFill>
+                <a:schemeClr val="tx1"/>
+              </a:solidFill>
+              <a:effectLst/>
+              <a:latin typeface="+mn-lt"/>
+              <a:ea typeface="+mn-ea"/>
+              <a:cs typeface="+mn-cs"/>
+            </a:endParaRPr>
+          </a:p>
+          <a:p>
+            <a:r>
+              <a:rPr lang="el-GR" sz="1200" kern="1200" dirty="0" smtClean="0">
+                <a:solidFill>
+                  <a:schemeClr val="tx1"/>
+                </a:solidFill>
+                <a:effectLst/>
+                <a:latin typeface="+mn-lt"/>
+                <a:ea typeface="+mn-ea"/>
+                <a:cs typeface="+mn-cs"/>
+              </a:rPr>
+              <a:t>Σήμερα, οι </a:t>
+            </a:r>
+            <a:r>
+              <a:rPr lang="en-US" sz="1200" kern="1200" dirty="0" smtClean="0">
+                <a:solidFill>
+                  <a:schemeClr val="tx1"/>
+                </a:solidFill>
+                <a:effectLst/>
+                <a:latin typeface="+mn-lt"/>
+                <a:ea typeface="+mn-ea"/>
+                <a:cs typeface="+mn-cs"/>
+              </a:rPr>
+              <a:t>developers</a:t>
+            </a:r>
+            <a:r>
+              <a:rPr lang="el-GR" sz="1200" kern="1200" dirty="0" smtClean="0">
+                <a:solidFill>
+                  <a:schemeClr val="tx1"/>
+                </a:solidFill>
+                <a:effectLst/>
+                <a:latin typeface="+mn-lt"/>
+                <a:ea typeface="+mn-ea"/>
+                <a:cs typeface="+mn-cs"/>
+              </a:rPr>
+              <a:t> για την Ανάπτυξη και Λειτουργεία Εφαρμογών, ειδικά αυτοί που ειδικεύονται στην ανάπτυξη εφαρμογών σε </a:t>
+            </a:r>
+            <a:r>
+              <a:rPr lang="en-US" sz="1200" kern="1200" dirty="0" smtClean="0">
+                <a:solidFill>
+                  <a:schemeClr val="tx1"/>
+                </a:solidFill>
+                <a:effectLst/>
+                <a:latin typeface="+mn-lt"/>
+                <a:ea typeface="+mn-ea"/>
+                <a:cs typeface="+mn-cs"/>
+              </a:rPr>
+              <a:t>cloud</a:t>
+            </a:r>
+            <a:r>
+              <a:rPr lang="el-GR" sz="1200" kern="1200" dirty="0" smtClean="0">
+                <a:solidFill>
+                  <a:schemeClr val="tx1"/>
+                </a:solidFill>
+                <a:effectLst/>
+                <a:latin typeface="+mn-lt"/>
+                <a:ea typeface="+mn-ea"/>
+                <a:cs typeface="+mn-cs"/>
+              </a:rPr>
+              <a:t>, περιπλανιούνται στο παγκόσμιο ιστό αναζητώντας τέτοια αυτόματα εργαλεία όπως είπαμε: το </a:t>
+            </a:r>
+            <a:r>
+              <a:rPr lang="en-US" sz="1200" kern="1200" dirty="0" smtClean="0">
+                <a:solidFill>
+                  <a:schemeClr val="tx1"/>
+                </a:solidFill>
+                <a:effectLst/>
+                <a:latin typeface="+mn-lt"/>
+                <a:ea typeface="+mn-ea"/>
+                <a:cs typeface="+mn-cs"/>
+              </a:rPr>
+              <a:t>Chef supermarket</a:t>
+            </a:r>
+            <a:r>
+              <a:rPr lang="el-GR" sz="1200" kern="1200" baseline="0" dirty="0" smtClean="0">
+                <a:solidFill>
+                  <a:schemeClr val="tx1"/>
+                </a:solidFill>
+                <a:effectLst/>
+                <a:latin typeface="+mn-lt"/>
+                <a:ea typeface="+mn-ea"/>
+                <a:cs typeface="+mn-cs"/>
+              </a:rPr>
+              <a:t> ή </a:t>
+            </a:r>
+            <a:r>
+              <a:rPr lang="el-GR" sz="1200" kern="1200" dirty="0" smtClean="0">
+                <a:solidFill>
+                  <a:schemeClr val="tx1"/>
+                </a:solidFill>
+                <a:effectLst/>
+                <a:latin typeface="+mn-lt"/>
+                <a:ea typeface="+mn-ea"/>
+                <a:cs typeface="+mn-cs"/>
+              </a:rPr>
+              <a:t>το </a:t>
+            </a:r>
+            <a:r>
+              <a:rPr lang="en-US" sz="1200" kern="1200" dirty="0" smtClean="0">
+                <a:solidFill>
+                  <a:schemeClr val="tx1"/>
+                </a:solidFill>
+                <a:effectLst/>
+                <a:latin typeface="+mn-lt"/>
+                <a:ea typeface="+mn-ea"/>
+                <a:cs typeface="+mn-cs"/>
+              </a:rPr>
+              <a:t>IBM </a:t>
+            </a:r>
+            <a:r>
+              <a:rPr lang="en-US" sz="1200" kern="1200" dirty="0" err="1" smtClean="0">
+                <a:solidFill>
+                  <a:schemeClr val="tx1"/>
+                </a:solidFill>
+                <a:effectLst/>
+                <a:latin typeface="+mn-lt"/>
+                <a:ea typeface="+mn-ea"/>
+                <a:cs typeface="+mn-cs"/>
+              </a:rPr>
+              <a:t>Bluemix</a:t>
+            </a:r>
+            <a:r>
+              <a:rPr lang="el-GR" sz="1200" kern="1200" dirty="0" smtClean="0">
+                <a:solidFill>
+                  <a:schemeClr val="tx1"/>
+                </a:solidFill>
+                <a:effectLst/>
+                <a:latin typeface="+mn-lt"/>
+                <a:ea typeface="+mn-ea"/>
+                <a:cs typeface="+mn-cs"/>
+              </a:rPr>
+              <a:t> και άλλα</a:t>
+            </a:r>
+            <a:r>
+              <a:rPr lang="en-US" sz="1200" kern="1200" dirty="0" smtClean="0">
+                <a:solidFill>
+                  <a:schemeClr val="tx1"/>
+                </a:solidFill>
+                <a:effectLst/>
+                <a:latin typeface="+mn-lt"/>
+                <a:ea typeface="+mn-ea"/>
+                <a:cs typeface="+mn-cs"/>
+              </a:rPr>
+              <a:t>,</a:t>
+            </a:r>
+            <a:r>
+              <a:rPr lang="el-GR" sz="1200" kern="1200" dirty="0" smtClean="0">
+                <a:solidFill>
+                  <a:schemeClr val="tx1"/>
+                </a:solidFill>
+                <a:effectLst/>
+                <a:latin typeface="+mn-lt"/>
+                <a:ea typeface="+mn-ea"/>
+                <a:cs typeface="+mn-cs"/>
+              </a:rPr>
+              <a:t> όπου σχεδόν χειροκίνητα προσαρμόζουν και εγκαθιστούν τις εφαρμογές τους χωρίς την βοήθεια από κάποια κοινότητα που να παρέχει πληροφορίες και χωρίς</a:t>
+            </a:r>
+            <a:r>
+              <a:rPr lang="el-GR" sz="1200" kern="1200" baseline="0" dirty="0" smtClean="0">
+                <a:solidFill>
+                  <a:schemeClr val="tx1"/>
+                </a:solidFill>
+                <a:effectLst/>
+                <a:latin typeface="+mn-lt"/>
+                <a:ea typeface="+mn-ea"/>
+                <a:cs typeface="+mn-cs"/>
+              </a:rPr>
+              <a:t> την βοήθεια κάποιου </a:t>
+            </a:r>
+            <a:r>
+              <a:rPr lang="en-US" sz="1200" kern="1200" baseline="0" dirty="0" smtClean="0">
+                <a:solidFill>
+                  <a:schemeClr val="tx1"/>
+                </a:solidFill>
+                <a:effectLst/>
+                <a:latin typeface="+mn-lt"/>
+                <a:ea typeface="+mn-ea"/>
+                <a:cs typeface="+mn-cs"/>
+              </a:rPr>
+              <a:t>repository </a:t>
+            </a:r>
+            <a:r>
+              <a:rPr lang="el-GR" sz="1200" kern="1200" baseline="0" dirty="0" smtClean="0">
+                <a:solidFill>
+                  <a:schemeClr val="tx1"/>
+                </a:solidFill>
+                <a:effectLst/>
+                <a:latin typeface="+mn-lt"/>
+                <a:ea typeface="+mn-ea"/>
+                <a:cs typeface="+mn-cs"/>
+              </a:rPr>
+              <a:t>που να </a:t>
+            </a:r>
+            <a:r>
+              <a:rPr lang="el-GR" sz="1200" kern="1200" dirty="0" smtClean="0">
+                <a:solidFill>
+                  <a:schemeClr val="tx1"/>
+                </a:solidFill>
+                <a:effectLst/>
+                <a:latin typeface="+mn-lt"/>
+                <a:ea typeface="+mn-ea"/>
+                <a:cs typeface="+mn-cs"/>
+              </a:rPr>
+              <a:t>αποθηκεύει χρήσιμη</a:t>
+            </a:r>
+            <a:r>
+              <a:rPr lang="el-GR" sz="1200" kern="1200" baseline="0" dirty="0" smtClean="0">
+                <a:solidFill>
+                  <a:schemeClr val="tx1"/>
+                </a:solidFill>
+                <a:effectLst/>
+                <a:latin typeface="+mn-lt"/>
+                <a:ea typeface="+mn-ea"/>
+                <a:cs typeface="+mn-cs"/>
+              </a:rPr>
+              <a:t> πληροφορία από τα </a:t>
+            </a:r>
+            <a:r>
+              <a:rPr lang="en-US" sz="1200" kern="1200" baseline="0" dirty="0" smtClean="0">
+                <a:solidFill>
+                  <a:schemeClr val="tx1"/>
+                </a:solidFill>
+                <a:effectLst/>
+                <a:latin typeface="+mn-lt"/>
+                <a:ea typeface="+mn-ea"/>
+                <a:cs typeface="+mn-cs"/>
+              </a:rPr>
+              <a:t>executions </a:t>
+            </a:r>
+            <a:r>
+              <a:rPr lang="el-GR" sz="1200" kern="1200" baseline="0" dirty="0" smtClean="0">
+                <a:solidFill>
+                  <a:schemeClr val="tx1"/>
+                </a:solidFill>
+                <a:effectLst/>
+                <a:latin typeface="+mn-lt"/>
+                <a:ea typeface="+mn-ea"/>
+                <a:cs typeface="+mn-cs"/>
+              </a:rPr>
+              <a:t>των εφαρμογών αυτών.</a:t>
+            </a:r>
+            <a:r>
+              <a:rPr lang="el-GR" sz="1200" kern="1200" dirty="0" smtClean="0">
+                <a:solidFill>
+                  <a:schemeClr val="tx1"/>
+                </a:solidFill>
+                <a:effectLst/>
+                <a:latin typeface="+mn-lt"/>
+                <a:ea typeface="+mn-ea"/>
+                <a:cs typeface="+mn-cs"/>
+              </a:rPr>
+              <a:t> </a:t>
+            </a:r>
+            <a:r>
+              <a:rPr lang="el-GR" sz="1200" b="0" kern="1200" baseline="0" dirty="0" smtClean="0">
+                <a:solidFill>
+                  <a:srgbClr val="FF0000"/>
+                </a:solidFill>
+                <a:latin typeface="+mn-lt"/>
+                <a:ea typeface="+mn-ea"/>
+                <a:cs typeface="+mn-cs"/>
+              </a:rPr>
+              <a:t>Αυτή η εργασία εντάσσεται στο πλαίσιο των </a:t>
+            </a:r>
+            <a:r>
+              <a:rPr lang="en-US" sz="1200" b="0" kern="1200" baseline="0" dirty="0" smtClean="0">
+                <a:solidFill>
+                  <a:srgbClr val="FF0000"/>
+                </a:solidFill>
+                <a:latin typeface="+mn-lt"/>
+                <a:ea typeface="+mn-ea"/>
+                <a:cs typeface="+mn-cs"/>
+              </a:rPr>
+              <a:t>DevOps Users </a:t>
+            </a:r>
+            <a:r>
+              <a:rPr lang="el-GR" sz="1200" b="0" kern="1200" baseline="0" dirty="0" smtClean="0">
+                <a:solidFill>
+                  <a:srgbClr val="FF0000"/>
+                </a:solidFill>
+                <a:latin typeface="+mn-lt"/>
+                <a:ea typeface="+mn-ea"/>
+                <a:cs typeface="+mn-cs"/>
+              </a:rPr>
+              <a:t>και συγκεκριμένα των </a:t>
+            </a:r>
+            <a:r>
+              <a:rPr lang="en-US" sz="1200" b="0" kern="1200" baseline="0" dirty="0" smtClean="0">
+                <a:solidFill>
+                  <a:srgbClr val="FF0000"/>
+                </a:solidFill>
+                <a:latin typeface="+mn-lt"/>
+                <a:ea typeface="+mn-ea"/>
+                <a:cs typeface="+mn-cs"/>
+              </a:rPr>
+              <a:t>Cloud Deployment Specialists, </a:t>
+            </a:r>
+            <a:r>
+              <a:rPr lang="el-GR" sz="1200" b="0" kern="1200" baseline="0" dirty="0" smtClean="0">
+                <a:solidFill>
+                  <a:srgbClr val="FF0000"/>
+                </a:solidFill>
+                <a:latin typeface="+mn-lt"/>
+                <a:ea typeface="+mn-ea"/>
+                <a:cs typeface="+mn-cs"/>
+              </a:rPr>
+              <a:t>αφού περιλαμβάνει</a:t>
+            </a:r>
+            <a:r>
+              <a:rPr lang="en-US" sz="1200" b="0" kern="1200" baseline="0" dirty="0" smtClean="0">
+                <a:solidFill>
+                  <a:srgbClr val="FF0000"/>
+                </a:solidFill>
+                <a:latin typeface="+mn-lt"/>
+                <a:ea typeface="+mn-ea"/>
+                <a:cs typeface="+mn-cs"/>
+              </a:rPr>
+              <a:t> </a:t>
+            </a:r>
+            <a:r>
+              <a:rPr lang="el-GR" sz="1200" b="0" kern="1200" baseline="0" dirty="0" smtClean="0">
+                <a:solidFill>
+                  <a:srgbClr val="FF0000"/>
+                </a:solidFill>
+                <a:latin typeface="+mn-lt"/>
+                <a:ea typeface="+mn-ea"/>
+                <a:cs typeface="+mn-cs"/>
+              </a:rPr>
+              <a:t>ένα κοινωνικό δίκτυο που στοχεύει αυτό τον κόσμο, προσφέροντας τους την δυνατότητα να επικοινωνούν μεταξύ τους και να αλληλοεπιδρούν με  μοντέλα εφαρμογών. Να προσθέτουν καινούρια μοντέλα εφαρμογών και  να παρατηρούν άλλα μοντέλα και τα </a:t>
+            </a:r>
+            <a:r>
+              <a:rPr lang="en-US" sz="1200" b="0" kern="1200" baseline="0" dirty="0" smtClean="0">
+                <a:solidFill>
+                  <a:srgbClr val="FF0000"/>
+                </a:solidFill>
+                <a:latin typeface="+mn-lt"/>
+                <a:ea typeface="+mn-ea"/>
+                <a:cs typeface="+mn-cs"/>
+              </a:rPr>
+              <a:t>metrics </a:t>
+            </a:r>
+            <a:r>
+              <a:rPr lang="el-GR" sz="1200" b="0" kern="1200" baseline="0" dirty="0" smtClean="0">
+                <a:solidFill>
+                  <a:srgbClr val="FF0000"/>
+                </a:solidFill>
+                <a:latin typeface="+mn-lt"/>
+                <a:ea typeface="+mn-ea"/>
+                <a:cs typeface="+mn-cs"/>
+              </a:rPr>
+              <a:t>αυτών, όπως το </a:t>
+            </a:r>
+            <a:r>
+              <a:rPr lang="en-US" sz="1200" b="0" kern="1200" baseline="0" dirty="0" smtClean="0">
+                <a:solidFill>
+                  <a:srgbClr val="FF0000"/>
+                </a:solidFill>
+                <a:latin typeface="+mn-lt"/>
+                <a:ea typeface="+mn-ea"/>
+                <a:cs typeface="+mn-cs"/>
+              </a:rPr>
+              <a:t>cost-effectiveness </a:t>
+            </a:r>
+            <a:r>
+              <a:rPr lang="el-GR" sz="1200" b="0" kern="1200" baseline="0" dirty="0" smtClean="0">
+                <a:solidFill>
+                  <a:srgbClr val="FF0000"/>
+                </a:solidFill>
+                <a:latin typeface="+mn-lt"/>
+                <a:ea typeface="+mn-ea"/>
+                <a:cs typeface="+mn-cs"/>
+              </a:rPr>
+              <a:t>των </a:t>
+            </a:r>
+            <a:r>
+              <a:rPr lang="en-US" sz="1200" b="0" kern="1200" baseline="0" dirty="0" smtClean="0">
+                <a:solidFill>
+                  <a:srgbClr val="FF0000"/>
+                </a:solidFill>
+                <a:latin typeface="+mn-lt"/>
+                <a:ea typeface="+mn-ea"/>
+                <a:cs typeface="+mn-cs"/>
+              </a:rPr>
+              <a:t>executions </a:t>
+            </a:r>
+            <a:r>
+              <a:rPr lang="el-GR" sz="1200" b="0" kern="1200" baseline="0" dirty="0" smtClean="0">
+                <a:solidFill>
+                  <a:srgbClr val="FF0000"/>
+                </a:solidFill>
+                <a:latin typeface="+mn-lt"/>
+                <a:ea typeface="+mn-ea"/>
+                <a:cs typeface="+mn-cs"/>
+              </a:rPr>
+              <a:t>της εφαρμογής που έτρεξε σε διάφορα </a:t>
+            </a:r>
+            <a:r>
+              <a:rPr lang="en-US" sz="1200" b="0" kern="1200" baseline="0" dirty="0" smtClean="0">
+                <a:solidFill>
+                  <a:srgbClr val="FF0000"/>
+                </a:solidFill>
+                <a:latin typeface="+mn-lt"/>
+                <a:ea typeface="+mn-ea"/>
+                <a:cs typeface="+mn-cs"/>
+              </a:rPr>
+              <a:t>cloud environments</a:t>
+            </a:r>
+            <a:r>
+              <a:rPr lang="el-GR" sz="1200" b="0" kern="1200" baseline="0" dirty="0" smtClean="0">
+                <a:solidFill>
+                  <a:srgbClr val="FF0000"/>
+                </a:solidFill>
+                <a:latin typeface="+mn-lt"/>
+                <a:ea typeface="+mn-ea"/>
+                <a:cs typeface="+mn-cs"/>
+              </a:rPr>
+              <a:t>. </a:t>
+            </a:r>
+            <a:endParaRPr lang="en-US" sz="1200" b="0" kern="1200" baseline="0" dirty="0" smtClean="0">
+              <a:solidFill>
+                <a:srgbClr val="FF0000"/>
+              </a:solidFill>
+              <a:latin typeface="+mn-lt"/>
+              <a:ea typeface="+mn-ea"/>
+              <a:cs typeface="+mn-cs"/>
+            </a:endParaRPr>
+          </a:p>
+          <a:p>
+            <a:endParaRPr lang="en-US" sz="1200" kern="1200" baseline="0" dirty="0" smtClean="0">
+              <a:solidFill>
+                <a:schemeClr val="tx1"/>
+              </a:solidFill>
+              <a:latin typeface="+mn-lt"/>
+              <a:ea typeface="+mn-ea"/>
+              <a:cs typeface="+mn-cs"/>
+            </a:endParaRPr>
+          </a:p>
+          <a:p>
+            <a:r>
+              <a:rPr lang="el-GR" sz="1200" kern="1200" baseline="0" dirty="0" smtClean="0">
+                <a:solidFill>
+                  <a:schemeClr val="tx1"/>
+                </a:solidFill>
+                <a:latin typeface="+mn-lt"/>
+                <a:ea typeface="+mn-ea"/>
+                <a:cs typeface="+mn-cs"/>
+              </a:rPr>
+              <a:t>Τα μοντέλα των εφαρμογών είναι γραμμένα στην </a:t>
+            </a:r>
+            <a:r>
+              <a:rPr lang="en-US" sz="1200" kern="1200" dirty="0" smtClean="0">
+                <a:solidFill>
+                  <a:schemeClr val="tx1"/>
+                </a:solidFill>
+                <a:effectLst/>
+                <a:latin typeface="+mn-lt"/>
+                <a:ea typeface="+mn-ea"/>
+                <a:cs typeface="+mn-cs"/>
+              </a:rPr>
+              <a:t>Cloud Application Modelling and Execution Language </a:t>
+            </a:r>
+            <a:r>
+              <a:rPr lang="el-GR" sz="1200" kern="1200" dirty="0" smtClean="0">
+                <a:solidFill>
+                  <a:schemeClr val="tx1"/>
+                </a:solidFill>
+                <a:effectLst/>
+                <a:latin typeface="+mn-lt"/>
+                <a:ea typeface="+mn-ea"/>
+                <a:cs typeface="+mn-cs"/>
+              </a:rPr>
+              <a:t>και αποθηκεύονται στο </a:t>
+            </a:r>
+            <a:r>
+              <a:rPr lang="en-US" sz="1200" b="0" i="0" kern="1200" dirty="0" smtClean="0">
+                <a:solidFill>
+                  <a:schemeClr val="tx1"/>
+                </a:solidFill>
+                <a:effectLst/>
+                <a:latin typeface="+mn-lt"/>
+                <a:ea typeface="+mn-ea"/>
+                <a:cs typeface="+mn-cs"/>
+              </a:rPr>
+              <a:t>Connected Data Objects Model Repository. </a:t>
+            </a:r>
+            <a:r>
+              <a:rPr lang="el-GR" sz="1200" b="0" i="0" kern="1200" dirty="0" smtClean="0">
+                <a:solidFill>
+                  <a:schemeClr val="tx1"/>
+                </a:solidFill>
+                <a:effectLst/>
+                <a:latin typeface="+mn-lt"/>
+                <a:ea typeface="+mn-ea"/>
+                <a:cs typeface="+mn-cs"/>
+              </a:rPr>
+              <a:t>Χρησιμοποιούμαι το </a:t>
+            </a:r>
+            <a:r>
+              <a:rPr lang="en-US" sz="1200" b="0" i="0" kern="1200" dirty="0" smtClean="0">
+                <a:solidFill>
+                  <a:schemeClr val="tx1"/>
+                </a:solidFill>
+                <a:effectLst/>
+                <a:latin typeface="+mn-lt"/>
+                <a:ea typeface="+mn-ea"/>
+                <a:cs typeface="+mn-cs"/>
+              </a:rPr>
+              <a:t>Chef</a:t>
+            </a:r>
+            <a:r>
+              <a:rPr lang="en-US" sz="1200" b="0" i="0" kern="1200" baseline="0" dirty="0" smtClean="0">
+                <a:solidFill>
+                  <a:schemeClr val="tx1"/>
+                </a:solidFill>
+                <a:effectLst/>
+                <a:latin typeface="+mn-lt"/>
+                <a:ea typeface="+mn-ea"/>
+                <a:cs typeface="+mn-cs"/>
+              </a:rPr>
+              <a:t> supermarket </a:t>
+            </a:r>
+            <a:r>
+              <a:rPr lang="el-GR" sz="1200" b="0" i="0" kern="1200" baseline="0" dirty="0" smtClean="0">
+                <a:solidFill>
+                  <a:schemeClr val="tx1"/>
+                </a:solidFill>
+                <a:effectLst/>
+                <a:latin typeface="+mn-lt"/>
+                <a:ea typeface="+mn-ea"/>
+                <a:cs typeface="+mn-cs"/>
+              </a:rPr>
+              <a:t>για να πάρουμε το πλήθος των </a:t>
+            </a:r>
+            <a:r>
+              <a:rPr lang="en-US" sz="1200" b="0" i="0" kern="1200" baseline="0" dirty="0" smtClean="0">
+                <a:solidFill>
+                  <a:schemeClr val="tx1"/>
+                </a:solidFill>
+                <a:effectLst/>
+                <a:latin typeface="+mn-lt"/>
+                <a:ea typeface="+mn-ea"/>
+                <a:cs typeface="+mn-cs"/>
+              </a:rPr>
+              <a:t>cookbooks </a:t>
+            </a:r>
+            <a:r>
+              <a:rPr lang="el-GR" sz="1200" b="0" i="0" kern="1200" baseline="0" dirty="0" smtClean="0">
+                <a:solidFill>
+                  <a:schemeClr val="tx1"/>
+                </a:solidFill>
+                <a:effectLst/>
+                <a:latin typeface="+mn-lt"/>
+                <a:ea typeface="+mn-ea"/>
+                <a:cs typeface="+mn-cs"/>
+              </a:rPr>
+              <a:t>που υπάρχουν σε αυτό και να τα παρουσιάσουμε στο </a:t>
+            </a:r>
+            <a:r>
+              <a:rPr lang="en-US" sz="1200" b="0" i="0" kern="1200" baseline="0" dirty="0" smtClean="0">
+                <a:solidFill>
+                  <a:schemeClr val="tx1"/>
+                </a:solidFill>
+                <a:effectLst/>
+                <a:latin typeface="+mn-lt"/>
+                <a:ea typeface="+mn-ea"/>
+                <a:cs typeface="+mn-cs"/>
+              </a:rPr>
+              <a:t>Social</a:t>
+            </a:r>
+            <a:r>
+              <a:rPr lang="el-GR" sz="1200" b="0" i="0" kern="1200" baseline="0" dirty="0" smtClean="0">
+                <a:solidFill>
+                  <a:schemeClr val="tx1"/>
+                </a:solidFill>
+                <a:effectLst/>
+                <a:latin typeface="+mn-lt"/>
+                <a:ea typeface="+mn-ea"/>
+                <a:cs typeface="+mn-cs"/>
+              </a:rPr>
+              <a:t> </a:t>
+            </a:r>
+            <a:r>
+              <a:rPr lang="en-US" sz="1200" b="0" i="0" kern="1200" baseline="0" dirty="0" smtClean="0">
+                <a:solidFill>
+                  <a:schemeClr val="tx1"/>
+                </a:solidFill>
+                <a:effectLst/>
+                <a:latin typeface="+mn-lt"/>
+                <a:ea typeface="+mn-ea"/>
+                <a:cs typeface="+mn-cs"/>
+              </a:rPr>
+              <a:t>Network Platform </a:t>
+            </a:r>
+            <a:r>
+              <a:rPr lang="el-GR" sz="1200" b="0" i="0" kern="1200" baseline="0" dirty="0" smtClean="0">
+                <a:solidFill>
+                  <a:schemeClr val="tx1"/>
+                </a:solidFill>
+                <a:effectLst/>
+                <a:latin typeface="+mn-lt"/>
+                <a:ea typeface="+mn-ea"/>
+                <a:cs typeface="+mn-cs"/>
+              </a:rPr>
+              <a:t>ώστε οι χρήστες να μπορούν να τα χρησιμοποιήσουν. </a:t>
+            </a:r>
+          </a:p>
+          <a:p>
+            <a:endParaRPr lang="el-GR" sz="1200" kern="1200" baseline="0" dirty="0" smtClean="0">
+              <a:solidFill>
+                <a:schemeClr val="tx1"/>
+              </a:solidFill>
+              <a:effectLst/>
+              <a:latin typeface="+mn-lt"/>
+              <a:ea typeface="+mn-ea"/>
+              <a:cs typeface="+mn-cs"/>
+            </a:endParaRPr>
+          </a:p>
+          <a:p>
+            <a:r>
+              <a:rPr lang="en-US" sz="1200" kern="1200" baseline="0" dirty="0" smtClean="0">
+                <a:solidFill>
+                  <a:schemeClr val="tx1"/>
+                </a:solidFill>
+                <a:effectLst/>
+                <a:latin typeface="+mn-lt"/>
+                <a:ea typeface="+mn-ea"/>
+                <a:cs typeface="+mn-cs"/>
+              </a:rPr>
+              <a:t> </a:t>
+            </a:r>
+            <a:r>
+              <a:rPr lang="el-GR" sz="1200" kern="1200" baseline="0" dirty="0" smtClean="0">
+                <a:solidFill>
+                  <a:schemeClr val="tx1"/>
+                </a:solidFill>
+                <a:effectLst/>
+                <a:latin typeface="+mn-lt"/>
+                <a:ea typeface="+mn-ea"/>
+                <a:cs typeface="+mn-cs"/>
+              </a:rPr>
+              <a:t>Η</a:t>
+            </a:r>
+            <a:r>
+              <a:rPr lang="el-GR" sz="1200" kern="1200" dirty="0" smtClean="0">
+                <a:solidFill>
+                  <a:schemeClr val="tx1"/>
+                </a:solidFill>
+                <a:effectLst/>
+                <a:latin typeface="+mn-lt"/>
+                <a:ea typeface="+mn-ea"/>
+                <a:cs typeface="+mn-cs"/>
+              </a:rPr>
+              <a:t> τεχνολογία </a:t>
             </a:r>
             <a:r>
               <a:rPr lang="en-US" sz="1200" kern="1200" dirty="0" smtClean="0">
@@ -3500,7 +5791,7 @@
                 <a:ea typeface="+mn-ea"/>
                 <a:cs typeface="+mn-cs"/>
               </a:rPr>
-              <a:t>αυτής της Πλατφόρμας. </a:t>
+              <a:t>αυτής της Πλατφόρμας παρουσιάζεται</a:t>
             </a:r>
             <a:r>
               <a:rPr lang="en-US" sz="1200" kern="1200" dirty="0" smtClean="0">
@@ -3512,608 +5803,22 @@
                 <a:ea typeface="+mn-ea"/>
                 <a:cs typeface="+mn-cs"/>
               </a:rPr>
-              <a:t>H </a:t>
-            </a:r>
-            <a:r>
-              <a:rPr lang="el-GR" sz="1200" kern="1200" dirty="0" smtClean="0">
-                <a:solidFill>
-                  <a:schemeClr val="tx1"/>
-                </a:solidFill>
-                <a:effectLst/>
-                <a:latin typeface="+mn-lt"/>
-                <a:ea typeface="+mn-ea"/>
-                <a:cs typeface="+mn-cs"/>
-              </a:rPr>
-              <a:t>πλατφόρμα αυτή προορίζεται για την σχεδίαση εφαρμογών οδηγούμενων από μοντέλα και την εγκατάσταση των εφαρμογών αυτών σε </a:t>
-            </a:r>
-            <a:r>
-              <a:rPr lang="en-US" sz="1200" kern="1200" dirty="0" smtClean="0">
-                <a:solidFill>
-                  <a:schemeClr val="tx1"/>
-                </a:solidFill>
-                <a:effectLst/>
-                <a:latin typeface="+mn-lt"/>
-                <a:ea typeface="+mn-ea"/>
-                <a:cs typeface="+mn-cs"/>
-              </a:rPr>
-              <a:t>multi-cloud</a:t>
-            </a:r>
-            <a:r>
-              <a:rPr lang="en-US" sz="1200" kern="1200" baseline="0" dirty="0" smtClean="0">
-                <a:solidFill>
-                  <a:schemeClr val="tx1"/>
-                </a:solidFill>
-                <a:effectLst/>
-                <a:latin typeface="+mn-lt"/>
-                <a:ea typeface="+mn-ea"/>
-                <a:cs typeface="+mn-cs"/>
-              </a:rPr>
-              <a:t> environments</a:t>
-            </a:r>
-            <a:r>
-              <a:rPr lang="el-GR" sz="1200" kern="1200" dirty="0" smtClean="0">
-                <a:solidFill>
-                  <a:schemeClr val="tx1"/>
-                </a:solidFill>
-                <a:effectLst/>
-                <a:latin typeface="+mn-lt"/>
-                <a:ea typeface="+mn-ea"/>
-                <a:cs typeface="+mn-cs"/>
-              </a:rPr>
-              <a:t>. Σήμερα, οι χρήστες για την Ανάπτυξη και Λειτουργεία Εφαρμογών, ειδικά αυτοί που ειδικεύονται στην ανάπτυξη εφαρμογών σε </a:t>
-            </a:r>
-            <a:r>
-              <a:rPr lang="en-US" sz="1200" kern="1200" dirty="0" smtClean="0">
-                <a:solidFill>
-                  <a:schemeClr val="tx1"/>
-                </a:solidFill>
-                <a:effectLst/>
-                <a:latin typeface="+mn-lt"/>
-                <a:ea typeface="+mn-ea"/>
-                <a:cs typeface="+mn-cs"/>
-              </a:rPr>
-              <a:t>cloud</a:t>
-            </a:r>
-            <a:r>
-              <a:rPr lang="el-GR" sz="1200" kern="1200" dirty="0" smtClean="0">
-                <a:solidFill>
-                  <a:schemeClr val="tx1"/>
-                </a:solidFill>
-                <a:effectLst/>
-                <a:latin typeface="+mn-lt"/>
-                <a:ea typeface="+mn-ea"/>
-                <a:cs typeface="+mn-cs"/>
-              </a:rPr>
-              <a:t>, περιπλανιούνται στο παγκόσμιο ιστό αναζητώντας αυτόματα εργαλεία όπως το </a:t>
-            </a:r>
-            <a:r>
-              <a:rPr lang="en-US" sz="1200" kern="1200" dirty="0" smtClean="0">
-                <a:solidFill>
-                  <a:schemeClr val="tx1"/>
-                </a:solidFill>
-                <a:effectLst/>
-                <a:latin typeface="+mn-lt"/>
-                <a:ea typeface="+mn-ea"/>
-                <a:cs typeface="+mn-cs"/>
-              </a:rPr>
-              <a:t>Chef supermarket</a:t>
-            </a:r>
-            <a:r>
-              <a:rPr lang="el-GR" sz="1200" kern="1200" dirty="0" smtClean="0">
-                <a:solidFill>
-                  <a:schemeClr val="tx1"/>
-                </a:solidFill>
-                <a:effectLst/>
-                <a:latin typeface="+mn-lt"/>
-                <a:ea typeface="+mn-ea"/>
-                <a:cs typeface="+mn-cs"/>
-              </a:rPr>
-              <a:t>, το </a:t>
-            </a:r>
-            <a:r>
-              <a:rPr lang="en-US" sz="1200" kern="1200" dirty="0" smtClean="0">
-                <a:solidFill>
-                  <a:schemeClr val="tx1"/>
-                </a:solidFill>
-                <a:effectLst/>
-                <a:latin typeface="+mn-lt"/>
-                <a:ea typeface="+mn-ea"/>
-                <a:cs typeface="+mn-cs"/>
-              </a:rPr>
-              <a:t>IBM </a:t>
-            </a:r>
-            <a:r>
-              <a:rPr lang="en-US" sz="1200" kern="1200" dirty="0" err="1" smtClean="0">
-                <a:solidFill>
-                  <a:schemeClr val="tx1"/>
-                </a:solidFill>
-                <a:effectLst/>
-                <a:latin typeface="+mn-lt"/>
-                <a:ea typeface="+mn-ea"/>
-                <a:cs typeface="+mn-cs"/>
-              </a:rPr>
-              <a:t>Bluemix</a:t>
-            </a:r>
-            <a:r>
-              <a:rPr lang="el-GR" sz="1200" kern="1200" dirty="0" smtClean="0">
-                <a:solidFill>
-                  <a:schemeClr val="tx1"/>
-                </a:solidFill>
-                <a:effectLst/>
-                <a:latin typeface="+mn-lt"/>
-                <a:ea typeface="+mn-ea"/>
-                <a:cs typeface="+mn-cs"/>
-              </a:rPr>
-              <a:t> και άλλα όπου σχεδόν χειροκίνητα προσαρμόζουν και εγκαθιστούν τις εφαρμογές τους χωρίς την βοήθεια από κάποια κοινότητα που να παρέχει πληροφορίες και </a:t>
-            </a:r>
-            <a:r>
-              <a:rPr lang="el-GR" sz="1200" kern="1200" dirty="0" smtClean="0">
-                <a:solidFill>
-                  <a:schemeClr val="tx1"/>
-                </a:solidFill>
-                <a:effectLst/>
-                <a:latin typeface="+mn-lt"/>
-                <a:ea typeface="+mn-ea"/>
-                <a:cs typeface="+mn-cs"/>
-              </a:rPr>
-              <a:t>χωρίς</a:t>
-            </a:r>
-            <a:r>
-              <a:rPr lang="el-GR" sz="1200" kern="1200" baseline="0" dirty="0" smtClean="0">
-                <a:solidFill>
-                  <a:schemeClr val="tx1"/>
-                </a:solidFill>
-                <a:effectLst/>
-                <a:latin typeface="+mn-lt"/>
-                <a:ea typeface="+mn-ea"/>
-                <a:cs typeface="+mn-cs"/>
-              </a:rPr>
-              <a:t> την βοήθεια κάποιου </a:t>
-            </a:r>
-            <a:r>
-              <a:rPr lang="en-US" sz="1200" kern="1200" baseline="0" dirty="0" smtClean="0">
-                <a:solidFill>
-                  <a:schemeClr val="tx1"/>
-                </a:solidFill>
-                <a:effectLst/>
-                <a:latin typeface="+mn-lt"/>
-                <a:ea typeface="+mn-ea"/>
-                <a:cs typeface="+mn-cs"/>
-              </a:rPr>
-              <a:t>repository </a:t>
-            </a:r>
-            <a:r>
-              <a:rPr lang="el-GR" sz="1200" kern="1200" baseline="0" dirty="0" smtClean="0">
-                <a:solidFill>
-                  <a:schemeClr val="tx1"/>
-                </a:solidFill>
-                <a:effectLst/>
-                <a:latin typeface="+mn-lt"/>
-                <a:ea typeface="+mn-ea"/>
-                <a:cs typeface="+mn-cs"/>
-              </a:rPr>
-              <a:t>που να </a:t>
-            </a:r>
-            <a:r>
-              <a:rPr lang="el-GR" sz="1200" kern="1200" dirty="0" smtClean="0">
-                <a:solidFill>
-                  <a:schemeClr val="tx1"/>
-                </a:solidFill>
-                <a:effectLst/>
-                <a:latin typeface="+mn-lt"/>
-                <a:ea typeface="+mn-ea"/>
-                <a:cs typeface="+mn-cs"/>
-              </a:rPr>
-              <a:t>αποθηκεύει χρήσιμη</a:t>
-            </a:r>
-            <a:r>
-              <a:rPr lang="el-GR" sz="1200" kern="1200" baseline="0" dirty="0" smtClean="0">
-                <a:solidFill>
-                  <a:schemeClr val="tx1"/>
-                </a:solidFill>
-                <a:effectLst/>
-                <a:latin typeface="+mn-lt"/>
-                <a:ea typeface="+mn-ea"/>
-                <a:cs typeface="+mn-cs"/>
-              </a:rPr>
-              <a:t> πληροφορία από τα </a:t>
-            </a:r>
-            <a:r>
-              <a:rPr lang="en-US" sz="1200" kern="1200" baseline="0" dirty="0" smtClean="0">
-                <a:solidFill>
-                  <a:schemeClr val="tx1"/>
-                </a:solidFill>
-                <a:effectLst/>
-                <a:latin typeface="+mn-lt"/>
-                <a:ea typeface="+mn-ea"/>
-                <a:cs typeface="+mn-cs"/>
-              </a:rPr>
-              <a:t>executions </a:t>
-            </a:r>
-            <a:r>
-              <a:rPr lang="el-GR" sz="1200" kern="1200" baseline="0" dirty="0" smtClean="0">
-                <a:solidFill>
-                  <a:schemeClr val="tx1"/>
-                </a:solidFill>
-                <a:effectLst/>
-                <a:latin typeface="+mn-lt"/>
-                <a:ea typeface="+mn-ea"/>
-                <a:cs typeface="+mn-cs"/>
-              </a:rPr>
-              <a:t>των εφαρμογών αυτών.</a:t>
-            </a:r>
-            <a:r>
-              <a:rPr lang="el-GR" sz="1200" kern="1200" dirty="0" smtClean="0">
-                <a:solidFill>
-                  <a:schemeClr val="tx1"/>
-                </a:solidFill>
-                <a:effectLst/>
-                <a:latin typeface="+mn-lt"/>
-                <a:ea typeface="+mn-ea"/>
-                <a:cs typeface="+mn-cs"/>
-              </a:rPr>
-              <a:t> </a:t>
-            </a:r>
-            <a:r>
-              <a:rPr lang="el-GR" sz="1200" b="0" kern="1200" baseline="0" dirty="0" smtClean="0">
-                <a:solidFill>
-                  <a:srgbClr val="FF0000"/>
-                </a:solidFill>
-                <a:latin typeface="+mn-lt"/>
-                <a:ea typeface="+mn-ea"/>
-                <a:cs typeface="+mn-cs"/>
-              </a:rPr>
-              <a:t>Αυτή η εργασία εντάσσεται στο πλαίσιο των </a:t>
-            </a:r>
-            <a:r>
-              <a:rPr lang="en-US" sz="1200" b="0" kern="1200" baseline="0" dirty="0" smtClean="0">
-                <a:solidFill>
-                  <a:srgbClr val="FF0000"/>
-                </a:solidFill>
-                <a:latin typeface="+mn-lt"/>
-                <a:ea typeface="+mn-ea"/>
-                <a:cs typeface="+mn-cs"/>
-              </a:rPr>
-              <a:t>DevOps Users </a:t>
-            </a:r>
-            <a:r>
-              <a:rPr lang="el-GR" sz="1200" b="0" kern="1200" baseline="0" dirty="0" smtClean="0">
-                <a:solidFill>
-                  <a:srgbClr val="FF0000"/>
-                </a:solidFill>
-                <a:latin typeface="+mn-lt"/>
-                <a:ea typeface="+mn-ea"/>
-                <a:cs typeface="+mn-cs"/>
-              </a:rPr>
-              <a:t>και συγκεκριμένα των </a:t>
-            </a:r>
-            <a:r>
-              <a:rPr lang="en-US" sz="1200" b="0" kern="1200" baseline="0" dirty="0" smtClean="0">
-                <a:solidFill>
-                  <a:srgbClr val="FF0000"/>
-                </a:solidFill>
-                <a:latin typeface="+mn-lt"/>
-                <a:ea typeface="+mn-ea"/>
-                <a:cs typeface="+mn-cs"/>
-              </a:rPr>
-              <a:t>Cloud Deployment Specialists, </a:t>
-            </a:r>
-            <a:r>
-              <a:rPr lang="el-GR" sz="1200" b="0" kern="1200" baseline="0" dirty="0" smtClean="0">
-                <a:solidFill>
-                  <a:srgbClr val="FF0000"/>
-                </a:solidFill>
-                <a:latin typeface="+mn-lt"/>
-                <a:ea typeface="+mn-ea"/>
-                <a:cs typeface="+mn-cs"/>
-              </a:rPr>
-              <a:t>αφού περιλαμβάνει</a:t>
-            </a:r>
-            <a:r>
-              <a:rPr lang="en-US" sz="1200" b="0" kern="1200" baseline="0" dirty="0" smtClean="0">
-                <a:solidFill>
-                  <a:srgbClr val="FF0000"/>
-                </a:solidFill>
-                <a:latin typeface="+mn-lt"/>
-                <a:ea typeface="+mn-ea"/>
-                <a:cs typeface="+mn-cs"/>
-              </a:rPr>
-              <a:t> </a:t>
-            </a:r>
-            <a:r>
-              <a:rPr lang="el-GR" sz="1200" b="0" kern="1200" baseline="0" dirty="0" smtClean="0">
-                <a:solidFill>
-                  <a:srgbClr val="FF0000"/>
-                </a:solidFill>
-                <a:latin typeface="+mn-lt"/>
-                <a:ea typeface="+mn-ea"/>
-                <a:cs typeface="+mn-cs"/>
-              </a:rPr>
-              <a:t>ένα κοινωνικό δίκτυο που στοχεύει αυτό τον κόσμο, προσφέροντας τους την δυνατότητα να επικοινωνούν μεταξύ τους και να αλληλοεπιδρούν με  μοντέλα εφαρμογών. Να προσθέτουν καινούρια μοντέλα εφαρμογών και  να παρατηρούν άλλα μοντέλα και τα </a:t>
-            </a:r>
-            <a:r>
-              <a:rPr lang="en-US" sz="1200" b="0" kern="1200" baseline="0" dirty="0" smtClean="0">
-                <a:solidFill>
-                  <a:srgbClr val="FF0000"/>
-                </a:solidFill>
-                <a:latin typeface="+mn-lt"/>
-                <a:ea typeface="+mn-ea"/>
-                <a:cs typeface="+mn-cs"/>
-              </a:rPr>
-              <a:t>metrics </a:t>
-            </a:r>
-            <a:r>
-              <a:rPr lang="el-GR" sz="1200" b="0" kern="1200" baseline="0" dirty="0" smtClean="0">
-                <a:solidFill>
-                  <a:srgbClr val="FF0000"/>
-                </a:solidFill>
-                <a:latin typeface="+mn-lt"/>
-                <a:ea typeface="+mn-ea"/>
-                <a:cs typeface="+mn-cs"/>
-              </a:rPr>
-              <a:t>αυτών, όπως το </a:t>
-            </a:r>
-            <a:r>
-              <a:rPr lang="en-US" sz="1200" b="0" kern="1200" baseline="0" dirty="0" smtClean="0">
-                <a:solidFill>
-                  <a:srgbClr val="FF0000"/>
-                </a:solidFill>
-                <a:latin typeface="+mn-lt"/>
-                <a:ea typeface="+mn-ea"/>
-                <a:cs typeface="+mn-cs"/>
-              </a:rPr>
-              <a:t>cost-effectiveness </a:t>
-            </a:r>
-            <a:r>
-              <a:rPr lang="el-GR" sz="1200" b="0" kern="1200" baseline="0" dirty="0" smtClean="0">
-                <a:solidFill>
-                  <a:srgbClr val="FF0000"/>
-                </a:solidFill>
-                <a:latin typeface="+mn-lt"/>
-                <a:ea typeface="+mn-ea"/>
-                <a:cs typeface="+mn-cs"/>
-              </a:rPr>
-              <a:t>των </a:t>
-            </a:r>
-            <a:r>
-              <a:rPr lang="en-US" sz="1200" b="0" kern="1200" baseline="0" dirty="0" smtClean="0">
-                <a:solidFill>
-                  <a:srgbClr val="FF0000"/>
-                </a:solidFill>
-                <a:latin typeface="+mn-lt"/>
-                <a:ea typeface="+mn-ea"/>
-                <a:cs typeface="+mn-cs"/>
-              </a:rPr>
-              <a:t>executions </a:t>
-            </a:r>
-            <a:r>
-              <a:rPr lang="el-GR" sz="1200" b="0" kern="1200" baseline="0" dirty="0" smtClean="0">
-                <a:solidFill>
-                  <a:srgbClr val="FF0000"/>
-                </a:solidFill>
-                <a:latin typeface="+mn-lt"/>
-                <a:ea typeface="+mn-ea"/>
-                <a:cs typeface="+mn-cs"/>
-              </a:rPr>
-              <a:t>που έγινε σε διάφορα </a:t>
-            </a:r>
-            <a:r>
-              <a:rPr lang="en-US" sz="1200" b="0" kern="1200" baseline="0" dirty="0" smtClean="0">
-                <a:solidFill>
-                  <a:srgbClr val="FF0000"/>
-                </a:solidFill>
-                <a:latin typeface="+mn-lt"/>
-                <a:ea typeface="+mn-ea"/>
-                <a:cs typeface="+mn-cs"/>
-              </a:rPr>
-              <a:t>cloud environments</a:t>
-            </a:r>
-            <a:r>
-              <a:rPr lang="el-GR" sz="1200" b="0" kern="1200" baseline="0" dirty="0" smtClean="0">
-                <a:solidFill>
-                  <a:srgbClr val="FF0000"/>
-                </a:solidFill>
-                <a:latin typeface="+mn-lt"/>
-                <a:ea typeface="+mn-ea"/>
-                <a:cs typeface="+mn-cs"/>
-              </a:rPr>
-              <a:t>. </a:t>
-            </a:r>
-            <a:endParaRPr lang="en-US" sz="1200" b="0" kern="1200" baseline="0" dirty="0" smtClean="0">
-              <a:solidFill>
-                <a:srgbClr val="FF0000"/>
-              </a:solidFill>
-              <a:latin typeface="+mn-lt"/>
-              <a:ea typeface="+mn-ea"/>
-              <a:cs typeface="+mn-cs"/>
-            </a:endParaRPr>
-          </a:p>
-          <a:p>
-            <a:endParaRPr lang="en-US" sz="1200" kern="1200" baseline="0" dirty="0" smtClean="0">
-              <a:solidFill>
-                <a:schemeClr val="tx1"/>
-              </a:solidFill>
-              <a:latin typeface="+mn-lt"/>
-              <a:ea typeface="+mn-ea"/>
-              <a:cs typeface="+mn-cs"/>
-            </a:endParaRPr>
-          </a:p>
-          <a:p>
-            <a:r>
-              <a:rPr lang="el-GR" sz="1200" kern="1200" baseline="0" dirty="0" smtClean="0">
-                <a:solidFill>
-                  <a:schemeClr val="tx1"/>
-                </a:solidFill>
-                <a:latin typeface="+mn-lt"/>
-                <a:ea typeface="+mn-ea"/>
-                <a:cs typeface="+mn-cs"/>
-              </a:rPr>
-              <a:t>Τα μοντέλα των εφαρμογών είναι γραμμένα στην </a:t>
-            </a:r>
-            <a:r>
-              <a:rPr lang="en-US" sz="1200" kern="1200" dirty="0" smtClean="0">
-                <a:solidFill>
-                  <a:schemeClr val="tx1"/>
-                </a:solidFill>
-                <a:effectLst/>
-                <a:latin typeface="+mn-lt"/>
-                <a:ea typeface="+mn-ea"/>
-                <a:cs typeface="+mn-cs"/>
-              </a:rPr>
-              <a:t>Cloud Application Modelling and Execution Language </a:t>
-            </a:r>
-            <a:r>
-              <a:rPr lang="el-GR" sz="1200" kern="1200" dirty="0" smtClean="0">
-                <a:solidFill>
-                  <a:schemeClr val="tx1"/>
-                </a:solidFill>
-                <a:effectLst/>
-                <a:latin typeface="+mn-lt"/>
-                <a:ea typeface="+mn-ea"/>
-                <a:cs typeface="+mn-cs"/>
-              </a:rPr>
-              <a:t>και αποθηκεύονται στο </a:t>
-            </a:r>
-            <a:r>
-              <a:rPr lang="en-US" sz="1200" b="0" i="0" kern="1200" dirty="0" smtClean="0">
-                <a:solidFill>
-                  <a:schemeClr val="tx1"/>
-                </a:solidFill>
-                <a:effectLst/>
-                <a:latin typeface="+mn-lt"/>
-                <a:ea typeface="+mn-ea"/>
-                <a:cs typeface="+mn-cs"/>
-              </a:rPr>
-              <a:t>Connected Data Objects Model Repository. </a:t>
-            </a:r>
-            <a:r>
-              <a:rPr lang="el-GR" sz="1200" b="0" i="0" kern="1200" dirty="0" smtClean="0">
-                <a:solidFill>
-                  <a:schemeClr val="tx1"/>
-                </a:solidFill>
-                <a:effectLst/>
-                <a:latin typeface="+mn-lt"/>
-                <a:ea typeface="+mn-ea"/>
-                <a:cs typeface="+mn-cs"/>
-              </a:rPr>
-              <a:t>Χρησιμοποιούμαι το </a:t>
-            </a:r>
-            <a:r>
-              <a:rPr lang="en-US" sz="1200" b="0" i="0" kern="1200" dirty="0" smtClean="0">
-                <a:solidFill>
-                  <a:schemeClr val="tx1"/>
-                </a:solidFill>
-                <a:effectLst/>
-                <a:latin typeface="+mn-lt"/>
-                <a:ea typeface="+mn-ea"/>
-                <a:cs typeface="+mn-cs"/>
-              </a:rPr>
-              <a:t>Chef</a:t>
-            </a:r>
-            <a:r>
-              <a:rPr lang="en-US" sz="1200" b="0" i="0" kern="1200" baseline="0" dirty="0" smtClean="0">
-                <a:solidFill>
-                  <a:schemeClr val="tx1"/>
-                </a:solidFill>
-                <a:effectLst/>
-                <a:latin typeface="+mn-lt"/>
-                <a:ea typeface="+mn-ea"/>
-                <a:cs typeface="+mn-cs"/>
-              </a:rPr>
-              <a:t> supermarket </a:t>
-            </a:r>
-            <a:r>
-              <a:rPr lang="el-GR" sz="1200" b="0" i="0" kern="1200" baseline="0" dirty="0" smtClean="0">
-                <a:solidFill>
-                  <a:schemeClr val="tx1"/>
-                </a:solidFill>
-                <a:effectLst/>
-                <a:latin typeface="+mn-lt"/>
-                <a:ea typeface="+mn-ea"/>
-                <a:cs typeface="+mn-cs"/>
-              </a:rPr>
-              <a:t>για να πάρουμε το πλήθος των </a:t>
-            </a:r>
-            <a:r>
-              <a:rPr lang="en-US" sz="1200" b="0" i="0" kern="1200" baseline="0" dirty="0" smtClean="0">
-                <a:solidFill>
-                  <a:schemeClr val="tx1"/>
-                </a:solidFill>
-                <a:effectLst/>
-                <a:latin typeface="+mn-lt"/>
-                <a:ea typeface="+mn-ea"/>
-                <a:cs typeface="+mn-cs"/>
-              </a:rPr>
-              <a:t>cookbooks </a:t>
-            </a:r>
-            <a:r>
-              <a:rPr lang="el-GR" sz="1200" b="0" i="0" kern="1200" baseline="0" dirty="0" smtClean="0">
-                <a:solidFill>
-                  <a:schemeClr val="tx1"/>
-                </a:solidFill>
-                <a:effectLst/>
-                <a:latin typeface="+mn-lt"/>
-                <a:ea typeface="+mn-ea"/>
-                <a:cs typeface="+mn-cs"/>
-              </a:rPr>
-              <a:t>που υπάρχουν σε αυτό και να τα παρουσιάσουμε στο </a:t>
-            </a:r>
-            <a:r>
-              <a:rPr lang="en-US" sz="1200" b="0" i="0" kern="1200" baseline="0" dirty="0" smtClean="0">
-                <a:solidFill>
-                  <a:schemeClr val="tx1"/>
-                </a:solidFill>
-                <a:effectLst/>
-                <a:latin typeface="+mn-lt"/>
-                <a:ea typeface="+mn-ea"/>
-                <a:cs typeface="+mn-cs"/>
-              </a:rPr>
-              <a:t>Social</a:t>
-            </a:r>
-            <a:r>
-              <a:rPr lang="el-GR" sz="1200" b="0" i="0" kern="1200" baseline="0" dirty="0" smtClean="0">
-                <a:solidFill>
-                  <a:schemeClr val="tx1"/>
-                </a:solidFill>
-                <a:effectLst/>
-                <a:latin typeface="+mn-lt"/>
-                <a:ea typeface="+mn-ea"/>
-                <a:cs typeface="+mn-cs"/>
-              </a:rPr>
-              <a:t> </a:t>
-            </a:r>
-            <a:r>
-              <a:rPr lang="en-US" sz="1200" b="0" i="0" kern="1200" baseline="0" dirty="0" smtClean="0">
-                <a:solidFill>
-                  <a:schemeClr val="tx1"/>
-                </a:solidFill>
-                <a:effectLst/>
-                <a:latin typeface="+mn-lt"/>
-                <a:ea typeface="+mn-ea"/>
-                <a:cs typeface="+mn-cs"/>
-              </a:rPr>
-              <a:t>Network Platform </a:t>
-            </a:r>
-            <a:r>
-              <a:rPr lang="el-GR" sz="1200" b="0" i="0" kern="1200" baseline="0" dirty="0" smtClean="0">
-                <a:solidFill>
-                  <a:schemeClr val="tx1"/>
-                </a:solidFill>
-                <a:effectLst/>
-                <a:latin typeface="+mn-lt"/>
-                <a:ea typeface="+mn-ea"/>
-                <a:cs typeface="+mn-cs"/>
-              </a:rPr>
-              <a:t>ώστε οι χρήστες να μπορούν να τα χρησιμοποιήσουν. </a:t>
-            </a:r>
-          </a:p>
-          <a:p>
+              <a:t>.</a:t>
+            </a:r>
             <a:endParaRPr lang="en-US" dirty="0" smtClean="0"/>
           </a:p>
           <a:p>
             <a:r>
+              <a:rPr lang="el-GR" dirty="0" smtClean="0"/>
+              <a:t>Τέλος,</a:t>
+            </a:r>
+            <a:r>
+              <a:rPr lang="el-GR" baseline="0" dirty="0" smtClean="0"/>
+              <a:t> τ</a:t>
+            </a:r>
+            <a:r>
               <a:rPr lang="en-US" dirty="0" smtClean="0"/>
-              <a:t>To</a:t>
+              <a:t>o</a:t>
             </a:r>
             <a:r>
               <a:rPr lang="en-US" baseline="0" dirty="0" smtClean="0"/>
@@ -4125,7 +5830,15 @@
             </a:r>
             <a:r>
               <a:rPr lang="en-US" baseline="0" dirty="0" smtClean="0"/>
-              <a:t>PaaSage.</a:t>
+              <a:t>PaaSage</a:t>
+            </a:r>
+            <a:r>
+              <a:rPr lang="el-GR" baseline="0" dirty="0" smtClean="0"/>
+              <a:t> και αποτελεί το κοινωνικό του Δίκτυο</a:t>
+            </a:r>
+            <a:r>
+              <a:rPr lang="en-US" baseline="0" dirty="0" smtClean="0"/>
+              <a:t>.</a:t>
             </a:r>
             <a:endParaRPr lang="en-GB" dirty="0"/>
           </a:p>
@@ -4342,31 +6055,7 @@
                 <a:ea typeface="+mn-ea"/>
                 <a:cs typeface="+mn-cs"/>
               </a:rPr>
-              <a:t>προσανατολίζεται στην δυνατότητα των χρηστών να δημιουργούν μοντέλα, να βλέπουν χρήσιμες πληροφορίες για αυτά τα μοντέλα</a:t>
-            </a:r>
-            <a:r>
-              <a:rPr lang="el-GR" sz="1200" kern="1200" baseline="0" dirty="0" smtClean="0">
-                <a:solidFill>
-                  <a:schemeClr val="tx1"/>
-                </a:solidFill>
-                <a:effectLst/>
-                <a:latin typeface="+mn-lt"/>
-                <a:ea typeface="+mn-ea"/>
-                <a:cs typeface="+mn-cs"/>
-              </a:rPr>
-              <a:t>, καθώς επίσης και </a:t>
-            </a:r>
-            <a:r>
-              <a:rPr lang="el-GR" sz="1200" kern="1200" baseline="0" dirty="0" smtClean="0">
-                <a:solidFill>
-                  <a:schemeClr val="tx1"/>
-                </a:solidFill>
-                <a:effectLst/>
-                <a:latin typeface="+mn-lt"/>
-                <a:ea typeface="+mn-ea"/>
-                <a:cs typeface="+mn-cs"/>
-              </a:rPr>
-              <a:t>στο να υπάρχει η δυνατότητα να γίνουν </a:t>
+              <a:t>προσανατολίζεται στην δυνατότητα των χρηστών να δημιουργούν μοντέλα, να βλέπουν χρήσιμες πληροφορίες για αυτά τα μοντέλα, καθώς επίσης και στο να υπάρχει η δυνατότητα να γίνουν </a:t>
             </a:r>
             <a:r>
               <a:rPr lang="en-US" sz="1200" kern="1200" baseline="0" dirty="0" smtClean="0">
@@ -4390,31 +6079,7 @@
                 <a:ea typeface="+mn-ea"/>
                 <a:cs typeface="+mn-cs"/>
               </a:rPr>
-              <a:t>και να μπορούν να </a:t>
-            </a:r>
-            <a:r>
-              <a:rPr lang="el-GR" sz="1200" kern="1200" baseline="0" dirty="0" smtClean="0">
-                <a:solidFill>
-                  <a:schemeClr val="tx1"/>
-                </a:solidFill>
-                <a:effectLst/>
-                <a:latin typeface="+mn-lt"/>
-                <a:ea typeface="+mn-ea"/>
-                <a:cs typeface="+mn-cs"/>
-              </a:rPr>
-              <a:t>επαναχρησιμοποιήσουν </a:t>
-            </a:r>
-            <a:r>
-              <a:rPr lang="el-GR" sz="1200" kern="1200" baseline="0" dirty="0" smtClean="0">
-                <a:solidFill>
-                  <a:schemeClr val="tx1"/>
-                </a:solidFill>
-                <a:effectLst/>
-                <a:latin typeface="+mn-lt"/>
-                <a:ea typeface="+mn-ea"/>
-                <a:cs typeface="+mn-cs"/>
-              </a:rPr>
-              <a:t>υπάρχοντα μοντέλα μέσα στο </a:t>
+              <a:t>και να μπορούν να επαναχρησιμοποιήσουν υπάρχοντα μοντέλα μέσα στο </a:t>
             </a:r>
             <a:r>
               <a:rPr lang="en-US" sz="1200" kern="1200" baseline="0" dirty="0" smtClean="0">
@@ -4426,19 +6091,7 @@
                 <a:ea typeface="+mn-ea"/>
                 <a:cs typeface="+mn-cs"/>
               </a:rPr>
-              <a:t>SNP</a:t>
-            </a:r>
-            <a:r>
-              <a:rPr lang="en-US" sz="1200" kern="1200" baseline="0" dirty="0" smtClean="0">
-                <a:solidFill>
-                  <a:schemeClr val="tx1"/>
-                </a:solidFill>
-                <a:effectLst/>
-                <a:latin typeface="+mn-lt"/>
-                <a:ea typeface="+mn-ea"/>
-                <a:cs typeface="+mn-cs"/>
-              </a:rPr>
-              <a:t>.</a:t>
+              <a:t>SNP.</a:t>
             </a:r>
             <a:r>
               <a:rPr lang="el-GR" sz="1200" kern="1200" baseline="0" dirty="0" smtClean="0">
@@ -4476,15 +6129,6 @@
               </a:rPr>
               <a:t>των μοντέλων.</a:t>
             </a:r>
-            <a:endParaRPr lang="el-GR" sz="1200" kern="1200" baseline="0" dirty="0" smtClean="0">
-              <a:solidFill>
-                <a:schemeClr val="tx1"/>
-              </a:solidFill>
-              <a:effectLst/>
-              <a:latin typeface="+mn-lt"/>
-              <a:ea typeface="+mn-ea"/>
-              <a:cs typeface="+mn-cs"/>
-            </a:endParaRPr>
           </a:p>
           <a:p>
             <a:endParaRPr lang="el-GR" sz="1200" kern="1200" baseline="0" dirty="0" smtClean="0">
@@ -4532,19 +6176,7 @@
                 <a:ea typeface="+mn-ea"/>
                 <a:cs typeface="+mn-cs"/>
               </a:rPr>
-              <a:t>όπως </a:t>
-            </a:r>
-            <a:r>
-              <a:rPr lang="el-GR" sz="1200" kern="1200" baseline="0" dirty="0" smtClean="0">
-                <a:solidFill>
-                  <a:schemeClr val="tx1"/>
-                </a:solidFill>
-                <a:effectLst/>
-                <a:latin typeface="+mn-lt"/>
-                <a:ea typeface="+mn-ea"/>
-                <a:cs typeface="+mn-cs"/>
-              </a:rPr>
-              <a:t>η διαχείριση του </a:t>
+              <a:t>όπως η διαχείριση του </a:t>
             </a:r>
             <a:r>
               <a:rPr lang="en-US" sz="1200" kern="1200" baseline="0" dirty="0" smtClean="0">
@@ -4568,43 +6200,7 @@
                 <a:ea typeface="+mn-ea"/>
                 <a:cs typeface="+mn-cs"/>
               </a:rPr>
-              <a:t>από τους χρήστες, η δυνατότητα </a:t>
-            </a:r>
-            <a:r>
-              <a:rPr lang="el-GR" sz="1200" kern="1200" baseline="0" dirty="0" smtClean="0">
-                <a:solidFill>
-                  <a:schemeClr val="tx1"/>
-                </a:solidFill>
-                <a:effectLst/>
-                <a:latin typeface="+mn-lt"/>
-                <a:ea typeface="+mn-ea"/>
-                <a:cs typeface="+mn-cs"/>
-              </a:rPr>
-              <a:t>να  συνδέονται με άλλους χρήστες </a:t>
-            </a:r>
-            <a:r>
-              <a:rPr lang="el-GR" sz="1200" kern="1200" baseline="0" dirty="0" smtClean="0">
-                <a:solidFill>
-                  <a:schemeClr val="tx1"/>
-                </a:solidFill>
-                <a:effectLst/>
-                <a:latin typeface="+mn-lt"/>
-                <a:ea typeface="+mn-ea"/>
-                <a:cs typeface="+mn-cs"/>
-              </a:rPr>
-              <a:t>ή να </a:t>
-            </a:r>
-            <a:r>
-              <a:rPr lang="el-GR" sz="1200" kern="1200" baseline="0" dirty="0" smtClean="0">
-                <a:solidFill>
-                  <a:schemeClr val="tx1"/>
-                </a:solidFill>
-                <a:effectLst/>
-                <a:latin typeface="+mn-lt"/>
-                <a:ea typeface="+mn-ea"/>
-                <a:cs typeface="+mn-cs"/>
-              </a:rPr>
-              <a:t>δημιουργούν και να συνδέονται σε ομάδες χρηστών. Καθώς επίσης, να συμμετέχουν σε συζητήσεις να βαθμολογούν θετικά ή αρνητικά τις ερωτήσεις και τις απαντήσεις άλλων χρηστών. </a:t>
+              <a:t>από τους χρήστες, η δυνατότητα να  συνδέονται με άλλους χρήστες ή να δημιουργούν και να συνδέονται σε ομάδες χρηστών. Καθώς επίσης, να συμμετέχουν σε συζητήσεις να βαθμολογούν θετικά ή αρνητικά τις ερωτήσεις και τις απαντήσεις άλλων χρηστών. </a:t>
             </a:r>
           </a:p>
           <a:p>
@@ -4789,7 +6385,13 @@
           <a:p>
             <a:r>
               <a:rPr lang="el-GR" baseline="0" dirty="0" smtClean="0"/>
-              <a:t>Κατασκευάστηκε μια πλατφόρμα που να έχει την δυνατότητα να κλιμακώνεται και χρησιμοποιήθηκαν γνωστές τεχνικές επεξεργασίας φυσικής γλώσσας ώστε η πλατφόρμα να μπορεί να προσδιορίζει την είσοδο (ερώτηση) που δημιουργεί ένας χρήστης στην κοινότητα.</a:t>
+              <a:t>Υλοποιήθηκε μια πλατφόρμα που να έχει την δυνατότητα να κλιμακώνεται και χρησιμοποιήθηκαν γνωστές τεχνικές επεξεργασίας φυσικής γλώσσας ώστε η πλατφόρμα να μπορεί να προσδιορίζει την είσοδο (ερώτηση) που δημιουργεί ένας χρήστης στην κοινότητα. </a:t>
+            </a:r>
+          </a:p>
+          <a:p>
+            <a:r>
+              <a:rPr lang="el-GR" baseline="0" dirty="0" smtClean="0"/>
+              <a:t>Τέλος, θα δούμε την αξιολόγηση του ΚΔ από άλλους πιθανούς χρήστες.</a:t>
             </a:r>
             <a:endParaRPr lang="el-GR" dirty="0"/>
           </a:p>
@@ -4987,7 +6589,7 @@
             </a:r>
             <a:r>
               <a:rPr lang="el-GR" b="0" baseline="0" dirty="0" smtClean="0"/>
-              <a:t>μοντέλα. Όπου </a:t>
+              <a:t>μοντέλα που είναι ο τρόπος με τον οποίο υλοποιούνται τα μοντέλα εφαρμογών στο κοινωνικό δίκτυο. Όπου </a:t>
             </a:r>
             <a:r>
               <a:rPr lang="en-US" b="0" dirty="0" smtClean="0"/>
@@ -5022,11 +6624,7 @@
             </a:r>
             <a:r>
               <a:rPr lang="el-GR" b="0" baseline="0" dirty="0" smtClean="0"/>
-              <a:t>μοντέλα περιλαμβάνουν </a:t>
-            </a:r>
-            <a:r>
-              <a:rPr lang="el-GR" b="0" baseline="0" dirty="0" smtClean="0"/>
-              <a:t>διάφορες </a:t>
+              <a:t>μοντέλα περιλαμβάνουν διάφορες </a:t>
             </a:r>
             <a:r>
               <a:rPr lang="en-US" b="0" baseline="0" dirty="0" smtClean="0"/>
@@ -5038,11 +6636,7 @@
             </a:r>
             <a:r>
               <a:rPr lang="en-US" b="0" dirty="0" smtClean="0"/>
-              <a:t> </a:t>
-            </a:r>
-            <a:r>
-              <a:rPr lang="en-US" b="0" dirty="0" smtClean="0"/>
-              <a:t>Cloud Modeling Language (</a:t>
+              <a:t> Cloud Modeling Language (</a:t>
             </a:r>
             <a:r>
               <a:rPr lang="en-US" b="0" dirty="0" err="1" smtClean="0"/>
@@ -5116,7 +6710,45 @@
             </a:r>
             <a:r>
               <a:rPr lang="en-US" b="0" dirty="0" smtClean="0"/>
-              <a:t>Saloon</a:t>
+              <a:t>Saloon, </a:t>
+            </a:r>
+            <a:r>
+              <a:rPr lang="el-GR" b="0" dirty="0" smtClean="0"/>
+              <a:t>όπου ορίζονται τα </a:t>
+            </a:r>
+            <a:r>
+              <a:rPr lang="en-US" b="0" dirty="0" smtClean="0"/>
+              <a:t>requirements/</a:t>
+            </a:r>
+            <a:r>
+              <a:rPr lang="el-GR" b="0" dirty="0" smtClean="0"/>
+              <a:t>απαιτήσεις</a:t>
+            </a:r>
+            <a:r>
+              <a:rPr lang="en-US" b="0" dirty="0" smtClean="0"/>
+              <a:t> </a:t>
+            </a:r>
+            <a:r>
+              <a:rPr lang="el-GR" b="0" dirty="0" smtClean="0"/>
+              <a:t>και οι</a:t>
+            </a:r>
+            <a:r>
+              <a:rPr lang="el-GR" b="0" baseline="0" dirty="0" smtClean="0"/>
+              <a:t> στόχοι της εφαρμογής.</a:t>
+            </a:r>
+          </a:p>
+          <a:p>
+            <a:r>
+              <a:rPr lang="el-GR" b="0" baseline="0" dirty="0" smtClean="0"/>
+              <a:t>Το</a:t>
+            </a:r>
+            <a:r>
+              <a:rPr lang="en-US" b="0" dirty="0" smtClean="0"/>
+              <a:t> </a:t>
+            </a:r>
+            <a:r>
+              <a:rPr lang="en-US" b="0" dirty="0" err="1" smtClean="0"/>
+              <a:t>WSAgreement</a:t>
             </a:r>
             <a:r>
               <a:rPr lang="en-US" b="0" dirty="0" smtClean="0"/>
@@ -5124,52 +6756,6 @@
             </a:r>
             <a:r>
               <a:rPr lang="el-GR" b="0" dirty="0" smtClean="0"/>
-              <a:t>όπου ορίζονται τα </a:t>
-            </a:r>
-            <a:r>
-              <a:rPr lang="en-US" b="0" dirty="0" smtClean="0"/>
-              <a:t>requirements/</a:t>
-            </a:r>
-            <a:r>
-              <a:rPr lang="el-GR" b="0" dirty="0" smtClean="0"/>
-              <a:t>απαιτήσεις</a:t>
-            </a:r>
-            <a:r>
-              <a:rPr lang="en-US" b="0" dirty="0" smtClean="0"/>
-              <a:t> </a:t>
-            </a:r>
-            <a:r>
-              <a:rPr lang="el-GR" b="0" dirty="0" smtClean="0"/>
-              <a:t>και οι</a:t>
-            </a:r>
-            <a:r>
-              <a:rPr lang="el-GR" b="0" baseline="0" dirty="0" smtClean="0"/>
-              <a:t> στόχοι της εφαρμογής</a:t>
-            </a:r>
-            <a:r>
-              <a:rPr lang="el-GR" b="0" baseline="0" dirty="0" smtClean="0"/>
-              <a:t>.</a:t>
-            </a:r>
-          </a:p>
-          <a:p>
-            <a:r>
-              <a:rPr lang="el-GR" b="0" baseline="0" dirty="0" smtClean="0"/>
-              <a:t>Το</a:t>
-            </a:r>
-            <a:r>
-              <a:rPr lang="en-US" b="0" dirty="0" smtClean="0"/>
-              <a:t> </a:t>
-            </a:r>
-            <a:r>
-              <a:rPr lang="en-US" b="0" dirty="0" err="1" smtClean="0"/>
-              <a:t>WSAgreement</a:t>
-            </a:r>
-            <a:r>
-              <a:rPr lang="en-US" b="0" dirty="0" smtClean="0"/>
-              <a:t>, </a:t>
-            </a:r>
-            <a:r>
-              <a:rPr lang="el-GR" b="0" dirty="0" smtClean="0"/>
               <a:t>για την </a:t>
             </a:r>
             <a:r>
@@ -5182,11 +6768,7 @@
             </a:r>
             <a:r>
               <a:rPr lang="en-US" b="0" dirty="0" smtClean="0"/>
-              <a:t>Service </a:t>
-            </a:r>
-            <a:r>
-              <a:rPr lang="en-US" b="0" dirty="0" smtClean="0"/>
-              <a:t>Level Agreements of web services; </a:t>
+              <a:t>Service Level Agreements of web services; </a:t>
             </a:r>
             <a:endParaRPr lang="el-GR" b="0" dirty="0" smtClean="0"/>
           </a:p>
@@ -5215,7 +6797,6 @@
               <a:rPr lang="en-US" b="0" dirty="0" smtClean="0"/>
               <a:t>. </a:t>
             </a:r>
-            <a:endParaRPr lang="en-US" b="0" dirty="0" smtClean="0"/>
           </a:p>
         </p:txBody>
       </p:sp>
@@ -5275,7 +6856,7 @@
       </p:grpSpPr>
       <p:sp>
         <p:nvSpPr>
-          <p:cNvPr id="2" name="1 - Θέση εικόνας διαφάνειας"/>
+          <p:cNvPr id="2" name="Slide Image Placeholder 1"/>
           <p:cNvSpPr>
             <a:spLocks noGrp="1" noRot="1" noChangeAspect="1"/>
           </p:cNvSpPr>
@@ -5287,7 +6868,7 @@
       </p:sp>
       <p:sp>
         <p:nvSpPr>
-          <p:cNvPr id="3" name="2 - Θέση σημειώσεων"/>
+          <p:cNvPr id="3" name="Notes Placeholder 2"/>
           <p:cNvSpPr>
             <a:spLocks noGrp="1"/>
           </p:cNvSpPr>
@@ -5297,249 +6878,150 @@
         </p:nvSpPr>
         <p:spPr/>
         <p:txBody>
-          <a:bodyPr>
-            <a:normAutofit fontScale="92500"/>
-          </a:bodyPr>
-          <a:lstStyle/>
-          <a:p>
-            <a:r>
-              <a:rPr lang="el-GR" b="0" dirty="0" smtClean="0"/>
-              <a:t>Εδώ</a:t>
-            </a:r>
-            <a:r>
-              <a:rPr lang="el-GR" b="0" baseline="0" dirty="0" smtClean="0"/>
-              <a:t> παρουσιάζεται η συνολική αρχιτεκτονική του συστήματος, το οποίο έχει χωριστεί σε 3 επίπεδα.</a:t>
-            </a:r>
-          </a:p>
-          <a:p>
-            <a:endParaRPr lang="el-GR" b="0" baseline="0" dirty="0" smtClean="0"/>
-          </a:p>
-          <a:p>
-            <a:r>
-              <a:rPr lang="el-GR" b="0" baseline="0" dirty="0" smtClean="0"/>
-              <a:t>Στο επίπεδο 1, το οποίο είναι το </a:t>
-            </a:r>
-            <a:r>
-              <a:rPr lang="en-US" b="0" baseline="0" dirty="0" smtClean="0"/>
-              <a:t>front-end </a:t>
-            </a:r>
-            <a:r>
-              <a:rPr lang="el-GR" b="0" baseline="0" dirty="0" smtClean="0"/>
-              <a:t>του συστήματος, και εκεί έχουμε το </a:t>
-            </a:r>
-            <a:r>
-              <a:rPr lang="en-US" b="0" baseline="0" dirty="0" smtClean="0"/>
-              <a:t>Social Networking Engine </a:t>
-            </a:r>
-            <a:r>
-              <a:rPr lang="el-GR" b="0" baseline="0" dirty="0" smtClean="0"/>
-              <a:t>το οποίο αποτελείται από το </a:t>
-            </a:r>
-            <a:r>
-              <a:rPr lang="en-US" b="0" baseline="0" dirty="0" err="1" smtClean="0"/>
-              <a:t>Elgg</a:t>
-            </a:r>
-            <a:r>
-              <a:rPr lang="en-US" b="0" baseline="0" dirty="0" smtClean="0"/>
-              <a:t> Social Networking Engine </a:t>
-            </a:r>
-            <a:r>
-              <a:rPr lang="el-GR" b="0" baseline="0" dirty="0" smtClean="0"/>
-              <a:t>το οποίο είναι γραμμένο σε </a:t>
-            </a:r>
-            <a:r>
-              <a:rPr lang="en-US" b="0" baseline="0" dirty="0" smtClean="0"/>
-              <a:t>PHP </a:t>
-            </a:r>
-            <a:r>
-              <a:rPr lang="el-GR" b="0" baseline="0" dirty="0" smtClean="0"/>
-              <a:t>και είναι </a:t>
-            </a:r>
-            <a:r>
-              <a:rPr lang="en-US" b="0" baseline="0" dirty="0" smtClean="0"/>
-              <a:t>deployed </a:t>
-            </a:r>
-            <a:r>
-              <a:rPr lang="el-GR" b="0" baseline="0" dirty="0" smtClean="0"/>
-              <a:t>πάνω από τον </a:t>
-            </a:r>
-            <a:r>
-              <a:rPr lang="en-US" b="0" baseline="0" dirty="0" smtClean="0"/>
-              <a:t>Apache2 Server.</a:t>
-            </a:r>
-          </a:p>
-          <a:p>
-            <a:endParaRPr lang="en-US" b="0" baseline="0" dirty="0" smtClean="0"/>
-          </a:p>
-          <a:p>
-            <a:r>
-              <a:rPr lang="el-GR" b="0" baseline="0" dirty="0" smtClean="0"/>
-              <a:t>Στο επίπεδο 2, όπου είναι το ενδιάμεσο επίπεδο, και εκεί μπορούμε να έχουμε ένα ή περισσότερα </a:t>
-            </a:r>
-            <a:r>
-              <a:rPr lang="en-US" b="0" baseline="0" dirty="0" smtClean="0"/>
-              <a:t>Memcached Nodes, </a:t>
-            </a:r>
-            <a:r>
-              <a:rPr lang="el-GR" b="0" baseline="0" dirty="0" smtClean="0"/>
-              <a:t>όπου χρησιμοποιούνται για να αποθηκεύουν προσωρινή πληροφορία.</a:t>
-            </a:r>
-          </a:p>
-          <a:p>
-            <a:endParaRPr lang="el-GR" b="0" baseline="0" dirty="0" smtClean="0"/>
-          </a:p>
-          <a:p>
-            <a:r>
-              <a:rPr lang="el-GR" b="0" baseline="0" dirty="0" smtClean="0"/>
-              <a:t>Και τέλος, στο επίπεδο 3, όπου είναι το </a:t>
-            </a:r>
-            <a:r>
-              <a:rPr lang="en-US" b="0" baseline="0" dirty="0" smtClean="0"/>
-              <a:t>back-end </a:t>
-            </a:r>
-            <a:r>
-              <a:rPr lang="el-GR" b="0" baseline="0" dirty="0" smtClean="0"/>
-              <a:t>του συστήματος, και εκεί υπάρχουν ο </a:t>
-            </a:r>
-            <a:r>
-              <a:rPr lang="en-US" b="0" baseline="0" dirty="0" smtClean="0"/>
-              <a:t>CDO Client </a:t>
-            </a:r>
-            <a:r>
-              <a:rPr lang="el-GR" b="0" baseline="0" dirty="0" smtClean="0"/>
-              <a:t>όπου επικοινωνεί με το </a:t>
-            </a:r>
-            <a:r>
-              <a:rPr lang="en-US" b="0" baseline="0" dirty="0" smtClean="0"/>
-              <a:t>CDO Server</a:t>
-            </a:r>
-            <a:r>
-              <a:rPr lang="el-GR" b="0" baseline="0" dirty="0" smtClean="0"/>
-              <a:t> ο οποίος είναι υπεύθυνος για τα μοντέλα και τα </a:t>
-            </a:r>
-            <a:r>
-              <a:rPr lang="en-US" b="0" baseline="0" dirty="0" smtClean="0"/>
-              <a:t>execution histories </a:t>
-            </a:r>
-            <a:r>
-              <a:rPr lang="el-GR" b="0" baseline="0" dirty="0" smtClean="0"/>
-              <a:t>των εφαρμογών τα οποία αποθηκεύονται στο </a:t>
-            </a:r>
-            <a:r>
-              <a:rPr lang="en-US" b="0" baseline="0" dirty="0" smtClean="0"/>
-              <a:t>Repository of application models and execution</a:t>
-            </a:r>
-            <a:r>
-              <a:rPr lang="el-GR" b="0" baseline="0" dirty="0" smtClean="0"/>
-              <a:t> το οποίο είναι μια σχεσιακή βάση δεδομένων </a:t>
-            </a:r>
-            <a:r>
-              <a:rPr lang="en-US" b="0" baseline="0" dirty="0" smtClean="0"/>
-              <a:t>MySQL</a:t>
-            </a:r>
-            <a:r>
-              <a:rPr lang="el-GR" b="0" baseline="0" dirty="0" smtClean="0"/>
-              <a:t>.</a:t>
-            </a:r>
-            <a:endParaRPr lang="en-US" b="0" baseline="0" dirty="0" smtClean="0"/>
-          </a:p>
-          <a:p>
-            <a:endParaRPr lang="en-US" b="0" baseline="0" dirty="0" smtClean="0"/>
-          </a:p>
-          <a:p>
-            <a:r>
-              <a:rPr lang="el-GR" b="0" baseline="0" dirty="0" smtClean="0"/>
-              <a:t>Το  </a:t>
-            </a:r>
-            <a:r>
-              <a:rPr lang="en-US" b="0" baseline="0" dirty="0" smtClean="0"/>
-              <a:t>Social Networking Engine </a:t>
-            </a:r>
-            <a:r>
-              <a:rPr lang="el-GR" b="0" baseline="0" dirty="0" smtClean="0"/>
-              <a:t>επικοινωνεί με το </a:t>
-            </a:r>
-            <a:r>
-              <a:rPr lang="en-US" b="0" baseline="0" dirty="0" smtClean="0"/>
-              <a:t>CDO Client </a:t>
-            </a:r>
-            <a:r>
-              <a:rPr lang="el-GR" b="0" baseline="0" dirty="0" smtClean="0"/>
-              <a:t>για να εξάγει την πληροφορία που έχει σχέση με τα μοντέλα και την </a:t>
-            </a:r>
-            <a:r>
-              <a:rPr lang="en-US" b="0" baseline="0" dirty="0" smtClean="0"/>
-              <a:t>Social Network Database</a:t>
-            </a:r>
-            <a:r>
-              <a:rPr lang="el-GR" b="0" baseline="0" dirty="0" smtClean="0"/>
-              <a:t>, η οποία είναι μια δεύτερη </a:t>
-            </a:r>
-            <a:r>
-              <a:rPr lang="en-US" b="0" baseline="0" dirty="0" smtClean="0"/>
-              <a:t>MySQL </a:t>
-            </a:r>
-            <a:r>
-              <a:rPr lang="el-GR" b="0" baseline="0" dirty="0" smtClean="0"/>
-              <a:t>βάση δεδομένων, και εκεί είναι αποθηκευμένη όλη η πληροφορία που έχει σχέση με το </a:t>
-            </a:r>
-            <a:r>
-              <a:rPr lang="en-US" b="0" baseline="0" dirty="0" smtClean="0"/>
-              <a:t>Social Aspect </a:t>
-            </a:r>
-            <a:r>
-              <a:rPr lang="el-GR" b="0" baseline="0" dirty="0" smtClean="0"/>
-              <a:t>των χρηστών, όπως για παράδειγμα πληροφορίες για το </a:t>
-            </a:r>
-            <a:r>
-              <a:rPr lang="en-US" b="0" baseline="0" dirty="0" smtClean="0"/>
-              <a:t>profile </a:t>
-            </a:r>
-            <a:r>
-              <a:rPr lang="el-GR" b="0" baseline="0" dirty="0" smtClean="0"/>
-              <a:t>τους, τα μηνύματά τους κοκ. Καθώς επίσης και την </a:t>
-            </a:r>
-            <a:r>
-              <a:rPr lang="en-US" b="0" baseline="0" dirty="0" smtClean="0"/>
-              <a:t>Social Networking </a:t>
-            </a:r>
-            <a:r>
-              <a:rPr lang="el-GR" b="0" baseline="0" dirty="0" smtClean="0"/>
-              <a:t>πληροφορία των εφαρμογών όπως για παράδειγμα είναι ποιοι χρήστες παρακολουθούν (</a:t>
-            </a:r>
-            <a:r>
-              <a:rPr lang="en-US" b="0" baseline="0" dirty="0" smtClean="0"/>
-              <a:t>follow</a:t>
-            </a:r>
-            <a:r>
-              <a:rPr lang="el-GR" b="0" baseline="0" dirty="0" smtClean="0"/>
-              <a:t>)</a:t>
-            </a:r>
-            <a:r>
-              <a:rPr lang="en-US" b="0" baseline="0" dirty="0" smtClean="0"/>
-              <a:t> </a:t>
-            </a:r>
-            <a:r>
-              <a:rPr lang="el-GR" b="0" baseline="0" dirty="0" smtClean="0"/>
-              <a:t>ποιες εφαρμογές, το </a:t>
-            </a:r>
-            <a:r>
-              <a:rPr lang="en-US" b="0" baseline="0" dirty="0" smtClean="0"/>
-              <a:t>rating </a:t>
-            </a:r>
-            <a:r>
-              <a:rPr lang="el-GR" b="0" baseline="0" dirty="0" smtClean="0"/>
-              <a:t>των εφαρμογών, τα σχόλια των χρηστών σχετικά με τις εφαρμογές.</a:t>
-            </a:r>
-          </a:p>
-          <a:p>
-            <a:endParaRPr lang="el-GR" b="0" dirty="0"/>
-          </a:p>
-        </p:txBody>
-      </p:sp>
-      <p:sp>
-        <p:nvSpPr>
-          <p:cNvPr id="4" name="3 - Θέση αριθμού διαφάνειας"/>
+          <a:bodyPr/>
+          <a:lstStyle/>
+          <a:p>
+            <a:r>
+              <a:rPr lang="el-GR" dirty="0" smtClean="0"/>
+              <a:t>Πιο συγκεκριμένα τώρα όσον αφορά το </a:t>
+            </a:r>
+            <a:r>
+              <a:rPr lang="en-US" dirty="0" smtClean="0"/>
+              <a:t>Social Networking</a:t>
+            </a:r>
+            <a:r>
+              <a:rPr lang="en-US" baseline="0" dirty="0" smtClean="0"/>
+              <a:t> Engine, </a:t>
+            </a:r>
+            <a:r>
+              <a:rPr lang="el-GR" baseline="0" dirty="0" smtClean="0"/>
+              <a:t>παρουσιάζεται σε αυτή την εικόνα, με βάση την κλασική μορφή της </a:t>
+            </a:r>
+            <a:r>
+              <a:rPr lang="en-US" baseline="0" dirty="0" smtClean="0"/>
+              <a:t>Model – View – Controller </a:t>
+            </a:r>
+            <a:r>
+              <a:rPr lang="el-GR" baseline="0" dirty="0" smtClean="0"/>
+              <a:t>αρχιτεκτονικής.</a:t>
+            </a:r>
+          </a:p>
+          <a:p>
+            <a:endParaRPr lang="el-GR" baseline="0" dirty="0" smtClean="0"/>
+          </a:p>
+          <a:p>
+            <a:r>
+              <a:rPr lang="el-GR" baseline="0" dirty="0" smtClean="0"/>
+              <a:t>Όπου όταν ένα</a:t>
+            </a:r>
+            <a:r>
+              <a:rPr lang="en-US" baseline="0" dirty="0" smtClean="0"/>
+              <a:t> request </a:t>
+            </a:r>
+            <a:r>
+              <a:rPr lang="el-GR" baseline="0" dirty="0" smtClean="0"/>
+              <a:t>έρχεται από το έναν χρήστη αυτό διοχετεύεται στον </a:t>
+            </a:r>
+            <a:r>
+              <a:rPr lang="en-US" baseline="0" dirty="0" smtClean="0"/>
+              <a:t>Controller o</a:t>
+            </a:r>
+            <a:r>
+              <a:rPr lang="el-GR" baseline="0" dirty="0" smtClean="0"/>
+              <a:t> οποίος ανάλογα με τον τύπο του </a:t>
+            </a:r>
+            <a:r>
+              <a:rPr lang="en-US" baseline="0" dirty="0" smtClean="0"/>
+              <a:t>request </a:t>
+            </a:r>
+            <a:r>
+              <a:rPr lang="el-GR" baseline="0" dirty="0" smtClean="0"/>
+              <a:t>το προωθεί στον κατάλληλο </a:t>
+            </a:r>
+            <a:r>
+              <a:rPr lang="en-US" baseline="0" dirty="0" smtClean="0"/>
+              <a:t>page handler. </a:t>
+            </a:r>
+            <a:r>
+              <a:rPr lang="el-GR" baseline="0" dirty="0" smtClean="0"/>
+              <a:t>Ο οποίος με την σειρά του επικοινωνεί με το </a:t>
+            </a:r>
+            <a:r>
+              <a:rPr lang="en-US" baseline="0" dirty="0" smtClean="0"/>
+              <a:t>Model </a:t>
+            </a:r>
+            <a:r>
+              <a:rPr lang="el-GR" baseline="0" dirty="0" smtClean="0"/>
+              <a:t>ώστε να πάρει την απαραίτητη πληροφορία από την Βάση Δεδομένων και με την βοήθεια του </a:t>
+            </a:r>
+            <a:r>
+              <a:rPr lang="en-US" baseline="0" dirty="0" smtClean="0"/>
+              <a:t>View Component </a:t>
+            </a:r>
+            <a:r>
+              <a:rPr lang="el-GR" baseline="0" dirty="0" smtClean="0"/>
+              <a:t>στέλνει το κατάλληλο </a:t>
+            </a:r>
+            <a:r>
+              <a:rPr lang="en-US" baseline="0" dirty="0" smtClean="0"/>
+              <a:t>response </a:t>
+            </a:r>
+            <a:r>
+              <a:rPr lang="el-GR" baseline="0" dirty="0" smtClean="0"/>
+              <a:t>πίσω στον χρήστη.</a:t>
+            </a:r>
+          </a:p>
+          <a:p>
+            <a:endParaRPr lang="el-GR" baseline="0" dirty="0" smtClean="0"/>
+          </a:p>
+          <a:p>
+            <a:r>
+              <a:rPr lang="el-GR" baseline="0" dirty="0" smtClean="0"/>
+              <a:t>Το </a:t>
+            </a:r>
+            <a:r>
+              <a:rPr lang="en-US" baseline="0" dirty="0" smtClean="0"/>
+              <a:t>Elgg Social Networking Engine </a:t>
+            </a:r>
+            <a:r>
+              <a:rPr lang="el-GR" baseline="0" dirty="0" smtClean="0"/>
+              <a:t>προσφέρει την απαραίτητη βασική λειτουργία την οποία χρειάζεται ένα </a:t>
+            </a:r>
+            <a:r>
+              <a:rPr lang="en-US" baseline="0" dirty="0" smtClean="0"/>
+              <a:t>SN</a:t>
+            </a:r>
+            <a:r>
+              <a:rPr lang="el-GR" baseline="0" dirty="0" smtClean="0"/>
+              <a:t>, και από κει και πέρα μπορεί να γίνει </a:t>
+            </a:r>
+            <a:r>
+              <a:rPr lang="en-US" baseline="0" dirty="0" smtClean="0"/>
+              <a:t>extend &amp; customize</a:t>
+            </a:r>
+            <a:r>
+              <a:rPr lang="el-GR" baseline="0" dirty="0" smtClean="0"/>
+              <a:t> δημιουργώντας καινούρια </a:t>
+            </a:r>
+            <a:r>
+              <a:rPr lang="en-US" baseline="0" dirty="0" smtClean="0"/>
+              <a:t>plugins. </a:t>
+            </a:r>
+            <a:r>
+              <a:rPr lang="el-GR" baseline="0" dirty="0" smtClean="0"/>
+              <a:t>Για να υποστηριχθεί η λειτουργικότητα του ΚΔ δημιουργήθηκαν 10 νέα </a:t>
+            </a:r>
+            <a:r>
+              <a:rPr lang="en-US" baseline="0" dirty="0" smtClean="0"/>
+              <a:t>plugins.</a:t>
+            </a:r>
+            <a:endParaRPr lang="el-GR" dirty="0"/>
+          </a:p>
+        </p:txBody>
+      </p:sp>
+      <p:sp>
+        <p:nvSpPr>
+          <p:cNvPr id="4" name="Slide Number Placeholder 3"/>
           <p:cNvSpPr>
             <a:spLocks noGrp="1"/>
           </p:cNvSpPr>
@@ -5564,7 +7046,7 @@
     </p:spTree>
     <p:extLst>
       <p:ext uri="{BB962C8B-B14F-4D97-AF65-F5344CB8AC3E}">
-        <p14:creationId xmlns:p14="http://schemas.microsoft.com/office/powerpoint/2010/main" val="2581491608"/>
+        <p14:creationId xmlns:p14="http://schemas.microsoft.com/office/powerpoint/2010/main" val="3957611091"/>
       </p:ext>
     </p:extLst>
   </p:cSld>
@@ -5718,7 +7200,7 @@
             <a:fld id="{28F388FD-1349-4B74-B173-DEE231C45C9C}" type="datetime1">
               <a:rPr lang="en-US" smtClean="0"/>
               <a:pPr/>
-              <a:t>9/13/2015</a:t>
+              <a:t>9/16/2015</a:t>
             </a:fld>
             <a:endParaRPr lang="en-GB"/>
           </a:p>
@@ -6083,7 +7565,7 @@
             <a:fld id="{3C3A84A0-F2B7-46E0-9A1A-F54034D8EDBD}" type="datetime1">
               <a:rPr lang="en-US" smtClean="0"/>
               <a:pPr/>
-              <a:t>9/13/2015</a:t>
+              <a:t>9/16/2015</a:t>
             </a:fld>
             <a:endParaRPr lang="en-GB"/>
           </a:p>
@@ -6264,7 +7746,7 @@
             <a:fld id="{3E229035-3E06-4894-B0D5-FF6762DFC127}" type="datetime1">
               <a:rPr lang="en-US" smtClean="0"/>
               <a:pPr/>
-              <a:t>9/13/2015</a:t>
+              <a:t>9/16/2015</a:t>
             </a:fld>
             <a:endParaRPr lang="en-GB"/>
           </a:p>
@@ -6505,7 +7987,7 @@
             <a:fld id="{939D8CAB-AFAD-44F9-99B3-90A20D6DB4EE}" type="datetime1">
               <a:rPr lang="en-US" smtClean="0"/>
               <a:pPr/>
-              <a:t>9/13/2015</a:t>
+              <a:t>9/16/2015</a:t>
             </a:fld>
             <a:endParaRPr lang="en-GB"/>
           </a:p>
@@ -6780,7 +8262,7 @@
             <a:fld id="{D09FA660-D8B8-480E-80AE-E310B47D050A}" type="datetime1">
               <a:rPr lang="en-US" smtClean="0"/>
               <a:pPr/>
-              <a:t>9/13/2015</a:t>
+              <a:t>9/16/2015</a:t>
             </a:fld>
             <a:endParaRPr lang="en-GB"/>
           </a:p>
@@ -7006,7 +8488,7 @@
             <a:fld id="{428B1FCA-1F40-4707-9D4A-FC8C39D751AE}" type="datetime1">
               <a:rPr lang="en-US" smtClean="0"/>
               <a:pPr/>
-              <a:t>9/13/2015</a:t>
+              <a:t>9/16/2015</a:t>
             </a:fld>
             <a:endParaRPr lang="en-GB"/>
           </a:p>
@@ -7364,7 +8846,7 @@
             <a:fld id="{E29A0755-12E0-421D-A13C-381344A3C6C0}" type="datetime1">
               <a:rPr lang="en-US" smtClean="0"/>
               <a:pPr/>
-              <a:t>9/13/2015</a:t>
+              <a:t>9/16/2015</a:t>
             </a:fld>
             <a:endParaRPr lang="en-GB"/>
           </a:p>
@@ -7602,7 +9084,7 @@
             <a:fld id="{744C634E-EE12-4137-B0D4-C332E4335954}" type="datetime1">
               <a:rPr lang="en-US" smtClean="0"/>
               <a:pPr/>
-              <a:t>9/13/2015</a:t>
+              <a:t>9/16/2015</a:t>
             </a:fld>
             <a:endParaRPr lang="en-GB"/>
           </a:p>
@@ -7748,7 +9230,7 @@
             <a:fld id="{AD93D238-AA6B-4D3E-814E-9A3817EBE5A1}" type="datetime1">
               <a:rPr lang="en-US" smtClean="0"/>
               <a:pPr/>
-              <a:t>9/13/2015</a:t>
+              <a:t>9/16/2015</a:t>
             </a:fld>
             <a:endParaRPr lang="en-GB"/>
           </a:p>
@@ -8031,7 +9513,7 @@
             <a:fld id="{D6E12A9E-544D-4743-9F0B-884E2BF7D0B0}" type="datetime1">
               <a:rPr lang="en-US" smtClean="0"/>
               <a:pPr/>
-              <a:t>9/13/2015</a:t>
+              <a:t>9/16/2015</a:t>
             </a:fld>
             <a:endParaRPr lang="en-GB"/>
           </a:p>
@@ -8444,7 +9926,7 @@
             <a:fld id="{0EAE2EAB-07B8-4942-9591-287BBAF1E385}" type="datetime1">
               <a:rPr lang="en-US" smtClean="0"/>
               <a:pPr/>
-              <a:t>9/13/2015</a:t>
+              <a:t>9/16/2015</a:t>
             </a:fld>
             <a:endParaRPr lang="en-GB"/>
           </a:p>
@@ -8788,7 +10270,7 @@
             <a:fld id="{BABEAD1A-BFE9-4884-9063-04C5BBC12657}" type="datetime1">
               <a:rPr lang="en-US" smtClean="0"/>
               <a:pPr/>
-              <a:t>9/13/2015</a:t>
+              <a:t>9/16/2015</a:t>
             </a:fld>
             <a:endParaRPr lang="en-GB"/>
           </a:p>
@@ -9469,7 +10951,7 @@
       </p:grpSpPr>
       <p:sp>
         <p:nvSpPr>
-          <p:cNvPr id="2" name="Title 1"/>
+          <p:cNvPr id="2" name="1 - Τίτλος"/>
           <p:cNvSpPr>
             <a:spLocks noGrp="1"/>
           </p:cNvSpPr>
@@ -9484,19 +10966,15 @@
           <a:p>
             <a:r>
               <a:rPr lang="en-US" dirty="0" smtClean="0"/>
-              <a:t>Social Networking </a:t>
-            </a:r>
-            <a:r>
-              <a:rPr lang="en-US" smtClean="0"/>
-              <a:t>Engine Architecture </a:t>
-            </a:r>
-            <a:endParaRPr lang="el-GR"/>
-          </a:p>
-        </p:txBody>
-      </p:sp>
-      <p:sp>
-        <p:nvSpPr>
-          <p:cNvPr id="3" name="Footer Placeholder 2"/>
+              <a:t>System Architecture</a:t>
+            </a:r>
+            <a:endParaRPr lang="el-GR" dirty="0"/>
+          </a:p>
+        </p:txBody>
+      </p:sp>
+      <p:sp>
+        <p:nvSpPr>
+          <p:cNvPr id="3" name="2 - Θέση υποσέλιδου"/>
           <p:cNvSpPr>
             <a:spLocks noGrp="1"/>
           </p:cNvSpPr>
@@ -9511,16 +10989,15 @@
           <a:p>
             <a:pPr algn="ctr"/>
             <a:r>
-              <a:rPr lang="en-GB" dirty="0" smtClean="0"/>
+              <a:rPr lang="en-GB" dirty="0"/>
               <a:t>Master Thesis</a:t>
             </a:r>
-            <a:endParaRPr lang="en-GB" dirty="0"/>
-          </a:p>
-        </p:txBody>
-      </p:sp>
-      <p:sp>
-        <p:nvSpPr>
-          <p:cNvPr id="4" name="Slide Number Placeholder 3"/>
+          </a:p>
+        </p:txBody>
+      </p:sp>
+      <p:sp>
+        <p:nvSpPr>
+          <p:cNvPr id="4" name="3 - Θέση αριθμού διαφάνειας"/>
           <p:cNvSpPr>
             <a:spLocks noGrp="1"/>
           </p:cNvSpPr>
@@ -9566,15 +11043,15 @@
         </p:blipFill>
         <p:spPr>
           <a:xfrm>
-            <a:off x="457200" y="2139899"/>
-            <a:ext cx="8229600" cy="3095726"/>
+            <a:off x="2833576" y="1219200"/>
+            <a:ext cx="3476848" cy="4937125"/>
           </a:xfrm>
         </p:spPr>
       </p:pic>
     </p:spTree>
     <p:extLst>
       <p:ext uri="{BB962C8B-B14F-4D97-AF65-F5344CB8AC3E}">
-        <p14:creationId xmlns:p14="http://schemas.microsoft.com/office/powerpoint/2010/main" val="1899941649"/>
+        <p14:creationId xmlns:p14="http://schemas.microsoft.com/office/powerpoint/2010/main" val="3414480290"/>
       </p:ext>
     </p:extLst>
   </p:cSld>
@@ -9620,12 +11097,14 @@
         </p:nvSpPr>
         <p:spPr/>
         <p:txBody>
-          <a:bodyPr/>
+          <a:bodyPr>
+            <a:normAutofit fontScale="90000"/>
+          </a:bodyPr>
           <a:lstStyle/>
           <a:p>
             <a:r>
               <a:rPr lang="en-US" dirty="0" smtClean="0"/>
-              <a:t>NLP Classification</a:t>
+              <a:t>New Plugins of Social Networking Engine</a:t>
             </a:r>
             <a:endParaRPr lang="el-GR" dirty="0"/>
           </a:p>
@@ -9646,12 +11125,11 @@
           <a:bodyPr/>
           <a:lstStyle/>
           <a:p>
-            <a:pPr algn="ctr"/>
-            <a:r>
-              <a:rPr lang="en-GB" dirty="0" smtClean="0"/>
-              <a:t>Master Thesis</a:t>
-            </a:r>
-            <a:endParaRPr lang="en-GB" dirty="0"/>
+            <a:r>
+              <a:rPr lang="en-GB" smtClean="0"/>
+              <a:t>International Master in Service Science</a:t>
+            </a:r>
+            <a:endParaRPr lang="en-GB"/>
           </a:p>
         </p:txBody>
       </p:sp>
@@ -9674,6 +11152,358 @@
               <a:rPr lang="en-GB" smtClean="0"/>
               <a:pPr/>
               <a:t>11</a:t>
+            </a:fld>
+            <a:endParaRPr lang="en-GB"/>
+          </a:p>
+        </p:txBody>
+      </p:sp>
+      <p:sp>
+        <p:nvSpPr>
+          <p:cNvPr id="5" name="Content Placeholder 4"/>
+          <p:cNvSpPr>
+            <a:spLocks noGrp="1"/>
+          </p:cNvSpPr>
+          <p:nvPr>
+            <p:ph sz="quarter" idx="1"/>
+          </p:nvPr>
+        </p:nvSpPr>
+        <p:spPr/>
+        <p:txBody>
+          <a:bodyPr/>
+          <a:lstStyle/>
+          <a:p>
+            <a:r>
+              <a:rPr lang="en-US" dirty="0" smtClean="0"/>
+              <a:t>Application Model</a:t>
+            </a:r>
+          </a:p>
+          <a:p>
+            <a:r>
+              <a:rPr lang="en-US" dirty="0" smtClean="0"/>
+              <a:t>Components</a:t>
+            </a:r>
+          </a:p>
+          <a:p>
+            <a:r>
+              <a:rPr lang="en-US" dirty="0" smtClean="0"/>
+              <a:t>Custom View</a:t>
+            </a:r>
+          </a:p>
+          <a:p>
+            <a:r>
+              <a:rPr lang="en-US" dirty="0" smtClean="0"/>
+              <a:t>Notification System</a:t>
+            </a:r>
+          </a:p>
+          <a:p>
+            <a:r>
+              <a:rPr lang="en-US" dirty="0" smtClean="0"/>
+              <a:t>Tags</a:t>
+            </a:r>
+          </a:p>
+          <a:p>
+            <a:r>
+              <a:rPr lang="en-US" dirty="0" smtClean="0"/>
+              <a:t>User Statistics</a:t>
+            </a:r>
+          </a:p>
+          <a:p>
+            <a:r>
+              <a:rPr lang="en-US" dirty="0" smtClean="0"/>
+              <a:t>Memcached</a:t>
+            </a:r>
+          </a:p>
+          <a:p>
+            <a:r>
+              <a:rPr lang="en-US" dirty="0" smtClean="0"/>
+              <a:t>Zookeeper Recipes</a:t>
+            </a:r>
+          </a:p>
+          <a:p>
+            <a:r>
+              <a:rPr lang="en-US" dirty="0" smtClean="0"/>
+              <a:t>Messages</a:t>
+            </a:r>
+          </a:p>
+          <a:p>
+            <a:r>
+              <a:rPr lang="en-US" dirty="0" smtClean="0"/>
+              <a:t>Groups and NLP Classification</a:t>
+            </a:r>
+            <a:endParaRPr lang="el-GR" dirty="0"/>
+          </a:p>
+        </p:txBody>
+      </p:sp>
+    </p:spTree>
+    <p:extLst>
+      <p:ext uri="{BB962C8B-B14F-4D97-AF65-F5344CB8AC3E}">
+        <p14:creationId xmlns:p14="http://schemas.microsoft.com/office/powerpoint/2010/main" val="2154223097"/>
+      </p:ext>
+    </p:extLst>
+  </p:cSld>
+  <p:clrMapOvr>
+    <a:masterClrMapping/>
+  </p:clrMapOvr>
+  <p:timing>
+    <p:tnLst>
+      <p:par>
+        <p:cTn id="1" dur="indefinite" restart="never" nodeType="tmRoot"/>
+      </p:par>
+    </p:tnLst>
+  </p:timing>
+</p:sld>
+</file>
+
+<file path=ppt/slides/slide12.xml><?xml version="1.0" encoding="utf-8"?>
+<p:sld xmlns:a="http://schemas.openxmlformats.org/drawingml/2006/main" xmlns:r="http://schemas.openxmlformats.org/officeDocument/2006/relationships" xmlns:p="http://schemas.openxmlformats.org/presentationml/2006/main">
+  <p:cSld>
+    <p:spTree>
+      <p:nvGrpSpPr>
+        <p:cNvPr id="1" name=""/>
+        <p:cNvGrpSpPr/>
+        <p:nvPr/>
+      </p:nvGrpSpPr>
+      <p:grpSpPr>
+        <a:xfrm>
+          <a:off x="0" y="0"/>
+          <a:ext cx="0" cy="0"/>
+          <a:chOff x="0" y="0"/>
+          <a:chExt cx="0" cy="0"/>
+        </a:xfrm>
+      </p:grpSpPr>
+      <p:sp>
+        <p:nvSpPr>
+          <p:cNvPr id="2" name="Title 1"/>
+          <p:cNvSpPr>
+            <a:spLocks noGrp="1"/>
+          </p:cNvSpPr>
+          <p:nvPr>
+            <p:ph type="title"/>
+          </p:nvPr>
+        </p:nvSpPr>
+        <p:spPr/>
+        <p:txBody>
+          <a:bodyPr/>
+          <a:lstStyle/>
+          <a:p>
+            <a:r>
+              <a:rPr lang="en-US" dirty="0" smtClean="0"/>
+              <a:t>StackOverflow Community</a:t>
+            </a:r>
+            <a:endParaRPr lang="el-GR" dirty="0"/>
+          </a:p>
+        </p:txBody>
+      </p:sp>
+      <p:sp>
+        <p:nvSpPr>
+          <p:cNvPr id="3" name="Footer Placeholder 2"/>
+          <p:cNvSpPr>
+            <a:spLocks noGrp="1"/>
+          </p:cNvSpPr>
+          <p:nvPr>
+            <p:ph type="ftr" sz="quarter" idx="11"/>
+          </p:nvPr>
+        </p:nvSpPr>
+        <p:spPr/>
+        <p:txBody>
+          <a:bodyPr/>
+          <a:lstStyle/>
+          <a:p>
+            <a:pPr algn="ctr"/>
+            <a:r>
+              <a:rPr lang="en-GB" dirty="0" smtClean="0"/>
+              <a:t>Master Thesis</a:t>
+            </a:r>
+            <a:endParaRPr lang="en-GB" dirty="0"/>
+          </a:p>
+        </p:txBody>
+      </p:sp>
+      <p:sp>
+        <p:nvSpPr>
+          <p:cNvPr id="4" name="Slide Number Placeholder 3"/>
+          <p:cNvSpPr>
+            <a:spLocks noGrp="1"/>
+          </p:cNvSpPr>
+          <p:nvPr>
+            <p:ph type="sldNum" sz="quarter" idx="12"/>
+          </p:nvPr>
+        </p:nvSpPr>
+        <p:spPr/>
+        <p:txBody>
+          <a:bodyPr/>
+          <a:lstStyle/>
+          <a:p>
+            <a:fld id="{5A039058-1920-4143-8EFA-8E582B1DAF65}" type="slidenum">
+              <a:rPr lang="en-GB" smtClean="0"/>
+              <a:pPr/>
+              <a:t>12</a:t>
+            </a:fld>
+            <a:endParaRPr lang="en-GB"/>
+          </a:p>
+        </p:txBody>
+      </p:sp>
+      <p:pic>
+        <p:nvPicPr>
+          <p:cNvPr id="6" name="Content Placeholder 5"/>
+          <p:cNvPicPr>
+            <a:picLocks noGrp="1" noChangeAspect="1"/>
+          </p:cNvPicPr>
+          <p:nvPr>
+            <p:ph sz="quarter" idx="1"/>
+          </p:nvPr>
+        </p:nvPicPr>
+        <p:blipFill>
+          <a:blip r:embed="rId3">
+            <a:extLst>
+              <a:ext uri="{28A0092B-C50C-407E-A947-70E740481C1C}">
+                <a14:useLocalDpi xmlns:a14="http://schemas.microsoft.com/office/drawing/2010/main" val="0"/>
+              </a:ext>
+            </a:extLst>
+          </a:blip>
+          <a:stretch>
+            <a:fillRect/>
+          </a:stretch>
+        </p:blipFill>
+        <p:spPr>
+          <a:xfrm>
+            <a:off x="829652" y="4562290"/>
+            <a:ext cx="7643192" cy="1794060"/>
+          </a:xfrm>
+        </p:spPr>
+      </p:pic>
+      <p:pic>
+        <p:nvPicPr>
+          <p:cNvPr id="9" name="Picture 8"/>
+          <p:cNvPicPr>
+            <a:picLocks noChangeAspect="1"/>
+          </p:cNvPicPr>
+          <p:nvPr/>
+        </p:nvPicPr>
+        <p:blipFill>
+          <a:blip r:embed="rId4">
+            <a:extLst>
+              <a:ext uri="{28A0092B-C50C-407E-A947-70E740481C1C}">
+                <a14:useLocalDpi xmlns:a14="http://schemas.microsoft.com/office/drawing/2010/main" val="0"/>
+              </a:ext>
+            </a:extLst>
+          </a:blip>
+          <a:stretch>
+            <a:fillRect/>
+          </a:stretch>
+        </p:blipFill>
+        <p:spPr>
+          <a:xfrm>
+            <a:off x="2898648" y="1112033"/>
+            <a:ext cx="3759821" cy="3983712"/>
+          </a:xfrm>
+          <a:prstGeom prst="rect">
+            <a:avLst/>
+          </a:prstGeom>
+        </p:spPr>
+      </p:pic>
+    </p:spTree>
+    <p:extLst>
+      <p:ext uri="{BB962C8B-B14F-4D97-AF65-F5344CB8AC3E}">
+        <p14:creationId xmlns:p14="http://schemas.microsoft.com/office/powerpoint/2010/main" val="3360112486"/>
+      </p:ext>
+    </p:extLst>
+  </p:cSld>
+  <p:clrMapOvr>
+    <a:masterClrMapping/>
+  </p:clrMapOvr>
+  <p:timing>
+    <p:tnLst>
+      <p:par>
+        <p:cTn id="1" dur="indefinite" restart="never" nodeType="tmRoot"/>
+      </p:par>
+    </p:tnLst>
+  </p:timing>
+</p:sld>
+</file>
+
+<file path=ppt/slides/slide13.xml><?xml version="1.0" encoding="utf-8"?>
+<p:sld xmlns:a="http://schemas.openxmlformats.org/drawingml/2006/main" xmlns:r="http://schemas.openxmlformats.org/officeDocument/2006/relationships" xmlns:p="http://schemas.openxmlformats.org/presentationml/2006/main">
+  <p:cSld>
+    <p:spTree>
+      <p:nvGrpSpPr>
+        <p:cNvPr id="1" name=""/>
+        <p:cNvGrpSpPr/>
+        <p:nvPr/>
+      </p:nvGrpSpPr>
+      <p:grpSpPr>
+        <a:xfrm>
+          <a:off x="0" y="0"/>
+          <a:ext cx="0" cy="0"/>
+          <a:chOff x="0" y="0"/>
+          <a:chExt cx="0" cy="0"/>
+        </a:xfrm>
+      </p:grpSpPr>
+      <p:sp>
+        <p:nvSpPr>
+          <p:cNvPr id="2" name="Title 1"/>
+          <p:cNvSpPr>
+            <a:spLocks noGrp="1"/>
+          </p:cNvSpPr>
+          <p:nvPr>
+            <p:ph type="title"/>
+          </p:nvPr>
+        </p:nvSpPr>
+        <p:spPr/>
+        <p:txBody>
+          <a:bodyPr/>
+          <a:lstStyle/>
+          <a:p>
+            <a:r>
+              <a:rPr lang="en-US" dirty="0" smtClean="0"/>
+              <a:t>NLP Classifier</a:t>
+            </a:r>
+            <a:endParaRPr lang="el-GR" dirty="0"/>
+          </a:p>
+        </p:txBody>
+      </p:sp>
+      <p:sp>
+        <p:nvSpPr>
+          <p:cNvPr id="3" name="Footer Placeholder 2"/>
+          <p:cNvSpPr>
+            <a:spLocks noGrp="1"/>
+          </p:cNvSpPr>
+          <p:nvPr>
+            <p:ph type="ftr" sz="quarter" idx="11"/>
+          </p:nvPr>
+        </p:nvSpPr>
+        <p:spPr/>
+        <p:txBody>
+          <a:bodyPr/>
+          <a:lstStyle/>
+          <a:p>
+            <a:pPr algn="ctr"/>
+            <a:r>
+              <a:rPr lang="en-GB" dirty="0" smtClean="0"/>
+              <a:t>Master Thesis</a:t>
+            </a:r>
+            <a:endParaRPr lang="en-GB" dirty="0"/>
+          </a:p>
+        </p:txBody>
+      </p:sp>
+      <p:sp>
+        <p:nvSpPr>
+          <p:cNvPr id="4" name="Slide Number Placeholder 3"/>
+          <p:cNvSpPr>
+            <a:spLocks noGrp="1"/>
+          </p:cNvSpPr>
+          <p:nvPr>
+            <p:ph type="sldNum" sz="quarter" idx="12"/>
+          </p:nvPr>
+        </p:nvSpPr>
+        <p:spPr/>
+        <p:txBody>
+          <a:bodyPr/>
+          <a:lstStyle/>
+          <a:p>
+            <a:fld id="{5A039058-1920-4143-8EFA-8E582B1DAF65}" type="slidenum">
+              <a:rPr lang="en-GB" smtClean="0"/>
+              <a:pPr/>
+              <a:t>13</a:t>
             </a:fld>
             <a:endParaRPr lang="en-GB"/>
           </a:p>
@@ -9728,7 +11558,7 @@
 </p:sld>
 </file>
 
-<file path=ppt/slides/slide12.xml><?xml version="1.0" encoding="utf-8"?>
+<file path=ppt/slides/slide14.xml><?xml version="1.0" encoding="utf-8"?>
 <p:sld xmlns:a="http://schemas.openxmlformats.org/drawingml/2006/main" xmlns:r="http://schemas.openxmlformats.org/officeDocument/2006/relationships" xmlns:p="http://schemas.openxmlformats.org/presentationml/2006/main">
   <p:cSld>
     <p:spTree>
@@ -9747,7 +11577,7 @@
       </p:grpSpPr>
       <p:sp>
         <p:nvSpPr>
-          <p:cNvPr id="2" name="1 - Τίτλος"/>
+          <p:cNvPr id="2" name="Title 1"/>
           <p:cNvSpPr>
             <a:spLocks noGrp="1"/>
           </p:cNvSpPr>
@@ -9762,34 +11592,15 @@
           <a:p>
             <a:r>
               <a:rPr lang="en-US" dirty="0" smtClean="0"/>
-              <a:t>Evaluation</a:t>
-            </a:r>
-            <a:endParaRPr lang="en-GB" dirty="0"/>
-          </a:p>
-        </p:txBody>
-      </p:sp>
-      <p:sp>
-        <p:nvSpPr>
-          <p:cNvPr id="3" name="2 - Θέση κειμένου"/>
-          <p:cNvSpPr>
-            <a:spLocks noGrp="1"/>
-          </p:cNvSpPr>
-          <p:nvPr>
-            <p:ph type="body" idx="1"/>
-          </p:nvPr>
-        </p:nvSpPr>
-        <p:spPr/>
-        <p:txBody>
-          <a:bodyPr/>
-          <a:lstStyle/>
-          <a:p>
-            <a:endParaRPr lang="en-GB"/>
-          </a:p>
-        </p:txBody>
-      </p:sp>
-      <p:sp>
-        <p:nvSpPr>
-          <p:cNvPr id="5" name="4 - Θέση υποσέλιδου"/>
+              <a:t>NLP Topic Classification</a:t>
+            </a:r>
+            <a:endParaRPr lang="el-GR" dirty="0"/>
+          </a:p>
+        </p:txBody>
+      </p:sp>
+      <p:sp>
+        <p:nvSpPr>
+          <p:cNvPr id="3" name="Footer Placeholder 2"/>
           <p:cNvSpPr>
             <a:spLocks noGrp="1"/>
           </p:cNvSpPr>
@@ -9813,7 +11624,7 @@
       </p:sp>
       <p:sp>
         <p:nvSpPr>
-          <p:cNvPr id="4" name="3 - Θέση αριθμού διαφάνειας"/>
+          <p:cNvPr id="4" name="Slide Number Placeholder 3"/>
           <p:cNvSpPr>
             <a:spLocks noGrp="1"/>
           </p:cNvSpPr>
@@ -9829,13 +11640,77 @@
             <a:fld id="{5A039058-1920-4143-8EFA-8E582B1DAF65}" type="slidenum">
               <a:rPr lang="en-GB" smtClean="0"/>
               <a:pPr/>
-              <a:t>12</a:t>
+              <a:t>14</a:t>
             </a:fld>
             <a:endParaRPr lang="en-GB"/>
           </a:p>
         </p:txBody>
       </p:sp>
+      <p:pic>
+        <p:nvPicPr>
+          <p:cNvPr id="6" name="Content Placeholder 5"/>
+          <p:cNvPicPr>
+            <a:picLocks noGrp="1" noChangeAspect="1"/>
+          </p:cNvPicPr>
+          <p:nvPr>
+            <p:ph sz="quarter" idx="1"/>
+          </p:nvPr>
+        </p:nvPicPr>
+        <p:blipFill>
+          <a:blip r:embed="rId3">
+            <a:extLst>
+              <a:ext uri="{28A0092B-C50C-407E-A947-70E740481C1C}">
+                <a14:useLocalDpi xmlns:a14="http://schemas.microsoft.com/office/drawing/2010/main" val="0"/>
+              </a:ext>
+            </a:extLst>
+          </a:blip>
+          <a:stretch>
+            <a:fillRect/>
+          </a:stretch>
+        </p:blipFill>
+        <p:spPr>
+          <a:xfrm>
+            <a:off x="1331640" y="1194500"/>
+            <a:ext cx="6696744" cy="5184433"/>
+          </a:xfrm>
+        </p:spPr>
+      </p:pic>
+      <p:pic>
+        <p:nvPicPr>
+          <p:cNvPr id="7" name="Picture 6"/>
+          <p:cNvPicPr>
+            <a:picLocks noChangeAspect="1"/>
+          </p:cNvPicPr>
+          <p:nvPr/>
+        </p:nvPicPr>
+        <p:blipFill>
+          <a:blip r:embed="rId4">
+            <a:extLst>
+              <a:ext uri="{28A0092B-C50C-407E-A947-70E740481C1C}">
+                <a14:useLocalDpi xmlns:a14="http://schemas.microsoft.com/office/drawing/2010/main" val="0"/>
+              </a:ext>
+            </a:extLst>
+          </a:blip>
+          <a:stretch>
+            <a:fillRect/>
+          </a:stretch>
+        </p:blipFill>
+        <p:spPr>
+          <a:xfrm>
+            <a:off x="3172618" y="4149080"/>
+            <a:ext cx="3258005" cy="724001"/>
+          </a:xfrm>
+          <a:prstGeom prst="rect">
+            <a:avLst/>
+          </a:prstGeom>
+        </p:spPr>
+      </p:pic>
     </p:spTree>
+    <p:extLst>
+      <p:ext uri="{BB962C8B-B14F-4D97-AF65-F5344CB8AC3E}">
+        <p14:creationId xmlns:p14="http://schemas.microsoft.com/office/powerpoint/2010/main" val="2251859321"/>
+      </p:ext>
+    </p:extLst>
   </p:cSld>
   <p:clrMapOvr>
     <a:masterClrMapping/>
@@ -9843,14 +11718,90 @@
   <p:timing>
     <p:tnLst>
       <p:par>
-        <p:cTn id="1" dur="indefinite" restart="never" nodeType="tmRoot"/>
+        <p:cTn id="1" dur="indefinite" restart="never" nodeType="tmRoot">
+          <p:childTnLst>
+            <p:seq concurrent="1" nextAc="seek">
+              <p:cTn id="2" dur="indefinite" nodeType="mainSeq">
+                <p:childTnLst>
+                  <p:par>
+                    <p:cTn id="3" fill="hold">
+                      <p:stCondLst>
+                        <p:cond delay="indefinite"/>
+                      </p:stCondLst>
+                      <p:childTnLst>
+                        <p:par>
+                          <p:cTn id="4" fill="hold">
+                            <p:stCondLst>
+                              <p:cond delay="0"/>
+                            </p:stCondLst>
+                            <p:childTnLst>
+                              <p:par>
+                                <p:cTn id="5" presetID="14" presetClass="entr" presetSubtype="10" fill="hold" nodeType="clickEffect">
+                                  <p:stCondLst>
+                                    <p:cond delay="0"/>
+                                  </p:stCondLst>
+                                  <p:childTnLst>
+                                    <p:set>
+                                      <p:cBhvr>
+                                        <p:cTn id="6" dur="1" fill="hold">
+                                          <p:stCondLst>
+                                            <p:cond delay="0"/>
+                                          </p:stCondLst>
+                                        </p:cTn>
+                                        <p:tgtEl>
+                                          <p:spTgt spid="7"/>
+                                        </p:tgtEl>
+                                        <p:attrNameLst>
+                                          <p:attrName>style.visibility</p:attrName>
+                                        </p:attrNameLst>
+                                      </p:cBhvr>
+                                      <p:to>
+                                        <p:strVal val="visible"/>
+                                      </p:to>
+                                    </p:set>
+                                    <p:animEffect transition="in" filter="randombar(horizontal)">
+                                      <p:cBhvr>
+                                        <p:cTn id="7" dur="500"/>
+                                        <p:tgtEl>
+                                          <p:spTgt spid="7"/>
+                                        </p:tgtEl>
+                                      </p:cBhvr>
+                                    </p:animEffect>
+                                  </p:childTnLst>
+                                </p:cTn>
+                              </p:par>
+                            </p:childTnLst>
+                          </p:cTn>
+                        </p:par>
+                      </p:childTnLst>
+                    </p:cTn>
+                  </p:par>
+                </p:childTnLst>
+              </p:cTn>
+              <p:prevCondLst>
+                <p:cond evt="onPrev" delay="0">
+                  <p:tgtEl>
+                    <p:sldTgt/>
+                  </p:tgtEl>
+                </p:cond>
+              </p:prevCondLst>
+              <p:nextCondLst>
+                <p:cond evt="onNext" delay="0">
+                  <p:tgtEl>
+                    <p:sldTgt/>
+                  </p:tgtEl>
+                </p:cond>
+              </p:nextCondLst>
+            </p:seq>
+          </p:childTnLst>
+        </p:cTn>
       </p:par>
     </p:tnLst>
   </p:timing>
 </p:sld>
 </file>
 
-<file path=ppt/slides/slide13.xml><?xml version="1.0" encoding="utf-8"?>
+<file path=ppt/slides/slide15.xml><?xml version="1.0" encoding="utf-8"?>
 <p:sld xmlns:a="http://schemas.openxmlformats.org/drawingml/2006/main" xmlns:r="http://schemas.openxmlformats.org/officeDocument/2006/relationships" xmlns:p="http://schemas.openxmlformats.org/presentationml/2006/main">
   <p:cSld>
     <p:spTree>
@@ -9869,7 +11820,7 @@
       </p:grpSpPr>
       <p:sp>
         <p:nvSpPr>
-          <p:cNvPr id="2" name="Title 1"/>
+          <p:cNvPr id="2" name="1 - Τίτλος"/>
           <p:cNvSpPr>
             <a:spLocks noGrp="1"/>
           </p:cNvSpPr>
@@ -9884,15 +11835,34 @@
           <a:p>
             <a:r>
               <a:rPr lang="en-US" dirty="0" smtClean="0"/>
-              <a:t>Deployed Architecture</a:t>
-            </a:r>
-            <a:endParaRPr lang="el-GR" dirty="0"/>
-          </a:p>
-        </p:txBody>
-      </p:sp>
-      <p:sp>
-        <p:nvSpPr>
-          <p:cNvPr id="3" name="Footer Placeholder 2"/>
+              <a:t>Evaluation</a:t>
+            </a:r>
+            <a:endParaRPr lang="en-GB" dirty="0"/>
+          </a:p>
+        </p:txBody>
+      </p:sp>
+      <p:sp>
+        <p:nvSpPr>
+          <p:cNvPr id="3" name="2 - Θέση κειμένου"/>
+          <p:cNvSpPr>
+            <a:spLocks noGrp="1"/>
+          </p:cNvSpPr>
+          <p:nvPr>
+            <p:ph type="body" idx="1"/>
+          </p:nvPr>
+        </p:nvSpPr>
+        <p:spPr/>
+        <p:txBody>
+          <a:bodyPr/>
+          <a:lstStyle/>
+          <a:p>
+            <a:endParaRPr lang="en-GB"/>
+          </a:p>
+        </p:txBody>
+      </p:sp>
+      <p:sp>
+        <p:nvSpPr>
+          <p:cNvPr id="5" name="4 - Θέση υποσέλιδου"/>
           <p:cNvSpPr>
             <a:spLocks noGrp="1"/>
           </p:cNvSpPr>
@@ -9916,7 +11886,7 @@
       </p:sp>
       <p:sp>
         <p:nvSpPr>
-          <p:cNvPr id="4" name="Slide Number Placeholder 3"/>
+          <p:cNvPr id="4" name="3 - Θέση αριθμού διαφάνειας"/>
           <p:cNvSpPr>
             <a:spLocks noGrp="1"/>
           </p:cNvSpPr>
@@ -9932,7 +11902,542 @@
             <a:fld id="{5A039058-1920-4143-8EFA-8E582B1DAF65}" type="slidenum">
               <a:rPr lang="en-GB" smtClean="0"/>
               <a:pPr/>
-              <a:t>13</a:t>
+              <a:t>15</a:t>
+            </a:fld>
+            <a:endParaRPr lang="en-GB"/>
+          </a:p>
+        </p:txBody>
+      </p:sp>
+    </p:spTree>
+  </p:cSld>
+  <p:clrMapOvr>
+    <a:masterClrMapping/>
+  </p:clrMapOvr>
+  <p:timing>
+    <p:tnLst>
+      <p:par>
+        <p:cTn id="1" dur="indefinite" restart="never" nodeType="tmRoot"/>
+      </p:par>
+    </p:tnLst>
+  </p:timing>
+</p:sld>
+</file>
+
+<file path=ppt/slides/slide16.xml><?xml version="1.0" encoding="utf-8"?>
+<p:sld xmlns:a="http://schemas.openxmlformats.org/drawingml/2006/main" xmlns:r="http://schemas.openxmlformats.org/officeDocument/2006/relationships" xmlns:p="http://schemas.openxmlformats.org/presentationml/2006/main">
+  <p:cSld>
+    <p:spTree>
+      <p:nvGrpSpPr>
+        <p:cNvPr id="1" name=""/>
+        <p:cNvGrpSpPr/>
+        <p:nvPr/>
+      </p:nvGrpSpPr>
+      <p:grpSpPr>
+        <a:xfrm>
+          <a:off x="0" y="0"/>
+          <a:ext cx="0" cy="0"/>
+          <a:chOff x="0" y="0"/>
+          <a:chExt cx="0" cy="0"/>
+        </a:xfrm>
+      </p:grpSpPr>
+      <p:sp>
+        <p:nvSpPr>
+          <p:cNvPr id="2" name="Title 1"/>
+          <p:cNvSpPr>
+            <a:spLocks noGrp="1"/>
+          </p:cNvSpPr>
+          <p:nvPr>
+            <p:ph type="title"/>
+          </p:nvPr>
+        </p:nvSpPr>
+        <p:spPr/>
+        <p:txBody>
+          <a:bodyPr/>
+          <a:lstStyle/>
+          <a:p>
+            <a:r>
+              <a:rPr lang="en-US" dirty="0" smtClean="0"/>
+              <a:t>User Interface Evaluation Process </a:t>
+            </a:r>
+            <a:endParaRPr lang="el-GR" dirty="0"/>
+          </a:p>
+        </p:txBody>
+      </p:sp>
+      <p:sp>
+        <p:nvSpPr>
+          <p:cNvPr id="3" name="Footer Placeholder 2"/>
+          <p:cNvSpPr>
+            <a:spLocks noGrp="1"/>
+          </p:cNvSpPr>
+          <p:nvPr>
+            <p:ph type="ftr" sz="quarter" idx="11"/>
+          </p:nvPr>
+        </p:nvSpPr>
+        <p:spPr/>
+        <p:txBody>
+          <a:bodyPr/>
+          <a:lstStyle/>
+          <a:p>
+            <a:pPr algn="ctr"/>
+            <a:r>
+              <a:rPr lang="en-GB" dirty="0" smtClean="0"/>
+              <a:t>Master Thesis</a:t>
+            </a:r>
+            <a:endParaRPr lang="en-GB" dirty="0"/>
+          </a:p>
+        </p:txBody>
+      </p:sp>
+      <p:sp>
+        <p:nvSpPr>
+          <p:cNvPr id="4" name="Slide Number Placeholder 3"/>
+          <p:cNvSpPr>
+            <a:spLocks noGrp="1"/>
+          </p:cNvSpPr>
+          <p:nvPr>
+            <p:ph type="sldNum" sz="quarter" idx="12"/>
+          </p:nvPr>
+        </p:nvSpPr>
+        <p:spPr/>
+        <p:txBody>
+          <a:bodyPr/>
+          <a:lstStyle/>
+          <a:p>
+            <a:fld id="{5A039058-1920-4143-8EFA-8E582B1DAF65}" type="slidenum">
+              <a:rPr lang="en-GB" smtClean="0"/>
+              <a:pPr/>
+              <a:t>16</a:t>
+            </a:fld>
+            <a:endParaRPr lang="en-GB"/>
+          </a:p>
+        </p:txBody>
+      </p:sp>
+      <p:sp>
+        <p:nvSpPr>
+          <p:cNvPr id="5" name="Content Placeholder 4"/>
+          <p:cNvSpPr>
+            <a:spLocks noGrp="1"/>
+          </p:cNvSpPr>
+          <p:nvPr>
+            <p:ph sz="quarter" idx="1"/>
+          </p:nvPr>
+        </p:nvSpPr>
+        <p:spPr/>
+        <p:txBody>
+          <a:bodyPr/>
+          <a:lstStyle/>
+          <a:p>
+            <a:r>
+              <a:rPr lang="en-US" dirty="0" smtClean="0"/>
+              <a:t>Introduction </a:t>
+            </a:r>
+            <a:r>
+              <a:rPr lang="en-US" dirty="0"/>
+              <a:t>to the purpose of the </a:t>
+            </a:r>
+            <a:r>
+              <a:rPr lang="en-US" dirty="0" smtClean="0"/>
+              <a:t>evaluation</a:t>
+            </a:r>
+          </a:p>
+          <a:p>
+            <a:r>
+              <a:rPr lang="en-US" dirty="0" smtClean="0"/>
+              <a:t>Their requirements from DevOps platforms and social networking sites </a:t>
+            </a:r>
+            <a:endParaRPr lang="el-GR" dirty="0" smtClean="0"/>
+          </a:p>
+          <a:p>
+            <a:r>
+              <a:rPr lang="en-US" dirty="0" smtClean="0"/>
+              <a:t>Walk through SNP</a:t>
+            </a:r>
+          </a:p>
+          <a:p>
+            <a:r>
+              <a:rPr lang="en-US" dirty="0" smtClean="0"/>
+              <a:t>Feedback regarding our SNP</a:t>
+            </a:r>
+            <a:endParaRPr lang="el-GR" dirty="0"/>
+          </a:p>
+        </p:txBody>
+      </p:sp>
+    </p:spTree>
+    <p:extLst>
+      <p:ext uri="{BB962C8B-B14F-4D97-AF65-F5344CB8AC3E}">
+        <p14:creationId xmlns:p14="http://schemas.microsoft.com/office/powerpoint/2010/main" val="3939292220"/>
+      </p:ext>
+    </p:extLst>
+  </p:cSld>
+  <p:clrMapOvr>
+    <a:masterClrMapping/>
+  </p:clrMapOvr>
+  <p:timing>
+    <p:tnLst>
+      <p:par>
+        <p:cTn id="1" dur="indefinite" restart="never" nodeType="tmRoot"/>
+      </p:par>
+    </p:tnLst>
+  </p:timing>
+</p:sld>
+</file>
+
+<file path=ppt/slides/slide17.xml><?xml version="1.0" encoding="utf-8"?>
+<p:sld xmlns:a="http://schemas.openxmlformats.org/drawingml/2006/main" xmlns:r="http://schemas.openxmlformats.org/officeDocument/2006/relationships" xmlns:p="http://schemas.openxmlformats.org/presentationml/2006/main">
+  <p:cSld>
+    <p:spTree>
+      <p:nvGrpSpPr>
+        <p:cNvPr id="1" name=""/>
+        <p:cNvGrpSpPr/>
+        <p:nvPr/>
+      </p:nvGrpSpPr>
+      <p:grpSpPr>
+        <a:xfrm>
+          <a:off x="0" y="0"/>
+          <a:ext cx="0" cy="0"/>
+          <a:chOff x="0" y="0"/>
+          <a:chExt cx="0" cy="0"/>
+        </a:xfrm>
+      </p:grpSpPr>
+      <p:sp>
+        <p:nvSpPr>
+          <p:cNvPr id="2" name="Title 1"/>
+          <p:cNvSpPr>
+            <a:spLocks noGrp="1"/>
+          </p:cNvSpPr>
+          <p:nvPr>
+            <p:ph type="title"/>
+          </p:nvPr>
+        </p:nvSpPr>
+        <p:spPr/>
+        <p:txBody>
+          <a:bodyPr/>
+          <a:lstStyle/>
+          <a:p>
+            <a:r>
+              <a:rPr lang="en-US" dirty="0" smtClean="0"/>
+              <a:t>User’s Requirements</a:t>
+            </a:r>
+            <a:endParaRPr lang="el-GR" dirty="0"/>
+          </a:p>
+        </p:txBody>
+      </p:sp>
+      <p:sp>
+        <p:nvSpPr>
+          <p:cNvPr id="3" name="Footer Placeholder 2"/>
+          <p:cNvSpPr>
+            <a:spLocks noGrp="1"/>
+          </p:cNvSpPr>
+          <p:nvPr>
+            <p:ph type="ftr" sz="quarter" idx="11"/>
+          </p:nvPr>
+        </p:nvSpPr>
+        <p:spPr/>
+        <p:txBody>
+          <a:bodyPr/>
+          <a:lstStyle/>
+          <a:p>
+            <a:pPr algn="ctr"/>
+            <a:r>
+              <a:rPr lang="en-GB" dirty="0" smtClean="0"/>
+              <a:t>Master Thesis</a:t>
+            </a:r>
+            <a:endParaRPr lang="en-GB" dirty="0"/>
+          </a:p>
+        </p:txBody>
+      </p:sp>
+      <p:sp>
+        <p:nvSpPr>
+          <p:cNvPr id="4" name="Slide Number Placeholder 3"/>
+          <p:cNvSpPr>
+            <a:spLocks noGrp="1"/>
+          </p:cNvSpPr>
+          <p:nvPr>
+            <p:ph type="sldNum" sz="quarter" idx="12"/>
+          </p:nvPr>
+        </p:nvSpPr>
+        <p:spPr/>
+        <p:txBody>
+          <a:bodyPr/>
+          <a:lstStyle/>
+          <a:p>
+            <a:fld id="{5A039058-1920-4143-8EFA-8E582B1DAF65}" type="slidenum">
+              <a:rPr lang="en-GB" smtClean="0"/>
+              <a:pPr/>
+              <a:t>17</a:t>
+            </a:fld>
+            <a:endParaRPr lang="en-GB"/>
+          </a:p>
+        </p:txBody>
+      </p:sp>
+      <p:pic>
+        <p:nvPicPr>
+          <p:cNvPr id="6" name="Content Placeholder 5"/>
+          <p:cNvPicPr>
+            <a:picLocks noGrp="1" noChangeAspect="1"/>
+          </p:cNvPicPr>
+          <p:nvPr>
+            <p:ph sz="quarter" idx="1"/>
+          </p:nvPr>
+        </p:nvPicPr>
+        <p:blipFill>
+          <a:blip r:embed="rId3">
+            <a:extLst>
+              <a:ext uri="{28A0092B-C50C-407E-A947-70E740481C1C}">
+                <a14:useLocalDpi xmlns:a14="http://schemas.microsoft.com/office/drawing/2010/main" val="0"/>
+              </a:ext>
+            </a:extLst>
+          </a:blip>
+          <a:stretch>
+            <a:fillRect/>
+          </a:stretch>
+        </p:blipFill>
+        <p:spPr>
+          <a:xfrm>
+            <a:off x="457200" y="2438291"/>
+            <a:ext cx="8229600" cy="2498942"/>
+          </a:xfrm>
+        </p:spPr>
+      </p:pic>
+    </p:spTree>
+    <p:extLst>
+      <p:ext uri="{BB962C8B-B14F-4D97-AF65-F5344CB8AC3E}">
+        <p14:creationId xmlns:p14="http://schemas.microsoft.com/office/powerpoint/2010/main" val="2079149966"/>
+      </p:ext>
+    </p:extLst>
+  </p:cSld>
+  <p:clrMapOvr>
+    <a:masterClrMapping/>
+  </p:clrMapOvr>
+  <p:timing>
+    <p:tnLst>
+      <p:par>
+        <p:cTn id="1" dur="indefinite" restart="never" nodeType="tmRoot"/>
+      </p:par>
+    </p:tnLst>
+  </p:timing>
+</p:sld>
+</file>
+
+<file path=ppt/slides/slide18.xml><?xml version="1.0" encoding="utf-8"?>
+<p:sld xmlns:a="http://schemas.openxmlformats.org/drawingml/2006/main" xmlns:r="http://schemas.openxmlformats.org/officeDocument/2006/relationships" xmlns:p="http://schemas.openxmlformats.org/presentationml/2006/main">
+  <p:cSld>
+    <p:spTree>
+      <p:nvGrpSpPr>
+        <p:cNvPr id="1" name=""/>
+        <p:cNvGrpSpPr/>
+        <p:nvPr/>
+      </p:nvGrpSpPr>
+      <p:grpSpPr>
+        <a:xfrm>
+          <a:off x="0" y="0"/>
+          <a:ext cx="0" cy="0"/>
+          <a:chOff x="0" y="0"/>
+          <a:chExt cx="0" cy="0"/>
+        </a:xfrm>
+      </p:grpSpPr>
+      <p:sp>
+        <p:nvSpPr>
+          <p:cNvPr id="2" name="Title 1"/>
+          <p:cNvSpPr>
+            <a:spLocks noGrp="1"/>
+          </p:cNvSpPr>
+          <p:nvPr>
+            <p:ph type="title"/>
+          </p:nvPr>
+        </p:nvSpPr>
+        <p:spPr/>
+        <p:txBody>
+          <a:bodyPr/>
+          <a:lstStyle/>
+          <a:p>
+            <a:r>
+              <a:rPr lang="en-US" dirty="0" smtClean="0"/>
+              <a:t>User’s Feedback</a:t>
+            </a:r>
+            <a:endParaRPr lang="el-GR" dirty="0"/>
+          </a:p>
+        </p:txBody>
+      </p:sp>
+      <p:sp>
+        <p:nvSpPr>
+          <p:cNvPr id="3" name="Footer Placeholder 2"/>
+          <p:cNvSpPr>
+            <a:spLocks noGrp="1"/>
+          </p:cNvSpPr>
+          <p:nvPr>
+            <p:ph type="ftr" sz="quarter" idx="11"/>
+          </p:nvPr>
+        </p:nvSpPr>
+        <p:spPr/>
+        <p:txBody>
+          <a:bodyPr/>
+          <a:lstStyle/>
+          <a:p>
+            <a:pPr algn="ctr"/>
+            <a:r>
+              <a:rPr lang="en-GB" dirty="0" smtClean="0"/>
+              <a:t>Master Thesis</a:t>
+            </a:r>
+            <a:endParaRPr lang="en-GB" dirty="0"/>
+          </a:p>
+        </p:txBody>
+      </p:sp>
+      <p:sp>
+        <p:nvSpPr>
+          <p:cNvPr id="4" name="Slide Number Placeholder 3"/>
+          <p:cNvSpPr>
+            <a:spLocks noGrp="1"/>
+          </p:cNvSpPr>
+          <p:nvPr>
+            <p:ph type="sldNum" sz="quarter" idx="12"/>
+          </p:nvPr>
+        </p:nvSpPr>
+        <p:spPr/>
+        <p:txBody>
+          <a:bodyPr/>
+          <a:lstStyle/>
+          <a:p>
+            <a:fld id="{5A039058-1920-4143-8EFA-8E582B1DAF65}" type="slidenum">
+              <a:rPr lang="en-GB" smtClean="0"/>
+              <a:pPr/>
+              <a:t>18</a:t>
+            </a:fld>
+            <a:endParaRPr lang="en-GB"/>
+          </a:p>
+        </p:txBody>
+      </p:sp>
+      <p:pic>
+        <p:nvPicPr>
+          <p:cNvPr id="6" name="Content Placeholder 5"/>
+          <p:cNvPicPr>
+            <a:picLocks noGrp="1" noChangeAspect="1"/>
+          </p:cNvPicPr>
+          <p:nvPr>
+            <p:ph sz="quarter" idx="1"/>
+          </p:nvPr>
+        </p:nvPicPr>
+        <p:blipFill>
+          <a:blip r:embed="rId3">
+            <a:extLst>
+              <a:ext uri="{28A0092B-C50C-407E-A947-70E740481C1C}">
+                <a14:useLocalDpi xmlns:a14="http://schemas.microsoft.com/office/drawing/2010/main" val="0"/>
+              </a:ext>
+            </a:extLst>
+          </a:blip>
+          <a:stretch>
+            <a:fillRect/>
+          </a:stretch>
+        </p:blipFill>
+        <p:spPr>
+          <a:xfrm>
+            <a:off x="457200" y="1818446"/>
+            <a:ext cx="8229600" cy="3738633"/>
+          </a:xfrm>
+        </p:spPr>
+      </p:pic>
+    </p:spTree>
+    <p:extLst>
+      <p:ext uri="{BB962C8B-B14F-4D97-AF65-F5344CB8AC3E}">
+        <p14:creationId xmlns:p14="http://schemas.microsoft.com/office/powerpoint/2010/main" val="1626123859"/>
+      </p:ext>
+    </p:extLst>
+  </p:cSld>
+  <p:clrMapOvr>
+    <a:masterClrMapping/>
+  </p:clrMapOvr>
+  <p:timing>
+    <p:tnLst>
+      <p:par>
+        <p:cTn id="1" dur="indefinite" restart="never" nodeType="tmRoot"/>
+      </p:par>
+    </p:tnLst>
+  </p:timing>
+</p:sld>
+</file>
+
+<file path=ppt/slides/slide19.xml><?xml version="1.0" encoding="utf-8"?>
+<p:sld xmlns:a="http://schemas.openxmlformats.org/drawingml/2006/main" xmlns:r="http://schemas.openxmlformats.org/officeDocument/2006/relationships" xmlns:p="http://schemas.openxmlformats.org/presentationml/2006/main">
+  <p:cSld>
+    <p:spTree>
+      <p:nvGrpSpPr>
+        <p:cNvPr id="1" name=""/>
+        <p:cNvGrpSpPr/>
+        <p:nvPr/>
+      </p:nvGrpSpPr>
+      <p:grpSpPr>
+        <a:xfrm>
+          <a:off x="0" y="0"/>
+          <a:ext cx="0" cy="0"/>
+          <a:chOff x="0" y="0"/>
+          <a:chExt cx="0" cy="0"/>
+        </a:xfrm>
+      </p:grpSpPr>
+      <p:sp>
+        <p:nvSpPr>
+          <p:cNvPr id="2" name="Title 1"/>
+          <p:cNvSpPr>
+            <a:spLocks noGrp="1"/>
+          </p:cNvSpPr>
+          <p:nvPr>
+            <p:ph type="title"/>
+          </p:nvPr>
+        </p:nvSpPr>
+        <p:spPr/>
+        <p:txBody>
+          <a:bodyPr/>
+          <a:lstStyle/>
+          <a:p>
+            <a:r>
+              <a:rPr lang="en-US" dirty="0" smtClean="0"/>
+              <a:t>Evaluated Architecture</a:t>
+            </a:r>
+            <a:endParaRPr lang="el-GR" dirty="0"/>
+          </a:p>
+        </p:txBody>
+      </p:sp>
+      <p:sp>
+        <p:nvSpPr>
+          <p:cNvPr id="3" name="Footer Placeholder 2"/>
+          <p:cNvSpPr>
+            <a:spLocks noGrp="1"/>
+          </p:cNvSpPr>
+          <p:nvPr>
+            <p:ph type="ftr" sz="quarter" idx="11"/>
+          </p:nvPr>
+        </p:nvSpPr>
+        <p:spPr/>
+        <p:txBody>
+          <a:bodyPr/>
+          <a:lstStyle/>
+          <a:p>
+            <a:pPr algn="ctr"/>
+            <a:r>
+              <a:rPr lang="en-GB" dirty="0" smtClean="0"/>
+              <a:t>Master Thesis</a:t>
+            </a:r>
+            <a:endParaRPr lang="en-GB" dirty="0"/>
+          </a:p>
+        </p:txBody>
+      </p:sp>
+      <p:sp>
+        <p:nvSpPr>
+          <p:cNvPr id="4" name="Slide Number Placeholder 3"/>
+          <p:cNvSpPr>
+            <a:spLocks noGrp="1"/>
+          </p:cNvSpPr>
+          <p:nvPr>
+            <p:ph type="sldNum" sz="quarter" idx="12"/>
+          </p:nvPr>
+        </p:nvSpPr>
+        <p:spPr/>
+        <p:txBody>
+          <a:bodyPr/>
+          <a:lstStyle/>
+          <a:p>
+            <a:fld id="{5A039058-1920-4143-8EFA-8E582B1DAF65}" type="slidenum">
+              <a:rPr lang="en-GB" smtClean="0"/>
+              <a:pPr/>
+              <a:t>19</a:t>
             </a:fld>
             <a:endParaRPr lang="en-GB"/>
           </a:p>
@@ -9987,7 +12492,7 @@
 </p:sld>
 </file>
 
-<file path=ppt/slides/slide14.xml><?xml version="1.0" encoding="utf-8"?>
+<file path=ppt/slides/slide2.xml><?xml version="1.0" encoding="utf-8"?>
 <p:sld xmlns:a="http://schemas.openxmlformats.org/drawingml/2006/main" xmlns:r="http://schemas.openxmlformats.org/officeDocument/2006/relationships" xmlns:p="http://schemas.openxmlformats.org/presentationml/2006/main">
   <p:cSld>
     <p:spTree>
@@ -10006,7 +12511,7 @@
       </p:grpSpPr>
       <p:sp>
         <p:nvSpPr>
-          <p:cNvPr id="2" name="Title 1"/>
+          <p:cNvPr id="2" name="1 - Τίτλος"/>
           <p:cNvSpPr>
             <a:spLocks noGrp="1"/>
           </p:cNvSpPr>
@@ -10021,15 +12526,15 @@
           <a:p>
             <a:r>
               <a:rPr lang="en-US" dirty="0" smtClean="0"/>
-              <a:t>Response Time (1/2)</a:t>
-            </a:r>
-            <a:endParaRPr lang="el-GR" dirty="0"/>
-          </a:p>
-        </p:txBody>
-      </p:sp>
-      <p:sp>
-        <p:nvSpPr>
-          <p:cNvPr id="3" name="Footer Placeholder 2"/>
+              <a:t>Agenda</a:t>
+            </a:r>
+            <a:endParaRPr lang="en-GB" dirty="0"/>
+          </a:p>
+        </p:txBody>
+      </p:sp>
+      <p:sp>
+        <p:nvSpPr>
+          <p:cNvPr id="5" name="4 - Θέση υποσέλιδου"/>
           <p:cNvSpPr>
             <a:spLocks noGrp="1"/>
           </p:cNvSpPr>
@@ -10053,7 +12558,7 @@
       </p:sp>
       <p:sp>
         <p:nvSpPr>
-          <p:cNvPr id="4" name="Slide Number Placeholder 3"/>
+          <p:cNvPr id="4" name="3 - Θέση αριθμού διαφάνειας"/>
           <p:cNvSpPr>
             <a:spLocks noGrp="1"/>
           </p:cNvSpPr>
@@ -10063,13 +12568,155 @@
         </p:nvSpPr>
         <p:spPr/>
         <p:txBody>
-          <a:bodyPr/>
+          <a:bodyPr>
+            <a:normAutofit/>
+          </a:bodyPr>
           <a:lstStyle/>
           <a:p>
             <a:fld id="{5A039058-1920-4143-8EFA-8E582B1DAF65}" type="slidenum">
               <a:rPr lang="en-GB" smtClean="0"/>
               <a:pPr/>
-              <a:t>14</a:t>
+              <a:t>2</a:t>
+            </a:fld>
+            <a:endParaRPr lang="en-GB"/>
+          </a:p>
+        </p:txBody>
+      </p:sp>
+      <p:sp>
+        <p:nvSpPr>
+          <p:cNvPr id="3" name="2 - Θέση περιεχομένου"/>
+          <p:cNvSpPr>
+            <a:spLocks noGrp="1"/>
+          </p:cNvSpPr>
+          <p:nvPr>
+            <p:ph sz="quarter" idx="1"/>
+          </p:nvPr>
+        </p:nvSpPr>
+        <p:spPr/>
+        <p:txBody>
+          <a:bodyPr>
+            <a:normAutofit/>
+          </a:bodyPr>
+          <a:lstStyle/>
+          <a:p>
+            <a:r>
+              <a:rPr lang="en-US" dirty="0" smtClean="0"/>
+              <a:t>Introduction</a:t>
+            </a:r>
+            <a:endParaRPr lang="en-GB" dirty="0" smtClean="0"/>
+          </a:p>
+          <a:p>
+            <a:r>
+              <a:rPr lang="en-GB" dirty="0" smtClean="0"/>
+              <a:t>Design and Implementation</a:t>
+            </a:r>
+          </a:p>
+          <a:p>
+            <a:r>
+              <a:rPr lang="en-US" dirty="0" smtClean="0"/>
+              <a:t>Evaluation</a:t>
+            </a:r>
+          </a:p>
+        </p:txBody>
+      </p:sp>
+    </p:spTree>
+  </p:cSld>
+  <p:clrMapOvr>
+    <a:masterClrMapping/>
+  </p:clrMapOvr>
+  <p:timing>
+    <p:tnLst>
+      <p:par>
+        <p:cTn id="1" dur="indefinite" restart="never" nodeType="tmRoot"/>
+      </p:par>
+    </p:tnLst>
+  </p:timing>
+</p:sld>
+</file>
+
+<file path=ppt/slides/slide20.xml><?xml version="1.0" encoding="utf-8"?>
+<p:sld xmlns:a="http://schemas.openxmlformats.org/drawingml/2006/main" xmlns:r="http://schemas.openxmlformats.org/officeDocument/2006/relationships" xmlns:p="http://schemas.openxmlformats.org/presentationml/2006/main">
+  <p:cSld>
+    <p:spTree>
+      <p:nvGrpSpPr>
+        <p:cNvPr id="1" name=""/>
+        <p:cNvGrpSpPr/>
+        <p:nvPr/>
+      </p:nvGrpSpPr>
+      <p:grpSpPr>
+        <a:xfrm>
+          <a:off x="0" y="0"/>
+          <a:ext cx="0" cy="0"/>
+          <a:chOff x="0" y="0"/>
+          <a:chExt cx="0" cy="0"/>
+        </a:xfrm>
+      </p:grpSpPr>
+      <p:sp>
+        <p:nvSpPr>
+          <p:cNvPr id="2" name="Title 1"/>
+          <p:cNvSpPr>
+            <a:spLocks noGrp="1"/>
+          </p:cNvSpPr>
+          <p:nvPr>
+            <p:ph type="title"/>
+          </p:nvPr>
+        </p:nvSpPr>
+        <p:spPr/>
+        <p:txBody>
+          <a:bodyPr/>
+          <a:lstStyle/>
+          <a:p>
+            <a:r>
+              <a:rPr lang="en-US" dirty="0" smtClean="0"/>
+              <a:t>Response Time (1/2)</a:t>
+            </a:r>
+            <a:endParaRPr lang="el-GR" dirty="0"/>
+          </a:p>
+        </p:txBody>
+      </p:sp>
+      <p:sp>
+        <p:nvSpPr>
+          <p:cNvPr id="3" name="Footer Placeholder 2"/>
+          <p:cNvSpPr>
+            <a:spLocks noGrp="1"/>
+          </p:cNvSpPr>
+          <p:nvPr>
+            <p:ph type="ftr" sz="quarter" idx="11"/>
+          </p:nvPr>
+        </p:nvSpPr>
+        <p:spPr/>
+        <p:txBody>
+          <a:bodyPr/>
+          <a:lstStyle/>
+          <a:p>
+            <a:pPr algn="ctr"/>
+            <a:r>
+              <a:rPr lang="en-GB" dirty="0" smtClean="0"/>
+              <a:t>Master Thesis</a:t>
+            </a:r>
+            <a:endParaRPr lang="en-GB" dirty="0"/>
+          </a:p>
+        </p:txBody>
+      </p:sp>
+      <p:sp>
+        <p:nvSpPr>
+          <p:cNvPr id="4" name="Slide Number Placeholder 3"/>
+          <p:cNvSpPr>
+            <a:spLocks noGrp="1"/>
+          </p:cNvSpPr>
+          <p:nvPr>
+            <p:ph type="sldNum" sz="quarter" idx="12"/>
+          </p:nvPr>
+        </p:nvSpPr>
+        <p:spPr/>
+        <p:txBody>
+          <a:bodyPr/>
+          <a:lstStyle/>
+          <a:p>
+            <a:fld id="{5A039058-1920-4143-8EFA-8E582B1DAF65}" type="slidenum">
+              <a:rPr lang="en-GB" smtClean="0"/>
+              <a:pPr/>
+              <a:t>20</a:t>
             </a:fld>
             <a:endParaRPr lang="en-GB"/>
           </a:p>
@@ -10531,7 +13178,7 @@
 </p:sld>
 </file>
 
-<file path=ppt/slides/slide15.xml><?xml version="1.0" encoding="utf-8"?>
+<file path=ppt/slides/slide21.xml><?xml version="1.0" encoding="utf-8"?>
 <p:sld xmlns:a="http://schemas.openxmlformats.org/drawingml/2006/main" xmlns:r="http://schemas.openxmlformats.org/officeDocument/2006/relationships" xmlns:p="http://schemas.openxmlformats.org/presentationml/2006/main">
   <p:cSld>
     <p:spTree>
@@ -10613,7 +13260,7 @@
             <a:fld id="{5A039058-1920-4143-8EFA-8E582B1DAF65}" type="slidenum">
               <a:rPr lang="en-GB" smtClean="0"/>
               <a:pPr/>
-              <a:t>15</a:t>
+              <a:t>21</a:t>
             </a:fld>
             <a:endParaRPr lang="en-GB"/>
           </a:p>
@@ -10668,7 +13315,7 @@
 </p:sld>
 </file>
 
-<file path=ppt/slides/slide16.xml><?xml version="1.0" encoding="utf-8"?>
+<file path=ppt/slides/slide22.xml><?xml version="1.0" encoding="utf-8"?>
 <p:sld xmlns:a="http://schemas.openxmlformats.org/drawingml/2006/main" xmlns:r="http://schemas.openxmlformats.org/officeDocument/2006/relationships" xmlns:p="http://schemas.openxmlformats.org/presentationml/2006/main">
   <p:cSld>
     <p:spTree>
@@ -10729,8 +13376,8 @@
               <a:t>Master </a:t>
             </a:r>
             <a:r>
-              <a:rPr lang="el-GR" dirty="0" smtClean="0"/>
-              <a:t>Τ</a:t>
+              <a:rPr lang="en-US" dirty="0"/>
+              <a:t>T</a:t>
             </a:r>
             <a:r>
               <a:rPr lang="en-GB" dirty="0" err="1" smtClean="0"/>
@@ -10758,7 +13405,7 @@
             <a:fld id="{5A039058-1920-4143-8EFA-8E582B1DAF65}" type="slidenum">
               <a:rPr lang="en-GB" smtClean="0"/>
               <a:pPr/>
-              <a:t>16</a:t>
+              <a:t>22</a:t>
             </a:fld>
             <a:endParaRPr lang="en-GB"/>
           </a:p>
@@ -10812,7 +13459,7 @@
 </p:sld>
 </file>
 
-<file path=ppt/slides/slide17.xml><?xml version="1.0" encoding="utf-8"?>
+<file path=ppt/slides/slide23.xml><?xml version="1.0" encoding="utf-8"?>
 <p:sld xmlns:a="http://schemas.openxmlformats.org/drawingml/2006/main" xmlns:r="http://schemas.openxmlformats.org/officeDocument/2006/relationships" xmlns:p="http://schemas.openxmlformats.org/presentationml/2006/main">
   <p:cSld>
     <p:spTree>
@@ -10902,7 +13549,7 @@
             <a:fld id="{5A039058-1920-4143-8EFA-8E582B1DAF65}" type="slidenum">
               <a:rPr lang="en-GB" smtClean="0"/>
               <a:pPr/>
-              <a:t>17</a:t>
+              <a:t>23</a:t>
             </a:fld>
             <a:endParaRPr lang="en-GB"/>
           </a:p>
@@ -10957,7 +13604,7 @@
 </p:sld>
 </file>
 
-<file path=ppt/slides/slide18.xml><?xml version="1.0" encoding="utf-8"?>
+<file path=ppt/slides/slide24.xml><?xml version="1.0" encoding="utf-8"?>
 <p:sld xmlns:a="http://schemas.openxmlformats.org/drawingml/2006/main" xmlns:r="http://schemas.openxmlformats.org/officeDocument/2006/relationships" xmlns:p="http://schemas.openxmlformats.org/presentationml/2006/main">
   <p:cSld>
     <p:spTree>
@@ -10984,7 +13631,12 @@
             <p:ph type="title"/>
           </p:nvPr>
         </p:nvSpPr>
-        <p:spPr/>
+        <p:spPr>
+          <a:xfrm>
+            <a:off x="457200" y="152400"/>
+            <a:ext cx="8229600" cy="900336"/>
+          </a:xfrm>
+        </p:spPr>
         <p:txBody>
           <a:bodyPr/>
           <a:lstStyle/>
@@ -11043,7 +13695,7 @@
             <a:fld id="{5A039058-1920-4143-8EFA-8E582B1DAF65}" type="slidenum">
               <a:rPr lang="en-GB" smtClean="0"/>
               <a:pPr/>
-              <a:t>18</a:t>
+              <a:t>24</a:t>
             </a:fld>
             <a:endParaRPr lang="en-GB"/>
           </a:p>
@@ -11098,7 +13750,7 @@
 </p:sld>
 </file>
 
-<file path=ppt/slides/slide19.xml><?xml version="1.0" encoding="utf-8"?>
+<file path=ppt/slides/slide25.xml><?xml version="1.0" encoding="utf-8"?>
 <p:sld xmlns:a="http://schemas.openxmlformats.org/drawingml/2006/main" xmlns:r="http://schemas.openxmlformats.org/officeDocument/2006/relationships" xmlns:p="http://schemas.openxmlformats.org/presentationml/2006/main">
   <p:cSld>
     <p:spTree>
@@ -11179,7 +13831,7 @@
             <a:fld id="{5A039058-1920-4143-8EFA-8E582B1DAF65}" type="slidenum">
               <a:rPr lang="en-GB" smtClean="0"/>
               <a:pPr/>
-              <a:t>19</a:t>
+              <a:t>25</a:t>
             </a:fld>
             <a:endParaRPr lang="en-GB"/>
           </a:p>
@@ -11209,6 +13861,13 @@
             <a:pPr lvl="1"/>
             <a:r>
               <a:rPr lang="en-US" dirty="0" smtClean="0"/>
+              <a:t>Extensive User Evaluation</a:t>
+            </a:r>
+          </a:p>
+          <a:p>
+            <a:pPr lvl="1"/>
+            <a:r>
+              <a:rPr lang="en-US" dirty="0" smtClean="0"/>
               <a:t>A social network User Interface is implemented for DevOps cloud deployment specialists.</a:t>
             </a:r>
           </a:p>
@@ -11216,16 +13875,19 @@
             <a:pPr lvl="1"/>
             <a:r>
               <a:rPr lang="en-US" dirty="0" smtClean="0"/>
+              <a:t>A </a:t>
+            </a:r>
+            <a:r>
+              <a:rPr lang="en-US" dirty="0" smtClean="0"/>
+              <a:t>scalable system architecture of our SNP is presented.</a:t>
+            </a:r>
+          </a:p>
+          <a:p>
+            <a:pPr lvl="1"/>
+            <a:r>
+              <a:rPr lang="en-US" dirty="0"/>
               <a:t>The SN Platform can perform NLP classification on the user’s input.</a:t>
             </a:r>
-          </a:p>
-          <a:p>
-            <a:pPr lvl="1"/>
-            <a:r>
-              <a:rPr lang="en-US" dirty="0" smtClean="0"/>
-              <a:t>A scalable system architecture of our SNP is presented.</a:t>
-            </a:r>
-            <a:endParaRPr lang="el-GR" dirty="0"/>
           </a:p>
         </p:txBody>
       </p:sp>
@@ -11244,7 +13906,7 @@
 </p:sld>
 </file>
 
-<file path=ppt/slides/slide2.xml><?xml version="1.0" encoding="utf-8"?>
+<file path=ppt/slides/slide26.xml><?xml version="1.0" encoding="utf-8"?>
 <p:sld xmlns:a="http://schemas.openxmlformats.org/drawingml/2006/main" xmlns:r="http://schemas.openxmlformats.org/officeDocument/2006/relationships" xmlns:p="http://schemas.openxmlformats.org/presentationml/2006/main">
   <p:cSld>
     <p:spTree>
@@ -11263,30 +13925,7 @@
       </p:grpSpPr>
       <p:sp>
         <p:nvSpPr>
-          <p:cNvPr id="2" name="1 - Τίτλος"/>
-          <p:cNvSpPr>
-            <a:spLocks noGrp="1"/>
-          </p:cNvSpPr>
-          <p:nvPr>
-            <p:ph type="title"/>
-          </p:nvPr>
-        </p:nvSpPr>
-        <p:spPr/>
-        <p:txBody>
-          <a:bodyPr/>
-          <a:lstStyle/>
-          <a:p>
-            <a:r>
-              <a:rPr lang="en-US" dirty="0" smtClean="0"/>
-              <a:t>Agenda</a:t>
-            </a:r>
-            <a:endParaRPr lang="en-GB" dirty="0"/>
-          </a:p>
-        </p:txBody>
-      </p:sp>
-      <p:sp>
-        <p:nvSpPr>
-          <p:cNvPr id="5" name="4 - Θέση υποσέλιδου"/>
+          <p:cNvPr id="3" name="2 - Θέση υποσέλιδου"/>
           <p:cNvSpPr>
             <a:spLocks noGrp="1"/>
           </p:cNvSpPr>
@@ -11301,10 +13940,9 @@
           <a:p>
             <a:pPr algn="ctr"/>
             <a:r>
-              <a:rPr lang="en-GB" dirty="0" smtClean="0"/>
+              <a:rPr lang="en-GB" dirty="0"/>
               <a:t>Master Thesis</a:t>
             </a:r>
-            <a:endParaRPr lang="en-GB" dirty="0"/>
           </a:p>
         </p:txBody>
       </p:sp>
@@ -11320,131 +13958,13 @@
         </p:nvSpPr>
         <p:spPr/>
         <p:txBody>
-          <a:bodyPr>
-            <a:normAutofit/>
-          </a:bodyPr>
+          <a:bodyPr/>
           <a:lstStyle/>
           <a:p>
             <a:fld id="{5A039058-1920-4143-8EFA-8E582B1DAF65}" type="slidenum">
               <a:rPr lang="en-GB" smtClean="0"/>
               <a:pPr/>
-              <a:t>2</a:t>
-            </a:fld>
-            <a:endParaRPr lang="en-GB"/>
-          </a:p>
-        </p:txBody>
-      </p:sp>
-      <p:sp>
-        <p:nvSpPr>
-          <p:cNvPr id="3" name="2 - Θέση περιεχομένου"/>
-          <p:cNvSpPr>
-            <a:spLocks noGrp="1"/>
-          </p:cNvSpPr>
-          <p:nvPr>
-            <p:ph sz="quarter" idx="1"/>
-          </p:nvPr>
-        </p:nvSpPr>
-        <p:spPr/>
-        <p:txBody>
-          <a:bodyPr>
-            <a:normAutofit/>
-          </a:bodyPr>
-          <a:lstStyle/>
-          <a:p>
-            <a:r>
-              <a:rPr lang="en-US" dirty="0" smtClean="0"/>
-              <a:t>Introduction</a:t>
-            </a:r>
-            <a:endParaRPr lang="en-GB" dirty="0" smtClean="0"/>
-          </a:p>
-          <a:p>
-            <a:r>
-              <a:rPr lang="en-GB" dirty="0" smtClean="0"/>
-              <a:t>Design and Implementation</a:t>
-            </a:r>
-          </a:p>
-          <a:p>
-            <a:r>
-              <a:rPr lang="en-US" dirty="0" smtClean="0"/>
-              <a:t>Evaluation</a:t>
-            </a:r>
-          </a:p>
-        </p:txBody>
-      </p:sp>
-    </p:spTree>
-  </p:cSld>
-  <p:clrMapOvr>
-    <a:masterClrMapping/>
-  </p:clrMapOvr>
-  <p:timing>
-    <p:tnLst>
-      <p:par>
-        <p:cTn id="1" dur="indefinite" restart="never" nodeType="tmRoot"/>
-      </p:par>
-    </p:tnLst>
-  </p:timing>
-</p:sld>
-</file>
-
-<file path=ppt/slides/slide20.xml><?xml version="1.0" encoding="utf-8"?>
-<p:sld xmlns:a="http://schemas.openxmlformats.org/drawingml/2006/main" xmlns:r="http://schemas.openxmlformats.org/officeDocument/2006/relationships" xmlns:p="http://schemas.openxmlformats.org/presentationml/2006/main">
-  <p:cSld>
-    <p:spTree>
-      <p:nvGrpSpPr>
-        <p:cNvPr id="1" name=""/>
-        <p:cNvGrpSpPr/>
-        <p:nvPr/>
-      </p:nvGrpSpPr>
-      <p:grpSpPr>
-        <a:xfrm>
-          <a:off x="0" y="0"/>
-          <a:ext cx="0" cy="0"/>
-          <a:chOff x="0" y="0"/>
-          <a:chExt cx="0" cy="0"/>
-        </a:xfrm>
-      </p:grpSpPr>
-      <p:sp>
-        <p:nvSpPr>
-          <p:cNvPr id="3" name="2 - Θέση υποσέλιδου"/>
-          <p:cNvSpPr>
-            <a:spLocks noGrp="1"/>
-          </p:cNvSpPr>
-          <p:nvPr>
-            <p:ph type="ftr" sz="quarter" idx="11"/>
-          </p:nvPr>
-        </p:nvSpPr>
-        <p:spPr/>
-        <p:txBody>
-          <a:bodyPr/>
-          <a:lstStyle/>
-          <a:p>
-            <a:pPr algn="ctr"/>
-            <a:r>
-              <a:rPr lang="en-GB" dirty="0"/>
-              <a:t>Master Thesis</a:t>
-            </a:r>
-          </a:p>
-        </p:txBody>
-      </p:sp>
-      <p:sp>
-        <p:nvSpPr>
-          <p:cNvPr id="4" name="3 - Θέση αριθμού διαφάνειας"/>
-          <p:cNvSpPr>
-            <a:spLocks noGrp="1"/>
-          </p:cNvSpPr>
-          <p:nvPr>
-            <p:ph type="sldNum" sz="quarter" idx="12"/>
-          </p:nvPr>
-        </p:nvSpPr>
-        <p:spPr/>
-        <p:txBody>
-          <a:bodyPr/>
-          <a:lstStyle/>
-          <a:p>
-            <a:fld id="{5A039058-1920-4143-8EFA-8E582B1DAF65}" type="slidenum">
-              <a:rPr lang="en-GB" smtClean="0"/>
-              <a:pPr/>
-              <a:t>20</a:t>
+              <a:t>26</a:t>
             </a:fld>
             <a:endParaRPr lang="en-GB" dirty="0"/>
           </a:p>
@@ -11942,22 +14462,28 @@
       </p:sp>
       <p:pic>
         <p:nvPicPr>
-          <p:cNvPr id="14" name="13 - Εικόνα" descr="DevOps.png"/>
+          <p:cNvPr id="3" name="Picture 2"/>
           <p:cNvPicPr>
             <a:picLocks noChangeAspect="1"/>
           </p:cNvPicPr>
           <p:nvPr/>
         </p:nvPicPr>
         <p:blipFill>
-          <a:blip r:embed="rId8" cstate="print"/>
+          <a:blip r:embed="rId8" cstate="print">
+            <a:extLst>
+              <a:ext uri="{28A0092B-C50C-407E-A947-70E740481C1C}">
+                <a14:useLocalDpi xmlns:a14="http://schemas.microsoft.com/office/drawing/2010/main" val="0"/>
+              </a:ext>
+            </a:extLst>
+          </a:blip>
           <a:stretch>
             <a:fillRect/>
           </a:stretch>
         </p:blipFill>
         <p:spPr>
           <a:xfrm>
-            <a:off x="3148995" y="1332002"/>
-            <a:ext cx="2232248" cy="1352654"/>
+            <a:off x="3068832" y="1163350"/>
+            <a:ext cx="2147535" cy="2040158"/>
           </a:xfrm>
           <a:prstGeom prst="rect">
             <a:avLst/>
@@ -12146,7 +14672,7 @@
           <a:p>
             <a:r>
               <a:rPr lang="en-US" dirty="0" smtClean="0"/>
-              <a:t>Research Results</a:t>
+              <a:t>Contributions</a:t>
             </a:r>
             <a:endParaRPr lang="el-GR" dirty="0"/>
           </a:p>
@@ -12217,7 +14743,7 @@
           <a:p>
             <a:r>
               <a:rPr lang="en-US" dirty="0" smtClean="0"/>
-              <a:t>The SNP brings the executions histories of the CAMEL models to the end users</a:t>
+              <a:t>The Social Networking Platform (SNP) brings the executions histories of the CAMEL models to the end users.</a:t>
             </a:r>
           </a:p>
           <a:p>
@@ -12231,6 +14757,14 @@
               <a:rPr lang="en-US" dirty="0" smtClean="0"/>
               <a:t>They used known techniques of Natural Language Processing for the user input.</a:t>
             </a:r>
+          </a:p>
+          <a:p>
+            <a:r>
+              <a:rPr lang="en-US" dirty="0" smtClean="0"/>
+              <a:t>User Interface evaluation</a:t>
+            </a:r>
+          </a:p>
+          <a:p>
             <a:endParaRPr lang="el-GR" dirty="0"/>
           </a:p>
         </p:txBody>
@@ -12531,7 +15065,7 @@
       </p:grpSpPr>
       <p:sp>
         <p:nvSpPr>
-          <p:cNvPr id="2" name="1 - Τίτλος"/>
+          <p:cNvPr id="2" name="Title 1"/>
           <p:cNvSpPr>
             <a:spLocks noGrp="1"/>
           </p:cNvSpPr>
@@ -12546,15 +15080,19 @@
           <a:p>
             <a:r>
               <a:rPr lang="en-US" dirty="0" smtClean="0"/>
-              <a:t>System Architecture</a:t>
-            </a:r>
-            <a:endParaRPr lang="el-GR" dirty="0"/>
-          </a:p>
-        </p:txBody>
-      </p:sp>
-      <p:sp>
-        <p:nvSpPr>
-          <p:cNvPr id="3" name="2 - Θέση υποσέλιδου"/>
+              <a:t>Social Networking </a:t>
+            </a:r>
+            <a:r>
+              <a:rPr lang="en-US" smtClean="0"/>
+              <a:t>Engine Architecture </a:t>
+            </a:r>
+            <a:endParaRPr lang="el-GR"/>
+          </a:p>
+        </p:txBody>
+      </p:sp>
+      <p:sp>
+        <p:nvSpPr>
+          <p:cNvPr id="3" name="Footer Placeholder 2"/>
           <p:cNvSpPr>
             <a:spLocks noGrp="1"/>
           </p:cNvSpPr>
@@ -12569,15 +15107,16 @@
           <a:p>
             <a:pPr algn="ctr"/>
             <a:r>
-              <a:rPr lang="en-GB" dirty="0"/>
+              <a:rPr lang="en-GB" dirty="0" smtClean="0"/>
               <a:t>Master Thesis</a:t>
             </a:r>
-          </a:p>
-        </p:txBody>
-      </p:sp>
-      <p:sp>
-        <p:nvSpPr>
-          <p:cNvPr id="4" name="3 - Θέση αριθμού διαφάνειας"/>
+            <a:endParaRPr lang="en-GB" dirty="0"/>
+          </a:p>
+        </p:txBody>
+      </p:sp>
+      <p:sp>
+        <p:nvSpPr>
+          <p:cNvPr id="4" name="Slide Number Placeholder 3"/>
           <p:cNvSpPr>
             <a:spLocks noGrp="1"/>
           </p:cNvSpPr>
@@ -12623,15 +15162,15 @@
         </p:blipFill>
         <p:spPr>
           <a:xfrm>
-            <a:off x="2833576" y="1219200"/>
-            <a:ext cx="3476848" cy="4937125"/>
+            <a:off x="457200" y="2139899"/>
+            <a:ext cx="8229600" cy="3095726"/>
           </a:xfrm>
         </p:spPr>
       </p:pic>
     </p:spTree>
     <p:extLst>
       <p:ext uri="{BB962C8B-B14F-4D97-AF65-F5344CB8AC3E}">
-        <p14:creationId xmlns:p14="http://schemas.microsoft.com/office/powerpoint/2010/main" val="3414480290"/>
+        <p14:creationId xmlns:p14="http://schemas.microsoft.com/office/powerpoint/2010/main" val="1899941649"/>
       </p:ext>
     </p:extLst>
   </p:cSld>

--- a/presentation/presentation.pptx
+++ b/presentation/presentation.pptx
@@ -234,7 +234,7 @@
             <a:fld id="{35A36A6E-E9C2-465F-AFBE-66735C017D69}" type="datetimeFigureOut">
               <a:rPr lang="en-US" smtClean="0"/>
               <a:pPr/>
-              <a:t>9/22/2015</a:t>
+              <a:t>9/24/2015</a:t>
             </a:fld>
             <a:endParaRPr lang="en-GB"/>
           </a:p>
@@ -696,11 +696,7 @@
             </a:r>
             <a:r>
               <a:rPr lang="el-GR" b="0" baseline="0" dirty="0" smtClean="0"/>
-              <a:t>της </a:t>
-            </a:r>
-            <a:r>
-              <a:rPr lang="el-GR" b="0" baseline="0" dirty="0" smtClean="0"/>
-              <a:t>πλατφόρμας και το </a:t>
+              <a:t>της πλατφόρμας και το </a:t>
             </a:r>
             <a:r>
               <a:rPr lang="en-US" b="0" baseline="0" dirty="0" smtClean="0"/>
@@ -716,11 +712,7 @@
             </a:r>
             <a:r>
               <a:rPr lang="el-GR" b="0" baseline="0" dirty="0" smtClean="0"/>
-              <a:t>. </a:t>
-            </a:r>
-            <a:r>
-              <a:rPr lang="el-GR" b="0" baseline="0" dirty="0" smtClean="0"/>
-              <a:t>Η αρχιτεκτονική αυτή έχει τρία επίπεδα.</a:t>
+              <a:t>. Η αρχιτεκτονική αυτή έχει τρία επίπεδα.</a:t>
             </a:r>
           </a:p>
           <a:p>
@@ -766,15 +758,7 @@
           <a:p>
             <a:r>
               <a:rPr lang="el-GR" b="0" baseline="0" dirty="0" smtClean="0"/>
-              <a:t>Στο επίπεδο 2, όπου είναι το ενδιάμεσο επίπεδο, </a:t>
-            </a:r>
-            <a:r>
-              <a:rPr lang="el-GR" b="0" baseline="0" dirty="0" smtClean="0"/>
-              <a:t>πρόσθεσα ένα </a:t>
-            </a:r>
-            <a:r>
-              <a:rPr lang="el-GR" b="0" baseline="0" dirty="0" smtClean="0"/>
-              <a:t>ή περισσότερα </a:t>
+              <a:t>Στο επίπεδο 2, όπου είναι το ενδιάμεσο επίπεδο, πρόσθεσα ένα ή περισσότερα </a:t>
             </a:r>
             <a:r>
               <a:rPr lang="en-US" b="0" baseline="0" dirty="0" smtClean="0"/>
@@ -806,19 +790,7 @@
             </a:r>
             <a:r>
               <a:rPr lang="el-GR" b="0" baseline="0" dirty="0" smtClean="0"/>
-              <a:t> </a:t>
-            </a:r>
-            <a:r>
-              <a:rPr lang="el-GR" b="0" baseline="0" dirty="0" smtClean="0"/>
-              <a:t>και χρησιμοποιείται </a:t>
-            </a:r>
-            <a:r>
-              <a:rPr lang="el-GR" b="0" baseline="0" dirty="0" smtClean="0"/>
-              <a:t>από το σύστημα μας για να αποθηκεύει προσωρινή πληροφορία. </a:t>
-            </a:r>
-            <a:r>
-              <a:rPr lang="el-GR" b="0" baseline="0" dirty="0" smtClean="0"/>
-              <a:t>Έκανα </a:t>
+              <a:t> και χρησιμοποιείται από το σύστημα μας για να αποθηκεύει προσωρινή πληροφορία. Έκανα </a:t>
             </a:r>
             <a:r>
               <a:rPr lang="en-US" b="0" baseline="0" dirty="0" smtClean="0"/>
@@ -830,23 +802,11 @@
             </a:r>
             <a:r>
               <a:rPr lang="en-US" b="0" baseline="0" dirty="0" smtClean="0"/>
-              <a:t>Elgg </a:t>
-            </a:r>
-            <a:r>
-              <a:rPr lang="en-US" b="0" baseline="0" dirty="0" smtClean="0"/>
-              <a:t>SNE </a:t>
+              <a:t>Elgg SNE </a:t>
             </a:r>
             <a:r>
               <a:rPr lang="el-GR" b="0" baseline="0" dirty="0" smtClean="0"/>
-              <a:t>έτσι </a:t>
-            </a:r>
-            <a:r>
-              <a:rPr lang="el-GR" b="0" baseline="0" dirty="0" smtClean="0"/>
-              <a:t>ώστε να </a:t>
-            </a:r>
-            <a:r>
-              <a:rPr lang="el-GR" b="0" baseline="0" dirty="0" smtClean="0"/>
-              <a:t>υποστηρίζει μια τέτοια </a:t>
+              <a:t>έτσι ώστε να υποστηρίζει μια τέτοια </a:t>
             </a:r>
             <a:r>
               <a:rPr lang="en-US" b="0" baseline="0" dirty="0" smtClean="0"/>
@@ -856,7 +816,6 @@
               <a:rPr lang="el-GR" b="0" baseline="0" dirty="0" smtClean="0"/>
               <a:t>τεχνική.</a:t>
             </a:r>
-            <a:endParaRPr lang="el-GR" b="0" baseline="0" dirty="0" smtClean="0"/>
           </a:p>
           <a:p>
             <a:endParaRPr lang="el-GR" b="0" baseline="0" dirty="0" smtClean="0"/>
@@ -958,19 +917,11 @@
             </a:r>
             <a:r>
               <a:rPr lang="en-US" b="0" baseline="0" dirty="0" smtClean="0"/>
-              <a:t>Social Network </a:t>
-            </a:r>
-            <a:r>
-              <a:rPr lang="en-US" b="0" baseline="0" dirty="0" smtClean="0"/>
-              <a:t>Database</a:t>
+              <a:t>Social Network Database</a:t>
             </a:r>
             <a:r>
               <a:rPr lang="el-GR" b="0" baseline="0" dirty="0" smtClean="0"/>
-              <a:t> για να εξάγει την </a:t>
-            </a:r>
-            <a:r>
-              <a:rPr lang="el-GR" b="0" baseline="0" dirty="0" smtClean="0"/>
-              <a:t>πληροφορία που έχει σχέση με το </a:t>
+              <a:t> για να εξάγει την πληροφορία που έχει σχέση με το </a:t>
             </a:r>
             <a:r>
               <a:rPr lang="en-US" b="0" baseline="0" dirty="0" smtClean="0"/>
@@ -1136,7 +1087,7 @@
         <p:spPr/>
         <p:txBody>
           <a:bodyPr>
-            <a:normAutofit lnSpcReduction="10000"/>
+            <a:normAutofit fontScale="92500"/>
           </a:bodyPr>
           <a:lstStyle/>
           <a:p>
@@ -1171,11 +1122,7 @@
           <a:p>
             <a:r>
               <a:rPr lang="el-GR" baseline="0" dirty="0" smtClean="0"/>
-              <a:t>Ας πάρομε λοιπόν, </a:t>
-            </a:r>
-            <a:r>
-              <a:rPr lang="el-GR" baseline="0" dirty="0" smtClean="0"/>
-              <a:t>ένα χρήστη του ΚΔ ο οποίος κάνει ερωτήσεις σε κάποιο </a:t>
+              <a:t>Ας πάρομε λοιπόν, ένα χρήστη του ΚΔ ο οποίος κάνει ερωτήσεις σε κάποιο </a:t>
             </a:r>
             <a:r>
               <a:rPr lang="en-US" baseline="0" dirty="0" smtClean="0"/>
@@ -1239,11 +1186,7 @@
             </a:r>
             <a:r>
               <a:rPr lang="el-GR" baseline="0" dirty="0" smtClean="0"/>
-              <a:t> με κάποιες εξωτερικές ερωτήσεις. </a:t>
-            </a:r>
-            <a:r>
-              <a:rPr lang="el-GR" baseline="0" dirty="0" smtClean="0"/>
-              <a:t>Συνήθως οι προσεγγίσεις που κατηγοριοποιούν κείμενο, χρησιμοποιούν το λεγόμενο </a:t>
+              <a:t> με κάποιες εξωτερικές ερωτήσεις. Συνήθως οι προσεγγίσεις που κατηγοριοποιούν κείμενο, χρησιμοποιούν το λεγόμενο </a:t>
             </a:r>
             <a:r>
               <a:rPr lang="en-US" baseline="0" dirty="0" smtClean="0"/>
@@ -1261,11 +1204,7 @@
           <a:p>
             <a:r>
               <a:rPr lang="el-GR" baseline="0" dirty="0" smtClean="0"/>
-              <a:t>Έτσι η δύναμη του κοινωνικού δικτύου είναι </a:t>
-            </a:r>
-            <a:r>
-              <a:rPr lang="el-GR" baseline="0" dirty="0" smtClean="0"/>
-              <a:t>ότι επιτρέπει </a:t>
+              <a:t>Έτσι η δύναμη του κοινωνικού δικτύου είναι ότι επιτρέπει </a:t>
             </a:r>
             <a:r>
               <a:rPr lang="en-US" baseline="0" dirty="0" smtClean="0"/>
@@ -1281,19 +1220,7 @@
             </a:r>
             <a:r>
               <a:rPr lang="el-GR" baseline="0" dirty="0" smtClean="0"/>
-              <a:t>-απαντήσεις </a:t>
-            </a:r>
-            <a:r>
-              <a:rPr lang="el-GR" baseline="0" dirty="0" smtClean="0"/>
-              <a:t>και έτσι όπως είναι τα πράγματα σήμερα, κάποιος μπορεί να </a:t>
-            </a:r>
-            <a:r>
-              <a:rPr lang="el-GR" baseline="0" dirty="0" smtClean="0"/>
-              <a:t>ρωτήσει, </a:t>
-            </a:r>
-            <a:r>
-              <a:rPr lang="el-GR" baseline="0" dirty="0" smtClean="0"/>
-              <a:t>κάποιος μπορεί να απαντήσει αλλά εμείς έχουμε επιπλέον τα </a:t>
+              <a:t>-απαντήσεις και έτσι όπως είναι τα πράγματα σήμερα, κάποιος μπορεί να ρωτήσει, κάποιος μπορεί να απαντήσει αλλά εμείς έχουμε επιπλέον τα </a:t>
             </a:r>
             <a:r>
               <a:rPr lang="en-US" baseline="0" dirty="0" smtClean="0"/>
@@ -1310,15 +1237,7 @@
           <a:p>
             <a:r>
               <a:rPr lang="el-GR" baseline="0" dirty="0" smtClean="0"/>
-              <a:t>Το να </a:t>
-            </a:r>
-            <a:r>
-              <a:rPr lang="el-GR" baseline="0" dirty="0" smtClean="0"/>
-              <a:t>γράψει, όμως </a:t>
-            </a:r>
-            <a:r>
-              <a:rPr lang="el-GR" baseline="0" dirty="0" smtClean="0"/>
-              <a:t>ένας χρήστης ένα </a:t>
+              <a:t>Το να γράψει, όμως ένας χρήστης ένα </a:t>
             </a:r>
             <a:r>
               <a:rPr lang="en-US" baseline="0" dirty="0" smtClean="0"/>
@@ -1334,11 +1253,7 @@
             </a:r>
             <a:r>
               <a:rPr lang="el-GR" baseline="0" dirty="0" smtClean="0"/>
-              <a:t>να φτιάχνονται αυτόματα βάση της </a:t>
-            </a:r>
-            <a:r>
-              <a:rPr lang="el-GR" baseline="0" dirty="0" smtClean="0"/>
-              <a:t>ερώτησης Ή να βρίσκεται κάποια </a:t>
+              <a:t>να φτιάχνονται αυτόματα βάση της ερώτησης Ή να βρίσκεται κάποια </a:t>
             </a:r>
             <a:r>
               <a:rPr lang="en-US" baseline="0" dirty="0" smtClean="0"/>
@@ -1642,20 +1557,17 @@
             </a:r>
             <a:r>
               <a:rPr lang="en-US" dirty="0" smtClean="0"/>
-              <a:t>What</a:t>
-            </a:r>
-            <a:r>
-              <a:rPr lang="en-US" baseline="0" dirty="0" smtClean="0"/>
-              <a:t> is the best performant and lower cost deployment for </a:t>
-            </a:r>
-            <a:r>
-              <a:rPr lang="en-US" baseline="0" dirty="0" err="1" smtClean="0"/>
+              <a:t>Which deployments of </a:t>
+            </a:r>
+            <a:r>
+              <a:rPr lang="en-US" dirty="0" err="1" smtClean="0"/>
               <a:t>JEnterprise</a:t>
             </a:r>
             <a:r>
-              <a:rPr lang="en-US" baseline="0" dirty="0" smtClean="0"/>
-              <a:t> in a multi-cloud setup? </a:t>
-            </a:r>
+              <a:rPr lang="en-US" dirty="0" smtClean="0"/>
+              <a:t> provide the best performance for the lowest cost in a multi-cloud setup?</a:t>
+            </a:r>
+            <a:endParaRPr lang="en-US" baseline="0" dirty="0" smtClean="0"/>
           </a:p>
           <a:p>
             <a:endParaRPr lang="en-US" baseline="0" dirty="0" smtClean="0"/>
@@ -1772,7 +1684,7 @@
         <p:spPr/>
         <p:txBody>
           <a:bodyPr>
-            <a:normAutofit lnSpcReduction="10000"/>
+            <a:normAutofit/>
           </a:bodyPr>
           <a:lstStyle/>
           <a:p>
@@ -1812,23 +1724,11 @@
           <a:p>
             <a:r>
               <a:rPr lang="en-US" baseline="0" dirty="0" smtClean="0"/>
-              <a:t>To </a:t>
-            </a:r>
-            <a:r>
-              <a:rPr lang="en-US" baseline="0" dirty="0" smtClean="0"/>
-              <a:t>StackOverflow </a:t>
-            </a:r>
-            <a:r>
-              <a:rPr lang="en-US" baseline="0" dirty="0" smtClean="0"/>
-              <a:t>Community</a:t>
-            </a:r>
-            <a:r>
-              <a:rPr lang="el-GR" baseline="0" dirty="0" smtClean="0"/>
-              <a:t> </a:t>
-            </a:r>
-            <a:r>
-              <a:rPr lang="el-GR" baseline="0" dirty="0" smtClean="0"/>
-              <a:t>είναι ένα ΚΔ το οποίο περιέχει</a:t>
+              <a:t>To StackOverflow Community</a:t>
+            </a:r>
+            <a:r>
+              <a:rPr lang="el-GR" baseline="0" dirty="0" smtClean="0"/>
+              <a:t> είναι ένα ΚΔ το οποίο περιέχει</a:t>
             </a:r>
             <a:r>
               <a:rPr lang="en-US" baseline="0" dirty="0" smtClean="0"/>
@@ -2083,25 +1983,13 @@
           <a:p>
             <a:r>
               <a:rPr lang="el-GR" baseline="0" dirty="0" smtClean="0"/>
-              <a:t>Προχωρώντας λοιπόν</a:t>
-            </a:r>
-            <a:r>
-              <a:rPr lang="el-GR" baseline="0" dirty="0" smtClean="0"/>
-              <a:t>,</a:t>
-            </a:r>
-          </a:p>
-          <a:p>
-            <a:r>
-              <a:rPr lang="el-GR" baseline="0" dirty="0" smtClean="0"/>
-              <a:t>Ουσιαστικά, χρησιμοποιήσαμε </a:t>
-            </a:r>
-            <a:r>
-              <a:rPr lang="el-GR" baseline="0" dirty="0" smtClean="0"/>
-              <a:t>ένα εργαλείο, </a:t>
-            </a:r>
-            <a:r>
-              <a:rPr lang="el-GR" baseline="0" dirty="0" smtClean="0"/>
-              <a:t>το οποίο δέχεται πρώτα ένα σύνολο δεδομένων, το οποίο είναι χωρισμένο σε </a:t>
+              <a:t>Προχωρώντας λοιπόν,</a:t>
+            </a:r>
+          </a:p>
+          <a:p>
+            <a:r>
+              <a:rPr lang="el-GR" baseline="0" dirty="0" smtClean="0"/>
+              <a:t>Ουσιαστικά, χρησιμοποιήσαμε ένα εργαλείο, το οποίο δέχεται πρώτα ένα σύνολο δεδομένων, το οποίο είναι χωρισμένο σε </a:t>
             </a:r>
             <a:r>
               <a:rPr lang="en-US" baseline="0" dirty="0" smtClean="0"/>
@@ -2117,64 +2005,56 @@
             </a:r>
             <a:r>
               <a:rPr lang="el-GR" baseline="0" dirty="0" smtClean="0"/>
+              <a:t> ώστε να γίνει «</a:t>
+            </a:r>
+            <a:r>
+              <a:rPr lang="en-US" baseline="0" dirty="0" smtClean="0"/>
+              <a:t>train</a:t>
+            </a:r>
+            <a:r>
+              <a:rPr lang="el-GR" baseline="0" dirty="0" smtClean="0"/>
+              <a:t>»</a:t>
+            </a:r>
+            <a:r>
+              <a:rPr lang="en-US" baseline="0" dirty="0" smtClean="0"/>
               <a:t> </a:t>
             </a:r>
             <a:r>
               <a:rPr lang="el-GR" baseline="0" dirty="0" smtClean="0"/>
-              <a:t>ώστε να γίνει «</a:t>
-            </a:r>
-            <a:r>
-              <a:rPr lang="en-US" baseline="0" dirty="0" smtClean="0"/>
-              <a:t>train</a:t>
-            </a:r>
-            <a:r>
-              <a:rPr lang="el-GR" baseline="0" dirty="0" smtClean="0"/>
-              <a:t>»</a:t>
-            </a:r>
-            <a:r>
-              <a:rPr lang="en-US" baseline="0" dirty="0" smtClean="0"/>
+              <a:t>και στην συνέχεια μπορεί με μία πιθανότητα να προσδιορίσει ένα καινούριο </a:t>
+            </a:r>
+            <a:r>
+              <a:rPr lang="en-US" baseline="0" dirty="0" smtClean="0"/>
+              <a:t>input </a:t>
+            </a:r>
+            <a:r>
+              <a:rPr lang="el-GR" baseline="0" dirty="0" smtClean="0"/>
+              <a:t>σε ποια κλάση/κατηγορία ανήκει.</a:t>
+            </a:r>
+          </a:p>
+          <a:p>
+            <a:endParaRPr lang="el-GR" baseline="0" dirty="0" smtClean="0"/>
+          </a:p>
+          <a:p>
+            <a:r>
+              <a:rPr lang="el-GR" baseline="0" dirty="0" smtClean="0"/>
+              <a:t>Αυτό το εργαλείο είναι το </a:t>
+            </a:r>
+            <a:r>
+              <a:rPr lang="en-US" baseline="0" dirty="0" smtClean="0"/>
+              <a:t>NLP</a:t>
+            </a:r>
+            <a:r>
+              <a:rPr lang="el-GR" baseline="0" dirty="0" smtClean="0"/>
               <a:t> </a:t>
             </a:r>
             <a:r>
-              <a:rPr lang="el-GR" baseline="0" dirty="0" smtClean="0"/>
-              <a:t>και στην συνέχεια μπορεί με μία πιθανότητα να προσδιορίσει ένα καινούριο </a:t>
-            </a:r>
-            <a:r>
-              <a:rPr lang="en-US" baseline="0" dirty="0" smtClean="0"/>
-              <a:t>input </a:t>
-            </a:r>
-            <a:r>
-              <a:rPr lang="el-GR" baseline="0" dirty="0" smtClean="0"/>
-              <a:t>σε ποια κλάση/κατηγορία ανήκει.</a:t>
-            </a:r>
-          </a:p>
-          <a:p>
-            <a:endParaRPr lang="el-GR" baseline="0" dirty="0" smtClean="0"/>
-          </a:p>
-          <a:p>
-            <a:r>
-              <a:rPr lang="el-GR" baseline="0" dirty="0" smtClean="0"/>
-              <a:t>Αυτό το εργαλείο είναι το </a:t>
-            </a:r>
-            <a:r>
-              <a:rPr lang="en-US" baseline="0" dirty="0" smtClean="0"/>
-              <a:t>NLP</a:t>
-            </a:r>
-            <a:r>
-              <a:rPr lang="el-GR" baseline="0" dirty="0" smtClean="0"/>
-              <a:t> </a:t>
-            </a:r>
-            <a:r>
               <a:rPr lang="en-US" baseline="0" dirty="0" smtClean="0"/>
               <a:t>topic classification </a:t>
             </a:r>
             <a:r>
               <a:rPr lang="el-GR" baseline="0" dirty="0" smtClean="0"/>
-              <a:t>και χρησιμοποιήθηκε </a:t>
-            </a:r>
-            <a:r>
-              <a:rPr lang="el-GR" baseline="0" dirty="0" smtClean="0"/>
-              <a:t>ώστε να προσδιορίζεται η κατηγορία της ερώτησης που ανεβάζουν οι χρήστες στα </a:t>
+              <a:t>και χρησιμοποιήθηκε ώστε να προσδιορίζεται η κατηγορία της ερώτησης που ανεβάζουν οι χρήστες στα </a:t>
             </a:r>
             <a:r>
               <a:rPr lang="en-US" baseline="0" dirty="0" smtClean="0"/>
@@ -2182,11 +2062,7 @@
             </a:r>
             <a:r>
               <a:rPr lang="el-GR" baseline="0" dirty="0" smtClean="0"/>
-              <a:t>του </a:t>
-            </a:r>
-            <a:r>
-              <a:rPr lang="el-GR" baseline="0" dirty="0" smtClean="0"/>
-              <a:t>ΚΔ</a:t>
+              <a:t>του ΚΔ</a:t>
             </a:r>
             <a:r>
               <a:rPr lang="en-US" baseline="0" dirty="0" smtClean="0"/>
@@ -2450,11 +2326,7 @@
             </a:pPr>
             <a:r>
               <a:rPr lang="el-GR" baseline="0" dirty="0" smtClean="0"/>
-              <a:t>Λίγο </a:t>
-            </a:r>
-            <a:r>
-              <a:rPr lang="el-GR" baseline="0" dirty="0" smtClean="0"/>
-              <a:t>πιο συγκεκριμένα για το </a:t>
+              <a:t>Λίγο πιο συγκεκριμένα για το </a:t>
             </a:r>
             <a:r>
               <a:rPr lang="en-US" baseline="0" dirty="0" smtClean="0"/>
@@ -3025,11 +2897,7 @@
             </a:r>
             <a:r>
               <a:rPr lang="el-GR" baseline="0" dirty="0" smtClean="0"/>
-              <a:t> </a:t>
-            </a:r>
-            <a:r>
-              <a:rPr lang="el-GR" baseline="0" dirty="0" smtClean="0"/>
-              <a:t>εκτενής δουλειά στην οποία συμμετείχα…</a:t>
+              <a:t> εκτενής δουλειά στην οποία συμμετείχα…</a:t>
             </a:r>
             <a:endParaRPr lang="en-US" dirty="0" smtClean="0"/>
           </a:p>
@@ -3109,15 +2977,7 @@
           <a:p>
             <a:r>
               <a:rPr lang="el-GR" baseline="0" dirty="0" smtClean="0"/>
-              <a:t>Οι </a:t>
-            </a:r>
-            <a:r>
-              <a:rPr lang="el-GR" baseline="0" dirty="0" smtClean="0"/>
-              <a:t>χρήστες που έλαβαν μέρος στην αξιολόγηση </a:t>
-            </a:r>
-            <a:r>
-              <a:rPr lang="el-GR" baseline="0" dirty="0" smtClean="0"/>
-              <a:t>είχαν γνώση του τομέα των </a:t>
+              <a:t>Οι χρήστες που έλαβαν μέρος στην αξιολόγηση είχαν γνώση του τομέα των </a:t>
             </a:r>
             <a:r>
               <a:rPr lang="en-US" baseline="0" dirty="0" smtClean="0"/>
@@ -3184,11 +3044,7 @@
           <a:p>
             <a:r>
               <a:rPr lang="el-GR" baseline="0" dirty="0" smtClean="0"/>
-              <a:t>Οι </a:t>
-            </a:r>
-            <a:r>
-              <a:rPr lang="el-GR" baseline="0" dirty="0" smtClean="0"/>
-              <a:t>χρήστες αυτοί συμμετείχαν στην αξιολόγηση η οποία έγινε ως εξής</a:t>
+              <a:t>Οι χρήστες αυτοί συμμετείχαν στην αξιολόγηση η οποία έγινε ως εξής</a:t>
             </a:r>
             <a:endParaRPr lang="el-GR" dirty="0" smtClean="0"/>
           </a:p>
@@ -3369,7 +3225,7 @@
         <p:spPr/>
         <p:txBody>
           <a:bodyPr>
-            <a:normAutofit fontScale="92500"/>
+            <a:normAutofit/>
           </a:bodyPr>
           <a:lstStyle/>
           <a:p>
@@ -4833,11 +4689,7 @@
             </a:r>
             <a:r>
               <a:rPr lang="el-GR" b="0" baseline="0" dirty="0" smtClean="0"/>
-              <a:t>διαφορετικές </a:t>
-            </a:r>
-            <a:r>
-              <a:rPr lang="el-GR" b="0" baseline="0" dirty="0" smtClean="0"/>
-              <a:t>ερωτήσεις</a:t>
+              <a:t>διαφορετικές ερωτήσεις</a:t>
             </a:r>
             <a:r>
               <a:rPr lang="en-US" b="0" baseline="0" dirty="0" smtClean="0"/>
@@ -5616,31 +5468,7 @@
                 <a:ea typeface="+mn-ea"/>
                 <a:cs typeface="+mn-cs"/>
               </a:rPr>
-              <a:t>, περιπλανιούνται στο παγκόσμιο ιστό αναζητώντας </a:t>
-            </a:r>
-            <a:r>
-              <a:rPr lang="el-GR" sz="1200" kern="1200" dirty="0" smtClean="0">
-                <a:solidFill>
-                  <a:schemeClr val="tx1"/>
-                </a:solidFill>
-                <a:effectLst/>
-                <a:latin typeface="+mn-lt"/>
-                <a:ea typeface="+mn-ea"/>
-                <a:cs typeface="+mn-cs"/>
-              </a:rPr>
-              <a:t>αυτόματα </a:t>
-            </a:r>
-            <a:r>
-              <a:rPr lang="el-GR" sz="1200" kern="1200" dirty="0" smtClean="0">
-                <a:solidFill>
-                  <a:schemeClr val="tx1"/>
-                </a:solidFill>
-                <a:effectLst/>
-                <a:latin typeface="+mn-lt"/>
-                <a:ea typeface="+mn-ea"/>
-                <a:cs typeface="+mn-cs"/>
-              </a:rPr>
-              <a:t>εργαλεία όπως: το </a:t>
+              <a:t>, περιπλανιούνται στο παγκόσμιο ιστό αναζητώντας αυτόματα εργαλεία όπως: το </a:t>
             </a:r>
             <a:r>
               <a:rPr lang="en-US" sz="1200" kern="1200" dirty="0" smtClean="0">
@@ -6292,19 +6120,7 @@
                 <a:ea typeface="+mn-ea"/>
                 <a:cs typeface="+mn-cs"/>
               </a:rPr>
-              <a:t> </a:t>
-            </a:r>
-            <a:r>
-              <a:rPr lang="el-GR" sz="1200" kern="1200" baseline="0" dirty="0" smtClean="0">
-                <a:solidFill>
-                  <a:schemeClr val="tx1"/>
-                </a:solidFill>
-                <a:effectLst/>
-                <a:latin typeface="+mn-lt"/>
-                <a:ea typeface="+mn-ea"/>
-                <a:cs typeface="+mn-cs"/>
-              </a:rPr>
-              <a:t>θέμα είναι να μπορεί κάποιος να προσδιορίσει πόσο καλό είναι ένα </a:t>
+              <a:t> θέμα είναι να μπορεί κάποιος να προσδιορίσει πόσο καλό είναι ένα </a:t>
             </a:r>
             <a:r>
               <a:rPr lang="en-US" sz="1200" kern="1200" baseline="0" dirty="0" smtClean="0">
@@ -6352,31 +6168,7 @@
                 <a:ea typeface="+mn-ea"/>
                 <a:cs typeface="+mn-cs"/>
               </a:rPr>
-              <a:t>η οποία είναι μια βασική ερώτηση, </a:t>
-            </a:r>
-            <a:r>
-              <a:rPr lang="el-GR" sz="1200" kern="1200" baseline="0" dirty="0" smtClean="0">
-                <a:solidFill>
-                  <a:schemeClr val="tx1"/>
-                </a:solidFill>
-                <a:effectLst/>
-                <a:latin typeface="+mn-lt"/>
-                <a:ea typeface="+mn-ea"/>
-                <a:cs typeface="+mn-cs"/>
-              </a:rPr>
-              <a:t>δηλαδή </a:t>
-            </a:r>
-            <a:r>
-              <a:rPr lang="el-GR" sz="1200" kern="1200" baseline="0" dirty="0" smtClean="0">
-                <a:solidFill>
-                  <a:schemeClr val="tx1"/>
-                </a:solidFill>
-                <a:effectLst/>
-                <a:latin typeface="+mn-lt"/>
-                <a:ea typeface="+mn-ea"/>
-                <a:cs typeface="+mn-cs"/>
-              </a:rPr>
-              <a:t>πόσο καλό είναι το</a:t>
+              <a:t>η οποία είναι μια βασική ερώτηση, δηλαδή πόσο καλό είναι το</a:t>
             </a:r>
             <a:r>
               <a:rPr lang="en-US" sz="1200" kern="1200" baseline="0" dirty="0" smtClean="0">
@@ -6651,31 +6443,7 @@
                 <a:ea typeface="+mn-ea"/>
                 <a:cs typeface="+mn-cs"/>
               </a:rPr>
-              <a:t>η </a:t>
-            </a:r>
-            <a:r>
-              <a:rPr lang="el-GR" sz="1200" kern="1200" baseline="0" dirty="0" smtClean="0">
-                <a:solidFill>
-                  <a:schemeClr val="tx1"/>
-                </a:solidFill>
-                <a:effectLst/>
-                <a:latin typeface="+mn-lt"/>
-                <a:ea typeface="+mn-ea"/>
-                <a:cs typeface="+mn-cs"/>
-              </a:rPr>
-              <a:t>οποία </a:t>
-            </a:r>
-            <a:r>
-              <a:rPr lang="el-GR" sz="1200" kern="1200" baseline="0" dirty="0" smtClean="0">
-                <a:solidFill>
-                  <a:schemeClr val="tx1"/>
-                </a:solidFill>
-                <a:effectLst/>
-                <a:latin typeface="+mn-lt"/>
-                <a:ea typeface="+mn-ea"/>
-                <a:cs typeface="+mn-cs"/>
-              </a:rPr>
-              <a:t>είναι μια καινούρια γλώσσα από το </a:t>
+              <a:t>η οποία είναι μια καινούρια γλώσσα από το </a:t>
             </a:r>
             <a:r>
               <a:rPr lang="en-US" sz="1200" kern="1200" baseline="0" dirty="0" smtClean="0">
@@ -6827,19 +6595,7 @@
                 <a:ea typeface="+mn-ea"/>
                 <a:cs typeface="+mn-cs"/>
               </a:rPr>
-              <a:t> πρόβλημα με αυτά τα εργαλεία </a:t>
-            </a:r>
-            <a:r>
-              <a:rPr lang="el-GR" sz="1200" kern="1200" baseline="0" dirty="0" smtClean="0">
-                <a:solidFill>
-                  <a:schemeClr val="tx1"/>
-                </a:solidFill>
-                <a:effectLst/>
-                <a:latin typeface="+mn-lt"/>
-                <a:ea typeface="+mn-ea"/>
-                <a:cs typeface="+mn-cs"/>
-              </a:rPr>
-              <a:t>που αναφέραμε, όπως το </a:t>
+              <a:t> πρόβλημα με αυτά τα εργαλεία που αναφέραμε, όπως το </a:t>
             </a:r>
             <a:r>
               <a:rPr lang="en-US" sz="1200" kern="1200" baseline="0" dirty="0" smtClean="0">
@@ -6863,19 +6619,7 @@
                 <a:ea typeface="+mn-ea"/>
                 <a:cs typeface="+mn-cs"/>
               </a:rPr>
-              <a:t>είναι </a:t>
-            </a:r>
-            <a:r>
-              <a:rPr lang="el-GR" sz="1200" kern="1200" baseline="0" dirty="0" smtClean="0">
-                <a:solidFill>
-                  <a:schemeClr val="tx1"/>
-                </a:solidFill>
-                <a:effectLst/>
-                <a:latin typeface="+mn-lt"/>
-                <a:ea typeface="+mn-ea"/>
-                <a:cs typeface="+mn-cs"/>
-              </a:rPr>
-              <a:t>ότι οι </a:t>
+              <a:t>είναι ότι οι </a:t>
             </a:r>
             <a:r>
               <a:rPr lang="en-US" sz="1200" kern="1200" baseline="0" dirty="0" smtClean="0">
@@ -7154,11 +6898,7 @@
             </a:r>
             <a:r>
               <a:rPr lang="el-GR" baseline="0" dirty="0" smtClean="0"/>
-              <a:t>χρήστες τους κάποιες διευκολύνσεις αλλά λείπει από την περιοχή ένα σύστημα το οποίο να φέρνει στους τελικούς χρήστες τους όλη την πληροφορία που χρειάζονται για μια εφαρμογή καθώς επίσης και μια κοινότητα χρηστών η οποία να τους βοηθάει και να απαντάει ερωτήσεις τους</a:t>
-            </a:r>
-            <a:r>
-              <a:rPr lang="el-GR" baseline="0" dirty="0" smtClean="0"/>
-              <a:t>. Οπότε</a:t>
+              <a:t>χρήστες τους κάποιες διευκολύνσεις αλλά λείπει από την περιοχή ένα σύστημα το οποίο να φέρνει στους τελικούς χρήστες τους όλη την πληροφορία που χρειάζονται για μια εφαρμογή καθώς επίσης και μια κοινότητα χρηστών η οποία να τους βοηθάει και να απαντάει ερωτήσεις τους. Οπότε</a:t>
             </a:r>
             <a:r>
               <a:rPr lang="en-US" baseline="0" dirty="0" smtClean="0"/>
@@ -7251,7 +6991,7 @@
         <p:spPr/>
         <p:txBody>
           <a:bodyPr>
-            <a:normAutofit lnSpcReduction="10000"/>
+            <a:normAutofit fontScale="92500" lnSpcReduction="10000"/>
           </a:bodyPr>
           <a:lstStyle/>
           <a:p>
@@ -8208,7 +7948,7 @@
         <p:spPr/>
         <p:txBody>
           <a:bodyPr>
-            <a:normAutofit lnSpcReduction="10000"/>
+            <a:normAutofit fontScale="92500"/>
           </a:bodyPr>
           <a:lstStyle/>
           <a:p>
@@ -8227,11 +7967,7 @@
           <a:p>
             <a:r>
               <a:rPr lang="el-GR" b="0" dirty="0" smtClean="0"/>
-              <a:t>Εδώ </a:t>
-            </a:r>
-            <a:r>
-              <a:rPr lang="el-GR" b="0" dirty="0" smtClean="0"/>
-              <a:t>παρουσιάζονται τα </a:t>
+              <a:t>Εδώ παρουσιάζονται τα </a:t>
             </a:r>
             <a:r>
               <a:rPr lang="en-US" b="0" dirty="0" smtClean="0"/>
@@ -8434,17 +8170,12 @@
             </a:r>
             <a:r>
               <a:rPr lang="en-US" b="0" dirty="0" smtClean="0"/>
-              <a:t>Service Level Agreements of web </a:t>
-            </a:r>
-            <a:r>
-              <a:rPr lang="en-US" b="0" dirty="0" smtClean="0"/>
-              <a:t>services</a:t>
+              <a:t>Service Level Agreements of web services</a:t>
             </a:r>
             <a:r>
               <a:rPr lang="el-GR" b="0" dirty="0" smtClean="0"/>
               <a:t>.</a:t>
             </a:r>
-            <a:endParaRPr lang="el-GR" b="0" dirty="0" smtClean="0"/>
           </a:p>
           <a:p>
             <a:r>
@@ -8453,11 +8184,7 @@
             </a:r>
             <a:r>
               <a:rPr lang="en-US" b="0" dirty="0" smtClean="0"/>
-              <a:t>Scalability </a:t>
-            </a:r>
-            <a:r>
-              <a:rPr lang="en-US" b="0" dirty="0" smtClean="0"/>
-              <a:t>Rules Language (SRL), </a:t>
+              <a:t>Scalability Rules Language (SRL), </a:t>
             </a:r>
             <a:r>
               <a:rPr lang="el-GR" b="0" dirty="0" smtClean="0"/>
@@ -8491,19 +8218,11 @@
             </a:r>
             <a:r>
               <a:rPr lang="en-US" b="0" dirty="0" smtClean="0"/>
-              <a:t>Historical </a:t>
-            </a:r>
-            <a:r>
-              <a:rPr lang="en-US" b="0" dirty="0" smtClean="0"/>
-              <a:t>Execution</a:t>
+              <a:t>Historical Execution</a:t>
             </a:r>
             <a:r>
               <a:rPr lang="en-US" b="0" baseline="0" dirty="0" smtClean="0"/>
-              <a:t> </a:t>
-            </a:r>
-            <a:r>
-              <a:rPr lang="en-US" b="0" baseline="0" dirty="0" smtClean="0"/>
-              <a:t>Data</a:t>
+              <a:t> Data</a:t>
             </a:r>
             <a:r>
               <a:rPr lang="el-GR" b="0" baseline="0" dirty="0" smtClean="0"/>
@@ -8533,11 +8252,7 @@
             </a:r>
             <a:r>
               <a:rPr lang="el-GR" b="0" baseline="0" dirty="0" smtClean="0"/>
-              <a:t> </a:t>
-            </a:r>
-            <a:r>
-              <a:rPr lang="el-GR" b="0" baseline="0" dirty="0" smtClean="0"/>
-              <a:t>…..</a:t>
+              <a:t> …..</a:t>
             </a:r>
           </a:p>
           <a:p>
@@ -8578,7 +8293,24 @@
             </a:r>
             <a:r>
               <a:rPr lang="el-GR" b="0" baseline="0" dirty="0" smtClean="0"/>
-              <a:t>μορφή.</a:t>
+              <a:t>μορφή</a:t>
+            </a:r>
+            <a:r>
+              <a:rPr lang="el-GR" b="0" baseline="0" dirty="0" smtClean="0"/>
+              <a:t>.</a:t>
+            </a:r>
+            <a:endParaRPr lang="en-US" b="0" baseline="0" dirty="0" smtClean="0"/>
+          </a:p>
+          <a:p>
+            <a:r>
+              <a:rPr lang="en-US" b="0" baseline="0" dirty="0" smtClean="0"/>
+              <a:t>Cloud ML -&gt; deployment model</a:t>
+            </a:r>
+          </a:p>
+          <a:p>
+            <a:r>
+              <a:rPr lang="en-US" b="0" baseline="0" dirty="0" smtClean="0"/>
+              <a:t>Cloud Providers -&gt; provider model</a:t>
             </a:r>
             <a:endParaRPr lang="en-US" b="0" dirty="0" smtClean="0"/>
           </a:p>
@@ -8684,11 +8416,7 @@
             </a:pPr>
             <a:r>
               <a:rPr lang="el-GR" b="0" baseline="0" dirty="0" smtClean="0"/>
-              <a:t>Το </a:t>
-            </a:r>
-            <a:r>
-              <a:rPr lang="el-GR" b="0" baseline="0" dirty="0" smtClean="0"/>
-              <a:t>δικό μου </a:t>
+              <a:t>Το δικό μου </a:t>
             </a:r>
             <a:r>
               <a:rPr lang="en-US" b="0" baseline="0" dirty="0" smtClean="0"/>
@@ -8704,23 +8432,7 @@
             </a:r>
             <a:r>
               <a:rPr lang="el-GR" b="0" baseline="0" dirty="0" smtClean="0"/>
-              <a:t>είναι </a:t>
-            </a:r>
-            <a:r>
-              <a:rPr lang="el-GR" b="0" baseline="0" dirty="0" smtClean="0"/>
-              <a:t>στο </a:t>
-            </a:r>
-            <a:r>
-              <a:rPr lang="el-GR" b="0" baseline="0" dirty="0" smtClean="0"/>
-              <a:t>κοινωνικό </a:t>
-            </a:r>
-            <a:r>
-              <a:rPr lang="el-GR" b="0" baseline="0" dirty="0" smtClean="0"/>
-              <a:t>δίκτυο</a:t>
-            </a:r>
-            <a:r>
-              <a:rPr lang="el-GR" b="0" baseline="0" dirty="0" smtClean="0"/>
-              <a:t>, όπου πήρα ένα υπάρχον σύστημα, Το </a:t>
+              <a:t>είναι στο κοινωνικό δίκτυο, όπου πήρα ένα υπάρχον σύστημα, Το </a:t>
             </a:r>
             <a:r>
               <a:rPr lang="en-US" b="0" baseline="0" dirty="0" smtClean="0"/>
@@ -9056,7 +8768,7 @@
             <a:fld id="{28F388FD-1349-4B74-B173-DEE231C45C9C}" type="datetime1">
               <a:rPr lang="en-US" smtClean="0"/>
               <a:pPr/>
-              <a:t>9/22/2015</a:t>
+              <a:t>9/24/2015</a:t>
             </a:fld>
             <a:endParaRPr lang="en-GB"/>
           </a:p>
@@ -9421,7 +9133,7 @@
             <a:fld id="{3C3A84A0-F2B7-46E0-9A1A-F54034D8EDBD}" type="datetime1">
               <a:rPr lang="en-US" smtClean="0"/>
               <a:pPr/>
-              <a:t>9/22/2015</a:t>
+              <a:t>9/24/2015</a:t>
             </a:fld>
             <a:endParaRPr lang="en-GB"/>
           </a:p>
@@ -9602,7 +9314,7 @@
             <a:fld id="{3E229035-3E06-4894-B0D5-FF6762DFC127}" type="datetime1">
               <a:rPr lang="en-US" smtClean="0"/>
               <a:pPr/>
-              <a:t>9/22/2015</a:t>
+              <a:t>9/24/2015</a:t>
             </a:fld>
             <a:endParaRPr lang="en-GB"/>
           </a:p>
@@ -9843,7 +9555,7 @@
             <a:fld id="{939D8CAB-AFAD-44F9-99B3-90A20D6DB4EE}" type="datetime1">
               <a:rPr lang="en-US" smtClean="0"/>
               <a:pPr/>
-              <a:t>9/22/2015</a:t>
+              <a:t>9/24/2015</a:t>
             </a:fld>
             <a:endParaRPr lang="en-GB"/>
           </a:p>
@@ -10118,7 +9830,7 @@
             <a:fld id="{D09FA660-D8B8-480E-80AE-E310B47D050A}" type="datetime1">
               <a:rPr lang="en-US" smtClean="0"/>
               <a:pPr/>
-              <a:t>9/22/2015</a:t>
+              <a:t>9/24/2015</a:t>
             </a:fld>
             <a:endParaRPr lang="en-GB"/>
           </a:p>
@@ -10344,7 +10056,7 @@
             <a:fld id="{428B1FCA-1F40-4707-9D4A-FC8C39D751AE}" type="datetime1">
               <a:rPr lang="en-US" smtClean="0"/>
               <a:pPr/>
-              <a:t>9/22/2015</a:t>
+              <a:t>9/24/2015</a:t>
             </a:fld>
             <a:endParaRPr lang="en-GB"/>
           </a:p>
@@ -10702,7 +10414,7 @@
             <a:fld id="{E29A0755-12E0-421D-A13C-381344A3C6C0}" type="datetime1">
               <a:rPr lang="en-US" smtClean="0"/>
               <a:pPr/>
-              <a:t>9/22/2015</a:t>
+              <a:t>9/24/2015</a:t>
             </a:fld>
             <a:endParaRPr lang="en-GB"/>
           </a:p>
@@ -10940,7 +10652,7 @@
             <a:fld id="{744C634E-EE12-4137-B0D4-C332E4335954}" type="datetime1">
               <a:rPr lang="en-US" smtClean="0"/>
               <a:pPr/>
-              <a:t>9/22/2015</a:t>
+              <a:t>9/24/2015</a:t>
             </a:fld>
             <a:endParaRPr lang="en-GB"/>
           </a:p>
@@ -11086,7 +10798,7 @@
             <a:fld id="{AD93D238-AA6B-4D3E-814E-9A3817EBE5A1}" type="datetime1">
               <a:rPr lang="en-US" smtClean="0"/>
               <a:pPr/>
-              <a:t>9/22/2015</a:t>
+              <a:t>9/24/2015</a:t>
             </a:fld>
             <a:endParaRPr lang="en-GB"/>
           </a:p>
@@ -11369,7 +11081,7 @@
             <a:fld id="{D6E12A9E-544D-4743-9F0B-884E2BF7D0B0}" type="datetime1">
               <a:rPr lang="en-US" smtClean="0"/>
               <a:pPr/>
-              <a:t>9/22/2015</a:t>
+              <a:t>9/24/2015</a:t>
             </a:fld>
             <a:endParaRPr lang="en-GB"/>
           </a:p>
@@ -11782,7 +11494,7 @@
             <a:fld id="{0EAE2EAB-07B8-4942-9591-287BBAF1E385}" type="datetime1">
               <a:rPr lang="en-US" smtClean="0"/>
               <a:pPr/>
-              <a:t>9/22/2015</a:t>
+              <a:t>9/24/2015</a:t>
             </a:fld>
             <a:endParaRPr lang="en-GB"/>
           </a:p>
@@ -12126,7 +11838,7 @@
             <a:fld id="{BABEAD1A-BFE9-4884-9063-04C5BBC12657}" type="datetime1">
               <a:rPr lang="en-US" smtClean="0"/>
               <a:pPr/>
-              <a:t>9/22/2015</a:t>
+              <a:t>9/24/2015</a:t>
             </a:fld>
             <a:endParaRPr lang="en-GB"/>
           </a:p>
@@ -13913,6 +13625,75 @@
           </a:p>
         </p:txBody>
       </p:sp>
+      <p:pic>
+        <p:nvPicPr>
+          <p:cNvPr id="10" name="Picture 9"/>
+          <p:cNvPicPr>
+            <a:picLocks noChangeAspect="1"/>
+          </p:cNvPicPr>
+          <p:nvPr/>
+        </p:nvPicPr>
+        <p:blipFill>
+          <a:blip r:embed="rId4">
+            <a:extLst>
+              <a:ext uri="{28A0092B-C50C-407E-A947-70E740481C1C}">
+                <a14:useLocalDpi xmlns:a14="http://schemas.microsoft.com/office/drawing/2010/main" val="0"/>
+              </a:ext>
+            </a:extLst>
+          </a:blip>
+          <a:stretch>
+            <a:fillRect/>
+          </a:stretch>
+        </p:blipFill>
+        <p:spPr>
+          <a:xfrm>
+            <a:off x="323528" y="1855624"/>
+            <a:ext cx="8229600" cy="3039249"/>
+          </a:xfrm>
+          <a:prstGeom prst="rect">
+            <a:avLst/>
+          </a:prstGeom>
+        </p:spPr>
+      </p:pic>
+      <p:sp>
+        <p:nvSpPr>
+          <p:cNvPr id="11" name="Rectangle 10"/>
+          <p:cNvSpPr/>
+          <p:nvPr/>
+        </p:nvSpPr>
+        <p:spPr>
+          <a:xfrm>
+            <a:off x="2843808" y="2636912"/>
+            <a:ext cx="1980000" cy="190907"/>
+          </a:xfrm>
+          <a:prstGeom prst="rect">
+            <a:avLst/>
+          </a:prstGeom>
+          <a:noFill/>
+        </p:spPr>
+        <p:style>
+          <a:lnRef idx="2">
+            <a:schemeClr val="accent6"/>
+          </a:lnRef>
+          <a:fillRef idx="1">
+            <a:schemeClr val="lt1"/>
+          </a:fillRef>
+          <a:effectRef idx="0">
+            <a:schemeClr val="accent6"/>
+          </a:effectRef>
+          <a:fontRef idx="minor">
+            <a:schemeClr val="dk1"/>
+          </a:fontRef>
+        </p:style>
+        <p:txBody>
+          <a:bodyPr rtlCol="0" anchor="ctr"/>
+          <a:lstStyle/>
+          <a:p>
+            <a:pPr algn="ctr"/>
+            <a:endParaRPr lang="el-GR"/>
+          </a:p>
+        </p:txBody>
+      </p:sp>
     </p:spTree>
     <p:extLst>
       <p:ext uri="{BB962C8B-B14F-4D97-AF65-F5344CB8AC3E}">
@@ -14054,6 +13835,112 @@
                       </p:childTnLst>
                     </p:cTn>
                   </p:par>
+                  <p:par>
+                    <p:cTn id="14" fill="hold">
+                      <p:stCondLst>
+                        <p:cond delay="indefinite"/>
+                      </p:stCondLst>
+                      <p:childTnLst>
+                        <p:par>
+                          <p:cTn id="15" fill="hold">
+                            <p:stCondLst>
+                              <p:cond delay="0"/>
+                            </p:stCondLst>
+                            <p:childTnLst>
+                              <p:par>
+                                <p:cTn id="16" presetID="6" presetClass="entr" presetSubtype="16" fill="hold" nodeType="clickEffect">
+                                  <p:stCondLst>
+                                    <p:cond delay="0"/>
+                                  </p:stCondLst>
+                                  <p:childTnLst>
+                                    <p:set>
+                                      <p:cBhvr>
+                                        <p:cTn id="17" dur="1" fill="hold">
+                                          <p:stCondLst>
+                                            <p:cond delay="0"/>
+                                          </p:stCondLst>
+                                        </p:cTn>
+                                        <p:tgtEl>
+                                          <p:spTgt spid="10"/>
+                                        </p:tgtEl>
+                                        <p:attrNameLst>
+                                          <p:attrName>style.visibility</p:attrName>
+                                        </p:attrNameLst>
+                                      </p:cBhvr>
+                                      <p:to>
+                                        <p:strVal val="visible"/>
+                                      </p:to>
+                                    </p:set>
+                                    <p:animEffect transition="in" filter="circle(in)">
+                                      <p:cBhvr>
+                                        <p:cTn id="18" dur="2000"/>
+                                        <p:tgtEl>
+                                          <p:spTgt spid="10"/>
+                                        </p:tgtEl>
+                                      </p:cBhvr>
+                                    </p:animEffect>
+                                  </p:childTnLst>
+                                </p:cTn>
+                              </p:par>
+                            </p:childTnLst>
+                          </p:cTn>
+                        </p:par>
+                      </p:childTnLst>
+                    </p:cTn>
+                  </p:par>
+                  <p:par>
+                    <p:cTn id="19" fill="hold">
+                      <p:stCondLst>
+                        <p:cond delay="indefinite"/>
+                      </p:stCondLst>
+                      <p:childTnLst>
+                        <p:par>
+                          <p:cTn id="20" fill="hold">
+                            <p:stCondLst>
+                              <p:cond delay="0"/>
+                            </p:stCondLst>
+                            <p:childTnLst>
+                              <p:par>
+                                <p:cTn id="21" presetID="10" presetClass="entr" presetSubtype="0" fill="hold" grpId="0" nodeType="clickEffect">
+                                  <p:stCondLst>
+                                    <p:cond delay="0"/>
+                                  </p:stCondLst>
+                                  <p:childTnLst>
+                                    <p:set>
+                                      <p:cBhvr>
+                                        <p:cTn id="22" dur="1" fill="hold">
+                                          <p:stCondLst>
+                                            <p:cond delay="0"/>
+                                          </p:stCondLst>
+                                        </p:cTn>
+                                        <p:tgtEl>
+                                          <p:spTgt spid="11"/>
+                                        </p:tgtEl>
+                                        <p:attrNameLst>
+                                          <p:attrName>style.visibility</p:attrName>
+                                        </p:attrNameLst>
+                                      </p:cBhvr>
+                                      <p:to>
+                                        <p:strVal val="visible"/>
+                                      </p:to>
+                                    </p:set>
+                                    <p:animEffect transition="in" filter="fade">
+                                      <p:cBhvr>
+                                        <p:cTn id="23" dur="500"/>
+                                        <p:tgtEl>
+                                          <p:spTgt spid="11"/>
+                                        </p:tgtEl>
+                                      </p:cBhvr>
+                                    </p:animEffect>
+                                  </p:childTnLst>
+                                </p:cTn>
+                              </p:par>
+                            </p:childTnLst>
+                          </p:cTn>
+                        </p:par>
+                      </p:childTnLst>
+                    </p:cTn>
+                  </p:par>
                 </p:childTnLst>
               </p:cTn>
               <p:prevCondLst>
@@ -14079,6 +13966,7 @@
       <p:bldP spid="5" grpId="0" animBg="1"/>
       <p:bldP spid="7" grpId="0" animBg="1"/>
       <p:bldP spid="8" grpId="0" animBg="1"/>
+      <p:bldP spid="11" grpId="0" animBg="1"/>
     </p:bldLst>
   </p:timing>
 </p:sld>
@@ -14285,11 +14173,7 @@
           <a:p>
             <a:r>
               <a:rPr lang="en-US" dirty="0" smtClean="0"/>
-              <a:t>Topic </a:t>
-            </a:r>
-            <a:r>
-              <a:rPr lang="en-US" dirty="0" smtClean="0"/>
-              <a:t>Classification (1/2)</a:t>
+              <a:t>Topic Classification (1/2)</a:t>
             </a:r>
             <a:endParaRPr lang="el-GR" dirty="0"/>
           </a:p>
@@ -14431,11 +14315,7 @@
           <a:p>
             <a:r>
               <a:rPr lang="en-US" dirty="0" smtClean="0"/>
-              <a:t>Topic </a:t>
-            </a:r>
-            <a:r>
-              <a:rPr lang="en-US" dirty="0" smtClean="0"/>
-              <a:t>Classification (2/2)</a:t>
+              <a:t>Topic Classification (2/2)</a:t>
             </a:r>
             <a:endParaRPr lang="el-GR" dirty="0"/>
           </a:p>
@@ -14873,7 +14753,6 @@
               <a:rPr lang="en-US" dirty="0" smtClean="0"/>
               <a:t>Focusing on User Interface</a:t>
             </a:r>
-            <a:endParaRPr lang="en-US" dirty="0" smtClean="0"/>
           </a:p>
           <a:p>
             <a:r>
@@ -14978,11 +14857,7 @@
           <a:p>
             <a:r>
               <a:rPr lang="en-US" dirty="0" smtClean="0"/>
-              <a:t>Users’ </a:t>
-            </a:r>
-            <a:r>
-              <a:rPr lang="en-US" dirty="0" smtClean="0"/>
-              <a:t>Feedback</a:t>
+              <a:t>Users’ Feedback</a:t>
             </a:r>
             <a:endParaRPr lang="el-GR" dirty="0"/>
           </a:p>
@@ -15337,15 +15212,7 @@
           <a:p>
             <a:r>
               <a:rPr lang="en-GB" dirty="0" smtClean="0"/>
-              <a:t>Design </a:t>
-            </a:r>
-            <a:r>
-              <a:rPr lang="en-GB" dirty="0" smtClean="0"/>
-              <a:t>and </a:t>
-            </a:r>
-            <a:r>
-              <a:rPr lang="en-GB" dirty="0" smtClean="0"/>
-              <a:t>Implementation</a:t>
+              <a:t>Design and Implementation</a:t>
             </a:r>
             <a:endParaRPr lang="en-GB" sz="2000" dirty="0" smtClean="0"/>
           </a:p>
@@ -18454,13 +18321,8 @@
             <a:pPr lvl="1"/>
             <a:r>
               <a:rPr lang="en-US" dirty="0" smtClean="0"/>
-              <a:t>Extensive </a:t>
-            </a:r>
-            <a:r>
-              <a:rPr lang="en-US" dirty="0" smtClean="0"/>
-              <a:t>user evaluation</a:t>
-            </a:r>
-            <a:endParaRPr lang="en-US" dirty="0" smtClean="0"/>
+              <a:t>Extensive user evaluation</a:t>
+            </a:r>
           </a:p>
           <a:p>
             <a:pPr lvl="1"/>
@@ -19580,11 +19442,7 @@
             </a:r>
             <a:r>
               <a:rPr lang="en-US" dirty="0" smtClean="0"/>
-              <a:t>ngineering </a:t>
-            </a:r>
-            <a:r>
-              <a:rPr lang="en-US" dirty="0" smtClean="0"/>
-              <a:t>Aspects</a:t>
+              <a:t>ngineering Aspects</a:t>
             </a:r>
             <a:endParaRPr lang="en-GB" dirty="0"/>
           </a:p>

--- a/presentation/presentation.pptx
+++ b/presentation/presentation.pptx
@@ -8293,11 +8293,7 @@
             </a:r>
             <a:r>
               <a:rPr lang="el-GR" b="0" baseline="0" dirty="0" smtClean="0"/>
-              <a:t>μορφή</a:t>
-            </a:r>
-            <a:r>
-              <a:rPr lang="el-GR" b="0" baseline="0" dirty="0" smtClean="0"/>
-              <a:t>.</a:t>
+              <a:t>μορφή.</a:t>
             </a:r>
             <a:endParaRPr lang="en-US" b="0" baseline="0" dirty="0" smtClean="0"/>
           </a:p>
@@ -15764,7 +15760,7 @@
           <p:nvPr>
             <p:extLst>
               <p:ext uri="{D42A27DB-BD31-4B8C-83A1-F6EECF244321}">
-                <p14:modId xmlns:p14="http://schemas.microsoft.com/office/powerpoint/2010/main" val="3800732951"/>
+                <p14:modId xmlns:p14="http://schemas.microsoft.com/office/powerpoint/2010/main" val="3175673327"/>
               </p:ext>
             </p:extLst>
           </p:nvPr>
@@ -16102,7 +16098,19 @@
                         <a:rPr lang="en-US" dirty="0" smtClean="0">
                           <a:latin typeface="Adobe Caslon Pro" panose="0205050205050A020403" pitchFamily="18" charset="0"/>
                         </a:rPr>
-                        <a:t>Two Memcached node</a:t>
+                        <a:t>Two </a:t>
+                      </a:r>
+                      <a:r>
+                        <a:rPr lang="en-US" dirty="0" smtClean="0">
+                          <a:latin typeface="Adobe Caslon Pro" panose="0205050205050A020403" pitchFamily="18" charset="0"/>
+                        </a:rPr>
+                        <a:t>memcached </a:t>
+                      </a:r>
+                      <a:r>
+                        <a:rPr lang="en-US" dirty="0" smtClean="0">
+                          <a:latin typeface="Adobe Caslon Pro" panose="0205050205050A020403" pitchFamily="18" charset="0"/>
+                        </a:rPr>
+                        <a:t>node</a:t>
                       </a:r>
                       <a:endParaRPr lang="el-GR" dirty="0" smtClean="0"/>
                     </a:p>
@@ -17528,8 +17536,8 @@
           <a:lstStyle/>
           <a:p>
             <a:r>
-              <a:rPr lang="en-US" dirty="0" smtClean="0"/>
-              <a:t>NLP classification evaluation</a:t>
+              <a:rPr lang="en-US" dirty="0"/>
+              <a:t>Evaluation of classification </a:t>
             </a:r>
             <a:endParaRPr lang="el-GR" dirty="0"/>
           </a:p>
@@ -18741,7 +18749,7 @@
         </p:blipFill>
         <p:spPr>
           <a:xfrm>
-            <a:off x="5940152" y="1283406"/>
+            <a:off x="6786578" y="1243316"/>
             <a:ext cx="1714512" cy="2217602"/>
           </a:xfrm>
           <a:prstGeom prst="rect">
@@ -18775,7 +18783,7 @@
       </p:pic>
       <p:pic>
         <p:nvPicPr>
-          <p:cNvPr id="9" name="8 - Εικόνα" descr="Logo-CDO.png"/>
+          <p:cNvPr id="10" name="9 - Εικόνα" descr="chef_logo.png"/>
           <p:cNvPicPr>
             <a:picLocks noChangeAspect="1"/>
           </p:cNvPicPr>
@@ -18783,30 +18791,6 @@
         </p:nvPicPr>
         <p:blipFill>
           <a:blip r:embed="rId6" cstate="print"/>
-          <a:stretch>
-            <a:fillRect/>
-          </a:stretch>
-        </p:blipFill>
-        <p:spPr>
-          <a:xfrm>
-            <a:off x="7358082" y="3286124"/>
-            <a:ext cx="1447797" cy="904873"/>
-          </a:xfrm>
-          <a:prstGeom prst="rect">
-            <a:avLst/>
-          </a:prstGeom>
-        </p:spPr>
-      </p:pic>
-      <p:pic>
-        <p:nvPicPr>
-          <p:cNvPr id="10" name="9 - Εικόνα" descr="chef_logo.png"/>
-          <p:cNvPicPr>
-            <a:picLocks noChangeAspect="1"/>
-          </p:cNvPicPr>
-          <p:nvPr/>
-        </p:nvPicPr>
-        <p:blipFill>
-          <a:blip r:embed="rId7" cstate="print"/>
           <a:stretch>
             <a:fillRect/>
           </a:stretch>
@@ -18876,7 +18860,7 @@
           <p:nvPr/>
         </p:nvPicPr>
         <p:blipFill>
-          <a:blip r:embed="rId8">
+          <a:blip r:embed="rId7">
             <a:extLst>
               <a:ext uri="{28A0092B-C50C-407E-A947-70E740481C1C}">
                 <a14:useLocalDpi xmlns:a14="http://schemas.microsoft.com/office/drawing/2010/main" val="0"/>
@@ -18906,7 +18890,7 @@
           <p:nvPr/>
         </p:nvPicPr>
         <p:blipFill>
-          <a:blip r:embed="rId9" cstate="print">
+          <a:blip r:embed="rId8" cstate="print">
             <a:extLst>
               <a:ext uri="{28A0092B-C50C-407E-A947-70E740481C1C}">
                 <a14:useLocalDpi xmlns:a14="http://schemas.microsoft.com/office/drawing/2010/main" val="0"/>
@@ -19257,41 +19241,6 @@
                                   </p:childTnLst>
                                 </p:cTn>
                               </p:par>
-                              <p:par>
-                                <p:cTn id="28" presetID="14" presetClass="entr" presetSubtype="10" fill="hold" nodeType="withEffect">
-                                  <p:stCondLst>
-                                    <p:cond delay="0"/>
-                                  </p:stCondLst>
-                                  <p:childTnLst>
-                                    <p:set>
-                                      <p:cBhvr>
-                                        <p:cTn id="29" dur="1" fill="hold">
-                                          <p:stCondLst>
-                                            <p:cond delay="0"/>
-                                          </p:stCondLst>
-                                        </p:cTn>
-                                        <p:tgtEl>
-                                          <p:spTgt spid="9"/>
-                                        </p:tgtEl>
-                                        <p:attrNameLst>
-                                          <p:attrName>style.visibility</p:attrName>
-                                        </p:attrNameLst>
-                                      </p:cBhvr>
-                                      <p:to>
-                                        <p:strVal val="visible"/>
-                                      </p:to>
-                                    </p:set>
-                                    <p:animEffect transition="in" filter="randombar(horizontal)">
-                                      <p:cBhvr>
-                                        <p:cTn id="30" dur="500"/>
-                                        <p:tgtEl>
-                                          <p:spTgt spid="9"/>
-                                        </p:tgtEl>
-                                      </p:cBhvr>
-                                    </p:animEffect>
-                                  </p:childTnLst>
-                                </p:cTn>
-                              </p:par>
                             </p:childTnLst>
                           </p:cTn>
                         </p:par>
@@ -19299,26 +19248,26 @@
                     </p:cTn>
                   </p:par>
                   <p:par>
-                    <p:cTn id="31" fill="hold">
+                    <p:cTn id="28" fill="hold">
                       <p:stCondLst>
                         <p:cond delay="indefinite"/>
                       </p:stCondLst>
                       <p:childTnLst>
                         <p:par>
-                          <p:cTn id="32" fill="hold">
+                          <p:cTn id="29" fill="hold">
                             <p:stCondLst>
                               <p:cond delay="0"/>
                             </p:stCondLst>
                             <p:childTnLst>
                               <p:par>
-                                <p:cTn id="33" presetID="1" presetClass="entr" presetSubtype="0" fill="hold" nodeType="clickEffect">
+                                <p:cTn id="30" presetID="1" presetClass="entr" presetSubtype="0" fill="hold" nodeType="clickEffect">
                                   <p:stCondLst>
                                     <p:cond delay="0"/>
                                   </p:stCondLst>
                                   <p:childTnLst>
                                     <p:set>
                                       <p:cBhvr>
-                                        <p:cTn id="34" dur="1" fill="hold">
+                                        <p:cTn id="31" dur="1" fill="hold">
                                           <p:stCondLst>
                                             <p:cond delay="0"/>
                                           </p:stCondLst>
@@ -19338,14 +19287,14 @@
                                 </p:cTn>
                               </p:par>
                               <p:par>
-                                <p:cTn id="35" presetID="1" presetClass="entr" presetSubtype="0" fill="hold" grpId="0" nodeType="withEffect">
+                                <p:cTn id="32" presetID="1" presetClass="entr" presetSubtype="0" fill="hold" grpId="0" nodeType="withEffect">
                                   <p:stCondLst>
                                     <p:cond delay="0"/>
                                   </p:stCondLst>
                                   <p:childTnLst>
                                     <p:set>
                                       <p:cBhvr>
-                                        <p:cTn id="36" dur="1" fill="hold">
+                                        <p:cTn id="33" dur="1" fill="hold">
                                           <p:stCondLst>
                                             <p:cond delay="0"/>
                                           </p:stCondLst>

--- a/presentation/presentation.pptx
+++ b/presentation/presentation.pptx
@@ -36,7 +36,7 @@
     <p:sldId id="299" r:id="rId27"/>
   </p:sldIdLst>
   <p:sldSz cx="9144000" cy="6858000" type="screen4x3"/>
-  <p:notesSz cx="6858000" cy="9144000"/>
+  <p:notesSz cx="3059113" cy="5164138"/>
   <p:defaultTextStyle>
     <a:defPPr>
       <a:defRPr lang="en-US"/>
@@ -186,17 +186,17 @@
         <p:spPr>
           <a:xfrm>
             <a:off x="0" y="0"/>
-            <a:ext cx="2971800" cy="457200"/>
+            <a:ext cx="1325616" cy="258207"/>
           </a:xfrm>
           <a:prstGeom prst="rect">
             <a:avLst/>
           </a:prstGeom>
         </p:spPr>
         <p:txBody>
-          <a:bodyPr vert="horz" lIns="91440" tIns="45720" rIns="91440" bIns="45720" rtlCol="0"/>
+          <a:bodyPr vert="horz" lIns="46982" tIns="23491" rIns="46982" bIns="23491" rtlCol="0"/>
           <a:lstStyle>
             <a:lvl1pPr algn="l">
-              <a:defRPr sz="1200"/>
+              <a:defRPr sz="600"/>
             </a:lvl1pPr>
           </a:lstStyle>
           <a:p>
@@ -216,25 +216,25 @@
         </p:nvSpPr>
         <p:spPr>
           <a:xfrm>
-            <a:off x="3884613" y="0"/>
-            <a:ext cx="2971800" cy="457200"/>
+            <a:off x="1732789" y="0"/>
+            <a:ext cx="1325616" cy="258207"/>
           </a:xfrm>
           <a:prstGeom prst="rect">
             <a:avLst/>
           </a:prstGeom>
         </p:spPr>
         <p:txBody>
-          <a:bodyPr vert="horz" lIns="91440" tIns="45720" rIns="91440" bIns="45720" rtlCol="0"/>
+          <a:bodyPr vert="horz" lIns="46982" tIns="23491" rIns="46982" bIns="23491" rtlCol="0"/>
           <a:lstStyle>
             <a:lvl1pPr algn="r">
-              <a:defRPr sz="1200"/>
+              <a:defRPr sz="600"/>
             </a:lvl1pPr>
           </a:lstStyle>
           <a:p>
             <a:fld id="{35A36A6E-E9C2-465F-AFBE-66735C017D69}" type="datetimeFigureOut">
               <a:rPr lang="en-US" smtClean="0"/>
               <a:pPr/>
-              <a:t>9/24/2015</a:t>
+              <a:t>9/26/2015</a:t>
             </a:fld>
             <a:endParaRPr lang="en-GB"/>
           </a:p>
@@ -252,8 +252,8 @@
         </p:nvSpPr>
         <p:spPr>
           <a:xfrm>
-            <a:off x="1143000" y="685800"/>
-            <a:ext cx="4572000" cy="3429000"/>
+            <a:off x="239713" y="387350"/>
+            <a:ext cx="2579687" cy="1936750"/>
           </a:xfrm>
           <a:prstGeom prst="rect">
             <a:avLst/>
@@ -266,7 +266,7 @@
           </a:ln>
         </p:spPr>
         <p:txBody>
-          <a:bodyPr vert="horz" lIns="91440" tIns="45720" rIns="91440" bIns="45720" rtlCol="0" anchor="ctr"/>
+          <a:bodyPr vert="horz" lIns="46982" tIns="23491" rIns="46982" bIns="23491" rtlCol="0" anchor="ctr"/>
           <a:lstStyle/>
           <a:p>
             <a:endParaRPr lang="en-GB"/>
@@ -285,15 +285,15 @@
         </p:nvSpPr>
         <p:spPr>
           <a:xfrm>
-            <a:off x="685800" y="4343400"/>
-            <a:ext cx="5486400" cy="4114800"/>
+            <a:off x="305912" y="2452966"/>
+            <a:ext cx="2447290" cy="2323862"/>
           </a:xfrm>
           <a:prstGeom prst="rect">
             <a:avLst/>
           </a:prstGeom>
         </p:spPr>
         <p:txBody>
-          <a:bodyPr vert="horz" lIns="91440" tIns="45720" rIns="91440" bIns="45720" rtlCol="0">
+          <a:bodyPr vert="horz" lIns="46982" tIns="23491" rIns="46982" bIns="23491" rtlCol="0">
             <a:normAutofit/>
           </a:bodyPr>
           <a:lstStyle/>
@@ -347,18 +347,18 @@
         </p:nvSpPr>
         <p:spPr>
           <a:xfrm>
-            <a:off x="0" y="8685213"/>
-            <a:ext cx="2971800" cy="457200"/>
+            <a:off x="0" y="4905035"/>
+            <a:ext cx="1325616" cy="258207"/>
           </a:xfrm>
           <a:prstGeom prst="rect">
             <a:avLst/>
           </a:prstGeom>
         </p:spPr>
         <p:txBody>
-          <a:bodyPr vert="horz" lIns="91440" tIns="45720" rIns="91440" bIns="45720" rtlCol="0" anchor="b"/>
+          <a:bodyPr vert="horz" lIns="46982" tIns="23491" rIns="46982" bIns="23491" rtlCol="0" anchor="b"/>
           <a:lstStyle>
             <a:lvl1pPr algn="l">
-              <a:defRPr sz="1200"/>
+              <a:defRPr sz="600"/>
             </a:lvl1pPr>
           </a:lstStyle>
           <a:p>
@@ -378,18 +378,18 @@
         </p:nvSpPr>
         <p:spPr>
           <a:xfrm>
-            <a:off x="3884613" y="8685213"/>
-            <a:ext cx="2971800" cy="457200"/>
+            <a:off x="1732789" y="4905035"/>
+            <a:ext cx="1325616" cy="258207"/>
           </a:xfrm>
           <a:prstGeom prst="rect">
             <a:avLst/>
           </a:prstGeom>
         </p:spPr>
         <p:txBody>
-          <a:bodyPr vert="horz" lIns="91440" tIns="45720" rIns="91440" bIns="45720" rtlCol="0" anchor="b"/>
+          <a:bodyPr vert="horz" lIns="46982" tIns="23491" rIns="46982" bIns="23491" rtlCol="0" anchor="b"/>
           <a:lstStyle>
             <a:lvl1pPr algn="r">
-              <a:defRPr sz="1200"/>
+              <a:defRPr sz="600"/>
             </a:lvl1pPr>
           </a:lstStyle>
           <a:p>
@@ -666,7 +666,7 @@
         <p:spPr/>
         <p:txBody>
           <a:bodyPr>
-            <a:normAutofit fontScale="92500" lnSpcReduction="20000"/>
+            <a:normAutofit fontScale="40000" lnSpcReduction="20000"/>
           </a:bodyPr>
           <a:lstStyle/>
           <a:p>
@@ -1087,7 +1087,7 @@
         <p:spPr/>
         <p:txBody>
           <a:bodyPr>
-            <a:normAutofit fontScale="92500"/>
+            <a:normAutofit fontScale="47500" lnSpcReduction="20000"/>
           </a:bodyPr>
           <a:lstStyle/>
           <a:p>
@@ -1261,8 +1261,13 @@
             </a:r>
             <a:r>
               <a:rPr lang="el-GR" baseline="0" dirty="0" smtClean="0"/>
-              <a:t>απάντηση πάνω στο ίδιο θέμα.</a:t>
-            </a:r>
+              <a:t>απάντηση πάνω στο ίδιο θέμα</a:t>
+            </a:r>
+            <a:r>
+              <a:rPr lang="el-GR" baseline="0" dirty="0" smtClean="0"/>
+              <a:t>. </a:t>
+            </a:r>
+            <a:endParaRPr lang="el-GR" baseline="0" dirty="0" smtClean="0"/>
           </a:p>
         </p:txBody>
       </p:sp>
@@ -1345,17 +1350,21 @@
         <p:spPr/>
         <p:txBody>
           <a:bodyPr>
-            <a:normAutofit lnSpcReduction="10000"/>
+            <a:normAutofit fontScale="47500" lnSpcReduction="20000"/>
           </a:bodyPr>
           <a:lstStyle/>
           <a:p>
             <a:r>
+              <a:rPr lang="el-GR" baseline="0" dirty="0" smtClean="0"/>
+              <a:t>Έτσι σε μία ερώτηση ενός χρήστη </a:t>
+            </a:r>
+            <a:r>
               <a:rPr lang="el-GR" dirty="0" smtClean="0"/>
-              <a:t>Να</a:t>
-            </a:r>
-            <a:r>
-              <a:rPr lang="el-GR" baseline="0" dirty="0" smtClean="0"/>
-              <a:t> ένα παράδειγμα όπου μια ερώτηση γίνεται </a:t>
+              <a:t>όπως αυτή, θέλουμε να μπορεί να </a:t>
+            </a:r>
+            <a:r>
+              <a:rPr lang="el-GR" baseline="0" dirty="0" smtClean="0"/>
+              <a:t>γίνεται </a:t>
             </a:r>
             <a:r>
               <a:rPr lang="en-US" baseline="0" dirty="0" smtClean="0"/>
@@ -1463,7 +1472,11 @@
             </a:r>
             <a:r>
               <a:rPr lang="en-US" baseline="0" dirty="0" smtClean="0"/>
-              <a:t>cost effectiveness</a:t>
+              <a:t>cost </a:t>
+            </a:r>
+            <a:r>
+              <a:rPr lang="en-US" baseline="0" dirty="0" smtClean="0"/>
+              <a:t>effective</a:t>
             </a:r>
             <a:r>
               <a:rPr lang="el-GR" baseline="0" dirty="0" smtClean="0"/>
@@ -1504,7 +1517,19 @@
           <a:p>
             <a:r>
               <a:rPr lang="el-GR" baseline="0" dirty="0" smtClean="0"/>
-              <a:t>Κάποιος θα μπορούσε να κοιτάξει έναν μηχανικό σχηματισμό των </a:t>
+              <a:t>Όμως αυτή την περίπτωση δεν την έχουμε γενικεύσει. Κάποιος </a:t>
+            </a:r>
+            <a:r>
+              <a:rPr lang="el-GR" baseline="0" dirty="0" smtClean="0"/>
+              <a:t>θα μπορούσε να κοιτάξει έναν </a:t>
+            </a:r>
+            <a:r>
+              <a:rPr lang="el-GR" baseline="0" dirty="0" smtClean="0"/>
+              <a:t>αυτόματο μηχανικό </a:t>
+            </a:r>
+            <a:r>
+              <a:rPr lang="el-GR" baseline="0" dirty="0" smtClean="0"/>
+              <a:t>σχηματισμό των </a:t>
             </a:r>
             <a:r>
               <a:rPr lang="en-US" baseline="0" dirty="0" smtClean="0"/>
@@ -1512,7 +1537,11 @@
             </a:r>
             <a:r>
               <a:rPr lang="el-GR" baseline="0" dirty="0" smtClean="0"/>
-              <a:t>Εμείς θεωρούμε ότι αυτό είναι δύσκολο. Αυτό που κάναμε είναι κάτι το ενδιάμεσο. Εφόσον έχουμε το μηχανισμό να κάνουμε </a:t>
+              <a:t>Αυτό είναι ένα ενδιαφέρον πρόβλημα, αλλά αυτό από μόνο του ξεφεύγει από τα όρια της δικής μου εργασίας και θα ήταν μια καλή μελλοντική δουλειά. </a:t>
+            </a:r>
+            <a:r>
+              <a:rPr lang="el-GR" baseline="0" dirty="0" smtClean="0"/>
+              <a:t>Εφόσον έχουμε το μηχανισμό να κάνουμε </a:t>
             </a:r>
             <a:r>
               <a:rPr lang="en-US" baseline="0" dirty="0" smtClean="0"/>
@@ -1532,16 +1561,25 @@
             </a:r>
             <a:r>
               <a:rPr lang="en-US" baseline="0" dirty="0" smtClean="0"/>
-              <a:t>query </a:t>
-            </a:r>
-            <a:r>
-              <a:rPr lang="el-GR" baseline="0" dirty="0" smtClean="0"/>
-              <a:t>και το σύστημα από μόνο του μετά να εμφανίζει αυτή την απάντηση. </a:t>
+              <a:t>query</a:t>
+            </a:r>
+            <a:r>
+              <a:rPr lang="el-GR" baseline="0" dirty="0" smtClean="0"/>
+              <a:t> και να δίνει στον σύστημα την απάντηση</a:t>
+            </a:r>
+            <a:r>
+              <a:rPr lang="en-US" baseline="0" dirty="0" smtClean="0"/>
+              <a:t> </a:t>
+            </a:r>
+            <a:r>
+              <a:rPr lang="el-GR" baseline="0" dirty="0" smtClean="0"/>
+              <a:t>και το σύστημα από μόνο του μετά να εμφανίζει αυτή την </a:t>
+            </a:r>
+            <a:r>
+              <a:rPr lang="el-GR" baseline="0" dirty="0" smtClean="0"/>
+              <a:t>απάντηση και σε άλλες σχετικές ερωτήσεις. </a:t>
             </a:r>
             <a:endParaRPr lang="en-US" baseline="0" dirty="0" smtClean="0"/>
-          </a:p>
-          <a:p>
-            <a:endParaRPr lang="en-US" dirty="0" smtClean="0"/>
           </a:p>
           <a:p>
             <a:endParaRPr lang="en-US" dirty="0" smtClean="0"/>
@@ -1553,53 +1591,33 @@
             </a:r>
             <a:r>
               <a:rPr lang="el-GR" baseline="0" dirty="0" smtClean="0"/>
-              <a:t> ερχόταν μια ερώτηση όπως… </a:t>
-            </a:r>
-            <a:r>
-              <a:rPr lang="en-US" dirty="0" smtClean="0"/>
-              <a:t>Which deployments of </a:t>
-            </a:r>
-            <a:r>
-              <a:rPr lang="en-US" dirty="0" err="1" smtClean="0"/>
-              <a:t>JEnterprise</a:t>
-            </a:r>
-            <a:r>
-              <a:rPr lang="en-US" dirty="0" smtClean="0"/>
-              <a:t> provide the best performance for the lowest cost in a multi-cloud setup?</a:t>
+              <a:t> </a:t>
+            </a:r>
+            <a:r>
+              <a:rPr lang="el-GR" baseline="0" dirty="0" smtClean="0"/>
+              <a:t>έρθει </a:t>
+            </a:r>
+            <a:r>
+              <a:rPr lang="el-GR" baseline="0" dirty="0" smtClean="0"/>
+              <a:t>μια </a:t>
+            </a:r>
+            <a:r>
+              <a:rPr lang="el-GR" baseline="0" dirty="0" smtClean="0"/>
+              <a:t>σχετική ερώτηση όπως αυτή που λέει ακριβώς το ίδιο πράγμα διαφορετικά εκφρασμένο, τότε μπορούμε να επωφεληθούμε γιατί η προηγούμενη απάντηση χρησιμοποιείτε και εδώ</a:t>
             </a:r>
             <a:endParaRPr lang="en-US" baseline="0" dirty="0" smtClean="0"/>
           </a:p>
           <a:p>
+            <a:r>
+              <a:rPr lang="el-GR" baseline="0" dirty="0" smtClean="0"/>
+              <a:t>Το ερώτημα είναι πως μπορούμε να αντιστοιχίσουμε την ερώτηση αυτή στην προηγούμενη.</a:t>
+            </a:r>
             <a:endParaRPr lang="en-US" baseline="0" dirty="0" smtClean="0"/>
           </a:p>
           <a:p>
             <a:r>
               <a:rPr lang="el-GR" baseline="0" dirty="0" smtClean="0"/>
-              <a:t>Στόχος να κάνουμε </a:t>
-            </a:r>
-            <a:r>
-              <a:rPr lang="en-US" baseline="0" dirty="0" smtClean="0"/>
-              <a:t>narrow-down</a:t>
-            </a:r>
-            <a:r>
-              <a:rPr lang="el-GR" baseline="0" dirty="0" smtClean="0"/>
-              <a:t> τις </a:t>
-            </a:r>
-            <a:r>
-              <a:rPr lang="en-US" baseline="0" dirty="0" smtClean="0"/>
-              <a:t>classes</a:t>
-            </a:r>
-            <a:r>
-              <a:rPr lang="el-GR" baseline="0" dirty="0" smtClean="0"/>
-              <a:t>, ώστε να μειώσουμε όσον το δυνατόν περισσότερο τις πιθανές </a:t>
-            </a:r>
-            <a:r>
-              <a:rPr lang="el-GR" baseline="0" dirty="0" err="1" smtClean="0"/>
-              <a:t>απαντησεις</a:t>
-            </a:r>
-            <a:r>
-              <a:rPr lang="en-US" baseline="0" dirty="0" smtClean="0"/>
-              <a:t>.</a:t>
+              <a:t>Για να το κάνουμε αυτό πήγαμε σε κάποιο άλλον ΚΔ.</a:t>
             </a:r>
             <a:endParaRPr lang="el-GR" dirty="0"/>
           </a:p>
@@ -1684,47 +1702,27 @@
         <p:spPr/>
         <p:txBody>
           <a:bodyPr>
-            <a:normAutofit/>
+            <a:normAutofit fontScale="47500" lnSpcReduction="20000"/>
           </a:bodyPr>
           <a:lstStyle/>
           <a:p>
             <a:r>
               <a:rPr lang="el-GR" dirty="0" smtClean="0"/>
-              <a:t>Ως </a:t>
-            </a:r>
-            <a:r>
-              <a:rPr lang="en-US" dirty="0" smtClean="0"/>
-              <a:t>training</a:t>
-            </a:r>
-            <a:r>
-              <a:rPr lang="en-US" baseline="0" dirty="0" smtClean="0"/>
-              <a:t> data </a:t>
-            </a:r>
-            <a:r>
-              <a:rPr lang="el-GR" baseline="0" dirty="0" smtClean="0"/>
-              <a:t>χρησιμοποιήθηκαν ερωτήσεις από το </a:t>
-            </a:r>
-            <a:r>
-              <a:rPr lang="en-US" baseline="0" dirty="0" smtClean="0"/>
-              <a:t>SO. </a:t>
-            </a:r>
-            <a:r>
-              <a:rPr lang="el-GR" baseline="0" dirty="0" smtClean="0"/>
-              <a:t>Εκεί υπάρχει αρκετή πληροφορία η οποία θα ενδιέφερε τους </a:t>
-            </a:r>
-            <a:r>
-              <a:rPr lang="en-US" baseline="0" dirty="0" smtClean="0"/>
-              <a:t>DevOps </a:t>
-            </a:r>
-            <a:r>
-              <a:rPr lang="el-GR" baseline="0" dirty="0" smtClean="0"/>
-              <a:t>χρήστες. </a:t>
-            </a:r>
-          </a:p>
-          <a:p>
-            <a:r>
-              <a:rPr lang="en-US" baseline="0" dirty="0" smtClean="0"/>
-              <a:t>To StackOverflow Community</a:t>
+              <a:t>Γιατί</a:t>
+            </a:r>
+            <a:r>
+              <a:rPr lang="el-GR" baseline="0" dirty="0" smtClean="0"/>
+              <a:t> πήγαμε εδώ;;</a:t>
+            </a:r>
+          </a:p>
+          <a:p>
+            <a:r>
+              <a:rPr lang="en-US" baseline="0" dirty="0" smtClean="0"/>
+              <a:t>To </a:t>
+            </a:r>
+            <a:r>
+              <a:rPr lang="en-US" baseline="0" dirty="0" smtClean="0"/>
+              <a:t>StackOverflow Community</a:t>
             </a:r>
             <a:r>
               <a:rPr lang="el-GR" baseline="0" dirty="0" smtClean="0"/>
@@ -1753,28 +1751,6 @@
             <a:r>
               <a:rPr lang="el-GR" baseline="0" dirty="0" smtClean="0"/>
               <a:t>κοινότητες.</a:t>
-            </a:r>
-          </a:p>
-          <a:p>
-            <a:r>
-              <a:rPr lang="el-GR" baseline="0" dirty="0" smtClean="0"/>
-              <a:t>Έτσι χρησιμοποιήσαμε ερωτήσεις με σχετικά</a:t>
-            </a:r>
-            <a:r>
-              <a:rPr lang="en-US" baseline="0" dirty="0" smtClean="0"/>
-              <a:t> tags </a:t>
-            </a:r>
-            <a:r>
-              <a:rPr lang="el-GR" baseline="0" dirty="0" smtClean="0"/>
-              <a:t>για να μπορούμε να κάνουμε </a:t>
-            </a:r>
-            <a:r>
-              <a:rPr lang="en-US" baseline="0" dirty="0" smtClean="0"/>
-              <a:t>train </a:t>
-            </a:r>
-            <a:r>
-              <a:rPr lang="el-GR" baseline="0" dirty="0" smtClean="0"/>
-              <a:t>το δικό μας δίκτυο.</a:t>
             </a:r>
           </a:p>
           <a:p>
@@ -1830,29 +1806,59 @@
             <a:endParaRPr lang="el-GR" baseline="0" dirty="0" smtClean="0"/>
           </a:p>
           <a:p>
-            <a:r>
-              <a:rPr lang="el-GR" baseline="0" dirty="0" smtClean="0"/>
-              <a:t>Τα </a:t>
-            </a:r>
-            <a:r>
-              <a:rPr lang="en-US" baseline="0" dirty="0" smtClean="0"/>
-              <a:t>tags </a:t>
-            </a:r>
-            <a:r>
-              <a:rPr lang="el-GR" baseline="0" dirty="0" smtClean="0"/>
-              <a:t>αυτά χρησιμοποιήθηκαν ως κατηγορίες για τον δικό μας </a:t>
-            </a:r>
-            <a:r>
-              <a:rPr lang="en-US" baseline="0" dirty="0" smtClean="0"/>
-              <a:t>classifier.</a:t>
-            </a:r>
-          </a:p>
-          <a:p>
             <a:endParaRPr lang="el-GR" baseline="0" dirty="0" smtClean="0"/>
           </a:p>
           <a:p>
             <a:r>
               <a:rPr lang="el-GR" baseline="0" dirty="0" smtClean="0"/>
+              <a:t>Τι κάναμε;;</a:t>
+            </a:r>
+          </a:p>
+          <a:p>
+            <a:r>
+              <a:rPr lang="el-GR" baseline="0" dirty="0" smtClean="0"/>
+              <a:t>Έτσι </a:t>
+            </a:r>
+            <a:r>
+              <a:rPr lang="el-GR" baseline="0" dirty="0" smtClean="0"/>
+              <a:t>χρησιμοποιήσαμε </a:t>
+            </a:r>
+            <a:r>
+              <a:rPr lang="el-GR" baseline="0" dirty="0" smtClean="0"/>
+              <a:t>ερωτήσεις </a:t>
+            </a:r>
+            <a:r>
+              <a:rPr lang="el-GR" baseline="0" dirty="0" smtClean="0"/>
+              <a:t>με σχετικά</a:t>
+            </a:r>
+            <a:r>
+              <a:rPr lang="en-US" baseline="0" dirty="0" smtClean="0"/>
+              <a:t> tags </a:t>
+            </a:r>
+            <a:r>
+              <a:rPr lang="el-GR" baseline="0" dirty="0" smtClean="0"/>
+              <a:t>στο </a:t>
+            </a:r>
+            <a:r>
+              <a:rPr lang="el-GR" baseline="0" dirty="0" smtClean="0"/>
+              <a:t>δικό μας δίκτυο.</a:t>
+            </a:r>
+          </a:p>
+          <a:p>
+            <a:endParaRPr lang="el-GR" baseline="0" dirty="0" smtClean="0"/>
+          </a:p>
+          <a:p>
+            <a:r>
+              <a:rPr lang="el-GR" baseline="0" dirty="0" smtClean="0"/>
+              <a:t>Για παράδειγμα!</a:t>
+            </a:r>
+          </a:p>
+          <a:p>
+            <a:endParaRPr lang="el-GR" baseline="0" dirty="0" smtClean="0"/>
+          </a:p>
+          <a:p>
+            <a:r>
+              <a:rPr lang="el-GR" baseline="0" dirty="0" smtClean="0"/>
               <a:t>Εδώ έχουμε μια πραγματική ερώτηση, στην οποία ο χρήστης ρωτάει αν μπορεί να γίνει </a:t>
             </a:r>
             <a:r>
@@ -1891,6 +1897,26 @@
             </a:r>
           </a:p>
           <a:p>
+            <a:endParaRPr lang="el-GR" baseline="0" dirty="0" smtClean="0"/>
+          </a:p>
+          <a:p>
+            <a:pPr marL="0" marR="0" indent="0" algn="l" defTabSz="914400" rtl="0" eaLnBrk="1" fontAlgn="auto" latinLnBrk="0" hangingPunct="1">
+              <a:lnSpc>
+                <a:spcPct val="100000"/>
+              </a:lnSpc>
+              <a:spcBef>
+                <a:spcPts val="0"/>
+              </a:spcBef>
+              <a:spcAft>
+                <a:spcPts val="0"/>
+              </a:spcAft>
+              <a:buClrTx/>
+              <a:buSzTx/>
+              <a:buFontTx/>
+              <a:buNone/>
+              <a:tabLst/>
+              <a:defRPr/>
+            </a:pPr>
             <a:endParaRPr lang="el-GR" baseline="0" dirty="0" smtClean="0"/>
           </a:p>
           <a:p>
@@ -1977,27 +2003,78 @@
         <p:spPr/>
         <p:txBody>
           <a:bodyPr>
-            <a:normAutofit/>
+            <a:normAutofit fontScale="47500" lnSpcReduction="20000"/>
           </a:bodyPr>
           <a:lstStyle/>
           <a:p>
             <a:r>
               <a:rPr lang="el-GR" baseline="0" dirty="0" smtClean="0"/>
-              <a:t>Προχωρώντας λοιπόν,</a:t>
-            </a:r>
-          </a:p>
-          <a:p>
-            <a:r>
-              <a:rPr lang="el-GR" baseline="0" dirty="0" smtClean="0"/>
-              <a:t>Ουσιαστικά, χρησιμοποιήσαμε ένα εργαλείο, το οποίο δέχεται πρώτα ένα σύνολο δεδομένων, το οποίο είναι χωρισμένο σε </a:t>
-            </a:r>
-            <a:r>
-              <a:rPr lang="en-US" baseline="0" dirty="0" smtClean="0"/>
-              <a:t>classes</a:t>
-            </a:r>
-            <a:r>
-              <a:rPr lang="el-GR" baseline="0" dirty="0" smtClean="0"/>
-              <a:t>/κατηγορίες χρησιμοποιώντας τα </a:t>
+              <a:t>Τι κάναμε λοιπόν αυτές τις ερωτήσεις;;</a:t>
+            </a:r>
+          </a:p>
+          <a:p>
+            <a:endParaRPr lang="el-GR" baseline="0" dirty="0" smtClean="0"/>
+          </a:p>
+          <a:p>
+            <a:r>
+              <a:rPr lang="el-GR" baseline="0" dirty="0" smtClean="0"/>
+              <a:t>Έφτιαξα ένα εργαλείο το οποίο να παίρνει τις ερωτήσεις από το </a:t>
+            </a:r>
+            <a:r>
+              <a:rPr lang="en-US" baseline="0" dirty="0" smtClean="0"/>
+              <a:t>SO</a:t>
+            </a:r>
+            <a:r>
+              <a:rPr lang="el-GR" baseline="0" dirty="0" smtClean="0"/>
+              <a:t> με βάση τα </a:t>
+            </a:r>
+            <a:r>
+              <a:rPr lang="en-US" baseline="0" dirty="0" smtClean="0"/>
+              <a:t>tags </a:t>
+            </a:r>
+            <a:r>
+              <a:rPr lang="el-GR" baseline="0" dirty="0" smtClean="0"/>
+              <a:t>που έχει η κάθε ερώτηση.</a:t>
+            </a:r>
+          </a:p>
+          <a:p>
+            <a:endParaRPr lang="el-GR" baseline="0" dirty="0" smtClean="0"/>
+          </a:p>
+          <a:p>
+            <a:r>
+              <a:rPr lang="el-GR" baseline="0" dirty="0" smtClean="0"/>
+              <a:t>Για να πάρει τις ερωτήσεις χρησιμοποιήσαμε το </a:t>
+            </a:r>
+            <a:r>
+              <a:rPr lang="en-US" baseline="0" dirty="0" smtClean="0"/>
+              <a:t>SE API. </a:t>
+            </a:r>
+            <a:endParaRPr lang="el-GR" baseline="0" dirty="0" smtClean="0"/>
+          </a:p>
+          <a:p>
+            <a:r>
+              <a:rPr lang="el-GR" baseline="0" dirty="0" smtClean="0"/>
+              <a:t>Ουσιαστικά, </a:t>
+            </a:r>
+            <a:r>
+              <a:rPr lang="el-GR" baseline="0" dirty="0" smtClean="0"/>
+              <a:t>το </a:t>
+            </a:r>
+            <a:r>
+              <a:rPr lang="el-GR" baseline="0" dirty="0" smtClean="0"/>
+              <a:t>σύνολο αυτών των δεδομένων</a:t>
+            </a:r>
+            <a:r>
+              <a:rPr lang="el-GR" baseline="0" dirty="0" smtClean="0"/>
+              <a:t>, το οποίο είναι χωρισμένο σε </a:t>
+            </a:r>
+            <a:r>
+              <a:rPr lang="el-GR" baseline="0" dirty="0" smtClean="0"/>
+              <a:t>κατηγορίες </a:t>
+            </a:r>
+            <a:r>
+              <a:rPr lang="el-GR" baseline="0" dirty="0" smtClean="0"/>
+              <a:t>χρησιμοποιώντας τα </a:t>
             </a:r>
             <a:r>
               <a:rPr lang="en-US" baseline="0" dirty="0" smtClean="0"/>
@@ -2005,7 +2082,19 @@
             </a:r>
             <a:r>
               <a:rPr lang="el-GR" baseline="0" dirty="0" smtClean="0"/>
-              <a:t> ώστε να γίνει «</a:t>
+              <a:t> </a:t>
+            </a:r>
+            <a:r>
+              <a:rPr lang="el-GR" baseline="0" dirty="0" err="1" smtClean="0"/>
+              <a:t>χρησιμοιήθηκε</a:t>
+            </a:r>
+            <a:r>
+              <a:rPr lang="el-GR" baseline="0" dirty="0" smtClean="0"/>
+              <a:t> ώστε </a:t>
+            </a:r>
+            <a:r>
+              <a:rPr lang="el-GR" baseline="0" dirty="0" smtClean="0"/>
+              <a:t>να γίνει «</a:t>
             </a:r>
             <a:r>
               <a:rPr lang="en-US" baseline="0" dirty="0" smtClean="0"/>
@@ -2021,7 +2110,19 @@
             </a:r>
             <a:r>
               <a:rPr lang="el-GR" baseline="0" dirty="0" smtClean="0"/>
-              <a:t>και στην συνέχεια μπορεί με μία πιθανότητα να προσδιορίσει ένα καινούριο </a:t>
+              <a:t>ο  </a:t>
+            </a:r>
+            <a:r>
+              <a:rPr lang="en-US" baseline="0" dirty="0" smtClean="0"/>
+              <a:t>classifier </a:t>
+            </a:r>
+            <a:r>
+              <a:rPr lang="el-GR" baseline="0" dirty="0" smtClean="0"/>
+              <a:t>μας και </a:t>
+            </a:r>
+            <a:r>
+              <a:rPr lang="el-GR" baseline="0" dirty="0" smtClean="0"/>
+              <a:t>στην συνέχεια μπορεί με μία πιθανότητα να προσδιορίσει ένα καινούριο </a:t>
             </a:r>
             <a:r>
               <a:rPr lang="en-US" baseline="0" dirty="0" smtClean="0"/>
@@ -2185,8 +2286,18 @@
             </a:r>
             <a:r>
               <a:rPr lang="el-GR" baseline="0" dirty="0" smtClean="0"/>
-              <a:t>και να κατασκευάσει κάποιες τις δικές του κλάσεις που χρειάζεται ώστε μεταγενέστερες ερωτήσεις του δικού μας ΚΔ μπορούν να κατηγοριοποιηθούν.</a:t>
-            </a:r>
+              <a:t>και να κατασκευάσει κάποιες τις δικές του κλάσεις που χρειάζεται ώστε μεταγενέστερες ερωτήσεις του δικού μας ΚΔ μπορούν να κατηγοριοποιηθούν</a:t>
+            </a:r>
+            <a:r>
+              <a:rPr lang="el-GR" baseline="0" dirty="0" smtClean="0"/>
+              <a:t>.</a:t>
+            </a:r>
+          </a:p>
+          <a:p>
+            <a:endParaRPr lang="el-GR" baseline="0" dirty="0" smtClean="0"/>
+          </a:p>
+          <a:p>
+            <a:endParaRPr lang="el-GR" baseline="0" dirty="0" smtClean="0"/>
           </a:p>
           <a:p>
             <a:endParaRPr lang="el-GR" baseline="0" dirty="0" smtClean="0"/>
@@ -2303,52 +2414,21 @@
         <p:spPr/>
         <p:txBody>
           <a:bodyPr>
-            <a:normAutofit fontScale="92500" lnSpcReduction="20000"/>
+            <a:normAutofit fontScale="40000" lnSpcReduction="20000"/>
           </a:bodyPr>
           <a:lstStyle/>
           <a:p>
-            <a:pPr marL="0" marR="0" indent="0" algn="l" defTabSz="914400" rtl="0" eaLnBrk="1" fontAlgn="auto" latinLnBrk="0" hangingPunct="1">
-              <a:lnSpc>
-                <a:spcPct val="100000"/>
-              </a:lnSpc>
-              <a:spcBef>
-                <a:spcPts val="0"/>
-              </a:spcBef>
-              <a:spcAft>
-                <a:spcPts val="0"/>
-              </a:spcAft>
-              <a:buClrTx/>
-              <a:buSzTx/>
-              <a:buFontTx/>
-              <a:buNone/>
-              <a:tabLst/>
+            <a:pPr defTabSz="469819">
               <a:defRPr/>
             </a:pPr>
             <a:r>
               <a:rPr lang="el-GR" baseline="0" dirty="0" smtClean="0"/>
-              <a:t>Λίγο πιο συγκεκριμένα για το </a:t>
-            </a:r>
-            <a:r>
-              <a:rPr lang="en-US" baseline="0" dirty="0" smtClean="0"/>
-              <a:t>NLP Topic Classification, </a:t>
-            </a:r>
-          </a:p>
-          <a:p>
-            <a:pPr marL="0" marR="0" indent="0" algn="l" defTabSz="914400" rtl="0" eaLnBrk="1" fontAlgn="auto" latinLnBrk="0" hangingPunct="1">
-              <a:lnSpc>
-                <a:spcPct val="100000"/>
-              </a:lnSpc>
-              <a:spcBef>
-                <a:spcPts val="0"/>
-              </a:spcBef>
-              <a:spcAft>
-                <a:spcPts val="0"/>
-              </a:spcAft>
-              <a:buClrTx/>
-              <a:buSzTx/>
-              <a:buFontTx/>
-              <a:buNone/>
-              <a:tabLst/>
+              <a:t>Πώς δουλεύει ακριβώς λοιπόν;;;</a:t>
+            </a:r>
+            <a:endParaRPr lang="en-US" baseline="0" dirty="0" smtClean="0"/>
+          </a:p>
+          <a:p>
+            <a:pPr defTabSz="469819">
               <a:defRPr/>
             </a:pPr>
             <a:r>
@@ -2401,41 +2481,13 @@
             </a:r>
           </a:p>
           <a:p>
-            <a:pPr marL="0" marR="0" indent="0" algn="l" defTabSz="914400" rtl="0" eaLnBrk="1" fontAlgn="auto" latinLnBrk="0" hangingPunct="1">
-              <a:lnSpc>
-                <a:spcPct val="100000"/>
-              </a:lnSpc>
-              <a:spcBef>
-                <a:spcPts val="0"/>
-              </a:spcBef>
-              <a:spcAft>
-                <a:spcPts val="0"/>
-              </a:spcAft>
-              <a:buClrTx/>
-              <a:buSzTx/>
-              <a:buFontTx/>
-              <a:buNone/>
-              <a:tabLst/>
+            <a:pPr defTabSz="469819">
               <a:defRPr/>
             </a:pPr>
             <a:endParaRPr lang="en-US" baseline="0" dirty="0" smtClean="0"/>
           </a:p>
           <a:p>
-            <a:pPr marL="0" marR="0" indent="0" algn="l" defTabSz="914400" rtl="0" eaLnBrk="1" fontAlgn="auto" latinLnBrk="0" hangingPunct="1">
-              <a:lnSpc>
-                <a:spcPct val="100000"/>
-              </a:lnSpc>
-              <a:spcBef>
-                <a:spcPts val="0"/>
-              </a:spcBef>
-              <a:spcAft>
-                <a:spcPts val="0"/>
-              </a:spcAft>
-              <a:buClrTx/>
-              <a:buSzTx/>
-              <a:buFontTx/>
-              <a:buNone/>
-              <a:tabLst/>
+            <a:pPr defTabSz="469819">
               <a:defRPr/>
             </a:pPr>
             <a:r>
@@ -2500,41 +2552,13 @@
             </a:r>
           </a:p>
           <a:p>
-            <a:pPr marL="0" marR="0" indent="0" algn="l" defTabSz="914400" rtl="0" eaLnBrk="1" fontAlgn="auto" latinLnBrk="0" hangingPunct="1">
-              <a:lnSpc>
-                <a:spcPct val="100000"/>
-              </a:lnSpc>
-              <a:spcBef>
-                <a:spcPts val="0"/>
-              </a:spcBef>
-              <a:spcAft>
-                <a:spcPts val="0"/>
-              </a:spcAft>
-              <a:buClrTx/>
-              <a:buSzTx/>
-              <a:buFontTx/>
-              <a:buNone/>
-              <a:tabLst/>
+            <a:pPr defTabSz="469819">
               <a:defRPr/>
             </a:pPr>
             <a:endParaRPr lang="el-GR" baseline="0" dirty="0" smtClean="0"/>
           </a:p>
           <a:p>
-            <a:pPr marL="0" marR="0" indent="0" algn="l" defTabSz="914400" rtl="0" eaLnBrk="1" fontAlgn="auto" latinLnBrk="0" hangingPunct="1">
-              <a:lnSpc>
-                <a:spcPct val="100000"/>
-              </a:lnSpc>
-              <a:spcBef>
-                <a:spcPts val="0"/>
-              </a:spcBef>
-              <a:spcAft>
-                <a:spcPts val="0"/>
-              </a:spcAft>
-              <a:buClrTx/>
-              <a:buSzTx/>
-              <a:buFontTx/>
-              <a:buNone/>
-              <a:tabLst/>
+            <a:pPr defTabSz="469819">
               <a:defRPr/>
             </a:pPr>
             <a:r>
@@ -2616,21 +2640,7 @@
             <a:endParaRPr lang="el-GR" dirty="0" smtClean="0"/>
           </a:p>
           <a:p>
-            <a:pPr marL="0" marR="0" indent="0" algn="l" defTabSz="914400" rtl="0" eaLnBrk="1" fontAlgn="auto" latinLnBrk="0" hangingPunct="1">
-              <a:lnSpc>
-                <a:spcPct val="100000"/>
-              </a:lnSpc>
-              <a:spcBef>
-                <a:spcPts val="0"/>
-              </a:spcBef>
-              <a:spcAft>
-                <a:spcPts val="0"/>
-              </a:spcAft>
-              <a:buClrTx/>
-              <a:buSzTx/>
-              <a:buFontTx/>
-              <a:buNone/>
-              <a:tabLst/>
+            <a:pPr defTabSz="469819">
               <a:defRPr/>
             </a:pPr>
             <a:endParaRPr lang="el-GR" dirty="0" smtClean="0"/>
@@ -2864,7 +2874,9 @@
         </p:nvSpPr>
         <p:spPr/>
         <p:txBody>
-          <a:bodyPr/>
+          <a:bodyPr>
+            <a:normAutofit fontScale="70000" lnSpcReduction="20000"/>
+          </a:bodyPr>
           <a:lstStyle/>
           <a:p>
             <a:r>
@@ -3225,7 +3237,7 @@
         <p:spPr/>
         <p:txBody>
           <a:bodyPr>
-            <a:normAutofit/>
+            <a:normAutofit fontScale="55000" lnSpcReduction="20000"/>
           </a:bodyPr>
           <a:lstStyle/>
           <a:p>
@@ -3586,7 +3598,15 @@
           <a:p>
             <a:r>
               <a:rPr lang="el-GR" baseline="0" dirty="0" smtClean="0"/>
-              <a:t>Θα ξεκινήσουμε με μια μικρή εισαγωγή, μετά θα μιλήσουμε για το </a:t>
+              <a:t>Θα ξεκινήσουμε </a:t>
+            </a:r>
+            <a:r>
+              <a:rPr lang="el-GR" baseline="0" dirty="0" smtClean="0"/>
+              <a:t>τα κίνητρα που μας οδήγησαν σε αυτή την εργασία, </a:t>
+            </a:r>
+            <a:r>
+              <a:rPr lang="el-GR" baseline="0" dirty="0" smtClean="0"/>
+              <a:t>μετά θα μιλήσουμε για το </a:t>
             </a:r>
             <a:r>
               <a:rPr lang="en-US" baseline="0" dirty="0" smtClean="0"/>
@@ -3602,7 +3622,23 @@
             </a:r>
             <a:r>
               <a:rPr lang="el-GR" baseline="0" dirty="0" smtClean="0"/>
-              <a:t>της ΠΚΔ και τέλος, αυτή η παρουσίαση θα τελειώσει με την αξιολόγηση του ΚΔ.</a:t>
+              <a:t>της ΠΚΔ και </a:t>
+            </a:r>
+            <a:r>
+              <a:rPr lang="el-GR" baseline="0" dirty="0" smtClean="0"/>
+              <a:t>στο τέλος της παρουσίαση </a:t>
+            </a:r>
+            <a:r>
+              <a:rPr lang="el-GR" baseline="0" dirty="0" smtClean="0"/>
+              <a:t>θα </a:t>
+            </a:r>
+            <a:r>
+              <a:rPr lang="el-GR" baseline="0" dirty="0" smtClean="0"/>
+              <a:t>συζητήσουμε για </a:t>
+            </a:r>
+            <a:r>
+              <a:rPr lang="el-GR" baseline="0" dirty="0" smtClean="0"/>
+              <a:t>την αξιολόγηση του ΚΔ.</a:t>
             </a:r>
             <a:endParaRPr lang="en-US" dirty="0" smtClean="0"/>
           </a:p>
@@ -3686,7 +3722,9 @@
         </p:nvSpPr>
         <p:spPr/>
         <p:txBody>
-          <a:bodyPr/>
+          <a:bodyPr>
+            <a:normAutofit fontScale="55000" lnSpcReduction="20000"/>
+          </a:bodyPr>
           <a:lstStyle/>
           <a:p>
             <a:r>
@@ -4297,7 +4335,9 @@
         </p:nvSpPr>
         <p:spPr/>
         <p:txBody>
-          <a:bodyPr/>
+          <a:bodyPr>
+            <a:normAutofit lnSpcReduction="10000"/>
+          </a:bodyPr>
           <a:lstStyle/>
           <a:p>
             <a:r>
@@ -4644,7 +4684,9 @@
         </p:nvSpPr>
         <p:spPr/>
         <p:txBody>
-          <a:bodyPr/>
+          <a:bodyPr>
+            <a:normAutofit fontScale="92500"/>
+          </a:bodyPr>
           <a:lstStyle/>
           <a:p>
             <a:r>
@@ -5054,7 +5096,19 @@
             </a:r>
             <a:r>
               <a:rPr lang="el-GR" baseline="0" dirty="0" smtClean="0"/>
-              <a:t> με την εισαγωγή.</a:t>
+              <a:t> με </a:t>
+            </a:r>
+            <a:r>
+              <a:rPr lang="el-GR" baseline="0" dirty="0" smtClean="0"/>
+              <a:t>το </a:t>
+            </a:r>
+            <a:r>
+              <a:rPr lang="en-US" baseline="0" dirty="0" smtClean="0"/>
+              <a:t>motivation</a:t>
+            </a:r>
+            <a:r>
+              <a:rPr lang="el-GR" baseline="0" dirty="0" smtClean="0"/>
+              <a:t>.</a:t>
             </a:r>
             <a:endParaRPr lang="en-GB" dirty="0"/>
           </a:p>
@@ -5136,240 +5190,373 @@
             <p:ph type="body" idx="1"/>
           </p:nvPr>
         </p:nvSpPr>
-        <p:spPr/>
+        <p:spPr>
+          <a:xfrm>
+            <a:off x="305912" y="2452965"/>
+            <a:ext cx="2447290" cy="2452069"/>
+          </a:xfrm>
+        </p:spPr>
         <p:txBody>
           <a:bodyPr>
-            <a:normAutofit fontScale="77500" lnSpcReduction="20000"/>
+            <a:normAutofit fontScale="85000" lnSpcReduction="20000"/>
           </a:bodyPr>
           <a:lstStyle/>
           <a:p>
             <a:r>
-              <a:rPr lang="el-GR" sz="1200" kern="1200" dirty="0" smtClean="0">
-                <a:solidFill>
-                  <a:schemeClr val="tx1"/>
-                </a:solidFill>
-                <a:effectLst/>
-                <a:latin typeface="+mn-lt"/>
-                <a:ea typeface="+mn-ea"/>
-                <a:cs typeface="+mn-cs"/>
-              </a:rPr>
-              <a:t>Το κοινωνικό δίκτυο</a:t>
-            </a:r>
-            <a:r>
-              <a:rPr lang="el-GR" sz="1200" kern="1200" baseline="0" dirty="0" smtClean="0">
-                <a:solidFill>
-                  <a:schemeClr val="tx1"/>
-                </a:solidFill>
-                <a:effectLst/>
-                <a:latin typeface="+mn-lt"/>
-                <a:ea typeface="+mn-ea"/>
-                <a:cs typeface="+mn-cs"/>
-              </a:rPr>
-              <a:t> που παρουσιάζεται σε αυτήν την εργασία έχει ως στόχο τους </a:t>
-            </a:r>
-            <a:r>
-              <a:rPr lang="en-US" sz="1200" kern="1200" baseline="0" dirty="0" smtClean="0">
-                <a:solidFill>
-                  <a:schemeClr val="tx1"/>
-                </a:solidFill>
-                <a:effectLst/>
-                <a:latin typeface="+mn-lt"/>
-                <a:ea typeface="+mn-ea"/>
-                <a:cs typeface="+mn-cs"/>
-              </a:rPr>
+              <a:rPr lang="el-GR" sz="600" dirty="0"/>
+              <a:t>Το κοινωνικό δίκτυο που παρουσιάζεται σε αυτήν την </a:t>
+            </a:r>
+            <a:r>
+              <a:rPr lang="el-GR" sz="600" dirty="0" smtClean="0"/>
+              <a:t>εργασία </a:t>
+            </a:r>
+            <a:r>
+              <a:rPr lang="el-GR" sz="600" dirty="0"/>
+              <a:t>έχει ως στόχο τους </a:t>
+            </a:r>
+            <a:r>
+              <a:rPr lang="en-US" sz="600" dirty="0"/>
               <a:t>DevOps users</a:t>
             </a:r>
             <a:r>
-              <a:rPr lang="el-GR" sz="1200" kern="1200" baseline="0" dirty="0" smtClean="0">
-                <a:solidFill>
-                  <a:schemeClr val="tx1"/>
-                </a:solidFill>
-                <a:effectLst/>
-                <a:latin typeface="+mn-lt"/>
-                <a:ea typeface="+mn-ea"/>
-                <a:cs typeface="+mn-cs"/>
-              </a:rPr>
+              <a:rPr lang="el-GR" sz="600" dirty="0"/>
               <a:t>(όπου </a:t>
             </a:r>
             <a:r>
-              <a:rPr lang="en-US" sz="1200" kern="1200" baseline="0" dirty="0" smtClean="0">
-                <a:solidFill>
-                  <a:schemeClr val="tx1"/>
-                </a:solidFill>
-                <a:effectLst/>
-                <a:latin typeface="+mn-lt"/>
-                <a:ea typeface="+mn-ea"/>
-                <a:cs typeface="+mn-cs"/>
-              </a:rPr>
+              <a:rPr lang="en-US" sz="600" dirty="0"/>
               <a:t>DevOps </a:t>
             </a:r>
             <a:r>
-              <a:rPr lang="el-GR" sz="1200" kern="1200" baseline="0" dirty="0" smtClean="0">
-                <a:solidFill>
-                  <a:schemeClr val="tx1"/>
-                </a:solidFill>
-                <a:effectLst/>
-                <a:latin typeface="+mn-lt"/>
-                <a:ea typeface="+mn-ea"/>
-                <a:cs typeface="+mn-cs"/>
-              </a:rPr>
+              <a:rPr lang="el-GR" sz="600" dirty="0"/>
               <a:t>είναι τα αρχικά από το </a:t>
             </a:r>
             <a:r>
-              <a:rPr lang="en-US" sz="1200" kern="1200" baseline="0" dirty="0" smtClean="0">
-                <a:solidFill>
-                  <a:schemeClr val="tx1"/>
-                </a:solidFill>
-                <a:effectLst/>
-                <a:latin typeface="+mn-lt"/>
-                <a:ea typeface="+mn-ea"/>
-                <a:cs typeface="+mn-cs"/>
-              </a:rPr>
+              <a:rPr lang="en-US" sz="600" dirty="0"/>
               <a:t>Development and Operations</a:t>
             </a:r>
             <a:r>
-              <a:rPr lang="el-GR" sz="1200" kern="1200" baseline="0" dirty="0" smtClean="0">
-                <a:solidFill>
-                  <a:schemeClr val="tx1"/>
-                </a:solidFill>
-                <a:effectLst/>
-                <a:latin typeface="+mn-lt"/>
-                <a:ea typeface="+mn-ea"/>
-                <a:cs typeface="+mn-cs"/>
-              </a:rPr>
-              <a:t>), οι οποίοι είναι μ</a:t>
-            </a:r>
-            <a:r>
-              <a:rPr lang="el-GR" sz="1200" kern="1200" dirty="0" smtClean="0">
-                <a:solidFill>
-                  <a:schemeClr val="tx1"/>
-                </a:solidFill>
-                <a:effectLst/>
-                <a:latin typeface="+mn-lt"/>
-                <a:ea typeface="+mn-ea"/>
-                <a:cs typeface="+mn-cs"/>
-              </a:rPr>
-              <a:t>ια νέα τάση στην ΙΤ </a:t>
-            </a:r>
-            <a:r>
-              <a:rPr lang="en-US" sz="1200" kern="1200" dirty="0" smtClean="0">
-                <a:solidFill>
-                  <a:schemeClr val="tx1"/>
-                </a:solidFill>
-                <a:effectLst/>
-                <a:latin typeface="+mn-lt"/>
-                <a:ea typeface="+mn-ea"/>
-                <a:cs typeface="+mn-cs"/>
-              </a:rPr>
-              <a:t>industry</a:t>
-            </a:r>
-            <a:r>
-              <a:rPr lang="en-US" sz="1200" kern="1200" baseline="0" dirty="0" smtClean="0">
-                <a:solidFill>
-                  <a:schemeClr val="tx1"/>
-                </a:solidFill>
-                <a:effectLst/>
-                <a:latin typeface="+mn-lt"/>
-                <a:ea typeface="+mn-ea"/>
-                <a:cs typeface="+mn-cs"/>
-              </a:rPr>
+              <a:rPr lang="el-GR" sz="600" dirty="0" smtClean="0"/>
+              <a:t>)</a:t>
+            </a:r>
+            <a:r>
+              <a:rPr lang="en-US" sz="600" dirty="0" smtClean="0"/>
+              <a:t>.</a:t>
+            </a:r>
+            <a:r>
+              <a:rPr lang="el-GR" sz="600" dirty="0" smtClean="0"/>
+              <a:t> Οι</a:t>
+            </a:r>
+            <a:r>
+              <a:rPr lang="el-GR" sz="600" baseline="0" dirty="0" smtClean="0"/>
               <a:t> </a:t>
             </a:r>
             <a:r>
-              <a:rPr lang="el-GR" sz="1200" kern="1200" baseline="0" dirty="0" smtClean="0">
-                <a:solidFill>
-                  <a:schemeClr val="tx1"/>
-                </a:solidFill>
-                <a:effectLst/>
-                <a:latin typeface="+mn-lt"/>
-                <a:ea typeface="+mn-ea"/>
-                <a:cs typeface="+mn-cs"/>
-              </a:rPr>
+              <a:rPr lang="en-US" sz="600" baseline="0" dirty="0" smtClean="0"/>
+              <a:t>DevOps </a:t>
+            </a:r>
+            <a:r>
+              <a:rPr lang="el-GR" sz="600" dirty="0" smtClean="0"/>
+              <a:t>είναι </a:t>
+            </a:r>
+            <a:r>
+              <a:rPr lang="el-GR" sz="600" dirty="0"/>
+              <a:t>μια νέα τάση στην ΙΤ </a:t>
+            </a:r>
+            <a:r>
+              <a:rPr lang="en-US" sz="600" dirty="0"/>
+              <a:t>industry </a:t>
+            </a:r>
+            <a:r>
+              <a:rPr lang="el-GR" sz="600" dirty="0"/>
               <a:t>και αποτελεί την τομή του </a:t>
             </a:r>
             <a:r>
-              <a:rPr lang="en-US" sz="1200" kern="1200" baseline="0" dirty="0" smtClean="0">
-                <a:solidFill>
-                  <a:schemeClr val="tx1"/>
-                </a:solidFill>
-                <a:effectLst/>
-                <a:latin typeface="+mn-lt"/>
-                <a:ea typeface="+mn-ea"/>
-                <a:cs typeface="+mn-cs"/>
-              </a:rPr>
+              <a:rPr lang="en-US" sz="600" dirty="0"/>
               <a:t>software engineering</a:t>
             </a:r>
             <a:r>
-              <a:rPr lang="el-GR" sz="1200" kern="1200" baseline="0" dirty="0" smtClean="0">
-                <a:solidFill>
-                  <a:schemeClr val="tx1"/>
-                </a:solidFill>
-                <a:effectLst/>
-                <a:latin typeface="+mn-lt"/>
-                <a:ea typeface="+mn-ea"/>
-                <a:cs typeface="+mn-cs"/>
-              </a:rPr>
+              <a:rPr lang="el-GR" sz="600" dirty="0"/>
               <a:t>, των </a:t>
             </a:r>
             <a:r>
-              <a:rPr lang="en-US" sz="1200" kern="1200" baseline="0" dirty="0" smtClean="0">
-                <a:solidFill>
-                  <a:schemeClr val="tx1"/>
-                </a:solidFill>
-                <a:effectLst/>
-                <a:latin typeface="+mn-lt"/>
-                <a:ea typeface="+mn-ea"/>
-                <a:cs typeface="+mn-cs"/>
-              </a:rPr>
+              <a:rPr lang="en-US" sz="600" dirty="0"/>
               <a:t>IT operations</a:t>
             </a:r>
             <a:r>
-              <a:rPr lang="el-GR" sz="1200" kern="1200" baseline="0" dirty="0" smtClean="0">
-                <a:solidFill>
-                  <a:schemeClr val="tx1"/>
-                </a:solidFill>
-                <a:effectLst/>
-                <a:latin typeface="+mn-lt"/>
-                <a:ea typeface="+mn-ea"/>
-                <a:cs typeface="+mn-cs"/>
-              </a:rPr>
+              <a:rPr lang="el-GR" sz="600" dirty="0"/>
               <a:t> και του </a:t>
             </a:r>
             <a:r>
-              <a:rPr lang="en-US" sz="1200" kern="1200" baseline="0" dirty="0" smtClean="0">
-                <a:solidFill>
-                  <a:schemeClr val="tx1"/>
-                </a:solidFill>
-                <a:effectLst/>
-                <a:latin typeface="+mn-lt"/>
-                <a:ea typeface="+mn-ea"/>
-                <a:cs typeface="+mn-cs"/>
-              </a:rPr>
+              <a:rPr lang="en-US" sz="600" dirty="0"/>
               <a:t>Quality Assurance. </a:t>
             </a:r>
-            <a:endParaRPr lang="el-GR" sz="1200" kern="1200" baseline="0" dirty="0" smtClean="0">
-              <a:solidFill>
-                <a:schemeClr val="tx1"/>
-              </a:solidFill>
-              <a:effectLst/>
-              <a:latin typeface="+mn-lt"/>
-              <a:ea typeface="+mn-ea"/>
-              <a:cs typeface="+mn-cs"/>
-            </a:endParaRPr>
-          </a:p>
-          <a:p>
-            <a:endParaRPr lang="el-GR" sz="1200" kern="1200" baseline="0" dirty="0" smtClean="0">
-              <a:solidFill>
-                <a:schemeClr val="tx1"/>
-              </a:solidFill>
-              <a:effectLst/>
-              <a:latin typeface="+mn-lt"/>
-              <a:ea typeface="+mn-ea"/>
-              <a:cs typeface="+mn-cs"/>
-            </a:endParaRPr>
-          </a:p>
-          <a:p>
-            <a:pPr marL="0" marR="0" indent="0" algn="l" defTabSz="914400" rtl="0" eaLnBrk="1" fontAlgn="auto" latinLnBrk="0" hangingPunct="1">
+            <a:endParaRPr lang="el-GR" sz="600" dirty="0"/>
+          </a:p>
+          <a:p>
+            <a:endParaRPr lang="el-GR" sz="600" dirty="0"/>
+          </a:p>
+          <a:p>
+            <a:pPr defTabSz="469819">
+              <a:defRPr/>
+            </a:pPr>
+            <a:r>
+              <a:rPr lang="el-GR" sz="600" dirty="0"/>
+              <a:t>Σήμερα, οι </a:t>
+            </a:r>
+            <a:r>
+              <a:rPr lang="en-US" sz="600" dirty="0"/>
+              <a:t>DevOps </a:t>
+            </a:r>
+            <a:r>
+              <a:rPr lang="el-GR" sz="600" dirty="0"/>
+              <a:t>χρήστες για την Ανάπτυξη και Λειτουργεία Εφαρμογών, ειδικά αυτοί που ειδικεύονται στην ανάπτυξη εφαρμογών σε </a:t>
+            </a:r>
+            <a:r>
+              <a:rPr lang="en-US" sz="600" dirty="0"/>
+              <a:t>cloud</a:t>
+            </a:r>
+            <a:r>
+              <a:rPr lang="el-GR" sz="600" dirty="0"/>
+              <a:t>, </a:t>
+            </a:r>
+            <a:r>
+              <a:rPr lang="el-GR" sz="600" dirty="0" smtClean="0"/>
+              <a:t>χρησιμοποιούν αυτόματα </a:t>
+            </a:r>
+            <a:r>
+              <a:rPr lang="el-GR" sz="600" dirty="0"/>
+              <a:t>εργαλεία όπως: το </a:t>
+            </a:r>
+            <a:r>
+              <a:rPr lang="en-US" sz="600" dirty="0"/>
+              <a:t>Chef supermarket</a:t>
+            </a:r>
+            <a:r>
+              <a:rPr lang="el-GR" sz="600" dirty="0"/>
+              <a:t> ή το </a:t>
+            </a:r>
+            <a:r>
+              <a:rPr lang="en-US" sz="600" dirty="0"/>
+              <a:t>IBM </a:t>
+            </a:r>
+            <a:r>
+              <a:rPr lang="en-US" sz="600" dirty="0" smtClean="0"/>
+              <a:t>Bluemix</a:t>
+            </a:r>
+            <a:r>
+              <a:rPr lang="el-GR" sz="600" dirty="0" smtClean="0"/>
+              <a:t>.</a:t>
+            </a:r>
+            <a:r>
+              <a:rPr lang="en-US" sz="600" dirty="0" smtClean="0"/>
+              <a:t> </a:t>
+            </a:r>
+            <a:r>
+              <a:rPr lang="el-GR" sz="600" dirty="0" smtClean="0"/>
+              <a:t>Τα </a:t>
+            </a:r>
+            <a:r>
+              <a:rPr lang="el-GR" sz="600" dirty="0"/>
+              <a:t>οποία είναι</a:t>
+            </a:r>
+            <a:r>
+              <a:rPr lang="en-US" sz="600" dirty="0"/>
+              <a:t> </a:t>
+            </a:r>
+            <a:r>
+              <a:rPr lang="el-GR" sz="600" dirty="0"/>
+              <a:t>γνωστά</a:t>
+            </a:r>
+            <a:r>
+              <a:rPr lang="en-US" sz="600" dirty="0"/>
+              <a:t> </a:t>
+            </a:r>
+            <a:r>
+              <a:rPr lang="el-GR" sz="600" dirty="0"/>
+              <a:t>εργαλεία  για </a:t>
+            </a:r>
+            <a:r>
+              <a:rPr lang="en-US" sz="600" dirty="0"/>
+              <a:t>release engineering </a:t>
+            </a:r>
+            <a:r>
+              <a:rPr lang="el-GR" sz="600" dirty="0"/>
+              <a:t>και βοηθάνε στο </a:t>
+            </a:r>
+            <a:r>
+              <a:rPr lang="en-US" sz="600" dirty="0"/>
+              <a:t>design description</a:t>
+            </a:r>
+            <a:r>
+              <a:rPr lang="el-GR" sz="600" dirty="0"/>
+              <a:t> </a:t>
+            </a:r>
+            <a:r>
+              <a:rPr lang="el-GR" sz="600" dirty="0" smtClean="0"/>
+              <a:t>και </a:t>
+            </a:r>
+            <a:r>
+              <a:rPr lang="en-US" sz="600" dirty="0" smtClean="0"/>
+              <a:t>deployment</a:t>
+            </a:r>
+            <a:r>
+              <a:rPr lang="el-GR" sz="600" dirty="0" smtClean="0"/>
+              <a:t> των</a:t>
+            </a:r>
+            <a:r>
+              <a:rPr lang="el-GR" sz="600" baseline="0" dirty="0" smtClean="0"/>
+              <a:t> </a:t>
+            </a:r>
+            <a:r>
+              <a:rPr lang="en-US" sz="600" dirty="0" smtClean="0"/>
+              <a:t>applications.</a:t>
+            </a:r>
+            <a:endParaRPr lang="el-GR" sz="600" dirty="0"/>
+          </a:p>
+          <a:p>
+            <a:pPr defTabSz="469819">
+              <a:defRPr/>
+            </a:pPr>
+            <a:endParaRPr lang="en-US" sz="600" dirty="0"/>
+          </a:p>
+          <a:p>
+            <a:pPr defTabSz="469819">
+              <a:defRPr/>
+            </a:pPr>
+            <a:r>
+              <a:rPr lang="el-GR" sz="600" dirty="0"/>
+              <a:t>Το </a:t>
+            </a:r>
+            <a:r>
+              <a:rPr lang="en-US" sz="600" dirty="0"/>
+              <a:t>Chef supermarket </a:t>
+            </a:r>
+            <a:r>
+              <a:rPr lang="el-GR" sz="600" dirty="0"/>
+              <a:t>είναι </a:t>
+            </a:r>
+            <a:r>
+              <a:rPr lang="el-GR" sz="600" dirty="0" smtClean="0"/>
+              <a:t>ουσιαστικά μια πλατφόρμα η οποία μπορεί να κάνει </a:t>
+            </a:r>
+            <a:r>
+              <a:rPr lang="en-US" sz="600" dirty="0" smtClean="0"/>
+              <a:t>deploy </a:t>
+            </a:r>
+            <a:r>
+              <a:rPr lang="el-GR" sz="600" dirty="0" smtClean="0"/>
+              <a:t>μια εφαρμογή σε </a:t>
+            </a:r>
+            <a:r>
+              <a:rPr lang="en-US" sz="600" dirty="0" smtClean="0"/>
+              <a:t>Cloud environments.</a:t>
+            </a:r>
+            <a:r>
+              <a:rPr lang="en-US" sz="600" baseline="0" dirty="0" smtClean="0"/>
+              <a:t> </a:t>
+            </a:r>
+            <a:r>
+              <a:rPr lang="en-US" sz="600" dirty="0" smtClean="0"/>
+              <a:t>H</a:t>
+            </a:r>
+            <a:r>
+              <a:rPr lang="el-GR" sz="600" dirty="0" smtClean="0"/>
+              <a:t> εφαρμογή</a:t>
+            </a:r>
+            <a:r>
+              <a:rPr lang="el-GR" sz="600" baseline="0" dirty="0" smtClean="0"/>
+              <a:t> αυτή αποτελείτε από </a:t>
+            </a:r>
+            <a:r>
+              <a:rPr lang="en-US" sz="600" baseline="0" dirty="0" smtClean="0"/>
+              <a:t>Components </a:t>
+            </a:r>
+            <a:r>
+              <a:rPr lang="el-GR" sz="600" baseline="0" dirty="0" smtClean="0"/>
+              <a:t>και η </a:t>
+            </a:r>
+            <a:r>
+              <a:rPr lang="el-GR" sz="600" dirty="0" smtClean="0"/>
+              <a:t>περιγραφή τ</a:t>
+            </a:r>
+            <a:r>
+              <a:rPr lang="el-GR" sz="600" baseline="0" dirty="0" smtClean="0"/>
+              <a:t>ους </a:t>
+            </a:r>
+            <a:r>
+              <a:rPr lang="el-GR" sz="600" dirty="0" smtClean="0"/>
+              <a:t>δίνεται με την μορφή κώδικα.</a:t>
+            </a:r>
+            <a:r>
+              <a:rPr lang="en-US" sz="600" dirty="0" smtClean="0"/>
+              <a:t> </a:t>
+            </a:r>
+            <a:r>
+              <a:rPr lang="el-GR" sz="600" dirty="0" smtClean="0"/>
+              <a:t>Το </a:t>
+            </a:r>
+            <a:r>
+              <a:rPr lang="en-US" sz="600" dirty="0" smtClean="0"/>
+              <a:t>IBM Bluemix </a:t>
+            </a:r>
+            <a:r>
+              <a:rPr lang="el-GR" sz="600" dirty="0" smtClean="0"/>
+              <a:t>είναι μια πλατφόρμα που παρέχει μια </a:t>
+            </a:r>
+            <a:r>
+              <a:rPr lang="en-US" sz="600" dirty="0" smtClean="0"/>
+              <a:t>Cloud as a Service </a:t>
+            </a:r>
+            <a:r>
+              <a:rPr lang="el-GR" sz="600" dirty="0" smtClean="0"/>
+              <a:t>υπηρεσία. Παρέχει αρκετές </a:t>
+            </a:r>
+            <a:r>
+              <a:rPr lang="el-GR" sz="600" dirty="0"/>
+              <a:t>γλώσσες προγραμματισμού και </a:t>
+            </a:r>
+            <a:r>
+              <a:rPr lang="en-US" sz="600" dirty="0"/>
+              <a:t>services</a:t>
+            </a:r>
+            <a:r>
+              <a:rPr lang="el-GR" sz="600" dirty="0"/>
+              <a:t> καθώς και </a:t>
+            </a:r>
+            <a:r>
+              <a:rPr lang="en-US" sz="600" dirty="0"/>
+              <a:t>DevOps </a:t>
+            </a:r>
+            <a:r>
+              <a:rPr lang="el-GR" sz="600" dirty="0" smtClean="0"/>
+              <a:t>που </a:t>
+            </a:r>
+            <a:r>
+              <a:rPr lang="el-GR" sz="600" dirty="0"/>
+              <a:t>μπορούν να βοηθήσουν με το </a:t>
+            </a:r>
+            <a:r>
+              <a:rPr lang="en-US" sz="600" dirty="0"/>
+              <a:t>deploy </a:t>
+            </a:r>
+            <a:r>
+              <a:rPr lang="el-GR" sz="600" dirty="0"/>
+              <a:t>της εφαρμογής στο </a:t>
+            </a:r>
+            <a:r>
+              <a:rPr lang="en-US" sz="600" dirty="0"/>
+              <a:t>Cloud.</a:t>
+            </a:r>
+            <a:endParaRPr lang="el-GR" sz="600" dirty="0"/>
+          </a:p>
+          <a:p>
+            <a:pPr defTabSz="469819">
+              <a:defRPr/>
+            </a:pPr>
+            <a:endParaRPr lang="en-US" sz="600" dirty="0" smtClean="0"/>
+          </a:p>
+          <a:p>
+            <a:pPr marL="0" marR="0" indent="0" algn="l" defTabSz="469819" rtl="0" eaLnBrk="1" fontAlgn="auto" latinLnBrk="0" hangingPunct="1">
               <a:lnSpc>
                 <a:spcPct val="100000"/>
               </a:lnSpc>
@@ -5387,1528 +5574,232 @@
               <a:defRPr/>
             </a:pPr>
             <a:r>
-              <a:rPr lang="el-GR" sz="1200" kern="1200" dirty="0" smtClean="0">
-                <a:solidFill>
-                  <a:schemeClr val="tx1"/>
-                </a:solidFill>
-                <a:effectLst/>
-                <a:latin typeface="+mn-lt"/>
-                <a:ea typeface="+mn-ea"/>
-                <a:cs typeface="+mn-cs"/>
-              </a:rPr>
-              <a:t>Σήμερα, οι </a:t>
-            </a:r>
-            <a:r>
-              <a:rPr lang="en-US" sz="1200" kern="1200" dirty="0" smtClean="0">
-                <a:solidFill>
-                  <a:schemeClr val="tx1"/>
-                </a:solidFill>
-                <a:effectLst/>
-                <a:latin typeface="+mn-lt"/>
-                <a:ea typeface="+mn-ea"/>
-                <a:cs typeface="+mn-cs"/>
-              </a:rPr>
-              <a:t>DevOps</a:t>
-            </a:r>
-            <a:r>
-              <a:rPr lang="en-US" sz="1200" kern="1200" baseline="0" dirty="0" smtClean="0">
-                <a:solidFill>
-                  <a:schemeClr val="tx1"/>
-                </a:solidFill>
-                <a:effectLst/>
-                <a:latin typeface="+mn-lt"/>
-                <a:ea typeface="+mn-ea"/>
-                <a:cs typeface="+mn-cs"/>
-              </a:rPr>
-              <a:t> </a:t>
-            </a:r>
-            <a:r>
-              <a:rPr lang="el-GR" sz="1200" kern="1200" baseline="0" dirty="0" smtClean="0">
-                <a:solidFill>
-                  <a:schemeClr val="tx1"/>
-                </a:solidFill>
-                <a:effectLst/>
-                <a:latin typeface="+mn-lt"/>
-                <a:ea typeface="+mn-ea"/>
-                <a:cs typeface="+mn-cs"/>
-              </a:rPr>
-              <a:t>χρήστες </a:t>
-            </a:r>
-            <a:r>
-              <a:rPr lang="el-GR" sz="1200" kern="1200" dirty="0" smtClean="0">
-                <a:solidFill>
-                  <a:schemeClr val="tx1"/>
-                </a:solidFill>
-                <a:effectLst/>
-                <a:latin typeface="+mn-lt"/>
-                <a:ea typeface="+mn-ea"/>
-                <a:cs typeface="+mn-cs"/>
-              </a:rPr>
-              <a:t>για την Ανάπτυξη και Λειτουργεία Εφαρμογών, ειδικά αυτοί που ειδικεύονται στην ανάπτυξη εφαρμογών σε </a:t>
-            </a:r>
-            <a:r>
-              <a:rPr lang="en-US" sz="1200" kern="1200" dirty="0" smtClean="0">
-                <a:solidFill>
-                  <a:schemeClr val="tx1"/>
-                </a:solidFill>
-                <a:effectLst/>
-                <a:latin typeface="+mn-lt"/>
-                <a:ea typeface="+mn-ea"/>
-                <a:cs typeface="+mn-cs"/>
-              </a:rPr>
-              <a:t>cloud</a:t>
-            </a:r>
-            <a:r>
-              <a:rPr lang="el-GR" sz="1200" kern="1200" dirty="0" smtClean="0">
-                <a:solidFill>
-                  <a:schemeClr val="tx1"/>
-                </a:solidFill>
-                <a:effectLst/>
-                <a:latin typeface="+mn-lt"/>
-                <a:ea typeface="+mn-ea"/>
-                <a:cs typeface="+mn-cs"/>
-              </a:rPr>
-              <a:t>, περιπλανιούνται στο παγκόσμιο ιστό αναζητώντας αυτόματα εργαλεία όπως: το </a:t>
-            </a:r>
-            <a:r>
-              <a:rPr lang="en-US" sz="1200" kern="1200" dirty="0" smtClean="0">
-                <a:solidFill>
-                  <a:schemeClr val="tx1"/>
-                </a:solidFill>
-                <a:effectLst/>
-                <a:latin typeface="+mn-lt"/>
-                <a:ea typeface="+mn-ea"/>
-                <a:cs typeface="+mn-cs"/>
-              </a:rPr>
-              <a:t>Chef supermarket</a:t>
-            </a:r>
-            <a:r>
-              <a:rPr lang="el-GR" sz="1200" kern="1200" baseline="0" dirty="0" smtClean="0">
-                <a:solidFill>
-                  <a:schemeClr val="tx1"/>
-                </a:solidFill>
-                <a:effectLst/>
-                <a:latin typeface="+mn-lt"/>
-                <a:ea typeface="+mn-ea"/>
-                <a:cs typeface="+mn-cs"/>
-              </a:rPr>
-              <a:t> ή </a:t>
-            </a:r>
-            <a:r>
-              <a:rPr lang="el-GR" sz="1200" kern="1200" dirty="0" smtClean="0">
-                <a:solidFill>
-                  <a:schemeClr val="tx1"/>
-                </a:solidFill>
-                <a:effectLst/>
-                <a:latin typeface="+mn-lt"/>
-                <a:ea typeface="+mn-ea"/>
-                <a:cs typeface="+mn-cs"/>
-              </a:rPr>
-              <a:t>το </a:t>
-            </a:r>
-            <a:r>
-              <a:rPr lang="en-US" sz="1200" kern="1200" dirty="0" smtClean="0">
-                <a:solidFill>
-                  <a:schemeClr val="tx1"/>
-                </a:solidFill>
-                <a:effectLst/>
-                <a:latin typeface="+mn-lt"/>
-                <a:ea typeface="+mn-ea"/>
-                <a:cs typeface="+mn-cs"/>
-              </a:rPr>
-              <a:t>IBM Bluemix </a:t>
-            </a:r>
-            <a:r>
-              <a:rPr lang="el-GR" sz="1200" kern="1200" dirty="0" smtClean="0">
-                <a:solidFill>
-                  <a:schemeClr val="tx1"/>
-                </a:solidFill>
-                <a:effectLst/>
-                <a:latin typeface="+mn-lt"/>
-                <a:ea typeface="+mn-ea"/>
-                <a:cs typeface="+mn-cs"/>
-              </a:rPr>
-              <a:t>τα</a:t>
-            </a:r>
-            <a:r>
-              <a:rPr lang="el-GR" sz="1200" kern="1200" baseline="0" dirty="0" smtClean="0">
-                <a:solidFill>
-                  <a:schemeClr val="tx1"/>
-                </a:solidFill>
-                <a:effectLst/>
-                <a:latin typeface="+mn-lt"/>
-                <a:ea typeface="+mn-ea"/>
-                <a:cs typeface="+mn-cs"/>
-              </a:rPr>
-              <a:t> οποία είναι</a:t>
-            </a:r>
-            <a:r>
-              <a:rPr lang="en-US" sz="1200" kern="1200" dirty="0" smtClean="0">
-                <a:solidFill>
-                  <a:schemeClr val="tx1"/>
-                </a:solidFill>
-                <a:effectLst/>
-                <a:latin typeface="+mn-lt"/>
-                <a:ea typeface="+mn-ea"/>
-                <a:cs typeface="+mn-cs"/>
-              </a:rPr>
-              <a:t> </a:t>
-            </a:r>
-            <a:r>
-              <a:rPr lang="el-GR" sz="1200" kern="1200" dirty="0" smtClean="0">
-                <a:solidFill>
-                  <a:schemeClr val="tx1"/>
-                </a:solidFill>
-                <a:effectLst/>
-                <a:latin typeface="+mn-lt"/>
-                <a:ea typeface="+mn-ea"/>
-                <a:cs typeface="+mn-cs"/>
-              </a:rPr>
-              <a:t>εργαλεία</a:t>
-            </a:r>
-            <a:r>
-              <a:rPr lang="el-GR" sz="1200" kern="1200" baseline="0" dirty="0" smtClean="0">
-                <a:solidFill>
-                  <a:schemeClr val="tx1"/>
-                </a:solidFill>
-                <a:effectLst/>
-                <a:latin typeface="+mn-lt"/>
-                <a:ea typeface="+mn-ea"/>
-                <a:cs typeface="+mn-cs"/>
-              </a:rPr>
-              <a:t> γνωστά για </a:t>
-            </a:r>
-            <a:r>
-              <a:rPr lang="en-US" sz="1200" kern="1200" baseline="0" dirty="0" smtClean="0">
-                <a:solidFill>
-                  <a:schemeClr val="tx1"/>
-                </a:solidFill>
-                <a:effectLst/>
-                <a:latin typeface="+mn-lt"/>
-                <a:ea typeface="+mn-ea"/>
-                <a:cs typeface="+mn-cs"/>
-              </a:rPr>
-              <a:t>release engineering </a:t>
-            </a:r>
-            <a:r>
-              <a:rPr lang="el-GR" sz="1200" kern="1200" baseline="0" dirty="0" smtClean="0">
-                <a:solidFill>
-                  <a:schemeClr val="tx1"/>
-                </a:solidFill>
-                <a:effectLst/>
-                <a:latin typeface="+mn-lt"/>
-                <a:ea typeface="+mn-ea"/>
-                <a:cs typeface="+mn-cs"/>
-              </a:rPr>
-              <a:t>και βοηθάνε στο </a:t>
-            </a:r>
-            <a:r>
-              <a:rPr lang="en-US" sz="1200" kern="1200" baseline="0" dirty="0" smtClean="0">
-                <a:solidFill>
-                  <a:schemeClr val="tx1"/>
-                </a:solidFill>
-                <a:effectLst/>
-                <a:latin typeface="+mn-lt"/>
-                <a:ea typeface="+mn-ea"/>
-                <a:cs typeface="+mn-cs"/>
-              </a:rPr>
-              <a:t>design description</a:t>
-            </a:r>
-            <a:r>
-              <a:rPr lang="el-GR" sz="1200" kern="1200" baseline="0" dirty="0" smtClean="0">
-                <a:solidFill>
-                  <a:schemeClr val="tx1"/>
-                </a:solidFill>
-                <a:effectLst/>
-                <a:latin typeface="+mn-lt"/>
-                <a:ea typeface="+mn-ea"/>
-                <a:cs typeface="+mn-cs"/>
-              </a:rPr>
-              <a:t> του </a:t>
-            </a:r>
-            <a:r>
-              <a:rPr lang="en-US" sz="1200" kern="1200" baseline="0" dirty="0" smtClean="0">
-                <a:solidFill>
-                  <a:schemeClr val="tx1"/>
-                </a:solidFill>
-                <a:effectLst/>
-                <a:latin typeface="+mn-lt"/>
-                <a:ea typeface="+mn-ea"/>
-                <a:cs typeface="+mn-cs"/>
-              </a:rPr>
-              <a:t>application </a:t>
-            </a:r>
-            <a:r>
-              <a:rPr lang="el-GR" sz="1200" kern="1200" baseline="0" dirty="0" smtClean="0">
-                <a:solidFill>
-                  <a:schemeClr val="tx1"/>
-                </a:solidFill>
-                <a:effectLst/>
-                <a:latin typeface="+mn-lt"/>
-                <a:ea typeface="+mn-ea"/>
-                <a:cs typeface="+mn-cs"/>
-              </a:rPr>
-              <a:t>και στο </a:t>
-            </a:r>
-            <a:r>
-              <a:rPr lang="en-US" sz="1200" kern="1200" baseline="0" dirty="0" smtClean="0">
-                <a:solidFill>
-                  <a:schemeClr val="tx1"/>
-                </a:solidFill>
-                <a:effectLst/>
-                <a:latin typeface="+mn-lt"/>
-                <a:ea typeface="+mn-ea"/>
-                <a:cs typeface="+mn-cs"/>
-              </a:rPr>
-              <a:t>deployment.</a:t>
-            </a:r>
-            <a:endParaRPr lang="el-GR" sz="1200" kern="1200" dirty="0" smtClean="0">
-              <a:solidFill>
-                <a:schemeClr val="tx1"/>
-              </a:solidFill>
-              <a:effectLst/>
-              <a:latin typeface="+mn-lt"/>
-              <a:ea typeface="+mn-ea"/>
-              <a:cs typeface="+mn-cs"/>
-            </a:endParaRPr>
-          </a:p>
-          <a:p>
-            <a:pPr marL="0" marR="0" indent="0" algn="l" defTabSz="914400" rtl="0" eaLnBrk="1" fontAlgn="auto" latinLnBrk="0" hangingPunct="1">
-              <a:lnSpc>
-                <a:spcPct val="100000"/>
-              </a:lnSpc>
-              <a:spcBef>
-                <a:spcPts val="0"/>
-              </a:spcBef>
-              <a:spcAft>
-                <a:spcPts val="0"/>
-              </a:spcAft>
-              <a:buClrTx/>
-              <a:buSzTx/>
-              <a:buFontTx/>
-              <a:buNone/>
-              <a:tabLst/>
+              <a:rPr lang="el-GR" sz="600" dirty="0" smtClean="0"/>
+              <a:t>Το πρόβλημα με αυτά τα εργαλεία είναι ότι οι </a:t>
+            </a:r>
+            <a:r>
+              <a:rPr lang="en-US" sz="600" dirty="0" smtClean="0"/>
+              <a:t>DevOps </a:t>
+            </a:r>
+            <a:r>
+              <a:rPr lang="el-GR" sz="600" dirty="0" smtClean="0"/>
+              <a:t>σχεδόν χειροκίνητα προσαρμόζουν και εγκαθιστούν τις εφαρμογές τους</a:t>
+            </a:r>
+            <a:r>
+              <a:rPr lang="en-US" sz="600" dirty="0" smtClean="0"/>
+              <a:t>, </a:t>
+            </a:r>
+            <a:r>
+              <a:rPr lang="el-GR" sz="600" dirty="0" smtClean="0"/>
+              <a:t>κάνοντας </a:t>
+            </a:r>
+            <a:r>
+              <a:rPr lang="en-US" sz="600" dirty="0" smtClean="0"/>
+              <a:t>configure </a:t>
+            </a:r>
+            <a:r>
+              <a:rPr lang="el-GR" sz="600" dirty="0" smtClean="0"/>
+              <a:t>όλα τα </a:t>
+            </a:r>
+            <a:r>
+              <a:rPr lang="en-US" sz="600" dirty="0" smtClean="0"/>
+              <a:t>components </a:t>
+            </a:r>
+            <a:r>
+              <a:rPr lang="el-GR" sz="600" dirty="0" smtClean="0"/>
+              <a:t>της εφαρμογής. Προσφέρουμε ένα νέο τρόπο να διαχειρίζονται οι</a:t>
+            </a:r>
+            <a:r>
+              <a:rPr lang="en-US" sz="600" dirty="0" smtClean="0"/>
+              <a:t> DevOps </a:t>
+            </a:r>
+            <a:r>
+              <a:rPr lang="el-GR" sz="600" dirty="0" smtClean="0"/>
+              <a:t>τις εφαρμογές τους.</a:t>
+            </a:r>
+            <a:endParaRPr lang="en-US" sz="600" dirty="0" smtClean="0"/>
+          </a:p>
+          <a:p>
+            <a:pPr defTabSz="469819">
               <a:defRPr/>
             </a:pPr>
-            <a:endParaRPr lang="en-US" sz="1200" kern="1200" dirty="0" smtClean="0">
-              <a:solidFill>
-                <a:schemeClr val="tx1"/>
-              </a:solidFill>
-              <a:effectLst/>
-              <a:latin typeface="+mn-lt"/>
-              <a:ea typeface="+mn-ea"/>
-              <a:cs typeface="+mn-cs"/>
-            </a:endParaRPr>
-          </a:p>
-          <a:p>
-            <a:pPr marL="0" marR="0" indent="0" algn="l" defTabSz="914400" rtl="0" eaLnBrk="1" fontAlgn="auto" latinLnBrk="0" hangingPunct="1">
-              <a:lnSpc>
-                <a:spcPct val="100000"/>
-              </a:lnSpc>
-              <a:spcBef>
-                <a:spcPts val="0"/>
-              </a:spcBef>
-              <a:spcAft>
-                <a:spcPts val="0"/>
-              </a:spcAft>
-              <a:buClrTx/>
-              <a:buSzTx/>
-              <a:buFontTx/>
-              <a:buNone/>
-              <a:tabLst/>
+            <a:endParaRPr lang="el-GR" sz="600" dirty="0" smtClean="0"/>
+          </a:p>
+          <a:p>
+            <a:pPr defTabSz="469819">
               <a:defRPr/>
             </a:pPr>
             <a:r>
-              <a:rPr lang="el-GR" sz="1200" kern="1200" dirty="0" smtClean="0">
-                <a:solidFill>
-                  <a:schemeClr val="tx1"/>
-                </a:solidFill>
-                <a:effectLst/>
-                <a:latin typeface="+mn-lt"/>
-                <a:ea typeface="+mn-ea"/>
-                <a:cs typeface="+mn-cs"/>
-              </a:rPr>
-              <a:t>Το </a:t>
-            </a:r>
-            <a:r>
-              <a:rPr lang="en-US" sz="1200" kern="1200" dirty="0" smtClean="0">
-                <a:solidFill>
-                  <a:schemeClr val="tx1"/>
-                </a:solidFill>
-                <a:effectLst/>
-                <a:latin typeface="+mn-lt"/>
-                <a:ea typeface="+mn-ea"/>
-                <a:cs typeface="+mn-cs"/>
-              </a:rPr>
-              <a:t>Chef supermarket </a:t>
-            </a:r>
-            <a:r>
-              <a:rPr lang="el-GR" sz="1200" kern="1200" dirty="0" smtClean="0">
-                <a:solidFill>
-                  <a:schemeClr val="tx1"/>
-                </a:solidFill>
-                <a:effectLst/>
-                <a:latin typeface="+mn-lt"/>
-                <a:ea typeface="+mn-ea"/>
-                <a:cs typeface="+mn-cs"/>
-              </a:rPr>
-              <a:t>είναι ουσιαστικά</a:t>
-            </a:r>
-            <a:r>
-              <a:rPr lang="el-GR" sz="1200" kern="1200" baseline="0" dirty="0" smtClean="0">
-                <a:solidFill>
-                  <a:schemeClr val="tx1"/>
-                </a:solidFill>
-                <a:effectLst/>
-                <a:latin typeface="+mn-lt"/>
-                <a:ea typeface="+mn-ea"/>
-                <a:cs typeface="+mn-cs"/>
-              </a:rPr>
-              <a:t> μια πλατφόρμα η οποία μπορεί να κάνει </a:t>
-            </a:r>
-            <a:r>
-              <a:rPr lang="en-US" sz="1200" kern="1200" baseline="0" dirty="0" smtClean="0">
-                <a:solidFill>
-                  <a:schemeClr val="tx1"/>
-                </a:solidFill>
-                <a:effectLst/>
-                <a:latin typeface="+mn-lt"/>
-                <a:ea typeface="+mn-ea"/>
-                <a:cs typeface="+mn-cs"/>
-              </a:rPr>
-              <a:t>deploy </a:t>
-            </a:r>
-            <a:r>
-              <a:rPr lang="el-GR" sz="1200" kern="1200" baseline="0" dirty="0" smtClean="0">
-                <a:solidFill>
-                  <a:schemeClr val="tx1"/>
-                </a:solidFill>
-                <a:effectLst/>
-                <a:latin typeface="+mn-lt"/>
-                <a:ea typeface="+mn-ea"/>
-                <a:cs typeface="+mn-cs"/>
-              </a:rPr>
-              <a:t>μια εφαρμογή σε </a:t>
-            </a:r>
-            <a:r>
-              <a:rPr lang="en-US" sz="1200" kern="1200" baseline="0" dirty="0" smtClean="0">
-                <a:solidFill>
-                  <a:schemeClr val="tx1"/>
-                </a:solidFill>
-                <a:effectLst/>
-                <a:latin typeface="+mn-lt"/>
-                <a:ea typeface="+mn-ea"/>
-                <a:cs typeface="+mn-cs"/>
-              </a:rPr>
-              <a:t>Cloud environments</a:t>
-            </a:r>
-            <a:r>
-              <a:rPr lang="el-GR" sz="1200" kern="1200" baseline="0" dirty="0" smtClean="0">
-                <a:solidFill>
-                  <a:schemeClr val="tx1"/>
-                </a:solidFill>
-                <a:effectLst/>
-                <a:latin typeface="+mn-lt"/>
-                <a:ea typeface="+mn-ea"/>
-                <a:cs typeface="+mn-cs"/>
-              </a:rPr>
-              <a:t>, η περιγραφή των </a:t>
-            </a:r>
-            <a:r>
-              <a:rPr lang="en-US" sz="1200" kern="1200" baseline="0" dirty="0" smtClean="0">
-                <a:solidFill>
-                  <a:schemeClr val="tx1"/>
-                </a:solidFill>
-                <a:effectLst/>
-                <a:latin typeface="+mn-lt"/>
-                <a:ea typeface="+mn-ea"/>
-                <a:cs typeface="+mn-cs"/>
-              </a:rPr>
-              <a:t>components </a:t>
-            </a:r>
-            <a:r>
-              <a:rPr lang="el-GR" sz="1200" kern="1200" baseline="0" dirty="0" smtClean="0">
-                <a:solidFill>
-                  <a:schemeClr val="tx1"/>
-                </a:solidFill>
-                <a:effectLst/>
-                <a:latin typeface="+mn-lt"/>
-                <a:ea typeface="+mn-ea"/>
-                <a:cs typeface="+mn-cs"/>
-              </a:rPr>
-              <a:t>που θα γίνουν </a:t>
-            </a:r>
-            <a:r>
-              <a:rPr lang="en-US" sz="1200" kern="1200" baseline="0" dirty="0" smtClean="0">
-                <a:solidFill>
-                  <a:schemeClr val="tx1"/>
-                </a:solidFill>
-                <a:effectLst/>
-                <a:latin typeface="+mn-lt"/>
-                <a:ea typeface="+mn-ea"/>
-                <a:cs typeface="+mn-cs"/>
-              </a:rPr>
-              <a:t>deploy </a:t>
-            </a:r>
-            <a:r>
-              <a:rPr lang="el-GR" sz="1200" kern="1200" baseline="0" dirty="0" smtClean="0">
-                <a:solidFill>
-                  <a:schemeClr val="tx1"/>
-                </a:solidFill>
-                <a:effectLst/>
-                <a:latin typeface="+mn-lt"/>
-                <a:ea typeface="+mn-ea"/>
-                <a:cs typeface="+mn-cs"/>
-              </a:rPr>
-              <a:t>δίνεται με την μορφή κώδικα.</a:t>
-            </a:r>
-            <a:r>
-              <a:rPr lang="en-US" sz="1200" kern="1200" baseline="0" dirty="0" smtClean="0">
-                <a:solidFill>
-                  <a:schemeClr val="tx1"/>
-                </a:solidFill>
-                <a:effectLst/>
-                <a:latin typeface="+mn-lt"/>
-                <a:ea typeface="+mn-ea"/>
-                <a:cs typeface="+mn-cs"/>
-              </a:rPr>
-              <a:t> </a:t>
-            </a:r>
-            <a:r>
-              <a:rPr lang="el-GR" sz="1200" kern="1200" baseline="0" dirty="0" smtClean="0">
-                <a:solidFill>
-                  <a:schemeClr val="tx1"/>
-                </a:solidFill>
-                <a:effectLst/>
-                <a:latin typeface="+mn-lt"/>
-                <a:ea typeface="+mn-ea"/>
-                <a:cs typeface="+mn-cs"/>
-              </a:rPr>
-              <a:t>Το </a:t>
-            </a:r>
-            <a:r>
-              <a:rPr lang="en-US" sz="1200" kern="1200" baseline="0" dirty="0" smtClean="0">
-                <a:solidFill>
-                  <a:schemeClr val="tx1"/>
-                </a:solidFill>
-                <a:effectLst/>
-                <a:latin typeface="+mn-lt"/>
-                <a:ea typeface="+mn-ea"/>
-                <a:cs typeface="+mn-cs"/>
-              </a:rPr>
-              <a:t>IBM Bluemix </a:t>
-            </a:r>
-            <a:r>
-              <a:rPr lang="el-GR" sz="1200" kern="1200" baseline="0" dirty="0" smtClean="0">
-                <a:solidFill>
-                  <a:schemeClr val="tx1"/>
-                </a:solidFill>
-                <a:effectLst/>
-                <a:latin typeface="+mn-lt"/>
-                <a:ea typeface="+mn-ea"/>
-                <a:cs typeface="+mn-cs"/>
-              </a:rPr>
-              <a:t>είναι μια πλατφόρμα που παρέχει μια </a:t>
-            </a:r>
-            <a:r>
-              <a:rPr lang="en-US" sz="1200" kern="1200" baseline="0" dirty="0" smtClean="0">
-                <a:solidFill>
-                  <a:schemeClr val="tx1"/>
-                </a:solidFill>
-                <a:effectLst/>
-                <a:latin typeface="+mn-lt"/>
-                <a:ea typeface="+mn-ea"/>
-                <a:cs typeface="+mn-cs"/>
-              </a:rPr>
-              <a:t>Cloud as a Service </a:t>
-            </a:r>
-            <a:r>
-              <a:rPr lang="el-GR" sz="1200" kern="1200" baseline="0" dirty="0" smtClean="0">
-                <a:solidFill>
-                  <a:schemeClr val="tx1"/>
-                </a:solidFill>
-                <a:effectLst/>
-                <a:latin typeface="+mn-lt"/>
-                <a:ea typeface="+mn-ea"/>
-                <a:cs typeface="+mn-cs"/>
-              </a:rPr>
-              <a:t>υπηρεσία. Παρέχει αρκετές γλώσσες προγραμματισμού και </a:t>
-            </a:r>
-            <a:r>
-              <a:rPr lang="en-US" sz="1200" kern="1200" baseline="0" dirty="0" smtClean="0">
-                <a:solidFill>
-                  <a:schemeClr val="tx1"/>
-                </a:solidFill>
-                <a:effectLst/>
-                <a:latin typeface="+mn-lt"/>
-                <a:ea typeface="+mn-ea"/>
-                <a:cs typeface="+mn-cs"/>
-              </a:rPr>
-              <a:t>services</a:t>
-            </a:r>
-            <a:r>
-              <a:rPr lang="el-GR" sz="1200" kern="1200" baseline="0" dirty="0" smtClean="0">
-                <a:solidFill>
-                  <a:schemeClr val="tx1"/>
-                </a:solidFill>
-                <a:effectLst/>
-                <a:latin typeface="+mn-lt"/>
-                <a:ea typeface="+mn-ea"/>
-                <a:cs typeface="+mn-cs"/>
-              </a:rPr>
-              <a:t> καθώς και </a:t>
-            </a:r>
-            <a:r>
-              <a:rPr lang="en-US" sz="1200" kern="1200" baseline="0" dirty="0" smtClean="0">
-                <a:solidFill>
-                  <a:schemeClr val="tx1"/>
-                </a:solidFill>
-                <a:effectLst/>
-                <a:latin typeface="+mn-lt"/>
-                <a:ea typeface="+mn-ea"/>
-                <a:cs typeface="+mn-cs"/>
-              </a:rPr>
-              <a:t>DevOps </a:t>
-            </a:r>
-            <a:r>
-              <a:rPr lang="el-GR" sz="1200" kern="1200" baseline="0" dirty="0" smtClean="0">
-                <a:solidFill>
-                  <a:schemeClr val="tx1"/>
-                </a:solidFill>
-                <a:effectLst/>
-                <a:latin typeface="+mn-lt"/>
-                <a:ea typeface="+mn-ea"/>
-                <a:cs typeface="+mn-cs"/>
-              </a:rPr>
-              <a:t>οι οποίοι μπορούν να βοηθήσουν με το </a:t>
-            </a:r>
-            <a:r>
-              <a:rPr lang="en-US" sz="1200" kern="1200" baseline="0" dirty="0" smtClean="0">
-                <a:solidFill>
-                  <a:schemeClr val="tx1"/>
-                </a:solidFill>
-                <a:effectLst/>
-                <a:latin typeface="+mn-lt"/>
-                <a:ea typeface="+mn-ea"/>
-                <a:cs typeface="+mn-cs"/>
-              </a:rPr>
-              <a:t>deploy </a:t>
-            </a:r>
-            <a:r>
-              <a:rPr lang="el-GR" sz="1200" kern="1200" baseline="0" dirty="0" smtClean="0">
-                <a:solidFill>
-                  <a:schemeClr val="tx1"/>
-                </a:solidFill>
-                <a:effectLst/>
-                <a:latin typeface="+mn-lt"/>
-                <a:ea typeface="+mn-ea"/>
-                <a:cs typeface="+mn-cs"/>
-              </a:rPr>
-              <a:t>της εφαρμογής στο </a:t>
-            </a:r>
-            <a:r>
-              <a:rPr lang="en-US" sz="1200" kern="1200" baseline="0" dirty="0" smtClean="0">
-                <a:solidFill>
-                  <a:schemeClr val="tx1"/>
-                </a:solidFill>
-                <a:effectLst/>
-                <a:latin typeface="+mn-lt"/>
-                <a:ea typeface="+mn-ea"/>
-                <a:cs typeface="+mn-cs"/>
-              </a:rPr>
-              <a:t>Cloud.</a:t>
-            </a:r>
-            <a:endParaRPr lang="el-GR" sz="1200" kern="1200" baseline="0" dirty="0" smtClean="0">
-              <a:solidFill>
-                <a:schemeClr val="tx1"/>
-              </a:solidFill>
-              <a:effectLst/>
-              <a:latin typeface="+mn-lt"/>
-              <a:ea typeface="+mn-ea"/>
-              <a:cs typeface="+mn-cs"/>
-            </a:endParaRPr>
-          </a:p>
-          <a:p>
-            <a:pPr marL="0" marR="0" indent="0" algn="l" defTabSz="914400" rtl="0" eaLnBrk="1" fontAlgn="auto" latinLnBrk="0" hangingPunct="1">
-              <a:lnSpc>
-                <a:spcPct val="100000"/>
-              </a:lnSpc>
-              <a:spcBef>
-                <a:spcPts val="0"/>
-              </a:spcBef>
-              <a:spcAft>
-                <a:spcPts val="0"/>
-              </a:spcAft>
-              <a:buClrTx/>
-              <a:buSzTx/>
-              <a:buFontTx/>
-              <a:buNone/>
-              <a:tabLst/>
+              <a:rPr lang="el-GR" sz="600" dirty="0" smtClean="0"/>
+              <a:t>Πως το κάνουμε αυτό; Χρησιμοποιούμε </a:t>
+            </a:r>
+            <a:r>
+              <a:rPr lang="en-US" sz="600" dirty="0" smtClean="0"/>
+              <a:t>model driven engineer, </a:t>
+            </a:r>
+            <a:r>
+              <a:rPr lang="el-GR" sz="600" dirty="0" smtClean="0"/>
+              <a:t>δηλαδή χρησιμοποιούμε μοντέλα. Άρα οι εφαρμογές μας είναι γραμμένες ως μοντέλα, χρησιμοποιώντας την </a:t>
+            </a:r>
+            <a:r>
+              <a:rPr lang="en-US" sz="600" dirty="0" smtClean="0"/>
+              <a:t>modelling </a:t>
+            </a:r>
+            <a:r>
+              <a:rPr lang="el-GR" sz="600" dirty="0" smtClean="0"/>
+              <a:t>γλώσσα </a:t>
+            </a:r>
+            <a:r>
+              <a:rPr lang="en-US" sz="600" dirty="0" smtClean="0"/>
+              <a:t>CAMEL, </a:t>
+            </a:r>
+            <a:r>
+              <a:rPr lang="el-GR" sz="600" dirty="0" smtClean="0"/>
+              <a:t>η οποία είναι μια καινούρια γλώσσα από το </a:t>
+            </a:r>
+            <a:r>
+              <a:rPr lang="en-US" sz="600" dirty="0" smtClean="0"/>
+              <a:t>project PaaSage </a:t>
+            </a:r>
+            <a:r>
+              <a:rPr lang="el-GR" sz="600" dirty="0" smtClean="0"/>
+              <a:t>(και τα μοντέλα αυτά αποθηκεύονται σε ένα </a:t>
+            </a:r>
+            <a:r>
+              <a:rPr lang="en-US" sz="600" dirty="0" smtClean="0"/>
+              <a:t>repository</a:t>
+            </a:r>
+            <a:r>
+              <a:rPr lang="el-GR" sz="600" dirty="0" smtClean="0"/>
+              <a:t>  που λέγεται </a:t>
+            </a:r>
+            <a:r>
+              <a:rPr lang="en-US" sz="600" dirty="0" smtClean="0"/>
+              <a:t>CDO. </a:t>
+            </a:r>
+            <a:r>
+              <a:rPr lang="el-GR" sz="600" dirty="0" smtClean="0"/>
+              <a:t>) </a:t>
+            </a:r>
+          </a:p>
+          <a:p>
+            <a:pPr defTabSz="469819">
               <a:defRPr/>
             </a:pPr>
-            <a:endParaRPr lang="el-GR" sz="1200" kern="1200" dirty="0" smtClean="0">
-              <a:solidFill>
-                <a:schemeClr val="tx1"/>
-              </a:solidFill>
-              <a:effectLst/>
-              <a:latin typeface="+mn-lt"/>
-              <a:ea typeface="+mn-ea"/>
-              <a:cs typeface="+mn-cs"/>
-            </a:endParaRPr>
-          </a:p>
-          <a:p>
-            <a:pPr marL="0" marR="0" indent="0" algn="l" defTabSz="914400" rtl="0" eaLnBrk="1" fontAlgn="auto" latinLnBrk="0" hangingPunct="1">
-              <a:lnSpc>
-                <a:spcPct val="100000"/>
-              </a:lnSpc>
-              <a:spcBef>
-                <a:spcPts val="0"/>
-              </a:spcBef>
-              <a:spcAft>
-                <a:spcPts val="0"/>
-              </a:spcAft>
-              <a:buClrTx/>
-              <a:buSzTx/>
-              <a:buFontTx/>
-              <a:buNone/>
-              <a:tabLst/>
+            <a:endParaRPr lang="el-GR" sz="600" dirty="0"/>
+          </a:p>
+          <a:p>
+            <a:pPr defTabSz="469819">
               <a:defRPr/>
             </a:pPr>
             <a:r>
-              <a:rPr lang="el-GR" sz="1200" kern="1200" dirty="0" smtClean="0">
-                <a:solidFill>
-                  <a:schemeClr val="tx1"/>
-                </a:solidFill>
-                <a:effectLst/>
-                <a:latin typeface="+mn-lt"/>
-                <a:ea typeface="+mn-ea"/>
-                <a:cs typeface="+mn-cs"/>
-              </a:rPr>
-              <a:t>Σε</a:t>
-            </a:r>
-            <a:r>
-              <a:rPr lang="el-GR" sz="1200" kern="1200" baseline="0" dirty="0" smtClean="0">
-                <a:solidFill>
-                  <a:schemeClr val="tx1"/>
-                </a:solidFill>
-                <a:effectLst/>
-                <a:latin typeface="+mn-lt"/>
-                <a:ea typeface="+mn-ea"/>
-                <a:cs typeface="+mn-cs"/>
-              </a:rPr>
-              <a:t> τέτοια περιβάλλοντα, </a:t>
-            </a:r>
-            <a:r>
-              <a:rPr lang="el-GR" sz="1200" kern="1200" dirty="0" smtClean="0">
-                <a:solidFill>
-                  <a:schemeClr val="tx1"/>
-                </a:solidFill>
-                <a:effectLst/>
-                <a:latin typeface="+mn-lt"/>
-                <a:ea typeface="+mn-ea"/>
-                <a:cs typeface="+mn-cs"/>
-              </a:rPr>
-              <a:t>ένα</a:t>
-            </a:r>
-            <a:r>
-              <a:rPr lang="el-GR" sz="1200" kern="1200" baseline="0" dirty="0" smtClean="0">
-                <a:solidFill>
-                  <a:schemeClr val="tx1"/>
-                </a:solidFill>
-                <a:effectLst/>
-                <a:latin typeface="+mn-lt"/>
-                <a:ea typeface="+mn-ea"/>
-                <a:cs typeface="+mn-cs"/>
-              </a:rPr>
-              <a:t> θέμα είναι να μπορεί κάποιος να προσδιορίσει πόσο καλό είναι ένα </a:t>
-            </a:r>
-            <a:r>
-              <a:rPr lang="en-US" sz="1200" kern="1200" baseline="0" dirty="0" smtClean="0">
-                <a:solidFill>
-                  <a:schemeClr val="tx1"/>
-                </a:solidFill>
-                <a:effectLst/>
-                <a:latin typeface="+mn-lt"/>
-                <a:ea typeface="+mn-ea"/>
-                <a:cs typeface="+mn-cs"/>
-              </a:rPr>
+              <a:rPr lang="el-GR" sz="600" dirty="0" smtClean="0"/>
+              <a:t>Θέλουμε σε ένα περιβάλλον, σαν αυτό που φτιάξαμε, </a:t>
+            </a:r>
+            <a:r>
+              <a:rPr lang="el-GR" sz="600" dirty="0"/>
+              <a:t>να μπορεί κάποιος να προσδιορίσει πόσο καλό είναι ένα </a:t>
+            </a:r>
+            <a:r>
+              <a:rPr lang="en-US" sz="600" dirty="0"/>
               <a:t>deployment </a:t>
             </a:r>
             <a:r>
-              <a:rPr lang="el-GR" sz="1200" kern="1200" baseline="0" dirty="0" smtClean="0">
-                <a:solidFill>
-                  <a:schemeClr val="tx1"/>
-                </a:solidFill>
-                <a:effectLst/>
-                <a:latin typeface="+mn-lt"/>
-                <a:ea typeface="+mn-ea"/>
-                <a:cs typeface="+mn-cs"/>
-              </a:rPr>
+              <a:rPr lang="el-GR" sz="600" dirty="0"/>
               <a:t>σε ένα </a:t>
             </a:r>
             <a:r>
-              <a:rPr lang="en-US" sz="1200" kern="1200" baseline="0" dirty="0" smtClean="0">
-                <a:solidFill>
-                  <a:schemeClr val="tx1"/>
-                </a:solidFill>
-                <a:effectLst/>
-                <a:latin typeface="+mn-lt"/>
-                <a:ea typeface="+mn-ea"/>
-                <a:cs typeface="+mn-cs"/>
-              </a:rPr>
+              <a:rPr lang="en-US" sz="600" dirty="0"/>
               <a:t>Cloud, </a:t>
             </a:r>
             <a:r>
-              <a:rPr lang="el-GR" sz="1200" kern="1200" baseline="0" dirty="0" smtClean="0">
-                <a:solidFill>
-                  <a:schemeClr val="tx1"/>
-                </a:solidFill>
-                <a:effectLst/>
-                <a:latin typeface="+mn-lt"/>
-                <a:ea typeface="+mn-ea"/>
-                <a:cs typeface="+mn-cs"/>
-              </a:rPr>
+              <a:rPr lang="el-GR" sz="600" dirty="0"/>
               <a:t>η οποία είναι μια βασική ερώτηση, δηλαδή πόσο καλό είναι το</a:t>
             </a:r>
             <a:r>
-              <a:rPr lang="en-US" sz="1200" kern="1200" baseline="0" dirty="0" smtClean="0">
-                <a:solidFill>
-                  <a:schemeClr val="tx1"/>
-                </a:solidFill>
-                <a:effectLst/>
-                <a:latin typeface="+mn-lt"/>
-                <a:ea typeface="+mn-ea"/>
-                <a:cs typeface="+mn-cs"/>
-              </a:rPr>
+              <a:rPr lang="en-US" sz="600" dirty="0"/>
               <a:t> deployment X </a:t>
             </a:r>
             <a:r>
-              <a:rPr lang="el-GR" sz="1200" kern="1200" baseline="0" dirty="0" smtClean="0">
-                <a:solidFill>
-                  <a:schemeClr val="tx1"/>
-                </a:solidFill>
-                <a:effectLst/>
-                <a:latin typeface="+mn-lt"/>
-                <a:ea typeface="+mn-ea"/>
-                <a:cs typeface="+mn-cs"/>
-              </a:rPr>
+              <a:rPr lang="el-GR" sz="600" dirty="0"/>
               <a:t>σε σχέση με το </a:t>
             </a:r>
             <a:r>
-              <a:rPr lang="en-US" sz="1200" kern="1200" baseline="0" dirty="0" smtClean="0">
-                <a:solidFill>
-                  <a:schemeClr val="tx1"/>
-                </a:solidFill>
-                <a:effectLst/>
-                <a:latin typeface="+mn-lt"/>
-                <a:ea typeface="+mn-ea"/>
-                <a:cs typeface="+mn-cs"/>
-              </a:rPr>
+              <a:rPr lang="en-US" sz="600" dirty="0"/>
               <a:t>deployment Y. </a:t>
             </a:r>
             <a:r>
-              <a:rPr lang="el-GR" sz="1200" kern="1200" baseline="0" dirty="0" smtClean="0">
-                <a:solidFill>
-                  <a:schemeClr val="tx1"/>
-                </a:solidFill>
-                <a:effectLst/>
-                <a:latin typeface="+mn-lt"/>
-                <a:ea typeface="+mn-ea"/>
-                <a:cs typeface="+mn-cs"/>
-              </a:rPr>
+              <a:rPr lang="el-GR" sz="600" dirty="0"/>
               <a:t>Στο δικό μας ΚΔ, καταρχήν υπάρχει μια κοινότητα η οποία έχει μια συλλογική γνώση όπου βάζοντας μαζί και τα </a:t>
             </a:r>
             <a:r>
-              <a:rPr lang="en-US" sz="1200" kern="1200" baseline="0" dirty="0" smtClean="0">
-                <a:solidFill>
-                  <a:schemeClr val="tx1"/>
-                </a:solidFill>
-                <a:effectLst/>
-                <a:latin typeface="+mn-lt"/>
-                <a:ea typeface="+mn-ea"/>
-                <a:cs typeface="+mn-cs"/>
-              </a:rPr>
+              <a:rPr lang="en-US" sz="600" dirty="0"/>
               <a:t>executions data </a:t>
             </a:r>
             <a:r>
-              <a:rPr lang="el-GR" sz="1200" kern="1200" baseline="0" dirty="0" smtClean="0">
-                <a:solidFill>
-                  <a:schemeClr val="tx1"/>
-                </a:solidFill>
-                <a:effectLst/>
-                <a:latin typeface="+mn-lt"/>
-                <a:ea typeface="+mn-ea"/>
-                <a:cs typeface="+mn-cs"/>
-              </a:rPr>
+              <a:rPr lang="el-GR" sz="600" dirty="0"/>
               <a:t>μπορούμε να βοηθήσουμε τους </a:t>
             </a:r>
             <a:r>
-              <a:rPr lang="en-US" sz="1200" kern="1200" baseline="0" dirty="0" smtClean="0">
-                <a:solidFill>
-                  <a:schemeClr val="tx1"/>
-                </a:solidFill>
-                <a:effectLst/>
-                <a:latin typeface="+mn-lt"/>
-                <a:ea typeface="+mn-ea"/>
-                <a:cs typeface="+mn-cs"/>
-              </a:rPr>
+              <a:rPr lang="en-US" sz="600" dirty="0"/>
               <a:t>cloud deployment specialists, </a:t>
             </a:r>
             <a:r>
-              <a:rPr lang="el-GR" sz="1200" kern="1200" baseline="0" dirty="0" smtClean="0">
-                <a:solidFill>
-                  <a:schemeClr val="tx1"/>
-                </a:solidFill>
-                <a:effectLst/>
-                <a:latin typeface="+mn-lt"/>
-                <a:ea typeface="+mn-ea"/>
-                <a:cs typeface="+mn-cs"/>
-              </a:rPr>
+              <a:rPr lang="el-GR" sz="600" dirty="0"/>
               <a:t>τους ειδικούς στο </a:t>
             </a:r>
             <a:r>
-              <a:rPr lang="en-US" sz="1200" kern="1200" baseline="0" dirty="0" smtClean="0">
-                <a:solidFill>
-                  <a:schemeClr val="tx1"/>
-                </a:solidFill>
-                <a:effectLst/>
-                <a:latin typeface="+mn-lt"/>
-                <a:ea typeface="+mn-ea"/>
-                <a:cs typeface="+mn-cs"/>
-              </a:rPr>
+              <a:rPr lang="en-US" sz="600" dirty="0"/>
               <a:t>deployment, </a:t>
             </a:r>
             <a:r>
-              <a:rPr lang="el-GR" sz="1200" kern="1200" baseline="0" dirty="0" smtClean="0">
-                <a:solidFill>
-                  <a:schemeClr val="tx1"/>
-                </a:solidFill>
-                <a:effectLst/>
-                <a:latin typeface="+mn-lt"/>
-                <a:ea typeface="+mn-ea"/>
-                <a:cs typeface="+mn-cs"/>
-              </a:rPr>
+              <a:rPr lang="el-GR" sz="600" dirty="0"/>
               <a:t>να καταλάβουν ποια </a:t>
             </a:r>
             <a:r>
-              <a:rPr lang="en-US" sz="1200" kern="1200" baseline="0" dirty="0" smtClean="0">
-                <a:solidFill>
-                  <a:schemeClr val="tx1"/>
-                </a:solidFill>
-                <a:effectLst/>
-                <a:latin typeface="+mn-lt"/>
-                <a:ea typeface="+mn-ea"/>
-                <a:cs typeface="+mn-cs"/>
-              </a:rPr>
+              <a:rPr lang="en-US" sz="600" dirty="0"/>
               <a:t>deployments </a:t>
             </a:r>
             <a:r>
-              <a:rPr lang="el-GR" sz="1200" kern="1200" baseline="0" dirty="0" smtClean="0">
-                <a:solidFill>
-                  <a:schemeClr val="tx1"/>
-                </a:solidFill>
-                <a:effectLst/>
-                <a:latin typeface="+mn-lt"/>
-                <a:ea typeface="+mn-ea"/>
-                <a:cs typeface="+mn-cs"/>
-              </a:rPr>
+              <a:rPr lang="el-GR" sz="600" dirty="0"/>
               <a:t>είναι πιο καλά από άλλα.</a:t>
             </a:r>
           </a:p>
           <a:p>
-            <a:pPr marL="0" marR="0" indent="0" algn="l" defTabSz="914400" rtl="0" eaLnBrk="1" fontAlgn="auto" latinLnBrk="0" hangingPunct="1">
-              <a:lnSpc>
-                <a:spcPct val="100000"/>
-              </a:lnSpc>
-              <a:spcBef>
-                <a:spcPts val="0"/>
-              </a:spcBef>
-              <a:spcAft>
-                <a:spcPts val="0"/>
-              </a:spcAft>
-              <a:buClrTx/>
-              <a:buSzTx/>
-              <a:buFontTx/>
-              <a:buNone/>
-              <a:tabLst/>
+            <a:pPr defTabSz="469819">
               <a:defRPr/>
             </a:pPr>
-            <a:endParaRPr lang="el-GR" sz="1200" kern="1200" baseline="0" dirty="0" smtClean="0">
-              <a:solidFill>
-                <a:schemeClr val="tx1"/>
-              </a:solidFill>
-              <a:effectLst/>
-              <a:latin typeface="+mn-lt"/>
-              <a:ea typeface="+mn-ea"/>
-              <a:cs typeface="+mn-cs"/>
-            </a:endParaRPr>
-          </a:p>
-          <a:p>
-            <a:pPr marL="0" marR="0" indent="0" algn="l" defTabSz="914400" rtl="0" eaLnBrk="1" fontAlgn="auto" latinLnBrk="0" hangingPunct="1">
-              <a:lnSpc>
-                <a:spcPct val="100000"/>
-              </a:lnSpc>
-              <a:spcBef>
-                <a:spcPts val="0"/>
-              </a:spcBef>
-              <a:spcAft>
-                <a:spcPts val="0"/>
-              </a:spcAft>
-              <a:buClrTx/>
-              <a:buSzTx/>
-              <a:buFontTx/>
-              <a:buNone/>
-              <a:tabLst/>
+            <a:r>
+              <a:rPr lang="el-GR" sz="600" dirty="0" smtClean="0"/>
+              <a:t>  </a:t>
+            </a:r>
+            <a:endParaRPr lang="el-GR" sz="600" dirty="0"/>
+          </a:p>
+          <a:p>
+            <a:pPr defTabSz="469819">
               <a:defRPr/>
             </a:pPr>
             <a:r>
-              <a:rPr lang="el-GR" sz="1200" kern="1200" baseline="0" dirty="0" smtClean="0">
-                <a:solidFill>
-                  <a:schemeClr val="tx1"/>
-                </a:solidFill>
-                <a:effectLst/>
-                <a:latin typeface="+mn-lt"/>
-                <a:ea typeface="+mn-ea"/>
-                <a:cs typeface="+mn-cs"/>
-              </a:rPr>
-              <a:t>Πρώτο ερώτημα είναι πως αναπαριστούμε τις εφαρμογές αυτές. Σε αυτό χρησιμοποιούμε το </a:t>
-            </a:r>
-            <a:r>
-              <a:rPr lang="en-US" sz="1200" kern="1200" baseline="0" dirty="0" smtClean="0">
-                <a:solidFill>
-                  <a:schemeClr val="tx1"/>
-                </a:solidFill>
-                <a:effectLst/>
-                <a:latin typeface="+mn-lt"/>
-                <a:ea typeface="+mn-ea"/>
-                <a:cs typeface="+mn-cs"/>
-              </a:rPr>
-              <a:t>model driven engineer, </a:t>
-            </a:r>
-            <a:r>
-              <a:rPr lang="el-GR" sz="1200" kern="1200" baseline="0" dirty="0" smtClean="0">
-                <a:solidFill>
-                  <a:schemeClr val="tx1"/>
-                </a:solidFill>
-                <a:effectLst/>
-                <a:latin typeface="+mn-lt"/>
-                <a:ea typeface="+mn-ea"/>
-                <a:cs typeface="+mn-cs"/>
-              </a:rPr>
-              <a:t>δηλαδή χρησιμοποιούμε μοντέλα. Άρα οι εφαρμογές μας είναι γραμμένα σαν μοντέλα, χρησιμοποιώντας την </a:t>
-            </a:r>
-            <a:r>
-              <a:rPr lang="en-US" sz="1200" kern="1200" baseline="0" dirty="0" smtClean="0">
-                <a:solidFill>
-                  <a:schemeClr val="tx1"/>
-                </a:solidFill>
-                <a:effectLst/>
-                <a:latin typeface="+mn-lt"/>
-                <a:ea typeface="+mn-ea"/>
-                <a:cs typeface="+mn-cs"/>
-              </a:rPr>
-              <a:t>modelling </a:t>
-            </a:r>
-            <a:r>
-              <a:rPr lang="el-GR" sz="1200" kern="1200" baseline="0" dirty="0" smtClean="0">
-                <a:solidFill>
-                  <a:schemeClr val="tx1"/>
-                </a:solidFill>
-                <a:effectLst/>
-                <a:latin typeface="+mn-lt"/>
-                <a:ea typeface="+mn-ea"/>
-                <a:cs typeface="+mn-cs"/>
-              </a:rPr>
-              <a:t>γλώσσα </a:t>
-            </a:r>
-            <a:r>
-              <a:rPr lang="en-US" sz="1200" kern="1200" baseline="0" dirty="0" smtClean="0">
-                <a:solidFill>
-                  <a:schemeClr val="tx1"/>
-                </a:solidFill>
-                <a:effectLst/>
-                <a:latin typeface="+mn-lt"/>
-                <a:ea typeface="+mn-ea"/>
-                <a:cs typeface="+mn-cs"/>
-              </a:rPr>
-              <a:t>CAMEL, </a:t>
-            </a:r>
-            <a:r>
-              <a:rPr lang="el-GR" sz="1200" kern="1200" baseline="0" dirty="0" smtClean="0">
-                <a:solidFill>
-                  <a:schemeClr val="tx1"/>
-                </a:solidFill>
-                <a:effectLst/>
-                <a:latin typeface="+mn-lt"/>
-                <a:ea typeface="+mn-ea"/>
-                <a:cs typeface="+mn-cs"/>
-              </a:rPr>
-              <a:t>η οποία είναι μια καινούρια γλώσσα από το </a:t>
-            </a:r>
-            <a:r>
-              <a:rPr lang="en-US" sz="1200" kern="1200" baseline="0" dirty="0" smtClean="0">
-                <a:solidFill>
-                  <a:schemeClr val="tx1"/>
-                </a:solidFill>
-                <a:effectLst/>
-                <a:latin typeface="+mn-lt"/>
-                <a:ea typeface="+mn-ea"/>
-                <a:cs typeface="+mn-cs"/>
-              </a:rPr>
-              <a:t>project PaaSage </a:t>
-            </a:r>
-            <a:r>
-              <a:rPr lang="el-GR" sz="1200" kern="1200" baseline="0" dirty="0" smtClean="0">
-                <a:solidFill>
-                  <a:schemeClr val="tx1"/>
-                </a:solidFill>
-                <a:effectLst/>
-                <a:latin typeface="+mn-lt"/>
-                <a:ea typeface="+mn-ea"/>
-                <a:cs typeface="+mn-cs"/>
-              </a:rPr>
-              <a:t>και τα μοντέλα αυτά αποθηκεύονται σε ένα </a:t>
-            </a:r>
-            <a:r>
-              <a:rPr lang="en-US" sz="1200" kern="1200" baseline="0" dirty="0" smtClean="0">
-                <a:solidFill>
-                  <a:schemeClr val="tx1"/>
-                </a:solidFill>
-                <a:effectLst/>
-                <a:latin typeface="+mn-lt"/>
-                <a:ea typeface="+mn-ea"/>
-                <a:cs typeface="+mn-cs"/>
-              </a:rPr>
-              <a:t>repository</a:t>
-            </a:r>
-            <a:r>
-              <a:rPr lang="el-GR" sz="1200" kern="1200" baseline="0" dirty="0" smtClean="0">
-                <a:solidFill>
-                  <a:schemeClr val="tx1"/>
-                </a:solidFill>
-                <a:effectLst/>
-                <a:latin typeface="+mn-lt"/>
-                <a:ea typeface="+mn-ea"/>
-                <a:cs typeface="+mn-cs"/>
-              </a:rPr>
-              <a:t>  που λέγεται </a:t>
-            </a:r>
-            <a:r>
-              <a:rPr lang="en-US" sz="1200" kern="1200" baseline="0" dirty="0" smtClean="0">
-                <a:solidFill>
-                  <a:schemeClr val="tx1"/>
-                </a:solidFill>
-                <a:effectLst/>
-                <a:latin typeface="+mn-lt"/>
-                <a:ea typeface="+mn-ea"/>
-                <a:cs typeface="+mn-cs"/>
-              </a:rPr>
-              <a:t>CDO. </a:t>
-            </a:r>
-            <a:endParaRPr lang="el-GR" sz="1200" kern="1200" baseline="0" dirty="0" smtClean="0">
-              <a:solidFill>
-                <a:schemeClr val="tx1"/>
-              </a:solidFill>
-              <a:effectLst/>
-              <a:latin typeface="+mn-lt"/>
-              <a:ea typeface="+mn-ea"/>
-              <a:cs typeface="+mn-cs"/>
-            </a:endParaRPr>
-          </a:p>
-          <a:p>
-            <a:pPr marL="0" marR="0" indent="0" algn="l" defTabSz="914400" rtl="0" eaLnBrk="1" fontAlgn="auto" latinLnBrk="0" hangingPunct="1">
-              <a:lnSpc>
-                <a:spcPct val="100000"/>
-              </a:lnSpc>
-              <a:spcBef>
-                <a:spcPts val="0"/>
-              </a:spcBef>
-              <a:spcAft>
-                <a:spcPts val="0"/>
-              </a:spcAft>
-              <a:buClrTx/>
-              <a:buSzTx/>
-              <a:buFontTx/>
-              <a:buNone/>
-              <a:tabLst/>
-              <a:defRPr/>
-            </a:pPr>
-            <a:r>
-              <a:rPr lang="el-GR" sz="1200" kern="1200" baseline="0" dirty="0" smtClean="0">
-                <a:solidFill>
-                  <a:schemeClr val="tx1"/>
-                </a:solidFill>
-                <a:effectLst/>
-                <a:latin typeface="+mn-lt"/>
-                <a:ea typeface="+mn-ea"/>
-                <a:cs typeface="+mn-cs"/>
-              </a:rPr>
-              <a:t> </a:t>
-            </a:r>
-            <a:endParaRPr lang="el-GR" sz="1200" kern="1200" dirty="0" smtClean="0">
-              <a:solidFill>
-                <a:schemeClr val="tx1"/>
-              </a:solidFill>
-              <a:effectLst/>
-              <a:latin typeface="+mn-lt"/>
-              <a:ea typeface="+mn-ea"/>
-              <a:cs typeface="+mn-cs"/>
-            </a:endParaRPr>
-          </a:p>
-          <a:p>
-            <a:pPr marL="0" marR="0" indent="0" algn="l" defTabSz="914400" rtl="0" eaLnBrk="1" fontAlgn="auto" latinLnBrk="0" hangingPunct="1">
-              <a:lnSpc>
-                <a:spcPct val="100000"/>
-              </a:lnSpc>
-              <a:spcBef>
-                <a:spcPts val="0"/>
-              </a:spcBef>
-              <a:spcAft>
-                <a:spcPts val="0"/>
-              </a:spcAft>
-              <a:buClrTx/>
-              <a:buSzTx/>
-              <a:buFontTx/>
-              <a:buNone/>
-              <a:tabLst/>
-              <a:defRPr/>
-            </a:pPr>
-            <a:r>
-              <a:rPr lang="el-GR" sz="1200" kern="1200" dirty="0" smtClean="0">
-                <a:solidFill>
-                  <a:schemeClr val="tx1"/>
-                </a:solidFill>
-                <a:effectLst/>
-                <a:latin typeface="+mn-lt"/>
-                <a:ea typeface="+mn-ea"/>
-                <a:cs typeface="+mn-cs"/>
-              </a:rPr>
-              <a:t>Το</a:t>
-            </a:r>
-            <a:r>
-              <a:rPr lang="el-GR" sz="1200" kern="1200" baseline="0" dirty="0" smtClean="0">
-                <a:solidFill>
-                  <a:schemeClr val="tx1"/>
-                </a:solidFill>
-                <a:effectLst/>
-                <a:latin typeface="+mn-lt"/>
-                <a:ea typeface="+mn-ea"/>
-                <a:cs typeface="+mn-cs"/>
-              </a:rPr>
-              <a:t> πρόβλημα με αυτά τα εργαλεία που αναφέραμε, όπως το </a:t>
-            </a:r>
-            <a:r>
-              <a:rPr lang="en-US" sz="1200" kern="1200" baseline="0" dirty="0" smtClean="0">
-                <a:solidFill>
-                  <a:schemeClr val="tx1"/>
-                </a:solidFill>
-                <a:effectLst/>
-                <a:latin typeface="+mn-lt"/>
-                <a:ea typeface="+mn-ea"/>
-                <a:cs typeface="+mn-cs"/>
-              </a:rPr>
-              <a:t>Chef &amp; IBM Bluemix, </a:t>
-            </a:r>
-            <a:r>
-              <a:rPr lang="el-GR" sz="1200" kern="1200" baseline="0" dirty="0" smtClean="0">
-                <a:solidFill>
-                  <a:schemeClr val="tx1"/>
-                </a:solidFill>
-                <a:effectLst/>
-                <a:latin typeface="+mn-lt"/>
-                <a:ea typeface="+mn-ea"/>
-                <a:cs typeface="+mn-cs"/>
-              </a:rPr>
-              <a:t>είναι ότι οι </a:t>
-            </a:r>
-            <a:r>
-              <a:rPr lang="en-US" sz="1200" kern="1200" baseline="0" dirty="0" smtClean="0">
-                <a:solidFill>
-                  <a:schemeClr val="tx1"/>
-                </a:solidFill>
-                <a:effectLst/>
-                <a:latin typeface="+mn-lt"/>
-                <a:ea typeface="+mn-ea"/>
-                <a:cs typeface="+mn-cs"/>
-              </a:rPr>
+              <a:rPr lang="el-GR" sz="600" dirty="0"/>
+              <a:t>Υπάρχουν μέχρι στιγμής κάποια συστήματα που προσφέρουν στους </a:t>
+            </a:r>
+            <a:r>
+              <a:rPr lang="en-US" sz="600" dirty="0"/>
               <a:t>DevOps </a:t>
             </a:r>
             <a:r>
-              <a:rPr lang="el-GR" sz="1200" kern="1200" baseline="0" dirty="0" smtClean="0">
-                <a:solidFill>
-                  <a:schemeClr val="tx1"/>
-                </a:solidFill>
-                <a:effectLst/>
-                <a:latin typeface="+mn-lt"/>
-                <a:ea typeface="+mn-ea"/>
-                <a:cs typeface="+mn-cs"/>
-              </a:rPr>
-              <a:t>σ</a:t>
-            </a:r>
-            <a:r>
-              <a:rPr lang="el-GR" sz="1200" kern="1200" dirty="0" smtClean="0">
-                <a:solidFill>
-                  <a:schemeClr val="tx1"/>
-                </a:solidFill>
-                <a:effectLst/>
-                <a:latin typeface="+mn-lt"/>
-                <a:ea typeface="+mn-ea"/>
-                <a:cs typeface="+mn-cs"/>
-              </a:rPr>
-              <a:t>χεδόν χειροκίνητα προσαρμόζουν και εγκαθιστούν τις εφαρμογές τους</a:t>
-            </a:r>
-            <a:r>
-              <a:rPr lang="en-US" sz="1200" kern="1200" dirty="0" smtClean="0">
-                <a:solidFill>
-                  <a:schemeClr val="tx1"/>
-                </a:solidFill>
-                <a:effectLst/>
-                <a:latin typeface="+mn-lt"/>
-                <a:ea typeface="+mn-ea"/>
-                <a:cs typeface="+mn-cs"/>
-              </a:rPr>
-              <a:t>,</a:t>
-            </a:r>
-            <a:r>
-              <a:rPr lang="en-US" sz="1200" kern="1200" baseline="0" dirty="0" smtClean="0">
-                <a:solidFill>
-                  <a:schemeClr val="tx1"/>
-                </a:solidFill>
-                <a:effectLst/>
-                <a:latin typeface="+mn-lt"/>
-                <a:ea typeface="+mn-ea"/>
-                <a:cs typeface="+mn-cs"/>
-              </a:rPr>
-              <a:t> </a:t>
-            </a:r>
-            <a:r>
-              <a:rPr lang="el-GR" sz="1200" kern="1200" baseline="0" dirty="0" smtClean="0">
-                <a:solidFill>
-                  <a:schemeClr val="tx1"/>
-                </a:solidFill>
-                <a:effectLst/>
-                <a:latin typeface="+mn-lt"/>
-                <a:ea typeface="+mn-ea"/>
-                <a:cs typeface="+mn-cs"/>
-              </a:rPr>
-              <a:t>κάνοντας </a:t>
-            </a:r>
-            <a:r>
-              <a:rPr lang="en-US" sz="1200" kern="1200" baseline="0" dirty="0" smtClean="0">
-                <a:solidFill>
-                  <a:schemeClr val="tx1"/>
-                </a:solidFill>
-                <a:effectLst/>
-                <a:latin typeface="+mn-lt"/>
-                <a:ea typeface="+mn-ea"/>
-                <a:cs typeface="+mn-cs"/>
-              </a:rPr>
-              <a:t>configure </a:t>
-            </a:r>
-            <a:r>
-              <a:rPr lang="el-GR" sz="1200" kern="1200" baseline="0" dirty="0" smtClean="0">
-                <a:solidFill>
-                  <a:schemeClr val="tx1"/>
-                </a:solidFill>
-                <a:effectLst/>
-                <a:latin typeface="+mn-lt"/>
-                <a:ea typeface="+mn-ea"/>
-                <a:cs typeface="+mn-cs"/>
-              </a:rPr>
-              <a:t>όλα τα </a:t>
-            </a:r>
-            <a:r>
-              <a:rPr lang="en-US" sz="1200" kern="1200" baseline="0" dirty="0" smtClean="0">
-                <a:solidFill>
-                  <a:schemeClr val="tx1"/>
-                </a:solidFill>
-                <a:effectLst/>
-                <a:latin typeface="+mn-lt"/>
-                <a:ea typeface="+mn-ea"/>
-                <a:cs typeface="+mn-cs"/>
-              </a:rPr>
-              <a:t>components </a:t>
-            </a:r>
-            <a:r>
-              <a:rPr lang="el-GR" sz="1200" kern="1200" baseline="0" dirty="0" smtClean="0">
-                <a:solidFill>
-                  <a:schemeClr val="tx1"/>
-                </a:solidFill>
-                <a:effectLst/>
-                <a:latin typeface="+mn-lt"/>
-                <a:ea typeface="+mn-ea"/>
-                <a:cs typeface="+mn-cs"/>
-              </a:rPr>
-              <a:t>της εφαρμογής. Προσφέρουμε ένα νέο τρόπο να διαχειρίζονται οι</a:t>
-            </a:r>
-            <a:r>
-              <a:rPr lang="en-US" sz="1200" kern="1200" baseline="0" dirty="0" smtClean="0">
-                <a:solidFill>
-                  <a:schemeClr val="tx1"/>
-                </a:solidFill>
-                <a:effectLst/>
-                <a:latin typeface="+mn-lt"/>
-                <a:ea typeface="+mn-ea"/>
-                <a:cs typeface="+mn-cs"/>
-              </a:rPr>
-              <a:t> DevOps </a:t>
-            </a:r>
-            <a:r>
-              <a:rPr lang="el-GR" sz="1200" kern="1200" baseline="0" dirty="0" smtClean="0">
-                <a:solidFill>
-                  <a:schemeClr val="tx1"/>
-                </a:solidFill>
-                <a:effectLst/>
-                <a:latin typeface="+mn-lt"/>
-                <a:ea typeface="+mn-ea"/>
-                <a:cs typeface="+mn-cs"/>
-              </a:rPr>
-              <a:t>τις εφαρμογές τους ως μοντέλα, προσφέροντας μια </a:t>
-            </a:r>
-            <a:r>
-              <a:rPr lang="en-US" sz="1200" kern="1200" baseline="0" dirty="0" smtClean="0">
-                <a:solidFill>
-                  <a:schemeClr val="tx1"/>
-                </a:solidFill>
-                <a:effectLst/>
-                <a:latin typeface="+mn-lt"/>
-                <a:ea typeface="+mn-ea"/>
-                <a:cs typeface="+mn-cs"/>
-              </a:rPr>
-              <a:t>model driven </a:t>
-            </a:r>
-            <a:r>
-              <a:rPr lang="el-GR" sz="1200" kern="1200" baseline="0" dirty="0" smtClean="0">
-                <a:solidFill>
-                  <a:schemeClr val="tx1"/>
-                </a:solidFill>
-                <a:effectLst/>
-                <a:latin typeface="+mn-lt"/>
-                <a:ea typeface="+mn-ea"/>
-                <a:cs typeface="+mn-cs"/>
-              </a:rPr>
-              <a:t>προσέγγιση που σαν στόχο έχει πιο γρήγορο </a:t>
-            </a:r>
-            <a:r>
-              <a:rPr lang="en-US" sz="1200" kern="1200" baseline="0" dirty="0" smtClean="0">
-                <a:solidFill>
-                  <a:schemeClr val="tx1"/>
-                </a:solidFill>
-                <a:effectLst/>
-                <a:latin typeface="+mn-lt"/>
-                <a:ea typeface="+mn-ea"/>
-                <a:cs typeface="+mn-cs"/>
-              </a:rPr>
-              <a:t>deployment</a:t>
-            </a:r>
-            <a:r>
-              <a:rPr lang="el-GR" sz="1200" kern="1200" baseline="0" dirty="0" smtClean="0">
-                <a:solidFill>
-                  <a:schemeClr val="tx1"/>
-                </a:solidFill>
-                <a:effectLst/>
-                <a:latin typeface="+mn-lt"/>
-                <a:ea typeface="+mn-ea"/>
-                <a:cs typeface="+mn-cs"/>
-              </a:rPr>
-              <a:t> των εφαρμογών.</a:t>
-            </a:r>
-            <a:endParaRPr lang="en-US" sz="1200" kern="1200" baseline="0" dirty="0" smtClean="0">
-              <a:solidFill>
-                <a:schemeClr val="tx1"/>
-              </a:solidFill>
-              <a:effectLst/>
-              <a:latin typeface="+mn-lt"/>
-              <a:ea typeface="+mn-ea"/>
-              <a:cs typeface="+mn-cs"/>
-            </a:endParaRPr>
-          </a:p>
-          <a:p>
-            <a:pPr marL="0" marR="0" indent="0" algn="l" defTabSz="914400" rtl="0" eaLnBrk="1" fontAlgn="auto" latinLnBrk="0" hangingPunct="1">
-              <a:lnSpc>
-                <a:spcPct val="100000"/>
-              </a:lnSpc>
-              <a:spcBef>
-                <a:spcPts val="0"/>
-              </a:spcBef>
-              <a:spcAft>
-                <a:spcPts val="0"/>
-              </a:spcAft>
-              <a:buClrTx/>
-              <a:buSzTx/>
-              <a:buFontTx/>
-              <a:buNone/>
-              <a:tabLst/>
-              <a:defRPr/>
-            </a:pPr>
-            <a:r>
-              <a:rPr lang="el-GR" sz="1200" kern="1200" baseline="0" dirty="0" smtClean="0">
-                <a:solidFill>
-                  <a:schemeClr val="tx1"/>
-                </a:solidFill>
-                <a:effectLst/>
-                <a:latin typeface="+mn-lt"/>
-                <a:ea typeface="+mn-ea"/>
-                <a:cs typeface="+mn-cs"/>
-              </a:rPr>
-              <a:t> </a:t>
-            </a:r>
-            <a:r>
-              <a:rPr lang="el-GR" sz="1200" kern="1200" dirty="0" smtClean="0">
-                <a:solidFill>
-                  <a:schemeClr val="tx1"/>
-                </a:solidFill>
-                <a:effectLst/>
-                <a:latin typeface="+mn-lt"/>
-                <a:ea typeface="+mn-ea"/>
-                <a:cs typeface="+mn-cs"/>
-              </a:rPr>
-              <a:t> </a:t>
-            </a:r>
-          </a:p>
-          <a:p>
-            <a:pPr marL="0" marR="0" indent="0" algn="l" defTabSz="914400" rtl="0" eaLnBrk="1" fontAlgn="auto" latinLnBrk="0" hangingPunct="1">
-              <a:lnSpc>
-                <a:spcPct val="100000"/>
-              </a:lnSpc>
-              <a:spcBef>
-                <a:spcPts val="0"/>
-              </a:spcBef>
-              <a:spcAft>
-                <a:spcPts val="0"/>
-              </a:spcAft>
-              <a:buClrTx/>
-              <a:buSzTx/>
-              <a:buFontTx/>
-              <a:buNone/>
-              <a:tabLst/>
-              <a:defRPr/>
-            </a:pPr>
-            <a:r>
-              <a:rPr lang="el-GR" dirty="0" smtClean="0"/>
-              <a:t>Υπάρχουν μέχρι στιγμής κάποια</a:t>
-            </a:r>
-            <a:r>
-              <a:rPr lang="el-GR" baseline="0" dirty="0" smtClean="0"/>
-              <a:t> συστήματα που προσφέρουν στους </a:t>
-            </a:r>
-            <a:r>
-              <a:rPr lang="en-US" baseline="0" dirty="0" smtClean="0"/>
-              <a:t>DevOps </a:t>
-            </a:r>
-            <a:r>
-              <a:rPr lang="el-GR" baseline="0" dirty="0" smtClean="0"/>
-              <a:t>χρήστες τους κάποιες διευκολύνσεις αλλά λείπει από την περιοχή ένα σύστημα το οποίο να φέρνει στους τελικούς χρήστες τους όλη την πληροφορία που χρειάζονται για μια εφαρμογή καθώς επίσης και μια κοινότητα χρηστών η οποία να τους βοηθάει και να απαντάει ερωτήσεις τους. Οπότε</a:t>
-            </a:r>
-            <a:r>
-              <a:rPr lang="en-US" baseline="0" dirty="0" smtClean="0"/>
-              <a:t>, </a:t>
-            </a:r>
-            <a:r>
-              <a:rPr lang="el-GR" baseline="0" dirty="0" smtClean="0"/>
-              <a:t>τώρα θα σας δείξω πως είναι το σύστημα αυτό και τι δυνατότητες προσφέρει το σύστημα…</a:t>
-            </a:r>
-            <a:endParaRPr lang="en-GB" dirty="0"/>
+              <a:rPr lang="el-GR" sz="600" dirty="0"/>
+              <a:t>χρήστες τους κάποιες διευκολύνσεις αλλά λείπει από την περιοχή ένα σύστημα το οποίο να φέρνει στους τελικούς χρήστες τους όλη την πληροφορία που χρειάζονται για μια εφαρμογή καθώς επίσης και μια κοινότητα χρηστών η οποία να τους βοηθάει και να απαντάει ερωτήσεις τους. </a:t>
+            </a:r>
+            <a:r>
+              <a:rPr lang="el-GR" sz="600" dirty="0" smtClean="0"/>
+              <a:t>Τώρα </a:t>
+            </a:r>
+            <a:r>
+              <a:rPr lang="el-GR" sz="600" dirty="0"/>
+              <a:t>θα σας δείξω πως είναι το σύστημα αυτό και τι δυνατότητες προσφέρει το σύστημα…</a:t>
+            </a:r>
+            <a:endParaRPr lang="en-GB" sz="600" dirty="0"/>
           </a:p>
         </p:txBody>
       </p:sp>
@@ -6996,585 +5887,230 @@
           <a:lstStyle/>
           <a:p>
             <a:r>
-              <a:rPr lang="el-GR" sz="1200" kern="1200" dirty="0" smtClean="0">
-                <a:solidFill>
-                  <a:schemeClr val="tx1"/>
-                </a:solidFill>
-                <a:effectLst/>
-                <a:latin typeface="+mn-lt"/>
-                <a:ea typeface="+mn-ea"/>
-                <a:cs typeface="+mn-cs"/>
-              </a:rPr>
-              <a:t>Έτσι έρχεται το δικό μας ΚΔ</a:t>
-            </a:r>
-            <a:r>
-              <a:rPr lang="el-GR" sz="1200" kern="1200" baseline="0" dirty="0" smtClean="0">
-                <a:solidFill>
-                  <a:schemeClr val="tx1"/>
-                </a:solidFill>
-                <a:effectLst/>
-                <a:latin typeface="+mn-lt"/>
-                <a:ea typeface="+mn-ea"/>
-                <a:cs typeface="+mn-cs"/>
-              </a:rPr>
-              <a:t> που ένας β</a:t>
-            </a:r>
-            <a:r>
-              <a:rPr lang="el-GR" sz="1200" kern="1200" dirty="0" smtClean="0">
-                <a:solidFill>
-                  <a:schemeClr val="tx1"/>
-                </a:solidFill>
-                <a:effectLst/>
-                <a:latin typeface="+mn-lt"/>
-                <a:ea typeface="+mn-ea"/>
-                <a:cs typeface="+mn-cs"/>
-              </a:rPr>
-              <a:t>ασικός</a:t>
-            </a:r>
-            <a:r>
-              <a:rPr lang="el-GR" sz="1200" kern="1200" baseline="0" dirty="0" smtClean="0">
-                <a:solidFill>
-                  <a:schemeClr val="tx1"/>
-                </a:solidFill>
-                <a:effectLst/>
-                <a:latin typeface="+mn-lt"/>
-                <a:ea typeface="+mn-ea"/>
-                <a:cs typeface="+mn-cs"/>
-              </a:rPr>
-              <a:t> στόχος του σχεδιασμού είναι να δημιουργήσει έναν ισχυρό δεσμό μεταξύ του </a:t>
-            </a:r>
-            <a:r>
-              <a:rPr lang="en-US" sz="1200" kern="1200" baseline="0" dirty="0" smtClean="0">
-                <a:solidFill>
-                  <a:schemeClr val="tx1"/>
-                </a:solidFill>
-                <a:effectLst/>
-                <a:latin typeface="+mn-lt"/>
-                <a:ea typeface="+mn-ea"/>
-                <a:cs typeface="+mn-cs"/>
-              </a:rPr>
+              <a:rPr lang="el-GR" sz="600" dirty="0" smtClean="0"/>
+              <a:t>Ένας </a:t>
+            </a:r>
+            <a:r>
+              <a:rPr lang="el-GR" sz="600" dirty="0"/>
+              <a:t>βασικός στόχος του σχεδιασμού είναι να δημιουργήσει έναν ισχυρό δεσμό μεταξύ του </a:t>
+            </a:r>
+            <a:r>
+              <a:rPr lang="en-US" sz="600" dirty="0"/>
               <a:t>software engineering </a:t>
             </a:r>
             <a:r>
-              <a:rPr lang="el-GR" sz="1200" kern="1200" baseline="0" dirty="0" smtClean="0">
-                <a:solidFill>
-                  <a:schemeClr val="tx1"/>
-                </a:solidFill>
-                <a:effectLst/>
-                <a:latin typeface="+mn-lt"/>
-                <a:ea typeface="+mn-ea"/>
-                <a:cs typeface="+mn-cs"/>
-              </a:rPr>
+              <a:rPr lang="el-GR" sz="600" dirty="0"/>
               <a:t>και μιας κοινότητας προσανατολισμένης μεταξύ της επικοινωνίας και της συνεργασίας μεταξύ των χρηστών. </a:t>
             </a:r>
-            <a:endParaRPr lang="en-US" sz="1200" kern="1200" baseline="0" dirty="0" smtClean="0">
-              <a:solidFill>
-                <a:schemeClr val="tx1"/>
-              </a:solidFill>
-              <a:effectLst/>
-              <a:latin typeface="+mn-lt"/>
-              <a:ea typeface="+mn-ea"/>
-              <a:cs typeface="+mn-cs"/>
-            </a:endParaRPr>
-          </a:p>
-          <a:p>
-            <a:endParaRPr lang="en-US" sz="1200" kern="1200" baseline="0" dirty="0" smtClean="0">
-              <a:solidFill>
-                <a:schemeClr val="tx1"/>
-              </a:solidFill>
-              <a:effectLst/>
-              <a:latin typeface="+mn-lt"/>
-              <a:ea typeface="+mn-ea"/>
-              <a:cs typeface="+mn-cs"/>
-            </a:endParaRPr>
-          </a:p>
-          <a:p>
-            <a:r>
-              <a:rPr lang="el-GR" sz="1200" kern="1200" baseline="0" dirty="0" smtClean="0">
-                <a:solidFill>
-                  <a:schemeClr val="tx1"/>
-                </a:solidFill>
-                <a:effectLst/>
-                <a:latin typeface="+mn-lt"/>
-                <a:ea typeface="+mn-ea"/>
-                <a:cs typeface="+mn-cs"/>
-              </a:rPr>
-              <a:t>Από την πλευρά του </a:t>
-            </a:r>
-            <a:r>
-              <a:rPr lang="en-US" sz="1200" kern="1200" baseline="0" dirty="0" smtClean="0">
-                <a:solidFill>
-                  <a:schemeClr val="tx1"/>
-                </a:solidFill>
-                <a:effectLst/>
-                <a:latin typeface="+mn-lt"/>
-                <a:ea typeface="+mn-ea"/>
-                <a:cs typeface="+mn-cs"/>
-              </a:rPr>
+            <a:endParaRPr lang="en-US" sz="600" dirty="0"/>
+          </a:p>
+          <a:p>
+            <a:endParaRPr lang="en-US" sz="600" dirty="0"/>
+          </a:p>
+          <a:p>
+            <a:pPr marL="0" marR="0" indent="0" algn="l" defTabSz="914400" rtl="0" eaLnBrk="1" fontAlgn="auto" latinLnBrk="0" hangingPunct="1">
+              <a:lnSpc>
+                <a:spcPct val="100000"/>
+              </a:lnSpc>
+              <a:spcBef>
+                <a:spcPts val="0"/>
+              </a:spcBef>
+              <a:spcAft>
+                <a:spcPts val="0"/>
+              </a:spcAft>
+              <a:buClrTx/>
+              <a:buSzTx/>
+              <a:buFontTx/>
+              <a:buNone/>
+              <a:tabLst/>
+              <a:defRPr/>
+            </a:pPr>
+            <a:r>
+              <a:rPr lang="el-GR" sz="600" dirty="0" smtClean="0"/>
+              <a:t>Από την πλευρά της κοινωνικής δικτύωσης, παρέχονται όλες οι δυνατότητες των «κλασικών» </a:t>
+            </a:r>
+            <a:r>
+              <a:rPr lang="en-US" sz="600" dirty="0" smtClean="0"/>
+              <a:t>Social Networks </a:t>
+            </a:r>
+            <a:r>
+              <a:rPr lang="el-GR" sz="600" dirty="0" smtClean="0"/>
+              <a:t>όπως η διαχείριση του </a:t>
+            </a:r>
+            <a:r>
+              <a:rPr lang="en-US" sz="600" dirty="0" smtClean="0"/>
+              <a:t>profile </a:t>
+            </a:r>
+            <a:r>
+              <a:rPr lang="el-GR" sz="600" dirty="0" smtClean="0"/>
+              <a:t>από τους χρήστες, η δυνατότητα να  συνδέονται με άλλους χρήστες ή να δημιουργούν και να συνδέονται σε ομάδες χρηστών. Καθώς επίσης, να συμμετέχουν σε συζητήσεις. </a:t>
+            </a:r>
+          </a:p>
+          <a:p>
+            <a:endParaRPr lang="el-GR" sz="600" dirty="0" smtClean="0"/>
+          </a:p>
+          <a:p>
+            <a:r>
+              <a:rPr lang="el-GR" sz="600" dirty="0" smtClean="0"/>
+              <a:t>Από </a:t>
+            </a:r>
+            <a:r>
+              <a:rPr lang="el-GR" sz="600" dirty="0"/>
+              <a:t>την πλευρά του </a:t>
+            </a:r>
+            <a:r>
+              <a:rPr lang="en-US" sz="600" dirty="0"/>
               <a:t>software engineering </a:t>
             </a:r>
             <a:r>
-              <a:rPr lang="el-GR" sz="1200" kern="1200" baseline="0" dirty="0" smtClean="0">
-                <a:solidFill>
-                  <a:schemeClr val="tx1"/>
-                </a:solidFill>
-                <a:effectLst/>
-                <a:latin typeface="+mn-lt"/>
-                <a:ea typeface="+mn-ea"/>
-                <a:cs typeface="+mn-cs"/>
-              </a:rPr>
+              <a:rPr lang="el-GR" sz="600" dirty="0"/>
               <a:t>προσανατολίζεται στην δυνατότητα των χρηστών να δημιουργούν μοντέλα, να βλέπουν χρήσιμες πληροφορίες για αυτά τα μοντέλα, καθώς επίσης και στο να υπάρχει η δυνατότητα να γίνουν </a:t>
             </a:r>
             <a:r>
-              <a:rPr lang="en-US" sz="1200" kern="1200" baseline="0" dirty="0" smtClean="0">
-                <a:solidFill>
-                  <a:schemeClr val="tx1"/>
-                </a:solidFill>
-                <a:effectLst/>
-                <a:latin typeface="+mn-lt"/>
-                <a:ea typeface="+mn-ea"/>
-                <a:cs typeface="+mn-cs"/>
-              </a:rPr>
+              <a:rPr lang="en-US" sz="600" dirty="0"/>
               <a:t>deploy </a:t>
             </a:r>
             <a:r>
-              <a:rPr lang="el-GR" sz="1200" kern="1200" baseline="0" dirty="0" smtClean="0">
-                <a:solidFill>
-                  <a:schemeClr val="tx1"/>
-                </a:solidFill>
-                <a:effectLst/>
-                <a:latin typeface="+mn-lt"/>
-                <a:ea typeface="+mn-ea"/>
-                <a:cs typeface="+mn-cs"/>
-              </a:rPr>
+              <a:rPr lang="el-GR" sz="600" dirty="0"/>
               <a:t>και να μπορούν να επαναχρησιμοποιήσουν υπάρχοντα μοντέλα μέσα στο </a:t>
             </a:r>
             <a:r>
-              <a:rPr lang="en-US" sz="1200" kern="1200" baseline="0" dirty="0" smtClean="0">
-                <a:solidFill>
-                  <a:schemeClr val="tx1"/>
-                </a:solidFill>
-                <a:effectLst/>
-                <a:latin typeface="+mn-lt"/>
-                <a:ea typeface="+mn-ea"/>
-                <a:cs typeface="+mn-cs"/>
-              </a:rPr>
+              <a:rPr lang="en-US" sz="600" dirty="0"/>
               <a:t>SNP.</a:t>
             </a:r>
             <a:r>
-              <a:rPr lang="el-GR" sz="1200" kern="1200" baseline="0" dirty="0" smtClean="0">
-                <a:solidFill>
-                  <a:schemeClr val="tx1"/>
-                </a:solidFill>
-                <a:effectLst/>
-                <a:latin typeface="+mn-lt"/>
-                <a:ea typeface="+mn-ea"/>
-                <a:cs typeface="+mn-cs"/>
-              </a:rPr>
+              <a:rPr lang="el-GR" sz="600" dirty="0"/>
               <a:t> Και γενικότερα φέρνει στο φως το </a:t>
             </a:r>
             <a:r>
-              <a:rPr lang="en-US" sz="1200" kern="1200" baseline="0" dirty="0" smtClean="0">
-                <a:solidFill>
-                  <a:schemeClr val="tx1"/>
-                </a:solidFill>
-                <a:effectLst/>
-                <a:latin typeface="+mn-lt"/>
-                <a:ea typeface="+mn-ea"/>
-                <a:cs typeface="+mn-cs"/>
-              </a:rPr>
+              <a:rPr lang="en-US" sz="600" dirty="0"/>
               <a:t>CAMEL repository </a:t>
             </a:r>
             <a:r>
-              <a:rPr lang="el-GR" sz="1200" kern="1200" baseline="0" dirty="0" smtClean="0">
-                <a:solidFill>
-                  <a:schemeClr val="tx1"/>
-                </a:solidFill>
-                <a:effectLst/>
-                <a:latin typeface="+mn-lt"/>
-                <a:ea typeface="+mn-ea"/>
-                <a:cs typeface="+mn-cs"/>
-              </a:rPr>
+              <a:rPr lang="el-GR" sz="600" dirty="0"/>
               <a:t>των μοντέλων.</a:t>
             </a:r>
           </a:p>
           <a:p>
-            <a:endParaRPr lang="el-GR" sz="1200" kern="1200" baseline="0" dirty="0" smtClean="0">
-              <a:solidFill>
-                <a:schemeClr val="tx1"/>
-              </a:solidFill>
-              <a:effectLst/>
-              <a:latin typeface="+mn-lt"/>
-              <a:ea typeface="+mn-ea"/>
-              <a:cs typeface="+mn-cs"/>
-            </a:endParaRPr>
-          </a:p>
-          <a:p>
-            <a:r>
-              <a:rPr lang="el-GR" sz="1200" kern="1200" baseline="0" dirty="0" smtClean="0">
-                <a:solidFill>
-                  <a:schemeClr val="tx1"/>
-                </a:solidFill>
-                <a:effectLst/>
-                <a:latin typeface="+mn-lt"/>
-                <a:ea typeface="+mn-ea"/>
-                <a:cs typeface="+mn-cs"/>
-              </a:rPr>
-              <a:t>Από την πλευρά της κοινωνικής δικτύωσης, παρέχονται όλες οι δυνατότητες των «κλασικών» </a:t>
-            </a:r>
-            <a:r>
-              <a:rPr lang="en-US" sz="1200" kern="1200" baseline="0" dirty="0" smtClean="0">
-                <a:solidFill>
-                  <a:schemeClr val="tx1"/>
-                </a:solidFill>
-                <a:effectLst/>
-                <a:latin typeface="+mn-lt"/>
-                <a:ea typeface="+mn-ea"/>
-                <a:cs typeface="+mn-cs"/>
-              </a:rPr>
-              <a:t>Social Networks </a:t>
-            </a:r>
-            <a:r>
-              <a:rPr lang="el-GR" sz="1200" kern="1200" baseline="0" dirty="0" smtClean="0">
-                <a:solidFill>
-                  <a:schemeClr val="tx1"/>
-                </a:solidFill>
-                <a:effectLst/>
-                <a:latin typeface="+mn-lt"/>
-                <a:ea typeface="+mn-ea"/>
-                <a:cs typeface="+mn-cs"/>
-              </a:rPr>
-              <a:t>όπως η διαχείριση του </a:t>
-            </a:r>
-            <a:r>
-              <a:rPr lang="en-US" sz="1200" kern="1200" baseline="0" dirty="0" smtClean="0">
-                <a:solidFill>
-                  <a:schemeClr val="tx1"/>
-                </a:solidFill>
-                <a:effectLst/>
-                <a:latin typeface="+mn-lt"/>
-                <a:ea typeface="+mn-ea"/>
-                <a:cs typeface="+mn-cs"/>
-              </a:rPr>
-              <a:t>profile </a:t>
-            </a:r>
-            <a:r>
-              <a:rPr lang="el-GR" sz="1200" kern="1200" baseline="0" dirty="0" smtClean="0">
-                <a:solidFill>
-                  <a:schemeClr val="tx1"/>
-                </a:solidFill>
-                <a:effectLst/>
-                <a:latin typeface="+mn-lt"/>
-                <a:ea typeface="+mn-ea"/>
-                <a:cs typeface="+mn-cs"/>
-              </a:rPr>
-              <a:t>από τους χρήστες, η δυνατότητα να  συνδέονται με άλλους χρήστες ή να δημιουργούν και να συνδέονται σε ομάδες χρηστών. Καθώς επίσης, να συμμετέχουν σε συζητήσεις να βαθμολογούν θετικά ή αρνητικά τις ερωτήσεις και τις απαντήσεις άλλων χρηστών. </a:t>
-            </a:r>
-          </a:p>
-          <a:p>
-            <a:endParaRPr lang="el-GR" sz="1200" kern="1200" baseline="0" dirty="0" smtClean="0">
-              <a:solidFill>
-                <a:schemeClr val="tx1"/>
-              </a:solidFill>
-              <a:latin typeface="+mn-lt"/>
-              <a:ea typeface="+mn-ea"/>
-              <a:cs typeface="+mn-cs"/>
-            </a:endParaRPr>
-          </a:p>
-          <a:p>
-            <a:r>
-              <a:rPr lang="el-GR" sz="1200" kern="1200" baseline="0" dirty="0" smtClean="0">
-                <a:solidFill>
-                  <a:schemeClr val="tx1"/>
-                </a:solidFill>
-                <a:latin typeface="+mn-lt"/>
-                <a:ea typeface="+mn-ea"/>
-                <a:cs typeface="+mn-cs"/>
-              </a:rPr>
+            <a:endParaRPr lang="el-GR" sz="600" dirty="0"/>
+          </a:p>
+          <a:p>
+            <a:r>
+              <a:rPr lang="el-GR" sz="600" dirty="0"/>
               <a:t>Μέσω αυτού του τρόπου, ακόμα και χρήστες που δεν έχουν ιδιαίτερη εμπειρία με τα μοντέλα και συγκεκριμένα με τα </a:t>
             </a:r>
             <a:r>
-              <a:rPr lang="en-US" sz="1200" kern="1200" baseline="0" dirty="0" smtClean="0">
-                <a:solidFill>
-                  <a:schemeClr val="tx1"/>
-                </a:solidFill>
-                <a:latin typeface="+mn-lt"/>
-                <a:ea typeface="+mn-ea"/>
-                <a:cs typeface="+mn-cs"/>
-              </a:rPr>
+              <a:rPr lang="en-US" sz="600" dirty="0"/>
               <a:t>CAMEL</a:t>
             </a:r>
             <a:r>
-              <a:rPr lang="el-GR" sz="1200" kern="1200" baseline="0" dirty="0" smtClean="0">
-                <a:solidFill>
-                  <a:schemeClr val="tx1"/>
-                </a:solidFill>
-                <a:latin typeface="+mn-lt"/>
-                <a:ea typeface="+mn-ea"/>
-                <a:cs typeface="+mn-cs"/>
-              </a:rPr>
-              <a:t> μοντέλα, έχουν την δυνατότητα να δημιουργούν τις δικές τους εφαρμογές χρησιμοποιώντας </a:t>
-            </a:r>
-            <a:r>
-              <a:rPr lang="en-US" sz="1200" kern="1200" baseline="0" dirty="0" smtClean="0">
-                <a:solidFill>
-                  <a:schemeClr val="tx1"/>
-                </a:solidFill>
-                <a:latin typeface="+mn-lt"/>
-                <a:ea typeface="+mn-ea"/>
-                <a:cs typeface="+mn-cs"/>
-              </a:rPr>
-              <a:t>components </a:t>
-            </a:r>
-            <a:r>
-              <a:rPr lang="el-GR" sz="1200" kern="1200" baseline="0" dirty="0" smtClean="0">
-                <a:solidFill>
-                  <a:schemeClr val="tx1"/>
-                </a:solidFill>
-                <a:latin typeface="+mn-lt"/>
-                <a:ea typeface="+mn-ea"/>
-                <a:cs typeface="+mn-cs"/>
-              </a:rPr>
+              <a:rPr lang="el-GR" sz="600" dirty="0"/>
+              <a:t> μοντέλα, έχουν την δυνατότητα να δημιουργούν τις δικές τους </a:t>
+            </a:r>
+            <a:r>
+              <a:rPr lang="el-GR" sz="600" dirty="0" smtClean="0"/>
+              <a:t>εφαρμογές</a:t>
+            </a:r>
+            <a:r>
+              <a:rPr lang="en-US" sz="600" dirty="0" smtClean="0"/>
+              <a:t>.</a:t>
+            </a:r>
+            <a:endParaRPr lang="el-GR" sz="600" dirty="0"/>
+          </a:p>
+          <a:p>
+            <a:endParaRPr lang="el-GR" sz="600" dirty="0"/>
+          </a:p>
+          <a:p>
+            <a:r>
+              <a:rPr lang="el-GR" sz="600" dirty="0" smtClean="0"/>
+              <a:t>Σημαντικό </a:t>
+            </a:r>
+            <a:r>
+              <a:rPr lang="el-GR" sz="600" dirty="0"/>
+              <a:t>είναι ότι μέσα από το </a:t>
+            </a:r>
+            <a:r>
+              <a:rPr lang="en-US" sz="600" dirty="0"/>
+              <a:t>community</a:t>
+            </a:r>
+            <a:r>
+              <a:rPr lang="el-GR" sz="600" dirty="0"/>
+              <a:t>,</a:t>
+            </a:r>
+            <a:r>
+              <a:rPr lang="en-US" sz="600" dirty="0"/>
+              <a:t> </a:t>
+            </a:r>
+            <a:r>
+              <a:rPr lang="el-GR" sz="600" dirty="0"/>
+              <a:t>οι χρήστες μπορούν να αναφερθούν σε πραγματικά </a:t>
+            </a:r>
+            <a:r>
+              <a:rPr lang="en-US" sz="600" dirty="0"/>
+              <a:t>execution </a:t>
+            </a:r>
+            <a:r>
+              <a:rPr lang="el-GR" sz="600" dirty="0"/>
+              <a:t>των </a:t>
+            </a:r>
+            <a:r>
+              <a:rPr lang="el-GR" sz="600" dirty="0" smtClean="0"/>
+              <a:t>εφαρμογών έτσι </a:t>
+            </a:r>
+            <a:r>
+              <a:rPr lang="el-GR" sz="600" dirty="0"/>
+              <a:t>δεν υπάρχει μόνο η εμπειρία του καθενός αλλά αυτή υποστηρίζεται με πραγματικά </a:t>
+            </a:r>
+            <a:r>
+              <a:rPr lang="en-US" sz="600" dirty="0"/>
+              <a:t>data</a:t>
+            </a:r>
+            <a:r>
+              <a:rPr lang="el-GR" sz="600" dirty="0"/>
+              <a:t>. </a:t>
+            </a:r>
+            <a:r>
+              <a:rPr lang="el-GR" sz="600" dirty="0"/>
+              <a:t>Το οποίο είναι </a:t>
+            </a:r>
+            <a:r>
+              <a:rPr lang="el-GR" sz="600" dirty="0" smtClean="0"/>
+              <a:t>πέρα </a:t>
+            </a:r>
+            <a:r>
+              <a:rPr lang="el-GR" sz="600" dirty="0"/>
               <a:t>από το </a:t>
             </a:r>
             <a:r>
-              <a:rPr lang="en-US" sz="1200" kern="1200" baseline="0" dirty="0" smtClean="0">
-                <a:solidFill>
-                  <a:schemeClr val="tx1"/>
-                </a:solidFill>
-                <a:latin typeface="+mn-lt"/>
-                <a:ea typeface="+mn-ea"/>
-                <a:cs typeface="+mn-cs"/>
-              </a:rPr>
-              <a:t>Chef supermarket.</a:t>
-            </a:r>
-            <a:endParaRPr lang="el-GR" sz="1200" kern="1200" baseline="0" dirty="0" smtClean="0">
-              <a:solidFill>
-                <a:schemeClr val="tx1"/>
-              </a:solidFill>
-              <a:latin typeface="+mn-lt"/>
-              <a:ea typeface="+mn-ea"/>
-              <a:cs typeface="+mn-cs"/>
-            </a:endParaRPr>
-          </a:p>
-          <a:p>
-            <a:endParaRPr lang="el-GR" sz="1200" kern="1200" baseline="0" dirty="0" smtClean="0">
-              <a:solidFill>
-                <a:schemeClr val="tx1"/>
-              </a:solidFill>
-              <a:latin typeface="+mn-lt"/>
-              <a:ea typeface="+mn-ea"/>
-              <a:cs typeface="+mn-cs"/>
-            </a:endParaRPr>
-          </a:p>
-          <a:p>
-            <a:r>
-              <a:rPr lang="el-GR" sz="1200" kern="1200" baseline="0" dirty="0" smtClean="0">
-                <a:solidFill>
-                  <a:schemeClr val="tx1"/>
-                </a:solidFill>
-                <a:latin typeface="+mn-lt"/>
-                <a:ea typeface="+mn-ea"/>
-                <a:cs typeface="+mn-cs"/>
-              </a:rPr>
-              <a:t>Τέλος</a:t>
-            </a:r>
-            <a:r>
-              <a:rPr lang="en-US" sz="1200" kern="1200" baseline="0" dirty="0" smtClean="0">
-                <a:solidFill>
-                  <a:schemeClr val="tx1"/>
-                </a:solidFill>
-                <a:latin typeface="+mn-lt"/>
-                <a:ea typeface="+mn-ea"/>
-                <a:cs typeface="+mn-cs"/>
-              </a:rPr>
-              <a:t> </a:t>
-            </a:r>
-            <a:r>
-              <a:rPr lang="el-GR" sz="1200" kern="1200" baseline="0" dirty="0" smtClean="0">
-                <a:solidFill>
-                  <a:schemeClr val="tx1"/>
-                </a:solidFill>
-                <a:latin typeface="+mn-lt"/>
-                <a:ea typeface="+mn-ea"/>
-                <a:cs typeface="+mn-cs"/>
-              </a:rPr>
-              <a:t>και πιο σημαντικό είναι ότι μέσα από το </a:t>
-            </a:r>
-            <a:r>
-              <a:rPr lang="en-US" sz="1200" kern="1200" baseline="0" dirty="0" smtClean="0">
-                <a:solidFill>
-                  <a:schemeClr val="tx1"/>
-                </a:solidFill>
-                <a:latin typeface="+mn-lt"/>
-                <a:ea typeface="+mn-ea"/>
-                <a:cs typeface="+mn-cs"/>
-              </a:rPr>
-              <a:t>community</a:t>
-            </a:r>
-            <a:r>
-              <a:rPr lang="el-GR" sz="1200" kern="1200" baseline="0" dirty="0" smtClean="0">
-                <a:solidFill>
-                  <a:schemeClr val="tx1"/>
-                </a:solidFill>
-                <a:latin typeface="+mn-lt"/>
-                <a:ea typeface="+mn-ea"/>
-                <a:cs typeface="+mn-cs"/>
-              </a:rPr>
-              <a:t>,</a:t>
-            </a:r>
-            <a:r>
-              <a:rPr lang="en-US" sz="1200" kern="1200" baseline="0" dirty="0" smtClean="0">
-                <a:solidFill>
-                  <a:schemeClr val="tx1"/>
-                </a:solidFill>
-                <a:latin typeface="+mn-lt"/>
-                <a:ea typeface="+mn-ea"/>
-                <a:cs typeface="+mn-cs"/>
-              </a:rPr>
-              <a:t> </a:t>
-            </a:r>
-            <a:r>
-              <a:rPr lang="el-GR" sz="1200" kern="1200" baseline="0" dirty="0" smtClean="0">
-                <a:solidFill>
-                  <a:schemeClr val="tx1"/>
-                </a:solidFill>
-                <a:latin typeface="+mn-lt"/>
-                <a:ea typeface="+mn-ea"/>
-                <a:cs typeface="+mn-cs"/>
-              </a:rPr>
-              <a:t>οι χρήστες μπορούν να αναφερθούν σε πραγματικά </a:t>
-            </a:r>
-            <a:r>
-              <a:rPr lang="en-US" sz="1200" kern="1200" baseline="0" dirty="0" smtClean="0">
-                <a:solidFill>
-                  <a:schemeClr val="tx1"/>
-                </a:solidFill>
-                <a:latin typeface="+mn-lt"/>
-                <a:ea typeface="+mn-ea"/>
-                <a:cs typeface="+mn-cs"/>
-              </a:rPr>
-              <a:t>execution </a:t>
-            </a:r>
-            <a:r>
-              <a:rPr lang="el-GR" sz="1200" kern="1200" baseline="0" dirty="0" smtClean="0">
-                <a:solidFill>
-                  <a:schemeClr val="tx1"/>
-                </a:solidFill>
-                <a:latin typeface="+mn-lt"/>
-                <a:ea typeface="+mn-ea"/>
-                <a:cs typeface="+mn-cs"/>
-              </a:rPr>
-              <a:t>των εφαρμογών(κάνοντας </a:t>
-            </a:r>
-            <a:r>
-              <a:rPr lang="en-US" sz="1200" kern="1200" baseline="0" dirty="0" smtClean="0">
-                <a:solidFill>
-                  <a:schemeClr val="tx1"/>
-                </a:solidFill>
-                <a:latin typeface="+mn-lt"/>
-                <a:ea typeface="+mn-ea"/>
-                <a:cs typeface="+mn-cs"/>
-              </a:rPr>
-              <a:t>link </a:t>
-            </a:r>
-            <a:r>
-              <a:rPr lang="el-GR" sz="1200" kern="1200" baseline="0" dirty="0" smtClean="0">
-                <a:solidFill>
-                  <a:schemeClr val="tx1"/>
-                </a:solidFill>
-                <a:latin typeface="+mn-lt"/>
-                <a:ea typeface="+mn-ea"/>
-                <a:cs typeface="+mn-cs"/>
-              </a:rPr>
-              <a:t>κάποιο μοντέλο) έτσι δεν υπάρχει μόνο η εμπειρία του καθενός αλλά αυτή υποστηρίζεται με πραγματικά </a:t>
-            </a:r>
-            <a:r>
-              <a:rPr lang="en-US" sz="1200" kern="1200" baseline="0" dirty="0" smtClean="0">
-                <a:solidFill>
-                  <a:schemeClr val="tx1"/>
-                </a:solidFill>
-                <a:latin typeface="+mn-lt"/>
-                <a:ea typeface="+mn-ea"/>
-                <a:cs typeface="+mn-cs"/>
-              </a:rPr>
-              <a:t>data</a:t>
-            </a:r>
-            <a:r>
-              <a:rPr lang="el-GR" sz="1200" kern="1200" baseline="0" dirty="0" smtClean="0">
-                <a:solidFill>
-                  <a:schemeClr val="tx1"/>
-                </a:solidFill>
-                <a:latin typeface="+mn-lt"/>
-                <a:ea typeface="+mn-ea"/>
-                <a:cs typeface="+mn-cs"/>
-              </a:rPr>
-              <a:t>. Το οποίο είναι πιο πέρα από το </a:t>
-            </a:r>
-            <a:r>
-              <a:rPr lang="en-US" sz="1200" kern="1200" baseline="0" dirty="0" smtClean="0">
-                <a:solidFill>
-                  <a:schemeClr val="tx1"/>
-                </a:solidFill>
-                <a:latin typeface="+mn-lt"/>
-                <a:ea typeface="+mn-ea"/>
-                <a:cs typeface="+mn-cs"/>
-              </a:rPr>
+              <a:rPr lang="en-US" sz="600" dirty="0"/>
               <a:t>state of the art </a:t>
             </a:r>
             <a:r>
-              <a:rPr lang="el-GR" sz="1200" kern="1200" baseline="0" dirty="0" smtClean="0">
-                <a:solidFill>
-                  <a:schemeClr val="tx1"/>
-                </a:solidFill>
-                <a:latin typeface="+mn-lt"/>
-                <a:ea typeface="+mn-ea"/>
-                <a:cs typeface="+mn-cs"/>
-              </a:rPr>
-              <a:t>σήμερα. Καθώς επίσης να έχουν </a:t>
-            </a:r>
-            <a:r>
-              <a:rPr lang="en-US" sz="1200" kern="1200" baseline="0" dirty="0" smtClean="0">
-                <a:solidFill>
-                  <a:schemeClr val="tx1"/>
-                </a:solidFill>
-                <a:latin typeface="+mn-lt"/>
-                <a:ea typeface="+mn-ea"/>
-                <a:cs typeface="+mn-cs"/>
-              </a:rPr>
+              <a:rPr lang="el-GR" sz="600" dirty="0"/>
+              <a:t>σήμερα. </a:t>
+            </a:r>
+            <a:r>
+              <a:rPr lang="el-GR" sz="600" dirty="0" smtClean="0"/>
+              <a:t>Τέλος, οι χρήστες μπορούν να </a:t>
+            </a:r>
+            <a:r>
+              <a:rPr lang="el-GR" sz="600" dirty="0"/>
+              <a:t>έχουν </a:t>
+            </a:r>
+            <a:r>
+              <a:rPr lang="en-US" sz="600" dirty="0"/>
               <a:t>real feedback</a:t>
             </a:r>
             <a:r>
-              <a:rPr lang="el-GR" sz="1200" kern="1200" baseline="0" dirty="0" smtClean="0">
-                <a:solidFill>
-                  <a:schemeClr val="tx1"/>
-                </a:solidFill>
-                <a:latin typeface="+mn-lt"/>
-                <a:ea typeface="+mn-ea"/>
-                <a:cs typeface="+mn-cs"/>
-              </a:rPr>
+              <a:rPr lang="el-GR" sz="600" dirty="0"/>
               <a:t> από την πλατφόρμα με διάφορα </a:t>
             </a:r>
             <a:r>
-              <a:rPr lang="en-US" sz="1200" kern="1200" baseline="0" dirty="0" smtClean="0">
-                <a:solidFill>
-                  <a:schemeClr val="tx1"/>
-                </a:solidFill>
-                <a:latin typeface="+mn-lt"/>
-                <a:ea typeface="+mn-ea"/>
-                <a:cs typeface="+mn-cs"/>
-              </a:rPr>
+              <a:rPr lang="en-US" sz="600" dirty="0"/>
               <a:t>hints </a:t>
             </a:r>
             <a:r>
-              <a:rPr lang="el-GR" sz="1200" kern="1200" baseline="0" dirty="0" smtClean="0">
-                <a:solidFill>
-                  <a:schemeClr val="tx1"/>
-                </a:solidFill>
-                <a:latin typeface="+mn-lt"/>
-                <a:ea typeface="+mn-ea"/>
-                <a:cs typeface="+mn-cs"/>
-              </a:rPr>
+              <a:rPr lang="el-GR" sz="600" dirty="0"/>
               <a:t>καθώς επίσης και με αυτοματοποιημένες απαντήσεις που θα δούμε σε λίγο.</a:t>
             </a:r>
             <a:endParaRPr lang="en-GB" dirty="0"/>
@@ -7659,7 +6195,9 @@
         </p:nvSpPr>
         <p:spPr/>
         <p:txBody>
-          <a:bodyPr/>
+          <a:bodyPr>
+            <a:normAutofit fontScale="85000" lnSpcReduction="10000"/>
+          </a:bodyPr>
           <a:lstStyle/>
           <a:p>
             <a:r>
@@ -7948,7 +6486,7 @@
         <p:spPr/>
         <p:txBody>
           <a:bodyPr>
-            <a:normAutofit fontScale="92500"/>
+            <a:normAutofit fontScale="47500" lnSpcReduction="20000"/>
           </a:bodyPr>
           <a:lstStyle/>
           <a:p>
@@ -8136,7 +6674,11 @@
             </a:r>
             <a:r>
               <a:rPr lang="el-GR" b="0" baseline="0" dirty="0" smtClean="0"/>
-              <a:t> στόχοι της εφαρμογής.</a:t>
+              <a:t> </a:t>
+            </a:r>
+            <a:r>
+              <a:rPr lang="el-GR" b="0" baseline="0" dirty="0" smtClean="0"/>
+              <a:t>στόχοι της εφαρμογής.</a:t>
             </a:r>
           </a:p>
           <a:p>
@@ -8261,11 +6803,15 @@
           <a:p>
             <a:r>
               <a:rPr lang="el-GR" b="0" baseline="0" dirty="0" smtClean="0"/>
-              <a:t>Αυτό που σας δείχνω είναι ο λεγόμενος </a:t>
+              <a:t>Για να δημιουργήσουμε ένα τέτοιο μοντέλο μπορούμε να χρησιμοποιήσουμε τον </a:t>
             </a:r>
             <a:r>
               <a:rPr lang="en-US" b="0" baseline="0" dirty="0" smtClean="0"/>
-              <a:t>tree editor </a:t>
+              <a:t>tree </a:t>
+            </a:r>
+            <a:r>
+              <a:rPr lang="en-US" b="0" baseline="0" dirty="0" smtClean="0"/>
+              <a:t>editor </a:t>
             </a:r>
             <a:r>
               <a:rPr lang="el-GR" b="0" baseline="0" dirty="0" smtClean="0"/>
@@ -8277,7 +6823,11 @@
             </a:r>
             <a:r>
               <a:rPr lang="el-GR" b="0" baseline="0" dirty="0" smtClean="0"/>
-              <a:t>και όταν κάποιος πατήσει εδώ μέσα βλέπει και άλλη πληροφορία που λίγο πολύ αυτό αντιστοιχεί στο παζλ που σας έδειξα πριν. Πίσω από τον </a:t>
+              <a:t>Όταν </a:t>
+            </a:r>
+            <a:r>
+              <a:rPr lang="el-GR" b="0" baseline="0" dirty="0" smtClean="0"/>
+              <a:t>κάποιος πατήσει εδώ μέσα βλέπει και άλλη πληροφορία που λίγο πολύ αυτό αντιστοιχεί στο παζλ που σας έδειξα πριν. Πίσω από τον </a:t>
             </a:r>
             <a:r>
               <a:rPr lang="en-US" b="0" baseline="0" dirty="0" smtClean="0"/>
@@ -8390,24 +6940,12 @@
         </p:nvSpPr>
         <p:spPr/>
         <p:txBody>
-          <a:bodyPr/>
-          <a:lstStyle/>
-          <a:p>
-            <a:pPr marL="0" marR="0" indent="0" algn="l" defTabSz="914400" rtl="0" eaLnBrk="1" fontAlgn="auto" latinLnBrk="0" hangingPunct="1">
-              <a:lnSpc>
-                <a:spcPct val="100000"/>
-              </a:lnSpc>
-              <a:spcBef>
-                <a:spcPts val="0"/>
-              </a:spcBef>
-              <a:spcAft>
-                <a:spcPts val="0"/>
-              </a:spcAft>
-              <a:buClrTx/>
-              <a:buSzTx/>
-              <a:buFontTx/>
-              <a:buNone/>
-              <a:tabLst/>
+          <a:bodyPr>
+            <a:normAutofit fontScale="55000" lnSpcReduction="20000"/>
+          </a:bodyPr>
+          <a:lstStyle/>
+          <a:p>
+            <a:pPr defTabSz="469819">
               <a:defRPr/>
             </a:pPr>
             <a:r>
@@ -8764,7 +7302,7 @@
             <a:fld id="{28F388FD-1349-4B74-B173-DEE231C45C9C}" type="datetime1">
               <a:rPr lang="en-US" smtClean="0"/>
               <a:pPr/>
-              <a:t>9/24/2015</a:t>
+              <a:t>9/26/2015</a:t>
             </a:fld>
             <a:endParaRPr lang="en-GB"/>
           </a:p>
@@ -9129,7 +7667,7 @@
             <a:fld id="{3C3A84A0-F2B7-46E0-9A1A-F54034D8EDBD}" type="datetime1">
               <a:rPr lang="en-US" smtClean="0"/>
               <a:pPr/>
-              <a:t>9/24/2015</a:t>
+              <a:t>9/26/2015</a:t>
             </a:fld>
             <a:endParaRPr lang="en-GB"/>
           </a:p>
@@ -9310,7 +7848,7 @@
             <a:fld id="{3E229035-3E06-4894-B0D5-FF6762DFC127}" type="datetime1">
               <a:rPr lang="en-US" smtClean="0"/>
               <a:pPr/>
-              <a:t>9/24/2015</a:t>
+              <a:t>9/26/2015</a:t>
             </a:fld>
             <a:endParaRPr lang="en-GB"/>
           </a:p>
@@ -9551,7 +8089,7 @@
             <a:fld id="{939D8CAB-AFAD-44F9-99B3-90A20D6DB4EE}" type="datetime1">
               <a:rPr lang="en-US" smtClean="0"/>
               <a:pPr/>
-              <a:t>9/24/2015</a:t>
+              <a:t>9/26/2015</a:t>
             </a:fld>
             <a:endParaRPr lang="en-GB"/>
           </a:p>
@@ -9826,7 +8364,7 @@
             <a:fld id="{D09FA660-D8B8-480E-80AE-E310B47D050A}" type="datetime1">
               <a:rPr lang="en-US" smtClean="0"/>
               <a:pPr/>
-              <a:t>9/24/2015</a:t>
+              <a:t>9/26/2015</a:t>
             </a:fld>
             <a:endParaRPr lang="en-GB"/>
           </a:p>
@@ -10052,7 +8590,7 @@
             <a:fld id="{428B1FCA-1F40-4707-9D4A-FC8C39D751AE}" type="datetime1">
               <a:rPr lang="en-US" smtClean="0"/>
               <a:pPr/>
-              <a:t>9/24/2015</a:t>
+              <a:t>9/26/2015</a:t>
             </a:fld>
             <a:endParaRPr lang="en-GB"/>
           </a:p>
@@ -10410,7 +8948,7 @@
             <a:fld id="{E29A0755-12E0-421D-A13C-381344A3C6C0}" type="datetime1">
               <a:rPr lang="en-US" smtClean="0"/>
               <a:pPr/>
-              <a:t>9/24/2015</a:t>
+              <a:t>9/26/2015</a:t>
             </a:fld>
             <a:endParaRPr lang="en-GB"/>
           </a:p>
@@ -10648,7 +9186,7 @@
             <a:fld id="{744C634E-EE12-4137-B0D4-C332E4335954}" type="datetime1">
               <a:rPr lang="en-US" smtClean="0"/>
               <a:pPr/>
-              <a:t>9/24/2015</a:t>
+              <a:t>9/26/2015</a:t>
             </a:fld>
             <a:endParaRPr lang="en-GB"/>
           </a:p>
@@ -10794,7 +9332,7 @@
             <a:fld id="{AD93D238-AA6B-4D3E-814E-9A3817EBE5A1}" type="datetime1">
               <a:rPr lang="en-US" smtClean="0"/>
               <a:pPr/>
-              <a:t>9/24/2015</a:t>
+              <a:t>9/26/2015</a:t>
             </a:fld>
             <a:endParaRPr lang="en-GB"/>
           </a:p>
@@ -11077,7 +9615,7 @@
             <a:fld id="{D6E12A9E-544D-4743-9F0B-884E2BF7D0B0}" type="datetime1">
               <a:rPr lang="en-US" smtClean="0"/>
               <a:pPr/>
-              <a:t>9/24/2015</a:t>
+              <a:t>9/26/2015</a:t>
             </a:fld>
             <a:endParaRPr lang="en-GB"/>
           </a:p>
@@ -11490,7 +10028,7 @@
             <a:fld id="{0EAE2EAB-07B8-4942-9591-287BBAF1E385}" type="datetime1">
               <a:rPr lang="en-US" smtClean="0"/>
               <a:pPr/>
-              <a:t>9/24/2015</a:t>
+              <a:t>9/26/2015</a:t>
             </a:fld>
             <a:endParaRPr lang="en-GB"/>
           </a:p>
@@ -11834,7 +10372,7 @@
             <a:fld id="{BABEAD1A-BFE9-4884-9063-04C5BBC12657}" type="datetime1">
               <a:rPr lang="en-US" smtClean="0"/>
               <a:pPr/>
-              <a:t>9/24/2015</a:t>
+              <a:t>9/26/2015</a:t>
             </a:fld>
             <a:endParaRPr lang="en-GB"/>
           </a:p>
@@ -12446,12 +10984,8 @@
           <a:p>
             <a:pPr algn="ctr"/>
             <a:r>
-              <a:rPr lang="en-GB" dirty="0" smtClean="0"/>
-              <a:t>Master </a:t>
-            </a:r>
-            <a:r>
               <a:rPr lang="en-US" dirty="0" smtClean="0"/>
-              <a:t>Thesis</a:t>
+              <a:t>Presentation: 15/10/2015</a:t>
             </a:r>
             <a:endParaRPr lang="en-GB" dirty="0"/>
           </a:p>
@@ -12530,7 +11064,11 @@
           <a:p>
             <a:r>
               <a:rPr lang="en-US" dirty="0" smtClean="0"/>
-              <a:t>System Architecture</a:t>
+              <a:t>System </a:t>
+            </a:r>
+            <a:r>
+              <a:rPr lang="en-US" dirty="0" smtClean="0"/>
+              <a:t>Architecture</a:t>
             </a:r>
             <a:endParaRPr lang="el-GR" dirty="0"/>
           </a:p>
@@ -12553,9 +11091,10 @@
           <a:p>
             <a:pPr algn="ctr"/>
             <a:r>
-              <a:rPr lang="en-GB" dirty="0"/>
-              <a:t>Master Thesis</a:t>
-            </a:r>
+              <a:rPr lang="en-US" dirty="0"/>
+              <a:t>Presentation: 15/10/2015</a:t>
+            </a:r>
+            <a:endParaRPr lang="en-GB" dirty="0"/>
           </a:p>
         </p:txBody>
       </p:sp>
@@ -12698,8 +11237,8 @@
           <a:p>
             <a:pPr algn="ctr"/>
             <a:r>
-              <a:rPr lang="en-GB" dirty="0" smtClean="0"/>
-              <a:t>Master Thesis</a:t>
+              <a:rPr lang="en-US" dirty="0"/>
+              <a:t>Presentation: 15/10/2015</a:t>
             </a:r>
             <a:endParaRPr lang="en-GB" dirty="0"/>
           </a:p>
@@ -13386,95 +11925,13 @@
           <a:chExt cx="0" cy="0"/>
         </a:xfrm>
       </p:grpSpPr>
-      <p:sp>
-        <p:nvSpPr>
-          <p:cNvPr id="2" name="Title 1"/>
-          <p:cNvSpPr>
-            <a:spLocks noGrp="1"/>
-          </p:cNvSpPr>
-          <p:nvPr>
-            <p:ph type="title"/>
-          </p:nvPr>
-        </p:nvSpPr>
-        <p:spPr>
-          <a:xfrm>
-            <a:off x="457200" y="152400"/>
-            <a:ext cx="8229600" cy="990600"/>
-          </a:xfrm>
-        </p:spPr>
-        <p:txBody>
-          <a:bodyPr/>
-          <a:lstStyle/>
-          <a:p>
-            <a:r>
-              <a:rPr lang="en-US" dirty="0" smtClean="0"/>
-              <a:t>Automated Replies</a:t>
-            </a:r>
-            <a:r>
-              <a:rPr lang="el-GR" dirty="0" smtClean="0"/>
-              <a:t> (2/2)</a:t>
-            </a:r>
-            <a:endParaRPr lang="el-GR" dirty="0"/>
-          </a:p>
-        </p:txBody>
-      </p:sp>
-      <p:sp>
-        <p:nvSpPr>
-          <p:cNvPr id="3" name="Footer Placeholder 2"/>
-          <p:cNvSpPr>
-            <a:spLocks noGrp="1"/>
-          </p:cNvSpPr>
-          <p:nvPr>
-            <p:ph type="ftr" sz="quarter" idx="11"/>
-          </p:nvPr>
-        </p:nvSpPr>
-        <p:spPr/>
-        <p:txBody>
-          <a:bodyPr/>
-          <a:lstStyle/>
-          <a:p>
-            <a:pPr algn="ctr"/>
-            <a:r>
-              <a:rPr lang="en-GB" dirty="0" smtClean="0"/>
-              <a:t>Master Thesis</a:t>
-            </a:r>
-            <a:endParaRPr lang="en-GB" dirty="0"/>
-          </a:p>
-        </p:txBody>
-      </p:sp>
-      <p:sp>
-        <p:nvSpPr>
-          <p:cNvPr id="4" name="Slide Number Placeholder 3"/>
-          <p:cNvSpPr>
-            <a:spLocks noGrp="1"/>
-          </p:cNvSpPr>
-          <p:nvPr>
-            <p:ph type="sldNum" sz="quarter" idx="12"/>
-          </p:nvPr>
-        </p:nvSpPr>
-        <p:spPr/>
-        <p:txBody>
-          <a:bodyPr/>
-          <a:lstStyle/>
-          <a:p>
-            <a:fld id="{5A039058-1920-4143-8EFA-8E582B1DAF65}" type="slidenum">
-              <a:rPr lang="en-GB" smtClean="0"/>
-              <a:pPr/>
-              <a:t>12</a:t>
-            </a:fld>
-            <a:endParaRPr lang="en-GB"/>
-          </a:p>
-        </p:txBody>
-      </p:sp>
       <p:pic>
         <p:nvPicPr>
-          <p:cNvPr id="6" name="Content Placeholder 5"/>
+          <p:cNvPr id="15" name="Picture 14"/>
           <p:cNvPicPr>
-            <a:picLocks noGrp="1" noChangeAspect="1"/>
+            <a:picLocks noChangeAspect="1"/>
           </p:cNvPicPr>
-          <p:nvPr>
-            <p:ph sz="quarter" idx="1"/>
-          </p:nvPr>
+          <p:nvPr/>
         </p:nvPicPr>
         <p:blipFill>
           <a:blip r:embed="rId3">
@@ -13490,27 +11947,109 @@
         </p:blipFill>
         <p:spPr>
           <a:xfrm>
-            <a:off x="457200" y="1844824"/>
-            <a:ext cx="8229600" cy="2574303"/>
+            <a:off x="457200" y="1628800"/>
+            <a:ext cx="8229600" cy="2574304"/>
+          </a:xfrm>
+          <a:prstGeom prst="rect">
+            <a:avLst/>
+          </a:prstGeom>
+        </p:spPr>
+      </p:pic>
+      <p:sp>
+        <p:nvSpPr>
+          <p:cNvPr id="2" name="Title 1"/>
+          <p:cNvSpPr>
+            <a:spLocks noGrp="1"/>
+          </p:cNvSpPr>
+          <p:nvPr>
+            <p:ph type="title"/>
+          </p:nvPr>
+        </p:nvSpPr>
+        <p:spPr>
+          <a:xfrm>
+            <a:off x="457200" y="152400"/>
+            <a:ext cx="8229600" cy="990600"/>
           </a:xfrm>
         </p:spPr>
-      </p:pic>
-      <p:sp>
-        <p:nvSpPr>
-          <p:cNvPr id="5" name="Rectangle 4"/>
+        <p:txBody>
+          <a:bodyPr/>
+          <a:lstStyle/>
+          <a:p>
+            <a:r>
+              <a:rPr lang="en-US" dirty="0" smtClean="0"/>
+              <a:t>Automated Replies</a:t>
+            </a:r>
+            <a:r>
+              <a:rPr lang="el-GR" dirty="0" smtClean="0"/>
+              <a:t> (2/2)</a:t>
+            </a:r>
+            <a:endParaRPr lang="el-GR" dirty="0"/>
+          </a:p>
+        </p:txBody>
+      </p:sp>
+      <p:sp>
+        <p:nvSpPr>
+          <p:cNvPr id="3" name="Footer Placeholder 2"/>
+          <p:cNvSpPr>
+            <a:spLocks noGrp="1"/>
+          </p:cNvSpPr>
+          <p:nvPr>
+            <p:ph type="ftr" sz="quarter" idx="11"/>
+          </p:nvPr>
+        </p:nvSpPr>
+        <p:spPr/>
+        <p:txBody>
+          <a:bodyPr/>
+          <a:lstStyle/>
+          <a:p>
+            <a:pPr algn="ctr"/>
+            <a:r>
+              <a:rPr lang="en-US" dirty="0"/>
+              <a:t>Presentation: 15/10/2015</a:t>
+            </a:r>
+            <a:endParaRPr lang="en-GB" dirty="0"/>
+          </a:p>
+        </p:txBody>
+      </p:sp>
+      <p:sp>
+        <p:nvSpPr>
+          <p:cNvPr id="4" name="Slide Number Placeholder 3"/>
+          <p:cNvSpPr>
+            <a:spLocks noGrp="1"/>
+          </p:cNvSpPr>
+          <p:nvPr>
+            <p:ph type="sldNum" sz="quarter" idx="12"/>
+          </p:nvPr>
+        </p:nvSpPr>
+        <p:spPr/>
+        <p:txBody>
+          <a:bodyPr/>
+          <a:lstStyle/>
+          <a:p>
+            <a:fld id="{5A039058-1920-4143-8EFA-8E582B1DAF65}" type="slidenum">
+              <a:rPr lang="en-GB" smtClean="0"/>
+              <a:pPr/>
+              <a:t>12</a:t>
+            </a:fld>
+            <a:endParaRPr lang="en-GB"/>
+          </a:p>
+        </p:txBody>
+      </p:sp>
+      <p:sp>
+        <p:nvSpPr>
+          <p:cNvPr id="16" name="Rectangle 15"/>
           <p:cNvSpPr/>
           <p:nvPr/>
         </p:nvSpPr>
         <p:spPr>
           <a:xfrm>
-            <a:off x="1043607" y="2611795"/>
-            <a:ext cx="1540233" cy="216024"/>
+            <a:off x="1043608" y="2420888"/>
+            <a:ext cx="961200" cy="144016"/>
           </a:xfrm>
           <a:prstGeom prst="rect">
             <a:avLst/>
           </a:prstGeom>
           <a:noFill/>
-          <a:ln w="28575"/>
         </p:spPr>
         <p:style>
           <a:lnRef idx="2">
@@ -13539,20 +12078,19 @@
       </p:sp>
       <p:sp>
         <p:nvSpPr>
-          <p:cNvPr id="7" name="Rectangle 6"/>
+          <p:cNvPr id="17" name="Rectangle 16"/>
           <p:cNvSpPr/>
           <p:nvPr/>
         </p:nvSpPr>
         <p:spPr>
           <a:xfrm>
-            <a:off x="2699792" y="2611795"/>
-            <a:ext cx="604129" cy="216024"/>
+            <a:off x="2699792" y="2420888"/>
+            <a:ext cx="583200" cy="144016"/>
           </a:xfrm>
           <a:prstGeom prst="rect">
             <a:avLst/>
           </a:prstGeom>
           <a:noFill/>
-          <a:ln w="28575"/>
         </p:spPr>
         <p:style>
           <a:lnRef idx="2">
@@ -13581,20 +12119,19 @@
       </p:sp>
       <p:sp>
         <p:nvSpPr>
-          <p:cNvPr id="8" name="Rectangle 7"/>
+          <p:cNvPr id="18" name="Rectangle 17"/>
           <p:cNvSpPr/>
           <p:nvPr/>
         </p:nvSpPr>
         <p:spPr>
           <a:xfrm>
-            <a:off x="3419873" y="2611795"/>
-            <a:ext cx="936104" cy="216024"/>
+            <a:off x="3419872" y="2420888"/>
+            <a:ext cx="558104" cy="144016"/>
           </a:xfrm>
           <a:prstGeom prst="rect">
             <a:avLst/>
           </a:prstGeom>
           <a:noFill/>
-          <a:ln w="28575"/>
         </p:spPr>
         <p:style>
           <a:lnRef idx="2">
@@ -13623,7 +12160,7 @@
       </p:sp>
       <p:pic>
         <p:nvPicPr>
-          <p:cNvPr id="10" name="Picture 9"/>
+          <p:cNvPr id="19" name="Picture 18"/>
           <p:cNvPicPr>
             <a:picLocks noChangeAspect="1"/>
           </p:cNvPicPr>
@@ -13643,8 +12180,8 @@
         </p:blipFill>
         <p:spPr>
           <a:xfrm>
-            <a:off x="323528" y="1855624"/>
-            <a:ext cx="8229600" cy="3039249"/>
+            <a:off x="457200" y="1628800"/>
+            <a:ext cx="8229600" cy="3039248"/>
           </a:xfrm>
           <a:prstGeom prst="rect">
             <a:avLst/>
@@ -13653,14 +12190,14 @@
       </p:pic>
       <p:sp>
         <p:nvSpPr>
-          <p:cNvPr id="11" name="Rectangle 10"/>
+          <p:cNvPr id="20" name="Rectangle 19"/>
           <p:cNvSpPr/>
           <p:nvPr/>
         </p:nvSpPr>
         <p:spPr>
           <a:xfrm>
-            <a:off x="2843808" y="2636912"/>
-            <a:ext cx="1980000" cy="190907"/>
+            <a:off x="2965496" y="2420888"/>
+            <a:ext cx="990152" cy="144016"/>
           </a:xfrm>
           <a:prstGeom prst="rect">
             <a:avLst/>
@@ -13669,16 +12206,100 @@
         </p:spPr>
         <p:style>
           <a:lnRef idx="2">
-            <a:schemeClr val="accent6"/>
+            <a:schemeClr val="accent1">
+              <a:shade val="50000"/>
+            </a:schemeClr>
           </a:lnRef>
           <a:fillRef idx="1">
-            <a:schemeClr val="lt1"/>
+            <a:schemeClr val="accent1"/>
           </a:fillRef>
           <a:effectRef idx="0">
-            <a:schemeClr val="accent6"/>
+            <a:schemeClr val="accent1"/>
           </a:effectRef>
           <a:fontRef idx="minor">
-            <a:schemeClr val="dk1"/>
+            <a:schemeClr val="lt1"/>
+          </a:fontRef>
+        </p:style>
+        <p:txBody>
+          <a:bodyPr rtlCol="0" anchor="ctr"/>
+          <a:lstStyle/>
+          <a:p>
+            <a:pPr algn="ctr"/>
+            <a:endParaRPr lang="el-GR"/>
+          </a:p>
+        </p:txBody>
+      </p:sp>
+      <p:sp>
+        <p:nvSpPr>
+          <p:cNvPr id="22" name="Rectangle 21"/>
+          <p:cNvSpPr/>
+          <p:nvPr/>
+        </p:nvSpPr>
+        <p:spPr>
+          <a:xfrm>
+            <a:off x="4341688" y="2420888"/>
+            <a:ext cx="612000" cy="144016"/>
+          </a:xfrm>
+          <a:prstGeom prst="rect">
+            <a:avLst/>
+          </a:prstGeom>
+          <a:noFill/>
+        </p:spPr>
+        <p:style>
+          <a:lnRef idx="2">
+            <a:schemeClr val="accent1">
+              <a:shade val="50000"/>
+            </a:schemeClr>
+          </a:lnRef>
+          <a:fillRef idx="1">
+            <a:schemeClr val="accent1"/>
+          </a:fillRef>
+          <a:effectRef idx="0">
+            <a:schemeClr val="accent1"/>
+          </a:effectRef>
+          <a:fontRef idx="minor">
+            <a:schemeClr val="lt1"/>
+          </a:fontRef>
+        </p:style>
+        <p:txBody>
+          <a:bodyPr rtlCol="0" anchor="ctr"/>
+          <a:lstStyle/>
+          <a:p>
+            <a:pPr algn="ctr"/>
+            <a:endParaRPr lang="el-GR"/>
+          </a:p>
+        </p:txBody>
+      </p:sp>
+      <p:sp>
+        <p:nvSpPr>
+          <p:cNvPr id="23" name="Rectangle 22"/>
+          <p:cNvSpPr/>
+          <p:nvPr/>
+        </p:nvSpPr>
+        <p:spPr>
+          <a:xfrm>
+            <a:off x="5193878" y="2425651"/>
+            <a:ext cx="612000" cy="144016"/>
+          </a:xfrm>
+          <a:prstGeom prst="rect">
+            <a:avLst/>
+          </a:prstGeom>
+          <a:noFill/>
+        </p:spPr>
+        <p:style>
+          <a:lnRef idx="2">
+            <a:schemeClr val="accent1">
+              <a:shade val="50000"/>
+            </a:schemeClr>
+          </a:lnRef>
+          <a:fillRef idx="1">
+            <a:schemeClr val="accent1"/>
+          </a:fillRef>
+          <a:effectRef idx="0">
+            <a:schemeClr val="accent1"/>
+          </a:effectRef>
+          <a:fontRef idx="minor">
+            <a:schemeClr val="lt1"/>
           </a:fontRef>
         </p:style>
         <p:txBody>
@@ -13721,7 +12342,7 @@
                             </p:stCondLst>
                             <p:childTnLst>
                               <p:par>
-                                <p:cTn id="5" presetID="10" presetClass="entr" presetSubtype="0" fill="hold" grpId="0" nodeType="clickEffect">
+                                <p:cTn id="5" presetID="1" presetClass="entr" presetSubtype="0" fill="hold" grpId="0" nodeType="clickEffect">
                                   <p:stCondLst>
                                     <p:cond delay="0"/>
                                   </p:stCondLst>
@@ -13734,7 +12355,106 @@
                                           </p:stCondLst>
                                         </p:cTn>
                                         <p:tgtEl>
-                                          <p:spTgt spid="5"/>
+                                          <p:spTgt spid="17"/>
+                                        </p:tgtEl>
+                                        <p:attrNameLst>
+                                          <p:attrName>style.visibility</p:attrName>
+                                        </p:attrNameLst>
+                                      </p:cBhvr>
+                                      <p:to>
+                                        <p:strVal val="visible"/>
+                                      </p:to>
+                                    </p:set>
+                                  </p:childTnLst>
+                                </p:cTn>
+                              </p:par>
+                              <p:par>
+                                <p:cTn id="7" presetID="1" presetClass="entr" presetSubtype="0" fill="hold" grpId="0" nodeType="withEffect">
+                                  <p:stCondLst>
+                                    <p:cond delay="0"/>
+                                  </p:stCondLst>
+                                  <p:childTnLst>
+                                    <p:set>
+                                      <p:cBhvr>
+                                        <p:cTn id="8" dur="1" fill="hold">
+                                          <p:stCondLst>
+                                            <p:cond delay="0"/>
+                                          </p:stCondLst>
+                                        </p:cTn>
+                                        <p:tgtEl>
+                                          <p:spTgt spid="16"/>
+                                        </p:tgtEl>
+                                        <p:attrNameLst>
+                                          <p:attrName>style.visibility</p:attrName>
+                                        </p:attrNameLst>
+                                      </p:cBhvr>
+                                      <p:to>
+                                        <p:strVal val="visible"/>
+                                      </p:to>
+                                    </p:set>
+                                  </p:childTnLst>
+                                </p:cTn>
+                              </p:par>
+                              <p:par>
+                                <p:cTn id="9" presetID="1" presetClass="entr" presetSubtype="0" fill="hold" grpId="0" nodeType="withEffect">
+                                  <p:stCondLst>
+                                    <p:cond delay="0"/>
+                                  </p:stCondLst>
+                                  <p:childTnLst>
+                                    <p:set>
+                                      <p:cBhvr>
+                                        <p:cTn id="10" dur="1" fill="hold">
+                                          <p:stCondLst>
+                                            <p:cond delay="0"/>
+                                          </p:stCondLst>
+                                        </p:cTn>
+                                        <p:tgtEl>
+                                          <p:spTgt spid="18"/>
+                                        </p:tgtEl>
+                                        <p:attrNameLst>
+                                          <p:attrName>style.visibility</p:attrName>
+                                        </p:attrNameLst>
+                                      </p:cBhvr>
+                                      <p:to>
+                                        <p:strVal val="visible"/>
+                                      </p:to>
+                                    </p:set>
+                                  </p:childTnLst>
+                                </p:cTn>
+                              </p:par>
+                            </p:childTnLst>
+                          </p:cTn>
+                        </p:par>
+                      </p:childTnLst>
+                    </p:cTn>
+                  </p:par>
+                  <p:par>
+                    <p:cTn id="11" fill="hold">
+                      <p:stCondLst>
+                        <p:cond delay="indefinite"/>
+                      </p:stCondLst>
+                      <p:childTnLst>
+                        <p:par>
+                          <p:cTn id="12" fill="hold">
+                            <p:stCondLst>
+                              <p:cond delay="0"/>
+                            </p:stCondLst>
+                            <p:childTnLst>
+                              <p:par>
+                                <p:cTn id="13" presetID="10" presetClass="entr" presetSubtype="0" fill="hold" nodeType="clickEffect">
+                                  <p:stCondLst>
+                                    <p:cond delay="0"/>
+                                  </p:stCondLst>
+                                  <p:childTnLst>
+                                    <p:set>
+                                      <p:cBhvr>
+                                        <p:cTn id="14" dur="1" fill="hold">
+                                          <p:stCondLst>
+                                            <p:cond delay="0"/>
+                                          </p:stCondLst>
+                                        </p:cTn>
+                                        <p:tgtEl>
+                                          <p:spTgt spid="19"/>
                                         </p:tgtEl>
                                         <p:attrNameLst>
                                           <p:attrName>style.visibility</p:attrName>
@@ -13746,79 +12466,9 @@
                                     </p:set>
                                     <p:animEffect transition="in" filter="fade">
                                       <p:cBhvr>
-                                        <p:cTn id="7" dur="500"/>
+                                        <p:cTn id="15" dur="500"/>
                                         <p:tgtEl>
-                                          <p:spTgt spid="5"/>
-                                        </p:tgtEl>
-                                      </p:cBhvr>
-                                    </p:animEffect>
-                                  </p:childTnLst>
-                                </p:cTn>
-                              </p:par>
-                              <p:par>
-                                <p:cTn id="8" presetID="10" presetClass="entr" presetSubtype="0" fill="hold" grpId="0" nodeType="withEffect">
-                                  <p:stCondLst>
-                                    <p:cond delay="0"/>
-                                  </p:stCondLst>
-                                  <p:childTnLst>
-                                    <p:set>
-                                      <p:cBhvr>
-                                        <p:cTn id="9" dur="1" fill="hold">
-                                          <p:stCondLst>
-                                            <p:cond delay="0"/>
-                                          </p:stCondLst>
-                                        </p:cTn>
-                                        <p:tgtEl>
-                                          <p:spTgt spid="7"/>
-                                        </p:tgtEl>
-                                        <p:attrNameLst>
-                                          <p:attrName>style.visibility</p:attrName>
-                                        </p:attrNameLst>
-                                      </p:cBhvr>
-                                      <p:to>
-                                        <p:strVal val="visible"/>
-                                      </p:to>
-                                    </p:set>
-                                    <p:animEffect transition="in" filter="fade">
-                                      <p:cBhvr>
-                                        <p:cTn id="10" dur="500"/>
-                                        <p:tgtEl>
-                                          <p:spTgt spid="7"/>
-                                        </p:tgtEl>
-                                      </p:cBhvr>
-                                    </p:animEffect>
-                                  </p:childTnLst>
-                                </p:cTn>
-                              </p:par>
-                              <p:par>
-                                <p:cTn id="11" presetID="10" presetClass="entr" presetSubtype="0" fill="hold" grpId="0" nodeType="withEffect">
-                                  <p:stCondLst>
-                                    <p:cond delay="0"/>
-                                  </p:stCondLst>
-                                  <p:childTnLst>
-                                    <p:set>
-                                      <p:cBhvr>
-                                        <p:cTn id="12" dur="1" fill="hold">
-                                          <p:stCondLst>
-                                            <p:cond delay="0"/>
-                                          </p:stCondLst>
-                                        </p:cTn>
-                                        <p:tgtEl>
-                                          <p:spTgt spid="8"/>
-                                        </p:tgtEl>
-                                        <p:attrNameLst>
-                                          <p:attrName>style.visibility</p:attrName>
-                                        </p:attrNameLst>
-                                      </p:cBhvr>
-                                      <p:to>
-                                        <p:strVal val="visible"/>
-                                      </p:to>
-                                    </p:set>
-                                    <p:animEffect transition="in" filter="fade">
-                                      <p:cBhvr>
-                                        <p:cTn id="13" dur="500"/>
-                                        <p:tgtEl>
-                                          <p:spTgt spid="8"/>
+                                          <p:spTgt spid="19"/>
                                         </p:tgtEl>
                                       </p:cBhvr>
                                     </p:animEffect>
@@ -13832,32 +12482,32 @@
                     </p:cTn>
                   </p:par>
                   <p:par>
-                    <p:cTn id="14" fill="hold">
+                    <p:cTn id="16" fill="hold">
                       <p:stCondLst>
                         <p:cond delay="indefinite"/>
                       </p:stCondLst>
                       <p:childTnLst>
                         <p:par>
-                          <p:cTn id="15" fill="hold">
+                          <p:cTn id="17" fill="hold">
                             <p:stCondLst>
                               <p:cond delay="0"/>
                             </p:stCondLst>
                             <p:childTnLst>
                               <p:par>
-                                <p:cTn id="16" presetID="6" presetClass="entr" presetSubtype="16" fill="hold" nodeType="clickEffect">
+                                <p:cTn id="18" presetID="2" presetClass="entr" presetSubtype="4" fill="hold" grpId="0" nodeType="clickEffect">
                                   <p:stCondLst>
                                     <p:cond delay="0"/>
                                   </p:stCondLst>
                                   <p:childTnLst>
                                     <p:set>
                                       <p:cBhvr>
-                                        <p:cTn id="17" dur="1" fill="hold">
+                                        <p:cTn id="19" dur="1" fill="hold">
                                           <p:stCondLst>
                                             <p:cond delay="0"/>
                                           </p:stCondLst>
                                         </p:cTn>
                                         <p:tgtEl>
-                                          <p:spTgt spid="10"/>
+                                          <p:spTgt spid="20"/>
                                         </p:tgtEl>
                                         <p:attrNameLst>
                                           <p:attrName>style.visibility</p:attrName>
@@ -13867,50 +12517,70 @@
                                         <p:strVal val="visible"/>
                                       </p:to>
                                     </p:set>
-                                    <p:animEffect transition="in" filter="circle(in)">
-                                      <p:cBhvr>
-                                        <p:cTn id="18" dur="2000"/>
+                                    <p:anim calcmode="lin" valueType="num">
+                                      <p:cBhvr additive="base">
+                                        <p:cTn id="20" dur="500" fill="hold"/>
                                         <p:tgtEl>
-                                          <p:spTgt spid="10"/>
+                                          <p:spTgt spid="20"/>
                                         </p:tgtEl>
+                                        <p:attrNameLst>
+                                          <p:attrName>ppt_x</p:attrName>
+                                        </p:attrNameLst>
                                       </p:cBhvr>
-                                    </p:animEffect>
+                                      <p:tavLst>
+                                        <p:tav tm="0">
+                                          <p:val>
+                                            <p:strVal val="#ppt_x"/>
+                                          </p:val>
+                                        </p:tav>
+                                        <p:tav tm="100000">
+                                          <p:val>
+                                            <p:strVal val="#ppt_x"/>
+                                          </p:val>
+                                        </p:tav>
+                                      </p:tavLst>
+                                    </p:anim>
+                                    <p:anim calcmode="lin" valueType="num">
+                                      <p:cBhvr additive="base">
+                                        <p:cTn id="21" dur="500" fill="hold"/>
+                                        <p:tgtEl>
+                                          <p:spTgt spid="20"/>
+                                        </p:tgtEl>
+                                        <p:attrNameLst>
+                                          <p:attrName>ppt_y</p:attrName>
+                                        </p:attrNameLst>
+                                      </p:cBhvr>
+                                      <p:tavLst>
+                                        <p:tav tm="0">
+                                          <p:val>
+                                            <p:strVal val="1+#ppt_h/2"/>
+                                          </p:val>
+                                        </p:tav>
+                                        <p:tav tm="100000">
+                                          <p:val>
+                                            <p:strVal val="#ppt_y"/>
+                                          </p:val>
+                                        </p:tav>
+                                      </p:tavLst>
+                                    </p:anim>
                                   </p:childTnLst>
                                 </p:cTn>
                               </p:par>
-                            </p:childTnLst>
-                          </p:cTn>
-                        </p:par>
-                      </p:childTnLst>
-                    </p:cTn>
-                  </p:par>
-                  <p:par>
-                    <p:cTn id="19" fill="hold">
-                      <p:stCondLst>
-                        <p:cond delay="indefinite"/>
-                      </p:stCondLst>
-                      <p:childTnLst>
-                        <p:par>
-                          <p:cTn id="20" fill="hold">
-                            <p:stCondLst>
-                              <p:cond delay="0"/>
-                            </p:stCondLst>
-                            <p:childTnLst>
                               <p:par>
-                                <p:cTn id="21" presetID="10" presetClass="entr" presetSubtype="0" fill="hold" grpId="0" nodeType="clickEffect">
+                                <p:cTn id="22" presetID="2" presetClass="entr" presetSubtype="4" fill="hold" grpId="0" nodeType="withEffect">
                                   <p:stCondLst>
                                     <p:cond delay="0"/>
                                   </p:stCondLst>
                                   <p:childTnLst>
                                     <p:set>
                                       <p:cBhvr>
-                                        <p:cTn id="22" dur="1" fill="hold">
+                                        <p:cTn id="23" dur="1" fill="hold">
                                           <p:stCondLst>
                                             <p:cond delay="0"/>
                                           </p:stCondLst>
                                         </p:cTn>
                                         <p:tgtEl>
-                                          <p:spTgt spid="11"/>
+                                          <p:spTgt spid="22"/>
                                         </p:tgtEl>
                                         <p:attrNameLst>
                                           <p:attrName>style.visibility</p:attrName>
@@ -13920,14 +12590,125 @@
                                         <p:strVal val="visible"/>
                                       </p:to>
                                     </p:set>
-                                    <p:animEffect transition="in" filter="fade">
+                                    <p:anim calcmode="lin" valueType="num">
+                                      <p:cBhvr additive="base">
+                                        <p:cTn id="24" dur="500" fill="hold"/>
+                                        <p:tgtEl>
+                                          <p:spTgt spid="22"/>
+                                        </p:tgtEl>
+                                        <p:attrNameLst>
+                                          <p:attrName>ppt_x</p:attrName>
+                                        </p:attrNameLst>
+                                      </p:cBhvr>
+                                      <p:tavLst>
+                                        <p:tav tm="0">
+                                          <p:val>
+                                            <p:strVal val="#ppt_x"/>
+                                          </p:val>
+                                        </p:tav>
+                                        <p:tav tm="100000">
+                                          <p:val>
+                                            <p:strVal val="#ppt_x"/>
+                                          </p:val>
+                                        </p:tav>
+                                      </p:tavLst>
+                                    </p:anim>
+                                    <p:anim calcmode="lin" valueType="num">
+                                      <p:cBhvr additive="base">
+                                        <p:cTn id="25" dur="500" fill="hold"/>
+                                        <p:tgtEl>
+                                          <p:spTgt spid="22"/>
+                                        </p:tgtEl>
+                                        <p:attrNameLst>
+                                          <p:attrName>ppt_y</p:attrName>
+                                        </p:attrNameLst>
+                                      </p:cBhvr>
+                                      <p:tavLst>
+                                        <p:tav tm="0">
+                                          <p:val>
+                                            <p:strVal val="1+#ppt_h/2"/>
+                                          </p:val>
+                                        </p:tav>
+                                        <p:tav tm="100000">
+                                          <p:val>
+                                            <p:strVal val="#ppt_y"/>
+                                          </p:val>
+                                        </p:tav>
+                                      </p:tavLst>
+                                    </p:anim>
+                                  </p:childTnLst>
+                                </p:cTn>
+                              </p:par>
+                              <p:par>
+                                <p:cTn id="26" presetID="2" presetClass="entr" presetSubtype="4" fill="hold" grpId="0" nodeType="withEffect">
+                                  <p:stCondLst>
+                                    <p:cond delay="0"/>
+                                  </p:stCondLst>
+                                  <p:childTnLst>
+                                    <p:set>
                                       <p:cBhvr>
-                                        <p:cTn id="23" dur="500"/>
+                                        <p:cTn id="27" dur="1" fill="hold">
+                                          <p:stCondLst>
+                                            <p:cond delay="0"/>
+                                          </p:stCondLst>
+                                        </p:cTn>
                                         <p:tgtEl>
-                                          <p:spTgt spid="11"/>
+                                          <p:spTgt spid="23"/>
                                         </p:tgtEl>
+                                        <p:attrNameLst>
+                                          <p:attrName>style.visibility</p:attrName>
+                                        </p:attrNameLst>
                                       </p:cBhvr>
-                                    </p:animEffect>
+                                      <p:to>
+                                        <p:strVal val="visible"/>
+                                      </p:to>
+                                    </p:set>
+                                    <p:anim calcmode="lin" valueType="num">
+                                      <p:cBhvr additive="base">
+                                        <p:cTn id="28" dur="500" fill="hold"/>
+                                        <p:tgtEl>
+                                          <p:spTgt spid="23"/>
+                                        </p:tgtEl>
+                                        <p:attrNameLst>
+                                          <p:attrName>ppt_x</p:attrName>
+                                        </p:attrNameLst>
+                                      </p:cBhvr>
+                                      <p:tavLst>
+                                        <p:tav tm="0">
+                                          <p:val>
+                                            <p:strVal val="#ppt_x"/>
+                                          </p:val>
+                                        </p:tav>
+                                        <p:tav tm="100000">
+                                          <p:val>
+                                            <p:strVal val="#ppt_x"/>
+                                          </p:val>
+                                        </p:tav>
+                                      </p:tavLst>
+                                    </p:anim>
+                                    <p:anim calcmode="lin" valueType="num">
+                                      <p:cBhvr additive="base">
+                                        <p:cTn id="29" dur="500" fill="hold"/>
+                                        <p:tgtEl>
+                                          <p:spTgt spid="23"/>
+                                        </p:tgtEl>
+                                        <p:attrNameLst>
+                                          <p:attrName>ppt_y</p:attrName>
+                                        </p:attrNameLst>
+                                      </p:cBhvr>
+                                      <p:tavLst>
+                                        <p:tav tm="0">
+                                          <p:val>
+                                            <p:strVal val="1+#ppt_h/2"/>
+                                          </p:val>
+                                        </p:tav>
+                                        <p:tav tm="100000">
+                                          <p:val>
+                                            <p:strVal val="#ppt_y"/>
+                                          </p:val>
+                                        </p:tav>
+                                      </p:tavLst>
+                                    </p:anim>
                                   </p:childTnLst>
                                 </p:cTn>
                               </p:par>
@@ -13959,10 +12740,12 @@
       </p:par>
     </p:tnLst>
     <p:bldLst>
-      <p:bldP spid="5" grpId="0" animBg="1"/>
-      <p:bldP spid="7" grpId="0" animBg="1"/>
-      <p:bldP spid="8" grpId="0" animBg="1"/>
-      <p:bldP spid="11" grpId="0" animBg="1"/>
+      <p:bldP spid="16" grpId="0" animBg="1"/>
+      <p:bldP spid="17" grpId="0" animBg="1"/>
+      <p:bldP spid="18" grpId="0" animBg="1"/>
+      <p:bldP spid="20" grpId="0" animBg="1"/>
+      <p:bldP spid="22" grpId="0" animBg="1"/>
+      <p:bldP spid="23" grpId="0" animBg="1"/>
     </p:bldLst>
   </p:timing>
 </p:sld>
@@ -14025,8 +12808,8 @@
           <a:p>
             <a:pPr algn="ctr"/>
             <a:r>
-              <a:rPr lang="en-GB" dirty="0" smtClean="0"/>
-              <a:t>Master Thesis</a:t>
+              <a:rPr lang="en-US" dirty="0"/>
+              <a:t>Presentation: 15/10/2015</a:t>
             </a:r>
             <a:endParaRPr lang="en-GB" dirty="0"/>
           </a:p>
@@ -14192,8 +12975,8 @@
           <a:p>
             <a:pPr algn="ctr"/>
             <a:r>
-              <a:rPr lang="en-GB" dirty="0" smtClean="0"/>
-              <a:t>Master Thesis</a:t>
+              <a:rPr lang="en-US" dirty="0"/>
+              <a:t>Presentation: 15/10/2015</a:t>
             </a:r>
             <a:endParaRPr lang="en-GB" dirty="0"/>
           </a:p>
@@ -14334,8 +13117,8 @@
           <a:p>
             <a:pPr algn="ctr"/>
             <a:r>
-              <a:rPr lang="en-GB" dirty="0" smtClean="0"/>
-              <a:t>Master Thesis</a:t>
+              <a:rPr lang="en-US" dirty="0"/>
+              <a:t>Presentation: 15/10/2015</a:t>
             </a:r>
             <a:endParaRPr lang="en-GB" dirty="0"/>
           </a:p>
@@ -14596,8 +13379,8 @@
           <a:p>
             <a:pPr algn="ctr"/>
             <a:r>
-              <a:rPr lang="en-GB" dirty="0" smtClean="0"/>
-              <a:t>Master Thesis</a:t>
+              <a:rPr lang="en-US" dirty="0"/>
+              <a:t>Presentation: 15/10/2015</a:t>
             </a:r>
             <a:endParaRPr lang="en-GB" dirty="0"/>
           </a:p>
@@ -14699,8 +13482,8 @@
           <a:p>
             <a:pPr algn="ctr"/>
             <a:r>
-              <a:rPr lang="en-GB" dirty="0" smtClean="0"/>
-              <a:t>Master Thesis</a:t>
+              <a:rPr lang="en-US" dirty="0"/>
+              <a:t>Presentation: 15/10/2015</a:t>
             </a:r>
             <a:endParaRPr lang="en-GB" dirty="0"/>
           </a:p>
@@ -14876,8 +13659,8 @@
           <a:p>
             <a:pPr algn="ctr"/>
             <a:r>
-              <a:rPr lang="en-GB" dirty="0" smtClean="0"/>
-              <a:t>Master Thesis</a:t>
+              <a:rPr lang="en-US" dirty="0"/>
+              <a:t>Presentation: 15/10/2015</a:t>
             </a:r>
             <a:endParaRPr lang="en-GB" dirty="0"/>
           </a:p>
@@ -15013,8 +13796,8 @@
           <a:p>
             <a:pPr algn="ctr"/>
             <a:r>
-              <a:rPr lang="en-GB" dirty="0" smtClean="0"/>
-              <a:t>Master Thesis</a:t>
+              <a:rPr lang="en-US" dirty="0"/>
+              <a:t>Presentation: 15/10/2015</a:t>
             </a:r>
             <a:endParaRPr lang="en-GB" dirty="0"/>
           </a:p>
@@ -15073,6 +13856,44 @@
           </a:xfrm>
         </p:spPr>
       </p:pic>
+      <p:sp>
+        <p:nvSpPr>
+          <p:cNvPr id="5" name="TextBox 4"/>
+          <p:cNvSpPr txBox="1"/>
+          <p:nvPr/>
+        </p:nvSpPr>
+        <p:spPr>
+          <a:xfrm>
+            <a:off x="6403848" y="5445224"/>
+            <a:ext cx="2282952" cy="646331"/>
+          </a:xfrm>
+          <a:prstGeom prst="rect">
+            <a:avLst/>
+          </a:prstGeom>
+          <a:noFill/>
+        </p:spPr>
+        <p:txBody>
+          <a:bodyPr wrap="square" rtlCol="0">
+            <a:spAutoFit/>
+          </a:bodyPr>
+          <a:lstStyle/>
+          <a:p>
+            <a:pPr algn="ctr"/>
+            <a:r>
+              <a:rPr lang="en-US" dirty="0" smtClean="0"/>
+              <a:t>All VMs in </a:t>
+            </a:r>
+          </a:p>
+          <a:p>
+            <a:pPr algn="ctr"/>
+            <a:r>
+              <a:rPr lang="en-US" dirty="0" smtClean="0"/>
+              <a:t>Amazon Web Services</a:t>
+            </a:r>
+            <a:endParaRPr lang="el-GR" dirty="0"/>
+          </a:p>
+        </p:txBody>
+      </p:sp>
     </p:spTree>
     <p:extLst>
       <p:ext uri="{BB962C8B-B14F-4D97-AF65-F5344CB8AC3E}">
@@ -15150,8 +13971,8 @@
           <a:p>
             <a:pPr algn="ctr"/>
             <a:r>
-              <a:rPr lang="en-GB" dirty="0" smtClean="0"/>
-              <a:t>Master Thesis</a:t>
+              <a:rPr lang="en-US" dirty="0"/>
+              <a:t>Presentation: 15/10/2015</a:t>
             </a:r>
             <a:endParaRPr lang="en-GB" dirty="0"/>
           </a:p>
@@ -15271,7 +14092,19 @@
           <a:p>
             <a:r>
               <a:rPr lang="en-US" dirty="0" smtClean="0"/>
-              <a:t>Response Time, adding </a:t>
+              <a:t>Response </a:t>
+            </a:r>
+            <a:r>
+              <a:rPr lang="en-US" dirty="0"/>
+              <a:t>t</a:t>
+            </a:r>
+            <a:r>
+              <a:rPr lang="en-US" dirty="0" smtClean="0"/>
+              <a:t>ime</a:t>
+            </a:r>
+            <a:r>
+              <a:rPr lang="en-US" dirty="0" smtClean="0"/>
+              <a:t>, adding </a:t>
             </a:r>
             <a:r>
               <a:rPr lang="en-US" dirty="0" err="1" smtClean="0"/>
@@ -15302,8 +14135,8 @@
           <a:p>
             <a:pPr algn="ctr"/>
             <a:r>
-              <a:rPr lang="en-GB" dirty="0" smtClean="0"/>
-              <a:t>Master Thesis</a:t>
+              <a:rPr lang="en-US" dirty="0"/>
+              <a:t>Presentation: 15/10/2015</a:t>
             </a:r>
             <a:endParaRPr lang="en-GB" dirty="0"/>
           </a:p>
@@ -16098,19 +14931,7 @@
                         <a:rPr lang="en-US" dirty="0" smtClean="0">
                           <a:latin typeface="Adobe Caslon Pro" panose="0205050205050A020403" pitchFamily="18" charset="0"/>
                         </a:rPr>
-                        <a:t>Two </a:t>
-                      </a:r>
-                      <a:r>
-                        <a:rPr lang="en-US" dirty="0" smtClean="0">
-                          <a:latin typeface="Adobe Caslon Pro" panose="0205050205050A020403" pitchFamily="18" charset="0"/>
-                        </a:rPr>
-                        <a:t>memcached </a:t>
-                      </a:r>
-                      <a:r>
-                        <a:rPr lang="en-US" dirty="0" smtClean="0">
-                          <a:latin typeface="Adobe Caslon Pro" panose="0205050205050A020403" pitchFamily="18" charset="0"/>
-                        </a:rPr>
-                        <a:t>node</a:t>
+                        <a:t>Two memcached node</a:t>
                       </a:r>
                       <a:endParaRPr lang="el-GR" dirty="0" smtClean="0"/>
                     </a:p>
@@ -16799,7 +15620,15 @@
           <a:p>
             <a:r>
               <a:rPr lang="en-US" dirty="0" smtClean="0"/>
-              <a:t>Response Time, adding SNE (2/2)</a:t>
+              <a:t>Response </a:t>
+            </a:r>
+            <a:r>
+              <a:rPr lang="en-US" dirty="0" smtClean="0"/>
+              <a:t>time</a:t>
+            </a:r>
+            <a:r>
+              <a:rPr lang="en-US" dirty="0" smtClean="0"/>
+              <a:t>, adding SNE (2/2)</a:t>
             </a:r>
             <a:endParaRPr lang="el-GR" dirty="0"/>
           </a:p>
@@ -16822,8 +15651,8 @@
           <a:p>
             <a:pPr algn="ctr"/>
             <a:r>
-              <a:rPr lang="en-GB" dirty="0" smtClean="0"/>
-              <a:t>Master Thesis</a:t>
+              <a:rPr lang="en-US" dirty="0"/>
+              <a:t>Presentation: 15/10/2015</a:t>
             </a:r>
             <a:endParaRPr lang="en-GB" dirty="0"/>
           </a:p>
@@ -16941,8 +15770,12 @@
               <a:t>CPU </a:t>
             </a:r>
             <a:r>
+              <a:rPr lang="en-US" dirty="0" smtClean="0"/>
+              <a:t>utilization</a:t>
+            </a:r>
+            <a:r>
               <a:rPr lang="en-US" dirty="0"/>
-              <a:t>Utilization, adding </a:t>
+              <a:t>, adding </a:t>
             </a:r>
             <a:r>
               <a:rPr lang="en-US" dirty="0" err="1"/>
@@ -16977,12 +15810,8 @@
           <a:p>
             <a:pPr algn="ctr"/>
             <a:r>
-              <a:rPr lang="en-GB" dirty="0" smtClean="0"/>
-              <a:t>Master </a:t>
-            </a:r>
-            <a:r>
-              <a:rPr lang="en-US" dirty="0" smtClean="0"/>
-              <a:t>Thesis</a:t>
+              <a:rPr lang="en-US" dirty="0"/>
+              <a:t>Presentation: 15/10/2015</a:t>
             </a:r>
             <a:endParaRPr lang="en-GB" dirty="0"/>
           </a:p>
@@ -17391,7 +16220,11 @@
             </a:r>
             <a:r>
               <a:rPr lang="en-US" dirty="0" smtClean="0"/>
-              <a:t>Utilization, adding SNE (2/2</a:t>
+              <a:t>utilization</a:t>
+            </a:r>
+            <a:r>
+              <a:rPr lang="en-US" dirty="0" smtClean="0"/>
+              <a:t>, adding SNE (2/2</a:t>
             </a:r>
             <a:r>
               <a:rPr lang="en-US" dirty="0"/>
@@ -17418,8 +16251,8 @@
           <a:p>
             <a:pPr algn="ctr"/>
             <a:r>
-              <a:rPr lang="en-GB" dirty="0" smtClean="0"/>
-              <a:t>Master Thesis</a:t>
+              <a:rPr lang="en-US" dirty="0"/>
+              <a:t>Presentation: 15/10/2015</a:t>
             </a:r>
             <a:endParaRPr lang="en-GB" dirty="0"/>
           </a:p>
@@ -17560,12 +16393,8 @@
           <a:p>
             <a:pPr algn="ctr"/>
             <a:r>
-              <a:rPr lang="en-GB" dirty="0" smtClean="0"/>
-              <a:t>Master </a:t>
-            </a:r>
-            <a:r>
-              <a:rPr lang="en-US" dirty="0" smtClean="0"/>
-              <a:t>Thesis</a:t>
+              <a:rPr lang="en-US" dirty="0"/>
+              <a:t>Presentation: 15/10/2015</a:t>
             </a:r>
             <a:endParaRPr lang="en-GB" dirty="0"/>
           </a:p>
@@ -18275,9 +17104,10 @@
           <a:p>
             <a:pPr algn="ctr"/>
             <a:r>
-              <a:rPr lang="en-GB" dirty="0"/>
-              <a:t>Master Thesis</a:t>
-            </a:r>
+              <a:rPr lang="en-US" dirty="0"/>
+              <a:t>Presentation: 15/10/2015</a:t>
+            </a:r>
+            <a:endParaRPr lang="en-GB" dirty="0"/>
           </a:p>
         </p:txBody>
       </p:sp>
@@ -18426,9 +17256,10 @@
           <a:p>
             <a:pPr algn="ctr"/>
             <a:r>
-              <a:rPr lang="en-GB" dirty="0"/>
-              <a:t>Master Thesis</a:t>
-            </a:r>
+              <a:rPr lang="en-US" dirty="0"/>
+              <a:t>Presentation: 15/10/2015</a:t>
+            </a:r>
+            <a:endParaRPr lang="en-GB" dirty="0"/>
           </a:p>
         </p:txBody>
       </p:sp>
@@ -18575,8 +17406,8 @@
           <a:p>
             <a:pPr algn="ctr"/>
             <a:r>
-              <a:rPr lang="en-GB" dirty="0" smtClean="0"/>
-              <a:t>Master Thesis</a:t>
+              <a:rPr lang="en-US" dirty="0"/>
+              <a:t>Presentation: 15/10/2015</a:t>
             </a:r>
             <a:endParaRPr lang="en-GB" dirty="0"/>
           </a:p>
@@ -18678,9 +17509,10 @@
           <a:p>
             <a:pPr algn="ctr"/>
             <a:r>
-              <a:rPr lang="en-GB" dirty="0"/>
-              <a:t>Master Thesis</a:t>
-            </a:r>
+              <a:rPr lang="en-US" dirty="0"/>
+              <a:t>Presentation: 15/10/2015</a:t>
+            </a:r>
+            <a:endParaRPr lang="en-GB" dirty="0"/>
           </a:p>
         </p:txBody>
       </p:sp>
@@ -18813,8 +17645,8 @@
         </p:nvSpPr>
         <p:spPr>
           <a:xfrm flipH="1">
-            <a:off x="3132982" y="3026272"/>
-            <a:ext cx="928694" cy="2071702"/>
+            <a:off x="3123974" y="3382945"/>
+            <a:ext cx="928694" cy="1699447"/>
           </a:xfrm>
           <a:prstGeom prst="chevron">
             <a:avLst>
@@ -18903,8 +17735,8 @@
         </p:blipFill>
         <p:spPr>
           <a:xfrm>
-            <a:off x="3011312" y="1289756"/>
-            <a:ext cx="1777625" cy="1688744"/>
+            <a:off x="2619834" y="1289755"/>
+            <a:ext cx="2169104" cy="2060649"/>
           </a:xfrm>
           <a:prstGeom prst="rect">
             <a:avLst/>
@@ -19414,9 +18246,10 @@
           <a:p>
             <a:pPr algn="ctr"/>
             <a:r>
-              <a:rPr lang="en-GB" dirty="0"/>
-              <a:t>Master Thesis</a:t>
-            </a:r>
+              <a:rPr lang="en-US" dirty="0"/>
+              <a:t>Presentation: 15/10/2015</a:t>
+            </a:r>
+            <a:endParaRPr lang="en-GB" dirty="0"/>
           </a:p>
         </p:txBody>
       </p:sp>
@@ -19547,8 +18380,8 @@
           <a:p>
             <a:pPr algn="ctr"/>
             <a:r>
-              <a:rPr lang="en-GB" dirty="0" smtClean="0"/>
-              <a:t>Master Thesis</a:t>
+              <a:rPr lang="en-US" dirty="0"/>
+              <a:t>Presentation: 15/10/2015</a:t>
             </a:r>
             <a:endParaRPr lang="en-GB" dirty="0"/>
           </a:p>
@@ -19757,9 +18590,10 @@
           <a:p>
             <a:pPr algn="ctr"/>
             <a:r>
-              <a:rPr lang="en-GB" dirty="0"/>
-              <a:t>Master Thesis</a:t>
-            </a:r>
+              <a:rPr lang="en-US" dirty="0"/>
+              <a:t>Presentation: 15/10/2015</a:t>
+            </a:r>
+            <a:endParaRPr lang="en-GB" dirty="0"/>
           </a:p>
         </p:txBody>
       </p:sp>
@@ -19859,9 +18693,10 @@
           <a:p>
             <a:pPr algn="ctr"/>
             <a:r>
-              <a:rPr lang="en-GB" dirty="0"/>
-              <a:t>Master Thesis</a:t>
-            </a:r>
+              <a:rPr lang="en-US" dirty="0"/>
+              <a:t>Presentation: 15/10/2015</a:t>
+            </a:r>
+            <a:endParaRPr lang="en-GB" dirty="0"/>
           </a:p>
         </p:txBody>
       </p:sp>
@@ -20287,8 +19122,8 @@
           <a:p>
             <a:pPr algn="ctr"/>
             <a:r>
-              <a:rPr lang="en-GB" dirty="0" smtClean="0"/>
-              <a:t>Master Thesis</a:t>
+              <a:rPr lang="en-US" dirty="0"/>
+              <a:t>Presentation: 15/10/2015</a:t>
             </a:r>
             <a:endParaRPr lang="en-GB" dirty="0"/>
           </a:p>

--- a/presentation/presentation.pptx
+++ b/presentation/presentation.pptx
@@ -147,6 +147,9 @@
         </p15:guide>
       </p15:sldGuideLst>
     </p:ext>
+    <p:ext uri="{2D200454-40CA-4A62-9FC3-DE9A4176ACB9}">
+      <p15:notesGuideLst xmlns:p15="http://schemas.microsoft.com/office/powerpoint/2012/main"/>
+    </p:ext>
   </p:extLst>
 </p:presentation>
 </file>
@@ -234,7 +237,7 @@
             <a:fld id="{35A36A6E-E9C2-465F-AFBE-66735C017D69}" type="datetimeFigureOut">
               <a:rPr lang="en-US" smtClean="0"/>
               <a:pPr/>
-              <a:t>9/26/2015</a:t>
+              <a:t>9/27/2015</a:t>
             </a:fld>
             <a:endParaRPr lang="en-GB"/>
           </a:p>
@@ -1261,13 +1264,8 @@
             </a:r>
             <a:r>
               <a:rPr lang="el-GR" baseline="0" dirty="0" smtClean="0"/>
-              <a:t>απάντηση πάνω στο ίδιο θέμα</a:t>
-            </a:r>
-            <a:r>
-              <a:rPr lang="el-GR" baseline="0" dirty="0" smtClean="0"/>
-              <a:t>. </a:t>
-            </a:r>
-            <a:endParaRPr lang="el-GR" baseline="0" dirty="0" smtClean="0"/>
+              <a:t>απάντηση πάνω στο ίδιο θέμα. </a:t>
+            </a:r>
           </a:p>
         </p:txBody>
       </p:sp>
@@ -1472,11 +1470,7 @@
             </a:r>
             <a:r>
               <a:rPr lang="en-US" baseline="0" dirty="0" smtClean="0"/>
-              <a:t>cost </a:t>
-            </a:r>
-            <a:r>
-              <a:rPr lang="en-US" baseline="0" dirty="0" smtClean="0"/>
-              <a:t>effective</a:t>
+              <a:t>cost effective</a:t>
             </a:r>
             <a:r>
               <a:rPr lang="el-GR" baseline="0" dirty="0" smtClean="0"/>
@@ -1517,19 +1511,7 @@
           <a:p>
             <a:r>
               <a:rPr lang="el-GR" baseline="0" dirty="0" smtClean="0"/>
-              <a:t>Όμως αυτή την περίπτωση δεν την έχουμε γενικεύσει. Κάποιος </a:t>
-            </a:r>
-            <a:r>
-              <a:rPr lang="el-GR" baseline="0" dirty="0" smtClean="0"/>
-              <a:t>θα μπορούσε να κοιτάξει έναν </a:t>
-            </a:r>
-            <a:r>
-              <a:rPr lang="el-GR" baseline="0" dirty="0" smtClean="0"/>
-              <a:t>αυτόματο μηχανικό </a:t>
-            </a:r>
-            <a:r>
-              <a:rPr lang="el-GR" baseline="0" dirty="0" smtClean="0"/>
-              <a:t>σχηματισμό των </a:t>
+              <a:t>Όμως αυτή την περίπτωση δεν την έχουμε γενικεύσει. Κάποιος θα μπορούσε να κοιτάξει έναν αυτόματο μηχανικό σχηματισμό των </a:t>
             </a:r>
             <a:r>
               <a:rPr lang="en-US" baseline="0" dirty="0" smtClean="0"/>
@@ -1537,11 +1519,7 @@
             </a:r>
             <a:r>
               <a:rPr lang="el-GR" baseline="0" dirty="0" smtClean="0"/>
-              <a:t>Αυτό είναι ένα ενδιαφέρον πρόβλημα, αλλά αυτό από μόνο του ξεφεύγει από τα όρια της δικής μου εργασίας και θα ήταν μια καλή μελλοντική δουλειά. </a:t>
-            </a:r>
-            <a:r>
-              <a:rPr lang="el-GR" baseline="0" dirty="0" smtClean="0"/>
-              <a:t>Εφόσον έχουμε το μηχανισμό να κάνουμε </a:t>
+              <a:t>Αυτό είναι ένα ενδιαφέρον πρόβλημα, αλλά αυτό από μόνο του ξεφεύγει από τα όρια της δικής μου εργασίας και θα ήταν μια καλή μελλοντική δουλειά. Εφόσον έχουμε το μηχανισμό να κάνουμε </a:t>
             </a:r>
             <a:r>
               <a:rPr lang="en-US" baseline="0" dirty="0" smtClean="0"/>
@@ -1573,11 +1551,7 @@
             </a:r>
             <a:r>
               <a:rPr lang="el-GR" baseline="0" dirty="0" smtClean="0"/>
-              <a:t>και το σύστημα από μόνο του μετά να εμφανίζει αυτή την </a:t>
-            </a:r>
-            <a:r>
-              <a:rPr lang="el-GR" baseline="0" dirty="0" smtClean="0"/>
-              <a:t>απάντηση και σε άλλες σχετικές ερωτήσεις. </a:t>
+              <a:t>και το σύστημα από μόνο του μετά να εμφανίζει αυτή την απάντηση και σε άλλες σχετικές ερωτήσεις. </a:t>
             </a:r>
             <a:endParaRPr lang="en-US" baseline="0" dirty="0" smtClean="0"/>
           </a:p>
@@ -1591,19 +1565,7 @@
             </a:r>
             <a:r>
               <a:rPr lang="el-GR" baseline="0" dirty="0" smtClean="0"/>
-              <a:t> </a:t>
-            </a:r>
-            <a:r>
-              <a:rPr lang="el-GR" baseline="0" dirty="0" smtClean="0"/>
-              <a:t>έρθει </a:t>
-            </a:r>
-            <a:r>
-              <a:rPr lang="el-GR" baseline="0" dirty="0" smtClean="0"/>
-              <a:t>μια </a:t>
-            </a:r>
-            <a:r>
-              <a:rPr lang="el-GR" baseline="0" dirty="0" smtClean="0"/>
-              <a:t>σχετική ερώτηση όπως αυτή που λέει ακριβώς το ίδιο πράγμα διαφορετικά εκφρασμένο, τότε μπορούμε να επωφεληθούμε γιατί η προηγούμενη απάντηση χρησιμοποιείτε και εδώ</a:t>
+              <a:t> έρθει μια σχετική ερώτηση όπως αυτή που λέει ακριβώς το ίδιο πράγμα διαφορετικά εκφρασμένο, τότε μπορούμε να επωφεληθούμε γιατί η προηγούμενη απάντηση χρησιμοποιείτε και εδώ</a:t>
             </a:r>
             <a:endParaRPr lang="en-US" baseline="0" dirty="0" smtClean="0"/>
           </a:p>
@@ -1702,7 +1664,7 @@
         <p:spPr/>
         <p:txBody>
           <a:bodyPr>
-            <a:normAutofit fontScale="47500" lnSpcReduction="20000"/>
+            <a:normAutofit fontScale="55000" lnSpcReduction="20000"/>
           </a:bodyPr>
           <a:lstStyle/>
           <a:p>
@@ -1718,11 +1680,7 @@
           <a:p>
             <a:r>
               <a:rPr lang="en-US" baseline="0" dirty="0" smtClean="0"/>
-              <a:t>To </a:t>
-            </a:r>
-            <a:r>
-              <a:rPr lang="en-US" baseline="0" dirty="0" smtClean="0"/>
-              <a:t>StackOverflow Community</a:t>
+              <a:t>To StackOverflow Community</a:t>
             </a:r>
             <a:r>
               <a:rPr lang="el-GR" baseline="0" dirty="0" smtClean="0"/>
@@ -1773,7 +1731,11 @@
             </a:pPr>
             <a:r>
               <a:rPr lang="el-GR" baseline="0" dirty="0" smtClean="0"/>
-              <a:t> Οι χρήστες του </a:t>
+              <a:t> </a:t>
+            </a:r>
+            <a:r>
+              <a:rPr lang="el-GR" baseline="0" dirty="0" smtClean="0"/>
+              <a:t>Οι χρήστες του </a:t>
             </a:r>
             <a:r>
               <a:rPr lang="en-US" baseline="0" dirty="0" smtClean="0"/>
@@ -1817,19 +1779,7 @@
           <a:p>
             <a:r>
               <a:rPr lang="el-GR" baseline="0" dirty="0" smtClean="0"/>
-              <a:t>Έτσι </a:t>
-            </a:r>
-            <a:r>
-              <a:rPr lang="el-GR" baseline="0" dirty="0" smtClean="0"/>
-              <a:t>χρησιμοποιήσαμε </a:t>
-            </a:r>
-            <a:r>
-              <a:rPr lang="el-GR" baseline="0" dirty="0" smtClean="0"/>
-              <a:t>ερωτήσεις </a:t>
-            </a:r>
-            <a:r>
-              <a:rPr lang="el-GR" baseline="0" dirty="0" smtClean="0"/>
-              <a:t>με σχετικά</a:t>
+              <a:t>Έτσι χρησιμοποιήσαμε ερωτήσεις με σχετικά</a:t>
             </a:r>
             <a:r>
               <a:rPr lang="en-US" baseline="0" dirty="0" smtClean="0"/>
@@ -1837,11 +1787,7 @@
             </a:r>
             <a:r>
               <a:rPr lang="el-GR" baseline="0" dirty="0" smtClean="0"/>
-              <a:t>στο </a:t>
-            </a:r>
-            <a:r>
-              <a:rPr lang="el-GR" baseline="0" dirty="0" smtClean="0"/>
-              <a:t>δικό μας δίκτυο.</a:t>
+              <a:t>στο δικό μας δίκτυο.</a:t>
             </a:r>
           </a:p>
           <a:p>
@@ -2054,27 +2000,7 @@
           <a:p>
             <a:r>
               <a:rPr lang="el-GR" baseline="0" dirty="0" smtClean="0"/>
-              <a:t>Ουσιαστικά, </a:t>
-            </a:r>
-            <a:r>
-              <a:rPr lang="el-GR" baseline="0" dirty="0" smtClean="0"/>
-              <a:t>το </a:t>
-            </a:r>
-            <a:r>
-              <a:rPr lang="el-GR" baseline="0" dirty="0" smtClean="0"/>
-              <a:t>σύνολο αυτών των δεδομένων</a:t>
-            </a:r>
-            <a:r>
-              <a:rPr lang="el-GR" baseline="0" dirty="0" smtClean="0"/>
-              <a:t>, το οποίο είναι χωρισμένο σε </a:t>
-            </a:r>
-            <a:r>
-              <a:rPr lang="el-GR" baseline="0" dirty="0" smtClean="0"/>
-              <a:t>κατηγορίες </a:t>
-            </a:r>
-            <a:r>
-              <a:rPr lang="el-GR" baseline="0" dirty="0" smtClean="0"/>
-              <a:t>χρησιμοποιώντας τα </a:t>
+              <a:t>Ουσιαστικά, το σύνολο αυτών των δεδομένων, το οποίο είναι χωρισμένο σε κατηγορίες χρησιμοποιώντας τα </a:t>
             </a:r>
             <a:r>
               <a:rPr lang="en-US" baseline="0" dirty="0" smtClean="0"/>
@@ -2085,16 +2011,12 @@
               <a:t> </a:t>
             </a:r>
             <a:r>
-              <a:rPr lang="el-GR" baseline="0" dirty="0" err="1" smtClean="0"/>
-              <a:t>χρησιμοιήθηκε</a:t>
-            </a:r>
-            <a:r>
-              <a:rPr lang="el-GR" baseline="0" dirty="0" smtClean="0"/>
-              <a:t> ώστε </a:t>
-            </a:r>
-            <a:r>
-              <a:rPr lang="el-GR" baseline="0" dirty="0" smtClean="0"/>
-              <a:t>να γίνει «</a:t>
+              <a:rPr lang="el-GR" baseline="0" dirty="0" smtClean="0"/>
+              <a:t>χρησιμοποιήθηκε </a:t>
+            </a:r>
+            <a:r>
+              <a:rPr lang="el-GR" baseline="0" dirty="0" smtClean="0"/>
+              <a:t>ώστε να γίνει «</a:t>
             </a:r>
             <a:r>
               <a:rPr lang="en-US" baseline="0" dirty="0" smtClean="0"/>
@@ -2118,11 +2040,7 @@
             </a:r>
             <a:r>
               <a:rPr lang="el-GR" baseline="0" dirty="0" smtClean="0"/>
-              <a:t>μας και </a:t>
-            </a:r>
-            <a:r>
-              <a:rPr lang="el-GR" baseline="0" dirty="0" smtClean="0"/>
-              <a:t>στην συνέχεια μπορεί με μία πιθανότητα να προσδιορίσει ένα καινούριο </a:t>
+              <a:t>μας και στην συνέχεια μπορεί με μία πιθανότητα να προσδιορίσει ένα καινούριο </a:t>
             </a:r>
             <a:r>
               <a:rPr lang="en-US" baseline="0" dirty="0" smtClean="0"/>
@@ -2292,11 +2210,6 @@
               <a:rPr lang="el-GR" baseline="0" dirty="0" smtClean="0"/>
               <a:t>.</a:t>
             </a:r>
-          </a:p>
-          <a:p>
-            <a:endParaRPr lang="el-GR" baseline="0" dirty="0" smtClean="0"/>
-          </a:p>
-          <a:p>
             <a:endParaRPr lang="el-GR" baseline="0" dirty="0" smtClean="0"/>
           </a:p>
           <a:p>
@@ -2508,11 +2421,7 @@
             </a:r>
             <a:r>
               <a:rPr lang="el-GR" baseline="0" dirty="0" smtClean="0"/>
-              <a:t>έχει ως εξής: Στην αρχή παρέχουμε στον </a:t>
-            </a:r>
-            <a:r>
-              <a:rPr lang="en-US" baseline="0" dirty="0" smtClean="0"/>
-              <a:t>NLPC, </a:t>
+              <a:t>έχει ως εξής: Στην αρχή παρέχουμε </a:t>
             </a:r>
             <a:r>
               <a:rPr lang="el-GR" baseline="0" dirty="0" smtClean="0"/>
@@ -2524,7 +2433,11 @@
             </a:r>
             <a:r>
               <a:rPr lang="el-GR" baseline="0" dirty="0" smtClean="0"/>
-              <a:t>τα οποία όμως ξέρουμε σε ποια κατηγορία ανήκουν. Συγκεκριμένα στο παράδειγμα εδώ, δίνουμε στον </a:t>
+              <a:t>τα οποία όμως ξέρουμε σε ποια κατηγορία ανήκουν. Συγκεκριμένα στο παράδειγμα εδώ, δίνουμε </a:t>
+            </a:r>
+            <a:r>
+              <a:rPr lang="el-GR" baseline="0" dirty="0" smtClean="0"/>
+              <a:t>στον </a:t>
             </a:r>
             <a:r>
               <a:rPr lang="en-US" baseline="0" dirty="0" smtClean="0"/>
@@ -3598,15 +3511,7 @@
           <a:p>
             <a:r>
               <a:rPr lang="el-GR" baseline="0" dirty="0" smtClean="0"/>
-              <a:t>Θα ξεκινήσουμε </a:t>
-            </a:r>
-            <a:r>
-              <a:rPr lang="el-GR" baseline="0" dirty="0" smtClean="0"/>
-              <a:t>τα κίνητρα που μας οδήγησαν σε αυτή την εργασία, </a:t>
-            </a:r>
-            <a:r>
-              <a:rPr lang="el-GR" baseline="0" dirty="0" smtClean="0"/>
-              <a:t>μετά θα μιλήσουμε για το </a:t>
+              <a:t>Θα ξεκινήσουμε τα κίνητρα που μας οδήγησαν σε αυτή την εργασία, μετά θα μιλήσουμε για το </a:t>
             </a:r>
             <a:r>
               <a:rPr lang="en-US" baseline="0" dirty="0" smtClean="0"/>
@@ -3622,23 +3527,7 @@
             </a:r>
             <a:r>
               <a:rPr lang="el-GR" baseline="0" dirty="0" smtClean="0"/>
-              <a:t>της ΠΚΔ και </a:t>
-            </a:r>
-            <a:r>
-              <a:rPr lang="el-GR" baseline="0" dirty="0" smtClean="0"/>
-              <a:t>στο τέλος της παρουσίαση </a:t>
-            </a:r>
-            <a:r>
-              <a:rPr lang="el-GR" baseline="0" dirty="0" smtClean="0"/>
-              <a:t>θα </a:t>
-            </a:r>
-            <a:r>
-              <a:rPr lang="el-GR" baseline="0" dirty="0" smtClean="0"/>
-              <a:t>συζητήσουμε για </a:t>
-            </a:r>
-            <a:r>
-              <a:rPr lang="el-GR" baseline="0" dirty="0" smtClean="0"/>
-              <a:t>την αξιολόγηση του ΚΔ.</a:t>
+              <a:t>της ΠΚΔ και στο τέλος της παρουσίαση θα συζητήσουμε για την αξιολόγηση του ΚΔ.</a:t>
             </a:r>
             <a:endParaRPr lang="en-US" dirty="0" smtClean="0"/>
           </a:p>
@@ -5096,11 +4985,7 @@
             </a:r>
             <a:r>
               <a:rPr lang="el-GR" baseline="0" dirty="0" smtClean="0"/>
-              <a:t> με </a:t>
-            </a:r>
-            <a:r>
-              <a:rPr lang="el-GR" baseline="0" dirty="0" smtClean="0"/>
-              <a:t>το </a:t>
+              <a:t> με το </a:t>
             </a:r>
             <a:r>
               <a:rPr lang="en-US" baseline="0" dirty="0" smtClean="0"/>
@@ -5198,7 +5083,7 @@
         </p:spPr>
         <p:txBody>
           <a:bodyPr>
-            <a:normAutofit fontScale="85000" lnSpcReduction="20000"/>
+            <a:normAutofit fontScale="70000" lnSpcReduction="20000"/>
           </a:bodyPr>
           <a:lstStyle/>
           <a:p>
@@ -5882,7 +5767,7 @@
         <p:spPr/>
         <p:txBody>
           <a:bodyPr>
-            <a:normAutofit fontScale="92500" lnSpcReduction="10000"/>
+            <a:normAutofit fontScale="92500" lnSpcReduction="20000"/>
           </a:bodyPr>
           <a:lstStyle/>
           <a:p>
@@ -6067,11 +5952,7 @@
             </a:r>
             <a:r>
               <a:rPr lang="el-GR" sz="600" dirty="0"/>
-              <a:t>. </a:t>
-            </a:r>
-            <a:r>
-              <a:rPr lang="el-GR" sz="600" dirty="0"/>
-              <a:t>Το οποίο είναι </a:t>
+              <a:t>. Το οποίο είναι </a:t>
             </a:r>
             <a:r>
               <a:rPr lang="el-GR" sz="600" dirty="0" smtClean="0"/>
@@ -6674,11 +6555,7 @@
             </a:r>
             <a:r>
               <a:rPr lang="el-GR" b="0" baseline="0" dirty="0" smtClean="0"/>
-              <a:t> </a:t>
-            </a:r>
-            <a:r>
-              <a:rPr lang="el-GR" b="0" baseline="0" dirty="0" smtClean="0"/>
-              <a:t>στόχοι της εφαρμογής.</a:t>
+              <a:t> στόχοι της εφαρμογής.</a:t>
             </a:r>
           </a:p>
           <a:p>
@@ -6807,11 +6684,7 @@
             </a:r>
             <a:r>
               <a:rPr lang="en-US" b="0" baseline="0" dirty="0" smtClean="0"/>
-              <a:t>tree </a:t>
-            </a:r>
-            <a:r>
-              <a:rPr lang="en-US" b="0" baseline="0" dirty="0" smtClean="0"/>
-              <a:t>editor </a:t>
+              <a:t>tree editor </a:t>
             </a:r>
             <a:r>
               <a:rPr lang="el-GR" b="0" baseline="0" dirty="0" smtClean="0"/>
@@ -6823,11 +6696,7 @@
             </a:r>
             <a:r>
               <a:rPr lang="el-GR" b="0" baseline="0" dirty="0" smtClean="0"/>
-              <a:t>Όταν </a:t>
-            </a:r>
-            <a:r>
-              <a:rPr lang="el-GR" b="0" baseline="0" dirty="0" smtClean="0"/>
-              <a:t>κάποιος πατήσει εδώ μέσα βλέπει και άλλη πληροφορία που λίγο πολύ αυτό αντιστοιχεί στο παζλ που σας έδειξα πριν. Πίσω από τον </a:t>
+              <a:t>Όταν κάποιος πατήσει εδώ μέσα βλέπει και άλλη πληροφορία που λίγο πολύ αυτό αντιστοιχεί στο παζλ που σας έδειξα πριν. Πίσω από τον </a:t>
             </a:r>
             <a:r>
               <a:rPr lang="en-US" b="0" baseline="0" dirty="0" smtClean="0"/>
@@ -7302,7 +7171,7 @@
             <a:fld id="{28F388FD-1349-4B74-B173-DEE231C45C9C}" type="datetime1">
               <a:rPr lang="en-US" smtClean="0"/>
               <a:pPr/>
-              <a:t>9/26/2015</a:t>
+              <a:t>9/27/2015</a:t>
             </a:fld>
             <a:endParaRPr lang="en-GB"/>
           </a:p>
@@ -7667,7 +7536,7 @@
             <a:fld id="{3C3A84A0-F2B7-46E0-9A1A-F54034D8EDBD}" type="datetime1">
               <a:rPr lang="en-US" smtClean="0"/>
               <a:pPr/>
-              <a:t>9/26/2015</a:t>
+              <a:t>9/27/2015</a:t>
             </a:fld>
             <a:endParaRPr lang="en-GB"/>
           </a:p>
@@ -7848,7 +7717,7 @@
             <a:fld id="{3E229035-3E06-4894-B0D5-FF6762DFC127}" type="datetime1">
               <a:rPr lang="en-US" smtClean="0"/>
               <a:pPr/>
-              <a:t>9/26/2015</a:t>
+              <a:t>9/27/2015</a:t>
             </a:fld>
             <a:endParaRPr lang="en-GB"/>
           </a:p>
@@ -8089,7 +7958,7 @@
             <a:fld id="{939D8CAB-AFAD-44F9-99B3-90A20D6DB4EE}" type="datetime1">
               <a:rPr lang="en-US" smtClean="0"/>
               <a:pPr/>
-              <a:t>9/26/2015</a:t>
+              <a:t>9/27/2015</a:t>
             </a:fld>
             <a:endParaRPr lang="en-GB"/>
           </a:p>
@@ -8364,7 +8233,7 @@
             <a:fld id="{D09FA660-D8B8-480E-80AE-E310B47D050A}" type="datetime1">
               <a:rPr lang="en-US" smtClean="0"/>
               <a:pPr/>
-              <a:t>9/26/2015</a:t>
+              <a:t>9/27/2015</a:t>
             </a:fld>
             <a:endParaRPr lang="en-GB"/>
           </a:p>
@@ -8590,7 +8459,7 @@
             <a:fld id="{428B1FCA-1F40-4707-9D4A-FC8C39D751AE}" type="datetime1">
               <a:rPr lang="en-US" smtClean="0"/>
               <a:pPr/>
-              <a:t>9/26/2015</a:t>
+              <a:t>9/27/2015</a:t>
             </a:fld>
             <a:endParaRPr lang="en-GB"/>
           </a:p>
@@ -8948,7 +8817,7 @@
             <a:fld id="{E29A0755-12E0-421D-A13C-381344A3C6C0}" type="datetime1">
               <a:rPr lang="en-US" smtClean="0"/>
               <a:pPr/>
-              <a:t>9/26/2015</a:t>
+              <a:t>9/27/2015</a:t>
             </a:fld>
             <a:endParaRPr lang="en-GB"/>
           </a:p>
@@ -9186,7 +9055,7 @@
             <a:fld id="{744C634E-EE12-4137-B0D4-C332E4335954}" type="datetime1">
               <a:rPr lang="en-US" smtClean="0"/>
               <a:pPr/>
-              <a:t>9/26/2015</a:t>
+              <a:t>9/27/2015</a:t>
             </a:fld>
             <a:endParaRPr lang="en-GB"/>
           </a:p>
@@ -9332,7 +9201,7 @@
             <a:fld id="{AD93D238-AA6B-4D3E-814E-9A3817EBE5A1}" type="datetime1">
               <a:rPr lang="en-US" smtClean="0"/>
               <a:pPr/>
-              <a:t>9/26/2015</a:t>
+              <a:t>9/27/2015</a:t>
             </a:fld>
             <a:endParaRPr lang="en-GB"/>
           </a:p>
@@ -9615,7 +9484,7 @@
             <a:fld id="{D6E12A9E-544D-4743-9F0B-884E2BF7D0B0}" type="datetime1">
               <a:rPr lang="en-US" smtClean="0"/>
               <a:pPr/>
-              <a:t>9/26/2015</a:t>
+              <a:t>9/27/2015</a:t>
             </a:fld>
             <a:endParaRPr lang="en-GB"/>
           </a:p>
@@ -10028,7 +9897,7 @@
             <a:fld id="{0EAE2EAB-07B8-4942-9591-287BBAF1E385}" type="datetime1">
               <a:rPr lang="en-US" smtClean="0"/>
               <a:pPr/>
-              <a:t>9/26/2015</a:t>
+              <a:t>9/27/2015</a:t>
             </a:fld>
             <a:endParaRPr lang="en-GB"/>
           </a:p>
@@ -10372,7 +10241,7 @@
             <a:fld id="{BABEAD1A-BFE9-4884-9063-04C5BBC12657}" type="datetime1">
               <a:rPr lang="en-US" smtClean="0"/>
               <a:pPr/>
-              <a:t>9/26/2015</a:t>
+              <a:t>9/27/2015</a:t>
             </a:fld>
             <a:endParaRPr lang="en-GB"/>
           </a:p>
@@ -11064,11 +10933,7 @@
           <a:p>
             <a:r>
               <a:rPr lang="en-US" dirty="0" smtClean="0"/>
-              <a:t>System </a:t>
-            </a:r>
-            <a:r>
-              <a:rPr lang="en-US" dirty="0" smtClean="0"/>
-              <a:t>Architecture</a:t>
+              <a:t>System Architecture</a:t>
             </a:r>
             <a:endParaRPr lang="el-GR" dirty="0"/>
           </a:p>
@@ -11803,7 +11668,7 @@
                                           </p:stCondLst>
                                         </p:cTn>
                                         <p:tgtEl>
-                                          <p:spTgt spid="13"/>
+                                          <p:spTgt spid="5"/>
                                         </p:tgtEl>
                                         <p:attrNameLst>
                                           <p:attrName>style.visibility</p:attrName>
@@ -11817,7 +11682,7 @@
                                       <p:cBhvr>
                                         <p:cTn id="35" dur="500"/>
                                         <p:tgtEl>
-                                          <p:spTgt spid="13"/>
+                                          <p:spTgt spid="5"/>
                                         </p:tgtEl>
                                       </p:cBhvr>
                                     </p:animEffect>
@@ -11856,7 +11721,7 @@
                                           </p:stCondLst>
                                         </p:cTn>
                                         <p:tgtEl>
-                                          <p:spTgt spid="5"/>
+                                          <p:spTgt spid="13"/>
                                         </p:tgtEl>
                                         <p:attrNameLst>
                                           <p:attrName>style.visibility</p:attrName>
@@ -11870,7 +11735,7 @@
                                       <p:cBhvr>
                                         <p:cTn id="40" dur="500"/>
                                         <p:tgtEl>
-                                          <p:spTgt spid="5"/>
+                                          <p:spTgt spid="13"/>
                                         </p:tgtEl>
                                       </p:cBhvr>
                                     </p:animEffect>
@@ -14025,6 +13890,7 @@
               <a:rPr lang="en-US" dirty="0" smtClean="0"/>
               <a:t>Motivation</a:t>
             </a:r>
+            <a:endParaRPr lang="en-US" dirty="0" smtClean="0"/>
           </a:p>
           <a:p>
             <a:r>
@@ -14100,11 +13966,7 @@
             </a:r>
             <a:r>
               <a:rPr lang="en-US" dirty="0" smtClean="0"/>
-              <a:t>ime</a:t>
-            </a:r>
-            <a:r>
-              <a:rPr lang="en-US" dirty="0" smtClean="0"/>
-              <a:t>, adding </a:t>
+              <a:t>ime, adding </a:t>
             </a:r>
             <a:r>
               <a:rPr lang="en-US" dirty="0" err="1" smtClean="0"/>
@@ -15620,15 +15482,7 @@
           <a:p>
             <a:r>
               <a:rPr lang="en-US" dirty="0" smtClean="0"/>
-              <a:t>Response </a:t>
-            </a:r>
-            <a:r>
-              <a:rPr lang="en-US" dirty="0" smtClean="0"/>
-              <a:t>time</a:t>
-            </a:r>
-            <a:r>
-              <a:rPr lang="en-US" dirty="0" smtClean="0"/>
-              <a:t>, adding SNE (2/2)</a:t>
+              <a:t>Response time, adding SNE (2/2)</a:t>
             </a:r>
             <a:endParaRPr lang="el-GR" dirty="0"/>
           </a:p>
@@ -15767,11 +15621,7 @@
           <a:p>
             <a:r>
               <a:rPr lang="en-US" dirty="0" smtClean="0"/>
-              <a:t>CPU </a:t>
-            </a:r>
-            <a:r>
-              <a:rPr lang="en-US" dirty="0" smtClean="0"/>
-              <a:t>utilization</a:t>
+              <a:t>CPU utilization</a:t>
             </a:r>
             <a:r>
               <a:rPr lang="en-US" dirty="0"/>
@@ -16220,11 +16070,7 @@
             </a:r>
             <a:r>
               <a:rPr lang="en-US" dirty="0" smtClean="0"/>
-              <a:t>utilization</a:t>
-            </a:r>
-            <a:r>
-              <a:rPr lang="en-US" dirty="0" smtClean="0"/>
-              <a:t>, adding SNE (2/2</a:t>
+              <a:t>utilization, adding SNE (2/2</a:t>
             </a:r>
             <a:r>
               <a:rPr lang="en-US" dirty="0"/>

--- a/presentation/presentation.pptx
+++ b/presentation/presentation.pptx
@@ -237,7 +237,7 @@
             <a:fld id="{35A36A6E-E9C2-465F-AFBE-66735C017D69}" type="datetimeFigureOut">
               <a:rPr lang="en-US" smtClean="0"/>
               <a:pPr/>
-              <a:t>9/27/2015</a:t>
+              <a:t>9/28/2015</a:t>
             </a:fld>
             <a:endParaRPr lang="en-GB"/>
           </a:p>
@@ -1731,11 +1731,7 @@
             </a:pPr>
             <a:r>
               <a:rPr lang="el-GR" baseline="0" dirty="0" smtClean="0"/>
-              <a:t> </a:t>
-            </a:r>
-            <a:r>
-              <a:rPr lang="el-GR" baseline="0" dirty="0" smtClean="0"/>
-              <a:t>Οι χρήστες του </a:t>
+              <a:t> Οι χρήστες του </a:t>
             </a:r>
             <a:r>
               <a:rPr lang="en-US" baseline="0" dirty="0" smtClean="0"/>
@@ -2008,145 +2004,137 @@
             </a:r>
             <a:r>
               <a:rPr lang="el-GR" baseline="0" dirty="0" smtClean="0"/>
+              <a:t> χρησιμοποιήθηκε ώστε να γίνει «</a:t>
+            </a:r>
+            <a:r>
+              <a:rPr lang="en-US" baseline="0" dirty="0" smtClean="0"/>
+              <a:t>train</a:t>
+            </a:r>
+            <a:r>
+              <a:rPr lang="el-GR" baseline="0" dirty="0" smtClean="0"/>
+              <a:t>»</a:t>
+            </a:r>
+            <a:r>
+              <a:rPr lang="en-US" baseline="0" dirty="0" smtClean="0"/>
               <a:t> </a:t>
             </a:r>
             <a:r>
               <a:rPr lang="el-GR" baseline="0" dirty="0" smtClean="0"/>
-              <a:t>χρησιμοποιήθηκε </a:t>
-            </a:r>
-            <a:r>
-              <a:rPr lang="el-GR" baseline="0" dirty="0" smtClean="0"/>
-              <a:t>ώστε να γίνει «</a:t>
-            </a:r>
-            <a:r>
-              <a:rPr lang="en-US" baseline="0" dirty="0" smtClean="0"/>
-              <a:t>train</a:t>
-            </a:r>
-            <a:r>
-              <a:rPr lang="el-GR" baseline="0" dirty="0" smtClean="0"/>
-              <a:t>»</a:t>
-            </a:r>
-            <a:r>
-              <a:rPr lang="en-US" baseline="0" dirty="0" smtClean="0"/>
+              <a:t>ο  </a:t>
+            </a:r>
+            <a:r>
+              <a:rPr lang="en-US" baseline="0" dirty="0" smtClean="0"/>
+              <a:t>classifier </a:t>
+            </a:r>
+            <a:r>
+              <a:rPr lang="el-GR" baseline="0" dirty="0" smtClean="0"/>
+              <a:t>μας και στην συνέχεια μπορεί με μία πιθανότητα να προσδιορίσει ένα καινούριο </a:t>
+            </a:r>
+            <a:r>
+              <a:rPr lang="en-US" baseline="0" dirty="0" smtClean="0"/>
+              <a:t>input </a:t>
+            </a:r>
+            <a:r>
+              <a:rPr lang="el-GR" baseline="0" dirty="0" smtClean="0"/>
+              <a:t>σε ποια κλάση/κατηγορία ανήκει.</a:t>
+            </a:r>
+          </a:p>
+          <a:p>
+            <a:endParaRPr lang="el-GR" baseline="0" dirty="0" smtClean="0"/>
+          </a:p>
+          <a:p>
+            <a:r>
+              <a:rPr lang="el-GR" baseline="0" dirty="0" smtClean="0"/>
+              <a:t>Αυτό το εργαλείο είναι το </a:t>
+            </a:r>
+            <a:r>
+              <a:rPr lang="en-US" baseline="0" dirty="0" smtClean="0"/>
+              <a:t>NLP</a:t>
+            </a:r>
+            <a:r>
+              <a:rPr lang="el-GR" baseline="0" dirty="0" smtClean="0"/>
               <a:t> </a:t>
             </a:r>
             <a:r>
-              <a:rPr lang="el-GR" baseline="0" dirty="0" smtClean="0"/>
-              <a:t>ο  </a:t>
-            </a:r>
-            <a:r>
-              <a:rPr lang="en-US" baseline="0" dirty="0" smtClean="0"/>
-              <a:t>classifier </a:t>
-            </a:r>
-            <a:r>
-              <a:rPr lang="el-GR" baseline="0" dirty="0" smtClean="0"/>
-              <a:t>μας και στην συνέχεια μπορεί με μία πιθανότητα να προσδιορίσει ένα καινούριο </a:t>
-            </a:r>
-            <a:r>
-              <a:rPr lang="en-US" baseline="0" dirty="0" smtClean="0"/>
-              <a:t>input </a:t>
-            </a:r>
-            <a:r>
-              <a:rPr lang="el-GR" baseline="0" dirty="0" smtClean="0"/>
-              <a:t>σε ποια κλάση/κατηγορία ανήκει.</a:t>
-            </a:r>
-          </a:p>
-          <a:p>
+              <a:rPr lang="en-US" baseline="0" dirty="0" smtClean="0"/>
+              <a:t>topic classification </a:t>
+            </a:r>
+            <a:r>
+              <a:rPr lang="el-GR" baseline="0" dirty="0" smtClean="0"/>
+              <a:t>και χρησιμοποιήθηκε ώστε να προσδιορίζεται η κατηγορία της ερώτησης που ανεβάζουν οι χρήστες στα </a:t>
+            </a:r>
+            <a:r>
+              <a:rPr lang="en-US" baseline="0" dirty="0" smtClean="0"/>
+              <a:t>group </a:t>
+            </a:r>
+            <a:r>
+              <a:rPr lang="el-GR" baseline="0" dirty="0" smtClean="0"/>
+              <a:t>του ΚΔ</a:t>
+            </a:r>
+            <a:r>
+              <a:rPr lang="en-US" baseline="0" dirty="0" smtClean="0"/>
+              <a:t>.</a:t>
+            </a:r>
+          </a:p>
+          <a:p>
+            <a:r>
+              <a:rPr lang="el-GR" baseline="0" dirty="0" smtClean="0"/>
+              <a:t>Χρησιμοποιήσαμε </a:t>
+            </a:r>
+            <a:r>
+              <a:rPr lang="en-US" baseline="0" dirty="0" smtClean="0"/>
+              <a:t>NLP</a:t>
+            </a:r>
+            <a:r>
+              <a:rPr lang="el-GR" baseline="0" dirty="0" smtClean="0"/>
+              <a:t> διότι είναι μια τεχνική που εφαρμόζεται σε τέτοιες περιπτώσεις</a:t>
+            </a:r>
+            <a:r>
+              <a:rPr lang="en-US" baseline="0" dirty="0" smtClean="0"/>
+              <a:t>, </a:t>
+            </a:r>
+            <a:r>
+              <a:rPr lang="el-GR" baseline="0" dirty="0" smtClean="0"/>
+              <a:t>και είναι πιο </a:t>
+            </a:r>
+            <a:r>
+              <a:rPr lang="en-US" baseline="0" dirty="0" smtClean="0"/>
+              <a:t>accurate </a:t>
+            </a:r>
+            <a:r>
+              <a:rPr lang="el-GR" baseline="0" dirty="0" smtClean="0"/>
+              <a:t>από απλά εργαλεία που θα έκαναν απλό </a:t>
+            </a:r>
+            <a:r>
+              <a:rPr lang="en-US" baseline="0" dirty="0" smtClean="0"/>
+              <a:t>parse.</a:t>
+            </a:r>
+          </a:p>
+          <a:p>
+            <a:r>
+              <a:rPr lang="en-US" baseline="0" dirty="0" smtClean="0"/>
+              <a:t> </a:t>
+            </a:r>
             <a:endParaRPr lang="el-GR" baseline="0" dirty="0" smtClean="0"/>
           </a:p>
           <a:p>
             <a:r>
               <a:rPr lang="el-GR" baseline="0" dirty="0" smtClean="0"/>
-              <a:t>Αυτό το εργαλείο είναι το </a:t>
-            </a:r>
-            <a:r>
-              <a:rPr lang="en-US" baseline="0" dirty="0" smtClean="0"/>
-              <a:t>NLP</a:t>
-            </a:r>
-            <a:r>
-              <a:rPr lang="el-GR" baseline="0" dirty="0" smtClean="0"/>
+              <a:t>Έτσι το σχήμα δείχνει οι χρήστες του </a:t>
+            </a:r>
+            <a:r>
+              <a:rPr lang="en-US" baseline="0" dirty="0" smtClean="0"/>
+              <a:t>SO </a:t>
+            </a:r>
+            <a:r>
+              <a:rPr lang="el-GR" baseline="0" dirty="0" smtClean="0"/>
+              <a:t>ανεβάζουν τις ερωτήσεις τους στην κοινότητα</a:t>
+            </a:r>
+            <a:r>
+              <a:rPr lang="en-US" baseline="0" dirty="0" smtClean="0"/>
               <a:t> </a:t>
             </a:r>
             <a:r>
-              <a:rPr lang="en-US" baseline="0" dirty="0" smtClean="0"/>
-              <a:t>topic classification </a:t>
-            </a:r>
-            <a:r>
-              <a:rPr lang="el-GR" baseline="0" dirty="0" smtClean="0"/>
-              <a:t>και χρησιμοποιήθηκε ώστε να προσδιορίζεται η κατηγορία της ερώτησης που ανεβάζουν οι χρήστες στα </a:t>
-            </a:r>
-            <a:r>
-              <a:rPr lang="en-US" baseline="0" dirty="0" smtClean="0"/>
-              <a:t>group </a:t>
-            </a:r>
-            <a:r>
-              <a:rPr lang="el-GR" baseline="0" dirty="0" smtClean="0"/>
-              <a:t>του ΚΔ</a:t>
-            </a:r>
-            <a:r>
-              <a:rPr lang="en-US" baseline="0" dirty="0" smtClean="0"/>
-              <a:t>.</a:t>
-            </a:r>
-          </a:p>
-          <a:p>
-            <a:r>
-              <a:rPr lang="el-GR" baseline="0" dirty="0" smtClean="0"/>
-              <a:t>Χρησιμοποιήσαμε </a:t>
-            </a:r>
-            <a:r>
-              <a:rPr lang="en-US" baseline="0" dirty="0" smtClean="0"/>
-              <a:t>NLP</a:t>
-            </a:r>
-            <a:r>
-              <a:rPr lang="el-GR" baseline="0" dirty="0" smtClean="0"/>
-              <a:t> διότι είναι μια τεχνική που εφαρμόζεται σε τέτοιες περιπτώσεις</a:t>
-            </a:r>
-            <a:r>
-              <a:rPr lang="en-US" baseline="0" dirty="0" smtClean="0"/>
-              <a:t>, </a:t>
-            </a:r>
-            <a:r>
-              <a:rPr lang="el-GR" baseline="0" dirty="0" smtClean="0"/>
-              <a:t>και είναι πιο </a:t>
-            </a:r>
-            <a:r>
-              <a:rPr lang="en-US" baseline="0" dirty="0" smtClean="0"/>
-              <a:t>accurate </a:t>
-            </a:r>
-            <a:r>
-              <a:rPr lang="el-GR" baseline="0" dirty="0" smtClean="0"/>
-              <a:t>από απλά εργαλεία που θα έκαναν απλό </a:t>
-            </a:r>
-            <a:r>
-              <a:rPr lang="en-US" baseline="0" dirty="0" smtClean="0"/>
-              <a:t>parse.</a:t>
-            </a:r>
-          </a:p>
-          <a:p>
-            <a:r>
-              <a:rPr lang="en-US" baseline="0" dirty="0" smtClean="0"/>
-              <a:t> </a:t>
-            </a:r>
-            <a:endParaRPr lang="el-GR" baseline="0" dirty="0" smtClean="0"/>
-          </a:p>
-          <a:p>
-            <a:r>
-              <a:rPr lang="el-GR" baseline="0" dirty="0" smtClean="0"/>
-              <a:t>Έτσι το σχήμα δείχνει οι χρήστες του </a:t>
-            </a:r>
-            <a:r>
-              <a:rPr lang="en-US" baseline="0" dirty="0" smtClean="0"/>
-              <a:t>SO </a:t>
-            </a:r>
-            <a:r>
-              <a:rPr lang="el-GR" baseline="0" dirty="0" smtClean="0"/>
-              <a:t>ανεβάζουν τις ερωτήσεις τους στην κοινότητα</a:t>
-            </a:r>
-            <a:r>
-              <a:rPr lang="en-US" baseline="0" dirty="0" smtClean="0"/>
-              <a:t> </a:t>
-            </a:r>
-            <a:r>
               <a:rPr lang="el-GR" baseline="0" dirty="0" smtClean="0"/>
               <a:t>κατηγοριοποιημένες με διάφορα </a:t>
             </a:r>
@@ -2204,13 +2192,8 @@
             </a:r>
             <a:r>
               <a:rPr lang="el-GR" baseline="0" dirty="0" smtClean="0"/>
-              <a:t>και να κατασκευάσει κάποιες τις δικές του κλάσεις που χρειάζεται ώστε μεταγενέστερες ερωτήσεις του δικού μας ΚΔ μπορούν να κατηγοριοποιηθούν</a:t>
-            </a:r>
-            <a:r>
-              <a:rPr lang="el-GR" baseline="0" dirty="0" smtClean="0"/>
-              <a:t>.</a:t>
-            </a:r>
-            <a:endParaRPr lang="el-GR" baseline="0" dirty="0" smtClean="0"/>
+              <a:t>και να κατασκευάσει κάποιες τις δικές του κλάσεις που χρειάζεται ώστε μεταγενέστερες ερωτήσεις του δικού μας ΚΔ μπορούν να κατηγοριοποιηθούν.</a:t>
+            </a:r>
           </a:p>
           <a:p>
             <a:endParaRPr lang="el-GR" baseline="0" dirty="0" smtClean="0"/>
@@ -2421,11 +2404,7 @@
             </a:r>
             <a:r>
               <a:rPr lang="el-GR" baseline="0" dirty="0" smtClean="0"/>
-              <a:t>έχει ως εξής: Στην αρχή παρέχουμε </a:t>
-            </a:r>
-            <a:r>
-              <a:rPr lang="el-GR" baseline="0" dirty="0" smtClean="0"/>
-              <a:t>μια σειρά από </a:t>
+              <a:t>έχει ως εξής: Στην αρχή παρέχουμε μια σειρά από </a:t>
             </a:r>
             <a:r>
               <a:rPr lang="en-US" baseline="0" dirty="0" smtClean="0"/>
@@ -2433,11 +2412,7 @@
             </a:r>
             <a:r>
               <a:rPr lang="el-GR" baseline="0" dirty="0" smtClean="0"/>
-              <a:t>τα οποία όμως ξέρουμε σε ποια κατηγορία ανήκουν. Συγκεκριμένα στο παράδειγμα εδώ, δίνουμε </a:t>
-            </a:r>
-            <a:r>
-              <a:rPr lang="el-GR" baseline="0" dirty="0" smtClean="0"/>
-              <a:t>στον </a:t>
+              <a:t>τα οποία όμως ξέρουμε σε ποια κατηγορία ανήκουν. Συγκεκριμένα στο παράδειγμα εδώ, δίνουμε στον </a:t>
             </a:r>
             <a:r>
               <a:rPr lang="en-US" baseline="0" dirty="0" smtClean="0"/>
@@ -7171,7 +7146,7 @@
             <a:fld id="{28F388FD-1349-4B74-B173-DEE231C45C9C}" type="datetime1">
               <a:rPr lang="en-US" smtClean="0"/>
               <a:pPr/>
-              <a:t>9/27/2015</a:t>
+              <a:t>9/28/2015</a:t>
             </a:fld>
             <a:endParaRPr lang="en-GB"/>
           </a:p>
@@ -7536,7 +7511,7 @@
             <a:fld id="{3C3A84A0-F2B7-46E0-9A1A-F54034D8EDBD}" type="datetime1">
               <a:rPr lang="en-US" smtClean="0"/>
               <a:pPr/>
-              <a:t>9/27/2015</a:t>
+              <a:t>9/28/2015</a:t>
             </a:fld>
             <a:endParaRPr lang="en-GB"/>
           </a:p>
@@ -7717,7 +7692,7 @@
             <a:fld id="{3E229035-3E06-4894-B0D5-FF6762DFC127}" type="datetime1">
               <a:rPr lang="en-US" smtClean="0"/>
               <a:pPr/>
-              <a:t>9/27/2015</a:t>
+              <a:t>9/28/2015</a:t>
             </a:fld>
             <a:endParaRPr lang="en-GB"/>
           </a:p>
@@ -7958,7 +7933,7 @@
             <a:fld id="{939D8CAB-AFAD-44F9-99B3-90A20D6DB4EE}" type="datetime1">
               <a:rPr lang="en-US" smtClean="0"/>
               <a:pPr/>
-              <a:t>9/27/2015</a:t>
+              <a:t>9/28/2015</a:t>
             </a:fld>
             <a:endParaRPr lang="en-GB"/>
           </a:p>
@@ -8233,7 +8208,7 @@
             <a:fld id="{D09FA660-D8B8-480E-80AE-E310B47D050A}" type="datetime1">
               <a:rPr lang="en-US" smtClean="0"/>
               <a:pPr/>
-              <a:t>9/27/2015</a:t>
+              <a:t>9/28/2015</a:t>
             </a:fld>
             <a:endParaRPr lang="en-GB"/>
           </a:p>
@@ -8459,7 +8434,7 @@
             <a:fld id="{428B1FCA-1F40-4707-9D4A-FC8C39D751AE}" type="datetime1">
               <a:rPr lang="en-US" smtClean="0"/>
               <a:pPr/>
-              <a:t>9/27/2015</a:t>
+              <a:t>9/28/2015</a:t>
             </a:fld>
             <a:endParaRPr lang="en-GB"/>
           </a:p>
@@ -8817,7 +8792,7 @@
             <a:fld id="{E29A0755-12E0-421D-A13C-381344A3C6C0}" type="datetime1">
               <a:rPr lang="en-US" smtClean="0"/>
               <a:pPr/>
-              <a:t>9/27/2015</a:t>
+              <a:t>9/28/2015</a:t>
             </a:fld>
             <a:endParaRPr lang="en-GB"/>
           </a:p>
@@ -9055,7 +9030,7 @@
             <a:fld id="{744C634E-EE12-4137-B0D4-C332E4335954}" type="datetime1">
               <a:rPr lang="en-US" smtClean="0"/>
               <a:pPr/>
-              <a:t>9/27/2015</a:t>
+              <a:t>9/28/2015</a:t>
             </a:fld>
             <a:endParaRPr lang="en-GB"/>
           </a:p>
@@ -9201,7 +9176,7 @@
             <a:fld id="{AD93D238-AA6B-4D3E-814E-9A3817EBE5A1}" type="datetime1">
               <a:rPr lang="en-US" smtClean="0"/>
               <a:pPr/>
-              <a:t>9/27/2015</a:t>
+              <a:t>9/28/2015</a:t>
             </a:fld>
             <a:endParaRPr lang="en-GB"/>
           </a:p>
@@ -9484,7 +9459,7 @@
             <a:fld id="{D6E12A9E-544D-4743-9F0B-884E2BF7D0B0}" type="datetime1">
               <a:rPr lang="en-US" smtClean="0"/>
               <a:pPr/>
-              <a:t>9/27/2015</a:t>
+              <a:t>9/28/2015</a:t>
             </a:fld>
             <a:endParaRPr lang="en-GB"/>
           </a:p>
@@ -9897,7 +9872,7 @@
             <a:fld id="{0EAE2EAB-07B8-4942-9591-287BBAF1E385}" type="datetime1">
               <a:rPr lang="en-US" smtClean="0"/>
               <a:pPr/>
-              <a:t>9/27/2015</a:t>
+              <a:t>9/28/2015</a:t>
             </a:fld>
             <a:endParaRPr lang="en-GB"/>
           </a:p>
@@ -10241,7 +10216,7 @@
             <a:fld id="{BABEAD1A-BFE9-4884-9063-04C5BBC12657}" type="datetime1">
               <a:rPr lang="en-US" smtClean="0"/>
               <a:pPr/>
-              <a:t>9/27/2015</a:t>
+              <a:t>9/28/2015</a:t>
             </a:fld>
             <a:endParaRPr lang="en-GB"/>
           </a:p>
@@ -13890,7 +13865,6 @@
               <a:rPr lang="en-US" dirty="0" smtClean="0"/>
               <a:t>Motivation</a:t>
             </a:r>
-            <a:endParaRPr lang="en-US" dirty="0" smtClean="0"/>
           </a:p>
           <a:p>
             <a:r>
@@ -18316,15 +18290,15 @@
           <a:p>
             <a:r>
               <a:rPr lang="en-US" dirty="0" smtClean="0"/>
-              <a:t>Applying natural language </a:t>
-            </a:r>
-            <a:r>
-              <a:rPr lang="en-US" dirty="0"/>
-              <a:t>p</a:t>
+              <a:t>Applying </a:t>
+            </a:r>
+            <a:r>
+              <a:rPr lang="en-US" smtClean="0"/>
+              <a:t>topic classification techniques </a:t>
             </a:r>
             <a:r>
               <a:rPr lang="en-US" dirty="0" smtClean="0"/>
-              <a:t>rocessing (NLP) techniques on crowd-sourced Q&amp;A data.</a:t>
+              <a:t>on crowd-sourced Q&amp;A data.</a:t>
             </a:r>
           </a:p>
           <a:p>

--- a/presentation/presentation.pptx
+++ b/presentation/presentation.pptx
@@ -237,7 +237,7 @@
             <a:fld id="{35A36A6E-E9C2-465F-AFBE-66735C017D69}" type="datetimeFigureOut">
               <a:rPr lang="en-US" smtClean="0"/>
               <a:pPr/>
-              <a:t>9/28/2015</a:t>
+              <a:t>10/5/2015</a:t>
             </a:fld>
             <a:endParaRPr lang="en-GB"/>
           </a:p>
@@ -5651,13 +5651,49 @@
               <a:rPr lang="el-GR" sz="600" dirty="0"/>
               <a:t>χρήστες τους κάποιες διευκολύνσεις αλλά λείπει από την περιοχή ένα σύστημα το οποίο να φέρνει στους τελικούς χρήστες τους όλη την πληροφορία που χρειάζονται για μια εφαρμογή καθώς επίσης και μια κοινότητα χρηστών η οποία να τους βοηθάει και να απαντάει ερωτήσεις τους. </a:t>
             </a:r>
+            <a:endParaRPr lang="en-US" sz="600" dirty="0" smtClean="0"/>
+          </a:p>
+          <a:p>
+            <a:pPr defTabSz="469819">
+              <a:defRPr/>
+            </a:pPr>
+            <a:endParaRPr lang="en-US" sz="600" dirty="0" smtClean="0"/>
+          </a:p>
+          <a:p>
+            <a:pPr defTabSz="469819">
+              <a:defRPr/>
+            </a:pPr>
             <a:r>
               <a:rPr lang="el-GR" sz="600" dirty="0" smtClean="0"/>
               <a:t>Τώρα </a:t>
             </a:r>
             <a:r>
               <a:rPr lang="el-GR" sz="600" dirty="0"/>
-              <a:t>θα σας δείξω πως είναι το σύστημα αυτό και τι δυνατότητες προσφέρει το σύστημα…</a:t>
+              <a:t>θα σας δείξω </a:t>
+            </a:r>
+            <a:r>
+              <a:rPr lang="el-GR" sz="600" dirty="0" smtClean="0"/>
+              <a:t>με</a:t>
+            </a:r>
+            <a:r>
+              <a:rPr lang="el-GR" sz="600" baseline="0" dirty="0" smtClean="0"/>
+              <a:t> ένα γρήγορο </a:t>
+            </a:r>
+            <a:r>
+              <a:rPr lang="en-US" sz="600" baseline="0" smtClean="0"/>
+              <a:t>demo </a:t>
+            </a:r>
+            <a:r>
+              <a:rPr lang="el-GR" sz="600" smtClean="0"/>
+              <a:t>πως </a:t>
+            </a:r>
+            <a:r>
+              <a:rPr lang="el-GR" sz="600" dirty="0"/>
+              <a:t>είναι το σύστημα αυτό και τι δυνατότητες </a:t>
+            </a:r>
+            <a:r>
+              <a:rPr lang="el-GR" sz="600" dirty="0" smtClean="0"/>
+              <a:t>προσφέρει…</a:t>
             </a:r>
             <a:endParaRPr lang="en-GB" sz="600" dirty="0"/>
           </a:p>
@@ -7146,7 +7182,7 @@
             <a:fld id="{28F388FD-1349-4B74-B173-DEE231C45C9C}" type="datetime1">
               <a:rPr lang="en-US" smtClean="0"/>
               <a:pPr/>
-              <a:t>9/28/2015</a:t>
+              <a:t>10/5/2015</a:t>
             </a:fld>
             <a:endParaRPr lang="en-GB"/>
           </a:p>
@@ -7511,7 +7547,7 @@
             <a:fld id="{3C3A84A0-F2B7-46E0-9A1A-F54034D8EDBD}" type="datetime1">
               <a:rPr lang="en-US" smtClean="0"/>
               <a:pPr/>
-              <a:t>9/28/2015</a:t>
+              <a:t>10/5/2015</a:t>
             </a:fld>
             <a:endParaRPr lang="en-GB"/>
           </a:p>
@@ -7692,7 +7728,7 @@
             <a:fld id="{3E229035-3E06-4894-B0D5-FF6762DFC127}" type="datetime1">
               <a:rPr lang="en-US" smtClean="0"/>
               <a:pPr/>
-              <a:t>9/28/2015</a:t>
+              <a:t>10/5/2015</a:t>
             </a:fld>
             <a:endParaRPr lang="en-GB"/>
           </a:p>
@@ -7933,7 +7969,7 @@
             <a:fld id="{939D8CAB-AFAD-44F9-99B3-90A20D6DB4EE}" type="datetime1">
               <a:rPr lang="en-US" smtClean="0"/>
               <a:pPr/>
-              <a:t>9/28/2015</a:t>
+              <a:t>10/5/2015</a:t>
             </a:fld>
             <a:endParaRPr lang="en-GB"/>
           </a:p>
@@ -8208,7 +8244,7 @@
             <a:fld id="{D09FA660-D8B8-480E-80AE-E310B47D050A}" type="datetime1">
               <a:rPr lang="en-US" smtClean="0"/>
               <a:pPr/>
-              <a:t>9/28/2015</a:t>
+              <a:t>10/5/2015</a:t>
             </a:fld>
             <a:endParaRPr lang="en-GB"/>
           </a:p>
@@ -8434,7 +8470,7 @@
             <a:fld id="{428B1FCA-1F40-4707-9D4A-FC8C39D751AE}" type="datetime1">
               <a:rPr lang="en-US" smtClean="0"/>
               <a:pPr/>
-              <a:t>9/28/2015</a:t>
+              <a:t>10/5/2015</a:t>
             </a:fld>
             <a:endParaRPr lang="en-GB"/>
           </a:p>
@@ -8792,7 +8828,7 @@
             <a:fld id="{E29A0755-12E0-421D-A13C-381344A3C6C0}" type="datetime1">
               <a:rPr lang="en-US" smtClean="0"/>
               <a:pPr/>
-              <a:t>9/28/2015</a:t>
+              <a:t>10/5/2015</a:t>
             </a:fld>
             <a:endParaRPr lang="en-GB"/>
           </a:p>
@@ -9030,7 +9066,7 @@
             <a:fld id="{744C634E-EE12-4137-B0D4-C332E4335954}" type="datetime1">
               <a:rPr lang="en-US" smtClean="0"/>
               <a:pPr/>
-              <a:t>9/28/2015</a:t>
+              <a:t>10/5/2015</a:t>
             </a:fld>
             <a:endParaRPr lang="en-GB"/>
           </a:p>
@@ -9176,7 +9212,7 @@
             <a:fld id="{AD93D238-AA6B-4D3E-814E-9A3817EBE5A1}" type="datetime1">
               <a:rPr lang="en-US" smtClean="0"/>
               <a:pPr/>
-              <a:t>9/28/2015</a:t>
+              <a:t>10/5/2015</a:t>
             </a:fld>
             <a:endParaRPr lang="en-GB"/>
           </a:p>
@@ -9459,7 +9495,7 @@
             <a:fld id="{D6E12A9E-544D-4743-9F0B-884E2BF7D0B0}" type="datetime1">
               <a:rPr lang="en-US" smtClean="0"/>
               <a:pPr/>
-              <a:t>9/28/2015</a:t>
+              <a:t>10/5/2015</a:t>
             </a:fld>
             <a:endParaRPr lang="en-GB"/>
           </a:p>
@@ -9872,7 +9908,7 @@
             <a:fld id="{0EAE2EAB-07B8-4942-9591-287BBAF1E385}" type="datetime1">
               <a:rPr lang="en-US" smtClean="0"/>
               <a:pPr/>
-              <a:t>9/28/2015</a:t>
+              <a:t>10/5/2015</a:t>
             </a:fld>
             <a:endParaRPr lang="en-GB"/>
           </a:p>
@@ -10216,7 +10252,7 @@
             <a:fld id="{BABEAD1A-BFE9-4884-9063-04C5BBC12657}" type="datetime1">
               <a:rPr lang="en-US" smtClean="0"/>
               <a:pPr/>
-              <a:t>9/28/2015</a:t>
+              <a:t>10/5/2015</a:t>
             </a:fld>
             <a:endParaRPr lang="en-GB"/>
           </a:p>
@@ -10777,7 +10813,19 @@
           <a:p>
             <a:r>
               <a:rPr lang="en-US" b="1" dirty="0"/>
-              <a:t>Design and implementation of a social networking platform for cloud deployment specialists</a:t>
+              <a:t>Design and implementation of a social </a:t>
+            </a:r>
+            <a:r>
+              <a:rPr lang="en-US" b="1"/>
+              <a:t>networking </a:t>
+            </a:r>
+            <a:r>
+              <a:rPr lang="en-US" b="1" smtClean="0"/>
+              <a:t>architecture for </a:t>
+            </a:r>
+            <a:r>
+              <a:rPr lang="en-US" b="1" dirty="0"/>
+              <a:t>cloud deployment specialists</a:t>
             </a:r>
             <a:endParaRPr lang="en-GB" b="1" dirty="0"/>
           </a:p>

--- a/presentation/presentation.pptx
+++ b/presentation/presentation.pptx
@@ -31,9 +31,9 @@
     <p:sldId id="307" r:id="rId22"/>
     <p:sldId id="308" r:id="rId23"/>
     <p:sldId id="309" r:id="rId24"/>
-    <p:sldId id="310" r:id="rId25"/>
-    <p:sldId id="292" r:id="rId26"/>
-    <p:sldId id="299" r:id="rId27"/>
+    <p:sldId id="292" r:id="rId25"/>
+    <p:sldId id="299" r:id="rId26"/>
+    <p:sldId id="310" r:id="rId27"/>
   </p:sldIdLst>
   <p:sldSz cx="9144000" cy="6858000" type="screen4x3"/>
   <p:notesSz cx="3059113" cy="5164138"/>
@@ -237,7 +237,7 @@
             <a:fld id="{35A36A6E-E9C2-465F-AFBE-66735C017D69}" type="datetimeFigureOut">
               <a:rPr lang="en-US" smtClean="0"/>
               <a:pPr/>
-              <a:t>10/5/2015</a:t>
+              <a:t>10/6/2015</a:t>
             </a:fld>
             <a:endParaRPr lang="en-GB"/>
           </a:p>
@@ -4526,7 +4526,7 @@
       </p:grpSpPr>
       <p:sp>
         <p:nvSpPr>
-          <p:cNvPr id="2" name="Slide Image Placeholder 1"/>
+          <p:cNvPr id="2" name="1 - Θέση εικόνας διαφάνειας"/>
           <p:cNvSpPr>
             <a:spLocks noGrp="1" noRot="1" noChangeAspect="1"/>
           </p:cNvSpPr>
@@ -4538,7 +4538,7 @@
       </p:sp>
       <p:sp>
         <p:nvSpPr>
-          <p:cNvPr id="3" name="Notes Placeholder 2"/>
+          <p:cNvPr id="3" name="2 - Θέση σημειώσεων"/>
           <p:cNvSpPr>
             <a:spLocks noGrp="1"/>
           </p:cNvSpPr>
@@ -4549,119 +4549,57 @@
         <p:spPr/>
         <p:txBody>
           <a:bodyPr>
-            <a:normAutofit fontScale="92500"/>
+            <a:normAutofit/>
           </a:bodyPr>
           <a:lstStyle/>
           <a:p>
             <a:r>
               <a:rPr lang="el-GR" dirty="0" smtClean="0"/>
-              <a:t>Σε αυτό</a:t>
-            </a:r>
-            <a:r>
-              <a:rPr lang="el-GR" baseline="0" dirty="0" smtClean="0"/>
-              <a:t> τον πίνακα </a:t>
-            </a:r>
-            <a:r>
-              <a:rPr lang="el-GR" b="0" baseline="0" dirty="0" smtClean="0"/>
-              <a:t>φαίνεται ένα </a:t>
-            </a:r>
-            <a:r>
-              <a:rPr lang="en-US" b="0" baseline="0" dirty="0" smtClean="0"/>
-              <a:t>evaluation </a:t>
-            </a:r>
-            <a:r>
-              <a:rPr lang="el-GR" b="0" baseline="0" dirty="0" smtClean="0"/>
-              <a:t>του </a:t>
-            </a:r>
-            <a:r>
-              <a:rPr lang="en-US" b="0" baseline="0" dirty="0" smtClean="0"/>
-              <a:t>NLP </a:t>
-            </a:r>
-            <a:r>
-              <a:rPr lang="el-GR" b="0" baseline="0" dirty="0" smtClean="0"/>
-              <a:t>για 5 διαφορετικές κατηγορίες. Στην κάθετη στήλη φαίνεται οι 5 διαφορετικές κλάσεις και οριζόντια φαίνονται σε ποια κλάση έγιναν </a:t>
-            </a:r>
-            <a:r>
-              <a:rPr lang="en-US" b="0" baseline="0" dirty="0" smtClean="0"/>
-              <a:t>classified </a:t>
-            </a:r>
-            <a:r>
-              <a:rPr lang="el-GR" b="0" baseline="0" dirty="0" smtClean="0"/>
-              <a:t>με την βοήθεια του </a:t>
-            </a:r>
-            <a:r>
-              <a:rPr lang="en-US" b="0" baseline="0" dirty="0" smtClean="0"/>
-              <a:t>NLP classifier 30 </a:t>
-            </a:r>
-            <a:r>
-              <a:rPr lang="el-GR" b="0" baseline="0" dirty="0" smtClean="0"/>
-              <a:t>διαφορετικές ερωτήσεις</a:t>
-            </a:r>
-            <a:r>
-              <a:rPr lang="en-US" b="0" baseline="0" dirty="0" smtClean="0"/>
-              <a:t>.</a:t>
-            </a:r>
-            <a:endParaRPr lang="el-GR" baseline="0" dirty="0" smtClean="0"/>
-          </a:p>
-          <a:p>
-            <a:r>
-              <a:rPr lang="el-GR" baseline="0" dirty="0" smtClean="0"/>
-              <a:t>Διαφορετικές από το </a:t>
-            </a:r>
-            <a:r>
-              <a:rPr lang="en-US" baseline="0" dirty="0" smtClean="0"/>
-              <a:t>training </a:t>
-            </a:r>
-            <a:r>
-              <a:rPr lang="el-GR" baseline="0" dirty="0" smtClean="0"/>
-              <a:t>σετ</a:t>
-            </a:r>
-            <a:r>
-              <a:rPr lang="en-US" baseline="0" dirty="0" smtClean="0"/>
-              <a:t>, </a:t>
-            </a:r>
-            <a:r>
-              <a:rPr lang="el-GR" baseline="0" dirty="0" smtClean="0"/>
-              <a:t>οι ερωτήσεις με το </a:t>
-            </a:r>
-            <a:r>
-              <a:rPr lang="en-US" baseline="0" dirty="0" smtClean="0"/>
-              <a:t>highest activity.</a:t>
-            </a:r>
-          </a:p>
-          <a:p>
-            <a:endParaRPr lang="en-US" dirty="0" smtClean="0"/>
-          </a:p>
-          <a:p>
-            <a:r>
-              <a:rPr lang="en-US" dirty="0" smtClean="0"/>
-              <a:t>Performance</a:t>
-            </a:r>
-            <a:r>
-              <a:rPr lang="en-US" baseline="0" dirty="0" smtClean="0"/>
+              <a:t>Τέλος ολοκληρώνοντας</a:t>
+            </a:r>
+            <a:r>
+              <a:rPr lang="el-GR" baseline="0" dirty="0" smtClean="0"/>
+              <a:t> ένα ΚΔ για </a:t>
+            </a:r>
+            <a:r>
+              <a:rPr lang="en-US" baseline="0" dirty="0" smtClean="0"/>
+              <a:t>cloud deployments specialists </a:t>
+            </a:r>
+            <a:r>
+              <a:rPr lang="el-GR" baseline="0" dirty="0" smtClean="0"/>
+              <a:t>υλοποιήθηκε, η πλατφόρμα μπορεί να εφαρμόσει </a:t>
+            </a:r>
+            <a:r>
+              <a:rPr lang="en-US" baseline="0" dirty="0" smtClean="0"/>
+              <a:t>NLP</a:t>
+            </a:r>
+            <a:r>
+              <a:rPr lang="el-GR" baseline="0" dirty="0" smtClean="0"/>
+              <a:t> στην είσοδο του χρήστη. Καθώς επίσης, εφαρμόστηκαν γνωστές τεχνικές για </a:t>
+            </a:r>
+            <a:r>
+              <a:rPr lang="en-US" baseline="0" dirty="0" smtClean="0"/>
+              <a:t>cashing </a:t>
+            </a:r>
+            <a:r>
+              <a:rPr lang="el-GR" baseline="0" dirty="0" smtClean="0"/>
+              <a:t>των δεδομένων και προστέθηκαν στο σύστημα πάνω από ένα </a:t>
+            </a:r>
+            <a:r>
+              <a:rPr lang="en-US" baseline="0" dirty="0" smtClean="0"/>
+              <a:t>SNE.</a:t>
+            </a:r>
+            <a:r>
+              <a:rPr lang="el-GR" baseline="0" dirty="0" smtClean="0"/>
               <a:t> </a:t>
             </a:r>
-            <a:r>
-              <a:rPr lang="el-GR" baseline="0" dirty="0" smtClean="0"/>
-              <a:t>αλλά μπήκε στο </a:t>
-            </a:r>
-            <a:r>
-              <a:rPr lang="en-US" baseline="0" dirty="0" smtClean="0"/>
-              <a:t>reliability,</a:t>
-            </a:r>
-          </a:p>
-          <a:p>
-            <a:r>
-              <a:rPr lang="el-GR" baseline="0" dirty="0" smtClean="0"/>
-              <a:t>Ή άλλα παρόμοια.</a:t>
-            </a:r>
             <a:endParaRPr lang="el-GR" dirty="0"/>
           </a:p>
         </p:txBody>
       </p:sp>
       <p:sp>
         <p:nvSpPr>
-          <p:cNvPr id="4" name="Slide Number Placeholder 3"/>
+          <p:cNvPr id="4" name="3 - Θέση αριθμού διαφάνειας"/>
           <p:cNvSpPr>
             <a:spLocks noGrp="1"/>
           </p:cNvSpPr>
@@ -4686,7 +4624,7 @@
     </p:spTree>
     <p:extLst>
       <p:ext uri="{BB962C8B-B14F-4D97-AF65-F5344CB8AC3E}">
-        <p14:creationId xmlns:p14="http://schemas.microsoft.com/office/powerpoint/2010/main" val="3736839663"/>
+        <p14:creationId xmlns:p14="http://schemas.microsoft.com/office/powerpoint/2010/main" val="2539583959"/>
       </p:ext>
     </p:extLst>
   </p:cSld>
@@ -4715,7 +4653,7 @@
       </p:grpSpPr>
       <p:sp>
         <p:nvSpPr>
-          <p:cNvPr id="2" name="1 - Θέση εικόνας διαφάνειας"/>
+          <p:cNvPr id="2" name="Slide Image Placeholder 1"/>
           <p:cNvSpPr>
             <a:spLocks noGrp="1" noRot="1" noChangeAspect="1"/>
           </p:cNvSpPr>
@@ -4727,7 +4665,7 @@
       </p:sp>
       <p:sp>
         <p:nvSpPr>
-          <p:cNvPr id="3" name="2 - Θέση σημειώσεων"/>
+          <p:cNvPr id="3" name="Notes Placeholder 2"/>
           <p:cNvSpPr>
             <a:spLocks noGrp="1"/>
           </p:cNvSpPr>
@@ -4737,58 +4675,16 @@
         </p:nvSpPr>
         <p:spPr/>
         <p:txBody>
-          <a:bodyPr>
-            <a:normAutofit/>
-          </a:bodyPr>
-          <a:lstStyle/>
-          <a:p>
-            <a:r>
-              <a:rPr lang="el-GR" dirty="0" smtClean="0"/>
-              <a:t>Τέλος ολοκληρώνοντας</a:t>
-            </a:r>
-            <a:r>
-              <a:rPr lang="el-GR" baseline="0" dirty="0" smtClean="0"/>
-              <a:t> ένα ΚΔ για </a:t>
-            </a:r>
-            <a:r>
-              <a:rPr lang="en-US" baseline="0" dirty="0" smtClean="0"/>
-              <a:t>cloud deployments specialists </a:t>
-            </a:r>
-            <a:r>
-              <a:rPr lang="el-GR" baseline="0" dirty="0" smtClean="0"/>
-              <a:t>υλοποιήθηκε, η πλατφόρμα μπορεί να εφαρμόσει </a:t>
-            </a:r>
-            <a:r>
-              <a:rPr lang="en-US" baseline="0" dirty="0" smtClean="0"/>
-              <a:t>NLP</a:t>
-            </a:r>
-            <a:r>
-              <a:rPr lang="el-GR" baseline="0" dirty="0" smtClean="0"/>
-              <a:t> στην είσοδο του χρήστη. Καθώς επίσης, εφαρμόστηκαν γνωστές τεχνικές για </a:t>
-            </a:r>
-            <a:r>
-              <a:rPr lang="en-US" baseline="0" dirty="0" smtClean="0"/>
-              <a:t>cashing </a:t>
-            </a:r>
-            <a:r>
-              <a:rPr lang="el-GR" baseline="0" dirty="0" smtClean="0"/>
-              <a:t>των δεδομένων και προστέθηκαν στο σύστημα πάνω από ένα </a:t>
-            </a:r>
-            <a:r>
-              <a:rPr lang="en-US" baseline="0" dirty="0" smtClean="0"/>
-              <a:t>SNE.</a:t>
-            </a:r>
-            <a:r>
-              <a:rPr lang="el-GR" baseline="0" dirty="0" smtClean="0"/>
-              <a:t> </a:t>
-            </a:r>
+          <a:bodyPr/>
+          <a:lstStyle/>
+          <a:p>
             <a:endParaRPr lang="el-GR" dirty="0"/>
           </a:p>
         </p:txBody>
       </p:sp>
       <p:sp>
         <p:nvSpPr>
-          <p:cNvPr id="4" name="3 - Θέση αριθμού διαφάνειας"/>
+          <p:cNvPr id="4" name="Slide Number Placeholder 3"/>
           <p:cNvSpPr>
             <a:spLocks noGrp="1"/>
           </p:cNvSpPr>
@@ -4813,7 +4709,7 @@
     </p:spTree>
     <p:extLst>
       <p:ext uri="{BB962C8B-B14F-4D97-AF65-F5344CB8AC3E}">
-        <p14:creationId xmlns:p14="http://schemas.microsoft.com/office/powerpoint/2010/main" val="2539583959"/>
+        <p14:creationId xmlns:p14="http://schemas.microsoft.com/office/powerpoint/2010/main" val="2088722316"/>
       </p:ext>
     </p:extLst>
   </p:cSld>
@@ -4864,9 +4760,113 @@
         </p:nvSpPr>
         <p:spPr/>
         <p:txBody>
-          <a:bodyPr/>
-          <a:lstStyle/>
-          <a:p>
+          <a:bodyPr>
+            <a:normAutofit fontScale="92500"/>
+          </a:bodyPr>
+          <a:lstStyle/>
+          <a:p>
+            <a:r>
+              <a:rPr lang="el-GR" dirty="0" smtClean="0"/>
+              <a:t>Σε αυτό</a:t>
+            </a:r>
+            <a:r>
+              <a:rPr lang="el-GR" baseline="0" dirty="0" smtClean="0"/>
+              <a:t> τον πίνακα </a:t>
+            </a:r>
+            <a:r>
+              <a:rPr lang="el-GR" b="0" baseline="0" dirty="0" smtClean="0"/>
+              <a:t>φαίνεται ένα </a:t>
+            </a:r>
+            <a:r>
+              <a:rPr lang="en-US" b="0" baseline="0" dirty="0" smtClean="0"/>
+              <a:t>evaluation </a:t>
+            </a:r>
+            <a:r>
+              <a:rPr lang="el-GR" b="0" baseline="0" dirty="0" smtClean="0"/>
+              <a:t>του </a:t>
+            </a:r>
+            <a:r>
+              <a:rPr lang="en-US" b="0" baseline="0" dirty="0" smtClean="0"/>
+              <a:t>NLP </a:t>
+            </a:r>
+            <a:r>
+              <a:rPr lang="el-GR" b="0" baseline="0" dirty="0" smtClean="0"/>
+              <a:t>για 5 διαφορετικές κατηγορίες. Στην κάθετη στήλη φαίνεται οι 5 διαφορετικές κλάσεις και οριζόντια φαίνονται σε ποια κλάση έγιναν </a:t>
+            </a:r>
+            <a:r>
+              <a:rPr lang="en-US" b="0" baseline="0" dirty="0" smtClean="0"/>
+              <a:t>classified </a:t>
+            </a:r>
+            <a:r>
+              <a:rPr lang="el-GR" b="0" baseline="0" dirty="0" smtClean="0"/>
+              <a:t>με την βοήθεια του </a:t>
+            </a:r>
+            <a:r>
+              <a:rPr lang="en-US" b="0" baseline="0" dirty="0" smtClean="0"/>
+              <a:t>NLP classifier 30 </a:t>
+            </a:r>
+            <a:r>
+              <a:rPr lang="el-GR" b="0" baseline="0" dirty="0" smtClean="0"/>
+              <a:t>διαφορετικές ερωτήσεις</a:t>
+            </a:r>
+            <a:r>
+              <a:rPr lang="en-US" b="0" baseline="0" dirty="0" smtClean="0"/>
+              <a:t>.</a:t>
+            </a:r>
+            <a:endParaRPr lang="el-GR" baseline="0" dirty="0" smtClean="0"/>
+          </a:p>
+          <a:p>
+            <a:r>
+              <a:rPr lang="el-GR" baseline="0" dirty="0" smtClean="0"/>
+              <a:t>Διαφορετικές από το </a:t>
+            </a:r>
+            <a:r>
+              <a:rPr lang="en-US" baseline="0" dirty="0" smtClean="0"/>
+              <a:t>training </a:t>
+            </a:r>
+            <a:r>
+              <a:rPr lang="el-GR" baseline="0" dirty="0" smtClean="0"/>
+              <a:t>σετ</a:t>
+            </a:r>
+            <a:r>
+              <a:rPr lang="en-US" baseline="0" dirty="0" smtClean="0"/>
+              <a:t>, </a:t>
+            </a:r>
+            <a:r>
+              <a:rPr lang="el-GR" baseline="0" dirty="0" smtClean="0"/>
+              <a:t>οι ερωτήσεις με το </a:t>
+            </a:r>
+            <a:r>
+              <a:rPr lang="en-US" baseline="0" dirty="0" smtClean="0"/>
+              <a:t>highest activity.</a:t>
+            </a:r>
+          </a:p>
+          <a:p>
+            <a:endParaRPr lang="en-US" dirty="0" smtClean="0"/>
+          </a:p>
+          <a:p>
+            <a:r>
+              <a:rPr lang="en-US" dirty="0" smtClean="0"/>
+              <a:t>Performance</a:t>
+            </a:r>
+            <a:r>
+              <a:rPr lang="en-US" baseline="0" dirty="0" smtClean="0"/>
+              <a:t> </a:t>
+            </a:r>
+            <a:r>
+              <a:rPr lang="el-GR" baseline="0" dirty="0" smtClean="0"/>
+              <a:t>αλλά μπήκε στο </a:t>
+            </a:r>
+            <a:r>
+              <a:rPr lang="en-US" baseline="0" dirty="0" smtClean="0"/>
+              <a:t>reliability,</a:t>
+            </a:r>
+          </a:p>
+          <a:p>
+            <a:r>
+              <a:rPr lang="el-GR" baseline="0" dirty="0" smtClean="0"/>
+              <a:t>Ή άλλα παρόμοια.</a:t>
+            </a:r>
             <a:endParaRPr lang="el-GR" dirty="0"/>
           </a:p>
         </p:txBody>
@@ -4898,7 +4898,7 @@
     </p:spTree>
     <p:extLst>
       <p:ext uri="{BB962C8B-B14F-4D97-AF65-F5344CB8AC3E}">
-        <p14:creationId xmlns:p14="http://schemas.microsoft.com/office/powerpoint/2010/main" val="2088722316"/>
+        <p14:creationId xmlns:p14="http://schemas.microsoft.com/office/powerpoint/2010/main" val="3736839663"/>
       </p:ext>
     </p:extLst>
   </p:cSld>
@@ -7182,7 +7182,7 @@
             <a:fld id="{28F388FD-1349-4B74-B173-DEE231C45C9C}" type="datetime1">
               <a:rPr lang="en-US" smtClean="0"/>
               <a:pPr/>
-              <a:t>10/5/2015</a:t>
+              <a:t>10/6/2015</a:t>
             </a:fld>
             <a:endParaRPr lang="en-GB"/>
           </a:p>
@@ -7547,7 +7547,7 @@
             <a:fld id="{3C3A84A0-F2B7-46E0-9A1A-F54034D8EDBD}" type="datetime1">
               <a:rPr lang="en-US" smtClean="0"/>
               <a:pPr/>
-              <a:t>10/5/2015</a:t>
+              <a:t>10/6/2015</a:t>
             </a:fld>
             <a:endParaRPr lang="en-GB"/>
           </a:p>
@@ -7728,7 +7728,7 @@
             <a:fld id="{3E229035-3E06-4894-B0D5-FF6762DFC127}" type="datetime1">
               <a:rPr lang="en-US" smtClean="0"/>
               <a:pPr/>
-              <a:t>10/5/2015</a:t>
+              <a:t>10/6/2015</a:t>
             </a:fld>
             <a:endParaRPr lang="en-GB"/>
           </a:p>
@@ -7969,7 +7969,7 @@
             <a:fld id="{939D8CAB-AFAD-44F9-99B3-90A20D6DB4EE}" type="datetime1">
               <a:rPr lang="en-US" smtClean="0"/>
               <a:pPr/>
-              <a:t>10/5/2015</a:t>
+              <a:t>10/6/2015</a:t>
             </a:fld>
             <a:endParaRPr lang="en-GB"/>
           </a:p>
@@ -8244,7 +8244,7 @@
             <a:fld id="{D09FA660-D8B8-480E-80AE-E310B47D050A}" type="datetime1">
               <a:rPr lang="en-US" smtClean="0"/>
               <a:pPr/>
-              <a:t>10/5/2015</a:t>
+              <a:t>10/6/2015</a:t>
             </a:fld>
             <a:endParaRPr lang="en-GB"/>
           </a:p>
@@ -8470,7 +8470,7 @@
             <a:fld id="{428B1FCA-1F40-4707-9D4A-FC8C39D751AE}" type="datetime1">
               <a:rPr lang="en-US" smtClean="0"/>
               <a:pPr/>
-              <a:t>10/5/2015</a:t>
+              <a:t>10/6/2015</a:t>
             </a:fld>
             <a:endParaRPr lang="en-GB"/>
           </a:p>
@@ -8828,7 +8828,7 @@
             <a:fld id="{E29A0755-12E0-421D-A13C-381344A3C6C0}" type="datetime1">
               <a:rPr lang="en-US" smtClean="0"/>
               <a:pPr/>
-              <a:t>10/5/2015</a:t>
+              <a:t>10/6/2015</a:t>
             </a:fld>
             <a:endParaRPr lang="en-GB"/>
           </a:p>
@@ -9066,7 +9066,7 @@
             <a:fld id="{744C634E-EE12-4137-B0D4-C332E4335954}" type="datetime1">
               <a:rPr lang="en-US" smtClean="0"/>
               <a:pPr/>
-              <a:t>10/5/2015</a:t>
+              <a:t>10/6/2015</a:t>
             </a:fld>
             <a:endParaRPr lang="en-GB"/>
           </a:p>
@@ -9212,7 +9212,7 @@
             <a:fld id="{AD93D238-AA6B-4D3E-814E-9A3817EBE5A1}" type="datetime1">
               <a:rPr lang="en-US" smtClean="0"/>
               <a:pPr/>
-              <a:t>10/5/2015</a:t>
+              <a:t>10/6/2015</a:t>
             </a:fld>
             <a:endParaRPr lang="en-GB"/>
           </a:p>
@@ -9495,7 +9495,7 @@
             <a:fld id="{D6E12A9E-544D-4743-9F0B-884E2BF7D0B0}" type="datetime1">
               <a:rPr lang="en-US" smtClean="0"/>
               <a:pPr/>
-              <a:t>10/5/2015</a:t>
+              <a:t>10/6/2015</a:t>
             </a:fld>
             <a:endParaRPr lang="en-GB"/>
           </a:p>
@@ -9908,7 +9908,7 @@
             <a:fld id="{0EAE2EAB-07B8-4942-9591-287BBAF1E385}" type="datetime1">
               <a:rPr lang="en-US" smtClean="0"/>
               <a:pPr/>
-              <a:t>10/5/2015</a:t>
+              <a:t>10/6/2015</a:t>
             </a:fld>
             <a:endParaRPr lang="en-GB"/>
           </a:p>
@@ -10252,7 +10252,7 @@
             <a:fld id="{BABEAD1A-BFE9-4884-9063-04C5BBC12657}" type="datetime1">
               <a:rPr lang="en-US" smtClean="0"/>
               <a:pPr/>
-              <a:t>10/5/2015</a:t>
+              <a:t>10/6/2015</a:t>
             </a:fld>
             <a:endParaRPr lang="en-GB"/>
           </a:p>
@@ -16218,6 +16218,297 @@
       </p:grpSpPr>
       <p:sp>
         <p:nvSpPr>
+          <p:cNvPr id="2" name="1 - Τίτλος"/>
+          <p:cNvSpPr>
+            <a:spLocks noGrp="1"/>
+          </p:cNvSpPr>
+          <p:nvPr>
+            <p:ph type="title"/>
+          </p:nvPr>
+        </p:nvSpPr>
+        <p:spPr/>
+        <p:txBody>
+          <a:bodyPr/>
+          <a:lstStyle/>
+          <a:p>
+            <a:r>
+              <a:rPr lang="en-US" dirty="0" smtClean="0"/>
+              <a:t>Conclusion </a:t>
+            </a:r>
+            <a:endParaRPr lang="el-GR" dirty="0"/>
+          </a:p>
+        </p:txBody>
+      </p:sp>
+      <p:sp>
+        <p:nvSpPr>
+          <p:cNvPr id="3" name="2 - Θέση υποσέλιδου"/>
+          <p:cNvSpPr>
+            <a:spLocks noGrp="1"/>
+          </p:cNvSpPr>
+          <p:nvPr>
+            <p:ph type="ftr" sz="quarter" idx="11"/>
+          </p:nvPr>
+        </p:nvSpPr>
+        <p:spPr/>
+        <p:txBody>
+          <a:bodyPr/>
+          <a:lstStyle/>
+          <a:p>
+            <a:pPr algn="ctr"/>
+            <a:r>
+              <a:rPr lang="en-US" dirty="0"/>
+              <a:t>Presentation: 15/10/2015</a:t>
+            </a:r>
+            <a:endParaRPr lang="en-GB" dirty="0"/>
+          </a:p>
+        </p:txBody>
+      </p:sp>
+      <p:sp>
+        <p:nvSpPr>
+          <p:cNvPr id="4" name="3 - Θέση αριθμού διαφάνειας"/>
+          <p:cNvSpPr>
+            <a:spLocks noGrp="1"/>
+          </p:cNvSpPr>
+          <p:nvPr>
+            <p:ph type="sldNum" sz="quarter" idx="12"/>
+          </p:nvPr>
+        </p:nvSpPr>
+        <p:spPr/>
+        <p:txBody>
+          <a:bodyPr/>
+          <a:lstStyle/>
+          <a:p>
+            <a:fld id="{5A039058-1920-4143-8EFA-8E582B1DAF65}" type="slidenum">
+              <a:rPr lang="en-GB" smtClean="0"/>
+              <a:pPr/>
+              <a:t>24</a:t>
+            </a:fld>
+            <a:endParaRPr lang="en-GB"/>
+          </a:p>
+        </p:txBody>
+      </p:sp>
+      <p:sp>
+        <p:nvSpPr>
+          <p:cNvPr id="5" name="4 - Θέση περιεχομένου"/>
+          <p:cNvSpPr>
+            <a:spLocks noGrp="1"/>
+          </p:cNvSpPr>
+          <p:nvPr>
+            <p:ph sz="quarter" idx="1"/>
+          </p:nvPr>
+        </p:nvSpPr>
+        <p:spPr/>
+        <p:txBody>
+          <a:bodyPr/>
+          <a:lstStyle/>
+          <a:p>
+            <a:r>
+              <a:rPr lang="en-US" dirty="0" smtClean="0"/>
+              <a:t>Contributions</a:t>
+            </a:r>
+          </a:p>
+          <a:p>
+            <a:pPr lvl="1"/>
+            <a:r>
+              <a:rPr lang="en-US" dirty="0" smtClean="0"/>
+              <a:t>Extensive user evaluation</a:t>
+            </a:r>
+          </a:p>
+          <a:p>
+            <a:pPr lvl="1"/>
+            <a:r>
+              <a:rPr lang="en-US" dirty="0" smtClean="0"/>
+              <a:t>A social network User Interface is implemented for DevOps cloud deployment specialists.</a:t>
+            </a:r>
+          </a:p>
+          <a:p>
+            <a:pPr lvl="1"/>
+            <a:r>
+              <a:rPr lang="en-US" dirty="0" smtClean="0"/>
+              <a:t>A scalable system architecture of our SNP is presented.</a:t>
+            </a:r>
+          </a:p>
+          <a:p>
+            <a:pPr lvl="1"/>
+            <a:r>
+              <a:rPr lang="en-US" dirty="0"/>
+              <a:t>The SN Platform can perform </a:t>
+            </a:r>
+            <a:r>
+              <a:rPr lang="en-US" dirty="0" smtClean="0"/>
+              <a:t>topic classification </a:t>
+            </a:r>
+            <a:r>
+              <a:rPr lang="en-US" dirty="0"/>
+              <a:t>on the user’s input</a:t>
+            </a:r>
+            <a:r>
+              <a:rPr lang="en-US" dirty="0" smtClean="0"/>
+              <a:t>.</a:t>
+            </a:r>
+          </a:p>
+          <a:p>
+            <a:r>
+              <a:rPr lang="en-US" dirty="0" smtClean="0"/>
+              <a:t>Future work</a:t>
+            </a:r>
+          </a:p>
+          <a:p>
+            <a:pPr lvl="1"/>
+            <a:r>
+              <a:rPr lang="en-US" dirty="0" smtClean="0"/>
+              <a:t>Further explore classification</a:t>
+            </a:r>
+            <a:r>
+              <a:rPr lang="el-GR" dirty="0" smtClean="0"/>
+              <a:t>.</a:t>
+            </a:r>
+            <a:endParaRPr lang="en-US" dirty="0"/>
+          </a:p>
+        </p:txBody>
+      </p:sp>
+    </p:spTree>
+  </p:cSld>
+  <p:clrMapOvr>
+    <a:masterClrMapping/>
+  </p:clrMapOvr>
+  <p:timing>
+    <p:tnLst>
+      <p:par>
+        <p:cTn id="1" dur="indefinite" restart="never" nodeType="tmRoot"/>
+      </p:par>
+    </p:tnLst>
+  </p:timing>
+</p:sld>
+</file>
+
+<file path=ppt/slides/slide25.xml><?xml version="1.0" encoding="utf-8"?>
+<p:sld xmlns:a="http://schemas.openxmlformats.org/drawingml/2006/main" xmlns:r="http://schemas.openxmlformats.org/officeDocument/2006/relationships" xmlns:p="http://schemas.openxmlformats.org/presentationml/2006/main">
+  <p:cSld>
+    <p:spTree>
+      <p:nvGrpSpPr>
+        <p:cNvPr id="1" name=""/>
+        <p:cNvGrpSpPr/>
+        <p:nvPr/>
+      </p:nvGrpSpPr>
+      <p:grpSpPr>
+        <a:xfrm>
+          <a:off x="0" y="0"/>
+          <a:ext cx="0" cy="0"/>
+          <a:chOff x="0" y="0"/>
+          <a:chExt cx="0" cy="0"/>
+        </a:xfrm>
+      </p:grpSpPr>
+      <p:sp>
+        <p:nvSpPr>
+          <p:cNvPr id="3" name="2 - Θέση υποσέλιδου"/>
+          <p:cNvSpPr>
+            <a:spLocks noGrp="1"/>
+          </p:cNvSpPr>
+          <p:nvPr>
+            <p:ph type="ftr" sz="quarter" idx="11"/>
+          </p:nvPr>
+        </p:nvSpPr>
+        <p:spPr/>
+        <p:txBody>
+          <a:bodyPr/>
+          <a:lstStyle/>
+          <a:p>
+            <a:pPr algn="ctr"/>
+            <a:r>
+              <a:rPr lang="en-US" dirty="0"/>
+              <a:t>Presentation: 15/10/2015</a:t>
+            </a:r>
+            <a:endParaRPr lang="en-GB" dirty="0"/>
+          </a:p>
+        </p:txBody>
+      </p:sp>
+      <p:sp>
+        <p:nvSpPr>
+          <p:cNvPr id="4" name="3 - Θέση αριθμού διαφάνειας"/>
+          <p:cNvSpPr>
+            <a:spLocks noGrp="1"/>
+          </p:cNvSpPr>
+          <p:nvPr>
+            <p:ph type="sldNum" sz="quarter" idx="12"/>
+          </p:nvPr>
+        </p:nvSpPr>
+        <p:spPr/>
+        <p:txBody>
+          <a:bodyPr/>
+          <a:lstStyle/>
+          <a:p>
+            <a:fld id="{5A039058-1920-4143-8EFA-8E582B1DAF65}" type="slidenum">
+              <a:rPr lang="en-GB" smtClean="0"/>
+              <a:pPr/>
+              <a:t>25</a:t>
+            </a:fld>
+            <a:endParaRPr lang="en-GB" dirty="0"/>
+          </a:p>
+        </p:txBody>
+      </p:sp>
+      <p:sp>
+        <p:nvSpPr>
+          <p:cNvPr id="5" name="4 - Θέση περιεχομένου"/>
+          <p:cNvSpPr>
+            <a:spLocks noGrp="1"/>
+          </p:cNvSpPr>
+          <p:nvPr>
+            <p:ph sz="quarter" idx="1"/>
+          </p:nvPr>
+        </p:nvSpPr>
+        <p:spPr/>
+        <p:txBody>
+          <a:bodyPr>
+            <a:normAutofit/>
+          </a:bodyPr>
+          <a:lstStyle/>
+          <a:p>
+            <a:pPr>
+              <a:buNone/>
+            </a:pPr>
+            <a:r>
+              <a:rPr lang="en-US" sz="7200" dirty="0" smtClean="0"/>
+              <a:t>Thank you</a:t>
+            </a:r>
+            <a:endParaRPr lang="el-GR" sz="7200" dirty="0"/>
+          </a:p>
+        </p:txBody>
+      </p:sp>
+    </p:spTree>
+  </p:cSld>
+  <p:clrMapOvr>
+    <a:masterClrMapping/>
+  </p:clrMapOvr>
+  <p:timing>
+    <p:tnLst>
+      <p:par>
+        <p:cTn id="1" dur="indefinite" restart="never" nodeType="tmRoot"/>
+      </p:par>
+    </p:tnLst>
+  </p:timing>
+</p:sld>
+</file>
+
+<file path=ppt/slides/slide26.xml><?xml version="1.0" encoding="utf-8"?>
+<p:sld xmlns:a="http://schemas.openxmlformats.org/drawingml/2006/main" xmlns:r="http://schemas.openxmlformats.org/officeDocument/2006/relationships" xmlns:p="http://schemas.openxmlformats.org/presentationml/2006/main">
+  <p:cSld>
+    <p:spTree>
+      <p:nvGrpSpPr>
+        <p:cNvPr id="1" name=""/>
+        <p:cNvGrpSpPr/>
+        <p:nvPr/>
+      </p:nvGrpSpPr>
+      <p:grpSpPr>
+        <a:xfrm>
+          <a:off x="0" y="0"/>
+          <a:ext cx="0" cy="0"/>
+          <a:chOff x="0" y="0"/>
+          <a:chExt cx="0" cy="0"/>
+        </a:xfrm>
+      </p:grpSpPr>
+      <p:sp>
+        <p:nvSpPr>
           <p:cNvPr id="2" name="Title 1"/>
           <p:cNvSpPr>
             <a:spLocks noGrp="1"/>
@@ -16286,7 +16577,7 @@
             <a:fld id="{5A039058-1920-4143-8EFA-8E582B1DAF65}" type="slidenum">
               <a:rPr lang="en-GB" smtClean="0"/>
               <a:pPr/>
-              <a:t>24</a:t>
+              <a:t>26</a:t>
             </a:fld>
             <a:endParaRPr lang="en-GB"/>
           </a:p>
@@ -16909,289 +17200,6 @@
             </p:seq>
           </p:childTnLst>
         </p:cTn>
-      </p:par>
-    </p:tnLst>
-  </p:timing>
-</p:sld>
-</file>
-
-<file path=ppt/slides/slide25.xml><?xml version="1.0" encoding="utf-8"?>
-<p:sld xmlns:a="http://schemas.openxmlformats.org/drawingml/2006/main" xmlns:r="http://schemas.openxmlformats.org/officeDocument/2006/relationships" xmlns:p="http://schemas.openxmlformats.org/presentationml/2006/main">
-  <p:cSld>
-    <p:spTree>
-      <p:nvGrpSpPr>
-        <p:cNvPr id="1" name=""/>
-        <p:cNvGrpSpPr/>
-        <p:nvPr/>
-      </p:nvGrpSpPr>
-      <p:grpSpPr>
-        <a:xfrm>
-          <a:off x="0" y="0"/>
-          <a:ext cx="0" cy="0"/>
-          <a:chOff x="0" y="0"/>
-          <a:chExt cx="0" cy="0"/>
-        </a:xfrm>
-      </p:grpSpPr>
-      <p:sp>
-        <p:nvSpPr>
-          <p:cNvPr id="2" name="1 - Τίτλος"/>
-          <p:cNvSpPr>
-            <a:spLocks noGrp="1"/>
-          </p:cNvSpPr>
-          <p:nvPr>
-            <p:ph type="title"/>
-          </p:nvPr>
-        </p:nvSpPr>
-        <p:spPr/>
-        <p:txBody>
-          <a:bodyPr/>
-          <a:lstStyle/>
-          <a:p>
-            <a:r>
-              <a:rPr lang="en-US" dirty="0" smtClean="0"/>
-              <a:t>Conclusion </a:t>
-            </a:r>
-            <a:endParaRPr lang="el-GR" dirty="0"/>
-          </a:p>
-        </p:txBody>
-      </p:sp>
-      <p:sp>
-        <p:nvSpPr>
-          <p:cNvPr id="3" name="2 - Θέση υποσέλιδου"/>
-          <p:cNvSpPr>
-            <a:spLocks noGrp="1"/>
-          </p:cNvSpPr>
-          <p:nvPr>
-            <p:ph type="ftr" sz="quarter" idx="11"/>
-          </p:nvPr>
-        </p:nvSpPr>
-        <p:spPr/>
-        <p:txBody>
-          <a:bodyPr/>
-          <a:lstStyle/>
-          <a:p>
-            <a:pPr algn="ctr"/>
-            <a:r>
-              <a:rPr lang="en-US" dirty="0"/>
-              <a:t>Presentation: 15/10/2015</a:t>
-            </a:r>
-            <a:endParaRPr lang="en-GB" dirty="0"/>
-          </a:p>
-        </p:txBody>
-      </p:sp>
-      <p:sp>
-        <p:nvSpPr>
-          <p:cNvPr id="4" name="3 - Θέση αριθμού διαφάνειας"/>
-          <p:cNvSpPr>
-            <a:spLocks noGrp="1"/>
-          </p:cNvSpPr>
-          <p:nvPr>
-            <p:ph type="sldNum" sz="quarter" idx="12"/>
-          </p:nvPr>
-        </p:nvSpPr>
-        <p:spPr/>
-        <p:txBody>
-          <a:bodyPr/>
-          <a:lstStyle/>
-          <a:p>
-            <a:fld id="{5A039058-1920-4143-8EFA-8E582B1DAF65}" type="slidenum">
-              <a:rPr lang="en-GB" smtClean="0"/>
-              <a:pPr/>
-              <a:t>25</a:t>
-            </a:fld>
-            <a:endParaRPr lang="en-GB"/>
-          </a:p>
-        </p:txBody>
-      </p:sp>
-      <p:sp>
-        <p:nvSpPr>
-          <p:cNvPr id="5" name="4 - Θέση περιεχομένου"/>
-          <p:cNvSpPr>
-            <a:spLocks noGrp="1"/>
-          </p:cNvSpPr>
-          <p:nvPr>
-            <p:ph sz="quarter" idx="1"/>
-          </p:nvPr>
-        </p:nvSpPr>
-        <p:spPr/>
-        <p:txBody>
-          <a:bodyPr/>
-          <a:lstStyle/>
-          <a:p>
-            <a:r>
-              <a:rPr lang="en-US" dirty="0" smtClean="0"/>
-              <a:t>Contributions</a:t>
-            </a:r>
-          </a:p>
-          <a:p>
-            <a:pPr lvl="1"/>
-            <a:r>
-              <a:rPr lang="en-US" dirty="0" smtClean="0"/>
-              <a:t>Extensive user evaluation</a:t>
-            </a:r>
-          </a:p>
-          <a:p>
-            <a:pPr lvl="1"/>
-            <a:r>
-              <a:rPr lang="en-US" dirty="0" smtClean="0"/>
-              <a:t>A social network User Interface is implemented for DevOps cloud deployment specialists.</a:t>
-            </a:r>
-          </a:p>
-          <a:p>
-            <a:pPr lvl="1"/>
-            <a:r>
-              <a:rPr lang="en-US" dirty="0" smtClean="0"/>
-              <a:t>A scalable system architecture of our SNP is presented.</a:t>
-            </a:r>
-          </a:p>
-          <a:p>
-            <a:pPr lvl="1"/>
-            <a:r>
-              <a:rPr lang="en-US" dirty="0"/>
-              <a:t>The SN Platform can perform NLP classification on the user’s input</a:t>
-            </a:r>
-            <a:r>
-              <a:rPr lang="en-US" dirty="0" smtClean="0"/>
-              <a:t>.</a:t>
-            </a:r>
-          </a:p>
-          <a:p>
-            <a:r>
-              <a:rPr lang="en-US" dirty="0" smtClean="0"/>
-              <a:t>Future work</a:t>
-            </a:r>
-          </a:p>
-          <a:p>
-            <a:pPr lvl="1"/>
-            <a:r>
-              <a:rPr lang="en-US" dirty="0" smtClean="0"/>
-              <a:t>Further explore classification</a:t>
-            </a:r>
-            <a:r>
-              <a:rPr lang="el-GR" dirty="0" smtClean="0"/>
-              <a:t>.</a:t>
-            </a:r>
-            <a:endParaRPr lang="en-US" dirty="0"/>
-          </a:p>
-        </p:txBody>
-      </p:sp>
-    </p:spTree>
-  </p:cSld>
-  <p:clrMapOvr>
-    <a:masterClrMapping/>
-  </p:clrMapOvr>
-  <p:timing>
-    <p:tnLst>
-      <p:par>
-        <p:cTn id="1" dur="indefinite" restart="never" nodeType="tmRoot"/>
-      </p:par>
-    </p:tnLst>
-  </p:timing>
-</p:sld>
-</file>
-
-<file path=ppt/slides/slide26.xml><?xml version="1.0" encoding="utf-8"?>
-<p:sld xmlns:a="http://schemas.openxmlformats.org/drawingml/2006/main" xmlns:r="http://schemas.openxmlformats.org/officeDocument/2006/relationships" xmlns:p="http://schemas.openxmlformats.org/presentationml/2006/main">
-  <p:cSld>
-    <p:spTree>
-      <p:nvGrpSpPr>
-        <p:cNvPr id="1" name=""/>
-        <p:cNvGrpSpPr/>
-        <p:nvPr/>
-      </p:nvGrpSpPr>
-      <p:grpSpPr>
-        <a:xfrm>
-          <a:off x="0" y="0"/>
-          <a:ext cx="0" cy="0"/>
-          <a:chOff x="0" y="0"/>
-          <a:chExt cx="0" cy="0"/>
-        </a:xfrm>
-      </p:grpSpPr>
-      <p:sp>
-        <p:nvSpPr>
-          <p:cNvPr id="3" name="2 - Θέση υποσέλιδου"/>
-          <p:cNvSpPr>
-            <a:spLocks noGrp="1"/>
-          </p:cNvSpPr>
-          <p:nvPr>
-            <p:ph type="ftr" sz="quarter" idx="11"/>
-          </p:nvPr>
-        </p:nvSpPr>
-        <p:spPr/>
-        <p:txBody>
-          <a:bodyPr/>
-          <a:lstStyle/>
-          <a:p>
-            <a:pPr algn="ctr"/>
-            <a:r>
-              <a:rPr lang="en-US" dirty="0"/>
-              <a:t>Presentation: 15/10/2015</a:t>
-            </a:r>
-            <a:endParaRPr lang="en-GB" dirty="0"/>
-          </a:p>
-        </p:txBody>
-      </p:sp>
-      <p:sp>
-        <p:nvSpPr>
-          <p:cNvPr id="4" name="3 - Θέση αριθμού διαφάνειας"/>
-          <p:cNvSpPr>
-            <a:spLocks noGrp="1"/>
-          </p:cNvSpPr>
-          <p:nvPr>
-            <p:ph type="sldNum" sz="quarter" idx="12"/>
-          </p:nvPr>
-        </p:nvSpPr>
-        <p:spPr/>
-        <p:txBody>
-          <a:bodyPr/>
-          <a:lstStyle/>
-          <a:p>
-            <a:fld id="{5A039058-1920-4143-8EFA-8E582B1DAF65}" type="slidenum">
-              <a:rPr lang="en-GB" smtClean="0"/>
-              <a:pPr/>
-              <a:t>26</a:t>
-            </a:fld>
-            <a:endParaRPr lang="en-GB" dirty="0"/>
-          </a:p>
-        </p:txBody>
-      </p:sp>
-      <p:sp>
-        <p:nvSpPr>
-          <p:cNvPr id="5" name="4 - Θέση περιεχομένου"/>
-          <p:cNvSpPr>
-            <a:spLocks noGrp="1"/>
-          </p:cNvSpPr>
-          <p:nvPr>
-            <p:ph sz="quarter" idx="1"/>
-          </p:nvPr>
-        </p:nvSpPr>
-        <p:spPr/>
-        <p:txBody>
-          <a:bodyPr>
-            <a:normAutofit/>
-          </a:bodyPr>
-          <a:lstStyle/>
-          <a:p>
-            <a:pPr>
-              <a:buNone/>
-            </a:pPr>
-            <a:r>
-              <a:rPr lang="en-US" sz="7200" dirty="0" smtClean="0"/>
-              <a:t>Thank you</a:t>
-            </a:r>
-            <a:endParaRPr lang="el-GR" sz="7200" dirty="0"/>
-          </a:p>
-        </p:txBody>
-      </p:sp>
-    </p:spTree>
-  </p:cSld>
-  <p:clrMapOvr>
-    <a:masterClrMapping/>
-  </p:clrMapOvr>
-  <p:timing>
-    <p:tnLst>
-      <p:par>
-        <p:cTn id="1" dur="indefinite" restart="never" nodeType="tmRoot"/>
       </p:par>
     </p:tnLst>
   </p:timing>

--- a/presentation/presentation.pptx
+++ b/presentation/presentation.pptx
@@ -237,7 +237,7 @@
             <a:fld id="{35A36A6E-E9C2-465F-AFBE-66735C017D69}" type="datetimeFigureOut">
               <a:rPr lang="en-US" smtClean="0"/>
               <a:pPr/>
-              <a:t>10/6/2015</a:t>
+              <a:t>10/8/2015</a:t>
             </a:fld>
             <a:endParaRPr lang="en-GB"/>
           </a:p>
@@ -669,7 +669,7 @@
         <p:spPr/>
         <p:txBody>
           <a:bodyPr>
-            <a:normAutofit fontScale="40000" lnSpcReduction="20000"/>
+            <a:normAutofit fontScale="47500" lnSpcReduction="20000"/>
           </a:bodyPr>
           <a:lstStyle/>
           <a:p>
@@ -793,15 +793,53 @@
             </a:r>
             <a:r>
               <a:rPr lang="el-GR" b="0" baseline="0" dirty="0" smtClean="0"/>
-              <a:t> και χρησιμοποιείται από το σύστημα μας για να αποθηκεύει προσωρινή πληροφορία. Έκανα </a:t>
+              <a:t> και χρησιμοποιείται από το σύστημα μας για να αποθηκεύει </a:t>
+            </a:r>
+            <a:r>
+              <a:rPr lang="el-GR" b="0" baseline="0" dirty="0" smtClean="0"/>
+              <a:t>την </a:t>
             </a:r>
             <a:r>
               <a:rPr lang="en-US" b="0" baseline="0" dirty="0" smtClean="0"/>
-              <a:t>configure</a:t>
+              <a:t>social</a:t>
             </a:r>
             <a:r>
               <a:rPr lang="el-GR" b="0" baseline="0" dirty="0" smtClean="0"/>
-              <a:t> το </a:t>
+              <a:t> πληροφορία. Καθώς επίσης και την πληροφορία που προέρχεται από το </a:t>
+            </a:r>
+            <a:r>
+              <a:rPr lang="en-US" b="0" baseline="0" dirty="0" smtClean="0"/>
+              <a:t>repository </a:t>
+            </a:r>
+            <a:r>
+              <a:rPr lang="el-GR" b="0" baseline="0" dirty="0" smtClean="0"/>
+              <a:t>των μοντέλων.</a:t>
+            </a:r>
+            <a:endParaRPr lang="el-GR" b="0" baseline="0" dirty="0" smtClean="0"/>
+          </a:p>
+          <a:p>
+            <a:endParaRPr lang="el-GR" b="0" baseline="0" dirty="0" smtClean="0"/>
+          </a:p>
+          <a:p>
+            <a:r>
+              <a:rPr lang="el-GR" b="0" baseline="0" dirty="0" smtClean="0"/>
+              <a:t>Και τέλος, στο επίπεδο 3, όπου είναι το </a:t>
+            </a:r>
+            <a:r>
+              <a:rPr lang="en-US" b="0" baseline="0" dirty="0" smtClean="0"/>
+              <a:t>back-end </a:t>
+            </a:r>
+            <a:r>
+              <a:rPr lang="el-GR" b="0" baseline="0" dirty="0" smtClean="0"/>
+              <a:t>του συστήματος, όπου πέρα από την </a:t>
+            </a:r>
+            <a:r>
+              <a:rPr lang="en-US" b="0" baseline="0" dirty="0" smtClean="0"/>
+              <a:t>SN DB</a:t>
+            </a:r>
+            <a:r>
+              <a:rPr lang="el-GR" b="0" baseline="0" dirty="0" smtClean="0"/>
+              <a:t> όπου χρησιμοποιήθηκε αυτή του </a:t>
             </a:r>
             <a:r>
               <a:rPr lang="en-US" b="0" baseline="0" dirty="0" smtClean="0"/>
@@ -809,48 +847,7 @@
             </a:r>
             <a:r>
               <a:rPr lang="el-GR" b="0" baseline="0" dirty="0" smtClean="0"/>
-              <a:t>έτσι ώστε να υποστηρίζει μια τέτοια </a:t>
-            </a:r>
-            <a:r>
-              <a:rPr lang="en-US" b="0" baseline="0" dirty="0" smtClean="0"/>
-              <a:t>caching </a:t>
-            </a:r>
-            <a:r>
-              <a:rPr lang="el-GR" b="0" baseline="0" dirty="0" smtClean="0"/>
-              <a:t>τεχνική.</a:t>
-            </a:r>
-          </a:p>
-          <a:p>
-            <a:endParaRPr lang="el-GR" b="0" baseline="0" dirty="0" smtClean="0"/>
-          </a:p>
-          <a:p>
-            <a:r>
-              <a:rPr lang="el-GR" b="0" baseline="0" dirty="0" smtClean="0"/>
-              <a:t>Και τέλος, στο επίπεδο 3, όπου είναι το </a:t>
-            </a:r>
-            <a:r>
-              <a:rPr lang="en-US" b="0" baseline="0" dirty="0" smtClean="0"/>
-              <a:t>back-end </a:t>
-            </a:r>
-            <a:r>
-              <a:rPr lang="el-GR" b="0" baseline="0" dirty="0" smtClean="0"/>
-              <a:t>του συστήματος, όπου πέρα από την </a:t>
-            </a:r>
-            <a:r>
-              <a:rPr lang="en-US" b="0" baseline="0" dirty="0" smtClean="0"/>
-              <a:t>SN DB</a:t>
-            </a:r>
-            <a:r>
-              <a:rPr lang="el-GR" b="0" baseline="0" dirty="0" smtClean="0"/>
-              <a:t> όπου χρησιμοποιήθηκε αυτή του </a:t>
-            </a:r>
-            <a:r>
-              <a:rPr lang="en-US" b="0" baseline="0" dirty="0" smtClean="0"/>
-              <a:t>Elgg SNE </a:t>
-            </a:r>
-            <a:r>
-              <a:rPr lang="el-GR" b="0" baseline="0" dirty="0" smtClean="0"/>
-              <a:t>προστέθηκαν ο </a:t>
+              <a:t>πρόσθεσα τον </a:t>
             </a:r>
             <a:r>
               <a:rPr lang="en-US" b="0" baseline="0" dirty="0" smtClean="0"/>
@@ -858,7 +855,11 @@
             </a:r>
             <a:r>
               <a:rPr lang="el-GR" b="0" baseline="0" dirty="0" smtClean="0"/>
-              <a:t>όπου επικοινωνεί με το </a:t>
+              <a:t>όπου επικοινωνεί με </a:t>
+            </a:r>
+            <a:r>
+              <a:rPr lang="el-GR" b="0" baseline="0" dirty="0" smtClean="0"/>
+              <a:t>τον </a:t>
             </a:r>
             <a:r>
               <a:rPr lang="en-US" b="0" baseline="0" dirty="0" smtClean="0"/>
@@ -893,118 +894,6 @@
               <a:t>.</a:t>
             </a:r>
             <a:endParaRPr lang="en-US" b="0" baseline="0" dirty="0" smtClean="0"/>
-          </a:p>
-          <a:p>
-            <a:endParaRPr lang="en-US" b="0" baseline="0" dirty="0" smtClean="0"/>
-          </a:p>
-          <a:p>
-            <a:r>
-              <a:rPr lang="el-GR" b="0" baseline="0" dirty="0" smtClean="0"/>
-              <a:t>Το  </a:t>
-            </a:r>
-            <a:r>
-              <a:rPr lang="en-US" b="0" baseline="0" dirty="0" smtClean="0"/>
-              <a:t>Social Networking Engine </a:t>
-            </a:r>
-            <a:r>
-              <a:rPr lang="el-GR" b="0" baseline="0" dirty="0" smtClean="0"/>
-              <a:t>επικοινωνεί με το </a:t>
-            </a:r>
-            <a:r>
-              <a:rPr lang="en-US" b="0" baseline="0" dirty="0" smtClean="0"/>
-              <a:t>CDO Client </a:t>
-            </a:r>
-            <a:r>
-              <a:rPr lang="el-GR" b="0" baseline="0" dirty="0" smtClean="0"/>
-              <a:t>για να εξάγει την πληροφορία που έχει σχέση με τα μοντέλα, και επικοινωνεί με την </a:t>
-            </a:r>
-            <a:r>
-              <a:rPr lang="en-US" b="0" baseline="0" dirty="0" smtClean="0"/>
-              <a:t>Social Network Database</a:t>
-            </a:r>
-            <a:r>
-              <a:rPr lang="el-GR" b="0" baseline="0" dirty="0" smtClean="0"/>
-              <a:t> για να εξάγει την πληροφορία που έχει σχέση με το </a:t>
-            </a:r>
-            <a:r>
-              <a:rPr lang="en-US" b="0" baseline="0" dirty="0" smtClean="0"/>
-              <a:t>Social Aspect </a:t>
-            </a:r>
-            <a:r>
-              <a:rPr lang="el-GR" b="0" baseline="0" dirty="0" smtClean="0"/>
-              <a:t>των χρηστών, όπως για παράδειγμα πληροφορίες για το </a:t>
-            </a:r>
-            <a:r>
-              <a:rPr lang="en-US" b="0" baseline="0" dirty="0" smtClean="0"/>
-              <a:t>profile </a:t>
-            </a:r>
-            <a:r>
-              <a:rPr lang="el-GR" b="0" baseline="0" dirty="0" smtClean="0"/>
-              <a:t>τους, τα μηνύματά τους κοκ. Καθώς επίσης, εκεί είναι αποθηκευμένη και η </a:t>
-            </a:r>
-            <a:r>
-              <a:rPr lang="en-US" b="0" baseline="0" dirty="0" smtClean="0"/>
-              <a:t>Social Networking </a:t>
-            </a:r>
-            <a:r>
-              <a:rPr lang="el-GR" b="0" baseline="0" dirty="0" smtClean="0"/>
-              <a:t>πληροφορία των εφαρμογών όπως για παράδειγμα είναι ποιοι χρήστες παρακολουθούν (</a:t>
-            </a:r>
-            <a:r>
-              <a:rPr lang="en-US" b="0" baseline="0" dirty="0" smtClean="0"/>
-              <a:t>follow</a:t>
-            </a:r>
-            <a:r>
-              <a:rPr lang="el-GR" b="0" baseline="0" dirty="0" smtClean="0"/>
-              <a:t>)</a:t>
-            </a:r>
-            <a:r>
-              <a:rPr lang="en-US" b="0" baseline="0" dirty="0" smtClean="0"/>
-              <a:t> </a:t>
-            </a:r>
-            <a:r>
-              <a:rPr lang="el-GR" b="0" baseline="0" dirty="0" smtClean="0"/>
-              <a:t>ποιες εφαρμογές, το </a:t>
-            </a:r>
-            <a:r>
-              <a:rPr lang="en-US" b="0" baseline="0" dirty="0" smtClean="0"/>
-              <a:t>rating </a:t>
-            </a:r>
-            <a:r>
-              <a:rPr lang="el-GR" b="0" baseline="0" dirty="0" smtClean="0"/>
-              <a:t>των εφαρμογών, τα σχόλια των χρηστών σχετικά με τις εφαρμογές.</a:t>
-            </a:r>
-            <a:endParaRPr lang="en-US" b="0" baseline="0" dirty="0" smtClean="0"/>
-          </a:p>
-          <a:p>
-            <a:endParaRPr lang="en-US" b="0" baseline="0" dirty="0" smtClean="0"/>
-          </a:p>
-          <a:p>
-            <a:r>
-              <a:rPr lang="el-GR" b="0" baseline="0" dirty="0" smtClean="0"/>
-              <a:t>Αυτή είναι η αρχιτεκτονική του συστήματος, το </a:t>
-            </a:r>
-            <a:r>
-              <a:rPr lang="en-US" b="0" baseline="0" dirty="0" smtClean="0"/>
-              <a:t>User Interface </a:t>
-            </a:r>
-            <a:r>
-              <a:rPr lang="el-GR" b="0" baseline="0" dirty="0" smtClean="0"/>
-              <a:t>σχεδιάστηκε από συνεργάτες μας με εμπειρία στο </a:t>
-            </a:r>
-            <a:r>
-              <a:rPr lang="en-US" b="0" baseline="0" dirty="0" smtClean="0"/>
-              <a:t>UE </a:t>
-            </a:r>
-            <a:r>
-              <a:rPr lang="el-GR" b="0" baseline="0" dirty="0" smtClean="0"/>
-              <a:t>και εγώ την υλοποίησα</a:t>
-            </a:r>
-            <a:r>
-              <a:rPr lang="en-US" b="0" baseline="0" dirty="0" smtClean="0"/>
-              <a:t>.</a:t>
-            </a:r>
-            <a:endParaRPr lang="el-GR" b="0" baseline="0" dirty="0" smtClean="0"/>
           </a:p>
           <a:p>
             <a:endParaRPr lang="el-GR" b="0" dirty="0"/>
@@ -1945,7 +1834,7 @@
         <p:spPr/>
         <p:txBody>
           <a:bodyPr>
-            <a:normAutofit fontScale="47500" lnSpcReduction="20000"/>
+            <a:normAutofit fontScale="70000" lnSpcReduction="20000"/>
           </a:bodyPr>
           <a:lstStyle/>
           <a:p>
@@ -2037,162 +1926,6 @@
             <a:r>
               <a:rPr lang="el-GR" baseline="0" dirty="0" smtClean="0"/>
               <a:t>σε ποια κλάση/κατηγορία ανήκει.</a:t>
-            </a:r>
-          </a:p>
-          <a:p>
-            <a:endParaRPr lang="el-GR" baseline="0" dirty="0" smtClean="0"/>
-          </a:p>
-          <a:p>
-            <a:r>
-              <a:rPr lang="el-GR" baseline="0" dirty="0" smtClean="0"/>
-              <a:t>Αυτό το εργαλείο είναι το </a:t>
-            </a:r>
-            <a:r>
-              <a:rPr lang="en-US" baseline="0" dirty="0" smtClean="0"/>
-              <a:t>NLP</a:t>
-            </a:r>
-            <a:r>
-              <a:rPr lang="el-GR" baseline="0" dirty="0" smtClean="0"/>
-              <a:t> </a:t>
-            </a:r>
-            <a:r>
-              <a:rPr lang="en-US" baseline="0" dirty="0" smtClean="0"/>
-              <a:t>topic classification </a:t>
-            </a:r>
-            <a:r>
-              <a:rPr lang="el-GR" baseline="0" dirty="0" smtClean="0"/>
-              <a:t>και χρησιμοποιήθηκε ώστε να προσδιορίζεται η κατηγορία της ερώτησης που ανεβάζουν οι χρήστες στα </a:t>
-            </a:r>
-            <a:r>
-              <a:rPr lang="en-US" baseline="0" dirty="0" smtClean="0"/>
-              <a:t>group </a:t>
-            </a:r>
-            <a:r>
-              <a:rPr lang="el-GR" baseline="0" dirty="0" smtClean="0"/>
-              <a:t>του ΚΔ</a:t>
-            </a:r>
-            <a:r>
-              <a:rPr lang="en-US" baseline="0" dirty="0" smtClean="0"/>
-              <a:t>.</a:t>
-            </a:r>
-          </a:p>
-          <a:p>
-            <a:r>
-              <a:rPr lang="el-GR" baseline="0" dirty="0" smtClean="0"/>
-              <a:t>Χρησιμοποιήσαμε </a:t>
-            </a:r>
-            <a:r>
-              <a:rPr lang="en-US" baseline="0" dirty="0" smtClean="0"/>
-              <a:t>NLP</a:t>
-            </a:r>
-            <a:r>
-              <a:rPr lang="el-GR" baseline="0" dirty="0" smtClean="0"/>
-              <a:t> διότι είναι μια τεχνική που εφαρμόζεται σε τέτοιες περιπτώσεις</a:t>
-            </a:r>
-            <a:r>
-              <a:rPr lang="en-US" baseline="0" dirty="0" smtClean="0"/>
-              <a:t>, </a:t>
-            </a:r>
-            <a:r>
-              <a:rPr lang="el-GR" baseline="0" dirty="0" smtClean="0"/>
-              <a:t>και είναι πιο </a:t>
-            </a:r>
-            <a:r>
-              <a:rPr lang="en-US" baseline="0" dirty="0" smtClean="0"/>
-              <a:t>accurate </a:t>
-            </a:r>
-            <a:r>
-              <a:rPr lang="el-GR" baseline="0" dirty="0" smtClean="0"/>
-              <a:t>από απλά εργαλεία που θα έκαναν απλό </a:t>
-            </a:r>
-            <a:r>
-              <a:rPr lang="en-US" baseline="0" dirty="0" smtClean="0"/>
-              <a:t>parse.</a:t>
-            </a:r>
-          </a:p>
-          <a:p>
-            <a:r>
-              <a:rPr lang="en-US" baseline="0" dirty="0" smtClean="0"/>
-              <a:t> </a:t>
-            </a:r>
-            <a:endParaRPr lang="el-GR" baseline="0" dirty="0" smtClean="0"/>
-          </a:p>
-          <a:p>
-            <a:r>
-              <a:rPr lang="el-GR" baseline="0" dirty="0" smtClean="0"/>
-              <a:t>Έτσι το σχήμα δείχνει οι χρήστες του </a:t>
-            </a:r>
-            <a:r>
-              <a:rPr lang="en-US" baseline="0" dirty="0" smtClean="0"/>
-              <a:t>SO </a:t>
-            </a:r>
-            <a:r>
-              <a:rPr lang="el-GR" baseline="0" dirty="0" smtClean="0"/>
-              <a:t>ανεβάζουν τις ερωτήσεις τους στην κοινότητα</a:t>
-            </a:r>
-            <a:r>
-              <a:rPr lang="en-US" baseline="0" dirty="0" smtClean="0"/>
-              <a:t> </a:t>
-            </a:r>
-            <a:r>
-              <a:rPr lang="el-GR" baseline="0" dirty="0" smtClean="0"/>
-              <a:t>κατηγοριοποιημένες με διάφορα </a:t>
-            </a:r>
-            <a:r>
-              <a:rPr lang="en-US" baseline="0" dirty="0" smtClean="0"/>
-              <a:t>tags</a:t>
-            </a:r>
-            <a:r>
-              <a:rPr lang="el-GR" baseline="0" dirty="0" smtClean="0"/>
-              <a:t>, χρησιμοποιώντας το </a:t>
-            </a:r>
-            <a:r>
-              <a:rPr lang="en-US" baseline="0" dirty="0" smtClean="0"/>
-              <a:t>UI </a:t>
-            </a:r>
-            <a:r>
-              <a:rPr lang="el-GR" baseline="0" dirty="0" smtClean="0"/>
-              <a:t>του </a:t>
-            </a:r>
-            <a:r>
-              <a:rPr lang="en-US" baseline="0" dirty="0" smtClean="0"/>
-              <a:t>SO, </a:t>
-            </a:r>
-            <a:r>
-              <a:rPr lang="el-GR" baseline="0" dirty="0" smtClean="0"/>
-              <a:t>μετά το </a:t>
-            </a:r>
-            <a:r>
-              <a:rPr lang="en-US" baseline="0" dirty="0" smtClean="0"/>
-              <a:t>NPL classifier </a:t>
-            </a:r>
-            <a:r>
-              <a:rPr lang="el-GR" baseline="0" dirty="0" smtClean="0"/>
-              <a:t>παίρνει κάποιες ερωτήσεις από το </a:t>
-            </a:r>
-            <a:r>
-              <a:rPr lang="en-US" baseline="0" dirty="0" smtClean="0"/>
-              <a:t>SO</a:t>
-            </a:r>
-            <a:r>
-              <a:rPr lang="el-GR" baseline="0" dirty="0" smtClean="0"/>
-              <a:t>, χρησιμοποιώντας το </a:t>
-            </a:r>
-            <a:r>
-              <a:rPr lang="en-US" baseline="0" dirty="0" smtClean="0"/>
-              <a:t>SE API, </a:t>
-            </a:r>
-            <a:r>
-              <a:rPr lang="el-GR" baseline="0" dirty="0" smtClean="0"/>
-              <a:t>για να τις χρησιμοποιήσει ως </a:t>
-            </a:r>
-            <a:r>
-              <a:rPr lang="en-US" baseline="0" dirty="0" smtClean="0"/>
-              <a:t>training set </a:t>
-            </a:r>
-            <a:r>
-              <a:rPr lang="el-GR" baseline="0" dirty="0" smtClean="0"/>
-              <a:t>και να κατασκευάσει κάποιες τις δικές του κλάσεις που χρειάζεται ώστε μεταγενέστερες ερωτήσεις του δικού μας ΚΔ μπορούν να κατηγοριοποιηθούν.</a:t>
             </a:r>
           </a:p>
           <a:p>
@@ -2310,7 +2043,7 @@
         <p:spPr/>
         <p:txBody>
           <a:bodyPr>
-            <a:normAutofit fontScale="40000" lnSpcReduction="20000"/>
+            <a:normAutofit fontScale="47500" lnSpcReduction="20000"/>
           </a:bodyPr>
           <a:lstStyle/>
           <a:p>
@@ -2328,48 +2061,28 @@
               <a:defRPr/>
             </a:pPr>
             <a:r>
-              <a:rPr lang="el-GR" dirty="0" smtClean="0"/>
-              <a:t>Το</a:t>
-            </a:r>
-            <a:r>
-              <a:rPr lang="el-GR" baseline="0" dirty="0" smtClean="0"/>
+              <a:rPr lang="el-GR" baseline="0" dirty="0" smtClean="0"/>
+              <a:t>Ο </a:t>
+            </a:r>
+            <a:r>
+              <a:rPr lang="el-GR" baseline="0" dirty="0" smtClean="0"/>
+              <a:t>στόχος ενός</a:t>
+            </a:r>
+            <a:r>
+              <a:rPr lang="en-US" baseline="0" dirty="0" smtClean="0"/>
               <a:t> </a:t>
             </a:r>
             <a:r>
-              <a:rPr lang="en-US" dirty="0" smtClean="0"/>
-              <a:t>Topic classification </a:t>
-            </a:r>
-            <a:r>
-              <a:rPr lang="el-GR" dirty="0" smtClean="0"/>
-              <a:t>είναι μια διαδικασία όπου</a:t>
-            </a:r>
-            <a:r>
-              <a:rPr lang="el-GR" baseline="0" dirty="0" smtClean="0"/>
-              <a:t> διάφορα </a:t>
-            </a:r>
-            <a:r>
-              <a:rPr lang="en-US" baseline="0" dirty="0" smtClean="0"/>
-              <a:t>text documents </a:t>
-            </a:r>
-            <a:r>
-              <a:rPr lang="el-GR" baseline="0" dirty="0" smtClean="0"/>
-              <a:t>μπορούν να λάβουν κάποιο </a:t>
-            </a:r>
-            <a:r>
-              <a:rPr lang="en-US" baseline="0" dirty="0" smtClean="0"/>
-              <a:t>topic label </a:t>
-            </a:r>
-            <a:r>
-              <a:rPr lang="el-GR" baseline="0" dirty="0" smtClean="0"/>
-              <a:t>με βάση κάποια κριτήρια. Ο στόχος ενός</a:t>
-            </a:r>
-            <a:r>
-              <a:rPr lang="en-US" baseline="0" dirty="0" smtClean="0"/>
-              <a:t> NLP TC</a:t>
-            </a:r>
-            <a:r>
-              <a:rPr lang="el-GR" baseline="0" dirty="0" smtClean="0"/>
-              <a:t> μηχανισμού λοιπόν, είναι να μπορεί να συμπεράνει την κατηγορία ενός κειμένου από το περιεχόμενο του. Για παράδειγμα, να μπορεί να συμπεράνει ότι ένα κείμενο μιλάει για </a:t>
+              <a:rPr lang="en-US" baseline="0" dirty="0" smtClean="0"/>
+              <a:t>TC</a:t>
+            </a:r>
+            <a:r>
+              <a:rPr lang="el-GR" baseline="0" dirty="0" smtClean="0"/>
+              <a:t> </a:t>
+            </a:r>
+            <a:r>
+              <a:rPr lang="el-GR" baseline="0" dirty="0" smtClean="0"/>
+              <a:t>μηχανισμού λοιπόν, είναι να μπορεί να συμπεράνει την κατηγορία ενός κειμένου από το περιεχόμενο του. Για παράδειγμα, να μπορεί να συμπεράνει ότι ένα κείμενο μιλάει για </a:t>
             </a:r>
             <a:r>
               <a:rPr lang="en-US" baseline="0" dirty="0" smtClean="0"/>
@@ -2454,8 +2167,12 @@
               <a:t>Πρώτα ο </a:t>
             </a:r>
             <a:r>
-              <a:rPr lang="en-US" baseline="0" dirty="0" smtClean="0"/>
-              <a:t>NLPC </a:t>
+              <a:rPr lang="el-GR" baseline="0" dirty="0" smtClean="0"/>
+              <a:t>Τ</a:t>
+            </a:r>
+            <a:r>
+              <a:rPr lang="en-US" baseline="0" dirty="0" smtClean="0"/>
+              <a:t>C </a:t>
             </a:r>
             <a:r>
               <a:rPr lang="el-GR" baseline="0" dirty="0" smtClean="0"/>
@@ -2543,8 +2260,12 @@
               <a:t> </a:t>
             </a:r>
             <a:r>
-              <a:rPr lang="en-US" baseline="0" dirty="0" smtClean="0"/>
-              <a:t>NLPC </a:t>
+              <a:rPr lang="el-GR" baseline="0" dirty="0" smtClean="0"/>
+              <a:t>Τ</a:t>
+            </a:r>
+            <a:r>
+              <a:rPr lang="en-US" baseline="0" dirty="0" smtClean="0"/>
+              <a:t>C </a:t>
             </a:r>
             <a:r>
               <a:rPr lang="el-GR" baseline="0" dirty="0" smtClean="0"/>
@@ -3200,9 +2921,6 @@
             <a:endParaRPr lang="en-US" baseline="0" dirty="0" smtClean="0"/>
           </a:p>
           <a:p>
-            <a:endParaRPr lang="en-US" baseline="0" dirty="0" smtClean="0"/>
-          </a:p>
-          <a:p>
             <a:endParaRPr lang="el-GR" baseline="0" dirty="0" smtClean="0"/>
           </a:p>
           <a:p>
@@ -3592,52 +3310,12 @@
           <a:lstStyle/>
           <a:p>
             <a:r>
-              <a:rPr lang="el-GR" dirty="0" smtClean="0"/>
-              <a:t>Στο</a:t>
-            </a:r>
-            <a:r>
-              <a:rPr lang="el-GR" baseline="0" dirty="0" smtClean="0"/>
-              <a:t> διάγραμμα </a:t>
-            </a:r>
-            <a:r>
-              <a:rPr lang="el-GR" dirty="0" smtClean="0"/>
-              <a:t>φαίνεται</a:t>
-            </a:r>
-            <a:r>
-              <a:rPr lang="el-GR" baseline="0" dirty="0" smtClean="0"/>
-              <a:t> το </a:t>
-            </a:r>
-            <a:r>
-              <a:rPr lang="en-US" baseline="0" dirty="0" smtClean="0"/>
-              <a:t>Response time </a:t>
-            </a:r>
-            <a:r>
-              <a:rPr lang="el-GR" baseline="0" dirty="0" smtClean="0"/>
-              <a:t>για το πρώτο </a:t>
-            </a:r>
-            <a:r>
-              <a:rPr lang="en-US" baseline="0" dirty="0" smtClean="0"/>
-              <a:t>deployment </a:t>
-            </a:r>
-            <a:r>
-              <a:rPr lang="el-GR" baseline="0" dirty="0" smtClean="0"/>
-              <a:t>με 3 διαφορετικά </a:t>
-            </a:r>
-            <a:r>
-              <a:rPr lang="en-US" baseline="0" dirty="0" smtClean="0"/>
-              <a:t>configurations. C1, 2, 3. </a:t>
-            </a:r>
-            <a:r>
-              <a:rPr lang="el-GR" baseline="0" dirty="0" smtClean="0"/>
-              <a:t>Για κάθε </a:t>
-            </a:r>
-            <a:r>
-              <a:rPr lang="en-US" baseline="0" dirty="0" smtClean="0"/>
-              <a:t>configuration </a:t>
-            </a:r>
-            <a:r>
-              <a:rPr lang="el-GR" baseline="0" dirty="0" smtClean="0"/>
-              <a:t>τρία διαφορετικά</a:t>
+              <a:rPr lang="el-GR" baseline="0" dirty="0" smtClean="0"/>
+              <a:t>Τρία </a:t>
+            </a:r>
+            <a:r>
+              <a:rPr lang="el-GR" baseline="0" dirty="0" smtClean="0"/>
+              <a:t>διαφορετικά</a:t>
             </a:r>
             <a:r>
               <a:rPr lang="en-US" baseline="0" dirty="0" smtClean="0"/>
@@ -3645,7 +3323,15 @@
             </a:r>
             <a:r>
               <a:rPr lang="el-GR" baseline="0" dirty="0" smtClean="0"/>
-              <a:t>χρησιμοποιήθηκαν, όπως φαίνεται στον πίνακα από κάτω, για παράδειγμα στο </a:t>
+              <a:t>χρησιμοποιήθηκαν</a:t>
+            </a:r>
+            <a:r>
+              <a:rPr lang="el-GR" baseline="0" dirty="0" smtClean="0"/>
+              <a:t>, </a:t>
+            </a:r>
+            <a:r>
+              <a:rPr lang="el-GR" baseline="0" dirty="0" smtClean="0"/>
+              <a:t>για παράδειγμα στο </a:t>
             </a:r>
             <a:r>
               <a:rPr lang="en-US" baseline="0" dirty="0" smtClean="0"/>
@@ -5058,7 +4744,7 @@
         </p:spPr>
         <p:txBody>
           <a:bodyPr>
-            <a:normAutofit fontScale="70000" lnSpcReduction="20000"/>
+            <a:normAutofit fontScale="85000" lnSpcReduction="20000"/>
           </a:bodyPr>
           <a:lstStyle/>
           <a:p>
@@ -5269,145 +4955,122 @@
             </a:r>
             <a:r>
               <a:rPr lang="en-US" sz="600" dirty="0" smtClean="0"/>
-              <a:t>applications.</a:t>
-            </a:r>
-            <a:endParaRPr lang="el-GR" sz="600" dirty="0"/>
+              <a:t>applications</a:t>
+            </a:r>
+            <a:r>
+              <a:rPr lang="en-US" sz="600" dirty="0" smtClean="0"/>
+              <a:t>. </a:t>
+            </a:r>
+            <a:endParaRPr lang="el-GR" sz="600" dirty="0" smtClean="0"/>
           </a:p>
           <a:p>
             <a:pPr defTabSz="469819">
               <a:defRPr/>
             </a:pPr>
-            <a:endParaRPr lang="en-US" sz="600" dirty="0"/>
+            <a:r>
+              <a:rPr lang="el-GR" sz="600" dirty="0" smtClean="0"/>
+              <a:t>Υπάρχει λοιπόν</a:t>
+            </a:r>
+            <a:r>
+              <a:rPr lang="el-GR" sz="600" baseline="0" dirty="0" smtClean="0"/>
+              <a:t> αυτοματοποίηση στο να πάρουν μια εφαρμογή, να την εκφράσουν με κάποιο τρόπο και να την κάνουν </a:t>
+            </a:r>
+            <a:r>
+              <a:rPr lang="en-US" sz="600" baseline="0" dirty="0" smtClean="0"/>
+              <a:t>deploy </a:t>
+            </a:r>
+            <a:r>
+              <a:rPr lang="el-GR" sz="600" baseline="0" dirty="0" smtClean="0"/>
+              <a:t>κάπου, είναι λυμένο πρόβλημα</a:t>
+            </a:r>
+            <a:r>
+              <a:rPr lang="en-US" sz="600" baseline="0" dirty="0" smtClean="0"/>
+              <a:t> </a:t>
+            </a:r>
+            <a:r>
+              <a:rPr lang="el-GR" sz="600" baseline="0" dirty="0" smtClean="0"/>
+              <a:t>αυτό. </a:t>
+            </a:r>
+            <a:endParaRPr lang="el-GR" sz="600" dirty="0"/>
           </a:p>
           <a:p>
             <a:pPr defTabSz="469819">
               <a:defRPr/>
             </a:pPr>
-            <a:r>
-              <a:rPr lang="el-GR" sz="600" dirty="0"/>
-              <a:t>Το </a:t>
-            </a:r>
-            <a:r>
-              <a:rPr lang="en-US" sz="600" dirty="0"/>
-              <a:t>Chef supermarket </a:t>
-            </a:r>
-            <a:r>
-              <a:rPr lang="el-GR" sz="600" dirty="0"/>
-              <a:t>είναι </a:t>
-            </a:r>
+            <a:endParaRPr lang="el-GR" sz="600" dirty="0" smtClean="0"/>
+          </a:p>
+          <a:p>
+            <a:pPr defTabSz="469819">
+              <a:defRPr/>
+            </a:pPr>
             <a:r>
               <a:rPr lang="el-GR" sz="600" dirty="0" smtClean="0"/>
-              <a:t>ουσιαστικά μια πλατφόρμα η οποία μπορεί να κάνει </a:t>
+              <a:t>Θέλουμε όμως σε ένα περιβάλλον, σαν αυτό που φτιάξαμε, να μπορεί κάποιος να προσδιορίσει πόσο καλό είναι ένα </a:t>
             </a:r>
             <a:r>
               <a:rPr lang="en-US" sz="600" dirty="0" smtClean="0"/>
-              <a:t>deploy </a:t>
+              <a:t>deployment </a:t>
             </a:r>
             <a:r>
               <a:rPr lang="el-GR" sz="600" dirty="0" smtClean="0"/>
-              <a:t>μια εφαρμογή σε </a:t>
+              <a:t>σε ένα </a:t>
             </a:r>
             <a:r>
               <a:rPr lang="en-US" sz="600" dirty="0" smtClean="0"/>
-              <a:t>Cloud environments.</a:t>
-            </a:r>
-            <a:r>
-              <a:rPr lang="en-US" sz="600" baseline="0" dirty="0" smtClean="0"/>
-              <a:t> </a:t>
+              <a:t>Cloud, </a:t>
+            </a:r>
+            <a:r>
+              <a:rPr lang="el-GR" sz="600" dirty="0" smtClean="0"/>
+              <a:t>η οποία είναι μια βασική ερώτηση, δηλαδή πόσο καλό είναι το</a:t>
             </a:r>
             <a:r>
               <a:rPr lang="en-US" sz="600" dirty="0" smtClean="0"/>
-              <a:t>H</a:t>
+              <a:t> deployment X </a:t>
             </a:r>
             <a:r>
               <a:rPr lang="el-GR" sz="600" dirty="0" smtClean="0"/>
-              <a:t> εφαρμογή</a:t>
-            </a:r>
-            <a:r>
-              <a:rPr lang="el-GR" sz="600" baseline="0" dirty="0" smtClean="0"/>
-              <a:t> αυτή αποτελείτε από </a:t>
-            </a:r>
-            <a:r>
-              <a:rPr lang="en-US" sz="600" baseline="0" dirty="0" smtClean="0"/>
-              <a:t>Components </a:t>
-            </a:r>
-            <a:r>
-              <a:rPr lang="el-GR" sz="600" baseline="0" dirty="0" smtClean="0"/>
-              <a:t>και η </a:t>
+              <a:t>σε σχέση με το </a:t>
+            </a:r>
+            <a:r>
+              <a:rPr lang="en-US" sz="600" dirty="0" smtClean="0"/>
+              <a:t>deployment Y. </a:t>
             </a:r>
             <a:r>
               <a:rPr lang="el-GR" sz="600" dirty="0" smtClean="0"/>
-              <a:t>περιγραφή τ</a:t>
-            </a:r>
-            <a:r>
-              <a:rPr lang="el-GR" sz="600" baseline="0" dirty="0" smtClean="0"/>
-              <a:t>ους </a:t>
+              <a:t>Στο δικό μας ΚΔ, καταρχήν υπάρχει μια κοινότητα η οποία έχει μια συλλογική γνώση όπου βάζοντας μαζί και τα </a:t>
+            </a:r>
+            <a:r>
+              <a:rPr lang="en-US" sz="600" dirty="0" smtClean="0"/>
+              <a:t>executions data </a:t>
             </a:r>
             <a:r>
               <a:rPr lang="el-GR" sz="600" dirty="0" smtClean="0"/>
-              <a:t>δίνεται με την μορφή κώδικα.</a:t>
+              <a:t>μπορούμε να βοηθήσουμε τους </a:t>
             </a:r>
             <a:r>
               <a:rPr lang="en-US" sz="600" dirty="0" smtClean="0"/>
-              <a:t> </a:t>
+              <a:t>cloud deployment specialists, </a:t>
             </a:r>
             <a:r>
               <a:rPr lang="el-GR" sz="600" dirty="0" smtClean="0"/>
-              <a:t>Το </a:t>
+              <a:t>τους ειδικούς στο </a:t>
             </a:r>
             <a:r>
               <a:rPr lang="en-US" sz="600" dirty="0" smtClean="0"/>
-              <a:t>IBM Bluemix </a:t>
+              <a:t>deployment, </a:t>
             </a:r>
             <a:r>
               <a:rPr lang="el-GR" sz="600" dirty="0" smtClean="0"/>
-              <a:t>είναι μια πλατφόρμα που παρέχει μια </a:t>
+              <a:t>να καταλάβουν ποια </a:t>
             </a:r>
             <a:r>
               <a:rPr lang="en-US" sz="600" dirty="0" smtClean="0"/>
-              <a:t>Cloud as a Service </a:t>
+              <a:t>deployments </a:t>
             </a:r>
             <a:r>
               <a:rPr lang="el-GR" sz="600" dirty="0" smtClean="0"/>
-              <a:t>υπηρεσία. Παρέχει αρκετές </a:t>
-            </a:r>
-            <a:r>
-              <a:rPr lang="el-GR" sz="600" dirty="0"/>
-              <a:t>γλώσσες προγραμματισμού και </a:t>
-            </a:r>
-            <a:r>
-              <a:rPr lang="en-US" sz="600" dirty="0"/>
-              <a:t>services</a:t>
-            </a:r>
-            <a:r>
-              <a:rPr lang="el-GR" sz="600" dirty="0"/>
-              <a:t> καθώς και </a:t>
-            </a:r>
-            <a:r>
-              <a:rPr lang="en-US" sz="600" dirty="0"/>
-              <a:t>DevOps </a:t>
-            </a:r>
-            <a:r>
-              <a:rPr lang="el-GR" sz="600" dirty="0" smtClean="0"/>
-              <a:t>που </a:t>
-            </a:r>
-            <a:r>
-              <a:rPr lang="el-GR" sz="600" dirty="0"/>
-              <a:t>μπορούν να βοηθήσουν με το </a:t>
-            </a:r>
-            <a:r>
-              <a:rPr lang="en-US" sz="600" dirty="0"/>
-              <a:t>deploy </a:t>
-            </a:r>
-            <a:r>
-              <a:rPr lang="el-GR" sz="600" dirty="0"/>
-              <a:t>της εφαρμογής στο </a:t>
-            </a:r>
-            <a:r>
-              <a:rPr lang="en-US" sz="600" dirty="0"/>
-              <a:t>Cloud.</a:t>
-            </a:r>
-            <a:endParaRPr lang="el-GR" sz="600" dirty="0"/>
+              <a:t>είναι πιο καλά από άλλα.</a:t>
+            </a:r>
           </a:p>
           <a:p>
             <a:pPr defTabSz="469819">
@@ -5435,39 +5098,11 @@
             </a:pPr>
             <a:r>
               <a:rPr lang="el-GR" sz="600" dirty="0" smtClean="0"/>
-              <a:t>Το πρόβλημα με αυτά τα εργαλεία είναι ότι οι </a:t>
-            </a:r>
-            <a:r>
-              <a:rPr lang="en-US" sz="600" dirty="0" smtClean="0"/>
-              <a:t>DevOps </a:t>
+              <a:t>Προσφέρουμε </a:t>
             </a:r>
             <a:r>
               <a:rPr lang="el-GR" sz="600" dirty="0" smtClean="0"/>
-              <a:t>σχεδόν χειροκίνητα προσαρμόζουν και εγκαθιστούν τις εφαρμογές τους</a:t>
-            </a:r>
-            <a:r>
-              <a:rPr lang="en-US" sz="600" dirty="0" smtClean="0"/>
-              <a:t>, </a:t>
-            </a:r>
-            <a:r>
-              <a:rPr lang="el-GR" sz="600" dirty="0" smtClean="0"/>
-              <a:t>κάνοντας </a:t>
-            </a:r>
-            <a:r>
-              <a:rPr lang="en-US" sz="600" dirty="0" smtClean="0"/>
-              <a:t>configure </a:t>
-            </a:r>
-            <a:r>
-              <a:rPr lang="el-GR" sz="600" dirty="0" smtClean="0"/>
-              <a:t>όλα τα </a:t>
-            </a:r>
-            <a:r>
-              <a:rPr lang="en-US" sz="600" dirty="0" smtClean="0"/>
-              <a:t>components </a:t>
-            </a:r>
-            <a:r>
-              <a:rPr lang="el-GR" sz="600" dirty="0" smtClean="0"/>
-              <a:t>της εφαρμογής. Προσφέρουμε ένα νέο τρόπο να διαχειρίζονται οι</a:t>
+              <a:t>ένα νέο τρόπο να διαχειρίζονται οι</a:t>
             </a:r>
             <a:r>
               <a:rPr lang="en-US" sz="600" dirty="0" smtClean="0"/>
@@ -5519,34 +5154,23 @@
             </a:r>
             <a:r>
               <a:rPr lang="en-US" sz="600" dirty="0" smtClean="0"/>
-              <a:t>project PaaSage </a:t>
-            </a:r>
-            <a:r>
-              <a:rPr lang="el-GR" sz="600" dirty="0" smtClean="0"/>
-              <a:t>(και τα μοντέλα αυτά αποθηκεύονται σε ένα </a:t>
+              <a:t>project </a:t>
             </a:r>
             <a:r>
               <a:rPr lang="en-US" sz="600" dirty="0" smtClean="0"/>
-              <a:t>repository</a:t>
-            </a:r>
-            <a:r>
-              <a:rPr lang="el-GR" sz="600" dirty="0" smtClean="0"/>
-              <a:t>  που λέγεται </a:t>
-            </a:r>
-            <a:r>
-              <a:rPr lang="en-US" sz="600" dirty="0" smtClean="0"/>
-              <a:t>CDO. </a:t>
-            </a:r>
-            <a:r>
-              <a:rPr lang="el-GR" sz="600" dirty="0" smtClean="0"/>
-              <a:t>) </a:t>
-            </a:r>
+              <a:t>PaaSage</a:t>
+            </a:r>
+            <a:endParaRPr lang="el-GR" sz="600" dirty="0" smtClean="0"/>
           </a:p>
           <a:p>
             <a:pPr defTabSz="469819">
               <a:defRPr/>
             </a:pPr>
-            <a:endParaRPr lang="el-GR" sz="600" dirty="0"/>
+            <a:r>
+              <a:rPr lang="el-GR" sz="600" dirty="0" smtClean="0"/>
+              <a:t>  </a:t>
+            </a:r>
+            <a:endParaRPr lang="en-US" sz="600" dirty="0" smtClean="0"/>
           </a:p>
           <a:p>
             <a:pPr defTabSz="469819">
@@ -5554,117 +5178,6 @@
             </a:pPr>
             <a:r>
               <a:rPr lang="el-GR" sz="600" dirty="0" smtClean="0"/>
-              <a:t>Θέλουμε σε ένα περιβάλλον, σαν αυτό που φτιάξαμε, </a:t>
-            </a:r>
-            <a:r>
-              <a:rPr lang="el-GR" sz="600" dirty="0"/>
-              <a:t>να μπορεί κάποιος να προσδιορίσει πόσο καλό είναι ένα </a:t>
-            </a:r>
-            <a:r>
-              <a:rPr lang="en-US" sz="600" dirty="0"/>
-              <a:t>deployment </a:t>
-            </a:r>
-            <a:r>
-              <a:rPr lang="el-GR" sz="600" dirty="0"/>
-              <a:t>σε ένα </a:t>
-            </a:r>
-            <a:r>
-              <a:rPr lang="en-US" sz="600" dirty="0"/>
-              <a:t>Cloud, </a:t>
-            </a:r>
-            <a:r>
-              <a:rPr lang="el-GR" sz="600" dirty="0"/>
-              <a:t>η οποία είναι μια βασική ερώτηση, δηλαδή πόσο καλό είναι το</a:t>
-            </a:r>
-            <a:r>
-              <a:rPr lang="en-US" sz="600" dirty="0"/>
-              <a:t> deployment X </a:t>
-            </a:r>
-            <a:r>
-              <a:rPr lang="el-GR" sz="600" dirty="0"/>
-              <a:t>σε σχέση με το </a:t>
-            </a:r>
-            <a:r>
-              <a:rPr lang="en-US" sz="600" dirty="0"/>
-              <a:t>deployment Y. </a:t>
-            </a:r>
-            <a:r>
-              <a:rPr lang="el-GR" sz="600" dirty="0"/>
-              <a:t>Στο δικό μας ΚΔ, καταρχήν υπάρχει μια κοινότητα η οποία έχει μια συλλογική γνώση όπου βάζοντας μαζί και τα </a:t>
-            </a:r>
-            <a:r>
-              <a:rPr lang="en-US" sz="600" dirty="0"/>
-              <a:t>executions data </a:t>
-            </a:r>
-            <a:r>
-              <a:rPr lang="el-GR" sz="600" dirty="0"/>
-              <a:t>μπορούμε να βοηθήσουμε τους </a:t>
-            </a:r>
-            <a:r>
-              <a:rPr lang="en-US" sz="600" dirty="0"/>
-              <a:t>cloud deployment specialists, </a:t>
-            </a:r>
-            <a:r>
-              <a:rPr lang="el-GR" sz="600" dirty="0"/>
-              <a:t>τους ειδικούς στο </a:t>
-            </a:r>
-            <a:r>
-              <a:rPr lang="en-US" sz="600" dirty="0"/>
-              <a:t>deployment, </a:t>
-            </a:r>
-            <a:r>
-              <a:rPr lang="el-GR" sz="600" dirty="0"/>
-              <a:t>να καταλάβουν ποια </a:t>
-            </a:r>
-            <a:r>
-              <a:rPr lang="en-US" sz="600" dirty="0"/>
-              <a:t>deployments </a:t>
-            </a:r>
-            <a:r>
-              <a:rPr lang="el-GR" sz="600" dirty="0"/>
-              <a:t>είναι πιο καλά από άλλα.</a:t>
-            </a:r>
-          </a:p>
-          <a:p>
-            <a:pPr defTabSz="469819">
-              <a:defRPr/>
-            </a:pPr>
-            <a:r>
-              <a:rPr lang="el-GR" sz="600" dirty="0" smtClean="0"/>
-              <a:t>  </a:t>
-            </a:r>
-            <a:endParaRPr lang="el-GR" sz="600" dirty="0"/>
-          </a:p>
-          <a:p>
-            <a:pPr defTabSz="469819">
-              <a:defRPr/>
-            </a:pPr>
-            <a:r>
-              <a:rPr lang="el-GR" sz="600" dirty="0"/>
-              <a:t>Υπάρχουν μέχρι στιγμής κάποια συστήματα που προσφέρουν στους </a:t>
-            </a:r>
-            <a:r>
-              <a:rPr lang="en-US" sz="600" dirty="0"/>
-              <a:t>DevOps </a:t>
-            </a:r>
-            <a:r>
-              <a:rPr lang="el-GR" sz="600" dirty="0"/>
-              <a:t>χρήστες τους κάποιες διευκολύνσεις αλλά λείπει από την περιοχή ένα σύστημα το οποίο να φέρνει στους τελικούς χρήστες τους όλη την πληροφορία που χρειάζονται για μια εφαρμογή καθώς επίσης και μια κοινότητα χρηστών η οποία να τους βοηθάει και να απαντάει ερωτήσεις τους. </a:t>
-            </a:r>
-            <a:endParaRPr lang="en-US" sz="600" dirty="0" smtClean="0"/>
-          </a:p>
-          <a:p>
-            <a:pPr defTabSz="469819">
-              <a:defRPr/>
-            </a:pPr>
-            <a:endParaRPr lang="en-US" sz="600" dirty="0" smtClean="0"/>
-          </a:p>
-          <a:p>
-            <a:pPr defTabSz="469819">
-              <a:defRPr/>
-            </a:pPr>
-            <a:r>
-              <a:rPr lang="el-GR" sz="600" dirty="0" smtClean="0"/>
               <a:t>Τώρα </a:t>
             </a:r>
             <a:r>
@@ -5680,11 +5193,11 @@
               <a:t> ένα γρήγορο </a:t>
             </a:r>
             <a:r>
-              <a:rPr lang="en-US" sz="600" baseline="0" smtClean="0"/>
+              <a:rPr lang="en-US" sz="600" baseline="0" dirty="0" smtClean="0"/>
               <a:t>demo </a:t>
             </a:r>
             <a:r>
-              <a:rPr lang="el-GR" sz="600" smtClean="0"/>
+              <a:rPr lang="el-GR" sz="600" dirty="0" smtClean="0"/>
               <a:t>πως </a:t>
             </a:r>
             <a:r>
@@ -5778,7 +5291,7 @@
         <p:spPr/>
         <p:txBody>
           <a:bodyPr>
-            <a:normAutofit fontScale="92500" lnSpcReduction="20000"/>
+            <a:normAutofit fontScale="92500" lnSpcReduction="10000"/>
           </a:bodyPr>
           <a:lstStyle/>
           <a:p>
@@ -5827,7 +5340,11 @@
             </a:r>
             <a:r>
               <a:rPr lang="en-US" sz="600" dirty="0" smtClean="0"/>
-              <a:t>Social Networks </a:t>
+              <a:t>Social </a:t>
+            </a:r>
+            <a:r>
+              <a:rPr lang="en-US" sz="600" dirty="0" smtClean="0"/>
+              <a:t>Networks </a:t>
             </a:r>
             <a:r>
               <a:rPr lang="el-GR" sz="600" dirty="0" smtClean="0"/>
@@ -5839,8 +5356,13 @@
             </a:r>
             <a:r>
               <a:rPr lang="el-GR" sz="600" dirty="0" smtClean="0"/>
-              <a:t>από τους χρήστες, η δυνατότητα να  συνδέονται με άλλους χρήστες ή να δημιουργούν και να συνδέονται σε ομάδες χρηστών. Καθώς επίσης, να συμμετέχουν σε συζητήσεις. </a:t>
-            </a:r>
+              <a:t>από τους χρήστες, η δυνατότητα να  συνδέονται με άλλους χρήστες </a:t>
+            </a:r>
+            <a:r>
+              <a:rPr lang="el-GR" sz="600" dirty="0" err="1" smtClean="0"/>
+              <a:t>κτλ</a:t>
+            </a:r>
+            <a:endParaRPr lang="el-GR" sz="600" dirty="0" smtClean="0"/>
           </a:p>
           <a:p>
             <a:endParaRPr lang="el-GR" sz="600" dirty="0" smtClean="0"/>
@@ -5860,7 +5382,15 @@
             </a:r>
             <a:r>
               <a:rPr lang="el-GR" sz="600" dirty="0"/>
-              <a:t>προσανατολίζεται στην δυνατότητα των χρηστών να δημιουργούν μοντέλα, να βλέπουν χρήσιμες πληροφορίες για αυτά τα μοντέλα, καθώς επίσης και στο να υπάρχει η δυνατότητα να γίνουν </a:t>
+              <a:t>προσανατολίζεται στην δυνατότητα των χρηστών να δημιουργούν μοντέλα, να βλέπουν </a:t>
+            </a:r>
+            <a:r>
+              <a:rPr lang="el-GR" sz="600" dirty="0" smtClean="0"/>
+              <a:t>πληροφορίες </a:t>
+            </a:r>
+            <a:r>
+              <a:rPr lang="el-GR" sz="600" dirty="0"/>
+              <a:t>για αυτά τα μοντέλα, καθώς επίσης και στο να υπάρχει η δυνατότητα να γίνουν </a:t>
             </a:r>
             <a:r>
               <a:rPr lang="en-US" sz="600" dirty="0"/>
@@ -5876,15 +5406,7 @@
             </a:r>
             <a:r>
               <a:rPr lang="el-GR" sz="600" dirty="0"/>
-              <a:t> Και γενικότερα φέρνει στο φως το </a:t>
-            </a:r>
-            <a:r>
-              <a:rPr lang="en-US" sz="600" dirty="0"/>
-              <a:t>CAMEL repository </a:t>
-            </a:r>
-            <a:r>
-              <a:rPr lang="el-GR" sz="600" dirty="0"/>
-              <a:t>των μοντέλων.</a:t>
+              <a:t> </a:t>
             </a:r>
           </a:p>
           <a:p>
@@ -6537,62 +6059,54 @@
           </a:p>
           <a:p>
             <a:r>
+              <a:rPr lang="el-GR" b="0" baseline="0" dirty="0" smtClean="0"/>
+              <a:t>Το</a:t>
+            </a:r>
+            <a:r>
+              <a:rPr lang="en-US" b="0" dirty="0" smtClean="0"/>
+              <a:t> </a:t>
+            </a:r>
+            <a:r>
+              <a:rPr lang="en-US" b="0" dirty="0" err="1" smtClean="0"/>
+              <a:t>WSAgreement</a:t>
+            </a:r>
+            <a:r>
+              <a:rPr lang="en-US" b="0" dirty="0" smtClean="0"/>
+              <a:t>, </a:t>
+            </a:r>
+            <a:r>
+              <a:rPr lang="el-GR" b="0" dirty="0" smtClean="0"/>
+              <a:t>για την </a:t>
+            </a:r>
+            <a:r>
+              <a:rPr lang="el-GR" b="0" dirty="0" err="1" smtClean="0"/>
+              <a:t>μοντελοποίηση</a:t>
+            </a:r>
+            <a:r>
+              <a:rPr lang="el-GR" b="0" baseline="0" dirty="0" smtClean="0"/>
+              <a:t> των </a:t>
+            </a:r>
+            <a:r>
+              <a:rPr lang="en-US" b="0" dirty="0" smtClean="0"/>
+              <a:t>Service Level Agreements of web services</a:t>
+            </a:r>
+            <a:r>
+              <a:rPr lang="el-GR" b="0" dirty="0" smtClean="0"/>
+              <a:t>.</a:t>
+            </a:r>
+          </a:p>
+          <a:p>
+            <a:r>
               <a:rPr lang="el-GR" b="0" dirty="0" smtClean="0"/>
               <a:t>Το </a:t>
             </a:r>
             <a:r>
               <a:rPr lang="en-US" b="0" dirty="0" smtClean="0"/>
-              <a:t>Saloon, </a:t>
+              <a:t>Scalability Rules Language (SRL), </a:t>
             </a:r>
             <a:r>
               <a:rPr lang="el-GR" b="0" dirty="0" smtClean="0"/>
-              <a:t>όπου ορίζονται τα </a:t>
-            </a:r>
-            <a:r>
-              <a:rPr lang="en-US" b="0" dirty="0" smtClean="0"/>
-              <a:t>requirements/</a:t>
-            </a:r>
-            <a:r>
-              <a:rPr lang="el-GR" b="0" dirty="0" smtClean="0"/>
-              <a:t>απαιτήσεις</a:t>
-            </a:r>
-            <a:r>
-              <a:rPr lang="en-US" b="0" dirty="0" smtClean="0"/>
-              <a:t> </a:t>
-            </a:r>
-            <a:r>
-              <a:rPr lang="el-GR" b="0" dirty="0" smtClean="0"/>
-              <a:t>και οι</a:t>
-            </a:r>
-            <a:r>
-              <a:rPr lang="el-GR" b="0" baseline="0" dirty="0" smtClean="0"/>
-              <a:t> στόχοι της εφαρμογής.</a:t>
-            </a:r>
-          </a:p>
-          <a:p>
-            <a:r>
-              <a:rPr lang="el-GR" b="0" baseline="0" dirty="0" smtClean="0"/>
-              <a:t>Το</a:t>
-            </a:r>
-            <a:r>
-              <a:rPr lang="en-US" b="0" dirty="0" smtClean="0"/>
-              <a:t> </a:t>
-            </a:r>
-            <a:r>
-              <a:rPr lang="en-US" b="0" dirty="0" err="1" smtClean="0"/>
-              <a:t>WSAgreement</a:t>
-            </a:r>
-            <a:r>
-              <a:rPr lang="en-US" b="0" dirty="0" smtClean="0"/>
-              <a:t>, </a:t>
-            </a:r>
-            <a:r>
-              <a:rPr lang="el-GR" b="0" dirty="0" smtClean="0"/>
-              <a:t>για την </a:t>
-            </a:r>
-            <a:r>
-              <a:rPr lang="el-GR" b="0" dirty="0" err="1" smtClean="0"/>
-              <a:t>μοντελοποίηση</a:t>
+              <a:t>για</a:t>
             </a:r>
             <a:r>
               <a:rPr lang="el-GR" b="0" baseline="0" dirty="0" smtClean="0"/>
@@ -6600,32 +6114,6 @@
             </a:r>
             <a:r>
               <a:rPr lang="en-US" b="0" dirty="0" smtClean="0"/>
-              <a:t>Service Level Agreements of web services</a:t>
-            </a:r>
-            <a:r>
-              <a:rPr lang="el-GR" b="0" dirty="0" smtClean="0"/>
-              <a:t>.</a:t>
-            </a:r>
-          </a:p>
-          <a:p>
-            <a:r>
-              <a:rPr lang="el-GR" b="0" dirty="0" smtClean="0"/>
-              <a:t>Το </a:t>
-            </a:r>
-            <a:r>
-              <a:rPr lang="en-US" b="0" dirty="0" smtClean="0"/>
-              <a:t>Scalability Rules Language (SRL), </a:t>
-            </a:r>
-            <a:r>
-              <a:rPr lang="el-GR" b="0" dirty="0" smtClean="0"/>
-              <a:t>για</a:t>
-            </a:r>
-            <a:r>
-              <a:rPr lang="el-GR" b="0" baseline="0" dirty="0" smtClean="0"/>
-              <a:t> των </a:t>
-            </a:r>
-            <a:r>
-              <a:rPr lang="en-US" b="0" dirty="0" smtClean="0"/>
               <a:t>scalability rules</a:t>
             </a:r>
             <a:r>
@@ -6678,20 +6166,25 @@
             </a:r>
             <a:r>
               <a:rPr lang="en-US" b="0" baseline="0" dirty="0" smtClean="0"/>
-              <a:t>PaaSage project</a:t>
-            </a:r>
+              <a:t>PaaSage </a:t>
+            </a:r>
+            <a:r>
+              <a:rPr lang="en-US" b="0" baseline="0" dirty="0" smtClean="0"/>
+              <a:t>project</a:t>
+            </a:r>
+            <a:endParaRPr lang="el-GR" b="0" baseline="0" dirty="0" smtClean="0"/>
+          </a:p>
+          <a:p>
+            <a:endParaRPr lang="el-GR" b="0" baseline="0" dirty="0" smtClean="0"/>
+          </a:p>
+          <a:p>
             <a:r>
               <a:rPr lang="el-GR" b="0" baseline="0" dirty="0" smtClean="0"/>
-              <a:t> …..</a:t>
-            </a:r>
-          </a:p>
-          <a:p>
-            <a:endParaRPr lang="el-GR" b="0" baseline="0" dirty="0" smtClean="0"/>
-          </a:p>
-          <a:p>
+              <a:t>Και για </a:t>
+            </a:r>
             <a:r>
               <a:rPr lang="el-GR" b="0" baseline="0" dirty="0" smtClean="0"/>
-              <a:t>Για να δημιουργήσουμε ένα τέτοιο μοντέλο μπορούμε να χρησιμοποιήσουμε τον </a:t>
+              <a:t>να δημιουργήσουμε ένα τέτοιο μοντέλο μπορούμε να χρησιμοποιήσουμε τον </a:t>
             </a:r>
             <a:r>
               <a:rPr lang="en-US" b="0" baseline="0" dirty="0" smtClean="0"/>
@@ -6846,7 +6339,11 @@
             </a:r>
             <a:r>
               <a:rPr lang="el-GR" b="0" baseline="0" dirty="0" smtClean="0"/>
-              <a:t>είναι στο κοινωνικό δίκτυο, όπου πήρα ένα υπάρχον σύστημα, Το </a:t>
+              <a:t>είναι στο κοινωνικό δίκτυο, όπου πήρα </a:t>
+            </a:r>
+            <a:r>
+              <a:rPr lang="el-GR" b="0" baseline="0" dirty="0" smtClean="0"/>
+              <a:t>την βασική υποδομή από το </a:t>
             </a:r>
             <a:r>
               <a:rPr lang="en-US" b="0" baseline="0" dirty="0" smtClean="0"/>
@@ -6858,7 +6355,19 @@
             </a:r>
             <a:r>
               <a:rPr lang="en-US" b="0" baseline="0" dirty="0" smtClean="0"/>
-              <a:t>open source social networking platform. </a:t>
+              <a:t>open source social networking </a:t>
+            </a:r>
+            <a:r>
+              <a:rPr lang="en-US" b="0" baseline="0" dirty="0" smtClean="0"/>
+              <a:t>engine</a:t>
+            </a:r>
+            <a:r>
+              <a:rPr lang="el-GR" b="0" baseline="0" dirty="0" smtClean="0"/>
+              <a:t> που χρησιμοποιείτε για να φτιάξει κάποιος ένα κοινωνικό δίκτυο</a:t>
+            </a:r>
+            <a:r>
+              <a:rPr lang="en-US" b="0" baseline="0" dirty="0" smtClean="0"/>
+              <a:t>. </a:t>
             </a:r>
             <a:r>
               <a:rPr lang="el-GR" baseline="0" dirty="0" smtClean="0"/>
@@ -6995,6 +6504,36 @@
               <a:rPr lang="el-GR" baseline="0" dirty="0" smtClean="0"/>
               <a:t>πίσω στον χρήστη.</a:t>
             </a:r>
+          </a:p>
+          <a:p>
+            <a:endParaRPr lang="en-US" b="0" baseline="0" dirty="0" smtClean="0"/>
+          </a:p>
+          <a:p>
+            <a:r>
+              <a:rPr lang="el-GR" b="0" baseline="0" dirty="0" smtClean="0"/>
+              <a:t>Αυτή είναι η αρχιτεκτονική του συστήματος, το </a:t>
+            </a:r>
+            <a:r>
+              <a:rPr lang="en-US" b="0" baseline="0" dirty="0" smtClean="0"/>
+              <a:t>User Interface </a:t>
+            </a:r>
+            <a:r>
+              <a:rPr lang="el-GR" b="0" baseline="0" dirty="0" smtClean="0"/>
+              <a:t>σχεδιάστηκε από το </a:t>
+            </a:r>
+            <a:r>
+              <a:rPr lang="en-US" b="0" baseline="0" dirty="0" smtClean="0"/>
+              <a:t>HCI </a:t>
+            </a:r>
+            <a:r>
+              <a:rPr lang="el-GR" b="0" baseline="0" dirty="0" smtClean="0"/>
+              <a:t>και εγώ την υλοποίησα</a:t>
+            </a:r>
+            <a:r>
+              <a:rPr lang="en-US" b="0" baseline="0" dirty="0" smtClean="0"/>
+              <a:t>.</a:t>
+            </a:r>
+            <a:endParaRPr lang="el-GR" b="0" baseline="0" dirty="0" smtClean="0"/>
           </a:p>
           <a:p>
             <a:endParaRPr lang="el-GR" baseline="0" dirty="0" smtClean="0"/>
@@ -7182,7 +6721,7 @@
             <a:fld id="{28F388FD-1349-4B74-B173-DEE231C45C9C}" type="datetime1">
               <a:rPr lang="en-US" smtClean="0"/>
               <a:pPr/>
-              <a:t>10/6/2015</a:t>
+              <a:t>10/8/2015</a:t>
             </a:fld>
             <a:endParaRPr lang="en-GB"/>
           </a:p>
@@ -7547,7 +7086,7 @@
             <a:fld id="{3C3A84A0-F2B7-46E0-9A1A-F54034D8EDBD}" type="datetime1">
               <a:rPr lang="en-US" smtClean="0"/>
               <a:pPr/>
-              <a:t>10/6/2015</a:t>
+              <a:t>10/8/2015</a:t>
             </a:fld>
             <a:endParaRPr lang="en-GB"/>
           </a:p>
@@ -7728,7 +7267,7 @@
             <a:fld id="{3E229035-3E06-4894-B0D5-FF6762DFC127}" type="datetime1">
               <a:rPr lang="en-US" smtClean="0"/>
               <a:pPr/>
-              <a:t>10/6/2015</a:t>
+              <a:t>10/8/2015</a:t>
             </a:fld>
             <a:endParaRPr lang="en-GB"/>
           </a:p>
@@ -7969,7 +7508,7 @@
             <a:fld id="{939D8CAB-AFAD-44F9-99B3-90A20D6DB4EE}" type="datetime1">
               <a:rPr lang="en-US" smtClean="0"/>
               <a:pPr/>
-              <a:t>10/6/2015</a:t>
+              <a:t>10/8/2015</a:t>
             </a:fld>
             <a:endParaRPr lang="en-GB"/>
           </a:p>
@@ -8244,7 +7783,7 @@
             <a:fld id="{D09FA660-D8B8-480E-80AE-E310B47D050A}" type="datetime1">
               <a:rPr lang="en-US" smtClean="0"/>
               <a:pPr/>
-              <a:t>10/6/2015</a:t>
+              <a:t>10/8/2015</a:t>
             </a:fld>
             <a:endParaRPr lang="en-GB"/>
           </a:p>
@@ -8470,7 +8009,7 @@
             <a:fld id="{428B1FCA-1F40-4707-9D4A-FC8C39D751AE}" type="datetime1">
               <a:rPr lang="en-US" smtClean="0"/>
               <a:pPr/>
-              <a:t>10/6/2015</a:t>
+              <a:t>10/8/2015</a:t>
             </a:fld>
             <a:endParaRPr lang="en-GB"/>
           </a:p>
@@ -8828,7 +8367,7 @@
             <a:fld id="{E29A0755-12E0-421D-A13C-381344A3C6C0}" type="datetime1">
               <a:rPr lang="en-US" smtClean="0"/>
               <a:pPr/>
-              <a:t>10/6/2015</a:t>
+              <a:t>10/8/2015</a:t>
             </a:fld>
             <a:endParaRPr lang="en-GB"/>
           </a:p>
@@ -9066,7 +8605,7 @@
             <a:fld id="{744C634E-EE12-4137-B0D4-C332E4335954}" type="datetime1">
               <a:rPr lang="en-US" smtClean="0"/>
               <a:pPr/>
-              <a:t>10/6/2015</a:t>
+              <a:t>10/8/2015</a:t>
             </a:fld>
             <a:endParaRPr lang="en-GB"/>
           </a:p>
@@ -9212,7 +8751,7 @@
             <a:fld id="{AD93D238-AA6B-4D3E-814E-9A3817EBE5A1}" type="datetime1">
               <a:rPr lang="en-US" smtClean="0"/>
               <a:pPr/>
-              <a:t>10/6/2015</a:t>
+              <a:t>10/8/2015</a:t>
             </a:fld>
             <a:endParaRPr lang="en-GB"/>
           </a:p>
@@ -9495,7 +9034,7 @@
             <a:fld id="{D6E12A9E-544D-4743-9F0B-884E2BF7D0B0}" type="datetime1">
               <a:rPr lang="en-US" smtClean="0"/>
               <a:pPr/>
-              <a:t>10/6/2015</a:t>
+              <a:t>10/8/2015</a:t>
             </a:fld>
             <a:endParaRPr lang="en-GB"/>
           </a:p>
@@ -9908,7 +9447,7 @@
             <a:fld id="{0EAE2EAB-07B8-4942-9591-287BBAF1E385}" type="datetime1">
               <a:rPr lang="en-US" smtClean="0"/>
               <a:pPr/>
-              <a:t>10/6/2015</a:t>
+              <a:t>10/8/2015</a:t>
             </a:fld>
             <a:endParaRPr lang="en-GB"/>
           </a:p>
@@ -10252,7 +9791,7 @@
             <a:fld id="{BABEAD1A-BFE9-4884-9063-04C5BBC12657}" type="datetime1">
               <a:rPr lang="en-US" smtClean="0"/>
               <a:pPr/>
-              <a:t>10/6/2015</a:t>
+              <a:t>10/8/2015</a:t>
             </a:fld>
             <a:endParaRPr lang="en-GB"/>
           </a:p>
@@ -15587,6 +15126,48 @@
           </a:xfrm>
         </p:spPr>
       </p:pic>
+      <p:sp>
+        <p:nvSpPr>
+          <p:cNvPr id="7" name="Rectangle 6"/>
+          <p:cNvSpPr/>
+          <p:nvPr/>
+        </p:nvSpPr>
+        <p:spPr>
+          <a:xfrm>
+            <a:off x="2865509" y="2420888"/>
+            <a:ext cx="720080" cy="2880320"/>
+          </a:xfrm>
+          <a:prstGeom prst="rect">
+            <a:avLst/>
+          </a:prstGeom>
+          <a:noFill/>
+          <a:ln w="38100"/>
+        </p:spPr>
+        <p:style>
+          <a:lnRef idx="2">
+            <a:schemeClr val="accent1">
+              <a:shade val="50000"/>
+            </a:schemeClr>
+          </a:lnRef>
+          <a:fillRef idx="1">
+            <a:schemeClr val="accent1"/>
+          </a:fillRef>
+          <a:effectRef idx="0">
+            <a:schemeClr val="accent1"/>
+          </a:effectRef>
+          <a:fontRef idx="minor">
+            <a:schemeClr val="lt1"/>
+          </a:fontRef>
+        </p:style>
+        <p:txBody>
+          <a:bodyPr rtlCol="0" anchor="ctr"/>
+          <a:lstStyle/>
+          <a:p>
+            <a:pPr algn="ctr"/>
+            <a:endParaRPr lang="el-GR"/>
+          </a:p>
+        </p:txBody>
+      </p:sp>
     </p:spTree>
     <p:extLst>
       <p:ext uri="{BB962C8B-B14F-4D97-AF65-F5344CB8AC3E}">
@@ -15600,9 +15181,126 @@
   <p:timing>
     <p:tnLst>
       <p:par>
-        <p:cTn id="1" dur="indefinite" restart="never" nodeType="tmRoot"/>
+        <p:cTn id="1" dur="indefinite" restart="never" nodeType="tmRoot">
+          <p:childTnLst>
+            <p:seq concurrent="1" nextAc="seek">
+              <p:cTn id="2" dur="indefinite" nodeType="mainSeq">
+                <p:childTnLst>
+                  <p:par>
+                    <p:cTn id="3" fill="hold">
+                      <p:stCondLst>
+                        <p:cond delay="indefinite"/>
+                      </p:stCondLst>
+                      <p:childTnLst>
+                        <p:par>
+                          <p:cTn id="4" fill="hold">
+                            <p:stCondLst>
+                              <p:cond delay="0"/>
+                            </p:stCondLst>
+                            <p:childTnLst>
+                              <p:par>
+                                <p:cTn id="5" presetID="2" presetClass="entr" presetSubtype="4" fill="hold" grpId="0" nodeType="clickEffect">
+                                  <p:stCondLst>
+                                    <p:cond delay="0"/>
+                                  </p:stCondLst>
+                                  <p:childTnLst>
+                                    <p:set>
+                                      <p:cBhvr>
+                                        <p:cTn id="6" dur="1" fill="hold">
+                                          <p:stCondLst>
+                                            <p:cond delay="0"/>
+                                          </p:stCondLst>
+                                        </p:cTn>
+                                        <p:tgtEl>
+                                          <p:spTgt spid="7"/>
+                                        </p:tgtEl>
+                                        <p:attrNameLst>
+                                          <p:attrName>style.visibility</p:attrName>
+                                        </p:attrNameLst>
+                                      </p:cBhvr>
+                                      <p:to>
+                                        <p:strVal val="visible"/>
+                                      </p:to>
+                                    </p:set>
+                                    <p:anim calcmode="lin" valueType="num">
+                                      <p:cBhvr additive="base">
+                                        <p:cTn id="7" dur="500" fill="hold"/>
+                                        <p:tgtEl>
+                                          <p:spTgt spid="7"/>
+                                        </p:tgtEl>
+                                        <p:attrNameLst>
+                                          <p:attrName>ppt_x</p:attrName>
+                                        </p:attrNameLst>
+                                      </p:cBhvr>
+                                      <p:tavLst>
+                                        <p:tav tm="0">
+                                          <p:val>
+                                            <p:strVal val="#ppt_x"/>
+                                          </p:val>
+                                        </p:tav>
+                                        <p:tav tm="100000">
+                                          <p:val>
+                                            <p:strVal val="#ppt_x"/>
+                                          </p:val>
+                                        </p:tav>
+                                      </p:tavLst>
+                                    </p:anim>
+                                    <p:anim calcmode="lin" valueType="num">
+                                      <p:cBhvr additive="base">
+                                        <p:cTn id="8" dur="500" fill="hold"/>
+                                        <p:tgtEl>
+                                          <p:spTgt spid="7"/>
+                                        </p:tgtEl>
+                                        <p:attrNameLst>
+                                          <p:attrName>ppt_y</p:attrName>
+                                        </p:attrNameLst>
+                                      </p:cBhvr>
+                                      <p:tavLst>
+                                        <p:tav tm="0">
+                                          <p:val>
+                                            <p:strVal val="1+#ppt_h/2"/>
+                                          </p:val>
+                                        </p:tav>
+                                        <p:tav tm="100000">
+                                          <p:val>
+                                            <p:strVal val="#ppt_y"/>
+                                          </p:val>
+                                        </p:tav>
+                                      </p:tavLst>
+                                    </p:anim>
+                                  </p:childTnLst>
+                                </p:cTn>
+                              </p:par>
+                            </p:childTnLst>
+                          </p:cTn>
+                        </p:par>
+                      </p:childTnLst>
+                    </p:cTn>
+                  </p:par>
+                </p:childTnLst>
+              </p:cTn>
+              <p:prevCondLst>
+                <p:cond evt="onPrev" delay="0">
+                  <p:tgtEl>
+                    <p:sldTgt/>
+                  </p:tgtEl>
+                </p:cond>
+              </p:prevCondLst>
+              <p:nextCondLst>
+                <p:cond evt="onNext" delay="0">
+                  <p:tgtEl>
+                    <p:sldTgt/>
+                  </p:tgtEl>
+                </p:cond>
+              </p:nextCondLst>
+            </p:seq>
+          </p:childTnLst>
+        </p:cTn>
       </p:par>
     </p:tnLst>
+    <p:bldLst>
+      <p:bldP spid="7" grpId="0" animBg="1"/>
+    </p:bldLst>
   </p:timing>
 </p:sld>
 </file>
@@ -16179,6 +15877,90 @@
           </a:xfrm>
         </p:spPr>
       </p:pic>
+      <p:sp>
+        <p:nvSpPr>
+          <p:cNvPr id="8" name="Rectangle 7"/>
+          <p:cNvSpPr/>
+          <p:nvPr/>
+        </p:nvSpPr>
+        <p:spPr>
+          <a:xfrm>
+            <a:off x="5364088" y="3068960"/>
+            <a:ext cx="720080" cy="2880320"/>
+          </a:xfrm>
+          <a:prstGeom prst="rect">
+            <a:avLst/>
+          </a:prstGeom>
+          <a:noFill/>
+          <a:ln w="38100"/>
+        </p:spPr>
+        <p:style>
+          <a:lnRef idx="2">
+            <a:schemeClr val="accent1">
+              <a:shade val="50000"/>
+            </a:schemeClr>
+          </a:lnRef>
+          <a:fillRef idx="1">
+            <a:schemeClr val="accent1"/>
+          </a:fillRef>
+          <a:effectRef idx="0">
+            <a:schemeClr val="accent1"/>
+          </a:effectRef>
+          <a:fontRef idx="minor">
+            <a:schemeClr val="lt1"/>
+          </a:fontRef>
+        </p:style>
+        <p:txBody>
+          <a:bodyPr rtlCol="0" anchor="ctr"/>
+          <a:lstStyle/>
+          <a:p>
+            <a:pPr algn="ctr"/>
+            <a:endParaRPr lang="el-GR"/>
+          </a:p>
+        </p:txBody>
+      </p:sp>
+      <p:sp>
+        <p:nvSpPr>
+          <p:cNvPr id="9" name="Rectangle 8"/>
+          <p:cNvSpPr/>
+          <p:nvPr/>
+        </p:nvSpPr>
+        <p:spPr>
+          <a:xfrm>
+            <a:off x="6939688" y="3051795"/>
+            <a:ext cx="720080" cy="2880320"/>
+          </a:xfrm>
+          <a:prstGeom prst="rect">
+            <a:avLst/>
+          </a:prstGeom>
+          <a:noFill/>
+          <a:ln w="38100"/>
+        </p:spPr>
+        <p:style>
+          <a:lnRef idx="2">
+            <a:schemeClr val="accent1">
+              <a:shade val="50000"/>
+            </a:schemeClr>
+          </a:lnRef>
+          <a:fillRef idx="1">
+            <a:schemeClr val="accent1"/>
+          </a:fillRef>
+          <a:effectRef idx="0">
+            <a:schemeClr val="accent1"/>
+          </a:effectRef>
+          <a:fontRef idx="minor">
+            <a:schemeClr val="lt1"/>
+          </a:fontRef>
+        </p:style>
+        <p:txBody>
+          <a:bodyPr rtlCol="0" anchor="ctr"/>
+          <a:lstStyle/>
+          <a:p>
+            <a:pPr algn="ctr"/>
+            <a:endParaRPr lang="el-GR"/>
+          </a:p>
+        </p:txBody>
+      </p:sp>
     </p:spTree>
     <p:extLst>
       <p:ext uri="{BB962C8B-B14F-4D97-AF65-F5344CB8AC3E}">
@@ -16192,9 +15974,200 @@
   <p:timing>
     <p:tnLst>
       <p:par>
-        <p:cTn id="1" dur="indefinite" restart="never" nodeType="tmRoot"/>
+        <p:cTn id="1" dur="indefinite" restart="never" nodeType="tmRoot">
+          <p:childTnLst>
+            <p:seq concurrent="1" nextAc="seek">
+              <p:cTn id="2" dur="indefinite" nodeType="mainSeq">
+                <p:childTnLst>
+                  <p:par>
+                    <p:cTn id="3" fill="hold">
+                      <p:stCondLst>
+                        <p:cond delay="indefinite"/>
+                      </p:stCondLst>
+                      <p:childTnLst>
+                        <p:par>
+                          <p:cTn id="4" fill="hold">
+                            <p:stCondLst>
+                              <p:cond delay="0"/>
+                            </p:stCondLst>
+                            <p:childTnLst>
+                              <p:par>
+                                <p:cTn id="5" presetID="2" presetClass="entr" presetSubtype="4" fill="hold" grpId="0" nodeType="clickEffect">
+                                  <p:stCondLst>
+                                    <p:cond delay="0"/>
+                                  </p:stCondLst>
+                                  <p:childTnLst>
+                                    <p:set>
+                                      <p:cBhvr>
+                                        <p:cTn id="6" dur="1" fill="hold">
+                                          <p:stCondLst>
+                                            <p:cond delay="0"/>
+                                          </p:stCondLst>
+                                        </p:cTn>
+                                        <p:tgtEl>
+                                          <p:spTgt spid="8"/>
+                                        </p:tgtEl>
+                                        <p:attrNameLst>
+                                          <p:attrName>style.visibility</p:attrName>
+                                        </p:attrNameLst>
+                                      </p:cBhvr>
+                                      <p:to>
+                                        <p:strVal val="visible"/>
+                                      </p:to>
+                                    </p:set>
+                                    <p:anim calcmode="lin" valueType="num">
+                                      <p:cBhvr additive="base">
+                                        <p:cTn id="7" dur="500" fill="hold"/>
+                                        <p:tgtEl>
+                                          <p:spTgt spid="8"/>
+                                        </p:tgtEl>
+                                        <p:attrNameLst>
+                                          <p:attrName>ppt_x</p:attrName>
+                                        </p:attrNameLst>
+                                      </p:cBhvr>
+                                      <p:tavLst>
+                                        <p:tav tm="0">
+                                          <p:val>
+                                            <p:strVal val="#ppt_x"/>
+                                          </p:val>
+                                        </p:tav>
+                                        <p:tav tm="100000">
+                                          <p:val>
+                                            <p:strVal val="#ppt_x"/>
+                                          </p:val>
+                                        </p:tav>
+                                      </p:tavLst>
+                                    </p:anim>
+                                    <p:anim calcmode="lin" valueType="num">
+                                      <p:cBhvr additive="base">
+                                        <p:cTn id="8" dur="500" fill="hold"/>
+                                        <p:tgtEl>
+                                          <p:spTgt spid="8"/>
+                                        </p:tgtEl>
+                                        <p:attrNameLst>
+                                          <p:attrName>ppt_y</p:attrName>
+                                        </p:attrNameLst>
+                                      </p:cBhvr>
+                                      <p:tavLst>
+                                        <p:tav tm="0">
+                                          <p:val>
+                                            <p:strVal val="1+#ppt_h/2"/>
+                                          </p:val>
+                                        </p:tav>
+                                        <p:tav tm="100000">
+                                          <p:val>
+                                            <p:strVal val="#ppt_y"/>
+                                          </p:val>
+                                        </p:tav>
+                                      </p:tavLst>
+                                    </p:anim>
+                                  </p:childTnLst>
+                                </p:cTn>
+                              </p:par>
+                              <p:par>
+                                <p:cTn id="9" presetID="2" presetClass="entr" presetSubtype="4" fill="hold" grpId="0" nodeType="withEffect">
+                                  <p:stCondLst>
+                                    <p:cond delay="0"/>
+                                  </p:stCondLst>
+                                  <p:childTnLst>
+                                    <p:set>
+                                      <p:cBhvr>
+                                        <p:cTn id="10" dur="1" fill="hold">
+                                          <p:stCondLst>
+                                            <p:cond delay="0"/>
+                                          </p:stCondLst>
+                                        </p:cTn>
+                                        <p:tgtEl>
+                                          <p:spTgt spid="9"/>
+                                        </p:tgtEl>
+                                        <p:attrNameLst>
+                                          <p:attrName>style.visibility</p:attrName>
+                                        </p:attrNameLst>
+                                      </p:cBhvr>
+                                      <p:to>
+                                        <p:strVal val="visible"/>
+                                      </p:to>
+                                    </p:set>
+                                    <p:anim calcmode="lin" valueType="num">
+                                      <p:cBhvr additive="base">
+                                        <p:cTn id="11" dur="500" fill="hold"/>
+                                        <p:tgtEl>
+                                          <p:spTgt spid="9"/>
+                                        </p:tgtEl>
+                                        <p:attrNameLst>
+                                          <p:attrName>ppt_x</p:attrName>
+                                        </p:attrNameLst>
+                                      </p:cBhvr>
+                                      <p:tavLst>
+                                        <p:tav tm="0">
+                                          <p:val>
+                                            <p:strVal val="#ppt_x"/>
+                                          </p:val>
+                                        </p:tav>
+                                        <p:tav tm="100000">
+                                          <p:val>
+                                            <p:strVal val="#ppt_x"/>
+                                          </p:val>
+                                        </p:tav>
+                                      </p:tavLst>
+                                    </p:anim>
+                                    <p:anim calcmode="lin" valueType="num">
+                                      <p:cBhvr additive="base">
+                                        <p:cTn id="12" dur="500" fill="hold"/>
+                                        <p:tgtEl>
+                                          <p:spTgt spid="9"/>
+                                        </p:tgtEl>
+                                        <p:attrNameLst>
+                                          <p:attrName>ppt_y</p:attrName>
+                                        </p:attrNameLst>
+                                      </p:cBhvr>
+                                      <p:tavLst>
+                                        <p:tav tm="0">
+                                          <p:val>
+                                            <p:strVal val="1+#ppt_h/2"/>
+                                          </p:val>
+                                        </p:tav>
+                                        <p:tav tm="100000">
+                                          <p:val>
+                                            <p:strVal val="#ppt_y"/>
+                                          </p:val>
+                                        </p:tav>
+                                      </p:tavLst>
+                                    </p:anim>
+                                  </p:childTnLst>
+                                </p:cTn>
+                              </p:par>
+                            </p:childTnLst>
+                          </p:cTn>
+                        </p:par>
+                      </p:childTnLst>
+                    </p:cTn>
+                  </p:par>
+                </p:childTnLst>
+              </p:cTn>
+              <p:prevCondLst>
+                <p:cond evt="onPrev" delay="0">
+                  <p:tgtEl>
+                    <p:sldTgt/>
+                  </p:tgtEl>
+                </p:cond>
+              </p:prevCondLst>
+              <p:nextCondLst>
+                <p:cond evt="onNext" delay="0">
+                  <p:tgtEl>
+                    <p:sldTgt/>
+                  </p:tgtEl>
+                </p:cond>
+              </p:nextCondLst>
+            </p:seq>
+          </p:childTnLst>
+        </p:cTn>
       </p:par>
     </p:tnLst>
+    <p:bldLst>
+      <p:bldP spid="8" grpId="0" animBg="1"/>
+      <p:bldP spid="9" grpId="0" animBg="1"/>
+    </p:bldLst>
   </p:timing>
 </p:sld>
 </file>
@@ -16362,6 +16335,18 @@
             <a:r>
               <a:rPr lang="el-GR" dirty="0" smtClean="0"/>
               <a:t>.</a:t>
+            </a:r>
+            <a:endParaRPr lang="en-US" dirty="0" smtClean="0"/>
+          </a:p>
+          <a:p>
+            <a:pPr lvl="1"/>
+            <a:r>
+              <a:rPr lang="en-US" dirty="0" smtClean="0"/>
+              <a:t>Extending he integration of our social networking platform with more </a:t>
+            </a:r>
+            <a:r>
+              <a:rPr lang="en-US" smtClean="0"/>
+              <a:t>information repositories</a:t>
             </a:r>
             <a:endParaRPr lang="en-US" dirty="0"/>
           </a:p>
@@ -17420,7 +17405,7 @@
       </p:sp>
       <p:pic>
         <p:nvPicPr>
-          <p:cNvPr id="4" name="3 - Θέση περιεχομένου" descr="MDE.jpg"/>
+          <p:cNvPr id="4" name="3 - Θέση περιεχομένου"/>
           <p:cNvPicPr>
             <a:picLocks noGrp="1" noChangeAspect="1"/>
           </p:cNvPicPr>
@@ -17429,15 +17414,21 @@
           </p:nvPr>
         </p:nvPicPr>
         <p:blipFill>
-          <a:blip r:embed="rId3" cstate="print"/>
+          <a:blip r:embed="rId3">
+            <a:extLst>
+              <a:ext uri="{28A0092B-C50C-407E-A947-70E740481C1C}">
+                <a14:useLocalDpi xmlns:a14="http://schemas.microsoft.com/office/drawing/2010/main" val="0"/>
+              </a:ext>
+            </a:extLst>
+          </a:blip>
           <a:stretch>
             <a:fillRect/>
           </a:stretch>
         </p:blipFill>
         <p:spPr>
           <a:xfrm>
-            <a:off x="4286268" y="3450721"/>
-            <a:ext cx="2857500" cy="1171575"/>
+            <a:off x="4551726" y="3163887"/>
+            <a:ext cx="1852122" cy="1171575"/>
           </a:xfrm>
         </p:spPr>
       </p:pic>
@@ -18184,6 +18175,132 @@
           </a:xfrm>
         </p:spPr>
       </p:pic>
+      <p:sp>
+        <p:nvSpPr>
+          <p:cNvPr id="6" name="Rectangle 5"/>
+          <p:cNvSpPr/>
+          <p:nvPr/>
+        </p:nvSpPr>
+        <p:spPr>
+          <a:xfrm>
+            <a:off x="2456644" y="3711968"/>
+            <a:ext cx="4230712" cy="1224136"/>
+          </a:xfrm>
+          <a:prstGeom prst="rect">
+            <a:avLst/>
+          </a:prstGeom>
+          <a:noFill/>
+          <a:ln w="38100"/>
+        </p:spPr>
+        <p:style>
+          <a:lnRef idx="2">
+            <a:schemeClr val="accent1">
+              <a:shade val="50000"/>
+            </a:schemeClr>
+          </a:lnRef>
+          <a:fillRef idx="1">
+            <a:schemeClr val="accent1"/>
+          </a:fillRef>
+          <a:effectRef idx="0">
+            <a:schemeClr val="accent1"/>
+          </a:effectRef>
+          <a:fontRef idx="minor">
+            <a:schemeClr val="lt1"/>
+          </a:fontRef>
+        </p:style>
+        <p:txBody>
+          <a:bodyPr rtlCol="0" anchor="ctr"/>
+          <a:lstStyle/>
+          <a:p>
+            <a:pPr algn="ctr"/>
+            <a:endParaRPr lang="el-GR"/>
+          </a:p>
+        </p:txBody>
+      </p:sp>
+      <p:sp>
+        <p:nvSpPr>
+          <p:cNvPr id="8" name="Rectangle 7"/>
+          <p:cNvSpPr/>
+          <p:nvPr/>
+        </p:nvSpPr>
+        <p:spPr>
+          <a:xfrm>
+            <a:off x="2456644" y="1241054"/>
+            <a:ext cx="4230712" cy="1322191"/>
+          </a:xfrm>
+          <a:prstGeom prst="rect">
+            <a:avLst/>
+          </a:prstGeom>
+          <a:noFill/>
+          <a:ln w="38100"/>
+        </p:spPr>
+        <p:style>
+          <a:lnRef idx="2">
+            <a:schemeClr val="accent1">
+              <a:shade val="50000"/>
+            </a:schemeClr>
+          </a:lnRef>
+          <a:fillRef idx="1">
+            <a:schemeClr val="accent1"/>
+          </a:fillRef>
+          <a:effectRef idx="0">
+            <a:schemeClr val="accent1"/>
+          </a:effectRef>
+          <a:fontRef idx="minor">
+            <a:schemeClr val="lt1"/>
+          </a:fontRef>
+        </p:style>
+        <p:txBody>
+          <a:bodyPr rtlCol="0" anchor="ctr"/>
+          <a:lstStyle/>
+          <a:p>
+            <a:pPr algn="ctr"/>
+            <a:endParaRPr lang="el-GR"/>
+          </a:p>
+        </p:txBody>
+      </p:sp>
+      <p:sp>
+        <p:nvSpPr>
+          <p:cNvPr id="10" name="Rectangle 9"/>
+          <p:cNvSpPr/>
+          <p:nvPr/>
+        </p:nvSpPr>
+        <p:spPr>
+          <a:xfrm>
+            <a:off x="2429520" y="4951415"/>
+            <a:ext cx="4230712" cy="781842"/>
+          </a:xfrm>
+          <a:prstGeom prst="rect">
+            <a:avLst/>
+          </a:prstGeom>
+          <a:noFill/>
+          <a:ln w="38100"/>
+        </p:spPr>
+        <p:style>
+          <a:lnRef idx="2">
+            <a:schemeClr val="accent1">
+              <a:shade val="50000"/>
+            </a:schemeClr>
+          </a:lnRef>
+          <a:fillRef idx="1">
+            <a:schemeClr val="accent1"/>
+          </a:fillRef>
+          <a:effectRef idx="0">
+            <a:schemeClr val="accent1"/>
+          </a:effectRef>
+          <a:fontRef idx="minor">
+            <a:schemeClr val="lt1"/>
+          </a:fontRef>
+        </p:style>
+        <p:txBody>
+          <a:bodyPr rtlCol="0" anchor="ctr"/>
+          <a:lstStyle/>
+          <a:p>
+            <a:pPr algn="ctr"/>
+            <a:endParaRPr lang="el-GR" dirty="0"/>
+          </a:p>
+        </p:txBody>
+      </p:sp>
     </p:spTree>
   </p:cSld>
   <p:clrMapOvr>
@@ -18192,9 +18309,264 @@
   <p:timing>
     <p:tnLst>
       <p:par>
-        <p:cTn id="1" dur="indefinite" restart="never" nodeType="tmRoot"/>
+        <p:cTn id="1" dur="indefinite" restart="never" nodeType="tmRoot">
+          <p:childTnLst>
+            <p:seq concurrent="1" nextAc="seek">
+              <p:cTn id="2" dur="indefinite" nodeType="mainSeq">
+                <p:childTnLst>
+                  <p:par>
+                    <p:cTn id="3" fill="hold">
+                      <p:stCondLst>
+                        <p:cond delay="indefinite"/>
+                      </p:stCondLst>
+                      <p:childTnLst>
+                        <p:par>
+                          <p:cTn id="4" fill="hold">
+                            <p:stCondLst>
+                              <p:cond delay="0"/>
+                            </p:stCondLst>
+                            <p:childTnLst>
+                              <p:par>
+                                <p:cTn id="5" presetID="1" presetClass="entr" presetSubtype="0" fill="hold" grpId="0" nodeType="clickEffect">
+                                  <p:stCondLst>
+                                    <p:cond delay="0"/>
+                                  </p:stCondLst>
+                                  <p:childTnLst>
+                                    <p:set>
+                                      <p:cBhvr>
+                                        <p:cTn id="6" dur="1" fill="hold">
+                                          <p:stCondLst>
+                                            <p:cond delay="0"/>
+                                          </p:stCondLst>
+                                        </p:cTn>
+                                        <p:tgtEl>
+                                          <p:spTgt spid="6"/>
+                                        </p:tgtEl>
+                                        <p:attrNameLst>
+                                          <p:attrName>style.visibility</p:attrName>
+                                        </p:attrNameLst>
+                                      </p:cBhvr>
+                                      <p:to>
+                                        <p:strVal val="visible"/>
+                                      </p:to>
+                                    </p:set>
+                                  </p:childTnLst>
+                                </p:cTn>
+                              </p:par>
+                            </p:childTnLst>
+                          </p:cTn>
+                        </p:par>
+                      </p:childTnLst>
+                    </p:cTn>
+                  </p:par>
+                  <p:par>
+                    <p:cTn id="7" fill="hold">
+                      <p:stCondLst>
+                        <p:cond delay="indefinite"/>
+                      </p:stCondLst>
+                      <p:childTnLst>
+                        <p:par>
+                          <p:cTn id="8" fill="hold">
+                            <p:stCondLst>
+                              <p:cond delay="0"/>
+                            </p:stCondLst>
+                            <p:childTnLst>
+                              <p:par>
+                                <p:cTn id="9" presetID="1" presetClass="exit" presetSubtype="0" fill="hold" grpId="1" nodeType="clickEffect">
+                                  <p:stCondLst>
+                                    <p:cond delay="0"/>
+                                  </p:stCondLst>
+                                  <p:childTnLst>
+                                    <p:set>
+                                      <p:cBhvr>
+                                        <p:cTn id="10" dur="1" fill="hold">
+                                          <p:stCondLst>
+                                            <p:cond delay="0"/>
+                                          </p:stCondLst>
+                                        </p:cTn>
+                                        <p:tgtEl>
+                                          <p:spTgt spid="6"/>
+                                        </p:tgtEl>
+                                        <p:attrNameLst>
+                                          <p:attrName>style.visibility</p:attrName>
+                                        </p:attrNameLst>
+                                      </p:cBhvr>
+                                      <p:to>
+                                        <p:strVal val="hidden"/>
+                                      </p:to>
+                                    </p:set>
+                                  </p:childTnLst>
+                                </p:cTn>
+                              </p:par>
+                            </p:childTnLst>
+                          </p:cTn>
+                        </p:par>
+                      </p:childTnLst>
+                    </p:cTn>
+                  </p:par>
+                  <p:par>
+                    <p:cTn id="11" fill="hold">
+                      <p:stCondLst>
+                        <p:cond delay="indefinite"/>
+                      </p:stCondLst>
+                      <p:childTnLst>
+                        <p:par>
+                          <p:cTn id="12" fill="hold">
+                            <p:stCondLst>
+                              <p:cond delay="0"/>
+                            </p:stCondLst>
+                            <p:childTnLst>
+                              <p:par>
+                                <p:cTn id="13" presetID="1" presetClass="entr" presetSubtype="0" fill="hold" grpId="0" nodeType="clickEffect">
+                                  <p:stCondLst>
+                                    <p:cond delay="0"/>
+                                  </p:stCondLst>
+                                  <p:childTnLst>
+                                    <p:set>
+                                      <p:cBhvr>
+                                        <p:cTn id="14" dur="1" fill="hold">
+                                          <p:stCondLst>
+                                            <p:cond delay="0"/>
+                                          </p:stCondLst>
+                                        </p:cTn>
+                                        <p:tgtEl>
+                                          <p:spTgt spid="8"/>
+                                        </p:tgtEl>
+                                        <p:attrNameLst>
+                                          <p:attrName>style.visibility</p:attrName>
+                                        </p:attrNameLst>
+                                      </p:cBhvr>
+                                      <p:to>
+                                        <p:strVal val="visible"/>
+                                      </p:to>
+                                    </p:set>
+                                  </p:childTnLst>
+                                </p:cTn>
+                              </p:par>
+                            </p:childTnLst>
+                          </p:cTn>
+                        </p:par>
+                      </p:childTnLst>
+                    </p:cTn>
+                  </p:par>
+                  <p:par>
+                    <p:cTn id="15" fill="hold">
+                      <p:stCondLst>
+                        <p:cond delay="indefinite"/>
+                      </p:stCondLst>
+                      <p:childTnLst>
+                        <p:par>
+                          <p:cTn id="16" fill="hold">
+                            <p:stCondLst>
+                              <p:cond delay="0"/>
+                            </p:stCondLst>
+                            <p:childTnLst>
+                              <p:par>
+                                <p:cTn id="17" presetID="1" presetClass="exit" presetSubtype="0" fill="hold" grpId="1" nodeType="clickEffect">
+                                  <p:stCondLst>
+                                    <p:cond delay="0"/>
+                                  </p:stCondLst>
+                                  <p:childTnLst>
+                                    <p:set>
+                                      <p:cBhvr>
+                                        <p:cTn id="18" dur="1" fill="hold">
+                                          <p:stCondLst>
+                                            <p:cond delay="0"/>
+                                          </p:stCondLst>
+                                        </p:cTn>
+                                        <p:tgtEl>
+                                          <p:spTgt spid="8"/>
+                                        </p:tgtEl>
+                                        <p:attrNameLst>
+                                          <p:attrName>style.visibility</p:attrName>
+                                        </p:attrNameLst>
+                                      </p:cBhvr>
+                                      <p:to>
+                                        <p:strVal val="hidden"/>
+                                      </p:to>
+                                    </p:set>
+                                  </p:childTnLst>
+                                </p:cTn>
+                              </p:par>
+                            </p:childTnLst>
+                          </p:cTn>
+                        </p:par>
+                      </p:childTnLst>
+                    </p:cTn>
+                  </p:par>
+                  <p:par>
+                    <p:cTn id="19" fill="hold">
+                      <p:stCondLst>
+                        <p:cond delay="indefinite"/>
+                      </p:stCondLst>
+                      <p:childTnLst>
+                        <p:par>
+                          <p:cTn id="20" fill="hold">
+                            <p:stCondLst>
+                              <p:cond delay="0"/>
+                            </p:stCondLst>
+                            <p:childTnLst>
+                              <p:par>
+                                <p:cTn id="21" presetID="1" presetClass="entr" presetSubtype="0" fill="hold" grpId="0" nodeType="clickEffect">
+                                  <p:stCondLst>
+                                    <p:cond delay="0"/>
+                                  </p:stCondLst>
+                                  <p:childTnLst>
+                                    <p:set>
+                                      <p:cBhvr>
+                                        <p:cTn id="22" dur="1" fill="hold">
+                                          <p:stCondLst>
+                                            <p:cond delay="0"/>
+                                          </p:stCondLst>
+                                        </p:cTn>
+                                        <p:tgtEl>
+                                          <p:spTgt spid="10"/>
+                                        </p:tgtEl>
+                                        <p:attrNameLst>
+                                          <p:attrName>style.visibility</p:attrName>
+                                        </p:attrNameLst>
+                                      </p:cBhvr>
+                                      <p:to>
+                                        <p:strVal val="visible"/>
+                                      </p:to>
+                                    </p:set>
+                                  </p:childTnLst>
+                                </p:cTn>
+                              </p:par>
+                            </p:childTnLst>
+                          </p:cTn>
+                        </p:par>
+                      </p:childTnLst>
+                    </p:cTn>
+                  </p:par>
+                </p:childTnLst>
+              </p:cTn>
+              <p:prevCondLst>
+                <p:cond evt="onPrev" delay="0">
+                  <p:tgtEl>
+                    <p:sldTgt/>
+                  </p:tgtEl>
+                </p:cond>
+              </p:prevCondLst>
+              <p:nextCondLst>
+                <p:cond evt="onNext" delay="0">
+                  <p:tgtEl>
+                    <p:sldTgt/>
+                  </p:tgtEl>
+                </p:cond>
+              </p:nextCondLst>
+            </p:seq>
+          </p:childTnLst>
+        </p:cTn>
       </p:par>
     </p:tnLst>
+    <p:bldLst>
+      <p:bldP spid="6" grpId="0" animBg="1"/>
+      <p:bldP spid="6" grpId="1" animBg="1"/>
+      <p:bldP spid="8" grpId="0" animBg="1"/>
+      <p:bldP spid="8" grpId="1" animBg="1"/>
+      <p:bldP spid="10" grpId="0" animBg="1"/>
+    </p:bldLst>
   </p:timing>
 </p:sld>
 </file>

--- a/presentation/presentation.pptx
+++ b/presentation/presentation.pptx
@@ -5,7 +5,7 @@
     <p:sldMasterId id="2147483792" r:id="rId1"/>
   </p:sldMasterIdLst>
   <p:notesMasterIdLst>
-    <p:notesMasterId r:id="rId28"/>
+    <p:notesMasterId r:id="rId29"/>
   </p:notesMasterIdLst>
   <p:sldIdLst>
     <p:sldId id="256" r:id="rId2"/>
@@ -17,23 +17,24 @@
     <p:sldId id="267" r:id="rId8"/>
     <p:sldId id="300" r:id="rId9"/>
     <p:sldId id="304" r:id="rId10"/>
-    <p:sldId id="301" r:id="rId11"/>
-    <p:sldId id="316" r:id="rId12"/>
-    <p:sldId id="317" r:id="rId13"/>
-    <p:sldId id="312" r:id="rId14"/>
-    <p:sldId id="303" r:id="rId15"/>
-    <p:sldId id="311" r:id="rId16"/>
-    <p:sldId id="270" r:id="rId17"/>
-    <p:sldId id="314" r:id="rId18"/>
-    <p:sldId id="313" r:id="rId19"/>
-    <p:sldId id="305" r:id="rId20"/>
-    <p:sldId id="306" r:id="rId21"/>
-    <p:sldId id="307" r:id="rId22"/>
-    <p:sldId id="308" r:id="rId23"/>
-    <p:sldId id="309" r:id="rId24"/>
-    <p:sldId id="292" r:id="rId25"/>
-    <p:sldId id="299" r:id="rId26"/>
-    <p:sldId id="310" r:id="rId27"/>
+    <p:sldId id="319" r:id="rId11"/>
+    <p:sldId id="301" r:id="rId12"/>
+    <p:sldId id="316" r:id="rId13"/>
+    <p:sldId id="317" r:id="rId14"/>
+    <p:sldId id="312" r:id="rId15"/>
+    <p:sldId id="303" r:id="rId16"/>
+    <p:sldId id="311" r:id="rId17"/>
+    <p:sldId id="270" r:id="rId18"/>
+    <p:sldId id="314" r:id="rId19"/>
+    <p:sldId id="313" r:id="rId20"/>
+    <p:sldId id="305" r:id="rId21"/>
+    <p:sldId id="306" r:id="rId22"/>
+    <p:sldId id="307" r:id="rId23"/>
+    <p:sldId id="308" r:id="rId24"/>
+    <p:sldId id="309" r:id="rId25"/>
+    <p:sldId id="292" r:id="rId26"/>
+    <p:sldId id="299" r:id="rId27"/>
+    <p:sldId id="310" r:id="rId28"/>
   </p:sldIdLst>
   <p:sldSz cx="9144000" cy="6858000" type="screen4x3"/>
   <p:notesSz cx="3059113" cy="5164138"/>
@@ -237,7 +238,7 @@
             <a:fld id="{35A36A6E-E9C2-465F-AFBE-66735C017D69}" type="datetimeFigureOut">
               <a:rPr lang="en-US" smtClean="0"/>
               <a:pPr/>
-              <a:t>10/8/2015</a:t>
+              <a:t>10/10/2015</a:t>
             </a:fld>
             <a:endParaRPr lang="en-GB"/>
           </a:p>
@@ -646,7 +647,7 @@
       </p:grpSpPr>
       <p:sp>
         <p:nvSpPr>
-          <p:cNvPr id="2" name="1 - Θέση εικόνας διαφάνειας"/>
+          <p:cNvPr id="2" name="Slide Image Placeholder 1"/>
           <p:cNvSpPr>
             <a:spLocks noGrp="1" noRot="1" noChangeAspect="1"/>
           </p:cNvSpPr>
@@ -658,7 +659,7 @@
       </p:sp>
       <p:sp>
         <p:nvSpPr>
-          <p:cNvPr id="3" name="2 - Θέση σημειώσεων"/>
+          <p:cNvPr id="3" name="Notes Placeholder 2"/>
           <p:cNvSpPr>
             <a:spLocks noGrp="1"/>
           </p:cNvSpPr>
@@ -669,240 +670,56 @@
         <p:spPr/>
         <p:txBody>
           <a:bodyPr>
-            <a:normAutofit fontScale="47500" lnSpcReduction="20000"/>
+            <a:normAutofit/>
           </a:bodyPr>
           <a:lstStyle/>
           <a:p>
+            <a:pPr defTabSz="469819">
+              <a:defRPr/>
+            </a:pPr>
             <a:r>
               <a:rPr lang="el-GR" b="0" baseline="0" dirty="0" smtClean="0"/>
-              <a:t>Με το </a:t>
+              <a:t>Έχοντας το </a:t>
             </a:r>
             <a:r>
               <a:rPr lang="en-US" b="0" baseline="0" dirty="0" smtClean="0"/>
-              <a:t>Elgg SNP</a:t>
+              <a:t>Elgg SNE </a:t>
             </a:r>
             <a:r>
               <a:rPr lang="el-GR" b="0" baseline="0" dirty="0" smtClean="0"/>
-              <a:t>, ως το </a:t>
+              <a:t>στην κορυφή φτιάξαμε την εξής αρχιτεκτονική </a:t>
+            </a:r>
+            <a:r>
+              <a:rPr lang="el-GR" sz="1800" b="1" baseline="0" dirty="0" smtClean="0"/>
+              <a:t>↓</a:t>
+            </a:r>
+            <a:r>
+              <a:rPr lang="el-GR" b="0" baseline="0" dirty="0" smtClean="0"/>
+              <a:t>. Στο </a:t>
             </a:r>
             <a:r>
               <a:rPr lang="en-US" b="0" baseline="0" dirty="0" smtClean="0"/>
-              <a:t>front-end </a:t>
+              <a:t>back end </a:t>
             </a:r>
             <a:r>
               <a:rPr lang="el-GR" b="0" baseline="0" dirty="0" smtClean="0"/>
-              <a:t>του συστήματος, υλοποιήθηκε η αρχιτεκτονική που φαίνεται στο σχήμα ώστε να υποστηρίζει το </a:t>
-            </a:r>
-            <a:r>
-              <a:rPr lang="en-US" b="0" baseline="0" dirty="0" smtClean="0"/>
-              <a:t>scalability </a:t>
-            </a:r>
-            <a:r>
-              <a:rPr lang="el-GR" b="0" baseline="0" dirty="0" smtClean="0"/>
-              <a:t>της πλατφόρμας και το </a:t>
-            </a:r>
-            <a:r>
-              <a:rPr lang="en-US" b="0" baseline="0" dirty="0" smtClean="0"/>
-              <a:t>integration </a:t>
-            </a:r>
-            <a:r>
-              <a:rPr lang="el-GR" b="0" baseline="0" dirty="0" smtClean="0"/>
-              <a:t>με το </a:t>
-            </a:r>
-            <a:r>
-              <a:rPr lang="en-US" b="0" baseline="0" dirty="0" smtClean="0"/>
-              <a:t>Repository of App Models</a:t>
-            </a:r>
-            <a:r>
-              <a:rPr lang="el-GR" b="0" baseline="0" dirty="0" smtClean="0"/>
-              <a:t>. Η αρχιτεκτονική αυτή έχει τρία επίπεδα.</a:t>
-            </a:r>
-          </a:p>
-          <a:p>
-            <a:endParaRPr lang="el-GR" b="0" baseline="0" dirty="0" smtClean="0"/>
-          </a:p>
-          <a:p>
-            <a:r>
-              <a:rPr lang="el-GR" b="0" baseline="0" dirty="0" smtClean="0"/>
-              <a:t>Στο επίπεδο 1, έχουμε το </a:t>
-            </a:r>
-            <a:r>
-              <a:rPr lang="en-US" b="0" baseline="0" dirty="0" smtClean="0"/>
-              <a:t>Social Networking Engine </a:t>
-            </a:r>
-            <a:r>
-              <a:rPr lang="el-GR" b="0" baseline="0" dirty="0" smtClean="0"/>
-              <a:t>το οποίο είναι γραμμένο σε </a:t>
-            </a:r>
-            <a:r>
-              <a:rPr lang="en-US" b="0" baseline="0" dirty="0" smtClean="0"/>
-              <a:t>PHP </a:t>
-            </a:r>
-            <a:r>
-              <a:rPr lang="el-GR" b="0" baseline="0" dirty="0" smtClean="0"/>
-              <a:t>και είναι </a:t>
-            </a:r>
-            <a:r>
-              <a:rPr lang="en-US" b="0" baseline="0" dirty="0" smtClean="0"/>
-              <a:t>deployed </a:t>
-            </a:r>
-            <a:r>
-              <a:rPr lang="el-GR" b="0" baseline="0" dirty="0" smtClean="0"/>
-              <a:t>πάνω από τον </a:t>
-            </a:r>
-            <a:r>
-              <a:rPr lang="en-US" b="0" baseline="0" dirty="0" smtClean="0"/>
-              <a:t>Apache2 Server.</a:t>
-            </a:r>
-          </a:p>
-          <a:p>
-            <a:endParaRPr lang="en-US" b="0" baseline="0" dirty="0" smtClean="0"/>
-          </a:p>
-          <a:p>
-            <a:r>
-              <a:rPr lang="el-GR" b="0" baseline="0" dirty="0" smtClean="0"/>
-              <a:t>Στο επίπεδο 2, όπου είναι το ενδιάμεσο επίπεδο, πρόσθεσα ένα ή περισσότερα </a:t>
-            </a:r>
-            <a:r>
-              <a:rPr lang="en-US" b="0" baseline="0" dirty="0" smtClean="0"/>
-              <a:t>Memcached Nodes</a:t>
-            </a:r>
-            <a:r>
-              <a:rPr lang="el-GR" b="0" baseline="0" dirty="0" smtClean="0"/>
-              <a:t> ώστε να υποστηρίζουμε κατανεμημένο </a:t>
-            </a:r>
-            <a:r>
-              <a:rPr lang="en-US" b="0" baseline="0" dirty="0" smtClean="0"/>
-              <a:t>caching. </a:t>
-            </a:r>
-            <a:r>
-              <a:rPr lang="el-GR" b="0" baseline="0" dirty="0" smtClean="0"/>
-              <a:t>Η </a:t>
-            </a:r>
-            <a:r>
-              <a:rPr lang="en-US" b="0" baseline="0" dirty="0" smtClean="0"/>
-              <a:t>memcached </a:t>
-            </a:r>
-            <a:r>
-              <a:rPr lang="el-GR" b="0" baseline="0" dirty="0" smtClean="0"/>
-              <a:t>τεχνολογία είναι ένα </a:t>
-            </a:r>
-            <a:r>
-              <a:rPr lang="en-US" b="0" baseline="0" dirty="0" smtClean="0"/>
-              <a:t>in-memory key value store</a:t>
-            </a:r>
-            <a:r>
-              <a:rPr lang="el-GR" b="0" baseline="0" dirty="0" smtClean="0"/>
-              <a:t> και χρησιμοποιείται από το σύστημα μας για να αποθηκεύει </a:t>
-            </a:r>
-            <a:r>
-              <a:rPr lang="el-GR" b="0" baseline="0" dirty="0" smtClean="0"/>
-              <a:t>την </a:t>
-            </a:r>
-            <a:r>
-              <a:rPr lang="en-US" b="0" baseline="0" dirty="0" smtClean="0"/>
-              <a:t>social</a:t>
-            </a:r>
-            <a:r>
-              <a:rPr lang="el-GR" b="0" baseline="0" dirty="0" smtClean="0"/>
-              <a:t> πληροφορία. Καθώς επίσης και την πληροφορία που προέρχεται από το </a:t>
+              <a:t>του συστήματος προσδέθηκε το </a:t>
             </a:r>
             <a:r>
               <a:rPr lang="en-US" b="0" baseline="0" dirty="0" smtClean="0"/>
               <a:t>repository </a:t>
             </a:r>
             <a:r>
-              <a:rPr lang="el-GR" b="0" baseline="0" dirty="0" smtClean="0"/>
-              <a:t>των μοντέλων.</a:t>
-            </a:r>
-            <a:endParaRPr lang="el-GR" b="0" baseline="0" dirty="0" smtClean="0"/>
-          </a:p>
-          <a:p>
-            <a:endParaRPr lang="el-GR" b="0" baseline="0" dirty="0" smtClean="0"/>
-          </a:p>
-          <a:p>
-            <a:r>
-              <a:rPr lang="el-GR" b="0" baseline="0" dirty="0" smtClean="0"/>
-              <a:t>Και τέλος, στο επίπεδο 3, όπου είναι το </a:t>
-            </a:r>
-            <a:r>
-              <a:rPr lang="en-US" b="0" baseline="0" dirty="0" smtClean="0"/>
-              <a:t>back-end </a:t>
-            </a:r>
-            <a:r>
-              <a:rPr lang="el-GR" b="0" baseline="0" dirty="0" smtClean="0"/>
-              <a:t>του συστήματος, όπου πέρα από την </a:t>
-            </a:r>
-            <a:r>
-              <a:rPr lang="en-US" b="0" baseline="0" dirty="0" smtClean="0"/>
-              <a:t>SN DB</a:t>
-            </a:r>
-            <a:r>
-              <a:rPr lang="el-GR" b="0" baseline="0" dirty="0" smtClean="0"/>
-              <a:t> όπου χρησιμοποιήθηκε αυτή του </a:t>
-            </a:r>
-            <a:r>
-              <a:rPr lang="en-US" b="0" baseline="0" dirty="0" smtClean="0"/>
-              <a:t>Elgg SNE </a:t>
-            </a:r>
-            <a:r>
-              <a:rPr lang="el-GR" b="0" baseline="0" dirty="0" smtClean="0"/>
-              <a:t>πρόσθεσα τον </a:t>
-            </a:r>
-            <a:r>
-              <a:rPr lang="en-US" b="0" baseline="0" dirty="0" smtClean="0"/>
-              <a:t>CDO Client </a:t>
-            </a:r>
-            <a:r>
-              <a:rPr lang="el-GR" b="0" baseline="0" dirty="0" smtClean="0"/>
-              <a:t>όπου επικοινωνεί με </a:t>
-            </a:r>
-            <a:r>
-              <a:rPr lang="el-GR" b="0" baseline="0" dirty="0" smtClean="0"/>
-              <a:t>τον </a:t>
-            </a:r>
-            <a:r>
-              <a:rPr lang="en-US" b="0" baseline="0" dirty="0" smtClean="0"/>
-              <a:t>CDO Server</a:t>
-            </a:r>
-            <a:r>
-              <a:rPr lang="el-GR" b="0" baseline="0" dirty="0" smtClean="0"/>
-              <a:t> ο οποίος είναι υπεύθυνος για τα μοντέλα και τα </a:t>
-            </a:r>
-            <a:r>
-              <a:rPr lang="en-US" b="0" baseline="0" dirty="0" smtClean="0"/>
-              <a:t>execution histories </a:t>
-            </a:r>
-            <a:r>
-              <a:rPr lang="el-GR" b="0" baseline="0" dirty="0" smtClean="0"/>
-              <a:t>των εφαρμογών τα οποία αποθηκεύονται στο </a:t>
-            </a:r>
-            <a:r>
-              <a:rPr lang="en-US" b="0" baseline="0" dirty="0" smtClean="0"/>
-              <a:t>Repository of application models and execution</a:t>
-            </a:r>
-            <a:r>
-              <a:rPr lang="el-GR" b="0" baseline="0" dirty="0" smtClean="0"/>
-              <a:t> το οποίο είναι μια σχεσιακή βάση δεδομένων </a:t>
-            </a:r>
-            <a:r>
-              <a:rPr lang="en-US" b="0" baseline="0" dirty="0" smtClean="0"/>
-              <a:t>MySQL</a:t>
-            </a:r>
-            <a:r>
-              <a:rPr lang="el-GR" b="0" baseline="0" dirty="0" smtClean="0"/>
-              <a:t>.</a:t>
-            </a:r>
-            <a:endParaRPr lang="en-US" b="0" baseline="0" dirty="0" smtClean="0"/>
-          </a:p>
-          <a:p>
-            <a:endParaRPr lang="el-GR" b="0" dirty="0"/>
-          </a:p>
-        </p:txBody>
-      </p:sp>
-      <p:sp>
-        <p:nvSpPr>
-          <p:cNvPr id="4" name="3 - Θέση αριθμού διαφάνειας"/>
+              <a:rPr lang="el-GR" b="0" baseline="0" smtClean="0"/>
+              <a:t>των μοντέλων….</a:t>
+            </a:r>
+            <a:endParaRPr lang="el-GR" baseline="0" dirty="0" smtClean="0"/>
+          </a:p>
+        </p:txBody>
+      </p:sp>
+      <p:sp>
+        <p:nvSpPr>
+          <p:cNvPr id="4" name="Slide Number Placeholder 3"/>
           <p:cNvSpPr>
             <a:spLocks noGrp="1"/>
           </p:cNvSpPr>
@@ -927,7 +744,7 @@
     </p:spTree>
     <p:extLst>
       <p:ext uri="{BB962C8B-B14F-4D97-AF65-F5344CB8AC3E}">
-        <p14:creationId xmlns:p14="http://schemas.microsoft.com/office/powerpoint/2010/main" val="2581491608"/>
+        <p14:creationId xmlns:p14="http://schemas.microsoft.com/office/powerpoint/2010/main" val="4222911459"/>
       </p:ext>
     </p:extLst>
   </p:cSld>
@@ -956,7 +773,7 @@
       </p:grpSpPr>
       <p:sp>
         <p:nvSpPr>
-          <p:cNvPr id="2" name="Slide Image Placeholder 1"/>
+          <p:cNvPr id="2" name="1 - Θέση εικόνας διαφάνειας"/>
           <p:cNvSpPr>
             <a:spLocks noGrp="1" noRot="1" noChangeAspect="1"/>
           </p:cNvSpPr>
@@ -968,7 +785,7 @@
       </p:sp>
       <p:sp>
         <p:nvSpPr>
-          <p:cNvPr id="3" name="Notes Placeholder 2"/>
+          <p:cNvPr id="3" name="2 - Θέση σημειώσεων"/>
           <p:cNvSpPr>
             <a:spLocks noGrp="1"/>
           </p:cNvSpPr>
@@ -979,188 +796,231 @@
         <p:spPr/>
         <p:txBody>
           <a:bodyPr>
-            <a:normAutofit fontScale="47500" lnSpcReduction="20000"/>
+            <a:normAutofit fontScale="55000" lnSpcReduction="20000"/>
           </a:bodyPr>
           <a:lstStyle/>
           <a:p>
             <a:r>
-              <a:rPr lang="el-GR" dirty="0" smtClean="0"/>
-              <a:t>Ένα ακόμα </a:t>
-            </a:r>
-            <a:r>
-              <a:rPr lang="en-US" dirty="0" smtClean="0"/>
-              <a:t>feature</a:t>
-            </a:r>
-            <a:r>
-              <a:rPr lang="en-US" baseline="0" dirty="0" smtClean="0"/>
-              <a:t> </a:t>
-            </a:r>
-            <a:r>
-              <a:rPr lang="el-GR" baseline="0" dirty="0" smtClean="0"/>
-              <a:t>που προστέθηκε στο </a:t>
-            </a:r>
-            <a:r>
-              <a:rPr lang="en-US" baseline="0" dirty="0" smtClean="0"/>
-              <a:t>SN</a:t>
-            </a:r>
-            <a:r>
-              <a:rPr lang="el-GR" baseline="0" dirty="0" smtClean="0"/>
-              <a:t> είναι η δυνατότητα να παρέχει αυτοματοποιημένες απαντήσεις,</a:t>
-            </a:r>
-          </a:p>
-          <a:p>
-            <a:endParaRPr lang="el-GR" baseline="0" dirty="0" smtClean="0"/>
-          </a:p>
-          <a:p>
-            <a:r>
-              <a:rPr lang="el-GR" baseline="0" dirty="0" smtClean="0"/>
-              <a:t>Ας πάρομε λοιπόν, ένα χρήστη του ΚΔ ο οποίος κάνει ερωτήσεις σε κάποιο </a:t>
-            </a:r>
-            <a:r>
-              <a:rPr lang="en-US" baseline="0" dirty="0" smtClean="0"/>
-              <a:t>group</a:t>
-            </a:r>
-            <a:r>
-              <a:rPr lang="el-GR" baseline="0" dirty="0" smtClean="0"/>
-              <a:t>, Θέλουμε να μπορούμε να επεξεργαστούμε αυτές τις ερωτήσεις έτσι ώστε να μπορούμε να τις συνδέσουμε είτε με άλλες παρόμοιες ερωτήσεις είτε να δημιουργήσουμε ένα </a:t>
-            </a:r>
-            <a:r>
-              <a:rPr lang="en-US" baseline="0" dirty="0" smtClean="0"/>
-              <a:t>query </a:t>
-            </a:r>
-            <a:r>
-              <a:rPr lang="el-GR" baseline="0" dirty="0" smtClean="0"/>
-              <a:t>στην βάση των </a:t>
-            </a:r>
-            <a:r>
-              <a:rPr lang="en-US" baseline="0" dirty="0" smtClean="0"/>
-              <a:t>execution data </a:t>
-            </a:r>
-            <a:r>
-              <a:rPr lang="el-GR" baseline="0" dirty="0" smtClean="0"/>
-              <a:t>έτσι ώστε να καταφέρουμε να δώσουμε μια αυτοματοποιημένη απάντηση σαν </a:t>
-            </a:r>
-            <a:r>
-              <a:rPr lang="en-US" baseline="0" dirty="0" smtClean="0"/>
-              <a:t>feedback </a:t>
-            </a:r>
-            <a:r>
-              <a:rPr lang="el-GR" baseline="0" dirty="0" smtClean="0"/>
-              <a:t>πίσω στον χρήστη. Για να το πετύχουμε αυτό πρέπει να μπορούμε να επεξεργαστούμε τις ερωτήσεις και να τις κάνουμε </a:t>
-            </a:r>
-            <a:r>
-              <a:rPr lang="en-US" baseline="0" dirty="0" smtClean="0"/>
-              <a:t>classify </a:t>
-            </a:r>
-            <a:r>
-              <a:rPr lang="el-GR" baseline="0" dirty="0" smtClean="0"/>
-              <a:t>σε διάφορες κατηγορίες ώστε να ξέρουμε σε τι αναφέρετε ο χρήστης. Για να το πετύχουμε αυτό χρειάζεται να κάνουμε </a:t>
-            </a:r>
-            <a:r>
-              <a:rPr lang="en-US" baseline="0" dirty="0" smtClean="0"/>
-              <a:t>train</a:t>
-            </a:r>
-            <a:r>
-              <a:rPr lang="el-GR" baseline="0" dirty="0" smtClean="0"/>
-              <a:t>,</a:t>
-            </a:r>
-            <a:r>
-              <a:rPr lang="en-US" baseline="0" dirty="0" smtClean="0"/>
-              <a:t> </a:t>
-            </a:r>
-            <a:r>
-              <a:rPr lang="el-GR" baseline="0" dirty="0" smtClean="0"/>
-              <a:t>όπως λέγεται, τον </a:t>
-            </a:r>
-            <a:r>
-              <a:rPr lang="en-US" baseline="0" dirty="0" smtClean="0"/>
-              <a:t>classifier</a:t>
-            </a:r>
-            <a:r>
-              <a:rPr lang="el-GR" baseline="0" dirty="0" smtClean="0"/>
-              <a:t> με κάποιες εξωτερικές ερωτήσεις. Συνήθως οι προσεγγίσεις που κατηγοριοποιούν κείμενο, χρησιμοποιούν το λεγόμενο </a:t>
-            </a:r>
-            <a:r>
-              <a:rPr lang="en-US" baseline="0" dirty="0" smtClean="0"/>
-              <a:t>training set </a:t>
-            </a:r>
-            <a:r>
-              <a:rPr lang="el-GR" baseline="0" dirty="0" smtClean="0"/>
-              <a:t>για να χτίσουν μια μέθοδο κατηγοριοποίησης ώστε αν έρθει ένα καινούριο κείμενο να ξέρουν σε ποια κατηγορία να το βάλουν.</a:t>
-            </a:r>
-            <a:endParaRPr lang="en-US" baseline="0" dirty="0" smtClean="0"/>
-          </a:p>
-          <a:p>
-            <a:endParaRPr lang="en-US" baseline="0" dirty="0" smtClean="0"/>
-          </a:p>
-          <a:p>
-            <a:r>
-              <a:rPr lang="el-GR" baseline="0" dirty="0" smtClean="0"/>
-              <a:t>Έτσι η δύναμη του κοινωνικού δικτύου είναι ότι επιτρέπει </a:t>
-            </a:r>
-            <a:r>
-              <a:rPr lang="en-US" baseline="0" dirty="0" smtClean="0"/>
-              <a:t>communities, </a:t>
-            </a:r>
-            <a:r>
-              <a:rPr lang="el-GR" baseline="0" dirty="0" smtClean="0"/>
-              <a:t>επιτρέπει </a:t>
-            </a:r>
-            <a:r>
-              <a:rPr lang="el-GR" baseline="0" dirty="0" err="1" smtClean="0"/>
-              <a:t>ερωτο</a:t>
-            </a:r>
-            <a:r>
-              <a:rPr lang="el-GR" baseline="0" dirty="0" smtClean="0"/>
-              <a:t>-απαντήσεις και έτσι όπως είναι τα πράγματα σήμερα, κάποιος μπορεί να ρωτήσει, κάποιος μπορεί να απαντήσει αλλά εμείς έχουμε επιπλέον τα </a:t>
-            </a:r>
-            <a:r>
-              <a:rPr lang="en-US" baseline="0" dirty="0" smtClean="0"/>
-              <a:t>execution data, </a:t>
-            </a:r>
-            <a:r>
-              <a:rPr lang="el-GR" baseline="0" dirty="0" smtClean="0"/>
-              <a:t>έτσι οι απαντήσεις που παίρνονται από εμάς μπορεί να είναι πιο ακριβής. </a:t>
-            </a:r>
-          </a:p>
-          <a:p>
-            <a:endParaRPr lang="el-GR" baseline="0" dirty="0" smtClean="0"/>
-          </a:p>
-          <a:p>
-            <a:r>
-              <a:rPr lang="el-GR" baseline="0" dirty="0" smtClean="0"/>
-              <a:t>Το να γράψει, όμως ένας χρήστης ένα </a:t>
-            </a:r>
-            <a:r>
-              <a:rPr lang="en-US" baseline="0" dirty="0" smtClean="0"/>
-              <a:t>query </a:t>
-            </a:r>
-            <a:r>
-              <a:rPr lang="el-GR" baseline="0" dirty="0" smtClean="0"/>
-              <a:t>δεν είναι εύκολο, δεν είναι απλό αυτό, ειδικά αν ο χρήστης δεν έχει γνώση του μοντέλου από κάτω. Οπότε ένας τρόπος που θα θέλαμε να κάνουμε, το οποίο είναι φιλόδοξο, είναι τα </a:t>
-            </a:r>
-            <a:r>
-              <a:rPr lang="en-US" baseline="0" dirty="0" smtClean="0"/>
-              <a:t>queries </a:t>
-            </a:r>
-            <a:r>
-              <a:rPr lang="el-GR" baseline="0" dirty="0" smtClean="0"/>
-              <a:t>να φτιάχνονται αυτόματα βάση της ερώτησης Ή να βρίσκεται κάποια </a:t>
-            </a:r>
-            <a:r>
-              <a:rPr lang="en-US" baseline="0" dirty="0" smtClean="0"/>
-              <a:t>related </a:t>
-            </a:r>
-            <a:r>
-              <a:rPr lang="el-GR" baseline="0" dirty="0" smtClean="0"/>
-              <a:t>απάντηση πάνω στο ίδιο θέμα. </a:t>
-            </a:r>
-          </a:p>
-        </p:txBody>
-      </p:sp>
-      <p:sp>
-        <p:nvSpPr>
-          <p:cNvPr id="4" name="Slide Number Placeholder 3"/>
+              <a:rPr lang="el-GR" b="0" baseline="0" dirty="0" smtClean="0"/>
+              <a:t>Με το </a:t>
+            </a:r>
+            <a:r>
+              <a:rPr lang="en-US" b="0" baseline="0" dirty="0" smtClean="0"/>
+              <a:t>Elgg SNP</a:t>
+            </a:r>
+            <a:r>
+              <a:rPr lang="el-GR" b="0" baseline="0" dirty="0" smtClean="0"/>
+              <a:t>, ως το </a:t>
+            </a:r>
+            <a:r>
+              <a:rPr lang="en-US" b="0" baseline="0" dirty="0" smtClean="0"/>
+              <a:t>front-end </a:t>
+            </a:r>
+            <a:r>
+              <a:rPr lang="el-GR" b="0" baseline="0" dirty="0" smtClean="0"/>
+              <a:t>του συστήματος, υλοποιήθηκε η αρχιτεκτονική που φαίνεται στο σχήμα ώστε να υποστηρίζει το </a:t>
+            </a:r>
+            <a:r>
+              <a:rPr lang="en-US" b="0" baseline="0" dirty="0" smtClean="0"/>
+              <a:t>scalability </a:t>
+            </a:r>
+            <a:r>
+              <a:rPr lang="el-GR" b="0" baseline="0" dirty="0" smtClean="0"/>
+              <a:t>της πλατφόρμας και το </a:t>
+            </a:r>
+            <a:r>
+              <a:rPr lang="en-US" b="0" baseline="0" dirty="0" smtClean="0"/>
+              <a:t>integration </a:t>
+            </a:r>
+            <a:r>
+              <a:rPr lang="el-GR" b="0" baseline="0" dirty="0" smtClean="0"/>
+              <a:t>με το </a:t>
+            </a:r>
+            <a:r>
+              <a:rPr lang="en-US" b="0" baseline="0" dirty="0" smtClean="0"/>
+              <a:t>Repository of App Models</a:t>
+            </a:r>
+            <a:r>
+              <a:rPr lang="el-GR" b="0" baseline="0" dirty="0" smtClean="0"/>
+              <a:t>. Η αρχιτεκτονική αυτή έχει τρία επίπεδα.</a:t>
+            </a:r>
+          </a:p>
+          <a:p>
+            <a:endParaRPr lang="el-GR" b="0" baseline="0" dirty="0" smtClean="0"/>
+          </a:p>
+          <a:p>
+            <a:r>
+              <a:rPr lang="el-GR" b="0" baseline="0" dirty="0" smtClean="0"/>
+              <a:t>Στο επίπεδο 1, έχουμε το </a:t>
+            </a:r>
+            <a:r>
+              <a:rPr lang="en-US" b="0" baseline="0" dirty="0" smtClean="0"/>
+              <a:t>Social Networking Engine </a:t>
+            </a:r>
+            <a:r>
+              <a:rPr lang="el-GR" b="0" baseline="0" dirty="0" smtClean="0"/>
+              <a:t>το οποίο είναι γραμμένο σε </a:t>
+            </a:r>
+            <a:r>
+              <a:rPr lang="en-US" b="0" baseline="0" dirty="0" smtClean="0"/>
+              <a:t>PHP </a:t>
+            </a:r>
+            <a:r>
+              <a:rPr lang="el-GR" b="0" baseline="0" dirty="0" smtClean="0"/>
+              <a:t>και είναι </a:t>
+            </a:r>
+            <a:r>
+              <a:rPr lang="en-US" b="0" baseline="0" dirty="0" smtClean="0"/>
+              <a:t>deployed </a:t>
+            </a:r>
+            <a:r>
+              <a:rPr lang="el-GR" b="0" baseline="0" dirty="0" smtClean="0"/>
+              <a:t>πάνω από τον </a:t>
+            </a:r>
+            <a:r>
+              <a:rPr lang="en-US" b="0" baseline="0" dirty="0" smtClean="0"/>
+              <a:t>Apache2 Server.</a:t>
+            </a:r>
+          </a:p>
+          <a:p>
+            <a:endParaRPr lang="en-US" b="0" baseline="0" dirty="0" smtClean="0"/>
+          </a:p>
+          <a:p>
+            <a:r>
+              <a:rPr lang="el-GR" b="0" baseline="0" dirty="0" smtClean="0"/>
+              <a:t>Στο επίπεδο 2, όπου είναι το ενδιάμεσο επίπεδο, πρόσθεσα ένα ή περισσότερα </a:t>
+            </a:r>
+            <a:r>
+              <a:rPr lang="en-US" b="0" baseline="0" dirty="0" smtClean="0"/>
+              <a:t>Memcached Nodes</a:t>
+            </a:r>
+            <a:r>
+              <a:rPr lang="el-GR" b="0" baseline="0" dirty="0" smtClean="0"/>
+              <a:t> ώστε να υποστηρίζουμε κατανεμημένο </a:t>
+            </a:r>
+            <a:r>
+              <a:rPr lang="en-US" b="0" baseline="0" dirty="0" smtClean="0"/>
+              <a:t>caching. </a:t>
+            </a:r>
+            <a:r>
+              <a:rPr lang="el-GR" b="0" baseline="0" dirty="0" smtClean="0"/>
+              <a:t>Η </a:t>
+            </a:r>
+            <a:r>
+              <a:rPr lang="en-US" b="0" baseline="0" dirty="0" smtClean="0"/>
+              <a:t>memcached </a:t>
+            </a:r>
+            <a:r>
+              <a:rPr lang="el-GR" b="0" baseline="0" dirty="0" smtClean="0"/>
+              <a:t>τεχνολογία είναι ένα </a:t>
+            </a:r>
+            <a:r>
+              <a:rPr lang="en-US" b="0" baseline="0" dirty="0" smtClean="0"/>
+              <a:t>in-memory key value store</a:t>
+            </a:r>
+            <a:r>
+              <a:rPr lang="el-GR" b="0" baseline="0" dirty="0" smtClean="0"/>
+              <a:t> και χρησιμοποιείται από το σύστημα μας για να αποθηκεύει την </a:t>
+            </a:r>
+            <a:r>
+              <a:rPr lang="en-US" b="0" baseline="0" dirty="0" smtClean="0"/>
+              <a:t>social</a:t>
+            </a:r>
+            <a:r>
+              <a:rPr lang="el-GR" b="0" baseline="0" dirty="0" smtClean="0"/>
+              <a:t> πληροφορία. Καθώς επίσης και την πληροφορία που προέρχεται από το </a:t>
+            </a:r>
+            <a:r>
+              <a:rPr lang="en-US" b="0" baseline="0" dirty="0" smtClean="0"/>
+              <a:t>repository </a:t>
+            </a:r>
+            <a:r>
+              <a:rPr lang="el-GR" b="0" baseline="0" dirty="0" smtClean="0"/>
+              <a:t>των μοντέλων.</a:t>
+            </a:r>
+          </a:p>
+          <a:p>
+            <a:endParaRPr lang="el-GR" b="0" baseline="0" dirty="0" smtClean="0"/>
+          </a:p>
+          <a:p>
+            <a:r>
+              <a:rPr lang="el-GR" b="0" baseline="0" dirty="0" smtClean="0"/>
+              <a:t>Και τέλος, στο επίπεδο 3, όπου είναι το </a:t>
+            </a:r>
+            <a:r>
+              <a:rPr lang="en-US" b="0" baseline="0" dirty="0" smtClean="0"/>
+              <a:t>back-end </a:t>
+            </a:r>
+            <a:r>
+              <a:rPr lang="el-GR" b="0" baseline="0" dirty="0" smtClean="0"/>
+              <a:t>του συστήματος, όπου πέρα από την </a:t>
+            </a:r>
+            <a:r>
+              <a:rPr lang="en-US" b="0" baseline="0" dirty="0" smtClean="0"/>
+              <a:t>SN DB</a:t>
+            </a:r>
+            <a:r>
+              <a:rPr lang="el-GR" b="0" baseline="0" dirty="0" smtClean="0"/>
+              <a:t> όπου χρησιμοποιήθηκε αυτή του </a:t>
+            </a:r>
+            <a:r>
+              <a:rPr lang="en-US" b="0" baseline="0" dirty="0" smtClean="0"/>
+              <a:t>Elgg SNE </a:t>
+            </a:r>
+            <a:r>
+              <a:rPr lang="el-GR" b="0" baseline="0" dirty="0" smtClean="0"/>
+              <a:t>πρόσθεσα τον </a:t>
+            </a:r>
+            <a:r>
+              <a:rPr lang="en-US" b="0" baseline="0" dirty="0" smtClean="0"/>
+              <a:t>CDO Client </a:t>
+            </a:r>
+            <a:r>
+              <a:rPr lang="el-GR" b="0" baseline="0" dirty="0" smtClean="0"/>
+              <a:t>όπου επικοινωνεί με τον </a:t>
+            </a:r>
+            <a:r>
+              <a:rPr lang="en-US" b="0" baseline="0" dirty="0" smtClean="0"/>
+              <a:t>CDO Server</a:t>
+            </a:r>
+            <a:r>
+              <a:rPr lang="el-GR" b="0" baseline="0" dirty="0" smtClean="0"/>
+              <a:t> ο οποίος είναι υπεύθυνος για τα μοντέλα και τα </a:t>
+            </a:r>
+            <a:r>
+              <a:rPr lang="en-US" b="0" baseline="0" dirty="0" smtClean="0"/>
+              <a:t>execution histories </a:t>
+            </a:r>
+            <a:r>
+              <a:rPr lang="el-GR" b="0" baseline="0" dirty="0" smtClean="0"/>
+              <a:t>των εφαρμογών τα οποία αποθηκεύονται στο </a:t>
+            </a:r>
+            <a:r>
+              <a:rPr lang="en-US" b="0" baseline="0" dirty="0" smtClean="0"/>
+              <a:t>Repository of application models and execution</a:t>
+            </a:r>
+            <a:r>
+              <a:rPr lang="el-GR" b="0" baseline="0" dirty="0" smtClean="0"/>
+              <a:t> το οποίο είναι μια σχεσιακή βάση δεδομένων </a:t>
+            </a:r>
+            <a:r>
+              <a:rPr lang="en-US" b="0" baseline="0" dirty="0" smtClean="0"/>
+              <a:t>MySQL</a:t>
+            </a:r>
+            <a:r>
+              <a:rPr lang="el-GR" b="0" baseline="0" dirty="0" smtClean="0"/>
+              <a:t>.</a:t>
+            </a:r>
+            <a:endParaRPr lang="en-US" b="0" baseline="0" dirty="0" smtClean="0"/>
+          </a:p>
+          <a:p>
+            <a:endParaRPr lang="el-GR" b="0" dirty="0"/>
+          </a:p>
+        </p:txBody>
+      </p:sp>
+      <p:sp>
+        <p:nvSpPr>
+          <p:cNvPr id="4" name="3 - Θέση αριθμού διαφάνειας"/>
           <p:cNvSpPr>
             <a:spLocks noGrp="1"/>
           </p:cNvSpPr>
@@ -1185,7 +1045,7 @@
     </p:spTree>
     <p:extLst>
       <p:ext uri="{BB962C8B-B14F-4D97-AF65-F5344CB8AC3E}">
-        <p14:creationId xmlns:p14="http://schemas.microsoft.com/office/powerpoint/2010/main" val="3960002442"/>
+        <p14:creationId xmlns:p14="http://schemas.microsoft.com/office/powerpoint/2010/main" val="2581491608"/>
       </p:ext>
     </p:extLst>
   </p:cSld>
@@ -1242,197 +1102,12 @@
           <a:lstStyle/>
           <a:p>
             <a:r>
-              <a:rPr lang="el-GR" baseline="0" dirty="0" smtClean="0"/>
-              <a:t>Έτσι σε μία ερώτηση ενός χρήστη </a:t>
-            </a:r>
-            <a:r>
               <a:rPr lang="el-GR" dirty="0" smtClean="0"/>
-              <a:t>όπως αυτή, θέλουμε να μπορεί να </a:t>
-            </a:r>
-            <a:r>
-              <a:rPr lang="el-GR" baseline="0" dirty="0" smtClean="0"/>
-              <a:t>γίνεται </a:t>
-            </a:r>
-            <a:r>
-              <a:rPr lang="en-US" baseline="0" dirty="0" smtClean="0"/>
-              <a:t>mapped </a:t>
-            </a:r>
-            <a:r>
-              <a:rPr lang="el-GR" baseline="0" dirty="0" smtClean="0"/>
-              <a:t>σε ένα </a:t>
-            </a:r>
-            <a:r>
-              <a:rPr lang="en-US" baseline="0" dirty="0" smtClean="0"/>
-              <a:t>related query, </a:t>
-            </a:r>
-            <a:r>
-              <a:rPr lang="el-GR" baseline="0" dirty="0" smtClean="0"/>
-              <a:t>εδώ παρουσιάζεται μια ερώτηση για το </a:t>
-            </a:r>
-            <a:r>
-              <a:rPr lang="en-US" baseline="0" dirty="0" smtClean="0"/>
-              <a:t>most cost effective deployment. </a:t>
-            </a:r>
-            <a:r>
-              <a:rPr lang="el-GR" baseline="0" dirty="0" smtClean="0"/>
-              <a:t>Έτσι όπως είναι </a:t>
-            </a:r>
-            <a:r>
-              <a:rPr lang="en-US" baseline="0" dirty="0" smtClean="0"/>
-              <a:t>phrased </a:t>
-            </a:r>
-            <a:r>
-              <a:rPr lang="el-GR" baseline="0" dirty="0" smtClean="0"/>
-              <a:t>η ερώτηση καταλαβαίνουμε ότι μιλάμε για </a:t>
-            </a:r>
-            <a:r>
-              <a:rPr lang="en-US" baseline="0" dirty="0" smtClean="0"/>
-              <a:t>multi</a:t>
-            </a:r>
-            <a:r>
-              <a:rPr lang="el-GR" baseline="0" dirty="0" smtClean="0"/>
-              <a:t> </a:t>
-            </a:r>
-            <a:r>
-              <a:rPr lang="en-US" baseline="0" dirty="0" smtClean="0"/>
-              <a:t>cloud setup, </a:t>
-            </a:r>
-            <a:r>
-              <a:rPr lang="el-GR" baseline="0" dirty="0" smtClean="0"/>
-              <a:t>άρα τα </a:t>
-            </a:r>
-            <a:r>
-              <a:rPr lang="en-US" baseline="0" dirty="0" smtClean="0"/>
-              <a:t>VMs </a:t>
-            </a:r>
-            <a:r>
-              <a:rPr lang="el-GR" baseline="0" dirty="0" smtClean="0"/>
-              <a:t>να είναι σε περισσότερα του ενός </a:t>
-            </a:r>
-            <a:r>
-              <a:rPr lang="en-US" baseline="0" dirty="0" smtClean="0"/>
-              <a:t>cloud</a:t>
-            </a:r>
-            <a:r>
-              <a:rPr lang="el-GR" baseline="0" dirty="0" smtClean="0"/>
-              <a:t> και κοιτάμε ένα </a:t>
-            </a:r>
-            <a:r>
-              <a:rPr lang="en-US" baseline="0" dirty="0" smtClean="0"/>
-              <a:t>metric </a:t>
-            </a:r>
-            <a:r>
-              <a:rPr lang="el-GR" baseline="0" dirty="0" smtClean="0"/>
-              <a:t>το οποίο λέγετε </a:t>
-            </a:r>
-            <a:r>
-              <a:rPr lang="en-US" baseline="0" dirty="0" smtClean="0"/>
-              <a:t>cost effectiveness, </a:t>
-            </a:r>
-            <a:r>
-              <a:rPr lang="el-GR" baseline="0" dirty="0" smtClean="0"/>
-              <a:t>το οποίο ήδη υπολογίζουμε, το οποίο είναι απόδοση διαιρεμένο με το κόστος του </a:t>
-            </a:r>
-            <a:r>
-              <a:rPr lang="en-US" baseline="0" dirty="0" smtClean="0"/>
-              <a:t>deployment.</a:t>
-            </a:r>
-            <a:r>
-              <a:rPr lang="el-GR" baseline="0" dirty="0" smtClean="0"/>
-              <a:t> Άρα είναι μια περίπτωση που αυτό γίνεται εύκολα </a:t>
-            </a:r>
-            <a:r>
-              <a:rPr lang="en-US" baseline="0" dirty="0" smtClean="0"/>
-              <a:t>map </a:t>
-            </a:r>
-            <a:r>
-              <a:rPr lang="el-GR" baseline="0" dirty="0" smtClean="0"/>
-              <a:t>σε ένα πραγματικό </a:t>
-            </a:r>
-            <a:r>
-              <a:rPr lang="en-US" baseline="0" dirty="0" smtClean="0"/>
-              <a:t>query. </a:t>
-            </a:r>
-            <a:r>
-              <a:rPr lang="el-GR" baseline="0" dirty="0" smtClean="0"/>
-              <a:t>Και εδώ βλέπουμε ότι αποκάτω έχουμε μια αυτοματοποιημένη απάντηση που λέει στον χρήστη ότι το </a:t>
-            </a:r>
-            <a:r>
-              <a:rPr lang="en-US" baseline="0" dirty="0" smtClean="0"/>
-              <a:t>cost effective</a:t>
-            </a:r>
-            <a:r>
-              <a:rPr lang="el-GR" baseline="0" dirty="0" smtClean="0"/>
-              <a:t> </a:t>
-            </a:r>
-            <a:r>
-              <a:rPr lang="en-US" baseline="0" dirty="0" smtClean="0"/>
-              <a:t>deployment </a:t>
-            </a:r>
-            <a:r>
-              <a:rPr lang="el-GR" baseline="0" dirty="0" smtClean="0"/>
-              <a:t>είναι αυτό και ο χρήστης μπορεί να κάνει </a:t>
-            </a:r>
-            <a:r>
-              <a:rPr lang="en-US" baseline="0" dirty="0" smtClean="0"/>
-              <a:t>click </a:t>
-            </a:r>
-            <a:r>
-              <a:rPr lang="el-GR" baseline="0" dirty="0" smtClean="0"/>
-              <a:t>και να το δει. Αυτή λοιπόν είναι μια περίπτωση που μπορούμε σχετικά εύκολα να κάνουμε το </a:t>
-            </a:r>
-            <a:r>
-              <a:rPr lang="en-US" baseline="0" dirty="0" smtClean="0"/>
-              <a:t>mapping </a:t>
-            </a:r>
-            <a:r>
-              <a:rPr lang="el-GR" baseline="0" dirty="0" smtClean="0"/>
-              <a:t>σε κάποιο </a:t>
-            </a:r>
-            <a:r>
-              <a:rPr lang="en-US" baseline="0" dirty="0" smtClean="0"/>
-              <a:t>query.</a:t>
-            </a:r>
-          </a:p>
-          <a:p>
-            <a:endParaRPr lang="el-GR" baseline="0" dirty="0" smtClean="0"/>
-          </a:p>
-          <a:p>
-            <a:r>
-              <a:rPr lang="el-GR" baseline="0" dirty="0" smtClean="0"/>
-              <a:t>Όμως αυτή την περίπτωση δεν την έχουμε γενικεύσει. Κάποιος θα μπορούσε να κοιτάξει έναν αυτόματο μηχανικό σχηματισμό των </a:t>
-            </a:r>
-            <a:r>
-              <a:rPr lang="en-US" baseline="0" dirty="0" smtClean="0"/>
-              <a:t>queries. </a:t>
-            </a:r>
-            <a:r>
-              <a:rPr lang="el-GR" baseline="0" dirty="0" smtClean="0"/>
-              <a:t>Αυτό είναι ένα ενδιαφέρον πρόβλημα, αλλά αυτό από μόνο του ξεφεύγει από τα όρια της δικής μου εργασίας και θα ήταν μια καλή μελλοντική δουλειά. Εφόσον έχουμε το μηχανισμό να κάνουμε </a:t>
-            </a:r>
-            <a:r>
-              <a:rPr lang="en-US" baseline="0" dirty="0" smtClean="0"/>
-              <a:t>map</a:t>
-            </a:r>
-            <a:r>
-              <a:rPr lang="el-GR" baseline="0" dirty="0" smtClean="0"/>
-              <a:t> ερώτηση με σχετική ερώτηση. Κάποιος </a:t>
-            </a:r>
-            <a:r>
-              <a:rPr lang="en-US" baseline="0" dirty="0" smtClean="0"/>
-              <a:t>expert </a:t>
-            </a:r>
-            <a:r>
-              <a:rPr lang="el-GR" baseline="0" dirty="0" smtClean="0"/>
-              <a:t>μπορεί να απαντήσει ερωτήσεις που απαντώνται με κάποιο </a:t>
-            </a:r>
-            <a:r>
-              <a:rPr lang="en-US" baseline="0" dirty="0" smtClean="0"/>
-              <a:t>query</a:t>
-            </a:r>
-            <a:r>
-              <a:rPr lang="el-GR" baseline="0" dirty="0" smtClean="0"/>
-              <a:t> και να δίνει στον σύστημα την απάντηση</a:t>
+              <a:t>Ένα ακόμα </a:t>
+            </a:r>
+            <a:r>
+              <a:rPr lang="en-US" dirty="0" smtClean="0"/>
+              <a:t>feature</a:t>
             </a:r>
             <a:r>
               <a:rPr lang="en-US" baseline="0" dirty="0" smtClean="0"/>
@@ -1440,37 +1115,164 @@
             </a:r>
             <a:r>
               <a:rPr lang="el-GR" baseline="0" dirty="0" smtClean="0"/>
-              <a:t>και το σύστημα από μόνο του μετά να εμφανίζει αυτή την απάντηση και σε άλλες σχετικές ερωτήσεις. </a:t>
+              <a:t>που προστέθηκε στο </a:t>
+            </a:r>
+            <a:r>
+              <a:rPr lang="en-US" baseline="0" dirty="0" smtClean="0"/>
+              <a:t>SN</a:t>
+            </a:r>
+            <a:r>
+              <a:rPr lang="el-GR" baseline="0" dirty="0" smtClean="0"/>
+              <a:t> είναι η δυνατότητα να παρέχει αυτοματοποιημένες απαντήσεις,</a:t>
+            </a:r>
+          </a:p>
+          <a:p>
+            <a:endParaRPr lang="el-GR" baseline="0" dirty="0" smtClean="0"/>
+          </a:p>
+          <a:p>
+            <a:r>
+              <a:rPr lang="el-GR" baseline="0" dirty="0" smtClean="0"/>
+              <a:t>Ας πάρομε λοιπόν, ένα χρήστη του ΚΔ ο οποίος κάνει ερωτήσεις σε κάποιο </a:t>
+            </a:r>
+            <a:r>
+              <a:rPr lang="en-US" baseline="0" dirty="0" smtClean="0"/>
+              <a:t>group</a:t>
+            </a:r>
+            <a:r>
+              <a:rPr lang="el-GR" baseline="0" dirty="0" smtClean="0"/>
+              <a:t>, Θέλουμε να μπορούμε να επεξεργαστούμε αυτές τις ερωτήσεις έτσι ώστε να μπορούμε να τις συνδέσουμε είτε με άλλες παρόμοιες ερωτήσεις είτε να δημιουργήσουμε ένα </a:t>
+            </a:r>
+            <a:r>
+              <a:rPr lang="en-US" baseline="0" dirty="0" smtClean="0"/>
+              <a:t>query </a:t>
+            </a:r>
+            <a:r>
+              <a:rPr lang="el-GR" baseline="0" dirty="0" smtClean="0"/>
+              <a:t>στην βάση των </a:t>
+            </a:r>
+            <a:r>
+              <a:rPr lang="en-US" baseline="0" dirty="0" smtClean="0"/>
+              <a:t>execution data </a:t>
+            </a:r>
+            <a:r>
+              <a:rPr lang="el-GR" baseline="0" dirty="0" smtClean="0"/>
+              <a:t>έτσι ώστε να καταφέρουμε να δώσουμε μια αυτοματοποιημένη απάντηση σαν </a:t>
+            </a:r>
+            <a:r>
+              <a:rPr lang="en-US" baseline="0" dirty="0" smtClean="0"/>
+              <a:t>feedback </a:t>
+            </a:r>
+            <a:r>
+              <a:rPr lang="el-GR" baseline="0" dirty="0" smtClean="0"/>
+              <a:t>πίσω στον χρήστη. Για να το πετύχουμε αυτό πρέπει να μπορούμε να επεξεργαστούμε τις ερωτήσεις και να τις κάνουμε </a:t>
+            </a:r>
+            <a:r>
+              <a:rPr lang="en-US" baseline="0" dirty="0" smtClean="0"/>
+              <a:t>classify </a:t>
+            </a:r>
+            <a:r>
+              <a:rPr lang="el-GR" baseline="0" dirty="0" smtClean="0"/>
+              <a:t>σε διάφορες κατηγορίες ώστε να ξέρουμε σε τι αναφέρετε ο χρήστης. Για να το πετύχουμε αυτό χρειάζεται να κάνουμε </a:t>
+            </a:r>
+            <a:r>
+              <a:rPr lang="en-US" baseline="0" dirty="0" smtClean="0"/>
+              <a:t>train</a:t>
+            </a:r>
+            <a:r>
+              <a:rPr lang="el-GR" baseline="0" dirty="0" smtClean="0"/>
+              <a:t>,</a:t>
+            </a:r>
+            <a:r>
+              <a:rPr lang="en-US" baseline="0" dirty="0" smtClean="0"/>
+              <a:t> </a:t>
+            </a:r>
+            <a:r>
+              <a:rPr lang="el-GR" baseline="0" dirty="0" smtClean="0"/>
+              <a:t>όπως λέγεται, τον </a:t>
+            </a:r>
+            <a:r>
+              <a:rPr lang="en-US" baseline="0" dirty="0" smtClean="0"/>
+              <a:t>classifier</a:t>
+            </a:r>
+            <a:r>
+              <a:rPr lang="el-GR" baseline="0" dirty="0" smtClean="0"/>
+              <a:t> με κάποιες εξωτερικές ερωτήσεις. Συνήθως οι προσεγγίσεις που κατηγοριοποιούν κείμενο, χρησιμοποιούν το λεγόμενο </a:t>
+            </a:r>
+            <a:r>
+              <a:rPr lang="en-US" baseline="0" dirty="0" smtClean="0"/>
+              <a:t>training set </a:t>
+            </a:r>
+            <a:r>
+              <a:rPr lang="el-GR" baseline="0" dirty="0" smtClean="0"/>
+              <a:t>για να χτίσουν μια μέθοδο κατηγοριοποίησης ώστε αν έρθει ένα καινούριο κείμενο να ξέρουν σε ποια κατηγορία να το βάλουν.</a:t>
             </a:r>
             <a:endParaRPr lang="en-US" baseline="0" dirty="0" smtClean="0"/>
           </a:p>
           <a:p>
-            <a:endParaRPr lang="en-US" dirty="0" smtClean="0"/>
-          </a:p>
-          <a:p>
-            <a:r>
-              <a:rPr lang="el-GR" dirty="0" smtClean="0"/>
-              <a:t>Αν</a:t>
-            </a:r>
-            <a:r>
-              <a:rPr lang="el-GR" baseline="0" dirty="0" smtClean="0"/>
-              <a:t> έρθει μια σχετική ερώτηση όπως αυτή που λέει ακριβώς το ίδιο πράγμα διαφορετικά εκφρασμένο, τότε μπορούμε να επωφεληθούμε γιατί η προηγούμενη απάντηση χρησιμοποιείτε και εδώ</a:t>
-            </a:r>
             <a:endParaRPr lang="en-US" baseline="0" dirty="0" smtClean="0"/>
           </a:p>
           <a:p>
             <a:r>
               <a:rPr lang="el-GR" baseline="0" dirty="0" smtClean="0"/>
-              <a:t>Το ερώτημα είναι πως μπορούμε να αντιστοιχίσουμε την ερώτηση αυτή στην προηγούμενη.</a:t>
-            </a:r>
-            <a:endParaRPr lang="en-US" baseline="0" dirty="0" smtClean="0"/>
-          </a:p>
-          <a:p>
-            <a:r>
-              <a:rPr lang="el-GR" baseline="0" dirty="0" smtClean="0"/>
-              <a:t>Για να το κάνουμε αυτό πήγαμε σε κάποιο άλλον ΚΔ.</a:t>
-            </a:r>
-            <a:endParaRPr lang="el-GR" dirty="0"/>
+              <a:t>Έτσι η δύναμη του κοινωνικού δικτύου είναι ότι επιτρέπει </a:t>
+            </a:r>
+            <a:r>
+              <a:rPr lang="en-US" baseline="0" dirty="0" smtClean="0"/>
+              <a:t>communities, </a:t>
+            </a:r>
+            <a:r>
+              <a:rPr lang="el-GR" baseline="0" dirty="0" smtClean="0"/>
+              <a:t>επιτρέπει </a:t>
+            </a:r>
+            <a:r>
+              <a:rPr lang="el-GR" baseline="0" dirty="0" err="1" smtClean="0"/>
+              <a:t>ερωτο</a:t>
+            </a:r>
+            <a:r>
+              <a:rPr lang="el-GR" baseline="0" dirty="0" smtClean="0"/>
+              <a:t>-απαντήσεις και έτσι όπως είναι τα πράγματα σήμερα, κάποιος μπορεί να ρωτήσει, κάποιος μπορεί να απαντήσει αλλά εμείς έχουμε επιπλέον τα </a:t>
+            </a:r>
+            <a:r>
+              <a:rPr lang="en-US" baseline="0" dirty="0" smtClean="0"/>
+              <a:t>execution data, </a:t>
+            </a:r>
+            <a:r>
+              <a:rPr lang="el-GR" baseline="0" dirty="0" smtClean="0"/>
+              <a:t>έτσι οι απαντήσεις που παίρνονται από εμάς μπορεί να είναι πιο ακριβής. </a:t>
+            </a:r>
+          </a:p>
+          <a:p>
+            <a:endParaRPr lang="el-GR" baseline="0" dirty="0" smtClean="0"/>
+          </a:p>
+          <a:p>
+            <a:r>
+              <a:rPr lang="el-GR" baseline="0" dirty="0" smtClean="0"/>
+              <a:t>Το να γράψει, όμως ένας χρήστης ένα </a:t>
+            </a:r>
+            <a:r>
+              <a:rPr lang="en-US" baseline="0" dirty="0" smtClean="0"/>
+              <a:t>query </a:t>
+            </a:r>
+            <a:r>
+              <a:rPr lang="el-GR" baseline="0" dirty="0" smtClean="0"/>
+              <a:t>δεν είναι εύκολο, δεν είναι απλό αυτό, ειδικά αν ο χρήστης δεν έχει γνώση του μοντέλου από κάτω. Οπότε ένας τρόπος που θα θέλαμε να κάνουμε, το οποίο είναι φιλόδοξο, είναι τα </a:t>
+            </a:r>
+            <a:r>
+              <a:rPr lang="en-US" baseline="0" dirty="0" smtClean="0"/>
+              <a:t>queries </a:t>
+            </a:r>
+            <a:r>
+              <a:rPr lang="el-GR" baseline="0" dirty="0" smtClean="0"/>
+              <a:t>να φτιάχνονται αυτόματα βάση της ερώτησης Ή να βρίσκεται κάποια </a:t>
+            </a:r>
+            <a:r>
+              <a:rPr lang="en-US" baseline="0" dirty="0" smtClean="0"/>
+              <a:t>related </a:t>
+            </a:r>
+            <a:r>
+              <a:rPr lang="el-GR" baseline="0" dirty="0" smtClean="0"/>
+              <a:t>απάντηση πάνω στο ίδιο θέμα. </a:t>
+            </a:r>
           </a:p>
         </p:txBody>
       </p:sp>
@@ -1501,7 +1303,7 @@
     </p:spTree>
     <p:extLst>
       <p:ext uri="{BB962C8B-B14F-4D97-AF65-F5344CB8AC3E}">
-        <p14:creationId xmlns:p14="http://schemas.microsoft.com/office/powerpoint/2010/main" val="2325162075"/>
+        <p14:creationId xmlns:p14="http://schemas.microsoft.com/office/powerpoint/2010/main" val="3960002442"/>
       </p:ext>
     </p:extLst>
   </p:cSld>
@@ -1553,27 +1355,202 @@
         <p:spPr/>
         <p:txBody>
           <a:bodyPr>
-            <a:normAutofit fontScale="55000" lnSpcReduction="20000"/>
+            <a:normAutofit fontScale="47500" lnSpcReduction="20000"/>
           </a:bodyPr>
           <a:lstStyle/>
           <a:p>
             <a:r>
+              <a:rPr lang="el-GR" baseline="0" dirty="0" smtClean="0"/>
+              <a:t>Έτσι σε μία ερώτηση ενός χρήστη </a:t>
+            </a:r>
+            <a:r>
               <a:rPr lang="el-GR" dirty="0" smtClean="0"/>
-              <a:t>Γιατί</a:t>
-            </a:r>
-            <a:r>
-              <a:rPr lang="el-GR" baseline="0" dirty="0" smtClean="0"/>
-              <a:t> πήγαμε εδώ;;</a:t>
-            </a:r>
-          </a:p>
-          <a:p>
+              <a:t>όπως αυτή, θέλουμε να μπορεί να </a:t>
+            </a:r>
+            <a:r>
+              <a:rPr lang="el-GR" baseline="0" dirty="0" smtClean="0"/>
+              <a:t>γίνεται </a:t>
+            </a:r>
             <a:r>
               <a:rPr lang="en-US" baseline="0" dirty="0" smtClean="0"/>
-              <a:t>To StackOverflow Community</a:t>
-            </a:r>
-            <a:r>
-              <a:rPr lang="el-GR" baseline="0" dirty="0" smtClean="0"/>
-              <a:t> είναι ένα ΚΔ το οποίο περιέχει</a:t>
+              <a:t>mapped </a:t>
+            </a:r>
+            <a:r>
+              <a:rPr lang="el-GR" baseline="0" dirty="0" smtClean="0"/>
+              <a:t>σε ένα </a:t>
+            </a:r>
+            <a:r>
+              <a:rPr lang="en-US" baseline="0" dirty="0" smtClean="0"/>
+              <a:t>related query, </a:t>
+            </a:r>
+            <a:r>
+              <a:rPr lang="el-GR" baseline="0" dirty="0" smtClean="0"/>
+              <a:t>εδώ παρουσιάζεται μια ερώτηση για το </a:t>
+            </a:r>
+            <a:r>
+              <a:rPr lang="en-US" baseline="0" dirty="0" smtClean="0"/>
+              <a:t>most cost effective deployment. </a:t>
+            </a:r>
+            <a:r>
+              <a:rPr lang="el-GR" baseline="0" dirty="0" smtClean="0"/>
+              <a:t>Έτσι όπως είναι </a:t>
+            </a:r>
+            <a:r>
+              <a:rPr lang="en-US" baseline="0" dirty="0" smtClean="0"/>
+              <a:t>phrased </a:t>
+            </a:r>
+            <a:r>
+              <a:rPr lang="el-GR" baseline="0" dirty="0" smtClean="0"/>
+              <a:t>η ερώτηση καταλαβαίνουμε ότι μιλάμε για </a:t>
+            </a:r>
+            <a:r>
+              <a:rPr lang="en-US" baseline="0" dirty="0" smtClean="0"/>
+              <a:t>multi</a:t>
+            </a:r>
+            <a:r>
+              <a:rPr lang="el-GR" baseline="0" dirty="0" smtClean="0"/>
+              <a:t> </a:t>
+            </a:r>
+            <a:r>
+              <a:rPr lang="en-US" baseline="0" dirty="0" smtClean="0"/>
+              <a:t>cloud setup, </a:t>
+            </a:r>
+            <a:r>
+              <a:rPr lang="el-GR" baseline="0" dirty="0" smtClean="0"/>
+              <a:t>άρα τα </a:t>
+            </a:r>
+            <a:r>
+              <a:rPr lang="en-US" baseline="0" dirty="0" smtClean="0"/>
+              <a:t>VMs </a:t>
+            </a:r>
+            <a:r>
+              <a:rPr lang="el-GR" baseline="0" dirty="0" smtClean="0"/>
+              <a:t>να είναι σε περισσότερα του ενός </a:t>
+            </a:r>
+            <a:r>
+              <a:rPr lang="en-US" baseline="0" dirty="0" smtClean="0"/>
+              <a:t>cloud</a:t>
+            </a:r>
+            <a:r>
+              <a:rPr lang="el-GR" baseline="0" dirty="0" smtClean="0"/>
+              <a:t> και κοιτάμε ένα </a:t>
+            </a:r>
+            <a:r>
+              <a:rPr lang="en-US" baseline="0" dirty="0" smtClean="0"/>
+              <a:t>metric </a:t>
+            </a:r>
+            <a:r>
+              <a:rPr lang="el-GR" baseline="0" dirty="0" smtClean="0"/>
+              <a:t>το οποίο λέγετε </a:t>
+            </a:r>
+            <a:r>
+              <a:rPr lang="en-US" baseline="0" dirty="0" smtClean="0"/>
+              <a:t>cost effectiveness, </a:t>
+            </a:r>
+            <a:r>
+              <a:rPr lang="el-GR" baseline="0" dirty="0" smtClean="0"/>
+              <a:t>το οποίο ήδη υπολογίζουμε, το οποίο είναι απόδοση διαιρεμένο με το κόστος του </a:t>
+            </a:r>
+            <a:r>
+              <a:rPr lang="en-US" baseline="0" dirty="0" smtClean="0"/>
+              <a:t>deployment.</a:t>
+            </a:r>
+            <a:r>
+              <a:rPr lang="el-GR" baseline="0" dirty="0" smtClean="0"/>
+              <a:t> Άρα είναι μια περίπτωση που αυτό γίνεται εύκολα </a:t>
+            </a:r>
+            <a:r>
+              <a:rPr lang="en-US" baseline="0" dirty="0" smtClean="0"/>
+              <a:t>map </a:t>
+            </a:r>
+            <a:r>
+              <a:rPr lang="el-GR" baseline="0" dirty="0" smtClean="0"/>
+              <a:t>σε ένα πραγματικό </a:t>
+            </a:r>
+            <a:r>
+              <a:rPr lang="en-US" baseline="0" dirty="0" smtClean="0"/>
+              <a:t>query. </a:t>
+            </a:r>
+            <a:r>
+              <a:rPr lang="el-GR" baseline="0" dirty="0" smtClean="0"/>
+              <a:t>Και εδώ βλέπουμε ότι αποκάτω έχουμε μια αυτοματοποιημένη απάντηση που λέει στον χρήστη ότι το </a:t>
+            </a:r>
+            <a:r>
+              <a:rPr lang="en-US" baseline="0" dirty="0" smtClean="0"/>
+              <a:t>cost effective</a:t>
+            </a:r>
+            <a:r>
+              <a:rPr lang="el-GR" baseline="0" dirty="0" smtClean="0"/>
+              <a:t> </a:t>
+            </a:r>
+            <a:r>
+              <a:rPr lang="en-US" baseline="0" dirty="0" smtClean="0"/>
+              <a:t>deployment </a:t>
+            </a:r>
+            <a:r>
+              <a:rPr lang="el-GR" baseline="0" dirty="0" smtClean="0"/>
+              <a:t>είναι αυτό και ο χρήστης μπορεί να κάνει </a:t>
+            </a:r>
+            <a:r>
+              <a:rPr lang="en-US" baseline="0" dirty="0" smtClean="0"/>
+              <a:t>click </a:t>
+            </a:r>
+            <a:r>
+              <a:rPr lang="el-GR" baseline="0" dirty="0" smtClean="0"/>
+              <a:t>και να το δει. Αυτή λοιπόν είναι μια περίπτωση που μπορούμε σχετικά εύκολα να κάνουμε το </a:t>
+            </a:r>
+            <a:r>
+              <a:rPr lang="en-US" baseline="0" dirty="0" smtClean="0"/>
+              <a:t>mapping </a:t>
+            </a:r>
+            <a:r>
+              <a:rPr lang="el-GR" baseline="0" dirty="0" smtClean="0"/>
+              <a:t>σε κάποιο </a:t>
+            </a:r>
+            <a:r>
+              <a:rPr lang="en-US" baseline="0" dirty="0" smtClean="0"/>
+              <a:t>query.</a:t>
+            </a:r>
+          </a:p>
+          <a:p>
+            <a:endParaRPr lang="el-GR" baseline="0" dirty="0" smtClean="0"/>
+          </a:p>
+          <a:p>
+            <a:r>
+              <a:rPr lang="el-GR" baseline="0" dirty="0" smtClean="0"/>
+              <a:t>Όμως αυτή την περίπτωση δεν την έχουμε γενικεύσει. Κάποιος θα μπορούσε να κοιτάξει έναν αυτόματο μηχανικό σχηματισμό των </a:t>
+            </a:r>
+            <a:r>
+              <a:rPr lang="en-US" baseline="0" dirty="0" smtClean="0"/>
+              <a:t>queries. </a:t>
+            </a:r>
+            <a:r>
+              <a:rPr lang="el-GR" baseline="0" dirty="0" smtClean="0"/>
+              <a:t>Αυτό είναι ένα ενδιαφέρον πρόβλημα, αλλά αυτό από μόνο του ξεφεύγει από τα όρια της δικής μου εργασίας και θα ήταν μια καλή μελλοντική δουλειά. Εφόσον έχουμε το μηχανισμό να κάνουμε </a:t>
+            </a:r>
+            <a:r>
+              <a:rPr lang="en-US" baseline="0" dirty="0" smtClean="0"/>
+              <a:t>map</a:t>
+            </a:r>
+            <a:r>
+              <a:rPr lang="el-GR" baseline="0" dirty="0" smtClean="0"/>
+              <a:t> ερώτηση με σχετική ερώτηση. Κάποιος </a:t>
+            </a:r>
+            <a:r>
+              <a:rPr lang="en-US" baseline="0" dirty="0" smtClean="0"/>
+              <a:t>expert </a:t>
+            </a:r>
+            <a:r>
+              <a:rPr lang="el-GR" baseline="0" dirty="0" smtClean="0"/>
+              <a:t>μπορεί να απαντήσει ερωτήσεις που απαντώνται με κάποιο </a:t>
+            </a:r>
+            <a:r>
+              <a:rPr lang="en-US" baseline="0" dirty="0" smtClean="0"/>
+              <a:t>query</a:t>
+            </a:r>
+            <a:r>
+              <a:rPr lang="el-GR" baseline="0" dirty="0" smtClean="0"/>
+              <a:t> και να δίνει στον σύστημα την απάντηση</a:t>
             </a:r>
             <a:r>
               <a:rPr lang="en-US" baseline="0" dirty="0" smtClean="0"/>
@@ -1581,177 +1558,37 @@
             </a:r>
             <a:r>
               <a:rPr lang="el-GR" baseline="0" dirty="0" smtClean="0"/>
-              <a:t>ερωτήσεις και απαντήσεις για όλο το φάσμα του </a:t>
-            </a:r>
-            <a:r>
-              <a:rPr lang="en-US" baseline="0" dirty="0" smtClean="0"/>
-              <a:t>computer science </a:t>
-            </a:r>
-            <a:r>
-              <a:rPr lang="el-GR" baseline="0" dirty="0" smtClean="0"/>
-              <a:t>και είναι μια από τις μεγαλύτερες </a:t>
-            </a:r>
-            <a:r>
-              <a:rPr lang="en-US" baseline="0" dirty="0" smtClean="0"/>
-              <a:t>online </a:t>
-            </a:r>
-            <a:r>
-              <a:rPr lang="el-GR" baseline="0" dirty="0" smtClean="0"/>
-              <a:t>κοινότητες.</a:t>
-            </a:r>
-          </a:p>
-          <a:p>
-            <a:pPr marL="0" marR="0" indent="0" algn="l" defTabSz="914400" rtl="0" eaLnBrk="1" fontAlgn="auto" latinLnBrk="0" hangingPunct="1">
-              <a:lnSpc>
-                <a:spcPct val="100000"/>
-              </a:lnSpc>
-              <a:spcBef>
-                <a:spcPts val="0"/>
-              </a:spcBef>
-              <a:spcAft>
-                <a:spcPts val="0"/>
-              </a:spcAft>
-              <a:buClrTx/>
-              <a:buSzTx/>
-              <a:buFontTx/>
-              <a:buNone/>
-              <a:tabLst/>
-              <a:defRPr/>
-            </a:pPr>
-            <a:r>
-              <a:rPr lang="el-GR" baseline="0" dirty="0" smtClean="0"/>
-              <a:t> Οι χρήστες του </a:t>
-            </a:r>
-            <a:r>
-              <a:rPr lang="en-US" baseline="0" dirty="0" smtClean="0"/>
-              <a:t>SO</a:t>
-            </a:r>
-            <a:r>
-              <a:rPr lang="el-GR" baseline="0" dirty="0" smtClean="0"/>
-              <a:t> μπορούν να κάνουν ερωτήσεις και να κατηγοριοποιούν τις ερωτήσεις τους με κάποια προ υπάρχοντα </a:t>
-            </a:r>
-            <a:r>
-              <a:rPr lang="en-US" baseline="0" dirty="0" smtClean="0"/>
-              <a:t>“tags”</a:t>
-            </a:r>
-            <a:r>
-              <a:rPr lang="el-GR" baseline="0" dirty="0" smtClean="0"/>
-              <a:t>. Οι υπόλοιποι χρήστες στου ΣΟ μπορούν να ψηφίσουν θετικά ή αρνητικά αυτές τις ερωτήσεις, να δώσουν απαντήσεις ή να τις κάνουν </a:t>
-            </a:r>
-            <a:r>
-              <a:rPr lang="en-US" baseline="0" dirty="0" smtClean="0"/>
-              <a:t>flag</a:t>
-            </a:r>
-            <a:r>
-              <a:rPr lang="el-GR" baseline="0" dirty="0" smtClean="0"/>
-              <a:t> ως μη χρήσιμες ερωτήσεις όπως πχ. ως </a:t>
-            </a:r>
-            <a:r>
-              <a:rPr lang="en-US" baseline="0" dirty="0" smtClean="0"/>
-              <a:t>too-broad questions. </a:t>
-            </a:r>
-            <a:endParaRPr lang="el-GR" baseline="0" dirty="0" smtClean="0"/>
-          </a:p>
-          <a:p>
-            <a:endParaRPr lang="el-GR" baseline="0" dirty="0" smtClean="0"/>
-          </a:p>
-          <a:p>
-            <a:r>
-              <a:rPr lang="el-GR" baseline="0" dirty="0" smtClean="0"/>
-              <a:t>Τι κάναμε;;</a:t>
-            </a:r>
-          </a:p>
-          <a:p>
-            <a:r>
-              <a:rPr lang="el-GR" baseline="0" dirty="0" smtClean="0"/>
-              <a:t>Έτσι χρησιμοποιήσαμε ερωτήσεις με σχετικά</a:t>
-            </a:r>
-            <a:r>
-              <a:rPr lang="en-US" baseline="0" dirty="0" smtClean="0"/>
-              <a:t> tags </a:t>
-            </a:r>
-            <a:r>
-              <a:rPr lang="el-GR" baseline="0" dirty="0" smtClean="0"/>
-              <a:t>στο δικό μας δίκτυο.</a:t>
-            </a:r>
-          </a:p>
-          <a:p>
-            <a:endParaRPr lang="el-GR" baseline="0" dirty="0" smtClean="0"/>
-          </a:p>
-          <a:p>
-            <a:r>
-              <a:rPr lang="el-GR" baseline="0" dirty="0" smtClean="0"/>
-              <a:t>Για παράδειγμα!</a:t>
-            </a:r>
-          </a:p>
-          <a:p>
-            <a:endParaRPr lang="el-GR" baseline="0" dirty="0" smtClean="0"/>
-          </a:p>
-          <a:p>
-            <a:r>
-              <a:rPr lang="el-GR" baseline="0" dirty="0" smtClean="0"/>
-              <a:t>Εδώ έχουμε μια πραγματική ερώτηση, στην οποία ο χρήστης ρωτάει αν μπορεί να γίνει </a:t>
-            </a:r>
-            <a:r>
-              <a:rPr lang="en-US" baseline="0" dirty="0" smtClean="0"/>
-              <a:t>scale </a:t>
-            </a:r>
-            <a:r>
-              <a:rPr lang="el-GR" baseline="0" dirty="0" smtClean="0"/>
-              <a:t>η </a:t>
-            </a:r>
-            <a:r>
-              <a:rPr lang="en-US" baseline="0" dirty="0" smtClean="0"/>
-              <a:t>SQLite </a:t>
-            </a:r>
-            <a:r>
-              <a:rPr lang="el-GR" baseline="0" dirty="0" smtClean="0"/>
-              <a:t>και αν είναι καλύτερη από την </a:t>
-            </a:r>
-            <a:r>
-              <a:rPr lang="en-US" baseline="0" dirty="0" smtClean="0"/>
-              <a:t>mysql. </a:t>
-            </a:r>
-          </a:p>
-          <a:p>
-            <a:r>
-              <a:rPr lang="el-GR" baseline="0" dirty="0" smtClean="0"/>
-              <a:t>Παρουσιάζουμε αυτή την ερώτηση διότι μπορούν να προκύψουν δύο σημαντικά συμπεράσματα από αυτή, πρώτον είναι πολύ δύσκολο να απαντηθεί χωρίς την ύπαρξη ενός </a:t>
-            </a:r>
-            <a:r>
-              <a:rPr lang="en-US" baseline="0" dirty="0" smtClean="0"/>
-              <a:t>repository </a:t>
-            </a:r>
-            <a:r>
-              <a:rPr lang="el-GR" baseline="0" dirty="0" smtClean="0"/>
-              <a:t>από πραγματικές εκτελέσεις των εφαρμογών …, και δεύτερον είναι μια ερώτηση η οποία μπορεί μια παρόμοια τέτοια ερώτηση να ερωτηθεί στο δικό μας ΚΔ.</a:t>
-            </a:r>
-          </a:p>
-          <a:p>
-            <a:endParaRPr lang="el-GR" baseline="0" dirty="0" smtClean="0"/>
-          </a:p>
-          <a:p>
-            <a:pPr marL="0" marR="0" indent="0" algn="l" defTabSz="914400" rtl="0" eaLnBrk="1" fontAlgn="auto" latinLnBrk="0" hangingPunct="1">
-              <a:lnSpc>
-                <a:spcPct val="100000"/>
-              </a:lnSpc>
-              <a:spcBef>
-                <a:spcPts val="0"/>
-              </a:spcBef>
-              <a:spcAft>
-                <a:spcPts val="0"/>
-              </a:spcAft>
-              <a:buClrTx/>
-              <a:buSzTx/>
-              <a:buFontTx/>
-              <a:buNone/>
-              <a:tabLst/>
-              <a:defRPr/>
-            </a:pPr>
-            <a:endParaRPr lang="el-GR" baseline="0" dirty="0" smtClean="0"/>
-          </a:p>
-          <a:p>
-            <a:endParaRPr lang="el-GR" baseline="0" dirty="0" smtClean="0"/>
+              <a:t>και το σύστημα από μόνο του μετά να εμφανίζει αυτή την απάντηση και σε άλλες σχετικές ερωτήσεις. </a:t>
+            </a:r>
+            <a:endParaRPr lang="en-US" baseline="0" dirty="0" smtClean="0"/>
+          </a:p>
+          <a:p>
+            <a:endParaRPr lang="en-US" dirty="0" smtClean="0"/>
+          </a:p>
+          <a:p>
+            <a:r>
+              <a:rPr lang="el-GR" dirty="0" smtClean="0"/>
+              <a:t>Αν</a:t>
+            </a:r>
+            <a:r>
+              <a:rPr lang="el-GR" baseline="0" dirty="0" smtClean="0"/>
+              <a:t> έρθει μια σχετική ερώτηση όπως αυτή που λέει ακριβώς το ίδιο πράγμα διαφορετικά εκφρασμένο, τότε μπορούμε να επωφεληθούμε γιατί η προηγούμενη απάντηση χρησιμοποιείτε και εδώ</a:t>
+            </a:r>
+            <a:endParaRPr lang="en-US" baseline="0" dirty="0" smtClean="0"/>
+          </a:p>
+          <a:p>
+            <a:r>
+              <a:rPr lang="el-GR" baseline="0" dirty="0" smtClean="0"/>
+              <a:t>Το ερώτημα είναι πως μπορούμε να αντιστοιχίσουμε την ερώτηση αυτή στην προηγούμενη.</a:t>
+            </a:r>
+            <a:endParaRPr lang="en-US" baseline="0" dirty="0" smtClean="0"/>
+          </a:p>
+          <a:p>
+            <a:r>
+              <a:rPr lang="el-GR" baseline="0" dirty="0" smtClean="0"/>
+              <a:t>Για να το κάνουμε αυτό πήγαμε σε κάποιο άλλον ΚΔ.</a:t>
+            </a:r>
+            <a:endParaRPr lang="el-GR" dirty="0"/>
           </a:p>
         </p:txBody>
       </p:sp>
@@ -1782,7 +1619,7 @@
     </p:spTree>
     <p:extLst>
       <p:ext uri="{BB962C8B-B14F-4D97-AF65-F5344CB8AC3E}">
-        <p14:creationId xmlns:p14="http://schemas.microsoft.com/office/powerpoint/2010/main" val="3246571262"/>
+        <p14:creationId xmlns:p14="http://schemas.microsoft.com/office/powerpoint/2010/main" val="2325162075"/>
       </p:ext>
     </p:extLst>
   </p:cSld>
@@ -1834,22 +1671,74 @@
         <p:spPr/>
         <p:txBody>
           <a:bodyPr>
-            <a:normAutofit fontScale="70000" lnSpcReduction="20000"/>
+            <a:normAutofit fontScale="55000" lnSpcReduction="20000"/>
           </a:bodyPr>
           <a:lstStyle/>
           <a:p>
             <a:r>
-              <a:rPr lang="el-GR" baseline="0" dirty="0" smtClean="0"/>
-              <a:t>Τι κάναμε λοιπόν αυτές τις ερωτήσεις;;</a:t>
-            </a:r>
-          </a:p>
-          <a:p>
-            <a:endParaRPr lang="el-GR" baseline="0" dirty="0" smtClean="0"/>
-          </a:p>
-          <a:p>
-            <a:r>
-              <a:rPr lang="el-GR" baseline="0" dirty="0" smtClean="0"/>
-              <a:t>Έφτιαξα ένα εργαλείο το οποίο να παίρνει τις ερωτήσεις από το </a:t>
+              <a:rPr lang="el-GR" dirty="0" smtClean="0"/>
+              <a:t>Γιατί</a:t>
+            </a:r>
+            <a:r>
+              <a:rPr lang="el-GR" baseline="0" dirty="0" smtClean="0"/>
+              <a:t> πήγαμε εδώ;;</a:t>
+            </a:r>
+          </a:p>
+          <a:p>
+            <a:r>
+              <a:rPr lang="en-US" baseline="0" dirty="0" smtClean="0"/>
+              <a:t>To StackOverflow Community</a:t>
+            </a:r>
+            <a:r>
+              <a:rPr lang="el-GR" baseline="0" dirty="0" smtClean="0"/>
+              <a:t> είναι ένα ΚΔ το οποίο περιέχει</a:t>
+            </a:r>
+            <a:r>
+              <a:rPr lang="en-US" baseline="0" dirty="0" smtClean="0"/>
+              <a:t> </a:t>
+            </a:r>
+            <a:r>
+              <a:rPr lang="el-GR" baseline="0" dirty="0" smtClean="0"/>
+              <a:t>ερωτήσεις και απαντήσεις για όλο το φάσμα του </a:t>
+            </a:r>
+            <a:r>
+              <a:rPr lang="en-US" baseline="0" dirty="0" smtClean="0"/>
+              <a:t>computer science </a:t>
+            </a:r>
+            <a:r>
+              <a:rPr lang="el-GR" baseline="0" dirty="0" smtClean="0"/>
+              <a:t>και είναι μια από τις μεγαλύτερες </a:t>
+            </a:r>
+            <a:r>
+              <a:rPr lang="en-US" baseline="0" dirty="0" smtClean="0"/>
+              <a:t>online </a:t>
+            </a:r>
+            <a:r>
+              <a:rPr lang="el-GR" baseline="0" dirty="0" smtClean="0"/>
+              <a:t>κοινότητες.</a:t>
+            </a:r>
+          </a:p>
+          <a:p>
+            <a:pPr marL="0" marR="0" indent="0" algn="l" defTabSz="914400" rtl="0" eaLnBrk="1" fontAlgn="auto" latinLnBrk="0" hangingPunct="1">
+              <a:lnSpc>
+                <a:spcPct val="100000"/>
+              </a:lnSpc>
+              <a:spcBef>
+                <a:spcPts val="0"/>
+              </a:spcBef>
+              <a:spcAft>
+                <a:spcPts val="0"/>
+              </a:spcAft>
+              <a:buClrTx/>
+              <a:buSzTx/>
+              <a:buFontTx/>
+              <a:buNone/>
+              <a:tabLst/>
+              <a:defRPr/>
+            </a:pPr>
+            <a:r>
+              <a:rPr lang="el-GR" baseline="0" dirty="0" smtClean="0"/>
+              <a:t> Οι χρήστες του </a:t>
             </a:r>
             <a:r>
               <a:rPr lang="en-US" baseline="0" dirty="0" smtClean="0"/>
@@ -1857,110 +1746,130 @@
             </a:r>
             <a:r>
               <a:rPr lang="el-GR" baseline="0" dirty="0" smtClean="0"/>
-              <a:t> με βάση τα </a:t>
+              <a:t> μπορούν να κάνουν ερωτήσεις και να κατηγοριοποιούν τις ερωτήσεις τους με κάποια προ υπάρχοντα </a:t>
             </a:r>
             <a:r>
               <a:rPr lang="en-US" baseline="0" dirty="0" smtClean="0"/>
-              <a:t>tags </a:t>
-            </a:r>
-            <a:r>
-              <a:rPr lang="el-GR" baseline="0" dirty="0" smtClean="0"/>
-              <a:t>που έχει η κάθε ερώτηση.</a:t>
-            </a:r>
-          </a:p>
-          <a:p>
+              <a:t>“tags”</a:t>
+            </a:r>
+            <a:r>
+              <a:rPr lang="el-GR" baseline="0" dirty="0" smtClean="0"/>
+              <a:t>. Οι υπόλοιποι χρήστες στου ΣΟ μπορούν να ψηφίσουν θετικά ή αρνητικά αυτές τις ερωτήσεις, να δώσουν απαντήσεις ή να τις κάνουν </a:t>
+            </a:r>
+            <a:r>
+              <a:rPr lang="en-US" baseline="0" dirty="0" smtClean="0"/>
+              <a:t>flag</a:t>
+            </a:r>
+            <a:r>
+              <a:rPr lang="el-GR" baseline="0" dirty="0" smtClean="0"/>
+              <a:t> ως μη χρήσιμες ερωτήσεις όπως πχ. ως </a:t>
+            </a:r>
+            <a:r>
+              <a:rPr lang="en-US" baseline="0" dirty="0" smtClean="0"/>
+              <a:t>too-broad questions. </a:t>
+            </a:r>
             <a:endParaRPr lang="el-GR" baseline="0" dirty="0" smtClean="0"/>
           </a:p>
           <a:p>
-            <a:r>
-              <a:rPr lang="el-GR" baseline="0" dirty="0" smtClean="0"/>
-              <a:t>Για να πάρει τις ερωτήσεις χρησιμοποιήσαμε το </a:t>
+            <a:endParaRPr lang="el-GR" baseline="0" dirty="0" smtClean="0"/>
+          </a:p>
+          <a:p>
+            <a:r>
+              <a:rPr lang="el-GR" baseline="0" dirty="0" smtClean="0"/>
+              <a:t>Τι κάναμε;;</a:t>
+            </a:r>
+          </a:p>
+          <a:p>
+            <a:r>
+              <a:rPr lang="el-GR" baseline="0" dirty="0" smtClean="0"/>
+              <a:t>Έτσι χρησιμοποιήσαμε ερωτήσεις με σχετικά</a:t>
             </a:r>
             <a:r>
               <a:rPr lang="en-US" baseline="0" dirty="0" smtClean="0"/>
-              <a:t>SE API. </a:t>
-            </a:r>
+              <a:t> tags </a:t>
+            </a:r>
+            <a:r>
+              <a:rPr lang="el-GR" baseline="0" dirty="0" smtClean="0"/>
+              <a:t>στο δικό μας δίκτυο.</a:t>
+            </a:r>
+          </a:p>
+          <a:p>
             <a:endParaRPr lang="el-GR" baseline="0" dirty="0" smtClean="0"/>
           </a:p>
           <a:p>
             <a:r>
               <a:rPr lang="el-GR" baseline="0" dirty="0" smtClean="0"/>
-              <a:t>Ουσιαστικά, το σύνολο αυτών των δεδομένων, το οποίο είναι χωρισμένο σε κατηγορίες χρησιμοποιώντας τα </a:t>
+              <a:t>Για παράδειγμα!</a:t>
+            </a:r>
+          </a:p>
+          <a:p>
+            <a:endParaRPr lang="el-GR" baseline="0" dirty="0" smtClean="0"/>
+          </a:p>
+          <a:p>
+            <a:r>
+              <a:rPr lang="el-GR" baseline="0" dirty="0" smtClean="0"/>
+              <a:t>Εδώ έχουμε μια πραγματική ερώτηση, στην οποία ο χρήστης ρωτάει αν μπορεί να γίνει </a:t>
             </a:r>
             <a:r>
               <a:rPr lang="en-US" baseline="0" dirty="0" smtClean="0"/>
-              <a:t>tags,</a:t>
-            </a:r>
-            <a:r>
-              <a:rPr lang="el-GR" baseline="0" dirty="0" smtClean="0"/>
-              <a:t> χρησιμοποιήθηκε ώστε να γίνει «</a:t>
+              <a:t>scale </a:t>
+            </a:r>
+            <a:r>
+              <a:rPr lang="el-GR" baseline="0" dirty="0" smtClean="0"/>
+              <a:t>η </a:t>
             </a:r>
             <a:r>
               <a:rPr lang="en-US" baseline="0" dirty="0" smtClean="0"/>
-              <a:t>train</a:t>
-            </a:r>
-            <a:r>
-              <a:rPr lang="el-GR" baseline="0" dirty="0" smtClean="0"/>
-              <a:t>»</a:t>
+              <a:t>SQLite </a:t>
+            </a:r>
+            <a:r>
+              <a:rPr lang="el-GR" baseline="0" dirty="0" smtClean="0"/>
+              <a:t>και αν είναι καλύτερη από την </a:t>
             </a:r>
             <a:r>
               <a:rPr lang="en-US" baseline="0" dirty="0" smtClean="0"/>
-              <a:t> </a:t>
-            </a:r>
-            <a:r>
-              <a:rPr lang="el-GR" baseline="0" dirty="0" smtClean="0"/>
-              <a:t>ο  </a:t>
+              <a:t>mysql. </a:t>
+            </a:r>
+          </a:p>
+          <a:p>
+            <a:r>
+              <a:rPr lang="el-GR" baseline="0" dirty="0" smtClean="0"/>
+              <a:t>Παρουσιάζουμε αυτή την ερώτηση διότι μπορούν να προκύψουν δύο σημαντικά συμπεράσματα από αυτή, πρώτον είναι πολύ δύσκολο να απαντηθεί χωρίς την ύπαρξη ενός </a:t>
             </a:r>
             <a:r>
               <a:rPr lang="en-US" baseline="0" dirty="0" smtClean="0"/>
-              <a:t>classifier </a:t>
-            </a:r>
-            <a:r>
-              <a:rPr lang="el-GR" baseline="0" dirty="0" smtClean="0"/>
-              <a:t>μας και στην συνέχεια μπορεί με μία πιθανότητα να προσδιορίσει ένα καινούριο </a:t>
-            </a:r>
-            <a:r>
-              <a:rPr lang="en-US" baseline="0" dirty="0" smtClean="0"/>
-              <a:t>input </a:t>
-            </a:r>
-            <a:r>
-              <a:rPr lang="el-GR" baseline="0" dirty="0" smtClean="0"/>
-              <a:t>σε ποια κλάση/κατηγορία ανήκει.</a:t>
+              <a:t>repository </a:t>
+            </a:r>
+            <a:r>
+              <a:rPr lang="el-GR" baseline="0" dirty="0" smtClean="0"/>
+              <a:t>από πραγματικές εκτελέσεις των εφαρμογών …, και δεύτερον είναι μια ερώτηση η οποία μπορεί μια παρόμοια τέτοια ερώτηση να ερωτηθεί στο δικό μας ΚΔ.</a:t>
             </a:r>
           </a:p>
           <a:p>
             <a:endParaRPr lang="el-GR" baseline="0" dirty="0" smtClean="0"/>
           </a:p>
           <a:p>
-            <a:r>
-              <a:rPr lang="el-GR" baseline="0" dirty="0" smtClean="0"/>
-              <a:t>Να σημειωθεί ότι από το </a:t>
-            </a:r>
-            <a:r>
-              <a:rPr lang="en-US" baseline="0" dirty="0" smtClean="0"/>
-              <a:t>SO </a:t>
-            </a:r>
-            <a:r>
-              <a:rPr lang="el-GR" baseline="0" dirty="0" smtClean="0"/>
-              <a:t>μόνο οι </a:t>
-            </a:r>
-            <a:r>
-              <a:rPr lang="en-US" baseline="0" dirty="0" smtClean="0"/>
-              <a:t>most-up voted </a:t>
-            </a:r>
-            <a:r>
-              <a:rPr lang="el-GR" baseline="0" dirty="0" smtClean="0"/>
-              <a:t>ερωτήσεις για κάθε κατηγορία χρησιμοποιήθηκαν ώστε να αποφευχθεί η περίπτωση κάποια ερώτηση να έχει γίνει </a:t>
-            </a:r>
-            <a:r>
-              <a:rPr lang="en-US" baseline="0" dirty="0" smtClean="0"/>
-              <a:t>misclassified </a:t>
-            </a:r>
-            <a:r>
-              <a:rPr lang="el-GR" baseline="0" dirty="0" smtClean="0"/>
-              <a:t>από τον χρήστη.</a:t>
-            </a:r>
-            <a:endParaRPr lang="en-US" baseline="0" dirty="0" smtClean="0"/>
+            <a:pPr marL="0" marR="0" indent="0" algn="l" defTabSz="914400" rtl="0" eaLnBrk="1" fontAlgn="auto" latinLnBrk="0" hangingPunct="1">
+              <a:lnSpc>
+                <a:spcPct val="100000"/>
+              </a:lnSpc>
+              <a:spcBef>
+                <a:spcPts val="0"/>
+              </a:spcBef>
+              <a:spcAft>
+                <a:spcPts val="0"/>
+              </a:spcAft>
+              <a:buClrTx/>
+              <a:buSzTx/>
+              <a:buFontTx/>
+              <a:buNone/>
+              <a:tabLst/>
+              <a:defRPr/>
+            </a:pPr>
+            <a:endParaRPr lang="el-GR" baseline="0" dirty="0" smtClean="0"/>
+          </a:p>
+          <a:p>
+            <a:endParaRPr lang="el-GR" baseline="0" dirty="0" smtClean="0"/>
           </a:p>
         </p:txBody>
       </p:sp>
@@ -1991,7 +1900,7 @@
     </p:spTree>
     <p:extLst>
       <p:ext uri="{BB962C8B-B14F-4D97-AF65-F5344CB8AC3E}">
-        <p14:creationId xmlns:p14="http://schemas.microsoft.com/office/powerpoint/2010/main" val="3763798616"/>
+        <p14:creationId xmlns:p14="http://schemas.microsoft.com/office/powerpoint/2010/main" val="3246571262"/>
       </p:ext>
     </p:extLst>
   </p:cSld>
@@ -2043,270 +1952,133 @@
         <p:spPr/>
         <p:txBody>
           <a:bodyPr>
-            <a:normAutofit fontScale="47500" lnSpcReduction="20000"/>
+            <a:normAutofit fontScale="77500" lnSpcReduction="20000"/>
           </a:bodyPr>
           <a:lstStyle/>
           <a:p>
-            <a:pPr defTabSz="469819">
-              <a:defRPr/>
-            </a:pPr>
-            <a:r>
-              <a:rPr lang="el-GR" baseline="0" dirty="0" smtClean="0"/>
-              <a:t>Πώς δουλεύει ακριβώς λοιπόν;;;</a:t>
-            </a:r>
-            <a:endParaRPr lang="en-US" baseline="0" dirty="0" smtClean="0"/>
-          </a:p>
-          <a:p>
-            <a:pPr defTabSz="469819">
-              <a:defRPr/>
-            </a:pPr>
-            <a:r>
-              <a:rPr lang="el-GR" baseline="0" dirty="0" smtClean="0"/>
-              <a:t>Ο </a:t>
-            </a:r>
-            <a:r>
-              <a:rPr lang="el-GR" baseline="0" dirty="0" smtClean="0"/>
-              <a:t>στόχος ενός</a:t>
+            <a:r>
+              <a:rPr lang="el-GR" baseline="0" dirty="0" smtClean="0"/>
+              <a:t>Τι κάναμε λοιπόν αυτές τις ερωτήσεις;;</a:t>
+            </a:r>
+          </a:p>
+          <a:p>
+            <a:endParaRPr lang="el-GR" baseline="0" dirty="0" smtClean="0"/>
+          </a:p>
+          <a:p>
+            <a:r>
+              <a:rPr lang="el-GR" baseline="0" dirty="0" smtClean="0"/>
+              <a:t>Έφτιαξα ένα εργαλείο το οποίο να παίρνει τις ερωτήσεις από το </a:t>
+            </a:r>
+            <a:r>
+              <a:rPr lang="en-US" baseline="0" dirty="0" smtClean="0"/>
+              <a:t>SO</a:t>
+            </a:r>
+            <a:r>
+              <a:rPr lang="el-GR" baseline="0" dirty="0" smtClean="0"/>
+              <a:t> με βάση τα </a:t>
+            </a:r>
+            <a:r>
+              <a:rPr lang="en-US" baseline="0" dirty="0" smtClean="0"/>
+              <a:t>tags </a:t>
+            </a:r>
+            <a:r>
+              <a:rPr lang="el-GR" baseline="0" dirty="0" smtClean="0"/>
+              <a:t>που έχει η κάθε ερώτηση.</a:t>
+            </a:r>
+          </a:p>
+          <a:p>
+            <a:endParaRPr lang="el-GR" baseline="0" dirty="0" smtClean="0"/>
+          </a:p>
+          <a:p>
+            <a:r>
+              <a:rPr lang="el-GR" baseline="0" dirty="0" smtClean="0"/>
+              <a:t>Για να πάρει τις ερωτήσεις χρησιμοποιήσαμε το </a:t>
+            </a:r>
+            <a:r>
+              <a:rPr lang="en-US" baseline="0" dirty="0" smtClean="0"/>
+              <a:t>SE API. </a:t>
+            </a:r>
+            <a:endParaRPr lang="el-GR" baseline="0" dirty="0" smtClean="0"/>
+          </a:p>
+          <a:p>
+            <a:r>
+              <a:rPr lang="el-GR" baseline="0" dirty="0" smtClean="0"/>
+              <a:t>Ουσιαστικά, το σύνολο αυτών των δεδομένων, το οποίο είναι χωρισμένο σε κατηγορίες χρησιμοποιώντας τα </a:t>
+            </a:r>
+            <a:r>
+              <a:rPr lang="en-US" baseline="0" dirty="0" smtClean="0"/>
+              <a:t>tags,</a:t>
+            </a:r>
+            <a:r>
+              <a:rPr lang="el-GR" baseline="0" dirty="0" smtClean="0"/>
+              <a:t> χρησιμοποιήθηκε ώστε να γίνει «</a:t>
+            </a:r>
+            <a:r>
+              <a:rPr lang="en-US" baseline="0" dirty="0" smtClean="0"/>
+              <a:t>train</a:t>
+            </a:r>
+            <a:r>
+              <a:rPr lang="el-GR" baseline="0" dirty="0" smtClean="0"/>
+              <a:t>»</a:t>
             </a:r>
             <a:r>
               <a:rPr lang="en-US" baseline="0" dirty="0" smtClean="0"/>
               <a:t> </a:t>
             </a:r>
             <a:r>
+              <a:rPr lang="el-GR" baseline="0" dirty="0" smtClean="0"/>
+              <a:t>ο  </a:t>
+            </a:r>
+            <a:r>
               <a:rPr lang="en-US" baseline="0" dirty="0" smtClean="0"/>
-              <a:t>TC</a:t>
-            </a:r>
-            <a:r>
-              <a:rPr lang="el-GR" baseline="0" dirty="0" smtClean="0"/>
-              <a:t> </a:t>
-            </a:r>
-            <a:r>
-              <a:rPr lang="el-GR" baseline="0" dirty="0" smtClean="0"/>
-              <a:t>μηχανισμού λοιπόν, είναι να μπορεί να συμπεράνει την κατηγορία ενός κειμένου από το περιεχόμενο του. Για παράδειγμα, να μπορεί να συμπεράνει ότι ένα κείμενο μιλάει για </a:t>
+              <a:t>classifier </a:t>
+            </a:r>
+            <a:r>
+              <a:rPr lang="el-GR" baseline="0" dirty="0" smtClean="0"/>
+              <a:t>μας και στην συνέχεια μπορεί με μία πιθανότητα να προσδιορίσει ένα καινούριο </a:t>
             </a:r>
             <a:r>
               <a:rPr lang="en-US" baseline="0" dirty="0" smtClean="0"/>
-              <a:t>scalability. </a:t>
-            </a:r>
-          </a:p>
-          <a:p>
-            <a:pPr defTabSz="469819">
-              <a:defRPr/>
-            </a:pPr>
+              <a:t>input </a:t>
+            </a:r>
+            <a:r>
+              <a:rPr lang="el-GR" baseline="0" dirty="0" smtClean="0"/>
+              <a:t>σε ποια κλάση/κατηγορία ανήκει.</a:t>
+            </a:r>
+          </a:p>
+          <a:p>
+            <a:endParaRPr lang="el-GR" baseline="0" dirty="0" smtClean="0"/>
+          </a:p>
+          <a:p>
+            <a:r>
+              <a:rPr lang="el-GR" baseline="0" dirty="0" smtClean="0"/>
+              <a:t>Να σημειωθεί ότι από το </a:t>
+            </a:r>
+            <a:r>
+              <a:rPr lang="en-US" baseline="0" dirty="0" smtClean="0"/>
+              <a:t>SO </a:t>
+            </a:r>
+            <a:r>
+              <a:rPr lang="el-GR" baseline="0" dirty="0" smtClean="0"/>
+              <a:t>μόνο οι </a:t>
+            </a:r>
+            <a:r>
+              <a:rPr lang="en-US" baseline="0" dirty="0" smtClean="0"/>
+              <a:t>most-up voted </a:t>
+            </a:r>
+            <a:r>
+              <a:rPr lang="el-GR" baseline="0" dirty="0" smtClean="0"/>
+              <a:t>ερωτήσεις για κάθε κατηγορία χρησιμοποιήθηκαν ώστε να αποφευχθεί η περίπτωση κάποια ερώτηση να έχει γίνει </a:t>
+            </a:r>
+            <a:r>
+              <a:rPr lang="en-US" baseline="0" dirty="0" smtClean="0"/>
+              <a:t>misclassified </a:t>
+            </a:r>
+            <a:r>
+              <a:rPr lang="el-GR" baseline="0" dirty="0" smtClean="0"/>
+              <a:t>από τον χρήστη.</a:t>
+            </a:r>
             <a:endParaRPr lang="en-US" baseline="0" dirty="0" smtClean="0"/>
-          </a:p>
-          <a:p>
-            <a:pPr defTabSz="469819">
-              <a:defRPr/>
-            </a:pPr>
-            <a:r>
-              <a:rPr lang="el-GR" baseline="0" dirty="0" smtClean="0"/>
-              <a:t>Για να το καταφέρουμε αυτό, πρέπει το εργαλείο να γίνει πρώτα </a:t>
-            </a:r>
-            <a:r>
-              <a:rPr lang="en-US" baseline="0" dirty="0" smtClean="0"/>
-              <a:t>train. H </a:t>
-            </a:r>
-            <a:r>
-              <a:rPr lang="el-GR" baseline="0" dirty="0" smtClean="0"/>
-              <a:t>διαδικασία του </a:t>
-            </a:r>
-            <a:r>
-              <a:rPr lang="en-US" baseline="0" dirty="0" smtClean="0"/>
-              <a:t>training </a:t>
-            </a:r>
-            <a:r>
-              <a:rPr lang="el-GR" baseline="0" dirty="0" smtClean="0"/>
-              <a:t>έχει ως εξής: Στην αρχή παρέχουμε μια σειρά από </a:t>
-            </a:r>
-            <a:r>
-              <a:rPr lang="en-US" baseline="0" dirty="0" smtClean="0"/>
-              <a:t>text documents, </a:t>
-            </a:r>
-            <a:r>
-              <a:rPr lang="el-GR" baseline="0" dirty="0" smtClean="0"/>
-              <a:t>τα οποία όμως ξέρουμε σε ποια κατηγορία ανήκουν. Συγκεκριμένα στο παράδειγμα εδώ, δίνουμε στον </a:t>
-            </a:r>
-            <a:r>
-              <a:rPr lang="en-US" baseline="0" dirty="0" smtClean="0"/>
-              <a:t>NLP </a:t>
-            </a:r>
-            <a:r>
-              <a:rPr lang="el-GR" baseline="0" dirty="0" smtClean="0"/>
-              <a:t>τρεις διαφορετικές κατηγορίες κειμένων όπου ξέρουμε σε ποιο σετ ανήκουν, πχ.. μπορούμε να πούμε ότι ένα σετ κειμένων μιλάει για </a:t>
-            </a:r>
-            <a:r>
-              <a:rPr lang="en-US" baseline="0" dirty="0" smtClean="0"/>
-              <a:t>scalability, </a:t>
-            </a:r>
-            <a:r>
-              <a:rPr lang="el-GR" baseline="0" dirty="0" smtClean="0"/>
-              <a:t>ένα άλλο σετ κειμένων μιλάει για </a:t>
-            </a:r>
-            <a:r>
-              <a:rPr lang="en-US" baseline="0" dirty="0" smtClean="0"/>
-              <a:t>optimization</a:t>
-            </a:r>
-            <a:r>
-              <a:rPr lang="el-GR" baseline="0" dirty="0" smtClean="0"/>
-              <a:t> κοκ.  </a:t>
-            </a:r>
-          </a:p>
-          <a:p>
-            <a:pPr defTabSz="469819">
-              <a:defRPr/>
-            </a:pPr>
-            <a:endParaRPr lang="el-GR" baseline="0" dirty="0" smtClean="0"/>
-          </a:p>
-          <a:p>
-            <a:pPr defTabSz="469819">
-              <a:defRPr/>
-            </a:pPr>
-            <a:r>
-              <a:rPr lang="el-GR" baseline="0" dirty="0" smtClean="0"/>
-              <a:t>Πρώτα ο </a:t>
-            </a:r>
-            <a:r>
-              <a:rPr lang="el-GR" baseline="0" dirty="0" smtClean="0"/>
-              <a:t>Τ</a:t>
-            </a:r>
-            <a:r>
-              <a:rPr lang="en-US" baseline="0" dirty="0" smtClean="0"/>
-              <a:t>C </a:t>
-            </a:r>
-            <a:r>
-              <a:rPr lang="el-GR" baseline="0" dirty="0" smtClean="0"/>
-              <a:t>περνάει το κείμενο της κάθε κατηγορίας από έναν  </a:t>
-            </a:r>
-            <a:r>
-              <a:rPr lang="en-US" baseline="0" dirty="0" smtClean="0"/>
-              <a:t>Porter Stemming Algorithm </a:t>
-            </a:r>
-            <a:r>
-              <a:rPr lang="el-GR" baseline="0" dirty="0" smtClean="0"/>
-              <a:t>ο οποίος έχει ως σκοπό να απλοποιήσει τις λέξεις, κάνοντας τες από πληθυντικό αριθμό σε ενικό και άλλα τέτοια </a:t>
-            </a:r>
-            <a:r>
-              <a:rPr lang="el-GR" baseline="0" dirty="0" err="1" smtClean="0"/>
-              <a:t>τρικς</a:t>
-            </a:r>
-            <a:r>
-              <a:rPr lang="el-GR" baseline="0" dirty="0" smtClean="0"/>
-              <a:t> όπως για παράδειγμα η λέξη </a:t>
-            </a:r>
-            <a:r>
-              <a:rPr lang="en-US" baseline="0" dirty="0" smtClean="0"/>
-              <a:t>connectivity </a:t>
-            </a:r>
-            <a:r>
-              <a:rPr lang="el-GR" baseline="0" dirty="0" smtClean="0"/>
-              <a:t>θα γίνει </a:t>
-            </a:r>
-            <a:r>
-              <a:rPr lang="en-US" baseline="0" dirty="0" smtClean="0"/>
-              <a:t>connect</a:t>
-            </a:r>
-            <a:r>
-              <a:rPr lang="el-GR" baseline="0" dirty="0" smtClean="0"/>
-              <a:t>. Στην συνέχεια βάζει τις λέξεις αυτές σε ένα </a:t>
-            </a:r>
-            <a:r>
-              <a:rPr lang="en-US" baseline="0" dirty="0" smtClean="0"/>
-              <a:t>map </a:t>
-            </a:r>
-            <a:r>
-              <a:rPr lang="el-GR" baseline="0" dirty="0" smtClean="0"/>
-              <a:t>όπου κρατάει τις εμφανίσεις κάθε λέξης σε κάθε κατηγορία </a:t>
-            </a:r>
-            <a:r>
-              <a:rPr lang="el-GR" baseline="0" dirty="0" err="1" smtClean="0"/>
-              <a:t>δλδ</a:t>
-            </a:r>
-            <a:r>
-              <a:rPr lang="el-GR" baseline="0" dirty="0" smtClean="0"/>
-              <a:t> για την λέξη </a:t>
-            </a:r>
-            <a:r>
-              <a:rPr lang="en-US" baseline="0" dirty="0" smtClean="0"/>
-              <a:t>connect </a:t>
-            </a:r>
-            <a:r>
-              <a:rPr lang="el-GR" baseline="0" dirty="0" smtClean="0"/>
-              <a:t>κρατάει ότι εμφανίζεται στην κατηγορία </a:t>
-            </a:r>
-            <a:r>
-              <a:rPr lang="en-US" baseline="0" dirty="0" smtClean="0"/>
-              <a:t>scalability </a:t>
-            </a:r>
-            <a:r>
-              <a:rPr lang="el-GR" baseline="0" dirty="0" smtClean="0"/>
-              <a:t>20 φορές ας πούμε. </a:t>
-            </a:r>
-            <a:endParaRPr lang="el-GR" dirty="0" smtClean="0"/>
-          </a:p>
-          <a:p>
-            <a:pPr defTabSz="469819">
-              <a:defRPr/>
-            </a:pPr>
-            <a:endParaRPr lang="el-GR" dirty="0" smtClean="0"/>
-          </a:p>
-          <a:p>
-            <a:r>
-              <a:rPr lang="el-GR" dirty="0" smtClean="0"/>
-              <a:t>Έτσι ο</a:t>
-            </a:r>
-            <a:r>
-              <a:rPr lang="el-GR" baseline="0" dirty="0" smtClean="0"/>
-              <a:t> </a:t>
-            </a:r>
-            <a:r>
-              <a:rPr lang="el-GR" baseline="0" dirty="0" smtClean="0"/>
-              <a:t>Τ</a:t>
-            </a:r>
-            <a:r>
-              <a:rPr lang="en-US" baseline="0" dirty="0" smtClean="0"/>
-              <a:t>C </a:t>
-            </a:r>
-            <a:r>
-              <a:rPr lang="el-GR" baseline="0" dirty="0" smtClean="0"/>
-              <a:t>έχει γίνει πλέον </a:t>
-            </a:r>
-            <a:r>
-              <a:rPr lang="en-US" baseline="0" dirty="0" smtClean="0"/>
-              <a:t>train </a:t>
-            </a:r>
-            <a:r>
-              <a:rPr lang="el-GR" baseline="0" dirty="0" smtClean="0"/>
-              <a:t>και μπορεί να προσδιορίσει μελλοντικά κείμενα σε ποια από αυτές τις κατηγορίες ανήκουν χρησιμοποιώντας την πιθανότητα </a:t>
-            </a:r>
-            <a:r>
-              <a:rPr lang="en-US" baseline="0" dirty="0" smtClean="0"/>
-              <a:t>Naïve Bayes</a:t>
-            </a:r>
-            <a:r>
-              <a:rPr lang="el-GR" baseline="0" dirty="0" smtClean="0"/>
-              <a:t>. </a:t>
-            </a:r>
-          </a:p>
-          <a:p>
-            <a:endParaRPr lang="en-US" baseline="0" dirty="0" smtClean="0"/>
-          </a:p>
-          <a:p>
-            <a:r>
-              <a:rPr lang="el-GR" baseline="0" dirty="0" smtClean="0"/>
-              <a:t>Εφόσον λοιπόν έχουμε κάνει </a:t>
-            </a:r>
-            <a:r>
-              <a:rPr lang="en-US" baseline="0" dirty="0" smtClean="0"/>
-              <a:t>train </a:t>
-            </a:r>
-            <a:r>
-              <a:rPr lang="el-GR" baseline="0" dirty="0" smtClean="0"/>
-              <a:t>τον αλγόριθμο αυτόν, τότε ελπίζουμε ότι μια καινούρια ερώτηση θα μπορούσε να αντιστοιχηθεί στην πιο κοντινή της κατηγορία και σαν αποτέλεσμα οι απαντήσεις εκεί πέρα να είναι σχετικές με την πιο κοντινή της ερώτηση. Εδώ θα μπορούσαμε να δώσουμε στον χρήστη μια λίστα από κοντινές ερωτήσεις. </a:t>
-            </a:r>
-          </a:p>
-          <a:p>
-            <a:endParaRPr lang="el-GR" dirty="0"/>
           </a:p>
         </p:txBody>
       </p:sp>
@@ -2337,7 +2109,7 @@
     </p:spTree>
     <p:extLst>
       <p:ext uri="{BB962C8B-B14F-4D97-AF65-F5344CB8AC3E}">
-        <p14:creationId xmlns:p14="http://schemas.microsoft.com/office/powerpoint/2010/main" val="2009972778"/>
+        <p14:creationId xmlns:p14="http://schemas.microsoft.com/office/powerpoint/2010/main" val="3763798616"/>
       </p:ext>
     </p:extLst>
   </p:cSld>
@@ -2366,7 +2138,7 @@
       </p:grpSpPr>
       <p:sp>
         <p:nvSpPr>
-          <p:cNvPr id="2" name="1 - Θέση εικόνας διαφάνειας"/>
+          <p:cNvPr id="2" name="Slide Image Placeholder 1"/>
           <p:cNvSpPr>
             <a:spLocks noGrp="1" noRot="1" noChangeAspect="1"/>
           </p:cNvSpPr>
@@ -2378,7 +2150,7 @@
       </p:sp>
       <p:sp>
         <p:nvSpPr>
-          <p:cNvPr id="3" name="2 - Θέση σημειώσεων"/>
+          <p:cNvPr id="3" name="Notes Placeholder 2"/>
           <p:cNvSpPr>
             <a:spLocks noGrp="1"/>
           </p:cNvSpPr>
@@ -2389,25 +2161,256 @@
         <p:spPr/>
         <p:txBody>
           <a:bodyPr>
-            <a:normAutofit/>
+            <a:normAutofit fontScale="47500" lnSpcReduction="20000"/>
           </a:bodyPr>
           <a:lstStyle/>
           <a:p>
+            <a:pPr defTabSz="469819">
+              <a:defRPr/>
+            </a:pPr>
+            <a:r>
+              <a:rPr lang="el-GR" baseline="0" dirty="0" smtClean="0"/>
+              <a:t>Πώς δουλεύει ακριβώς λοιπόν;;;</a:t>
+            </a:r>
+            <a:endParaRPr lang="en-US" baseline="0" dirty="0" smtClean="0"/>
+          </a:p>
+          <a:p>
+            <a:pPr defTabSz="469819">
+              <a:defRPr/>
+            </a:pPr>
+            <a:r>
+              <a:rPr lang="el-GR" baseline="0" dirty="0" smtClean="0"/>
+              <a:t>Ο στόχος ενός</a:t>
+            </a:r>
+            <a:r>
+              <a:rPr lang="en-US" baseline="0" dirty="0" smtClean="0"/>
+              <a:t> TC</a:t>
+            </a:r>
+            <a:r>
+              <a:rPr lang="el-GR" baseline="0" dirty="0" smtClean="0"/>
+              <a:t> μηχανισμού λοιπόν, είναι να μπορεί να συμπεράνει την κατηγορία ενός κειμένου από το περιεχόμενο του. Για παράδειγμα, να μπορεί να συμπεράνει ότι ένα κείμενο μιλάει για </a:t>
+            </a:r>
+            <a:r>
+              <a:rPr lang="en-US" baseline="0" dirty="0" smtClean="0"/>
+              <a:t>scalability. </a:t>
+            </a:r>
+          </a:p>
+          <a:p>
+            <a:pPr defTabSz="469819">
+              <a:defRPr/>
+            </a:pPr>
+            <a:endParaRPr lang="en-US" baseline="0" dirty="0" smtClean="0"/>
+          </a:p>
+          <a:p>
+            <a:pPr defTabSz="469819">
+              <a:defRPr/>
+            </a:pPr>
+            <a:r>
+              <a:rPr lang="el-GR" baseline="0" dirty="0" smtClean="0"/>
+              <a:t>Για να το καταφέρουμε αυτό, πρέπει το εργαλείο να γίνει πρώτα </a:t>
+            </a:r>
+            <a:r>
+              <a:rPr lang="en-US" baseline="0" dirty="0" smtClean="0"/>
+              <a:t>train. H </a:t>
+            </a:r>
+            <a:r>
+              <a:rPr lang="el-GR" baseline="0" dirty="0" smtClean="0"/>
+              <a:t>διαδικασία του </a:t>
+            </a:r>
+            <a:r>
+              <a:rPr lang="en-US" baseline="0" dirty="0" smtClean="0"/>
+              <a:t>training </a:t>
+            </a:r>
+            <a:r>
+              <a:rPr lang="el-GR" baseline="0" dirty="0" smtClean="0"/>
+              <a:t>έχει ως εξής: Στην αρχή παρέχουμε μια σειρά από </a:t>
+            </a:r>
+            <a:r>
+              <a:rPr lang="en-US" baseline="0" dirty="0" smtClean="0"/>
+              <a:t>text documents, </a:t>
+            </a:r>
+            <a:r>
+              <a:rPr lang="el-GR" baseline="0" dirty="0" smtClean="0"/>
+              <a:t>τα οποία όμως ξέρουμε σε ποια κατηγορία ανήκουν. Συγκεκριμένα στο παράδειγμα εδώ, δίνουμε στον </a:t>
+            </a:r>
+            <a:r>
+              <a:rPr lang="en-US" baseline="0" dirty="0" smtClean="0"/>
+              <a:t>NLP </a:t>
+            </a:r>
+            <a:r>
+              <a:rPr lang="el-GR" baseline="0" dirty="0" smtClean="0"/>
+              <a:t>τρεις διαφορετικές κατηγορίες κειμένων όπου ξέρουμε σε ποιο σετ ανήκουν, πχ.. μπορούμε να πούμε ότι ένα σετ κειμένων μιλάει για </a:t>
+            </a:r>
+            <a:r>
+              <a:rPr lang="en-US" baseline="0" dirty="0" smtClean="0"/>
+              <a:t>scalability, </a:t>
+            </a:r>
+            <a:r>
+              <a:rPr lang="el-GR" baseline="0" dirty="0" smtClean="0"/>
+              <a:t>ένα άλλο σετ κειμένων μιλάει για </a:t>
+            </a:r>
+            <a:r>
+              <a:rPr lang="en-US" baseline="0" dirty="0" smtClean="0"/>
+              <a:t>optimization</a:t>
+            </a:r>
+            <a:r>
+              <a:rPr lang="el-GR" baseline="0" dirty="0" smtClean="0"/>
+              <a:t> κοκ.  </a:t>
+            </a:r>
+          </a:p>
+          <a:p>
+            <a:pPr defTabSz="469819">
+              <a:defRPr/>
+            </a:pPr>
+            <a:endParaRPr lang="el-GR" baseline="0" dirty="0" smtClean="0"/>
+          </a:p>
+          <a:p>
+            <a:pPr defTabSz="469819">
+              <a:defRPr/>
+            </a:pPr>
+            <a:r>
+              <a:rPr lang="el-GR" baseline="0" dirty="0" smtClean="0"/>
+              <a:t>Πρώτα ο Τ</a:t>
+            </a:r>
+            <a:r>
+              <a:rPr lang="en-US" baseline="0" dirty="0" smtClean="0"/>
+              <a:t>C </a:t>
+            </a:r>
+            <a:r>
+              <a:rPr lang="el-GR" baseline="0" dirty="0" smtClean="0"/>
+              <a:t>περνάει το κείμενο της κάθε κατηγορίας από έναν  </a:t>
+            </a:r>
+            <a:r>
+              <a:rPr lang="en-US" baseline="0" dirty="0" smtClean="0"/>
+              <a:t>Porter Stemming Algorithm </a:t>
+            </a:r>
+            <a:r>
+              <a:rPr lang="el-GR" baseline="0" dirty="0" smtClean="0"/>
+              <a:t>ο οποίος έχει ως σκοπό να απλοποιήσει τις λέξεις, κάνοντας τες από πληθυντικό αριθμό σε ενικό και άλλα τέτοια </a:t>
+            </a:r>
+            <a:r>
+              <a:rPr lang="el-GR" baseline="0" dirty="0" err="1" smtClean="0"/>
+              <a:t>τρικς</a:t>
+            </a:r>
+            <a:r>
+              <a:rPr lang="el-GR" baseline="0" dirty="0" smtClean="0"/>
+              <a:t> όπως για παράδειγμα η λέξη </a:t>
+            </a:r>
+            <a:r>
+              <a:rPr lang="en-US" baseline="0" dirty="0" smtClean="0"/>
+              <a:t>connectivity </a:t>
+            </a:r>
+            <a:r>
+              <a:rPr lang="el-GR" baseline="0" dirty="0" smtClean="0"/>
+              <a:t>θα γίνει </a:t>
+            </a:r>
+            <a:r>
+              <a:rPr lang="en-US" baseline="0" dirty="0" smtClean="0"/>
+              <a:t>connect</a:t>
+            </a:r>
+            <a:r>
+              <a:rPr lang="el-GR" baseline="0" dirty="0" smtClean="0"/>
+              <a:t>. Στην συνέχεια βάζει τις λέξεις αυτές σε ένα </a:t>
+            </a:r>
+            <a:r>
+              <a:rPr lang="en-US" baseline="0" dirty="0" smtClean="0"/>
+              <a:t>map </a:t>
+            </a:r>
+            <a:r>
+              <a:rPr lang="el-GR" baseline="0" dirty="0" smtClean="0"/>
+              <a:t>όπου κρατάει τις εμφανίσεις κάθε λέξης σε κάθε κατηγορία </a:t>
+            </a:r>
+            <a:r>
+              <a:rPr lang="el-GR" baseline="0" dirty="0" err="1" smtClean="0"/>
+              <a:t>δλδ</a:t>
+            </a:r>
+            <a:r>
+              <a:rPr lang="el-GR" baseline="0" dirty="0" smtClean="0"/>
+              <a:t> για την λέξη </a:t>
+            </a:r>
+            <a:r>
+              <a:rPr lang="en-US" baseline="0" dirty="0" smtClean="0"/>
+              <a:t>connect </a:t>
+            </a:r>
+            <a:r>
+              <a:rPr lang="el-GR" baseline="0" dirty="0" smtClean="0"/>
+              <a:t>κρατάει ότι εμφανίζεται στην κατηγορία </a:t>
+            </a:r>
+            <a:r>
+              <a:rPr lang="en-US" baseline="0" dirty="0" smtClean="0"/>
+              <a:t>scalability </a:t>
+            </a:r>
+            <a:r>
+              <a:rPr lang="el-GR" baseline="0" dirty="0" smtClean="0"/>
+              <a:t>20 φορές ας πούμε. </a:t>
+            </a:r>
+            <a:endParaRPr lang="el-GR" dirty="0" smtClean="0"/>
+          </a:p>
+          <a:p>
+            <a:pPr defTabSz="469819">
+              <a:defRPr/>
+            </a:pPr>
+            <a:endParaRPr lang="el-GR" dirty="0" smtClean="0"/>
+          </a:p>
+          <a:p>
             <a:r>
               <a:rPr lang="el-GR" dirty="0" smtClean="0"/>
-              <a:t>Και</a:t>
-            </a:r>
-            <a:r>
-              <a:rPr lang="el-GR" baseline="0" dirty="0" smtClean="0"/>
-              <a:t> τώρα ας προχωρήσουμε με την αξιολόγηση του συστήματος.</a:t>
-            </a:r>
-            <a:endParaRPr lang="en-GB" dirty="0"/>
-          </a:p>
-        </p:txBody>
-      </p:sp>
-      <p:sp>
-        <p:nvSpPr>
-          <p:cNvPr id="4" name="3 - Θέση αριθμού διαφάνειας"/>
+              <a:t>Έτσι ο</a:t>
+            </a:r>
+            <a:r>
+              <a:rPr lang="el-GR" baseline="0" dirty="0" smtClean="0"/>
+              <a:t> Τ</a:t>
+            </a:r>
+            <a:r>
+              <a:rPr lang="en-US" baseline="0" dirty="0" smtClean="0"/>
+              <a:t>C </a:t>
+            </a:r>
+            <a:r>
+              <a:rPr lang="el-GR" baseline="0" dirty="0" smtClean="0"/>
+              <a:t>έχει γίνει πλέον </a:t>
+            </a:r>
+            <a:r>
+              <a:rPr lang="en-US" baseline="0" dirty="0" smtClean="0"/>
+              <a:t>train </a:t>
+            </a:r>
+            <a:r>
+              <a:rPr lang="el-GR" baseline="0" dirty="0" smtClean="0"/>
+              <a:t>και μπορεί να προσδιορίσει μελλοντικά κείμενα σε ποια από αυτές τις κατηγορίες ανήκουν χρησιμοποιώντας την πιθανότητα </a:t>
+            </a:r>
+            <a:r>
+              <a:rPr lang="en-US" baseline="0" dirty="0" smtClean="0"/>
+              <a:t>Naïve Bayes</a:t>
+            </a:r>
+            <a:r>
+              <a:rPr lang="el-GR" baseline="0" dirty="0" smtClean="0"/>
+              <a:t>. </a:t>
+            </a:r>
+          </a:p>
+          <a:p>
+            <a:endParaRPr lang="en-US" baseline="0" dirty="0" smtClean="0"/>
+          </a:p>
+          <a:p>
+            <a:r>
+              <a:rPr lang="el-GR" baseline="0" dirty="0" smtClean="0"/>
+              <a:t>Εφόσον λοιπόν έχουμε κάνει </a:t>
+            </a:r>
+            <a:r>
+              <a:rPr lang="en-US" baseline="0" dirty="0" smtClean="0"/>
+              <a:t>train </a:t>
+            </a:r>
+            <a:r>
+              <a:rPr lang="el-GR" baseline="0" dirty="0" smtClean="0"/>
+              <a:t>τον αλγόριθμο αυτόν, τότε ελπίζουμε ότι μια καινούρια ερώτηση θα μπορούσε να αντιστοιχηθεί στην πιο κοντινή της κατηγορία και σαν αποτέλεσμα οι απαντήσεις εκεί πέρα να είναι σχετικές με την πιο κοντινή της ερώτηση. Εδώ θα μπορούσαμε να δώσουμε στον χρήστη μια λίστα από κοντινές ερωτήσεις. </a:t>
+            </a:r>
+          </a:p>
+          <a:p>
+            <a:endParaRPr lang="el-GR" dirty="0"/>
+          </a:p>
+        </p:txBody>
+      </p:sp>
+      <p:sp>
+        <p:nvSpPr>
+          <p:cNvPr id="4" name="Slide Number Placeholder 3"/>
           <p:cNvSpPr>
             <a:spLocks noGrp="1"/>
           </p:cNvSpPr>
@@ -2432,7 +2435,7 @@
     </p:spTree>
     <p:extLst>
       <p:ext uri="{BB962C8B-B14F-4D97-AF65-F5344CB8AC3E}">
-        <p14:creationId xmlns:p14="http://schemas.microsoft.com/office/powerpoint/2010/main" val="104371226"/>
+        <p14:creationId xmlns:p14="http://schemas.microsoft.com/office/powerpoint/2010/main" val="2009972778"/>
       </p:ext>
     </p:extLst>
   </p:cSld>
@@ -2461,7 +2464,7 @@
       </p:grpSpPr>
       <p:sp>
         <p:nvSpPr>
-          <p:cNvPr id="2" name="Slide Image Placeholder 1"/>
+          <p:cNvPr id="2" name="1 - Θέση εικόνας διαφάνειας"/>
           <p:cNvSpPr>
             <a:spLocks noGrp="1" noRot="1" noChangeAspect="1"/>
           </p:cNvSpPr>
@@ -2473,7 +2476,7 @@
       </p:sp>
       <p:sp>
         <p:nvSpPr>
-          <p:cNvPr id="3" name="Notes Placeholder 2"/>
+          <p:cNvPr id="3" name="2 - Θέση σημειώσεων"/>
           <p:cNvSpPr>
             <a:spLocks noGrp="1"/>
           </p:cNvSpPr>
@@ -2484,199 +2487,25 @@
         <p:spPr/>
         <p:txBody>
           <a:bodyPr>
-            <a:normAutofit fontScale="70000" lnSpcReduction="20000"/>
+            <a:normAutofit/>
           </a:bodyPr>
           <a:lstStyle/>
           <a:p>
             <a:r>
               <a:rPr lang="el-GR" dirty="0" smtClean="0"/>
-              <a:t>Όσον</a:t>
-            </a:r>
-            <a:r>
-              <a:rPr lang="el-GR" baseline="0" dirty="0" smtClean="0"/>
-              <a:t> αφορά το </a:t>
-            </a:r>
-            <a:r>
-              <a:rPr lang="en-US" baseline="0" dirty="0" smtClean="0"/>
-              <a:t>UE</a:t>
-            </a:r>
-            <a:r>
-              <a:rPr lang="el-GR" baseline="0" dirty="0" smtClean="0"/>
-              <a:t>,</a:t>
-            </a:r>
-            <a:r>
-              <a:rPr lang="en-US" baseline="0" dirty="0" smtClean="0"/>
-              <a:t> </a:t>
-            </a:r>
-            <a:r>
-              <a:rPr lang="el-GR" baseline="0" dirty="0" smtClean="0"/>
-              <a:t>έ</a:t>
-            </a:r>
-            <a:r>
-              <a:rPr lang="el-GR" dirty="0" smtClean="0"/>
-              <a:t>γινε</a:t>
-            </a:r>
-            <a:r>
-              <a:rPr lang="el-GR" baseline="0" dirty="0" smtClean="0"/>
-              <a:t> εκτενής δουλειά στην οποία συμμετείχα…</a:t>
-            </a:r>
-            <a:endParaRPr lang="en-US" dirty="0" smtClean="0"/>
-          </a:p>
-          <a:p>
-            <a:endParaRPr lang="en-US" dirty="0" smtClean="0"/>
-          </a:p>
-          <a:p>
-            <a:r>
-              <a:rPr lang="en-US" dirty="0" smtClean="0"/>
-              <a:t>To user interface</a:t>
-            </a:r>
-            <a:r>
-              <a:rPr lang="en-US" baseline="0" dirty="0" smtClean="0"/>
-              <a:t> evaluation </a:t>
-            </a:r>
-            <a:r>
-              <a:rPr lang="el-GR" baseline="0" dirty="0" smtClean="0"/>
-              <a:t>έγινε από </a:t>
-            </a:r>
-            <a:r>
-              <a:rPr lang="en-US" baseline="0" dirty="0" smtClean="0"/>
-              <a:t>HCI experts </a:t>
-            </a:r>
-            <a:r>
-              <a:rPr lang="el-GR" baseline="0" dirty="0" smtClean="0"/>
-              <a:t>στον τομέα αυτόν και εγώ με την σειρά μου βοήθησα ώστε η ΠΚΔ να μπορεί να κάνει </a:t>
-            </a:r>
-            <a:r>
-              <a:rPr lang="en-US" baseline="0" dirty="0" smtClean="0"/>
-              <a:t>support </a:t>
-            </a:r>
-            <a:r>
-              <a:rPr lang="el-GR" baseline="0" dirty="0" smtClean="0"/>
-              <a:t>το </a:t>
-            </a:r>
-            <a:r>
-              <a:rPr lang="en-US" baseline="0" dirty="0" smtClean="0"/>
-              <a:t>UIE </a:t>
-            </a:r>
-            <a:r>
-              <a:rPr lang="el-GR" baseline="0" dirty="0" smtClean="0"/>
-              <a:t>καθώς επίσης είχα </a:t>
-            </a:r>
-            <a:r>
-              <a:rPr lang="en-US" baseline="0" dirty="0" smtClean="0"/>
-              <a:t>contribution </a:t>
-            </a:r>
-            <a:r>
-              <a:rPr lang="el-GR" baseline="0" dirty="0" smtClean="0"/>
-              <a:t>σε μερικά </a:t>
-            </a:r>
-            <a:r>
-              <a:rPr lang="en-US" baseline="0" dirty="0" smtClean="0"/>
-              <a:t>Interviews </a:t>
-            </a:r>
-            <a:r>
-              <a:rPr lang="el-GR" baseline="0" dirty="0" smtClean="0"/>
-              <a:t>της αξιολόγησης με πιθανούς χρήστες του συστήματος ώστε να πάρουμε </a:t>
-            </a:r>
-            <a:r>
-              <a:rPr lang="en-US" baseline="0" dirty="0" smtClean="0"/>
-              <a:t>feedback </a:t>
-            </a:r>
-            <a:r>
-              <a:rPr lang="el-GR" baseline="0" dirty="0" smtClean="0"/>
-              <a:t>για την πλατφόρμα μας.</a:t>
-            </a:r>
-            <a:r>
-              <a:rPr lang="en-US" baseline="0" dirty="0" smtClean="0"/>
-              <a:t> </a:t>
-            </a:r>
-            <a:endParaRPr lang="el-GR" baseline="0" dirty="0" smtClean="0"/>
-          </a:p>
-          <a:p>
-            <a:endParaRPr lang="el-GR" baseline="0" dirty="0" smtClean="0"/>
-          </a:p>
-          <a:p>
-            <a:r>
-              <a:rPr lang="el-GR" baseline="0" dirty="0" smtClean="0"/>
-              <a:t>Οι χρήστες που έλαβαν μέρος στην αξιολόγηση είχαν γνώση του τομέα των </a:t>
-            </a:r>
-            <a:r>
-              <a:rPr lang="en-US" baseline="0" dirty="0" smtClean="0"/>
-              <a:t>DevOps </a:t>
-            </a:r>
-            <a:r>
-              <a:rPr lang="el-GR" baseline="0" dirty="0" smtClean="0"/>
-              <a:t>και χρησιμοποιούσαν συστήματα όπως το </a:t>
-            </a:r>
-            <a:r>
-              <a:rPr lang="en-US" baseline="0" dirty="0" smtClean="0"/>
-              <a:t>GitHub, </a:t>
-            </a:r>
-            <a:r>
-              <a:rPr lang="el-GR" baseline="0" dirty="0" smtClean="0"/>
-              <a:t>το </a:t>
-            </a:r>
-            <a:r>
-              <a:rPr lang="en-US" baseline="0" dirty="0" smtClean="0"/>
-              <a:t>Chef supermarket </a:t>
-            </a:r>
-            <a:r>
-              <a:rPr lang="el-GR" baseline="0" dirty="0" smtClean="0"/>
-              <a:t>κα, καθώς επίσης και είχαν εμπειρία με </a:t>
-            </a:r>
-            <a:r>
-              <a:rPr lang="en-US" baseline="0" dirty="0" smtClean="0"/>
-              <a:t>Sites </a:t>
-            </a:r>
-            <a:r>
-              <a:rPr lang="el-GR" baseline="0" dirty="0" smtClean="0"/>
-              <a:t>κοινωνικής δικτύωσης όπως το </a:t>
-            </a:r>
-            <a:r>
-              <a:rPr lang="en-US" baseline="0" dirty="0" smtClean="0"/>
-              <a:t>LinkedIn kai </a:t>
-            </a:r>
-            <a:r>
-              <a:rPr lang="el-GR" baseline="0" dirty="0" smtClean="0"/>
-              <a:t>το </a:t>
-            </a:r>
-            <a:r>
-              <a:rPr lang="en-US" baseline="0" dirty="0" smtClean="0"/>
-              <a:t>Facebook.  </a:t>
-            </a:r>
-          </a:p>
-          <a:p>
-            <a:endParaRPr lang="en-US" baseline="0" dirty="0" smtClean="0"/>
-          </a:p>
-          <a:p>
-            <a:r>
-              <a:rPr lang="el-GR" baseline="0" dirty="0" smtClean="0"/>
-              <a:t>Τα στοιχεία των χρηστών αυτών φαίνονται στον πίνακα και χαρακτηριστικό είναι ότι οι 11 από τους 15 είχαν εμπειρία με  </a:t>
-            </a:r>
-            <a:r>
-              <a:rPr lang="en-US" baseline="0" dirty="0" smtClean="0"/>
-              <a:t>DevOps environments </a:t>
-            </a:r>
-            <a:r>
-              <a:rPr lang="el-GR" baseline="0" dirty="0" smtClean="0"/>
-              <a:t>πάνω από 2 χρόνια. </a:t>
-            </a:r>
-          </a:p>
-          <a:p>
-            <a:r>
-              <a:rPr lang="el-GR" baseline="0" dirty="0" smtClean="0"/>
-              <a:t>Οι χρήστες αυτοί συμμετείχαν στην αξιολόγηση η οποία έγινε ως εξής</a:t>
-            </a:r>
-            <a:endParaRPr lang="el-GR" dirty="0" smtClean="0"/>
-          </a:p>
-          <a:p>
-            <a:endParaRPr lang="el-GR" dirty="0"/>
-          </a:p>
-        </p:txBody>
-      </p:sp>
-      <p:sp>
-        <p:nvSpPr>
-          <p:cNvPr id="4" name="Slide Number Placeholder 3"/>
+              <a:t>Και</a:t>
+            </a:r>
+            <a:r>
+              <a:rPr lang="el-GR" baseline="0" dirty="0" smtClean="0"/>
+              <a:t> τώρα ας προχωρήσουμε με την αξιολόγηση του συστήματος.</a:t>
+            </a:r>
+            <a:endParaRPr lang="en-GB" dirty="0"/>
+          </a:p>
+        </p:txBody>
+      </p:sp>
+      <p:sp>
+        <p:nvSpPr>
+          <p:cNvPr id="4" name="3 - Θέση αριθμού διαφάνειας"/>
           <p:cNvSpPr>
             <a:spLocks noGrp="1"/>
           </p:cNvSpPr>
@@ -2701,7 +2530,7 @@
     </p:spTree>
     <p:extLst>
       <p:ext uri="{BB962C8B-B14F-4D97-AF65-F5344CB8AC3E}">
-        <p14:creationId xmlns:p14="http://schemas.microsoft.com/office/powerpoint/2010/main" val="1889932799"/>
+        <p14:creationId xmlns:p14="http://schemas.microsoft.com/office/powerpoint/2010/main" val="104371226"/>
       </p:ext>
     </p:extLst>
   </p:cSld>
@@ -2752,17 +2581,193 @@
         </p:nvSpPr>
         <p:spPr/>
         <p:txBody>
-          <a:bodyPr/>
+          <a:bodyPr>
+            <a:normAutofit fontScale="70000" lnSpcReduction="20000"/>
+          </a:bodyPr>
           <a:lstStyle/>
           <a:p>
             <a:r>
               <a:rPr lang="el-GR" dirty="0" smtClean="0"/>
-              <a:t>Ύστε</a:t>
-            </a:r>
-            <a:r>
-              <a:rPr lang="el-GR" baseline="0" dirty="0" smtClean="0"/>
-              <a:t>ρα από την παρουσίαση του δικού μας ΚΔ, οι χρήστες βρήκαν αρκετά χρήσιμές αυτές τις δυνατότητες.</a:t>
-            </a:r>
+              <a:t>Όσον</a:t>
+            </a:r>
+            <a:r>
+              <a:rPr lang="el-GR" baseline="0" dirty="0" smtClean="0"/>
+              <a:t> αφορά το </a:t>
+            </a:r>
+            <a:r>
+              <a:rPr lang="en-US" baseline="0" dirty="0" smtClean="0"/>
+              <a:t>UE</a:t>
+            </a:r>
+            <a:r>
+              <a:rPr lang="el-GR" baseline="0" dirty="0" smtClean="0"/>
+              <a:t>,</a:t>
+            </a:r>
+            <a:r>
+              <a:rPr lang="en-US" baseline="0" dirty="0" smtClean="0"/>
+              <a:t> </a:t>
+            </a:r>
+            <a:r>
+              <a:rPr lang="el-GR" baseline="0" dirty="0" smtClean="0"/>
+              <a:t>έ</a:t>
+            </a:r>
+            <a:r>
+              <a:rPr lang="el-GR" dirty="0" smtClean="0"/>
+              <a:t>γινε</a:t>
+            </a:r>
+            <a:r>
+              <a:rPr lang="el-GR" baseline="0" dirty="0" smtClean="0"/>
+              <a:t> εκτενής δουλειά στην οποία συμμετείχα…</a:t>
+            </a:r>
+            <a:endParaRPr lang="en-US" dirty="0" smtClean="0"/>
+          </a:p>
+          <a:p>
+            <a:endParaRPr lang="en-US" dirty="0" smtClean="0"/>
+          </a:p>
+          <a:p>
+            <a:r>
+              <a:rPr lang="en-US" dirty="0" smtClean="0"/>
+              <a:t>To user interface</a:t>
+            </a:r>
+            <a:r>
+              <a:rPr lang="en-US" baseline="0" dirty="0" smtClean="0"/>
+              <a:t> evaluation </a:t>
+            </a:r>
+            <a:r>
+              <a:rPr lang="el-GR" baseline="0" dirty="0" smtClean="0"/>
+              <a:t>έγινε από </a:t>
+            </a:r>
+            <a:r>
+              <a:rPr lang="en-US" baseline="0" dirty="0" smtClean="0"/>
+              <a:t>HCI experts </a:t>
+            </a:r>
+            <a:r>
+              <a:rPr lang="el-GR" baseline="0" dirty="0" smtClean="0"/>
+              <a:t>στον τομέα αυτόν και εγώ με την σειρά μου βοήθησα ώστε η ΠΚΔ να μπορεί να κάνει </a:t>
+            </a:r>
+            <a:r>
+              <a:rPr lang="en-US" baseline="0" dirty="0" smtClean="0"/>
+              <a:t>support </a:t>
+            </a:r>
+            <a:r>
+              <a:rPr lang="el-GR" baseline="0" dirty="0" smtClean="0"/>
+              <a:t>το </a:t>
+            </a:r>
+            <a:r>
+              <a:rPr lang="en-US" baseline="0" dirty="0" smtClean="0"/>
+              <a:t>UIE </a:t>
+            </a:r>
+            <a:r>
+              <a:rPr lang="el-GR" baseline="0" dirty="0" smtClean="0"/>
+              <a:t>καθώς επίσης είχα </a:t>
+            </a:r>
+            <a:r>
+              <a:rPr lang="en-US" baseline="0" dirty="0" smtClean="0"/>
+              <a:t>contribution </a:t>
+            </a:r>
+            <a:r>
+              <a:rPr lang="el-GR" baseline="0" dirty="0" smtClean="0"/>
+              <a:t>σε μερικά </a:t>
+            </a:r>
+            <a:r>
+              <a:rPr lang="en-US" baseline="0" dirty="0" smtClean="0"/>
+              <a:t>Interviews </a:t>
+            </a:r>
+            <a:r>
+              <a:rPr lang="el-GR" baseline="0" dirty="0" smtClean="0"/>
+              <a:t>της αξιολόγησης με πιθανούς χρήστες του συστήματος ώστε να πάρουμε </a:t>
+            </a:r>
+            <a:r>
+              <a:rPr lang="en-US" baseline="0" dirty="0" smtClean="0"/>
+              <a:t>feedback </a:t>
+            </a:r>
+            <a:r>
+              <a:rPr lang="el-GR" baseline="0" dirty="0" smtClean="0"/>
+              <a:t>για την πλατφόρμα μας.</a:t>
+            </a:r>
+            <a:r>
+              <a:rPr lang="en-US" baseline="0" dirty="0" smtClean="0"/>
+              <a:t> </a:t>
+            </a:r>
+            <a:endParaRPr lang="el-GR" baseline="0" dirty="0" smtClean="0"/>
+          </a:p>
+          <a:p>
+            <a:endParaRPr lang="el-GR" baseline="0" dirty="0" smtClean="0"/>
+          </a:p>
+          <a:p>
+            <a:r>
+              <a:rPr lang="el-GR" baseline="0" dirty="0" smtClean="0"/>
+              <a:t>Οι χρήστες που έλαβαν μέρος στην αξιολόγηση είχαν γνώση του τομέα των </a:t>
+            </a:r>
+            <a:r>
+              <a:rPr lang="en-US" baseline="0" dirty="0" smtClean="0"/>
+              <a:t>DevOps </a:t>
+            </a:r>
+            <a:r>
+              <a:rPr lang="el-GR" baseline="0" dirty="0" smtClean="0"/>
+              <a:t>και χρησιμοποιούσαν συστήματα όπως το </a:t>
+            </a:r>
+            <a:r>
+              <a:rPr lang="en-US" baseline="0" dirty="0" smtClean="0"/>
+              <a:t>GitHub, </a:t>
+            </a:r>
+            <a:r>
+              <a:rPr lang="el-GR" baseline="0" dirty="0" smtClean="0"/>
+              <a:t>το </a:t>
+            </a:r>
+            <a:r>
+              <a:rPr lang="en-US" baseline="0" dirty="0" smtClean="0"/>
+              <a:t>Chef supermarket </a:t>
+            </a:r>
+            <a:r>
+              <a:rPr lang="el-GR" baseline="0" dirty="0" smtClean="0"/>
+              <a:t>κα, καθώς επίσης και είχαν εμπειρία με </a:t>
+            </a:r>
+            <a:r>
+              <a:rPr lang="en-US" baseline="0" dirty="0" smtClean="0"/>
+              <a:t>Sites </a:t>
+            </a:r>
+            <a:r>
+              <a:rPr lang="el-GR" baseline="0" dirty="0" smtClean="0"/>
+              <a:t>κοινωνικής δικτύωσης όπως το </a:t>
+            </a:r>
+            <a:r>
+              <a:rPr lang="en-US" baseline="0" dirty="0" smtClean="0"/>
+              <a:t>LinkedIn kai </a:t>
+            </a:r>
+            <a:r>
+              <a:rPr lang="el-GR" baseline="0" dirty="0" smtClean="0"/>
+              <a:t>το </a:t>
+            </a:r>
+            <a:r>
+              <a:rPr lang="en-US" baseline="0" dirty="0" smtClean="0"/>
+              <a:t>Facebook.  </a:t>
+            </a:r>
+          </a:p>
+          <a:p>
+            <a:endParaRPr lang="en-US" baseline="0" dirty="0" smtClean="0"/>
+          </a:p>
+          <a:p>
+            <a:r>
+              <a:rPr lang="el-GR" baseline="0" dirty="0" smtClean="0"/>
+              <a:t>Τα στοιχεία των χρηστών αυτών φαίνονται στον πίνακα και χαρακτηριστικό είναι ότι οι 11 από τους 15 είχαν εμπειρία με  </a:t>
+            </a:r>
+            <a:r>
+              <a:rPr lang="en-US" baseline="0" dirty="0" smtClean="0"/>
+              <a:t>DevOps environments </a:t>
+            </a:r>
+            <a:r>
+              <a:rPr lang="el-GR" baseline="0" dirty="0" smtClean="0"/>
+              <a:t>πάνω από 2 χρόνια. </a:t>
+            </a:r>
+          </a:p>
+          <a:p>
+            <a:r>
+              <a:rPr lang="el-GR" baseline="0" dirty="0" smtClean="0"/>
+              <a:t>Οι χρήστες αυτοί συμμετείχαν στην αξιολόγηση η οποία έγινε ως εξής</a:t>
+            </a:r>
+            <a:endParaRPr lang="el-GR" dirty="0" smtClean="0"/>
+          </a:p>
+          <a:p>
             <a:endParaRPr lang="el-GR" dirty="0"/>
           </a:p>
         </p:txBody>
@@ -2794,7 +2799,7 @@
     </p:spTree>
     <p:extLst>
       <p:ext uri="{BB962C8B-B14F-4D97-AF65-F5344CB8AC3E}">
-        <p14:creationId xmlns:p14="http://schemas.microsoft.com/office/powerpoint/2010/main" val="591438824"/>
+        <p14:creationId xmlns:p14="http://schemas.microsoft.com/office/powerpoint/2010/main" val="1889932799"/>
       </p:ext>
     </p:extLst>
   </p:cSld>
@@ -2845,259 +2850,18 @@
         </p:nvSpPr>
         <p:spPr/>
         <p:txBody>
-          <a:bodyPr>
-            <a:normAutofit fontScale="55000" lnSpcReduction="20000"/>
-          </a:bodyPr>
-          <a:lstStyle/>
-          <a:p>
-            <a:r>
-              <a:rPr lang="el-GR" baseline="0" dirty="0" smtClean="0"/>
-              <a:t>Γενικά η </a:t>
-            </a:r>
-            <a:r>
-              <a:rPr lang="el-GR" baseline="0" dirty="0" err="1" smtClean="0"/>
-              <a:t>κλιμακοσημότητα</a:t>
-            </a:r>
-            <a:r>
-              <a:rPr lang="el-GR" baseline="0" dirty="0" smtClean="0"/>
-              <a:t> των κοινωνικών δικτύων έχει μελετηθεί αρκετά. Φανταστείτε πόσο σημαντικό είναι αυτό για το </a:t>
-            </a:r>
-            <a:r>
-              <a:rPr lang="en-US" baseline="0" dirty="0" err="1" smtClean="0"/>
-              <a:t>facebook</a:t>
-            </a:r>
-            <a:r>
-              <a:rPr lang="el-GR" baseline="0" dirty="0" smtClean="0"/>
-              <a:t> που έχει 1 δισεκατομμύριο χρήστες, όποτε η δουλεία αυτή έχει κοιταχτεί αρκετά</a:t>
-            </a:r>
-            <a:r>
-              <a:rPr lang="en-US" baseline="0" dirty="0" smtClean="0"/>
-              <a:t>.</a:t>
-            </a:r>
-            <a:r>
-              <a:rPr lang="el-GR" baseline="0" dirty="0" smtClean="0"/>
-              <a:t> Στο δικό μας πρωτότυπο πρόσθεσα το </a:t>
-            </a:r>
-            <a:r>
-              <a:rPr lang="en-US" baseline="0" dirty="0" smtClean="0"/>
-              <a:t>layer 2, </a:t>
-            </a:r>
-            <a:r>
-              <a:rPr lang="el-GR" baseline="0" dirty="0" smtClean="0"/>
-              <a:t>το πρώτο πράγμα που μπορεί να γίνει</a:t>
-            </a:r>
-            <a:r>
-              <a:rPr lang="en-US" baseline="0" dirty="0" smtClean="0"/>
-              <a:t> bottleneck </a:t>
-            </a:r>
-            <a:r>
-              <a:rPr lang="el-GR" baseline="0" dirty="0" smtClean="0"/>
-              <a:t>είναι η βάση δεδομένων. Ωστόσο, όπως θα δούμε και παρακάτω και η </a:t>
-            </a:r>
-            <a:r>
-              <a:rPr lang="en-US" baseline="0" dirty="0" smtClean="0"/>
-              <a:t>CPU </a:t>
-            </a:r>
-            <a:r>
-              <a:rPr lang="el-GR" baseline="0" dirty="0" smtClean="0"/>
-              <a:t>του 1 ήταν ένα πρόβλημα οπότε πρόσθεσα και περισσότερα από ένα </a:t>
-            </a:r>
-            <a:r>
-              <a:rPr lang="en-US" baseline="0" dirty="0" smtClean="0"/>
-              <a:t>SNE </a:t>
-            </a:r>
-            <a:r>
-              <a:rPr lang="el-GR" baseline="0" dirty="0" smtClean="0"/>
-              <a:t>στο </a:t>
-            </a:r>
-            <a:r>
-              <a:rPr lang="en-US" baseline="0" dirty="0" smtClean="0"/>
-              <a:t>layer 1</a:t>
-            </a:r>
-            <a:r>
-              <a:rPr lang="el-GR" baseline="0" dirty="0" smtClean="0"/>
-              <a:t>.</a:t>
-            </a:r>
-            <a:endParaRPr lang="en-US" baseline="0" dirty="0" smtClean="0"/>
-          </a:p>
-          <a:p>
-            <a:endParaRPr lang="el-GR" baseline="0" dirty="0" smtClean="0"/>
-          </a:p>
-          <a:p>
-            <a:r>
-              <a:rPr lang="el-GR" baseline="0" dirty="0" smtClean="0"/>
-              <a:t>Το </a:t>
-            </a:r>
-            <a:r>
-              <a:rPr lang="en-US" baseline="0" dirty="0" smtClean="0"/>
-              <a:t>SNE </a:t>
-            </a:r>
-            <a:r>
-              <a:rPr lang="el-GR" baseline="0" dirty="0" smtClean="0"/>
-              <a:t>χρησιμοποιεί το </a:t>
-            </a:r>
-            <a:r>
-              <a:rPr lang="en-US" baseline="0" dirty="0" smtClean="0"/>
-              <a:t>FS </a:t>
-            </a:r>
-            <a:r>
-              <a:rPr lang="el-GR" baseline="0" dirty="0" smtClean="0"/>
-              <a:t>έτσι ώστε να αποθηκεύει εκεί τις φωτογραφίες των χρηστών, των μοντέλων, των </a:t>
-            </a:r>
-            <a:r>
-              <a:rPr lang="en-US" baseline="0" dirty="0" smtClean="0"/>
-              <a:t>groups </a:t>
-            </a:r>
-            <a:r>
-              <a:rPr lang="el-GR" baseline="0" dirty="0" smtClean="0"/>
-              <a:t>κοκ. Για να διαμοιραστεί αυτή η πληροφορία σε όλα τα </a:t>
-            </a:r>
-            <a:r>
-              <a:rPr lang="en-US" baseline="0" dirty="0" smtClean="0"/>
-              <a:t>SNE instances </a:t>
-            </a:r>
-            <a:r>
-              <a:rPr lang="el-GR" baseline="0" dirty="0" smtClean="0"/>
-              <a:t>ένας </a:t>
-            </a:r>
-            <a:r>
-              <a:rPr lang="en-US" baseline="0" dirty="0" smtClean="0"/>
-              <a:t>NFS server </a:t>
-            </a:r>
-            <a:r>
-              <a:rPr lang="el-GR" baseline="0" dirty="0" smtClean="0"/>
-              <a:t>έγινε </a:t>
-            </a:r>
-            <a:r>
-              <a:rPr lang="en-US" baseline="0" dirty="0" smtClean="0"/>
-              <a:t>deploy </a:t>
-            </a:r>
-            <a:r>
-              <a:rPr lang="el-GR" baseline="0" dirty="0" smtClean="0"/>
-              <a:t>στο πρώτο </a:t>
-            </a:r>
-            <a:r>
-              <a:rPr lang="en-US" baseline="0" dirty="0" smtClean="0"/>
-              <a:t>instance </a:t>
-            </a:r>
-            <a:r>
-              <a:rPr lang="el-GR" baseline="0" dirty="0" smtClean="0"/>
-              <a:t>από αυτά και τα υπόλοιπα </a:t>
-            </a:r>
-            <a:r>
-              <a:rPr lang="en-US" baseline="0" dirty="0" smtClean="0"/>
-              <a:t>instances </a:t>
-            </a:r>
-            <a:r>
-              <a:rPr lang="el-GR" baseline="0" dirty="0" smtClean="0"/>
-              <a:t>έχουν μαζί τους έναν </a:t>
-            </a:r>
-            <a:r>
-              <a:rPr lang="en-US" baseline="0" dirty="0" smtClean="0"/>
-              <a:t>NFS client </a:t>
-            </a:r>
-            <a:r>
-              <a:rPr lang="el-GR" baseline="0" dirty="0" smtClean="0"/>
-              <a:t>ώστε να μπορούν να προσπελάσουν την ίδια πληροφορία.</a:t>
-            </a:r>
-          </a:p>
-          <a:p>
-            <a:endParaRPr lang="el-GR" baseline="0" dirty="0" smtClean="0"/>
-          </a:p>
+          <a:bodyPr/>
+          <a:lstStyle/>
           <a:p>
             <a:r>
               <a:rPr lang="el-GR" dirty="0" smtClean="0"/>
-              <a:t>Για</a:t>
-            </a:r>
-            <a:r>
-              <a:rPr lang="el-GR" baseline="0" dirty="0" smtClean="0"/>
-              <a:t> να αποφευχθεί η πιθανότητα δύο </a:t>
-            </a:r>
-            <a:r>
-              <a:rPr lang="en-US" baseline="0" dirty="0" smtClean="0"/>
-              <a:t>SNE instances </a:t>
-            </a:r>
-            <a:r>
-              <a:rPr lang="el-GR" baseline="0" dirty="0" smtClean="0"/>
-              <a:t>να προσπαθήσουν να γράψουν σε κάποιο αρχείο την ίδια στιγμή ο </a:t>
-            </a:r>
-            <a:r>
-              <a:rPr lang="en-US" baseline="0" dirty="0" smtClean="0"/>
-              <a:t>Apache </a:t>
-            </a:r>
-            <a:r>
-              <a:rPr lang="en-US" baseline="0" dirty="0" err="1" smtClean="0"/>
-              <a:t>ZooKeeper</a:t>
-            </a:r>
-            <a:r>
-              <a:rPr lang="en-US" baseline="0" dirty="0" smtClean="0"/>
-              <a:t> </a:t>
-            </a:r>
-            <a:r>
-              <a:rPr lang="el-GR" baseline="0" dirty="0" smtClean="0"/>
-              <a:t>χρησιμοποιήθηκε για παρέχει τον συντονισμό μέσω των </a:t>
-            </a:r>
-            <a:r>
-              <a:rPr lang="en-US" baseline="0" dirty="0" smtClean="0"/>
-              <a:t>SNE </a:t>
-            </a:r>
-            <a:r>
-              <a:rPr lang="el-GR" baseline="0" dirty="0" smtClean="0"/>
-              <a:t>τα οποία </a:t>
-            </a:r>
-            <a:r>
-              <a:rPr lang="el-GR" baseline="0" dirty="0" err="1" smtClean="0"/>
-              <a:t>προσπελαύνουν</a:t>
-            </a:r>
-            <a:r>
-              <a:rPr lang="el-GR" baseline="0" dirty="0" smtClean="0"/>
-              <a:t> το </a:t>
-            </a:r>
-            <a:r>
-              <a:rPr lang="en-US" baseline="0" dirty="0" smtClean="0"/>
-              <a:t>FS.</a:t>
-            </a:r>
-          </a:p>
-          <a:p>
-            <a:endParaRPr lang="el-GR" baseline="0" dirty="0" smtClean="0"/>
-          </a:p>
-          <a:p>
-            <a:r>
-              <a:rPr lang="el-GR" baseline="0" dirty="0" smtClean="0"/>
-              <a:t>Το </a:t>
-            </a:r>
-            <a:r>
-              <a:rPr lang="en-US" baseline="0" dirty="0" smtClean="0"/>
-              <a:t>deployment </a:t>
-            </a:r>
-            <a:r>
-              <a:rPr lang="el-GR" baseline="0" dirty="0" smtClean="0"/>
-              <a:t>της αρχιτεκτονικής έγινε στο </a:t>
-            </a:r>
-            <a:r>
-              <a:rPr lang="en-US" baseline="0" dirty="0" smtClean="0"/>
-              <a:t>Amazon EC2</a:t>
-            </a:r>
-            <a:r>
-              <a:rPr lang="el-GR" baseline="0" dirty="0" smtClean="0"/>
-              <a:t> και οι τύποι </a:t>
-            </a:r>
-            <a:r>
-              <a:rPr lang="en-US" baseline="0" dirty="0" smtClean="0"/>
-              <a:t>VM </a:t>
-            </a:r>
-            <a:r>
-              <a:rPr lang="el-GR" baseline="0" dirty="0" smtClean="0"/>
-              <a:t>που χρησιμοποιήθηκαν φαίνονται στο σχήμα για κάθε </a:t>
-            </a:r>
-            <a:r>
-              <a:rPr lang="en-US" baseline="0" dirty="0" smtClean="0"/>
-              <a:t>VM </a:t>
-            </a:r>
-            <a:r>
-              <a:rPr lang="el-GR" baseline="0" dirty="0" smtClean="0"/>
-              <a:t>του συστήματος. </a:t>
-            </a:r>
+              <a:t>Ύστε</a:t>
+            </a:r>
+            <a:r>
+              <a:rPr lang="el-GR" baseline="0" dirty="0" smtClean="0"/>
+              <a:t>ρα από την παρουσίαση του δικού μας ΚΔ, οι χρήστες βρήκαν αρκετά χρήσιμές αυτές τις δυνατότητες.</a:t>
+            </a:r>
+            <a:endParaRPr lang="el-GR" dirty="0"/>
           </a:p>
         </p:txBody>
       </p:sp>
@@ -3128,7 +2892,7 @@
     </p:spTree>
     <p:extLst>
       <p:ext uri="{BB962C8B-B14F-4D97-AF65-F5344CB8AC3E}">
-        <p14:creationId xmlns:p14="http://schemas.microsoft.com/office/powerpoint/2010/main" val="914940826"/>
+        <p14:creationId xmlns:p14="http://schemas.microsoft.com/office/powerpoint/2010/main" val="591438824"/>
       </p:ext>
     </p:extLst>
   </p:cSld>
@@ -3311,75 +3075,182 @@
           <a:p>
             <a:r>
               <a:rPr lang="el-GR" baseline="0" dirty="0" smtClean="0"/>
-              <a:t>Τρία </a:t>
-            </a:r>
-            <a:r>
-              <a:rPr lang="el-GR" baseline="0" dirty="0" smtClean="0"/>
-              <a:t>διαφορετικά</a:t>
+              <a:t>Γενικά η </a:t>
+            </a:r>
+            <a:r>
+              <a:rPr lang="el-GR" baseline="0" dirty="0" err="1" smtClean="0"/>
+              <a:t>κλιμακοσημότητα</a:t>
+            </a:r>
+            <a:r>
+              <a:rPr lang="el-GR" baseline="0" dirty="0" smtClean="0"/>
+              <a:t> των κοινωνικών δικτύων έχει μελετηθεί αρκετά. Φανταστείτε πόσο σημαντικό είναι αυτό για το </a:t>
+            </a:r>
+            <a:r>
+              <a:rPr lang="en-US" baseline="0" dirty="0" err="1" smtClean="0"/>
+              <a:t>facebook</a:t>
+            </a:r>
+            <a:r>
+              <a:rPr lang="el-GR" baseline="0" dirty="0" smtClean="0"/>
+              <a:t> που έχει 1 δισεκατομμύριο χρήστες, όποτε η δουλεία αυτή έχει κοιταχτεί αρκετά</a:t>
             </a:r>
             <a:r>
               <a:rPr lang="en-US" baseline="0" dirty="0" smtClean="0"/>
-              <a:t> loads </a:t>
-            </a:r>
-            <a:r>
-              <a:rPr lang="el-GR" baseline="0" dirty="0" smtClean="0"/>
-              <a:t>χρησιμοποιήθηκαν</a:t>
-            </a:r>
-            <a:r>
-              <a:rPr lang="el-GR" baseline="0" dirty="0" smtClean="0"/>
-              <a:t>, </a:t>
-            </a:r>
-            <a:r>
-              <a:rPr lang="el-GR" baseline="0" dirty="0" smtClean="0"/>
-              <a:t>για παράδειγμα στο </a:t>
+              <a:t>.</a:t>
+            </a:r>
+            <a:r>
+              <a:rPr lang="el-GR" baseline="0" dirty="0" smtClean="0"/>
+              <a:t> Στο δικό μας πρωτότυπο πρόσθεσα το </a:t>
             </a:r>
             <a:r>
               <a:rPr lang="en-US" baseline="0" dirty="0" smtClean="0"/>
-              <a:t>load1 </a:t>
-            </a:r>
-            <a:r>
-              <a:rPr lang="el-GR" baseline="0" dirty="0" smtClean="0"/>
-              <a:t>10 χρήστες έστελναν </a:t>
+              <a:t>layer 2, </a:t>
+            </a:r>
+            <a:r>
+              <a:rPr lang="el-GR" baseline="0" dirty="0" smtClean="0"/>
+              <a:t>το πρώτο πράγμα που μπορεί να γίνει</a:t>
             </a:r>
             <a:r>
               <a:rPr lang="en-US" baseline="0" dirty="0" smtClean="0"/>
-              <a:t>request </a:t>
-            </a:r>
-            <a:r>
-              <a:rPr lang="el-GR" baseline="0" dirty="0" smtClean="0"/>
-              <a:t>να λάβουν διαδοχικά 2 </a:t>
+              <a:t> bottleneck </a:t>
+            </a:r>
+            <a:r>
+              <a:rPr lang="el-GR" baseline="0" dirty="0" smtClean="0"/>
+              <a:t>είναι η βάση δεδομένων. Ωστόσο, όπως θα δούμε και παρακάτω και η </a:t>
             </a:r>
             <a:r>
               <a:rPr lang="en-US" baseline="0" dirty="0" smtClean="0"/>
-              <a:t>applications </a:t>
-            </a:r>
-            <a:r>
-              <a:rPr lang="el-GR" baseline="0" dirty="0" smtClean="0"/>
-              <a:t>με τα </a:t>
+              <a:t>CPU </a:t>
+            </a:r>
+            <a:r>
+              <a:rPr lang="el-GR" baseline="0" dirty="0" smtClean="0"/>
+              <a:t>του 1 ήταν ένα πρόβλημα οπότε πρόσθεσα και περισσότερα από ένα </a:t>
             </a:r>
             <a:r>
               <a:rPr lang="en-US" baseline="0" dirty="0" smtClean="0"/>
-              <a:t>executions </a:t>
-            </a:r>
-            <a:r>
-              <a:rPr lang="el-GR" baseline="0" dirty="0" smtClean="0"/>
-              <a:t>αυτών. Τα </a:t>
+              <a:t>SNE </a:t>
+            </a:r>
+            <a:r>
+              <a:rPr lang="el-GR" baseline="0" dirty="0" smtClean="0"/>
+              <a:t>στο </a:t>
             </a:r>
             <a:r>
               <a:rPr lang="en-US" baseline="0" dirty="0" smtClean="0"/>
-              <a:t>application </a:t>
-            </a:r>
-            <a:r>
-              <a:rPr lang="el-GR" baseline="0" dirty="0" smtClean="0"/>
-              <a:t>αυτά είχαν 10 διαφορετικά </a:t>
+              <a:t>layer 1</a:t>
+            </a:r>
+            <a:r>
+              <a:rPr lang="el-GR" baseline="0" dirty="0" smtClean="0"/>
+              <a:t>.</a:t>
+            </a:r>
+            <a:endParaRPr lang="en-US" baseline="0" dirty="0" smtClean="0"/>
+          </a:p>
+          <a:p>
+            <a:endParaRPr lang="el-GR" baseline="0" dirty="0" smtClean="0"/>
+          </a:p>
+          <a:p>
+            <a:r>
+              <a:rPr lang="el-GR" baseline="0" dirty="0" smtClean="0"/>
+              <a:t>Το </a:t>
             </a:r>
             <a:r>
               <a:rPr lang="en-US" baseline="0" dirty="0" smtClean="0"/>
-              <a:t>executions</a:t>
-            </a:r>
-            <a:r>
-              <a:rPr lang="el-GR" baseline="0" dirty="0" smtClean="0"/>
-              <a:t>.</a:t>
+              <a:t>SNE </a:t>
+            </a:r>
+            <a:r>
+              <a:rPr lang="el-GR" baseline="0" dirty="0" smtClean="0"/>
+              <a:t>χρησιμοποιεί το </a:t>
+            </a:r>
+            <a:r>
+              <a:rPr lang="en-US" baseline="0" dirty="0" smtClean="0"/>
+              <a:t>FS </a:t>
+            </a:r>
+            <a:r>
+              <a:rPr lang="el-GR" baseline="0" dirty="0" smtClean="0"/>
+              <a:t>έτσι ώστε να αποθηκεύει εκεί τις φωτογραφίες των χρηστών, των μοντέλων, των </a:t>
+            </a:r>
+            <a:r>
+              <a:rPr lang="en-US" baseline="0" dirty="0" smtClean="0"/>
+              <a:t>groups </a:t>
+            </a:r>
+            <a:r>
+              <a:rPr lang="el-GR" baseline="0" dirty="0" smtClean="0"/>
+              <a:t>κοκ. Για να διαμοιραστεί αυτή η πληροφορία σε όλα τα </a:t>
+            </a:r>
+            <a:r>
+              <a:rPr lang="en-US" baseline="0" dirty="0" smtClean="0"/>
+              <a:t>SNE instances </a:t>
+            </a:r>
+            <a:r>
+              <a:rPr lang="el-GR" baseline="0" dirty="0" smtClean="0"/>
+              <a:t>ένας </a:t>
+            </a:r>
+            <a:r>
+              <a:rPr lang="en-US" baseline="0" dirty="0" smtClean="0"/>
+              <a:t>NFS server </a:t>
+            </a:r>
+            <a:r>
+              <a:rPr lang="el-GR" baseline="0" dirty="0" smtClean="0"/>
+              <a:t>έγινε </a:t>
+            </a:r>
+            <a:r>
+              <a:rPr lang="en-US" baseline="0" dirty="0" smtClean="0"/>
+              <a:t>deploy </a:t>
+            </a:r>
+            <a:r>
+              <a:rPr lang="el-GR" baseline="0" dirty="0" smtClean="0"/>
+              <a:t>στο πρώτο </a:t>
+            </a:r>
+            <a:r>
+              <a:rPr lang="en-US" baseline="0" dirty="0" smtClean="0"/>
+              <a:t>instance </a:t>
+            </a:r>
+            <a:r>
+              <a:rPr lang="el-GR" baseline="0" dirty="0" smtClean="0"/>
+              <a:t>από αυτά και τα υπόλοιπα </a:t>
+            </a:r>
+            <a:r>
+              <a:rPr lang="en-US" baseline="0" dirty="0" smtClean="0"/>
+              <a:t>instances </a:t>
+            </a:r>
+            <a:r>
+              <a:rPr lang="el-GR" baseline="0" dirty="0" smtClean="0"/>
+              <a:t>έχουν μαζί τους έναν </a:t>
+            </a:r>
+            <a:r>
+              <a:rPr lang="en-US" baseline="0" dirty="0" smtClean="0"/>
+              <a:t>NFS client </a:t>
+            </a:r>
+            <a:r>
+              <a:rPr lang="el-GR" baseline="0" dirty="0" smtClean="0"/>
+              <a:t>ώστε να μπορούν να προσπελάσουν την ίδια πληροφορία.</a:t>
+            </a:r>
+          </a:p>
+          <a:p>
+            <a:endParaRPr lang="el-GR" baseline="0" dirty="0" smtClean="0"/>
+          </a:p>
+          <a:p>
+            <a:r>
+              <a:rPr lang="el-GR" dirty="0" smtClean="0"/>
+              <a:t>Για</a:t>
+            </a:r>
+            <a:r>
+              <a:rPr lang="el-GR" baseline="0" dirty="0" smtClean="0"/>
+              <a:t> να αποφευχθεί η πιθανότητα δύο </a:t>
+            </a:r>
+            <a:r>
+              <a:rPr lang="en-US" baseline="0" dirty="0" smtClean="0"/>
+              <a:t>SNE instances </a:t>
+            </a:r>
+            <a:r>
+              <a:rPr lang="el-GR" baseline="0" dirty="0" smtClean="0"/>
+              <a:t>να προσπαθήσουν να γράψουν σε κάποιο αρχείο την ίδια στιγμή ο </a:t>
+            </a:r>
+            <a:r>
+              <a:rPr lang="en-US" baseline="0" dirty="0" smtClean="0"/>
+              <a:t>Apache </a:t>
+            </a:r>
+            <a:r>
+              <a:rPr lang="en-US" baseline="0" dirty="0" err="1" smtClean="0"/>
+              <a:t>ZooKeeper</a:t>
             </a:r>
             <a:r>
               <a:rPr lang="en-US" baseline="0" dirty="0" smtClean="0"/>
@@ -3387,72 +3258,7 @@
             </a:r>
             <a:r>
               <a:rPr lang="el-GR" baseline="0" dirty="0" smtClean="0"/>
-              <a:t>Για κάθε </a:t>
-            </a:r>
-            <a:r>
-              <a:rPr lang="en-US" baseline="0" dirty="0" smtClean="0"/>
-              <a:t>load </a:t>
-            </a:r>
-            <a:r>
-              <a:rPr lang="el-GR" baseline="0" dirty="0" smtClean="0"/>
-              <a:t>η διαδικασία επαναλήφθηκε 100 φορές διαδοχικά. Για την προσομοίωση των χρηστών και για την μέτρηση του </a:t>
-            </a:r>
-            <a:r>
-              <a:rPr lang="en-US" baseline="0" dirty="0" smtClean="0"/>
-              <a:t>RT </a:t>
-            </a:r>
-            <a:r>
-              <a:rPr lang="el-GR" baseline="0" dirty="0" smtClean="0"/>
-              <a:t>ο </a:t>
-            </a:r>
-            <a:r>
-              <a:rPr lang="en-US" baseline="0" dirty="0" smtClean="0"/>
-              <a:t>Apache Jmeter </a:t>
-            </a:r>
-            <a:r>
-              <a:rPr lang="el-GR" baseline="0" dirty="0" smtClean="0"/>
-              <a:t>χρησιμοποιήθηκε.  </a:t>
-            </a:r>
-          </a:p>
-          <a:p>
-            <a:endParaRPr lang="el-GR" baseline="0" dirty="0" smtClean="0"/>
-          </a:p>
-          <a:p>
-            <a:r>
-              <a:rPr lang="el-GR" baseline="0" dirty="0" smtClean="0"/>
-              <a:t>Όσον αφορά το </a:t>
-            </a:r>
-            <a:r>
-              <a:rPr lang="en-US" baseline="0" dirty="0" smtClean="0"/>
-              <a:t>configuration </a:t>
-            </a:r>
-            <a:r>
-              <a:rPr lang="el-GR" baseline="0" dirty="0" smtClean="0"/>
-              <a:t>τώρα, στο </a:t>
-            </a:r>
-            <a:r>
-              <a:rPr lang="en-US" baseline="0" dirty="0" smtClean="0"/>
-              <a:t>C1</a:t>
-            </a:r>
-            <a:r>
-              <a:rPr lang="el-GR" baseline="0" dirty="0" smtClean="0"/>
-              <a:t>, δεν έχουμε κανένα </a:t>
-            </a:r>
-            <a:r>
-              <a:rPr lang="en-US" baseline="0" dirty="0" smtClean="0"/>
-              <a:t>Memcached node </a:t>
-            </a:r>
-            <a:r>
-              <a:rPr lang="el-GR" baseline="0" dirty="0" smtClean="0"/>
-              <a:t>στο </a:t>
-            </a:r>
-            <a:r>
-              <a:rPr lang="en-US" baseline="0" dirty="0" smtClean="0"/>
-              <a:t>layer 2</a:t>
-            </a:r>
-            <a:r>
-              <a:rPr lang="el-GR" baseline="0" dirty="0" smtClean="0"/>
-              <a:t> και το </a:t>
+              <a:t>χρησιμοποιήθηκε για παρέχει τον συντονισμό μέσω των </a:t>
             </a:r>
             <a:r>
               <a:rPr lang="en-US" baseline="0" dirty="0" smtClean="0"/>
@@ -3460,173 +3266,61 @@
             </a:r>
             <a:r>
               <a:rPr lang="el-GR" baseline="0" dirty="0" smtClean="0"/>
-              <a:t>πάει κατευθείαν στα </a:t>
+              <a:t>τα οποία </a:t>
+            </a:r>
+            <a:r>
+              <a:rPr lang="el-GR" baseline="0" dirty="0" err="1" smtClean="0"/>
+              <a:t>προσπελαύνουν</a:t>
+            </a:r>
+            <a:r>
+              <a:rPr lang="el-GR" baseline="0" dirty="0" smtClean="0"/>
+              <a:t> το </a:t>
             </a:r>
             <a:r>
               <a:rPr lang="en-US" baseline="0" dirty="0" smtClean="0"/>
-              <a:t>repositories </a:t>
-            </a:r>
-            <a:r>
-              <a:rPr lang="el-GR" baseline="0" dirty="0" smtClean="0"/>
-              <a:t>για να εξάγει την πληροφορία που χρειάζεται. </a:t>
+              <a:t>FS.</a:t>
+            </a:r>
+          </a:p>
+          <a:p>
+            <a:endParaRPr lang="el-GR" baseline="0" dirty="0" smtClean="0"/>
+          </a:p>
+          <a:p>
+            <a:r>
+              <a:rPr lang="el-GR" baseline="0" dirty="0" smtClean="0"/>
+              <a:t>Το </a:t>
             </a:r>
             <a:r>
               <a:rPr lang="en-US" baseline="0" dirty="0" smtClean="0"/>
-              <a:t> </a:t>
-            </a:r>
-            <a:r>
-              <a:rPr lang="el-GR" baseline="0" dirty="0" smtClean="0"/>
-              <a:t>Έτσι για το </a:t>
+              <a:t>deployment </a:t>
+            </a:r>
+            <a:r>
+              <a:rPr lang="el-GR" baseline="0" dirty="0" smtClean="0"/>
+              <a:t>της αρχιτεκτονικής έγινε στο </a:t>
             </a:r>
             <a:r>
               <a:rPr lang="en-US" baseline="0" dirty="0" smtClean="0"/>
-              <a:t>L3 </a:t>
-            </a:r>
-            <a:r>
-              <a:rPr lang="el-GR" baseline="0" dirty="0" smtClean="0"/>
-              <a:t>το </a:t>
+              <a:t>Amazon EC2</a:t>
+            </a:r>
+            <a:r>
+              <a:rPr lang="el-GR" baseline="0" dirty="0" smtClean="0"/>
+              <a:t> και οι τύποι </a:t>
             </a:r>
             <a:r>
               <a:rPr lang="en-US" baseline="0" dirty="0" smtClean="0"/>
-              <a:t>RT </a:t>
-            </a:r>
-            <a:r>
-              <a:rPr lang="el-GR" baseline="0" dirty="0" smtClean="0"/>
-              <a:t>φτάνει τα κοντά στα 8.8 </a:t>
+              <a:t>VM </a:t>
+            </a:r>
+            <a:r>
+              <a:rPr lang="el-GR" baseline="0" dirty="0" smtClean="0"/>
+              <a:t>που χρησιμοποιήθηκαν φαίνονται στο σχήμα για κάθε </a:t>
             </a:r>
             <a:r>
               <a:rPr lang="en-US" baseline="0" dirty="0" smtClean="0"/>
-              <a:t>seconds. </a:t>
-            </a:r>
-          </a:p>
-          <a:p>
-            <a:endParaRPr lang="en-US" baseline="0" dirty="0" smtClean="0"/>
-          </a:p>
-          <a:p>
-            <a:r>
-              <a:rPr lang="el-GR" baseline="0" dirty="0" smtClean="0"/>
-              <a:t>Ενώ για το </a:t>
-            </a:r>
-            <a:r>
-              <a:rPr lang="en-US" baseline="0" dirty="0" smtClean="0"/>
-              <a:t>C2 </a:t>
-            </a:r>
-            <a:r>
-              <a:rPr lang="el-GR" baseline="0" dirty="0" smtClean="0"/>
-              <a:t>το </a:t>
-            </a:r>
-            <a:r>
-              <a:rPr lang="en-US" baseline="0" dirty="0" smtClean="0"/>
-              <a:t>RT</a:t>
-            </a:r>
-            <a:r>
-              <a:rPr lang="el-GR" baseline="0" dirty="0" smtClean="0"/>
-              <a:t> πέφτει στο 1.7 </a:t>
-            </a:r>
-            <a:r>
-              <a:rPr lang="en-US" baseline="0" dirty="0" smtClean="0"/>
-              <a:t>seconds </a:t>
-            </a:r>
-            <a:r>
-              <a:rPr lang="el-GR" baseline="0" dirty="0" smtClean="0"/>
-              <a:t>για το ίδιο φόρτο. Αυτή η τεράστια μείωση οφείλετε στο ότι πλέον το</a:t>
-            </a:r>
-            <a:r>
-              <a:rPr lang="en-US" baseline="0" dirty="0" smtClean="0"/>
-              <a:t> SNE </a:t>
-            </a:r>
-            <a:r>
-              <a:rPr lang="el-GR" baseline="0" dirty="0" smtClean="0"/>
-              <a:t>δεν χρειάζεται να πηγαίνει μέσα από το </a:t>
-            </a:r>
-            <a:r>
-              <a:rPr lang="en-US" baseline="0" dirty="0" smtClean="0"/>
-              <a:t>CDO client – server </a:t>
-            </a:r>
-            <a:r>
-              <a:rPr lang="el-GR" baseline="0" dirty="0" smtClean="0"/>
-              <a:t>για να πάρει τα </a:t>
-            </a:r>
-            <a:r>
-              <a:rPr lang="en-US" baseline="0" dirty="0" smtClean="0"/>
-              <a:t>execution </a:t>
-            </a:r>
-            <a:r>
-              <a:rPr lang="el-GR" baseline="0" dirty="0" smtClean="0"/>
-              <a:t>των εφαρμογών καθώς επίσης ούτε στην βάση δεδομένων του ΚΔ για να εξάγει την </a:t>
-            </a:r>
-            <a:r>
-              <a:rPr lang="en-US" baseline="0" dirty="0" smtClean="0"/>
-              <a:t>Social </a:t>
-            </a:r>
-            <a:r>
-              <a:rPr lang="el-GR" baseline="0" dirty="0" smtClean="0"/>
-              <a:t>πληροφορία αφού αυτή η πληροφορία υπάρχει πλέον στην </a:t>
-            </a:r>
-            <a:r>
-              <a:rPr lang="en-US" baseline="0" dirty="0" smtClean="0"/>
-              <a:t>Memcached</a:t>
-            </a:r>
-            <a:r>
-              <a:rPr lang="el-GR" baseline="0" dirty="0" smtClean="0"/>
-              <a:t>. </a:t>
-            </a:r>
-            <a:endParaRPr lang="en-US" baseline="0" dirty="0" smtClean="0"/>
-          </a:p>
-          <a:p>
-            <a:endParaRPr lang="en-US" baseline="0" dirty="0" smtClean="0"/>
-          </a:p>
-          <a:p>
-            <a:r>
-              <a:rPr lang="el-GR" baseline="0" dirty="0" smtClean="0"/>
-              <a:t>Στο </a:t>
-            </a:r>
-            <a:r>
-              <a:rPr lang="en-US" baseline="0" dirty="0" smtClean="0"/>
-              <a:t>C3 </a:t>
-            </a:r>
-            <a:r>
-              <a:rPr lang="el-GR" baseline="0" dirty="0" smtClean="0"/>
-              <a:t>το </a:t>
-            </a:r>
-            <a:r>
-              <a:rPr lang="en-US" baseline="0" dirty="0" smtClean="0"/>
-              <a:t>RT </a:t>
-            </a:r>
-            <a:r>
-              <a:rPr lang="el-GR" baseline="0" dirty="0" smtClean="0"/>
-              <a:t>πέφτει στο 1 </a:t>
-            </a:r>
-            <a:r>
-              <a:rPr lang="en-US" baseline="0" dirty="0" smtClean="0"/>
-              <a:t>second. </a:t>
-            </a:r>
-            <a:r>
-              <a:rPr lang="el-GR" baseline="0" dirty="0" smtClean="0"/>
-              <a:t>Αυτό οφείλετε στο ότι προστέθηκε άλλος ένας </a:t>
-            </a:r>
-            <a:r>
-              <a:rPr lang="en-US" baseline="0" dirty="0" smtClean="0"/>
-              <a:t>Memcached </a:t>
-            </a:r>
-            <a:r>
-              <a:rPr lang="el-GR" baseline="0" dirty="0" smtClean="0"/>
-              <a:t>κόμβος και όπως θα δούμε παρακάτω αυξήθηκαν τα </a:t>
-            </a:r>
-            <a:r>
-              <a:rPr lang="en-US" baseline="0" dirty="0" smtClean="0"/>
-              <a:t>CPU cores </a:t>
-            </a:r>
-            <a:r>
-              <a:rPr lang="el-GR" baseline="0" dirty="0" smtClean="0"/>
-              <a:t>του συστήματος.</a:t>
-            </a:r>
-          </a:p>
-          <a:p>
-            <a:endParaRPr lang="el-GR" baseline="0" dirty="0" smtClean="0"/>
-          </a:p>
-          <a:p>
-            <a:endParaRPr lang="el-GR" dirty="0"/>
+              <a:t>VM </a:t>
+            </a:r>
+            <a:r>
+              <a:rPr lang="el-GR" baseline="0" dirty="0" smtClean="0"/>
+              <a:t>του συστήματος. </a:t>
+            </a:r>
           </a:p>
         </p:txBody>
       </p:sp>
@@ -3657,7 +3351,7 @@
     </p:spTree>
     <p:extLst>
       <p:ext uri="{BB962C8B-B14F-4D97-AF65-F5344CB8AC3E}">
-        <p14:creationId xmlns:p14="http://schemas.microsoft.com/office/powerpoint/2010/main" val="3183423334"/>
+        <p14:creationId xmlns:p14="http://schemas.microsoft.com/office/powerpoint/2010/main" val="914940826"/>
       </p:ext>
     </p:extLst>
   </p:cSld>
@@ -3708,32 +3402,294 @@
         </p:nvSpPr>
         <p:spPr/>
         <p:txBody>
-          <a:bodyPr/>
-          <a:lstStyle/>
-          <a:p>
-            <a:r>
-              <a:rPr lang="el-GR" dirty="0" smtClean="0"/>
-              <a:t>Το διάγραμμα</a:t>
-            </a:r>
-            <a:r>
-              <a:rPr lang="el-GR" baseline="0" dirty="0" smtClean="0"/>
-              <a:t> αυτό απευθύνεται στο δεύτερο </a:t>
+          <a:bodyPr>
+            <a:normAutofit fontScale="55000" lnSpcReduction="20000"/>
+          </a:bodyPr>
+          <a:lstStyle/>
+          <a:p>
+            <a:r>
+              <a:rPr lang="el-GR" baseline="0" dirty="0" smtClean="0"/>
+              <a:t>Τρία διαφορετικά</a:t>
             </a:r>
             <a:r>
               <a:rPr lang="en-US" baseline="0" dirty="0" smtClean="0"/>
-              <a:t>deployment </a:t>
-            </a:r>
-            <a:r>
-              <a:rPr lang="el-GR" baseline="0" dirty="0" smtClean="0"/>
-              <a:t>όπου στο </a:t>
+              <a:t> loads </a:t>
+            </a:r>
+            <a:r>
+              <a:rPr lang="el-GR" baseline="0" dirty="0" smtClean="0"/>
+              <a:t>χρησιμοποιήθηκαν, για παράδειγμα στο </a:t>
             </a:r>
             <a:r>
               <a:rPr lang="en-US" baseline="0" dirty="0" smtClean="0"/>
-              <a:t>layer 2 </a:t>
-            </a:r>
-            <a:r>
-              <a:rPr lang="el-GR" baseline="0" dirty="0" smtClean="0"/>
-              <a:t>έχουμε μόνο μια </a:t>
+              <a:t>load1 </a:t>
+            </a:r>
+            <a:r>
+              <a:rPr lang="el-GR" baseline="0" dirty="0" smtClean="0"/>
+              <a:t>10 χρήστες έστελναν </a:t>
+            </a:r>
+            <a:r>
+              <a:rPr lang="en-US" baseline="0" dirty="0" smtClean="0"/>
+              <a:t>request </a:t>
+            </a:r>
+            <a:r>
+              <a:rPr lang="el-GR" baseline="0" dirty="0" smtClean="0"/>
+              <a:t>να λάβουν διαδοχικά 2 </a:t>
+            </a:r>
+            <a:r>
+              <a:rPr lang="en-US" baseline="0" dirty="0" smtClean="0"/>
+              <a:t>applications </a:t>
+            </a:r>
+            <a:r>
+              <a:rPr lang="el-GR" baseline="0" dirty="0" smtClean="0"/>
+              <a:t>με τα </a:t>
+            </a:r>
+            <a:r>
+              <a:rPr lang="en-US" baseline="0" dirty="0" smtClean="0"/>
+              <a:t>executions </a:t>
+            </a:r>
+            <a:r>
+              <a:rPr lang="el-GR" baseline="0" dirty="0" smtClean="0"/>
+              <a:t>αυτών. Τα </a:t>
+            </a:r>
+            <a:r>
+              <a:rPr lang="en-US" baseline="0" dirty="0" smtClean="0"/>
+              <a:t>application </a:t>
+            </a:r>
+            <a:r>
+              <a:rPr lang="el-GR" baseline="0" dirty="0" smtClean="0"/>
+              <a:t>αυτά είχαν 10 διαφορετικά </a:t>
+            </a:r>
+            <a:r>
+              <a:rPr lang="en-US" baseline="0" dirty="0" smtClean="0"/>
+              <a:t>executions</a:t>
+            </a:r>
+            <a:r>
+              <a:rPr lang="el-GR" baseline="0" dirty="0" smtClean="0"/>
+              <a:t>.</a:t>
+            </a:r>
+            <a:r>
+              <a:rPr lang="en-US" baseline="0" dirty="0" smtClean="0"/>
+              <a:t> </a:t>
+            </a:r>
+            <a:r>
+              <a:rPr lang="el-GR" baseline="0" dirty="0" smtClean="0"/>
+              <a:t>Για κάθε </a:t>
+            </a:r>
+            <a:r>
+              <a:rPr lang="en-US" baseline="0" dirty="0" smtClean="0"/>
+              <a:t>load </a:t>
+            </a:r>
+            <a:r>
+              <a:rPr lang="el-GR" baseline="0" dirty="0" smtClean="0"/>
+              <a:t>η διαδικασία επαναλήφθηκε 100 φορές διαδοχικά. Για την προσομοίωση των χρηστών και για την μέτρηση του </a:t>
+            </a:r>
+            <a:r>
+              <a:rPr lang="en-US" baseline="0" dirty="0" smtClean="0"/>
+              <a:t>RT </a:t>
+            </a:r>
+            <a:r>
+              <a:rPr lang="el-GR" baseline="0" dirty="0" smtClean="0"/>
+              <a:t>ο </a:t>
+            </a:r>
+            <a:r>
+              <a:rPr lang="en-US" baseline="0" dirty="0" smtClean="0"/>
+              <a:t>Apache Jmeter </a:t>
+            </a:r>
+            <a:r>
+              <a:rPr lang="el-GR" baseline="0" dirty="0" smtClean="0"/>
+              <a:t>χρησιμοποιήθηκε.  </a:t>
+            </a:r>
+          </a:p>
+          <a:p>
+            <a:endParaRPr lang="el-GR" baseline="0" dirty="0" smtClean="0"/>
+          </a:p>
+          <a:p>
+            <a:r>
+              <a:rPr lang="el-GR" baseline="0" dirty="0" smtClean="0"/>
+              <a:t>Όσον αφορά το </a:t>
+            </a:r>
+            <a:r>
+              <a:rPr lang="en-US" baseline="0" dirty="0" smtClean="0"/>
+              <a:t>configuration </a:t>
+            </a:r>
+            <a:r>
+              <a:rPr lang="el-GR" baseline="0" dirty="0" smtClean="0"/>
+              <a:t>τώρα, στο </a:t>
+            </a:r>
+            <a:r>
+              <a:rPr lang="en-US" baseline="0" dirty="0" smtClean="0"/>
+              <a:t>C1</a:t>
+            </a:r>
+            <a:r>
+              <a:rPr lang="el-GR" baseline="0" dirty="0" smtClean="0"/>
+              <a:t>, δεν έχουμε κανένα </a:t>
+            </a:r>
+            <a:r>
+              <a:rPr lang="en-US" baseline="0" dirty="0" smtClean="0"/>
+              <a:t>Memcached node </a:t>
+            </a:r>
+            <a:r>
+              <a:rPr lang="el-GR" baseline="0" dirty="0" smtClean="0"/>
+              <a:t>στο </a:t>
+            </a:r>
+            <a:r>
+              <a:rPr lang="en-US" baseline="0" dirty="0" smtClean="0"/>
+              <a:t>layer 2</a:t>
+            </a:r>
+            <a:r>
+              <a:rPr lang="el-GR" baseline="0" dirty="0" smtClean="0"/>
+              <a:t> και το </a:t>
+            </a:r>
+            <a:r>
+              <a:rPr lang="en-US" baseline="0" dirty="0" smtClean="0"/>
+              <a:t>SNE </a:t>
+            </a:r>
+            <a:r>
+              <a:rPr lang="el-GR" baseline="0" dirty="0" smtClean="0"/>
+              <a:t>πάει κατευθείαν στα </a:t>
+            </a:r>
+            <a:r>
+              <a:rPr lang="en-US" baseline="0" dirty="0" smtClean="0"/>
+              <a:t>repositories </a:t>
+            </a:r>
+            <a:r>
+              <a:rPr lang="el-GR" baseline="0" dirty="0" smtClean="0"/>
+              <a:t>για να εξάγει την πληροφορία που χρειάζεται. </a:t>
+            </a:r>
+            <a:r>
+              <a:rPr lang="en-US" baseline="0" dirty="0" smtClean="0"/>
+              <a:t> </a:t>
+            </a:r>
+            <a:r>
+              <a:rPr lang="el-GR" baseline="0" dirty="0" smtClean="0"/>
+              <a:t>Έτσι για το </a:t>
+            </a:r>
+            <a:r>
+              <a:rPr lang="en-US" baseline="0" dirty="0" smtClean="0"/>
+              <a:t>L3 </a:t>
+            </a:r>
+            <a:r>
+              <a:rPr lang="el-GR" baseline="0" dirty="0" smtClean="0"/>
+              <a:t>το </a:t>
+            </a:r>
+            <a:r>
+              <a:rPr lang="en-US" baseline="0" dirty="0" smtClean="0"/>
+              <a:t>RT </a:t>
+            </a:r>
+            <a:r>
+              <a:rPr lang="el-GR" baseline="0" dirty="0" smtClean="0"/>
+              <a:t>φτάνει τα κοντά στα 8.8 </a:t>
+            </a:r>
+            <a:r>
+              <a:rPr lang="en-US" baseline="0" dirty="0" smtClean="0"/>
+              <a:t>seconds. </a:t>
+            </a:r>
+          </a:p>
+          <a:p>
+            <a:endParaRPr lang="en-US" baseline="0" dirty="0" smtClean="0"/>
+          </a:p>
+          <a:p>
+            <a:r>
+              <a:rPr lang="el-GR" baseline="0" dirty="0" smtClean="0"/>
+              <a:t>Ενώ για το </a:t>
+            </a:r>
+            <a:r>
+              <a:rPr lang="en-US" baseline="0" dirty="0" smtClean="0"/>
+              <a:t>C2 </a:t>
+            </a:r>
+            <a:r>
+              <a:rPr lang="el-GR" baseline="0" dirty="0" smtClean="0"/>
+              <a:t>το </a:t>
+            </a:r>
+            <a:r>
+              <a:rPr lang="en-US" baseline="0" dirty="0" smtClean="0"/>
+              <a:t>RT</a:t>
+            </a:r>
+            <a:r>
+              <a:rPr lang="el-GR" baseline="0" dirty="0" smtClean="0"/>
+              <a:t> πέφτει στο 1.7 </a:t>
+            </a:r>
+            <a:r>
+              <a:rPr lang="en-US" baseline="0" dirty="0" smtClean="0"/>
+              <a:t>seconds </a:t>
+            </a:r>
+            <a:r>
+              <a:rPr lang="el-GR" baseline="0" dirty="0" smtClean="0"/>
+              <a:t>για το ίδιο φόρτο. Αυτή η τεράστια μείωση οφείλετε στο ότι πλέον το</a:t>
+            </a:r>
+            <a:r>
+              <a:rPr lang="en-US" baseline="0" dirty="0" smtClean="0"/>
+              <a:t> SNE </a:t>
+            </a:r>
+            <a:r>
+              <a:rPr lang="el-GR" baseline="0" dirty="0" smtClean="0"/>
+              <a:t>δεν χρειάζεται να πηγαίνει μέσα από το </a:t>
+            </a:r>
+            <a:r>
+              <a:rPr lang="en-US" baseline="0" dirty="0" smtClean="0"/>
+              <a:t>CDO client – server </a:t>
+            </a:r>
+            <a:r>
+              <a:rPr lang="el-GR" baseline="0" dirty="0" smtClean="0"/>
+              <a:t>για να πάρει τα </a:t>
+            </a:r>
+            <a:r>
+              <a:rPr lang="en-US" baseline="0" dirty="0" smtClean="0"/>
+              <a:t>execution </a:t>
+            </a:r>
+            <a:r>
+              <a:rPr lang="el-GR" baseline="0" dirty="0" smtClean="0"/>
+              <a:t>των εφαρμογών καθώς επίσης ούτε στην βάση δεδομένων του ΚΔ για να εξάγει την </a:t>
+            </a:r>
+            <a:r>
+              <a:rPr lang="en-US" baseline="0" dirty="0" smtClean="0"/>
+              <a:t>Social </a:t>
+            </a:r>
+            <a:r>
+              <a:rPr lang="el-GR" baseline="0" dirty="0" smtClean="0"/>
+              <a:t>πληροφορία αφού αυτή η πληροφορία υπάρχει πλέον στην </a:t>
+            </a:r>
+            <a:r>
+              <a:rPr lang="en-US" baseline="0" dirty="0" smtClean="0"/>
+              <a:t>Memcached</a:t>
+            </a:r>
+            <a:r>
+              <a:rPr lang="el-GR" baseline="0" dirty="0" smtClean="0"/>
+              <a:t>. </a:t>
+            </a:r>
+            <a:endParaRPr lang="en-US" baseline="0" dirty="0" smtClean="0"/>
+          </a:p>
+          <a:p>
+            <a:endParaRPr lang="en-US" baseline="0" dirty="0" smtClean="0"/>
+          </a:p>
+          <a:p>
+            <a:r>
+              <a:rPr lang="el-GR" baseline="0" dirty="0" smtClean="0"/>
+              <a:t>Στο </a:t>
+            </a:r>
+            <a:r>
+              <a:rPr lang="en-US" baseline="0" dirty="0" smtClean="0"/>
+              <a:t>C3 </a:t>
+            </a:r>
+            <a:r>
+              <a:rPr lang="el-GR" baseline="0" dirty="0" smtClean="0"/>
+              <a:t>το </a:t>
+            </a:r>
+            <a:r>
+              <a:rPr lang="en-US" baseline="0" dirty="0" smtClean="0"/>
+              <a:t>RT </a:t>
+            </a:r>
+            <a:r>
+              <a:rPr lang="el-GR" baseline="0" dirty="0" smtClean="0"/>
+              <a:t>πέφτει στο 1 </a:t>
+            </a:r>
+            <a:r>
+              <a:rPr lang="en-US" baseline="0" dirty="0" smtClean="0"/>
+              <a:t>second. </a:t>
+            </a:r>
+            <a:r>
+              <a:rPr lang="el-GR" baseline="0" dirty="0" smtClean="0"/>
+              <a:t>Αυτό οφείλετε στο ότι προστέθηκε άλλος ένας </a:t>
             </a:r>
             <a:r>
               <a:rPr lang="en-US" baseline="0" dirty="0" smtClean="0"/>
@@ -3741,68 +3697,21 @@
             </a:r>
             <a:r>
               <a:rPr lang="el-GR" baseline="0" dirty="0" smtClean="0"/>
-              <a:t>ενώ στο </a:t>
+              <a:t>κόμβος και όπως θα δούμε παρακάτω αυξήθηκαν τα </a:t>
             </a:r>
             <a:r>
               <a:rPr lang="en-US" baseline="0" dirty="0" smtClean="0"/>
-              <a:t>Layer 1 </a:t>
-            </a:r>
-            <a:r>
-              <a:rPr lang="el-GR" baseline="0" dirty="0" smtClean="0"/>
-              <a:t>έχουμε δύο </a:t>
-            </a:r>
-            <a:r>
-              <a:rPr lang="en-US" baseline="0" dirty="0" smtClean="0"/>
-              <a:t>SNE instances</a:t>
-            </a:r>
-            <a:r>
-              <a:rPr lang="el-GR" baseline="0" dirty="0" smtClean="0"/>
-              <a:t>, και το </a:t>
-            </a:r>
-            <a:r>
-              <a:rPr lang="en-US" baseline="0" dirty="0" smtClean="0"/>
-              <a:t>load </a:t>
-            </a:r>
-            <a:r>
-              <a:rPr lang="el-GR" baseline="0" dirty="0" smtClean="0"/>
-              <a:t>που χρησιμοποιήθηκε είναι το </a:t>
-            </a:r>
-            <a:r>
-              <a:rPr lang="en-US" baseline="0" dirty="0" smtClean="0"/>
-              <a:t>L3. </a:t>
-            </a:r>
-            <a:r>
-              <a:rPr lang="el-GR" baseline="0" dirty="0" smtClean="0"/>
-              <a:t>Αφού πλέον τα </a:t>
-            </a:r>
-            <a:r>
-              <a:rPr lang="en-US" baseline="0" dirty="0" smtClean="0"/>
-              <a:t>requests </a:t>
-            </a:r>
-            <a:r>
-              <a:rPr lang="el-GR" baseline="0" dirty="0" smtClean="0"/>
-              <a:t>διαμοιράζονται μεταξύ των </a:t>
-            </a:r>
-            <a:r>
-              <a:rPr lang="en-US" baseline="0" dirty="0" smtClean="0"/>
-              <a:t>SNE </a:t>
-            </a:r>
-            <a:r>
-              <a:rPr lang="el-GR" baseline="0" dirty="0" smtClean="0"/>
-              <a:t>το </a:t>
-            </a:r>
-            <a:r>
-              <a:rPr lang="en-US" baseline="0" dirty="0" smtClean="0"/>
-              <a:t>average RT  </a:t>
-            </a:r>
-            <a:r>
-              <a:rPr lang="el-GR" baseline="0" dirty="0" smtClean="0"/>
-              <a:t>έπεσε στο 0.5 </a:t>
-            </a:r>
-            <a:r>
-              <a:rPr lang="en-US" baseline="0" dirty="0" smtClean="0"/>
-              <a:t>second.</a:t>
-            </a:r>
+              <a:t>CPU cores </a:t>
+            </a:r>
+            <a:r>
+              <a:rPr lang="el-GR" baseline="0" dirty="0" smtClean="0"/>
+              <a:t>του συστήματος.</a:t>
+            </a:r>
+          </a:p>
+          <a:p>
+            <a:endParaRPr lang="el-GR" baseline="0" dirty="0" smtClean="0"/>
+          </a:p>
+          <a:p>
             <a:endParaRPr lang="el-GR" dirty="0"/>
           </a:p>
         </p:txBody>
@@ -3834,7 +3743,7 @@
     </p:spTree>
     <p:extLst>
       <p:ext uri="{BB962C8B-B14F-4D97-AF65-F5344CB8AC3E}">
-        <p14:creationId xmlns:p14="http://schemas.microsoft.com/office/powerpoint/2010/main" val="207509272"/>
+        <p14:creationId xmlns:p14="http://schemas.microsoft.com/office/powerpoint/2010/main" val="3183423334"/>
       </p:ext>
     </p:extLst>
   </p:cSld>
@@ -3885,91 +3794,80 @@
         </p:nvSpPr>
         <p:spPr/>
         <p:txBody>
-          <a:bodyPr>
-            <a:normAutofit lnSpcReduction="10000"/>
-          </a:bodyPr>
+          <a:bodyPr/>
           <a:lstStyle/>
           <a:p>
             <a:r>
               <a:rPr lang="el-GR" dirty="0" smtClean="0"/>
-              <a:t>Εδώ</a:t>
-            </a:r>
-            <a:r>
-              <a:rPr lang="el-GR" baseline="0" dirty="0" smtClean="0"/>
-              <a:t> φαίνεται το </a:t>
+              <a:t>Το διάγραμμα</a:t>
+            </a:r>
+            <a:r>
+              <a:rPr lang="el-GR" baseline="0" dirty="0" smtClean="0"/>
+              <a:t> αυτό απευθύνεται στο δεύτερο </a:t>
             </a:r>
             <a:r>
               <a:rPr lang="en-US" baseline="0" dirty="0" smtClean="0"/>
-              <a:t>CPU Utilization </a:t>
-            </a:r>
-            <a:r>
-              <a:rPr lang="el-GR" baseline="0" dirty="0" smtClean="0"/>
-              <a:t>για τα τρία διαφορετικά </a:t>
+              <a:t>deployment </a:t>
+            </a:r>
+            <a:r>
+              <a:rPr lang="el-GR" baseline="0" dirty="0" smtClean="0"/>
+              <a:t>όπου στο </a:t>
             </a:r>
             <a:r>
               <a:rPr lang="en-US" baseline="0" dirty="0" smtClean="0"/>
-              <a:t>Configurations </a:t>
-            </a:r>
-            <a:r>
-              <a:rPr lang="el-GR" baseline="0" dirty="0" smtClean="0"/>
-              <a:t>του συστήματος.</a:t>
-            </a:r>
-          </a:p>
-          <a:p>
-            <a:endParaRPr lang="el-GR" baseline="0" dirty="0" smtClean="0"/>
-          </a:p>
-          <a:p>
-            <a:r>
-              <a:rPr lang="el-GR" baseline="0" dirty="0" smtClean="0"/>
-              <a:t>Παρατηρούμε ότι στο 1</a:t>
-            </a:r>
-            <a:r>
-              <a:rPr lang="el-GR" baseline="30000" dirty="0" smtClean="0"/>
-              <a:t>ο</a:t>
-            </a:r>
-            <a:r>
-              <a:rPr lang="el-GR" baseline="0" dirty="0" smtClean="0"/>
-              <a:t> </a:t>
+              <a:t>layer 2 </a:t>
+            </a:r>
+            <a:r>
+              <a:rPr lang="el-GR" baseline="0" dirty="0" smtClean="0"/>
+              <a:t>έχουμε μόνο μια </a:t>
             </a:r>
             <a:r>
               <a:rPr lang="en-US" baseline="0" dirty="0" smtClean="0"/>
-              <a:t>configuration </a:t>
-            </a:r>
-            <a:r>
-              <a:rPr lang="el-GR" baseline="0" dirty="0" smtClean="0"/>
-              <a:t>για το </a:t>
+              <a:t>Memcached </a:t>
+            </a:r>
+            <a:r>
+              <a:rPr lang="el-GR" baseline="0" dirty="0" smtClean="0"/>
+              <a:t>ενώ στο </a:t>
             </a:r>
             <a:r>
               <a:rPr lang="en-US" baseline="0" dirty="0" smtClean="0"/>
-              <a:t>L3, </a:t>
-            </a:r>
-            <a:r>
-              <a:rPr lang="el-GR" baseline="0" dirty="0" smtClean="0"/>
-              <a:t>το </a:t>
+              <a:t>Layer 1 </a:t>
+            </a:r>
+            <a:r>
+              <a:rPr lang="el-GR" baseline="0" dirty="0" smtClean="0"/>
+              <a:t>έχουμε δύο </a:t>
             </a:r>
             <a:r>
               <a:rPr lang="en-US" baseline="0" dirty="0" smtClean="0"/>
-              <a:t>SN Engine </a:t>
-            </a:r>
-            <a:r>
-              <a:rPr lang="el-GR" baseline="0" dirty="0" smtClean="0"/>
-              <a:t>έχει φτάσει στο 91% για αυτό έχουμε και το αργό </a:t>
+              <a:t>SNE instances</a:t>
+            </a:r>
+            <a:r>
+              <a:rPr lang="el-GR" baseline="0" dirty="0" smtClean="0"/>
+              <a:t>, και το </a:t>
             </a:r>
             <a:r>
               <a:rPr lang="en-US" baseline="0" dirty="0" smtClean="0"/>
-              <a:t>RT. </a:t>
-            </a:r>
-            <a:r>
-              <a:rPr lang="el-GR" baseline="0" dirty="0" smtClean="0"/>
-              <a:t>Προσθέτοντας τα  </a:t>
+              <a:t>load </a:t>
+            </a:r>
+            <a:r>
+              <a:rPr lang="el-GR" baseline="0" dirty="0" smtClean="0"/>
+              <a:t>που χρησιμοποιήθηκε είναι το </a:t>
             </a:r>
             <a:r>
               <a:rPr lang="en-US" baseline="0" dirty="0" smtClean="0"/>
-              <a:t>Memcached Nodes </a:t>
-            </a:r>
-            <a:r>
-              <a:rPr lang="el-GR" baseline="0" dirty="0" smtClean="0"/>
-              <a:t>το φόρτο φεύγει από το </a:t>
+              <a:t>L3. </a:t>
+            </a:r>
+            <a:r>
+              <a:rPr lang="el-GR" baseline="0" dirty="0" smtClean="0"/>
+              <a:t>Αφού πλέον τα </a:t>
+            </a:r>
+            <a:r>
+              <a:rPr lang="en-US" baseline="0" dirty="0" smtClean="0"/>
+              <a:t>requests </a:t>
+            </a:r>
+            <a:r>
+              <a:rPr lang="el-GR" baseline="0" dirty="0" smtClean="0"/>
+              <a:t>διαμοιράζονται μεταξύ των </a:t>
             </a:r>
             <a:r>
               <a:rPr lang="en-US" baseline="0" dirty="0" smtClean="0"/>
@@ -3977,23 +3875,19 @@
             </a:r>
             <a:r>
               <a:rPr lang="el-GR" baseline="0" dirty="0" smtClean="0"/>
-              <a:t>και πηγαίνει στα </a:t>
+              <a:t>το </a:t>
             </a:r>
             <a:r>
               <a:rPr lang="en-US" baseline="0" dirty="0" smtClean="0"/>
-              <a:t>Memcached Nodes</a:t>
-            </a:r>
-            <a:r>
-              <a:rPr lang="el-GR" baseline="0" dirty="0" smtClean="0"/>
-              <a:t>. Έτσι πετυχαίνουμε το </a:t>
+              <a:t>average RT  </a:t>
+            </a:r>
+            <a:r>
+              <a:rPr lang="el-GR" baseline="0" dirty="0" smtClean="0"/>
+              <a:t>έπεσε στο 0.5 </a:t>
             </a:r>
             <a:r>
               <a:rPr lang="en-US" baseline="0" dirty="0" smtClean="0"/>
-              <a:t>RT </a:t>
-            </a:r>
-            <a:r>
-              <a:rPr lang="el-GR" baseline="0" dirty="0" smtClean="0"/>
-              <a:t>του συστήματος να είναι καλύτερό.</a:t>
+              <a:t>second.</a:t>
             </a:r>
             <a:endParaRPr lang="el-GR" dirty="0"/>
           </a:p>
@@ -4026,7 +3920,7 @@
     </p:spTree>
     <p:extLst>
       <p:ext uri="{BB962C8B-B14F-4D97-AF65-F5344CB8AC3E}">
-        <p14:creationId xmlns:p14="http://schemas.microsoft.com/office/powerpoint/2010/main" val="1787856843"/>
+        <p14:creationId xmlns:p14="http://schemas.microsoft.com/office/powerpoint/2010/main" val="207509272"/>
       </p:ext>
     </p:extLst>
   </p:cSld>
@@ -4077,16 +3971,18 @@
         </p:nvSpPr>
         <p:spPr/>
         <p:txBody>
-          <a:bodyPr/>
+          <a:bodyPr>
+            <a:normAutofit lnSpcReduction="10000"/>
+          </a:bodyPr>
           <a:lstStyle/>
           <a:p>
             <a:r>
               <a:rPr lang="el-GR" dirty="0" smtClean="0"/>
-              <a:t>Εδώ φαίνεται</a:t>
-            </a:r>
-            <a:r>
-              <a:rPr lang="el-GR" baseline="0" dirty="0" smtClean="0"/>
-              <a:t> το </a:t>
+              <a:t>Εδώ</a:t>
+            </a:r>
+            <a:r>
+              <a:rPr lang="el-GR" baseline="0" dirty="0" smtClean="0"/>
+              <a:t> φαίνεται το </a:t>
             </a:r>
             <a:r>
               <a:rPr lang="en-US" baseline="0" dirty="0" smtClean="0"/>
@@ -4094,63 +3990,96 @@
             </a:r>
             <a:r>
               <a:rPr lang="el-GR" baseline="0" dirty="0" smtClean="0"/>
-              <a:t>για τα δύο </a:t>
+              <a:t>για τα τρία διαφορετικά </a:t>
             </a:r>
             <a:r>
               <a:rPr lang="en-US" baseline="0" dirty="0" smtClean="0"/>
-              <a:t>SNE instances. </a:t>
-            </a:r>
-            <a:r>
-              <a:rPr lang="el-GR" baseline="0" dirty="0" smtClean="0"/>
-              <a:t>Η διαφορά μεταξύ του 1</a:t>
+              <a:t>Configurations </a:t>
+            </a:r>
+            <a:r>
+              <a:rPr lang="el-GR" baseline="0" dirty="0" smtClean="0"/>
+              <a:t>του συστήματος.</a:t>
+            </a:r>
+          </a:p>
+          <a:p>
+            <a:endParaRPr lang="el-GR" baseline="0" dirty="0" smtClean="0"/>
+          </a:p>
+          <a:p>
+            <a:r>
+              <a:rPr lang="el-GR" baseline="0" dirty="0" smtClean="0"/>
+              <a:t>Παρατηρούμε ότι στο 1</a:t>
             </a:r>
             <a:r>
               <a:rPr lang="el-GR" baseline="30000" dirty="0" smtClean="0"/>
-              <a:t>ου</a:t>
-            </a:r>
-            <a:r>
-              <a:rPr lang="el-GR" baseline="0" dirty="0" smtClean="0"/>
-              <a:t> και του 2</a:t>
-            </a:r>
-            <a:r>
-              <a:rPr lang="el-GR" baseline="30000" dirty="0" smtClean="0"/>
-              <a:t>ου</a:t>
-            </a:r>
-            <a:r>
-              <a:rPr lang="el-GR" baseline="0" dirty="0" smtClean="0"/>
-              <a:t> είναι στο ότι το πρώτο τρέχει και τον </a:t>
+              <a:t>ο</a:t>
+            </a:r>
+            <a:r>
+              <a:rPr lang="el-GR" baseline="0" dirty="0" smtClean="0"/>
+              <a:t> </a:t>
             </a:r>
             <a:r>
               <a:rPr lang="en-US" baseline="0" dirty="0" smtClean="0"/>
-              <a:t>AZ </a:t>
-            </a:r>
-            <a:r>
-              <a:rPr lang="el-GR" baseline="0" dirty="0" smtClean="0"/>
-              <a:t>και τον </a:t>
+              <a:t>configuration </a:t>
+            </a:r>
+            <a:r>
+              <a:rPr lang="el-GR" baseline="0" dirty="0" smtClean="0"/>
+              <a:t>για το </a:t>
             </a:r>
             <a:r>
               <a:rPr lang="en-US" baseline="0" dirty="0" smtClean="0"/>
-              <a:t>NFS server. </a:t>
-            </a:r>
-            <a:r>
-              <a:rPr lang="el-GR" baseline="0" dirty="0" smtClean="0"/>
-              <a:t>Η </a:t>
+              <a:t>L3, </a:t>
+            </a:r>
+            <a:r>
+              <a:rPr lang="el-GR" baseline="0" dirty="0" smtClean="0"/>
+              <a:t>το </a:t>
             </a:r>
             <a:r>
               <a:rPr lang="en-US" baseline="0" dirty="0" smtClean="0"/>
-              <a:t>memcached </a:t>
-            </a:r>
-            <a:r>
-              <a:rPr lang="el-GR" baseline="0" dirty="0" smtClean="0"/>
-              <a:t>εδώ έχει φτάσει στο 90% αλλά προσθέτοντας και άλλα </a:t>
+              <a:t>SN Engine </a:t>
+            </a:r>
+            <a:r>
+              <a:rPr lang="el-GR" baseline="0" dirty="0" smtClean="0"/>
+              <a:t>έχει φτάσει στο 91% για αυτό έχουμε και το αργό </a:t>
             </a:r>
             <a:r>
               <a:rPr lang="en-US" baseline="0" dirty="0" smtClean="0"/>
-              <a:t>Memcached instances </a:t>
-            </a:r>
-            <a:r>
-              <a:rPr lang="el-GR" baseline="0" dirty="0" smtClean="0"/>
-              <a:t>αυτό μπορεί να μειωθεί.</a:t>
+              <a:t>RT. </a:t>
+            </a:r>
+            <a:r>
+              <a:rPr lang="el-GR" baseline="0" dirty="0" smtClean="0"/>
+              <a:t>Προσθέτοντας τα  </a:t>
+            </a:r>
+            <a:r>
+              <a:rPr lang="en-US" baseline="0" dirty="0" smtClean="0"/>
+              <a:t>Memcached Nodes </a:t>
+            </a:r>
+            <a:r>
+              <a:rPr lang="el-GR" baseline="0" dirty="0" smtClean="0"/>
+              <a:t>το φόρτο φεύγει από το </a:t>
+            </a:r>
+            <a:r>
+              <a:rPr lang="en-US" baseline="0" dirty="0" smtClean="0"/>
+              <a:t>SNE </a:t>
+            </a:r>
+            <a:r>
+              <a:rPr lang="el-GR" baseline="0" dirty="0" smtClean="0"/>
+              <a:t>και πηγαίνει στα </a:t>
+            </a:r>
+            <a:r>
+              <a:rPr lang="en-US" baseline="0" dirty="0" smtClean="0"/>
+              <a:t>Memcached Nodes</a:t>
+            </a:r>
+            <a:r>
+              <a:rPr lang="el-GR" baseline="0" dirty="0" smtClean="0"/>
+              <a:t>. Έτσι πετυχαίνουμε το </a:t>
+            </a:r>
+            <a:r>
+              <a:rPr lang="en-US" baseline="0" dirty="0" smtClean="0"/>
+              <a:t>RT </a:t>
+            </a:r>
+            <a:r>
+              <a:rPr lang="el-GR" baseline="0" dirty="0" smtClean="0"/>
+              <a:t>του συστήματος να είναι καλύτερό.</a:t>
             </a:r>
             <a:endParaRPr lang="el-GR" dirty="0"/>
           </a:p>
@@ -4183,7 +4112,7 @@
     </p:spTree>
     <p:extLst>
       <p:ext uri="{BB962C8B-B14F-4D97-AF65-F5344CB8AC3E}">
-        <p14:creationId xmlns:p14="http://schemas.microsoft.com/office/powerpoint/2010/main" val="2551115175"/>
+        <p14:creationId xmlns:p14="http://schemas.microsoft.com/office/powerpoint/2010/main" val="1787856843"/>
       </p:ext>
     </p:extLst>
   </p:cSld>
@@ -4212,7 +4141,7 @@
       </p:grpSpPr>
       <p:sp>
         <p:nvSpPr>
-          <p:cNvPr id="2" name="1 - Θέση εικόνας διαφάνειας"/>
+          <p:cNvPr id="2" name="Slide Image Placeholder 1"/>
           <p:cNvSpPr>
             <a:spLocks noGrp="1" noRot="1" noChangeAspect="1"/>
           </p:cNvSpPr>
@@ -4224,7 +4153,7 @@
       </p:sp>
       <p:sp>
         <p:nvSpPr>
-          <p:cNvPr id="3" name="2 - Θέση σημειώσεων"/>
+          <p:cNvPr id="3" name="Notes Placeholder 2"/>
           <p:cNvSpPr>
             <a:spLocks noGrp="1"/>
           </p:cNvSpPr>
@@ -4234,50 +4163,80 @@
         </p:nvSpPr>
         <p:spPr/>
         <p:txBody>
-          <a:bodyPr>
-            <a:normAutofit/>
-          </a:bodyPr>
+          <a:bodyPr/>
           <a:lstStyle/>
           <a:p>
             <a:r>
               <a:rPr lang="el-GR" dirty="0" smtClean="0"/>
-              <a:t>Τέλος ολοκληρώνοντας</a:t>
-            </a:r>
-            <a:r>
-              <a:rPr lang="el-GR" baseline="0" dirty="0" smtClean="0"/>
-              <a:t> ένα ΚΔ για </a:t>
+              <a:t>Εδώ φαίνεται</a:t>
+            </a:r>
+            <a:r>
+              <a:rPr lang="el-GR" baseline="0" dirty="0" smtClean="0"/>
+              <a:t> το </a:t>
             </a:r>
             <a:r>
               <a:rPr lang="en-US" baseline="0" dirty="0" smtClean="0"/>
-              <a:t>cloud deployments specialists </a:t>
-            </a:r>
-            <a:r>
-              <a:rPr lang="el-GR" baseline="0" dirty="0" smtClean="0"/>
-              <a:t>υλοποιήθηκε, η πλατφόρμα μπορεί να εφαρμόσει </a:t>
+              <a:t>CPU Utilization </a:t>
+            </a:r>
+            <a:r>
+              <a:rPr lang="el-GR" baseline="0" dirty="0" smtClean="0"/>
+              <a:t>για τα δύο </a:t>
             </a:r>
             <a:r>
               <a:rPr lang="en-US" baseline="0" dirty="0" smtClean="0"/>
-              <a:t>NLP</a:t>
-            </a:r>
-            <a:r>
-              <a:rPr lang="el-GR" baseline="0" dirty="0" smtClean="0"/>
-              <a:t> στην είσοδο του χρήστη. Καθώς επίσης, εφαρμόστηκαν γνωστές τεχνικές για </a:t>
+              <a:t>SNE instances. </a:t>
+            </a:r>
+            <a:r>
+              <a:rPr lang="el-GR" baseline="0" dirty="0" smtClean="0"/>
+              <a:t>Η διαφορά μεταξύ του 1</a:t>
+            </a:r>
+            <a:r>
+              <a:rPr lang="el-GR" baseline="30000" dirty="0" smtClean="0"/>
+              <a:t>ου</a:t>
+            </a:r>
+            <a:r>
+              <a:rPr lang="el-GR" baseline="0" dirty="0" smtClean="0"/>
+              <a:t> και του 2</a:t>
+            </a:r>
+            <a:r>
+              <a:rPr lang="el-GR" baseline="30000" dirty="0" smtClean="0"/>
+              <a:t>ου</a:t>
+            </a:r>
+            <a:r>
+              <a:rPr lang="el-GR" baseline="0" dirty="0" smtClean="0"/>
+              <a:t> είναι στο ότι το πρώτο τρέχει και τον </a:t>
             </a:r>
             <a:r>
               <a:rPr lang="en-US" baseline="0" dirty="0" smtClean="0"/>
-              <a:t>cashing </a:t>
-            </a:r>
-            <a:r>
-              <a:rPr lang="el-GR" baseline="0" dirty="0" smtClean="0"/>
-              <a:t>των δεδομένων και προστέθηκαν στο σύστημα πάνω από ένα </a:t>
+              <a:t>AZ </a:t>
+            </a:r>
+            <a:r>
+              <a:rPr lang="el-GR" baseline="0" dirty="0" smtClean="0"/>
+              <a:t>και τον </a:t>
             </a:r>
             <a:r>
               <a:rPr lang="en-US" baseline="0" dirty="0" smtClean="0"/>
-              <a:t>SNE.</a:t>
-            </a:r>
-            <a:r>
-              <a:rPr lang="el-GR" baseline="0" dirty="0" smtClean="0"/>
-              <a:t> </a:t>
+              <a:t>NFS server. </a:t>
+            </a:r>
+            <a:r>
+              <a:rPr lang="el-GR" baseline="0" dirty="0" smtClean="0"/>
+              <a:t>Η </a:t>
+            </a:r>
+            <a:r>
+              <a:rPr lang="en-US" baseline="0" dirty="0" smtClean="0"/>
+              <a:t>memcached </a:t>
+            </a:r>
+            <a:r>
+              <a:rPr lang="el-GR" baseline="0" dirty="0" smtClean="0"/>
+              <a:t>εδώ έχει φτάσει στο 90% αλλά προσθέτοντας και άλλα </a:t>
+            </a:r>
+            <a:r>
+              <a:rPr lang="en-US" baseline="0" dirty="0" smtClean="0"/>
+              <a:t>Memcached instances </a:t>
+            </a:r>
+            <a:r>
+              <a:rPr lang="el-GR" baseline="0" dirty="0" smtClean="0"/>
+              <a:t>αυτό μπορεί να μειωθεί.</a:t>
             </a:r>
             <a:endParaRPr lang="el-GR" dirty="0"/>
           </a:p>
@@ -4285,7 +4244,7 @@
       </p:sp>
       <p:sp>
         <p:nvSpPr>
-          <p:cNvPr id="4" name="3 - Θέση αριθμού διαφάνειας"/>
+          <p:cNvPr id="4" name="Slide Number Placeholder 3"/>
           <p:cNvSpPr>
             <a:spLocks noGrp="1"/>
           </p:cNvSpPr>
@@ -4310,7 +4269,7 @@
     </p:spTree>
     <p:extLst>
       <p:ext uri="{BB962C8B-B14F-4D97-AF65-F5344CB8AC3E}">
-        <p14:creationId xmlns:p14="http://schemas.microsoft.com/office/powerpoint/2010/main" val="2539583959"/>
+        <p14:creationId xmlns:p14="http://schemas.microsoft.com/office/powerpoint/2010/main" val="2551115175"/>
       </p:ext>
     </p:extLst>
   </p:cSld>
@@ -4339,7 +4298,7 @@
       </p:grpSpPr>
       <p:sp>
         <p:nvSpPr>
-          <p:cNvPr id="2" name="Slide Image Placeholder 1"/>
+          <p:cNvPr id="2" name="1 - Θέση εικόνας διαφάνειας"/>
           <p:cNvSpPr>
             <a:spLocks noGrp="1" noRot="1" noChangeAspect="1"/>
           </p:cNvSpPr>
@@ -4351,7 +4310,7 @@
       </p:sp>
       <p:sp>
         <p:nvSpPr>
-          <p:cNvPr id="3" name="Notes Placeholder 2"/>
+          <p:cNvPr id="3" name="2 - Θέση σημειώσεων"/>
           <p:cNvSpPr>
             <a:spLocks noGrp="1"/>
           </p:cNvSpPr>
@@ -4361,16 +4320,58 @@
         </p:nvSpPr>
         <p:spPr/>
         <p:txBody>
-          <a:bodyPr/>
-          <a:lstStyle/>
-          <a:p>
+          <a:bodyPr>
+            <a:normAutofit/>
+          </a:bodyPr>
+          <a:lstStyle/>
+          <a:p>
+            <a:r>
+              <a:rPr lang="el-GR" dirty="0" smtClean="0"/>
+              <a:t>Τέλος ολοκληρώνοντας</a:t>
+            </a:r>
+            <a:r>
+              <a:rPr lang="el-GR" baseline="0" dirty="0" smtClean="0"/>
+              <a:t> ένα ΚΔ για </a:t>
+            </a:r>
+            <a:r>
+              <a:rPr lang="en-US" baseline="0" dirty="0" smtClean="0"/>
+              <a:t>cloud deployments specialists </a:t>
+            </a:r>
+            <a:r>
+              <a:rPr lang="el-GR" baseline="0" dirty="0" smtClean="0"/>
+              <a:t>υλοποιήθηκε, η πλατφόρμα μπορεί να εφαρμόσει </a:t>
+            </a:r>
+            <a:r>
+              <a:rPr lang="en-US" baseline="0" dirty="0" smtClean="0"/>
+              <a:t>NLP</a:t>
+            </a:r>
+            <a:r>
+              <a:rPr lang="el-GR" baseline="0" dirty="0" smtClean="0"/>
+              <a:t> στην είσοδο του χρήστη. Καθώς επίσης, εφαρμόστηκαν γνωστές τεχνικές για </a:t>
+            </a:r>
+            <a:r>
+              <a:rPr lang="en-US" baseline="0" dirty="0" smtClean="0"/>
+              <a:t>cashing </a:t>
+            </a:r>
+            <a:r>
+              <a:rPr lang="el-GR" baseline="0" dirty="0" smtClean="0"/>
+              <a:t>των δεδομένων και προστέθηκαν στο σύστημα πάνω από ένα </a:t>
+            </a:r>
+            <a:r>
+              <a:rPr lang="en-US" baseline="0" dirty="0" smtClean="0"/>
+              <a:t>SNE.</a:t>
+            </a:r>
+            <a:r>
+              <a:rPr lang="el-GR" baseline="0" dirty="0" smtClean="0"/>
+              <a:t> </a:t>
+            </a:r>
             <a:endParaRPr lang="el-GR" dirty="0"/>
           </a:p>
         </p:txBody>
       </p:sp>
       <p:sp>
         <p:nvSpPr>
-          <p:cNvPr id="4" name="Slide Number Placeholder 3"/>
+          <p:cNvPr id="4" name="3 - Θέση αριθμού διαφάνειας"/>
           <p:cNvSpPr>
             <a:spLocks noGrp="1"/>
           </p:cNvSpPr>
@@ -4395,7 +4396,7 @@
     </p:spTree>
     <p:extLst>
       <p:ext uri="{BB962C8B-B14F-4D97-AF65-F5344CB8AC3E}">
-        <p14:creationId xmlns:p14="http://schemas.microsoft.com/office/powerpoint/2010/main" val="2088722316"/>
+        <p14:creationId xmlns:p14="http://schemas.microsoft.com/office/powerpoint/2010/main" val="2539583959"/>
       </p:ext>
     </p:extLst>
   </p:cSld>
@@ -4446,113 +4447,9 @@
         </p:nvSpPr>
         <p:spPr/>
         <p:txBody>
-          <a:bodyPr>
-            <a:normAutofit fontScale="92500"/>
-          </a:bodyPr>
-          <a:lstStyle/>
-          <a:p>
-            <a:r>
-              <a:rPr lang="el-GR" dirty="0" smtClean="0"/>
-              <a:t>Σε αυτό</a:t>
-            </a:r>
-            <a:r>
-              <a:rPr lang="el-GR" baseline="0" dirty="0" smtClean="0"/>
-              <a:t> τον πίνακα </a:t>
-            </a:r>
-            <a:r>
-              <a:rPr lang="el-GR" b="0" baseline="0" dirty="0" smtClean="0"/>
-              <a:t>φαίνεται ένα </a:t>
-            </a:r>
-            <a:r>
-              <a:rPr lang="en-US" b="0" baseline="0" dirty="0" smtClean="0"/>
-              <a:t>evaluation </a:t>
-            </a:r>
-            <a:r>
-              <a:rPr lang="el-GR" b="0" baseline="0" dirty="0" smtClean="0"/>
-              <a:t>του </a:t>
-            </a:r>
-            <a:r>
-              <a:rPr lang="en-US" b="0" baseline="0" dirty="0" smtClean="0"/>
-              <a:t>NLP </a:t>
-            </a:r>
-            <a:r>
-              <a:rPr lang="el-GR" b="0" baseline="0" dirty="0" smtClean="0"/>
-              <a:t>για 5 διαφορετικές κατηγορίες. Στην κάθετη στήλη φαίνεται οι 5 διαφορετικές κλάσεις και οριζόντια φαίνονται σε ποια κλάση έγιναν </a:t>
-            </a:r>
-            <a:r>
-              <a:rPr lang="en-US" b="0" baseline="0" dirty="0" smtClean="0"/>
-              <a:t>classified </a:t>
-            </a:r>
-            <a:r>
-              <a:rPr lang="el-GR" b="0" baseline="0" dirty="0" smtClean="0"/>
-              <a:t>με την βοήθεια του </a:t>
-            </a:r>
-            <a:r>
-              <a:rPr lang="en-US" b="0" baseline="0" dirty="0" smtClean="0"/>
-              <a:t>NLP classifier 30 </a:t>
-            </a:r>
-            <a:r>
-              <a:rPr lang="el-GR" b="0" baseline="0" dirty="0" smtClean="0"/>
-              <a:t>διαφορετικές ερωτήσεις</a:t>
-            </a:r>
-            <a:r>
-              <a:rPr lang="en-US" b="0" baseline="0" dirty="0" smtClean="0"/>
-              <a:t>.</a:t>
-            </a:r>
-            <a:endParaRPr lang="el-GR" baseline="0" dirty="0" smtClean="0"/>
-          </a:p>
-          <a:p>
-            <a:r>
-              <a:rPr lang="el-GR" baseline="0" dirty="0" smtClean="0"/>
-              <a:t>Διαφορετικές από το </a:t>
-            </a:r>
-            <a:r>
-              <a:rPr lang="en-US" baseline="0" dirty="0" smtClean="0"/>
-              <a:t>training </a:t>
-            </a:r>
-            <a:r>
-              <a:rPr lang="el-GR" baseline="0" dirty="0" smtClean="0"/>
-              <a:t>σετ</a:t>
-            </a:r>
-            <a:r>
-              <a:rPr lang="en-US" baseline="0" dirty="0" smtClean="0"/>
-              <a:t>, </a:t>
-            </a:r>
-            <a:r>
-              <a:rPr lang="el-GR" baseline="0" dirty="0" smtClean="0"/>
-              <a:t>οι ερωτήσεις με το </a:t>
-            </a:r>
-            <a:r>
-              <a:rPr lang="en-US" baseline="0" dirty="0" smtClean="0"/>
-              <a:t>highest activity.</a:t>
-            </a:r>
-          </a:p>
-          <a:p>
-            <a:endParaRPr lang="en-US" dirty="0" smtClean="0"/>
-          </a:p>
-          <a:p>
-            <a:r>
-              <a:rPr lang="en-US" dirty="0" smtClean="0"/>
-              <a:t>Performance</a:t>
-            </a:r>
-            <a:r>
-              <a:rPr lang="en-US" baseline="0" dirty="0" smtClean="0"/>
-              <a:t> </a:t>
-            </a:r>
-            <a:r>
-              <a:rPr lang="el-GR" baseline="0" dirty="0" smtClean="0"/>
-              <a:t>αλλά μπήκε στο </a:t>
-            </a:r>
-            <a:r>
-              <a:rPr lang="en-US" baseline="0" dirty="0" smtClean="0"/>
-              <a:t>reliability,</a:t>
-            </a:r>
-          </a:p>
-          <a:p>
-            <a:r>
-              <a:rPr lang="el-GR" baseline="0" dirty="0" smtClean="0"/>
-              <a:t>Ή άλλα παρόμοια.</a:t>
-            </a:r>
+          <a:bodyPr/>
+          <a:lstStyle/>
+          <a:p>
             <a:endParaRPr lang="el-GR" dirty="0"/>
           </a:p>
         </p:txBody>
@@ -4576,6 +4473,195 @@
               <a:rPr lang="en-GB" smtClean="0"/>
               <a:pPr/>
               <a:t>26</a:t>
+            </a:fld>
+            <a:endParaRPr lang="en-GB"/>
+          </a:p>
+        </p:txBody>
+      </p:sp>
+    </p:spTree>
+    <p:extLst>
+      <p:ext uri="{BB962C8B-B14F-4D97-AF65-F5344CB8AC3E}">
+        <p14:creationId xmlns:p14="http://schemas.microsoft.com/office/powerpoint/2010/main" val="2088722316"/>
+      </p:ext>
+    </p:extLst>
+  </p:cSld>
+  <p:clrMapOvr>
+    <a:masterClrMapping/>
+  </p:clrMapOvr>
+</p:notes>
+</file>
+
+<file path=ppt/notesSlides/notesSlide27.xml><?xml version="1.0" encoding="utf-8"?>
+<p:notes xmlns:a="http://schemas.openxmlformats.org/drawingml/2006/main" xmlns:r="http://schemas.openxmlformats.org/officeDocument/2006/relationships" xmlns:p="http://schemas.openxmlformats.org/presentationml/2006/main">
+  <p:cSld>
+    <p:spTree>
+      <p:nvGrpSpPr>
+        <p:cNvPr id="1" name=""/>
+        <p:cNvGrpSpPr/>
+        <p:nvPr/>
+      </p:nvGrpSpPr>
+      <p:grpSpPr>
+        <a:xfrm>
+          <a:off x="0" y="0"/>
+          <a:ext cx="0" cy="0"/>
+          <a:chOff x="0" y="0"/>
+          <a:chExt cx="0" cy="0"/>
+        </a:xfrm>
+      </p:grpSpPr>
+      <p:sp>
+        <p:nvSpPr>
+          <p:cNvPr id="2" name="Slide Image Placeholder 1"/>
+          <p:cNvSpPr>
+            <a:spLocks noGrp="1" noRot="1" noChangeAspect="1"/>
+          </p:cNvSpPr>
+          <p:nvPr>
+            <p:ph type="sldImg"/>
+          </p:nvPr>
+        </p:nvSpPr>
+        <p:spPr/>
+      </p:sp>
+      <p:sp>
+        <p:nvSpPr>
+          <p:cNvPr id="3" name="Notes Placeholder 2"/>
+          <p:cNvSpPr>
+            <a:spLocks noGrp="1"/>
+          </p:cNvSpPr>
+          <p:nvPr>
+            <p:ph type="body" idx="1"/>
+          </p:nvPr>
+        </p:nvSpPr>
+        <p:spPr/>
+        <p:txBody>
+          <a:bodyPr>
+            <a:normAutofit fontScale="92500"/>
+          </a:bodyPr>
+          <a:lstStyle/>
+          <a:p>
+            <a:r>
+              <a:rPr lang="el-GR" dirty="0" smtClean="0"/>
+              <a:t>Σε αυτό</a:t>
+            </a:r>
+            <a:r>
+              <a:rPr lang="el-GR" baseline="0" dirty="0" smtClean="0"/>
+              <a:t> τον πίνακα </a:t>
+            </a:r>
+            <a:r>
+              <a:rPr lang="el-GR" b="0" baseline="0" dirty="0" smtClean="0"/>
+              <a:t>φαίνεται ένα </a:t>
+            </a:r>
+            <a:r>
+              <a:rPr lang="en-US" b="0" baseline="0" dirty="0" smtClean="0"/>
+              <a:t>evaluation </a:t>
+            </a:r>
+            <a:r>
+              <a:rPr lang="el-GR" b="0" baseline="0" dirty="0" smtClean="0"/>
+              <a:t>του </a:t>
+            </a:r>
+            <a:r>
+              <a:rPr lang="en-US" b="0" baseline="0" dirty="0" smtClean="0"/>
+              <a:t>NLP </a:t>
+            </a:r>
+            <a:r>
+              <a:rPr lang="el-GR" b="0" baseline="0" dirty="0" smtClean="0"/>
+              <a:t>για 5 διαφορετικές κατηγορίες. Στην κάθετη στήλη φαίνεται οι 5 διαφορετικές κλάσεις και οριζόντια φαίνονται σε ποια κλάση έγιναν </a:t>
+            </a:r>
+            <a:r>
+              <a:rPr lang="en-US" b="0" baseline="0" dirty="0" smtClean="0"/>
+              <a:t>classified </a:t>
+            </a:r>
+            <a:r>
+              <a:rPr lang="el-GR" b="0" baseline="0" dirty="0" smtClean="0"/>
+              <a:t>με την βοήθεια του </a:t>
+            </a:r>
+            <a:r>
+              <a:rPr lang="en-US" b="0" baseline="0" dirty="0" smtClean="0"/>
+              <a:t>NLP classifier 30 </a:t>
+            </a:r>
+            <a:r>
+              <a:rPr lang="el-GR" b="0" baseline="0" dirty="0" smtClean="0"/>
+              <a:t>διαφορετικές ερωτήσεις</a:t>
+            </a:r>
+            <a:r>
+              <a:rPr lang="en-US" b="0" baseline="0" dirty="0" smtClean="0"/>
+              <a:t>.</a:t>
+            </a:r>
+            <a:endParaRPr lang="el-GR" baseline="0" dirty="0" smtClean="0"/>
+          </a:p>
+          <a:p>
+            <a:r>
+              <a:rPr lang="el-GR" baseline="0" dirty="0" smtClean="0"/>
+              <a:t>Διαφορετικές από το </a:t>
+            </a:r>
+            <a:r>
+              <a:rPr lang="en-US" baseline="0" dirty="0" smtClean="0"/>
+              <a:t>training </a:t>
+            </a:r>
+            <a:r>
+              <a:rPr lang="el-GR" baseline="0" dirty="0" smtClean="0"/>
+              <a:t>σετ</a:t>
+            </a:r>
+            <a:r>
+              <a:rPr lang="en-US" baseline="0" dirty="0" smtClean="0"/>
+              <a:t>, </a:t>
+            </a:r>
+            <a:r>
+              <a:rPr lang="el-GR" baseline="0" dirty="0" smtClean="0"/>
+              <a:t>οι ερωτήσεις με το </a:t>
+            </a:r>
+            <a:r>
+              <a:rPr lang="en-US" baseline="0" dirty="0" smtClean="0"/>
+              <a:t>highest activity.</a:t>
+            </a:r>
+          </a:p>
+          <a:p>
+            <a:endParaRPr lang="en-US" dirty="0" smtClean="0"/>
+          </a:p>
+          <a:p>
+            <a:r>
+              <a:rPr lang="en-US" dirty="0" smtClean="0"/>
+              <a:t>Performance</a:t>
+            </a:r>
+            <a:r>
+              <a:rPr lang="en-US" baseline="0" dirty="0" smtClean="0"/>
+              <a:t> </a:t>
+            </a:r>
+            <a:r>
+              <a:rPr lang="el-GR" baseline="0" dirty="0" smtClean="0"/>
+              <a:t>αλλά μπήκε στο </a:t>
+            </a:r>
+            <a:r>
+              <a:rPr lang="en-US" baseline="0" dirty="0" smtClean="0"/>
+              <a:t>reliability,</a:t>
+            </a:r>
+          </a:p>
+          <a:p>
+            <a:r>
+              <a:rPr lang="el-GR" baseline="0" dirty="0" smtClean="0"/>
+              <a:t>Ή άλλα παρόμοια.</a:t>
+            </a:r>
+            <a:endParaRPr lang="el-GR" dirty="0"/>
+          </a:p>
+        </p:txBody>
+      </p:sp>
+      <p:sp>
+        <p:nvSpPr>
+          <p:cNvPr id="4" name="Slide Number Placeholder 3"/>
+          <p:cNvSpPr>
+            <a:spLocks noGrp="1"/>
+          </p:cNvSpPr>
+          <p:nvPr>
+            <p:ph type="sldNum" sz="quarter" idx="10"/>
+          </p:nvPr>
+        </p:nvSpPr>
+        <p:spPr/>
+        <p:txBody>
+          <a:bodyPr/>
+          <a:lstStyle/>
+          <a:p>
+            <a:fld id="{BFF29332-360D-462C-8DBA-6B9FF2FD1142}" type="slidenum">
+              <a:rPr lang="en-GB" smtClean="0"/>
+              <a:pPr/>
+              <a:t>27</a:t>
             </a:fld>
             <a:endParaRPr lang="en-GB"/>
           </a:p>
@@ -4744,7 +4830,7 @@
         </p:spPr>
         <p:txBody>
           <a:bodyPr>
-            <a:normAutofit fontScale="85000" lnSpcReduction="20000"/>
+            <a:normAutofit fontScale="85000" lnSpcReduction="10000"/>
           </a:bodyPr>
           <a:lstStyle/>
           <a:p>
@@ -4922,44 +5008,36 @@
               <a:t>εργαλεία  για </a:t>
             </a:r>
             <a:r>
-              <a:rPr lang="en-US" sz="600" dirty="0"/>
-              <a:t>release engineering </a:t>
+              <a:rPr lang="el-GR" sz="600" dirty="0" smtClean="0"/>
+              <a:t>αυτόματο </a:t>
+            </a:r>
+            <a:r>
+              <a:rPr lang="en-US" sz="600" dirty="0" smtClean="0"/>
+              <a:t>deployment </a:t>
             </a:r>
             <a:r>
               <a:rPr lang="el-GR" sz="600" dirty="0"/>
               <a:t>και βοηθάνε στο </a:t>
             </a:r>
             <a:r>
-              <a:rPr lang="en-US" sz="600" dirty="0"/>
-              <a:t>design description</a:t>
-            </a:r>
-            <a:r>
-              <a:rPr lang="el-GR" sz="600" dirty="0"/>
-              <a:t> </a:t>
-            </a:r>
-            <a:r>
               <a:rPr lang="el-GR" sz="600" dirty="0" smtClean="0"/>
-              <a:t>και </a:t>
-            </a:r>
-            <a:r>
-              <a:rPr lang="en-US" sz="600" dirty="0" smtClean="0"/>
-              <a:t>deployment</a:t>
-            </a:r>
-            <a:r>
-              <a:rPr lang="el-GR" sz="600" dirty="0" smtClean="0"/>
-              <a:t> των</a:t>
+              <a:t>περιγραφή</a:t>
             </a:r>
             <a:r>
               <a:rPr lang="el-GR" sz="600" baseline="0" dirty="0" smtClean="0"/>
               <a:t> </a:t>
             </a:r>
             <a:r>
+              <a:rPr lang="el-GR" sz="600" dirty="0" smtClean="0"/>
+              <a:t>των</a:t>
+            </a:r>
+            <a:r>
+              <a:rPr lang="el-GR" sz="600" baseline="0" dirty="0" smtClean="0"/>
+              <a:t> </a:t>
+            </a:r>
+            <a:r>
               <a:rPr lang="en-US" sz="600" dirty="0" smtClean="0"/>
-              <a:t>applications</a:t>
-            </a:r>
-            <a:r>
-              <a:rPr lang="en-US" sz="600" dirty="0" smtClean="0"/>
-              <a:t>. </a:t>
+              <a:t>applications. </a:t>
             </a:r>
             <a:endParaRPr lang="el-GR" sz="600" dirty="0" smtClean="0"/>
           </a:p>
@@ -5098,11 +5176,7 @@
             </a:pPr>
             <a:r>
               <a:rPr lang="el-GR" sz="600" dirty="0" smtClean="0"/>
-              <a:t>Προσφέρουμε </a:t>
-            </a:r>
-            <a:r>
-              <a:rPr lang="el-GR" sz="600" dirty="0" smtClean="0"/>
-              <a:t>ένα νέο τρόπο να διαχειρίζονται οι</a:t>
+              <a:t>Προσφέρουμε ένα νέο τρόπο να διαχειρίζονται οι</a:t>
             </a:r>
             <a:r>
               <a:rPr lang="en-US" sz="600" dirty="0" smtClean="0"/>
@@ -5154,11 +5228,7 @@
             </a:r>
             <a:r>
               <a:rPr lang="en-US" sz="600" dirty="0" smtClean="0"/>
-              <a:t>project </a:t>
-            </a:r>
-            <a:r>
-              <a:rPr lang="en-US" sz="600" dirty="0" smtClean="0"/>
-              <a:t>PaaSage</a:t>
+              <a:t>project PaaSage</a:t>
             </a:r>
             <a:endParaRPr lang="el-GR" sz="600" dirty="0" smtClean="0"/>
           </a:p>
@@ -5340,11 +5410,7 @@
             </a:r>
             <a:r>
               <a:rPr lang="en-US" sz="600" dirty="0" smtClean="0"/>
-              <a:t>Social </a:t>
-            </a:r>
-            <a:r>
-              <a:rPr lang="en-US" sz="600" dirty="0" smtClean="0"/>
-              <a:t>Networks </a:t>
+              <a:t>Social Networks </a:t>
             </a:r>
             <a:r>
               <a:rPr lang="el-GR" sz="600" dirty="0" smtClean="0"/>
@@ -6166,11 +6232,7 @@
             </a:r>
             <a:r>
               <a:rPr lang="en-US" b="0" baseline="0" dirty="0" smtClean="0"/>
-              <a:t>PaaSage </a:t>
-            </a:r>
-            <a:r>
-              <a:rPr lang="en-US" b="0" baseline="0" dirty="0" smtClean="0"/>
-              <a:t>project</a:t>
+              <a:t>PaaSage project</a:t>
             </a:r>
             <a:endParaRPr lang="el-GR" b="0" baseline="0" dirty="0" smtClean="0"/>
           </a:p>
@@ -6180,11 +6242,7 @@
           <a:p>
             <a:r>
               <a:rPr lang="el-GR" b="0" baseline="0" dirty="0" smtClean="0"/>
-              <a:t>Και για </a:t>
-            </a:r>
-            <a:r>
-              <a:rPr lang="el-GR" b="0" baseline="0" dirty="0" smtClean="0"/>
-              <a:t>να δημιουργήσουμε ένα τέτοιο μοντέλο μπορούμε να χρησιμοποιήσουμε τον </a:t>
+              <a:t>Και για να δημιουργήσουμε ένα τέτοιο μοντέλο μπορούμε να χρησιμοποιήσουμε τον </a:t>
             </a:r>
             <a:r>
               <a:rPr lang="en-US" b="0" baseline="0" dirty="0" smtClean="0"/>
@@ -6339,11 +6397,7 @@
             </a:r>
             <a:r>
               <a:rPr lang="el-GR" b="0" baseline="0" dirty="0" smtClean="0"/>
-              <a:t>είναι στο κοινωνικό δίκτυο, όπου πήρα </a:t>
-            </a:r>
-            <a:r>
-              <a:rPr lang="el-GR" b="0" baseline="0" dirty="0" smtClean="0"/>
-              <a:t>την βασική υποδομή από το </a:t>
+              <a:t>είναι στο κοινωνικό δίκτυο, όπου πήρα την βασική υποδομή από το </a:t>
             </a:r>
             <a:r>
               <a:rPr lang="en-US" b="0" baseline="0" dirty="0" smtClean="0"/>
@@ -6355,11 +6409,7 @@
             </a:r>
             <a:r>
               <a:rPr lang="en-US" b="0" baseline="0" dirty="0" smtClean="0"/>
-              <a:t>open source social networking </a:t>
-            </a:r>
-            <a:r>
-              <a:rPr lang="en-US" b="0" baseline="0" dirty="0" smtClean="0"/>
-              <a:t>engine</a:t>
+              <a:t>open source social networking engine</a:t>
             </a:r>
             <a:r>
               <a:rPr lang="el-GR" b="0" baseline="0" dirty="0" smtClean="0"/>
@@ -6721,7 +6771,7 @@
             <a:fld id="{28F388FD-1349-4B74-B173-DEE231C45C9C}" type="datetime1">
               <a:rPr lang="en-US" smtClean="0"/>
               <a:pPr/>
-              <a:t>10/8/2015</a:t>
+              <a:t>10/10/2015</a:t>
             </a:fld>
             <a:endParaRPr lang="en-GB"/>
           </a:p>
@@ -7086,7 +7136,7 @@
             <a:fld id="{3C3A84A0-F2B7-46E0-9A1A-F54034D8EDBD}" type="datetime1">
               <a:rPr lang="en-US" smtClean="0"/>
               <a:pPr/>
-              <a:t>10/8/2015</a:t>
+              <a:t>10/10/2015</a:t>
             </a:fld>
             <a:endParaRPr lang="en-GB"/>
           </a:p>
@@ -7267,7 +7317,7 @@
             <a:fld id="{3E229035-3E06-4894-B0D5-FF6762DFC127}" type="datetime1">
               <a:rPr lang="en-US" smtClean="0"/>
               <a:pPr/>
-              <a:t>10/8/2015</a:t>
+              <a:t>10/10/2015</a:t>
             </a:fld>
             <a:endParaRPr lang="en-GB"/>
           </a:p>
@@ -7508,7 +7558,7 @@
             <a:fld id="{939D8CAB-AFAD-44F9-99B3-90A20D6DB4EE}" type="datetime1">
               <a:rPr lang="en-US" smtClean="0"/>
               <a:pPr/>
-              <a:t>10/8/2015</a:t>
+              <a:t>10/10/2015</a:t>
             </a:fld>
             <a:endParaRPr lang="en-GB"/>
           </a:p>
@@ -7783,7 +7833,7 @@
             <a:fld id="{D09FA660-D8B8-480E-80AE-E310B47D050A}" type="datetime1">
               <a:rPr lang="en-US" smtClean="0"/>
               <a:pPr/>
-              <a:t>10/8/2015</a:t>
+              <a:t>10/10/2015</a:t>
             </a:fld>
             <a:endParaRPr lang="en-GB"/>
           </a:p>
@@ -8009,7 +8059,7 @@
             <a:fld id="{428B1FCA-1F40-4707-9D4A-FC8C39D751AE}" type="datetime1">
               <a:rPr lang="en-US" smtClean="0"/>
               <a:pPr/>
-              <a:t>10/8/2015</a:t>
+              <a:t>10/10/2015</a:t>
             </a:fld>
             <a:endParaRPr lang="en-GB"/>
           </a:p>
@@ -8367,7 +8417,7 @@
             <a:fld id="{E29A0755-12E0-421D-A13C-381344A3C6C0}" type="datetime1">
               <a:rPr lang="en-US" smtClean="0"/>
               <a:pPr/>
-              <a:t>10/8/2015</a:t>
+              <a:t>10/10/2015</a:t>
             </a:fld>
             <a:endParaRPr lang="en-GB"/>
           </a:p>
@@ -8605,7 +8655,7 @@
             <a:fld id="{744C634E-EE12-4137-B0D4-C332E4335954}" type="datetime1">
               <a:rPr lang="en-US" smtClean="0"/>
               <a:pPr/>
-              <a:t>10/8/2015</a:t>
+              <a:t>10/10/2015</a:t>
             </a:fld>
             <a:endParaRPr lang="en-GB"/>
           </a:p>
@@ -8751,7 +8801,7 @@
             <a:fld id="{AD93D238-AA6B-4D3E-814E-9A3817EBE5A1}" type="datetime1">
               <a:rPr lang="en-US" smtClean="0"/>
               <a:pPr/>
-              <a:t>10/8/2015</a:t>
+              <a:t>10/10/2015</a:t>
             </a:fld>
             <a:endParaRPr lang="en-GB"/>
           </a:p>
@@ -9034,7 +9084,7 @@
             <a:fld id="{D6E12A9E-544D-4743-9F0B-884E2BF7D0B0}" type="datetime1">
               <a:rPr lang="en-US" smtClean="0"/>
               <a:pPr/>
-              <a:t>10/8/2015</a:t>
+              <a:t>10/10/2015</a:t>
             </a:fld>
             <a:endParaRPr lang="en-GB"/>
           </a:p>
@@ -9447,7 +9497,7 @@
             <a:fld id="{0EAE2EAB-07B8-4942-9591-287BBAF1E385}" type="datetime1">
               <a:rPr lang="en-US" smtClean="0"/>
               <a:pPr/>
-              <a:t>10/8/2015</a:t>
+              <a:t>10/10/2015</a:t>
             </a:fld>
             <a:endParaRPr lang="en-GB"/>
           </a:p>
@@ -9791,7 +9841,7 @@
             <a:fld id="{BABEAD1A-BFE9-4884-9063-04C5BBC12657}" type="datetime1">
               <a:rPr lang="en-US" smtClean="0"/>
               <a:pPr/>
-              <a:t>10/8/2015</a:t>
+              <a:t>10/10/2015</a:t>
             </a:fld>
             <a:endParaRPr lang="en-GB"/>
           </a:p>
@@ -10480,7 +10530,7 @@
       </p:grpSpPr>
       <p:sp>
         <p:nvSpPr>
-          <p:cNvPr id="2" name="1 - Τίτλος"/>
+          <p:cNvPr id="2" name="Title 1"/>
           <p:cNvSpPr>
             <a:spLocks noGrp="1"/>
           </p:cNvSpPr>
@@ -10494,8 +10544,8 @@
           <a:lstStyle/>
           <a:p>
             <a:r>
-              <a:rPr lang="en-US" dirty="0" smtClean="0"/>
-              <a:t>System Architecture</a:t>
+              <a:rPr lang="en-US" dirty="0"/>
+              <a:t>System architecture</a:t>
             </a:r>
             <a:endParaRPr lang="el-GR" dirty="0"/>
           </a:p>
@@ -10503,7 +10553,7 @@
       </p:sp>
       <p:sp>
         <p:nvSpPr>
-          <p:cNvPr id="3" name="2 - Θέση υποσέλιδου"/>
+          <p:cNvPr id="3" name="Footer Placeholder 2"/>
           <p:cNvSpPr>
             <a:spLocks noGrp="1"/>
           </p:cNvSpPr>
@@ -10527,7 +10577,7 @@
       </p:sp>
       <p:sp>
         <p:nvSpPr>
-          <p:cNvPr id="4" name="3 - Θέση αριθμού διαφάνειας"/>
+          <p:cNvPr id="4" name="Slide Number Placeholder 3"/>
           <p:cNvSpPr>
             <a:spLocks noGrp="1"/>
           </p:cNvSpPr>
@@ -10551,7 +10601,7 @@
       </p:sp>
       <p:pic>
         <p:nvPicPr>
-          <p:cNvPr id="6" name="Content Placeholder 5"/>
+          <p:cNvPr id="7" name="Elgg to disappear"/>
           <p:cNvPicPr>
             <a:picLocks noGrp="1" noChangeAspect="1"/>
           </p:cNvPicPr>
@@ -10573,15 +10623,332 @@
         </p:blipFill>
         <p:spPr>
           <a:xfrm>
-            <a:off x="2833576" y="1219200"/>
-            <a:ext cx="3476848" cy="4937125"/>
+            <a:off x="251520" y="1628800"/>
+            <a:ext cx="8229600" cy="3095725"/>
           </a:xfrm>
+        </p:spPr>
+      </p:pic>
+      <p:pic>
+        <p:nvPicPr>
+          <p:cNvPr id="5" name="Elgg"/>
+          <p:cNvPicPr>
+            <a:picLocks noChangeAspect="1"/>
+          </p:cNvPicPr>
+          <p:nvPr/>
+        </p:nvPicPr>
+        <p:blipFill>
+          <a:blip r:embed="rId4" cstate="print">
+            <a:extLst>
+              <a:ext uri="{28A0092B-C50C-407E-A947-70E740481C1C}">
+                <a14:useLocalDpi xmlns:a14="http://schemas.microsoft.com/office/drawing/2010/main" val="0"/>
+              </a:ext>
+            </a:extLst>
+          </a:blip>
+          <a:stretch>
+            <a:fillRect/>
+          </a:stretch>
+        </p:blipFill>
+        <p:spPr>
+          <a:xfrm>
+            <a:off x="3398439" y="1259431"/>
+            <a:ext cx="1266897" cy="760139"/>
+          </a:xfrm>
+          <a:prstGeom prst="rect">
+            <a:avLst/>
+          </a:prstGeom>
+        </p:spPr>
+      </p:pic>
+      <p:pic>
+        <p:nvPicPr>
+          <p:cNvPr id="6" name="Picture 5"/>
+          <p:cNvPicPr>
+            <a:picLocks noChangeAspect="1"/>
+          </p:cNvPicPr>
+          <p:nvPr/>
+        </p:nvPicPr>
+        <p:blipFill>
+          <a:blip r:embed="rId5" cstate="print">
+            <a:extLst>
+              <a:ext uri="{28A0092B-C50C-407E-A947-70E740481C1C}">
+                <a14:useLocalDpi xmlns:a14="http://schemas.microsoft.com/office/drawing/2010/main" val="0"/>
+              </a:ext>
+            </a:extLst>
+          </a:blip>
+          <a:stretch>
+            <a:fillRect/>
+          </a:stretch>
+        </p:blipFill>
+        <p:spPr>
+          <a:xfrm>
+            <a:off x="2028713" y="5362165"/>
+            <a:ext cx="869935" cy="896457"/>
+          </a:xfrm>
+          <a:prstGeom prst="rect">
+            <a:avLst/>
+          </a:prstGeom>
+        </p:spPr>
+      </p:pic>
+      <p:pic>
+        <p:nvPicPr>
+          <p:cNvPr id="8" name="Picture 7"/>
+          <p:cNvPicPr>
+            <a:picLocks noChangeAspect="1"/>
+          </p:cNvPicPr>
+          <p:nvPr/>
+        </p:nvPicPr>
+        <p:blipFill>
+          <a:blip r:embed="rId6"/>
+          <a:stretch>
+            <a:fillRect/>
+          </a:stretch>
+        </p:blipFill>
+        <p:spPr>
+          <a:xfrm flipV="1">
+            <a:off x="713191" y="4162016"/>
+            <a:ext cx="7969326" cy="275096"/>
+          </a:xfrm>
+          <a:prstGeom prst="rect">
+            <a:avLst/>
+          </a:prstGeom>
+        </p:spPr>
+      </p:pic>
+      <p:pic>
+        <p:nvPicPr>
+          <p:cNvPr id="9" name="Back end label text"/>
+          <p:cNvPicPr>
+            <a:picLocks noChangeAspect="1"/>
+          </p:cNvPicPr>
+          <p:nvPr/>
+        </p:nvPicPr>
+        <p:blipFill>
+          <a:blip r:embed="rId7"/>
+          <a:stretch>
+            <a:fillRect/>
+          </a:stretch>
+        </p:blipFill>
+        <p:spPr>
+          <a:xfrm>
+            <a:off x="151575" y="5039346"/>
+            <a:ext cx="1409897" cy="357238"/>
+          </a:xfrm>
+          <a:prstGeom prst="rect">
+            <a:avLst/>
+          </a:prstGeom>
+        </p:spPr>
+      </p:pic>
+      <p:pic>
+        <p:nvPicPr>
+          <p:cNvPr id="10" name="Picture 9"/>
+          <p:cNvPicPr>
+            <a:picLocks noChangeAspect="1"/>
+          </p:cNvPicPr>
+          <p:nvPr/>
+        </p:nvPicPr>
+        <p:blipFill>
+          <a:blip r:embed="rId8"/>
+          <a:stretch>
+            <a:fillRect/>
+          </a:stretch>
+        </p:blipFill>
+        <p:spPr>
+          <a:xfrm>
+            <a:off x="5940153" y="5396584"/>
+            <a:ext cx="969383" cy="907877"/>
+          </a:xfrm>
+          <a:prstGeom prst="rect">
+            <a:avLst/>
+          </a:prstGeom>
+        </p:spPr>
+      </p:pic>
+      <p:pic>
+        <p:nvPicPr>
+          <p:cNvPr id="11" name="Picture 10"/>
+          <p:cNvPicPr>
+            <a:picLocks noChangeAspect="1"/>
+          </p:cNvPicPr>
+          <p:nvPr/>
+        </p:nvPicPr>
+        <p:blipFill>
+          <a:blip r:embed="rId9"/>
+          <a:stretch>
+            <a:fillRect/>
+          </a:stretch>
+        </p:blipFill>
+        <p:spPr>
+          <a:xfrm>
+            <a:off x="6017963" y="4427574"/>
+            <a:ext cx="813762" cy="930504"/>
+          </a:xfrm>
+          <a:prstGeom prst="rect">
+            <a:avLst/>
+          </a:prstGeom>
+        </p:spPr>
+      </p:pic>
+      <p:pic>
+        <p:nvPicPr>
+          <p:cNvPr id="12" name="Picture 11"/>
+          <p:cNvPicPr>
+            <a:picLocks noChangeAspect="1"/>
+          </p:cNvPicPr>
+          <p:nvPr/>
+        </p:nvPicPr>
+        <p:blipFill>
+          <a:blip r:embed="rId10"/>
+          <a:stretch>
+            <a:fillRect/>
+          </a:stretch>
+        </p:blipFill>
+        <p:spPr>
+          <a:xfrm>
+            <a:off x="4807289" y="1279257"/>
+            <a:ext cx="607712" cy="671963"/>
+          </a:xfrm>
+          <a:prstGeom prst="rect">
+            <a:avLst/>
+          </a:prstGeom>
+        </p:spPr>
+      </p:pic>
+      <p:sp>
+        <p:nvSpPr>
+          <p:cNvPr id="13" name="Rectangle 12"/>
+          <p:cNvSpPr/>
+          <p:nvPr/>
+        </p:nvSpPr>
+        <p:spPr>
+          <a:xfrm>
+            <a:off x="3224844" y="1194890"/>
+            <a:ext cx="2190157" cy="1027125"/>
+          </a:xfrm>
+          <a:prstGeom prst="rect">
+            <a:avLst/>
+          </a:prstGeom>
+          <a:noFill/>
+        </p:spPr>
+        <p:style>
+          <a:lnRef idx="2">
+            <a:schemeClr val="accent1">
+              <a:shade val="50000"/>
+            </a:schemeClr>
+          </a:lnRef>
+          <a:fillRef idx="1">
+            <a:schemeClr val="accent1"/>
+          </a:fillRef>
+          <a:effectRef idx="0">
+            <a:schemeClr val="accent1"/>
+          </a:effectRef>
+          <a:fontRef idx="minor">
+            <a:schemeClr val="lt1"/>
+          </a:fontRef>
+        </p:style>
+        <p:txBody>
+          <a:bodyPr rtlCol="0" anchor="ctr"/>
+          <a:lstStyle/>
+          <a:p>
+            <a:pPr algn="ctr"/>
+            <a:endParaRPr lang="el-GR"/>
+          </a:p>
+        </p:txBody>
+      </p:sp>
+      <p:pic>
+        <p:nvPicPr>
+          <p:cNvPr id="14" name="Layer 1 - 2 line"/>
+          <p:cNvPicPr>
+            <a:picLocks noChangeAspect="1"/>
+          </p:cNvPicPr>
+          <p:nvPr/>
+        </p:nvPicPr>
+        <p:blipFill>
+          <a:blip r:embed="rId6"/>
+          <a:stretch>
+            <a:fillRect/>
+          </a:stretch>
+        </p:blipFill>
+        <p:spPr>
+          <a:xfrm flipV="1">
+            <a:off x="755576" y="2509428"/>
+            <a:ext cx="7969326" cy="275096"/>
+          </a:xfrm>
+          <a:prstGeom prst="rect">
+            <a:avLst/>
+          </a:prstGeom>
+        </p:spPr>
+      </p:pic>
+      <p:pic>
+        <p:nvPicPr>
+          <p:cNvPr id="15" name="Picture 14"/>
+          <p:cNvPicPr>
+            <a:picLocks noChangeAspect="1"/>
+          </p:cNvPicPr>
+          <p:nvPr/>
+        </p:nvPicPr>
+        <p:blipFill>
+          <a:blip r:embed="rId11"/>
+          <a:stretch>
+            <a:fillRect/>
+          </a:stretch>
+        </p:blipFill>
+        <p:spPr>
+          <a:xfrm>
+            <a:off x="2210951" y="2712420"/>
+            <a:ext cx="4973806" cy="1488326"/>
+          </a:xfrm>
+          <a:prstGeom prst="rect">
+            <a:avLst/>
+          </a:prstGeom>
+        </p:spPr>
+      </p:pic>
+      <p:pic>
+        <p:nvPicPr>
+          <p:cNvPr id="16" name="Picture 15"/>
+          <p:cNvPicPr>
+            <a:picLocks noChangeAspect="1"/>
+          </p:cNvPicPr>
+          <p:nvPr/>
+        </p:nvPicPr>
+        <p:blipFill>
+          <a:blip r:embed="rId12"/>
+          <a:stretch>
+            <a:fillRect/>
+          </a:stretch>
+        </p:blipFill>
+        <p:spPr>
+          <a:xfrm>
+            <a:off x="251520" y="3274382"/>
+            <a:ext cx="1183221" cy="429823"/>
+          </a:xfrm>
+          <a:prstGeom prst="rect">
+            <a:avLst/>
+          </a:prstGeom>
+        </p:spPr>
+      </p:pic>
+      <p:pic>
+        <p:nvPicPr>
+          <p:cNvPr id="17" name="front end label text"/>
+          <p:cNvPicPr>
+            <a:picLocks noChangeAspect="1"/>
+          </p:cNvPicPr>
+          <p:nvPr/>
+        </p:nvPicPr>
+        <p:blipFill>
+          <a:blip r:embed="rId13"/>
+          <a:stretch>
+            <a:fillRect/>
+          </a:stretch>
+        </p:blipFill>
+        <p:spPr>
+          <a:xfrm>
+            <a:off x="251520" y="1481050"/>
+            <a:ext cx="1448042" cy="360808"/>
+          </a:xfrm>
+          <a:prstGeom prst="rect">
+            <a:avLst/>
+          </a:prstGeom>
         </p:spPr>
       </p:pic>
     </p:spTree>
     <p:extLst>
       <p:ext uri="{BB962C8B-B14F-4D97-AF65-F5344CB8AC3E}">
-        <p14:creationId xmlns:p14="http://schemas.microsoft.com/office/powerpoint/2010/main" val="3414480290"/>
+        <p14:creationId xmlns:p14="http://schemas.microsoft.com/office/powerpoint/2010/main" val="1797352846"/>
       </p:ext>
     </p:extLst>
   </p:cSld>
@@ -10591,9 +10958,674 @@
   <p:timing>
     <p:tnLst>
       <p:par>
-        <p:cTn id="1" dur="indefinite" restart="never" nodeType="tmRoot"/>
+        <p:cTn id="1" dur="indefinite" restart="never" nodeType="tmRoot">
+          <p:childTnLst>
+            <p:seq concurrent="1" nextAc="seek">
+              <p:cTn id="2" dur="indefinite" nodeType="mainSeq">
+                <p:childTnLst>
+                  <p:par>
+                    <p:cTn id="3" fill="hold">
+                      <p:stCondLst>
+                        <p:cond delay="indefinite"/>
+                      </p:stCondLst>
+                      <p:childTnLst>
+                        <p:par>
+                          <p:cTn id="4" fill="hold">
+                            <p:stCondLst>
+                              <p:cond delay="0"/>
+                            </p:stCondLst>
+                            <p:childTnLst>
+                              <p:par>
+                                <p:cTn id="5" presetID="6" presetClass="emph" presetSubtype="0" fill="hold" nodeType="clickEffect">
+                                  <p:stCondLst>
+                                    <p:cond delay="0"/>
+                                  </p:stCondLst>
+                                  <p:childTnLst>
+                                    <p:animScale>
+                                      <p:cBhvr>
+                                        <p:cTn id="6" dur="2000" fill="hold"/>
+                                        <p:tgtEl>
+                                          <p:spTgt spid="7"/>
+                                        </p:tgtEl>
+                                      </p:cBhvr>
+                                      <p:by x="25000" y="25000"/>
+                                    </p:animScale>
+                                  </p:childTnLst>
+                                </p:cTn>
+                              </p:par>
+                            </p:childTnLst>
+                          </p:cTn>
+                        </p:par>
+                        <p:par>
+                          <p:cTn id="7" fill="hold">
+                            <p:stCondLst>
+                              <p:cond delay="2000"/>
+                            </p:stCondLst>
+                            <p:childTnLst>
+                              <p:par>
+                                <p:cTn id="8" presetID="42" presetClass="path" presetSubtype="0" accel="50000" decel="50000" fill="hold" nodeType="afterEffect">
+                                  <p:stCondLst>
+                                    <p:cond delay="0"/>
+                                  </p:stCondLst>
+                                  <p:childTnLst>
+                                    <p:animMotion origin="layout" path="M -5.55556E-7 -4.44444E-6 L -0.00104 -0.18379 " pathEditMode="relative" rAng="0" ptsTypes="AA">
+                                      <p:cBhvr>
+                                        <p:cTn id="9" dur="2000" fill="hold"/>
+                                        <p:tgtEl>
+                                          <p:spTgt spid="7"/>
+                                        </p:tgtEl>
+                                        <p:attrNameLst>
+                                          <p:attrName>ppt_x</p:attrName>
+                                          <p:attrName>ppt_y</p:attrName>
+                                        </p:attrNameLst>
+                                      </p:cBhvr>
+                                      <p:rCtr x="-52" y="-9190"/>
+                                    </p:animMotion>
+                                  </p:childTnLst>
+                                </p:cTn>
+                              </p:par>
+                            </p:childTnLst>
+                          </p:cTn>
+                        </p:par>
+                        <p:par>
+                          <p:cTn id="10" fill="hold">
+                            <p:stCondLst>
+                              <p:cond delay="4000"/>
+                            </p:stCondLst>
+                            <p:childTnLst>
+                              <p:par>
+                                <p:cTn id="11" presetID="10" presetClass="exit" presetSubtype="0" fill="hold" nodeType="afterEffect">
+                                  <p:stCondLst>
+                                    <p:cond delay="0"/>
+                                  </p:stCondLst>
+                                  <p:childTnLst>
+                                    <p:animEffect transition="out" filter="fade">
+                                      <p:cBhvr>
+                                        <p:cTn id="12" dur="500"/>
+                                        <p:tgtEl>
+                                          <p:spTgt spid="7"/>
+                                        </p:tgtEl>
+                                      </p:cBhvr>
+                                    </p:animEffect>
+                                    <p:set>
+                                      <p:cBhvr>
+                                        <p:cTn id="13" dur="1" fill="hold">
+                                          <p:stCondLst>
+                                            <p:cond delay="499"/>
+                                          </p:stCondLst>
+                                        </p:cTn>
+                                        <p:tgtEl>
+                                          <p:spTgt spid="7"/>
+                                        </p:tgtEl>
+                                        <p:attrNameLst>
+                                          <p:attrName>style.visibility</p:attrName>
+                                        </p:attrNameLst>
+                                      </p:cBhvr>
+                                      <p:to>
+                                        <p:strVal val="hidden"/>
+                                      </p:to>
+                                    </p:set>
+                                  </p:childTnLst>
+                                </p:cTn>
+                              </p:par>
+                              <p:par>
+                                <p:cTn id="14" presetID="10" presetClass="entr" presetSubtype="0" fill="hold" nodeType="withEffect">
+                                  <p:stCondLst>
+                                    <p:cond delay="0"/>
+                                  </p:stCondLst>
+                                  <p:childTnLst>
+                                    <p:set>
+                                      <p:cBhvr>
+                                        <p:cTn id="15" dur="1" fill="hold">
+                                          <p:stCondLst>
+                                            <p:cond delay="0"/>
+                                          </p:stCondLst>
+                                        </p:cTn>
+                                        <p:tgtEl>
+                                          <p:spTgt spid="5"/>
+                                        </p:tgtEl>
+                                        <p:attrNameLst>
+                                          <p:attrName>style.visibility</p:attrName>
+                                        </p:attrNameLst>
+                                      </p:cBhvr>
+                                      <p:to>
+                                        <p:strVal val="visible"/>
+                                      </p:to>
+                                    </p:set>
+                                    <p:animEffect transition="in" filter="fade">
+                                      <p:cBhvr>
+                                        <p:cTn id="16" dur="500"/>
+                                        <p:tgtEl>
+                                          <p:spTgt spid="5"/>
+                                        </p:tgtEl>
+                                      </p:cBhvr>
+                                    </p:animEffect>
+                                  </p:childTnLst>
+                                </p:cTn>
+                              </p:par>
+                              <p:par>
+                                <p:cTn id="17" presetID="10" presetClass="entr" presetSubtype="0" fill="hold" nodeType="withEffect">
+                                  <p:stCondLst>
+                                    <p:cond delay="0"/>
+                                  </p:stCondLst>
+                                  <p:childTnLst>
+                                    <p:set>
+                                      <p:cBhvr>
+                                        <p:cTn id="18" dur="1" fill="hold">
+                                          <p:stCondLst>
+                                            <p:cond delay="0"/>
+                                          </p:stCondLst>
+                                        </p:cTn>
+                                        <p:tgtEl>
+                                          <p:spTgt spid="6"/>
+                                        </p:tgtEl>
+                                        <p:attrNameLst>
+                                          <p:attrName>style.visibility</p:attrName>
+                                        </p:attrNameLst>
+                                      </p:cBhvr>
+                                      <p:to>
+                                        <p:strVal val="visible"/>
+                                      </p:to>
+                                    </p:set>
+                                    <p:animEffect transition="in" filter="fade">
+                                      <p:cBhvr>
+                                        <p:cTn id="19" dur="500"/>
+                                        <p:tgtEl>
+                                          <p:spTgt spid="6"/>
+                                        </p:tgtEl>
+                                      </p:cBhvr>
+                                    </p:animEffect>
+                                  </p:childTnLst>
+                                </p:cTn>
+                              </p:par>
+                            </p:childTnLst>
+                          </p:cTn>
+                        </p:par>
+                      </p:childTnLst>
+                    </p:cTn>
+                  </p:par>
+                  <p:par>
+                    <p:cTn id="20" fill="hold">
+                      <p:stCondLst>
+                        <p:cond delay="indefinite"/>
+                      </p:stCondLst>
+                      <p:childTnLst>
+                        <p:par>
+                          <p:cTn id="21" fill="hold">
+                            <p:stCondLst>
+                              <p:cond delay="0"/>
+                            </p:stCondLst>
+                            <p:childTnLst>
+                              <p:par>
+                                <p:cTn id="22" presetID="10" presetClass="entr" presetSubtype="0" fill="hold" nodeType="clickEffect">
+                                  <p:stCondLst>
+                                    <p:cond delay="0"/>
+                                  </p:stCondLst>
+                                  <p:childTnLst>
+                                    <p:set>
+                                      <p:cBhvr>
+                                        <p:cTn id="23" dur="1" fill="hold">
+                                          <p:stCondLst>
+                                            <p:cond delay="0"/>
+                                          </p:stCondLst>
+                                        </p:cTn>
+                                        <p:tgtEl>
+                                          <p:spTgt spid="9"/>
+                                        </p:tgtEl>
+                                        <p:attrNameLst>
+                                          <p:attrName>style.visibility</p:attrName>
+                                        </p:attrNameLst>
+                                      </p:cBhvr>
+                                      <p:to>
+                                        <p:strVal val="visible"/>
+                                      </p:to>
+                                    </p:set>
+                                    <p:animEffect transition="in" filter="fade">
+                                      <p:cBhvr>
+                                        <p:cTn id="24" dur="500"/>
+                                        <p:tgtEl>
+                                          <p:spTgt spid="9"/>
+                                        </p:tgtEl>
+                                      </p:cBhvr>
+                                    </p:animEffect>
+                                  </p:childTnLst>
+                                </p:cTn>
+                              </p:par>
+                              <p:par>
+                                <p:cTn id="25" presetID="10" presetClass="entr" presetSubtype="0" fill="hold" nodeType="withEffect">
+                                  <p:stCondLst>
+                                    <p:cond delay="0"/>
+                                  </p:stCondLst>
+                                  <p:childTnLst>
+                                    <p:set>
+                                      <p:cBhvr>
+                                        <p:cTn id="26" dur="1" fill="hold">
+                                          <p:stCondLst>
+                                            <p:cond delay="0"/>
+                                          </p:stCondLst>
+                                        </p:cTn>
+                                        <p:tgtEl>
+                                          <p:spTgt spid="17"/>
+                                        </p:tgtEl>
+                                        <p:attrNameLst>
+                                          <p:attrName>style.visibility</p:attrName>
+                                        </p:attrNameLst>
+                                      </p:cBhvr>
+                                      <p:to>
+                                        <p:strVal val="visible"/>
+                                      </p:to>
+                                    </p:set>
+                                    <p:animEffect transition="in" filter="fade">
+                                      <p:cBhvr>
+                                        <p:cTn id="27" dur="500"/>
+                                        <p:tgtEl>
+                                          <p:spTgt spid="17"/>
+                                        </p:tgtEl>
+                                      </p:cBhvr>
+                                    </p:animEffect>
+                                  </p:childTnLst>
+                                </p:cTn>
+                              </p:par>
+                              <p:par>
+                                <p:cTn id="28" presetID="10" presetClass="entr" presetSubtype="0" fill="hold" nodeType="withEffect">
+                                  <p:stCondLst>
+                                    <p:cond delay="0"/>
+                                  </p:stCondLst>
+                                  <p:childTnLst>
+                                    <p:set>
+                                      <p:cBhvr>
+                                        <p:cTn id="29" dur="1" fill="hold">
+                                          <p:stCondLst>
+                                            <p:cond delay="0"/>
+                                          </p:stCondLst>
+                                        </p:cTn>
+                                        <p:tgtEl>
+                                          <p:spTgt spid="8"/>
+                                        </p:tgtEl>
+                                        <p:attrNameLst>
+                                          <p:attrName>style.visibility</p:attrName>
+                                        </p:attrNameLst>
+                                      </p:cBhvr>
+                                      <p:to>
+                                        <p:strVal val="visible"/>
+                                      </p:to>
+                                    </p:set>
+                                    <p:animEffect transition="in" filter="fade">
+                                      <p:cBhvr>
+                                        <p:cTn id="30" dur="500"/>
+                                        <p:tgtEl>
+                                          <p:spTgt spid="8"/>
+                                        </p:tgtEl>
+                                      </p:cBhvr>
+                                    </p:animEffect>
+                                  </p:childTnLst>
+                                </p:cTn>
+                              </p:par>
+                            </p:childTnLst>
+                          </p:cTn>
+                        </p:par>
+                      </p:childTnLst>
+                    </p:cTn>
+                  </p:par>
+                  <p:par>
+                    <p:cTn id="31" fill="hold">
+                      <p:stCondLst>
+                        <p:cond delay="indefinite"/>
+                      </p:stCondLst>
+                      <p:childTnLst>
+                        <p:par>
+                          <p:cTn id="32" fill="hold">
+                            <p:stCondLst>
+                              <p:cond delay="0"/>
+                            </p:stCondLst>
+                            <p:childTnLst>
+                              <p:par>
+                                <p:cTn id="33" presetID="10" presetClass="entr" presetSubtype="0" fill="hold" nodeType="clickEffect">
+                                  <p:stCondLst>
+                                    <p:cond delay="0"/>
+                                  </p:stCondLst>
+                                  <p:childTnLst>
+                                    <p:set>
+                                      <p:cBhvr>
+                                        <p:cTn id="34" dur="1" fill="hold">
+                                          <p:stCondLst>
+                                            <p:cond delay="0"/>
+                                          </p:stCondLst>
+                                        </p:cTn>
+                                        <p:tgtEl>
+                                          <p:spTgt spid="10"/>
+                                        </p:tgtEl>
+                                        <p:attrNameLst>
+                                          <p:attrName>style.visibility</p:attrName>
+                                        </p:attrNameLst>
+                                      </p:cBhvr>
+                                      <p:to>
+                                        <p:strVal val="visible"/>
+                                      </p:to>
+                                    </p:set>
+                                    <p:animEffect transition="in" filter="fade">
+                                      <p:cBhvr>
+                                        <p:cTn id="35" dur="500"/>
+                                        <p:tgtEl>
+                                          <p:spTgt spid="10"/>
+                                        </p:tgtEl>
+                                      </p:cBhvr>
+                                    </p:animEffect>
+                                  </p:childTnLst>
+                                </p:cTn>
+                              </p:par>
+                            </p:childTnLst>
+                          </p:cTn>
+                        </p:par>
+                      </p:childTnLst>
+                    </p:cTn>
+                  </p:par>
+                  <p:par>
+                    <p:cTn id="36" fill="hold">
+                      <p:stCondLst>
+                        <p:cond delay="indefinite"/>
+                      </p:stCondLst>
+                      <p:childTnLst>
+                        <p:par>
+                          <p:cTn id="37" fill="hold">
+                            <p:stCondLst>
+                              <p:cond delay="0"/>
+                            </p:stCondLst>
+                            <p:childTnLst>
+                              <p:par>
+                                <p:cTn id="38" presetID="10" presetClass="entr" presetSubtype="0" fill="hold" nodeType="clickEffect">
+                                  <p:stCondLst>
+                                    <p:cond delay="0"/>
+                                  </p:stCondLst>
+                                  <p:childTnLst>
+                                    <p:set>
+                                      <p:cBhvr>
+                                        <p:cTn id="39" dur="1" fill="hold">
+                                          <p:stCondLst>
+                                            <p:cond delay="0"/>
+                                          </p:stCondLst>
+                                        </p:cTn>
+                                        <p:tgtEl>
+                                          <p:spTgt spid="11"/>
+                                        </p:tgtEl>
+                                        <p:attrNameLst>
+                                          <p:attrName>style.visibility</p:attrName>
+                                        </p:attrNameLst>
+                                      </p:cBhvr>
+                                      <p:to>
+                                        <p:strVal val="visible"/>
+                                      </p:to>
+                                    </p:set>
+                                    <p:animEffect transition="in" filter="fade">
+                                      <p:cBhvr>
+                                        <p:cTn id="40" dur="500"/>
+                                        <p:tgtEl>
+                                          <p:spTgt spid="11"/>
+                                        </p:tgtEl>
+                                      </p:cBhvr>
+                                    </p:animEffect>
+                                  </p:childTnLst>
+                                </p:cTn>
+                              </p:par>
+                            </p:childTnLst>
+                          </p:cTn>
+                        </p:par>
+                      </p:childTnLst>
+                    </p:cTn>
+                  </p:par>
+                  <p:par>
+                    <p:cTn id="41" fill="hold">
+                      <p:stCondLst>
+                        <p:cond delay="indefinite"/>
+                      </p:stCondLst>
+                      <p:childTnLst>
+                        <p:par>
+                          <p:cTn id="42" fill="hold">
+                            <p:stCondLst>
+                              <p:cond delay="0"/>
+                            </p:stCondLst>
+                            <p:childTnLst>
+                              <p:par>
+                                <p:cTn id="43" presetID="10" presetClass="entr" presetSubtype="0" fill="hold" nodeType="clickEffect">
+                                  <p:stCondLst>
+                                    <p:cond delay="0"/>
+                                  </p:stCondLst>
+                                  <p:childTnLst>
+                                    <p:set>
+                                      <p:cBhvr>
+                                        <p:cTn id="44" dur="1" fill="hold">
+                                          <p:stCondLst>
+                                            <p:cond delay="0"/>
+                                          </p:stCondLst>
+                                        </p:cTn>
+                                        <p:tgtEl>
+                                          <p:spTgt spid="12"/>
+                                        </p:tgtEl>
+                                        <p:attrNameLst>
+                                          <p:attrName>style.visibility</p:attrName>
+                                        </p:attrNameLst>
+                                      </p:cBhvr>
+                                      <p:to>
+                                        <p:strVal val="visible"/>
+                                      </p:to>
+                                    </p:set>
+                                    <p:animEffect transition="in" filter="fade">
+                                      <p:cBhvr>
+                                        <p:cTn id="45" dur="500"/>
+                                        <p:tgtEl>
+                                          <p:spTgt spid="12"/>
+                                        </p:tgtEl>
+                                      </p:cBhvr>
+                                    </p:animEffect>
+                                  </p:childTnLst>
+                                </p:cTn>
+                              </p:par>
+                              <p:par>
+                                <p:cTn id="46" presetID="10" presetClass="entr" presetSubtype="0" fill="hold" grpId="0" nodeType="withEffect">
+                                  <p:stCondLst>
+                                    <p:cond delay="0"/>
+                                  </p:stCondLst>
+                                  <p:childTnLst>
+                                    <p:set>
+                                      <p:cBhvr>
+                                        <p:cTn id="47" dur="1" fill="hold">
+                                          <p:stCondLst>
+                                            <p:cond delay="0"/>
+                                          </p:stCondLst>
+                                        </p:cTn>
+                                        <p:tgtEl>
+                                          <p:spTgt spid="13"/>
+                                        </p:tgtEl>
+                                        <p:attrNameLst>
+                                          <p:attrName>style.visibility</p:attrName>
+                                        </p:attrNameLst>
+                                      </p:cBhvr>
+                                      <p:to>
+                                        <p:strVal val="visible"/>
+                                      </p:to>
+                                    </p:set>
+                                    <p:animEffect transition="in" filter="fade">
+                                      <p:cBhvr>
+                                        <p:cTn id="48" dur="500"/>
+                                        <p:tgtEl>
+                                          <p:spTgt spid="13"/>
+                                        </p:tgtEl>
+                                      </p:cBhvr>
+                                    </p:animEffect>
+                                  </p:childTnLst>
+                                </p:cTn>
+                              </p:par>
+                            </p:childTnLst>
+                          </p:cTn>
+                        </p:par>
+                      </p:childTnLst>
+                    </p:cTn>
+                  </p:par>
+                  <p:par>
+                    <p:cTn id="49" fill="hold">
+                      <p:stCondLst>
+                        <p:cond delay="indefinite"/>
+                      </p:stCondLst>
+                      <p:childTnLst>
+                        <p:par>
+                          <p:cTn id="50" fill="hold">
+                            <p:stCondLst>
+                              <p:cond delay="0"/>
+                            </p:stCondLst>
+                            <p:childTnLst>
+                              <p:par>
+                                <p:cTn id="51" presetID="10" presetClass="entr" presetSubtype="0" fill="hold" nodeType="clickEffect">
+                                  <p:stCondLst>
+                                    <p:cond delay="0"/>
+                                  </p:stCondLst>
+                                  <p:childTnLst>
+                                    <p:set>
+                                      <p:cBhvr>
+                                        <p:cTn id="52" dur="1" fill="hold">
+                                          <p:stCondLst>
+                                            <p:cond delay="0"/>
+                                          </p:stCondLst>
+                                        </p:cTn>
+                                        <p:tgtEl>
+                                          <p:spTgt spid="14"/>
+                                        </p:tgtEl>
+                                        <p:attrNameLst>
+                                          <p:attrName>style.visibility</p:attrName>
+                                        </p:attrNameLst>
+                                      </p:cBhvr>
+                                      <p:to>
+                                        <p:strVal val="visible"/>
+                                      </p:to>
+                                    </p:set>
+                                    <p:animEffect transition="in" filter="fade">
+                                      <p:cBhvr>
+                                        <p:cTn id="53" dur="500"/>
+                                        <p:tgtEl>
+                                          <p:spTgt spid="14"/>
+                                        </p:tgtEl>
+                                      </p:cBhvr>
+                                    </p:animEffect>
+                                  </p:childTnLst>
+                                </p:cTn>
+                              </p:par>
+                            </p:childTnLst>
+                          </p:cTn>
+                        </p:par>
+                        <p:par>
+                          <p:cTn id="54" fill="hold">
+                            <p:stCondLst>
+                              <p:cond delay="500"/>
+                            </p:stCondLst>
+                            <p:childTnLst>
+                              <p:par>
+                                <p:cTn id="55" presetID="10" presetClass="entr" presetSubtype="0" fill="hold" nodeType="afterEffect">
+                                  <p:stCondLst>
+                                    <p:cond delay="0"/>
+                                  </p:stCondLst>
+                                  <p:childTnLst>
+                                    <p:set>
+                                      <p:cBhvr>
+                                        <p:cTn id="56" dur="1" fill="hold">
+                                          <p:stCondLst>
+                                            <p:cond delay="0"/>
+                                          </p:stCondLst>
+                                        </p:cTn>
+                                        <p:tgtEl>
+                                          <p:spTgt spid="15"/>
+                                        </p:tgtEl>
+                                        <p:attrNameLst>
+                                          <p:attrName>style.visibility</p:attrName>
+                                        </p:attrNameLst>
+                                      </p:cBhvr>
+                                      <p:to>
+                                        <p:strVal val="visible"/>
+                                      </p:to>
+                                    </p:set>
+                                    <p:animEffect transition="in" filter="fade">
+                                      <p:cBhvr>
+                                        <p:cTn id="57" dur="500"/>
+                                        <p:tgtEl>
+                                          <p:spTgt spid="15"/>
+                                        </p:tgtEl>
+                                      </p:cBhvr>
+                                    </p:animEffect>
+                                  </p:childTnLst>
+                                </p:cTn>
+                              </p:par>
+                            </p:childTnLst>
+                          </p:cTn>
+                        </p:par>
+                        <p:par>
+                          <p:cTn id="58" fill="hold">
+                            <p:stCondLst>
+                              <p:cond delay="1000"/>
+                            </p:stCondLst>
+                            <p:childTnLst>
+                              <p:par>
+                                <p:cTn id="59" presetID="10" presetClass="entr" presetSubtype="0" fill="hold" nodeType="afterEffect">
+                                  <p:stCondLst>
+                                    <p:cond delay="0"/>
+                                  </p:stCondLst>
+                                  <p:childTnLst>
+                                    <p:set>
+                                      <p:cBhvr>
+                                        <p:cTn id="60" dur="1" fill="hold">
+                                          <p:stCondLst>
+                                            <p:cond delay="0"/>
+                                          </p:stCondLst>
+                                        </p:cTn>
+                                        <p:tgtEl>
+                                          <p:spTgt spid="16"/>
+                                        </p:tgtEl>
+                                        <p:attrNameLst>
+                                          <p:attrName>style.visibility</p:attrName>
+                                        </p:attrNameLst>
+                                      </p:cBhvr>
+                                      <p:to>
+                                        <p:strVal val="visible"/>
+                                      </p:to>
+                                    </p:set>
+                                    <p:animEffect transition="in" filter="fade">
+                                      <p:cBhvr>
+                                        <p:cTn id="61" dur="500"/>
+                                        <p:tgtEl>
+                                          <p:spTgt spid="16"/>
+                                        </p:tgtEl>
+                                      </p:cBhvr>
+                                    </p:animEffect>
+                                  </p:childTnLst>
+                                </p:cTn>
+                              </p:par>
+                            </p:childTnLst>
+                          </p:cTn>
+                        </p:par>
+                      </p:childTnLst>
+                    </p:cTn>
+                  </p:par>
+                </p:childTnLst>
+              </p:cTn>
+              <p:prevCondLst>
+                <p:cond evt="onPrev" delay="0">
+                  <p:tgtEl>
+                    <p:sldTgt/>
+                  </p:tgtEl>
+                </p:cond>
+              </p:prevCondLst>
+              <p:nextCondLst>
+                <p:cond evt="onNext" delay="0">
+                  <p:tgtEl>
+                    <p:sldTgt/>
+                  </p:tgtEl>
+                </p:cond>
+              </p:nextCondLst>
+            </p:seq>
+          </p:childTnLst>
+        </p:cTn>
       </p:par>
     </p:tnLst>
+    <p:bldLst>
+      <p:bldP spid="13" grpId="0" animBg="1"/>
+    </p:bldLst>
   </p:timing>
 </p:sld>
 </file>
@@ -10617,6 +11649,950 @@
       </p:grpSpPr>
       <p:sp>
         <p:nvSpPr>
+          <p:cNvPr id="2" name="1 - Τίτλος"/>
+          <p:cNvSpPr>
+            <a:spLocks noGrp="1"/>
+          </p:cNvSpPr>
+          <p:nvPr>
+            <p:ph type="title"/>
+          </p:nvPr>
+        </p:nvSpPr>
+        <p:spPr/>
+        <p:txBody>
+          <a:bodyPr/>
+          <a:lstStyle/>
+          <a:p>
+            <a:r>
+              <a:rPr lang="en-US" dirty="0" smtClean="0"/>
+              <a:t>System </a:t>
+            </a:r>
+            <a:r>
+              <a:rPr lang="en-US" dirty="0" smtClean="0"/>
+              <a:t>architecture</a:t>
+            </a:r>
+            <a:endParaRPr lang="el-GR" dirty="0"/>
+          </a:p>
+        </p:txBody>
+      </p:sp>
+      <p:sp>
+        <p:nvSpPr>
+          <p:cNvPr id="3" name="2 - Θέση υποσέλιδου"/>
+          <p:cNvSpPr>
+            <a:spLocks noGrp="1"/>
+          </p:cNvSpPr>
+          <p:nvPr>
+            <p:ph type="ftr" sz="quarter" idx="11"/>
+          </p:nvPr>
+        </p:nvSpPr>
+        <p:spPr/>
+        <p:txBody>
+          <a:bodyPr/>
+          <a:lstStyle/>
+          <a:p>
+            <a:pPr algn="ctr"/>
+            <a:r>
+              <a:rPr lang="en-US" dirty="0"/>
+              <a:t>Presentation: 15/10/2015</a:t>
+            </a:r>
+            <a:endParaRPr lang="en-GB" dirty="0"/>
+          </a:p>
+        </p:txBody>
+      </p:sp>
+      <p:sp>
+        <p:nvSpPr>
+          <p:cNvPr id="4" name="3 - Θέση αριθμού διαφάνειας"/>
+          <p:cNvSpPr>
+            <a:spLocks noGrp="1"/>
+          </p:cNvSpPr>
+          <p:nvPr>
+            <p:ph type="sldNum" sz="quarter" idx="12"/>
+          </p:nvPr>
+        </p:nvSpPr>
+        <p:spPr/>
+        <p:txBody>
+          <a:bodyPr/>
+          <a:lstStyle/>
+          <a:p>
+            <a:fld id="{5A039058-1920-4143-8EFA-8E582B1DAF65}" type="slidenum">
+              <a:rPr lang="en-GB" smtClean="0"/>
+              <a:pPr/>
+              <a:t>11</a:t>
+            </a:fld>
+            <a:endParaRPr lang="en-GB"/>
+          </a:p>
+        </p:txBody>
+      </p:sp>
+      <p:pic>
+        <p:nvPicPr>
+          <p:cNvPr id="9" name="Picture 8"/>
+          <p:cNvPicPr>
+            <a:picLocks noChangeAspect="1"/>
+          </p:cNvPicPr>
+          <p:nvPr/>
+        </p:nvPicPr>
+        <p:blipFill>
+          <a:blip r:embed="rId3" cstate="print">
+            <a:extLst>
+              <a:ext uri="{28A0092B-C50C-407E-A947-70E740481C1C}">
+                <a14:useLocalDpi xmlns:a14="http://schemas.microsoft.com/office/drawing/2010/main" val="0"/>
+              </a:ext>
+            </a:extLst>
+          </a:blip>
+          <a:stretch>
+            <a:fillRect/>
+          </a:stretch>
+        </p:blipFill>
+        <p:spPr>
+          <a:xfrm>
+            <a:off x="2028713" y="5362165"/>
+            <a:ext cx="869935" cy="896457"/>
+          </a:xfrm>
+          <a:prstGeom prst="rect">
+            <a:avLst/>
+          </a:prstGeom>
+        </p:spPr>
+      </p:pic>
+      <p:pic>
+        <p:nvPicPr>
+          <p:cNvPr id="10" name="Picture 9"/>
+          <p:cNvPicPr>
+            <a:picLocks noChangeAspect="1"/>
+          </p:cNvPicPr>
+          <p:nvPr/>
+        </p:nvPicPr>
+        <p:blipFill>
+          <a:blip r:embed="rId4"/>
+          <a:stretch>
+            <a:fillRect/>
+          </a:stretch>
+        </p:blipFill>
+        <p:spPr>
+          <a:xfrm flipV="1">
+            <a:off x="713191" y="4162016"/>
+            <a:ext cx="7969326" cy="275096"/>
+          </a:xfrm>
+          <a:prstGeom prst="rect">
+            <a:avLst/>
+          </a:prstGeom>
+        </p:spPr>
+      </p:pic>
+      <p:pic>
+        <p:nvPicPr>
+          <p:cNvPr id="11" name="Back end label text"/>
+          <p:cNvPicPr>
+            <a:picLocks noChangeAspect="1"/>
+          </p:cNvPicPr>
+          <p:nvPr/>
+        </p:nvPicPr>
+        <p:blipFill>
+          <a:blip r:embed="rId5"/>
+          <a:stretch>
+            <a:fillRect/>
+          </a:stretch>
+        </p:blipFill>
+        <p:spPr>
+          <a:xfrm>
+            <a:off x="151575" y="5039346"/>
+            <a:ext cx="1409897" cy="357238"/>
+          </a:xfrm>
+          <a:prstGeom prst="rect">
+            <a:avLst/>
+          </a:prstGeom>
+        </p:spPr>
+      </p:pic>
+      <p:pic>
+        <p:nvPicPr>
+          <p:cNvPr id="12" name="Picture 11"/>
+          <p:cNvPicPr>
+            <a:picLocks noChangeAspect="1"/>
+          </p:cNvPicPr>
+          <p:nvPr/>
+        </p:nvPicPr>
+        <p:blipFill>
+          <a:blip r:embed="rId6"/>
+          <a:stretch>
+            <a:fillRect/>
+          </a:stretch>
+        </p:blipFill>
+        <p:spPr>
+          <a:xfrm>
+            <a:off x="5940153" y="5396584"/>
+            <a:ext cx="969383" cy="907877"/>
+          </a:xfrm>
+          <a:prstGeom prst="rect">
+            <a:avLst/>
+          </a:prstGeom>
+        </p:spPr>
+      </p:pic>
+      <p:pic>
+        <p:nvPicPr>
+          <p:cNvPr id="13" name="Picture 12"/>
+          <p:cNvPicPr>
+            <a:picLocks noChangeAspect="1"/>
+          </p:cNvPicPr>
+          <p:nvPr/>
+        </p:nvPicPr>
+        <p:blipFill>
+          <a:blip r:embed="rId7"/>
+          <a:stretch>
+            <a:fillRect/>
+          </a:stretch>
+        </p:blipFill>
+        <p:spPr>
+          <a:xfrm>
+            <a:off x="6017963" y="4427574"/>
+            <a:ext cx="813762" cy="930504"/>
+          </a:xfrm>
+          <a:prstGeom prst="rect">
+            <a:avLst/>
+          </a:prstGeom>
+        </p:spPr>
+      </p:pic>
+      <p:pic>
+        <p:nvPicPr>
+          <p:cNvPr id="16" name="Layer 1 - 2 line"/>
+          <p:cNvPicPr>
+            <a:picLocks noChangeAspect="1"/>
+          </p:cNvPicPr>
+          <p:nvPr/>
+        </p:nvPicPr>
+        <p:blipFill>
+          <a:blip r:embed="rId4"/>
+          <a:stretch>
+            <a:fillRect/>
+          </a:stretch>
+        </p:blipFill>
+        <p:spPr>
+          <a:xfrm flipV="1">
+            <a:off x="755576" y="2509428"/>
+            <a:ext cx="7969326" cy="275096"/>
+          </a:xfrm>
+          <a:prstGeom prst="rect">
+            <a:avLst/>
+          </a:prstGeom>
+        </p:spPr>
+      </p:pic>
+      <p:pic>
+        <p:nvPicPr>
+          <p:cNvPr id="17" name="Picture 16"/>
+          <p:cNvPicPr>
+            <a:picLocks noChangeAspect="1"/>
+          </p:cNvPicPr>
+          <p:nvPr/>
+        </p:nvPicPr>
+        <p:blipFill>
+          <a:blip r:embed="rId8"/>
+          <a:stretch>
+            <a:fillRect/>
+          </a:stretch>
+        </p:blipFill>
+        <p:spPr>
+          <a:xfrm>
+            <a:off x="2210951" y="2712420"/>
+            <a:ext cx="4973806" cy="1488326"/>
+          </a:xfrm>
+          <a:prstGeom prst="rect">
+            <a:avLst/>
+          </a:prstGeom>
+        </p:spPr>
+      </p:pic>
+      <p:pic>
+        <p:nvPicPr>
+          <p:cNvPr id="18" name="Picture 17"/>
+          <p:cNvPicPr>
+            <a:picLocks noChangeAspect="1"/>
+          </p:cNvPicPr>
+          <p:nvPr/>
+        </p:nvPicPr>
+        <p:blipFill>
+          <a:blip r:embed="rId9"/>
+          <a:stretch>
+            <a:fillRect/>
+          </a:stretch>
+        </p:blipFill>
+        <p:spPr>
+          <a:xfrm>
+            <a:off x="251520" y="3274382"/>
+            <a:ext cx="1183221" cy="429823"/>
+          </a:xfrm>
+          <a:prstGeom prst="rect">
+            <a:avLst/>
+          </a:prstGeom>
+        </p:spPr>
+      </p:pic>
+      <p:pic>
+        <p:nvPicPr>
+          <p:cNvPr id="19" name="front end label text"/>
+          <p:cNvPicPr>
+            <a:picLocks noChangeAspect="1"/>
+          </p:cNvPicPr>
+          <p:nvPr/>
+        </p:nvPicPr>
+        <p:blipFill>
+          <a:blip r:embed="rId10"/>
+          <a:stretch>
+            <a:fillRect/>
+          </a:stretch>
+        </p:blipFill>
+        <p:spPr>
+          <a:xfrm>
+            <a:off x="251520" y="1481050"/>
+            <a:ext cx="1448042" cy="360808"/>
+          </a:xfrm>
+          <a:prstGeom prst="rect">
+            <a:avLst/>
+          </a:prstGeom>
+        </p:spPr>
+      </p:pic>
+      <p:grpSp>
+        <p:nvGrpSpPr>
+          <p:cNvPr id="30" name="Group SN1"/>
+          <p:cNvGrpSpPr/>
+          <p:nvPr/>
+        </p:nvGrpSpPr>
+        <p:grpSpPr>
+          <a:xfrm>
+            <a:off x="3131640" y="1194889"/>
+            <a:ext cx="2259587" cy="1131601"/>
+            <a:chOff x="3155414" y="1194890"/>
+            <a:chExt cx="2259587" cy="1131601"/>
+          </a:xfrm>
+        </p:grpSpPr>
+        <p:pic>
+          <p:nvPicPr>
+            <p:cNvPr id="26" name="Elgg 1"/>
+            <p:cNvPicPr>
+              <a:picLocks noChangeAspect="1"/>
+            </p:cNvPicPr>
+            <p:nvPr/>
+          </p:nvPicPr>
+          <p:blipFill>
+            <a:blip r:embed="rId11" cstate="print">
+              <a:extLst>
+                <a:ext uri="{28A0092B-C50C-407E-A947-70E740481C1C}">
+                  <a14:useLocalDpi xmlns:a14="http://schemas.microsoft.com/office/drawing/2010/main" val="0"/>
+                </a:ext>
+              </a:extLst>
+            </a:blip>
+            <a:stretch>
+              <a:fillRect/>
+            </a:stretch>
+          </p:blipFill>
+          <p:spPr>
+            <a:xfrm>
+              <a:off x="3269575" y="1259431"/>
+              <a:ext cx="1395762" cy="837458"/>
+            </a:xfrm>
+            <a:prstGeom prst="rect">
+              <a:avLst/>
+            </a:prstGeom>
+          </p:spPr>
+        </p:pic>
+        <p:pic>
+          <p:nvPicPr>
+            <p:cNvPr id="27" name="CDO Client 1"/>
+            <p:cNvPicPr>
+              <a:picLocks noChangeAspect="1"/>
+            </p:cNvPicPr>
+            <p:nvPr/>
+          </p:nvPicPr>
+          <p:blipFill>
+            <a:blip r:embed="rId12"/>
+            <a:stretch>
+              <a:fillRect/>
+            </a:stretch>
+          </p:blipFill>
+          <p:spPr>
+            <a:xfrm>
+              <a:off x="4722417" y="1302503"/>
+              <a:ext cx="635503" cy="702692"/>
+            </a:xfrm>
+            <a:prstGeom prst="rect">
+              <a:avLst/>
+            </a:prstGeom>
+          </p:spPr>
+        </p:pic>
+        <p:sp>
+          <p:nvSpPr>
+            <p:cNvPr id="28" name="Rectangle SN 1"/>
+            <p:cNvSpPr/>
+            <p:nvPr/>
+          </p:nvSpPr>
+          <p:spPr>
+            <a:xfrm>
+              <a:off x="3155414" y="1194890"/>
+              <a:ext cx="2259587" cy="1131601"/>
+            </a:xfrm>
+            <a:prstGeom prst="rect">
+              <a:avLst/>
+            </a:prstGeom>
+            <a:noFill/>
+          </p:spPr>
+          <p:style>
+            <a:lnRef idx="2">
+              <a:schemeClr val="accent1">
+                <a:shade val="50000"/>
+              </a:schemeClr>
+            </a:lnRef>
+            <a:fillRef idx="1">
+              <a:schemeClr val="accent1"/>
+            </a:fillRef>
+            <a:effectRef idx="0">
+              <a:schemeClr val="accent1"/>
+            </a:effectRef>
+            <a:fontRef idx="minor">
+              <a:schemeClr val="lt1"/>
+            </a:fontRef>
+          </p:style>
+          <p:txBody>
+            <a:bodyPr rtlCol="0" anchor="ctr"/>
+            <a:lstStyle/>
+            <a:p>
+              <a:pPr algn="ctr"/>
+              <a:endParaRPr lang="el-GR"/>
+            </a:p>
+          </p:txBody>
+        </p:sp>
+      </p:grpSp>
+      <p:grpSp>
+        <p:nvGrpSpPr>
+          <p:cNvPr id="31" name="Group SN2"/>
+          <p:cNvGrpSpPr/>
+          <p:nvPr/>
+        </p:nvGrpSpPr>
+        <p:grpSpPr>
+          <a:xfrm>
+            <a:off x="3131640" y="1205306"/>
+            <a:ext cx="2259587" cy="1131601"/>
+            <a:chOff x="3155414" y="1194890"/>
+            <a:chExt cx="2259587" cy="1131601"/>
+          </a:xfrm>
+        </p:grpSpPr>
+        <p:pic>
+          <p:nvPicPr>
+            <p:cNvPr id="32" name="Elgg 2"/>
+            <p:cNvPicPr>
+              <a:picLocks noChangeAspect="1"/>
+            </p:cNvPicPr>
+            <p:nvPr/>
+          </p:nvPicPr>
+          <p:blipFill>
+            <a:blip r:embed="rId11" cstate="print">
+              <a:extLst>
+                <a:ext uri="{28A0092B-C50C-407E-A947-70E740481C1C}">
+                  <a14:useLocalDpi xmlns:a14="http://schemas.microsoft.com/office/drawing/2010/main" val="0"/>
+                </a:ext>
+              </a:extLst>
+            </a:blip>
+            <a:stretch>
+              <a:fillRect/>
+            </a:stretch>
+          </p:blipFill>
+          <p:spPr>
+            <a:xfrm>
+              <a:off x="3269575" y="1259431"/>
+              <a:ext cx="1395762" cy="837458"/>
+            </a:xfrm>
+            <a:prstGeom prst="rect">
+              <a:avLst/>
+            </a:prstGeom>
+          </p:spPr>
+        </p:pic>
+        <p:pic>
+          <p:nvPicPr>
+            <p:cNvPr id="33" name="CDO Client 2"/>
+            <p:cNvPicPr>
+              <a:picLocks noChangeAspect="1"/>
+            </p:cNvPicPr>
+            <p:nvPr/>
+          </p:nvPicPr>
+          <p:blipFill>
+            <a:blip r:embed="rId12"/>
+            <a:stretch>
+              <a:fillRect/>
+            </a:stretch>
+          </p:blipFill>
+          <p:spPr>
+            <a:xfrm>
+              <a:off x="4722417" y="1302503"/>
+              <a:ext cx="635503" cy="702692"/>
+            </a:xfrm>
+            <a:prstGeom prst="rect">
+              <a:avLst/>
+            </a:prstGeom>
+          </p:spPr>
+        </p:pic>
+        <p:sp>
+          <p:nvSpPr>
+            <p:cNvPr id="34" name="Rectangle SN 2"/>
+            <p:cNvSpPr/>
+            <p:nvPr/>
+          </p:nvSpPr>
+          <p:spPr>
+            <a:xfrm>
+              <a:off x="3155414" y="1194890"/>
+              <a:ext cx="2259587" cy="1131601"/>
+            </a:xfrm>
+            <a:prstGeom prst="rect">
+              <a:avLst/>
+            </a:prstGeom>
+            <a:noFill/>
+          </p:spPr>
+          <p:style>
+            <a:lnRef idx="2">
+              <a:schemeClr val="accent1">
+                <a:shade val="50000"/>
+              </a:schemeClr>
+            </a:lnRef>
+            <a:fillRef idx="1">
+              <a:schemeClr val="accent1"/>
+            </a:fillRef>
+            <a:effectRef idx="0">
+              <a:schemeClr val="accent1"/>
+            </a:effectRef>
+            <a:fontRef idx="minor">
+              <a:schemeClr val="lt1"/>
+            </a:fontRef>
+          </p:style>
+          <p:txBody>
+            <a:bodyPr rtlCol="0" anchor="ctr"/>
+            <a:lstStyle/>
+            <a:p>
+              <a:pPr algn="ctr"/>
+              <a:endParaRPr lang="el-GR"/>
+            </a:p>
+          </p:txBody>
+        </p:sp>
+      </p:grpSp>
+      <p:pic>
+        <p:nvPicPr>
+          <p:cNvPr id="35" name="Picture 34"/>
+          <p:cNvPicPr>
+            <a:picLocks noChangeAspect="1"/>
+          </p:cNvPicPr>
+          <p:nvPr/>
+        </p:nvPicPr>
+        <p:blipFill>
+          <a:blip r:embed="rId13"/>
+          <a:stretch>
+            <a:fillRect/>
+          </a:stretch>
+        </p:blipFill>
+        <p:spPr>
+          <a:xfrm>
+            <a:off x="4617712" y="1488424"/>
+            <a:ext cx="756222" cy="892262"/>
+          </a:xfrm>
+          <a:prstGeom prst="rect">
+            <a:avLst/>
+          </a:prstGeom>
+        </p:spPr>
+      </p:pic>
+      <p:pic>
+        <p:nvPicPr>
+          <p:cNvPr id="36" name="Picture 35"/>
+          <p:cNvPicPr>
+            <a:picLocks noChangeAspect="1"/>
+          </p:cNvPicPr>
+          <p:nvPr/>
+        </p:nvPicPr>
+        <p:blipFill>
+          <a:blip r:embed="rId14"/>
+          <a:stretch>
+            <a:fillRect/>
+          </a:stretch>
+        </p:blipFill>
+        <p:spPr>
+          <a:xfrm>
+            <a:off x="4700533" y="1907194"/>
+            <a:ext cx="1023595" cy="657710"/>
+          </a:xfrm>
+          <a:prstGeom prst="rect">
+            <a:avLst/>
+          </a:prstGeom>
+        </p:spPr>
+      </p:pic>
+      <p:grpSp>
+        <p:nvGrpSpPr>
+          <p:cNvPr id="42" name="Group 41"/>
+          <p:cNvGrpSpPr/>
+          <p:nvPr/>
+        </p:nvGrpSpPr>
+        <p:grpSpPr>
+          <a:xfrm>
+            <a:off x="1607630" y="2064997"/>
+            <a:ext cx="4715417" cy="499907"/>
+            <a:chOff x="1607630" y="2064997"/>
+            <a:chExt cx="4715417" cy="499907"/>
+          </a:xfrm>
+        </p:grpSpPr>
+        <p:pic>
+          <p:nvPicPr>
+            <p:cNvPr id="40" name="Picture 39"/>
+            <p:cNvPicPr>
+              <a:picLocks noChangeAspect="1"/>
+            </p:cNvPicPr>
+            <p:nvPr/>
+          </p:nvPicPr>
+          <p:blipFill>
+            <a:blip r:embed="rId15"/>
+            <a:stretch>
+              <a:fillRect/>
+            </a:stretch>
+          </p:blipFill>
+          <p:spPr>
+            <a:xfrm>
+              <a:off x="1607630" y="2064997"/>
+              <a:ext cx="516098" cy="499907"/>
+            </a:xfrm>
+            <a:prstGeom prst="rect">
+              <a:avLst/>
+            </a:prstGeom>
+          </p:spPr>
+        </p:pic>
+        <p:pic>
+          <p:nvPicPr>
+            <p:cNvPr id="41" name="Picture 40"/>
+            <p:cNvPicPr>
+              <a:picLocks noChangeAspect="1"/>
+            </p:cNvPicPr>
+            <p:nvPr/>
+          </p:nvPicPr>
+          <p:blipFill>
+            <a:blip r:embed="rId15"/>
+            <a:stretch>
+              <a:fillRect/>
+            </a:stretch>
+          </p:blipFill>
+          <p:spPr>
+            <a:xfrm>
+              <a:off x="5806949" y="2064997"/>
+              <a:ext cx="516098" cy="499907"/>
+            </a:xfrm>
+            <a:prstGeom prst="rect">
+              <a:avLst/>
+            </a:prstGeom>
+          </p:spPr>
+        </p:pic>
+      </p:grpSp>
+    </p:spTree>
+    <p:extLst>
+      <p:ext uri="{BB962C8B-B14F-4D97-AF65-F5344CB8AC3E}">
+        <p14:creationId xmlns:p14="http://schemas.microsoft.com/office/powerpoint/2010/main" val="3414480290"/>
+      </p:ext>
+    </p:extLst>
+  </p:cSld>
+  <p:clrMapOvr>
+    <a:masterClrMapping/>
+  </p:clrMapOvr>
+  <p:timing>
+    <p:tnLst>
+      <p:par>
+        <p:cTn id="1" dur="indefinite" restart="never" nodeType="tmRoot">
+          <p:childTnLst>
+            <p:seq concurrent="1" nextAc="seek">
+              <p:cTn id="2" dur="indefinite" nodeType="mainSeq">
+                <p:childTnLst>
+                  <p:par>
+                    <p:cTn id="3" fill="hold">
+                      <p:stCondLst>
+                        <p:cond delay="indefinite"/>
+                        <p:cond evt="onBegin" delay="0">
+                          <p:tn val="2"/>
+                        </p:cond>
+                      </p:stCondLst>
+                      <p:childTnLst>
+                        <p:par>
+                          <p:cTn id="4" fill="hold">
+                            <p:stCondLst>
+                              <p:cond delay="0"/>
+                            </p:stCondLst>
+                            <p:childTnLst>
+                              <p:par>
+                                <p:cTn id="5" presetID="42" presetClass="path" presetSubtype="0" accel="50000" decel="50000" fill="hold" nodeType="withEffect">
+                                  <p:stCondLst>
+                                    <p:cond delay="0"/>
+                                  </p:stCondLst>
+                                  <p:childTnLst>
+                                    <p:animMotion origin="layout" path="M -2.22222E-6 -2.96296E-6 L -0.14896 -0.00115 " pathEditMode="relative" rAng="0" ptsTypes="AA">
+                                      <p:cBhvr>
+                                        <p:cTn id="6" dur="2000" fill="hold"/>
+                                        <p:tgtEl>
+                                          <p:spTgt spid="30"/>
+                                        </p:tgtEl>
+                                        <p:attrNameLst>
+                                          <p:attrName>ppt_x</p:attrName>
+                                          <p:attrName>ppt_y</p:attrName>
+                                        </p:attrNameLst>
+                                      </p:cBhvr>
+                                      <p:rCtr x="-7448" y="-69"/>
+                                    </p:animMotion>
+                                  </p:childTnLst>
+                                </p:cTn>
+                              </p:par>
+                              <p:par>
+                                <p:cTn id="7" presetID="42" presetClass="path" presetSubtype="0" accel="50000" decel="50000" fill="hold" nodeType="withEffect">
+                                  <p:stCondLst>
+                                    <p:cond delay="0"/>
+                                  </p:stCondLst>
+                                  <p:childTnLst>
+                                    <p:animMotion origin="layout" path="M -2.22222E-6 -1.85185E-6 L 0.31979 -0.00254 " pathEditMode="relative" rAng="0" ptsTypes="AA">
+                                      <p:cBhvr>
+                                        <p:cTn id="8" dur="2000" fill="hold"/>
+                                        <p:tgtEl>
+                                          <p:spTgt spid="31"/>
+                                        </p:tgtEl>
+                                        <p:attrNameLst>
+                                          <p:attrName>ppt_x</p:attrName>
+                                          <p:attrName>ppt_y</p:attrName>
+                                        </p:attrNameLst>
+                                      </p:cBhvr>
+                                      <p:rCtr x="15990" y="-139"/>
+                                    </p:animMotion>
+                                  </p:childTnLst>
+                                </p:cTn>
+                              </p:par>
+                            </p:childTnLst>
+                          </p:cTn>
+                        </p:par>
+                      </p:childTnLst>
+                    </p:cTn>
+                  </p:par>
+                  <p:par>
+                    <p:cTn id="9" fill="hold">
+                      <p:stCondLst>
+                        <p:cond delay="indefinite"/>
+                      </p:stCondLst>
+                      <p:childTnLst>
+                        <p:par>
+                          <p:cTn id="10" fill="hold">
+                            <p:stCondLst>
+                              <p:cond delay="0"/>
+                            </p:stCondLst>
+                            <p:childTnLst>
+                              <p:par>
+                                <p:cTn id="11" presetID="1" presetClass="entr" presetSubtype="0" fill="hold" nodeType="clickEffect">
+                                  <p:stCondLst>
+                                    <p:cond delay="0"/>
+                                  </p:stCondLst>
+                                  <p:childTnLst>
+                                    <p:set>
+                                      <p:cBhvr>
+                                        <p:cTn id="12" dur="1" fill="hold">
+                                          <p:stCondLst>
+                                            <p:cond delay="0"/>
+                                          </p:stCondLst>
+                                        </p:cTn>
+                                        <p:tgtEl>
+                                          <p:spTgt spid="35"/>
+                                        </p:tgtEl>
+                                        <p:attrNameLst>
+                                          <p:attrName>style.visibility</p:attrName>
+                                        </p:attrNameLst>
+                                      </p:cBhvr>
+                                      <p:to>
+                                        <p:strVal val="visible"/>
+                                      </p:to>
+                                    </p:set>
+                                  </p:childTnLst>
+                                </p:cTn>
+                              </p:par>
+                            </p:childTnLst>
+                          </p:cTn>
+                        </p:par>
+                      </p:childTnLst>
+                    </p:cTn>
+                  </p:par>
+                  <p:par>
+                    <p:cTn id="13" fill="hold">
+                      <p:stCondLst>
+                        <p:cond delay="indefinite"/>
+                      </p:stCondLst>
+                      <p:childTnLst>
+                        <p:par>
+                          <p:cTn id="14" fill="hold">
+                            <p:stCondLst>
+                              <p:cond delay="0"/>
+                            </p:stCondLst>
+                            <p:childTnLst>
+                              <p:par>
+                                <p:cTn id="15" presetID="6" presetClass="emph" presetSubtype="0" fill="hold" nodeType="clickEffect">
+                                  <p:stCondLst>
+                                    <p:cond delay="0"/>
+                                  </p:stCondLst>
+                                  <p:childTnLst>
+                                    <p:animScale>
+                                      <p:cBhvr>
+                                        <p:cTn id="16" dur="2000" fill="hold"/>
+                                        <p:tgtEl>
+                                          <p:spTgt spid="35"/>
+                                        </p:tgtEl>
+                                      </p:cBhvr>
+                                      <p:by x="75000" y="75000"/>
+                                    </p:animScale>
+                                  </p:childTnLst>
+                                </p:cTn>
+                              </p:par>
+                              <p:par>
+                                <p:cTn id="17" presetID="42" presetClass="path" presetSubtype="0" accel="50000" decel="50000" fill="hold" nodeType="withEffect">
+                                  <p:stCondLst>
+                                    <p:cond delay="0"/>
+                                  </p:stCondLst>
+                                  <p:childTnLst>
+                                    <p:animMotion origin="layout" path="M -4.16667E-6 4.07407E-6 L 0.00087 -0.04885 " pathEditMode="relative" rAng="0" ptsTypes="AA">
+                                      <p:cBhvr>
+                                        <p:cTn id="18" dur="2000" fill="hold"/>
+                                        <p:tgtEl>
+                                          <p:spTgt spid="35"/>
+                                        </p:tgtEl>
+                                        <p:attrNameLst>
+                                          <p:attrName>ppt_x</p:attrName>
+                                          <p:attrName>ppt_y</p:attrName>
+                                        </p:attrNameLst>
+                                      </p:cBhvr>
+                                      <p:rCtr x="35" y="-2454"/>
+                                    </p:animMotion>
+                                  </p:childTnLst>
+                                </p:cTn>
+                              </p:par>
+                              <p:par>
+                                <p:cTn id="19" presetID="10" presetClass="entr" presetSubtype="0" fill="hold" nodeType="withEffect">
+                                  <p:stCondLst>
+                                    <p:cond delay="1600"/>
+                                  </p:stCondLst>
+                                  <p:childTnLst>
+                                    <p:set>
+                                      <p:cBhvr>
+                                        <p:cTn id="20" dur="1" fill="hold">
+                                          <p:stCondLst>
+                                            <p:cond delay="0"/>
+                                          </p:stCondLst>
+                                        </p:cTn>
+                                        <p:tgtEl>
+                                          <p:spTgt spid="36"/>
+                                        </p:tgtEl>
+                                        <p:attrNameLst>
+                                          <p:attrName>style.visibility</p:attrName>
+                                        </p:attrNameLst>
+                                      </p:cBhvr>
+                                      <p:to>
+                                        <p:strVal val="visible"/>
+                                      </p:to>
+                                    </p:set>
+                                    <p:animEffect transition="in" filter="fade">
+                                      <p:cBhvr>
+                                        <p:cTn id="21" dur="500"/>
+                                        <p:tgtEl>
+                                          <p:spTgt spid="36"/>
+                                        </p:tgtEl>
+                                      </p:cBhvr>
+                                    </p:animEffect>
+                                  </p:childTnLst>
+                                </p:cTn>
+                              </p:par>
+                            </p:childTnLst>
+                          </p:cTn>
+                        </p:par>
+                      </p:childTnLst>
+                    </p:cTn>
+                  </p:par>
+                  <p:par>
+                    <p:cTn id="22" fill="hold">
+                      <p:stCondLst>
+                        <p:cond delay="indefinite"/>
+                      </p:stCondLst>
+                      <p:childTnLst>
+                        <p:par>
+                          <p:cTn id="23" fill="hold">
+                            <p:stCondLst>
+                              <p:cond delay="0"/>
+                            </p:stCondLst>
+                            <p:childTnLst>
+                              <p:par>
+                                <p:cTn id="24" presetID="10" presetClass="entr" presetSubtype="0" fill="hold" nodeType="clickEffect">
+                                  <p:stCondLst>
+                                    <p:cond delay="0"/>
+                                  </p:stCondLst>
+                                  <p:childTnLst>
+                                    <p:set>
+                                      <p:cBhvr>
+                                        <p:cTn id="25" dur="1" fill="hold">
+                                          <p:stCondLst>
+                                            <p:cond delay="0"/>
+                                          </p:stCondLst>
+                                        </p:cTn>
+                                        <p:tgtEl>
+                                          <p:spTgt spid="42"/>
+                                        </p:tgtEl>
+                                        <p:attrNameLst>
+                                          <p:attrName>style.visibility</p:attrName>
+                                        </p:attrNameLst>
+                                      </p:cBhvr>
+                                      <p:to>
+                                        <p:strVal val="visible"/>
+                                      </p:to>
+                                    </p:set>
+                                    <p:animEffect transition="in" filter="fade">
+                                      <p:cBhvr>
+                                        <p:cTn id="26" dur="500"/>
+                                        <p:tgtEl>
+                                          <p:spTgt spid="42"/>
+                                        </p:tgtEl>
+                                      </p:cBhvr>
+                                    </p:animEffect>
+                                  </p:childTnLst>
+                                </p:cTn>
+                              </p:par>
+                            </p:childTnLst>
+                          </p:cTn>
+                        </p:par>
+                      </p:childTnLst>
+                    </p:cTn>
+                  </p:par>
+                </p:childTnLst>
+              </p:cTn>
+              <p:prevCondLst>
+                <p:cond evt="onPrev" delay="0">
+                  <p:tgtEl>
+                    <p:sldTgt/>
+                  </p:tgtEl>
+                </p:cond>
+              </p:prevCondLst>
+              <p:nextCondLst>
+                <p:cond evt="onNext" delay="0">
+                  <p:tgtEl>
+                    <p:sldTgt/>
+                  </p:tgtEl>
+                </p:cond>
+              </p:nextCondLst>
+            </p:seq>
+          </p:childTnLst>
+        </p:cTn>
+      </p:par>
+    </p:tnLst>
+  </p:timing>
+</p:sld>
+</file>
+
+<file path=ppt/slides/slide12.xml><?xml version="1.0" encoding="utf-8"?>
+<p:sld xmlns:a="http://schemas.openxmlformats.org/drawingml/2006/main" xmlns:r="http://schemas.openxmlformats.org/officeDocument/2006/relationships" xmlns:p="http://schemas.openxmlformats.org/presentationml/2006/main">
+  <p:cSld>
+    <p:spTree>
+      <p:nvGrpSpPr>
+        <p:cNvPr id="1" name=""/>
+        <p:cNvGrpSpPr/>
+        <p:nvPr/>
+      </p:nvGrpSpPr>
+      <p:grpSpPr>
+        <a:xfrm>
+          <a:off x="0" y="0"/>
+          <a:ext cx="0" cy="0"/>
+          <a:chOff x="0" y="0"/>
+          <a:chExt cx="0" cy="0"/>
+        </a:xfrm>
+      </p:grpSpPr>
+      <p:sp>
+        <p:nvSpPr>
           <p:cNvPr id="2" name="Title 1"/>
           <p:cNvSpPr>
             <a:spLocks noGrp="1"/>
@@ -10689,7 +12665,7 @@
             <a:fld id="{5A039058-1920-4143-8EFA-8E582B1DAF65}" type="slidenum">
               <a:rPr lang="en-GB" smtClean="0"/>
               <a:pPr/>
-              <a:t>11</a:t>
+              <a:t>12</a:t>
             </a:fld>
             <a:endParaRPr lang="en-GB"/>
           </a:p>
@@ -11335,7 +13311,7 @@
 </p:sld>
 </file>
 
-<file path=ppt/slides/slide12.xml><?xml version="1.0" encoding="utf-8"?>
+<file path=ppt/slides/slide13.xml><?xml version="1.0" encoding="utf-8"?>
 <p:sld xmlns:a="http://schemas.openxmlformats.org/drawingml/2006/main" xmlns:r="http://schemas.openxmlformats.org/officeDocument/2006/relationships" xmlns:p="http://schemas.openxmlformats.org/presentationml/2006/main">
   <p:cSld>
     <p:spTree>
@@ -11456,7 +13432,7 @@
             <a:fld id="{5A039058-1920-4143-8EFA-8E582B1DAF65}" type="slidenum">
               <a:rPr lang="en-GB" smtClean="0"/>
               <a:pPr/>
-              <a:t>12</a:t>
+              <a:t>13</a:t>
             </a:fld>
             <a:endParaRPr lang="en-GB"/>
           </a:p>
@@ -12178,7 +14154,7 @@
 </p:sld>
 </file>
 
-<file path=ppt/slides/slide13.xml><?xml version="1.0" encoding="utf-8"?>
+<file path=ppt/slides/slide14.xml><?xml version="1.0" encoding="utf-8"?>
 <p:sld xmlns:a="http://schemas.openxmlformats.org/drawingml/2006/main" xmlns:r="http://schemas.openxmlformats.org/officeDocument/2006/relationships" xmlns:p="http://schemas.openxmlformats.org/presentationml/2006/main">
   <p:cSld>
     <p:spTree>
@@ -12260,7 +14236,7 @@
             <a:fld id="{5A039058-1920-4143-8EFA-8E582B1DAF65}" type="slidenum">
               <a:rPr lang="en-GB" smtClean="0"/>
               <a:pPr/>
-              <a:t>13</a:t>
+              <a:t>14</a:t>
             </a:fld>
             <a:endParaRPr lang="en-GB"/>
           </a:p>
@@ -12345,7 +14321,7 @@
 </p:sld>
 </file>
 
-<file path=ppt/slides/slide14.xml><?xml version="1.0" encoding="utf-8"?>
+<file path=ppt/slides/slide15.xml><?xml version="1.0" encoding="utf-8"?>
 <p:sld xmlns:a="http://schemas.openxmlformats.org/drawingml/2006/main" xmlns:r="http://schemas.openxmlformats.org/officeDocument/2006/relationships" xmlns:p="http://schemas.openxmlformats.org/presentationml/2006/main">
   <p:cSld>
     <p:spTree>
@@ -12427,7 +14403,7 @@
             <a:fld id="{5A039058-1920-4143-8EFA-8E582B1DAF65}" type="slidenum">
               <a:rPr lang="en-GB" smtClean="0"/>
               <a:pPr/>
-              <a:t>14</a:t>
+              <a:t>15</a:t>
             </a:fld>
             <a:endParaRPr lang="en-GB"/>
           </a:p>
@@ -12482,7 +14458,7 @@
 </p:sld>
 </file>
 
-<file path=ppt/slides/slide15.xml><?xml version="1.0" encoding="utf-8"?>
+<file path=ppt/slides/slide16.xml><?xml version="1.0" encoding="utf-8"?>
 <p:sld xmlns:a="http://schemas.openxmlformats.org/drawingml/2006/main" xmlns:r="http://schemas.openxmlformats.org/officeDocument/2006/relationships" xmlns:p="http://schemas.openxmlformats.org/presentationml/2006/main">
   <p:cSld>
     <p:spTree>
@@ -12569,7 +14545,7 @@
             <a:fld id="{5A039058-1920-4143-8EFA-8E582B1DAF65}" type="slidenum">
               <a:rPr lang="en-GB" smtClean="0"/>
               <a:pPr/>
-              <a:t>15</a:t>
+              <a:t>16</a:t>
             </a:fld>
             <a:endParaRPr lang="en-GB"/>
           </a:p>
@@ -12730,128 +14706,6 @@
 </p:sld>
 </file>
 
-<file path=ppt/slides/slide16.xml><?xml version="1.0" encoding="utf-8"?>
-<p:sld xmlns:a="http://schemas.openxmlformats.org/drawingml/2006/main" xmlns:r="http://schemas.openxmlformats.org/officeDocument/2006/relationships" xmlns:p="http://schemas.openxmlformats.org/presentationml/2006/main">
-  <p:cSld>
-    <p:spTree>
-      <p:nvGrpSpPr>
-        <p:cNvPr id="1" name=""/>
-        <p:cNvGrpSpPr/>
-        <p:nvPr/>
-      </p:nvGrpSpPr>
-      <p:grpSpPr>
-        <a:xfrm>
-          <a:off x="0" y="0"/>
-          <a:ext cx="0" cy="0"/>
-          <a:chOff x="0" y="0"/>
-          <a:chExt cx="0" cy="0"/>
-        </a:xfrm>
-      </p:grpSpPr>
-      <p:sp>
-        <p:nvSpPr>
-          <p:cNvPr id="2" name="1 - Τίτλος"/>
-          <p:cNvSpPr>
-            <a:spLocks noGrp="1"/>
-          </p:cNvSpPr>
-          <p:nvPr>
-            <p:ph type="title"/>
-          </p:nvPr>
-        </p:nvSpPr>
-        <p:spPr/>
-        <p:txBody>
-          <a:bodyPr/>
-          <a:lstStyle/>
-          <a:p>
-            <a:r>
-              <a:rPr lang="en-US" dirty="0" smtClean="0"/>
-              <a:t>Evaluation</a:t>
-            </a:r>
-            <a:endParaRPr lang="en-GB" dirty="0"/>
-          </a:p>
-        </p:txBody>
-      </p:sp>
-      <p:sp>
-        <p:nvSpPr>
-          <p:cNvPr id="3" name="2 - Θέση κειμένου"/>
-          <p:cNvSpPr>
-            <a:spLocks noGrp="1"/>
-          </p:cNvSpPr>
-          <p:nvPr>
-            <p:ph type="body" idx="1"/>
-          </p:nvPr>
-        </p:nvSpPr>
-        <p:spPr/>
-        <p:txBody>
-          <a:bodyPr/>
-          <a:lstStyle/>
-          <a:p>
-            <a:endParaRPr lang="en-GB"/>
-          </a:p>
-        </p:txBody>
-      </p:sp>
-      <p:sp>
-        <p:nvSpPr>
-          <p:cNvPr id="5" name="4 - Θέση υποσέλιδου"/>
-          <p:cNvSpPr>
-            <a:spLocks noGrp="1"/>
-          </p:cNvSpPr>
-          <p:nvPr>
-            <p:ph type="ftr" sz="quarter" idx="11"/>
-          </p:nvPr>
-        </p:nvSpPr>
-        <p:spPr/>
-        <p:txBody>
-          <a:bodyPr/>
-          <a:lstStyle/>
-          <a:p>
-            <a:pPr algn="ctr"/>
-            <a:r>
-              <a:rPr lang="en-US" dirty="0"/>
-              <a:t>Presentation: 15/10/2015</a:t>
-            </a:r>
-            <a:endParaRPr lang="en-GB" dirty="0"/>
-          </a:p>
-        </p:txBody>
-      </p:sp>
-      <p:sp>
-        <p:nvSpPr>
-          <p:cNvPr id="4" name="3 - Θέση αριθμού διαφάνειας"/>
-          <p:cNvSpPr>
-            <a:spLocks noGrp="1"/>
-          </p:cNvSpPr>
-          <p:nvPr>
-            <p:ph type="sldNum" sz="quarter" idx="12"/>
-          </p:nvPr>
-        </p:nvSpPr>
-        <p:spPr/>
-        <p:txBody>
-          <a:bodyPr/>
-          <a:lstStyle/>
-          <a:p>
-            <a:fld id="{5A039058-1920-4143-8EFA-8E582B1DAF65}" type="slidenum">
-              <a:rPr lang="en-GB" smtClean="0"/>
-              <a:pPr/>
-              <a:t>16</a:t>
-            </a:fld>
-            <a:endParaRPr lang="en-GB"/>
-          </a:p>
-        </p:txBody>
-      </p:sp>
-    </p:spTree>
-  </p:cSld>
-  <p:clrMapOvr>
-    <a:masterClrMapping/>
-  </p:clrMapOvr>
-  <p:timing>
-    <p:tnLst>
-      <p:par>
-        <p:cTn id="1" dur="indefinite" restart="never" nodeType="tmRoot"/>
-      </p:par>
-    </p:tnLst>
-  </p:timing>
-</p:sld>
-</file>
-
 <file path=ppt/slides/slide17.xml><?xml version="1.0" encoding="utf-8"?>
 <p:sld xmlns:a="http://schemas.openxmlformats.org/drawingml/2006/main" xmlns:r="http://schemas.openxmlformats.org/officeDocument/2006/relationships" xmlns:p="http://schemas.openxmlformats.org/presentationml/2006/main">
   <p:cSld>
@@ -12871,7 +14725,7 @@
       </p:grpSpPr>
       <p:sp>
         <p:nvSpPr>
-          <p:cNvPr id="2" name="Title 1"/>
+          <p:cNvPr id="2" name="1 - Τίτλος"/>
           <p:cNvSpPr>
             <a:spLocks noGrp="1"/>
           </p:cNvSpPr>
@@ -12886,15 +14740,34 @@
           <a:p>
             <a:r>
               <a:rPr lang="en-US" dirty="0" smtClean="0"/>
-              <a:t>Usability Evaluation Process </a:t>
-            </a:r>
-            <a:endParaRPr lang="el-GR" dirty="0"/>
-          </a:p>
-        </p:txBody>
-      </p:sp>
-      <p:sp>
-        <p:nvSpPr>
-          <p:cNvPr id="3" name="Footer Placeholder 2"/>
+              <a:t>Evaluation</a:t>
+            </a:r>
+            <a:endParaRPr lang="en-GB" dirty="0"/>
+          </a:p>
+        </p:txBody>
+      </p:sp>
+      <p:sp>
+        <p:nvSpPr>
+          <p:cNvPr id="3" name="2 - Θέση κειμένου"/>
+          <p:cNvSpPr>
+            <a:spLocks noGrp="1"/>
+          </p:cNvSpPr>
+          <p:nvPr>
+            <p:ph type="body" idx="1"/>
+          </p:nvPr>
+        </p:nvSpPr>
+        <p:spPr/>
+        <p:txBody>
+          <a:bodyPr/>
+          <a:lstStyle/>
+          <a:p>
+            <a:endParaRPr lang="en-GB"/>
+          </a:p>
+        </p:txBody>
+      </p:sp>
+      <p:sp>
+        <p:nvSpPr>
+          <p:cNvPr id="5" name="4 - Θέση υποσέλιδου"/>
           <p:cNvSpPr>
             <a:spLocks noGrp="1"/>
           </p:cNvSpPr>
@@ -12918,7 +14791,7 @@
       </p:sp>
       <p:sp>
         <p:nvSpPr>
-          <p:cNvPr id="4" name="Slide Number Placeholder 3"/>
+          <p:cNvPr id="4" name="3 - Θέση αριθμού διαφάνειας"/>
           <p:cNvSpPr>
             <a:spLocks noGrp="1"/>
           </p:cNvSpPr>
@@ -12935,6 +14808,109 @@
               <a:rPr lang="en-GB" smtClean="0"/>
               <a:pPr/>
               <a:t>17</a:t>
+            </a:fld>
+            <a:endParaRPr lang="en-GB"/>
+          </a:p>
+        </p:txBody>
+      </p:sp>
+    </p:spTree>
+  </p:cSld>
+  <p:clrMapOvr>
+    <a:masterClrMapping/>
+  </p:clrMapOvr>
+  <p:timing>
+    <p:tnLst>
+      <p:par>
+        <p:cTn id="1" dur="indefinite" restart="never" nodeType="tmRoot"/>
+      </p:par>
+    </p:tnLst>
+  </p:timing>
+</p:sld>
+</file>
+
+<file path=ppt/slides/slide18.xml><?xml version="1.0" encoding="utf-8"?>
+<p:sld xmlns:a="http://schemas.openxmlformats.org/drawingml/2006/main" xmlns:r="http://schemas.openxmlformats.org/officeDocument/2006/relationships" xmlns:p="http://schemas.openxmlformats.org/presentationml/2006/main">
+  <p:cSld>
+    <p:spTree>
+      <p:nvGrpSpPr>
+        <p:cNvPr id="1" name=""/>
+        <p:cNvGrpSpPr/>
+        <p:nvPr/>
+      </p:nvGrpSpPr>
+      <p:grpSpPr>
+        <a:xfrm>
+          <a:off x="0" y="0"/>
+          <a:ext cx="0" cy="0"/>
+          <a:chOff x="0" y="0"/>
+          <a:chExt cx="0" cy="0"/>
+        </a:xfrm>
+      </p:grpSpPr>
+      <p:sp>
+        <p:nvSpPr>
+          <p:cNvPr id="2" name="Title 1"/>
+          <p:cNvSpPr>
+            <a:spLocks noGrp="1"/>
+          </p:cNvSpPr>
+          <p:nvPr>
+            <p:ph type="title"/>
+          </p:nvPr>
+        </p:nvSpPr>
+        <p:spPr/>
+        <p:txBody>
+          <a:bodyPr/>
+          <a:lstStyle/>
+          <a:p>
+            <a:r>
+              <a:rPr lang="en-US" dirty="0" smtClean="0"/>
+              <a:t>Usability Evaluation Process </a:t>
+            </a:r>
+            <a:endParaRPr lang="el-GR" dirty="0"/>
+          </a:p>
+        </p:txBody>
+      </p:sp>
+      <p:sp>
+        <p:nvSpPr>
+          <p:cNvPr id="3" name="Footer Placeholder 2"/>
+          <p:cNvSpPr>
+            <a:spLocks noGrp="1"/>
+          </p:cNvSpPr>
+          <p:nvPr>
+            <p:ph type="ftr" sz="quarter" idx="11"/>
+          </p:nvPr>
+        </p:nvSpPr>
+        <p:spPr/>
+        <p:txBody>
+          <a:bodyPr/>
+          <a:lstStyle/>
+          <a:p>
+            <a:pPr algn="ctr"/>
+            <a:r>
+              <a:rPr lang="en-US" dirty="0"/>
+              <a:t>Presentation: 15/10/2015</a:t>
+            </a:r>
+            <a:endParaRPr lang="en-GB" dirty="0"/>
+          </a:p>
+        </p:txBody>
+      </p:sp>
+      <p:sp>
+        <p:nvSpPr>
+          <p:cNvPr id="4" name="Slide Number Placeholder 3"/>
+          <p:cNvSpPr>
+            <a:spLocks noGrp="1"/>
+          </p:cNvSpPr>
+          <p:nvPr>
+            <p:ph type="sldNum" sz="quarter" idx="12"/>
+          </p:nvPr>
+        </p:nvSpPr>
+        <p:spPr/>
+        <p:txBody>
+          <a:bodyPr/>
+          <a:lstStyle/>
+          <a:p>
+            <a:fld id="{5A039058-1920-4143-8EFA-8E582B1DAF65}" type="slidenum">
+              <a:rPr lang="en-GB" smtClean="0"/>
+              <a:pPr/>
+              <a:t>18</a:t>
             </a:fld>
             <a:endParaRPr lang="en-GB"/>
           </a:p>
@@ -13029,7 +15005,7 @@
 </p:sld>
 </file>
 
-<file path=ppt/slides/slide18.xml><?xml version="1.0" encoding="utf-8"?>
+<file path=ppt/slides/slide19.xml><?xml version="1.0" encoding="utf-8"?>
 <p:sld xmlns:a="http://schemas.openxmlformats.org/drawingml/2006/main" xmlns:r="http://schemas.openxmlformats.org/officeDocument/2006/relationships" xmlns:p="http://schemas.openxmlformats.org/presentationml/2006/main">
   <p:cSld>
     <p:spTree>
@@ -13111,7 +15087,7 @@
             <a:fld id="{5A039058-1920-4143-8EFA-8E582B1DAF65}" type="slidenum">
               <a:rPr lang="en-GB" smtClean="0"/>
               <a:pPr/>
-              <a:t>18</a:t>
+              <a:t>19</a:t>
             </a:fld>
             <a:endParaRPr lang="en-GB"/>
           </a:p>
@@ -13166,181 +15142,6 @@
 </p:sld>
 </file>
 
-<file path=ppt/slides/slide19.xml><?xml version="1.0" encoding="utf-8"?>
-<p:sld xmlns:a="http://schemas.openxmlformats.org/drawingml/2006/main" xmlns:r="http://schemas.openxmlformats.org/officeDocument/2006/relationships" xmlns:p="http://schemas.openxmlformats.org/presentationml/2006/main">
-  <p:cSld>
-    <p:spTree>
-      <p:nvGrpSpPr>
-        <p:cNvPr id="1" name=""/>
-        <p:cNvGrpSpPr/>
-        <p:nvPr/>
-      </p:nvGrpSpPr>
-      <p:grpSpPr>
-        <a:xfrm>
-          <a:off x="0" y="0"/>
-          <a:ext cx="0" cy="0"/>
-          <a:chOff x="0" y="0"/>
-          <a:chExt cx="0" cy="0"/>
-        </a:xfrm>
-      </p:grpSpPr>
-      <p:sp>
-        <p:nvSpPr>
-          <p:cNvPr id="2" name="Title 1"/>
-          <p:cNvSpPr>
-            <a:spLocks noGrp="1"/>
-          </p:cNvSpPr>
-          <p:nvPr>
-            <p:ph type="title"/>
-          </p:nvPr>
-        </p:nvSpPr>
-        <p:spPr/>
-        <p:txBody>
-          <a:bodyPr/>
-          <a:lstStyle/>
-          <a:p>
-            <a:r>
-              <a:rPr lang="en-US" dirty="0" smtClean="0"/>
-              <a:t>Evaluated Architecture</a:t>
-            </a:r>
-            <a:endParaRPr lang="el-GR" dirty="0"/>
-          </a:p>
-        </p:txBody>
-      </p:sp>
-      <p:sp>
-        <p:nvSpPr>
-          <p:cNvPr id="3" name="Footer Placeholder 2"/>
-          <p:cNvSpPr>
-            <a:spLocks noGrp="1"/>
-          </p:cNvSpPr>
-          <p:nvPr>
-            <p:ph type="ftr" sz="quarter" idx="11"/>
-          </p:nvPr>
-        </p:nvSpPr>
-        <p:spPr/>
-        <p:txBody>
-          <a:bodyPr/>
-          <a:lstStyle/>
-          <a:p>
-            <a:pPr algn="ctr"/>
-            <a:r>
-              <a:rPr lang="en-US" dirty="0"/>
-              <a:t>Presentation: 15/10/2015</a:t>
-            </a:r>
-            <a:endParaRPr lang="en-GB" dirty="0"/>
-          </a:p>
-        </p:txBody>
-      </p:sp>
-      <p:sp>
-        <p:nvSpPr>
-          <p:cNvPr id="4" name="Slide Number Placeholder 3"/>
-          <p:cNvSpPr>
-            <a:spLocks noGrp="1"/>
-          </p:cNvSpPr>
-          <p:nvPr>
-            <p:ph type="sldNum" sz="quarter" idx="12"/>
-          </p:nvPr>
-        </p:nvSpPr>
-        <p:spPr/>
-        <p:txBody>
-          <a:bodyPr/>
-          <a:lstStyle/>
-          <a:p>
-            <a:fld id="{5A039058-1920-4143-8EFA-8E582B1DAF65}" type="slidenum">
-              <a:rPr lang="en-GB" smtClean="0"/>
-              <a:pPr/>
-              <a:t>19</a:t>
-            </a:fld>
-            <a:endParaRPr lang="en-GB"/>
-          </a:p>
-        </p:txBody>
-      </p:sp>
-      <p:pic>
-        <p:nvPicPr>
-          <p:cNvPr id="8" name="Content Placeholder 7"/>
-          <p:cNvPicPr>
-            <a:picLocks noGrp="1" noChangeAspect="1"/>
-          </p:cNvPicPr>
-          <p:nvPr>
-            <p:ph sz="quarter" idx="1"/>
-          </p:nvPr>
-        </p:nvPicPr>
-        <p:blipFill>
-          <a:blip r:embed="rId3">
-            <a:extLst>
-              <a:ext uri="{28A0092B-C50C-407E-A947-70E740481C1C}">
-                <a14:useLocalDpi xmlns:a14="http://schemas.microsoft.com/office/drawing/2010/main" val="0"/>
-              </a:ext>
-            </a:extLst>
-          </a:blip>
-          <a:stretch>
-            <a:fillRect/>
-          </a:stretch>
-        </p:blipFill>
-        <p:spPr>
-          <a:xfrm>
-            <a:off x="2081047" y="1219200"/>
-            <a:ext cx="4981905" cy="4937125"/>
-          </a:xfrm>
-        </p:spPr>
-      </p:pic>
-      <p:sp>
-        <p:nvSpPr>
-          <p:cNvPr id="5" name="TextBox 4"/>
-          <p:cNvSpPr txBox="1"/>
-          <p:nvPr/>
-        </p:nvSpPr>
-        <p:spPr>
-          <a:xfrm>
-            <a:off x="6403848" y="5445224"/>
-            <a:ext cx="2282952" cy="646331"/>
-          </a:xfrm>
-          <a:prstGeom prst="rect">
-            <a:avLst/>
-          </a:prstGeom>
-          <a:noFill/>
-        </p:spPr>
-        <p:txBody>
-          <a:bodyPr wrap="square" rtlCol="0">
-            <a:spAutoFit/>
-          </a:bodyPr>
-          <a:lstStyle/>
-          <a:p>
-            <a:pPr algn="ctr"/>
-            <a:r>
-              <a:rPr lang="en-US" dirty="0" smtClean="0"/>
-              <a:t>All VMs in </a:t>
-            </a:r>
-          </a:p>
-          <a:p>
-            <a:pPr algn="ctr"/>
-            <a:r>
-              <a:rPr lang="en-US" dirty="0" smtClean="0"/>
-              <a:t>Amazon Web Services</a:t>
-            </a:r>
-            <a:endParaRPr lang="el-GR" dirty="0"/>
-          </a:p>
-        </p:txBody>
-      </p:sp>
-    </p:spTree>
-    <p:extLst>
-      <p:ext uri="{BB962C8B-B14F-4D97-AF65-F5344CB8AC3E}">
-        <p14:creationId xmlns:p14="http://schemas.microsoft.com/office/powerpoint/2010/main" val="3981006389"/>
-      </p:ext>
-    </p:extLst>
-  </p:cSld>
-  <p:clrMapOvr>
-    <a:masterClrMapping/>
-  </p:clrMapOvr>
-  <p:timing>
-    <p:tnLst>
-      <p:par>
-        <p:cTn id="1" dur="indefinite" restart="never" nodeType="tmRoot"/>
-      </p:par>
-    </p:tnLst>
-  </p:timing>
-</p:sld>
-</file>
-
 <file path=ppt/slides/slide2.xml><?xml version="1.0" encoding="utf-8"?>
 <p:sld xmlns:a="http://schemas.openxmlformats.org/drawingml/2006/main" xmlns:r="http://schemas.openxmlformats.org/officeDocument/2006/relationships" xmlns:p="http://schemas.openxmlformats.org/presentationml/2006/main">
   <p:cSld>
@@ -13512,30 +15313,12 @@
         </p:nvSpPr>
         <p:spPr/>
         <p:txBody>
-          <a:bodyPr>
-            <a:normAutofit fontScale="90000"/>
-          </a:bodyPr>
+          <a:bodyPr/>
           <a:lstStyle/>
           <a:p>
             <a:r>
               <a:rPr lang="en-US" dirty="0" smtClean="0"/>
-              <a:t>Response </a:t>
-            </a:r>
-            <a:r>
-              <a:rPr lang="en-US" dirty="0"/>
-              <a:t>t</a:t>
-            </a:r>
-            <a:r>
-              <a:rPr lang="en-US" dirty="0" smtClean="0"/>
-              <a:t>ime, adding </a:t>
-            </a:r>
-            <a:r>
-              <a:rPr lang="en-US" dirty="0" err="1" smtClean="0"/>
-              <a:t>Memcaches</a:t>
-            </a:r>
-            <a:r>
-              <a:rPr lang="en-US" dirty="0" smtClean="0"/>
-              <a:t> (1/2)</a:t>
+              <a:t>Evaluated Architecture</a:t>
             </a:r>
             <a:endParaRPr lang="el-GR" dirty="0"/>
           </a:p>
@@ -13584,6 +15367,199 @@
               <a:rPr lang="en-GB" smtClean="0"/>
               <a:pPr/>
               <a:t>20</a:t>
+            </a:fld>
+            <a:endParaRPr lang="en-GB"/>
+          </a:p>
+        </p:txBody>
+      </p:sp>
+      <p:pic>
+        <p:nvPicPr>
+          <p:cNvPr id="8" name="Content Placeholder 7"/>
+          <p:cNvPicPr>
+            <a:picLocks noGrp="1" noChangeAspect="1"/>
+          </p:cNvPicPr>
+          <p:nvPr>
+            <p:ph sz="quarter" idx="1"/>
+          </p:nvPr>
+        </p:nvPicPr>
+        <p:blipFill>
+          <a:blip r:embed="rId3">
+            <a:extLst>
+              <a:ext uri="{28A0092B-C50C-407E-A947-70E740481C1C}">
+                <a14:useLocalDpi xmlns:a14="http://schemas.microsoft.com/office/drawing/2010/main" val="0"/>
+              </a:ext>
+            </a:extLst>
+          </a:blip>
+          <a:stretch>
+            <a:fillRect/>
+          </a:stretch>
+        </p:blipFill>
+        <p:spPr>
+          <a:xfrm>
+            <a:off x="2081047" y="1219200"/>
+            <a:ext cx="4981905" cy="4937125"/>
+          </a:xfrm>
+        </p:spPr>
+      </p:pic>
+      <p:sp>
+        <p:nvSpPr>
+          <p:cNvPr id="5" name="TextBox 4"/>
+          <p:cNvSpPr txBox="1"/>
+          <p:nvPr/>
+        </p:nvSpPr>
+        <p:spPr>
+          <a:xfrm>
+            <a:off x="6403848" y="5445224"/>
+            <a:ext cx="2282952" cy="646331"/>
+          </a:xfrm>
+          <a:prstGeom prst="rect">
+            <a:avLst/>
+          </a:prstGeom>
+          <a:noFill/>
+        </p:spPr>
+        <p:txBody>
+          <a:bodyPr wrap="square" rtlCol="0">
+            <a:spAutoFit/>
+          </a:bodyPr>
+          <a:lstStyle/>
+          <a:p>
+            <a:pPr algn="ctr"/>
+            <a:r>
+              <a:rPr lang="en-US" dirty="0" smtClean="0"/>
+              <a:t>All VMs in </a:t>
+            </a:r>
+          </a:p>
+          <a:p>
+            <a:pPr algn="ctr"/>
+            <a:r>
+              <a:rPr lang="en-US" dirty="0" smtClean="0"/>
+              <a:t>Amazon Web Services</a:t>
+            </a:r>
+            <a:endParaRPr lang="el-GR" dirty="0"/>
+          </a:p>
+        </p:txBody>
+      </p:sp>
+    </p:spTree>
+    <p:extLst>
+      <p:ext uri="{BB962C8B-B14F-4D97-AF65-F5344CB8AC3E}">
+        <p14:creationId xmlns:p14="http://schemas.microsoft.com/office/powerpoint/2010/main" val="3981006389"/>
+      </p:ext>
+    </p:extLst>
+  </p:cSld>
+  <p:clrMapOvr>
+    <a:masterClrMapping/>
+  </p:clrMapOvr>
+  <p:timing>
+    <p:tnLst>
+      <p:par>
+        <p:cTn id="1" dur="indefinite" restart="never" nodeType="tmRoot"/>
+      </p:par>
+    </p:tnLst>
+  </p:timing>
+</p:sld>
+</file>
+
+<file path=ppt/slides/slide21.xml><?xml version="1.0" encoding="utf-8"?>
+<p:sld xmlns:a="http://schemas.openxmlformats.org/drawingml/2006/main" xmlns:r="http://schemas.openxmlformats.org/officeDocument/2006/relationships" xmlns:p="http://schemas.openxmlformats.org/presentationml/2006/main">
+  <p:cSld>
+    <p:spTree>
+      <p:nvGrpSpPr>
+        <p:cNvPr id="1" name=""/>
+        <p:cNvGrpSpPr/>
+        <p:nvPr/>
+      </p:nvGrpSpPr>
+      <p:grpSpPr>
+        <a:xfrm>
+          <a:off x="0" y="0"/>
+          <a:ext cx="0" cy="0"/>
+          <a:chOff x="0" y="0"/>
+          <a:chExt cx="0" cy="0"/>
+        </a:xfrm>
+      </p:grpSpPr>
+      <p:sp>
+        <p:nvSpPr>
+          <p:cNvPr id="2" name="Title 1"/>
+          <p:cNvSpPr>
+            <a:spLocks noGrp="1"/>
+          </p:cNvSpPr>
+          <p:nvPr>
+            <p:ph type="title"/>
+          </p:nvPr>
+        </p:nvSpPr>
+        <p:spPr/>
+        <p:txBody>
+          <a:bodyPr>
+            <a:normAutofit fontScale="90000"/>
+          </a:bodyPr>
+          <a:lstStyle/>
+          <a:p>
+            <a:r>
+              <a:rPr lang="en-US" dirty="0" smtClean="0"/>
+              <a:t>Response </a:t>
+            </a:r>
+            <a:r>
+              <a:rPr lang="en-US" dirty="0"/>
+              <a:t>t</a:t>
+            </a:r>
+            <a:r>
+              <a:rPr lang="en-US" dirty="0" smtClean="0"/>
+              <a:t>ime, adding </a:t>
+            </a:r>
+            <a:r>
+              <a:rPr lang="en-US" dirty="0" err="1" smtClean="0"/>
+              <a:t>Memcaches</a:t>
+            </a:r>
+            <a:r>
+              <a:rPr lang="en-US" dirty="0" smtClean="0"/>
+              <a:t> (1/2)</a:t>
+            </a:r>
+            <a:endParaRPr lang="el-GR" dirty="0"/>
+          </a:p>
+        </p:txBody>
+      </p:sp>
+      <p:sp>
+        <p:nvSpPr>
+          <p:cNvPr id="3" name="Footer Placeholder 2"/>
+          <p:cNvSpPr>
+            <a:spLocks noGrp="1"/>
+          </p:cNvSpPr>
+          <p:nvPr>
+            <p:ph type="ftr" sz="quarter" idx="11"/>
+          </p:nvPr>
+        </p:nvSpPr>
+        <p:spPr/>
+        <p:txBody>
+          <a:bodyPr/>
+          <a:lstStyle/>
+          <a:p>
+            <a:pPr algn="ctr"/>
+            <a:r>
+              <a:rPr lang="en-US" dirty="0"/>
+              <a:t>Presentation: 15/10/2015</a:t>
+            </a:r>
+            <a:endParaRPr lang="en-GB" dirty="0"/>
+          </a:p>
+        </p:txBody>
+      </p:sp>
+      <p:sp>
+        <p:nvSpPr>
+          <p:cNvPr id="4" name="Slide Number Placeholder 3"/>
+          <p:cNvSpPr>
+            <a:spLocks noGrp="1"/>
+          </p:cNvSpPr>
+          <p:nvPr>
+            <p:ph type="sldNum" sz="quarter" idx="12"/>
+          </p:nvPr>
+        </p:nvSpPr>
+        <p:spPr/>
+        <p:txBody>
+          <a:bodyPr/>
+          <a:lstStyle/>
+          <a:p>
+            <a:fld id="{5A039058-1920-4143-8EFA-8E582B1DAF65}" type="slidenum">
+              <a:rPr lang="en-GB" smtClean="0"/>
+              <a:pPr/>
+              <a:t>21</a:t>
             </a:fld>
             <a:endParaRPr lang="en-GB"/>
           </a:p>
@@ -15009,7 +16985,7 @@
 </p:sld>
 </file>
 
-<file path=ppt/slides/slide21.xml><?xml version="1.0" encoding="utf-8"?>
+<file path=ppt/slides/slide22.xml><?xml version="1.0" encoding="utf-8"?>
 <p:sld xmlns:a="http://schemas.openxmlformats.org/drawingml/2006/main" xmlns:r="http://schemas.openxmlformats.org/officeDocument/2006/relationships" xmlns:p="http://schemas.openxmlformats.org/presentationml/2006/main">
   <p:cSld>
     <p:spTree>
@@ -15091,7 +17067,7 @@
             <a:fld id="{5A039058-1920-4143-8EFA-8E582B1DAF65}" type="slidenum">
               <a:rPr lang="en-GB" smtClean="0"/>
               <a:pPr/>
-              <a:t>21</a:t>
+              <a:t>22</a:t>
             </a:fld>
             <a:endParaRPr lang="en-GB"/>
           </a:p>
@@ -15305,7 +17281,7 @@
 </p:sld>
 </file>
 
-<file path=ppt/slides/slide22.xml><?xml version="1.0" encoding="utf-8"?>
+<file path=ppt/slides/slide23.xml><?xml version="1.0" encoding="utf-8"?>
 <p:sld xmlns:a="http://schemas.openxmlformats.org/drawingml/2006/main" xmlns:r="http://schemas.openxmlformats.org/officeDocument/2006/relationships" xmlns:p="http://schemas.openxmlformats.org/presentationml/2006/main">
   <p:cSld>
     <p:spTree>
@@ -15405,7 +17381,7 @@
             <a:fld id="{5A039058-1920-4143-8EFA-8E582B1DAF65}" type="slidenum">
               <a:rPr lang="en-GB" smtClean="0"/>
               <a:pPr/>
-              <a:t>22</a:t>
+              <a:t>23</a:t>
             </a:fld>
             <a:endParaRPr lang="en-GB"/>
           </a:p>
@@ -15752,7 +17728,7 @@
 </p:sld>
 </file>
 
-<file path=ppt/slides/slide23.xml><?xml version="1.0" encoding="utf-8"?>
+<file path=ppt/slides/slide24.xml><?xml version="1.0" encoding="utf-8"?>
 <p:sld xmlns:a="http://schemas.openxmlformats.org/drawingml/2006/main" xmlns:r="http://schemas.openxmlformats.org/officeDocument/2006/relationships" xmlns:p="http://schemas.openxmlformats.org/presentationml/2006/main">
   <p:cSld>
     <p:spTree>
@@ -15842,7 +17818,7 @@
             <a:fld id="{5A039058-1920-4143-8EFA-8E582B1DAF65}" type="slidenum">
               <a:rPr lang="en-GB" smtClean="0"/>
               <a:pPr/>
-              <a:t>23</a:t>
+              <a:t>24</a:t>
             </a:fld>
             <a:endParaRPr lang="en-GB"/>
           </a:p>
@@ -16172,201 +18148,6 @@
 </p:sld>
 </file>
 
-<file path=ppt/slides/slide24.xml><?xml version="1.0" encoding="utf-8"?>
-<p:sld xmlns:a="http://schemas.openxmlformats.org/drawingml/2006/main" xmlns:r="http://schemas.openxmlformats.org/officeDocument/2006/relationships" xmlns:p="http://schemas.openxmlformats.org/presentationml/2006/main">
-  <p:cSld>
-    <p:spTree>
-      <p:nvGrpSpPr>
-        <p:cNvPr id="1" name=""/>
-        <p:cNvGrpSpPr/>
-        <p:nvPr/>
-      </p:nvGrpSpPr>
-      <p:grpSpPr>
-        <a:xfrm>
-          <a:off x="0" y="0"/>
-          <a:ext cx="0" cy="0"/>
-          <a:chOff x="0" y="0"/>
-          <a:chExt cx="0" cy="0"/>
-        </a:xfrm>
-      </p:grpSpPr>
-      <p:sp>
-        <p:nvSpPr>
-          <p:cNvPr id="2" name="1 - Τίτλος"/>
-          <p:cNvSpPr>
-            <a:spLocks noGrp="1"/>
-          </p:cNvSpPr>
-          <p:nvPr>
-            <p:ph type="title"/>
-          </p:nvPr>
-        </p:nvSpPr>
-        <p:spPr/>
-        <p:txBody>
-          <a:bodyPr/>
-          <a:lstStyle/>
-          <a:p>
-            <a:r>
-              <a:rPr lang="en-US" dirty="0" smtClean="0"/>
-              <a:t>Conclusion </a:t>
-            </a:r>
-            <a:endParaRPr lang="el-GR" dirty="0"/>
-          </a:p>
-        </p:txBody>
-      </p:sp>
-      <p:sp>
-        <p:nvSpPr>
-          <p:cNvPr id="3" name="2 - Θέση υποσέλιδου"/>
-          <p:cNvSpPr>
-            <a:spLocks noGrp="1"/>
-          </p:cNvSpPr>
-          <p:nvPr>
-            <p:ph type="ftr" sz="quarter" idx="11"/>
-          </p:nvPr>
-        </p:nvSpPr>
-        <p:spPr/>
-        <p:txBody>
-          <a:bodyPr/>
-          <a:lstStyle/>
-          <a:p>
-            <a:pPr algn="ctr"/>
-            <a:r>
-              <a:rPr lang="en-US" dirty="0"/>
-              <a:t>Presentation: 15/10/2015</a:t>
-            </a:r>
-            <a:endParaRPr lang="en-GB" dirty="0"/>
-          </a:p>
-        </p:txBody>
-      </p:sp>
-      <p:sp>
-        <p:nvSpPr>
-          <p:cNvPr id="4" name="3 - Θέση αριθμού διαφάνειας"/>
-          <p:cNvSpPr>
-            <a:spLocks noGrp="1"/>
-          </p:cNvSpPr>
-          <p:nvPr>
-            <p:ph type="sldNum" sz="quarter" idx="12"/>
-          </p:nvPr>
-        </p:nvSpPr>
-        <p:spPr/>
-        <p:txBody>
-          <a:bodyPr/>
-          <a:lstStyle/>
-          <a:p>
-            <a:fld id="{5A039058-1920-4143-8EFA-8E582B1DAF65}" type="slidenum">
-              <a:rPr lang="en-GB" smtClean="0"/>
-              <a:pPr/>
-              <a:t>24</a:t>
-            </a:fld>
-            <a:endParaRPr lang="en-GB"/>
-          </a:p>
-        </p:txBody>
-      </p:sp>
-      <p:sp>
-        <p:nvSpPr>
-          <p:cNvPr id="5" name="4 - Θέση περιεχομένου"/>
-          <p:cNvSpPr>
-            <a:spLocks noGrp="1"/>
-          </p:cNvSpPr>
-          <p:nvPr>
-            <p:ph sz="quarter" idx="1"/>
-          </p:nvPr>
-        </p:nvSpPr>
-        <p:spPr/>
-        <p:txBody>
-          <a:bodyPr/>
-          <a:lstStyle/>
-          <a:p>
-            <a:r>
-              <a:rPr lang="en-US" dirty="0" smtClean="0"/>
-              <a:t>Contributions</a:t>
-            </a:r>
-          </a:p>
-          <a:p>
-            <a:pPr lvl="1"/>
-            <a:r>
-              <a:rPr lang="en-US" dirty="0" smtClean="0"/>
-              <a:t>Extensive user evaluation</a:t>
-            </a:r>
-          </a:p>
-          <a:p>
-            <a:pPr lvl="1"/>
-            <a:r>
-              <a:rPr lang="en-US" dirty="0" smtClean="0"/>
-              <a:t>A social network User Interface is implemented for DevOps cloud deployment specialists.</a:t>
-            </a:r>
-          </a:p>
-          <a:p>
-            <a:pPr lvl="1"/>
-            <a:r>
-              <a:rPr lang="en-US" dirty="0" smtClean="0"/>
-              <a:t>A scalable system architecture of our SNP is presented.</a:t>
-            </a:r>
-          </a:p>
-          <a:p>
-            <a:pPr lvl="1"/>
-            <a:r>
-              <a:rPr lang="en-US" dirty="0"/>
-              <a:t>The SN Platform can perform </a:t>
-            </a:r>
-            <a:r>
-              <a:rPr lang="en-US" dirty="0" smtClean="0"/>
-              <a:t>topic classification </a:t>
-            </a:r>
-            <a:r>
-              <a:rPr lang="en-US" dirty="0"/>
-              <a:t>on the user’s input</a:t>
-            </a:r>
-            <a:r>
-              <a:rPr lang="en-US" dirty="0" smtClean="0"/>
-              <a:t>.</a:t>
-            </a:r>
-          </a:p>
-          <a:p>
-            <a:r>
-              <a:rPr lang="en-US" dirty="0" smtClean="0"/>
-              <a:t>Future work</a:t>
-            </a:r>
-          </a:p>
-          <a:p>
-            <a:pPr lvl="1"/>
-            <a:r>
-              <a:rPr lang="en-US" dirty="0" smtClean="0"/>
-              <a:t>Further explore classification</a:t>
-            </a:r>
-            <a:r>
-              <a:rPr lang="el-GR" dirty="0" smtClean="0"/>
-              <a:t>.</a:t>
-            </a:r>
-            <a:endParaRPr lang="en-US" dirty="0" smtClean="0"/>
-          </a:p>
-          <a:p>
-            <a:pPr lvl="1"/>
-            <a:r>
-              <a:rPr lang="en-US" dirty="0" smtClean="0"/>
-              <a:t>Extending he integration of our social networking platform with more </a:t>
-            </a:r>
-            <a:r>
-              <a:rPr lang="en-US" smtClean="0"/>
-              <a:t>information repositories</a:t>
-            </a:r>
-            <a:endParaRPr lang="en-US" dirty="0"/>
-          </a:p>
-        </p:txBody>
-      </p:sp>
-    </p:spTree>
-  </p:cSld>
-  <p:clrMapOvr>
-    <a:masterClrMapping/>
-  </p:clrMapOvr>
-  <p:timing>
-    <p:tnLst>
-      <p:par>
-        <p:cTn id="1" dur="indefinite" restart="never" nodeType="tmRoot"/>
-      </p:par>
-    </p:tnLst>
-  </p:timing>
-</p:sld>
-</file>
-
 <file path=ppt/slides/slide25.xml><?xml version="1.0" encoding="utf-8"?>
 <p:sld xmlns:a="http://schemas.openxmlformats.org/drawingml/2006/main" xmlns:r="http://schemas.openxmlformats.org/officeDocument/2006/relationships" xmlns:p="http://schemas.openxmlformats.org/presentationml/2006/main">
   <p:cSld>
@@ -16386,6 +18167,29 @@
       </p:grpSpPr>
       <p:sp>
         <p:nvSpPr>
+          <p:cNvPr id="2" name="1 - Τίτλος"/>
+          <p:cNvSpPr>
+            <a:spLocks noGrp="1"/>
+          </p:cNvSpPr>
+          <p:nvPr>
+            <p:ph type="title"/>
+          </p:nvPr>
+        </p:nvSpPr>
+        <p:spPr/>
+        <p:txBody>
+          <a:bodyPr/>
+          <a:lstStyle/>
+          <a:p>
+            <a:r>
+              <a:rPr lang="en-US" dirty="0" smtClean="0"/>
+              <a:t>Conclusion </a:t>
+            </a:r>
+            <a:endParaRPr lang="el-GR" dirty="0"/>
+          </a:p>
+        </p:txBody>
+      </p:sp>
+      <p:sp>
+        <p:nvSpPr>
           <p:cNvPr id="3" name="2 - Θέση υποσέλιδου"/>
           <p:cNvSpPr>
             <a:spLocks noGrp="1"/>
@@ -16428,7 +18232,7 @@
               <a:pPr/>
               <a:t>25</a:t>
             </a:fld>
-            <a:endParaRPr lang="en-GB" dirty="0"/>
+            <a:endParaRPr lang="en-GB"/>
           </a:p>
         </p:txBody>
       </p:sp>
@@ -16444,19 +18248,79 @@
         </p:nvSpPr>
         <p:spPr/>
         <p:txBody>
-          <a:bodyPr>
-            <a:normAutofit/>
-          </a:bodyPr>
-          <a:lstStyle/>
-          <a:p>
-            <a:pPr>
-              <a:buNone/>
-            </a:pPr>
-            <a:r>
-              <a:rPr lang="en-US" sz="7200" dirty="0" smtClean="0"/>
-              <a:t>Thank you</a:t>
-            </a:r>
-            <a:endParaRPr lang="el-GR" sz="7200" dirty="0"/>
+          <a:bodyPr/>
+          <a:lstStyle/>
+          <a:p>
+            <a:r>
+              <a:rPr lang="en-US" dirty="0" smtClean="0"/>
+              <a:t>Contributions</a:t>
+            </a:r>
+          </a:p>
+          <a:p>
+            <a:pPr lvl="1"/>
+            <a:r>
+              <a:rPr lang="en-US" dirty="0" smtClean="0"/>
+              <a:t>Extensive user evaluation</a:t>
+            </a:r>
+          </a:p>
+          <a:p>
+            <a:pPr lvl="1"/>
+            <a:r>
+              <a:rPr lang="en-US" dirty="0" smtClean="0"/>
+              <a:t>A social network User Interface is implemented for DevOps cloud deployment specialists</a:t>
+            </a:r>
+          </a:p>
+          <a:p>
+            <a:pPr lvl="1"/>
+            <a:r>
+              <a:rPr lang="en-US" dirty="0" smtClean="0"/>
+              <a:t>A scalable system architecture of our SNP is presented</a:t>
+            </a:r>
+          </a:p>
+          <a:p>
+            <a:pPr lvl="1"/>
+            <a:r>
+              <a:rPr lang="en-US" dirty="0"/>
+              <a:t>The SN Platform can perform </a:t>
+            </a:r>
+            <a:r>
+              <a:rPr lang="en-US" dirty="0" smtClean="0"/>
+              <a:t>topic classification </a:t>
+            </a:r>
+            <a:r>
+              <a:rPr lang="en-US" dirty="0"/>
+              <a:t>on the user’s </a:t>
+            </a:r>
+            <a:r>
+              <a:rPr lang="en-US" dirty="0" smtClean="0"/>
+              <a:t>input</a:t>
+            </a:r>
+          </a:p>
+          <a:p>
+            <a:r>
+              <a:rPr lang="en-US" dirty="0" smtClean="0"/>
+              <a:t>Future work</a:t>
+            </a:r>
+          </a:p>
+          <a:p>
+            <a:pPr lvl="1"/>
+            <a:r>
+              <a:rPr lang="en-US" dirty="0" smtClean="0"/>
+              <a:t>Further </a:t>
+            </a:r>
+            <a:r>
+              <a:rPr lang="en-US" smtClean="0"/>
+              <a:t>explore classification</a:t>
+            </a:r>
+            <a:endParaRPr lang="en-US" dirty="0" smtClean="0"/>
+          </a:p>
+          <a:p>
+            <a:pPr lvl="1"/>
+            <a:r>
+              <a:rPr lang="en-US" dirty="0" smtClean="0"/>
+              <a:t>Extending he integration of our social networking platform with more information repositories</a:t>
+            </a:r>
+            <a:endParaRPr lang="en-US" dirty="0"/>
           </a:p>
         </p:txBody>
       </p:sp>
@@ -16494,6 +18358,114 @@
       </p:grpSpPr>
       <p:sp>
         <p:nvSpPr>
+          <p:cNvPr id="3" name="2 - Θέση υποσέλιδου"/>
+          <p:cNvSpPr>
+            <a:spLocks noGrp="1"/>
+          </p:cNvSpPr>
+          <p:nvPr>
+            <p:ph type="ftr" sz="quarter" idx="11"/>
+          </p:nvPr>
+        </p:nvSpPr>
+        <p:spPr/>
+        <p:txBody>
+          <a:bodyPr/>
+          <a:lstStyle/>
+          <a:p>
+            <a:pPr algn="ctr"/>
+            <a:r>
+              <a:rPr lang="en-US" dirty="0"/>
+              <a:t>Presentation: 15/10/2015</a:t>
+            </a:r>
+            <a:endParaRPr lang="en-GB" dirty="0"/>
+          </a:p>
+        </p:txBody>
+      </p:sp>
+      <p:sp>
+        <p:nvSpPr>
+          <p:cNvPr id="4" name="3 - Θέση αριθμού διαφάνειας"/>
+          <p:cNvSpPr>
+            <a:spLocks noGrp="1"/>
+          </p:cNvSpPr>
+          <p:nvPr>
+            <p:ph type="sldNum" sz="quarter" idx="12"/>
+          </p:nvPr>
+        </p:nvSpPr>
+        <p:spPr/>
+        <p:txBody>
+          <a:bodyPr/>
+          <a:lstStyle/>
+          <a:p>
+            <a:fld id="{5A039058-1920-4143-8EFA-8E582B1DAF65}" type="slidenum">
+              <a:rPr lang="en-GB" smtClean="0"/>
+              <a:pPr/>
+              <a:t>26</a:t>
+            </a:fld>
+            <a:endParaRPr lang="en-GB" dirty="0"/>
+          </a:p>
+        </p:txBody>
+      </p:sp>
+      <p:sp>
+        <p:nvSpPr>
+          <p:cNvPr id="5" name="4 - Θέση περιεχομένου"/>
+          <p:cNvSpPr>
+            <a:spLocks noGrp="1"/>
+          </p:cNvSpPr>
+          <p:nvPr>
+            <p:ph sz="quarter" idx="1"/>
+          </p:nvPr>
+        </p:nvSpPr>
+        <p:spPr/>
+        <p:txBody>
+          <a:bodyPr>
+            <a:normAutofit/>
+          </a:bodyPr>
+          <a:lstStyle/>
+          <a:p>
+            <a:pPr>
+              <a:buNone/>
+            </a:pPr>
+            <a:r>
+              <a:rPr lang="en-US" sz="7200" dirty="0" smtClean="0"/>
+              <a:t>Thank you</a:t>
+            </a:r>
+            <a:endParaRPr lang="el-GR" sz="7200" dirty="0"/>
+          </a:p>
+        </p:txBody>
+      </p:sp>
+    </p:spTree>
+  </p:cSld>
+  <p:clrMapOvr>
+    <a:masterClrMapping/>
+  </p:clrMapOvr>
+  <p:timing>
+    <p:tnLst>
+      <p:par>
+        <p:cTn id="1" dur="indefinite" restart="never" nodeType="tmRoot"/>
+      </p:par>
+    </p:tnLst>
+  </p:timing>
+</p:sld>
+</file>
+
+<file path=ppt/slides/slide27.xml><?xml version="1.0" encoding="utf-8"?>
+<p:sld xmlns:a="http://schemas.openxmlformats.org/drawingml/2006/main" xmlns:r="http://schemas.openxmlformats.org/officeDocument/2006/relationships" xmlns:p="http://schemas.openxmlformats.org/presentationml/2006/main">
+  <p:cSld>
+    <p:spTree>
+      <p:nvGrpSpPr>
+        <p:cNvPr id="1" name=""/>
+        <p:cNvGrpSpPr/>
+        <p:nvPr/>
+      </p:nvGrpSpPr>
+      <p:grpSpPr>
+        <a:xfrm>
+          <a:off x="0" y="0"/>
+          <a:ext cx="0" cy="0"/>
+          <a:chOff x="0" y="0"/>
+          <a:chExt cx="0" cy="0"/>
+        </a:xfrm>
+      </p:grpSpPr>
+      <p:sp>
+        <p:nvSpPr>
           <p:cNvPr id="2" name="Title 1"/>
           <p:cNvSpPr>
             <a:spLocks noGrp="1"/>
@@ -16562,7 +18534,7 @@
             <a:fld id="{5A039058-1920-4143-8EFA-8E582B1DAF65}" type="slidenum">
               <a:rPr lang="en-GB" smtClean="0"/>
               <a:pPr/>
-              <a:t>26</a:t>
+              <a:t>27</a:t>
             </a:fld>
             <a:endParaRPr lang="en-GB"/>
           </a:p>

--- a/presentation/presentation.pptx
+++ b/presentation/presentation.pptx
@@ -5,7 +5,7 @@
     <p:sldMasterId id="2147483792" r:id="rId1"/>
   </p:sldMasterIdLst>
   <p:notesMasterIdLst>
-    <p:notesMasterId r:id="rId30"/>
+    <p:notesMasterId r:id="rId32"/>
   </p:notesMasterIdLst>
   <p:sldIdLst>
     <p:sldId id="256" r:id="rId2"/>
@@ -22,20 +22,22 @@
     <p:sldId id="301" r:id="rId13"/>
     <p:sldId id="316" r:id="rId14"/>
     <p:sldId id="317" r:id="rId15"/>
-    <p:sldId id="303" r:id="rId16"/>
-    <p:sldId id="270" r:id="rId17"/>
-    <p:sldId id="314" r:id="rId18"/>
+    <p:sldId id="270" r:id="rId16"/>
+    <p:sldId id="314" r:id="rId17"/>
+    <p:sldId id="321" r:id="rId18"/>
     <p:sldId id="313" r:id="rId19"/>
     <p:sldId id="305" r:id="rId20"/>
     <p:sldId id="306" r:id="rId21"/>
-    <p:sldId id="307" r:id="rId22"/>
-    <p:sldId id="308" r:id="rId23"/>
-    <p:sldId id="309" r:id="rId24"/>
-    <p:sldId id="310" r:id="rId25"/>
+    <p:sldId id="322" r:id="rId22"/>
+    <p:sldId id="307" r:id="rId23"/>
+    <p:sldId id="308" r:id="rId24"/>
+    <p:sldId id="309" r:id="rId25"/>
     <p:sldId id="292" r:id="rId26"/>
     <p:sldId id="299" r:id="rId27"/>
     <p:sldId id="312" r:id="rId28"/>
     <p:sldId id="311" r:id="rId29"/>
+    <p:sldId id="303" r:id="rId30"/>
+    <p:sldId id="310" r:id="rId31"/>
   </p:sldIdLst>
   <p:sldSz cx="9144000" cy="6858000" type="screen4x3"/>
   <p:notesSz cx="3059113" cy="5164138"/>
@@ -670,51 +672,44 @@
         </p:nvSpPr>
         <p:spPr/>
         <p:txBody>
-          <a:bodyPr>
-            <a:normAutofit/>
-          </a:bodyPr>
-          <a:lstStyle/>
-          <a:p>
-            <a:pPr defTabSz="469819">
-              <a:defRPr/>
-            </a:pPr>
-            <a:r>
-              <a:rPr lang="el-GR" b="0" baseline="0" dirty="0" smtClean="0"/>
-              <a:t>Έχοντας το </a:t>
-            </a:r>
-            <a:r>
-              <a:rPr lang="en-US" b="0" baseline="0" dirty="0" smtClean="0"/>
-              <a:t>Elgg SNE </a:t>
-            </a:r>
-            <a:r>
-              <a:rPr lang="el-GR" b="0" baseline="0" dirty="0" smtClean="0"/>
-              <a:t>στην κορυφή φτιάξαμε την εξής αρχιτεκτονική </a:t>
-            </a:r>
-            <a:r>
-              <a:rPr lang="el-GR" sz="1800" b="1" baseline="0" dirty="0" smtClean="0"/>
-              <a:t>↓</a:t>
-            </a:r>
-            <a:r>
-              <a:rPr lang="el-GR" b="0" baseline="0" dirty="0" smtClean="0"/>
-              <a:t>. Στο </a:t>
-            </a:r>
-            <a:r>
-              <a:rPr lang="en-US" b="0" baseline="0" dirty="0" smtClean="0"/>
-              <a:t>back end </a:t>
-            </a:r>
-            <a:r>
-              <a:rPr lang="el-GR" b="0" baseline="0" dirty="0" smtClean="0"/>
-              <a:t>του συστήματος προσδέθηκε το </a:t>
-            </a:r>
-            <a:r>
-              <a:rPr lang="en-US" b="0" baseline="0" dirty="0" smtClean="0"/>
-              <a:t>repository </a:t>
-            </a:r>
-            <a:r>
-              <a:rPr lang="el-GR" b="0" baseline="0" smtClean="0"/>
-              <a:t>των μοντέλων….</a:t>
-            </a:r>
-            <a:endParaRPr lang="el-GR" baseline="0" dirty="0" smtClean="0"/>
+          <a:bodyPr/>
+          <a:lstStyle/>
+          <a:p>
+            <a:r>
+              <a:rPr lang="en-US" dirty="0" smtClean="0"/>
+              <a:t>2. To components</a:t>
+            </a:r>
+            <a:r>
+              <a:rPr lang="en-US" baseline="0" dirty="0" smtClean="0"/>
+              <a:t> </a:t>
+            </a:r>
+            <a:r>
+              <a:rPr lang="el-GR" baseline="0" dirty="0" smtClean="0"/>
+              <a:t>έχει να κάνει με κομμάτια εφαρμογών που παίρνει από το </a:t>
+            </a:r>
+            <a:r>
+              <a:rPr lang="en-US" baseline="0" dirty="0" smtClean="0"/>
+              <a:t>Chef</a:t>
+            </a:r>
+            <a:r>
+              <a:rPr lang="el-GR" baseline="0" dirty="0" smtClean="0"/>
+              <a:t>,</a:t>
+            </a:r>
+          </a:p>
+          <a:p>
+            <a:r>
+              <a:rPr lang="el-GR" baseline="0" dirty="0" smtClean="0"/>
+              <a:t>4. Άλλαξα τον τρόπο που το </a:t>
+            </a:r>
+            <a:r>
+              <a:rPr lang="en-US" baseline="0" dirty="0" smtClean="0"/>
+              <a:t>Elgg </a:t>
+            </a:r>
+            <a:r>
+              <a:rPr lang="el-GR" baseline="0" dirty="0" smtClean="0"/>
+              <a:t>εμφανίζει τα πράγματα.</a:t>
+            </a:r>
+            <a:endParaRPr lang="el-GR" dirty="0"/>
           </a:p>
         </p:txBody>
       </p:sp>
@@ -736,7 +731,7 @@
             <a:fld id="{BFF29332-360D-462C-8DBA-6B9FF2FD1142}" type="slidenum">
               <a:rPr lang="en-GB" smtClean="0"/>
               <a:pPr/>
-              <a:t>11</a:t>
+              <a:t>10</a:t>
             </a:fld>
             <a:endParaRPr lang="en-GB"/>
           </a:p>
@@ -745,7 +740,7 @@
     </p:spTree>
     <p:extLst>
       <p:ext uri="{BB962C8B-B14F-4D97-AF65-F5344CB8AC3E}">
-        <p14:creationId xmlns:p14="http://schemas.microsoft.com/office/powerpoint/2010/main" val="4222911459"/>
+        <p14:creationId xmlns:p14="http://schemas.microsoft.com/office/powerpoint/2010/main" val="4056202462"/>
       </p:ext>
     </p:extLst>
   </p:cSld>
@@ -774,7 +769,7 @@
       </p:grpSpPr>
       <p:sp>
         <p:nvSpPr>
-          <p:cNvPr id="2" name="1 - Θέση εικόνας διαφάνειας"/>
+          <p:cNvPr id="2" name="Slide Image Placeholder 1"/>
           <p:cNvSpPr>
             <a:spLocks noGrp="1" noRot="1" noChangeAspect="1"/>
           </p:cNvSpPr>
@@ -786,7 +781,7 @@
       </p:sp>
       <p:sp>
         <p:nvSpPr>
-          <p:cNvPr id="3" name="2 - Θέση σημειώσεων"/>
+          <p:cNvPr id="3" name="Notes Placeholder 2"/>
           <p:cNvSpPr>
             <a:spLocks noGrp="1"/>
           </p:cNvSpPr>
@@ -797,139 +792,40 @@
         <p:spPr/>
         <p:txBody>
           <a:bodyPr>
-            <a:normAutofit fontScale="55000" lnSpcReduction="20000"/>
+            <a:normAutofit/>
           </a:bodyPr>
           <a:lstStyle/>
           <a:p>
+            <a:pPr defTabSz="469819">
+              <a:defRPr/>
+            </a:pPr>
             <a:r>
               <a:rPr lang="el-GR" b="0" baseline="0" dirty="0" smtClean="0"/>
-              <a:t>Με το </a:t>
+              <a:t>Έχοντας το </a:t>
             </a:r>
             <a:r>
               <a:rPr lang="en-US" b="0" baseline="0" dirty="0" smtClean="0"/>
-              <a:t>Elgg SNP</a:t>
+              <a:t>Elgg SNE </a:t>
             </a:r>
             <a:r>
               <a:rPr lang="el-GR" b="0" baseline="0" dirty="0" smtClean="0"/>
-              <a:t>, ως το </a:t>
+              <a:t>στην κορυφή φτιάξαμε την εξής αρχιτεκτονική </a:t>
+            </a:r>
+            <a:r>
+              <a:rPr lang="el-GR" sz="1800" b="1" baseline="0" dirty="0" smtClean="0"/>
+              <a:t>↓</a:t>
+            </a:r>
+            <a:r>
+              <a:rPr lang="el-GR" b="0" baseline="0" dirty="0" smtClean="0"/>
+              <a:t>. Στο </a:t>
             </a:r>
             <a:r>
               <a:rPr lang="en-US" b="0" baseline="0" dirty="0" smtClean="0"/>
-              <a:t>front-end </a:t>
+              <a:t>back end </a:t>
             </a:r>
             <a:r>
               <a:rPr lang="el-GR" b="0" baseline="0" dirty="0" smtClean="0"/>
-              <a:t>του συστήματος, υλοποιήθηκε η αρχιτεκτονική που φαίνεται στο σχήμα ώστε να υποστηρίζει το </a:t>
-            </a:r>
-            <a:r>
-              <a:rPr lang="en-US" b="0" baseline="0" dirty="0" smtClean="0"/>
-              <a:t>scalability </a:t>
-            </a:r>
-            <a:r>
-              <a:rPr lang="el-GR" b="0" baseline="0" dirty="0" smtClean="0"/>
-              <a:t>της πλατφόρμας και το </a:t>
-            </a:r>
-            <a:r>
-              <a:rPr lang="en-US" b="0" baseline="0" dirty="0" smtClean="0"/>
-              <a:t>integration </a:t>
-            </a:r>
-            <a:r>
-              <a:rPr lang="el-GR" b="0" baseline="0" dirty="0" smtClean="0"/>
-              <a:t>με το </a:t>
-            </a:r>
-            <a:r>
-              <a:rPr lang="en-US" b="0" baseline="0" dirty="0" smtClean="0"/>
-              <a:t>Repository of App Models</a:t>
-            </a:r>
-            <a:r>
-              <a:rPr lang="el-GR" b="0" baseline="0" dirty="0" smtClean="0"/>
-              <a:t>. Η αρχιτεκτονική αυτή έχει τρία επίπεδα.</a:t>
-            </a:r>
-          </a:p>
-          <a:p>
-            <a:endParaRPr lang="el-GR" b="0" baseline="0" dirty="0" smtClean="0"/>
-          </a:p>
-          <a:p>
-            <a:r>
-              <a:rPr lang="el-GR" b="0" baseline="0" dirty="0" smtClean="0"/>
-              <a:t>Στο επίπεδο 1, έχουμε το </a:t>
-            </a:r>
-            <a:r>
-              <a:rPr lang="en-US" b="0" baseline="0" dirty="0" smtClean="0"/>
-              <a:t>Social Networking Engine </a:t>
-            </a:r>
-            <a:r>
-              <a:rPr lang="el-GR" b="0" baseline="0" dirty="0" smtClean="0"/>
-              <a:t>το οποίο είναι γραμμένο σε </a:t>
-            </a:r>
-            <a:r>
-              <a:rPr lang="en-US" b="0" baseline="0" dirty="0" smtClean="0"/>
-              <a:t>PHP </a:t>
-            </a:r>
-            <a:r>
-              <a:rPr lang="el-GR" b="0" baseline="0" dirty="0" smtClean="0"/>
-              <a:t>και είναι </a:t>
-            </a:r>
-            <a:r>
-              <a:rPr lang="en-US" b="0" baseline="0" dirty="0" smtClean="0"/>
-              <a:t>deployed </a:t>
-            </a:r>
-            <a:r>
-              <a:rPr lang="el-GR" b="0" baseline="0" dirty="0" smtClean="0"/>
-              <a:t>πάνω από τον </a:t>
-            </a:r>
-            <a:r>
-              <a:rPr lang="en-US" b="0" baseline="0" dirty="0" smtClean="0"/>
-              <a:t>Apache2 Server.</a:t>
-            </a:r>
-          </a:p>
-          <a:p>
-            <a:endParaRPr lang="en-US" b="0" baseline="0" dirty="0" smtClean="0"/>
-          </a:p>
-          <a:p>
-            <a:r>
-              <a:rPr lang="el-GR" b="0" baseline="0" dirty="0" smtClean="0"/>
-              <a:t>Στο επίπεδο 2, όπου είναι το ενδιάμεσο επίπεδο, πρόσθεσα ένα ή περισσότερα </a:t>
-            </a:r>
-            <a:r>
-              <a:rPr lang="en-US" b="0" baseline="0" dirty="0" smtClean="0"/>
-              <a:t>Memcached Nodes</a:t>
-            </a:r>
-            <a:r>
-              <a:rPr lang="el-GR" b="0" baseline="0" dirty="0" smtClean="0"/>
-              <a:t> ώστε να υποστηρίζουμε κατανεμημένο </a:t>
-            </a:r>
-            <a:r>
-              <a:rPr lang="en-US" b="0" baseline="0" dirty="0" smtClean="0"/>
-              <a:t>caching. </a:t>
-            </a:r>
-            <a:r>
-              <a:rPr lang="el-GR" b="0" baseline="0" dirty="0" smtClean="0"/>
-              <a:t>Η </a:t>
-            </a:r>
-            <a:r>
-              <a:rPr lang="en-US" b="0" baseline="0" dirty="0" smtClean="0"/>
-              <a:t>memcached </a:t>
-            </a:r>
-            <a:r>
-              <a:rPr lang="el-GR" b="0" baseline="0" dirty="0" smtClean="0"/>
-              <a:t>τεχνολογία είναι ένα </a:t>
-            </a:r>
-            <a:r>
-              <a:rPr lang="en-US" b="0" baseline="0" dirty="0" smtClean="0"/>
-              <a:t>in-memory key value store</a:t>
-            </a:r>
-            <a:r>
-              <a:rPr lang="el-GR" b="0" baseline="0" dirty="0" smtClean="0"/>
-              <a:t> και χρησιμοποιείται από το σύστημα μας για να αποθηκεύει την </a:t>
-            </a:r>
-            <a:r>
-              <a:rPr lang="en-US" b="0" baseline="0" dirty="0" smtClean="0"/>
-              <a:t>social</a:t>
-            </a:r>
-            <a:r>
-              <a:rPr lang="el-GR" b="0" baseline="0" dirty="0" smtClean="0"/>
-              <a:t> πληροφορία. Καθώς επίσης και την πληροφορία που προέρχεται από το </a:t>
+              <a:t>του συστήματος προσδέθηκε το </a:t>
             </a:r>
             <a:r>
               <a:rPr lang="en-US" b="0" baseline="0" dirty="0" smtClean="0"/>
@@ -937,91 +833,15 @@
             </a:r>
             <a:r>
               <a:rPr lang="el-GR" b="0" baseline="0" dirty="0" smtClean="0"/>
-              <a:t>των μοντέλων.</a:t>
-            </a:r>
-          </a:p>
-          <a:p>
-            <a:endParaRPr lang="el-GR" b="0" baseline="0" dirty="0" smtClean="0"/>
-          </a:p>
-          <a:p>
-            <a:r>
-              <a:rPr lang="el-GR" b="0" baseline="0" dirty="0" smtClean="0"/>
-              <a:t>Και τέλος, στο επίπεδο 3, όπου είναι το </a:t>
-            </a:r>
-            <a:r>
-              <a:rPr lang="en-US" b="0" baseline="0" dirty="0" smtClean="0"/>
-              <a:t>back-end </a:t>
-            </a:r>
-            <a:r>
-              <a:rPr lang="el-GR" b="0" baseline="0" dirty="0" smtClean="0"/>
-              <a:t>του συστήματος, όπου πέρα από την </a:t>
-            </a:r>
-            <a:r>
-              <a:rPr lang="en-US" b="0" baseline="0" dirty="0" smtClean="0"/>
-              <a:t>SN DB</a:t>
-            </a:r>
-            <a:r>
-              <a:rPr lang="el-GR" b="0" baseline="0" dirty="0" smtClean="0"/>
-              <a:t> όπου χρησιμοποιήθηκε αυτή του </a:t>
-            </a:r>
-            <a:r>
-              <a:rPr lang="en-US" b="0" baseline="0" dirty="0" smtClean="0"/>
-              <a:t>Elgg SNE </a:t>
-            </a:r>
-            <a:r>
-              <a:rPr lang="el-GR" b="0" baseline="0" dirty="0" smtClean="0"/>
-              <a:t>πρόσθεσα τον </a:t>
-            </a:r>
-            <a:r>
-              <a:rPr lang="en-US" b="0" baseline="0" dirty="0" smtClean="0"/>
-              <a:t>CDO Client </a:t>
-            </a:r>
-            <a:r>
-              <a:rPr lang="el-GR" b="0" baseline="0" dirty="0" smtClean="0"/>
-              <a:t>όπου επικοινωνεί με τον </a:t>
-            </a:r>
-            <a:r>
-              <a:rPr lang="en-US" b="0" baseline="0" dirty="0" smtClean="0"/>
-              <a:t>CDO Server</a:t>
-            </a:r>
-            <a:r>
-              <a:rPr lang="el-GR" b="0" baseline="0" dirty="0" smtClean="0"/>
-              <a:t> ο οποίος είναι υπεύθυνος για τα μοντέλα και τα </a:t>
-            </a:r>
-            <a:r>
-              <a:rPr lang="en-US" b="0" baseline="0" dirty="0" smtClean="0"/>
-              <a:t>execution histories </a:t>
-            </a:r>
-            <a:r>
-              <a:rPr lang="el-GR" b="0" baseline="0" dirty="0" smtClean="0"/>
-              <a:t>των εφαρμογών τα οποία αποθηκεύονται στο </a:t>
-            </a:r>
-            <a:r>
-              <a:rPr lang="en-US" b="0" baseline="0" dirty="0" smtClean="0"/>
-              <a:t>Repository of application models and execution</a:t>
-            </a:r>
-            <a:r>
-              <a:rPr lang="el-GR" b="0" baseline="0" dirty="0" smtClean="0"/>
-              <a:t> το οποίο είναι μια σχεσιακή βάση δεδομένων </a:t>
-            </a:r>
-            <a:r>
-              <a:rPr lang="en-US" b="0" baseline="0" dirty="0" smtClean="0"/>
-              <a:t>MySQL</a:t>
-            </a:r>
-            <a:r>
-              <a:rPr lang="el-GR" b="0" baseline="0" dirty="0" smtClean="0"/>
-              <a:t>.</a:t>
-            </a:r>
-            <a:endParaRPr lang="en-US" b="0" baseline="0" dirty="0" smtClean="0"/>
-          </a:p>
-          <a:p>
-            <a:endParaRPr lang="el-GR" b="0" dirty="0"/>
-          </a:p>
-        </p:txBody>
-      </p:sp>
-      <p:sp>
-        <p:nvSpPr>
-          <p:cNvPr id="4" name="3 - Θέση αριθμού διαφάνειας"/>
+              <a:t>των μοντέλων….</a:t>
+            </a:r>
+            <a:endParaRPr lang="el-GR" baseline="0" dirty="0" smtClean="0"/>
+          </a:p>
+        </p:txBody>
+      </p:sp>
+      <p:sp>
+        <p:nvSpPr>
+          <p:cNvPr id="4" name="Slide Number Placeholder 3"/>
           <p:cNvSpPr>
             <a:spLocks noGrp="1"/>
           </p:cNvSpPr>
@@ -1037,7 +857,7 @@
             <a:fld id="{BFF29332-360D-462C-8DBA-6B9FF2FD1142}" type="slidenum">
               <a:rPr lang="en-GB" smtClean="0"/>
               <a:pPr/>
-              <a:t>12</a:t>
+              <a:t>11</a:t>
             </a:fld>
             <a:endParaRPr lang="en-GB"/>
           </a:p>
@@ -1046,7 +866,7 @@
     </p:spTree>
     <p:extLst>
       <p:ext uri="{BB962C8B-B14F-4D97-AF65-F5344CB8AC3E}">
-        <p14:creationId xmlns:p14="http://schemas.microsoft.com/office/powerpoint/2010/main" val="2581491608"/>
+        <p14:creationId xmlns:p14="http://schemas.microsoft.com/office/powerpoint/2010/main" val="4222911459"/>
       </p:ext>
     </p:extLst>
   </p:cSld>
@@ -1075,7 +895,7 @@
       </p:grpSpPr>
       <p:sp>
         <p:nvSpPr>
-          <p:cNvPr id="2" name="Slide Image Placeholder 1"/>
+          <p:cNvPr id="2" name="1 - Θέση εικόνας διαφάνειας"/>
           <p:cNvSpPr>
             <a:spLocks noGrp="1" noRot="1" noChangeAspect="1"/>
           </p:cNvSpPr>
@@ -1087,7 +907,7 @@
       </p:sp>
       <p:sp>
         <p:nvSpPr>
-          <p:cNvPr id="3" name="Notes Placeholder 2"/>
+          <p:cNvPr id="3" name="2 - Θέση σημειώσεων"/>
           <p:cNvSpPr>
             <a:spLocks noGrp="1"/>
           </p:cNvSpPr>
@@ -1098,192 +918,231 @@
         <p:spPr/>
         <p:txBody>
           <a:bodyPr>
-            <a:normAutofit fontScale="47500" lnSpcReduction="20000"/>
+            <a:normAutofit fontScale="55000" lnSpcReduction="20000"/>
           </a:bodyPr>
           <a:lstStyle/>
           <a:p>
             <a:r>
-              <a:rPr lang="el-GR" dirty="0" smtClean="0"/>
-              <a:t>Ένα ακόμα </a:t>
-            </a:r>
-            <a:r>
-              <a:rPr lang="en-US" dirty="0" smtClean="0"/>
-              <a:t>feature</a:t>
-            </a:r>
-            <a:r>
-              <a:rPr lang="en-US" baseline="0" dirty="0" smtClean="0"/>
-              <a:t> </a:t>
-            </a:r>
-            <a:r>
-              <a:rPr lang="el-GR" baseline="0" dirty="0" smtClean="0"/>
-              <a:t>που προστέθηκε στο </a:t>
-            </a:r>
-            <a:r>
-              <a:rPr lang="en-US" baseline="0" dirty="0" smtClean="0"/>
-              <a:t>SN</a:t>
-            </a:r>
-            <a:r>
-              <a:rPr lang="el-GR" baseline="0" dirty="0" smtClean="0"/>
-              <a:t> είναι η δυνατότητα να παρέχει αυτοματοποιημένες απαντήσεις,</a:t>
-            </a:r>
-          </a:p>
-          <a:p>
-            <a:endParaRPr lang="el-GR" baseline="0" dirty="0" smtClean="0"/>
-          </a:p>
-          <a:p>
-            <a:r>
-              <a:rPr lang="el-GR" b="1" baseline="0" dirty="0" smtClean="0"/>
-              <a:t>Ας πάρομε λοιπόν, ένα χρήστη του ΚΔ </a:t>
-            </a:r>
-            <a:r>
-              <a:rPr lang="el-GR" baseline="0" dirty="0" smtClean="0"/>
-              <a:t>ο οποίος κάνει ερωτήσεις σε κάποιο </a:t>
-            </a:r>
-            <a:r>
-              <a:rPr lang="en-US" baseline="0" dirty="0" smtClean="0"/>
-              <a:t>group</a:t>
-            </a:r>
-            <a:r>
-              <a:rPr lang="el-GR" baseline="0" dirty="0" smtClean="0"/>
-              <a:t>, Θέλουμε να μπορούμε να επεξεργαστούμε αυτές τις ερωτήσεις έτσι ώστε να μπορούμε να τις συνδέσουμε είτε με άλλες παρόμοιες ερωτήσεις είτε να δημιουργήσουμε ένα </a:t>
-            </a:r>
-            <a:r>
-              <a:rPr lang="en-US" baseline="0" dirty="0" smtClean="0"/>
-              <a:t>query </a:t>
-            </a:r>
-            <a:r>
-              <a:rPr lang="el-GR" baseline="0" dirty="0" smtClean="0"/>
-              <a:t>στην βάση των </a:t>
-            </a:r>
-            <a:r>
-              <a:rPr lang="en-US" baseline="0" dirty="0" smtClean="0"/>
-              <a:t>execution data </a:t>
-            </a:r>
-            <a:r>
-              <a:rPr lang="el-GR" baseline="0" dirty="0" smtClean="0"/>
-              <a:t>έτσι ώστε να καταφέρουμε να δώσουμε μια αυτοματοποιημένη απάντηση σαν </a:t>
-            </a:r>
-            <a:r>
-              <a:rPr lang="en-US" baseline="0" dirty="0" smtClean="0"/>
-              <a:t>feedback </a:t>
-            </a:r>
-            <a:r>
-              <a:rPr lang="el-GR" baseline="0" dirty="0" smtClean="0"/>
-              <a:t>πίσω στον χρήστη. Για να το πετύχουμε αυτό πρέπει να μπορούμε να επεξεργαστούμε τις ερωτήσεις και να τις κάνουμε </a:t>
-            </a:r>
-            <a:r>
-              <a:rPr lang="en-US" baseline="0" dirty="0" smtClean="0"/>
-              <a:t>classify </a:t>
-            </a:r>
-            <a:r>
-              <a:rPr lang="el-GR" baseline="0" dirty="0" smtClean="0"/>
-              <a:t>σε διάφορες κατηγορίες ώστε να ξέρουμε σε τι αναφέρετε ο χρήστης. Για να το πετύχουμε αυτό χρειάζεται να κάνουμε </a:t>
-            </a:r>
-            <a:r>
-              <a:rPr lang="en-US" baseline="0" dirty="0" smtClean="0"/>
-              <a:t>train</a:t>
-            </a:r>
-            <a:r>
-              <a:rPr lang="el-GR" baseline="0" dirty="0" smtClean="0"/>
-              <a:t>,</a:t>
-            </a:r>
-            <a:r>
-              <a:rPr lang="en-US" baseline="0" dirty="0" smtClean="0"/>
-              <a:t> </a:t>
-            </a:r>
-            <a:r>
-              <a:rPr lang="el-GR" baseline="0" dirty="0" smtClean="0"/>
-              <a:t>όπως λέγεται, τον </a:t>
-            </a:r>
-            <a:r>
-              <a:rPr lang="en-US" baseline="0" dirty="0" smtClean="0"/>
-              <a:t>classifier</a:t>
-            </a:r>
-            <a:r>
-              <a:rPr lang="el-GR" baseline="0" dirty="0" smtClean="0"/>
-              <a:t> με κάποιες εξωτερικές ερωτήσεις. Συνήθως οι προσεγγίσεις που κατηγοριοποιούν κείμενο, χρησιμοποιούν το λεγόμενο </a:t>
-            </a:r>
-            <a:r>
-              <a:rPr lang="en-US" baseline="0" dirty="0" smtClean="0"/>
-              <a:t>training set </a:t>
-            </a:r>
-            <a:r>
-              <a:rPr lang="el-GR" baseline="0" dirty="0" smtClean="0"/>
-              <a:t>για να χτίσουν μια μέθοδο κατηγοριοποίησης ώστε αν έρθει ένα καινούριο κείμενο να ξέρουν σε ποια κατηγορία να το βάλουν.</a:t>
-            </a:r>
-            <a:endParaRPr lang="en-US" baseline="0" dirty="0" smtClean="0"/>
-          </a:p>
-          <a:p>
-            <a:endParaRPr lang="en-US" baseline="0" dirty="0" smtClean="0"/>
-          </a:p>
-          <a:p>
-            <a:r>
-              <a:rPr lang="el-GR" baseline="0" dirty="0" smtClean="0"/>
-              <a:t>Έτσι η δύναμη του κοινωνικού δικτύου είναι ότι επιτρέπει </a:t>
-            </a:r>
-            <a:r>
-              <a:rPr lang="en-US" baseline="0" dirty="0" smtClean="0"/>
-              <a:t>communities, </a:t>
-            </a:r>
-            <a:r>
-              <a:rPr lang="el-GR" baseline="0" dirty="0" smtClean="0"/>
-              <a:t>επιτρέπει </a:t>
-            </a:r>
-            <a:r>
-              <a:rPr lang="el-GR" baseline="0" dirty="0" err="1" smtClean="0"/>
-              <a:t>ερωτο</a:t>
-            </a:r>
-            <a:r>
-              <a:rPr lang="el-GR" baseline="0" dirty="0" smtClean="0"/>
-              <a:t>-απαντήσεις και έτσι όπως είναι τα πράγματα σήμερα, κάποιος μπορεί να ρωτήσει, κάποιος μπορεί να απαντήσει αλλά εμείς έχουμε επιπλέον τα </a:t>
-            </a:r>
-            <a:r>
-              <a:rPr lang="en-US" baseline="0" dirty="0" smtClean="0"/>
-              <a:t>execution data, </a:t>
-            </a:r>
-            <a:r>
-              <a:rPr lang="el-GR" baseline="0" dirty="0" smtClean="0"/>
-              <a:t>έτσι οι απαντήσεις που παίρνονται από εμάς μπορεί να είναι πιο ακριβής. </a:t>
-            </a:r>
-          </a:p>
-          <a:p>
-            <a:endParaRPr lang="el-GR" baseline="0" dirty="0" smtClean="0"/>
-          </a:p>
-          <a:p>
-            <a:r>
-              <a:rPr lang="el-GR" baseline="0" dirty="0" smtClean="0"/>
-              <a:t>Το να γράψει, όμως ένας χρήστης ένα </a:t>
-            </a:r>
-            <a:r>
-              <a:rPr lang="en-US" baseline="0" dirty="0" smtClean="0"/>
-              <a:t>query </a:t>
-            </a:r>
-            <a:r>
-              <a:rPr lang="el-GR" baseline="0" dirty="0" smtClean="0"/>
-              <a:t>δεν είναι εύκολο, δεν είναι απλό αυτό, ειδικά αν ο χρήστης δεν έχει γνώση του μοντέλου από κάτω. Οπότε ένας τρόπος που θα θέλαμε να κάνουμε, το οποίο είναι φιλόδοξο, είναι τα </a:t>
-            </a:r>
-            <a:r>
-              <a:rPr lang="en-US" baseline="0" dirty="0" smtClean="0"/>
-              <a:t>queries </a:t>
-            </a:r>
-            <a:r>
-              <a:rPr lang="el-GR" baseline="0" dirty="0" smtClean="0"/>
-              <a:t>να φτιάχνονται αυτόματα βάση της ερώτησης Ή να βρίσκεται κάποια </a:t>
-            </a:r>
-            <a:r>
-              <a:rPr lang="en-US" baseline="0" dirty="0" smtClean="0"/>
-              <a:t>related </a:t>
-            </a:r>
-            <a:r>
-              <a:rPr lang="el-GR" baseline="0" dirty="0" smtClean="0"/>
-              <a:t>απάντηση πάνω στο ίδιο θέμα. </a:t>
-            </a:r>
-          </a:p>
-        </p:txBody>
-      </p:sp>
-      <p:sp>
-        <p:nvSpPr>
-          <p:cNvPr id="4" name="Slide Number Placeholder 3"/>
+              <a:rPr lang="el-GR" b="0" baseline="0" dirty="0" smtClean="0"/>
+              <a:t>Με το </a:t>
+            </a:r>
+            <a:r>
+              <a:rPr lang="en-US" b="0" baseline="0" dirty="0" smtClean="0"/>
+              <a:t>Elgg SNP</a:t>
+            </a:r>
+            <a:r>
+              <a:rPr lang="el-GR" b="0" baseline="0" dirty="0" smtClean="0"/>
+              <a:t>, ως το </a:t>
+            </a:r>
+            <a:r>
+              <a:rPr lang="en-US" b="0" baseline="0" dirty="0" smtClean="0"/>
+              <a:t>front-end </a:t>
+            </a:r>
+            <a:r>
+              <a:rPr lang="el-GR" b="0" baseline="0" dirty="0" smtClean="0"/>
+              <a:t>του συστήματος, υλοποιήθηκε η αρχιτεκτονική που φαίνεται στο σχήμα ώστε να υποστηρίζει το </a:t>
+            </a:r>
+            <a:r>
+              <a:rPr lang="en-US" b="0" baseline="0" dirty="0" smtClean="0"/>
+              <a:t>scalability </a:t>
+            </a:r>
+            <a:r>
+              <a:rPr lang="el-GR" b="0" baseline="0" dirty="0" smtClean="0"/>
+              <a:t>της πλατφόρμας και το </a:t>
+            </a:r>
+            <a:r>
+              <a:rPr lang="en-US" b="0" baseline="0" dirty="0" smtClean="0"/>
+              <a:t>integration </a:t>
+            </a:r>
+            <a:r>
+              <a:rPr lang="el-GR" b="0" baseline="0" dirty="0" smtClean="0"/>
+              <a:t>με το </a:t>
+            </a:r>
+            <a:r>
+              <a:rPr lang="en-US" b="0" baseline="0" dirty="0" smtClean="0"/>
+              <a:t>Repository of App Models</a:t>
+            </a:r>
+            <a:r>
+              <a:rPr lang="el-GR" b="0" baseline="0" dirty="0" smtClean="0"/>
+              <a:t>. Η αρχιτεκτονική αυτή έχει τρία επίπεδα.</a:t>
+            </a:r>
+          </a:p>
+          <a:p>
+            <a:endParaRPr lang="el-GR" b="0" baseline="0" dirty="0" smtClean="0"/>
+          </a:p>
+          <a:p>
+            <a:r>
+              <a:rPr lang="el-GR" b="0" baseline="0" dirty="0" smtClean="0"/>
+              <a:t>Στο επίπεδο 1, έχουμε το </a:t>
+            </a:r>
+            <a:r>
+              <a:rPr lang="en-US" b="0" baseline="0" dirty="0" smtClean="0"/>
+              <a:t>Social Networking Engine </a:t>
+            </a:r>
+            <a:r>
+              <a:rPr lang="el-GR" b="0" baseline="0" dirty="0" smtClean="0"/>
+              <a:t>το οποίο είναι γραμμένο σε </a:t>
+            </a:r>
+            <a:r>
+              <a:rPr lang="en-US" b="0" baseline="0" dirty="0" smtClean="0"/>
+              <a:t>PHP </a:t>
+            </a:r>
+            <a:r>
+              <a:rPr lang="el-GR" b="0" baseline="0" dirty="0" smtClean="0"/>
+              <a:t>και είναι </a:t>
+            </a:r>
+            <a:r>
+              <a:rPr lang="en-US" b="0" baseline="0" dirty="0" smtClean="0"/>
+              <a:t>deployed </a:t>
+            </a:r>
+            <a:r>
+              <a:rPr lang="el-GR" b="0" baseline="0" dirty="0" smtClean="0"/>
+              <a:t>πάνω από τον </a:t>
+            </a:r>
+            <a:r>
+              <a:rPr lang="en-US" b="0" baseline="0" dirty="0" smtClean="0"/>
+              <a:t>Apache2 Server.</a:t>
+            </a:r>
+          </a:p>
+          <a:p>
+            <a:endParaRPr lang="en-US" b="0" baseline="0" dirty="0" smtClean="0"/>
+          </a:p>
+          <a:p>
+            <a:r>
+              <a:rPr lang="el-GR" b="0" baseline="0" dirty="0" smtClean="0"/>
+              <a:t>Στο επίπεδο 2, όπου είναι το ενδιάμεσο επίπεδο, πρόσθεσα ένα ή περισσότερα </a:t>
+            </a:r>
+            <a:r>
+              <a:rPr lang="en-US" b="0" baseline="0" dirty="0" smtClean="0"/>
+              <a:t>Memcached Nodes</a:t>
+            </a:r>
+            <a:r>
+              <a:rPr lang="el-GR" b="0" baseline="0" dirty="0" smtClean="0"/>
+              <a:t> ώστε να υποστηρίζουμε κατανεμημένο </a:t>
+            </a:r>
+            <a:r>
+              <a:rPr lang="en-US" b="0" baseline="0" dirty="0" smtClean="0"/>
+              <a:t>caching. </a:t>
+            </a:r>
+            <a:r>
+              <a:rPr lang="el-GR" b="0" baseline="0" dirty="0" smtClean="0"/>
+              <a:t>Η </a:t>
+            </a:r>
+            <a:r>
+              <a:rPr lang="en-US" b="0" baseline="0" dirty="0" smtClean="0"/>
+              <a:t>memcached </a:t>
+            </a:r>
+            <a:r>
+              <a:rPr lang="el-GR" b="0" baseline="0" dirty="0" smtClean="0"/>
+              <a:t>τεχνολογία είναι ένα </a:t>
+            </a:r>
+            <a:r>
+              <a:rPr lang="en-US" b="0" baseline="0" dirty="0" smtClean="0"/>
+              <a:t>in-memory key value store</a:t>
+            </a:r>
+            <a:r>
+              <a:rPr lang="el-GR" b="0" baseline="0" dirty="0" smtClean="0"/>
+              <a:t> και χρησιμοποιείται από το σύστημα μας για να αποθηκεύει την </a:t>
+            </a:r>
+            <a:r>
+              <a:rPr lang="en-US" b="0" baseline="0" dirty="0" smtClean="0"/>
+              <a:t>social</a:t>
+            </a:r>
+            <a:r>
+              <a:rPr lang="el-GR" b="0" baseline="0" dirty="0" smtClean="0"/>
+              <a:t> πληροφορία. Καθώς επίσης και την πληροφορία που προέρχεται από το </a:t>
+            </a:r>
+            <a:r>
+              <a:rPr lang="en-US" b="0" baseline="0" dirty="0" smtClean="0"/>
+              <a:t>repository </a:t>
+            </a:r>
+            <a:r>
+              <a:rPr lang="el-GR" b="0" baseline="0" dirty="0" smtClean="0"/>
+              <a:t>των μοντέλων.</a:t>
+            </a:r>
+          </a:p>
+          <a:p>
+            <a:endParaRPr lang="el-GR" b="0" baseline="0" dirty="0" smtClean="0"/>
+          </a:p>
+          <a:p>
+            <a:r>
+              <a:rPr lang="el-GR" b="0" baseline="0" dirty="0" smtClean="0"/>
+              <a:t>Και τέλος, στο επίπεδο 3, όπου είναι το </a:t>
+            </a:r>
+            <a:r>
+              <a:rPr lang="en-US" b="0" baseline="0" dirty="0" smtClean="0"/>
+              <a:t>back-end </a:t>
+            </a:r>
+            <a:r>
+              <a:rPr lang="el-GR" b="0" baseline="0" dirty="0" smtClean="0"/>
+              <a:t>του συστήματος, όπου πέρα από την </a:t>
+            </a:r>
+            <a:r>
+              <a:rPr lang="en-US" b="0" baseline="0" dirty="0" smtClean="0"/>
+              <a:t>SN DB</a:t>
+            </a:r>
+            <a:r>
+              <a:rPr lang="el-GR" b="0" baseline="0" dirty="0" smtClean="0"/>
+              <a:t> όπου χρησιμοποιήθηκε αυτή του </a:t>
+            </a:r>
+            <a:r>
+              <a:rPr lang="en-US" b="0" baseline="0" dirty="0" smtClean="0"/>
+              <a:t>Elgg SNE </a:t>
+            </a:r>
+            <a:r>
+              <a:rPr lang="el-GR" b="0" baseline="0" dirty="0" smtClean="0"/>
+              <a:t>πρόσθεσα τον </a:t>
+            </a:r>
+            <a:r>
+              <a:rPr lang="en-US" b="0" baseline="0" dirty="0" smtClean="0"/>
+              <a:t>CDO Client </a:t>
+            </a:r>
+            <a:r>
+              <a:rPr lang="el-GR" b="0" baseline="0" dirty="0" smtClean="0"/>
+              <a:t>όπου επικοινωνεί με τον </a:t>
+            </a:r>
+            <a:r>
+              <a:rPr lang="en-US" b="0" baseline="0" dirty="0" smtClean="0"/>
+              <a:t>CDO Server</a:t>
+            </a:r>
+            <a:r>
+              <a:rPr lang="el-GR" b="0" baseline="0" dirty="0" smtClean="0"/>
+              <a:t> ο οποίος είναι υπεύθυνος για τα μοντέλα και τα </a:t>
+            </a:r>
+            <a:r>
+              <a:rPr lang="en-US" b="0" baseline="0" dirty="0" smtClean="0"/>
+              <a:t>execution histories </a:t>
+            </a:r>
+            <a:r>
+              <a:rPr lang="el-GR" b="0" baseline="0" dirty="0" smtClean="0"/>
+              <a:t>των εφαρμογών τα οποία αποθηκεύονται στο </a:t>
+            </a:r>
+            <a:r>
+              <a:rPr lang="en-US" b="0" baseline="0" dirty="0" smtClean="0"/>
+              <a:t>Repository of application models and execution</a:t>
+            </a:r>
+            <a:r>
+              <a:rPr lang="el-GR" b="0" baseline="0" dirty="0" smtClean="0"/>
+              <a:t> το οποίο είναι μια σχεσιακή βάση δεδομένων </a:t>
+            </a:r>
+            <a:r>
+              <a:rPr lang="en-US" b="0" baseline="0" dirty="0" smtClean="0"/>
+              <a:t>MySQL</a:t>
+            </a:r>
+            <a:r>
+              <a:rPr lang="el-GR" b="0" baseline="0" dirty="0" smtClean="0"/>
+              <a:t>.</a:t>
+            </a:r>
+            <a:endParaRPr lang="en-US" b="0" baseline="0" dirty="0" smtClean="0"/>
+          </a:p>
+          <a:p>
+            <a:endParaRPr lang="el-GR" b="0" dirty="0"/>
+          </a:p>
+        </p:txBody>
+      </p:sp>
+      <p:sp>
+        <p:nvSpPr>
+          <p:cNvPr id="4" name="3 - Θέση αριθμού διαφάνειας"/>
           <p:cNvSpPr>
             <a:spLocks noGrp="1"/>
           </p:cNvSpPr>
@@ -1299,7 +1158,7 @@
             <a:fld id="{BFF29332-360D-462C-8DBA-6B9FF2FD1142}" type="slidenum">
               <a:rPr lang="en-GB" smtClean="0"/>
               <a:pPr/>
-              <a:t>13</a:t>
+              <a:t>12</a:t>
             </a:fld>
             <a:endParaRPr lang="en-GB"/>
           </a:p>
@@ -1308,7 +1167,7 @@
     </p:spTree>
     <p:extLst>
       <p:ext uri="{BB962C8B-B14F-4D97-AF65-F5344CB8AC3E}">
-        <p14:creationId xmlns:p14="http://schemas.microsoft.com/office/powerpoint/2010/main" val="3960002442"/>
+        <p14:creationId xmlns:p14="http://schemas.microsoft.com/office/powerpoint/2010/main" val="2581491608"/>
       </p:ext>
     </p:extLst>
   </p:cSld>
@@ -1365,205 +1224,12 @@
           <a:lstStyle/>
           <a:p>
             <a:r>
-              <a:rPr lang="el-GR" b="1" baseline="0" dirty="0" smtClean="0"/>
-              <a:t>Έτσι σε μία ερώτηση ενός χρήστη </a:t>
-            </a:r>
-            <a:r>
-              <a:rPr lang="el-GR" b="1" dirty="0" smtClean="0"/>
-              <a:t>όπως αυτή, θέλουμε να μπορεί να </a:t>
-            </a:r>
-            <a:r>
-              <a:rPr lang="el-GR" b="1" baseline="0" dirty="0" smtClean="0"/>
-              <a:t>γίνεται </a:t>
-            </a:r>
-            <a:r>
-              <a:rPr lang="en-US" b="1" baseline="0" dirty="0" smtClean="0"/>
-              <a:t>mapped </a:t>
-            </a:r>
-            <a:r>
-              <a:rPr lang="el-GR" b="1" baseline="0" dirty="0" smtClean="0"/>
-              <a:t>σε ένα </a:t>
-            </a:r>
-            <a:r>
-              <a:rPr lang="en-US" b="1" baseline="0" dirty="0" smtClean="0"/>
-              <a:t>related query</a:t>
-            </a:r>
-            <a:r>
-              <a:rPr lang="en-US" baseline="0" dirty="0" smtClean="0"/>
-              <a:t>, </a:t>
-            </a:r>
-            <a:r>
-              <a:rPr lang="el-GR" baseline="0" dirty="0" smtClean="0"/>
-              <a:t>εδώ παρουσιάζεται μια ερώτηση για το </a:t>
-            </a:r>
-            <a:r>
-              <a:rPr lang="en-US" baseline="0" dirty="0" smtClean="0"/>
-              <a:t>most cost effective deployment. </a:t>
-            </a:r>
-            <a:r>
-              <a:rPr lang="el-GR" baseline="0" dirty="0" smtClean="0"/>
-              <a:t>Έτσι όπως είναι </a:t>
-            </a:r>
-            <a:r>
-              <a:rPr lang="en-US" baseline="0" dirty="0" smtClean="0"/>
-              <a:t>phrased </a:t>
-            </a:r>
-            <a:r>
-              <a:rPr lang="el-GR" baseline="0" dirty="0" smtClean="0"/>
-              <a:t>η ερώτηση καταλαβαίνουμε ότι μιλάμε για </a:t>
-            </a:r>
-            <a:r>
-              <a:rPr lang="en-US" baseline="0" dirty="0" smtClean="0"/>
-              <a:t>multi</a:t>
-            </a:r>
-            <a:r>
-              <a:rPr lang="el-GR" baseline="0" dirty="0" smtClean="0"/>
-              <a:t> </a:t>
-            </a:r>
-            <a:r>
-              <a:rPr lang="en-US" baseline="0" dirty="0" smtClean="0"/>
-              <a:t>cloud setup, </a:t>
-            </a:r>
-            <a:r>
-              <a:rPr lang="el-GR" baseline="0" dirty="0" smtClean="0"/>
-              <a:t>άρα τα </a:t>
-            </a:r>
-            <a:r>
-              <a:rPr lang="en-US" baseline="0" dirty="0" smtClean="0"/>
-              <a:t>VMs </a:t>
-            </a:r>
-            <a:r>
-              <a:rPr lang="el-GR" baseline="0" dirty="0" smtClean="0"/>
-              <a:t>να είναι σε περισσότερα του ενός </a:t>
-            </a:r>
-            <a:r>
-              <a:rPr lang="en-US" baseline="0" dirty="0" smtClean="0"/>
-              <a:t>cloud</a:t>
-            </a:r>
-            <a:r>
-              <a:rPr lang="el-GR" baseline="0" dirty="0" smtClean="0"/>
-              <a:t> και κοιτάμε ένα </a:t>
-            </a:r>
-            <a:r>
-              <a:rPr lang="en-US" baseline="0" dirty="0" smtClean="0"/>
-              <a:t>metric </a:t>
-            </a:r>
-            <a:r>
-              <a:rPr lang="el-GR" baseline="0" dirty="0" smtClean="0"/>
-              <a:t>το οποίο λέγετε </a:t>
-            </a:r>
-            <a:r>
-              <a:rPr lang="en-US" baseline="0" dirty="0" smtClean="0"/>
-              <a:t>cost effectiveness, </a:t>
-            </a:r>
-            <a:r>
-              <a:rPr lang="el-GR" baseline="0" dirty="0" smtClean="0"/>
-              <a:t>το οποίο ήδη υπολογίζουμε, το οποίο είναι απόδοση διαιρεμένο με το κόστος του </a:t>
-            </a:r>
-            <a:r>
-              <a:rPr lang="en-US" baseline="0" dirty="0" smtClean="0"/>
-              <a:t>deployment.</a:t>
-            </a:r>
-            <a:r>
-              <a:rPr lang="el-GR" baseline="0" dirty="0" smtClean="0"/>
-              <a:t> Άρα είναι μια περίπτωση που αυτό γίνεται εύκολα </a:t>
-            </a:r>
-            <a:r>
-              <a:rPr lang="en-US" baseline="0" dirty="0" smtClean="0"/>
-              <a:t>map </a:t>
-            </a:r>
-            <a:r>
-              <a:rPr lang="el-GR" baseline="0" dirty="0" smtClean="0"/>
-              <a:t>σε ένα πραγματικό </a:t>
-            </a:r>
-            <a:r>
-              <a:rPr lang="en-US" baseline="0" dirty="0" smtClean="0"/>
-              <a:t>query. </a:t>
-            </a:r>
-            <a:r>
-              <a:rPr lang="el-GR" baseline="0" dirty="0" smtClean="0"/>
-              <a:t>Και εδώ βλέπουμε ότι αποκάτω έχουμε μια αυτοματοποιημένη απάντηση που λέει στον χρήστη ότι το </a:t>
-            </a:r>
-            <a:r>
-              <a:rPr lang="en-US" baseline="0" dirty="0" smtClean="0"/>
-              <a:t>cost effective</a:t>
-            </a:r>
-            <a:r>
-              <a:rPr lang="el-GR" baseline="0" dirty="0" smtClean="0"/>
-              <a:t> </a:t>
-            </a:r>
-            <a:r>
-              <a:rPr lang="en-US" baseline="0" dirty="0" smtClean="0"/>
-              <a:t>deployment </a:t>
-            </a:r>
-            <a:r>
-              <a:rPr lang="el-GR" baseline="0" dirty="0" smtClean="0"/>
-              <a:t>είναι αυτό και ο χρήστης μπορεί να κάνει </a:t>
-            </a:r>
-            <a:r>
-              <a:rPr lang="en-US" baseline="0" dirty="0" smtClean="0"/>
-              <a:t>click </a:t>
-            </a:r>
-            <a:r>
-              <a:rPr lang="el-GR" baseline="0" dirty="0" smtClean="0"/>
-              <a:t>και να το δει. Αυτή λοιπόν είναι μια περίπτωση που μπορούμε σχετικά εύκολα να κάνουμε το </a:t>
-            </a:r>
-            <a:r>
-              <a:rPr lang="en-US" baseline="0" dirty="0" smtClean="0"/>
-              <a:t>mapping </a:t>
-            </a:r>
-            <a:r>
-              <a:rPr lang="el-GR" baseline="0" dirty="0" smtClean="0"/>
-              <a:t>σε κάποιο </a:t>
-            </a:r>
-            <a:r>
-              <a:rPr lang="en-US" baseline="0" dirty="0" smtClean="0"/>
-              <a:t>query.</a:t>
-            </a:r>
-          </a:p>
-          <a:p>
-            <a:endParaRPr lang="el-GR" baseline="0" dirty="0" smtClean="0"/>
-          </a:p>
-          <a:p>
-            <a:r>
-              <a:rPr lang="el-GR" b="1" baseline="0" dirty="0" smtClean="0"/>
-              <a:t>Όμως αυτή την περίπτωση δεν την έχουμε γενικεύσει. Κάποιος θα μπορούσε να κοιτάξει έναν </a:t>
-            </a:r>
-            <a:r>
-              <a:rPr lang="el-GR" baseline="0" dirty="0" smtClean="0"/>
-              <a:t>αυτόματο μηχανικό σχηματισμό των </a:t>
-            </a:r>
-            <a:r>
-              <a:rPr lang="en-US" baseline="0" dirty="0" smtClean="0"/>
-              <a:t>queries. </a:t>
-            </a:r>
-            <a:r>
-              <a:rPr lang="el-GR" baseline="0" dirty="0" smtClean="0"/>
-              <a:t>Αυτό είναι ένα ενδιαφέρον πρόβλημα, αλλά αυτό από μόνο του ξεφεύγει από τα όρια της δικής μου εργασίας και θα ήταν μια καλή μελλοντική δουλειά. Εφόσον έχουμε το μηχανισμό να κάνουμε </a:t>
-            </a:r>
-            <a:r>
-              <a:rPr lang="en-US" baseline="0" dirty="0" smtClean="0"/>
-              <a:t>map</a:t>
-            </a:r>
-            <a:r>
-              <a:rPr lang="el-GR" baseline="0" dirty="0" smtClean="0"/>
-              <a:t> ερώτηση με σχετική ερώτηση. Κάποιος </a:t>
-            </a:r>
-            <a:r>
-              <a:rPr lang="en-US" baseline="0" dirty="0" smtClean="0"/>
-              <a:t>expert </a:t>
-            </a:r>
-            <a:r>
-              <a:rPr lang="el-GR" baseline="0" dirty="0" smtClean="0"/>
-              <a:t>μπορεί να απαντήσει ερωτήσεις που απαντώνται με κάποιο </a:t>
-            </a:r>
-            <a:r>
-              <a:rPr lang="en-US" baseline="0" dirty="0" smtClean="0"/>
-              <a:t>query</a:t>
-            </a:r>
-            <a:r>
-              <a:rPr lang="el-GR" baseline="0" dirty="0" smtClean="0"/>
-              <a:t> και να δίνει στον σύστημα την απάντηση</a:t>
+              <a:rPr lang="el-GR" dirty="0" smtClean="0"/>
+              <a:t>Ένα ακόμα </a:t>
+            </a:r>
+            <a:r>
+              <a:rPr lang="en-US" dirty="0" smtClean="0"/>
+              <a:t>feature</a:t>
             </a:r>
             <a:r>
               <a:rPr lang="en-US" baseline="0" dirty="0" smtClean="0"/>
@@ -1571,41 +1237,168 @@
             </a:r>
             <a:r>
               <a:rPr lang="el-GR" baseline="0" dirty="0" smtClean="0"/>
-              <a:t>και το σύστημα από μόνο του μετά να εμφανίζει αυτή την απάντηση και σε άλλες σχετικές ερωτήσεις. </a:t>
+              <a:t>που προστέθηκε στο </a:t>
+            </a:r>
+            <a:r>
+              <a:rPr lang="en-US" baseline="0" dirty="0" smtClean="0"/>
+              <a:t>SN</a:t>
+            </a:r>
+            <a:r>
+              <a:rPr lang="el-GR" baseline="0" dirty="0" smtClean="0"/>
+              <a:t> είναι η δυνατότητα να παρέχει αυτοματοποιημένες απαντήσεις,</a:t>
+            </a:r>
+          </a:p>
+          <a:p>
+            <a:endParaRPr lang="el-GR" baseline="0" dirty="0" smtClean="0"/>
+          </a:p>
+          <a:p>
+            <a:r>
+              <a:rPr lang="el-GR" b="1" baseline="0" dirty="0" smtClean="0"/>
+              <a:t>Ας πάρομε λοιπόν, ένα χρήστη του ΚΔ </a:t>
+            </a:r>
+            <a:r>
+              <a:rPr lang="el-GR" baseline="0" dirty="0" smtClean="0"/>
+              <a:t>ο οποίος κάνει ερωτήσεις σε κάποιο </a:t>
+            </a:r>
+            <a:r>
+              <a:rPr lang="en-US" baseline="0" dirty="0" smtClean="0"/>
+              <a:t>group</a:t>
+            </a:r>
+            <a:r>
+              <a:rPr lang="el-GR" baseline="0" dirty="0" smtClean="0"/>
+              <a:t>, Θέλουμε να μπορούμε να επεξεργαστούμε αυτές τις ερωτήσεις έτσι ώστε να μπορούμε να τις συνδέσουμε είτε με άλλες παρόμοιες ερωτήσεις είτε να δημιουργήσουμε ένα </a:t>
+            </a:r>
+            <a:r>
+              <a:rPr lang="en-US" baseline="0" dirty="0" smtClean="0"/>
+              <a:t>query </a:t>
+            </a:r>
+            <a:r>
+              <a:rPr lang="el-GR" baseline="0" dirty="0" smtClean="0"/>
+              <a:t>στην βάση των </a:t>
+            </a:r>
+            <a:r>
+              <a:rPr lang="en-US" baseline="0" dirty="0" smtClean="0"/>
+              <a:t>execution data </a:t>
+            </a:r>
+            <a:r>
+              <a:rPr lang="el-GR" baseline="0" dirty="0" smtClean="0"/>
+              <a:t>έτσι ώστε να καταφέρουμε να δώσουμε μια αυτοματοποιημένη απάντηση σαν </a:t>
+            </a:r>
+            <a:r>
+              <a:rPr lang="en-US" baseline="0" dirty="0" smtClean="0"/>
+              <a:t>feedback </a:t>
+            </a:r>
+            <a:r>
+              <a:rPr lang="el-GR" baseline="0" dirty="0" smtClean="0"/>
+              <a:t>πίσω στον χρήστη. Για να το πετύχουμε αυτό πρέπει να μπορούμε να επεξεργαστούμε τις ερωτήσεις και να τις κάνουμε </a:t>
+            </a:r>
+            <a:r>
+              <a:rPr lang="en-US" baseline="0" dirty="0" smtClean="0"/>
+              <a:t>classify </a:t>
+            </a:r>
+            <a:r>
+              <a:rPr lang="el-GR" baseline="0" dirty="0" smtClean="0"/>
+              <a:t>σε διάφορες κατηγορίες ώστε να ξέρουμε σε τι αναφέρετε ο χρήστης. Για να το πετύχουμε αυτό χρειάζεται να κάνουμε </a:t>
+            </a:r>
+            <a:r>
+              <a:rPr lang="en-US" baseline="0" dirty="0" smtClean="0"/>
+              <a:t>train</a:t>
+            </a:r>
+            <a:r>
+              <a:rPr lang="el-GR" baseline="0" dirty="0" smtClean="0"/>
+              <a:t>,</a:t>
+            </a:r>
+            <a:r>
+              <a:rPr lang="en-US" baseline="0" dirty="0" smtClean="0"/>
+              <a:t> </a:t>
+            </a:r>
+            <a:r>
+              <a:rPr lang="el-GR" baseline="0" dirty="0" smtClean="0"/>
+              <a:t>όπως λέγεται, τον </a:t>
+            </a:r>
+            <a:r>
+              <a:rPr lang="en-US" baseline="0" dirty="0" smtClean="0"/>
+              <a:t>classifier</a:t>
+            </a:r>
+            <a:r>
+              <a:rPr lang="el-GR" baseline="0" dirty="0" smtClean="0"/>
+              <a:t> με κάποιες εξωτερικές ερωτήσεις. Συνήθως οι προσεγγίσεις που κατηγοριοποιούν κείμενο, χρησιμοποιούν το λεγόμενο </a:t>
+            </a:r>
+            <a:r>
+              <a:rPr lang="en-US" baseline="0" dirty="0" smtClean="0"/>
+              <a:t>training set </a:t>
+            </a:r>
+            <a:r>
+              <a:rPr lang="el-GR" baseline="0" dirty="0" smtClean="0"/>
+              <a:t>για να χτίσουν μια μέθοδο κατηγοριοποίησης ώστε αν έρθει ένα καινούριο κείμενο να ξέρουν σε ποια κατηγορία να το βάλουν.</a:t>
             </a:r>
             <a:endParaRPr lang="en-US" baseline="0" dirty="0" smtClean="0"/>
           </a:p>
           <a:p>
-            <a:endParaRPr lang="en-US" dirty="0" smtClean="0"/>
-          </a:p>
-          <a:p>
-            <a:r>
-              <a:rPr lang="el-GR" b="1" dirty="0" smtClean="0"/>
-              <a:t>Αν</a:t>
-            </a:r>
-            <a:r>
-              <a:rPr lang="el-GR" b="1" baseline="0" dirty="0" smtClean="0"/>
-              <a:t> έρθει μια σχετική ερώτηση όπως αυτή που λέει ακριβώς το ίδιο πράγμα διαφορετικά </a:t>
-            </a:r>
-            <a:r>
-              <a:rPr lang="el-GR" baseline="0" dirty="0" smtClean="0"/>
-              <a:t>εκφρασμένο, τότε μπορούμε να επωφεληθούμε γιατί η προηγούμενη απάντηση χρησιμοποιείτε και εδώ</a:t>
-            </a:r>
             <a:endParaRPr lang="en-US" baseline="0" dirty="0" smtClean="0"/>
           </a:p>
           <a:p>
             <a:r>
               <a:rPr lang="el-GR" baseline="0" dirty="0" smtClean="0"/>
-              <a:t>Το ερώτημα είναι πως μπορούμε να αντιστοιχίσουμε την ερώτηση αυτή στην προηγούμενη.</a:t>
-            </a:r>
-            <a:endParaRPr lang="en-US" baseline="0" dirty="0" smtClean="0"/>
-          </a:p>
-          <a:p>
-            <a:r>
-              <a:rPr lang="el-GR" b="1" baseline="0" dirty="0" smtClean="0"/>
-              <a:t>Για να το κάνουμε αυτό πήγαμε σε κάποιο άλλον ΚΔ.</a:t>
-            </a:r>
-            <a:endParaRPr lang="el-GR" b="1" dirty="0"/>
+              <a:t>Έτσι η δύναμη του κοινωνικού δικτύου είναι ότι επιτρέπει </a:t>
+            </a:r>
+            <a:r>
+              <a:rPr lang="en-US" baseline="0" dirty="0" smtClean="0"/>
+              <a:t>communities, </a:t>
+            </a:r>
+            <a:r>
+              <a:rPr lang="el-GR" baseline="0" dirty="0" smtClean="0"/>
+              <a:t>επιτρέπει </a:t>
+            </a:r>
+            <a:r>
+              <a:rPr lang="el-GR" baseline="0" dirty="0" err="1" smtClean="0"/>
+              <a:t>ερωτο</a:t>
+            </a:r>
+            <a:r>
+              <a:rPr lang="el-GR" baseline="0" dirty="0" smtClean="0"/>
+              <a:t>-απαντήσεις και έτσι όπως είναι τα πράγματα σήμερα, κάποιος μπορεί να ρωτήσει, κάποιος μπορεί να απαντήσει αλλά εμείς έχουμε επιπλέον τα </a:t>
+            </a:r>
+            <a:r>
+              <a:rPr lang="en-US" baseline="0" dirty="0" smtClean="0"/>
+              <a:t>execution data, </a:t>
+            </a:r>
+            <a:r>
+              <a:rPr lang="el-GR" baseline="0" dirty="0" smtClean="0"/>
+              <a:t>έτσι οι απαντήσεις που παίρνονται από εμάς μπορεί να είναι πιο ακριβής. </a:t>
+            </a:r>
+          </a:p>
+          <a:p>
+            <a:endParaRPr lang="el-GR" baseline="0" dirty="0" smtClean="0"/>
+          </a:p>
+          <a:p>
+            <a:r>
+              <a:rPr lang="el-GR" baseline="0" dirty="0" smtClean="0"/>
+              <a:t>Το να γράψει, όμως ένας χρήστης ένα </a:t>
+            </a:r>
+            <a:r>
+              <a:rPr lang="en-US" baseline="0" dirty="0" smtClean="0"/>
+              <a:t>query </a:t>
+            </a:r>
+            <a:r>
+              <a:rPr lang="el-GR" baseline="0" dirty="0" smtClean="0"/>
+              <a:t>δεν είναι εύκολο, δεν είναι απλό αυτό, ειδικά αν ο χρήστης δεν έχει γνώση του μοντέλου από κάτω. Οπότε ένας τρόπος που θα θέλαμε να κάνουμε, το οποίο είναι φιλόδοξο, είναι τα </a:t>
+            </a:r>
+            <a:r>
+              <a:rPr lang="en-US" baseline="0" dirty="0" smtClean="0"/>
+              <a:t>queries </a:t>
+            </a:r>
+            <a:r>
+              <a:rPr lang="el-GR" baseline="0" dirty="0" smtClean="0"/>
+              <a:t>να φτιάχνονται αυτόματα βάση της ερώτησης Ή να βρίσκεται κάποια </a:t>
+            </a:r>
+            <a:r>
+              <a:rPr lang="en-US" baseline="0" dirty="0" smtClean="0"/>
+              <a:t>related </a:t>
+            </a:r>
+            <a:r>
+              <a:rPr lang="el-GR" baseline="0" dirty="0" smtClean="0"/>
+              <a:t>απάντηση πάνω στο ίδιο θέμα. </a:t>
+            </a:r>
           </a:p>
         </p:txBody>
       </p:sp>
@@ -1627,7 +1420,7 @@
             <a:fld id="{BFF29332-360D-462C-8DBA-6B9FF2FD1142}" type="slidenum">
               <a:rPr lang="en-GB" smtClean="0"/>
               <a:pPr/>
-              <a:t>14</a:t>
+              <a:t>13</a:t>
             </a:fld>
             <a:endParaRPr lang="en-GB"/>
           </a:p>
@@ -1636,7 +1429,7 @@
     </p:spTree>
     <p:extLst>
       <p:ext uri="{BB962C8B-B14F-4D97-AF65-F5344CB8AC3E}">
-        <p14:creationId xmlns:p14="http://schemas.microsoft.com/office/powerpoint/2010/main" val="2325162075"/>
+        <p14:creationId xmlns:p14="http://schemas.microsoft.com/office/powerpoint/2010/main" val="3960002442"/>
       </p:ext>
     </p:extLst>
   </p:cSld>
@@ -1688,13 +1481,165 @@
         <p:spPr/>
         <p:txBody>
           <a:bodyPr>
-            <a:normAutofit fontScale="77500" lnSpcReduction="20000"/>
+            <a:normAutofit fontScale="47500" lnSpcReduction="20000"/>
           </a:bodyPr>
           <a:lstStyle/>
           <a:p>
             <a:r>
               <a:rPr lang="el-GR" b="1" baseline="0" dirty="0" smtClean="0"/>
-              <a:t>Τι κάναμε λοιπόν αυτές τις ερωτήσεις;;</a:t>
+              <a:t>Έτσι σε μία ερώτηση ενός χρήστη </a:t>
+            </a:r>
+            <a:r>
+              <a:rPr lang="el-GR" b="1" dirty="0" smtClean="0"/>
+              <a:t>όπως αυτή, θέλουμε να μπορεί να </a:t>
+            </a:r>
+            <a:r>
+              <a:rPr lang="el-GR" b="1" baseline="0" dirty="0" smtClean="0"/>
+              <a:t>γίνεται </a:t>
+            </a:r>
+            <a:r>
+              <a:rPr lang="en-US" b="1" baseline="0" dirty="0" smtClean="0"/>
+              <a:t>mapped </a:t>
+            </a:r>
+            <a:r>
+              <a:rPr lang="el-GR" b="1" baseline="0" dirty="0" smtClean="0"/>
+              <a:t>σε ένα </a:t>
+            </a:r>
+            <a:r>
+              <a:rPr lang="en-US" b="1" baseline="0" dirty="0" smtClean="0"/>
+              <a:t>related query</a:t>
+            </a:r>
+            <a:r>
+              <a:rPr lang="en-US" baseline="0" dirty="0" smtClean="0"/>
+              <a:t>, </a:t>
+            </a:r>
+            <a:r>
+              <a:rPr lang="el-GR" baseline="0" dirty="0" smtClean="0"/>
+              <a:t>εδώ παρουσιάζεται μια ερώτηση για το </a:t>
+            </a:r>
+            <a:r>
+              <a:rPr lang="en-US" baseline="0" dirty="0" smtClean="0"/>
+              <a:t>most cost effective deployment. </a:t>
+            </a:r>
+            <a:r>
+              <a:rPr lang="el-GR" baseline="0" dirty="0" smtClean="0"/>
+              <a:t>Έτσι όπως είναι </a:t>
+            </a:r>
+            <a:r>
+              <a:rPr lang="en-US" baseline="0" dirty="0" smtClean="0"/>
+              <a:t>phrased </a:t>
+            </a:r>
+            <a:r>
+              <a:rPr lang="el-GR" baseline="0" dirty="0" smtClean="0"/>
+              <a:t>η ερώτηση καταλαβαίνουμε ότι μιλάμε για </a:t>
+            </a:r>
+            <a:r>
+              <a:rPr lang="en-US" baseline="0" dirty="0" smtClean="0"/>
+              <a:t>multi</a:t>
+            </a:r>
+            <a:r>
+              <a:rPr lang="el-GR" baseline="0" dirty="0" smtClean="0"/>
+              <a:t> </a:t>
+            </a:r>
+            <a:r>
+              <a:rPr lang="en-US" baseline="0" dirty="0" smtClean="0"/>
+              <a:t>cloud setup, </a:t>
+            </a:r>
+            <a:r>
+              <a:rPr lang="el-GR" baseline="0" dirty="0" smtClean="0"/>
+              <a:t>άρα τα </a:t>
+            </a:r>
+            <a:r>
+              <a:rPr lang="en-US" baseline="0" dirty="0" smtClean="0"/>
+              <a:t>VMs </a:t>
+            </a:r>
+            <a:r>
+              <a:rPr lang="el-GR" baseline="0" dirty="0" smtClean="0"/>
+              <a:t>να είναι σε περισσότερα του ενός </a:t>
+            </a:r>
+            <a:r>
+              <a:rPr lang="en-US" baseline="0" dirty="0" smtClean="0"/>
+              <a:t>cloud</a:t>
+            </a:r>
+            <a:r>
+              <a:rPr lang="el-GR" baseline="0" dirty="0" smtClean="0"/>
+              <a:t> και κοιτάμε ένα </a:t>
+            </a:r>
+            <a:r>
+              <a:rPr lang="en-US" baseline="0" dirty="0" smtClean="0"/>
+              <a:t>metric </a:t>
+            </a:r>
+            <a:r>
+              <a:rPr lang="el-GR" baseline="0" dirty="0" smtClean="0"/>
+              <a:t>το οποίο λέγετε </a:t>
+            </a:r>
+            <a:r>
+              <a:rPr lang="en-US" baseline="0" dirty="0" smtClean="0"/>
+              <a:t>cost effectiveness, </a:t>
+            </a:r>
+            <a:r>
+              <a:rPr lang="el-GR" baseline="0" dirty="0" smtClean="0"/>
+              <a:t>το οποίο ήδη υπολογίζουμε, το οποίο είναι απόδοση διαιρεμένο με το κόστος του </a:t>
+            </a:r>
+            <a:r>
+              <a:rPr lang="en-US" baseline="0" dirty="0" smtClean="0"/>
+              <a:t>deployment.</a:t>
+            </a:r>
+            <a:r>
+              <a:rPr lang="el-GR" baseline="0" dirty="0" smtClean="0"/>
+              <a:t> Άρα είναι μια περίπτωση που αυτό γίνεται εύκολα </a:t>
+            </a:r>
+            <a:r>
+              <a:rPr lang="en-US" baseline="0" dirty="0" smtClean="0"/>
+              <a:t>map </a:t>
+            </a:r>
+            <a:r>
+              <a:rPr lang="el-GR" baseline="0" dirty="0" smtClean="0"/>
+              <a:t>σε ένα πραγματικό </a:t>
+            </a:r>
+            <a:r>
+              <a:rPr lang="en-US" baseline="0" dirty="0" smtClean="0"/>
+              <a:t>query. </a:t>
+            </a:r>
+            <a:r>
+              <a:rPr lang="el-GR" baseline="0" dirty="0" smtClean="0"/>
+              <a:t>Και εδώ βλέπουμε ότι αποκάτω έχουμε μια αυτοματοποιημένη απάντηση που λέει στον χρήστη ότι το </a:t>
+            </a:r>
+            <a:r>
+              <a:rPr lang="en-US" baseline="0" dirty="0" smtClean="0"/>
+              <a:t>cost effective</a:t>
+            </a:r>
+            <a:r>
+              <a:rPr lang="el-GR" baseline="0" dirty="0" smtClean="0"/>
+              <a:t> </a:t>
+            </a:r>
+            <a:r>
+              <a:rPr lang="en-US" baseline="0" dirty="0" smtClean="0"/>
+              <a:t>deployment </a:t>
+            </a:r>
+            <a:r>
+              <a:rPr lang="el-GR" baseline="0" dirty="0" smtClean="0"/>
+              <a:t>είναι αυτό και ο χρήστης μπορεί να κάνει </a:t>
+            </a:r>
+            <a:r>
+              <a:rPr lang="en-US" baseline="0" dirty="0" smtClean="0"/>
+              <a:t>click </a:t>
+            </a:r>
+            <a:r>
+              <a:rPr lang="el-GR" baseline="0" dirty="0" smtClean="0"/>
+              <a:t>και να το δει. Αυτή λοιπόν είναι μια περίπτωση που μπορούμε σχετικά εύκολα να κάνουμε το </a:t>
+            </a:r>
+            <a:r>
+              <a:rPr lang="en-US" baseline="0" dirty="0" smtClean="0"/>
+              <a:t>mapping </a:t>
+            </a:r>
+            <a:r>
+              <a:rPr lang="el-GR" baseline="0" dirty="0" smtClean="0"/>
+              <a:t>σε κάποιο </a:t>
+            </a:r>
+            <a:r>
+              <a:rPr lang="en-US" baseline="0" dirty="0" smtClean="0"/>
+              <a:t>query.</a:t>
             </a:r>
           </a:p>
           <a:p>
@@ -1702,60 +1647,44 @@
           </a:p>
           <a:p>
             <a:r>
-              <a:rPr lang="el-GR" baseline="0" dirty="0" smtClean="0"/>
-              <a:t>Έφτιαξα ένα εργαλείο το οποίο να παίρνει τις ερωτήσεις από το </a:t>
+              <a:rPr lang="el-GR" b="1" baseline="0" dirty="0" smtClean="0"/>
+              <a:t>Όμως αυτή την περίπτωση δεν την έχουμε γενικεύσει. Κάποιος θα μπορούσε να κοιτάξει έναν </a:t>
+            </a:r>
+            <a:r>
+              <a:rPr lang="el-GR" baseline="0" dirty="0" smtClean="0"/>
+              <a:t>αυτόματο μηχανικό σχηματισμό των </a:t>
             </a:r>
             <a:r>
               <a:rPr lang="en-US" baseline="0" dirty="0" smtClean="0"/>
-              <a:t>SO</a:t>
-            </a:r>
-            <a:r>
-              <a:rPr lang="el-GR" baseline="0" dirty="0" smtClean="0"/>
-              <a:t> με βάση τα </a:t>
+              <a:t>queries. </a:t>
+            </a:r>
+            <a:r>
+              <a:rPr lang="el-GR" baseline="0" dirty="0" smtClean="0"/>
+              <a:t>Αυτό είναι ένα ενδιαφέρον πρόβλημα, αλλά αυτό από μόνο του ξεφεύγει από τα όρια της δικής μου εργασίας και θα ήταν μια καλή μελλοντική δουλειά. Εφόσον έχουμε το μηχανισμό να κάνουμε </a:t>
             </a:r>
             <a:r>
               <a:rPr lang="en-US" baseline="0" dirty="0" smtClean="0"/>
-              <a:t>tags </a:t>
-            </a:r>
-            <a:r>
-              <a:rPr lang="el-GR" baseline="0" dirty="0" smtClean="0"/>
-              <a:t>που έχει η κάθε ερώτηση.</a:t>
-            </a:r>
-          </a:p>
-          <a:p>
-            <a:endParaRPr lang="el-GR" baseline="0" dirty="0" smtClean="0"/>
-          </a:p>
-          <a:p>
-            <a:r>
-              <a:rPr lang="el-GR" baseline="0" dirty="0" smtClean="0"/>
-              <a:t>Για να πάρει τις ερωτήσεις χρησιμοποιήσαμε το </a:t>
+              <a:t>map</a:t>
+            </a:r>
+            <a:r>
+              <a:rPr lang="el-GR" baseline="0" dirty="0" smtClean="0"/>
+              <a:t> ερώτηση με σχετική ερώτηση. Κάποιος </a:t>
             </a:r>
             <a:r>
               <a:rPr lang="en-US" baseline="0" dirty="0" smtClean="0"/>
-              <a:t>SE API. </a:t>
-            </a:r>
-            <a:endParaRPr lang="el-GR" baseline="0" dirty="0" smtClean="0"/>
-          </a:p>
-          <a:p>
-            <a:r>
-              <a:rPr lang="el-GR" baseline="0" dirty="0" smtClean="0"/>
-              <a:t>Ουσιαστικά, το σύνολο αυτών των δεδομένων, το οποίο είναι χωρισμένο σε κατηγορίες χρησιμοποιώντας τα </a:t>
+              <a:t>expert </a:t>
+            </a:r>
+            <a:r>
+              <a:rPr lang="el-GR" baseline="0" dirty="0" smtClean="0"/>
+              <a:t>μπορεί να απαντήσει ερωτήσεις που απαντώνται με κάποιο </a:t>
             </a:r>
             <a:r>
               <a:rPr lang="en-US" baseline="0" dirty="0" smtClean="0"/>
-              <a:t>tags,</a:t>
-            </a:r>
-            <a:r>
-              <a:rPr lang="el-GR" baseline="0" dirty="0" smtClean="0"/>
-              <a:t> χρησιμοποιήθηκε ώστε να γίνει «</a:t>
-            </a:r>
-            <a:r>
-              <a:rPr lang="en-US" baseline="0" dirty="0" smtClean="0"/>
-              <a:t>train</a:t>
-            </a:r>
-            <a:r>
-              <a:rPr lang="el-GR" baseline="0" dirty="0" smtClean="0"/>
-              <a:t>»</a:t>
+              <a:t>query</a:t>
+            </a:r>
+            <a:r>
+              <a:rPr lang="el-GR" baseline="0" dirty="0" smtClean="0"/>
+              <a:t> και να δίνει στον σύστημα την απάντηση</a:t>
             </a:r>
             <a:r>
               <a:rPr lang="en-US" baseline="0" dirty="0" smtClean="0"/>
@@ -1763,58 +1692,41 @@
             </a:r>
             <a:r>
               <a:rPr lang="el-GR" baseline="0" dirty="0" smtClean="0"/>
-              <a:t>ο  </a:t>
-            </a:r>
-            <a:r>
-              <a:rPr lang="en-US" baseline="0" dirty="0" smtClean="0"/>
-              <a:t>classifier </a:t>
-            </a:r>
-            <a:r>
-              <a:rPr lang="el-GR" baseline="0" dirty="0" smtClean="0"/>
-              <a:t>μας και στην συνέχεια μπορεί με μία πιθανότητα να προσδιορίσει ένα καινούριο </a:t>
-            </a:r>
-            <a:r>
-              <a:rPr lang="en-US" baseline="0" dirty="0" smtClean="0"/>
-              <a:t>input </a:t>
-            </a:r>
-            <a:r>
-              <a:rPr lang="el-GR" baseline="0" dirty="0" smtClean="0"/>
-              <a:t>σε ποια κλάση/κατηγορία ανήκει.</a:t>
-            </a:r>
-          </a:p>
-          <a:p>
-            <a:endParaRPr lang="el-GR" baseline="0" dirty="0" smtClean="0"/>
-          </a:p>
-          <a:p>
-            <a:r>
-              <a:rPr lang="el-GR" baseline="0" dirty="0" smtClean="0"/>
-              <a:t>Να σημειωθεί ότι από το </a:t>
-            </a:r>
-            <a:r>
-              <a:rPr lang="en-US" baseline="0" dirty="0" smtClean="0"/>
-              <a:t>SO </a:t>
-            </a:r>
-            <a:r>
-              <a:rPr lang="el-GR" baseline="0" dirty="0" smtClean="0"/>
-              <a:t>μόνο οι </a:t>
-            </a:r>
-            <a:r>
-              <a:rPr lang="en-US" baseline="0" dirty="0" smtClean="0"/>
-              <a:t>most-up voted </a:t>
-            </a:r>
-            <a:r>
-              <a:rPr lang="el-GR" baseline="0" dirty="0" smtClean="0"/>
-              <a:t>ερωτήσεις για κάθε κατηγορία χρησιμοποιήθηκαν ώστε να αποφευχθεί η περίπτωση κάποια ερώτηση να έχει γίνει </a:t>
-            </a:r>
-            <a:r>
-              <a:rPr lang="en-US" baseline="0" dirty="0" smtClean="0"/>
-              <a:t>misclassified </a:t>
-            </a:r>
-            <a:r>
-              <a:rPr lang="el-GR" baseline="0" dirty="0" smtClean="0"/>
-              <a:t>από τον χρήστη.</a:t>
+              <a:t>και το σύστημα από μόνο του μετά να εμφανίζει αυτή την απάντηση και σε άλλες σχετικές ερωτήσεις. </a:t>
             </a:r>
             <a:endParaRPr lang="en-US" baseline="0" dirty="0" smtClean="0"/>
+          </a:p>
+          <a:p>
+            <a:endParaRPr lang="en-US" dirty="0" smtClean="0"/>
+          </a:p>
+          <a:p>
+            <a:r>
+              <a:rPr lang="el-GR" b="1" dirty="0" smtClean="0"/>
+              <a:t>Αν</a:t>
+            </a:r>
+            <a:r>
+              <a:rPr lang="el-GR" b="1" baseline="0" dirty="0" smtClean="0"/>
+              <a:t> έρθει μια σχετική ερώτηση όπως αυτή που λέει ακριβώς το ίδιο πράγμα διαφορετικά </a:t>
+            </a:r>
+            <a:r>
+              <a:rPr lang="el-GR" baseline="0" dirty="0" smtClean="0"/>
+              <a:t>εκφρασμένο, τότε μπορούμε να επωφεληθούμε γιατί η προηγούμενη απάντηση χρησιμοποιείτε και εδώ</a:t>
+            </a:r>
+            <a:endParaRPr lang="en-US" baseline="0" dirty="0" smtClean="0"/>
+          </a:p>
+          <a:p>
+            <a:r>
+              <a:rPr lang="el-GR" baseline="0" dirty="0" smtClean="0"/>
+              <a:t>Το ερώτημα είναι πως μπορούμε να αντιστοιχίσουμε την ερώτηση αυτή στην προηγούμενη.</a:t>
+            </a:r>
+            <a:endParaRPr lang="en-US" baseline="0" dirty="0" smtClean="0"/>
+          </a:p>
+          <a:p>
+            <a:r>
+              <a:rPr lang="el-GR" b="1" baseline="0" dirty="0" smtClean="0"/>
+              <a:t>Για να το κάνουμε αυτό πήγαμε σε κάποιο άλλον ΚΔ.</a:t>
+            </a:r>
+            <a:endParaRPr lang="el-GR" b="1" dirty="0"/>
           </a:p>
         </p:txBody>
       </p:sp>
@@ -1836,7 +1748,7 @@
             <a:fld id="{BFF29332-360D-462C-8DBA-6B9FF2FD1142}" type="slidenum">
               <a:rPr lang="en-GB" smtClean="0"/>
               <a:pPr/>
-              <a:t>15</a:t>
+              <a:t>14</a:t>
             </a:fld>
             <a:endParaRPr lang="en-GB"/>
           </a:p>
@@ -1845,7 +1757,7 @@
     </p:spTree>
     <p:extLst>
       <p:ext uri="{BB962C8B-B14F-4D97-AF65-F5344CB8AC3E}">
-        <p14:creationId xmlns:p14="http://schemas.microsoft.com/office/powerpoint/2010/main" val="3763798616"/>
+        <p14:creationId xmlns:p14="http://schemas.microsoft.com/office/powerpoint/2010/main" val="2325162075"/>
       </p:ext>
     </p:extLst>
   </p:cSld>
@@ -1931,7 +1843,7 @@
             <a:fld id="{BFF29332-360D-462C-8DBA-6B9FF2FD1142}" type="slidenum">
               <a:rPr lang="en-GB" smtClean="0"/>
               <a:pPr/>
-              <a:t>16</a:t>
+              <a:t>15</a:t>
             </a:fld>
             <a:endParaRPr lang="en-GB"/>
           </a:p>
@@ -1992,7 +1904,7 @@
         <p:spPr/>
         <p:txBody>
           <a:bodyPr>
-            <a:normAutofit fontScale="70000" lnSpcReduction="20000"/>
+            <a:normAutofit fontScale="55000" lnSpcReduction="20000"/>
           </a:bodyPr>
           <a:lstStyle/>
           <a:p>
@@ -2010,7 +1922,7 @@
             </a:r>
             <a:r>
               <a:rPr lang="el-GR" baseline="0" dirty="0" smtClean="0"/>
-              <a:t>,</a:t>
+              <a:t>, σε</a:t>
             </a:r>
             <a:r>
               <a:rPr lang="en-US" baseline="0" dirty="0" smtClean="0"/>
@@ -2018,87 +1930,26 @@
             </a:r>
             <a:r>
               <a:rPr lang="el-GR" baseline="0" dirty="0" smtClean="0"/>
-              <a:t>έ</a:t>
-            </a:r>
-            <a:r>
-              <a:rPr lang="el-GR" dirty="0" smtClean="0"/>
-              <a:t>γινε</a:t>
-            </a:r>
-            <a:r>
-              <a:rPr lang="el-GR" baseline="0" dirty="0" smtClean="0"/>
-              <a:t> εκτενής δουλειά στην οποία συμμετείχα…</a:t>
-            </a:r>
-            <a:endParaRPr lang="en-US" dirty="0" smtClean="0"/>
-          </a:p>
-          <a:p>
-            <a:endParaRPr lang="en-US" dirty="0" smtClean="0"/>
-          </a:p>
-          <a:p>
-            <a:r>
-              <a:rPr lang="en-US" dirty="0" smtClean="0"/>
-              <a:t>To user interface</a:t>
+              <a:t>συνεργασία με το εργαστήριο του </a:t>
             </a:r>
             <a:r>
               <a:rPr lang="en-US" baseline="0" dirty="0" smtClean="0"/>
-              <a:t> evaluation </a:t>
-            </a:r>
-            <a:r>
-              <a:rPr lang="el-GR" baseline="0" dirty="0" smtClean="0"/>
-              <a:t>έγινε από </a:t>
+              <a:t>HCI</a:t>
+            </a:r>
+            <a:r>
+              <a:rPr lang="el-GR" baseline="0" dirty="0" smtClean="0"/>
+              <a:t>, το οποίο συνεισέφερε με το σχεδιασμό του </a:t>
             </a:r>
             <a:r>
               <a:rPr lang="en-US" baseline="0" dirty="0" smtClean="0"/>
-              <a:t>HCI experts </a:t>
-            </a:r>
-            <a:r>
-              <a:rPr lang="el-GR" baseline="0" dirty="0" smtClean="0"/>
-              <a:t>στον τομέα αυτόν και εγώ με την σειρά μου βοήθησα ώστε η ΠΚΔ να μπορεί να κάνει </a:t>
-            </a:r>
-            <a:r>
-              <a:rPr lang="en-US" baseline="0" dirty="0" smtClean="0"/>
-              <a:t>support </a:t>
-            </a:r>
-            <a:r>
-              <a:rPr lang="el-GR" baseline="0" dirty="0" smtClean="0"/>
-              <a:t>το </a:t>
-            </a:r>
-            <a:r>
-              <a:rPr lang="en-US" baseline="0" dirty="0" smtClean="0"/>
-              <a:t>UIE </a:t>
-            </a:r>
-            <a:r>
-              <a:rPr lang="el-GR" baseline="0" dirty="0" smtClean="0"/>
-              <a:t>καθώς επίσης είχα </a:t>
-            </a:r>
-            <a:r>
-              <a:rPr lang="en-US" baseline="0" dirty="0" smtClean="0"/>
-              <a:t>contribution </a:t>
-            </a:r>
-            <a:r>
-              <a:rPr lang="el-GR" baseline="0" dirty="0" smtClean="0"/>
-              <a:t>σε μερικά </a:t>
-            </a:r>
-            <a:r>
-              <a:rPr lang="en-US" baseline="0" dirty="0" smtClean="0"/>
-              <a:t>Interviews </a:t>
-            </a:r>
-            <a:r>
-              <a:rPr lang="el-GR" baseline="0" dirty="0" smtClean="0"/>
-              <a:t>της αξιολόγησης με πιθανούς χρήστες του συστήματος ώστε να πάρουμε </a:t>
-            </a:r>
-            <a:r>
-              <a:rPr lang="en-US" baseline="0" dirty="0" smtClean="0"/>
-              <a:t>feedback </a:t>
-            </a:r>
-            <a:r>
-              <a:rPr lang="el-GR" baseline="0" dirty="0" smtClean="0"/>
-              <a:t>για την πλατφόρμα μας.</a:t>
-            </a:r>
-            <a:r>
-              <a:rPr lang="en-US" baseline="0" dirty="0" smtClean="0"/>
-              <a:t> </a:t>
-            </a:r>
-            <a:endParaRPr lang="el-GR" baseline="0" dirty="0" smtClean="0"/>
+              <a:t>User Interface.</a:t>
+            </a:r>
+          </a:p>
+          <a:p>
+            <a:r>
+              <a:rPr lang="el-GR" baseline="0" dirty="0" smtClean="0"/>
+              <a:t>Σε συνεργασία λοιπόν σχεδιάσαμε και την αποτίμηση του συστήματος το οποίο ενέπλεξε 15 πραγματικούς χρήστες και είχε ως σκοπό να δείξει κατά πόσον η πλατφόρμα αυτή ικανοποιεί τις ανάγκες τους.</a:t>
+            </a:r>
           </a:p>
           <a:p>
             <a:endParaRPr lang="el-GR" baseline="0" dirty="0" smtClean="0"/>
@@ -2200,7 +2051,7 @@
             <a:fld id="{BFF29332-360D-462C-8DBA-6B9FF2FD1142}" type="slidenum">
               <a:rPr lang="en-GB" smtClean="0"/>
               <a:pPr/>
-              <a:t>17</a:t>
+              <a:t>16</a:t>
             </a:fld>
             <a:endParaRPr lang="en-GB"/>
           </a:p>
@@ -2269,7 +2120,28 @@
             </a:r>
             <a:r>
               <a:rPr lang="el-GR" baseline="0" dirty="0" smtClean="0"/>
-              <a:t>ρα από την παρουσίαση του δικού μας ΚΔ, οι χρήστες βρήκαν αρκετά χρήσιμές αυτές τις δυνατότητες.</a:t>
+              <a:t>ρα από την παρουσίαση του δικού μας ΚΔ, οι χρήστες βρήκαν αρκετά χρήσιμές αυτές τις δυνατότητες</a:t>
+            </a:r>
+            <a:r>
+              <a:rPr lang="el-GR" baseline="0" dirty="0" smtClean="0"/>
+              <a:t>.</a:t>
+            </a:r>
+          </a:p>
+          <a:p>
+            <a:endParaRPr lang="el-GR" baseline="0" dirty="0" smtClean="0"/>
+          </a:p>
+          <a:p>
+            <a:r>
+              <a:rPr lang="el-GR" baseline="0" dirty="0" smtClean="0"/>
+              <a:t>Αυτό λοιπόν δείχνει ότι οι χρήστες εκτίμησαν </a:t>
+            </a:r>
+            <a:r>
+              <a:rPr lang="el-GR" baseline="0" dirty="0" err="1" smtClean="0"/>
+              <a:t>πόλλα</a:t>
+            </a:r>
+            <a:r>
+              <a:rPr lang="el-GR" baseline="0" dirty="0" smtClean="0"/>
+              <a:t> σημαντικά κομμάτια της σχεδίασης του ΚΔ, και αυτό μας έδωσε μια βεβαιότητα ότι σχεδιάσαμε σωστά το ΚΔ.</a:t>
             </a:r>
             <a:endParaRPr lang="el-GR" dirty="0"/>
           </a:p>
@@ -3321,7 +3193,7 @@
             <a:fld id="{BFF29332-360D-462C-8DBA-6B9FF2FD1142}" type="slidenum">
               <a:rPr lang="en-GB" smtClean="0"/>
               <a:pPr/>
-              <a:t>21</a:t>
+              <a:t>22</a:t>
             </a:fld>
             <a:endParaRPr lang="en-GB"/>
           </a:p>
@@ -3513,7 +3385,7 @@
             <a:fld id="{BFF29332-360D-462C-8DBA-6B9FF2FD1142}" type="slidenum">
               <a:rPr lang="en-GB" smtClean="0"/>
               <a:pPr/>
-              <a:t>22</a:t>
+              <a:t>23</a:t>
             </a:fld>
             <a:endParaRPr lang="en-GB"/>
           </a:p>
@@ -3670,7 +3542,7 @@
             <a:fld id="{BFF29332-360D-462C-8DBA-6B9FF2FD1142}" type="slidenum">
               <a:rPr lang="en-GB" smtClean="0"/>
               <a:pPr/>
-              <a:t>23</a:t>
+              <a:t>24</a:t>
             </a:fld>
             <a:endParaRPr lang="en-GB"/>
           </a:p>
@@ -3708,7 +3580,7 @@
       </p:grpSpPr>
       <p:sp>
         <p:nvSpPr>
-          <p:cNvPr id="2" name="Slide Image Placeholder 1"/>
+          <p:cNvPr id="2" name="1 - Θέση εικόνας διαφάνειας"/>
           <p:cNvSpPr>
             <a:spLocks noGrp="1" noRot="1" noChangeAspect="1"/>
           </p:cNvSpPr>
@@ -3720,7 +3592,7 @@
       </p:sp>
       <p:sp>
         <p:nvSpPr>
-          <p:cNvPr id="3" name="Notes Placeholder 2"/>
+          <p:cNvPr id="3" name="2 - Θέση σημειώσεων"/>
           <p:cNvSpPr>
             <a:spLocks noGrp="1"/>
           </p:cNvSpPr>
@@ -3731,123 +3603,57 @@
         <p:spPr/>
         <p:txBody>
           <a:bodyPr>
-            <a:normAutofit fontScale="92500"/>
+            <a:normAutofit/>
           </a:bodyPr>
           <a:lstStyle/>
           <a:p>
             <a:r>
               <a:rPr lang="el-GR" dirty="0" smtClean="0"/>
-              <a:t>Σε αυτό</a:t>
-            </a:r>
-            <a:r>
-              <a:rPr lang="el-GR" baseline="0" dirty="0" smtClean="0"/>
-              <a:t> τον πίνακα </a:t>
-            </a:r>
-            <a:r>
-              <a:rPr lang="el-GR" b="0" baseline="0" dirty="0" smtClean="0"/>
-              <a:t>φαίνεται ένα </a:t>
-            </a:r>
-            <a:r>
-              <a:rPr lang="en-US" b="0" baseline="0" dirty="0" smtClean="0"/>
-              <a:t>evaluation </a:t>
-            </a:r>
-            <a:r>
-              <a:rPr lang="el-GR" b="0" baseline="0" dirty="0" smtClean="0"/>
-              <a:t>του </a:t>
-            </a:r>
-            <a:r>
-              <a:rPr lang="en-US" b="0" baseline="0" dirty="0" smtClean="0"/>
-              <a:t>topic classification </a:t>
-            </a:r>
-            <a:r>
-              <a:rPr lang="el-GR" b="0" baseline="0" dirty="0" smtClean="0"/>
-              <a:t>για </a:t>
-            </a:r>
-            <a:r>
-              <a:rPr lang="el-GR" b="0" baseline="0" dirty="0" smtClean="0"/>
-              <a:t>5 διαφορετικές κατηγορίες. Στην κάθετη στήλη φαίνεται οι 5 διαφορετικές κλάσεις και οριζόντια φαίνονται σε ποια κλάση έγιναν </a:t>
-            </a:r>
-            <a:r>
-              <a:rPr lang="en-US" b="0" baseline="0" dirty="0" smtClean="0"/>
-              <a:t>classified </a:t>
-            </a:r>
-            <a:r>
-              <a:rPr lang="el-GR" b="0" baseline="0" dirty="0" smtClean="0"/>
-              <a:t>με την βοήθεια του </a:t>
-            </a:r>
-            <a:r>
-              <a:rPr lang="en-US" b="0" baseline="0" dirty="0" smtClean="0"/>
-              <a:t>NLP classifier 30 </a:t>
-            </a:r>
-            <a:r>
-              <a:rPr lang="el-GR" b="0" baseline="0" dirty="0" smtClean="0"/>
-              <a:t>διαφορετικές ερωτήσεις</a:t>
-            </a:r>
-            <a:r>
-              <a:rPr lang="en-US" b="0" baseline="0" dirty="0" smtClean="0"/>
-              <a:t>.</a:t>
-            </a:r>
-            <a:endParaRPr lang="el-GR" baseline="0" dirty="0" smtClean="0"/>
-          </a:p>
-          <a:p>
-            <a:r>
-              <a:rPr lang="el-GR" baseline="0" dirty="0" smtClean="0"/>
-              <a:t>Διαφορετικές από το </a:t>
+              <a:t>Τέλος ολοκληρώνοντας</a:t>
+            </a:r>
+            <a:r>
+              <a:rPr lang="el-GR" baseline="0" dirty="0" smtClean="0"/>
+              <a:t> ένα ΚΔ για </a:t>
             </a:r>
             <a:r>
               <a:rPr lang="en-US" baseline="0" dirty="0" smtClean="0"/>
-              <a:t>training </a:t>
-            </a:r>
-            <a:r>
-              <a:rPr lang="el-GR" baseline="0" dirty="0" smtClean="0"/>
-              <a:t>σετ</a:t>
+              <a:t>cloud deployments specialists </a:t>
+            </a:r>
+            <a:r>
+              <a:rPr lang="el-GR" baseline="0" dirty="0" smtClean="0"/>
+              <a:t>υλοποιήθηκε, η πλατφόρμα μπορεί να εφαρμόσει </a:t>
             </a:r>
             <a:r>
               <a:rPr lang="en-US" baseline="0" dirty="0" smtClean="0"/>
-              <a:t>, </a:t>
-            </a:r>
-            <a:r>
-              <a:rPr lang="el-GR" baseline="0" dirty="0" smtClean="0"/>
-              <a:t>οι ερωτήσεις με το </a:t>
+              <a:t>NLP</a:t>
+            </a:r>
+            <a:r>
+              <a:rPr lang="el-GR" baseline="0" dirty="0" smtClean="0"/>
+              <a:t> στην είσοδο του χρήστη. Καθώς επίσης, εφαρμόστηκαν γνωστές τεχνικές για </a:t>
             </a:r>
             <a:r>
               <a:rPr lang="en-US" baseline="0" dirty="0" smtClean="0"/>
-              <a:t>highest activity.</a:t>
-            </a:r>
-          </a:p>
-          <a:p>
-            <a:endParaRPr lang="en-US" dirty="0" smtClean="0"/>
-          </a:p>
-          <a:p>
-            <a:r>
-              <a:rPr lang="en-US" dirty="0" smtClean="0"/>
-              <a:t>Performance</a:t>
+              <a:t>cashing </a:t>
+            </a:r>
+            <a:r>
+              <a:rPr lang="el-GR" baseline="0" dirty="0" smtClean="0"/>
+              <a:t>των δεδομένων και προστέθηκαν στο σύστημα πάνω από ένα </a:t>
             </a:r>
             <a:r>
               <a:rPr lang="en-US" baseline="0" dirty="0" smtClean="0"/>
+              <a:t>SNE.</a:t>
+            </a:r>
+            <a:r>
+              <a:rPr lang="el-GR" baseline="0" dirty="0" smtClean="0"/>
               <a:t> </a:t>
             </a:r>
-            <a:r>
-              <a:rPr lang="el-GR" baseline="0" dirty="0" smtClean="0"/>
-              <a:t>αλλά μπήκε στο </a:t>
-            </a:r>
-            <a:r>
-              <a:rPr lang="en-US" baseline="0" dirty="0" smtClean="0"/>
-              <a:t>reliability,</a:t>
-            </a:r>
-          </a:p>
-          <a:p>
-            <a:r>
-              <a:rPr lang="el-GR" baseline="0" dirty="0" smtClean="0"/>
-              <a:t>Ή άλλα παρόμοια.</a:t>
-            </a:r>
             <a:endParaRPr lang="el-GR" dirty="0"/>
           </a:p>
         </p:txBody>
       </p:sp>
       <p:sp>
         <p:nvSpPr>
-          <p:cNvPr id="4" name="Slide Number Placeholder 3"/>
+          <p:cNvPr id="4" name="3 - Θέση αριθμού διαφάνειας"/>
           <p:cNvSpPr>
             <a:spLocks noGrp="1"/>
           </p:cNvSpPr>
@@ -3863,7 +3669,7 @@
             <a:fld id="{BFF29332-360D-462C-8DBA-6B9FF2FD1142}" type="slidenum">
               <a:rPr lang="en-GB" smtClean="0"/>
               <a:pPr/>
-              <a:t>24</a:t>
+              <a:t>25</a:t>
             </a:fld>
             <a:endParaRPr lang="en-GB"/>
           </a:p>
@@ -3872,7 +3678,7 @@
     </p:spTree>
     <p:extLst>
       <p:ext uri="{BB962C8B-B14F-4D97-AF65-F5344CB8AC3E}">
-        <p14:creationId xmlns:p14="http://schemas.microsoft.com/office/powerpoint/2010/main" val="3736839663"/>
+        <p14:creationId xmlns:p14="http://schemas.microsoft.com/office/powerpoint/2010/main" val="2539583959"/>
       </p:ext>
     </p:extLst>
   </p:cSld>
@@ -3901,7 +3707,7 @@
       </p:grpSpPr>
       <p:sp>
         <p:nvSpPr>
-          <p:cNvPr id="2" name="1 - Θέση εικόνας διαφάνειας"/>
+          <p:cNvPr id="2" name="Slide Image Placeholder 1"/>
           <p:cNvSpPr>
             <a:spLocks noGrp="1" noRot="1" noChangeAspect="1"/>
           </p:cNvSpPr>
@@ -3913,7 +3719,7 @@
       </p:sp>
       <p:sp>
         <p:nvSpPr>
-          <p:cNvPr id="3" name="2 - Θέση σημειώσεων"/>
+          <p:cNvPr id="3" name="Notes Placeholder 2"/>
           <p:cNvSpPr>
             <a:spLocks noGrp="1"/>
           </p:cNvSpPr>
@@ -3923,58 +3729,16 @@
         </p:nvSpPr>
         <p:spPr/>
         <p:txBody>
-          <a:bodyPr>
-            <a:normAutofit/>
-          </a:bodyPr>
-          <a:lstStyle/>
-          <a:p>
-            <a:r>
-              <a:rPr lang="el-GR" dirty="0" smtClean="0"/>
-              <a:t>Τέλος ολοκληρώνοντας</a:t>
-            </a:r>
-            <a:r>
-              <a:rPr lang="el-GR" baseline="0" dirty="0" smtClean="0"/>
-              <a:t> ένα ΚΔ για </a:t>
-            </a:r>
-            <a:r>
-              <a:rPr lang="en-US" baseline="0" dirty="0" smtClean="0"/>
-              <a:t>cloud deployments specialists </a:t>
-            </a:r>
-            <a:r>
-              <a:rPr lang="el-GR" baseline="0" dirty="0" smtClean="0"/>
-              <a:t>υλοποιήθηκε, η πλατφόρμα μπορεί να εφαρμόσει </a:t>
-            </a:r>
-            <a:r>
-              <a:rPr lang="en-US" baseline="0" dirty="0" smtClean="0"/>
-              <a:t>NLP</a:t>
-            </a:r>
-            <a:r>
-              <a:rPr lang="el-GR" baseline="0" dirty="0" smtClean="0"/>
-              <a:t> στην είσοδο του χρήστη. Καθώς επίσης, εφαρμόστηκαν γνωστές τεχνικές για </a:t>
-            </a:r>
-            <a:r>
-              <a:rPr lang="en-US" baseline="0" dirty="0" smtClean="0"/>
-              <a:t>cashing </a:t>
-            </a:r>
-            <a:r>
-              <a:rPr lang="el-GR" baseline="0" dirty="0" smtClean="0"/>
-              <a:t>των δεδομένων και προστέθηκαν στο σύστημα πάνω από ένα </a:t>
-            </a:r>
-            <a:r>
-              <a:rPr lang="en-US" baseline="0" dirty="0" smtClean="0"/>
-              <a:t>SNE.</a:t>
-            </a:r>
-            <a:r>
-              <a:rPr lang="el-GR" baseline="0" dirty="0" smtClean="0"/>
-              <a:t> </a:t>
-            </a:r>
+          <a:bodyPr/>
+          <a:lstStyle/>
+          <a:p>
             <a:endParaRPr lang="el-GR" dirty="0"/>
           </a:p>
         </p:txBody>
       </p:sp>
       <p:sp>
         <p:nvSpPr>
-          <p:cNvPr id="4" name="3 - Θέση αριθμού διαφάνειας"/>
+          <p:cNvPr id="4" name="Slide Number Placeholder 3"/>
           <p:cNvSpPr>
             <a:spLocks noGrp="1"/>
           </p:cNvSpPr>
@@ -3990,7 +3754,7 @@
             <a:fld id="{BFF29332-360D-462C-8DBA-6B9FF2FD1142}" type="slidenum">
               <a:rPr lang="en-GB" smtClean="0"/>
               <a:pPr/>
-              <a:t>25</a:t>
+              <a:t>26</a:t>
             </a:fld>
             <a:endParaRPr lang="en-GB"/>
           </a:p>
@@ -3999,7 +3763,7 @@
     </p:spTree>
     <p:extLst>
       <p:ext uri="{BB962C8B-B14F-4D97-AF65-F5344CB8AC3E}">
-        <p14:creationId xmlns:p14="http://schemas.microsoft.com/office/powerpoint/2010/main" val="2539583959"/>
+        <p14:creationId xmlns:p14="http://schemas.microsoft.com/office/powerpoint/2010/main" val="2088722316"/>
       </p:ext>
     </p:extLst>
   </p:cSld>
@@ -4050,10 +3814,206 @@
         </p:nvSpPr>
         <p:spPr/>
         <p:txBody>
-          <a:bodyPr/>
-          <a:lstStyle/>
-          <a:p>
-            <a:endParaRPr lang="el-GR" dirty="0"/>
+          <a:bodyPr>
+            <a:normAutofit fontScale="55000" lnSpcReduction="20000"/>
+          </a:bodyPr>
+          <a:lstStyle/>
+          <a:p>
+            <a:r>
+              <a:rPr lang="el-GR" b="1" dirty="0" smtClean="0"/>
+              <a:t>Γιατί</a:t>
+            </a:r>
+            <a:r>
+              <a:rPr lang="el-GR" b="1" baseline="0" dirty="0" smtClean="0"/>
+              <a:t> πήγαμε εδώ;;</a:t>
+            </a:r>
+          </a:p>
+          <a:p>
+            <a:r>
+              <a:rPr lang="en-US" baseline="0" dirty="0" smtClean="0"/>
+              <a:t>To StackOverflow Community</a:t>
+            </a:r>
+            <a:r>
+              <a:rPr lang="el-GR" baseline="0" dirty="0" smtClean="0"/>
+              <a:t> είναι ένα ΚΔ το οποίο περιέχει</a:t>
+            </a:r>
+            <a:r>
+              <a:rPr lang="en-US" baseline="0" dirty="0" smtClean="0"/>
+              <a:t> </a:t>
+            </a:r>
+            <a:r>
+              <a:rPr lang="el-GR" baseline="0" dirty="0" smtClean="0"/>
+              <a:t>ερωτήσεις και απαντήσεις για όλο το φάσμα του </a:t>
+            </a:r>
+            <a:r>
+              <a:rPr lang="en-US" baseline="0" dirty="0" smtClean="0"/>
+              <a:t>computer science </a:t>
+            </a:r>
+            <a:r>
+              <a:rPr lang="el-GR" baseline="0" dirty="0" smtClean="0"/>
+              <a:t>και είναι μια από τις μεγαλύτερες </a:t>
+            </a:r>
+            <a:r>
+              <a:rPr lang="en-US" baseline="0" dirty="0" smtClean="0"/>
+              <a:t>online </a:t>
+            </a:r>
+            <a:r>
+              <a:rPr lang="el-GR" baseline="0" dirty="0" smtClean="0"/>
+              <a:t>κοινότητες.</a:t>
+            </a:r>
+          </a:p>
+          <a:p>
+            <a:pPr marL="0" marR="0" indent="0" algn="l" defTabSz="914400" rtl="0" eaLnBrk="1" fontAlgn="auto" latinLnBrk="0" hangingPunct="1">
+              <a:lnSpc>
+                <a:spcPct val="100000"/>
+              </a:lnSpc>
+              <a:spcBef>
+                <a:spcPts val="0"/>
+              </a:spcBef>
+              <a:spcAft>
+                <a:spcPts val="0"/>
+              </a:spcAft>
+              <a:buClrTx/>
+              <a:buSzTx/>
+              <a:buFontTx/>
+              <a:buNone/>
+              <a:tabLst/>
+              <a:defRPr/>
+            </a:pPr>
+            <a:r>
+              <a:rPr lang="el-GR" baseline="0" dirty="0" smtClean="0"/>
+              <a:t> Οι χρήστες του </a:t>
+            </a:r>
+            <a:r>
+              <a:rPr lang="en-US" baseline="0" dirty="0" smtClean="0"/>
+              <a:t>SO</a:t>
+            </a:r>
+            <a:r>
+              <a:rPr lang="el-GR" baseline="0" dirty="0" smtClean="0"/>
+              <a:t> μπορούν να κάνουν ερωτήσεις και να κατηγοριοποιούν τις ερωτήσεις τους με κάποια προ υπάρχοντα </a:t>
+            </a:r>
+            <a:r>
+              <a:rPr lang="en-US" baseline="0" dirty="0" smtClean="0"/>
+              <a:t>“tags”</a:t>
+            </a:r>
+            <a:r>
+              <a:rPr lang="el-GR" baseline="0" dirty="0" smtClean="0"/>
+              <a:t>. Οι υπόλοιποι χρήστες στου ΣΟ μπορούν να ψηφίσουν θετικά ή αρνητικά αυτές τις ερωτήσεις, να δώσουν απαντήσεις ή να τις κάνουν </a:t>
+            </a:r>
+            <a:r>
+              <a:rPr lang="en-US" baseline="0" dirty="0" smtClean="0"/>
+              <a:t>flag</a:t>
+            </a:r>
+            <a:r>
+              <a:rPr lang="el-GR" baseline="0" dirty="0" smtClean="0"/>
+              <a:t> ως μη χρήσιμες ερωτήσεις όπως πχ. ως </a:t>
+            </a:r>
+            <a:r>
+              <a:rPr lang="en-US" baseline="0" dirty="0" smtClean="0"/>
+              <a:t>too-broad questions. </a:t>
+            </a:r>
+            <a:endParaRPr lang="el-GR" baseline="0" dirty="0" smtClean="0"/>
+          </a:p>
+          <a:p>
+            <a:endParaRPr lang="el-GR" baseline="0" dirty="0" smtClean="0"/>
+          </a:p>
+          <a:p>
+            <a:r>
+              <a:rPr lang="el-GR" b="1" baseline="0" dirty="0" smtClean="0"/>
+              <a:t>Τι κάναμε;;</a:t>
+            </a:r>
+          </a:p>
+          <a:p>
+            <a:r>
+              <a:rPr lang="el-GR" baseline="0" dirty="0" smtClean="0"/>
+              <a:t>Έτσι χρησιμοποιήσαμε ερωτήσεις με σχετικά</a:t>
+            </a:r>
+            <a:r>
+              <a:rPr lang="en-US" baseline="0" dirty="0" smtClean="0"/>
+              <a:t> tags </a:t>
+            </a:r>
+            <a:r>
+              <a:rPr lang="el-GR" baseline="0" dirty="0" smtClean="0"/>
+              <a:t>στο δικό μας δίκτυο.</a:t>
+            </a:r>
+          </a:p>
+          <a:p>
+            <a:endParaRPr lang="el-GR" baseline="0" dirty="0" smtClean="0"/>
+          </a:p>
+          <a:p>
+            <a:r>
+              <a:rPr lang="el-GR" baseline="0" dirty="0" smtClean="0"/>
+              <a:t>Για παράδειγμα!</a:t>
+            </a:r>
+          </a:p>
+          <a:p>
+            <a:endParaRPr lang="el-GR" baseline="0" dirty="0" smtClean="0"/>
+          </a:p>
+          <a:p>
+            <a:r>
+              <a:rPr lang="el-GR" baseline="0" dirty="0" smtClean="0"/>
+              <a:t>Εδώ έχουμε μια πραγματική ερώτηση, στην οποία ο χρήστης ρωτάει αν μπορεί να γίνει </a:t>
+            </a:r>
+            <a:r>
+              <a:rPr lang="en-US" baseline="0" dirty="0" smtClean="0"/>
+              <a:t>scale </a:t>
+            </a:r>
+            <a:r>
+              <a:rPr lang="el-GR" baseline="0" dirty="0" smtClean="0"/>
+              <a:t>η </a:t>
+            </a:r>
+            <a:r>
+              <a:rPr lang="en-US" baseline="0" dirty="0" smtClean="0"/>
+              <a:t>SQLite </a:t>
+            </a:r>
+            <a:r>
+              <a:rPr lang="el-GR" baseline="0" dirty="0" smtClean="0"/>
+              <a:t>και αν είναι καλύτερη από την </a:t>
+            </a:r>
+            <a:r>
+              <a:rPr lang="en-US" baseline="0" dirty="0" smtClean="0"/>
+              <a:t>mysql. </a:t>
+            </a:r>
+          </a:p>
+          <a:p>
+            <a:r>
+              <a:rPr lang="el-GR" baseline="0" dirty="0" smtClean="0"/>
+              <a:t>Παρουσιάζουμε αυτή την ερώτηση διότι μπορούν να προκύψουν δύο σημαντικά συμπεράσματα από αυτή, πρώτον είναι πολύ δύσκολο να απαντηθεί χωρίς την ύπαρξη ενός </a:t>
+            </a:r>
+            <a:r>
+              <a:rPr lang="en-US" baseline="0" dirty="0" smtClean="0"/>
+              <a:t>repository </a:t>
+            </a:r>
+            <a:r>
+              <a:rPr lang="el-GR" baseline="0" dirty="0" smtClean="0"/>
+              <a:t>από πραγματικές εκτελέσεις των εφαρμογών …, και δεύτερον είναι μια ερώτηση η οποία μπορεί μια παρόμοια τέτοια ερώτηση να ερωτηθεί στο δικό μας ΚΔ.</a:t>
+            </a:r>
+          </a:p>
+          <a:p>
+            <a:endParaRPr lang="el-GR" baseline="0" dirty="0" smtClean="0"/>
+          </a:p>
+          <a:p>
+            <a:pPr marL="0" marR="0" indent="0" algn="l" defTabSz="914400" rtl="0" eaLnBrk="1" fontAlgn="auto" latinLnBrk="0" hangingPunct="1">
+              <a:lnSpc>
+                <a:spcPct val="100000"/>
+              </a:lnSpc>
+              <a:spcBef>
+                <a:spcPts val="0"/>
+              </a:spcBef>
+              <a:spcAft>
+                <a:spcPts val="0"/>
+              </a:spcAft>
+              <a:buClrTx/>
+              <a:buSzTx/>
+              <a:buFontTx/>
+              <a:buNone/>
+              <a:tabLst/>
+              <a:defRPr/>
+            </a:pPr>
+            <a:endParaRPr lang="el-GR" baseline="0" dirty="0" smtClean="0"/>
+          </a:p>
+          <a:p>
+            <a:endParaRPr lang="el-GR" baseline="0" dirty="0" smtClean="0"/>
           </a:p>
         </p:txBody>
       </p:sp>
@@ -4075,7 +4035,7 @@
             <a:fld id="{BFF29332-360D-462C-8DBA-6B9FF2FD1142}" type="slidenum">
               <a:rPr lang="en-GB" smtClean="0"/>
               <a:pPr/>
-              <a:t>26</a:t>
+              <a:t>27</a:t>
             </a:fld>
             <a:endParaRPr lang="en-GB"/>
           </a:p>
@@ -4084,7 +4044,7 @@
     </p:spTree>
     <p:extLst>
       <p:ext uri="{BB962C8B-B14F-4D97-AF65-F5344CB8AC3E}">
-        <p14:creationId xmlns:p14="http://schemas.microsoft.com/office/powerpoint/2010/main" val="2088722316"/>
+        <p14:creationId xmlns:p14="http://schemas.microsoft.com/office/powerpoint/2010/main" val="3246571262"/>
       </p:ext>
     </p:extLst>
   </p:cSld>
@@ -4136,205 +4096,250 @@
         <p:spPr/>
         <p:txBody>
           <a:bodyPr>
-            <a:normAutofit fontScale="55000" lnSpcReduction="20000"/>
+            <a:normAutofit fontScale="47500" lnSpcReduction="20000"/>
           </a:bodyPr>
           <a:lstStyle/>
           <a:p>
-            <a:r>
-              <a:rPr lang="el-GR" b="1" dirty="0" smtClean="0"/>
-              <a:t>Γιατί</a:t>
-            </a:r>
-            <a:r>
-              <a:rPr lang="el-GR" b="1" baseline="0" dirty="0" smtClean="0"/>
-              <a:t> πήγαμε εδώ;;</a:t>
-            </a:r>
-          </a:p>
-          <a:p>
-            <a:r>
-              <a:rPr lang="en-US" baseline="0" dirty="0" smtClean="0"/>
-              <a:t>To StackOverflow Community</a:t>
-            </a:r>
-            <a:r>
-              <a:rPr lang="el-GR" baseline="0" dirty="0" smtClean="0"/>
-              <a:t> είναι ένα ΚΔ το οποίο περιέχει</a:t>
-            </a:r>
-            <a:r>
-              <a:rPr lang="en-US" baseline="0" dirty="0" smtClean="0"/>
-              <a:t> </a:t>
-            </a:r>
-            <a:r>
-              <a:rPr lang="el-GR" baseline="0" dirty="0" smtClean="0"/>
-              <a:t>ερωτήσεις και απαντήσεις για όλο το φάσμα του </a:t>
-            </a:r>
-            <a:r>
-              <a:rPr lang="en-US" baseline="0" dirty="0" smtClean="0"/>
-              <a:t>computer science </a:t>
-            </a:r>
-            <a:r>
-              <a:rPr lang="el-GR" baseline="0" dirty="0" smtClean="0"/>
-              <a:t>και είναι μια από τις μεγαλύτερες </a:t>
-            </a:r>
-            <a:r>
-              <a:rPr lang="en-US" baseline="0" dirty="0" smtClean="0"/>
-              <a:t>online </a:t>
-            </a:r>
-            <a:r>
-              <a:rPr lang="el-GR" baseline="0" dirty="0" smtClean="0"/>
-              <a:t>κοινότητες.</a:t>
-            </a:r>
-          </a:p>
-          <a:p>
-            <a:pPr marL="0" marR="0" indent="0" algn="l" defTabSz="914400" rtl="0" eaLnBrk="1" fontAlgn="auto" latinLnBrk="0" hangingPunct="1">
-              <a:lnSpc>
-                <a:spcPct val="100000"/>
-              </a:lnSpc>
-              <a:spcBef>
-                <a:spcPts val="0"/>
-              </a:spcBef>
-              <a:spcAft>
-                <a:spcPts val="0"/>
-              </a:spcAft>
-              <a:buClrTx/>
-              <a:buSzTx/>
-              <a:buFontTx/>
-              <a:buNone/>
-              <a:tabLst/>
+            <a:pPr defTabSz="469819">
               <a:defRPr/>
             </a:pPr>
             <a:r>
-              <a:rPr lang="el-GR" baseline="0" dirty="0" smtClean="0"/>
-              <a:t> Οι χρήστες του </a:t>
+              <a:rPr lang="el-GR" b="1" baseline="0" dirty="0" smtClean="0"/>
+              <a:t>Πώς δουλεύει ακριβώς λοιπόν;;;</a:t>
+            </a:r>
+            <a:endParaRPr lang="en-US" b="1" baseline="0" dirty="0" smtClean="0"/>
+          </a:p>
+          <a:p>
+            <a:pPr defTabSz="469819">
+              <a:defRPr/>
+            </a:pPr>
+            <a:r>
+              <a:rPr lang="el-GR" baseline="0" dirty="0" smtClean="0"/>
+              <a:t>Ο στόχος ενός</a:t>
             </a:r>
             <a:r>
               <a:rPr lang="en-US" baseline="0" dirty="0" smtClean="0"/>
-              <a:t>SO</a:t>
-            </a:r>
-            <a:r>
-              <a:rPr lang="el-GR" baseline="0" dirty="0" smtClean="0"/>
-              <a:t> μπορούν να κάνουν ερωτήσεις και να κατηγοριοποιούν τις ερωτήσεις τους με κάποια προ υπάρχοντα </a:t>
+              <a:t> TC</a:t>
+            </a:r>
+            <a:r>
+              <a:rPr lang="el-GR" baseline="0" dirty="0" smtClean="0"/>
+              <a:t> μηχανισμού λοιπόν, είναι να μπορεί να συμπεράνει την κατηγορία ενός κειμένου από το περιεχόμενο του. Για παράδειγμα, να μπορεί να συμπεράνει ότι ένα κείμενο μιλάει για </a:t>
             </a:r>
             <a:r>
               <a:rPr lang="en-US" baseline="0" dirty="0" smtClean="0"/>
-              <a:t>“tags”</a:t>
-            </a:r>
-            <a:r>
-              <a:rPr lang="el-GR" baseline="0" dirty="0" smtClean="0"/>
-              <a:t>. Οι υπόλοιποι χρήστες στου ΣΟ μπορούν να ψηφίσουν θετικά ή αρνητικά αυτές τις ερωτήσεις, να δώσουν απαντήσεις ή να τις κάνουν </a:t>
+              <a:t>scalability. </a:t>
+            </a:r>
+          </a:p>
+          <a:p>
+            <a:pPr defTabSz="469819">
+              <a:defRPr/>
+            </a:pPr>
+            <a:endParaRPr lang="en-US" baseline="0" dirty="0" smtClean="0"/>
+          </a:p>
+          <a:p>
+            <a:pPr defTabSz="469819">
+              <a:defRPr/>
+            </a:pPr>
+            <a:r>
+              <a:rPr lang="el-GR" baseline="0" dirty="0" smtClean="0"/>
+              <a:t>Για να το καταφέρουμε αυτό, πρέπει το εργαλείο να γίνει πρώτα </a:t>
             </a:r>
             <a:r>
               <a:rPr lang="en-US" baseline="0" dirty="0" smtClean="0"/>
-              <a:t>flag</a:t>
-            </a:r>
-            <a:r>
-              <a:rPr lang="el-GR" baseline="0" dirty="0" smtClean="0"/>
-              <a:t> ως μη χρήσιμες ερωτήσεις όπως πχ. ως </a:t>
+              <a:t>train. H </a:t>
+            </a:r>
+            <a:r>
+              <a:rPr lang="el-GR" baseline="0" dirty="0" smtClean="0"/>
+              <a:t>διαδικασία του </a:t>
             </a:r>
             <a:r>
               <a:rPr lang="en-US" baseline="0" dirty="0" smtClean="0"/>
-              <a:t>too-broad questions. </a:t>
-            </a:r>
-            <a:endParaRPr lang="el-GR" baseline="0" dirty="0" smtClean="0"/>
-          </a:p>
-          <a:p>
-            <a:endParaRPr lang="el-GR" baseline="0" dirty="0" smtClean="0"/>
-          </a:p>
-          <a:p>
-            <a:r>
-              <a:rPr lang="el-GR" b="1" baseline="0" dirty="0" smtClean="0"/>
-              <a:t>Τι κάναμε;;</a:t>
-            </a:r>
-          </a:p>
-          <a:p>
-            <a:r>
-              <a:rPr lang="el-GR" baseline="0" dirty="0" smtClean="0"/>
-              <a:t>Έτσι χρησιμοποιήσαμε ερωτήσεις με σχετικά</a:t>
+              <a:t>training </a:t>
+            </a:r>
+            <a:r>
+              <a:rPr lang="el-GR" baseline="0" dirty="0" smtClean="0"/>
+              <a:t>έχει ως εξής: Στην αρχή παρέχουμε μια σειρά από </a:t>
             </a:r>
             <a:r>
               <a:rPr lang="en-US" baseline="0" dirty="0" smtClean="0"/>
-              <a:t> tags </a:t>
-            </a:r>
-            <a:r>
-              <a:rPr lang="el-GR" baseline="0" dirty="0" smtClean="0"/>
-              <a:t>στο δικό μας δίκτυο.</a:t>
-            </a:r>
-          </a:p>
-          <a:p>
-            <a:endParaRPr lang="el-GR" baseline="0" dirty="0" smtClean="0"/>
-          </a:p>
-          <a:p>
-            <a:r>
-              <a:rPr lang="el-GR" baseline="0" dirty="0" smtClean="0"/>
-              <a:t>Για παράδειγμα!</a:t>
-            </a:r>
-          </a:p>
-          <a:p>
-            <a:endParaRPr lang="el-GR" baseline="0" dirty="0" smtClean="0"/>
-          </a:p>
-          <a:p>
-            <a:r>
-              <a:rPr lang="el-GR" baseline="0" dirty="0" smtClean="0"/>
-              <a:t>Εδώ έχουμε μια πραγματική ερώτηση, στην οποία ο χρήστης ρωτάει αν μπορεί να γίνει </a:t>
+              <a:t>text documents, </a:t>
+            </a:r>
+            <a:r>
+              <a:rPr lang="el-GR" baseline="0" dirty="0" smtClean="0"/>
+              <a:t>τα οποία όμως ξέρουμε σε ποια κατηγορία ανήκουν. Συγκεκριμένα στο παράδειγμα εδώ, δίνουμε στον </a:t>
             </a:r>
             <a:r>
               <a:rPr lang="en-US" baseline="0" dirty="0" smtClean="0"/>
-              <a:t>scale </a:t>
-            </a:r>
-            <a:r>
-              <a:rPr lang="el-GR" baseline="0" dirty="0" smtClean="0"/>
-              <a:t>η </a:t>
+              <a:t>NLP </a:t>
+            </a:r>
+            <a:r>
+              <a:rPr lang="el-GR" baseline="0" dirty="0" smtClean="0"/>
+              <a:t>τρεις διαφορετικές κατηγορίες κειμένων όπου ξέρουμε σε ποιο σετ ανήκουν, πχ.. μπορούμε να πούμε ότι ένα σετ κειμένων μιλάει για </a:t>
             </a:r>
             <a:r>
               <a:rPr lang="en-US" baseline="0" dirty="0" smtClean="0"/>
-              <a:t>SQLite </a:t>
-            </a:r>
-            <a:r>
-              <a:rPr lang="el-GR" baseline="0" dirty="0" smtClean="0"/>
-              <a:t>και αν είναι καλύτερη από την </a:t>
+              <a:t>scalability, </a:t>
+            </a:r>
+            <a:r>
+              <a:rPr lang="el-GR" baseline="0" dirty="0" smtClean="0"/>
+              <a:t>ένα άλλο σετ κειμένων μιλάει για </a:t>
             </a:r>
             <a:r>
               <a:rPr lang="en-US" baseline="0" dirty="0" smtClean="0"/>
-              <a:t>mysql. </a:t>
-            </a:r>
-          </a:p>
-          <a:p>
-            <a:r>
-              <a:rPr lang="el-GR" baseline="0" dirty="0" smtClean="0"/>
-              <a:t>Παρουσιάζουμε αυτή την ερώτηση διότι μπορούν να προκύψουν δύο σημαντικά συμπεράσματα από αυτή, πρώτον είναι πολύ δύσκολο να απαντηθεί χωρίς την ύπαρξη ενός </a:t>
-            </a:r>
-            <a:r>
-              <a:rPr lang="en-US" baseline="0" dirty="0" smtClean="0"/>
-              <a:t>repository </a:t>
-            </a:r>
-            <a:r>
-              <a:rPr lang="el-GR" baseline="0" dirty="0" smtClean="0"/>
-              <a:t>από πραγματικές εκτελέσεις των εφαρμογών …, και δεύτερον είναι μια ερώτηση η οποία μπορεί μια παρόμοια τέτοια ερώτηση να ερωτηθεί στο δικό μας ΚΔ.</a:t>
-            </a:r>
-          </a:p>
-          <a:p>
-            <a:endParaRPr lang="el-GR" baseline="0" dirty="0" smtClean="0"/>
-          </a:p>
-          <a:p>
-            <a:pPr marL="0" marR="0" indent="0" algn="l" defTabSz="914400" rtl="0" eaLnBrk="1" fontAlgn="auto" latinLnBrk="0" hangingPunct="1">
-              <a:lnSpc>
-                <a:spcPct val="100000"/>
-              </a:lnSpc>
-              <a:spcBef>
-                <a:spcPts val="0"/>
-              </a:spcBef>
-              <a:spcAft>
-                <a:spcPts val="0"/>
-              </a:spcAft>
-              <a:buClrTx/>
-              <a:buSzTx/>
-              <a:buFontTx/>
-              <a:buNone/>
-              <a:tabLst/>
+              <a:t>optimization</a:t>
+            </a:r>
+            <a:r>
+              <a:rPr lang="el-GR" baseline="0" dirty="0" smtClean="0"/>
+              <a:t> κοκ.  </a:t>
+            </a:r>
+          </a:p>
+          <a:p>
+            <a:pPr defTabSz="469819">
               <a:defRPr/>
             </a:pPr>
             <a:endParaRPr lang="el-GR" baseline="0" dirty="0" smtClean="0"/>
           </a:p>
           <a:p>
-            <a:endParaRPr lang="el-GR" baseline="0" dirty="0" smtClean="0"/>
+            <a:pPr defTabSz="469819">
+              <a:defRPr/>
+            </a:pPr>
+            <a:r>
+              <a:rPr lang="el-GR" baseline="0" dirty="0" smtClean="0"/>
+              <a:t>Πρώτα ο Τ</a:t>
+            </a:r>
+            <a:r>
+              <a:rPr lang="en-US" baseline="0" dirty="0" smtClean="0"/>
+              <a:t>C </a:t>
+            </a:r>
+            <a:r>
+              <a:rPr lang="el-GR" baseline="0" dirty="0" smtClean="0"/>
+              <a:t>περνάει το κείμενο της κάθε κατηγορίας από έναν  </a:t>
+            </a:r>
+            <a:r>
+              <a:rPr lang="en-US" baseline="0" dirty="0" smtClean="0"/>
+              <a:t>Porter Stemming Algorithm </a:t>
+            </a:r>
+            <a:r>
+              <a:rPr lang="el-GR" baseline="0" dirty="0" smtClean="0"/>
+              <a:t>ο οποίος έχει ως σκοπό να απλοποιήσει τις λέξεις, κάνοντας τες από πληθυντικό αριθμό σε ενικό και άλλα τέτοια </a:t>
+            </a:r>
+            <a:r>
+              <a:rPr lang="el-GR" baseline="0" dirty="0" err="1" smtClean="0"/>
+              <a:t>τρικς</a:t>
+            </a:r>
+            <a:r>
+              <a:rPr lang="el-GR" baseline="0" dirty="0" smtClean="0"/>
+              <a:t> όπως για παράδειγμα η λέξη </a:t>
+            </a:r>
+            <a:r>
+              <a:rPr lang="en-US" baseline="0" dirty="0" smtClean="0"/>
+              <a:t>connectivity </a:t>
+            </a:r>
+            <a:r>
+              <a:rPr lang="el-GR" baseline="0" dirty="0" smtClean="0"/>
+              <a:t>θα γίνει </a:t>
+            </a:r>
+            <a:r>
+              <a:rPr lang="en-US" baseline="0" dirty="0" smtClean="0"/>
+              <a:t>connect</a:t>
+            </a:r>
+            <a:r>
+              <a:rPr lang="el-GR" baseline="0" dirty="0" smtClean="0"/>
+              <a:t>. Στην συνέχεια βάζει τις λέξεις αυτές σε ένα </a:t>
+            </a:r>
+            <a:r>
+              <a:rPr lang="en-US" baseline="0" dirty="0" smtClean="0"/>
+              <a:t>map </a:t>
+            </a:r>
+            <a:r>
+              <a:rPr lang="el-GR" baseline="0" dirty="0" smtClean="0"/>
+              <a:t>όπου κρατάει τις εμφανίσεις κάθε λέξης σε κάθε κατηγορία </a:t>
+            </a:r>
+            <a:r>
+              <a:rPr lang="el-GR" baseline="0" dirty="0" err="1" smtClean="0"/>
+              <a:t>δλδ</a:t>
+            </a:r>
+            <a:r>
+              <a:rPr lang="el-GR" baseline="0" dirty="0" smtClean="0"/>
+              <a:t> για την λέξη </a:t>
+            </a:r>
+            <a:r>
+              <a:rPr lang="en-US" baseline="0" dirty="0" smtClean="0"/>
+              <a:t>connect </a:t>
+            </a:r>
+            <a:r>
+              <a:rPr lang="el-GR" baseline="0" dirty="0" smtClean="0"/>
+              <a:t>κρατάει ότι εμφανίζεται στην κατηγορία </a:t>
+            </a:r>
+            <a:r>
+              <a:rPr lang="en-US" baseline="0" dirty="0" smtClean="0"/>
+              <a:t>scalability </a:t>
+            </a:r>
+            <a:r>
+              <a:rPr lang="el-GR" baseline="0" dirty="0" smtClean="0"/>
+              <a:t>20 φορές ας πούμε. </a:t>
+            </a:r>
+            <a:endParaRPr lang="el-GR" dirty="0" smtClean="0"/>
+          </a:p>
+          <a:p>
+            <a:pPr defTabSz="469819">
+              <a:defRPr/>
+            </a:pPr>
+            <a:endParaRPr lang="el-GR" dirty="0" smtClean="0"/>
+          </a:p>
+          <a:p>
+            <a:r>
+              <a:rPr lang="el-GR" dirty="0" smtClean="0"/>
+              <a:t>Έτσι ο</a:t>
+            </a:r>
+            <a:r>
+              <a:rPr lang="el-GR" baseline="0" dirty="0" smtClean="0"/>
+              <a:t> Τ</a:t>
+            </a:r>
+            <a:r>
+              <a:rPr lang="en-US" baseline="0" dirty="0" smtClean="0"/>
+              <a:t>C </a:t>
+            </a:r>
+            <a:r>
+              <a:rPr lang="el-GR" baseline="0" dirty="0" smtClean="0"/>
+              <a:t>έχει γίνει πλέον </a:t>
+            </a:r>
+            <a:r>
+              <a:rPr lang="en-US" baseline="0" dirty="0" smtClean="0"/>
+              <a:t>train </a:t>
+            </a:r>
+            <a:r>
+              <a:rPr lang="el-GR" baseline="0" dirty="0" smtClean="0"/>
+              <a:t>και μπορεί να προσδιορίσει μελλοντικά κείμενα σε ποια από αυτές τις κατηγορίες ανήκουν χρησιμοποιώντας την πιθανότητα </a:t>
+            </a:r>
+            <a:r>
+              <a:rPr lang="en-US" baseline="0" dirty="0" smtClean="0"/>
+              <a:t>Naïve Bayes</a:t>
+            </a:r>
+            <a:r>
+              <a:rPr lang="el-GR" baseline="0" dirty="0" smtClean="0"/>
+              <a:t>. </a:t>
+            </a:r>
+          </a:p>
+          <a:p>
+            <a:endParaRPr lang="en-US" baseline="0" dirty="0" smtClean="0"/>
+          </a:p>
+          <a:p>
+            <a:r>
+              <a:rPr lang="el-GR" baseline="0" dirty="0" smtClean="0"/>
+              <a:t>Εφόσον λοιπόν έχουμε κάνει </a:t>
+            </a:r>
+            <a:r>
+              <a:rPr lang="en-US" baseline="0" dirty="0" smtClean="0"/>
+              <a:t>train </a:t>
+            </a:r>
+            <a:r>
+              <a:rPr lang="el-GR" baseline="0" dirty="0" smtClean="0"/>
+              <a:t>τον αλγόριθμο αυτόν, τότε ελπίζουμε ότι μια καινούρια ερώτηση θα μπορούσε να αντιστοιχηθεί στην πιο κοντινή της κατηγορία και σαν αποτέλεσμα οι απαντήσεις εκεί πέρα να είναι σχετικές με την πιο κοντινή της ερώτηση. Εδώ θα μπορούσαμε να δώσουμε στον χρήστη μια λίστα από κοντινές ερωτήσεις. </a:t>
+            </a:r>
+          </a:p>
+          <a:p>
+            <a:endParaRPr lang="el-GR" dirty="0"/>
           </a:p>
         </p:txBody>
       </p:sp>
@@ -4356,7 +4361,7 @@
             <a:fld id="{BFF29332-360D-462C-8DBA-6B9FF2FD1142}" type="slidenum">
               <a:rPr lang="en-GB" smtClean="0"/>
               <a:pPr/>
-              <a:t>27</a:t>
+              <a:t>28</a:t>
             </a:fld>
             <a:endParaRPr lang="en-GB"/>
           </a:p>
@@ -4365,7 +4370,7 @@
     </p:spTree>
     <p:extLst>
       <p:ext uri="{BB962C8B-B14F-4D97-AF65-F5344CB8AC3E}">
-        <p14:creationId xmlns:p14="http://schemas.microsoft.com/office/powerpoint/2010/main" val="3246571262"/>
+        <p14:creationId xmlns:p14="http://schemas.microsoft.com/office/powerpoint/2010/main" val="2009972778"/>
       </p:ext>
     </p:extLst>
   </p:cSld>
@@ -4417,250 +4422,133 @@
         <p:spPr/>
         <p:txBody>
           <a:bodyPr>
-            <a:normAutofit fontScale="47500" lnSpcReduction="20000"/>
+            <a:normAutofit fontScale="77500" lnSpcReduction="20000"/>
           </a:bodyPr>
           <a:lstStyle/>
           <a:p>
-            <a:pPr defTabSz="469819">
-              <a:defRPr/>
-            </a:pPr>
             <a:r>
               <a:rPr lang="el-GR" b="1" baseline="0" dirty="0" smtClean="0"/>
-              <a:t>Πώς δουλεύει ακριβώς λοιπόν;;;</a:t>
-            </a:r>
-            <a:endParaRPr lang="en-US" b="1" baseline="0" dirty="0" smtClean="0"/>
-          </a:p>
-          <a:p>
-            <a:pPr defTabSz="469819">
-              <a:defRPr/>
-            </a:pPr>
-            <a:r>
-              <a:rPr lang="el-GR" baseline="0" dirty="0" smtClean="0"/>
-              <a:t>Ο στόχος ενός</a:t>
+              <a:t>Τι κάναμε λοιπόν αυτές τις ερωτήσεις;;</a:t>
+            </a:r>
+          </a:p>
+          <a:p>
+            <a:endParaRPr lang="el-GR" baseline="0" dirty="0" smtClean="0"/>
+          </a:p>
+          <a:p>
+            <a:r>
+              <a:rPr lang="el-GR" baseline="0" dirty="0" smtClean="0"/>
+              <a:t>Έφτιαξα ένα εργαλείο το οποίο να παίρνει τις ερωτήσεις από το </a:t>
             </a:r>
             <a:r>
               <a:rPr lang="en-US" baseline="0" dirty="0" smtClean="0"/>
-              <a:t> TC</a:t>
-            </a:r>
-            <a:r>
-              <a:rPr lang="el-GR" baseline="0" dirty="0" smtClean="0"/>
-              <a:t> μηχανισμού λοιπόν, είναι να μπορεί να συμπεράνει την κατηγορία ενός κειμένου από το περιεχόμενο του. Για παράδειγμα, να μπορεί να συμπεράνει ότι ένα κείμενο μιλάει για </a:t>
+              <a:t>SO</a:t>
+            </a:r>
+            <a:r>
+              <a:rPr lang="el-GR" baseline="0" dirty="0" smtClean="0"/>
+              <a:t> με βάση τα </a:t>
             </a:r>
             <a:r>
               <a:rPr lang="en-US" baseline="0" dirty="0" smtClean="0"/>
-              <a:t>scalability. </a:t>
-            </a:r>
-          </a:p>
-          <a:p>
-            <a:pPr defTabSz="469819">
-              <a:defRPr/>
-            </a:pPr>
+              <a:t>tags </a:t>
+            </a:r>
+            <a:r>
+              <a:rPr lang="el-GR" baseline="0" dirty="0" smtClean="0"/>
+              <a:t>που έχει η κάθε ερώτηση.</a:t>
+            </a:r>
+          </a:p>
+          <a:p>
+            <a:endParaRPr lang="el-GR" baseline="0" dirty="0" smtClean="0"/>
+          </a:p>
+          <a:p>
+            <a:r>
+              <a:rPr lang="el-GR" baseline="0" dirty="0" smtClean="0"/>
+              <a:t>Για να πάρει τις ερωτήσεις χρησιμοποιήσαμε το </a:t>
+            </a:r>
+            <a:r>
+              <a:rPr lang="en-US" baseline="0" dirty="0" smtClean="0"/>
+              <a:t>SE API. </a:t>
+            </a:r>
+            <a:endParaRPr lang="el-GR" baseline="0" dirty="0" smtClean="0"/>
+          </a:p>
+          <a:p>
+            <a:r>
+              <a:rPr lang="el-GR" baseline="0" dirty="0" smtClean="0"/>
+              <a:t>Ουσιαστικά, το σύνολο αυτών των δεδομένων, το οποίο είναι χωρισμένο σε κατηγορίες χρησιμοποιώντας τα </a:t>
+            </a:r>
+            <a:r>
+              <a:rPr lang="en-US" baseline="0" dirty="0" smtClean="0"/>
+              <a:t>tags,</a:t>
+            </a:r>
+            <a:r>
+              <a:rPr lang="el-GR" baseline="0" dirty="0" smtClean="0"/>
+              <a:t> χρησιμοποιήθηκε ώστε να γίνει «</a:t>
+            </a:r>
+            <a:r>
+              <a:rPr lang="en-US" baseline="0" dirty="0" smtClean="0"/>
+              <a:t>train</a:t>
+            </a:r>
+            <a:r>
+              <a:rPr lang="el-GR" baseline="0" dirty="0" smtClean="0"/>
+              <a:t>»</a:t>
+            </a:r>
+            <a:r>
+              <a:rPr lang="en-US" baseline="0" dirty="0" smtClean="0"/>
+              <a:t> </a:t>
+            </a:r>
+            <a:r>
+              <a:rPr lang="el-GR" baseline="0" dirty="0" smtClean="0"/>
+              <a:t>ο  </a:t>
+            </a:r>
+            <a:r>
+              <a:rPr lang="en-US" baseline="0" dirty="0" smtClean="0"/>
+              <a:t>classifier </a:t>
+            </a:r>
+            <a:r>
+              <a:rPr lang="el-GR" baseline="0" dirty="0" smtClean="0"/>
+              <a:t>μας και στην συνέχεια μπορεί με μία πιθανότητα να προσδιορίσει ένα καινούριο </a:t>
+            </a:r>
+            <a:r>
+              <a:rPr lang="en-US" baseline="0" dirty="0" smtClean="0"/>
+              <a:t>input </a:t>
+            </a:r>
+            <a:r>
+              <a:rPr lang="el-GR" baseline="0" dirty="0" smtClean="0"/>
+              <a:t>σε ποια κλάση/κατηγορία ανήκει.</a:t>
+            </a:r>
+          </a:p>
+          <a:p>
+            <a:endParaRPr lang="el-GR" baseline="0" dirty="0" smtClean="0"/>
+          </a:p>
+          <a:p>
+            <a:r>
+              <a:rPr lang="el-GR" baseline="0" dirty="0" smtClean="0"/>
+              <a:t>Να σημειωθεί ότι από το </a:t>
+            </a:r>
+            <a:r>
+              <a:rPr lang="en-US" baseline="0" dirty="0" smtClean="0"/>
+              <a:t>SO </a:t>
+            </a:r>
+            <a:r>
+              <a:rPr lang="el-GR" baseline="0" dirty="0" smtClean="0"/>
+              <a:t>μόνο οι </a:t>
+            </a:r>
+            <a:r>
+              <a:rPr lang="en-US" baseline="0" dirty="0" smtClean="0"/>
+              <a:t>most-up voted </a:t>
+            </a:r>
+            <a:r>
+              <a:rPr lang="el-GR" baseline="0" dirty="0" smtClean="0"/>
+              <a:t>ερωτήσεις για κάθε κατηγορία χρησιμοποιήθηκαν ώστε να αποφευχθεί η περίπτωση κάποια ερώτηση να έχει γίνει </a:t>
+            </a:r>
+            <a:r>
+              <a:rPr lang="en-US" baseline="0" dirty="0" smtClean="0"/>
+              <a:t>misclassified </a:t>
+            </a:r>
+            <a:r>
+              <a:rPr lang="el-GR" baseline="0" dirty="0" smtClean="0"/>
+              <a:t>από τον χρήστη.</a:t>
+            </a:r>
             <a:endParaRPr lang="en-US" baseline="0" dirty="0" smtClean="0"/>
-          </a:p>
-          <a:p>
-            <a:pPr defTabSz="469819">
-              <a:defRPr/>
-            </a:pPr>
-            <a:r>
-              <a:rPr lang="el-GR" baseline="0" dirty="0" smtClean="0"/>
-              <a:t>Για να το καταφέρουμε αυτό, πρέπει το εργαλείο να γίνει πρώτα </a:t>
-            </a:r>
-            <a:r>
-              <a:rPr lang="en-US" baseline="0" dirty="0" smtClean="0"/>
-              <a:t>train. H </a:t>
-            </a:r>
-            <a:r>
-              <a:rPr lang="el-GR" baseline="0" dirty="0" smtClean="0"/>
-              <a:t>διαδικασία του </a:t>
-            </a:r>
-            <a:r>
-              <a:rPr lang="en-US" baseline="0" dirty="0" smtClean="0"/>
-              <a:t>training </a:t>
-            </a:r>
-            <a:r>
-              <a:rPr lang="el-GR" baseline="0" dirty="0" smtClean="0"/>
-              <a:t>έχει ως εξής: Στην αρχή παρέχουμε μια σειρά από </a:t>
-            </a:r>
-            <a:r>
-              <a:rPr lang="en-US" baseline="0" dirty="0" smtClean="0"/>
-              <a:t>text documents, </a:t>
-            </a:r>
-            <a:r>
-              <a:rPr lang="el-GR" baseline="0" dirty="0" smtClean="0"/>
-              <a:t>τα οποία όμως ξέρουμε σε ποια κατηγορία ανήκουν. Συγκεκριμένα στο παράδειγμα εδώ, δίνουμε στον </a:t>
-            </a:r>
-            <a:r>
-              <a:rPr lang="en-US" baseline="0" dirty="0" smtClean="0"/>
-              <a:t>NLP </a:t>
-            </a:r>
-            <a:r>
-              <a:rPr lang="el-GR" baseline="0" dirty="0" smtClean="0"/>
-              <a:t>τρεις διαφορετικές κατηγορίες κειμένων όπου ξέρουμε σε ποιο σετ ανήκουν, πχ.. μπορούμε να πούμε ότι ένα σετ κειμένων μιλάει για </a:t>
-            </a:r>
-            <a:r>
-              <a:rPr lang="en-US" baseline="0" dirty="0" smtClean="0"/>
-              <a:t>scalability, </a:t>
-            </a:r>
-            <a:r>
-              <a:rPr lang="el-GR" baseline="0" dirty="0" smtClean="0"/>
-              <a:t>ένα άλλο σετ κειμένων μιλάει για </a:t>
-            </a:r>
-            <a:r>
-              <a:rPr lang="en-US" baseline="0" dirty="0" smtClean="0"/>
-              <a:t>optimization</a:t>
-            </a:r>
-            <a:r>
-              <a:rPr lang="el-GR" baseline="0" dirty="0" smtClean="0"/>
-              <a:t> κοκ.  </a:t>
-            </a:r>
-          </a:p>
-          <a:p>
-            <a:pPr defTabSz="469819">
-              <a:defRPr/>
-            </a:pPr>
-            <a:endParaRPr lang="el-GR" baseline="0" dirty="0" smtClean="0"/>
-          </a:p>
-          <a:p>
-            <a:pPr defTabSz="469819">
-              <a:defRPr/>
-            </a:pPr>
-            <a:r>
-              <a:rPr lang="el-GR" baseline="0" dirty="0" smtClean="0"/>
-              <a:t>Πρώτα ο Τ</a:t>
-            </a:r>
-            <a:r>
-              <a:rPr lang="en-US" baseline="0" dirty="0" smtClean="0"/>
-              <a:t>C </a:t>
-            </a:r>
-            <a:r>
-              <a:rPr lang="el-GR" baseline="0" dirty="0" smtClean="0"/>
-              <a:t>περνάει το κείμενο της κάθε κατηγορίας από έναν  </a:t>
-            </a:r>
-            <a:r>
-              <a:rPr lang="en-US" baseline="0" dirty="0" smtClean="0"/>
-              <a:t>Porter Stemming Algorithm </a:t>
-            </a:r>
-            <a:r>
-              <a:rPr lang="el-GR" baseline="0" dirty="0" smtClean="0"/>
-              <a:t>ο οποίος έχει ως σκοπό να απλοποιήσει τις λέξεις, κάνοντας τες από πληθυντικό αριθμό σε ενικό και άλλα τέτοια </a:t>
-            </a:r>
-            <a:r>
-              <a:rPr lang="el-GR" baseline="0" dirty="0" err="1" smtClean="0"/>
-              <a:t>τρικς</a:t>
-            </a:r>
-            <a:r>
-              <a:rPr lang="el-GR" baseline="0" dirty="0" smtClean="0"/>
-              <a:t> όπως για παράδειγμα η λέξη </a:t>
-            </a:r>
-            <a:r>
-              <a:rPr lang="en-US" baseline="0" dirty="0" smtClean="0"/>
-              <a:t>connectivity </a:t>
-            </a:r>
-            <a:r>
-              <a:rPr lang="el-GR" baseline="0" dirty="0" smtClean="0"/>
-              <a:t>θα γίνει </a:t>
-            </a:r>
-            <a:r>
-              <a:rPr lang="en-US" baseline="0" dirty="0" smtClean="0"/>
-              <a:t>connect</a:t>
-            </a:r>
-            <a:r>
-              <a:rPr lang="el-GR" baseline="0" dirty="0" smtClean="0"/>
-              <a:t>. Στην συνέχεια βάζει τις λέξεις αυτές σε ένα </a:t>
-            </a:r>
-            <a:r>
-              <a:rPr lang="en-US" baseline="0" dirty="0" smtClean="0"/>
-              <a:t>map </a:t>
-            </a:r>
-            <a:r>
-              <a:rPr lang="el-GR" baseline="0" dirty="0" smtClean="0"/>
-              <a:t>όπου κρατάει τις εμφανίσεις κάθε λέξης σε κάθε κατηγορία </a:t>
-            </a:r>
-            <a:r>
-              <a:rPr lang="el-GR" baseline="0" dirty="0" err="1" smtClean="0"/>
-              <a:t>δλδ</a:t>
-            </a:r>
-            <a:r>
-              <a:rPr lang="el-GR" baseline="0" dirty="0" smtClean="0"/>
-              <a:t> για την λέξη </a:t>
-            </a:r>
-            <a:r>
-              <a:rPr lang="en-US" baseline="0" dirty="0" smtClean="0"/>
-              <a:t>connect </a:t>
-            </a:r>
-            <a:r>
-              <a:rPr lang="el-GR" baseline="0" dirty="0" smtClean="0"/>
-              <a:t>κρατάει ότι εμφανίζεται στην κατηγορία </a:t>
-            </a:r>
-            <a:r>
-              <a:rPr lang="en-US" baseline="0" dirty="0" smtClean="0"/>
-              <a:t>scalability </a:t>
-            </a:r>
-            <a:r>
-              <a:rPr lang="el-GR" baseline="0" dirty="0" smtClean="0"/>
-              <a:t>20 φορές ας πούμε. </a:t>
-            </a:r>
-            <a:endParaRPr lang="el-GR" dirty="0" smtClean="0"/>
-          </a:p>
-          <a:p>
-            <a:pPr defTabSz="469819">
-              <a:defRPr/>
-            </a:pPr>
-            <a:endParaRPr lang="el-GR" dirty="0" smtClean="0"/>
-          </a:p>
-          <a:p>
-            <a:r>
-              <a:rPr lang="el-GR" dirty="0" smtClean="0"/>
-              <a:t>Έτσι ο</a:t>
-            </a:r>
-            <a:r>
-              <a:rPr lang="el-GR" baseline="0" dirty="0" smtClean="0"/>
-              <a:t> Τ</a:t>
-            </a:r>
-            <a:r>
-              <a:rPr lang="en-US" baseline="0" dirty="0" smtClean="0"/>
-              <a:t>C </a:t>
-            </a:r>
-            <a:r>
-              <a:rPr lang="el-GR" baseline="0" dirty="0" smtClean="0"/>
-              <a:t>έχει γίνει πλέον </a:t>
-            </a:r>
-            <a:r>
-              <a:rPr lang="en-US" baseline="0" dirty="0" smtClean="0"/>
-              <a:t>train </a:t>
-            </a:r>
-            <a:r>
-              <a:rPr lang="el-GR" baseline="0" dirty="0" smtClean="0"/>
-              <a:t>και μπορεί να προσδιορίσει μελλοντικά κείμενα σε ποια από αυτές τις κατηγορίες ανήκουν χρησιμοποιώντας την πιθανότητα </a:t>
-            </a:r>
-            <a:r>
-              <a:rPr lang="en-US" baseline="0" dirty="0" smtClean="0"/>
-              <a:t>Naïve Bayes</a:t>
-            </a:r>
-            <a:r>
-              <a:rPr lang="el-GR" baseline="0" dirty="0" smtClean="0"/>
-              <a:t>. </a:t>
-            </a:r>
-          </a:p>
-          <a:p>
-            <a:endParaRPr lang="en-US" baseline="0" dirty="0" smtClean="0"/>
-          </a:p>
-          <a:p>
-            <a:r>
-              <a:rPr lang="el-GR" baseline="0" dirty="0" smtClean="0"/>
-              <a:t>Εφόσον λοιπόν έχουμε κάνει </a:t>
-            </a:r>
-            <a:r>
-              <a:rPr lang="en-US" baseline="0" dirty="0" smtClean="0"/>
-              <a:t>train </a:t>
-            </a:r>
-            <a:r>
-              <a:rPr lang="el-GR" baseline="0" dirty="0" smtClean="0"/>
-              <a:t>τον αλγόριθμο αυτόν, τότε ελπίζουμε ότι μια καινούρια ερώτηση θα μπορούσε να αντιστοιχηθεί στην πιο κοντινή της κατηγορία και σαν αποτέλεσμα οι απαντήσεις εκεί πέρα να είναι σχετικές με την πιο κοντινή της ερώτηση. Εδώ θα μπορούσαμε να δώσουμε στον χρήστη μια λίστα από κοντινές ερωτήσεις. </a:t>
-            </a:r>
-          </a:p>
-          <a:p>
-            <a:endParaRPr lang="el-GR" dirty="0"/>
           </a:p>
         </p:txBody>
       </p:sp>
@@ -4682,7 +4570,7 @@
             <a:fld id="{BFF29332-360D-462C-8DBA-6B9FF2FD1142}" type="slidenum">
               <a:rPr lang="en-GB" smtClean="0"/>
               <a:pPr/>
-              <a:t>28</a:t>
+              <a:t>29</a:t>
             </a:fld>
             <a:endParaRPr lang="en-GB"/>
           </a:p>
@@ -4691,7 +4579,196 @@
     </p:spTree>
     <p:extLst>
       <p:ext uri="{BB962C8B-B14F-4D97-AF65-F5344CB8AC3E}">
-        <p14:creationId xmlns:p14="http://schemas.microsoft.com/office/powerpoint/2010/main" val="2009972778"/>
+        <p14:creationId xmlns:p14="http://schemas.microsoft.com/office/powerpoint/2010/main" val="3763798616"/>
+      </p:ext>
+    </p:extLst>
+  </p:cSld>
+  <p:clrMapOvr>
+    <a:masterClrMapping/>
+  </p:clrMapOvr>
+</p:notes>
+</file>
+
+<file path=ppt/notesSlides/notesSlide28.xml><?xml version="1.0" encoding="utf-8"?>
+<p:notes xmlns:a="http://schemas.openxmlformats.org/drawingml/2006/main" xmlns:r="http://schemas.openxmlformats.org/officeDocument/2006/relationships" xmlns:p="http://schemas.openxmlformats.org/presentationml/2006/main">
+  <p:cSld>
+    <p:spTree>
+      <p:nvGrpSpPr>
+        <p:cNvPr id="1" name=""/>
+        <p:cNvGrpSpPr/>
+        <p:nvPr/>
+      </p:nvGrpSpPr>
+      <p:grpSpPr>
+        <a:xfrm>
+          <a:off x="0" y="0"/>
+          <a:ext cx="0" cy="0"/>
+          <a:chOff x="0" y="0"/>
+          <a:chExt cx="0" cy="0"/>
+        </a:xfrm>
+      </p:grpSpPr>
+      <p:sp>
+        <p:nvSpPr>
+          <p:cNvPr id="2" name="Slide Image Placeholder 1"/>
+          <p:cNvSpPr>
+            <a:spLocks noGrp="1" noRot="1" noChangeAspect="1"/>
+          </p:cNvSpPr>
+          <p:nvPr>
+            <p:ph type="sldImg"/>
+          </p:nvPr>
+        </p:nvSpPr>
+        <p:spPr/>
+      </p:sp>
+      <p:sp>
+        <p:nvSpPr>
+          <p:cNvPr id="3" name="Notes Placeholder 2"/>
+          <p:cNvSpPr>
+            <a:spLocks noGrp="1"/>
+          </p:cNvSpPr>
+          <p:nvPr>
+            <p:ph type="body" idx="1"/>
+          </p:nvPr>
+        </p:nvSpPr>
+        <p:spPr/>
+        <p:txBody>
+          <a:bodyPr>
+            <a:normAutofit fontScale="92500"/>
+          </a:bodyPr>
+          <a:lstStyle/>
+          <a:p>
+            <a:r>
+              <a:rPr lang="el-GR" dirty="0" smtClean="0"/>
+              <a:t>Σε αυτό</a:t>
+            </a:r>
+            <a:r>
+              <a:rPr lang="el-GR" baseline="0" dirty="0" smtClean="0"/>
+              <a:t> τον πίνακα </a:t>
+            </a:r>
+            <a:r>
+              <a:rPr lang="el-GR" b="0" baseline="0" dirty="0" smtClean="0"/>
+              <a:t>φαίνεται ένα </a:t>
+            </a:r>
+            <a:r>
+              <a:rPr lang="en-US" b="0" baseline="0" dirty="0" smtClean="0"/>
+              <a:t>evaluation </a:t>
+            </a:r>
+            <a:r>
+              <a:rPr lang="el-GR" b="0" baseline="0" dirty="0" smtClean="0"/>
+              <a:t>του </a:t>
+            </a:r>
+            <a:r>
+              <a:rPr lang="en-US" b="0" baseline="0" dirty="0" smtClean="0"/>
+              <a:t>topic classification </a:t>
+            </a:r>
+            <a:r>
+              <a:rPr lang="el-GR" b="0" baseline="0" dirty="0" smtClean="0"/>
+              <a:t>για 5 διαφορετικές κατηγορίες. Στην κάθετη στήλη φαίνεται οι 5 διαφορετικές κλάσεις και οριζόντια φαίνονται σε ποια κλάση έγιναν </a:t>
+            </a:r>
+            <a:r>
+              <a:rPr lang="en-US" b="0" baseline="0" dirty="0" smtClean="0"/>
+              <a:t>classified </a:t>
+            </a:r>
+            <a:r>
+              <a:rPr lang="el-GR" b="0" baseline="0" dirty="0" smtClean="0"/>
+              <a:t>με την βοήθεια του </a:t>
+            </a:r>
+            <a:r>
+              <a:rPr lang="en-US" b="0" baseline="0" dirty="0" smtClean="0"/>
+              <a:t>NLP classifier 30 </a:t>
+            </a:r>
+            <a:r>
+              <a:rPr lang="el-GR" b="0" baseline="0" dirty="0" smtClean="0"/>
+              <a:t>διαφορετικές ερωτήσεις</a:t>
+            </a:r>
+            <a:r>
+              <a:rPr lang="en-US" b="0" baseline="0" dirty="0" smtClean="0"/>
+              <a:t>.</a:t>
+            </a:r>
+            <a:endParaRPr lang="el-GR" baseline="0" dirty="0" smtClean="0"/>
+          </a:p>
+          <a:p>
+            <a:r>
+              <a:rPr lang="el-GR" baseline="0" dirty="0" smtClean="0"/>
+              <a:t>Διαφορετικές από το </a:t>
+            </a:r>
+            <a:r>
+              <a:rPr lang="en-US" baseline="0" dirty="0" smtClean="0"/>
+              <a:t>training </a:t>
+            </a:r>
+            <a:r>
+              <a:rPr lang="el-GR" baseline="0" dirty="0" smtClean="0"/>
+              <a:t>σετ</a:t>
+            </a:r>
+            <a:r>
+              <a:rPr lang="en-US" baseline="0" dirty="0" smtClean="0"/>
+              <a:t>, </a:t>
+            </a:r>
+            <a:r>
+              <a:rPr lang="el-GR" baseline="0" dirty="0" smtClean="0"/>
+              <a:t>οι ερωτήσεις με το </a:t>
+            </a:r>
+            <a:r>
+              <a:rPr lang="en-US" baseline="0" dirty="0" smtClean="0"/>
+              <a:t>highest activity.</a:t>
+            </a:r>
+          </a:p>
+          <a:p>
+            <a:endParaRPr lang="en-US" dirty="0" smtClean="0"/>
+          </a:p>
+          <a:p>
+            <a:r>
+              <a:rPr lang="en-US" dirty="0" smtClean="0"/>
+              <a:t>Performance</a:t>
+            </a:r>
+            <a:r>
+              <a:rPr lang="en-US" baseline="0" dirty="0" smtClean="0"/>
+              <a:t> </a:t>
+            </a:r>
+            <a:r>
+              <a:rPr lang="el-GR" baseline="0" dirty="0" smtClean="0"/>
+              <a:t>αλλά μπήκε στο </a:t>
+            </a:r>
+            <a:r>
+              <a:rPr lang="en-US" baseline="0" dirty="0" smtClean="0"/>
+              <a:t>reliability,</a:t>
+            </a:r>
+          </a:p>
+          <a:p>
+            <a:r>
+              <a:rPr lang="el-GR" baseline="0" dirty="0" smtClean="0"/>
+              <a:t>Ή άλλα παρόμοια.</a:t>
+            </a:r>
+            <a:endParaRPr lang="el-GR" dirty="0"/>
+          </a:p>
+        </p:txBody>
+      </p:sp>
+      <p:sp>
+        <p:nvSpPr>
+          <p:cNvPr id="4" name="Slide Number Placeholder 3"/>
+          <p:cNvSpPr>
+            <a:spLocks noGrp="1"/>
+          </p:cNvSpPr>
+          <p:nvPr>
+            <p:ph type="sldNum" sz="quarter" idx="10"/>
+          </p:nvPr>
+        </p:nvSpPr>
+        <p:spPr/>
+        <p:txBody>
+          <a:bodyPr/>
+          <a:lstStyle/>
+          <a:p>
+            <a:fld id="{BFF29332-360D-462C-8DBA-6B9FF2FD1142}" type="slidenum">
+              <a:rPr lang="en-GB" smtClean="0"/>
+              <a:pPr/>
+              <a:t>30</a:t>
+            </a:fld>
+            <a:endParaRPr lang="en-GB"/>
+          </a:p>
+        </p:txBody>
+      </p:sp>
+    </p:spTree>
+    <p:extLst>
+      <p:ext uri="{BB962C8B-B14F-4D97-AF65-F5344CB8AC3E}">
+        <p14:creationId xmlns:p14="http://schemas.microsoft.com/office/powerpoint/2010/main" val="3736839663"/>
       </p:ext>
     </p:extLst>
   </p:cSld>
@@ -4851,104 +4928,179 @@
         </p:spPr>
         <p:txBody>
           <a:bodyPr>
-            <a:normAutofit/>
+            <a:normAutofit lnSpcReduction="10000"/>
           </a:bodyPr>
           <a:lstStyle/>
           <a:p>
             <a:r>
               <a:rPr lang="el-GR" sz="600" b="1" dirty="0" smtClean="0"/>
-              <a:t>Έχουμε</a:t>
+              <a:t>Παραδοσιακά είχαμε</a:t>
+            </a:r>
+            <a:r>
+              <a:rPr lang="el-GR" sz="600" b="1" baseline="0" dirty="0" smtClean="0"/>
+              <a:t> τρείς διαφορετικές ομάδες μηχανικών….</a:t>
+            </a:r>
+            <a:endParaRPr lang="en-US" sz="600" b="1" baseline="0" dirty="0" smtClean="0"/>
+          </a:p>
+          <a:p>
+            <a:r>
+              <a:rPr lang="el-GR" sz="600" b="1" baseline="0" dirty="0" smtClean="0"/>
+              <a:t>Αυτοί οι τρεις διαφορετικοί τύποι μηχανικών επικοινωνούν</a:t>
+            </a:r>
+            <a:endParaRPr lang="en-US" sz="600" b="1" baseline="0" dirty="0" smtClean="0"/>
+          </a:p>
+          <a:p>
+            <a:r>
+              <a:rPr lang="el-GR" sz="600" b="1" baseline="0" dirty="0" smtClean="0"/>
+              <a:t>Για να πετύχουν γρηγορότερο </a:t>
+            </a:r>
+            <a:r>
+              <a:rPr lang="en-US" sz="600" b="1" baseline="0" dirty="0" smtClean="0"/>
+              <a:t>development…</a:t>
+            </a:r>
+          </a:p>
+          <a:p>
+            <a:r>
+              <a:rPr lang="el-GR" sz="600" b="1" baseline="0" dirty="0" smtClean="0"/>
+              <a:t>Οι </a:t>
+            </a:r>
+            <a:r>
+              <a:rPr lang="en-US" sz="600" b="1" baseline="0" dirty="0" smtClean="0"/>
+              <a:t>DevOps </a:t>
+            </a:r>
+            <a:r>
+              <a:rPr lang="el-GR" sz="600" b="1" baseline="0" dirty="0" smtClean="0"/>
+              <a:t>είναι υπεύθυνοι </a:t>
+            </a:r>
+            <a:r>
+              <a:rPr lang="el-GR" sz="600" b="1" baseline="0" dirty="0" smtClean="0"/>
+              <a:t>…</a:t>
+            </a:r>
+            <a:endParaRPr lang="en-US" sz="600" b="1" baseline="0" dirty="0" smtClean="0"/>
+          </a:p>
+          <a:p>
+            <a:endParaRPr lang="el-GR" sz="600" b="1" baseline="0" dirty="0" smtClean="0"/>
+          </a:p>
+          <a:p>
+            <a:r>
+              <a:rPr lang="el-GR" sz="600" b="1" baseline="0" dirty="0" smtClean="0"/>
+              <a:t>Χρησιμοποιούν εργαλεία όπως …</a:t>
+            </a:r>
+          </a:p>
+          <a:p>
+            <a:r>
+              <a:rPr lang="el-GR" sz="600" b="1" baseline="0" dirty="0" smtClean="0"/>
+              <a:t>Αυτά τα εργαλεία τους </a:t>
+            </a:r>
+            <a:r>
+              <a:rPr lang="el-GR" sz="600" b="1" baseline="0" dirty="0" smtClean="0"/>
+              <a:t>βοηθούν</a:t>
+            </a:r>
+            <a:r>
+              <a:rPr lang="en-US" sz="600" b="1" baseline="0" dirty="0" smtClean="0"/>
+              <a:t> </a:t>
+            </a:r>
+            <a:r>
+              <a:rPr lang="el-GR" sz="600" b="1" baseline="0" dirty="0" smtClean="0"/>
+              <a:t>στην αυτοματοποίηση του </a:t>
+            </a:r>
+            <a:r>
+              <a:rPr lang="en-US" sz="600" b="1" baseline="0" dirty="0" smtClean="0"/>
+              <a:t>deployment </a:t>
+            </a:r>
+            <a:r>
+              <a:rPr lang="el-GR" sz="600" b="1" baseline="0" dirty="0" smtClean="0"/>
+              <a:t>της εφαρμογής </a:t>
+            </a:r>
+            <a:r>
+              <a:rPr lang="el-GR" sz="600" b="1" baseline="0" dirty="0" smtClean="0"/>
+              <a:t>… Η περιγραφή και το </a:t>
+            </a:r>
+            <a:r>
+              <a:rPr lang="en-US" sz="600" b="1" baseline="0" dirty="0" smtClean="0"/>
+              <a:t>deployment </a:t>
+            </a:r>
+            <a:r>
+              <a:rPr lang="el-GR" sz="600" b="1" baseline="0" dirty="0" smtClean="0"/>
+              <a:t>των εφαρμογών …</a:t>
+            </a:r>
+            <a:endParaRPr lang="en-US" sz="600" b="1" dirty="0" smtClean="0"/>
+          </a:p>
+          <a:p>
+            <a:r>
+              <a:rPr lang="el-GR" sz="600" b="1" dirty="0" smtClean="0"/>
+              <a:t>Ωστόσο το </a:t>
+            </a:r>
+            <a:r>
+              <a:rPr lang="el-GR" sz="600" b="1" baseline="0" dirty="0" smtClean="0"/>
+              <a:t>ποσό </a:t>
+            </a:r>
+            <a:r>
+              <a:rPr lang="el-GR" sz="600" b="1" baseline="0" dirty="0" smtClean="0"/>
+              <a:t>καλό είναι ένα </a:t>
+            </a:r>
+            <a:r>
+              <a:rPr lang="en-US" sz="600" b="1" baseline="0" dirty="0" smtClean="0"/>
+              <a:t>deployment </a:t>
+            </a:r>
+            <a:r>
+              <a:rPr lang="en-US" sz="600" b="1" baseline="0" dirty="0" smtClean="0"/>
+              <a:t>… </a:t>
+            </a:r>
+            <a:r>
+              <a:rPr lang="el-GR" sz="600" b="1" baseline="0" dirty="0" smtClean="0"/>
+              <a:t>ποια υποδομή είναι η καλύτερη και ειδικά στον κόσμο του </a:t>
+            </a:r>
+            <a:r>
+              <a:rPr lang="en-US" sz="600" b="1" baseline="0" dirty="0" smtClean="0"/>
+              <a:t>cloud </a:t>
+            </a:r>
+            <a:r>
+              <a:rPr lang="el-GR" sz="600" b="1" baseline="0" dirty="0" smtClean="0"/>
+              <a:t>αυτό δεν είναι εύκολο, οι </a:t>
+            </a:r>
+            <a:r>
+              <a:rPr lang="en-US" sz="600" b="1" baseline="0" dirty="0" smtClean="0"/>
+              <a:t>DevOps </a:t>
+            </a:r>
+            <a:r>
+              <a:rPr lang="el-GR" sz="600" b="1" baseline="0" dirty="0" smtClean="0"/>
+              <a:t>μπορούν να επικοινωνήσουν μεταξύ τους αλλά αυτό δεν είναι αρκετό. Και σε αυτό δεν υπάρχουν εργαλεία για να τους δώσουν μια απάντηση.</a:t>
+            </a:r>
+          </a:p>
+          <a:p>
+            <a:r>
+              <a:rPr lang="el-GR" sz="600" b="1" baseline="0" dirty="0" smtClean="0"/>
+              <a:t>Χρειαζόμαστε </a:t>
+            </a:r>
+            <a:r>
+              <a:rPr lang="en-US" sz="600" b="1" baseline="0" dirty="0" smtClean="0"/>
+              <a:t>executions</a:t>
+            </a:r>
+            <a:r>
+              <a:rPr lang="el-GR" sz="600" b="1" baseline="0" dirty="0" smtClean="0"/>
+              <a:t> με πραγματικά δεδομένα</a:t>
+            </a:r>
+            <a:endParaRPr lang="en-US" sz="600" dirty="0" smtClean="0"/>
+          </a:p>
+          <a:p>
+            <a:endParaRPr lang="en-US" sz="600" b="1" dirty="0" smtClean="0"/>
+          </a:p>
+          <a:p>
+            <a:endParaRPr lang="en-US" sz="600" b="1" dirty="0" smtClean="0"/>
+          </a:p>
+          <a:p>
+            <a:r>
+              <a:rPr lang="el-GR" sz="600" b="1" dirty="0" smtClean="0"/>
+              <a:t>Έφτιαξα</a:t>
             </a:r>
             <a:r>
               <a:rPr lang="el-GR" sz="600" b="1" baseline="0" dirty="0" smtClean="0"/>
               <a:t> </a:t>
             </a:r>
             <a:r>
-              <a:rPr lang="en-US" sz="600" b="1" baseline="0" dirty="0" smtClean="0"/>
-              <a:t>developers </a:t>
-            </a:r>
-            <a:r>
               <a:rPr lang="el-GR" sz="600" b="1" baseline="0" dirty="0" smtClean="0"/>
-              <a:t>που  ασχολούνται…</a:t>
-            </a:r>
-            <a:endParaRPr lang="en-US" sz="600" b="1" baseline="0" dirty="0" smtClean="0"/>
-          </a:p>
-          <a:p>
-            <a:r>
-              <a:rPr lang="el-GR" sz="600" b="1" baseline="0" dirty="0" smtClean="0"/>
-              <a:t>Για να πετύχουν γρηγορότερο </a:t>
-            </a:r>
-            <a:r>
-              <a:rPr lang="en-US" sz="600" b="1" baseline="0" dirty="0" smtClean="0"/>
-              <a:t>development…</a:t>
-            </a:r>
-          </a:p>
-          <a:p>
-            <a:r>
-              <a:rPr lang="el-GR" sz="600" b="1" baseline="0" dirty="0" smtClean="0"/>
-              <a:t>Οι </a:t>
-            </a:r>
-            <a:r>
-              <a:rPr lang="en-US" sz="600" b="1" baseline="0" dirty="0" smtClean="0"/>
-              <a:t>DevOps </a:t>
-            </a:r>
-            <a:r>
-              <a:rPr lang="el-GR" sz="600" b="1" baseline="0" dirty="0" smtClean="0"/>
-              <a:t>είναι υπεύθυνοι …</a:t>
-            </a:r>
-          </a:p>
-          <a:p>
-            <a:r>
-              <a:rPr lang="el-GR" sz="600" b="1" baseline="0" dirty="0" smtClean="0"/>
-              <a:t>Χρησιμοποιούν εργαλεία όπως …</a:t>
-            </a:r>
-          </a:p>
-          <a:p>
-            <a:r>
-              <a:rPr lang="el-GR" sz="600" b="1" baseline="0" dirty="0" smtClean="0"/>
-              <a:t>Αυτά τα εργαλεία τους βοηθούν … Η περιγραφή και το </a:t>
-            </a:r>
-            <a:r>
-              <a:rPr lang="en-US" sz="600" b="1" baseline="0" dirty="0" smtClean="0"/>
-              <a:t>deployment </a:t>
-            </a:r>
-            <a:r>
-              <a:rPr lang="el-GR" sz="600" b="1" baseline="0" dirty="0" smtClean="0"/>
-              <a:t>των εφαρμογών …</a:t>
-            </a:r>
-            <a:endParaRPr lang="en-US" sz="600" b="1" dirty="0" smtClean="0"/>
-          </a:p>
-          <a:p>
-            <a:r>
-              <a:rPr lang="el-GR" sz="600" b="1" dirty="0" smtClean="0"/>
-              <a:t>Οι</a:t>
-            </a:r>
-            <a:r>
-              <a:rPr lang="el-GR" sz="600" b="1" baseline="0" dirty="0" smtClean="0"/>
-              <a:t> </a:t>
-            </a:r>
-            <a:r>
-              <a:rPr lang="en-US" sz="600" b="1" baseline="0" dirty="0" smtClean="0"/>
-              <a:t>DevOps </a:t>
-            </a:r>
-            <a:r>
-              <a:rPr lang="el-GR" sz="600" b="1" baseline="0" dirty="0" smtClean="0"/>
-              <a:t>λοιπόν συζητάνε … ποσό καλό είναι ένα </a:t>
-            </a:r>
-            <a:r>
-              <a:rPr lang="en-US" sz="600" b="1" baseline="0" dirty="0" smtClean="0"/>
-              <a:t>deployment …</a:t>
-            </a:r>
-            <a:endParaRPr lang="en-US" sz="600" dirty="0" smtClean="0"/>
-          </a:p>
-          <a:p>
-            <a:r>
-              <a:rPr lang="el-GR" sz="600" b="1" dirty="0" smtClean="0"/>
-              <a:t>Έφτιαξα</a:t>
-            </a:r>
-            <a:r>
-              <a:rPr lang="el-GR" sz="600" b="1" baseline="0" dirty="0" smtClean="0"/>
-              <a:t> λοιπόν ένα ΚΔ … </a:t>
+              <a:t>λοιπόν ένα ΚΔ … </a:t>
             </a:r>
             <a:r>
               <a:rPr lang="el-GR" sz="600" b="0" baseline="0" dirty="0" smtClean="0"/>
@@ -4998,8 +5150,17 @@
             </a:r>
             <a:r>
               <a:rPr lang="en-US" sz="600" b="1" baseline="0" dirty="0" smtClean="0"/>
-              <a:t> data</a:t>
-            </a:r>
+              <a:t> </a:t>
+            </a:r>
+            <a:r>
+              <a:rPr lang="en-US" sz="600" b="1" baseline="0" dirty="0" smtClean="0"/>
+              <a:t>data</a:t>
+            </a:r>
+          </a:p>
+          <a:p>
+            <a:pPr defTabSz="469819">
+              <a:defRPr/>
+            </a:pPr>
             <a:endParaRPr lang="en-US" sz="600" b="1" dirty="0" smtClean="0"/>
           </a:p>
           <a:p>
@@ -5080,6 +5241,10 @@
             <a:r>
               <a:rPr lang="en-US" sz="600" baseline="0" dirty="0" smtClean="0"/>
               <a:t>demo </a:t>
+            </a:r>
+            <a:r>
+              <a:rPr lang="el-GR" sz="600" baseline="0" dirty="0" smtClean="0"/>
+              <a:t>την κοινωνική δικτύωση θα δείτε εφαρμογές…</a:t>
             </a:r>
             <a:r>
               <a:rPr lang="el-GR" sz="600" dirty="0" smtClean="0"/>
@@ -5229,11 +5394,19 @@
             </a:pPr>
             <a:r>
               <a:rPr lang="el-GR" sz="600" b="1" dirty="0" smtClean="0"/>
-              <a:t>Από την πλευρά της κοινωνικής δικτύωσης, παρέχονται όλες οι δυνατότητες των «κλασικών» </a:t>
+              <a:t>Από την πλευρά της κοινωνικής δικτύωσης, παρέχονται όλες οι δυνατότητες </a:t>
+            </a:r>
+            <a:r>
+              <a:rPr lang="el-GR" sz="600" b="1" dirty="0" smtClean="0"/>
+              <a:t>που χρειάζεται ένα</a:t>
+            </a:r>
+            <a:r>
+              <a:rPr lang="el-GR" sz="600" b="1" baseline="0" dirty="0" smtClean="0"/>
+              <a:t> ΚΔ</a:t>
             </a:r>
             <a:r>
               <a:rPr lang="en-US" sz="600" b="1" dirty="0" smtClean="0"/>
-              <a:t>Social Networks…</a:t>
+              <a:t>…</a:t>
             </a:r>
             <a:endParaRPr lang="el-GR" sz="600" dirty="0" smtClean="0"/>
           </a:p>
@@ -5683,7 +5856,7 @@
         <p:spPr/>
         <p:txBody>
           <a:bodyPr>
-            <a:normAutofit fontScale="47500" lnSpcReduction="20000"/>
+            <a:normAutofit fontScale="55000" lnSpcReduction="20000"/>
           </a:bodyPr>
           <a:lstStyle/>
           <a:p>
@@ -5753,7 +5926,11 @@
             </a:r>
             <a:r>
               <a:rPr lang="en-US" b="0" dirty="0" smtClean="0"/>
-              <a:t> Cloud Modeling Language (</a:t>
+              <a:t> Cloud </a:t>
+            </a:r>
+            <a:r>
+              <a:rPr lang="en-US" b="0" dirty="0" smtClean="0"/>
+              <a:t>Modeling Language (</a:t>
             </a:r>
             <a:r>
               <a:rPr lang="en-US" b="1" dirty="0" err="1" smtClean="0"/>
@@ -5871,39 +6048,16 @@
             </a:r>
           </a:p>
           <a:p>
+            <a:endParaRPr lang="el-GR" b="0" dirty="0" smtClean="0"/>
+          </a:p>
+          <a:p>
             <a:r>
               <a:rPr lang="el-GR" b="0" dirty="0" smtClean="0"/>
-              <a:t>Το </a:t>
-            </a:r>
-            <a:r>
-              <a:rPr lang="en-US" b="0" dirty="0" smtClean="0"/>
-              <a:t>Scalability Rules Language (SRL), </a:t>
+              <a:t>Και </a:t>
             </a:r>
             <a:r>
               <a:rPr lang="el-GR" b="0" dirty="0" smtClean="0"/>
-              <a:t>για</a:t>
-            </a:r>
-            <a:r>
-              <a:rPr lang="el-GR" b="0" baseline="0" dirty="0" smtClean="0"/>
-              <a:t> των </a:t>
-            </a:r>
-            <a:r>
-              <a:rPr lang="en-US" b="0" dirty="0" smtClean="0"/>
-              <a:t>scalability rules</a:t>
-            </a:r>
-            <a:r>
-              <a:rPr lang="el-GR" b="0" dirty="0" smtClean="0"/>
-              <a:t> τις εφαρμογής</a:t>
-            </a:r>
-            <a:r>
-              <a:rPr lang="en-US" b="0" dirty="0" smtClean="0"/>
-              <a:t>. </a:t>
-            </a:r>
-          </a:p>
-          <a:p>
-            <a:r>
-              <a:rPr lang="el-GR" b="0" dirty="0" smtClean="0"/>
-              <a:t>Και τέλος τα</a:t>
+              <a:t>τέλος τα</a:t>
             </a:r>
             <a:r>
               <a:rPr lang="el-GR" b="0" baseline="0" dirty="0" smtClean="0"/>
@@ -5929,11 +6083,23 @@
           <a:p>
             <a:r>
               <a:rPr lang="el-GR" b="0" baseline="0" dirty="0" smtClean="0"/>
-              <a:t>Και για να δημιουργήσουμε ένα τέτοιο μοντέλο μπορούμε να χρησιμοποιήσουμε τον </a:t>
+              <a:t>Τα μοντέλα αυτά είναι εκφρασμένα στο </a:t>
             </a:r>
             <a:r>
               <a:rPr lang="en-US" b="0" baseline="0" dirty="0" smtClean="0"/>
-              <a:t>tree editor </a:t>
+              <a:t>Eclipse Modeling Framework </a:t>
+            </a:r>
+            <a:r>
+              <a:rPr lang="el-GR" b="0" baseline="0" dirty="0" smtClean="0"/>
+              <a:t>και μπορούμε να χρησιμοποιήσουμε τις δυνατότητες που μας παρέχει ο </a:t>
+            </a:r>
+            <a:r>
+              <a:rPr lang="en-US" b="0" baseline="0" dirty="0" smtClean="0"/>
+              <a:t>tree </a:t>
+            </a:r>
+            <a:r>
+              <a:rPr lang="en-US" b="0" baseline="0" dirty="0" smtClean="0"/>
+              <a:t>editor </a:t>
             </a:r>
             <a:r>
               <a:rPr lang="el-GR" b="0" baseline="0" dirty="0" smtClean="0"/>
@@ -5941,43 +6107,20 @@
             </a:r>
             <a:r>
               <a:rPr lang="en-US" b="0" baseline="0" dirty="0" smtClean="0"/>
-              <a:t>eclipse </a:t>
+              <a:t>eclipse</a:t>
             </a:r>
             <a:r>
               <a:rPr lang="el-GR" b="0" baseline="0" dirty="0" smtClean="0"/>
-              <a:t>Όταν κάποιος πατήσει εδώ μέσα βλέπει και άλλη πληροφορία που λίγο πολύ αυτό αντιστοιχεί στο παζλ που σας έδειξα πριν. Πίσω από τον </a:t>
+              <a:t> για να μπορέσουμε να δημιουργήσουμε και να επεξεργαστούμε αυτά τα μοντέλα.</a:t>
             </a:r>
             <a:r>
               <a:rPr lang="en-US" b="0" baseline="0" dirty="0" smtClean="0"/>
-              <a:t>tree editor </a:t>
+              <a:t> </a:t>
             </a:r>
             <a:r>
               <a:rPr lang="el-GR" b="0" baseline="0" dirty="0" smtClean="0"/>
-              <a:t>το μοντέλο αποθηκεύεται σε </a:t>
-            </a:r>
-            <a:r>
-              <a:rPr lang="en-US" b="0" baseline="0" dirty="0" smtClean="0"/>
-              <a:t>xml </a:t>
-            </a:r>
-            <a:r>
-              <a:rPr lang="el-GR" b="0" baseline="0" dirty="0" smtClean="0"/>
-              <a:t>μορφή.</a:t>
-            </a:r>
-            <a:endParaRPr lang="en-US" b="0" baseline="0" dirty="0" smtClean="0"/>
-          </a:p>
-          <a:p>
-            <a:r>
-              <a:rPr lang="en-US" b="0" baseline="0" dirty="0" smtClean="0"/>
-              <a:t>Cloud ML -&gt; deployment model</a:t>
-            </a:r>
-          </a:p>
-          <a:p>
-            <a:r>
-              <a:rPr lang="en-US" b="0" baseline="0" dirty="0" smtClean="0"/>
-              <a:t>Cloud Providers -&gt; provider model</a:t>
-            </a:r>
-          </a:p>
-          <a:p>
+              <a:t>Όταν κάποιος πατήσει εδώ μέσα βλέπει και άλλη πληροφορία που λίγο πολύ αυτό αντιστοιχεί στο παζλ που σας έδειξα πριν. </a:t>
+            </a:r>
             <a:endParaRPr lang="en-US" b="0" baseline="0" dirty="0" smtClean="0"/>
           </a:p>
           <a:p>
@@ -6109,15 +6252,19 @@
             </a:pPr>
             <a:r>
               <a:rPr lang="el-GR" b="0" baseline="0" dirty="0" smtClean="0"/>
-              <a:t>Το δικό μου </a:t>
+              <a:t>Ένα από τα </a:t>
             </a:r>
             <a:r>
               <a:rPr lang="en-US" b="0" baseline="0" dirty="0" smtClean="0"/>
-              <a:t>contribution</a:t>
+              <a:t>contributions </a:t>
             </a:r>
             <a:r>
               <a:rPr lang="el-GR" b="0" baseline="0" dirty="0" smtClean="0"/>
-              <a:t>, όπως είπα,</a:t>
+              <a:t>της εργασίας μου, </a:t>
+            </a:r>
+            <a:r>
+              <a:rPr lang="el-GR" b="0" baseline="0" dirty="0" smtClean="0"/>
+              <a:t>όπως είπα,</a:t>
             </a:r>
             <a:r>
               <a:rPr lang="en-US" b="0" baseline="0" dirty="0" smtClean="0"/>
@@ -6149,11 +6296,19 @@
             </a:r>
             <a:r>
               <a:rPr lang="el-GR" baseline="0" dirty="0" smtClean="0"/>
-              <a:t>Για να υποστηριχθεί η λειτουργικότητα του ΚΔ  χρειάστηκε να γίνει </a:t>
+              <a:t>Για να υποστηριχθεί η λειτουργικότητα του ΚΔ  </a:t>
+            </a:r>
+            <a:r>
+              <a:rPr lang="el-GR" baseline="0" dirty="0" smtClean="0"/>
+              <a:t>έκανα </a:t>
             </a:r>
             <a:r>
               <a:rPr lang="en-US" baseline="0" dirty="0" smtClean="0"/>
-              <a:t>extend &amp; customize</a:t>
+              <a:t>extend </a:t>
+            </a:r>
+            <a:r>
+              <a:rPr lang="en-US" baseline="0" dirty="0" smtClean="0"/>
+              <a:t>&amp; customize</a:t>
             </a:r>
             <a:r>
               <a:rPr lang="el-GR" baseline="0" dirty="0" smtClean="0"/>
@@ -14306,7 +14461,7 @@
       </p:grpSpPr>
       <p:sp>
         <p:nvSpPr>
-          <p:cNvPr id="2" name="Title 1"/>
+          <p:cNvPr id="2" name="1 - Τίτλος"/>
           <p:cNvSpPr>
             <a:spLocks noGrp="1"/>
           </p:cNvSpPr>
@@ -14321,15 +14476,34 @@
           <a:p>
             <a:r>
               <a:rPr lang="en-US" dirty="0" smtClean="0"/>
-              <a:t>Topic Classification</a:t>
-            </a:r>
-            <a:endParaRPr lang="el-GR" dirty="0"/>
-          </a:p>
-        </p:txBody>
-      </p:sp>
-      <p:sp>
-        <p:nvSpPr>
-          <p:cNvPr id="3" name="Footer Placeholder 2"/>
+              <a:t>Evaluation</a:t>
+            </a:r>
+            <a:endParaRPr lang="en-GB" dirty="0"/>
+          </a:p>
+        </p:txBody>
+      </p:sp>
+      <p:sp>
+        <p:nvSpPr>
+          <p:cNvPr id="3" name="2 - Θέση κειμένου"/>
+          <p:cNvSpPr>
+            <a:spLocks noGrp="1"/>
+          </p:cNvSpPr>
+          <p:nvPr>
+            <p:ph type="body" idx="1"/>
+          </p:nvPr>
+        </p:nvSpPr>
+        <p:spPr/>
+        <p:txBody>
+          <a:bodyPr/>
+          <a:lstStyle/>
+          <a:p>
+            <a:endParaRPr lang="en-GB"/>
+          </a:p>
+        </p:txBody>
+      </p:sp>
+      <p:sp>
+        <p:nvSpPr>
+          <p:cNvPr id="5" name="4 - Θέση υποσέλιδου"/>
           <p:cNvSpPr>
             <a:spLocks noGrp="1"/>
           </p:cNvSpPr>
@@ -14353,7 +14527,7 @@
       </p:sp>
       <p:sp>
         <p:nvSpPr>
-          <p:cNvPr id="4" name="Slide Number Placeholder 3"/>
+          <p:cNvPr id="4" name="3 - Θέση αριθμού διαφάνειας"/>
           <p:cNvSpPr>
             <a:spLocks noGrp="1"/>
           </p:cNvSpPr>
@@ -14375,41 +14549,7 @@
           </a:p>
         </p:txBody>
       </p:sp>
-      <p:pic>
-        <p:nvPicPr>
-          <p:cNvPr id="7" name="Content Placeholder 6"/>
-          <p:cNvPicPr>
-            <a:picLocks noGrp="1" noChangeAspect="1"/>
-          </p:cNvPicPr>
-          <p:nvPr>
-            <p:ph sz="quarter" idx="1"/>
-          </p:nvPr>
-        </p:nvPicPr>
-        <p:blipFill>
-          <a:blip r:embed="rId3">
-            <a:extLst>
-              <a:ext uri="{28A0092B-C50C-407E-A947-70E740481C1C}">
-                <a14:useLocalDpi xmlns:a14="http://schemas.microsoft.com/office/drawing/2010/main" val="0"/>
-              </a:ext>
-            </a:extLst>
-          </a:blip>
-          <a:stretch>
-            <a:fillRect/>
-          </a:stretch>
-        </p:blipFill>
-        <p:spPr>
-          <a:xfrm>
-            <a:off x="457200" y="1539711"/>
-            <a:ext cx="8229600" cy="4296103"/>
-          </a:xfrm>
-        </p:spPr>
-      </p:pic>
     </p:spTree>
-    <p:extLst>
-      <p:ext uri="{BB962C8B-B14F-4D97-AF65-F5344CB8AC3E}">
-        <p14:creationId xmlns:p14="http://schemas.microsoft.com/office/powerpoint/2010/main" val="3165543585"/>
-      </p:ext>
-    </p:extLst>
   </p:cSld>
   <p:clrMapOvr>
     <a:masterClrMapping/>
@@ -14443,7 +14583,7 @@
       </p:grpSpPr>
       <p:sp>
         <p:nvSpPr>
-          <p:cNvPr id="2" name="1 - Τίτλος"/>
+          <p:cNvPr id="2" name="Title 1"/>
           <p:cNvSpPr>
             <a:spLocks noGrp="1"/>
           </p:cNvSpPr>
@@ -14458,34 +14598,15 @@
           <a:p>
             <a:r>
               <a:rPr lang="en-US" dirty="0" smtClean="0"/>
-              <a:t>Evaluation</a:t>
-            </a:r>
-            <a:endParaRPr lang="en-GB" dirty="0"/>
-          </a:p>
-        </p:txBody>
-      </p:sp>
-      <p:sp>
-        <p:nvSpPr>
-          <p:cNvPr id="3" name="2 - Θέση κειμένου"/>
-          <p:cNvSpPr>
-            <a:spLocks noGrp="1"/>
-          </p:cNvSpPr>
-          <p:nvPr>
-            <p:ph type="body" idx="1"/>
-          </p:nvPr>
-        </p:nvSpPr>
-        <p:spPr/>
-        <p:txBody>
-          <a:bodyPr/>
-          <a:lstStyle/>
-          <a:p>
-            <a:endParaRPr lang="en-GB"/>
-          </a:p>
-        </p:txBody>
-      </p:sp>
-      <p:sp>
-        <p:nvSpPr>
-          <p:cNvPr id="5" name="4 - Θέση υποσέλιδου"/>
+              <a:t>Usability Evaluation Process </a:t>
+            </a:r>
+            <a:endParaRPr lang="el-GR" dirty="0"/>
+          </a:p>
+        </p:txBody>
+      </p:sp>
+      <p:sp>
+        <p:nvSpPr>
+          <p:cNvPr id="3" name="Footer Placeholder 2"/>
           <p:cNvSpPr>
             <a:spLocks noGrp="1"/>
           </p:cNvSpPr>
@@ -14509,7 +14630,7 @@
       </p:sp>
       <p:sp>
         <p:nvSpPr>
-          <p:cNvPr id="4" name="3 - Θέση αριθμού διαφάνειας"/>
+          <p:cNvPr id="4" name="Slide Number Placeholder 3"/>
           <p:cNvSpPr>
             <a:spLocks noGrp="1"/>
           </p:cNvSpPr>
@@ -14526,109 +14647,6 @@
               <a:rPr lang="en-GB" smtClean="0"/>
               <a:pPr/>
               <a:t>16</a:t>
-            </a:fld>
-            <a:endParaRPr lang="en-GB"/>
-          </a:p>
-        </p:txBody>
-      </p:sp>
-    </p:spTree>
-  </p:cSld>
-  <p:clrMapOvr>
-    <a:masterClrMapping/>
-  </p:clrMapOvr>
-  <p:timing>
-    <p:tnLst>
-      <p:par>
-        <p:cTn id="1" dur="indefinite" restart="never" nodeType="tmRoot"/>
-      </p:par>
-    </p:tnLst>
-  </p:timing>
-</p:sld>
-</file>
-
-<file path=ppt/slides/slide17.xml><?xml version="1.0" encoding="utf-8"?>
-<p:sld xmlns:a="http://schemas.openxmlformats.org/drawingml/2006/main" xmlns:r="http://schemas.openxmlformats.org/officeDocument/2006/relationships" xmlns:p="http://schemas.openxmlformats.org/presentationml/2006/main">
-  <p:cSld>
-    <p:spTree>
-      <p:nvGrpSpPr>
-        <p:cNvPr id="1" name=""/>
-        <p:cNvGrpSpPr/>
-        <p:nvPr/>
-      </p:nvGrpSpPr>
-      <p:grpSpPr>
-        <a:xfrm>
-          <a:off x="0" y="0"/>
-          <a:ext cx="0" cy="0"/>
-          <a:chOff x="0" y="0"/>
-          <a:chExt cx="0" cy="0"/>
-        </a:xfrm>
-      </p:grpSpPr>
-      <p:sp>
-        <p:nvSpPr>
-          <p:cNvPr id="2" name="Title 1"/>
-          <p:cNvSpPr>
-            <a:spLocks noGrp="1"/>
-          </p:cNvSpPr>
-          <p:nvPr>
-            <p:ph type="title"/>
-          </p:nvPr>
-        </p:nvSpPr>
-        <p:spPr/>
-        <p:txBody>
-          <a:bodyPr/>
-          <a:lstStyle/>
-          <a:p>
-            <a:r>
-              <a:rPr lang="en-US" dirty="0" smtClean="0"/>
-              <a:t>Usability Evaluation Process </a:t>
-            </a:r>
-            <a:endParaRPr lang="el-GR" dirty="0"/>
-          </a:p>
-        </p:txBody>
-      </p:sp>
-      <p:sp>
-        <p:nvSpPr>
-          <p:cNvPr id="3" name="Footer Placeholder 2"/>
-          <p:cNvSpPr>
-            <a:spLocks noGrp="1"/>
-          </p:cNvSpPr>
-          <p:nvPr>
-            <p:ph type="ftr" sz="quarter" idx="11"/>
-          </p:nvPr>
-        </p:nvSpPr>
-        <p:spPr/>
-        <p:txBody>
-          <a:bodyPr/>
-          <a:lstStyle/>
-          <a:p>
-            <a:pPr algn="ctr"/>
-            <a:r>
-              <a:rPr lang="en-US" dirty="0"/>
-              <a:t>Presentation: 15/10/2015</a:t>
-            </a:r>
-            <a:endParaRPr lang="en-GB" dirty="0"/>
-          </a:p>
-        </p:txBody>
-      </p:sp>
-      <p:sp>
-        <p:nvSpPr>
-          <p:cNvPr id="4" name="Slide Number Placeholder 3"/>
-          <p:cNvSpPr>
-            <a:spLocks noGrp="1"/>
-          </p:cNvSpPr>
-          <p:nvPr>
-            <p:ph type="sldNum" sz="quarter" idx="12"/>
-          </p:nvPr>
-        </p:nvSpPr>
-        <p:spPr/>
-        <p:txBody>
-          <a:bodyPr/>
-          <a:lstStyle/>
-          <a:p>
-            <a:fld id="{5A039058-1920-4143-8EFA-8E582B1DAF65}" type="slidenum">
-              <a:rPr lang="en-GB" smtClean="0"/>
-              <a:pPr/>
-              <a:t>17</a:t>
             </a:fld>
             <a:endParaRPr lang="en-GB"/>
           </a:p>
@@ -14703,10 +14721,299 @@
           </a:prstGeom>
         </p:spPr>
       </p:pic>
+      <p:sp>
+        <p:nvSpPr>
+          <p:cNvPr id="7" name="Rectangle 6"/>
+          <p:cNvSpPr/>
+          <p:nvPr/>
+        </p:nvSpPr>
+        <p:spPr>
+          <a:xfrm>
+            <a:off x="1814512" y="3933056"/>
+            <a:ext cx="2757488" cy="1008112"/>
+          </a:xfrm>
+          <a:prstGeom prst="rect">
+            <a:avLst/>
+          </a:prstGeom>
+          <a:noFill/>
+        </p:spPr>
+        <p:style>
+          <a:lnRef idx="2">
+            <a:schemeClr val="accent1"/>
+          </a:lnRef>
+          <a:fillRef idx="1">
+            <a:schemeClr val="lt1"/>
+          </a:fillRef>
+          <a:effectRef idx="0">
+            <a:schemeClr val="accent1"/>
+          </a:effectRef>
+          <a:fontRef idx="minor">
+            <a:schemeClr val="dk1"/>
+          </a:fontRef>
+        </p:style>
+        <p:txBody>
+          <a:bodyPr rtlCol="0" anchor="ctr"/>
+          <a:lstStyle/>
+          <a:p>
+            <a:pPr algn="ctr"/>
+            <a:endParaRPr lang="el-GR"/>
+          </a:p>
+        </p:txBody>
+      </p:sp>
     </p:spTree>
     <p:extLst>
       <p:ext uri="{BB962C8B-B14F-4D97-AF65-F5344CB8AC3E}">
         <p14:creationId xmlns:p14="http://schemas.microsoft.com/office/powerpoint/2010/main" val="3939292220"/>
+      </p:ext>
+    </p:extLst>
+  </p:cSld>
+  <p:clrMapOvr>
+    <a:masterClrMapping/>
+  </p:clrMapOvr>
+  <p:timing>
+    <p:tnLst>
+      <p:par>
+        <p:cTn id="1" dur="indefinite" restart="never" nodeType="tmRoot">
+          <p:childTnLst>
+            <p:seq concurrent="1" nextAc="seek">
+              <p:cTn id="2" dur="indefinite" nodeType="mainSeq">
+                <p:childTnLst>
+                  <p:par>
+                    <p:cTn id="3" fill="hold">
+                      <p:stCondLst>
+                        <p:cond delay="indefinite"/>
+                      </p:stCondLst>
+                      <p:childTnLst>
+                        <p:par>
+                          <p:cTn id="4" fill="hold">
+                            <p:stCondLst>
+                              <p:cond delay="0"/>
+                            </p:stCondLst>
+                            <p:childTnLst>
+                              <p:par>
+                                <p:cTn id="5" presetID="1" presetClass="entr" presetSubtype="0" fill="hold" grpId="0" nodeType="clickEffect">
+                                  <p:stCondLst>
+                                    <p:cond delay="0"/>
+                                  </p:stCondLst>
+                                  <p:childTnLst>
+                                    <p:set>
+                                      <p:cBhvr>
+                                        <p:cTn id="6" dur="1" fill="hold">
+                                          <p:stCondLst>
+                                            <p:cond delay="0"/>
+                                          </p:stCondLst>
+                                        </p:cTn>
+                                        <p:tgtEl>
+                                          <p:spTgt spid="7"/>
+                                        </p:tgtEl>
+                                        <p:attrNameLst>
+                                          <p:attrName>style.visibility</p:attrName>
+                                        </p:attrNameLst>
+                                      </p:cBhvr>
+                                      <p:to>
+                                        <p:strVal val="visible"/>
+                                      </p:to>
+                                    </p:set>
+                                  </p:childTnLst>
+                                </p:cTn>
+                              </p:par>
+                            </p:childTnLst>
+                          </p:cTn>
+                        </p:par>
+                      </p:childTnLst>
+                    </p:cTn>
+                  </p:par>
+                  <p:par>
+                    <p:cTn id="7" fill="hold">
+                      <p:stCondLst>
+                        <p:cond delay="indefinite"/>
+                      </p:stCondLst>
+                      <p:childTnLst>
+                        <p:par>
+                          <p:cTn id="8" fill="hold">
+                            <p:stCondLst>
+                              <p:cond delay="0"/>
+                            </p:stCondLst>
+                            <p:childTnLst>
+                              <p:par>
+                                <p:cTn id="9" presetID="42" presetClass="path" presetSubtype="0" accel="50000" decel="50000" fill="hold" grpId="1" nodeType="clickEffect">
+                                  <p:stCondLst>
+                                    <p:cond delay="0"/>
+                                  </p:stCondLst>
+                                  <p:childTnLst>
+                                    <p:animMotion origin="layout" path="M -1.94444E-6 0.01042 L 0.29931 0.01042 " pathEditMode="relative" rAng="0" ptsTypes="AA">
+                                      <p:cBhvr>
+                                        <p:cTn id="10" dur="2000" fill="hold"/>
+                                        <p:tgtEl>
+                                          <p:spTgt spid="7"/>
+                                        </p:tgtEl>
+                                        <p:attrNameLst>
+                                          <p:attrName>ppt_x</p:attrName>
+                                          <p:attrName>ppt_y</p:attrName>
+                                        </p:attrNameLst>
+                                      </p:cBhvr>
+                                      <p:rCtr x="14965" y="0"/>
+                                    </p:animMotion>
+                                  </p:childTnLst>
+                                </p:cTn>
+                              </p:par>
+                            </p:childTnLst>
+                          </p:cTn>
+                        </p:par>
+                      </p:childTnLst>
+                    </p:cTn>
+                  </p:par>
+                </p:childTnLst>
+              </p:cTn>
+              <p:prevCondLst>
+                <p:cond evt="onPrev" delay="0">
+                  <p:tgtEl>
+                    <p:sldTgt/>
+                  </p:tgtEl>
+                </p:cond>
+              </p:prevCondLst>
+              <p:nextCondLst>
+                <p:cond evt="onNext" delay="0">
+                  <p:tgtEl>
+                    <p:sldTgt/>
+                  </p:tgtEl>
+                </p:cond>
+              </p:nextCondLst>
+            </p:seq>
+          </p:childTnLst>
+        </p:cTn>
+      </p:par>
+    </p:tnLst>
+    <p:bldLst>
+      <p:bldP spid="7" grpId="0" animBg="1"/>
+      <p:bldP spid="7" grpId="1" animBg="1"/>
+    </p:bldLst>
+  </p:timing>
+</p:sld>
+</file>
+
+<file path=ppt/slides/slide17.xml><?xml version="1.0" encoding="utf-8"?>
+<p:sld xmlns:a="http://schemas.openxmlformats.org/drawingml/2006/main" xmlns:r="http://schemas.openxmlformats.org/officeDocument/2006/relationships" xmlns:p="http://schemas.openxmlformats.org/presentationml/2006/main">
+  <p:cSld>
+    <p:spTree>
+      <p:nvGrpSpPr>
+        <p:cNvPr id="1" name=""/>
+        <p:cNvGrpSpPr/>
+        <p:nvPr/>
+      </p:nvGrpSpPr>
+      <p:grpSpPr>
+        <a:xfrm>
+          <a:off x="0" y="0"/>
+          <a:ext cx="0" cy="0"/>
+          <a:chOff x="0" y="0"/>
+          <a:chExt cx="0" cy="0"/>
+        </a:xfrm>
+      </p:grpSpPr>
+      <p:sp>
+        <p:nvSpPr>
+          <p:cNvPr id="2" name="Title 1"/>
+          <p:cNvSpPr>
+            <a:spLocks noGrp="1"/>
+          </p:cNvSpPr>
+          <p:nvPr>
+            <p:ph type="title"/>
+          </p:nvPr>
+        </p:nvSpPr>
+        <p:spPr/>
+        <p:txBody>
+          <a:bodyPr>
+            <a:normAutofit/>
+          </a:bodyPr>
+          <a:lstStyle/>
+          <a:p>
+            <a:r>
+              <a:rPr lang="en-US" dirty="0" smtClean="0"/>
+              <a:t>Users’ requirements</a:t>
+            </a:r>
+            <a:endParaRPr lang="el-GR" dirty="0"/>
+          </a:p>
+        </p:txBody>
+      </p:sp>
+      <p:sp>
+        <p:nvSpPr>
+          <p:cNvPr id="3" name="Footer Placeholder 2"/>
+          <p:cNvSpPr>
+            <a:spLocks noGrp="1"/>
+          </p:cNvSpPr>
+          <p:nvPr>
+            <p:ph type="ftr" sz="quarter" idx="11"/>
+          </p:nvPr>
+        </p:nvSpPr>
+        <p:spPr/>
+        <p:txBody>
+          <a:bodyPr/>
+          <a:lstStyle/>
+          <a:p>
+            <a:r>
+              <a:rPr lang="en-GB" smtClean="0"/>
+              <a:t>International Master in Service Science</a:t>
+            </a:r>
+            <a:endParaRPr lang="en-GB"/>
+          </a:p>
+        </p:txBody>
+      </p:sp>
+      <p:sp>
+        <p:nvSpPr>
+          <p:cNvPr id="4" name="Slide Number Placeholder 3"/>
+          <p:cNvSpPr>
+            <a:spLocks noGrp="1"/>
+          </p:cNvSpPr>
+          <p:nvPr>
+            <p:ph type="sldNum" sz="quarter" idx="12"/>
+          </p:nvPr>
+        </p:nvSpPr>
+        <p:spPr/>
+        <p:txBody>
+          <a:bodyPr/>
+          <a:lstStyle/>
+          <a:p>
+            <a:fld id="{5A039058-1920-4143-8EFA-8E582B1DAF65}" type="slidenum">
+              <a:rPr lang="en-GB" smtClean="0"/>
+              <a:pPr/>
+              <a:t>17</a:t>
+            </a:fld>
+            <a:endParaRPr lang="en-GB"/>
+          </a:p>
+        </p:txBody>
+      </p:sp>
+      <p:pic>
+        <p:nvPicPr>
+          <p:cNvPr id="6" name="Content Placeholder 5"/>
+          <p:cNvPicPr>
+            <a:picLocks noGrp="1" noChangeAspect="1"/>
+          </p:cNvPicPr>
+          <p:nvPr>
+            <p:ph sz="quarter" idx="1"/>
+          </p:nvPr>
+        </p:nvPicPr>
+        <p:blipFill>
+          <a:blip r:embed="rId2">
+            <a:extLst>
+              <a:ext uri="{28A0092B-C50C-407E-A947-70E740481C1C}">
+                <a14:useLocalDpi xmlns:a14="http://schemas.microsoft.com/office/drawing/2010/main" val="0"/>
+              </a:ext>
+            </a:extLst>
+          </a:blip>
+          <a:stretch>
+            <a:fillRect/>
+          </a:stretch>
+        </p:blipFill>
+        <p:spPr>
+          <a:xfrm>
+            <a:off x="827584" y="2132856"/>
+            <a:ext cx="7579578" cy="2138858"/>
+          </a:xfrm>
+        </p:spPr>
+      </p:pic>
+    </p:spTree>
+    <p:extLst>
+      <p:ext uri="{BB962C8B-B14F-4D97-AF65-F5344CB8AC3E}">
+        <p14:creationId xmlns:p14="http://schemas.microsoft.com/office/powerpoint/2010/main" val="1769239518"/>
       </p:ext>
     </p:extLst>
   </p:cSld>
@@ -15710,14 +16017,14 @@
           <p:nvPr>
             <p:extLst>
               <p:ext uri="{D42A27DB-BD31-4B8C-83A1-F6EECF244321}">
-                <p14:modId xmlns:p14="http://schemas.microsoft.com/office/powerpoint/2010/main" val="3980937275"/>
+                <p14:modId xmlns:p14="http://schemas.microsoft.com/office/powerpoint/2010/main" val="4082431479"/>
               </p:ext>
             </p:extLst>
           </p:nvPr>
         </p:nvGraphicFramePr>
         <p:xfrm>
           <a:off x="5370512" y="4797152"/>
-          <a:ext cx="3593975" cy="1475270"/>
+          <a:ext cx="3593975" cy="1097280"/>
         </p:xfrm>
         <a:graphic>
           <a:graphicData uri="http://schemas.openxmlformats.org/drawingml/2006/table">
@@ -16093,137 +16400,6 @@
                   </a:tcPr>
                 </a:tc>
               </a:tr>
-              <a:tr h="377990">
-                <a:tc>
-                  <a:txBody>
-                    <a:bodyPr/>
-                    <a:lstStyle/>
-                    <a:p>
-                      <a:r>
-                        <a:rPr lang="en-US" dirty="0" smtClean="0">
-                          <a:latin typeface="Adobe Caslon Pro" panose="0205050205050A020403" pitchFamily="18" charset="0"/>
-                        </a:rPr>
-                        <a:t>C4</a:t>
-                      </a:r>
-                      <a:endParaRPr lang="el-GR" dirty="0"/>
-                    </a:p>
-                  </a:txBody>
-                  <a:tcPr>
-                    <a:lnL w="12700" cap="flat" cmpd="sng" algn="ctr">
-                      <a:solidFill>
-                        <a:schemeClr val="tx1"/>
-                      </a:solidFill>
-                      <a:prstDash val="solid"/>
-                      <a:round/>
-                      <a:headEnd type="none" w="med" len="med"/>
-                      <a:tailEnd type="none" w="med" len="med"/>
-                    </a:lnL>
-                    <a:lnR w="12700" cap="flat" cmpd="sng" algn="ctr">
-                      <a:solidFill>
-                        <a:schemeClr val="tx1"/>
-                      </a:solidFill>
-                      <a:prstDash val="solid"/>
-                      <a:round/>
-                      <a:headEnd type="none" w="med" len="med"/>
-                      <a:tailEnd type="none" w="med" len="med"/>
-                    </a:lnR>
-                    <a:lnT w="12700" cap="flat" cmpd="sng" algn="ctr">
-                      <a:solidFill>
-                        <a:schemeClr val="tx1"/>
-                      </a:solidFill>
-                      <a:prstDash val="solid"/>
-                      <a:round/>
-                      <a:headEnd type="none" w="med" len="med"/>
-                      <a:tailEnd type="none" w="med" len="med"/>
-                    </a:lnT>
-                    <a:lnB w="12700" cap="flat" cmpd="sng" algn="ctr">
-                      <a:solidFill>
-                        <a:schemeClr val="tx1"/>
-                      </a:solidFill>
-                      <a:prstDash val="solid"/>
-                      <a:round/>
-                      <a:headEnd type="none" w="med" len="med"/>
-                      <a:tailEnd type="none" w="med" len="med"/>
-                    </a:lnB>
-                  </a:tcPr>
-                </a:tc>
-                <a:tc>
-                  <a:txBody>
-                    <a:bodyPr/>
-                    <a:lstStyle/>
-                    <a:p>
-                      <a:pPr marL="0" marR="0" indent="0" algn="l" defTabSz="914400" rtl="0" eaLnBrk="1" fontAlgn="auto" latinLnBrk="0" hangingPunct="1">
-                        <a:lnSpc>
-                          <a:spcPct val="100000"/>
-                        </a:lnSpc>
-                        <a:spcBef>
-                          <a:spcPts val="0"/>
-                        </a:spcBef>
-                        <a:spcAft>
-                          <a:spcPts val="0"/>
-                        </a:spcAft>
-                        <a:buClrTx/>
-                        <a:buSzTx/>
-                        <a:buFontTx/>
-                        <a:buNone/>
-                        <a:tabLst/>
-                        <a:defRPr/>
-                      </a:pPr>
-                      <a:r>
-                        <a:rPr lang="en-US" sz="1700" dirty="0" smtClean="0">
-                          <a:latin typeface="Adobe Caslon Pro" panose="0205050205050A020403" pitchFamily="18" charset="0"/>
-                        </a:rPr>
-                        <a:t>One mem</a:t>
-                      </a:r>
-                      <a:r>
-                        <a:rPr lang="en-US" sz="1700" baseline="0" dirty="0" smtClean="0">
-                          <a:latin typeface="Adobe Caslon Pro" panose="0205050205050A020403" pitchFamily="18" charset="0"/>
-                        </a:rPr>
-                        <a:t>cached with two SNE</a:t>
-                      </a:r>
-                      <a:endParaRPr lang="el-GR" sz="1700" dirty="0" smtClean="0"/>
-                    </a:p>
-                  </a:txBody>
-                  <a:tcPr>
-                    <a:lnL w="12700" cap="flat" cmpd="sng" algn="ctr">
-                      <a:solidFill>
-                        <a:schemeClr val="tx1"/>
-                      </a:solidFill>
-                      <a:prstDash val="solid"/>
-                      <a:round/>
-                      <a:headEnd type="none" w="med" len="med"/>
-                      <a:tailEnd type="none" w="med" len="med"/>
-                    </a:lnL>
-                    <a:lnR w="12700" cap="flat" cmpd="sng" algn="ctr">
-                      <a:solidFill>
-                        <a:schemeClr val="tx1"/>
-                      </a:solidFill>
-                      <a:prstDash val="solid"/>
-                      <a:round/>
-                      <a:headEnd type="none" w="med" len="med"/>
-                      <a:tailEnd type="none" w="med" len="med"/>
-                    </a:lnR>
-                    <a:lnT w="12700" cap="flat" cmpd="sng" algn="ctr">
-                      <a:solidFill>
-                        <a:schemeClr val="tx1"/>
-                      </a:solidFill>
-                      <a:prstDash val="solid"/>
-                      <a:round/>
-                      <a:headEnd type="none" w="med" len="med"/>
-                      <a:tailEnd type="none" w="med" len="med"/>
-                    </a:lnT>
-                    <a:lnB w="12700" cap="flat" cmpd="sng" algn="ctr">
-                      <a:solidFill>
-                        <a:schemeClr val="tx1"/>
-                      </a:solidFill>
-                      <a:prstDash val="solid"/>
-                      <a:round/>
-                      <a:headEnd type="none" w="med" len="med"/>
-                      <a:tailEnd type="none" w="med" len="med"/>
-                    </a:lnB>
-                  </a:tcPr>
-                </a:tc>
-              </a:tr>
             </a:tbl>
           </a:graphicData>
         </a:graphic>
@@ -16376,6 +16552,9 @@
                     <p:cTn id="3" fill="hold">
                       <p:stCondLst>
                         <p:cond delay="indefinite"/>
+                        <p:cond evt="onBegin" delay="0">
+                          <p:tn val="2"/>
+                        </p:cond>
                       </p:stCondLst>
                       <p:childTnLst>
                         <p:par>
@@ -16385,7 +16564,7 @@
                             </p:stCondLst>
                             <p:childTnLst>
                               <p:par>
-                                <p:cTn id="5" presetID="10" presetClass="entr" presetSubtype="0" fill="hold" nodeType="clickEffect">
+                                <p:cTn id="5" presetID="10" presetClass="entr" presetSubtype="0" fill="hold" nodeType="withEffect">
                                   <p:stCondLst>
                                     <p:cond delay="0"/>
                                   </p:stCondLst>
@@ -16868,7 +17047,7 @@
           <a:p>
             <a:r>
               <a:rPr lang="en-US" dirty="0" smtClean="0"/>
-              <a:t>Response time, adding SNE (2/2)</a:t>
+              <a:t>Number of queries</a:t>
             </a:r>
             <a:endParaRPr lang="el-GR" dirty="0"/>
           </a:p>
@@ -16889,12 +17068,11 @@
           <a:bodyPr/>
           <a:lstStyle/>
           <a:p>
-            <a:pPr algn="ctr"/>
-            <a:r>
-              <a:rPr lang="en-US" dirty="0"/>
-              <a:t>Presentation: 15/10/2015</a:t>
-            </a:r>
-            <a:endParaRPr lang="en-GB" dirty="0"/>
+            <a:r>
+              <a:rPr lang="en-GB" smtClean="0"/>
+              <a:t>International Master in Service Science</a:t>
+            </a:r>
+            <a:endParaRPr lang="en-GB"/>
           </a:p>
         </p:txBody>
       </p:sp>
@@ -16917,6 +17095,687 @@
               <a:rPr lang="en-GB" smtClean="0"/>
               <a:pPr/>
               <a:t>21</a:t>
+            </a:fld>
+            <a:endParaRPr lang="en-GB"/>
+          </a:p>
+        </p:txBody>
+      </p:sp>
+      <p:graphicFrame>
+        <p:nvGraphicFramePr>
+          <p:cNvPr id="6" name="Content Placeholder 5"/>
+          <p:cNvGraphicFramePr>
+            <a:graphicFrameLocks noGrp="1"/>
+          </p:cNvGraphicFramePr>
+          <p:nvPr>
+            <p:ph sz="quarter" idx="1"/>
+            <p:extLst>
+              <p:ext uri="{D42A27DB-BD31-4B8C-83A1-F6EECF244321}">
+                <p14:modId xmlns:p14="http://schemas.microsoft.com/office/powerpoint/2010/main" val="407831212"/>
+              </p:ext>
+            </p:extLst>
+          </p:nvPr>
+        </p:nvGraphicFramePr>
+        <p:xfrm>
+          <a:off x="457200" y="1895475"/>
+          <a:ext cx="8229600" cy="1854200"/>
+        </p:xfrm>
+        <a:graphic>
+          <a:graphicData uri="http://schemas.openxmlformats.org/drawingml/2006/table">
+            <a:tbl>
+              <a:tblPr firstRow="1" bandRow="1">
+                <a:tableStyleId>{2D5ABB26-0587-4C30-8999-92F81FD0307C}</a:tableStyleId>
+              </a:tblPr>
+              <a:tblGrid>
+                <a:gridCol w="4114800"/>
+                <a:gridCol w="4114800"/>
+              </a:tblGrid>
+              <a:tr h="370840">
+                <a:tc>
+                  <a:txBody>
+                    <a:bodyPr/>
+                    <a:lstStyle/>
+                    <a:p>
+                      <a:r>
+                        <a:rPr lang="en-US" dirty="0" smtClean="0"/>
+                        <a:t>State</a:t>
+                      </a:r>
+                      <a:endParaRPr lang="el-GR" dirty="0"/>
+                    </a:p>
+                  </a:txBody>
+                  <a:tcPr>
+                    <a:lnL w="12700" cap="flat" cmpd="sng" algn="ctr">
+                      <a:solidFill>
+                        <a:schemeClr val="tx1"/>
+                      </a:solidFill>
+                      <a:prstDash val="solid"/>
+                      <a:round/>
+                      <a:headEnd type="none" w="med" len="med"/>
+                      <a:tailEnd type="none" w="med" len="med"/>
+                    </a:lnL>
+                    <a:lnR w="12700" cap="flat" cmpd="sng" algn="ctr">
+                      <a:solidFill>
+                        <a:schemeClr val="tx1"/>
+                      </a:solidFill>
+                      <a:prstDash val="solid"/>
+                      <a:round/>
+                      <a:headEnd type="none" w="med" len="med"/>
+                      <a:tailEnd type="none" w="med" len="med"/>
+                    </a:lnR>
+                    <a:lnT w="28575" cap="flat" cmpd="sng" algn="ctr">
+                      <a:solidFill>
+                        <a:schemeClr val="tx1"/>
+                      </a:solidFill>
+                      <a:prstDash val="solid"/>
+                      <a:round/>
+                      <a:headEnd type="none" w="med" len="med"/>
+                      <a:tailEnd type="none" w="med" len="med"/>
+                    </a:lnT>
+                    <a:lnB w="28575" cap="flat" cmpd="sng" algn="ctr">
+                      <a:solidFill>
+                        <a:schemeClr val="tx1"/>
+                      </a:solidFill>
+                      <a:prstDash val="solid"/>
+                      <a:round/>
+                      <a:headEnd type="none" w="med" len="med"/>
+                      <a:tailEnd type="none" w="med" len="med"/>
+                    </a:lnB>
+                  </a:tcPr>
+                </a:tc>
+                <a:tc>
+                  <a:txBody>
+                    <a:bodyPr/>
+                    <a:lstStyle/>
+                    <a:p>
+                      <a:r>
+                        <a:rPr lang="en-US" dirty="0" smtClean="0"/>
+                        <a:t>#</a:t>
+                      </a:r>
+                      <a:r>
+                        <a:rPr lang="en-US" baseline="0" dirty="0" smtClean="0"/>
+                        <a:t> of Queries</a:t>
+                      </a:r>
+                      <a:endParaRPr lang="el-GR" dirty="0"/>
+                    </a:p>
+                  </a:txBody>
+                  <a:tcPr>
+                    <a:lnL w="12700" cap="flat" cmpd="sng" algn="ctr">
+                      <a:solidFill>
+                        <a:schemeClr val="tx1"/>
+                      </a:solidFill>
+                      <a:prstDash val="solid"/>
+                      <a:round/>
+                      <a:headEnd type="none" w="med" len="med"/>
+                      <a:tailEnd type="none" w="med" len="med"/>
+                    </a:lnL>
+                    <a:lnR w="12700" cap="flat" cmpd="sng" algn="ctr">
+                      <a:solidFill>
+                        <a:schemeClr val="tx1"/>
+                      </a:solidFill>
+                      <a:prstDash val="solid"/>
+                      <a:round/>
+                      <a:headEnd type="none" w="med" len="med"/>
+                      <a:tailEnd type="none" w="med" len="med"/>
+                    </a:lnR>
+                    <a:lnT w="28575" cap="flat" cmpd="sng" algn="ctr">
+                      <a:solidFill>
+                        <a:schemeClr val="tx1"/>
+                      </a:solidFill>
+                      <a:prstDash val="solid"/>
+                      <a:round/>
+                      <a:headEnd type="none" w="med" len="med"/>
+                      <a:tailEnd type="none" w="med" len="med"/>
+                    </a:lnT>
+                    <a:lnB w="28575" cap="flat" cmpd="sng" algn="ctr">
+                      <a:solidFill>
+                        <a:schemeClr val="tx1"/>
+                      </a:solidFill>
+                      <a:prstDash val="solid"/>
+                      <a:round/>
+                      <a:headEnd type="none" w="med" len="med"/>
+                      <a:tailEnd type="none" w="med" len="med"/>
+                    </a:lnB>
+                  </a:tcPr>
+                </a:tc>
+              </a:tr>
+              <a:tr h="370840">
+                <a:tc>
+                  <a:txBody>
+                    <a:bodyPr/>
+                    <a:lstStyle/>
+                    <a:p>
+                      <a:r>
+                        <a:rPr lang="en-US" dirty="0" smtClean="0"/>
+                        <a:t>Fresh</a:t>
+                      </a:r>
+                      <a:r>
+                        <a:rPr lang="en-US" baseline="0" dirty="0" smtClean="0"/>
+                        <a:t> start</a:t>
+                      </a:r>
+                      <a:endParaRPr lang="el-GR" dirty="0"/>
+                    </a:p>
+                  </a:txBody>
+                  <a:tcPr>
+                    <a:lnL w="12700" cap="flat" cmpd="sng" algn="ctr">
+                      <a:solidFill>
+                        <a:schemeClr val="tx1"/>
+                      </a:solidFill>
+                      <a:prstDash val="solid"/>
+                      <a:round/>
+                      <a:headEnd type="none" w="med" len="med"/>
+                      <a:tailEnd type="none" w="med" len="med"/>
+                    </a:lnL>
+                    <a:lnR w="12700" cap="flat" cmpd="sng" algn="ctr">
+                      <a:solidFill>
+                        <a:schemeClr val="tx1"/>
+                      </a:solidFill>
+                      <a:prstDash val="solid"/>
+                      <a:round/>
+                      <a:headEnd type="none" w="med" len="med"/>
+                      <a:tailEnd type="none" w="med" len="med"/>
+                    </a:lnR>
+                    <a:lnT w="28575" cap="flat" cmpd="sng" algn="ctr">
+                      <a:solidFill>
+                        <a:schemeClr val="tx1"/>
+                      </a:solidFill>
+                      <a:prstDash val="solid"/>
+                      <a:round/>
+                      <a:headEnd type="none" w="med" len="med"/>
+                      <a:tailEnd type="none" w="med" len="med"/>
+                    </a:lnT>
+                    <a:lnB w="12700" cap="flat" cmpd="sng" algn="ctr">
+                      <a:solidFill>
+                        <a:schemeClr val="tx1"/>
+                      </a:solidFill>
+                      <a:prstDash val="sysDash"/>
+                      <a:round/>
+                      <a:headEnd type="none" w="med" len="med"/>
+                      <a:tailEnd type="none" w="med" len="med"/>
+                    </a:lnB>
+                  </a:tcPr>
+                </a:tc>
+                <a:tc>
+                  <a:txBody>
+                    <a:bodyPr/>
+                    <a:lstStyle/>
+                    <a:p>
+                      <a:r>
+                        <a:rPr lang="en-US" dirty="0" smtClean="0"/>
+                        <a:t>1938</a:t>
+                      </a:r>
+                      <a:endParaRPr lang="el-GR" dirty="0"/>
+                    </a:p>
+                  </a:txBody>
+                  <a:tcPr>
+                    <a:lnL w="12700" cap="flat" cmpd="sng" algn="ctr">
+                      <a:solidFill>
+                        <a:schemeClr val="tx1"/>
+                      </a:solidFill>
+                      <a:prstDash val="solid"/>
+                      <a:round/>
+                      <a:headEnd type="none" w="med" len="med"/>
+                      <a:tailEnd type="none" w="med" len="med"/>
+                    </a:lnL>
+                    <a:lnR w="12700" cap="flat" cmpd="sng" algn="ctr">
+                      <a:solidFill>
+                        <a:schemeClr val="tx1"/>
+                      </a:solidFill>
+                      <a:prstDash val="solid"/>
+                      <a:round/>
+                      <a:headEnd type="none" w="med" len="med"/>
+                      <a:tailEnd type="none" w="med" len="med"/>
+                    </a:lnR>
+                    <a:lnT w="28575" cap="flat" cmpd="sng" algn="ctr">
+                      <a:solidFill>
+                        <a:schemeClr val="tx1"/>
+                      </a:solidFill>
+                      <a:prstDash val="solid"/>
+                      <a:round/>
+                      <a:headEnd type="none" w="med" len="med"/>
+                      <a:tailEnd type="none" w="med" len="med"/>
+                    </a:lnT>
+                    <a:lnB w="12700" cap="flat" cmpd="sng" algn="ctr">
+                      <a:solidFill>
+                        <a:schemeClr val="tx1"/>
+                      </a:solidFill>
+                      <a:prstDash val="sysDash"/>
+                      <a:round/>
+                      <a:headEnd type="none" w="med" len="med"/>
+                      <a:tailEnd type="none" w="med" len="med"/>
+                    </a:lnB>
+                  </a:tcPr>
+                </a:tc>
+              </a:tr>
+              <a:tr h="370840">
+                <a:tc>
+                  <a:txBody>
+                    <a:bodyPr/>
+                    <a:lstStyle/>
+                    <a:p>
+                      <a:r>
+                        <a:rPr lang="en-US" dirty="0" smtClean="0"/>
+                        <a:t>Fresh</a:t>
+                      </a:r>
+                      <a:r>
+                        <a:rPr lang="en-US" baseline="0" dirty="0" smtClean="0"/>
+                        <a:t> query</a:t>
+                      </a:r>
+                      <a:endParaRPr lang="el-GR" dirty="0"/>
+                    </a:p>
+                  </a:txBody>
+                  <a:tcPr>
+                    <a:lnL w="12700" cap="flat" cmpd="sng" algn="ctr">
+                      <a:solidFill>
+                        <a:schemeClr val="tx1"/>
+                      </a:solidFill>
+                      <a:prstDash val="solid"/>
+                      <a:round/>
+                      <a:headEnd type="none" w="med" len="med"/>
+                      <a:tailEnd type="none" w="med" len="med"/>
+                    </a:lnL>
+                    <a:lnR w="12700" cap="flat" cmpd="sng" algn="ctr">
+                      <a:solidFill>
+                        <a:schemeClr val="tx1"/>
+                      </a:solidFill>
+                      <a:prstDash val="solid"/>
+                      <a:round/>
+                      <a:headEnd type="none" w="med" len="med"/>
+                      <a:tailEnd type="none" w="med" len="med"/>
+                    </a:lnR>
+                    <a:lnT w="12700" cap="flat" cmpd="sng" algn="ctr">
+                      <a:solidFill>
+                        <a:schemeClr val="tx1"/>
+                      </a:solidFill>
+                      <a:prstDash val="sysDash"/>
+                      <a:round/>
+                      <a:headEnd type="none" w="med" len="med"/>
+                      <a:tailEnd type="none" w="med" len="med"/>
+                    </a:lnT>
+                    <a:lnB w="12700" cap="flat" cmpd="sng" algn="ctr">
+                      <a:solidFill>
+                        <a:schemeClr val="tx1"/>
+                      </a:solidFill>
+                      <a:prstDash val="solid"/>
+                      <a:round/>
+                      <a:headEnd type="none" w="med" len="med"/>
+                      <a:tailEnd type="none" w="med" len="med"/>
+                    </a:lnB>
+                  </a:tcPr>
+                </a:tc>
+                <a:tc>
+                  <a:txBody>
+                    <a:bodyPr/>
+                    <a:lstStyle/>
+                    <a:p>
+                      <a:r>
+                        <a:rPr lang="en-US" dirty="0" smtClean="0"/>
+                        <a:t>15182</a:t>
+                      </a:r>
+                      <a:endParaRPr lang="el-GR" dirty="0"/>
+                    </a:p>
+                  </a:txBody>
+                  <a:tcPr>
+                    <a:lnL w="12700" cap="flat" cmpd="sng" algn="ctr">
+                      <a:solidFill>
+                        <a:schemeClr val="tx1"/>
+                      </a:solidFill>
+                      <a:prstDash val="solid"/>
+                      <a:round/>
+                      <a:headEnd type="none" w="med" len="med"/>
+                      <a:tailEnd type="none" w="med" len="med"/>
+                    </a:lnL>
+                    <a:lnR w="12700" cap="flat" cmpd="sng" algn="ctr">
+                      <a:solidFill>
+                        <a:schemeClr val="tx1"/>
+                      </a:solidFill>
+                      <a:prstDash val="solid"/>
+                      <a:round/>
+                      <a:headEnd type="none" w="med" len="med"/>
+                      <a:tailEnd type="none" w="med" len="med"/>
+                    </a:lnR>
+                    <a:lnT w="12700" cap="flat" cmpd="sng" algn="ctr">
+                      <a:solidFill>
+                        <a:schemeClr val="tx1"/>
+                      </a:solidFill>
+                      <a:prstDash val="sysDash"/>
+                      <a:round/>
+                      <a:headEnd type="none" w="med" len="med"/>
+                      <a:tailEnd type="none" w="med" len="med"/>
+                    </a:lnT>
+                    <a:lnB w="12700" cap="flat" cmpd="sng" algn="ctr">
+                      <a:solidFill>
+                        <a:schemeClr val="tx1"/>
+                      </a:solidFill>
+                      <a:prstDash val="solid"/>
+                      <a:round/>
+                      <a:headEnd type="none" w="med" len="med"/>
+                      <a:tailEnd type="none" w="med" len="med"/>
+                    </a:lnB>
+                  </a:tcPr>
+                </a:tc>
+              </a:tr>
+              <a:tr h="370840">
+                <a:tc>
+                  <a:txBody>
+                    <a:bodyPr/>
+                    <a:lstStyle/>
+                    <a:p>
+                      <a:r>
+                        <a:rPr lang="en-US" dirty="0" smtClean="0"/>
+                        <a:t>Cached</a:t>
+                      </a:r>
+                      <a:r>
+                        <a:rPr lang="en-US" baseline="0" dirty="0" smtClean="0"/>
+                        <a:t> query from CDO server</a:t>
+                      </a:r>
+                      <a:endParaRPr lang="el-GR" dirty="0"/>
+                    </a:p>
+                  </a:txBody>
+                  <a:tcPr>
+                    <a:lnL w="12700" cap="flat" cmpd="sng" algn="ctr">
+                      <a:solidFill>
+                        <a:schemeClr val="tx1"/>
+                      </a:solidFill>
+                      <a:prstDash val="solid"/>
+                      <a:round/>
+                      <a:headEnd type="none" w="med" len="med"/>
+                      <a:tailEnd type="none" w="med" len="med"/>
+                    </a:lnL>
+                    <a:lnR w="12700" cap="flat" cmpd="sng" algn="ctr">
+                      <a:solidFill>
+                        <a:schemeClr val="tx1"/>
+                      </a:solidFill>
+                      <a:prstDash val="solid"/>
+                      <a:round/>
+                      <a:headEnd type="none" w="med" len="med"/>
+                      <a:tailEnd type="none" w="med" len="med"/>
+                    </a:lnR>
+                    <a:lnT w="12700" cap="flat" cmpd="sng" algn="ctr">
+                      <a:solidFill>
+                        <a:schemeClr val="tx1"/>
+                      </a:solidFill>
+                      <a:prstDash val="solid"/>
+                      <a:round/>
+                      <a:headEnd type="none" w="med" len="med"/>
+                      <a:tailEnd type="none" w="med" len="med"/>
+                    </a:lnT>
+                    <a:lnB w="12700" cap="flat" cmpd="sng" algn="ctr">
+                      <a:solidFill>
+                        <a:schemeClr val="tx1"/>
+                      </a:solidFill>
+                      <a:prstDash val="solid"/>
+                      <a:round/>
+                      <a:headEnd type="none" w="med" len="med"/>
+                      <a:tailEnd type="none" w="med" len="med"/>
+                    </a:lnB>
+                  </a:tcPr>
+                </a:tc>
+                <a:tc>
+                  <a:txBody>
+                    <a:bodyPr/>
+                    <a:lstStyle/>
+                    <a:p>
+                      <a:r>
+                        <a:rPr lang="en-US" dirty="0" smtClean="0"/>
+                        <a:t>251</a:t>
+                      </a:r>
+                      <a:endParaRPr lang="el-GR" dirty="0"/>
+                    </a:p>
+                  </a:txBody>
+                  <a:tcPr>
+                    <a:lnL w="12700" cap="flat" cmpd="sng" algn="ctr">
+                      <a:solidFill>
+                        <a:schemeClr val="tx1"/>
+                      </a:solidFill>
+                      <a:prstDash val="solid"/>
+                      <a:round/>
+                      <a:headEnd type="none" w="med" len="med"/>
+                      <a:tailEnd type="none" w="med" len="med"/>
+                    </a:lnL>
+                    <a:lnR w="12700" cap="flat" cmpd="sng" algn="ctr">
+                      <a:solidFill>
+                        <a:schemeClr val="tx1"/>
+                      </a:solidFill>
+                      <a:prstDash val="solid"/>
+                      <a:round/>
+                      <a:headEnd type="none" w="med" len="med"/>
+                      <a:tailEnd type="none" w="med" len="med"/>
+                    </a:lnR>
+                    <a:lnT w="12700" cap="flat" cmpd="sng" algn="ctr">
+                      <a:solidFill>
+                        <a:schemeClr val="tx1"/>
+                      </a:solidFill>
+                      <a:prstDash val="solid"/>
+                      <a:round/>
+                      <a:headEnd type="none" w="med" len="med"/>
+                      <a:tailEnd type="none" w="med" len="med"/>
+                    </a:lnT>
+                    <a:lnB w="12700" cap="flat" cmpd="sng" algn="ctr">
+                      <a:solidFill>
+                        <a:schemeClr val="tx1"/>
+                      </a:solidFill>
+                      <a:prstDash val="solid"/>
+                      <a:round/>
+                      <a:headEnd type="none" w="med" len="med"/>
+                      <a:tailEnd type="none" w="med" len="med"/>
+                    </a:lnB>
+                  </a:tcPr>
+                </a:tc>
+              </a:tr>
+              <a:tr h="370840">
+                <a:tc>
+                  <a:txBody>
+                    <a:bodyPr/>
+                    <a:lstStyle/>
+                    <a:p>
+                      <a:r>
+                        <a:rPr lang="en-US" dirty="0" smtClean="0"/>
+                        <a:t>Cached</a:t>
+                      </a:r>
+                      <a:r>
+                        <a:rPr lang="en-US" baseline="0" dirty="0" smtClean="0"/>
+                        <a:t> query from memcached</a:t>
+                      </a:r>
+                      <a:endParaRPr lang="el-GR" dirty="0"/>
+                    </a:p>
+                  </a:txBody>
+                  <a:tcPr>
+                    <a:lnL w="12700" cap="flat" cmpd="sng" algn="ctr">
+                      <a:solidFill>
+                        <a:schemeClr val="tx1"/>
+                      </a:solidFill>
+                      <a:prstDash val="solid"/>
+                      <a:round/>
+                      <a:headEnd type="none" w="med" len="med"/>
+                      <a:tailEnd type="none" w="med" len="med"/>
+                    </a:lnL>
+                    <a:lnR w="12700" cap="flat" cmpd="sng" algn="ctr">
+                      <a:solidFill>
+                        <a:schemeClr val="tx1"/>
+                      </a:solidFill>
+                      <a:prstDash val="solid"/>
+                      <a:round/>
+                      <a:headEnd type="none" w="med" len="med"/>
+                      <a:tailEnd type="none" w="med" len="med"/>
+                    </a:lnR>
+                    <a:lnT w="12700" cap="flat" cmpd="sng" algn="ctr">
+                      <a:solidFill>
+                        <a:schemeClr val="tx1"/>
+                      </a:solidFill>
+                      <a:prstDash val="solid"/>
+                      <a:round/>
+                      <a:headEnd type="none" w="med" len="med"/>
+                      <a:tailEnd type="none" w="med" len="med"/>
+                    </a:lnT>
+                    <a:lnB w="12700" cap="flat" cmpd="sng" algn="ctr">
+                      <a:solidFill>
+                        <a:schemeClr val="tx1"/>
+                      </a:solidFill>
+                      <a:prstDash val="solid"/>
+                      <a:round/>
+                      <a:headEnd type="none" w="med" len="med"/>
+                      <a:tailEnd type="none" w="med" len="med"/>
+                    </a:lnB>
+                  </a:tcPr>
+                </a:tc>
+                <a:tc>
+                  <a:txBody>
+                    <a:bodyPr/>
+                    <a:lstStyle/>
+                    <a:p>
+                      <a:r>
+                        <a:rPr lang="en-US" dirty="0" smtClean="0"/>
+                        <a:t>147</a:t>
+                      </a:r>
+                      <a:endParaRPr lang="el-GR" dirty="0"/>
+                    </a:p>
+                  </a:txBody>
+                  <a:tcPr>
+                    <a:lnL w="12700" cap="flat" cmpd="sng" algn="ctr">
+                      <a:solidFill>
+                        <a:schemeClr val="tx1"/>
+                      </a:solidFill>
+                      <a:prstDash val="solid"/>
+                      <a:round/>
+                      <a:headEnd type="none" w="med" len="med"/>
+                      <a:tailEnd type="none" w="med" len="med"/>
+                    </a:lnL>
+                    <a:lnR w="12700" cap="flat" cmpd="sng" algn="ctr">
+                      <a:solidFill>
+                        <a:schemeClr val="tx1"/>
+                      </a:solidFill>
+                      <a:prstDash val="solid"/>
+                      <a:round/>
+                      <a:headEnd type="none" w="med" len="med"/>
+                      <a:tailEnd type="none" w="med" len="med"/>
+                    </a:lnR>
+                    <a:lnT w="12700" cap="flat" cmpd="sng" algn="ctr">
+                      <a:solidFill>
+                        <a:schemeClr val="tx1"/>
+                      </a:solidFill>
+                      <a:prstDash val="solid"/>
+                      <a:round/>
+                      <a:headEnd type="none" w="med" len="med"/>
+                      <a:tailEnd type="none" w="med" len="med"/>
+                    </a:lnT>
+                    <a:lnB w="12700" cap="flat" cmpd="sng" algn="ctr">
+                      <a:solidFill>
+                        <a:schemeClr val="tx1"/>
+                      </a:solidFill>
+                      <a:prstDash val="solid"/>
+                      <a:round/>
+                      <a:headEnd type="none" w="med" len="med"/>
+                      <a:tailEnd type="none" w="med" len="med"/>
+                    </a:lnB>
+                  </a:tcPr>
+                </a:tc>
+              </a:tr>
+            </a:tbl>
+          </a:graphicData>
+        </a:graphic>
+      </p:graphicFrame>
+    </p:spTree>
+    <p:extLst>
+      <p:ext uri="{BB962C8B-B14F-4D97-AF65-F5344CB8AC3E}">
+        <p14:creationId xmlns:p14="http://schemas.microsoft.com/office/powerpoint/2010/main" val="1120264594"/>
+      </p:ext>
+    </p:extLst>
+  </p:cSld>
+  <p:clrMapOvr>
+    <a:masterClrMapping/>
+  </p:clrMapOvr>
+  <p:timing>
+    <p:tnLst>
+      <p:par>
+        <p:cTn id="1" dur="indefinite" restart="never" nodeType="tmRoot"/>
+      </p:par>
+    </p:tnLst>
+  </p:timing>
+</p:sld>
+</file>
+
+<file path=ppt/slides/slide22.xml><?xml version="1.0" encoding="utf-8"?>
+<p:sld xmlns:a="http://schemas.openxmlformats.org/drawingml/2006/main" xmlns:r="http://schemas.openxmlformats.org/officeDocument/2006/relationships" xmlns:p="http://schemas.openxmlformats.org/presentationml/2006/main">
+  <p:cSld>
+    <p:spTree>
+      <p:nvGrpSpPr>
+        <p:cNvPr id="1" name=""/>
+        <p:cNvGrpSpPr/>
+        <p:nvPr/>
+      </p:nvGrpSpPr>
+      <p:grpSpPr>
+        <a:xfrm>
+          <a:off x="0" y="0"/>
+          <a:ext cx="0" cy="0"/>
+          <a:chOff x="0" y="0"/>
+          <a:chExt cx="0" cy="0"/>
+        </a:xfrm>
+      </p:grpSpPr>
+      <p:sp>
+        <p:nvSpPr>
+          <p:cNvPr id="2" name="Title 1"/>
+          <p:cNvSpPr>
+            <a:spLocks noGrp="1"/>
+          </p:cNvSpPr>
+          <p:nvPr>
+            <p:ph type="title"/>
+          </p:nvPr>
+        </p:nvSpPr>
+        <p:spPr/>
+        <p:txBody>
+          <a:bodyPr/>
+          <a:lstStyle/>
+          <a:p>
+            <a:r>
+              <a:rPr lang="en-US" dirty="0" smtClean="0"/>
+              <a:t>Response time, adding SNE (2/2)</a:t>
+            </a:r>
+            <a:endParaRPr lang="el-GR" dirty="0"/>
+          </a:p>
+        </p:txBody>
+      </p:sp>
+      <p:sp>
+        <p:nvSpPr>
+          <p:cNvPr id="3" name="Footer Placeholder 2"/>
+          <p:cNvSpPr>
+            <a:spLocks noGrp="1"/>
+          </p:cNvSpPr>
+          <p:nvPr>
+            <p:ph type="ftr" sz="quarter" idx="11"/>
+          </p:nvPr>
+        </p:nvSpPr>
+        <p:spPr/>
+        <p:txBody>
+          <a:bodyPr/>
+          <a:lstStyle/>
+          <a:p>
+            <a:pPr algn="ctr"/>
+            <a:r>
+              <a:rPr lang="en-US" dirty="0"/>
+              <a:t>Presentation: 15/10/2015</a:t>
+            </a:r>
+            <a:endParaRPr lang="en-GB" dirty="0"/>
+          </a:p>
+        </p:txBody>
+      </p:sp>
+      <p:sp>
+        <p:nvSpPr>
+          <p:cNvPr id="4" name="Slide Number Placeholder 3"/>
+          <p:cNvSpPr>
+            <a:spLocks noGrp="1"/>
+          </p:cNvSpPr>
+          <p:nvPr>
+            <p:ph type="sldNum" sz="quarter" idx="12"/>
+          </p:nvPr>
+        </p:nvSpPr>
+        <p:spPr/>
+        <p:txBody>
+          <a:bodyPr/>
+          <a:lstStyle/>
+          <a:p>
+            <a:fld id="{5A039058-1920-4143-8EFA-8E582B1DAF65}" type="slidenum">
+              <a:rPr lang="en-GB" smtClean="0"/>
+              <a:pPr/>
+              <a:t>22</a:t>
             </a:fld>
             <a:endParaRPr lang="en-GB"/>
           </a:p>
@@ -16990,6 +17849,46 @@
           <a:p>
             <a:pPr algn="ctr"/>
             <a:endParaRPr lang="el-GR"/>
+          </a:p>
+        </p:txBody>
+      </p:sp>
+      <p:sp>
+        <p:nvSpPr>
+          <p:cNvPr id="5" name="Rectangle 4"/>
+          <p:cNvSpPr/>
+          <p:nvPr/>
+        </p:nvSpPr>
+        <p:spPr>
+          <a:xfrm>
+            <a:off x="2987848" y="5492038"/>
+            <a:ext cx="3566939" cy="369332"/>
+          </a:xfrm>
+          <a:prstGeom prst="rect">
+            <a:avLst/>
+          </a:prstGeom>
+        </p:spPr>
+        <p:txBody>
+          <a:bodyPr wrap="none">
+            <a:spAutoFit/>
+          </a:bodyPr>
+          <a:lstStyle/>
+          <a:p>
+            <a:pPr>
+              <a:defRPr/>
+            </a:pPr>
+            <a:r>
+              <a:rPr lang="en-US" dirty="0" smtClean="0">
+                <a:latin typeface="Adobe Caslon Pro" panose="0205050205050A020403" pitchFamily="18" charset="0"/>
+              </a:rPr>
+              <a:t>C4: One </a:t>
+            </a:r>
+            <a:r>
+              <a:rPr lang="en-US" dirty="0">
+                <a:latin typeface="Adobe Caslon Pro" panose="0205050205050A020403" pitchFamily="18" charset="0"/>
+              </a:rPr>
+              <a:t>memcached with two SNE</a:t>
+            </a:r>
+            <a:endParaRPr lang="el-GR" dirty="0"/>
           </a:p>
         </p:txBody>
       </p:sp>
@@ -17130,7 +18029,7 @@
 </p:sld>
 </file>
 
-<file path=ppt/slides/slide22.xml><?xml version="1.0" encoding="utf-8"?>
+<file path=ppt/slides/slide23.xml><?xml version="1.0" encoding="utf-8"?>
 <p:sld xmlns:a="http://schemas.openxmlformats.org/drawingml/2006/main" xmlns:r="http://schemas.openxmlformats.org/officeDocument/2006/relationships" xmlns:p="http://schemas.openxmlformats.org/presentationml/2006/main">
   <p:cSld>
     <p:spTree>
@@ -17230,7 +18129,7 @@
             <a:fld id="{5A039058-1920-4143-8EFA-8E582B1DAF65}" type="slidenum">
               <a:rPr lang="en-GB" smtClean="0"/>
               <a:pPr/>
-              <a:t>22</a:t>
+              <a:t>23</a:t>
             </a:fld>
             <a:endParaRPr lang="en-GB"/>
           </a:p>
@@ -17246,21 +18145,22 @@
             <p:ph sz="quarter" idx="1"/>
           </p:nvPr>
         </p:nvPicPr>
-        <p:blipFill rotWithShape="1">
-          <a:blip r:embed="rId3" cstate="print">
+        <p:blipFill>
+          <a:blip r:embed="rId3">
             <a:extLst>
               <a:ext uri="{28A0092B-C50C-407E-A947-70E740481C1C}">
                 <a14:useLocalDpi xmlns:a14="http://schemas.microsoft.com/office/drawing/2010/main" val="0"/>
               </a:ext>
             </a:extLst>
           </a:blip>
-          <a:srcRect l="5375" t="17274" r="5376" b="17643"/>
-          <a:stretch/>
+          <a:stretch>
+            <a:fillRect/>
+          </a:stretch>
         </p:blipFill>
         <p:spPr>
           <a:xfrm>
-            <a:off x="140236" y="2060847"/>
-            <a:ext cx="8896259" cy="3744417"/>
+            <a:off x="140236" y="2488679"/>
+            <a:ext cx="8896259" cy="2888753"/>
           </a:xfrm>
         </p:spPr>
       </p:pic>
@@ -17272,8 +18172,8 @@
         </p:nvSpPr>
         <p:spPr>
           <a:xfrm>
-            <a:off x="3149600" y="2049138"/>
-            <a:ext cx="342280" cy="3096344"/>
+            <a:off x="3131838" y="2488679"/>
+            <a:ext cx="360041" cy="2441550"/>
           </a:xfrm>
           <a:prstGeom prst="rect">
             <a:avLst/>
@@ -17314,8 +18214,50 @@
         </p:nvSpPr>
         <p:spPr>
           <a:xfrm>
-            <a:off x="5796136" y="2060847"/>
-            <a:ext cx="360040" cy="3096344"/>
+            <a:off x="5868144" y="2488679"/>
+            <a:ext cx="360040" cy="2441550"/>
+          </a:xfrm>
+          <a:prstGeom prst="rect">
+            <a:avLst/>
+          </a:prstGeom>
+          <a:noFill/>
+          <a:ln w="38100"/>
+        </p:spPr>
+        <p:style>
+          <a:lnRef idx="2">
+            <a:schemeClr val="accent1">
+              <a:shade val="50000"/>
+            </a:schemeClr>
+          </a:lnRef>
+          <a:fillRef idx="1">
+            <a:schemeClr val="accent1"/>
+          </a:fillRef>
+          <a:effectRef idx="0">
+            <a:schemeClr val="accent1"/>
+          </a:effectRef>
+          <a:fontRef idx="minor">
+            <a:schemeClr val="lt1"/>
+          </a:fontRef>
+        </p:style>
+        <p:txBody>
+          <a:bodyPr rtlCol="0" anchor="ctr"/>
+          <a:lstStyle/>
+          <a:p>
+            <a:pPr algn="ctr"/>
+            <a:endParaRPr lang="el-GR"/>
+          </a:p>
+        </p:txBody>
+      </p:sp>
+      <p:sp>
+        <p:nvSpPr>
+          <p:cNvPr id="9" name="Rectangle 8"/>
+          <p:cNvSpPr/>
+          <p:nvPr/>
+        </p:nvSpPr>
+        <p:spPr>
+          <a:xfrm>
+            <a:off x="8532440" y="2513079"/>
+            <a:ext cx="360040" cy="2441550"/>
           </a:xfrm>
           <a:prstGeom prst="rect">
             <a:avLst/>
@@ -17542,6 +18484,79 @@
                                   </p:childTnLst>
                                 </p:cTn>
                               </p:par>
+                              <p:par>
+                                <p:cTn id="15" presetID="2" presetClass="entr" presetSubtype="4" fill="hold" grpId="0" nodeType="withEffect">
+                                  <p:stCondLst>
+                                    <p:cond delay="0"/>
+                                  </p:stCondLst>
+                                  <p:childTnLst>
+                                    <p:set>
+                                      <p:cBhvr>
+                                        <p:cTn id="16" dur="1" fill="hold">
+                                          <p:stCondLst>
+                                            <p:cond delay="0"/>
+                                          </p:stCondLst>
+                                        </p:cTn>
+                                        <p:tgtEl>
+                                          <p:spTgt spid="9"/>
+                                        </p:tgtEl>
+                                        <p:attrNameLst>
+                                          <p:attrName>style.visibility</p:attrName>
+                                        </p:attrNameLst>
+                                      </p:cBhvr>
+                                      <p:to>
+                                        <p:strVal val="visible"/>
+                                      </p:to>
+                                    </p:set>
+                                    <p:anim calcmode="lin" valueType="num">
+                                      <p:cBhvr additive="base">
+                                        <p:cTn id="17" dur="500" fill="hold"/>
+                                        <p:tgtEl>
+                                          <p:spTgt spid="9"/>
+                                        </p:tgtEl>
+                                        <p:attrNameLst>
+                                          <p:attrName>ppt_x</p:attrName>
+                                        </p:attrNameLst>
+                                      </p:cBhvr>
+                                      <p:tavLst>
+                                        <p:tav tm="0">
+                                          <p:val>
+                                            <p:strVal val="#ppt_x"/>
+                                          </p:val>
+                                        </p:tav>
+                                        <p:tav tm="100000">
+                                          <p:val>
+                                            <p:strVal val="#ppt_x"/>
+                                          </p:val>
+                                        </p:tav>
+                                      </p:tavLst>
+                                    </p:anim>
+                                    <p:anim calcmode="lin" valueType="num">
+                                      <p:cBhvr additive="base">
+                                        <p:cTn id="18" dur="500" fill="hold"/>
+                                        <p:tgtEl>
+                                          <p:spTgt spid="9"/>
+                                        </p:tgtEl>
+                                        <p:attrNameLst>
+                                          <p:attrName>ppt_y</p:attrName>
+                                        </p:attrNameLst>
+                                      </p:cBhvr>
+                                      <p:tavLst>
+                                        <p:tav tm="0">
+                                          <p:val>
+                                            <p:strVal val="1+#ppt_h/2"/>
+                                          </p:val>
+                                        </p:tav>
+                                        <p:tav tm="100000">
+                                          <p:val>
+                                            <p:strVal val="#ppt_y"/>
+                                          </p:val>
+                                        </p:tav>
+                                      </p:tavLst>
+                                    </p:anim>
+                                  </p:childTnLst>
+                                </p:cTn>
+                              </p:par>
                             </p:childTnLst>
                           </p:cTn>
                         </p:par>
@@ -17572,12 +18587,13 @@
     <p:bldLst>
       <p:bldP spid="7" grpId="0" animBg="1"/>
       <p:bldP spid="8" grpId="0" animBg="1"/>
+      <p:bldP spid="9" grpId="0" animBg="1"/>
     </p:bldLst>
   </p:timing>
 </p:sld>
 </file>
 
-<file path=ppt/slides/slide23.xml><?xml version="1.0" encoding="utf-8"?>
+<file path=ppt/slides/slide24.xml><?xml version="1.0" encoding="utf-8"?>
 <p:sld xmlns:a="http://schemas.openxmlformats.org/drawingml/2006/main" xmlns:r="http://schemas.openxmlformats.org/officeDocument/2006/relationships" xmlns:p="http://schemas.openxmlformats.org/presentationml/2006/main">
   <p:cSld>
     <p:spTree>
@@ -17667,7 +18683,7 @@
             <a:fld id="{5A039058-1920-4143-8EFA-8E582B1DAF65}" type="slidenum">
               <a:rPr lang="en-GB" smtClean="0"/>
               <a:pPr/>
-              <a:t>23</a:t>
+              <a:t>24</a:t>
             </a:fld>
             <a:endParaRPr lang="en-GB"/>
           </a:p>
@@ -17783,6 +18799,46 @@
           <a:p>
             <a:pPr algn="ctr"/>
             <a:endParaRPr lang="el-GR"/>
+          </a:p>
+        </p:txBody>
+      </p:sp>
+      <p:sp>
+        <p:nvSpPr>
+          <p:cNvPr id="10" name="Rectangle 9"/>
+          <p:cNvSpPr/>
+          <p:nvPr/>
+        </p:nvSpPr>
+        <p:spPr>
+          <a:xfrm>
+            <a:off x="2805365" y="5949280"/>
+            <a:ext cx="3566939" cy="369332"/>
+          </a:xfrm>
+          <a:prstGeom prst="rect">
+            <a:avLst/>
+          </a:prstGeom>
+        </p:spPr>
+        <p:txBody>
+          <a:bodyPr wrap="none">
+            <a:spAutoFit/>
+          </a:bodyPr>
+          <a:lstStyle/>
+          <a:p>
+            <a:pPr>
+              <a:defRPr/>
+            </a:pPr>
+            <a:r>
+              <a:rPr lang="en-US" dirty="0" smtClean="0">
+                <a:latin typeface="Adobe Caslon Pro" panose="0205050205050A020403" pitchFamily="18" charset="0"/>
+              </a:rPr>
+              <a:t>C4: One </a:t>
+            </a:r>
+            <a:r>
+              <a:rPr lang="en-US" dirty="0">
+                <a:latin typeface="Adobe Caslon Pro" panose="0205050205050A020403" pitchFamily="18" charset="0"/>
+              </a:rPr>
+              <a:t>memcached with two SNE</a:t>
+            </a:r>
+            <a:endParaRPr lang="el-GR" dirty="0"/>
           </a:p>
         </p:txBody>
       </p:sp>
@@ -17997,7 +19053,7 @@
 </p:sld>
 </file>
 
-<file path=ppt/slides/slide24.xml><?xml version="1.0" encoding="utf-8"?>
+<file path=ppt/slides/slide25.xml><?xml version="1.0" encoding="utf-8"?>
 <p:sld xmlns:a="http://schemas.openxmlformats.org/drawingml/2006/main" xmlns:r="http://schemas.openxmlformats.org/officeDocument/2006/relationships" xmlns:p="http://schemas.openxmlformats.org/presentationml/2006/main">
   <p:cSld>
     <p:spTree>
@@ -18016,6 +19072,1015 @@
       </p:grpSpPr>
       <p:sp>
         <p:nvSpPr>
+          <p:cNvPr id="2" name="1 - Τίτλος"/>
+          <p:cNvSpPr>
+            <a:spLocks noGrp="1"/>
+          </p:cNvSpPr>
+          <p:nvPr>
+            <p:ph type="title"/>
+          </p:nvPr>
+        </p:nvSpPr>
+        <p:spPr/>
+        <p:txBody>
+          <a:bodyPr/>
+          <a:lstStyle/>
+          <a:p>
+            <a:r>
+              <a:rPr lang="en-US" dirty="0" smtClean="0"/>
+              <a:t>Conclusion </a:t>
+            </a:r>
+            <a:endParaRPr lang="el-GR" dirty="0"/>
+          </a:p>
+        </p:txBody>
+      </p:sp>
+      <p:sp>
+        <p:nvSpPr>
+          <p:cNvPr id="3" name="2 - Θέση υποσέλιδου"/>
+          <p:cNvSpPr>
+            <a:spLocks noGrp="1"/>
+          </p:cNvSpPr>
+          <p:nvPr>
+            <p:ph type="ftr" sz="quarter" idx="11"/>
+          </p:nvPr>
+        </p:nvSpPr>
+        <p:spPr/>
+        <p:txBody>
+          <a:bodyPr/>
+          <a:lstStyle/>
+          <a:p>
+            <a:pPr algn="ctr"/>
+            <a:r>
+              <a:rPr lang="en-US" dirty="0"/>
+              <a:t>Presentation: 15/10/2015</a:t>
+            </a:r>
+            <a:endParaRPr lang="en-GB" dirty="0"/>
+          </a:p>
+        </p:txBody>
+      </p:sp>
+      <p:sp>
+        <p:nvSpPr>
+          <p:cNvPr id="4" name="3 - Θέση αριθμού διαφάνειας"/>
+          <p:cNvSpPr>
+            <a:spLocks noGrp="1"/>
+          </p:cNvSpPr>
+          <p:nvPr>
+            <p:ph type="sldNum" sz="quarter" idx="12"/>
+          </p:nvPr>
+        </p:nvSpPr>
+        <p:spPr/>
+        <p:txBody>
+          <a:bodyPr/>
+          <a:lstStyle/>
+          <a:p>
+            <a:fld id="{5A039058-1920-4143-8EFA-8E582B1DAF65}" type="slidenum">
+              <a:rPr lang="en-GB" smtClean="0"/>
+              <a:pPr/>
+              <a:t>25</a:t>
+            </a:fld>
+            <a:endParaRPr lang="en-GB"/>
+          </a:p>
+        </p:txBody>
+      </p:sp>
+      <p:sp>
+        <p:nvSpPr>
+          <p:cNvPr id="5" name="4 - Θέση περιεχομένου"/>
+          <p:cNvSpPr>
+            <a:spLocks noGrp="1"/>
+          </p:cNvSpPr>
+          <p:nvPr>
+            <p:ph sz="quarter" idx="1"/>
+          </p:nvPr>
+        </p:nvSpPr>
+        <p:spPr/>
+        <p:txBody>
+          <a:bodyPr/>
+          <a:lstStyle/>
+          <a:p>
+            <a:r>
+              <a:rPr lang="en-US" dirty="0" smtClean="0"/>
+              <a:t>Contributions</a:t>
+            </a:r>
+          </a:p>
+          <a:p>
+            <a:pPr lvl="1"/>
+            <a:r>
+              <a:rPr lang="en-US" dirty="0" smtClean="0"/>
+              <a:t>Extensive user evaluation</a:t>
+            </a:r>
+          </a:p>
+          <a:p>
+            <a:pPr lvl="1"/>
+            <a:r>
+              <a:rPr lang="en-US" dirty="0" smtClean="0"/>
+              <a:t>A social network User Interface is implemented for DevOps cloud deployment specialists</a:t>
+            </a:r>
+          </a:p>
+          <a:p>
+            <a:pPr lvl="1"/>
+            <a:r>
+              <a:rPr lang="en-US" dirty="0" smtClean="0"/>
+              <a:t>A scalable system architecture of our SNP is presented</a:t>
+            </a:r>
+          </a:p>
+          <a:p>
+            <a:pPr lvl="1"/>
+            <a:r>
+              <a:rPr lang="en-US" dirty="0"/>
+              <a:t>The SN Platform can perform </a:t>
+            </a:r>
+            <a:r>
+              <a:rPr lang="en-US" dirty="0" smtClean="0"/>
+              <a:t>topic classification </a:t>
+            </a:r>
+            <a:r>
+              <a:rPr lang="en-US" dirty="0"/>
+              <a:t>on the user’s </a:t>
+            </a:r>
+            <a:r>
+              <a:rPr lang="en-US" dirty="0" smtClean="0"/>
+              <a:t>input</a:t>
+            </a:r>
+          </a:p>
+          <a:p>
+            <a:r>
+              <a:rPr lang="en-US" dirty="0" smtClean="0"/>
+              <a:t>Future work</a:t>
+            </a:r>
+          </a:p>
+          <a:p>
+            <a:pPr lvl="1"/>
+            <a:r>
+              <a:rPr lang="en-US" dirty="0" smtClean="0"/>
+              <a:t>Further </a:t>
+            </a:r>
+            <a:r>
+              <a:rPr lang="en-US" smtClean="0"/>
+              <a:t>explore classification</a:t>
+            </a:r>
+            <a:endParaRPr lang="en-US" dirty="0" smtClean="0"/>
+          </a:p>
+          <a:p>
+            <a:pPr lvl="1"/>
+            <a:r>
+              <a:rPr lang="en-US" dirty="0" smtClean="0"/>
+              <a:t>Extending he integration of our social networking platform with more information repositories</a:t>
+            </a:r>
+            <a:endParaRPr lang="en-US" dirty="0"/>
+          </a:p>
+        </p:txBody>
+      </p:sp>
+    </p:spTree>
+  </p:cSld>
+  <p:clrMapOvr>
+    <a:masterClrMapping/>
+  </p:clrMapOvr>
+  <p:timing>
+    <p:tnLst>
+      <p:par>
+        <p:cTn id="1" dur="indefinite" restart="never" nodeType="tmRoot"/>
+      </p:par>
+    </p:tnLst>
+  </p:timing>
+</p:sld>
+</file>
+
+<file path=ppt/slides/slide26.xml><?xml version="1.0" encoding="utf-8"?>
+<p:sld xmlns:a="http://schemas.openxmlformats.org/drawingml/2006/main" xmlns:r="http://schemas.openxmlformats.org/officeDocument/2006/relationships" xmlns:p="http://schemas.openxmlformats.org/presentationml/2006/main">
+  <p:cSld>
+    <p:spTree>
+      <p:nvGrpSpPr>
+        <p:cNvPr id="1" name=""/>
+        <p:cNvGrpSpPr/>
+        <p:nvPr/>
+      </p:nvGrpSpPr>
+      <p:grpSpPr>
+        <a:xfrm>
+          <a:off x="0" y="0"/>
+          <a:ext cx="0" cy="0"/>
+          <a:chOff x="0" y="0"/>
+          <a:chExt cx="0" cy="0"/>
+        </a:xfrm>
+      </p:grpSpPr>
+      <p:sp>
+        <p:nvSpPr>
+          <p:cNvPr id="3" name="2 - Θέση υποσέλιδου"/>
+          <p:cNvSpPr>
+            <a:spLocks noGrp="1"/>
+          </p:cNvSpPr>
+          <p:nvPr>
+            <p:ph type="ftr" sz="quarter" idx="11"/>
+          </p:nvPr>
+        </p:nvSpPr>
+        <p:spPr/>
+        <p:txBody>
+          <a:bodyPr/>
+          <a:lstStyle/>
+          <a:p>
+            <a:pPr algn="ctr"/>
+            <a:r>
+              <a:rPr lang="en-US" dirty="0"/>
+              <a:t>Presentation: 15/10/2015</a:t>
+            </a:r>
+            <a:endParaRPr lang="en-GB" dirty="0"/>
+          </a:p>
+        </p:txBody>
+      </p:sp>
+      <p:sp>
+        <p:nvSpPr>
+          <p:cNvPr id="4" name="3 - Θέση αριθμού διαφάνειας"/>
+          <p:cNvSpPr>
+            <a:spLocks noGrp="1"/>
+          </p:cNvSpPr>
+          <p:nvPr>
+            <p:ph type="sldNum" sz="quarter" idx="12"/>
+          </p:nvPr>
+        </p:nvSpPr>
+        <p:spPr/>
+        <p:txBody>
+          <a:bodyPr/>
+          <a:lstStyle/>
+          <a:p>
+            <a:fld id="{5A039058-1920-4143-8EFA-8E582B1DAF65}" type="slidenum">
+              <a:rPr lang="en-GB" smtClean="0"/>
+              <a:pPr/>
+              <a:t>26</a:t>
+            </a:fld>
+            <a:endParaRPr lang="en-GB" dirty="0"/>
+          </a:p>
+        </p:txBody>
+      </p:sp>
+      <p:sp>
+        <p:nvSpPr>
+          <p:cNvPr id="5" name="4 - Θέση περιεχομένου"/>
+          <p:cNvSpPr>
+            <a:spLocks noGrp="1"/>
+          </p:cNvSpPr>
+          <p:nvPr>
+            <p:ph sz="quarter" idx="1"/>
+          </p:nvPr>
+        </p:nvSpPr>
+        <p:spPr/>
+        <p:txBody>
+          <a:bodyPr>
+            <a:normAutofit/>
+          </a:bodyPr>
+          <a:lstStyle/>
+          <a:p>
+            <a:pPr>
+              <a:buNone/>
+            </a:pPr>
+            <a:r>
+              <a:rPr lang="en-US" sz="7200" dirty="0" smtClean="0"/>
+              <a:t>Thank you</a:t>
+            </a:r>
+            <a:endParaRPr lang="el-GR" sz="7200" dirty="0"/>
+          </a:p>
+        </p:txBody>
+      </p:sp>
+    </p:spTree>
+  </p:cSld>
+  <p:clrMapOvr>
+    <a:masterClrMapping/>
+  </p:clrMapOvr>
+  <p:timing>
+    <p:tnLst>
+      <p:par>
+        <p:cTn id="1" dur="indefinite" restart="never" nodeType="tmRoot"/>
+      </p:par>
+    </p:tnLst>
+  </p:timing>
+</p:sld>
+</file>
+
+<file path=ppt/slides/slide27.xml><?xml version="1.0" encoding="utf-8"?>
+<p:sld xmlns:a="http://schemas.openxmlformats.org/drawingml/2006/main" xmlns:r="http://schemas.openxmlformats.org/officeDocument/2006/relationships" xmlns:p="http://schemas.openxmlformats.org/presentationml/2006/main" show="0">
+  <p:cSld>
+    <p:spTree>
+      <p:nvGrpSpPr>
+        <p:cNvPr id="1" name=""/>
+        <p:cNvGrpSpPr/>
+        <p:nvPr/>
+      </p:nvGrpSpPr>
+      <p:grpSpPr>
+        <a:xfrm>
+          <a:off x="0" y="0"/>
+          <a:ext cx="0" cy="0"/>
+          <a:chOff x="0" y="0"/>
+          <a:chExt cx="0" cy="0"/>
+        </a:xfrm>
+      </p:grpSpPr>
+      <p:sp>
+        <p:nvSpPr>
+          <p:cNvPr id="2" name="Title 1"/>
+          <p:cNvSpPr>
+            <a:spLocks noGrp="1"/>
+          </p:cNvSpPr>
+          <p:nvPr>
+            <p:ph type="title"/>
+          </p:nvPr>
+        </p:nvSpPr>
+        <p:spPr/>
+        <p:txBody>
+          <a:bodyPr/>
+          <a:lstStyle/>
+          <a:p>
+            <a:r>
+              <a:rPr lang="en-US" dirty="0" smtClean="0"/>
+              <a:t>Backup: </a:t>
+            </a:r>
+            <a:r>
+              <a:rPr lang="en-US" dirty="0" smtClean="0"/>
+              <a:t>StackOverflow </a:t>
+            </a:r>
+            <a:r>
+              <a:rPr lang="en-US" dirty="0" smtClean="0"/>
+              <a:t>Community</a:t>
+            </a:r>
+            <a:endParaRPr lang="el-GR" dirty="0"/>
+          </a:p>
+        </p:txBody>
+      </p:sp>
+      <p:sp>
+        <p:nvSpPr>
+          <p:cNvPr id="3" name="Footer Placeholder 2"/>
+          <p:cNvSpPr>
+            <a:spLocks noGrp="1"/>
+          </p:cNvSpPr>
+          <p:nvPr>
+            <p:ph type="ftr" sz="quarter" idx="11"/>
+          </p:nvPr>
+        </p:nvSpPr>
+        <p:spPr/>
+        <p:txBody>
+          <a:bodyPr/>
+          <a:lstStyle/>
+          <a:p>
+            <a:pPr algn="ctr"/>
+            <a:r>
+              <a:rPr lang="en-US" dirty="0"/>
+              <a:t>Presentation: 15/10/2015</a:t>
+            </a:r>
+            <a:endParaRPr lang="en-GB" dirty="0"/>
+          </a:p>
+        </p:txBody>
+      </p:sp>
+      <p:sp>
+        <p:nvSpPr>
+          <p:cNvPr id="4" name="Slide Number Placeholder 3"/>
+          <p:cNvSpPr>
+            <a:spLocks noGrp="1"/>
+          </p:cNvSpPr>
+          <p:nvPr>
+            <p:ph type="sldNum" sz="quarter" idx="12"/>
+          </p:nvPr>
+        </p:nvSpPr>
+        <p:spPr/>
+        <p:txBody>
+          <a:bodyPr/>
+          <a:lstStyle/>
+          <a:p>
+            <a:fld id="{5A039058-1920-4143-8EFA-8E582B1DAF65}" type="slidenum">
+              <a:rPr lang="en-GB" smtClean="0"/>
+              <a:pPr/>
+              <a:t>27</a:t>
+            </a:fld>
+            <a:endParaRPr lang="en-GB"/>
+          </a:p>
+        </p:txBody>
+      </p:sp>
+      <p:pic>
+        <p:nvPicPr>
+          <p:cNvPr id="6" name="Content Placeholder 5"/>
+          <p:cNvPicPr>
+            <a:picLocks noGrp="1" noChangeAspect="1"/>
+          </p:cNvPicPr>
+          <p:nvPr>
+            <p:ph sz="quarter" idx="1"/>
+          </p:nvPr>
+        </p:nvPicPr>
+        <p:blipFill>
+          <a:blip r:embed="rId3">
+            <a:extLst>
+              <a:ext uri="{28A0092B-C50C-407E-A947-70E740481C1C}">
+                <a14:useLocalDpi xmlns:a14="http://schemas.microsoft.com/office/drawing/2010/main" val="0"/>
+              </a:ext>
+            </a:extLst>
+          </a:blip>
+          <a:stretch>
+            <a:fillRect/>
+          </a:stretch>
+        </p:blipFill>
+        <p:spPr>
+          <a:xfrm>
+            <a:off x="829652" y="4562290"/>
+            <a:ext cx="7643192" cy="1794060"/>
+          </a:xfrm>
+        </p:spPr>
+      </p:pic>
+      <p:pic>
+        <p:nvPicPr>
+          <p:cNvPr id="9" name="Picture 8"/>
+          <p:cNvPicPr>
+            <a:picLocks noChangeAspect="1"/>
+          </p:cNvPicPr>
+          <p:nvPr/>
+        </p:nvPicPr>
+        <p:blipFill>
+          <a:blip r:embed="rId4">
+            <a:extLst>
+              <a:ext uri="{28A0092B-C50C-407E-A947-70E740481C1C}">
+                <a14:useLocalDpi xmlns:a14="http://schemas.microsoft.com/office/drawing/2010/main" val="0"/>
+              </a:ext>
+            </a:extLst>
+          </a:blip>
+          <a:stretch>
+            <a:fillRect/>
+          </a:stretch>
+        </p:blipFill>
+        <p:spPr>
+          <a:xfrm>
+            <a:off x="2898648" y="1112033"/>
+            <a:ext cx="3759821" cy="3983712"/>
+          </a:xfrm>
+          <a:prstGeom prst="rect">
+            <a:avLst/>
+          </a:prstGeom>
+        </p:spPr>
+      </p:pic>
+    </p:spTree>
+    <p:extLst>
+      <p:ext uri="{BB962C8B-B14F-4D97-AF65-F5344CB8AC3E}">
+        <p14:creationId xmlns:p14="http://schemas.microsoft.com/office/powerpoint/2010/main" val="3360112486"/>
+      </p:ext>
+    </p:extLst>
+  </p:cSld>
+  <p:clrMapOvr>
+    <a:masterClrMapping/>
+  </p:clrMapOvr>
+  <mc:AlternateContent xmlns:mc="http://schemas.openxmlformats.org/markup-compatibility/2006" xmlns:p14="http://schemas.microsoft.com/office/powerpoint/2010/main">
+    <mc:Choice Requires="p14">
+      <p:transition spd="slow" p14:dur="2000"/>
+    </mc:Choice>
+    <mc:Fallback xmlns="">
+      <p:transition spd="slow"/>
+    </mc:Fallback>
+  </mc:AlternateContent>
+  <p:timing>
+    <p:tnLst>
+      <p:par>
+        <p:cTn id="1" dur="indefinite" restart="never" nodeType="tmRoot"/>
+      </p:par>
+    </p:tnLst>
+  </p:timing>
+</p:sld>
+</file>
+
+<file path=ppt/slides/slide28.xml><?xml version="1.0" encoding="utf-8"?>
+<p:sld xmlns:a="http://schemas.openxmlformats.org/drawingml/2006/main" xmlns:r="http://schemas.openxmlformats.org/officeDocument/2006/relationships" xmlns:p="http://schemas.openxmlformats.org/presentationml/2006/main" show="0">
+  <p:cSld>
+    <p:spTree>
+      <p:nvGrpSpPr>
+        <p:cNvPr id="1" name=""/>
+        <p:cNvGrpSpPr/>
+        <p:nvPr/>
+      </p:nvGrpSpPr>
+      <p:grpSpPr>
+        <a:xfrm>
+          <a:off x="0" y="0"/>
+          <a:ext cx="0" cy="0"/>
+          <a:chOff x="0" y="0"/>
+          <a:chExt cx="0" cy="0"/>
+        </a:xfrm>
+      </p:grpSpPr>
+      <p:sp>
+        <p:nvSpPr>
+          <p:cNvPr id="2" name="Title 1"/>
+          <p:cNvSpPr>
+            <a:spLocks noGrp="1"/>
+          </p:cNvSpPr>
+          <p:nvPr>
+            <p:ph type="title"/>
+          </p:nvPr>
+        </p:nvSpPr>
+        <p:spPr>
+          <a:xfrm>
+            <a:off x="565212" y="82255"/>
+            <a:ext cx="8229600" cy="990600"/>
+          </a:xfrm>
+        </p:spPr>
+        <p:txBody>
+          <a:bodyPr/>
+          <a:lstStyle/>
+          <a:p>
+            <a:r>
+              <a:rPr lang="en-US" dirty="0" smtClean="0"/>
+              <a:t>Backup: Topic </a:t>
+            </a:r>
+            <a:r>
+              <a:rPr lang="en-US" dirty="0" smtClean="0"/>
+              <a:t>Classification </a:t>
+            </a:r>
+            <a:endParaRPr lang="el-GR" dirty="0"/>
+          </a:p>
+        </p:txBody>
+      </p:sp>
+      <p:sp>
+        <p:nvSpPr>
+          <p:cNvPr id="3" name="Footer Placeholder 2"/>
+          <p:cNvSpPr>
+            <a:spLocks noGrp="1"/>
+          </p:cNvSpPr>
+          <p:nvPr>
+            <p:ph type="ftr" sz="quarter" idx="11"/>
+          </p:nvPr>
+        </p:nvSpPr>
+        <p:spPr/>
+        <p:txBody>
+          <a:bodyPr/>
+          <a:lstStyle/>
+          <a:p>
+            <a:pPr algn="ctr"/>
+            <a:r>
+              <a:rPr lang="en-US" dirty="0"/>
+              <a:t>Presentation: 15/10/2015</a:t>
+            </a:r>
+            <a:endParaRPr lang="en-GB" dirty="0"/>
+          </a:p>
+        </p:txBody>
+      </p:sp>
+      <p:sp>
+        <p:nvSpPr>
+          <p:cNvPr id="4" name="Slide Number Placeholder 3"/>
+          <p:cNvSpPr>
+            <a:spLocks noGrp="1"/>
+          </p:cNvSpPr>
+          <p:nvPr>
+            <p:ph type="sldNum" sz="quarter" idx="12"/>
+          </p:nvPr>
+        </p:nvSpPr>
+        <p:spPr/>
+        <p:txBody>
+          <a:bodyPr/>
+          <a:lstStyle/>
+          <a:p>
+            <a:fld id="{5A039058-1920-4143-8EFA-8E582B1DAF65}" type="slidenum">
+              <a:rPr lang="en-GB" smtClean="0"/>
+              <a:pPr/>
+              <a:t>28</a:t>
+            </a:fld>
+            <a:endParaRPr lang="en-GB"/>
+          </a:p>
+        </p:txBody>
+      </p:sp>
+      <p:pic>
+        <p:nvPicPr>
+          <p:cNvPr id="10" name="Content Placeholder 9"/>
+          <p:cNvPicPr>
+            <a:picLocks noGrp="1" noChangeAspect="1"/>
+          </p:cNvPicPr>
+          <p:nvPr>
+            <p:ph sz="quarter" idx="1"/>
+          </p:nvPr>
+        </p:nvPicPr>
+        <p:blipFill>
+          <a:blip r:embed="rId3">
+            <a:extLst>
+              <a:ext uri="{28A0092B-C50C-407E-A947-70E740481C1C}">
+                <a14:useLocalDpi xmlns:a14="http://schemas.microsoft.com/office/drawing/2010/main" val="0"/>
+              </a:ext>
+            </a:extLst>
+          </a:blip>
+          <a:stretch>
+            <a:fillRect/>
+          </a:stretch>
+        </p:blipFill>
+        <p:spPr>
+          <a:xfrm>
+            <a:off x="612648" y="1219200"/>
+            <a:ext cx="7919792" cy="4937125"/>
+          </a:xfrm>
+        </p:spPr>
+      </p:pic>
+      <p:pic>
+        <p:nvPicPr>
+          <p:cNvPr id="7" name="Picture 6"/>
+          <p:cNvPicPr>
+            <a:picLocks noChangeAspect="1"/>
+          </p:cNvPicPr>
+          <p:nvPr/>
+        </p:nvPicPr>
+        <p:blipFill>
+          <a:blip r:embed="rId4">
+            <a:extLst>
+              <a:ext uri="{28A0092B-C50C-407E-A947-70E740481C1C}">
+                <a14:useLocalDpi xmlns:a14="http://schemas.microsoft.com/office/drawing/2010/main" val="0"/>
+              </a:ext>
+            </a:extLst>
+          </a:blip>
+          <a:stretch>
+            <a:fillRect/>
+          </a:stretch>
+        </p:blipFill>
+        <p:spPr>
+          <a:xfrm>
+            <a:off x="3172618" y="4149080"/>
+            <a:ext cx="3258005" cy="724001"/>
+          </a:xfrm>
+          <a:prstGeom prst="rect">
+            <a:avLst/>
+          </a:prstGeom>
+        </p:spPr>
+      </p:pic>
+    </p:spTree>
+    <p:extLst>
+      <p:ext uri="{BB962C8B-B14F-4D97-AF65-F5344CB8AC3E}">
+        <p14:creationId xmlns:p14="http://schemas.microsoft.com/office/powerpoint/2010/main" val="2251859321"/>
+      </p:ext>
+    </p:extLst>
+  </p:cSld>
+  <p:clrMapOvr>
+    <a:masterClrMapping/>
+  </p:clrMapOvr>
+  <mc:AlternateContent xmlns:mc="http://schemas.openxmlformats.org/markup-compatibility/2006" xmlns:p14="http://schemas.microsoft.com/office/powerpoint/2010/main">
+    <mc:Choice Requires="p14">
+      <p:transition spd="slow" p14:dur="2000"/>
+    </mc:Choice>
+    <mc:Fallback xmlns="">
+      <p:transition spd="slow"/>
+    </mc:Fallback>
+  </mc:AlternateContent>
+  <p:timing>
+    <p:tnLst>
+      <p:par>
+        <p:cTn id="1" dur="indefinite" restart="never" nodeType="tmRoot">
+          <p:childTnLst>
+            <p:seq concurrent="1" nextAc="seek">
+              <p:cTn id="2" dur="indefinite" nodeType="mainSeq">
+                <p:childTnLst>
+                  <p:par>
+                    <p:cTn id="3" fill="hold">
+                      <p:stCondLst>
+                        <p:cond delay="indefinite"/>
+                      </p:stCondLst>
+                      <p:childTnLst>
+                        <p:par>
+                          <p:cTn id="4" fill="hold">
+                            <p:stCondLst>
+                              <p:cond delay="0"/>
+                            </p:stCondLst>
+                            <p:childTnLst>
+                              <p:par>
+                                <p:cTn id="5" presetID="14" presetClass="entr" presetSubtype="10" fill="hold" nodeType="clickEffect">
+                                  <p:stCondLst>
+                                    <p:cond delay="0"/>
+                                  </p:stCondLst>
+                                  <p:childTnLst>
+                                    <p:set>
+                                      <p:cBhvr>
+                                        <p:cTn id="6" dur="1" fill="hold">
+                                          <p:stCondLst>
+                                            <p:cond delay="0"/>
+                                          </p:stCondLst>
+                                        </p:cTn>
+                                        <p:tgtEl>
+                                          <p:spTgt spid="7"/>
+                                        </p:tgtEl>
+                                        <p:attrNameLst>
+                                          <p:attrName>style.visibility</p:attrName>
+                                        </p:attrNameLst>
+                                      </p:cBhvr>
+                                      <p:to>
+                                        <p:strVal val="visible"/>
+                                      </p:to>
+                                    </p:set>
+                                    <p:animEffect transition="in" filter="randombar(horizontal)">
+                                      <p:cBhvr>
+                                        <p:cTn id="7" dur="500"/>
+                                        <p:tgtEl>
+                                          <p:spTgt spid="7"/>
+                                        </p:tgtEl>
+                                      </p:cBhvr>
+                                    </p:animEffect>
+                                  </p:childTnLst>
+                                </p:cTn>
+                              </p:par>
+                            </p:childTnLst>
+                          </p:cTn>
+                        </p:par>
+                      </p:childTnLst>
+                    </p:cTn>
+                  </p:par>
+                </p:childTnLst>
+              </p:cTn>
+              <p:prevCondLst>
+                <p:cond evt="onPrev" delay="0">
+                  <p:tgtEl>
+                    <p:sldTgt/>
+                  </p:tgtEl>
+                </p:cond>
+              </p:prevCondLst>
+              <p:nextCondLst>
+                <p:cond evt="onNext" delay="0">
+                  <p:tgtEl>
+                    <p:sldTgt/>
+                  </p:tgtEl>
+                </p:cond>
+              </p:nextCondLst>
+            </p:seq>
+          </p:childTnLst>
+        </p:cTn>
+      </p:par>
+    </p:tnLst>
+  </p:timing>
+</p:sld>
+</file>
+
+<file path=ppt/slides/slide29.xml><?xml version="1.0" encoding="utf-8"?>
+<p:sld xmlns:a="http://schemas.openxmlformats.org/drawingml/2006/main" xmlns:r="http://schemas.openxmlformats.org/officeDocument/2006/relationships" xmlns:p="http://schemas.openxmlformats.org/presentationml/2006/main" show="0">
+  <p:cSld>
+    <p:spTree>
+      <p:nvGrpSpPr>
+        <p:cNvPr id="1" name=""/>
+        <p:cNvGrpSpPr/>
+        <p:nvPr/>
+      </p:nvGrpSpPr>
+      <p:grpSpPr>
+        <a:xfrm>
+          <a:off x="0" y="0"/>
+          <a:ext cx="0" cy="0"/>
+          <a:chOff x="0" y="0"/>
+          <a:chExt cx="0" cy="0"/>
+        </a:xfrm>
+      </p:grpSpPr>
+      <p:sp>
+        <p:nvSpPr>
+          <p:cNvPr id="2" name="Title 1"/>
+          <p:cNvSpPr>
+            <a:spLocks noGrp="1"/>
+          </p:cNvSpPr>
+          <p:nvPr>
+            <p:ph type="title"/>
+          </p:nvPr>
+        </p:nvSpPr>
+        <p:spPr/>
+        <p:txBody>
+          <a:bodyPr/>
+          <a:lstStyle/>
+          <a:p>
+            <a:r>
+              <a:rPr lang="en-US" dirty="0" smtClean="0"/>
+              <a:t>Topic Classification</a:t>
+            </a:r>
+            <a:endParaRPr lang="el-GR" dirty="0"/>
+          </a:p>
+        </p:txBody>
+      </p:sp>
+      <p:sp>
+        <p:nvSpPr>
+          <p:cNvPr id="3" name="Footer Placeholder 2"/>
+          <p:cNvSpPr>
+            <a:spLocks noGrp="1"/>
+          </p:cNvSpPr>
+          <p:nvPr>
+            <p:ph type="ftr" sz="quarter" idx="11"/>
+          </p:nvPr>
+        </p:nvSpPr>
+        <p:spPr/>
+        <p:txBody>
+          <a:bodyPr/>
+          <a:lstStyle/>
+          <a:p>
+            <a:pPr algn="ctr"/>
+            <a:r>
+              <a:rPr lang="en-US" dirty="0"/>
+              <a:t>Presentation: 15/10/2015</a:t>
+            </a:r>
+            <a:endParaRPr lang="en-GB" dirty="0"/>
+          </a:p>
+        </p:txBody>
+      </p:sp>
+      <p:sp>
+        <p:nvSpPr>
+          <p:cNvPr id="4" name="Slide Number Placeholder 3"/>
+          <p:cNvSpPr>
+            <a:spLocks noGrp="1"/>
+          </p:cNvSpPr>
+          <p:nvPr>
+            <p:ph type="sldNum" sz="quarter" idx="12"/>
+          </p:nvPr>
+        </p:nvSpPr>
+        <p:spPr/>
+        <p:txBody>
+          <a:bodyPr/>
+          <a:lstStyle/>
+          <a:p>
+            <a:fld id="{5A039058-1920-4143-8EFA-8E582B1DAF65}" type="slidenum">
+              <a:rPr lang="en-GB" smtClean="0"/>
+              <a:pPr/>
+              <a:t>29</a:t>
+            </a:fld>
+            <a:endParaRPr lang="en-GB"/>
+          </a:p>
+        </p:txBody>
+      </p:sp>
+      <p:pic>
+        <p:nvPicPr>
+          <p:cNvPr id="7" name="Content Placeholder 6"/>
+          <p:cNvPicPr>
+            <a:picLocks noGrp="1" noChangeAspect="1"/>
+          </p:cNvPicPr>
+          <p:nvPr>
+            <p:ph sz="quarter" idx="1"/>
+          </p:nvPr>
+        </p:nvPicPr>
+        <p:blipFill>
+          <a:blip r:embed="rId3">
+            <a:extLst>
+              <a:ext uri="{28A0092B-C50C-407E-A947-70E740481C1C}">
+                <a14:useLocalDpi xmlns:a14="http://schemas.microsoft.com/office/drawing/2010/main" val="0"/>
+              </a:ext>
+            </a:extLst>
+          </a:blip>
+          <a:stretch>
+            <a:fillRect/>
+          </a:stretch>
+        </p:blipFill>
+        <p:spPr>
+          <a:xfrm>
+            <a:off x="457200" y="1539711"/>
+            <a:ext cx="8229600" cy="4296103"/>
+          </a:xfrm>
+        </p:spPr>
+      </p:pic>
+    </p:spTree>
+    <p:extLst>
+      <p:ext uri="{BB962C8B-B14F-4D97-AF65-F5344CB8AC3E}">
+        <p14:creationId xmlns:p14="http://schemas.microsoft.com/office/powerpoint/2010/main" val="3165543585"/>
+      </p:ext>
+    </p:extLst>
+  </p:cSld>
+  <p:clrMapOvr>
+    <a:masterClrMapping/>
+  </p:clrMapOvr>
+  <mc:AlternateContent xmlns:mc="http://schemas.openxmlformats.org/markup-compatibility/2006">
+    <mc:Choice xmlns:p14="http://schemas.microsoft.com/office/powerpoint/2010/main" Requires="p14">
+      <p:transition spd="slow" p14:dur="2000"/>
+    </mc:Choice>
+    <mc:Fallback>
+      <p:transition spd="slow"/>
+    </mc:Fallback>
+  </mc:AlternateContent>
+  <p:timing>
+    <p:tnLst>
+      <p:par>
+        <p:cTn id="1" dur="indefinite" restart="never" nodeType="tmRoot"/>
+      </p:par>
+    </p:tnLst>
+  </p:timing>
+</p:sld>
+</file>
+
+<file path=ppt/slides/slide3.xml><?xml version="1.0" encoding="utf-8"?>
+<p:sld xmlns:a="http://schemas.openxmlformats.org/drawingml/2006/main" xmlns:r="http://schemas.openxmlformats.org/officeDocument/2006/relationships" xmlns:p="http://schemas.openxmlformats.org/presentationml/2006/main">
+  <p:cSld>
+    <p:spTree>
+      <p:nvGrpSpPr>
+        <p:cNvPr id="1" name=""/>
+        <p:cNvGrpSpPr/>
+        <p:nvPr/>
+      </p:nvGrpSpPr>
+      <p:grpSpPr>
+        <a:xfrm>
+          <a:off x="0" y="0"/>
+          <a:ext cx="0" cy="0"/>
+          <a:chOff x="0" y="0"/>
+          <a:chExt cx="0" cy="0"/>
+        </a:xfrm>
+      </p:grpSpPr>
+      <p:sp>
+        <p:nvSpPr>
+          <p:cNvPr id="2" name="1 - Τίτλος"/>
+          <p:cNvSpPr>
+            <a:spLocks noGrp="1"/>
+          </p:cNvSpPr>
+          <p:nvPr>
+            <p:ph type="title"/>
+          </p:nvPr>
+        </p:nvSpPr>
+        <p:spPr/>
+        <p:txBody>
+          <a:bodyPr/>
+          <a:lstStyle/>
+          <a:p>
+            <a:r>
+              <a:rPr lang="en-US" dirty="0" smtClean="0"/>
+              <a:t>Motivation</a:t>
+            </a:r>
+            <a:endParaRPr lang="en-GB" dirty="0"/>
+          </a:p>
+        </p:txBody>
+      </p:sp>
+      <p:sp>
+        <p:nvSpPr>
+          <p:cNvPr id="3" name="2 - Θέση κειμένου"/>
+          <p:cNvSpPr>
+            <a:spLocks noGrp="1"/>
+          </p:cNvSpPr>
+          <p:nvPr>
+            <p:ph type="body" idx="1"/>
+          </p:nvPr>
+        </p:nvSpPr>
+        <p:spPr/>
+        <p:txBody>
+          <a:bodyPr/>
+          <a:lstStyle/>
+          <a:p>
+            <a:endParaRPr lang="en-GB"/>
+          </a:p>
+        </p:txBody>
+      </p:sp>
+      <p:sp>
+        <p:nvSpPr>
+          <p:cNvPr id="5" name="4 - Θέση υποσέλιδου"/>
+          <p:cNvSpPr>
+            <a:spLocks noGrp="1"/>
+          </p:cNvSpPr>
+          <p:nvPr>
+            <p:ph type="ftr" sz="quarter" idx="11"/>
+          </p:nvPr>
+        </p:nvSpPr>
+        <p:spPr/>
+        <p:txBody>
+          <a:bodyPr/>
+          <a:lstStyle/>
+          <a:p>
+            <a:pPr algn="ctr"/>
+            <a:r>
+              <a:rPr lang="en-US" dirty="0"/>
+              <a:t>Presentation: 15/10/2015</a:t>
+            </a:r>
+            <a:endParaRPr lang="en-GB" dirty="0"/>
+          </a:p>
+        </p:txBody>
+      </p:sp>
+      <p:sp>
+        <p:nvSpPr>
+          <p:cNvPr id="4" name="3 - Θέση αριθμού διαφάνειας"/>
+          <p:cNvSpPr>
+            <a:spLocks noGrp="1"/>
+          </p:cNvSpPr>
+          <p:nvPr>
+            <p:ph type="sldNum" sz="quarter" idx="12"/>
+          </p:nvPr>
+        </p:nvSpPr>
+        <p:spPr/>
+        <p:txBody>
+          <a:bodyPr/>
+          <a:lstStyle/>
+          <a:p>
+            <a:fld id="{5A039058-1920-4143-8EFA-8E582B1DAF65}" type="slidenum">
+              <a:rPr lang="en-GB" smtClean="0"/>
+              <a:pPr/>
+              <a:t>3</a:t>
+            </a:fld>
+            <a:endParaRPr lang="en-GB"/>
+          </a:p>
+        </p:txBody>
+      </p:sp>
+    </p:spTree>
+  </p:cSld>
+  <p:clrMapOvr>
+    <a:masterClrMapping/>
+  </p:clrMapOvr>
+  <p:timing>
+    <p:tnLst>
+      <p:par>
+        <p:cTn id="1" dur="indefinite" restart="never" nodeType="tmRoot"/>
+      </p:par>
+    </p:tnLst>
+  </p:timing>
+</p:sld>
+</file>
+
+<file path=ppt/slides/slide30.xml><?xml version="1.0" encoding="utf-8"?>
+<p:sld xmlns:a="http://schemas.openxmlformats.org/drawingml/2006/main" xmlns:r="http://schemas.openxmlformats.org/officeDocument/2006/relationships" xmlns:p="http://schemas.openxmlformats.org/presentationml/2006/main" show="0">
+  <p:cSld>
+    <p:spTree>
+      <p:nvGrpSpPr>
+        <p:cNvPr id="1" name=""/>
+        <p:cNvGrpSpPr/>
+        <p:nvPr/>
+      </p:nvGrpSpPr>
+      <p:grpSpPr>
+        <a:xfrm>
+          <a:off x="0" y="0"/>
+          <a:ext cx="0" cy="0"/>
+          <a:chOff x="0" y="0"/>
+          <a:chExt cx="0" cy="0"/>
+        </a:xfrm>
+      </p:grpSpPr>
+      <p:sp>
+        <p:nvSpPr>
           <p:cNvPr id="2" name="Title 1"/>
           <p:cNvSpPr>
             <a:spLocks noGrp="1"/>
@@ -18084,7 +20149,7 @@
             <a:fld id="{5A039058-1920-4143-8EFA-8E582B1DAF65}" type="slidenum">
               <a:rPr lang="en-GB" smtClean="0"/>
               <a:pPr/>
-              <a:t>24</a:t>
+              <a:t>30</a:t>
             </a:fld>
             <a:endParaRPr lang="en-GB"/>
           </a:p>
@@ -18316,6 +20381,14 @@
   <p:clrMapOvr>
     <a:masterClrMapping/>
   </p:clrMapOvr>
+  <mc:AlternateContent xmlns:mc="http://schemas.openxmlformats.org/markup-compatibility/2006">
+    <mc:Choice xmlns:p14="http://schemas.microsoft.com/office/powerpoint/2010/main" Requires="p14">
+      <p:transition spd="slow" p14:dur="2000"/>
+    </mc:Choice>
+    <mc:Fallback>
+      <p:transition spd="slow"/>
+    </mc:Fallback>
+  </mc:AlternateContent>
   <p:timing>
     <p:tnLst>
       <p:par>
@@ -18707,858 +20780,6 @@
             </p:seq>
           </p:childTnLst>
         </p:cTn>
-      </p:par>
-    </p:tnLst>
-  </p:timing>
-</p:sld>
-</file>
-
-<file path=ppt/slides/slide25.xml><?xml version="1.0" encoding="utf-8"?>
-<p:sld xmlns:a="http://schemas.openxmlformats.org/drawingml/2006/main" xmlns:r="http://schemas.openxmlformats.org/officeDocument/2006/relationships" xmlns:p="http://schemas.openxmlformats.org/presentationml/2006/main">
-  <p:cSld>
-    <p:spTree>
-      <p:nvGrpSpPr>
-        <p:cNvPr id="1" name=""/>
-        <p:cNvGrpSpPr/>
-        <p:nvPr/>
-      </p:nvGrpSpPr>
-      <p:grpSpPr>
-        <a:xfrm>
-          <a:off x="0" y="0"/>
-          <a:ext cx="0" cy="0"/>
-          <a:chOff x="0" y="0"/>
-          <a:chExt cx="0" cy="0"/>
-        </a:xfrm>
-      </p:grpSpPr>
-      <p:sp>
-        <p:nvSpPr>
-          <p:cNvPr id="2" name="1 - Τίτλος"/>
-          <p:cNvSpPr>
-            <a:spLocks noGrp="1"/>
-          </p:cNvSpPr>
-          <p:nvPr>
-            <p:ph type="title"/>
-          </p:nvPr>
-        </p:nvSpPr>
-        <p:spPr/>
-        <p:txBody>
-          <a:bodyPr/>
-          <a:lstStyle/>
-          <a:p>
-            <a:r>
-              <a:rPr lang="en-US" dirty="0" smtClean="0"/>
-              <a:t>Conclusion </a:t>
-            </a:r>
-            <a:endParaRPr lang="el-GR" dirty="0"/>
-          </a:p>
-        </p:txBody>
-      </p:sp>
-      <p:sp>
-        <p:nvSpPr>
-          <p:cNvPr id="3" name="2 - Θέση υποσέλιδου"/>
-          <p:cNvSpPr>
-            <a:spLocks noGrp="1"/>
-          </p:cNvSpPr>
-          <p:nvPr>
-            <p:ph type="ftr" sz="quarter" idx="11"/>
-          </p:nvPr>
-        </p:nvSpPr>
-        <p:spPr/>
-        <p:txBody>
-          <a:bodyPr/>
-          <a:lstStyle/>
-          <a:p>
-            <a:pPr algn="ctr"/>
-            <a:r>
-              <a:rPr lang="en-US" dirty="0"/>
-              <a:t>Presentation: 15/10/2015</a:t>
-            </a:r>
-            <a:endParaRPr lang="en-GB" dirty="0"/>
-          </a:p>
-        </p:txBody>
-      </p:sp>
-      <p:sp>
-        <p:nvSpPr>
-          <p:cNvPr id="4" name="3 - Θέση αριθμού διαφάνειας"/>
-          <p:cNvSpPr>
-            <a:spLocks noGrp="1"/>
-          </p:cNvSpPr>
-          <p:nvPr>
-            <p:ph type="sldNum" sz="quarter" idx="12"/>
-          </p:nvPr>
-        </p:nvSpPr>
-        <p:spPr/>
-        <p:txBody>
-          <a:bodyPr/>
-          <a:lstStyle/>
-          <a:p>
-            <a:fld id="{5A039058-1920-4143-8EFA-8E582B1DAF65}" type="slidenum">
-              <a:rPr lang="en-GB" smtClean="0"/>
-              <a:pPr/>
-              <a:t>25</a:t>
-            </a:fld>
-            <a:endParaRPr lang="en-GB"/>
-          </a:p>
-        </p:txBody>
-      </p:sp>
-      <p:sp>
-        <p:nvSpPr>
-          <p:cNvPr id="5" name="4 - Θέση περιεχομένου"/>
-          <p:cNvSpPr>
-            <a:spLocks noGrp="1"/>
-          </p:cNvSpPr>
-          <p:nvPr>
-            <p:ph sz="quarter" idx="1"/>
-          </p:nvPr>
-        </p:nvSpPr>
-        <p:spPr/>
-        <p:txBody>
-          <a:bodyPr/>
-          <a:lstStyle/>
-          <a:p>
-            <a:r>
-              <a:rPr lang="en-US" dirty="0" smtClean="0"/>
-              <a:t>Contributions</a:t>
-            </a:r>
-          </a:p>
-          <a:p>
-            <a:pPr lvl="1"/>
-            <a:r>
-              <a:rPr lang="en-US" dirty="0" smtClean="0"/>
-              <a:t>Extensive user evaluation</a:t>
-            </a:r>
-          </a:p>
-          <a:p>
-            <a:pPr lvl="1"/>
-            <a:r>
-              <a:rPr lang="en-US" dirty="0" smtClean="0"/>
-              <a:t>A social network User Interface is implemented for DevOps cloud deployment specialists</a:t>
-            </a:r>
-          </a:p>
-          <a:p>
-            <a:pPr lvl="1"/>
-            <a:r>
-              <a:rPr lang="en-US" dirty="0" smtClean="0"/>
-              <a:t>A scalable system architecture of our SNP is presented</a:t>
-            </a:r>
-          </a:p>
-          <a:p>
-            <a:pPr lvl="1"/>
-            <a:r>
-              <a:rPr lang="en-US" dirty="0"/>
-              <a:t>The SN Platform can perform </a:t>
-            </a:r>
-            <a:r>
-              <a:rPr lang="en-US" dirty="0" smtClean="0"/>
-              <a:t>topic classification </a:t>
-            </a:r>
-            <a:r>
-              <a:rPr lang="en-US" dirty="0"/>
-              <a:t>on the user’s </a:t>
-            </a:r>
-            <a:r>
-              <a:rPr lang="en-US" dirty="0" smtClean="0"/>
-              <a:t>input</a:t>
-            </a:r>
-          </a:p>
-          <a:p>
-            <a:r>
-              <a:rPr lang="en-US" dirty="0" smtClean="0"/>
-              <a:t>Future work</a:t>
-            </a:r>
-          </a:p>
-          <a:p>
-            <a:pPr lvl="1"/>
-            <a:r>
-              <a:rPr lang="en-US" dirty="0" smtClean="0"/>
-              <a:t>Further </a:t>
-            </a:r>
-            <a:r>
-              <a:rPr lang="en-US" smtClean="0"/>
-              <a:t>explore classification</a:t>
-            </a:r>
-            <a:endParaRPr lang="en-US" dirty="0" smtClean="0"/>
-          </a:p>
-          <a:p>
-            <a:pPr lvl="1"/>
-            <a:r>
-              <a:rPr lang="en-US" dirty="0" smtClean="0"/>
-              <a:t>Extending he integration of our social networking platform with more information repositories</a:t>
-            </a:r>
-            <a:endParaRPr lang="en-US" dirty="0"/>
-          </a:p>
-        </p:txBody>
-      </p:sp>
-    </p:spTree>
-  </p:cSld>
-  <p:clrMapOvr>
-    <a:masterClrMapping/>
-  </p:clrMapOvr>
-  <p:timing>
-    <p:tnLst>
-      <p:par>
-        <p:cTn id="1" dur="indefinite" restart="never" nodeType="tmRoot"/>
-      </p:par>
-    </p:tnLst>
-  </p:timing>
-</p:sld>
-</file>
-
-<file path=ppt/slides/slide26.xml><?xml version="1.0" encoding="utf-8"?>
-<p:sld xmlns:a="http://schemas.openxmlformats.org/drawingml/2006/main" xmlns:r="http://schemas.openxmlformats.org/officeDocument/2006/relationships" xmlns:p="http://schemas.openxmlformats.org/presentationml/2006/main">
-  <p:cSld>
-    <p:spTree>
-      <p:nvGrpSpPr>
-        <p:cNvPr id="1" name=""/>
-        <p:cNvGrpSpPr/>
-        <p:nvPr/>
-      </p:nvGrpSpPr>
-      <p:grpSpPr>
-        <a:xfrm>
-          <a:off x="0" y="0"/>
-          <a:ext cx="0" cy="0"/>
-          <a:chOff x="0" y="0"/>
-          <a:chExt cx="0" cy="0"/>
-        </a:xfrm>
-      </p:grpSpPr>
-      <p:sp>
-        <p:nvSpPr>
-          <p:cNvPr id="3" name="2 - Θέση υποσέλιδου"/>
-          <p:cNvSpPr>
-            <a:spLocks noGrp="1"/>
-          </p:cNvSpPr>
-          <p:nvPr>
-            <p:ph type="ftr" sz="quarter" idx="11"/>
-          </p:nvPr>
-        </p:nvSpPr>
-        <p:spPr/>
-        <p:txBody>
-          <a:bodyPr/>
-          <a:lstStyle/>
-          <a:p>
-            <a:pPr algn="ctr"/>
-            <a:r>
-              <a:rPr lang="en-US" dirty="0"/>
-              <a:t>Presentation: 15/10/2015</a:t>
-            </a:r>
-            <a:endParaRPr lang="en-GB" dirty="0"/>
-          </a:p>
-        </p:txBody>
-      </p:sp>
-      <p:sp>
-        <p:nvSpPr>
-          <p:cNvPr id="4" name="3 - Θέση αριθμού διαφάνειας"/>
-          <p:cNvSpPr>
-            <a:spLocks noGrp="1"/>
-          </p:cNvSpPr>
-          <p:nvPr>
-            <p:ph type="sldNum" sz="quarter" idx="12"/>
-          </p:nvPr>
-        </p:nvSpPr>
-        <p:spPr/>
-        <p:txBody>
-          <a:bodyPr/>
-          <a:lstStyle/>
-          <a:p>
-            <a:fld id="{5A039058-1920-4143-8EFA-8E582B1DAF65}" type="slidenum">
-              <a:rPr lang="en-GB" smtClean="0"/>
-              <a:pPr/>
-              <a:t>26</a:t>
-            </a:fld>
-            <a:endParaRPr lang="en-GB" dirty="0"/>
-          </a:p>
-        </p:txBody>
-      </p:sp>
-      <p:sp>
-        <p:nvSpPr>
-          <p:cNvPr id="5" name="4 - Θέση περιεχομένου"/>
-          <p:cNvSpPr>
-            <a:spLocks noGrp="1"/>
-          </p:cNvSpPr>
-          <p:nvPr>
-            <p:ph sz="quarter" idx="1"/>
-          </p:nvPr>
-        </p:nvSpPr>
-        <p:spPr/>
-        <p:txBody>
-          <a:bodyPr>
-            <a:normAutofit/>
-          </a:bodyPr>
-          <a:lstStyle/>
-          <a:p>
-            <a:pPr>
-              <a:buNone/>
-            </a:pPr>
-            <a:r>
-              <a:rPr lang="en-US" sz="7200" dirty="0" smtClean="0"/>
-              <a:t>Thank you</a:t>
-            </a:r>
-            <a:endParaRPr lang="el-GR" sz="7200" dirty="0"/>
-          </a:p>
-        </p:txBody>
-      </p:sp>
-    </p:spTree>
-  </p:cSld>
-  <p:clrMapOvr>
-    <a:masterClrMapping/>
-  </p:clrMapOvr>
-  <p:timing>
-    <p:tnLst>
-      <p:par>
-        <p:cTn id="1" dur="indefinite" restart="never" nodeType="tmRoot"/>
-      </p:par>
-    </p:tnLst>
-  </p:timing>
-</p:sld>
-</file>
-
-<file path=ppt/slides/slide27.xml><?xml version="1.0" encoding="utf-8"?>
-<p:sld xmlns:a="http://schemas.openxmlformats.org/drawingml/2006/main" xmlns:r="http://schemas.openxmlformats.org/officeDocument/2006/relationships" xmlns:p="http://schemas.openxmlformats.org/presentationml/2006/main" show="0">
-  <p:cSld>
-    <p:spTree>
-      <p:nvGrpSpPr>
-        <p:cNvPr id="1" name=""/>
-        <p:cNvGrpSpPr/>
-        <p:nvPr/>
-      </p:nvGrpSpPr>
-      <p:grpSpPr>
-        <a:xfrm>
-          <a:off x="0" y="0"/>
-          <a:ext cx="0" cy="0"/>
-          <a:chOff x="0" y="0"/>
-          <a:chExt cx="0" cy="0"/>
-        </a:xfrm>
-      </p:grpSpPr>
-      <p:sp>
-        <p:nvSpPr>
-          <p:cNvPr id="2" name="Title 1"/>
-          <p:cNvSpPr>
-            <a:spLocks noGrp="1"/>
-          </p:cNvSpPr>
-          <p:nvPr>
-            <p:ph type="title"/>
-          </p:nvPr>
-        </p:nvSpPr>
-        <p:spPr/>
-        <p:txBody>
-          <a:bodyPr/>
-          <a:lstStyle/>
-          <a:p>
-            <a:r>
-              <a:rPr lang="en-US" dirty="0" smtClean="0"/>
-              <a:t>StackOverflow Community</a:t>
-            </a:r>
-            <a:endParaRPr lang="el-GR" dirty="0"/>
-          </a:p>
-        </p:txBody>
-      </p:sp>
-      <p:sp>
-        <p:nvSpPr>
-          <p:cNvPr id="3" name="Footer Placeholder 2"/>
-          <p:cNvSpPr>
-            <a:spLocks noGrp="1"/>
-          </p:cNvSpPr>
-          <p:nvPr>
-            <p:ph type="ftr" sz="quarter" idx="11"/>
-          </p:nvPr>
-        </p:nvSpPr>
-        <p:spPr/>
-        <p:txBody>
-          <a:bodyPr/>
-          <a:lstStyle/>
-          <a:p>
-            <a:pPr algn="ctr"/>
-            <a:r>
-              <a:rPr lang="en-US" dirty="0"/>
-              <a:t>Presentation: 15/10/2015</a:t>
-            </a:r>
-            <a:endParaRPr lang="en-GB" dirty="0"/>
-          </a:p>
-        </p:txBody>
-      </p:sp>
-      <p:sp>
-        <p:nvSpPr>
-          <p:cNvPr id="4" name="Slide Number Placeholder 3"/>
-          <p:cNvSpPr>
-            <a:spLocks noGrp="1"/>
-          </p:cNvSpPr>
-          <p:nvPr>
-            <p:ph type="sldNum" sz="quarter" idx="12"/>
-          </p:nvPr>
-        </p:nvSpPr>
-        <p:spPr/>
-        <p:txBody>
-          <a:bodyPr/>
-          <a:lstStyle/>
-          <a:p>
-            <a:fld id="{5A039058-1920-4143-8EFA-8E582B1DAF65}" type="slidenum">
-              <a:rPr lang="en-GB" smtClean="0"/>
-              <a:pPr/>
-              <a:t>27</a:t>
-            </a:fld>
-            <a:endParaRPr lang="en-GB"/>
-          </a:p>
-        </p:txBody>
-      </p:sp>
-      <p:pic>
-        <p:nvPicPr>
-          <p:cNvPr id="6" name="Content Placeholder 5"/>
-          <p:cNvPicPr>
-            <a:picLocks noGrp="1" noChangeAspect="1"/>
-          </p:cNvPicPr>
-          <p:nvPr>
-            <p:ph sz="quarter" idx="1"/>
-          </p:nvPr>
-        </p:nvPicPr>
-        <p:blipFill>
-          <a:blip r:embed="rId3">
-            <a:extLst>
-              <a:ext uri="{28A0092B-C50C-407E-A947-70E740481C1C}">
-                <a14:useLocalDpi xmlns:a14="http://schemas.microsoft.com/office/drawing/2010/main" val="0"/>
-              </a:ext>
-            </a:extLst>
-          </a:blip>
-          <a:stretch>
-            <a:fillRect/>
-          </a:stretch>
-        </p:blipFill>
-        <p:spPr>
-          <a:xfrm>
-            <a:off x="829652" y="4562290"/>
-            <a:ext cx="7643192" cy="1794060"/>
-          </a:xfrm>
-        </p:spPr>
-      </p:pic>
-      <p:pic>
-        <p:nvPicPr>
-          <p:cNvPr id="9" name="Picture 8"/>
-          <p:cNvPicPr>
-            <a:picLocks noChangeAspect="1"/>
-          </p:cNvPicPr>
-          <p:nvPr/>
-        </p:nvPicPr>
-        <p:blipFill>
-          <a:blip r:embed="rId4">
-            <a:extLst>
-              <a:ext uri="{28A0092B-C50C-407E-A947-70E740481C1C}">
-                <a14:useLocalDpi xmlns:a14="http://schemas.microsoft.com/office/drawing/2010/main" val="0"/>
-              </a:ext>
-            </a:extLst>
-          </a:blip>
-          <a:stretch>
-            <a:fillRect/>
-          </a:stretch>
-        </p:blipFill>
-        <p:spPr>
-          <a:xfrm>
-            <a:off x="2898648" y="1112033"/>
-            <a:ext cx="3759821" cy="3983712"/>
-          </a:xfrm>
-          <a:prstGeom prst="rect">
-            <a:avLst/>
-          </a:prstGeom>
-        </p:spPr>
-      </p:pic>
-    </p:spTree>
-    <p:extLst>
-      <p:ext uri="{BB962C8B-B14F-4D97-AF65-F5344CB8AC3E}">
-        <p14:creationId xmlns:p14="http://schemas.microsoft.com/office/powerpoint/2010/main" val="3360112486"/>
-      </p:ext>
-    </p:extLst>
-  </p:cSld>
-  <p:clrMapOvr>
-    <a:masterClrMapping/>
-  </p:clrMapOvr>
-  <mc:AlternateContent xmlns:mc="http://schemas.openxmlformats.org/markup-compatibility/2006">
-    <mc:Choice xmlns:p14="http://schemas.microsoft.com/office/powerpoint/2010/main" Requires="p14">
-      <p:transition spd="slow" p14:dur="2000"/>
-    </mc:Choice>
-    <mc:Fallback>
-      <p:transition spd="slow"/>
-    </mc:Fallback>
-  </mc:AlternateContent>
-  <p:timing>
-    <p:tnLst>
-      <p:par>
-        <p:cTn id="1" dur="indefinite" restart="never" nodeType="tmRoot"/>
-      </p:par>
-    </p:tnLst>
-  </p:timing>
-</p:sld>
-</file>
-
-<file path=ppt/slides/slide28.xml><?xml version="1.0" encoding="utf-8"?>
-<p:sld xmlns:a="http://schemas.openxmlformats.org/drawingml/2006/main" xmlns:r="http://schemas.openxmlformats.org/officeDocument/2006/relationships" xmlns:p="http://schemas.openxmlformats.org/presentationml/2006/main" show="0">
-  <p:cSld>
-    <p:spTree>
-      <p:nvGrpSpPr>
-        <p:cNvPr id="1" name=""/>
-        <p:cNvGrpSpPr/>
-        <p:nvPr/>
-      </p:nvGrpSpPr>
-      <p:grpSpPr>
-        <a:xfrm>
-          <a:off x="0" y="0"/>
-          <a:ext cx="0" cy="0"/>
-          <a:chOff x="0" y="0"/>
-          <a:chExt cx="0" cy="0"/>
-        </a:xfrm>
-      </p:grpSpPr>
-      <p:sp>
-        <p:nvSpPr>
-          <p:cNvPr id="2" name="Title 1"/>
-          <p:cNvSpPr>
-            <a:spLocks noGrp="1"/>
-          </p:cNvSpPr>
-          <p:nvPr>
-            <p:ph type="title"/>
-          </p:nvPr>
-        </p:nvSpPr>
-        <p:spPr>
-          <a:xfrm>
-            <a:off x="565212" y="82255"/>
-            <a:ext cx="8229600" cy="990600"/>
-          </a:xfrm>
-        </p:spPr>
-        <p:txBody>
-          <a:bodyPr/>
-          <a:lstStyle/>
-          <a:p>
-            <a:r>
-              <a:rPr lang="en-US" dirty="0" smtClean="0"/>
-              <a:t>Topic Classification </a:t>
-            </a:r>
-            <a:endParaRPr lang="el-GR" dirty="0"/>
-          </a:p>
-        </p:txBody>
-      </p:sp>
-      <p:sp>
-        <p:nvSpPr>
-          <p:cNvPr id="3" name="Footer Placeholder 2"/>
-          <p:cNvSpPr>
-            <a:spLocks noGrp="1"/>
-          </p:cNvSpPr>
-          <p:nvPr>
-            <p:ph type="ftr" sz="quarter" idx="11"/>
-          </p:nvPr>
-        </p:nvSpPr>
-        <p:spPr/>
-        <p:txBody>
-          <a:bodyPr/>
-          <a:lstStyle/>
-          <a:p>
-            <a:pPr algn="ctr"/>
-            <a:r>
-              <a:rPr lang="en-US" dirty="0"/>
-              <a:t>Presentation: 15/10/2015</a:t>
-            </a:r>
-            <a:endParaRPr lang="en-GB" dirty="0"/>
-          </a:p>
-        </p:txBody>
-      </p:sp>
-      <p:sp>
-        <p:nvSpPr>
-          <p:cNvPr id="4" name="Slide Number Placeholder 3"/>
-          <p:cNvSpPr>
-            <a:spLocks noGrp="1"/>
-          </p:cNvSpPr>
-          <p:nvPr>
-            <p:ph type="sldNum" sz="quarter" idx="12"/>
-          </p:nvPr>
-        </p:nvSpPr>
-        <p:spPr/>
-        <p:txBody>
-          <a:bodyPr/>
-          <a:lstStyle/>
-          <a:p>
-            <a:fld id="{5A039058-1920-4143-8EFA-8E582B1DAF65}" type="slidenum">
-              <a:rPr lang="en-GB" smtClean="0"/>
-              <a:pPr/>
-              <a:t>28</a:t>
-            </a:fld>
-            <a:endParaRPr lang="en-GB"/>
-          </a:p>
-        </p:txBody>
-      </p:sp>
-      <p:pic>
-        <p:nvPicPr>
-          <p:cNvPr id="10" name="Content Placeholder 9"/>
-          <p:cNvPicPr>
-            <a:picLocks noGrp="1" noChangeAspect="1"/>
-          </p:cNvPicPr>
-          <p:nvPr>
-            <p:ph sz="quarter" idx="1"/>
-          </p:nvPr>
-        </p:nvPicPr>
-        <p:blipFill>
-          <a:blip r:embed="rId3">
-            <a:extLst>
-              <a:ext uri="{28A0092B-C50C-407E-A947-70E740481C1C}">
-                <a14:useLocalDpi xmlns:a14="http://schemas.microsoft.com/office/drawing/2010/main" val="0"/>
-              </a:ext>
-            </a:extLst>
-          </a:blip>
-          <a:stretch>
-            <a:fillRect/>
-          </a:stretch>
-        </p:blipFill>
-        <p:spPr>
-          <a:xfrm>
-            <a:off x="612648" y="1219200"/>
-            <a:ext cx="7919792" cy="4937125"/>
-          </a:xfrm>
-        </p:spPr>
-      </p:pic>
-      <p:pic>
-        <p:nvPicPr>
-          <p:cNvPr id="7" name="Picture 6"/>
-          <p:cNvPicPr>
-            <a:picLocks noChangeAspect="1"/>
-          </p:cNvPicPr>
-          <p:nvPr/>
-        </p:nvPicPr>
-        <p:blipFill>
-          <a:blip r:embed="rId4">
-            <a:extLst>
-              <a:ext uri="{28A0092B-C50C-407E-A947-70E740481C1C}">
-                <a14:useLocalDpi xmlns:a14="http://schemas.microsoft.com/office/drawing/2010/main" val="0"/>
-              </a:ext>
-            </a:extLst>
-          </a:blip>
-          <a:stretch>
-            <a:fillRect/>
-          </a:stretch>
-        </p:blipFill>
-        <p:spPr>
-          <a:xfrm>
-            <a:off x="3172618" y="4149080"/>
-            <a:ext cx="3258005" cy="724001"/>
-          </a:xfrm>
-          <a:prstGeom prst="rect">
-            <a:avLst/>
-          </a:prstGeom>
-        </p:spPr>
-      </p:pic>
-    </p:spTree>
-    <p:extLst>
-      <p:ext uri="{BB962C8B-B14F-4D97-AF65-F5344CB8AC3E}">
-        <p14:creationId xmlns:p14="http://schemas.microsoft.com/office/powerpoint/2010/main" val="2251859321"/>
-      </p:ext>
-    </p:extLst>
-  </p:cSld>
-  <p:clrMapOvr>
-    <a:masterClrMapping/>
-  </p:clrMapOvr>
-  <mc:AlternateContent xmlns:mc="http://schemas.openxmlformats.org/markup-compatibility/2006">
-    <mc:Choice xmlns:p14="http://schemas.microsoft.com/office/powerpoint/2010/main" Requires="p14">
-      <p:transition spd="slow" p14:dur="2000"/>
-    </mc:Choice>
-    <mc:Fallback>
-      <p:transition spd="slow"/>
-    </mc:Fallback>
-  </mc:AlternateContent>
-  <p:timing>
-    <p:tnLst>
-      <p:par>
-        <p:cTn id="1" dur="indefinite" restart="never" nodeType="tmRoot">
-          <p:childTnLst>
-            <p:seq concurrent="1" nextAc="seek">
-              <p:cTn id="2" dur="indefinite" nodeType="mainSeq">
-                <p:childTnLst>
-                  <p:par>
-                    <p:cTn id="3" fill="hold">
-                      <p:stCondLst>
-                        <p:cond delay="indefinite"/>
-                      </p:stCondLst>
-                      <p:childTnLst>
-                        <p:par>
-                          <p:cTn id="4" fill="hold">
-                            <p:stCondLst>
-                              <p:cond delay="0"/>
-                            </p:stCondLst>
-                            <p:childTnLst>
-                              <p:par>
-                                <p:cTn id="5" presetID="14" presetClass="entr" presetSubtype="10" fill="hold" nodeType="clickEffect">
-                                  <p:stCondLst>
-                                    <p:cond delay="0"/>
-                                  </p:stCondLst>
-                                  <p:childTnLst>
-                                    <p:set>
-                                      <p:cBhvr>
-                                        <p:cTn id="6" dur="1" fill="hold">
-                                          <p:stCondLst>
-                                            <p:cond delay="0"/>
-                                          </p:stCondLst>
-                                        </p:cTn>
-                                        <p:tgtEl>
-                                          <p:spTgt spid="7"/>
-                                        </p:tgtEl>
-                                        <p:attrNameLst>
-                                          <p:attrName>style.visibility</p:attrName>
-                                        </p:attrNameLst>
-                                      </p:cBhvr>
-                                      <p:to>
-                                        <p:strVal val="visible"/>
-                                      </p:to>
-                                    </p:set>
-                                    <p:animEffect transition="in" filter="randombar(horizontal)">
-                                      <p:cBhvr>
-                                        <p:cTn id="7" dur="500"/>
-                                        <p:tgtEl>
-                                          <p:spTgt spid="7"/>
-                                        </p:tgtEl>
-                                      </p:cBhvr>
-                                    </p:animEffect>
-                                  </p:childTnLst>
-                                </p:cTn>
-                              </p:par>
-                            </p:childTnLst>
-                          </p:cTn>
-                        </p:par>
-                      </p:childTnLst>
-                    </p:cTn>
-                  </p:par>
-                </p:childTnLst>
-              </p:cTn>
-              <p:prevCondLst>
-                <p:cond evt="onPrev" delay="0">
-                  <p:tgtEl>
-                    <p:sldTgt/>
-                  </p:tgtEl>
-                </p:cond>
-              </p:prevCondLst>
-              <p:nextCondLst>
-                <p:cond evt="onNext" delay="0">
-                  <p:tgtEl>
-                    <p:sldTgt/>
-                  </p:tgtEl>
-                </p:cond>
-              </p:nextCondLst>
-            </p:seq>
-          </p:childTnLst>
-        </p:cTn>
-      </p:par>
-    </p:tnLst>
-  </p:timing>
-</p:sld>
-</file>
-
-<file path=ppt/slides/slide3.xml><?xml version="1.0" encoding="utf-8"?>
-<p:sld xmlns:a="http://schemas.openxmlformats.org/drawingml/2006/main" xmlns:r="http://schemas.openxmlformats.org/officeDocument/2006/relationships" xmlns:p="http://schemas.openxmlformats.org/presentationml/2006/main">
-  <p:cSld>
-    <p:spTree>
-      <p:nvGrpSpPr>
-        <p:cNvPr id="1" name=""/>
-        <p:cNvGrpSpPr/>
-        <p:nvPr/>
-      </p:nvGrpSpPr>
-      <p:grpSpPr>
-        <a:xfrm>
-          <a:off x="0" y="0"/>
-          <a:ext cx="0" cy="0"/>
-          <a:chOff x="0" y="0"/>
-          <a:chExt cx="0" cy="0"/>
-        </a:xfrm>
-      </p:grpSpPr>
-      <p:sp>
-        <p:nvSpPr>
-          <p:cNvPr id="2" name="1 - Τίτλος"/>
-          <p:cNvSpPr>
-            <a:spLocks noGrp="1"/>
-          </p:cNvSpPr>
-          <p:nvPr>
-            <p:ph type="title"/>
-          </p:nvPr>
-        </p:nvSpPr>
-        <p:spPr/>
-        <p:txBody>
-          <a:bodyPr/>
-          <a:lstStyle/>
-          <a:p>
-            <a:r>
-              <a:rPr lang="en-US" dirty="0" smtClean="0"/>
-              <a:t>Motivation</a:t>
-            </a:r>
-            <a:endParaRPr lang="en-GB" dirty="0"/>
-          </a:p>
-        </p:txBody>
-      </p:sp>
-      <p:sp>
-        <p:nvSpPr>
-          <p:cNvPr id="3" name="2 - Θέση κειμένου"/>
-          <p:cNvSpPr>
-            <a:spLocks noGrp="1"/>
-          </p:cNvSpPr>
-          <p:nvPr>
-            <p:ph type="body" idx="1"/>
-          </p:nvPr>
-        </p:nvSpPr>
-        <p:spPr/>
-        <p:txBody>
-          <a:bodyPr/>
-          <a:lstStyle/>
-          <a:p>
-            <a:endParaRPr lang="en-GB"/>
-          </a:p>
-        </p:txBody>
-      </p:sp>
-      <p:sp>
-        <p:nvSpPr>
-          <p:cNvPr id="5" name="4 - Θέση υποσέλιδου"/>
-          <p:cNvSpPr>
-            <a:spLocks noGrp="1"/>
-          </p:cNvSpPr>
-          <p:nvPr>
-            <p:ph type="ftr" sz="quarter" idx="11"/>
-          </p:nvPr>
-        </p:nvSpPr>
-        <p:spPr/>
-        <p:txBody>
-          <a:bodyPr/>
-          <a:lstStyle/>
-          <a:p>
-            <a:pPr algn="ctr"/>
-            <a:r>
-              <a:rPr lang="en-US" dirty="0"/>
-              <a:t>Presentation: 15/10/2015</a:t>
-            </a:r>
-            <a:endParaRPr lang="en-GB" dirty="0"/>
-          </a:p>
-        </p:txBody>
-      </p:sp>
-      <p:sp>
-        <p:nvSpPr>
-          <p:cNvPr id="4" name="3 - Θέση αριθμού διαφάνειας"/>
-          <p:cNvSpPr>
-            <a:spLocks noGrp="1"/>
-          </p:cNvSpPr>
-          <p:nvPr>
-            <p:ph type="sldNum" sz="quarter" idx="12"/>
-          </p:nvPr>
-        </p:nvSpPr>
-        <p:spPr/>
-        <p:txBody>
-          <a:bodyPr/>
-          <a:lstStyle/>
-          <a:p>
-            <a:fld id="{5A039058-1920-4143-8EFA-8E582B1DAF65}" type="slidenum">
-              <a:rPr lang="en-GB" smtClean="0"/>
-              <a:pPr/>
-              <a:t>3</a:t>
-            </a:fld>
-            <a:endParaRPr lang="en-GB"/>
-          </a:p>
-        </p:txBody>
-      </p:sp>
-    </p:spTree>
-  </p:cSld>
-  <p:clrMapOvr>
-    <a:masterClrMapping/>
-  </p:clrMapOvr>
-  <p:timing>
-    <p:tnLst>
-      <p:par>
-        <p:cTn id="1" dur="indefinite" restart="never" nodeType="tmRoot"/>
       </p:par>
     </p:tnLst>
   </p:timing>

--- a/presentation/presentation.pptx
+++ b/presentation/presentation.pptx
@@ -241,7 +241,7 @@
             <a:fld id="{35A36A6E-E9C2-465F-AFBE-66735C017D69}" type="datetimeFigureOut">
               <a:rPr lang="en-US" smtClean="0"/>
               <a:pPr/>
-              <a:t>10/13/2015</a:t>
+              <a:t>10/14/2015</a:t>
             </a:fld>
             <a:endParaRPr lang="en-GB"/>
           </a:p>
@@ -1904,7 +1904,7 @@
         <p:spPr/>
         <p:txBody>
           <a:bodyPr>
-            <a:normAutofit fontScale="55000" lnSpcReduction="20000"/>
+            <a:normAutofit fontScale="70000" lnSpcReduction="20000"/>
           </a:bodyPr>
           <a:lstStyle/>
           <a:p>
@@ -2120,11 +2120,7 @@
             </a:r>
             <a:r>
               <a:rPr lang="el-GR" baseline="0" dirty="0" smtClean="0"/>
-              <a:t>ρα από την παρουσίαση του δικού μας ΚΔ, οι χρήστες βρήκαν αρκετά χρήσιμές αυτές τις δυνατότητες</a:t>
-            </a:r>
-            <a:r>
-              <a:rPr lang="el-GR" baseline="0" dirty="0" smtClean="0"/>
-              <a:t>.</a:t>
+              <a:t>ρα από την παρουσίαση του δικού μας ΚΔ, οι χρήστες βρήκαν αρκετά χρήσιμές αυτές τις δυνατότητες.</a:t>
             </a:r>
           </a:p>
           <a:p>
@@ -2133,15 +2129,7 @@
           <a:p>
             <a:r>
               <a:rPr lang="el-GR" baseline="0" dirty="0" smtClean="0"/>
-              <a:t>Αυτό λοιπόν δείχνει ότι οι χρήστες εκτίμησαν </a:t>
-            </a:r>
-            <a:r>
-              <a:rPr lang="el-GR" baseline="0" dirty="0" err="1" smtClean="0"/>
-              <a:t>πόλλα</a:t>
-            </a:r>
-            <a:r>
-              <a:rPr lang="el-GR" baseline="0" dirty="0" smtClean="0"/>
-              <a:t> σημαντικά κομμάτια της σχεδίασης του ΚΔ, και αυτό μας έδωσε μια βεβαιότητα ότι σχεδιάσαμε σωστά το ΚΔ.</a:t>
+              <a:t>Αυτό λοιπόν δείχνει ότι οι χρήστες εκτίμησαν πολλά σημαντικά κομμάτια της σχεδίασης του ΚΔ, και αυτό μας έδωσε μια βεβαιότητα ότι σχεδιάσαμε σωστά το ΚΔ.</a:t>
             </a:r>
             <a:endParaRPr lang="el-GR" dirty="0"/>
           </a:p>
@@ -4928,7 +4916,7 @@
         </p:spPr>
         <p:txBody>
           <a:bodyPr>
-            <a:normAutofit lnSpcReduction="10000"/>
+            <a:normAutofit/>
           </a:bodyPr>
           <a:lstStyle/>
           <a:p>
@@ -4970,11 +4958,7 @@
             </a:r>
             <a:r>
               <a:rPr lang="el-GR" sz="600" b="1" baseline="0" dirty="0" smtClean="0"/>
-              <a:t>είναι υπεύθυνοι </a:t>
-            </a:r>
-            <a:r>
-              <a:rPr lang="el-GR" sz="600" b="1" baseline="0" dirty="0" smtClean="0"/>
-              <a:t>…</a:t>
+              <a:t>είναι υπεύθυνοι …</a:t>
             </a:r>
             <a:endParaRPr lang="en-US" sz="600" b="1" baseline="0" dirty="0" smtClean="0"/>
           </a:p>
@@ -4990,11 +4974,7 @@
           <a:p>
             <a:r>
               <a:rPr lang="el-GR" sz="600" b="1" baseline="0" dirty="0" smtClean="0"/>
-              <a:t>Αυτά τα εργαλεία τους </a:t>
-            </a:r>
-            <a:r>
-              <a:rPr lang="el-GR" sz="600" b="1" baseline="0" dirty="0" smtClean="0"/>
-              <a:t>βοηθούν</a:t>
+              <a:t>Αυτά τα εργαλεία τους βοηθούν</a:t>
             </a:r>
             <a:r>
               <a:rPr lang="en-US" sz="600" b="1" baseline="0" dirty="0" smtClean="0"/>
@@ -5010,11 +4990,7 @@
             </a:r>
             <a:r>
               <a:rPr lang="el-GR" sz="600" b="1" baseline="0" dirty="0" smtClean="0"/>
-              <a:t>της εφαρμογής </a:t>
-            </a:r>
-            <a:r>
-              <a:rPr lang="el-GR" sz="600" b="1" baseline="0" dirty="0" smtClean="0"/>
-              <a:t>… Η περιγραφή και το </a:t>
+              <a:t>της εφαρμογής … Η περιγραφή και το </a:t>
             </a:r>
             <a:r>
               <a:rPr lang="en-US" sz="600" b="1" baseline="0" dirty="0" smtClean="0"/>
@@ -5033,19 +5009,11 @@
             </a:r>
             <a:r>
               <a:rPr lang="el-GR" sz="600" b="1" baseline="0" dirty="0" smtClean="0"/>
-              <a:t>ποσό </a:t>
-            </a:r>
-            <a:r>
-              <a:rPr lang="el-GR" sz="600" b="1" baseline="0" dirty="0" smtClean="0"/>
-              <a:t>καλό είναι ένα </a:t>
+              <a:t>ποσό καλό είναι ένα </a:t>
             </a:r>
             <a:r>
               <a:rPr lang="en-US" sz="600" b="1" baseline="0" dirty="0" smtClean="0"/>
-              <a:t>deployment </a:t>
-            </a:r>
-            <a:r>
-              <a:rPr lang="en-US" sz="600" b="1" baseline="0" dirty="0" smtClean="0"/>
-              <a:t>… </a:t>
+              <a:t>deployment … </a:t>
             </a:r>
             <a:r>
               <a:rPr lang="el-GR" sz="600" b="1" baseline="0" dirty="0" smtClean="0"/>
@@ -5096,11 +5064,7 @@
             </a:r>
             <a:r>
               <a:rPr lang="el-GR" sz="600" b="1" baseline="0" dirty="0" smtClean="0"/>
-              <a:t> </a:t>
-            </a:r>
-            <a:r>
-              <a:rPr lang="el-GR" sz="600" b="1" baseline="0" dirty="0" smtClean="0"/>
-              <a:t>λοιπόν ένα ΚΔ … </a:t>
+              <a:t> λοιπόν ένα ΚΔ … </a:t>
             </a:r>
             <a:r>
               <a:rPr lang="el-GR" sz="600" b="0" baseline="0" dirty="0" smtClean="0"/>
@@ -5150,11 +5114,7 @@
             </a:r>
             <a:r>
               <a:rPr lang="en-US" sz="600" b="1" baseline="0" dirty="0" smtClean="0"/>
-              <a:t> </a:t>
-            </a:r>
-            <a:r>
-              <a:rPr lang="en-US" sz="600" b="1" baseline="0" dirty="0" smtClean="0"/>
-              <a:t>data</a:t>
+              <a:t> data</a:t>
             </a:r>
           </a:p>
           <a:p>
@@ -5394,11 +5354,7 @@
             </a:pPr>
             <a:r>
               <a:rPr lang="el-GR" sz="600" b="1" dirty="0" smtClean="0"/>
-              <a:t>Από την πλευρά της κοινωνικής δικτύωσης, παρέχονται όλες οι δυνατότητες </a:t>
-            </a:r>
-            <a:r>
-              <a:rPr lang="el-GR" sz="600" b="1" dirty="0" smtClean="0"/>
-              <a:t>που χρειάζεται ένα</a:t>
+              <a:t>Από την πλευρά της κοινωνικής δικτύωσης, παρέχονται όλες οι δυνατότητες που χρειάζεται ένα</a:t>
             </a:r>
             <a:r>
               <a:rPr lang="el-GR" sz="600" b="1" baseline="0" dirty="0" smtClean="0"/>
@@ -5926,11 +5882,7 @@
             </a:r>
             <a:r>
               <a:rPr lang="en-US" b="0" dirty="0" smtClean="0"/>
-              <a:t> Cloud </a:t>
-            </a:r>
-            <a:r>
-              <a:rPr lang="en-US" b="0" dirty="0" smtClean="0"/>
-              <a:t>Modeling Language (</a:t>
+              <a:t> Cloud Modeling Language (</a:t>
             </a:r>
             <a:r>
               <a:rPr lang="en-US" b="1" dirty="0" err="1" smtClean="0"/>
@@ -6053,11 +6005,7 @@
           <a:p>
             <a:r>
               <a:rPr lang="el-GR" b="0" dirty="0" smtClean="0"/>
-              <a:t>Και </a:t>
-            </a:r>
-            <a:r>
-              <a:rPr lang="el-GR" b="0" dirty="0" smtClean="0"/>
-              <a:t>τέλος τα</a:t>
+              <a:t>Και τέλος τα</a:t>
             </a:r>
             <a:r>
               <a:rPr lang="el-GR" b="0" baseline="0" dirty="0" smtClean="0"/>
@@ -6095,11 +6043,7 @@
             </a:r>
             <a:r>
               <a:rPr lang="en-US" b="0" baseline="0" dirty="0" smtClean="0"/>
-              <a:t>tree </a:t>
-            </a:r>
-            <a:r>
-              <a:rPr lang="en-US" b="0" baseline="0" dirty="0" smtClean="0"/>
-              <a:t>editor </a:t>
+              <a:t>tree editor </a:t>
             </a:r>
             <a:r>
               <a:rPr lang="el-GR" b="0" baseline="0" dirty="0" smtClean="0"/>
@@ -6260,11 +6204,7 @@
             </a:r>
             <a:r>
               <a:rPr lang="el-GR" b="0" baseline="0" dirty="0" smtClean="0"/>
-              <a:t>της εργασίας μου, </a:t>
-            </a:r>
-            <a:r>
-              <a:rPr lang="el-GR" b="0" baseline="0" dirty="0" smtClean="0"/>
-              <a:t>όπως είπα,</a:t>
+              <a:t>της εργασίας μου, όπως είπα,</a:t>
             </a:r>
             <a:r>
               <a:rPr lang="en-US" b="0" baseline="0" dirty="0" smtClean="0"/>
@@ -6296,19 +6236,11 @@
             </a:r>
             <a:r>
               <a:rPr lang="el-GR" baseline="0" dirty="0" smtClean="0"/>
-              <a:t>Για να υποστηριχθεί η λειτουργικότητα του ΚΔ  </a:t>
-            </a:r>
-            <a:r>
-              <a:rPr lang="el-GR" baseline="0" dirty="0" smtClean="0"/>
-              <a:t>έκανα </a:t>
+              <a:t>Για να υποστηριχθεί η λειτουργικότητα του ΚΔ  έκανα </a:t>
             </a:r>
             <a:r>
               <a:rPr lang="en-US" baseline="0" dirty="0" smtClean="0"/>
-              <a:t>extend </a:t>
-            </a:r>
-            <a:r>
-              <a:rPr lang="en-US" baseline="0" dirty="0" smtClean="0"/>
-              <a:t>&amp; customize</a:t>
+              <a:t>extend &amp; customize</a:t>
             </a:r>
             <a:r>
               <a:rPr lang="el-GR" baseline="0" dirty="0" smtClean="0"/>
@@ -6636,7 +6568,7 @@
             <a:fld id="{28F388FD-1349-4B74-B173-DEE231C45C9C}" type="datetime1">
               <a:rPr lang="en-US" smtClean="0"/>
               <a:pPr/>
-              <a:t>10/13/2015</a:t>
+              <a:t>10/14/2015</a:t>
             </a:fld>
             <a:endParaRPr lang="en-GB"/>
           </a:p>
@@ -7001,7 +6933,7 @@
             <a:fld id="{3C3A84A0-F2B7-46E0-9A1A-F54034D8EDBD}" type="datetime1">
               <a:rPr lang="en-US" smtClean="0"/>
               <a:pPr/>
-              <a:t>10/13/2015</a:t>
+              <a:t>10/14/2015</a:t>
             </a:fld>
             <a:endParaRPr lang="en-GB"/>
           </a:p>
@@ -7182,7 +7114,7 @@
             <a:fld id="{3E229035-3E06-4894-B0D5-FF6762DFC127}" type="datetime1">
               <a:rPr lang="en-US" smtClean="0"/>
               <a:pPr/>
-              <a:t>10/13/2015</a:t>
+              <a:t>10/14/2015</a:t>
             </a:fld>
             <a:endParaRPr lang="en-GB"/>
           </a:p>
@@ -7423,7 +7355,7 @@
             <a:fld id="{939D8CAB-AFAD-44F9-99B3-90A20D6DB4EE}" type="datetime1">
               <a:rPr lang="en-US" smtClean="0"/>
               <a:pPr/>
-              <a:t>10/13/2015</a:t>
+              <a:t>10/14/2015</a:t>
             </a:fld>
             <a:endParaRPr lang="en-GB"/>
           </a:p>
@@ -7698,7 +7630,7 @@
             <a:fld id="{D09FA660-D8B8-480E-80AE-E310B47D050A}" type="datetime1">
               <a:rPr lang="en-US" smtClean="0"/>
               <a:pPr/>
-              <a:t>10/13/2015</a:t>
+              <a:t>10/14/2015</a:t>
             </a:fld>
             <a:endParaRPr lang="en-GB"/>
           </a:p>
@@ -7924,7 +7856,7 @@
             <a:fld id="{428B1FCA-1F40-4707-9D4A-FC8C39D751AE}" type="datetime1">
               <a:rPr lang="en-US" smtClean="0"/>
               <a:pPr/>
-              <a:t>10/13/2015</a:t>
+              <a:t>10/14/2015</a:t>
             </a:fld>
             <a:endParaRPr lang="en-GB"/>
           </a:p>
@@ -8282,7 +8214,7 @@
             <a:fld id="{E29A0755-12E0-421D-A13C-381344A3C6C0}" type="datetime1">
               <a:rPr lang="en-US" smtClean="0"/>
               <a:pPr/>
-              <a:t>10/13/2015</a:t>
+              <a:t>10/14/2015</a:t>
             </a:fld>
             <a:endParaRPr lang="en-GB"/>
           </a:p>
@@ -8520,7 +8452,7 @@
             <a:fld id="{744C634E-EE12-4137-B0D4-C332E4335954}" type="datetime1">
               <a:rPr lang="en-US" smtClean="0"/>
               <a:pPr/>
-              <a:t>10/13/2015</a:t>
+              <a:t>10/14/2015</a:t>
             </a:fld>
             <a:endParaRPr lang="en-GB"/>
           </a:p>
@@ -8666,7 +8598,7 @@
             <a:fld id="{AD93D238-AA6B-4D3E-814E-9A3817EBE5A1}" type="datetime1">
               <a:rPr lang="en-US" smtClean="0"/>
               <a:pPr/>
-              <a:t>10/13/2015</a:t>
+              <a:t>10/14/2015</a:t>
             </a:fld>
             <a:endParaRPr lang="en-GB"/>
           </a:p>
@@ -8949,7 +8881,7 @@
             <a:fld id="{D6E12A9E-544D-4743-9F0B-884E2BF7D0B0}" type="datetime1">
               <a:rPr lang="en-US" smtClean="0"/>
               <a:pPr/>
-              <a:t>10/13/2015</a:t>
+              <a:t>10/14/2015</a:t>
             </a:fld>
             <a:endParaRPr lang="en-GB"/>
           </a:p>
@@ -9362,7 +9294,7 @@
             <a:fld id="{0EAE2EAB-07B8-4942-9591-287BBAF1E385}" type="datetime1">
               <a:rPr lang="en-US" smtClean="0"/>
               <a:pPr/>
-              <a:t>10/13/2015</a:t>
+              <a:t>10/14/2015</a:t>
             </a:fld>
             <a:endParaRPr lang="en-GB"/>
           </a:p>
@@ -9706,7 +9638,7 @@
             <a:fld id="{BABEAD1A-BFE9-4884-9063-04C5BBC12657}" type="datetime1">
               <a:rPr lang="en-US" smtClean="0"/>
               <a:pPr/>
-              <a:t>10/13/2015</a:t>
+              <a:t>10/14/2015</a:t>
             </a:fld>
             <a:endParaRPr lang="en-GB"/>
           </a:p>
@@ -13849,159 +13781,6 @@
           </a:p>
         </p:txBody>
       </p:sp>
-      <p:pic>
-        <p:nvPicPr>
-          <p:cNvPr id="19" name="Picture 18"/>
-          <p:cNvPicPr>
-            <a:picLocks noChangeAspect="1"/>
-          </p:cNvPicPr>
-          <p:nvPr/>
-        </p:nvPicPr>
-        <p:blipFill>
-          <a:blip r:embed="rId4">
-            <a:extLst>
-              <a:ext uri="{28A0092B-C50C-407E-A947-70E740481C1C}">
-                <a14:useLocalDpi xmlns:a14="http://schemas.microsoft.com/office/drawing/2010/main" val="0"/>
-              </a:ext>
-            </a:extLst>
-          </a:blip>
-          <a:stretch>
-            <a:fillRect/>
-          </a:stretch>
-        </p:blipFill>
-        <p:spPr>
-          <a:xfrm>
-            <a:off x="457200" y="1628800"/>
-            <a:ext cx="8229600" cy="3039248"/>
-          </a:xfrm>
-          <a:prstGeom prst="rect">
-            <a:avLst/>
-          </a:prstGeom>
-        </p:spPr>
-      </p:pic>
-      <p:sp>
-        <p:nvSpPr>
-          <p:cNvPr id="20" name="Rectangle 19"/>
-          <p:cNvSpPr/>
-          <p:nvPr/>
-        </p:nvSpPr>
-        <p:spPr>
-          <a:xfrm>
-            <a:off x="2965496" y="2420888"/>
-            <a:ext cx="990152" cy="144016"/>
-          </a:xfrm>
-          <a:prstGeom prst="rect">
-            <a:avLst/>
-          </a:prstGeom>
-          <a:noFill/>
-        </p:spPr>
-        <p:style>
-          <a:lnRef idx="2">
-            <a:schemeClr val="accent1">
-              <a:shade val="50000"/>
-            </a:schemeClr>
-          </a:lnRef>
-          <a:fillRef idx="1">
-            <a:schemeClr val="accent1"/>
-          </a:fillRef>
-          <a:effectRef idx="0">
-            <a:schemeClr val="accent1"/>
-          </a:effectRef>
-          <a:fontRef idx="minor">
-            <a:schemeClr val="lt1"/>
-          </a:fontRef>
-        </p:style>
-        <p:txBody>
-          <a:bodyPr rtlCol="0" anchor="ctr"/>
-          <a:lstStyle/>
-          <a:p>
-            <a:pPr algn="ctr"/>
-            <a:endParaRPr lang="el-GR"/>
-          </a:p>
-        </p:txBody>
-      </p:sp>
-      <p:sp>
-        <p:nvSpPr>
-          <p:cNvPr id="22" name="Rectangle 21"/>
-          <p:cNvSpPr/>
-          <p:nvPr/>
-        </p:nvSpPr>
-        <p:spPr>
-          <a:xfrm>
-            <a:off x="4341688" y="2420888"/>
-            <a:ext cx="612000" cy="144016"/>
-          </a:xfrm>
-          <a:prstGeom prst="rect">
-            <a:avLst/>
-          </a:prstGeom>
-          <a:noFill/>
-        </p:spPr>
-        <p:style>
-          <a:lnRef idx="2">
-            <a:schemeClr val="accent1">
-              <a:shade val="50000"/>
-            </a:schemeClr>
-          </a:lnRef>
-          <a:fillRef idx="1">
-            <a:schemeClr val="accent1"/>
-          </a:fillRef>
-          <a:effectRef idx="0">
-            <a:schemeClr val="accent1"/>
-          </a:effectRef>
-          <a:fontRef idx="minor">
-            <a:schemeClr val="lt1"/>
-          </a:fontRef>
-        </p:style>
-        <p:txBody>
-          <a:bodyPr rtlCol="0" anchor="ctr"/>
-          <a:lstStyle/>
-          <a:p>
-            <a:pPr algn="ctr"/>
-            <a:endParaRPr lang="el-GR"/>
-          </a:p>
-        </p:txBody>
-      </p:sp>
-      <p:sp>
-        <p:nvSpPr>
-          <p:cNvPr id="23" name="Rectangle 22"/>
-          <p:cNvSpPr/>
-          <p:nvPr/>
-        </p:nvSpPr>
-        <p:spPr>
-          <a:xfrm>
-            <a:off x="5193878" y="2425651"/>
-            <a:ext cx="612000" cy="144016"/>
-          </a:xfrm>
-          <a:prstGeom prst="rect">
-            <a:avLst/>
-          </a:prstGeom>
-          <a:noFill/>
-        </p:spPr>
-        <p:style>
-          <a:lnRef idx="2">
-            <a:schemeClr val="accent1">
-              <a:shade val="50000"/>
-            </a:schemeClr>
-          </a:lnRef>
-          <a:fillRef idx="1">
-            <a:schemeClr val="accent1"/>
-          </a:fillRef>
-          <a:effectRef idx="0">
-            <a:schemeClr val="accent1"/>
-          </a:effectRef>
-          <a:fontRef idx="minor">
-            <a:schemeClr val="lt1"/>
-          </a:fontRef>
-        </p:style>
-        <p:txBody>
-          <a:bodyPr rtlCol="0" anchor="ctr"/>
-          <a:lstStyle/>
-          <a:p>
-            <a:pPr algn="ctr"/>
-            <a:endParaRPr lang="el-GR"/>
-          </a:p>
-        </p:txBody>
-      </p:sp>
     </p:spTree>
     <p:extLst>
       <p:ext uri="{BB962C8B-B14F-4D97-AF65-F5344CB8AC3E}">
@@ -14119,296 +13898,6 @@
                       </p:childTnLst>
                     </p:cTn>
                   </p:par>
-                  <p:par>
-                    <p:cTn id="11" fill="hold">
-                      <p:stCondLst>
-                        <p:cond delay="indefinite"/>
-                      </p:stCondLst>
-                      <p:childTnLst>
-                        <p:par>
-                          <p:cTn id="12" fill="hold">
-                            <p:stCondLst>
-                              <p:cond delay="0"/>
-                            </p:stCondLst>
-                            <p:childTnLst>
-                              <p:par>
-                                <p:cTn id="13" presetID="10" presetClass="entr" presetSubtype="0" fill="hold" nodeType="clickEffect">
-                                  <p:stCondLst>
-                                    <p:cond delay="0"/>
-                                  </p:stCondLst>
-                                  <p:childTnLst>
-                                    <p:set>
-                                      <p:cBhvr>
-                                        <p:cTn id="14" dur="1" fill="hold">
-                                          <p:stCondLst>
-                                            <p:cond delay="0"/>
-                                          </p:stCondLst>
-                                        </p:cTn>
-                                        <p:tgtEl>
-                                          <p:spTgt spid="19"/>
-                                        </p:tgtEl>
-                                        <p:attrNameLst>
-                                          <p:attrName>style.visibility</p:attrName>
-                                        </p:attrNameLst>
-                                      </p:cBhvr>
-                                      <p:to>
-                                        <p:strVal val="visible"/>
-                                      </p:to>
-                                    </p:set>
-                                    <p:animEffect transition="in" filter="fade">
-                                      <p:cBhvr>
-                                        <p:cTn id="15" dur="500"/>
-                                        <p:tgtEl>
-                                          <p:spTgt spid="19"/>
-                                        </p:tgtEl>
-                                      </p:cBhvr>
-                                    </p:animEffect>
-                                  </p:childTnLst>
-                                </p:cTn>
-                              </p:par>
-                            </p:childTnLst>
-                          </p:cTn>
-                        </p:par>
-                      </p:childTnLst>
-                    </p:cTn>
-                  </p:par>
-                  <p:par>
-                    <p:cTn id="16" fill="hold">
-                      <p:stCondLst>
-                        <p:cond delay="indefinite"/>
-                      </p:stCondLst>
-                      <p:childTnLst>
-                        <p:par>
-                          <p:cTn id="17" fill="hold">
-                            <p:stCondLst>
-                              <p:cond delay="0"/>
-                            </p:stCondLst>
-                            <p:childTnLst>
-                              <p:par>
-                                <p:cTn id="18" presetID="2" presetClass="entr" presetSubtype="4" fill="hold" grpId="0" nodeType="clickEffect">
-                                  <p:stCondLst>
-                                    <p:cond delay="0"/>
-                                  </p:stCondLst>
-                                  <p:childTnLst>
-                                    <p:set>
-                                      <p:cBhvr>
-                                        <p:cTn id="19" dur="1" fill="hold">
-                                          <p:stCondLst>
-                                            <p:cond delay="0"/>
-                                          </p:stCondLst>
-                                        </p:cTn>
-                                        <p:tgtEl>
-                                          <p:spTgt spid="20"/>
-                                        </p:tgtEl>
-                                        <p:attrNameLst>
-                                          <p:attrName>style.visibility</p:attrName>
-                                        </p:attrNameLst>
-                                      </p:cBhvr>
-                                      <p:to>
-                                        <p:strVal val="visible"/>
-                                      </p:to>
-                                    </p:set>
-                                    <p:anim calcmode="lin" valueType="num">
-                                      <p:cBhvr additive="base">
-                                        <p:cTn id="20" dur="500" fill="hold"/>
-                                        <p:tgtEl>
-                                          <p:spTgt spid="20"/>
-                                        </p:tgtEl>
-                                        <p:attrNameLst>
-                                          <p:attrName>ppt_x</p:attrName>
-                                        </p:attrNameLst>
-                                      </p:cBhvr>
-                                      <p:tavLst>
-                                        <p:tav tm="0">
-                                          <p:val>
-                                            <p:strVal val="#ppt_x"/>
-                                          </p:val>
-                                        </p:tav>
-                                        <p:tav tm="100000">
-                                          <p:val>
-                                            <p:strVal val="#ppt_x"/>
-                                          </p:val>
-                                        </p:tav>
-                                      </p:tavLst>
-                                    </p:anim>
-                                    <p:anim calcmode="lin" valueType="num">
-                                      <p:cBhvr additive="base">
-                                        <p:cTn id="21" dur="500" fill="hold"/>
-                                        <p:tgtEl>
-                                          <p:spTgt spid="20"/>
-                                        </p:tgtEl>
-                                        <p:attrNameLst>
-                                          <p:attrName>ppt_y</p:attrName>
-                                        </p:attrNameLst>
-                                      </p:cBhvr>
-                                      <p:tavLst>
-                                        <p:tav tm="0">
-                                          <p:val>
-                                            <p:strVal val="1+#ppt_h/2"/>
-                                          </p:val>
-                                        </p:tav>
-                                        <p:tav tm="100000">
-                                          <p:val>
-                                            <p:strVal val="#ppt_y"/>
-                                          </p:val>
-                                        </p:tav>
-                                      </p:tavLst>
-                                    </p:anim>
-                                  </p:childTnLst>
-                                </p:cTn>
-                              </p:par>
-                              <p:par>
-                                <p:cTn id="22" presetID="2" presetClass="entr" presetSubtype="4" fill="hold" grpId="0" nodeType="withEffect">
-                                  <p:stCondLst>
-                                    <p:cond delay="0"/>
-                                  </p:stCondLst>
-                                  <p:childTnLst>
-                                    <p:set>
-                                      <p:cBhvr>
-                                        <p:cTn id="23" dur="1" fill="hold">
-                                          <p:stCondLst>
-                                            <p:cond delay="0"/>
-                                          </p:stCondLst>
-                                        </p:cTn>
-                                        <p:tgtEl>
-                                          <p:spTgt spid="22"/>
-                                        </p:tgtEl>
-                                        <p:attrNameLst>
-                                          <p:attrName>style.visibility</p:attrName>
-                                        </p:attrNameLst>
-                                      </p:cBhvr>
-                                      <p:to>
-                                        <p:strVal val="visible"/>
-                                      </p:to>
-                                    </p:set>
-                                    <p:anim calcmode="lin" valueType="num">
-                                      <p:cBhvr additive="base">
-                                        <p:cTn id="24" dur="500" fill="hold"/>
-                                        <p:tgtEl>
-                                          <p:spTgt spid="22"/>
-                                        </p:tgtEl>
-                                        <p:attrNameLst>
-                                          <p:attrName>ppt_x</p:attrName>
-                                        </p:attrNameLst>
-                                      </p:cBhvr>
-                                      <p:tavLst>
-                                        <p:tav tm="0">
-                                          <p:val>
-                                            <p:strVal val="#ppt_x"/>
-                                          </p:val>
-                                        </p:tav>
-                                        <p:tav tm="100000">
-                                          <p:val>
-                                            <p:strVal val="#ppt_x"/>
-                                          </p:val>
-                                        </p:tav>
-                                      </p:tavLst>
-                                    </p:anim>
-                                    <p:anim calcmode="lin" valueType="num">
-                                      <p:cBhvr additive="base">
-                                        <p:cTn id="25" dur="500" fill="hold"/>
-                                        <p:tgtEl>
-                                          <p:spTgt spid="22"/>
-                                        </p:tgtEl>
-                                        <p:attrNameLst>
-                                          <p:attrName>ppt_y</p:attrName>
-                                        </p:attrNameLst>
-                                      </p:cBhvr>
-                                      <p:tavLst>
-                                        <p:tav tm="0">
-                                          <p:val>
-                                            <p:strVal val="1+#ppt_h/2"/>
-                                          </p:val>
-                                        </p:tav>
-                                        <p:tav tm="100000">
-                                          <p:val>
-                                            <p:strVal val="#ppt_y"/>
-                                          </p:val>
-                                        </p:tav>
-                                      </p:tavLst>
-                                    </p:anim>
-                                  </p:childTnLst>
-                                </p:cTn>
-                              </p:par>
-                              <p:par>
-                                <p:cTn id="26" presetID="2" presetClass="entr" presetSubtype="4" fill="hold" grpId="0" nodeType="withEffect">
-                                  <p:stCondLst>
-                                    <p:cond delay="0"/>
-                                  </p:stCondLst>
-                                  <p:childTnLst>
-                                    <p:set>
-                                      <p:cBhvr>
-                                        <p:cTn id="27" dur="1" fill="hold">
-                                          <p:stCondLst>
-                                            <p:cond delay="0"/>
-                                          </p:stCondLst>
-                                        </p:cTn>
-                                        <p:tgtEl>
-                                          <p:spTgt spid="23"/>
-                                        </p:tgtEl>
-                                        <p:attrNameLst>
-                                          <p:attrName>style.visibility</p:attrName>
-                                        </p:attrNameLst>
-                                      </p:cBhvr>
-                                      <p:to>
-                                        <p:strVal val="visible"/>
-                                      </p:to>
-                                    </p:set>
-                                    <p:anim calcmode="lin" valueType="num">
-                                      <p:cBhvr additive="base">
-                                        <p:cTn id="28" dur="500" fill="hold"/>
-                                        <p:tgtEl>
-                                          <p:spTgt spid="23"/>
-                                        </p:tgtEl>
-                                        <p:attrNameLst>
-                                          <p:attrName>ppt_x</p:attrName>
-                                        </p:attrNameLst>
-                                      </p:cBhvr>
-                                      <p:tavLst>
-                                        <p:tav tm="0">
-                                          <p:val>
-                                            <p:strVal val="#ppt_x"/>
-                                          </p:val>
-                                        </p:tav>
-                                        <p:tav tm="100000">
-                                          <p:val>
-                                            <p:strVal val="#ppt_x"/>
-                                          </p:val>
-                                        </p:tav>
-                                      </p:tavLst>
-                                    </p:anim>
-                                    <p:anim calcmode="lin" valueType="num">
-                                      <p:cBhvr additive="base">
-                                        <p:cTn id="29" dur="500" fill="hold"/>
-                                        <p:tgtEl>
-                                          <p:spTgt spid="23"/>
-                                        </p:tgtEl>
-                                        <p:attrNameLst>
-                                          <p:attrName>ppt_y</p:attrName>
-                                        </p:attrNameLst>
-                                      </p:cBhvr>
-                                      <p:tavLst>
-                                        <p:tav tm="0">
-                                          <p:val>
-                                            <p:strVal val="1+#ppt_h/2"/>
-                                          </p:val>
-                                        </p:tav>
-                                        <p:tav tm="100000">
-                                          <p:val>
-                                            <p:strVal val="#ppt_y"/>
-                                          </p:val>
-                                        </p:tav>
-                                      </p:tavLst>
-                                    </p:anim>
-                                  </p:childTnLst>
-                                </p:cTn>
-                              </p:par>
-                            </p:childTnLst>
-                          </p:cTn>
-                        </p:par>
-                      </p:childTnLst>
-                    </p:cTn>
-                  </p:par>
                 </p:childTnLst>
               </p:cTn>
               <p:prevCondLst>
@@ -14434,9 +13923,6 @@
       <p:bldP spid="16" grpId="0" animBg="1"/>
       <p:bldP spid="17" grpId="0" animBg="1"/>
       <p:bldP spid="18" grpId="0" animBg="1"/>
-      <p:bldP spid="20" grpId="0" animBg="1"/>
-      <p:bldP spid="22" grpId="0" animBg="1"/>
-      <p:bldP spid="23" grpId="0" animBg="1"/>
     </p:bldLst>
   </p:timing>
 </p:sld>
@@ -14841,7 +14327,7 @@
                                     <p:cond delay="0"/>
                                   </p:stCondLst>
                                   <p:childTnLst>
-                                    <p:animMotion origin="layout" path="M -1.94444E-6 0.01042 L 0.29931 0.01042 " pathEditMode="relative" rAng="0" ptsTypes="AA">
+                                    <p:animMotion origin="layout" path="M -1.94444E-6 -4.07407E-6 L 0.29931 -4.07407E-6 " pathEditMode="relative" rAng="0" ptsTypes="AA">
                                       <p:cBhvr>
                                         <p:cTn id="10" dur="2000" fill="hold"/>
                                         <p:tgtEl>
@@ -14928,7 +14414,15 @@
           <a:p>
             <a:r>
               <a:rPr lang="en-US" dirty="0" smtClean="0"/>
-              <a:t>Users’ requirements</a:t>
+              <a:t>Rating </a:t>
+            </a:r>
+            <a:r>
+              <a:rPr lang="en-US" dirty="0"/>
+              <a:t>of model finding and </a:t>
+            </a:r>
+            <a:r>
+              <a:rPr lang="en-US" dirty="0" smtClean="0"/>
+              <a:t>information</a:t>
             </a:r>
             <a:endParaRPr lang="el-GR" dirty="0"/>
           </a:p>
@@ -14983,9 +14477,9 @@
       </p:sp>
       <p:pic>
         <p:nvPicPr>
-          <p:cNvPr id="6" name="Content Placeholder 5"/>
+          <p:cNvPr id="1026" name="Picture 2" descr="http://www.jisajournal.com/content/figures/s13174-015-0033-5-21.jpg"/>
           <p:cNvPicPr>
-            <a:picLocks noGrp="1" noChangeAspect="1"/>
+            <a:picLocks noGrp="1" noChangeAspect="1" noChangeArrowheads="1"/>
           </p:cNvPicPr>
           <p:nvPr>
             <p:ph sz="quarter" idx="1"/>
@@ -14999,15 +14493,29 @@
               </a:ext>
             </a:extLst>
           </a:blip>
+          <a:srcRect/>
           <a:stretch>
             <a:fillRect/>
           </a:stretch>
         </p:blipFill>
-        <p:spPr>
+        <p:spPr bwMode="auto">
           <a:xfrm>
-            <a:off x="827584" y="2132856"/>
-            <a:ext cx="7579578" cy="2138858"/>
+            <a:off x="1574800" y="1979612"/>
+            <a:ext cx="5994400" cy="3416300"/>
           </a:xfrm>
+          <a:prstGeom prst="rect">
+            <a:avLst/>
+          </a:prstGeom>
+          <a:noFill/>
+          <a:extLst>
+            <a:ext uri="{909E8E84-426E-40DD-AFC4-6F175D3DCCD1}">
+              <a14:hiddenFill xmlns:a14="http://schemas.microsoft.com/office/drawing/2010/main">
+                <a:solidFill>
+                  <a:srgbClr val="FFFFFF"/>
+                </a:solidFill>
+              </a14:hiddenFill>
+            </a:ext>
+          </a:extLst>
         </p:spPr>
       </p:pic>
     </p:spTree>
@@ -17014,7 +16522,7 @@
 </file>
 
 <file path=ppt/slides/slide21.xml><?xml version="1.0" encoding="utf-8"?>
-<p:sld xmlns:a="http://schemas.openxmlformats.org/drawingml/2006/main" xmlns:r="http://schemas.openxmlformats.org/officeDocument/2006/relationships" xmlns:p="http://schemas.openxmlformats.org/presentationml/2006/main">
+<p:sld xmlns:a="http://schemas.openxmlformats.org/drawingml/2006/main" xmlns:r="http://schemas.openxmlformats.org/officeDocument/2006/relationships" xmlns:p="http://schemas.openxmlformats.org/presentationml/2006/main" show="0">
   <p:cSld>
     <p:spTree>
       <p:nvGrpSpPr>
@@ -17683,6 +17191,14 @@
   <p:clrMapOvr>
     <a:masterClrMapping/>
   </p:clrMapOvr>
+  <mc:AlternateContent xmlns:mc="http://schemas.openxmlformats.org/markup-compatibility/2006" xmlns:p14="http://schemas.microsoft.com/office/powerpoint/2010/main">
+    <mc:Choice Requires="p14">
+      <p:transition spd="slow" p14:dur="2000"/>
+    </mc:Choice>
+    <mc:Fallback xmlns="">
+      <p:transition spd="slow"/>
+    </mc:Fallback>
+  </mc:AlternateContent>
   <p:timing>
     <p:tnLst>
       <p:par>
@@ -19165,32 +18681,52 @@
             <a:pPr lvl="1"/>
             <a:r>
               <a:rPr lang="en-US" dirty="0" smtClean="0"/>
-              <a:t>Extensive user evaluation</a:t>
+              <a:t>Implementation of a social networking platform for cloud </a:t>
+            </a:r>
+            <a:r>
+              <a:rPr lang="en-US" dirty="0"/>
+              <a:t>deployment </a:t>
+            </a:r>
+            <a:r>
+              <a:rPr lang="en-US" dirty="0" smtClean="0"/>
+              <a:t>specialists</a:t>
             </a:r>
           </a:p>
           <a:p>
             <a:pPr lvl="1"/>
             <a:r>
               <a:rPr lang="en-US" dirty="0" smtClean="0"/>
-              <a:t>A social network User Interface is implemented for DevOps cloud deployment specialists</a:t>
-            </a:r>
+              <a:t>Extensive user </a:t>
+            </a:r>
+            <a:r>
+              <a:rPr lang="en-US" dirty="0" smtClean="0"/>
+              <a:t>evaluation (</a:t>
+            </a:r>
+            <a:r>
+              <a:rPr lang="en-US" sz="2200" dirty="0" smtClean="0">
+                <a:latin typeface="Arial" panose="020B0604020202020204" pitchFamily="34" charset="0"/>
+                <a:cs typeface="Arial" panose="020B0604020202020204" pitchFamily="34" charset="0"/>
+              </a:rPr>
+              <a:t>Springer JISA</a:t>
+            </a:r>
+            <a:r>
+              <a:rPr lang="en-US" dirty="0" smtClean="0"/>
+              <a:t>)</a:t>
+            </a:r>
+            <a:endParaRPr lang="en-US" dirty="0" smtClean="0"/>
           </a:p>
           <a:p>
             <a:pPr lvl="1"/>
             <a:r>
               <a:rPr lang="en-US" dirty="0" smtClean="0"/>
-              <a:t>A scalable system architecture of our SNP is presented</a:t>
+              <a:t>Implemented and evaluated scalability design </a:t>
             </a:r>
           </a:p>
           <a:p>
             <a:pPr lvl="1"/>
             <a:r>
-              <a:rPr lang="en-US" dirty="0"/>
-              <a:t>The SN Platform can perform </a:t>
-            </a:r>
-            <a:r>
               <a:rPr lang="en-US" dirty="0" smtClean="0"/>
-              <a:t>topic classification </a:t>
+              <a:t>Explored topic classification </a:t>
             </a:r>
             <a:r>
               <a:rPr lang="en-US" dirty="0"/>
@@ -19211,19 +18747,14 @@
             <a:pPr lvl="1"/>
             <a:r>
               <a:rPr lang="en-US" dirty="0" smtClean="0"/>
-              <a:t>Further </a:t>
-            </a:r>
-            <a:r>
-              <a:rPr lang="en-US" smtClean="0"/>
-              <a:t>explore classification</a:t>
-            </a:r>
-            <a:endParaRPr lang="en-US" dirty="0" smtClean="0"/>
+              <a:t>Further explore classification</a:t>
+            </a:r>
           </a:p>
           <a:p>
             <a:pPr lvl="1"/>
             <a:r>
               <a:rPr lang="en-US" dirty="0" smtClean="0"/>
-              <a:t>Extending he integration of our social networking platform with more information repositories</a:t>
+              <a:t>Extending the integration of our social networking platform with more information repositories</a:t>
             </a:r>
             <a:endParaRPr lang="en-US" dirty="0"/>
           </a:p>
@@ -19386,15 +18917,7 @@
           <a:p>
             <a:r>
               <a:rPr lang="en-US" dirty="0" smtClean="0"/>
-              <a:t>Backup: </a:t>
-            </a:r>
-            <a:r>
-              <a:rPr lang="en-US" dirty="0" smtClean="0"/>
-              <a:t>StackOverflow </a:t>
-            </a:r>
-            <a:r>
-              <a:rPr lang="en-US" dirty="0" smtClean="0"/>
-              <a:t>Community</a:t>
+              <a:t>Backup: StackOverflow Community</a:t>
             </a:r>
             <a:endParaRPr lang="el-GR" dirty="0"/>
           </a:p>
@@ -19574,11 +19097,7 @@
           <a:p>
             <a:r>
               <a:rPr lang="en-US" dirty="0" smtClean="0"/>
-              <a:t>Backup: Topic </a:t>
-            </a:r>
-            <a:r>
-              <a:rPr lang="en-US" dirty="0" smtClean="0"/>
-              <a:t>Classification </a:t>
+              <a:t>Backup: Topic Classification </a:t>
             </a:r>
             <a:endParaRPr lang="el-GR" dirty="0"/>
           </a:p>
@@ -19922,11 +19441,11 @@
   <p:clrMapOvr>
     <a:masterClrMapping/>
   </p:clrMapOvr>
-  <mc:AlternateContent xmlns:mc="http://schemas.openxmlformats.org/markup-compatibility/2006">
-    <mc:Choice xmlns:p14="http://schemas.microsoft.com/office/powerpoint/2010/main" Requires="p14">
+  <mc:AlternateContent xmlns:mc="http://schemas.openxmlformats.org/markup-compatibility/2006" xmlns:p14="http://schemas.microsoft.com/office/powerpoint/2010/main">
+    <mc:Choice Requires="p14">
       <p:transition spd="slow" p14:dur="2000"/>
     </mc:Choice>
-    <mc:Fallback>
+    <mc:Fallback xmlns="">
       <p:transition spd="slow"/>
     </mc:Fallback>
   </mc:AlternateContent>
@@ -20381,11 +19900,11 @@
   <p:clrMapOvr>
     <a:masterClrMapping/>
   </p:clrMapOvr>
-  <mc:AlternateContent xmlns:mc="http://schemas.openxmlformats.org/markup-compatibility/2006">
-    <mc:Choice xmlns:p14="http://schemas.microsoft.com/office/powerpoint/2010/main" Requires="p14">
+  <mc:AlternateContent xmlns:mc="http://schemas.openxmlformats.org/markup-compatibility/2006" xmlns:p14="http://schemas.microsoft.com/office/powerpoint/2010/main">
+    <mc:Choice Requires="p14">
       <p:transition spd="slow" p14:dur="2000"/>
     </mc:Choice>
-    <mc:Fallback>
+    <mc:Fallback xmlns="">
       <p:transition spd="slow"/>
     </mc:Fallback>
   </mc:AlternateContent>
